--- a/slides.pptx
+++ b/slides.pptx
@@ -5,13 +5,15 @@
     <p:sldMasterId id="2147483684" r:id="rId1"/>
   </p:sldMasterIdLst>
   <p:notesMasterIdLst>
-    <p:notesMasterId r:id="rId6"/>
+    <p:notesMasterId r:id="rId8"/>
   </p:notesMasterIdLst>
   <p:sldIdLst>
     <p:sldId id="303" r:id="rId2"/>
     <p:sldId id="301" r:id="rId3"/>
     <p:sldId id="302" r:id="rId4"/>
-    <p:sldId id="300" r:id="rId5"/>
+    <p:sldId id="304" r:id="rId5"/>
+    <p:sldId id="305" r:id="rId6"/>
+    <p:sldId id="300" r:id="rId7"/>
   </p:sldIdLst>
   <p:sldSz cx="24382413" cy="13716000"/>
   <p:notesSz cx="6858000" cy="9144000"/>
@@ -118,6 +120,8 @@
             <p14:sldId id="303"/>
             <p14:sldId id="301"/>
             <p14:sldId id="302"/>
+            <p14:sldId id="304"/>
+            <p14:sldId id="305"/>
             <p14:sldId id="300"/>
           </p14:sldIdLst>
         </p14:section>
@@ -10062,6 +10066,482 @@
       </p:grpSpPr>
       <p:sp>
         <p:nvSpPr>
+          <p:cNvPr id="2" name="Заголовок 1"/>
+          <p:cNvSpPr>
+            <a:spLocks noGrp="1"/>
+          </p:cNvSpPr>
+          <p:nvPr>
+            <p:ph type="title"/>
+          </p:nvPr>
+        </p:nvSpPr>
+        <p:spPr/>
+        <p:txBody>
+          <a:bodyPr/>
+          <a:lstStyle/>
+          <a:p>
+            <a:r>
+              <a:rPr lang="ru-RU" dirty="0" smtClean="0"/>
+              <a:t>Вместо введения</a:t>
+            </a:r>
+            <a:endParaRPr lang="ru-RU" dirty="0"/>
+          </a:p>
+        </p:txBody>
+      </p:sp>
+      <p:sp>
+        <p:nvSpPr>
+          <p:cNvPr id="3" name="Объект 2"/>
+          <p:cNvSpPr>
+            <a:spLocks noGrp="1"/>
+          </p:cNvSpPr>
+          <p:nvPr>
+            <p:ph idx="1"/>
+          </p:nvPr>
+        </p:nvSpPr>
+        <p:spPr/>
+        <p:txBody>
+          <a:bodyPr/>
+          <a:lstStyle/>
+          <a:p>
+            <a:r>
+              <a:rPr lang="ru-RU" dirty="0" smtClean="0"/>
+              <a:t>Мои советы – это:</a:t>
+            </a:r>
+          </a:p>
+          <a:p>
+            <a:pPr lvl="1"/>
+            <a:r>
+              <a:rPr lang="ru-RU" dirty="0" smtClean="0"/>
+              <a:t>пятилетний опыт работы над различными проектами Яндекса</a:t>
+            </a:r>
+          </a:p>
+          <a:p>
+            <a:pPr lvl="1"/>
+            <a:endParaRPr lang="ru-RU" dirty="0"/>
+          </a:p>
+          <a:p>
+            <a:pPr lvl="1"/>
+            <a:r>
+              <a:rPr lang="ru-RU" dirty="0" smtClean="0"/>
+              <a:t>не серебряная пуля</a:t>
+            </a:r>
+          </a:p>
+          <a:p>
+            <a:pPr lvl="2"/>
+            <a:endParaRPr lang="ru-RU" dirty="0" smtClean="0"/>
+          </a:p>
+          <a:p>
+            <a:pPr lvl="2"/>
+            <a:endParaRPr lang="ru-RU" dirty="0" smtClean="0"/>
+          </a:p>
+        </p:txBody>
+      </p:sp>
+      <p:sp>
+        <p:nvSpPr>
+          <p:cNvPr id="4" name="Нижний колонтитул 3"/>
+          <p:cNvSpPr>
+            <a:spLocks noGrp="1"/>
+          </p:cNvSpPr>
+          <p:nvPr>
+            <p:ph type="ftr" sz="quarter" idx="11"/>
+          </p:nvPr>
+        </p:nvSpPr>
+        <p:spPr/>
+        <p:txBody>
+          <a:bodyPr/>
+          <a:lstStyle/>
+          <a:p>
+            <a:endParaRPr lang="ru-RU"/>
+          </a:p>
+        </p:txBody>
+      </p:sp>
+      <p:sp>
+        <p:nvSpPr>
+          <p:cNvPr id="5" name="Номер слайда 4"/>
+          <p:cNvSpPr>
+            <a:spLocks noGrp="1"/>
+          </p:cNvSpPr>
+          <p:nvPr>
+            <p:ph type="sldNum" sz="quarter" idx="12"/>
+          </p:nvPr>
+        </p:nvSpPr>
+        <p:spPr/>
+        <p:txBody>
+          <a:bodyPr/>
+          <a:lstStyle/>
+          <a:p>
+            <a:fld id="{741C03D3-FA44-40EC-9A21-1FC4FEA3E22E}" type="slidenum">
+              <a:rPr lang="ru-RU" smtClean="0"/>
+              <a:t>4</a:t>
+            </a:fld>
+            <a:endParaRPr lang="ru-RU"/>
+          </a:p>
+        </p:txBody>
+      </p:sp>
+    </p:spTree>
+    <p:extLst>
+      <p:ext uri="{BB962C8B-B14F-4D97-AF65-F5344CB8AC3E}">
+        <p14:creationId xmlns:p14="http://schemas.microsoft.com/office/powerpoint/2010/main" val="1216043402"/>
+      </p:ext>
+    </p:extLst>
+  </p:cSld>
+  <p:clrMapOvr>
+    <a:masterClrMapping/>
+  </p:clrMapOvr>
+  <p:timing>
+    <p:tnLst>
+      <p:par>
+        <p:cTn id="1" dur="indefinite" restart="never" nodeType="tmRoot"/>
+      </p:par>
+    </p:tnLst>
+  </p:timing>
+</p:sld>
+</file>
+
+<file path=ppt/slides/slide5.xml><?xml version="1.0" encoding="utf-8"?>
+<p:sld xmlns:a="http://schemas.openxmlformats.org/drawingml/2006/main" xmlns:r="http://schemas.openxmlformats.org/officeDocument/2006/relationships" xmlns:p="http://schemas.openxmlformats.org/presentationml/2006/main">
+  <p:cSld>
+    <p:spTree>
+      <p:nvGrpSpPr>
+        <p:cNvPr id="1" name=""/>
+        <p:cNvGrpSpPr/>
+        <p:nvPr/>
+      </p:nvGrpSpPr>
+      <p:grpSpPr>
+        <a:xfrm>
+          <a:off x="0" y="0"/>
+          <a:ext cx="0" cy="0"/>
+          <a:chOff x="0" y="0"/>
+          <a:chExt cx="0" cy="0"/>
+        </a:xfrm>
+      </p:grpSpPr>
+      <p:sp>
+        <p:nvSpPr>
+          <p:cNvPr id="2" name="Заголовок 1"/>
+          <p:cNvSpPr>
+            <a:spLocks noGrp="1"/>
+          </p:cNvSpPr>
+          <p:nvPr>
+            <p:ph type="title"/>
+          </p:nvPr>
+        </p:nvSpPr>
+        <p:spPr/>
+        <p:txBody>
+          <a:bodyPr/>
+          <a:lstStyle/>
+          <a:p>
+            <a:r>
+              <a:rPr lang="ru-RU" dirty="0" smtClean="0"/>
+              <a:t>Причины изменения кода</a:t>
+            </a:r>
+            <a:endParaRPr lang="ru-RU" dirty="0"/>
+          </a:p>
+        </p:txBody>
+      </p:sp>
+      <p:sp>
+        <p:nvSpPr>
+          <p:cNvPr id="3" name="Объект 2"/>
+          <p:cNvSpPr>
+            <a:spLocks noGrp="1"/>
+          </p:cNvSpPr>
+          <p:nvPr>
+            <p:ph idx="1"/>
+          </p:nvPr>
+        </p:nvSpPr>
+        <p:spPr/>
+        <p:txBody>
+          <a:bodyPr/>
+          <a:lstStyle/>
+          <a:p>
+            <a:pPr lvl="1"/>
+            <a:r>
+              <a:rPr lang="ru-RU" dirty="0" smtClean="0"/>
+              <a:t>Исправление багов</a:t>
+            </a:r>
+          </a:p>
+          <a:p>
+            <a:pPr lvl="1"/>
+            <a:endParaRPr lang="ru-RU" dirty="0"/>
+          </a:p>
+          <a:p>
+            <a:pPr lvl="1"/>
+            <a:r>
+              <a:rPr lang="ru-RU" dirty="0" smtClean="0"/>
+              <a:t>Добавление </a:t>
+            </a:r>
+            <a:r>
+              <a:rPr lang="ru-RU" dirty="0"/>
+              <a:t>новой функциональности</a:t>
+            </a:r>
+          </a:p>
+          <a:p>
+            <a:pPr lvl="1"/>
+            <a:endParaRPr lang="ru-RU" dirty="0" smtClean="0"/>
+          </a:p>
+          <a:p>
+            <a:pPr lvl="1"/>
+            <a:r>
+              <a:rPr lang="ru-RU" dirty="0" err="1" smtClean="0"/>
+              <a:t>Рефакторинг</a:t>
+            </a:r>
+            <a:endParaRPr lang="ru-RU" dirty="0" smtClean="0"/>
+          </a:p>
+          <a:p>
+            <a:pPr lvl="1"/>
+            <a:endParaRPr lang="ru-RU" dirty="0"/>
+          </a:p>
+        </p:txBody>
+      </p:sp>
+      <p:sp>
+        <p:nvSpPr>
+          <p:cNvPr id="4" name="Нижний колонтитул 3"/>
+          <p:cNvSpPr>
+            <a:spLocks noGrp="1"/>
+          </p:cNvSpPr>
+          <p:nvPr>
+            <p:ph type="ftr" sz="quarter" idx="11"/>
+          </p:nvPr>
+        </p:nvSpPr>
+        <p:spPr/>
+        <p:txBody>
+          <a:bodyPr/>
+          <a:lstStyle/>
+          <a:p>
+            <a:endParaRPr lang="ru-RU"/>
+          </a:p>
+        </p:txBody>
+      </p:sp>
+      <p:sp>
+        <p:nvSpPr>
+          <p:cNvPr id="5" name="Номер слайда 4"/>
+          <p:cNvSpPr>
+            <a:spLocks noGrp="1"/>
+          </p:cNvSpPr>
+          <p:nvPr>
+            <p:ph type="sldNum" sz="quarter" idx="12"/>
+          </p:nvPr>
+        </p:nvSpPr>
+        <p:spPr/>
+        <p:txBody>
+          <a:bodyPr/>
+          <a:lstStyle/>
+          <a:p>
+            <a:fld id="{741C03D3-FA44-40EC-9A21-1FC4FEA3E22E}" type="slidenum">
+              <a:rPr lang="ru-RU" smtClean="0"/>
+              <a:t>5</a:t>
+            </a:fld>
+            <a:endParaRPr lang="ru-RU"/>
+          </a:p>
+        </p:txBody>
+      </p:sp>
+    </p:spTree>
+    <p:extLst>
+      <p:ext uri="{BB962C8B-B14F-4D97-AF65-F5344CB8AC3E}">
+        <p14:creationId xmlns:p14="http://schemas.microsoft.com/office/powerpoint/2010/main" val="4073840246"/>
+      </p:ext>
+    </p:extLst>
+  </p:cSld>
+  <p:clrMapOvr>
+    <a:masterClrMapping/>
+  </p:clrMapOvr>
+  <p:timing>
+    <p:tnLst>
+      <p:par>
+        <p:cTn id="1" dur="indefinite" restart="never" nodeType="tmRoot">
+          <p:childTnLst>
+            <p:seq concurrent="1" nextAc="seek">
+              <p:cTn id="2" dur="indefinite" nodeType="mainSeq">
+                <p:childTnLst>
+                  <p:par>
+                    <p:cTn id="3" fill="hold">
+                      <p:stCondLst>
+                        <p:cond delay="indefinite"/>
+                      </p:stCondLst>
+                      <p:childTnLst>
+                        <p:par>
+                          <p:cTn id="4" fill="hold">
+                            <p:stCondLst>
+                              <p:cond delay="0"/>
+                            </p:stCondLst>
+                            <p:childTnLst>
+                              <p:par>
+                                <p:cTn id="5" presetID="1" presetClass="entr" presetSubtype="0" fill="hold" nodeType="clickEffect">
+                                  <p:stCondLst>
+                                    <p:cond delay="0"/>
+                                  </p:stCondLst>
+                                  <p:childTnLst>
+                                    <p:set>
+                                      <p:cBhvr>
+                                        <p:cTn id="6" dur="1" fill="hold">
+                                          <p:stCondLst>
+                                            <p:cond delay="0"/>
+                                          </p:stCondLst>
+                                        </p:cTn>
+                                        <p:tgtEl>
+                                          <p:spTgt spid="3">
+                                            <p:txEl>
+                                              <p:pRg st="0" end="0"/>
+                                            </p:txEl>
+                                          </p:spTgt>
+                                        </p:tgtEl>
+                                        <p:attrNameLst>
+                                          <p:attrName>style.visibility</p:attrName>
+                                        </p:attrNameLst>
+                                      </p:cBhvr>
+                                      <p:to>
+                                        <p:strVal val="visible"/>
+                                      </p:to>
+                                    </p:set>
+                                  </p:childTnLst>
+                                </p:cTn>
+                              </p:par>
+                            </p:childTnLst>
+                          </p:cTn>
+                        </p:par>
+                      </p:childTnLst>
+                    </p:cTn>
+                  </p:par>
+                  <p:par>
+                    <p:cTn id="7" fill="hold">
+                      <p:stCondLst>
+                        <p:cond delay="indefinite"/>
+                      </p:stCondLst>
+                      <p:childTnLst>
+                        <p:par>
+                          <p:cTn id="8" fill="hold">
+                            <p:stCondLst>
+                              <p:cond delay="0"/>
+                            </p:stCondLst>
+                            <p:childTnLst>
+                              <p:par>
+                                <p:cTn id="9" presetID="1" presetClass="entr" presetSubtype="0" fill="hold" nodeType="clickEffect">
+                                  <p:stCondLst>
+                                    <p:cond delay="0"/>
+                                  </p:stCondLst>
+                                  <p:childTnLst>
+                                    <p:set>
+                                      <p:cBhvr>
+                                        <p:cTn id="10" dur="1" fill="hold">
+                                          <p:stCondLst>
+                                            <p:cond delay="0"/>
+                                          </p:stCondLst>
+                                        </p:cTn>
+                                        <p:tgtEl>
+                                          <p:spTgt spid="3">
+                                            <p:txEl>
+                                              <p:pRg st="2" end="2"/>
+                                            </p:txEl>
+                                          </p:spTgt>
+                                        </p:tgtEl>
+                                        <p:attrNameLst>
+                                          <p:attrName>style.visibility</p:attrName>
+                                        </p:attrNameLst>
+                                      </p:cBhvr>
+                                      <p:to>
+                                        <p:strVal val="visible"/>
+                                      </p:to>
+                                    </p:set>
+                                  </p:childTnLst>
+                                </p:cTn>
+                              </p:par>
+                            </p:childTnLst>
+                          </p:cTn>
+                        </p:par>
+                      </p:childTnLst>
+                    </p:cTn>
+                  </p:par>
+                  <p:par>
+                    <p:cTn id="11" fill="hold">
+                      <p:stCondLst>
+                        <p:cond delay="indefinite"/>
+                      </p:stCondLst>
+                      <p:childTnLst>
+                        <p:par>
+                          <p:cTn id="12" fill="hold">
+                            <p:stCondLst>
+                              <p:cond delay="0"/>
+                            </p:stCondLst>
+                            <p:childTnLst>
+                              <p:par>
+                                <p:cTn id="13" presetID="1" presetClass="entr" presetSubtype="0" fill="hold" nodeType="clickEffect">
+                                  <p:stCondLst>
+                                    <p:cond delay="0"/>
+                                  </p:stCondLst>
+                                  <p:childTnLst>
+                                    <p:set>
+                                      <p:cBhvr>
+                                        <p:cTn id="14" dur="1" fill="hold">
+                                          <p:stCondLst>
+                                            <p:cond delay="0"/>
+                                          </p:stCondLst>
+                                        </p:cTn>
+                                        <p:tgtEl>
+                                          <p:spTgt spid="3">
+                                            <p:txEl>
+                                              <p:pRg st="4" end="4"/>
+                                            </p:txEl>
+                                          </p:spTgt>
+                                        </p:tgtEl>
+                                        <p:attrNameLst>
+                                          <p:attrName>style.visibility</p:attrName>
+                                        </p:attrNameLst>
+                                      </p:cBhvr>
+                                      <p:to>
+                                        <p:strVal val="visible"/>
+                                      </p:to>
+                                    </p:set>
+                                  </p:childTnLst>
+                                </p:cTn>
+                              </p:par>
+                            </p:childTnLst>
+                          </p:cTn>
+                        </p:par>
+                      </p:childTnLst>
+                    </p:cTn>
+                  </p:par>
+                </p:childTnLst>
+              </p:cTn>
+              <p:prevCondLst>
+                <p:cond evt="onPrev" delay="0">
+                  <p:tgtEl>
+                    <p:sldTgt/>
+                  </p:tgtEl>
+                </p:cond>
+              </p:prevCondLst>
+              <p:nextCondLst>
+                <p:cond evt="onNext" delay="0">
+                  <p:tgtEl>
+                    <p:sldTgt/>
+                  </p:tgtEl>
+                </p:cond>
+              </p:nextCondLst>
+            </p:seq>
+          </p:childTnLst>
+        </p:cTn>
+      </p:par>
+    </p:tnLst>
+  </p:timing>
+</p:sld>
+</file>
+
+<file path=ppt/slides/slide6.xml><?xml version="1.0" encoding="utf-8"?>
+<p:sld xmlns:a="http://schemas.openxmlformats.org/drawingml/2006/main" xmlns:r="http://schemas.openxmlformats.org/officeDocument/2006/relationships" xmlns:p="http://schemas.openxmlformats.org/presentationml/2006/main">
+  <p:cSld>
+    <p:spTree>
+      <p:nvGrpSpPr>
+        <p:cNvPr id="1" name=""/>
+        <p:cNvGrpSpPr/>
+        <p:nvPr/>
+      </p:nvGrpSpPr>
+      <p:grpSpPr>
+        <a:xfrm>
+          <a:off x="0" y="0"/>
+          <a:ext cx="0" cy="0"/>
+          <a:chOff x="0" y="0"/>
+          <a:chExt cx="0" cy="0"/>
+        </a:xfrm>
+      </p:grpSpPr>
+      <p:sp>
+        <p:nvSpPr>
           <p:cNvPr id="2" name="Текст 1"/>
           <p:cNvSpPr>
             <a:spLocks noGrp="1"/>
@@ -13017,6 +13497,13 @@
   <p:clrMapOvr>
     <a:masterClrMapping/>
   </p:clrMapOvr>
+  <p:timing>
+    <p:tnLst>
+      <p:par>
+        <p:cTn id="1" dur="indefinite" restart="never" nodeType="tmRoot"/>
+      </p:par>
+    </p:tnLst>
+  </p:timing>
 </p:sld>
 </file>
 

--- a/slides.pptx
+++ b/slides.pptx
@@ -5,7 +5,7 @@
     <p:sldMasterId id="2147483684" r:id="rId1"/>
   </p:sldMasterIdLst>
   <p:notesMasterIdLst>
-    <p:notesMasterId r:id="rId8"/>
+    <p:notesMasterId r:id="rId11"/>
   </p:notesMasterIdLst>
   <p:sldIdLst>
     <p:sldId id="303" r:id="rId2"/>
@@ -13,7 +13,10 @@
     <p:sldId id="302" r:id="rId4"/>
     <p:sldId id="304" r:id="rId5"/>
     <p:sldId id="305" r:id="rId6"/>
-    <p:sldId id="300" r:id="rId7"/>
+    <p:sldId id="306" r:id="rId7"/>
+    <p:sldId id="307" r:id="rId8"/>
+    <p:sldId id="308" r:id="rId9"/>
+    <p:sldId id="300" r:id="rId10"/>
   </p:sldIdLst>
   <p:sldSz cx="24382413" cy="13716000"/>
   <p:notesSz cx="6858000" cy="9144000"/>
@@ -122,6 +125,9 @@
             <p14:sldId id="302"/>
             <p14:sldId id="304"/>
             <p14:sldId id="305"/>
+            <p14:sldId id="306"/>
+            <p14:sldId id="307"/>
+            <p14:sldId id="308"/>
             <p14:sldId id="300"/>
           </p14:sldIdLst>
         </p14:section>
@@ -223,7 +229,7 @@
           <a:p>
             <a:fld id="{A48BA324-014D-41B7-8E83-ECE8F197A959}" type="datetimeFigureOut">
               <a:rPr lang="ru-RU" smtClean="0"/>
-              <a:t>05.10.2017</a:t>
+              <a:t>07.10.2017</a:t>
             </a:fld>
             <a:endParaRPr lang="ru-RU"/>
           </a:p>
@@ -4887,7 +4893,7 @@
           </a:ln>
           <a:extLst>
             <a:ext uri="{C572A759-6A51-4108-AA02-DFA0A04FC94B}">
-              <ma14:wrappingTextBoxFlag xmlns:ma14="http://schemas.microsoft.com/office/mac/drawingml/2011/main" xmlns="" val="1"/>
+              <ma14:wrappingTextBoxFlag xmlns="" xmlns:ma14="http://schemas.microsoft.com/office/mac/drawingml/2011/main" val="1"/>
             </a:ext>
           </a:extLst>
         </p:spPr>
@@ -5382,7 +5388,7 @@
           </a:ln>
           <a:extLst>
             <a:ext uri="{C572A759-6A51-4108-AA02-DFA0A04FC94B}">
-              <ma14:wrappingTextBoxFlag xmlns:ma14="http://schemas.microsoft.com/office/mac/drawingml/2011/main" xmlns="" val="1"/>
+              <ma14:wrappingTextBoxFlag xmlns="" xmlns:ma14="http://schemas.microsoft.com/office/mac/drawingml/2011/main" val="1"/>
             </a:ext>
           </a:extLst>
         </p:spPr>
@@ -5528,7 +5534,7 @@
           </a:ln>
           <a:extLst>
             <a:ext uri="{C572A759-6A51-4108-AA02-DFA0A04FC94B}">
-              <ma14:wrappingTextBoxFlag xmlns:ma14="http://schemas.microsoft.com/office/mac/drawingml/2011/main" xmlns="" val="1"/>
+              <ma14:wrappingTextBoxFlag xmlns="" xmlns:ma14="http://schemas.microsoft.com/office/mac/drawingml/2011/main" val="1"/>
             </a:ext>
           </a:extLst>
         </p:spPr>
@@ -5570,7 +5576,7 @@
           </a:ln>
           <a:extLst>
             <a:ext uri="{C572A759-6A51-4108-AA02-DFA0A04FC94B}">
-              <ma14:wrappingTextBoxFlag xmlns:ma14="http://schemas.microsoft.com/office/mac/drawingml/2011/main" xmlns="" val="1"/>
+              <ma14:wrappingTextBoxFlag xmlns="" xmlns:ma14="http://schemas.microsoft.com/office/mac/drawingml/2011/main" val="1"/>
             </a:ext>
           </a:extLst>
         </p:spPr>
@@ -5766,7 +5772,7 @@
           </a:ln>
           <a:extLst>
             <a:ext uri="{C572A759-6A51-4108-AA02-DFA0A04FC94B}">
-              <ma14:wrappingTextBoxFlag xmlns:ma14="http://schemas.microsoft.com/office/mac/drawingml/2011/main" xmlns="" val="1"/>
+              <ma14:wrappingTextBoxFlag xmlns="" xmlns:ma14="http://schemas.microsoft.com/office/mac/drawingml/2011/main" val="1"/>
             </a:ext>
           </a:extLst>
         </p:spPr>
@@ -5890,7 +5896,7 @@
           </a:ln>
           <a:extLst>
             <a:ext uri="{C572A759-6A51-4108-AA02-DFA0A04FC94B}">
-              <ma14:wrappingTextBoxFlag xmlns:ma14="http://schemas.microsoft.com/office/mac/drawingml/2011/main" xmlns="" val="1"/>
+              <ma14:wrappingTextBoxFlag xmlns="" xmlns:ma14="http://schemas.microsoft.com/office/mac/drawingml/2011/main" val="1"/>
             </a:ext>
           </a:extLst>
         </p:spPr>
@@ -5984,7 +5990,7 @@
           </a:ln>
           <a:extLst>
             <a:ext uri="{C572A759-6A51-4108-AA02-DFA0A04FC94B}">
-              <ma14:wrappingTextBoxFlag xmlns:ma14="http://schemas.microsoft.com/office/mac/drawingml/2011/main" xmlns="" val="1"/>
+              <ma14:wrappingTextBoxFlag xmlns="" xmlns:ma14="http://schemas.microsoft.com/office/mac/drawingml/2011/main" val="1"/>
             </a:ext>
           </a:extLst>
         </p:spPr>
@@ -6275,7 +6281,7 @@
           </a:ln>
           <a:extLst>
             <a:ext uri="{C572A759-6A51-4108-AA02-DFA0A04FC94B}">
-              <ma14:wrappingTextBoxFlag xmlns:ma14="http://schemas.microsoft.com/office/mac/drawingml/2011/main" xmlns="" val="1"/>
+              <ma14:wrappingTextBoxFlag xmlns="" xmlns:ma14="http://schemas.microsoft.com/office/mac/drawingml/2011/main" val="1"/>
             </a:ext>
           </a:extLst>
         </p:spPr>
@@ -6766,7 +6772,7 @@
           </a:ln>
           <a:extLst>
             <a:ext uri="{C572A759-6A51-4108-AA02-DFA0A04FC94B}">
-              <ma14:wrappingTextBoxFlag xmlns:ma14="http://schemas.microsoft.com/office/mac/drawingml/2011/main" xmlns="" val="1"/>
+              <ma14:wrappingTextBoxFlag xmlns="" xmlns:ma14="http://schemas.microsoft.com/office/mac/drawingml/2011/main" val="1"/>
             </a:ext>
           </a:extLst>
         </p:spPr>
@@ -6825,7 +6831,7 @@
           </a:ln>
           <a:extLst>
             <a:ext uri="{C572A759-6A51-4108-AA02-DFA0A04FC94B}">
-              <ma14:wrappingTextBoxFlag xmlns:ma14="http://schemas.microsoft.com/office/mac/drawingml/2011/main" xmlns="" val="1"/>
+              <ma14:wrappingTextBoxFlag xmlns="" xmlns:ma14="http://schemas.microsoft.com/office/mac/drawingml/2011/main" val="1"/>
             </a:ext>
           </a:extLst>
         </p:spPr>
@@ -6934,7 +6940,7 @@
           </a:ln>
           <a:extLst>
             <a:ext uri="{C572A759-6A51-4108-AA02-DFA0A04FC94B}">
-              <ma14:wrappingTextBoxFlag xmlns:ma14="http://schemas.microsoft.com/office/mac/drawingml/2011/main" xmlns="" val="1"/>
+              <ma14:wrappingTextBoxFlag xmlns="" xmlns:ma14="http://schemas.microsoft.com/office/mac/drawingml/2011/main" val="1"/>
             </a:ext>
           </a:extLst>
         </p:spPr>
@@ -6995,7 +7001,7 @@
           </a:ln>
           <a:extLst>
             <a:ext uri="{C572A759-6A51-4108-AA02-DFA0A04FC94B}">
-              <ma14:wrappingTextBoxFlag xmlns:ma14="http://schemas.microsoft.com/office/mac/drawingml/2011/main" xmlns="" val="1"/>
+              <ma14:wrappingTextBoxFlag xmlns="" xmlns:ma14="http://schemas.microsoft.com/office/mac/drawingml/2011/main" val="1"/>
             </a:ext>
           </a:extLst>
         </p:spPr>
@@ -7075,7 +7081,7 @@
           </a:ln>
           <a:extLst>
             <a:ext uri="{C572A759-6A51-4108-AA02-DFA0A04FC94B}">
-              <ma14:wrappingTextBoxFlag xmlns:ma14="http://schemas.microsoft.com/office/mac/drawingml/2011/main" xmlns="" val="1"/>
+              <ma14:wrappingTextBoxFlag xmlns="" xmlns:ma14="http://schemas.microsoft.com/office/mac/drawingml/2011/main" val="1"/>
             </a:ext>
           </a:extLst>
         </p:spPr>
@@ -7146,7 +7152,7 @@
           </a:ln>
           <a:extLst>
             <a:ext uri="{C572A759-6A51-4108-AA02-DFA0A04FC94B}">
-              <ma14:wrappingTextBoxFlag xmlns:ma14="http://schemas.microsoft.com/office/mac/drawingml/2011/main" xmlns="" val="1"/>
+              <ma14:wrappingTextBoxFlag xmlns="" xmlns:ma14="http://schemas.microsoft.com/office/mac/drawingml/2011/main" val="1"/>
             </a:ext>
           </a:extLst>
         </p:spPr>
@@ -7202,7 +7208,7 @@
           </a:ln>
           <a:extLst>
             <a:ext uri="{C572A759-6A51-4108-AA02-DFA0A04FC94B}">
-              <ma14:wrappingTextBoxFlag xmlns:ma14="http://schemas.microsoft.com/office/mac/drawingml/2011/main" xmlns="" val="1"/>
+              <ma14:wrappingTextBoxFlag xmlns="" xmlns:ma14="http://schemas.microsoft.com/office/mac/drawingml/2011/main" val="1"/>
             </a:ext>
           </a:extLst>
         </p:spPr>
@@ -7258,7 +7264,7 @@
           </a:ln>
           <a:extLst>
             <a:ext uri="{C572A759-6A51-4108-AA02-DFA0A04FC94B}">
-              <ma14:wrappingTextBoxFlag xmlns:ma14="http://schemas.microsoft.com/office/mac/drawingml/2011/main" xmlns="" val="1"/>
+              <ma14:wrappingTextBoxFlag xmlns="" xmlns:ma14="http://schemas.microsoft.com/office/mac/drawingml/2011/main" val="1"/>
             </a:ext>
           </a:extLst>
         </p:spPr>
@@ -9983,7 +9989,6 @@
               <a:rPr lang="ru-RU" dirty="0"/>
               <a:t>Техника безопасности при работе с кодом большого проекта</a:t>
             </a:r>
-            <a:endParaRPr lang="ru-RU" dirty="0"/>
           </a:p>
         </p:txBody>
       </p:sp>
@@ -10498,6 +10503,105 @@
                       </p:childTnLst>
                     </p:cTn>
                   </p:par>
+                  <p:par>
+                    <p:cTn id="15" fill="hold">
+                      <p:stCondLst>
+                        <p:cond delay="indefinite"/>
+                      </p:stCondLst>
+                      <p:childTnLst>
+                        <p:par>
+                          <p:cTn id="16" fill="hold">
+                            <p:stCondLst>
+                              <p:cond delay="0"/>
+                            </p:stCondLst>
+                            <p:childTnLst>
+                              <p:par>
+                                <p:cTn id="17" presetID="19" presetClass="emph" presetSubtype="0" fill="hold" nodeType="clickEffect">
+                                  <p:stCondLst>
+                                    <p:cond delay="0"/>
+                                  </p:stCondLst>
+                                  <p:childTnLst>
+                                    <p:animClr clrSpc="rgb" dir="cw">
+                                      <p:cBhvr override="childStyle">
+                                        <p:cTn id="18" dur="10" fill="hold"/>
+                                        <p:tgtEl>
+                                          <p:spTgt spid="3">
+                                            <p:txEl>
+                                              <p:pRg st="0" end="0"/>
+                                            </p:txEl>
+                                          </p:spTgt>
+                                        </p:tgtEl>
+                                        <p:attrNameLst>
+                                          <p:attrName>style.color</p:attrName>
+                                        </p:attrNameLst>
+                                      </p:cBhvr>
+                                      <p:to>
+                                        <a:srgbClr val="969696"/>
+                                      </p:to>
+                                    </p:animClr>
+                                    <p:animClr clrSpc="rgb" dir="cw">
+                                      <p:cBhvr>
+                                        <p:cTn id="19" dur="10" fill="hold"/>
+                                        <p:tgtEl>
+                                          <p:spTgt spid="3">
+                                            <p:txEl>
+                                              <p:pRg st="0" end="0"/>
+                                            </p:txEl>
+                                          </p:spTgt>
+                                        </p:tgtEl>
+                                        <p:attrNameLst>
+                                          <p:attrName>fillcolor</p:attrName>
+                                        </p:attrNameLst>
+                                      </p:cBhvr>
+                                      <p:to>
+                                        <a:srgbClr val="969696"/>
+                                      </p:to>
+                                    </p:animClr>
+                                    <p:set>
+                                      <p:cBhvr>
+                                        <p:cTn id="20" dur="10" fill="hold"/>
+                                        <p:tgtEl>
+                                          <p:spTgt spid="3">
+                                            <p:txEl>
+                                              <p:pRg st="0" end="0"/>
+                                            </p:txEl>
+                                          </p:spTgt>
+                                        </p:tgtEl>
+                                        <p:attrNameLst>
+                                          <p:attrName>fill.type</p:attrName>
+                                        </p:attrNameLst>
+                                      </p:cBhvr>
+                                      <p:to>
+                                        <p:strVal val="solid"/>
+                                      </p:to>
+                                    </p:set>
+                                    <p:set>
+                                      <p:cBhvr>
+                                        <p:cTn id="21" dur="10" fill="hold"/>
+                                        <p:tgtEl>
+                                          <p:spTgt spid="3">
+                                            <p:txEl>
+                                              <p:pRg st="0" end="0"/>
+                                            </p:txEl>
+                                          </p:spTgt>
+                                        </p:tgtEl>
+                                        <p:attrNameLst>
+                                          <p:attrName>fill.on</p:attrName>
+                                        </p:attrNameLst>
+                                      </p:cBhvr>
+                                      <p:to>
+                                        <p:strVal val="true"/>
+                                      </p:to>
+                                    </p:set>
+                                  </p:childTnLst>
+                                </p:cTn>
+                              </p:par>
+                            </p:childTnLst>
+                          </p:cTn>
+                        </p:par>
+                      </p:childTnLst>
+                    </p:cTn>
+                  </p:par>
                 </p:childTnLst>
               </p:cTn>
               <p:prevCondLst>
@@ -10524,6 +10628,2407 @@
 </file>
 
 <file path=ppt/slides/slide6.xml><?xml version="1.0" encoding="utf-8"?>
+<p:sld xmlns:a="http://schemas.openxmlformats.org/drawingml/2006/main" xmlns:r="http://schemas.openxmlformats.org/officeDocument/2006/relationships" xmlns:p="http://schemas.openxmlformats.org/presentationml/2006/main">
+  <p:cSld>
+    <p:spTree>
+      <p:nvGrpSpPr>
+        <p:cNvPr id="1" name=""/>
+        <p:cNvGrpSpPr/>
+        <p:nvPr/>
+      </p:nvGrpSpPr>
+      <p:grpSpPr>
+        <a:xfrm>
+          <a:off x="0" y="0"/>
+          <a:ext cx="0" cy="0"/>
+          <a:chOff x="0" y="0"/>
+          <a:chExt cx="0" cy="0"/>
+        </a:xfrm>
+      </p:grpSpPr>
+      <p:sp>
+        <p:nvSpPr>
+          <p:cNvPr id="2" name="Заголовок 1"/>
+          <p:cNvSpPr>
+            <a:spLocks noGrp="1"/>
+          </p:cNvSpPr>
+          <p:nvPr>
+            <p:ph type="title"/>
+          </p:nvPr>
+        </p:nvSpPr>
+        <p:spPr/>
+        <p:txBody>
+          <a:bodyPr/>
+          <a:lstStyle/>
+          <a:p>
+            <a:r>
+              <a:rPr lang="ru-RU" dirty="0" smtClean="0"/>
+              <a:t>Изменение кода в четыре шага</a:t>
+            </a:r>
+            <a:endParaRPr lang="ru-RU" dirty="0"/>
+          </a:p>
+        </p:txBody>
+      </p:sp>
+      <p:sp>
+        <p:nvSpPr>
+          <p:cNvPr id="4" name="Нижний колонтитул 3"/>
+          <p:cNvSpPr>
+            <a:spLocks noGrp="1"/>
+          </p:cNvSpPr>
+          <p:nvPr>
+            <p:ph type="ftr" sz="quarter" idx="11"/>
+          </p:nvPr>
+        </p:nvSpPr>
+        <p:spPr/>
+        <p:txBody>
+          <a:bodyPr/>
+          <a:lstStyle/>
+          <a:p>
+            <a:endParaRPr lang="ru-RU" dirty="0"/>
+          </a:p>
+        </p:txBody>
+      </p:sp>
+      <p:sp>
+        <p:nvSpPr>
+          <p:cNvPr id="5" name="Номер слайда 4"/>
+          <p:cNvSpPr>
+            <a:spLocks noGrp="1"/>
+          </p:cNvSpPr>
+          <p:nvPr>
+            <p:ph type="sldNum" sz="quarter" idx="12"/>
+          </p:nvPr>
+        </p:nvSpPr>
+        <p:spPr/>
+        <p:txBody>
+          <a:bodyPr/>
+          <a:lstStyle/>
+          <a:p>
+            <a:fld id="{741C03D3-FA44-40EC-9A21-1FC4FEA3E22E}" type="slidenum">
+              <a:rPr lang="ru-RU" smtClean="0"/>
+              <a:t>6</a:t>
+            </a:fld>
+            <a:endParaRPr lang="ru-RU"/>
+          </a:p>
+        </p:txBody>
+      </p:sp>
+      <p:sp>
+        <p:nvSpPr>
+          <p:cNvPr id="6" name="Прямоугольник 5"/>
+          <p:cNvSpPr/>
+          <p:nvPr/>
+        </p:nvSpPr>
+        <p:spPr>
+          <a:xfrm>
+            <a:off x="1142998" y="3041649"/>
+            <a:ext cx="4179890" cy="1908176"/>
+          </a:xfrm>
+          <a:prstGeom prst="rect">
+            <a:avLst/>
+          </a:prstGeom>
+          <a:solidFill>
+            <a:schemeClr val="tx2"/>
+          </a:solidFill>
+          <a:ln w="38100">
+            <a:solidFill>
+              <a:schemeClr val="tx1"/>
+            </a:solidFill>
+          </a:ln>
+        </p:spPr>
+        <p:style>
+          <a:lnRef idx="2">
+            <a:schemeClr val="accent1">
+              <a:shade val="50000"/>
+            </a:schemeClr>
+          </a:lnRef>
+          <a:fillRef idx="1">
+            <a:schemeClr val="accent1"/>
+          </a:fillRef>
+          <a:effectRef idx="0">
+            <a:schemeClr val="accent1"/>
+          </a:effectRef>
+          <a:fontRef idx="minor">
+            <a:schemeClr val="lt1"/>
+          </a:fontRef>
+        </p:style>
+        <p:txBody>
+          <a:bodyPr rtlCol="0" anchor="ctr"/>
+          <a:lstStyle/>
+          <a:p>
+            <a:pPr algn="ctr"/>
+            <a:r>
+              <a:rPr lang="ru-RU" sz="4800" dirty="0" smtClean="0">
+                <a:solidFill>
+                  <a:schemeClr val="tx1"/>
+                </a:solidFill>
+              </a:rPr>
+              <a:t>Создать интерфейс</a:t>
+            </a:r>
+            <a:endParaRPr lang="ru-RU" sz="4800" dirty="0" smtClean="0">
+              <a:solidFill>
+                <a:schemeClr val="tx1"/>
+              </a:solidFill>
+            </a:endParaRPr>
+          </a:p>
+        </p:txBody>
+      </p:sp>
+      <p:sp>
+        <p:nvSpPr>
+          <p:cNvPr id="7" name="Прямоугольник 6"/>
+          <p:cNvSpPr/>
+          <p:nvPr/>
+        </p:nvSpPr>
+        <p:spPr>
+          <a:xfrm>
+            <a:off x="7211443" y="5332024"/>
+            <a:ext cx="4179600" cy="1906976"/>
+          </a:xfrm>
+          <a:prstGeom prst="rect">
+            <a:avLst/>
+          </a:prstGeom>
+          <a:solidFill>
+            <a:schemeClr val="tx2"/>
+          </a:solidFill>
+          <a:ln w="38100">
+            <a:solidFill>
+              <a:schemeClr val="tx1"/>
+            </a:solidFill>
+          </a:ln>
+        </p:spPr>
+        <p:style>
+          <a:lnRef idx="2">
+            <a:schemeClr val="accent1">
+              <a:shade val="50000"/>
+            </a:schemeClr>
+          </a:lnRef>
+          <a:fillRef idx="1">
+            <a:schemeClr val="accent1"/>
+          </a:fillRef>
+          <a:effectRef idx="0">
+            <a:schemeClr val="accent1"/>
+          </a:effectRef>
+          <a:fontRef idx="minor">
+            <a:schemeClr val="lt1"/>
+          </a:fontRef>
+        </p:style>
+        <p:txBody>
+          <a:bodyPr rtlCol="0" anchor="ctr"/>
+          <a:lstStyle/>
+          <a:p>
+            <a:pPr algn="ctr"/>
+            <a:r>
+              <a:rPr lang="ru-RU" sz="4800" dirty="0" smtClean="0">
+                <a:solidFill>
+                  <a:schemeClr val="tx1"/>
+                </a:solidFill>
+              </a:rPr>
+              <a:t>Внедрить интерфейс</a:t>
+            </a:r>
+            <a:endParaRPr lang="ru-RU" sz="4800" dirty="0" smtClean="0">
+              <a:solidFill>
+                <a:schemeClr val="tx1"/>
+              </a:solidFill>
+            </a:endParaRPr>
+          </a:p>
+        </p:txBody>
+      </p:sp>
+      <p:sp>
+        <p:nvSpPr>
+          <p:cNvPr id="8" name="Прямоугольник 7"/>
+          <p:cNvSpPr/>
+          <p:nvPr/>
+        </p:nvSpPr>
+        <p:spPr>
+          <a:xfrm>
+            <a:off x="13344580" y="7621199"/>
+            <a:ext cx="4179600" cy="1908563"/>
+          </a:xfrm>
+          <a:prstGeom prst="rect">
+            <a:avLst/>
+          </a:prstGeom>
+          <a:solidFill>
+            <a:schemeClr val="tx2"/>
+          </a:solidFill>
+          <a:ln w="38100">
+            <a:solidFill>
+              <a:schemeClr val="tx1"/>
+            </a:solidFill>
+          </a:ln>
+        </p:spPr>
+        <p:style>
+          <a:lnRef idx="2">
+            <a:schemeClr val="accent1">
+              <a:shade val="50000"/>
+            </a:schemeClr>
+          </a:lnRef>
+          <a:fillRef idx="1">
+            <a:schemeClr val="accent1"/>
+          </a:fillRef>
+          <a:effectRef idx="0">
+            <a:schemeClr val="accent1"/>
+          </a:effectRef>
+          <a:fontRef idx="minor">
+            <a:schemeClr val="lt1"/>
+          </a:fontRef>
+        </p:style>
+        <p:txBody>
+          <a:bodyPr rtlCol="0" anchor="ctr"/>
+          <a:lstStyle/>
+          <a:p>
+            <a:pPr algn="ctr"/>
+            <a:r>
+              <a:rPr lang="ru-RU" sz="4800" dirty="0" smtClean="0">
+                <a:solidFill>
+                  <a:schemeClr val="tx1"/>
+                </a:solidFill>
+              </a:rPr>
+              <a:t>Разработать тесты</a:t>
+            </a:r>
+            <a:endParaRPr lang="ru-RU" sz="4800" dirty="0" smtClean="0">
+              <a:solidFill>
+                <a:schemeClr val="tx1"/>
+              </a:solidFill>
+            </a:endParaRPr>
+          </a:p>
+        </p:txBody>
+      </p:sp>
+      <p:sp>
+        <p:nvSpPr>
+          <p:cNvPr id="9" name="Прямоугольник 8"/>
+          <p:cNvSpPr/>
+          <p:nvPr/>
+        </p:nvSpPr>
+        <p:spPr>
+          <a:xfrm>
+            <a:off x="19059525" y="9925938"/>
+            <a:ext cx="4165899" cy="1908000"/>
+          </a:xfrm>
+          <a:prstGeom prst="rect">
+            <a:avLst/>
+          </a:prstGeom>
+          <a:solidFill>
+            <a:schemeClr val="tx2"/>
+          </a:solidFill>
+          <a:ln w="38100">
+            <a:solidFill>
+              <a:schemeClr val="tx1"/>
+            </a:solidFill>
+          </a:ln>
+        </p:spPr>
+        <p:style>
+          <a:lnRef idx="2">
+            <a:schemeClr val="accent1">
+              <a:shade val="50000"/>
+            </a:schemeClr>
+          </a:lnRef>
+          <a:fillRef idx="1">
+            <a:schemeClr val="accent1"/>
+          </a:fillRef>
+          <a:effectRef idx="0">
+            <a:schemeClr val="accent1"/>
+          </a:effectRef>
+          <a:fontRef idx="minor">
+            <a:schemeClr val="lt1"/>
+          </a:fontRef>
+        </p:style>
+        <p:txBody>
+          <a:bodyPr rtlCol="0" anchor="ctr"/>
+          <a:lstStyle/>
+          <a:p>
+            <a:pPr algn="ctr"/>
+            <a:r>
+              <a:rPr lang="ru-RU" sz="4800" dirty="0" smtClean="0">
+                <a:solidFill>
+                  <a:schemeClr val="tx1"/>
+                </a:solidFill>
+              </a:rPr>
+              <a:t>Реализовать интерфейс</a:t>
+            </a:r>
+            <a:endParaRPr lang="ru-RU" sz="4800" dirty="0" smtClean="0">
+              <a:solidFill>
+                <a:schemeClr val="tx1"/>
+              </a:solidFill>
+            </a:endParaRPr>
+          </a:p>
+        </p:txBody>
+      </p:sp>
+      <p:cxnSp>
+        <p:nvCxnSpPr>
+          <p:cNvPr id="11" name="Соединительная линия уступом 10"/>
+          <p:cNvCxnSpPr>
+            <a:endCxn id="7" idx="0"/>
+          </p:cNvCxnSpPr>
+          <p:nvPr/>
+        </p:nvCxnSpPr>
+        <p:spPr>
+          <a:xfrm>
+            <a:off x="5322888" y="3805200"/>
+            <a:ext cx="3978355" cy="1526824"/>
+          </a:xfrm>
+          <a:prstGeom prst="bentConnector2">
+            <a:avLst/>
+          </a:prstGeom>
+          <a:ln w="38100">
+            <a:solidFill>
+              <a:schemeClr val="tx1"/>
+            </a:solidFill>
+            <a:headEnd type="none" w="lg" len="med"/>
+            <a:tailEnd type="arrow" w="lg" len="med"/>
+          </a:ln>
+        </p:spPr>
+        <p:style>
+          <a:lnRef idx="1">
+            <a:schemeClr val="accent1"/>
+          </a:lnRef>
+          <a:fillRef idx="0">
+            <a:schemeClr val="accent1"/>
+          </a:fillRef>
+          <a:effectRef idx="0">
+            <a:schemeClr val="accent1"/>
+          </a:effectRef>
+          <a:fontRef idx="minor">
+            <a:schemeClr val="tx1"/>
+          </a:fontRef>
+        </p:style>
+      </p:cxnSp>
+      <p:cxnSp>
+        <p:nvCxnSpPr>
+          <p:cNvPr id="14" name="Соединительная линия уступом 13"/>
+          <p:cNvCxnSpPr>
+            <a:endCxn id="8" idx="0"/>
+          </p:cNvCxnSpPr>
+          <p:nvPr/>
+        </p:nvCxnSpPr>
+        <p:spPr>
+          <a:xfrm>
+            <a:off x="11391043" y="6094413"/>
+            <a:ext cx="4043337" cy="1526786"/>
+          </a:xfrm>
+          <a:prstGeom prst="bentConnector2">
+            <a:avLst/>
+          </a:prstGeom>
+          <a:ln w="38100">
+            <a:solidFill>
+              <a:schemeClr val="tx1"/>
+            </a:solidFill>
+            <a:headEnd type="none" w="lg" len="med"/>
+            <a:tailEnd type="arrow" w="lg" len="med"/>
+          </a:ln>
+        </p:spPr>
+        <p:style>
+          <a:lnRef idx="1">
+            <a:schemeClr val="accent1"/>
+          </a:lnRef>
+          <a:fillRef idx="0">
+            <a:schemeClr val="accent1"/>
+          </a:fillRef>
+          <a:effectRef idx="0">
+            <a:schemeClr val="accent1"/>
+          </a:effectRef>
+          <a:fontRef idx="minor">
+            <a:schemeClr val="tx1"/>
+          </a:fontRef>
+        </p:style>
+      </p:cxnSp>
+      <p:cxnSp>
+        <p:nvCxnSpPr>
+          <p:cNvPr id="16" name="Соединительная линия уступом 15"/>
+          <p:cNvCxnSpPr>
+            <a:endCxn id="9" idx="0"/>
+          </p:cNvCxnSpPr>
+          <p:nvPr/>
+        </p:nvCxnSpPr>
+        <p:spPr>
+          <a:xfrm>
+            <a:off x="17524180" y="8385175"/>
+            <a:ext cx="3618295" cy="1540763"/>
+          </a:xfrm>
+          <a:prstGeom prst="bentConnector2">
+            <a:avLst/>
+          </a:prstGeom>
+          <a:ln w="38100">
+            <a:solidFill>
+              <a:schemeClr val="tx1"/>
+            </a:solidFill>
+            <a:headEnd type="none" w="lg" len="med"/>
+            <a:tailEnd type="arrow" w="lg" len="med"/>
+          </a:ln>
+        </p:spPr>
+        <p:style>
+          <a:lnRef idx="1">
+            <a:schemeClr val="accent1"/>
+          </a:lnRef>
+          <a:fillRef idx="0">
+            <a:schemeClr val="accent1"/>
+          </a:fillRef>
+          <a:effectRef idx="0">
+            <a:schemeClr val="accent1"/>
+          </a:effectRef>
+          <a:fontRef idx="minor">
+            <a:schemeClr val="tx1"/>
+          </a:fontRef>
+        </p:style>
+      </p:cxnSp>
+      <p:cxnSp>
+        <p:nvCxnSpPr>
+          <p:cNvPr id="18" name="Соединительная линия уступом 17"/>
+          <p:cNvCxnSpPr>
+            <a:endCxn id="8" idx="2"/>
+          </p:cNvCxnSpPr>
+          <p:nvPr/>
+        </p:nvCxnSpPr>
+        <p:spPr>
+          <a:xfrm rot="10800000">
+            <a:off x="15434381" y="9529762"/>
+            <a:ext cx="3625145" cy="1525838"/>
+          </a:xfrm>
+          <a:prstGeom prst="bentConnector2">
+            <a:avLst/>
+          </a:prstGeom>
+          <a:ln w="38100">
+            <a:solidFill>
+              <a:schemeClr val="tx1"/>
+            </a:solidFill>
+            <a:prstDash val="dash"/>
+            <a:headEnd type="none" w="lg" len="med"/>
+            <a:tailEnd type="arrow" w="lg" len="med"/>
+          </a:ln>
+        </p:spPr>
+        <p:style>
+          <a:lnRef idx="1">
+            <a:schemeClr val="accent1"/>
+          </a:lnRef>
+          <a:fillRef idx="0">
+            <a:schemeClr val="accent1"/>
+          </a:fillRef>
+          <a:effectRef idx="0">
+            <a:schemeClr val="accent1"/>
+          </a:effectRef>
+          <a:fontRef idx="minor">
+            <a:schemeClr val="tx1"/>
+          </a:fontRef>
+        </p:style>
+      </p:cxnSp>
+      <p:cxnSp>
+        <p:nvCxnSpPr>
+          <p:cNvPr id="20" name="Соединительная линия уступом 19"/>
+          <p:cNvCxnSpPr/>
+          <p:nvPr/>
+        </p:nvCxnSpPr>
+        <p:spPr>
+          <a:xfrm rot="10800000">
+            <a:off x="2270125" y="4950001"/>
+            <a:ext cx="11074924" cy="3625481"/>
+          </a:xfrm>
+          <a:prstGeom prst="bentConnector3">
+            <a:avLst>
+              <a:gd name="adj1" fmla="val 100021"/>
+            </a:avLst>
+          </a:prstGeom>
+          <a:ln w="38100">
+            <a:solidFill>
+              <a:schemeClr val="tx1"/>
+            </a:solidFill>
+            <a:prstDash val="dash"/>
+            <a:headEnd type="none" w="lg" len="med"/>
+            <a:tailEnd type="arrow" w="lg" len="med"/>
+          </a:ln>
+        </p:spPr>
+        <p:style>
+          <a:lnRef idx="1">
+            <a:schemeClr val="accent1"/>
+          </a:lnRef>
+          <a:fillRef idx="0">
+            <a:schemeClr val="accent1"/>
+          </a:fillRef>
+          <a:effectRef idx="0">
+            <a:schemeClr val="accent1"/>
+          </a:effectRef>
+          <a:fontRef idx="minor">
+            <a:schemeClr val="tx1"/>
+          </a:fontRef>
+        </p:style>
+      </p:cxnSp>
+      <p:cxnSp>
+        <p:nvCxnSpPr>
+          <p:cNvPr id="22" name="Соединительная линия уступом 21"/>
+          <p:cNvCxnSpPr>
+            <a:stCxn id="7" idx="1"/>
+          </p:cNvCxnSpPr>
+          <p:nvPr/>
+        </p:nvCxnSpPr>
+        <p:spPr>
+          <a:xfrm rot="10800000">
+            <a:off x="4178301" y="4950000"/>
+            <a:ext cx="3033143" cy="1335512"/>
+          </a:xfrm>
+          <a:prstGeom prst="bentConnector3">
+            <a:avLst>
+              <a:gd name="adj1" fmla="val 99994"/>
+            </a:avLst>
+          </a:prstGeom>
+          <a:ln w="38100">
+            <a:solidFill>
+              <a:schemeClr val="tx1"/>
+            </a:solidFill>
+            <a:prstDash val="dash"/>
+            <a:headEnd type="none" w="lg" len="med"/>
+            <a:tailEnd type="arrow" w="lg" len="med"/>
+          </a:ln>
+        </p:spPr>
+        <p:style>
+          <a:lnRef idx="1">
+            <a:schemeClr val="accent1"/>
+          </a:lnRef>
+          <a:fillRef idx="0">
+            <a:schemeClr val="accent1"/>
+          </a:fillRef>
+          <a:effectRef idx="0">
+            <a:schemeClr val="accent1"/>
+          </a:effectRef>
+          <a:fontRef idx="minor">
+            <a:schemeClr val="tx1"/>
+          </a:fontRef>
+        </p:style>
+      </p:cxnSp>
+    </p:spTree>
+    <p:extLst>
+      <p:ext uri="{BB962C8B-B14F-4D97-AF65-F5344CB8AC3E}">
+        <p14:creationId xmlns:p14="http://schemas.microsoft.com/office/powerpoint/2010/main" val="2346139461"/>
+      </p:ext>
+    </p:extLst>
+  </p:cSld>
+  <p:clrMapOvr>
+    <a:masterClrMapping/>
+  </p:clrMapOvr>
+  <p:timing>
+    <p:tnLst>
+      <p:par>
+        <p:cTn id="1" dur="indefinite" restart="never" nodeType="tmRoot">
+          <p:childTnLst>
+            <p:seq concurrent="1" nextAc="seek">
+              <p:cTn id="2" dur="indefinite" nodeType="mainSeq">
+                <p:childTnLst>
+                  <p:par>
+                    <p:cTn id="3" fill="hold">
+                      <p:stCondLst>
+                        <p:cond delay="indefinite"/>
+                      </p:stCondLst>
+                      <p:childTnLst>
+                        <p:par>
+                          <p:cTn id="4" fill="hold">
+                            <p:stCondLst>
+                              <p:cond delay="0"/>
+                            </p:stCondLst>
+                            <p:childTnLst>
+                              <p:par>
+                                <p:cTn id="5" presetID="1" presetClass="entr" presetSubtype="0" fill="hold" grpId="0" nodeType="clickEffect">
+                                  <p:stCondLst>
+                                    <p:cond delay="0"/>
+                                  </p:stCondLst>
+                                  <p:childTnLst>
+                                    <p:set>
+                                      <p:cBhvr>
+                                        <p:cTn id="6" dur="1" fill="hold">
+                                          <p:stCondLst>
+                                            <p:cond delay="0"/>
+                                          </p:stCondLst>
+                                        </p:cTn>
+                                        <p:tgtEl>
+                                          <p:spTgt spid="6"/>
+                                        </p:tgtEl>
+                                        <p:attrNameLst>
+                                          <p:attrName>style.visibility</p:attrName>
+                                        </p:attrNameLst>
+                                      </p:cBhvr>
+                                      <p:to>
+                                        <p:strVal val="visible"/>
+                                      </p:to>
+                                    </p:set>
+                                  </p:childTnLst>
+                                </p:cTn>
+                              </p:par>
+                            </p:childTnLst>
+                          </p:cTn>
+                        </p:par>
+                      </p:childTnLst>
+                    </p:cTn>
+                  </p:par>
+                  <p:par>
+                    <p:cTn id="7" fill="hold">
+                      <p:stCondLst>
+                        <p:cond delay="indefinite"/>
+                      </p:stCondLst>
+                      <p:childTnLst>
+                        <p:par>
+                          <p:cTn id="8" fill="hold">
+                            <p:stCondLst>
+                              <p:cond delay="0"/>
+                            </p:stCondLst>
+                            <p:childTnLst>
+                              <p:par>
+                                <p:cTn id="9" presetID="1" presetClass="entr" presetSubtype="0" fill="hold" nodeType="clickEffect">
+                                  <p:stCondLst>
+                                    <p:cond delay="0"/>
+                                  </p:stCondLst>
+                                  <p:childTnLst>
+                                    <p:set>
+                                      <p:cBhvr>
+                                        <p:cTn id="10" dur="1" fill="hold">
+                                          <p:stCondLst>
+                                            <p:cond delay="0"/>
+                                          </p:stCondLst>
+                                        </p:cTn>
+                                        <p:tgtEl>
+                                          <p:spTgt spid="11"/>
+                                        </p:tgtEl>
+                                        <p:attrNameLst>
+                                          <p:attrName>style.visibility</p:attrName>
+                                        </p:attrNameLst>
+                                      </p:cBhvr>
+                                      <p:to>
+                                        <p:strVal val="visible"/>
+                                      </p:to>
+                                    </p:set>
+                                  </p:childTnLst>
+                                </p:cTn>
+                              </p:par>
+                              <p:par>
+                                <p:cTn id="11" presetID="1" presetClass="entr" presetSubtype="0" fill="hold" grpId="0" nodeType="withEffect">
+                                  <p:stCondLst>
+                                    <p:cond delay="0"/>
+                                  </p:stCondLst>
+                                  <p:childTnLst>
+                                    <p:set>
+                                      <p:cBhvr>
+                                        <p:cTn id="12" dur="1" fill="hold">
+                                          <p:stCondLst>
+                                            <p:cond delay="0"/>
+                                          </p:stCondLst>
+                                        </p:cTn>
+                                        <p:tgtEl>
+                                          <p:spTgt spid="7"/>
+                                        </p:tgtEl>
+                                        <p:attrNameLst>
+                                          <p:attrName>style.visibility</p:attrName>
+                                        </p:attrNameLst>
+                                      </p:cBhvr>
+                                      <p:to>
+                                        <p:strVal val="visible"/>
+                                      </p:to>
+                                    </p:set>
+                                  </p:childTnLst>
+                                </p:cTn>
+                              </p:par>
+                            </p:childTnLst>
+                          </p:cTn>
+                        </p:par>
+                      </p:childTnLst>
+                    </p:cTn>
+                  </p:par>
+                  <p:par>
+                    <p:cTn id="13" fill="hold">
+                      <p:stCondLst>
+                        <p:cond delay="indefinite"/>
+                      </p:stCondLst>
+                      <p:childTnLst>
+                        <p:par>
+                          <p:cTn id="14" fill="hold">
+                            <p:stCondLst>
+                              <p:cond delay="0"/>
+                            </p:stCondLst>
+                            <p:childTnLst>
+                              <p:par>
+                                <p:cTn id="15" presetID="1" presetClass="entr" presetSubtype="0" fill="hold" nodeType="clickEffect">
+                                  <p:stCondLst>
+                                    <p:cond delay="0"/>
+                                  </p:stCondLst>
+                                  <p:childTnLst>
+                                    <p:set>
+                                      <p:cBhvr>
+                                        <p:cTn id="16" dur="1" fill="hold">
+                                          <p:stCondLst>
+                                            <p:cond delay="0"/>
+                                          </p:stCondLst>
+                                        </p:cTn>
+                                        <p:tgtEl>
+                                          <p:spTgt spid="14"/>
+                                        </p:tgtEl>
+                                        <p:attrNameLst>
+                                          <p:attrName>style.visibility</p:attrName>
+                                        </p:attrNameLst>
+                                      </p:cBhvr>
+                                      <p:to>
+                                        <p:strVal val="visible"/>
+                                      </p:to>
+                                    </p:set>
+                                  </p:childTnLst>
+                                </p:cTn>
+                              </p:par>
+                              <p:par>
+                                <p:cTn id="17" presetID="1" presetClass="entr" presetSubtype="0" fill="hold" grpId="0" nodeType="withEffect">
+                                  <p:stCondLst>
+                                    <p:cond delay="0"/>
+                                  </p:stCondLst>
+                                  <p:childTnLst>
+                                    <p:set>
+                                      <p:cBhvr>
+                                        <p:cTn id="18" dur="1" fill="hold">
+                                          <p:stCondLst>
+                                            <p:cond delay="0"/>
+                                          </p:stCondLst>
+                                        </p:cTn>
+                                        <p:tgtEl>
+                                          <p:spTgt spid="8"/>
+                                        </p:tgtEl>
+                                        <p:attrNameLst>
+                                          <p:attrName>style.visibility</p:attrName>
+                                        </p:attrNameLst>
+                                      </p:cBhvr>
+                                      <p:to>
+                                        <p:strVal val="visible"/>
+                                      </p:to>
+                                    </p:set>
+                                  </p:childTnLst>
+                                </p:cTn>
+                              </p:par>
+                            </p:childTnLst>
+                          </p:cTn>
+                        </p:par>
+                      </p:childTnLst>
+                    </p:cTn>
+                  </p:par>
+                  <p:par>
+                    <p:cTn id="19" fill="hold">
+                      <p:stCondLst>
+                        <p:cond delay="indefinite"/>
+                      </p:stCondLst>
+                      <p:childTnLst>
+                        <p:par>
+                          <p:cTn id="20" fill="hold">
+                            <p:stCondLst>
+                              <p:cond delay="0"/>
+                            </p:stCondLst>
+                            <p:childTnLst>
+                              <p:par>
+                                <p:cTn id="21" presetID="1" presetClass="entr" presetSubtype="0" fill="hold" nodeType="clickEffect">
+                                  <p:stCondLst>
+                                    <p:cond delay="0"/>
+                                  </p:stCondLst>
+                                  <p:childTnLst>
+                                    <p:set>
+                                      <p:cBhvr>
+                                        <p:cTn id="22" dur="1" fill="hold">
+                                          <p:stCondLst>
+                                            <p:cond delay="0"/>
+                                          </p:stCondLst>
+                                        </p:cTn>
+                                        <p:tgtEl>
+                                          <p:spTgt spid="16"/>
+                                        </p:tgtEl>
+                                        <p:attrNameLst>
+                                          <p:attrName>style.visibility</p:attrName>
+                                        </p:attrNameLst>
+                                      </p:cBhvr>
+                                      <p:to>
+                                        <p:strVal val="visible"/>
+                                      </p:to>
+                                    </p:set>
+                                  </p:childTnLst>
+                                </p:cTn>
+                              </p:par>
+                              <p:par>
+                                <p:cTn id="23" presetID="1" presetClass="entr" presetSubtype="0" fill="hold" grpId="0" nodeType="withEffect">
+                                  <p:stCondLst>
+                                    <p:cond delay="0"/>
+                                  </p:stCondLst>
+                                  <p:childTnLst>
+                                    <p:set>
+                                      <p:cBhvr>
+                                        <p:cTn id="24" dur="1" fill="hold">
+                                          <p:stCondLst>
+                                            <p:cond delay="0"/>
+                                          </p:stCondLst>
+                                        </p:cTn>
+                                        <p:tgtEl>
+                                          <p:spTgt spid="9"/>
+                                        </p:tgtEl>
+                                        <p:attrNameLst>
+                                          <p:attrName>style.visibility</p:attrName>
+                                        </p:attrNameLst>
+                                      </p:cBhvr>
+                                      <p:to>
+                                        <p:strVal val="visible"/>
+                                      </p:to>
+                                    </p:set>
+                                  </p:childTnLst>
+                                </p:cTn>
+                              </p:par>
+                            </p:childTnLst>
+                          </p:cTn>
+                        </p:par>
+                      </p:childTnLst>
+                    </p:cTn>
+                  </p:par>
+                  <p:par>
+                    <p:cTn id="25" fill="hold">
+                      <p:stCondLst>
+                        <p:cond delay="indefinite"/>
+                      </p:stCondLst>
+                      <p:childTnLst>
+                        <p:par>
+                          <p:cTn id="26" fill="hold">
+                            <p:stCondLst>
+                              <p:cond delay="0"/>
+                            </p:stCondLst>
+                            <p:childTnLst>
+                              <p:par>
+                                <p:cTn id="27" presetID="1" presetClass="entr" presetSubtype="0" fill="hold" nodeType="clickEffect">
+                                  <p:stCondLst>
+                                    <p:cond delay="0"/>
+                                  </p:stCondLst>
+                                  <p:childTnLst>
+                                    <p:set>
+                                      <p:cBhvr>
+                                        <p:cTn id="28" dur="1" fill="hold">
+                                          <p:stCondLst>
+                                            <p:cond delay="0"/>
+                                          </p:stCondLst>
+                                        </p:cTn>
+                                        <p:tgtEl>
+                                          <p:spTgt spid="18"/>
+                                        </p:tgtEl>
+                                        <p:attrNameLst>
+                                          <p:attrName>style.visibility</p:attrName>
+                                        </p:attrNameLst>
+                                      </p:cBhvr>
+                                      <p:to>
+                                        <p:strVal val="visible"/>
+                                      </p:to>
+                                    </p:set>
+                                  </p:childTnLst>
+                                </p:cTn>
+                              </p:par>
+                              <p:par>
+                                <p:cTn id="29" presetID="1" presetClass="entr" presetSubtype="0" fill="hold" nodeType="withEffect">
+                                  <p:stCondLst>
+                                    <p:cond delay="0"/>
+                                  </p:stCondLst>
+                                  <p:childTnLst>
+                                    <p:set>
+                                      <p:cBhvr>
+                                        <p:cTn id="30" dur="1" fill="hold">
+                                          <p:stCondLst>
+                                            <p:cond delay="0"/>
+                                          </p:stCondLst>
+                                        </p:cTn>
+                                        <p:tgtEl>
+                                          <p:spTgt spid="20"/>
+                                        </p:tgtEl>
+                                        <p:attrNameLst>
+                                          <p:attrName>style.visibility</p:attrName>
+                                        </p:attrNameLst>
+                                      </p:cBhvr>
+                                      <p:to>
+                                        <p:strVal val="visible"/>
+                                      </p:to>
+                                    </p:set>
+                                  </p:childTnLst>
+                                </p:cTn>
+                              </p:par>
+                              <p:par>
+                                <p:cTn id="31" presetID="1" presetClass="entr" presetSubtype="0" fill="hold" nodeType="withEffect">
+                                  <p:stCondLst>
+                                    <p:cond delay="0"/>
+                                  </p:stCondLst>
+                                  <p:childTnLst>
+                                    <p:set>
+                                      <p:cBhvr>
+                                        <p:cTn id="32" dur="1" fill="hold">
+                                          <p:stCondLst>
+                                            <p:cond delay="0"/>
+                                          </p:stCondLst>
+                                        </p:cTn>
+                                        <p:tgtEl>
+                                          <p:spTgt spid="22"/>
+                                        </p:tgtEl>
+                                        <p:attrNameLst>
+                                          <p:attrName>style.visibility</p:attrName>
+                                        </p:attrNameLst>
+                                      </p:cBhvr>
+                                      <p:to>
+                                        <p:strVal val="visible"/>
+                                      </p:to>
+                                    </p:set>
+                                  </p:childTnLst>
+                                </p:cTn>
+                              </p:par>
+                            </p:childTnLst>
+                          </p:cTn>
+                        </p:par>
+                      </p:childTnLst>
+                    </p:cTn>
+                  </p:par>
+                </p:childTnLst>
+              </p:cTn>
+              <p:prevCondLst>
+                <p:cond evt="onPrev" delay="0">
+                  <p:tgtEl>
+                    <p:sldTgt/>
+                  </p:tgtEl>
+                </p:cond>
+              </p:prevCondLst>
+              <p:nextCondLst>
+                <p:cond evt="onNext" delay="0">
+                  <p:tgtEl>
+                    <p:sldTgt/>
+                  </p:tgtEl>
+                </p:cond>
+              </p:nextCondLst>
+            </p:seq>
+          </p:childTnLst>
+        </p:cTn>
+      </p:par>
+    </p:tnLst>
+    <p:bldLst>
+      <p:bldP spid="6" grpId="0" animBg="1"/>
+      <p:bldP spid="7" grpId="0" animBg="1"/>
+      <p:bldP spid="8" grpId="0" animBg="1"/>
+      <p:bldP spid="9" grpId="0" animBg="1"/>
+    </p:bldLst>
+  </p:timing>
+</p:sld>
+</file>
+
+<file path=ppt/slides/slide7.xml><?xml version="1.0" encoding="utf-8"?>
+<p:sld xmlns:a="http://schemas.openxmlformats.org/drawingml/2006/main" xmlns:r="http://schemas.openxmlformats.org/officeDocument/2006/relationships" xmlns:p="http://schemas.openxmlformats.org/presentationml/2006/main">
+  <p:cSld>
+    <p:spTree>
+      <p:nvGrpSpPr>
+        <p:cNvPr id="1" name=""/>
+        <p:cNvGrpSpPr/>
+        <p:nvPr/>
+      </p:nvGrpSpPr>
+      <p:grpSpPr>
+        <a:xfrm>
+          <a:off x="0" y="0"/>
+          <a:ext cx="0" cy="0"/>
+          <a:chOff x="0" y="0"/>
+          <a:chExt cx="0" cy="0"/>
+        </a:xfrm>
+      </p:grpSpPr>
+      <p:sp>
+        <p:nvSpPr>
+          <p:cNvPr id="2" name="Заголовок 1"/>
+          <p:cNvSpPr>
+            <a:spLocks noGrp="1"/>
+          </p:cNvSpPr>
+          <p:nvPr>
+            <p:ph type="title"/>
+          </p:nvPr>
+        </p:nvSpPr>
+        <p:spPr/>
+        <p:txBody>
+          <a:bodyPr/>
+          <a:lstStyle/>
+          <a:p>
+            <a:r>
+              <a:rPr lang="ru-RU" dirty="0" smtClean="0"/>
+              <a:t>Преимущества</a:t>
+            </a:r>
+            <a:endParaRPr lang="ru-RU" dirty="0"/>
+          </a:p>
+        </p:txBody>
+      </p:sp>
+      <p:sp>
+        <p:nvSpPr>
+          <p:cNvPr id="7" name="Объект 6"/>
+          <p:cNvSpPr>
+            <a:spLocks noGrp="1"/>
+          </p:cNvSpPr>
+          <p:nvPr>
+            <p:ph idx="1"/>
+          </p:nvPr>
+        </p:nvSpPr>
+        <p:spPr/>
+        <p:txBody>
+          <a:bodyPr/>
+          <a:lstStyle/>
+          <a:p>
+            <a:pPr lvl="1"/>
+            <a:r>
+              <a:rPr lang="ru-RU" dirty="0" smtClean="0"/>
+              <a:t>Экономия времени</a:t>
+            </a:r>
+          </a:p>
+          <a:p>
+            <a:pPr lvl="1"/>
+            <a:endParaRPr lang="ru-RU" dirty="0" smtClean="0"/>
+          </a:p>
+          <a:p>
+            <a:pPr lvl="1"/>
+            <a:r>
+              <a:rPr lang="ru-RU" dirty="0" smtClean="0"/>
+              <a:t>Снижение количества багов</a:t>
+            </a:r>
+            <a:endParaRPr lang="ru-RU" dirty="0"/>
+          </a:p>
+        </p:txBody>
+      </p:sp>
+      <p:sp>
+        <p:nvSpPr>
+          <p:cNvPr id="4" name="Нижний колонтитул 3"/>
+          <p:cNvSpPr>
+            <a:spLocks noGrp="1"/>
+          </p:cNvSpPr>
+          <p:nvPr>
+            <p:ph type="ftr" sz="quarter" idx="11"/>
+          </p:nvPr>
+        </p:nvSpPr>
+        <p:spPr/>
+        <p:txBody>
+          <a:bodyPr/>
+          <a:lstStyle/>
+          <a:p>
+            <a:endParaRPr lang="ru-RU"/>
+          </a:p>
+        </p:txBody>
+      </p:sp>
+      <p:sp>
+        <p:nvSpPr>
+          <p:cNvPr id="5" name="Номер слайда 4"/>
+          <p:cNvSpPr>
+            <a:spLocks noGrp="1"/>
+          </p:cNvSpPr>
+          <p:nvPr>
+            <p:ph type="sldNum" sz="quarter" idx="12"/>
+          </p:nvPr>
+        </p:nvSpPr>
+        <p:spPr/>
+        <p:txBody>
+          <a:bodyPr/>
+          <a:lstStyle/>
+          <a:p>
+            <a:fld id="{741C03D3-FA44-40EC-9A21-1FC4FEA3E22E}" type="slidenum">
+              <a:rPr lang="ru-RU" smtClean="0"/>
+              <a:t>7</a:t>
+            </a:fld>
+            <a:endParaRPr lang="ru-RU"/>
+          </a:p>
+        </p:txBody>
+      </p:sp>
+    </p:spTree>
+    <p:extLst>
+      <p:ext uri="{BB962C8B-B14F-4D97-AF65-F5344CB8AC3E}">
+        <p14:creationId xmlns:p14="http://schemas.microsoft.com/office/powerpoint/2010/main" val="1613515070"/>
+      </p:ext>
+    </p:extLst>
+  </p:cSld>
+  <p:clrMapOvr>
+    <a:masterClrMapping/>
+  </p:clrMapOvr>
+  <p:timing>
+    <p:tnLst>
+      <p:par>
+        <p:cTn id="1" dur="indefinite" restart="never" nodeType="tmRoot"/>
+      </p:par>
+    </p:tnLst>
+  </p:timing>
+</p:sld>
+</file>
+
+<file path=ppt/slides/slide8.xml><?xml version="1.0" encoding="utf-8"?>
+<p:sld xmlns:a="http://schemas.openxmlformats.org/drawingml/2006/main" xmlns:r="http://schemas.openxmlformats.org/officeDocument/2006/relationships" xmlns:p="http://schemas.openxmlformats.org/presentationml/2006/main">
+  <p:cSld>
+    <p:spTree>
+      <p:nvGrpSpPr>
+        <p:cNvPr id="1" name=""/>
+        <p:cNvGrpSpPr/>
+        <p:nvPr/>
+      </p:nvGrpSpPr>
+      <p:grpSpPr>
+        <a:xfrm>
+          <a:off x="0" y="0"/>
+          <a:ext cx="0" cy="0"/>
+          <a:chOff x="0" y="0"/>
+          <a:chExt cx="0" cy="0"/>
+        </a:xfrm>
+      </p:grpSpPr>
+      <p:sp>
+        <p:nvSpPr>
+          <p:cNvPr id="2" name="Заголовок 1"/>
+          <p:cNvSpPr>
+            <a:spLocks noGrp="1"/>
+          </p:cNvSpPr>
+          <p:nvPr>
+            <p:ph type="title"/>
+          </p:nvPr>
+        </p:nvSpPr>
+        <p:spPr/>
+        <p:txBody>
+          <a:bodyPr/>
+          <a:lstStyle/>
+          <a:p>
+            <a:r>
+              <a:rPr lang="ru-RU" dirty="0" smtClean="0"/>
+              <a:t>Пример</a:t>
+            </a:r>
+            <a:endParaRPr lang="ru-RU" dirty="0"/>
+          </a:p>
+        </p:txBody>
+      </p:sp>
+      <p:sp>
+        <p:nvSpPr>
+          <p:cNvPr id="5" name="Объект 4"/>
+          <p:cNvSpPr>
+            <a:spLocks noGrp="1"/>
+          </p:cNvSpPr>
+          <p:nvPr>
+            <p:ph idx="1"/>
+          </p:nvPr>
+        </p:nvSpPr>
+        <p:spPr>
+          <a:xfrm>
+            <a:off x="1143000" y="3048000"/>
+            <a:ext cx="17916525" cy="1138238"/>
+          </a:xfrm>
+        </p:spPr>
+        <p:txBody>
+          <a:bodyPr/>
+          <a:lstStyle/>
+          <a:p>
+            <a:r>
+              <a:rPr lang="en-US" dirty="0" smtClean="0">
+                <a:latin typeface="Yandex Sans Text Regular" pitchFamily="2" charset="-52"/>
+              </a:rPr>
+              <a:t>HTTP-</a:t>
+            </a:r>
+            <a:r>
+              <a:rPr lang="ru-RU" dirty="0" smtClean="0">
+                <a:latin typeface="Yandex Sans Text Regular" pitchFamily="2" charset="-52"/>
+              </a:rPr>
+              <a:t>сервер комментариев пользователей</a:t>
+            </a:r>
+            <a:endParaRPr lang="ru-RU" dirty="0">
+              <a:latin typeface="Yandex Sans Text Regular" pitchFamily="2" charset="-52"/>
+            </a:endParaRPr>
+          </a:p>
+        </p:txBody>
+      </p:sp>
+      <p:sp>
+        <p:nvSpPr>
+          <p:cNvPr id="3" name="Нижний колонтитул 2"/>
+          <p:cNvSpPr>
+            <a:spLocks noGrp="1"/>
+          </p:cNvSpPr>
+          <p:nvPr>
+            <p:ph type="ftr" sz="quarter" idx="11"/>
+          </p:nvPr>
+        </p:nvSpPr>
+        <p:spPr/>
+        <p:txBody>
+          <a:bodyPr/>
+          <a:lstStyle/>
+          <a:p>
+            <a:endParaRPr lang="ru-RU" dirty="0"/>
+          </a:p>
+        </p:txBody>
+      </p:sp>
+      <p:sp>
+        <p:nvSpPr>
+          <p:cNvPr id="4" name="Номер слайда 3"/>
+          <p:cNvSpPr>
+            <a:spLocks noGrp="1"/>
+          </p:cNvSpPr>
+          <p:nvPr>
+            <p:ph type="sldNum" sz="quarter" idx="12"/>
+          </p:nvPr>
+        </p:nvSpPr>
+        <p:spPr/>
+        <p:txBody>
+          <a:bodyPr/>
+          <a:lstStyle/>
+          <a:p>
+            <a:fld id="{741C03D3-FA44-40EC-9A21-1FC4FEA3E22E}" type="slidenum">
+              <a:rPr lang="ru-RU" smtClean="0"/>
+              <a:t>8</a:t>
+            </a:fld>
+            <a:endParaRPr lang="ru-RU" dirty="0"/>
+          </a:p>
+        </p:txBody>
+      </p:sp>
+      <p:graphicFrame>
+        <p:nvGraphicFramePr>
+          <p:cNvPr id="7" name="Объект 5"/>
+          <p:cNvGraphicFramePr>
+            <a:graphicFrameLocks/>
+          </p:cNvGraphicFramePr>
+          <p:nvPr>
+            <p:extLst>
+              <p:ext uri="{D42A27DB-BD31-4B8C-83A1-F6EECF244321}">
+                <p14:modId xmlns:p14="http://schemas.microsoft.com/office/powerpoint/2010/main" val="1380903395"/>
+              </p:ext>
+            </p:extLst>
+          </p:nvPr>
+        </p:nvGraphicFramePr>
+        <p:xfrm>
+          <a:off x="1142999" y="4568398"/>
+          <a:ext cx="22113876" cy="7692700"/>
+        </p:xfrm>
+        <a:graphic>
+          <a:graphicData uri="http://schemas.openxmlformats.org/drawingml/2006/table">
+            <a:tbl>
+              <a:tblPr firstRow="1" bandRow="1">
+                <a:tableStyleId>{5C22544A-7EE6-4342-B048-85BDC9FD1C3A}</a:tableStyleId>
+              </a:tblPr>
+              <a:tblGrid>
+                <a:gridCol w="5324207"/>
+                <a:gridCol w="9418377"/>
+                <a:gridCol w="7371292"/>
+              </a:tblGrid>
+              <a:tr h="834700">
+                <a:tc>
+                  <a:txBody>
+                    <a:bodyPr/>
+                    <a:lstStyle/>
+                    <a:p>
+                      <a:r>
+                        <a:rPr lang="ru-RU" sz="4800" b="0" dirty="0" smtClean="0">
+                          <a:ln>
+                            <a:noFill/>
+                          </a:ln>
+                          <a:solidFill>
+                            <a:schemeClr val="tx1"/>
+                          </a:solidFill>
+                          <a:latin typeface="Yandex Sans Text Regular" pitchFamily="2" charset="-52"/>
+                        </a:rPr>
+                        <a:t>Действие</a:t>
+                      </a:r>
+                      <a:endParaRPr lang="ru-RU" sz="4800" b="0" dirty="0">
+                        <a:ln>
+                          <a:noFill/>
+                        </a:ln>
+                        <a:solidFill>
+                          <a:schemeClr val="tx1"/>
+                        </a:solidFill>
+                        <a:latin typeface="Yandex Sans Text Regular" pitchFamily="2" charset="-52"/>
+                      </a:endParaRPr>
+                    </a:p>
+                  </a:txBody>
+                  <a:tcPr>
+                    <a:lnL w="38100" cap="flat" cmpd="sng" algn="ctr">
+                      <a:solidFill>
+                        <a:schemeClr val="tx1"/>
+                      </a:solidFill>
+                      <a:prstDash val="solid"/>
+                      <a:round/>
+                      <a:headEnd type="none" w="med" len="med"/>
+                      <a:tailEnd type="none" w="med" len="med"/>
+                    </a:lnL>
+                    <a:lnR w="38100" cap="flat" cmpd="sng" algn="ctr">
+                      <a:solidFill>
+                        <a:schemeClr val="tx1"/>
+                      </a:solidFill>
+                      <a:prstDash val="solid"/>
+                      <a:round/>
+                      <a:headEnd type="none" w="med" len="med"/>
+                      <a:tailEnd type="none" w="med" len="med"/>
+                    </a:lnR>
+                    <a:lnT w="38100" cap="flat" cmpd="sng" algn="ctr">
+                      <a:solidFill>
+                        <a:schemeClr val="tx1"/>
+                      </a:solidFill>
+                      <a:prstDash val="solid"/>
+                      <a:round/>
+                      <a:headEnd type="none" w="med" len="med"/>
+                      <a:tailEnd type="none" w="med" len="med"/>
+                    </a:lnT>
+                    <a:lnB w="38100" cap="flat" cmpd="sng" algn="ctr">
+                      <a:solidFill>
+                        <a:schemeClr val="tx1"/>
+                      </a:solidFill>
+                      <a:prstDash val="solid"/>
+                      <a:round/>
+                      <a:headEnd type="none" w="med" len="med"/>
+                      <a:tailEnd type="none" w="med" len="med"/>
+                    </a:lnB>
+                    <a:solidFill>
+                      <a:schemeClr val="tx2"/>
+                    </a:solidFill>
+                  </a:tcPr>
+                </a:tc>
+                <a:tc>
+                  <a:txBody>
+                    <a:bodyPr/>
+                    <a:lstStyle/>
+                    <a:p>
+                      <a:r>
+                        <a:rPr lang="ru-RU" sz="4800" b="0" dirty="0" smtClean="0">
+                          <a:ln>
+                            <a:noFill/>
+                          </a:ln>
+                          <a:solidFill>
+                            <a:schemeClr val="tx1"/>
+                          </a:solidFill>
+                          <a:latin typeface="Yandex Sans Text Regular" pitchFamily="2" charset="-52"/>
+                        </a:rPr>
+                        <a:t>Запрос</a:t>
+                      </a:r>
+                      <a:endParaRPr lang="ru-RU" sz="4800" b="0" dirty="0">
+                        <a:ln>
+                          <a:noFill/>
+                        </a:ln>
+                        <a:solidFill>
+                          <a:schemeClr val="tx1"/>
+                        </a:solidFill>
+                        <a:latin typeface="Yandex Sans Text Regular" pitchFamily="2" charset="-52"/>
+                      </a:endParaRPr>
+                    </a:p>
+                  </a:txBody>
+                  <a:tcPr>
+                    <a:lnL w="38100" cap="flat" cmpd="sng" algn="ctr">
+                      <a:solidFill>
+                        <a:schemeClr val="tx1"/>
+                      </a:solidFill>
+                      <a:prstDash val="solid"/>
+                      <a:round/>
+                      <a:headEnd type="none" w="med" len="med"/>
+                      <a:tailEnd type="none" w="med" len="med"/>
+                    </a:lnL>
+                    <a:lnR w="38100" cap="flat" cmpd="sng" algn="ctr">
+                      <a:solidFill>
+                        <a:schemeClr val="tx1"/>
+                      </a:solidFill>
+                      <a:prstDash val="solid"/>
+                      <a:round/>
+                      <a:headEnd type="none" w="med" len="med"/>
+                      <a:tailEnd type="none" w="med" len="med"/>
+                    </a:lnR>
+                    <a:lnT w="38100" cap="flat" cmpd="sng" algn="ctr">
+                      <a:solidFill>
+                        <a:schemeClr val="tx1"/>
+                      </a:solidFill>
+                      <a:prstDash val="solid"/>
+                      <a:round/>
+                      <a:headEnd type="none" w="med" len="med"/>
+                      <a:tailEnd type="none" w="med" len="med"/>
+                    </a:lnT>
+                    <a:lnB w="38100" cap="flat" cmpd="sng" algn="ctr">
+                      <a:solidFill>
+                        <a:schemeClr val="tx1"/>
+                      </a:solidFill>
+                      <a:prstDash val="solid"/>
+                      <a:round/>
+                      <a:headEnd type="none" w="med" len="med"/>
+                      <a:tailEnd type="none" w="med" len="med"/>
+                    </a:lnB>
+                    <a:solidFill>
+                      <a:schemeClr val="tx2"/>
+                    </a:solidFill>
+                  </a:tcPr>
+                </a:tc>
+                <a:tc>
+                  <a:txBody>
+                    <a:bodyPr/>
+                    <a:lstStyle/>
+                    <a:p>
+                      <a:r>
+                        <a:rPr lang="ru-RU" sz="4800" b="0" dirty="0" smtClean="0">
+                          <a:ln>
+                            <a:noFill/>
+                          </a:ln>
+                          <a:solidFill>
+                            <a:schemeClr val="tx1"/>
+                          </a:solidFill>
+                          <a:latin typeface="Yandex Sans Text Regular" pitchFamily="2" charset="-52"/>
+                        </a:rPr>
+                        <a:t>Ответ</a:t>
+                      </a:r>
+                      <a:endParaRPr lang="ru-RU" sz="4800" b="0" dirty="0">
+                        <a:ln>
+                          <a:noFill/>
+                        </a:ln>
+                        <a:solidFill>
+                          <a:schemeClr val="tx1"/>
+                        </a:solidFill>
+                        <a:latin typeface="Yandex Sans Text Regular" pitchFamily="2" charset="-52"/>
+                      </a:endParaRPr>
+                    </a:p>
+                  </a:txBody>
+                  <a:tcPr>
+                    <a:lnL w="38100" cap="flat" cmpd="sng" algn="ctr">
+                      <a:solidFill>
+                        <a:schemeClr val="tx1"/>
+                      </a:solidFill>
+                      <a:prstDash val="solid"/>
+                      <a:round/>
+                      <a:headEnd type="none" w="med" len="med"/>
+                      <a:tailEnd type="none" w="med" len="med"/>
+                    </a:lnL>
+                    <a:lnR w="38100" cap="flat" cmpd="sng" algn="ctr">
+                      <a:solidFill>
+                        <a:schemeClr val="tx1"/>
+                      </a:solidFill>
+                      <a:prstDash val="solid"/>
+                      <a:round/>
+                      <a:headEnd type="none" w="med" len="med"/>
+                      <a:tailEnd type="none" w="med" len="med"/>
+                    </a:lnR>
+                    <a:lnT w="38100" cap="flat" cmpd="sng" algn="ctr">
+                      <a:solidFill>
+                        <a:schemeClr val="tx1"/>
+                      </a:solidFill>
+                      <a:prstDash val="solid"/>
+                      <a:round/>
+                      <a:headEnd type="none" w="med" len="med"/>
+                      <a:tailEnd type="none" w="med" len="med"/>
+                    </a:lnT>
+                    <a:lnB w="38100" cap="flat" cmpd="sng" algn="ctr">
+                      <a:solidFill>
+                        <a:schemeClr val="tx1"/>
+                      </a:solidFill>
+                      <a:prstDash val="solid"/>
+                      <a:round/>
+                      <a:headEnd type="none" w="med" len="med"/>
+                      <a:tailEnd type="none" w="med" len="med"/>
+                    </a:lnB>
+                    <a:solidFill>
+                      <a:schemeClr val="tx2"/>
+                    </a:solidFill>
+                  </a:tcPr>
+                </a:tc>
+              </a:tr>
+              <a:tr h="1550157">
+                <a:tc>
+                  <a:txBody>
+                    <a:bodyPr/>
+                    <a:lstStyle/>
+                    <a:p>
+                      <a:r>
+                        <a:rPr lang="ru-RU" sz="4800" b="0" dirty="0" smtClean="0">
+                          <a:ln>
+                            <a:noFill/>
+                          </a:ln>
+                          <a:solidFill>
+                            <a:schemeClr val="tx1"/>
+                          </a:solidFill>
+                          <a:latin typeface="+mn-lt"/>
+                        </a:rPr>
+                        <a:t>Добавить</a:t>
+                      </a:r>
+                      <a:r>
+                        <a:rPr lang="ru-RU" sz="4800" b="0" baseline="0" dirty="0" smtClean="0">
+                          <a:ln>
+                            <a:noFill/>
+                          </a:ln>
+                          <a:solidFill>
+                            <a:schemeClr val="tx1"/>
+                          </a:solidFill>
+                          <a:latin typeface="+mn-lt"/>
+                        </a:rPr>
+                        <a:t> пользователя</a:t>
+                      </a:r>
+                      <a:endParaRPr lang="ru-RU" sz="4800" b="0" dirty="0">
+                        <a:ln>
+                          <a:noFill/>
+                        </a:ln>
+                        <a:solidFill>
+                          <a:schemeClr val="tx1"/>
+                        </a:solidFill>
+                        <a:latin typeface="+mn-lt"/>
+                      </a:endParaRPr>
+                    </a:p>
+                  </a:txBody>
+                  <a:tcPr>
+                    <a:lnL w="38100" cap="flat" cmpd="sng" algn="ctr">
+                      <a:solidFill>
+                        <a:schemeClr val="tx1"/>
+                      </a:solidFill>
+                      <a:prstDash val="solid"/>
+                      <a:round/>
+                      <a:headEnd type="none" w="med" len="med"/>
+                      <a:tailEnd type="none" w="med" len="med"/>
+                    </a:lnL>
+                    <a:lnR w="38100" cap="flat" cmpd="sng" algn="ctr">
+                      <a:solidFill>
+                        <a:schemeClr val="tx1"/>
+                      </a:solidFill>
+                      <a:prstDash val="solid"/>
+                      <a:round/>
+                      <a:headEnd type="none" w="med" len="med"/>
+                      <a:tailEnd type="none" w="med" len="med"/>
+                    </a:lnR>
+                    <a:lnT w="38100" cap="flat" cmpd="sng" algn="ctr">
+                      <a:solidFill>
+                        <a:schemeClr val="tx1"/>
+                      </a:solidFill>
+                      <a:prstDash val="solid"/>
+                      <a:round/>
+                      <a:headEnd type="none" w="med" len="med"/>
+                      <a:tailEnd type="none" w="med" len="med"/>
+                    </a:lnT>
+                    <a:lnB w="38100" cap="flat" cmpd="sng" algn="ctr">
+                      <a:solidFill>
+                        <a:schemeClr val="tx1"/>
+                      </a:solidFill>
+                      <a:prstDash val="solid"/>
+                      <a:round/>
+                      <a:headEnd type="none" w="med" len="med"/>
+                      <a:tailEnd type="none" w="med" len="med"/>
+                    </a:lnB>
+                    <a:solidFill>
+                      <a:schemeClr val="bg1"/>
+                    </a:solidFill>
+                  </a:tcPr>
+                </a:tc>
+                <a:tc>
+                  <a:txBody>
+                    <a:bodyPr/>
+                    <a:lstStyle/>
+                    <a:p>
+                      <a:r>
+                        <a:rPr lang="en-US" sz="4800" b="0" dirty="0" smtClean="0">
+                          <a:ln>
+                            <a:noFill/>
+                          </a:ln>
+                          <a:solidFill>
+                            <a:schemeClr val="tx1"/>
+                          </a:solidFill>
+                          <a:latin typeface="+mn-lt"/>
+                        </a:rPr>
+                        <a:t>POST /</a:t>
+                      </a:r>
+                      <a:r>
+                        <a:rPr lang="en-US" sz="4800" b="0" dirty="0" err="1" smtClean="0">
+                          <a:ln>
+                            <a:noFill/>
+                          </a:ln>
+                          <a:solidFill>
+                            <a:schemeClr val="tx1"/>
+                          </a:solidFill>
+                          <a:latin typeface="+mn-lt"/>
+                        </a:rPr>
+                        <a:t>add_user</a:t>
+                      </a:r>
+                      <a:endParaRPr lang="ru-RU" sz="4800" b="0" dirty="0">
+                        <a:ln>
+                          <a:noFill/>
+                        </a:ln>
+                        <a:solidFill>
+                          <a:schemeClr val="tx1"/>
+                        </a:solidFill>
+                        <a:latin typeface="+mn-lt"/>
+                      </a:endParaRPr>
+                    </a:p>
+                  </a:txBody>
+                  <a:tcPr>
+                    <a:lnL w="38100" cap="flat" cmpd="sng" algn="ctr">
+                      <a:solidFill>
+                        <a:schemeClr val="tx1"/>
+                      </a:solidFill>
+                      <a:prstDash val="solid"/>
+                      <a:round/>
+                      <a:headEnd type="none" w="med" len="med"/>
+                      <a:tailEnd type="none" w="med" len="med"/>
+                    </a:lnL>
+                    <a:lnR w="38100" cap="flat" cmpd="sng" algn="ctr">
+                      <a:solidFill>
+                        <a:schemeClr val="tx1"/>
+                      </a:solidFill>
+                      <a:prstDash val="solid"/>
+                      <a:round/>
+                      <a:headEnd type="none" w="med" len="med"/>
+                      <a:tailEnd type="none" w="med" len="med"/>
+                    </a:lnR>
+                    <a:lnT w="38100" cap="flat" cmpd="sng" algn="ctr">
+                      <a:solidFill>
+                        <a:schemeClr val="tx1"/>
+                      </a:solidFill>
+                      <a:prstDash val="solid"/>
+                      <a:round/>
+                      <a:headEnd type="none" w="med" len="med"/>
+                      <a:tailEnd type="none" w="med" len="med"/>
+                    </a:lnT>
+                    <a:lnB w="38100" cap="flat" cmpd="sng" algn="ctr">
+                      <a:solidFill>
+                        <a:schemeClr val="tx1"/>
+                      </a:solidFill>
+                      <a:prstDash val="solid"/>
+                      <a:round/>
+                      <a:headEnd type="none" w="med" len="med"/>
+                      <a:tailEnd type="none" w="med" len="med"/>
+                    </a:lnB>
+                    <a:solidFill>
+                      <a:schemeClr val="bg1"/>
+                    </a:solidFill>
+                  </a:tcPr>
+                </a:tc>
+                <a:tc>
+                  <a:txBody>
+                    <a:bodyPr/>
+                    <a:lstStyle/>
+                    <a:p>
+                      <a:r>
+                        <a:rPr lang="en-US" sz="4800" b="0" dirty="0" smtClean="0">
+                          <a:ln>
+                            <a:noFill/>
+                          </a:ln>
+                          <a:solidFill>
+                            <a:schemeClr val="tx1"/>
+                          </a:solidFill>
+                          <a:latin typeface="+mn-lt"/>
+                        </a:rPr>
+                        <a:t>200 OK</a:t>
+                      </a:r>
+                    </a:p>
+                    <a:p>
+                      <a:r>
+                        <a:rPr lang="en-US" sz="4800" b="0" dirty="0" err="1" smtClean="0">
+                          <a:ln>
+                            <a:noFill/>
+                          </a:ln>
+                          <a:solidFill>
+                            <a:schemeClr val="tx1"/>
+                          </a:solidFill>
+                          <a:latin typeface="+mn-lt"/>
+                        </a:rPr>
+                        <a:t>userId</a:t>
+                      </a:r>
+                      <a:r>
+                        <a:rPr lang="en-US" sz="4800" b="0" dirty="0" smtClean="0">
+                          <a:ln>
+                            <a:noFill/>
+                          </a:ln>
+                          <a:solidFill>
+                            <a:schemeClr val="tx1"/>
+                          </a:solidFill>
+                          <a:latin typeface="+mn-lt"/>
+                        </a:rPr>
+                        <a:t> (</a:t>
+                      </a:r>
+                      <a:r>
+                        <a:rPr lang="en-US" sz="4800" b="0" dirty="0" err="1" smtClean="0">
+                          <a:ln>
+                            <a:noFill/>
+                          </a:ln>
+                          <a:solidFill>
+                            <a:schemeClr val="tx1"/>
+                          </a:solidFill>
+                          <a:latin typeface="+mn-lt"/>
+                        </a:rPr>
+                        <a:t>int</a:t>
+                      </a:r>
+                      <a:r>
+                        <a:rPr lang="en-US" sz="4800" b="0" dirty="0" smtClean="0">
+                          <a:ln>
+                            <a:noFill/>
+                          </a:ln>
+                          <a:solidFill>
+                            <a:schemeClr val="tx1"/>
+                          </a:solidFill>
+                          <a:latin typeface="+mn-lt"/>
+                        </a:rPr>
+                        <a:t>)</a:t>
+                      </a:r>
+                      <a:endParaRPr lang="ru-RU" sz="4800" b="0" dirty="0">
+                        <a:ln>
+                          <a:noFill/>
+                        </a:ln>
+                        <a:solidFill>
+                          <a:schemeClr val="tx1"/>
+                        </a:solidFill>
+                        <a:latin typeface="+mn-lt"/>
+                      </a:endParaRPr>
+                    </a:p>
+                  </a:txBody>
+                  <a:tcPr>
+                    <a:lnL w="38100" cap="flat" cmpd="sng" algn="ctr">
+                      <a:solidFill>
+                        <a:schemeClr val="tx1"/>
+                      </a:solidFill>
+                      <a:prstDash val="solid"/>
+                      <a:round/>
+                      <a:headEnd type="none" w="med" len="med"/>
+                      <a:tailEnd type="none" w="med" len="med"/>
+                    </a:lnL>
+                    <a:lnR w="38100" cap="flat" cmpd="sng" algn="ctr">
+                      <a:solidFill>
+                        <a:schemeClr val="tx1"/>
+                      </a:solidFill>
+                      <a:prstDash val="solid"/>
+                      <a:round/>
+                      <a:headEnd type="none" w="med" len="med"/>
+                      <a:tailEnd type="none" w="med" len="med"/>
+                    </a:lnR>
+                    <a:lnT w="38100" cap="flat" cmpd="sng" algn="ctr">
+                      <a:solidFill>
+                        <a:schemeClr val="tx1"/>
+                      </a:solidFill>
+                      <a:prstDash val="solid"/>
+                      <a:round/>
+                      <a:headEnd type="none" w="med" len="med"/>
+                      <a:tailEnd type="none" w="med" len="med"/>
+                    </a:lnT>
+                    <a:lnB w="38100" cap="flat" cmpd="sng" algn="ctr">
+                      <a:solidFill>
+                        <a:schemeClr val="tx1"/>
+                      </a:solidFill>
+                      <a:prstDash val="solid"/>
+                      <a:round/>
+                      <a:headEnd type="none" w="med" len="med"/>
+                      <a:tailEnd type="none" w="med" len="med"/>
+                    </a:lnB>
+                    <a:solidFill>
+                      <a:schemeClr val="bg1"/>
+                    </a:solidFill>
+                  </a:tcPr>
+                </a:tc>
+              </a:tr>
+              <a:tr h="1550157">
+                <a:tc>
+                  <a:txBody>
+                    <a:bodyPr/>
+                    <a:lstStyle/>
+                    <a:p>
+                      <a:r>
+                        <a:rPr lang="ru-RU" sz="4800" b="0" dirty="0" smtClean="0">
+                          <a:ln>
+                            <a:noFill/>
+                          </a:ln>
+                          <a:solidFill>
+                            <a:schemeClr val="tx1"/>
+                          </a:solidFill>
+                          <a:latin typeface="+mn-lt"/>
+                        </a:rPr>
+                        <a:t>Добавить комментарий</a:t>
+                      </a:r>
+                      <a:endParaRPr lang="ru-RU" sz="4800" b="0" dirty="0">
+                        <a:ln>
+                          <a:noFill/>
+                        </a:ln>
+                        <a:solidFill>
+                          <a:schemeClr val="tx1"/>
+                        </a:solidFill>
+                        <a:latin typeface="+mn-lt"/>
+                      </a:endParaRPr>
+                    </a:p>
+                  </a:txBody>
+                  <a:tcPr>
+                    <a:lnL w="38100" cap="flat" cmpd="sng" algn="ctr">
+                      <a:solidFill>
+                        <a:schemeClr val="tx1"/>
+                      </a:solidFill>
+                      <a:prstDash val="solid"/>
+                      <a:round/>
+                      <a:headEnd type="none" w="med" len="med"/>
+                      <a:tailEnd type="none" w="med" len="med"/>
+                    </a:lnL>
+                    <a:lnR w="38100" cap="flat" cmpd="sng" algn="ctr">
+                      <a:solidFill>
+                        <a:schemeClr val="tx1"/>
+                      </a:solidFill>
+                      <a:prstDash val="solid"/>
+                      <a:round/>
+                      <a:headEnd type="none" w="med" len="med"/>
+                      <a:tailEnd type="none" w="med" len="med"/>
+                    </a:lnR>
+                    <a:lnT w="38100" cap="flat" cmpd="sng" algn="ctr">
+                      <a:solidFill>
+                        <a:schemeClr val="tx1"/>
+                      </a:solidFill>
+                      <a:prstDash val="solid"/>
+                      <a:round/>
+                      <a:headEnd type="none" w="med" len="med"/>
+                      <a:tailEnd type="none" w="med" len="med"/>
+                    </a:lnT>
+                    <a:lnB w="38100" cap="flat" cmpd="sng" algn="ctr">
+                      <a:solidFill>
+                        <a:schemeClr val="tx1"/>
+                      </a:solidFill>
+                      <a:prstDash val="solid"/>
+                      <a:round/>
+                      <a:headEnd type="none" w="med" len="med"/>
+                      <a:tailEnd type="none" w="med" len="med"/>
+                    </a:lnB>
+                    <a:solidFill>
+                      <a:schemeClr val="bg1"/>
+                    </a:solidFill>
+                  </a:tcPr>
+                </a:tc>
+                <a:tc>
+                  <a:txBody>
+                    <a:bodyPr/>
+                    <a:lstStyle/>
+                    <a:p>
+                      <a:r>
+                        <a:rPr lang="en-US" sz="4800" b="0" dirty="0" smtClean="0">
+                          <a:ln>
+                            <a:noFill/>
+                          </a:ln>
+                          <a:solidFill>
+                            <a:schemeClr val="tx1"/>
+                          </a:solidFill>
+                          <a:latin typeface="+mn-lt"/>
+                        </a:rPr>
+                        <a:t>POST /</a:t>
+                      </a:r>
+                      <a:r>
+                        <a:rPr lang="en-US" sz="4800" b="0" dirty="0" err="1" smtClean="0">
+                          <a:ln>
+                            <a:noFill/>
+                          </a:ln>
+                          <a:solidFill>
+                            <a:schemeClr val="tx1"/>
+                          </a:solidFill>
+                          <a:latin typeface="+mn-lt"/>
+                        </a:rPr>
+                        <a:t>add_comment</a:t>
+                      </a:r>
+                      <a:endParaRPr lang="en-US" sz="4800" b="0" dirty="0" smtClean="0">
+                        <a:ln>
+                          <a:noFill/>
+                        </a:ln>
+                        <a:solidFill>
+                          <a:schemeClr val="tx1"/>
+                        </a:solidFill>
+                        <a:latin typeface="+mn-lt"/>
+                      </a:endParaRPr>
+                    </a:p>
+                    <a:p>
+                      <a:r>
+                        <a:rPr lang="en-US" sz="4800" b="0" dirty="0" smtClean="0">
+                          <a:ln>
+                            <a:noFill/>
+                          </a:ln>
+                          <a:solidFill>
+                            <a:schemeClr val="tx1"/>
+                          </a:solidFill>
+                          <a:latin typeface="+mn-lt"/>
+                        </a:rPr>
+                        <a:t>u=(</a:t>
+                      </a:r>
+                      <a:r>
+                        <a:rPr lang="en-US" sz="4800" b="0" dirty="0" err="1" smtClean="0">
+                          <a:ln>
+                            <a:noFill/>
+                          </a:ln>
+                          <a:solidFill>
+                            <a:schemeClr val="tx1"/>
+                          </a:solidFill>
+                          <a:latin typeface="+mn-lt"/>
+                        </a:rPr>
+                        <a:t>userId</a:t>
+                      </a:r>
+                      <a:r>
+                        <a:rPr lang="en-US" sz="4800" b="0" dirty="0" smtClean="0">
+                          <a:ln>
+                            <a:noFill/>
+                          </a:ln>
+                          <a:solidFill>
+                            <a:schemeClr val="tx1"/>
+                          </a:solidFill>
+                          <a:latin typeface="+mn-lt"/>
+                        </a:rPr>
+                        <a:t>)&amp;c=(</a:t>
+                      </a:r>
+                      <a:r>
+                        <a:rPr lang="ru-RU" sz="4800" b="0" dirty="0" smtClean="0">
+                          <a:ln>
+                            <a:noFill/>
+                          </a:ln>
+                          <a:solidFill>
+                            <a:schemeClr val="tx1"/>
+                          </a:solidFill>
+                          <a:latin typeface="+mn-lt"/>
+                        </a:rPr>
+                        <a:t>текст</a:t>
+                      </a:r>
+                      <a:r>
+                        <a:rPr lang="en-US" sz="4800" b="0" dirty="0" smtClean="0">
+                          <a:ln>
+                            <a:noFill/>
+                          </a:ln>
+                          <a:solidFill>
+                            <a:schemeClr val="tx1"/>
+                          </a:solidFill>
+                          <a:latin typeface="+mn-lt"/>
+                        </a:rPr>
+                        <a:t>)</a:t>
+                      </a:r>
+                      <a:endParaRPr lang="ru-RU" sz="4800" b="0" dirty="0">
+                        <a:ln>
+                          <a:noFill/>
+                        </a:ln>
+                        <a:solidFill>
+                          <a:schemeClr val="tx1"/>
+                        </a:solidFill>
+                        <a:latin typeface="+mn-lt"/>
+                      </a:endParaRPr>
+                    </a:p>
+                  </a:txBody>
+                  <a:tcPr>
+                    <a:lnL w="38100" cap="flat" cmpd="sng" algn="ctr">
+                      <a:solidFill>
+                        <a:schemeClr val="tx1"/>
+                      </a:solidFill>
+                      <a:prstDash val="solid"/>
+                      <a:round/>
+                      <a:headEnd type="none" w="med" len="med"/>
+                      <a:tailEnd type="none" w="med" len="med"/>
+                    </a:lnL>
+                    <a:lnR w="38100" cap="flat" cmpd="sng" algn="ctr">
+                      <a:solidFill>
+                        <a:schemeClr val="tx1"/>
+                      </a:solidFill>
+                      <a:prstDash val="solid"/>
+                      <a:round/>
+                      <a:headEnd type="none" w="med" len="med"/>
+                      <a:tailEnd type="none" w="med" len="med"/>
+                    </a:lnR>
+                    <a:lnT w="38100" cap="flat" cmpd="sng" algn="ctr">
+                      <a:solidFill>
+                        <a:schemeClr val="tx1"/>
+                      </a:solidFill>
+                      <a:prstDash val="solid"/>
+                      <a:round/>
+                      <a:headEnd type="none" w="med" len="med"/>
+                      <a:tailEnd type="none" w="med" len="med"/>
+                    </a:lnT>
+                    <a:lnB w="38100" cap="flat" cmpd="sng" algn="ctr">
+                      <a:solidFill>
+                        <a:schemeClr val="tx1"/>
+                      </a:solidFill>
+                      <a:prstDash val="solid"/>
+                      <a:round/>
+                      <a:headEnd type="none" w="med" len="med"/>
+                      <a:tailEnd type="none" w="med" len="med"/>
+                    </a:lnB>
+                    <a:solidFill>
+                      <a:schemeClr val="bg1"/>
+                    </a:solidFill>
+                  </a:tcPr>
+                </a:tc>
+                <a:tc>
+                  <a:txBody>
+                    <a:bodyPr/>
+                    <a:lstStyle/>
+                    <a:p>
+                      <a:r>
+                        <a:rPr lang="ru-RU" sz="4800" b="0" dirty="0" smtClean="0">
+                          <a:ln>
+                            <a:noFill/>
+                          </a:ln>
+                          <a:solidFill>
+                            <a:schemeClr val="tx1"/>
+                          </a:solidFill>
+                          <a:latin typeface="+mn-lt"/>
+                        </a:rPr>
+                        <a:t>200 </a:t>
+                      </a:r>
+                      <a:r>
+                        <a:rPr lang="en-US" sz="4800" b="0" dirty="0" smtClean="0">
+                          <a:ln>
+                            <a:noFill/>
+                          </a:ln>
+                          <a:solidFill>
+                            <a:schemeClr val="tx1"/>
+                          </a:solidFill>
+                          <a:latin typeface="+mn-lt"/>
+                        </a:rPr>
+                        <a:t>OK</a:t>
+                      </a:r>
+                      <a:endParaRPr lang="ru-RU" sz="4800" b="0" dirty="0">
+                        <a:ln>
+                          <a:noFill/>
+                        </a:ln>
+                        <a:solidFill>
+                          <a:schemeClr val="tx1"/>
+                        </a:solidFill>
+                        <a:latin typeface="+mn-lt"/>
+                      </a:endParaRPr>
+                    </a:p>
+                  </a:txBody>
+                  <a:tcPr>
+                    <a:lnL w="38100" cap="flat" cmpd="sng" algn="ctr">
+                      <a:solidFill>
+                        <a:schemeClr val="tx1"/>
+                      </a:solidFill>
+                      <a:prstDash val="solid"/>
+                      <a:round/>
+                      <a:headEnd type="none" w="med" len="med"/>
+                      <a:tailEnd type="none" w="med" len="med"/>
+                    </a:lnL>
+                    <a:lnR w="38100" cap="flat" cmpd="sng" algn="ctr">
+                      <a:solidFill>
+                        <a:schemeClr val="tx1"/>
+                      </a:solidFill>
+                      <a:prstDash val="solid"/>
+                      <a:round/>
+                      <a:headEnd type="none" w="med" len="med"/>
+                      <a:tailEnd type="none" w="med" len="med"/>
+                    </a:lnR>
+                    <a:lnT w="38100" cap="flat" cmpd="sng" algn="ctr">
+                      <a:solidFill>
+                        <a:schemeClr val="tx1"/>
+                      </a:solidFill>
+                      <a:prstDash val="solid"/>
+                      <a:round/>
+                      <a:headEnd type="none" w="med" len="med"/>
+                      <a:tailEnd type="none" w="med" len="med"/>
+                    </a:lnT>
+                    <a:lnB w="38100" cap="flat" cmpd="sng" algn="ctr">
+                      <a:solidFill>
+                        <a:schemeClr val="tx1"/>
+                      </a:solidFill>
+                      <a:prstDash val="solid"/>
+                      <a:round/>
+                      <a:headEnd type="none" w="med" len="med"/>
+                      <a:tailEnd type="none" w="med" len="med"/>
+                    </a:lnB>
+                    <a:solidFill>
+                      <a:schemeClr val="bg1"/>
+                    </a:solidFill>
+                  </a:tcPr>
+                </a:tc>
+              </a:tr>
+              <a:tr h="3696527">
+                <a:tc>
+                  <a:txBody>
+                    <a:bodyPr/>
+                    <a:lstStyle/>
+                    <a:p>
+                      <a:r>
+                        <a:rPr lang="ru-RU" sz="4800" b="0" dirty="0" smtClean="0">
+                          <a:ln>
+                            <a:noFill/>
+                          </a:ln>
+                          <a:solidFill>
+                            <a:schemeClr val="tx1"/>
+                          </a:solidFill>
+                          <a:latin typeface="+mn-lt"/>
+                        </a:rPr>
+                        <a:t>Получить комментарии</a:t>
+                      </a:r>
+                      <a:endParaRPr lang="ru-RU" sz="4800" b="0" dirty="0">
+                        <a:ln>
+                          <a:noFill/>
+                        </a:ln>
+                        <a:solidFill>
+                          <a:schemeClr val="tx1"/>
+                        </a:solidFill>
+                        <a:latin typeface="+mn-lt"/>
+                      </a:endParaRPr>
+                    </a:p>
+                  </a:txBody>
+                  <a:tcPr>
+                    <a:lnL w="38100" cap="flat" cmpd="sng" algn="ctr">
+                      <a:solidFill>
+                        <a:schemeClr val="tx1"/>
+                      </a:solidFill>
+                      <a:prstDash val="solid"/>
+                      <a:round/>
+                      <a:headEnd type="none" w="med" len="med"/>
+                      <a:tailEnd type="none" w="med" len="med"/>
+                    </a:lnL>
+                    <a:lnR w="38100" cap="flat" cmpd="sng" algn="ctr">
+                      <a:solidFill>
+                        <a:schemeClr val="tx1"/>
+                      </a:solidFill>
+                      <a:prstDash val="solid"/>
+                      <a:round/>
+                      <a:headEnd type="none" w="med" len="med"/>
+                      <a:tailEnd type="none" w="med" len="med"/>
+                    </a:lnR>
+                    <a:lnT w="38100" cap="flat" cmpd="sng" algn="ctr">
+                      <a:solidFill>
+                        <a:schemeClr val="tx1"/>
+                      </a:solidFill>
+                      <a:prstDash val="solid"/>
+                      <a:round/>
+                      <a:headEnd type="none" w="med" len="med"/>
+                      <a:tailEnd type="none" w="med" len="med"/>
+                    </a:lnT>
+                    <a:lnB w="38100" cap="flat" cmpd="sng" algn="ctr">
+                      <a:solidFill>
+                        <a:schemeClr val="tx1"/>
+                      </a:solidFill>
+                      <a:prstDash val="solid"/>
+                      <a:round/>
+                      <a:headEnd type="none" w="med" len="med"/>
+                      <a:tailEnd type="none" w="med" len="med"/>
+                    </a:lnB>
+                    <a:solidFill>
+                      <a:schemeClr val="bg1"/>
+                    </a:solidFill>
+                  </a:tcPr>
+                </a:tc>
+                <a:tc>
+                  <a:txBody>
+                    <a:bodyPr/>
+                    <a:lstStyle/>
+                    <a:p>
+                      <a:r>
+                        <a:rPr lang="en-US" sz="4800" b="0" dirty="0" smtClean="0">
+                          <a:ln>
+                            <a:noFill/>
+                          </a:ln>
+                          <a:solidFill>
+                            <a:schemeClr val="tx1"/>
+                          </a:solidFill>
+                          <a:latin typeface="+mn-lt"/>
+                        </a:rPr>
+                        <a:t>GET /</a:t>
+                      </a:r>
+                      <a:r>
+                        <a:rPr lang="en-US" sz="4800" b="0" dirty="0" err="1" smtClean="0">
+                          <a:ln>
+                            <a:noFill/>
+                          </a:ln>
+                          <a:solidFill>
+                            <a:schemeClr val="tx1"/>
+                          </a:solidFill>
+                          <a:latin typeface="+mn-lt"/>
+                        </a:rPr>
+                        <a:t>user_comments?u</a:t>
+                      </a:r>
+                      <a:r>
+                        <a:rPr lang="en-US" sz="4800" b="0" dirty="0" smtClean="0">
+                          <a:ln>
+                            <a:noFill/>
+                          </a:ln>
+                          <a:solidFill>
+                            <a:schemeClr val="tx1"/>
+                          </a:solidFill>
+                          <a:latin typeface="+mn-lt"/>
+                        </a:rPr>
+                        <a:t>=(</a:t>
+                      </a:r>
+                      <a:r>
+                        <a:rPr lang="en-US" sz="4800" b="0" dirty="0" err="1" smtClean="0">
+                          <a:ln>
+                            <a:noFill/>
+                          </a:ln>
+                          <a:solidFill>
+                            <a:schemeClr val="tx1"/>
+                          </a:solidFill>
+                          <a:latin typeface="+mn-lt"/>
+                        </a:rPr>
+                        <a:t>userId</a:t>
+                      </a:r>
+                      <a:r>
+                        <a:rPr lang="en-US" sz="4800" b="0" dirty="0" smtClean="0">
+                          <a:ln>
+                            <a:noFill/>
+                          </a:ln>
+                          <a:solidFill>
+                            <a:schemeClr val="tx1"/>
+                          </a:solidFill>
+                          <a:latin typeface="+mn-lt"/>
+                        </a:rPr>
+                        <a:t>)</a:t>
+                      </a:r>
+                      <a:endParaRPr lang="ru-RU" sz="4800" b="0" dirty="0">
+                        <a:ln>
+                          <a:noFill/>
+                        </a:ln>
+                        <a:solidFill>
+                          <a:schemeClr val="tx1"/>
+                        </a:solidFill>
+                        <a:latin typeface="+mn-lt"/>
+                      </a:endParaRPr>
+                    </a:p>
+                  </a:txBody>
+                  <a:tcPr>
+                    <a:lnL w="38100" cap="flat" cmpd="sng" algn="ctr">
+                      <a:solidFill>
+                        <a:schemeClr val="tx1"/>
+                      </a:solidFill>
+                      <a:prstDash val="solid"/>
+                      <a:round/>
+                      <a:headEnd type="none" w="med" len="med"/>
+                      <a:tailEnd type="none" w="med" len="med"/>
+                    </a:lnL>
+                    <a:lnR w="38100" cap="flat" cmpd="sng" algn="ctr">
+                      <a:solidFill>
+                        <a:schemeClr val="tx1"/>
+                      </a:solidFill>
+                      <a:prstDash val="solid"/>
+                      <a:round/>
+                      <a:headEnd type="none" w="med" len="med"/>
+                      <a:tailEnd type="none" w="med" len="med"/>
+                    </a:lnR>
+                    <a:lnT w="38100" cap="flat" cmpd="sng" algn="ctr">
+                      <a:solidFill>
+                        <a:schemeClr val="tx1"/>
+                      </a:solidFill>
+                      <a:prstDash val="solid"/>
+                      <a:round/>
+                      <a:headEnd type="none" w="med" len="med"/>
+                      <a:tailEnd type="none" w="med" len="med"/>
+                    </a:lnT>
+                    <a:lnB w="38100" cap="flat" cmpd="sng" algn="ctr">
+                      <a:solidFill>
+                        <a:schemeClr val="tx1"/>
+                      </a:solidFill>
+                      <a:prstDash val="solid"/>
+                      <a:round/>
+                      <a:headEnd type="none" w="med" len="med"/>
+                      <a:tailEnd type="none" w="med" len="med"/>
+                    </a:lnB>
+                    <a:solidFill>
+                      <a:schemeClr val="bg1"/>
+                    </a:solidFill>
+                  </a:tcPr>
+                </a:tc>
+                <a:tc>
+                  <a:txBody>
+                    <a:bodyPr/>
+                    <a:lstStyle/>
+                    <a:p>
+                      <a:r>
+                        <a:rPr lang="en-US" sz="4800" b="0" dirty="0" smtClean="0">
+                          <a:ln>
+                            <a:noFill/>
+                          </a:ln>
+                          <a:solidFill>
+                            <a:schemeClr val="tx1"/>
+                          </a:solidFill>
+                          <a:latin typeface="+mn-lt"/>
+                        </a:rPr>
+                        <a:t>200 OK</a:t>
+                      </a:r>
+                    </a:p>
+                    <a:p>
+                      <a:r>
+                        <a:rPr lang="en-US" sz="4800" b="0" dirty="0" smtClean="0">
+                          <a:ln>
+                            <a:noFill/>
+                          </a:ln>
+                          <a:solidFill>
+                            <a:schemeClr val="tx1"/>
+                          </a:solidFill>
+                          <a:latin typeface="+mn-lt"/>
+                        </a:rPr>
+                        <a:t>Comment1</a:t>
+                      </a:r>
+                    </a:p>
+                    <a:p>
+                      <a:r>
+                        <a:rPr lang="en-US" sz="4800" b="0" dirty="0" smtClean="0">
+                          <a:ln>
+                            <a:noFill/>
+                          </a:ln>
+                          <a:solidFill>
+                            <a:schemeClr val="tx1"/>
+                          </a:solidFill>
+                          <a:latin typeface="+mn-lt"/>
+                        </a:rPr>
+                        <a:t>Comment2</a:t>
+                      </a:r>
+                    </a:p>
+                    <a:p>
+                      <a:r>
+                        <a:rPr lang="en-US" sz="4800" b="0" dirty="0" smtClean="0">
+                          <a:ln>
+                            <a:noFill/>
+                          </a:ln>
+                          <a:solidFill>
+                            <a:schemeClr val="tx1"/>
+                          </a:solidFill>
+                          <a:latin typeface="+mn-lt"/>
+                        </a:rPr>
+                        <a:t>…</a:t>
+                      </a:r>
+                    </a:p>
+                    <a:p>
+                      <a:r>
+                        <a:rPr lang="en-US" sz="4800" b="0" dirty="0" err="1" smtClean="0">
+                          <a:ln>
+                            <a:noFill/>
+                          </a:ln>
+                          <a:solidFill>
+                            <a:schemeClr val="tx1"/>
+                          </a:solidFill>
+                          <a:latin typeface="+mn-lt"/>
+                        </a:rPr>
+                        <a:t>CommentN</a:t>
+                      </a:r>
+                      <a:endParaRPr lang="ru-RU" sz="4800" b="0" dirty="0">
+                        <a:ln>
+                          <a:noFill/>
+                        </a:ln>
+                        <a:solidFill>
+                          <a:schemeClr val="tx1"/>
+                        </a:solidFill>
+                        <a:latin typeface="+mn-lt"/>
+                      </a:endParaRPr>
+                    </a:p>
+                  </a:txBody>
+                  <a:tcPr>
+                    <a:lnL w="38100" cap="flat" cmpd="sng" algn="ctr">
+                      <a:solidFill>
+                        <a:schemeClr val="tx1"/>
+                      </a:solidFill>
+                      <a:prstDash val="solid"/>
+                      <a:round/>
+                      <a:headEnd type="none" w="med" len="med"/>
+                      <a:tailEnd type="none" w="med" len="med"/>
+                    </a:lnL>
+                    <a:lnR w="38100" cap="flat" cmpd="sng" algn="ctr">
+                      <a:solidFill>
+                        <a:schemeClr val="tx1"/>
+                      </a:solidFill>
+                      <a:prstDash val="solid"/>
+                      <a:round/>
+                      <a:headEnd type="none" w="med" len="med"/>
+                      <a:tailEnd type="none" w="med" len="med"/>
+                    </a:lnR>
+                    <a:lnT w="38100" cap="flat" cmpd="sng" algn="ctr">
+                      <a:solidFill>
+                        <a:schemeClr val="tx1"/>
+                      </a:solidFill>
+                      <a:prstDash val="solid"/>
+                      <a:round/>
+                      <a:headEnd type="none" w="med" len="med"/>
+                      <a:tailEnd type="none" w="med" len="med"/>
+                    </a:lnT>
+                    <a:lnB w="38100" cap="flat" cmpd="sng" algn="ctr">
+                      <a:solidFill>
+                        <a:schemeClr val="tx1"/>
+                      </a:solidFill>
+                      <a:prstDash val="solid"/>
+                      <a:round/>
+                      <a:headEnd type="none" w="med" len="med"/>
+                      <a:tailEnd type="none" w="med" len="med"/>
+                    </a:lnB>
+                    <a:solidFill>
+                      <a:schemeClr val="bg1"/>
+                    </a:solidFill>
+                  </a:tcPr>
+                </a:tc>
+              </a:tr>
+            </a:tbl>
+          </a:graphicData>
+        </a:graphic>
+      </p:graphicFrame>
+    </p:spTree>
+    <p:extLst>
+      <p:ext uri="{BB962C8B-B14F-4D97-AF65-F5344CB8AC3E}">
+        <p14:creationId xmlns:p14="http://schemas.microsoft.com/office/powerpoint/2010/main" val="232986921"/>
+      </p:ext>
+    </p:extLst>
+  </p:cSld>
+  <p:clrMapOvr>
+    <a:masterClrMapping/>
+  </p:clrMapOvr>
+  <p:timing>
+    <p:tnLst>
+      <p:par>
+        <p:cTn id="1" dur="indefinite" restart="never" nodeType="tmRoot"/>
+      </p:par>
+    </p:tnLst>
+  </p:timing>
+</p:sld>
+</file>
+
+<file path=ppt/slides/slide9.xml><?xml version="1.0" encoding="utf-8"?>
 <p:sld xmlns:a="http://schemas.openxmlformats.org/drawingml/2006/main" xmlns:r="http://schemas.openxmlformats.org/officeDocument/2006/relationships" xmlns:p="http://schemas.openxmlformats.org/presentationml/2006/main">
   <p:cSld>
     <p:spTree>

--- a/slides.pptx
+++ b/slides.pptx
@@ -6,7 +6,7 @@
     <p:sldMasterId id="2147483735" r:id="rId2"/>
   </p:sldMasterIdLst>
   <p:notesMasterIdLst>
-    <p:notesMasterId r:id="rId21"/>
+    <p:notesMasterId r:id="rId25"/>
   </p:notesMasterIdLst>
   <p:sldIdLst>
     <p:sldId id="303" r:id="rId3"/>
@@ -23,10 +23,14 @@
     <p:sldId id="315" r:id="rId14"/>
     <p:sldId id="316" r:id="rId15"/>
     <p:sldId id="317" r:id="rId16"/>
-    <p:sldId id="300" r:id="rId17"/>
-    <p:sldId id="309" r:id="rId18"/>
-    <p:sldId id="310" r:id="rId19"/>
-    <p:sldId id="311" r:id="rId20"/>
+    <p:sldId id="318" r:id="rId17"/>
+    <p:sldId id="319" r:id="rId18"/>
+    <p:sldId id="321" r:id="rId19"/>
+    <p:sldId id="322" r:id="rId20"/>
+    <p:sldId id="300" r:id="rId21"/>
+    <p:sldId id="309" r:id="rId22"/>
+    <p:sldId id="310" r:id="rId23"/>
+    <p:sldId id="311" r:id="rId24"/>
   </p:sldIdLst>
   <p:sldSz cx="24382413" cy="13716000"/>
   <p:notesSz cx="6858000" cy="9144000"/>
@@ -144,6 +148,10 @@
             <p14:sldId id="315"/>
             <p14:sldId id="316"/>
             <p14:sldId id="317"/>
+            <p14:sldId id="318"/>
+            <p14:sldId id="319"/>
+            <p14:sldId id="321"/>
+            <p14:sldId id="322"/>
             <p14:sldId id="300"/>
             <p14:sldId id="309"/>
             <p14:sldId id="310"/>
@@ -24369,7 +24377,7 @@
             <a:r>
               <a:rPr lang="ru-RU" altLang="ru-RU" dirty="0" err="1">
                 <a:solidFill>
-                  <a:srgbClr val="A9B7C6"/>
+                  <a:srgbClr val="FFCC00"/>
                 </a:solidFill>
                 <a:latin typeface="Verdana" panose="020B0604030504040204" pitchFamily="34" charset="0"/>
               </a:rPr>
@@ -24387,7 +24395,7 @@
             <a:r>
               <a:rPr lang="ru-RU" altLang="ru-RU" dirty="0" err="1">
                 <a:solidFill>
-                  <a:srgbClr val="A9B7C6"/>
+                  <a:srgbClr val="FFCC00"/>
                 </a:solidFill>
                 <a:latin typeface="Verdana" panose="020B0604030504040204" pitchFamily="34" charset="0"/>
               </a:rPr>
@@ -24465,7 +24473,7 @@
               </a:rPr>
             </a:br>
             <a:r>
-              <a:rPr lang="ru-RU" altLang="ru-RU" dirty="0">
+              <a:rPr lang="ru-RU" altLang="ru-RU" dirty="0" smtClean="0">
                 <a:solidFill>
                   <a:srgbClr val="FFFFFF"/>
                 </a:solidFill>
@@ -24503,7 +24511,7 @@
             <a:r>
               <a:rPr lang="ru-RU" altLang="ru-RU" dirty="0" err="1">
                 <a:solidFill>
-                  <a:srgbClr val="A9B7C6"/>
+                  <a:srgbClr val="FFCC00"/>
                 </a:solidFill>
                 <a:latin typeface="Verdana" panose="020B0604030504040204" pitchFamily="34" charset="0"/>
               </a:rPr>
@@ -24521,7 +24529,7 @@
             <a:r>
               <a:rPr lang="ru-RU" altLang="ru-RU" dirty="0" err="1">
                 <a:solidFill>
-                  <a:srgbClr val="A9B7C6"/>
+                  <a:srgbClr val="FFCC00"/>
                 </a:solidFill>
                 <a:latin typeface="Verdana" panose="020B0604030504040204" pitchFamily="34" charset="0"/>
               </a:rPr>
@@ -24539,7 +24547,7 @@
             <a:r>
               <a:rPr lang="ru-RU" altLang="ru-RU" dirty="0" err="1">
                 <a:solidFill>
-                  <a:srgbClr val="A9B7C6"/>
+                  <a:srgbClr val="FFCC00"/>
                 </a:solidFill>
                 <a:latin typeface="Verdana" panose="020B0604030504040204" pitchFamily="34" charset="0"/>
               </a:rPr>
@@ -24563,7 +24571,7 @@
               </a:rPr>
             </a:br>
             <a:r>
-              <a:rPr lang="ru-RU" altLang="ru-RU" dirty="0">
+              <a:rPr lang="ru-RU" altLang="ru-RU" dirty="0" smtClean="0">
                 <a:solidFill>
                   <a:srgbClr val="FFFFFF"/>
                 </a:solidFill>
@@ -26614,6 +26622,4248 @@
 </file>
 
 <file path=ppt/slides/slide15.xml><?xml version="1.0" encoding="utf-8"?>
+<p:sld xmlns:a="http://schemas.openxmlformats.org/drawingml/2006/main" xmlns:r="http://schemas.openxmlformats.org/officeDocument/2006/relationships" xmlns:p="http://schemas.openxmlformats.org/presentationml/2006/main">
+  <p:cSld>
+    <p:spTree>
+      <p:nvGrpSpPr>
+        <p:cNvPr id="1" name=""/>
+        <p:cNvGrpSpPr/>
+        <p:nvPr/>
+      </p:nvGrpSpPr>
+      <p:grpSpPr>
+        <a:xfrm>
+          <a:off x="0" y="0"/>
+          <a:ext cx="0" cy="0"/>
+          <a:chOff x="0" y="0"/>
+          <a:chExt cx="0" cy="0"/>
+        </a:xfrm>
+      </p:grpSpPr>
+      <p:sp>
+        <p:nvSpPr>
+          <p:cNvPr id="2" name="Заголовок 1"/>
+          <p:cNvSpPr>
+            <a:spLocks noGrp="1"/>
+          </p:cNvSpPr>
+          <p:nvPr>
+            <p:ph type="title"/>
+          </p:nvPr>
+        </p:nvSpPr>
+        <p:spPr/>
+        <p:txBody>
+          <a:bodyPr/>
+          <a:lstStyle/>
+          <a:p>
+            <a:r>
+              <a:rPr lang="ru-RU" dirty="0" smtClean="0"/>
+              <a:t>Решим одну из проблем</a:t>
+            </a:r>
+            <a:endParaRPr lang="ru-RU" dirty="0"/>
+          </a:p>
+        </p:txBody>
+      </p:sp>
+      <p:sp>
+        <p:nvSpPr>
+          <p:cNvPr id="3" name="Объект 2"/>
+          <p:cNvSpPr>
+            <a:spLocks noGrp="1"/>
+          </p:cNvSpPr>
+          <p:nvPr>
+            <p:ph idx="1"/>
+          </p:nvPr>
+        </p:nvSpPr>
+        <p:spPr/>
+        <p:txBody>
+          <a:bodyPr/>
+          <a:lstStyle/>
+          <a:p>
+            <a:pPr lvl="1"/>
+            <a:r>
+              <a:rPr lang="ru-RU" dirty="0" smtClean="0"/>
+              <a:t>Избавимся от необходимости каждый раз </a:t>
+            </a:r>
+            <a:r>
+              <a:rPr lang="ru-RU" dirty="0" err="1" smtClean="0"/>
+              <a:t>хардкодить</a:t>
+            </a:r>
+            <a:r>
+              <a:rPr lang="ru-RU" dirty="0" smtClean="0"/>
+              <a:t> </a:t>
+            </a:r>
+            <a:r>
+              <a:rPr lang="en-US" dirty="0" smtClean="0"/>
+              <a:t>HTTP-</a:t>
+            </a:r>
+            <a:r>
+              <a:rPr lang="ru-RU" dirty="0" smtClean="0"/>
+              <a:t>ответы</a:t>
+            </a:r>
+          </a:p>
+          <a:p>
+            <a:pPr lvl="1"/>
+            <a:endParaRPr lang="ru-RU" dirty="0" smtClean="0"/>
+          </a:p>
+          <a:p>
+            <a:pPr lvl="1"/>
+            <a:r>
+              <a:rPr lang="ru-RU" dirty="0" smtClean="0"/>
+              <a:t>Напишем </a:t>
+            </a:r>
+            <a:r>
+              <a:rPr lang="ru-RU" dirty="0"/>
+              <a:t>класс </a:t>
+            </a:r>
+            <a:r>
+              <a:rPr lang="ru-RU" dirty="0" err="1" smtClean="0"/>
+              <a:t>HttpResponse</a:t>
+            </a:r>
+            <a:r>
+              <a:rPr lang="ru-RU" dirty="0" smtClean="0"/>
+              <a:t>, который будет</a:t>
+            </a:r>
+          </a:p>
+          <a:p>
+            <a:pPr lvl="2"/>
+            <a:r>
+              <a:rPr lang="ru-RU" dirty="0" smtClean="0"/>
+              <a:t>инкапсулировать строковое </a:t>
+            </a:r>
+            <a:r>
+              <a:rPr lang="ru-RU" dirty="0"/>
+              <a:t>представление HTTP-ответов </a:t>
+            </a:r>
+            <a:endParaRPr lang="ru-RU" dirty="0" smtClean="0"/>
+          </a:p>
+          <a:p>
+            <a:pPr lvl="2"/>
+            <a:r>
+              <a:rPr lang="ru-RU" dirty="0" smtClean="0"/>
+              <a:t>предоставлять </a:t>
+            </a:r>
+            <a:r>
+              <a:rPr lang="ru-RU" dirty="0"/>
+              <a:t>удобный интерфейс для их </a:t>
+            </a:r>
+            <a:r>
+              <a:rPr lang="ru-RU" dirty="0" smtClean="0"/>
+              <a:t>создания</a:t>
+            </a:r>
+          </a:p>
+          <a:p>
+            <a:pPr lvl="1"/>
+            <a:endParaRPr lang="ru-RU" dirty="0"/>
+          </a:p>
+          <a:p>
+            <a:pPr lvl="1"/>
+            <a:r>
+              <a:rPr lang="ru-RU" dirty="0" smtClean="0"/>
+              <a:t>Воспользуемся нашими четырьмя шагами</a:t>
+            </a:r>
+            <a:endParaRPr lang="ru-RU" dirty="0"/>
+          </a:p>
+        </p:txBody>
+      </p:sp>
+      <p:sp>
+        <p:nvSpPr>
+          <p:cNvPr id="4" name="Нижний колонтитул 3"/>
+          <p:cNvSpPr>
+            <a:spLocks noGrp="1"/>
+          </p:cNvSpPr>
+          <p:nvPr>
+            <p:ph type="ftr" sz="quarter" idx="11"/>
+          </p:nvPr>
+        </p:nvSpPr>
+        <p:spPr/>
+        <p:txBody>
+          <a:bodyPr/>
+          <a:lstStyle/>
+          <a:p>
+            <a:endParaRPr lang="ru-RU">
+              <a:solidFill>
+                <a:srgbClr val="000000"/>
+              </a:solidFill>
+            </a:endParaRPr>
+          </a:p>
+        </p:txBody>
+      </p:sp>
+      <p:sp>
+        <p:nvSpPr>
+          <p:cNvPr id="5" name="Номер слайда 4"/>
+          <p:cNvSpPr>
+            <a:spLocks noGrp="1"/>
+          </p:cNvSpPr>
+          <p:nvPr>
+            <p:ph type="sldNum" sz="quarter" idx="12"/>
+          </p:nvPr>
+        </p:nvSpPr>
+        <p:spPr/>
+        <p:txBody>
+          <a:bodyPr/>
+          <a:lstStyle/>
+          <a:p>
+            <a:fld id="{741C03D3-FA44-40EC-9A21-1FC4FEA3E22E}" type="slidenum">
+              <a:rPr lang="ru-RU" smtClean="0">
+                <a:solidFill>
+                  <a:srgbClr val="000000"/>
+                </a:solidFill>
+              </a:rPr>
+              <a:pPr/>
+              <a:t>15</a:t>
+            </a:fld>
+            <a:endParaRPr lang="ru-RU">
+              <a:solidFill>
+                <a:srgbClr val="000000"/>
+              </a:solidFill>
+            </a:endParaRPr>
+          </a:p>
+        </p:txBody>
+      </p:sp>
+    </p:spTree>
+    <p:extLst>
+      <p:ext uri="{BB962C8B-B14F-4D97-AF65-F5344CB8AC3E}">
+        <p14:creationId xmlns:p14="http://schemas.microsoft.com/office/powerpoint/2010/main" val="1587362783"/>
+      </p:ext>
+    </p:extLst>
+  </p:cSld>
+  <p:clrMapOvr>
+    <a:masterClrMapping/>
+  </p:clrMapOvr>
+  <p:timing>
+    <p:tnLst>
+      <p:par>
+        <p:cTn id="1" dur="indefinite" restart="never" nodeType="tmRoot"/>
+      </p:par>
+    </p:tnLst>
+  </p:timing>
+</p:sld>
+</file>
+
+<file path=ppt/slides/slide16.xml><?xml version="1.0" encoding="utf-8"?>
+<p:sld xmlns:a="http://schemas.openxmlformats.org/drawingml/2006/main" xmlns:r="http://schemas.openxmlformats.org/officeDocument/2006/relationships" xmlns:p="http://schemas.openxmlformats.org/presentationml/2006/main">
+  <p:cSld>
+    <p:spTree>
+      <p:nvGrpSpPr>
+        <p:cNvPr id="1" name=""/>
+        <p:cNvGrpSpPr/>
+        <p:nvPr/>
+      </p:nvGrpSpPr>
+      <p:grpSpPr>
+        <a:xfrm>
+          <a:off x="0" y="0"/>
+          <a:ext cx="0" cy="0"/>
+          <a:chOff x="0" y="0"/>
+          <a:chExt cx="0" cy="0"/>
+        </a:xfrm>
+      </p:grpSpPr>
+      <p:sp>
+        <p:nvSpPr>
+          <p:cNvPr id="2" name="Заголовок 1"/>
+          <p:cNvSpPr>
+            <a:spLocks noGrp="1"/>
+          </p:cNvSpPr>
+          <p:nvPr>
+            <p:ph type="title"/>
+          </p:nvPr>
+        </p:nvSpPr>
+        <p:spPr/>
+        <p:txBody>
+          <a:bodyPr/>
+          <a:lstStyle/>
+          <a:p>
+            <a:r>
+              <a:rPr lang="ru-RU" dirty="0" smtClean="0"/>
+              <a:t>Шаг первый – создадим интерфейс</a:t>
+            </a:r>
+            <a:endParaRPr lang="ru-RU" dirty="0"/>
+          </a:p>
+        </p:txBody>
+      </p:sp>
+      <p:sp>
+        <p:nvSpPr>
+          <p:cNvPr id="3" name="Объект 2"/>
+          <p:cNvSpPr>
+            <a:spLocks noGrp="1"/>
+          </p:cNvSpPr>
+          <p:nvPr>
+            <p:ph idx="1"/>
+          </p:nvPr>
+        </p:nvSpPr>
+        <p:spPr/>
+        <p:txBody>
+          <a:bodyPr/>
+          <a:lstStyle/>
+          <a:p>
+            <a:pPr lvl="1"/>
+            <a:r>
+              <a:rPr lang="ru-RU" dirty="0" smtClean="0"/>
+              <a:t>Мы создаём интерфейс без реализации!</a:t>
+            </a:r>
+            <a:endParaRPr lang="ru-RU" dirty="0"/>
+          </a:p>
+        </p:txBody>
+      </p:sp>
+      <p:sp>
+        <p:nvSpPr>
+          <p:cNvPr id="4" name="Нижний колонтитул 3"/>
+          <p:cNvSpPr>
+            <a:spLocks noGrp="1"/>
+          </p:cNvSpPr>
+          <p:nvPr>
+            <p:ph type="ftr" sz="quarter" idx="11"/>
+          </p:nvPr>
+        </p:nvSpPr>
+        <p:spPr/>
+        <p:txBody>
+          <a:bodyPr/>
+          <a:lstStyle/>
+          <a:p>
+            <a:endParaRPr lang="ru-RU" dirty="0">
+              <a:solidFill>
+                <a:srgbClr val="000000"/>
+              </a:solidFill>
+            </a:endParaRPr>
+          </a:p>
+        </p:txBody>
+      </p:sp>
+      <p:sp>
+        <p:nvSpPr>
+          <p:cNvPr id="5" name="Номер слайда 4"/>
+          <p:cNvSpPr>
+            <a:spLocks noGrp="1"/>
+          </p:cNvSpPr>
+          <p:nvPr>
+            <p:ph type="sldNum" sz="quarter" idx="12"/>
+          </p:nvPr>
+        </p:nvSpPr>
+        <p:spPr/>
+        <p:txBody>
+          <a:bodyPr/>
+          <a:lstStyle/>
+          <a:p>
+            <a:fld id="{741C03D3-FA44-40EC-9A21-1FC4FEA3E22E}" type="slidenum">
+              <a:rPr lang="ru-RU" smtClean="0">
+                <a:solidFill>
+                  <a:srgbClr val="000000"/>
+                </a:solidFill>
+              </a:rPr>
+              <a:pPr/>
+              <a:t>16</a:t>
+            </a:fld>
+            <a:endParaRPr lang="ru-RU">
+              <a:solidFill>
+                <a:srgbClr val="000000"/>
+              </a:solidFill>
+            </a:endParaRPr>
+          </a:p>
+        </p:txBody>
+      </p:sp>
+      <p:sp>
+        <p:nvSpPr>
+          <p:cNvPr id="6" name="Объект 5"/>
+          <p:cNvSpPr>
+            <a:spLocks noGrp="1"/>
+          </p:cNvSpPr>
+          <p:nvPr>
+            <p:ph idx="13"/>
+          </p:nvPr>
+        </p:nvSpPr>
+        <p:spPr/>
+        <p:txBody>
+          <a:bodyPr/>
+          <a:lstStyle/>
+          <a:p>
+            <a:r>
+              <a:rPr lang="ru-RU" altLang="ru-RU" dirty="0" err="1">
+                <a:solidFill>
+                  <a:srgbClr val="FFFFFF"/>
+                </a:solidFill>
+                <a:latin typeface="Verdana" panose="020B0604030504040204" pitchFamily="34" charset="0"/>
+              </a:rPr>
+              <a:t>class</a:t>
+            </a:r>
+            <a:r>
+              <a:rPr lang="ru-RU" altLang="ru-RU" dirty="0">
+                <a:solidFill>
+                  <a:srgbClr val="FFFFFF"/>
+                </a:solidFill>
+                <a:latin typeface="Verdana" panose="020B0604030504040204" pitchFamily="34" charset="0"/>
+              </a:rPr>
+              <a:t> </a:t>
+            </a:r>
+            <a:r>
+              <a:rPr lang="ru-RU" altLang="ru-RU" dirty="0" err="1">
+                <a:solidFill>
+                  <a:srgbClr val="FFCC00"/>
+                </a:solidFill>
+                <a:latin typeface="Verdana" panose="020B0604030504040204" pitchFamily="34" charset="0"/>
+              </a:rPr>
+              <a:t>HttpResponse</a:t>
+            </a:r>
+            <a:r>
+              <a:rPr lang="ru-RU" altLang="ru-RU" dirty="0">
+                <a:solidFill>
+                  <a:srgbClr val="FFCC00"/>
+                </a:solidFill>
+                <a:latin typeface="Verdana" panose="020B0604030504040204" pitchFamily="34" charset="0"/>
+              </a:rPr>
+              <a:t> </a:t>
+            </a:r>
+            <a:r>
+              <a:rPr lang="ru-RU" altLang="ru-RU" dirty="0">
+                <a:solidFill>
+                  <a:srgbClr val="FFFFFF"/>
+                </a:solidFill>
+                <a:latin typeface="Verdana" panose="020B0604030504040204" pitchFamily="34" charset="0"/>
+              </a:rPr>
+              <a:t>{</a:t>
+            </a:r>
+            <a:br>
+              <a:rPr lang="ru-RU" altLang="ru-RU" dirty="0">
+                <a:solidFill>
+                  <a:srgbClr val="FFFFFF"/>
+                </a:solidFill>
+                <a:latin typeface="Verdana" panose="020B0604030504040204" pitchFamily="34" charset="0"/>
+              </a:rPr>
+            </a:br>
+            <a:r>
+              <a:rPr lang="ru-RU" altLang="ru-RU" dirty="0" err="1">
+                <a:solidFill>
+                  <a:srgbClr val="FFFFFF"/>
+                </a:solidFill>
+                <a:latin typeface="Verdana" panose="020B0604030504040204" pitchFamily="34" charset="0"/>
+              </a:rPr>
+              <a:t>public</a:t>
+            </a:r>
+            <a:r>
+              <a:rPr lang="ru-RU" altLang="ru-RU" dirty="0">
+                <a:solidFill>
+                  <a:srgbClr val="FFFFFF"/>
+                </a:solidFill>
+                <a:latin typeface="Verdana" panose="020B0604030504040204" pitchFamily="34" charset="0"/>
+              </a:rPr>
+              <a:t>:</a:t>
+            </a:r>
+            <a:br>
+              <a:rPr lang="ru-RU" altLang="ru-RU" dirty="0">
+                <a:solidFill>
+                  <a:srgbClr val="FFFFFF"/>
+                </a:solidFill>
+                <a:latin typeface="Verdana" panose="020B0604030504040204" pitchFamily="34" charset="0"/>
+              </a:rPr>
+            </a:br>
+            <a:r>
+              <a:rPr lang="ru-RU" altLang="ru-RU" dirty="0">
+                <a:solidFill>
+                  <a:srgbClr val="FFFFFF"/>
+                </a:solidFill>
+                <a:latin typeface="Verdana" panose="020B0604030504040204" pitchFamily="34" charset="0"/>
+              </a:rPr>
+              <a:t>    </a:t>
+            </a:r>
+            <a:r>
+              <a:rPr lang="ru-RU" altLang="ru-RU" dirty="0" err="1">
+                <a:solidFill>
+                  <a:srgbClr val="FFFFFF"/>
+                </a:solidFill>
+                <a:latin typeface="Verdana" panose="020B0604030504040204" pitchFamily="34" charset="0"/>
+              </a:rPr>
+              <a:t>explicit</a:t>
+            </a:r>
+            <a:r>
+              <a:rPr lang="ru-RU" altLang="ru-RU" dirty="0">
+                <a:solidFill>
+                  <a:srgbClr val="FFFFFF"/>
+                </a:solidFill>
+                <a:latin typeface="Verdana" panose="020B0604030504040204" pitchFamily="34" charset="0"/>
+              </a:rPr>
+              <a:t> </a:t>
+            </a:r>
+            <a:r>
+              <a:rPr lang="ru-RU" altLang="ru-RU" dirty="0" err="1">
+                <a:solidFill>
+                  <a:srgbClr val="FFCC00"/>
+                </a:solidFill>
+                <a:latin typeface="Verdana" panose="020B0604030504040204" pitchFamily="34" charset="0"/>
+              </a:rPr>
+              <a:t>HttpResponse</a:t>
+            </a:r>
+            <a:r>
+              <a:rPr lang="ru-RU" altLang="ru-RU" dirty="0">
+                <a:solidFill>
+                  <a:srgbClr val="FFFFFF"/>
+                </a:solidFill>
+                <a:latin typeface="Verdana" panose="020B0604030504040204" pitchFamily="34" charset="0"/>
+              </a:rPr>
+              <a:t>(</a:t>
+            </a:r>
+            <a:r>
+              <a:rPr lang="ru-RU" altLang="ru-RU" dirty="0" err="1">
+                <a:solidFill>
+                  <a:srgbClr val="FFFFFF"/>
+                </a:solidFill>
+                <a:latin typeface="Verdana" panose="020B0604030504040204" pitchFamily="34" charset="0"/>
+              </a:rPr>
+              <a:t>int</a:t>
+            </a:r>
+            <a:r>
+              <a:rPr lang="ru-RU" altLang="ru-RU" dirty="0">
+                <a:solidFill>
+                  <a:srgbClr val="FFFFFF"/>
+                </a:solidFill>
+                <a:latin typeface="Verdana" panose="020B0604030504040204" pitchFamily="34" charset="0"/>
+              </a:rPr>
+              <a:t> </a:t>
+            </a:r>
+            <a:r>
+              <a:rPr lang="ru-RU" altLang="ru-RU" dirty="0" err="1">
+                <a:solidFill>
+                  <a:srgbClr val="5BCD9D"/>
+                </a:solidFill>
+                <a:latin typeface="Verdana" panose="020B0604030504040204" pitchFamily="34" charset="0"/>
+              </a:rPr>
+              <a:t>code</a:t>
+            </a:r>
+            <a:r>
+              <a:rPr lang="ru-RU" altLang="ru-RU" dirty="0">
+                <a:solidFill>
+                  <a:srgbClr val="FFFFFF"/>
+                </a:solidFill>
+                <a:latin typeface="Verdana" panose="020B0604030504040204" pitchFamily="34" charset="0"/>
+              </a:rPr>
+              <a:t>);</a:t>
+            </a:r>
+            <a:br>
+              <a:rPr lang="ru-RU" altLang="ru-RU" dirty="0">
+                <a:solidFill>
+                  <a:srgbClr val="FFFFFF"/>
+                </a:solidFill>
+                <a:latin typeface="Verdana" panose="020B0604030504040204" pitchFamily="34" charset="0"/>
+              </a:rPr>
+            </a:br>
+            <a:r>
+              <a:rPr lang="ru-RU" altLang="ru-RU" dirty="0">
+                <a:solidFill>
+                  <a:srgbClr val="FFFFFF"/>
+                </a:solidFill>
+                <a:latin typeface="Verdana" panose="020B0604030504040204" pitchFamily="34" charset="0"/>
+              </a:rPr>
+              <a:t>    </a:t>
+            </a:r>
+            <a:r>
+              <a:rPr lang="ru-RU" altLang="ru-RU" dirty="0" err="1">
+                <a:solidFill>
+                  <a:srgbClr val="FFFFFF"/>
+                </a:solidFill>
+                <a:latin typeface="Verdana" panose="020B0604030504040204" pitchFamily="34" charset="0"/>
+              </a:rPr>
+              <a:t>void</a:t>
+            </a:r>
+            <a:r>
+              <a:rPr lang="ru-RU" altLang="ru-RU" dirty="0">
+                <a:solidFill>
+                  <a:srgbClr val="FFFFFF"/>
+                </a:solidFill>
+                <a:latin typeface="Verdana" panose="020B0604030504040204" pitchFamily="34" charset="0"/>
+              </a:rPr>
+              <a:t> </a:t>
+            </a:r>
+            <a:r>
+              <a:rPr lang="ru-RU" altLang="ru-RU" dirty="0" err="1">
+                <a:solidFill>
+                  <a:srgbClr val="FFCC00"/>
+                </a:solidFill>
+                <a:latin typeface="Verdana" panose="020B0604030504040204" pitchFamily="34" charset="0"/>
+              </a:rPr>
+              <a:t>SetContent</a:t>
+            </a:r>
+            <a:r>
+              <a:rPr lang="ru-RU" altLang="ru-RU" dirty="0">
+                <a:solidFill>
+                  <a:srgbClr val="FFFFFF"/>
+                </a:solidFill>
+                <a:latin typeface="Verdana" panose="020B0604030504040204" pitchFamily="34" charset="0"/>
+              </a:rPr>
+              <a:t>(</a:t>
+            </a:r>
+            <a:r>
+              <a:rPr lang="ru-RU" altLang="ru-RU" dirty="0" err="1">
+                <a:solidFill>
+                  <a:srgbClr val="9E64A9"/>
+                </a:solidFill>
+                <a:latin typeface="Verdana" panose="020B0604030504040204" pitchFamily="34" charset="0"/>
+              </a:rPr>
+              <a:t>std</a:t>
+            </a:r>
+            <a:r>
+              <a:rPr lang="ru-RU" altLang="ru-RU" dirty="0">
+                <a:solidFill>
+                  <a:srgbClr val="FFFFFF"/>
+                </a:solidFill>
+                <a:latin typeface="Verdana" panose="020B0604030504040204" pitchFamily="34" charset="0"/>
+              </a:rPr>
+              <a:t>::</a:t>
+            </a:r>
+            <a:r>
+              <a:rPr lang="ru-RU" altLang="ru-RU" dirty="0" err="1">
+                <a:solidFill>
+                  <a:srgbClr val="FFCC00"/>
+                </a:solidFill>
+                <a:latin typeface="Verdana" panose="020B0604030504040204" pitchFamily="34" charset="0"/>
+              </a:rPr>
+              <a:t>string</a:t>
+            </a:r>
+            <a:r>
+              <a:rPr lang="ru-RU" altLang="ru-RU" dirty="0">
+                <a:solidFill>
+                  <a:srgbClr val="FFCC00"/>
+                </a:solidFill>
+                <a:latin typeface="Verdana" panose="020B0604030504040204" pitchFamily="34" charset="0"/>
+              </a:rPr>
+              <a:t> </a:t>
+            </a:r>
+            <a:r>
+              <a:rPr lang="ru-RU" altLang="ru-RU" dirty="0" err="1">
+                <a:solidFill>
+                  <a:srgbClr val="5BCD9D"/>
+                </a:solidFill>
+                <a:latin typeface="Verdana" panose="020B0604030504040204" pitchFamily="34" charset="0"/>
+              </a:rPr>
+              <a:t>value</a:t>
+            </a:r>
+            <a:r>
+              <a:rPr lang="ru-RU" altLang="ru-RU" dirty="0">
+                <a:solidFill>
+                  <a:srgbClr val="FFFFFF"/>
+                </a:solidFill>
+                <a:latin typeface="Verdana" panose="020B0604030504040204" pitchFamily="34" charset="0"/>
+              </a:rPr>
+              <a:t>);</a:t>
+            </a:r>
+            <a:br>
+              <a:rPr lang="ru-RU" altLang="ru-RU" dirty="0">
+                <a:solidFill>
+                  <a:srgbClr val="FFFFFF"/>
+                </a:solidFill>
+                <a:latin typeface="Verdana" panose="020B0604030504040204" pitchFamily="34" charset="0"/>
+              </a:rPr>
+            </a:br>
+            <a:r>
+              <a:rPr lang="ru-RU" altLang="ru-RU" dirty="0">
+                <a:solidFill>
+                  <a:srgbClr val="FFFFFF"/>
+                </a:solidFill>
+                <a:latin typeface="Verdana" panose="020B0604030504040204" pitchFamily="34" charset="0"/>
+              </a:rPr>
+              <a:t>    </a:t>
+            </a:r>
+            <a:r>
+              <a:rPr lang="ru-RU" altLang="ru-RU" dirty="0" err="1">
+                <a:solidFill>
+                  <a:srgbClr val="FFFFFF"/>
+                </a:solidFill>
+                <a:latin typeface="Verdana" panose="020B0604030504040204" pitchFamily="34" charset="0"/>
+              </a:rPr>
+              <a:t>friend</a:t>
+            </a:r>
+            <a:r>
+              <a:rPr lang="ru-RU" altLang="ru-RU" dirty="0">
+                <a:solidFill>
+                  <a:srgbClr val="FFFFFF"/>
+                </a:solidFill>
+                <a:latin typeface="Verdana" panose="020B0604030504040204" pitchFamily="34" charset="0"/>
+              </a:rPr>
+              <a:t> </a:t>
+            </a:r>
+            <a:r>
+              <a:rPr lang="ru-RU" altLang="ru-RU" dirty="0" err="1">
+                <a:solidFill>
+                  <a:srgbClr val="9E64A9"/>
+                </a:solidFill>
+                <a:latin typeface="Verdana" panose="020B0604030504040204" pitchFamily="34" charset="0"/>
+              </a:rPr>
+              <a:t>std</a:t>
+            </a:r>
+            <a:r>
+              <a:rPr lang="ru-RU" altLang="ru-RU" dirty="0">
+                <a:solidFill>
+                  <a:srgbClr val="FFFFFF"/>
+                </a:solidFill>
+                <a:latin typeface="Verdana" panose="020B0604030504040204" pitchFamily="34" charset="0"/>
+              </a:rPr>
+              <a:t>::</a:t>
+            </a:r>
+            <a:r>
+              <a:rPr lang="ru-RU" altLang="ru-RU" dirty="0" err="1">
+                <a:solidFill>
+                  <a:srgbClr val="FFCC00"/>
+                </a:solidFill>
+                <a:latin typeface="Verdana" panose="020B0604030504040204" pitchFamily="34" charset="0"/>
+              </a:rPr>
+              <a:t>ostream</a:t>
+            </a:r>
+            <a:r>
+              <a:rPr lang="ru-RU" altLang="ru-RU" dirty="0">
+                <a:solidFill>
+                  <a:srgbClr val="FFFFFF"/>
+                </a:solidFill>
+                <a:latin typeface="Verdana" panose="020B0604030504040204" pitchFamily="34" charset="0"/>
+              </a:rPr>
+              <a:t>&amp; </a:t>
+            </a:r>
+            <a:r>
+              <a:rPr lang="ru-RU" altLang="ru-RU" dirty="0" err="1">
+                <a:solidFill>
+                  <a:srgbClr val="FFFFFF"/>
+                </a:solidFill>
+                <a:latin typeface="Verdana" panose="020B0604030504040204" pitchFamily="34" charset="0"/>
+              </a:rPr>
+              <a:t>operator</a:t>
+            </a:r>
+            <a:r>
+              <a:rPr lang="ru-RU" altLang="ru-RU" dirty="0">
+                <a:solidFill>
+                  <a:srgbClr val="FFFFFF"/>
+                </a:solidFill>
+                <a:latin typeface="Verdana" panose="020B0604030504040204" pitchFamily="34" charset="0"/>
+              </a:rPr>
+              <a:t> </a:t>
+            </a:r>
+            <a:r>
+              <a:rPr lang="ru-RU" altLang="ru-RU" dirty="0">
+                <a:solidFill>
+                  <a:srgbClr val="FFCC00"/>
+                </a:solidFill>
+                <a:latin typeface="Verdana" panose="020B0604030504040204" pitchFamily="34" charset="0"/>
+              </a:rPr>
+              <a:t>&lt;&lt; </a:t>
+            </a:r>
+            <a:r>
+              <a:rPr lang="ru-RU" altLang="ru-RU" dirty="0">
+                <a:solidFill>
+                  <a:srgbClr val="FFFFFF"/>
+                </a:solidFill>
+                <a:latin typeface="Verdana" panose="020B0604030504040204" pitchFamily="34" charset="0"/>
+              </a:rPr>
+              <a:t>(</a:t>
+            </a:r>
+            <a:r>
+              <a:rPr lang="ru-RU" altLang="ru-RU" dirty="0" err="1">
+                <a:solidFill>
+                  <a:srgbClr val="9E64A9"/>
+                </a:solidFill>
+                <a:latin typeface="Verdana" panose="020B0604030504040204" pitchFamily="34" charset="0"/>
+              </a:rPr>
+              <a:t>std</a:t>
+            </a:r>
+            <a:r>
+              <a:rPr lang="ru-RU" altLang="ru-RU" dirty="0">
+                <a:solidFill>
+                  <a:srgbClr val="FFFFFF"/>
+                </a:solidFill>
+                <a:latin typeface="Verdana" panose="020B0604030504040204" pitchFamily="34" charset="0"/>
+              </a:rPr>
+              <a:t>::</a:t>
+            </a:r>
+            <a:r>
+              <a:rPr lang="ru-RU" altLang="ru-RU" dirty="0" err="1">
+                <a:solidFill>
+                  <a:srgbClr val="FFCC00"/>
+                </a:solidFill>
+                <a:latin typeface="Verdana" panose="020B0604030504040204" pitchFamily="34" charset="0"/>
+              </a:rPr>
+              <a:t>ostream</a:t>
+            </a:r>
+            <a:r>
+              <a:rPr lang="ru-RU" altLang="ru-RU" dirty="0">
+                <a:solidFill>
+                  <a:srgbClr val="FFFFFF"/>
+                </a:solidFill>
+                <a:latin typeface="Verdana" panose="020B0604030504040204" pitchFamily="34" charset="0"/>
+              </a:rPr>
+              <a:t>&amp; </a:t>
+            </a:r>
+            <a:r>
+              <a:rPr lang="ru-RU" altLang="ru-RU" dirty="0" err="1">
+                <a:solidFill>
+                  <a:srgbClr val="5BCD9D"/>
+                </a:solidFill>
+                <a:latin typeface="Verdana" panose="020B0604030504040204" pitchFamily="34" charset="0"/>
+              </a:rPr>
+              <a:t>os</a:t>
+            </a:r>
+            <a:r>
+              <a:rPr lang="ru-RU" altLang="ru-RU" dirty="0">
+                <a:solidFill>
+                  <a:srgbClr val="FFFFFF"/>
+                </a:solidFill>
+                <a:latin typeface="Verdana" panose="020B0604030504040204" pitchFamily="34" charset="0"/>
+              </a:rPr>
+              <a:t>, </a:t>
+            </a:r>
+            <a:r>
+              <a:rPr lang="ru-RU" altLang="ru-RU" dirty="0" err="1">
+                <a:solidFill>
+                  <a:srgbClr val="FFFFFF"/>
+                </a:solidFill>
+                <a:latin typeface="Verdana" panose="020B0604030504040204" pitchFamily="34" charset="0"/>
+              </a:rPr>
+              <a:t>const</a:t>
+            </a:r>
+            <a:r>
+              <a:rPr lang="ru-RU" altLang="ru-RU" dirty="0">
+                <a:solidFill>
+                  <a:srgbClr val="FFFFFF"/>
+                </a:solidFill>
+                <a:latin typeface="Verdana" panose="020B0604030504040204" pitchFamily="34" charset="0"/>
+              </a:rPr>
+              <a:t> </a:t>
+            </a:r>
+            <a:r>
+              <a:rPr lang="ru-RU" altLang="ru-RU" dirty="0" err="1">
+                <a:solidFill>
+                  <a:srgbClr val="FFCC00"/>
+                </a:solidFill>
+                <a:latin typeface="Verdana" panose="020B0604030504040204" pitchFamily="34" charset="0"/>
+              </a:rPr>
+              <a:t>HttpResponse</a:t>
+            </a:r>
+            <a:r>
+              <a:rPr lang="ru-RU" altLang="ru-RU" dirty="0">
+                <a:solidFill>
+                  <a:srgbClr val="FFFFFF"/>
+                </a:solidFill>
+                <a:latin typeface="Verdana" panose="020B0604030504040204" pitchFamily="34" charset="0"/>
+              </a:rPr>
+              <a:t>&amp; </a:t>
+            </a:r>
+            <a:r>
+              <a:rPr lang="ru-RU" altLang="ru-RU" dirty="0" err="1">
+                <a:solidFill>
+                  <a:srgbClr val="5BCD9D"/>
+                </a:solidFill>
+                <a:latin typeface="Verdana" panose="020B0604030504040204" pitchFamily="34" charset="0"/>
+              </a:rPr>
+              <a:t>resp</a:t>
+            </a:r>
+            <a:r>
+              <a:rPr lang="ru-RU" altLang="ru-RU" dirty="0">
+                <a:solidFill>
+                  <a:srgbClr val="FFFFFF"/>
+                </a:solidFill>
+                <a:latin typeface="Verdana" panose="020B0604030504040204" pitchFamily="34" charset="0"/>
+              </a:rPr>
+              <a:t>);</a:t>
+            </a:r>
+            <a:br>
+              <a:rPr lang="ru-RU" altLang="ru-RU" dirty="0">
+                <a:solidFill>
+                  <a:srgbClr val="FFFFFF"/>
+                </a:solidFill>
+                <a:latin typeface="Verdana" panose="020B0604030504040204" pitchFamily="34" charset="0"/>
+              </a:rPr>
+            </a:br>
+            <a:r>
+              <a:rPr lang="ru-RU" altLang="ru-RU" dirty="0">
+                <a:solidFill>
+                  <a:srgbClr val="FFFFFF"/>
+                </a:solidFill>
+                <a:latin typeface="Verdana" panose="020B0604030504040204" pitchFamily="34" charset="0"/>
+              </a:rPr>
+              <a:t>};</a:t>
+            </a:r>
+            <a:br>
+              <a:rPr lang="ru-RU" altLang="ru-RU" dirty="0">
+                <a:solidFill>
+                  <a:srgbClr val="FFFFFF"/>
+                </a:solidFill>
+                <a:latin typeface="Verdana" panose="020B0604030504040204" pitchFamily="34" charset="0"/>
+              </a:rPr>
+            </a:br>
+            <a:endParaRPr lang="ru-RU" altLang="ru-RU" sz="6600" dirty="0">
+              <a:solidFill>
+                <a:schemeClr val="tx1"/>
+              </a:solidFill>
+              <a:latin typeface="Arial" panose="020B0604020202020204" pitchFamily="34" charset="0"/>
+            </a:endParaRPr>
+          </a:p>
+          <a:p>
+            <a:endParaRPr lang="ru-RU" dirty="0"/>
+          </a:p>
+        </p:txBody>
+      </p:sp>
+    </p:spTree>
+    <p:extLst>
+      <p:ext uri="{BB962C8B-B14F-4D97-AF65-F5344CB8AC3E}">
+        <p14:creationId xmlns:p14="http://schemas.microsoft.com/office/powerpoint/2010/main" val="2448288711"/>
+      </p:ext>
+    </p:extLst>
+  </p:cSld>
+  <p:clrMapOvr>
+    <a:masterClrMapping/>
+  </p:clrMapOvr>
+  <p:timing>
+    <p:tnLst>
+      <p:par>
+        <p:cTn id="1" dur="indefinite" restart="never" nodeType="tmRoot"/>
+      </p:par>
+    </p:tnLst>
+  </p:timing>
+</p:sld>
+</file>
+
+<file path=ppt/slides/slide17.xml><?xml version="1.0" encoding="utf-8"?>
+<p:sld xmlns:a="http://schemas.openxmlformats.org/drawingml/2006/main" xmlns:r="http://schemas.openxmlformats.org/officeDocument/2006/relationships" xmlns:p="http://schemas.openxmlformats.org/presentationml/2006/main">
+  <p:cSld>
+    <p:spTree>
+      <p:nvGrpSpPr>
+        <p:cNvPr id="1" name=""/>
+        <p:cNvGrpSpPr/>
+        <p:nvPr/>
+      </p:nvGrpSpPr>
+      <p:grpSpPr>
+        <a:xfrm>
+          <a:off x="0" y="0"/>
+          <a:ext cx="0" cy="0"/>
+          <a:chOff x="0" y="0"/>
+          <a:chExt cx="0" cy="0"/>
+        </a:xfrm>
+      </p:grpSpPr>
+      <p:sp>
+        <p:nvSpPr>
+          <p:cNvPr id="2" name="Заголовок 1"/>
+          <p:cNvSpPr>
+            <a:spLocks noGrp="1"/>
+          </p:cNvSpPr>
+          <p:nvPr>
+            <p:ph type="title"/>
+          </p:nvPr>
+        </p:nvSpPr>
+        <p:spPr/>
+        <p:txBody>
+          <a:bodyPr/>
+          <a:lstStyle/>
+          <a:p>
+            <a:r>
+              <a:rPr lang="ru-RU" dirty="0" smtClean="0"/>
+              <a:t>Второй шаг – внедряем интерфейс</a:t>
+            </a:r>
+            <a:endParaRPr lang="ru-RU" dirty="0"/>
+          </a:p>
+        </p:txBody>
+      </p:sp>
+      <p:sp>
+        <p:nvSpPr>
+          <p:cNvPr id="3" name="Объект 2"/>
+          <p:cNvSpPr>
+            <a:spLocks noGrp="1"/>
+          </p:cNvSpPr>
+          <p:nvPr>
+            <p:ph idx="1"/>
+          </p:nvPr>
+        </p:nvSpPr>
+        <p:spPr/>
+        <p:txBody>
+          <a:bodyPr/>
+          <a:lstStyle/>
+          <a:p>
+            <a:pPr lvl="1"/>
+            <a:r>
+              <a:rPr lang="ru-RU" dirty="0" smtClean="0"/>
+              <a:t>Нам важно, чтобы программа компилировалась</a:t>
+            </a:r>
+          </a:p>
+          <a:p>
+            <a:pPr lvl="1"/>
+            <a:endParaRPr lang="ru-RU" dirty="0"/>
+          </a:p>
+          <a:p>
+            <a:pPr lvl="1"/>
+            <a:r>
+              <a:rPr lang="ru-RU" dirty="0" smtClean="0"/>
+              <a:t>Поэтому вставляем пустую реализацию методов нашего класса</a:t>
+            </a:r>
+            <a:endParaRPr lang="ru-RU" dirty="0"/>
+          </a:p>
+        </p:txBody>
+      </p:sp>
+      <p:sp>
+        <p:nvSpPr>
+          <p:cNvPr id="4" name="Нижний колонтитул 3"/>
+          <p:cNvSpPr>
+            <a:spLocks noGrp="1"/>
+          </p:cNvSpPr>
+          <p:nvPr>
+            <p:ph type="ftr" sz="quarter" idx="11"/>
+          </p:nvPr>
+        </p:nvSpPr>
+        <p:spPr/>
+        <p:txBody>
+          <a:bodyPr/>
+          <a:lstStyle/>
+          <a:p>
+            <a:endParaRPr lang="ru-RU" dirty="0">
+              <a:solidFill>
+                <a:srgbClr val="000000"/>
+              </a:solidFill>
+            </a:endParaRPr>
+          </a:p>
+        </p:txBody>
+      </p:sp>
+      <p:sp>
+        <p:nvSpPr>
+          <p:cNvPr id="5" name="Номер слайда 4"/>
+          <p:cNvSpPr>
+            <a:spLocks noGrp="1"/>
+          </p:cNvSpPr>
+          <p:nvPr>
+            <p:ph type="sldNum" sz="quarter" idx="12"/>
+          </p:nvPr>
+        </p:nvSpPr>
+        <p:spPr/>
+        <p:txBody>
+          <a:bodyPr/>
+          <a:lstStyle/>
+          <a:p>
+            <a:fld id="{741C03D3-FA44-40EC-9A21-1FC4FEA3E22E}" type="slidenum">
+              <a:rPr lang="ru-RU" smtClean="0">
+                <a:solidFill>
+                  <a:srgbClr val="000000"/>
+                </a:solidFill>
+              </a:rPr>
+              <a:pPr/>
+              <a:t>17</a:t>
+            </a:fld>
+            <a:endParaRPr lang="ru-RU">
+              <a:solidFill>
+                <a:srgbClr val="000000"/>
+              </a:solidFill>
+            </a:endParaRPr>
+          </a:p>
+        </p:txBody>
+      </p:sp>
+      <p:sp>
+        <p:nvSpPr>
+          <p:cNvPr id="6" name="Объект 5"/>
+          <p:cNvSpPr>
+            <a:spLocks noGrp="1"/>
+          </p:cNvSpPr>
+          <p:nvPr>
+            <p:ph idx="13"/>
+          </p:nvPr>
+        </p:nvSpPr>
+        <p:spPr/>
+        <p:txBody>
+          <a:bodyPr/>
+          <a:lstStyle/>
+          <a:p>
+            <a:r>
+              <a:rPr lang="ru-RU" altLang="ru-RU" dirty="0" err="1">
+                <a:solidFill>
+                  <a:srgbClr val="FFCC00"/>
+                </a:solidFill>
+                <a:latin typeface="Verdana" panose="020B0604030504040204" pitchFamily="34" charset="0"/>
+              </a:rPr>
+              <a:t>HttpResponse</a:t>
+            </a:r>
+            <a:r>
+              <a:rPr lang="ru-RU" altLang="ru-RU" dirty="0">
+                <a:solidFill>
+                  <a:srgbClr val="FFFFFF"/>
+                </a:solidFill>
+                <a:latin typeface="Verdana" panose="020B0604030504040204" pitchFamily="34" charset="0"/>
+              </a:rPr>
+              <a:t>::</a:t>
+            </a:r>
+            <a:r>
+              <a:rPr lang="ru-RU" altLang="ru-RU" dirty="0" err="1">
+                <a:solidFill>
+                  <a:srgbClr val="FFCC00"/>
+                </a:solidFill>
+                <a:latin typeface="Verdana" panose="020B0604030504040204" pitchFamily="34" charset="0"/>
+              </a:rPr>
+              <a:t>HttpResponse</a:t>
+            </a:r>
+            <a:r>
+              <a:rPr lang="ru-RU" altLang="ru-RU" dirty="0">
+                <a:solidFill>
+                  <a:srgbClr val="FFFFFF"/>
+                </a:solidFill>
+                <a:latin typeface="Verdana" panose="020B0604030504040204" pitchFamily="34" charset="0"/>
+              </a:rPr>
+              <a:t>(</a:t>
+            </a:r>
+            <a:r>
+              <a:rPr lang="ru-RU" altLang="ru-RU" dirty="0" err="1">
+                <a:solidFill>
+                  <a:srgbClr val="FFFFFF"/>
+                </a:solidFill>
+                <a:latin typeface="Verdana" panose="020B0604030504040204" pitchFamily="34" charset="0"/>
+              </a:rPr>
+              <a:t>int</a:t>
+            </a:r>
+            <a:r>
+              <a:rPr lang="ru-RU" altLang="ru-RU" dirty="0">
+                <a:solidFill>
+                  <a:srgbClr val="FFFFFF"/>
+                </a:solidFill>
+                <a:latin typeface="Verdana" panose="020B0604030504040204" pitchFamily="34" charset="0"/>
+              </a:rPr>
+              <a:t> </a:t>
+            </a:r>
+            <a:r>
+              <a:rPr lang="ru-RU" altLang="ru-RU" dirty="0" err="1">
+                <a:solidFill>
+                  <a:srgbClr val="5BCD9D"/>
+                </a:solidFill>
+                <a:latin typeface="Verdana" panose="020B0604030504040204" pitchFamily="34" charset="0"/>
+              </a:rPr>
+              <a:t>code</a:t>
+            </a:r>
+            <a:r>
+              <a:rPr lang="ru-RU" altLang="ru-RU" dirty="0">
+                <a:solidFill>
+                  <a:srgbClr val="FFFFFF"/>
+                </a:solidFill>
+                <a:latin typeface="Verdana" panose="020B0604030504040204" pitchFamily="34" charset="0"/>
+              </a:rPr>
+              <a:t>) {</a:t>
+            </a:r>
+            <a:br>
+              <a:rPr lang="ru-RU" altLang="ru-RU" dirty="0">
+                <a:solidFill>
+                  <a:srgbClr val="FFFFFF"/>
+                </a:solidFill>
+                <a:latin typeface="Verdana" panose="020B0604030504040204" pitchFamily="34" charset="0"/>
+              </a:rPr>
+            </a:br>
+            <a:r>
+              <a:rPr lang="ru-RU" altLang="ru-RU" dirty="0">
+                <a:solidFill>
+                  <a:srgbClr val="FFFFFF"/>
+                </a:solidFill>
+                <a:latin typeface="Verdana" panose="020B0604030504040204" pitchFamily="34" charset="0"/>
+              </a:rPr>
+              <a:t>}</a:t>
+            </a:r>
+            <a:br>
+              <a:rPr lang="ru-RU" altLang="ru-RU" dirty="0">
+                <a:solidFill>
+                  <a:srgbClr val="FFFFFF"/>
+                </a:solidFill>
+                <a:latin typeface="Verdana" panose="020B0604030504040204" pitchFamily="34" charset="0"/>
+              </a:rPr>
+            </a:br>
+            <a:r>
+              <a:rPr lang="ru-RU" altLang="ru-RU" dirty="0" err="1" smtClean="0">
+                <a:solidFill>
+                  <a:srgbClr val="FFFFFF"/>
+                </a:solidFill>
+                <a:latin typeface="Verdana" panose="020B0604030504040204" pitchFamily="34" charset="0"/>
+              </a:rPr>
+              <a:t>void</a:t>
+            </a:r>
+            <a:r>
+              <a:rPr lang="ru-RU" altLang="ru-RU" dirty="0" smtClean="0">
+                <a:solidFill>
+                  <a:srgbClr val="FFFFFF"/>
+                </a:solidFill>
+                <a:latin typeface="Verdana" panose="020B0604030504040204" pitchFamily="34" charset="0"/>
+              </a:rPr>
+              <a:t> </a:t>
+            </a:r>
+            <a:r>
+              <a:rPr lang="ru-RU" altLang="ru-RU" dirty="0" err="1">
+                <a:solidFill>
+                  <a:srgbClr val="FFCC00"/>
+                </a:solidFill>
+                <a:latin typeface="Verdana" panose="020B0604030504040204" pitchFamily="34" charset="0"/>
+              </a:rPr>
+              <a:t>HttpResponse</a:t>
+            </a:r>
+            <a:r>
+              <a:rPr lang="ru-RU" altLang="ru-RU" dirty="0">
+                <a:solidFill>
+                  <a:srgbClr val="FFFFFF"/>
+                </a:solidFill>
+                <a:latin typeface="Verdana" panose="020B0604030504040204" pitchFamily="34" charset="0"/>
+              </a:rPr>
+              <a:t>::</a:t>
+            </a:r>
+            <a:r>
+              <a:rPr lang="ru-RU" altLang="ru-RU" dirty="0" err="1">
+                <a:solidFill>
+                  <a:srgbClr val="FFCC00"/>
+                </a:solidFill>
+                <a:latin typeface="Verdana" panose="020B0604030504040204" pitchFamily="34" charset="0"/>
+              </a:rPr>
+              <a:t>SetContent</a:t>
+            </a:r>
+            <a:r>
+              <a:rPr lang="ru-RU" altLang="ru-RU" dirty="0">
+                <a:solidFill>
+                  <a:srgbClr val="FFFFFF"/>
+                </a:solidFill>
+                <a:latin typeface="Verdana" panose="020B0604030504040204" pitchFamily="34" charset="0"/>
+              </a:rPr>
+              <a:t>(</a:t>
+            </a:r>
+            <a:r>
+              <a:rPr lang="ru-RU" altLang="ru-RU" dirty="0" err="1">
+                <a:solidFill>
+                  <a:srgbClr val="9E64A9"/>
+                </a:solidFill>
+                <a:latin typeface="Verdana" panose="020B0604030504040204" pitchFamily="34" charset="0"/>
+              </a:rPr>
+              <a:t>std</a:t>
+            </a:r>
+            <a:r>
+              <a:rPr lang="ru-RU" altLang="ru-RU" dirty="0">
+                <a:solidFill>
+                  <a:srgbClr val="FFFFFF"/>
+                </a:solidFill>
+                <a:latin typeface="Verdana" panose="020B0604030504040204" pitchFamily="34" charset="0"/>
+              </a:rPr>
+              <a:t>::</a:t>
+            </a:r>
+            <a:r>
+              <a:rPr lang="ru-RU" altLang="ru-RU" dirty="0" err="1">
+                <a:solidFill>
+                  <a:srgbClr val="FFCC00"/>
+                </a:solidFill>
+                <a:latin typeface="Verdana" panose="020B0604030504040204" pitchFamily="34" charset="0"/>
+              </a:rPr>
+              <a:t>string</a:t>
+            </a:r>
+            <a:r>
+              <a:rPr lang="ru-RU" altLang="ru-RU" dirty="0">
+                <a:solidFill>
+                  <a:srgbClr val="FFCC00"/>
+                </a:solidFill>
+                <a:latin typeface="Verdana" panose="020B0604030504040204" pitchFamily="34" charset="0"/>
+              </a:rPr>
+              <a:t> </a:t>
+            </a:r>
+            <a:r>
+              <a:rPr lang="ru-RU" altLang="ru-RU" dirty="0" err="1">
+                <a:solidFill>
+                  <a:srgbClr val="5BCD9D"/>
+                </a:solidFill>
+                <a:latin typeface="Verdana" panose="020B0604030504040204" pitchFamily="34" charset="0"/>
+              </a:rPr>
+              <a:t>value</a:t>
+            </a:r>
+            <a:r>
+              <a:rPr lang="ru-RU" altLang="ru-RU" dirty="0">
+                <a:solidFill>
+                  <a:srgbClr val="FFFFFF"/>
+                </a:solidFill>
+                <a:latin typeface="Verdana" panose="020B0604030504040204" pitchFamily="34" charset="0"/>
+              </a:rPr>
+              <a:t>) {</a:t>
+            </a:r>
+            <a:br>
+              <a:rPr lang="ru-RU" altLang="ru-RU" dirty="0">
+                <a:solidFill>
+                  <a:srgbClr val="FFFFFF"/>
+                </a:solidFill>
+                <a:latin typeface="Verdana" panose="020B0604030504040204" pitchFamily="34" charset="0"/>
+              </a:rPr>
+            </a:br>
+            <a:r>
+              <a:rPr lang="ru-RU" altLang="ru-RU" dirty="0">
+                <a:solidFill>
+                  <a:srgbClr val="FFFFFF"/>
+                </a:solidFill>
+                <a:latin typeface="Verdana" panose="020B0604030504040204" pitchFamily="34" charset="0"/>
+              </a:rPr>
+              <a:t>}</a:t>
+            </a:r>
+            <a:br>
+              <a:rPr lang="ru-RU" altLang="ru-RU" dirty="0">
+                <a:solidFill>
+                  <a:srgbClr val="FFFFFF"/>
+                </a:solidFill>
+                <a:latin typeface="Verdana" panose="020B0604030504040204" pitchFamily="34" charset="0"/>
+              </a:rPr>
+            </a:br>
+            <a:r>
+              <a:rPr lang="ru-RU" altLang="ru-RU" dirty="0" err="1" smtClean="0">
+                <a:solidFill>
+                  <a:srgbClr val="9E64A9"/>
+                </a:solidFill>
+                <a:latin typeface="Verdana" panose="020B0604030504040204" pitchFamily="34" charset="0"/>
+              </a:rPr>
+              <a:t>std</a:t>
+            </a:r>
+            <a:r>
+              <a:rPr lang="ru-RU" altLang="ru-RU" dirty="0">
+                <a:solidFill>
+                  <a:srgbClr val="FFFFFF"/>
+                </a:solidFill>
+                <a:latin typeface="Verdana" panose="020B0604030504040204" pitchFamily="34" charset="0"/>
+              </a:rPr>
+              <a:t>::</a:t>
+            </a:r>
+            <a:r>
+              <a:rPr lang="ru-RU" altLang="ru-RU" dirty="0" err="1">
+                <a:solidFill>
+                  <a:srgbClr val="FFCC00"/>
+                </a:solidFill>
+                <a:latin typeface="Verdana" panose="020B0604030504040204" pitchFamily="34" charset="0"/>
+              </a:rPr>
+              <a:t>ostream</a:t>
+            </a:r>
+            <a:r>
+              <a:rPr lang="ru-RU" altLang="ru-RU" dirty="0">
+                <a:solidFill>
+                  <a:srgbClr val="FFFFFF"/>
+                </a:solidFill>
+                <a:latin typeface="Verdana" panose="020B0604030504040204" pitchFamily="34" charset="0"/>
+              </a:rPr>
+              <a:t>&amp; </a:t>
+            </a:r>
+            <a:r>
+              <a:rPr lang="ru-RU" altLang="ru-RU" dirty="0" err="1">
+                <a:solidFill>
+                  <a:srgbClr val="FFFFFF"/>
+                </a:solidFill>
+                <a:latin typeface="Verdana" panose="020B0604030504040204" pitchFamily="34" charset="0"/>
+              </a:rPr>
+              <a:t>operator</a:t>
+            </a:r>
+            <a:r>
+              <a:rPr lang="ru-RU" altLang="ru-RU" dirty="0">
+                <a:solidFill>
+                  <a:srgbClr val="FFFFFF"/>
+                </a:solidFill>
+                <a:latin typeface="Verdana" panose="020B0604030504040204" pitchFamily="34" charset="0"/>
+              </a:rPr>
+              <a:t> </a:t>
+            </a:r>
+            <a:r>
+              <a:rPr lang="ru-RU" altLang="ru-RU" dirty="0">
+                <a:solidFill>
+                  <a:srgbClr val="FFCC00"/>
+                </a:solidFill>
+                <a:latin typeface="Verdana" panose="020B0604030504040204" pitchFamily="34" charset="0"/>
+              </a:rPr>
+              <a:t>&lt;&lt; </a:t>
+            </a:r>
+            <a:r>
+              <a:rPr lang="ru-RU" altLang="ru-RU" dirty="0">
+                <a:solidFill>
+                  <a:srgbClr val="FFFFFF"/>
+                </a:solidFill>
+                <a:latin typeface="Verdana" panose="020B0604030504040204" pitchFamily="34" charset="0"/>
+              </a:rPr>
+              <a:t>(</a:t>
+            </a:r>
+            <a:r>
+              <a:rPr lang="ru-RU" altLang="ru-RU" dirty="0" err="1">
+                <a:solidFill>
+                  <a:srgbClr val="9E64A9"/>
+                </a:solidFill>
+                <a:latin typeface="Verdana" panose="020B0604030504040204" pitchFamily="34" charset="0"/>
+              </a:rPr>
+              <a:t>std</a:t>
+            </a:r>
+            <a:r>
+              <a:rPr lang="ru-RU" altLang="ru-RU" dirty="0">
+                <a:solidFill>
+                  <a:srgbClr val="FFFFFF"/>
+                </a:solidFill>
+                <a:latin typeface="Verdana" panose="020B0604030504040204" pitchFamily="34" charset="0"/>
+              </a:rPr>
+              <a:t>::</a:t>
+            </a:r>
+            <a:r>
+              <a:rPr lang="ru-RU" altLang="ru-RU" dirty="0" err="1">
+                <a:solidFill>
+                  <a:srgbClr val="FFCC00"/>
+                </a:solidFill>
+                <a:latin typeface="Verdana" panose="020B0604030504040204" pitchFamily="34" charset="0"/>
+              </a:rPr>
+              <a:t>ostream</a:t>
+            </a:r>
+            <a:r>
+              <a:rPr lang="ru-RU" altLang="ru-RU" dirty="0">
+                <a:solidFill>
+                  <a:srgbClr val="FFFFFF"/>
+                </a:solidFill>
+                <a:latin typeface="Verdana" panose="020B0604030504040204" pitchFamily="34" charset="0"/>
+              </a:rPr>
+              <a:t>&amp; </a:t>
+            </a:r>
+            <a:r>
+              <a:rPr lang="ru-RU" altLang="ru-RU" dirty="0" err="1">
+                <a:solidFill>
+                  <a:srgbClr val="5BCD9D"/>
+                </a:solidFill>
+                <a:latin typeface="Verdana" panose="020B0604030504040204" pitchFamily="34" charset="0"/>
+              </a:rPr>
+              <a:t>os</a:t>
+            </a:r>
+            <a:r>
+              <a:rPr lang="ru-RU" altLang="ru-RU" dirty="0">
+                <a:solidFill>
+                  <a:srgbClr val="FFFFFF"/>
+                </a:solidFill>
+                <a:latin typeface="Verdana" panose="020B0604030504040204" pitchFamily="34" charset="0"/>
+              </a:rPr>
+              <a:t>, </a:t>
+            </a:r>
+            <a:r>
+              <a:rPr lang="ru-RU" altLang="ru-RU" dirty="0" err="1">
+                <a:solidFill>
+                  <a:srgbClr val="FFFFFF"/>
+                </a:solidFill>
+                <a:latin typeface="Verdana" panose="020B0604030504040204" pitchFamily="34" charset="0"/>
+              </a:rPr>
+              <a:t>const</a:t>
+            </a:r>
+            <a:r>
+              <a:rPr lang="ru-RU" altLang="ru-RU" dirty="0">
+                <a:solidFill>
+                  <a:srgbClr val="FFFFFF"/>
+                </a:solidFill>
+                <a:latin typeface="Verdana" panose="020B0604030504040204" pitchFamily="34" charset="0"/>
+              </a:rPr>
+              <a:t> </a:t>
+            </a:r>
+            <a:r>
+              <a:rPr lang="ru-RU" altLang="ru-RU" dirty="0" err="1">
+                <a:solidFill>
+                  <a:srgbClr val="FFCC00"/>
+                </a:solidFill>
+                <a:latin typeface="Verdana" panose="020B0604030504040204" pitchFamily="34" charset="0"/>
+              </a:rPr>
+              <a:t>HttpResponse</a:t>
+            </a:r>
+            <a:r>
+              <a:rPr lang="ru-RU" altLang="ru-RU" dirty="0">
+                <a:solidFill>
+                  <a:srgbClr val="FFFFFF"/>
+                </a:solidFill>
+                <a:latin typeface="Verdana" panose="020B0604030504040204" pitchFamily="34" charset="0"/>
+              </a:rPr>
+              <a:t>&amp; </a:t>
+            </a:r>
+            <a:r>
+              <a:rPr lang="ru-RU" altLang="ru-RU" dirty="0" err="1">
+                <a:solidFill>
+                  <a:srgbClr val="5BCD9D"/>
+                </a:solidFill>
+                <a:latin typeface="Verdana" panose="020B0604030504040204" pitchFamily="34" charset="0"/>
+              </a:rPr>
+              <a:t>resp</a:t>
+            </a:r>
+            <a:r>
+              <a:rPr lang="ru-RU" altLang="ru-RU" dirty="0">
+                <a:solidFill>
+                  <a:srgbClr val="FFFFFF"/>
+                </a:solidFill>
+                <a:latin typeface="Verdana" panose="020B0604030504040204" pitchFamily="34" charset="0"/>
+              </a:rPr>
+              <a:t>) {</a:t>
+            </a:r>
+            <a:br>
+              <a:rPr lang="ru-RU" altLang="ru-RU" dirty="0">
+                <a:solidFill>
+                  <a:srgbClr val="FFFFFF"/>
+                </a:solidFill>
+                <a:latin typeface="Verdana" panose="020B0604030504040204" pitchFamily="34" charset="0"/>
+              </a:rPr>
+            </a:br>
+            <a:r>
+              <a:rPr lang="ru-RU" altLang="ru-RU" dirty="0">
+                <a:solidFill>
+                  <a:srgbClr val="FFFFFF"/>
+                </a:solidFill>
+                <a:latin typeface="Verdana" panose="020B0604030504040204" pitchFamily="34" charset="0"/>
+              </a:rPr>
+              <a:t>    </a:t>
+            </a:r>
+            <a:r>
+              <a:rPr lang="ru-RU" altLang="ru-RU" dirty="0" err="1">
+                <a:solidFill>
+                  <a:srgbClr val="FFFFFF"/>
+                </a:solidFill>
+                <a:latin typeface="Verdana" panose="020B0604030504040204" pitchFamily="34" charset="0"/>
+              </a:rPr>
+              <a:t>return</a:t>
+            </a:r>
+            <a:r>
+              <a:rPr lang="ru-RU" altLang="ru-RU" dirty="0">
+                <a:solidFill>
+                  <a:srgbClr val="FFFFFF"/>
+                </a:solidFill>
+                <a:latin typeface="Verdana" panose="020B0604030504040204" pitchFamily="34" charset="0"/>
+              </a:rPr>
+              <a:t> </a:t>
+            </a:r>
+            <a:r>
+              <a:rPr lang="ru-RU" altLang="ru-RU" dirty="0" err="1">
+                <a:solidFill>
+                  <a:srgbClr val="5BCD9D"/>
+                </a:solidFill>
+                <a:latin typeface="Verdana" panose="020B0604030504040204" pitchFamily="34" charset="0"/>
+              </a:rPr>
+              <a:t>os</a:t>
+            </a:r>
+            <a:r>
+              <a:rPr lang="ru-RU" altLang="ru-RU" dirty="0">
+                <a:solidFill>
+                  <a:srgbClr val="FFFFFF"/>
+                </a:solidFill>
+                <a:latin typeface="Verdana" panose="020B0604030504040204" pitchFamily="34" charset="0"/>
+              </a:rPr>
+              <a:t>;</a:t>
+            </a:r>
+            <a:br>
+              <a:rPr lang="ru-RU" altLang="ru-RU" dirty="0">
+                <a:solidFill>
+                  <a:srgbClr val="FFFFFF"/>
+                </a:solidFill>
+                <a:latin typeface="Verdana" panose="020B0604030504040204" pitchFamily="34" charset="0"/>
+              </a:rPr>
+            </a:br>
+            <a:r>
+              <a:rPr lang="ru-RU" altLang="ru-RU" dirty="0">
+                <a:solidFill>
+                  <a:srgbClr val="FFFFFF"/>
+                </a:solidFill>
+                <a:latin typeface="Verdana" panose="020B0604030504040204" pitchFamily="34" charset="0"/>
+              </a:rPr>
+              <a:t>}</a:t>
+            </a:r>
+            <a:endParaRPr lang="ru-RU" altLang="ru-RU" sz="6600" dirty="0">
+              <a:solidFill>
+                <a:schemeClr val="tx1"/>
+              </a:solidFill>
+              <a:latin typeface="Arial" panose="020B0604020202020204" pitchFamily="34" charset="0"/>
+            </a:endParaRPr>
+          </a:p>
+          <a:p>
+            <a:endParaRPr lang="ru-RU" dirty="0"/>
+          </a:p>
+        </p:txBody>
+      </p:sp>
+    </p:spTree>
+    <p:extLst>
+      <p:ext uri="{BB962C8B-B14F-4D97-AF65-F5344CB8AC3E}">
+        <p14:creationId xmlns:p14="http://schemas.microsoft.com/office/powerpoint/2010/main" val="650010345"/>
+      </p:ext>
+    </p:extLst>
+  </p:cSld>
+  <p:clrMapOvr>
+    <a:masterClrMapping/>
+  </p:clrMapOvr>
+  <p:timing>
+    <p:tnLst>
+      <p:par>
+        <p:cTn id="1" dur="indefinite" restart="never" nodeType="tmRoot"/>
+      </p:par>
+    </p:tnLst>
+  </p:timing>
+</p:sld>
+</file>
+
+<file path=ppt/slides/slide18.xml><?xml version="1.0" encoding="utf-8"?>
+<p:sld xmlns:a="http://schemas.openxmlformats.org/drawingml/2006/main" xmlns:r="http://schemas.openxmlformats.org/officeDocument/2006/relationships" xmlns:p="http://schemas.openxmlformats.org/presentationml/2006/main">
+  <p:cSld>
+    <p:spTree>
+      <p:nvGrpSpPr>
+        <p:cNvPr id="1" name=""/>
+        <p:cNvGrpSpPr/>
+        <p:nvPr/>
+      </p:nvGrpSpPr>
+      <p:grpSpPr>
+        <a:xfrm>
+          <a:off x="0" y="0"/>
+          <a:ext cx="0" cy="0"/>
+          <a:chOff x="0" y="0"/>
+          <a:chExt cx="0" cy="0"/>
+        </a:xfrm>
+      </p:grpSpPr>
+      <p:sp>
+        <p:nvSpPr>
+          <p:cNvPr id="4" name="Объект 3"/>
+          <p:cNvSpPr>
+            <a:spLocks noGrp="1"/>
+          </p:cNvSpPr>
+          <p:nvPr>
+            <p:ph idx="13"/>
+          </p:nvPr>
+        </p:nvSpPr>
+        <p:spPr/>
+        <p:txBody>
+          <a:bodyPr/>
+          <a:lstStyle/>
+          <a:p>
+            <a:pPr lvl="0" defTabSz="914400" eaLnBrk="0" fontAlgn="base" hangingPunct="0">
+              <a:spcBef>
+                <a:spcPct val="0"/>
+              </a:spcBef>
+              <a:spcAft>
+                <a:spcPct val="0"/>
+              </a:spcAft>
+            </a:pPr>
+            <a:r>
+              <a:rPr lang="ru-RU" altLang="ru-RU" dirty="0" err="1" smtClean="0">
+                <a:solidFill>
+                  <a:srgbClr val="FFFFFF"/>
+                </a:solidFill>
+                <a:latin typeface="Verdana" panose="020B0604030504040204" pitchFamily="34" charset="0"/>
+              </a:rPr>
+              <a:t>void</a:t>
+            </a:r>
+            <a:r>
+              <a:rPr lang="ru-RU" altLang="ru-RU" dirty="0" smtClean="0">
+                <a:solidFill>
+                  <a:srgbClr val="FFFFFF"/>
+                </a:solidFill>
+                <a:latin typeface="Verdana" panose="020B0604030504040204" pitchFamily="34" charset="0"/>
+              </a:rPr>
+              <a:t> </a:t>
+            </a:r>
+            <a:r>
+              <a:rPr lang="ru-RU" altLang="ru-RU" dirty="0" err="1" smtClean="0">
+                <a:solidFill>
+                  <a:srgbClr val="FFCC00"/>
+                </a:solidFill>
+                <a:latin typeface="Verdana" panose="020B0604030504040204" pitchFamily="34" charset="0"/>
+              </a:rPr>
+              <a:t>CommentServer</a:t>
+            </a:r>
+            <a:r>
+              <a:rPr lang="ru-RU" altLang="ru-RU" dirty="0" smtClean="0">
+                <a:solidFill>
+                  <a:srgbClr val="FFFFFF"/>
+                </a:solidFill>
+                <a:latin typeface="Verdana" panose="020B0604030504040204" pitchFamily="34" charset="0"/>
+              </a:rPr>
+              <a:t>::</a:t>
+            </a:r>
+            <a:r>
+              <a:rPr lang="ru-RU" altLang="ru-RU" dirty="0" err="1" smtClean="0">
+                <a:solidFill>
+                  <a:srgbClr val="FFCC00"/>
+                </a:solidFill>
+                <a:latin typeface="Verdana" panose="020B0604030504040204" pitchFamily="34" charset="0"/>
+              </a:rPr>
+              <a:t>ServeRequest</a:t>
+            </a:r>
+            <a:r>
+              <a:rPr lang="ru-RU" altLang="ru-RU" dirty="0" smtClean="0">
+                <a:solidFill>
+                  <a:srgbClr val="FFFFFF"/>
+                </a:solidFill>
+                <a:latin typeface="Verdana" panose="020B0604030504040204" pitchFamily="34" charset="0"/>
+              </a:rPr>
+              <a:t>(</a:t>
+            </a:r>
+            <a:r>
+              <a:rPr lang="ru-RU" altLang="ru-RU" dirty="0" err="1" smtClean="0">
+                <a:solidFill>
+                  <a:srgbClr val="FFFFFF"/>
+                </a:solidFill>
+                <a:latin typeface="Verdana" panose="020B0604030504040204" pitchFamily="34" charset="0"/>
+              </a:rPr>
+              <a:t>const</a:t>
+            </a:r>
+            <a:r>
+              <a:rPr lang="ru-RU" altLang="ru-RU" dirty="0" smtClean="0">
+                <a:solidFill>
+                  <a:srgbClr val="FFFFFF"/>
+                </a:solidFill>
+                <a:latin typeface="Verdana" panose="020B0604030504040204" pitchFamily="34" charset="0"/>
+              </a:rPr>
+              <a:t> </a:t>
+            </a:r>
+            <a:r>
+              <a:rPr lang="ru-RU" altLang="ru-RU" dirty="0" err="1" smtClean="0">
+                <a:solidFill>
+                  <a:srgbClr val="FFCC00"/>
+                </a:solidFill>
+                <a:latin typeface="Verdana" panose="020B0604030504040204" pitchFamily="34" charset="0"/>
+              </a:rPr>
+              <a:t>HttpRequest</a:t>
+            </a:r>
+            <a:r>
+              <a:rPr lang="ru-RU" altLang="ru-RU" dirty="0" smtClean="0">
+                <a:solidFill>
+                  <a:srgbClr val="FFFFFF"/>
+                </a:solidFill>
+                <a:latin typeface="Verdana" panose="020B0604030504040204" pitchFamily="34" charset="0"/>
+              </a:rPr>
+              <a:t>&amp; </a:t>
+            </a:r>
+            <a:r>
+              <a:rPr lang="ru-RU" altLang="ru-RU" dirty="0" err="1" smtClean="0">
+                <a:solidFill>
+                  <a:srgbClr val="5BCD9D"/>
+                </a:solidFill>
+                <a:latin typeface="Verdana" panose="020B0604030504040204" pitchFamily="34" charset="0"/>
+              </a:rPr>
+              <a:t>req</a:t>
+            </a:r>
+            <a:r>
+              <a:rPr lang="ru-RU" altLang="ru-RU" dirty="0" smtClean="0">
+                <a:solidFill>
+                  <a:srgbClr val="FFFFFF"/>
+                </a:solidFill>
+                <a:latin typeface="Verdana" panose="020B0604030504040204" pitchFamily="34" charset="0"/>
+              </a:rPr>
+              <a:t>, </a:t>
+            </a:r>
+            <a:r>
+              <a:rPr lang="ru-RU" altLang="ru-RU" dirty="0" err="1" smtClean="0">
+                <a:solidFill>
+                  <a:srgbClr val="9E64A9"/>
+                </a:solidFill>
+                <a:latin typeface="Verdana" panose="020B0604030504040204" pitchFamily="34" charset="0"/>
+              </a:rPr>
+              <a:t>std</a:t>
+            </a:r>
+            <a:r>
+              <a:rPr lang="ru-RU" altLang="ru-RU" dirty="0" smtClean="0">
+                <a:solidFill>
+                  <a:srgbClr val="FFFFFF"/>
+                </a:solidFill>
+                <a:latin typeface="Verdana" panose="020B0604030504040204" pitchFamily="34" charset="0"/>
+              </a:rPr>
+              <a:t>::</a:t>
+            </a:r>
+            <a:r>
+              <a:rPr lang="ru-RU" altLang="ru-RU" dirty="0" err="1" smtClean="0">
+                <a:solidFill>
+                  <a:srgbClr val="FFCC00"/>
+                </a:solidFill>
+                <a:latin typeface="Verdana" panose="020B0604030504040204" pitchFamily="34" charset="0"/>
+              </a:rPr>
+              <a:t>ostream</a:t>
+            </a:r>
+            <a:r>
+              <a:rPr lang="ru-RU" altLang="ru-RU" dirty="0" smtClean="0">
+                <a:solidFill>
+                  <a:srgbClr val="FFFFFF"/>
+                </a:solidFill>
+                <a:latin typeface="Verdana" panose="020B0604030504040204" pitchFamily="34" charset="0"/>
+              </a:rPr>
+              <a:t>&amp; </a:t>
+            </a:r>
+            <a:r>
+              <a:rPr lang="ru-RU" altLang="ru-RU" dirty="0" err="1" smtClean="0">
+                <a:solidFill>
+                  <a:srgbClr val="5BCD9D"/>
+                </a:solidFill>
+                <a:latin typeface="Verdana" panose="020B0604030504040204" pitchFamily="34" charset="0"/>
+              </a:rPr>
+              <a:t>os</a:t>
+            </a:r>
+            <a:r>
+              <a:rPr lang="ru-RU" altLang="ru-RU" dirty="0" smtClean="0">
+                <a:solidFill>
+                  <a:srgbClr val="FFFFFF"/>
+                </a:solidFill>
+                <a:latin typeface="Verdana" panose="020B0604030504040204" pitchFamily="34" charset="0"/>
+              </a:rPr>
+              <a:t>) {</a:t>
+            </a:r>
+            <a:br>
+              <a:rPr lang="ru-RU" altLang="ru-RU" dirty="0" smtClean="0">
+                <a:solidFill>
+                  <a:srgbClr val="FFFFFF"/>
+                </a:solidFill>
+                <a:latin typeface="Verdana" panose="020B0604030504040204" pitchFamily="34" charset="0"/>
+              </a:rPr>
+            </a:br>
+            <a:r>
+              <a:rPr lang="ru-RU" altLang="ru-RU" dirty="0" smtClean="0">
+                <a:solidFill>
+                  <a:srgbClr val="FFFFFF"/>
+                </a:solidFill>
+                <a:latin typeface="Verdana" panose="020B0604030504040204" pitchFamily="34" charset="0"/>
+              </a:rPr>
+              <a:t>    </a:t>
+            </a:r>
+            <a:r>
+              <a:rPr lang="ru-RU" altLang="ru-RU" dirty="0" err="1" smtClean="0">
+                <a:solidFill>
+                  <a:srgbClr val="FFFFFF"/>
+                </a:solidFill>
+                <a:latin typeface="Verdana" panose="020B0604030504040204" pitchFamily="34" charset="0"/>
+              </a:rPr>
+              <a:t>if</a:t>
+            </a:r>
+            <a:r>
+              <a:rPr lang="ru-RU" altLang="ru-RU" dirty="0" smtClean="0">
+                <a:solidFill>
+                  <a:srgbClr val="FFFFFF"/>
+                </a:solidFill>
+                <a:latin typeface="Verdana" panose="020B0604030504040204" pitchFamily="34" charset="0"/>
+              </a:rPr>
+              <a:t> (</a:t>
+            </a:r>
+            <a:r>
+              <a:rPr lang="ru-RU" altLang="ru-RU" dirty="0" err="1" smtClean="0">
+                <a:solidFill>
+                  <a:srgbClr val="5BCD9D"/>
+                </a:solidFill>
+                <a:latin typeface="Verdana" panose="020B0604030504040204" pitchFamily="34" charset="0"/>
+              </a:rPr>
+              <a:t>req</a:t>
+            </a:r>
+            <a:r>
+              <a:rPr lang="ru-RU" altLang="ru-RU" dirty="0" err="1" smtClean="0">
+                <a:solidFill>
+                  <a:srgbClr val="FFFFFF"/>
+                </a:solidFill>
+                <a:latin typeface="Verdana" panose="020B0604030504040204" pitchFamily="34" charset="0"/>
+              </a:rPr>
+              <a:t>.</a:t>
+            </a:r>
+            <a:r>
+              <a:rPr lang="ru-RU" altLang="ru-RU" dirty="0" err="1" smtClean="0">
+                <a:solidFill>
+                  <a:srgbClr val="5BCD9D"/>
+                </a:solidFill>
+                <a:latin typeface="Verdana" panose="020B0604030504040204" pitchFamily="34" charset="0"/>
+              </a:rPr>
+              <a:t>method</a:t>
+            </a:r>
+            <a:r>
+              <a:rPr lang="ru-RU" altLang="ru-RU" dirty="0" smtClean="0">
+                <a:solidFill>
+                  <a:srgbClr val="5BCD9D"/>
+                </a:solidFill>
+                <a:latin typeface="Verdana" panose="020B0604030504040204" pitchFamily="34" charset="0"/>
+              </a:rPr>
+              <a:t> </a:t>
+            </a:r>
+            <a:r>
+              <a:rPr lang="ru-RU" altLang="ru-RU" dirty="0" smtClean="0">
+                <a:solidFill>
+                  <a:srgbClr val="FFFFFF"/>
+                </a:solidFill>
+                <a:latin typeface="Verdana" panose="020B0604030504040204" pitchFamily="34" charset="0"/>
+              </a:rPr>
+              <a:t>== </a:t>
+            </a:r>
+            <a:r>
+              <a:rPr lang="ru-RU" altLang="ru-RU" dirty="0" smtClean="0">
+                <a:solidFill>
+                  <a:srgbClr val="72C3E0"/>
+                </a:solidFill>
+                <a:latin typeface="Verdana" panose="020B0604030504040204" pitchFamily="34" charset="0"/>
+              </a:rPr>
+              <a:t>"POST"</a:t>
+            </a:r>
+            <a:r>
+              <a:rPr lang="ru-RU" altLang="ru-RU" dirty="0" smtClean="0">
+                <a:solidFill>
+                  <a:srgbClr val="FFFFFF"/>
+                </a:solidFill>
+                <a:latin typeface="Verdana" panose="020B0604030504040204" pitchFamily="34" charset="0"/>
+              </a:rPr>
+              <a:t>) {</a:t>
+            </a:r>
+            <a:br>
+              <a:rPr lang="ru-RU" altLang="ru-RU" dirty="0" smtClean="0">
+                <a:solidFill>
+                  <a:srgbClr val="FFFFFF"/>
+                </a:solidFill>
+                <a:latin typeface="Verdana" panose="020B0604030504040204" pitchFamily="34" charset="0"/>
+              </a:rPr>
+            </a:br>
+            <a:r>
+              <a:rPr lang="ru-RU" altLang="ru-RU" dirty="0" smtClean="0">
+                <a:solidFill>
+                  <a:srgbClr val="FFFFFF"/>
+                </a:solidFill>
+                <a:latin typeface="Verdana" panose="020B0604030504040204" pitchFamily="34" charset="0"/>
+              </a:rPr>
+              <a:t>        </a:t>
+            </a:r>
+            <a:r>
+              <a:rPr lang="ru-RU" altLang="ru-RU" dirty="0" err="1" smtClean="0">
+                <a:solidFill>
+                  <a:srgbClr val="FFFFFF"/>
+                </a:solidFill>
+                <a:latin typeface="Verdana" panose="020B0604030504040204" pitchFamily="34" charset="0"/>
+              </a:rPr>
+              <a:t>if</a:t>
+            </a:r>
+            <a:r>
+              <a:rPr lang="ru-RU" altLang="ru-RU" dirty="0" smtClean="0">
+                <a:solidFill>
+                  <a:srgbClr val="FFFFFF"/>
+                </a:solidFill>
+                <a:latin typeface="Verdana" panose="020B0604030504040204" pitchFamily="34" charset="0"/>
+              </a:rPr>
+              <a:t> (</a:t>
+            </a:r>
+            <a:r>
+              <a:rPr lang="ru-RU" altLang="ru-RU" dirty="0" err="1" smtClean="0">
+                <a:solidFill>
+                  <a:srgbClr val="5BCD9D"/>
+                </a:solidFill>
+                <a:latin typeface="Verdana" panose="020B0604030504040204" pitchFamily="34" charset="0"/>
+              </a:rPr>
+              <a:t>req</a:t>
+            </a:r>
+            <a:r>
+              <a:rPr lang="ru-RU" altLang="ru-RU" dirty="0" err="1" smtClean="0">
+                <a:solidFill>
+                  <a:srgbClr val="FFFFFF"/>
+                </a:solidFill>
+                <a:latin typeface="Verdana" panose="020B0604030504040204" pitchFamily="34" charset="0"/>
+              </a:rPr>
+              <a:t>.</a:t>
+            </a:r>
+            <a:r>
+              <a:rPr lang="ru-RU" altLang="ru-RU" dirty="0" err="1" smtClean="0">
+                <a:solidFill>
+                  <a:srgbClr val="5BCD9D"/>
+                </a:solidFill>
+                <a:latin typeface="Verdana" panose="020B0604030504040204" pitchFamily="34" charset="0"/>
+              </a:rPr>
+              <a:t>path</a:t>
+            </a:r>
+            <a:r>
+              <a:rPr lang="ru-RU" altLang="ru-RU" dirty="0" smtClean="0">
+                <a:solidFill>
+                  <a:srgbClr val="5BCD9D"/>
+                </a:solidFill>
+                <a:latin typeface="Verdana" panose="020B0604030504040204" pitchFamily="34" charset="0"/>
+              </a:rPr>
+              <a:t> </a:t>
+            </a:r>
+            <a:r>
+              <a:rPr lang="ru-RU" altLang="ru-RU" dirty="0" smtClean="0">
+                <a:solidFill>
+                  <a:srgbClr val="FFFFFF"/>
+                </a:solidFill>
+                <a:latin typeface="Verdana" panose="020B0604030504040204" pitchFamily="34" charset="0"/>
+              </a:rPr>
+              <a:t>== </a:t>
+            </a:r>
+            <a:r>
+              <a:rPr lang="ru-RU" altLang="ru-RU" dirty="0" smtClean="0">
+                <a:solidFill>
+                  <a:srgbClr val="72C3E0"/>
+                </a:solidFill>
+                <a:latin typeface="Verdana" panose="020B0604030504040204" pitchFamily="34" charset="0"/>
+              </a:rPr>
+              <a:t>"/</a:t>
+            </a:r>
+            <a:r>
+              <a:rPr lang="ru-RU" altLang="ru-RU" dirty="0" err="1" smtClean="0">
+                <a:solidFill>
+                  <a:srgbClr val="72C3E0"/>
+                </a:solidFill>
+                <a:latin typeface="Verdana" panose="020B0604030504040204" pitchFamily="34" charset="0"/>
+              </a:rPr>
+              <a:t>add_user</a:t>
+            </a:r>
+            <a:r>
+              <a:rPr lang="ru-RU" altLang="ru-RU" dirty="0" smtClean="0">
+                <a:solidFill>
+                  <a:srgbClr val="72C3E0"/>
+                </a:solidFill>
+                <a:latin typeface="Verdana" panose="020B0604030504040204" pitchFamily="34" charset="0"/>
+              </a:rPr>
+              <a:t>"</a:t>
+            </a:r>
+            <a:r>
+              <a:rPr lang="ru-RU" altLang="ru-RU" dirty="0" smtClean="0">
+                <a:solidFill>
+                  <a:srgbClr val="FFFFFF"/>
+                </a:solidFill>
+                <a:latin typeface="Verdana" panose="020B0604030504040204" pitchFamily="34" charset="0"/>
+              </a:rPr>
+              <a:t>) {</a:t>
+            </a:r>
+            <a:br>
+              <a:rPr lang="ru-RU" altLang="ru-RU" dirty="0" smtClean="0">
+                <a:solidFill>
+                  <a:srgbClr val="FFFFFF"/>
+                </a:solidFill>
+                <a:latin typeface="Verdana" panose="020B0604030504040204" pitchFamily="34" charset="0"/>
+              </a:rPr>
+            </a:br>
+            <a:r>
+              <a:rPr lang="ru-RU" altLang="ru-RU" dirty="0" smtClean="0">
+                <a:solidFill>
+                  <a:srgbClr val="FFFFFF"/>
+                </a:solidFill>
+                <a:latin typeface="Verdana" panose="020B0604030504040204" pitchFamily="34" charset="0"/>
+              </a:rPr>
+              <a:t>            </a:t>
+            </a:r>
+            <a:r>
+              <a:rPr lang="ru-RU" altLang="ru-RU" dirty="0" err="1" smtClean="0">
+                <a:solidFill>
+                  <a:srgbClr val="5BCD9D"/>
+                </a:solidFill>
+                <a:latin typeface="Verdana" panose="020B0604030504040204" pitchFamily="34" charset="0"/>
+              </a:rPr>
+              <a:t>comments</a:t>
+            </a:r>
+            <a:r>
+              <a:rPr lang="ru-RU" altLang="ru-RU" dirty="0" smtClean="0">
+                <a:solidFill>
+                  <a:srgbClr val="5BCD9D"/>
+                </a:solidFill>
+                <a:latin typeface="Verdana" panose="020B0604030504040204" pitchFamily="34" charset="0"/>
+              </a:rPr>
+              <a:t>_</a:t>
+            </a:r>
+            <a:r>
+              <a:rPr lang="ru-RU" altLang="ru-RU" dirty="0" smtClean="0">
+                <a:solidFill>
+                  <a:srgbClr val="FFFFFF"/>
+                </a:solidFill>
+                <a:latin typeface="Verdana" panose="020B0604030504040204" pitchFamily="34" charset="0"/>
+              </a:rPr>
+              <a:t>.</a:t>
+            </a:r>
+            <a:r>
+              <a:rPr lang="ru-RU" altLang="ru-RU" dirty="0" err="1" smtClean="0">
+                <a:solidFill>
+                  <a:srgbClr val="FFCC00"/>
+                </a:solidFill>
+                <a:latin typeface="Verdana" panose="020B0604030504040204" pitchFamily="34" charset="0"/>
+              </a:rPr>
+              <a:t>emplace_back</a:t>
+            </a:r>
+            <a:r>
+              <a:rPr lang="ru-RU" altLang="ru-RU" dirty="0" smtClean="0">
+                <a:solidFill>
+                  <a:srgbClr val="FFFFFF"/>
+                </a:solidFill>
+                <a:latin typeface="Verdana" panose="020B0604030504040204" pitchFamily="34" charset="0"/>
+              </a:rPr>
+              <a:t>();</a:t>
+            </a:r>
+            <a:br>
+              <a:rPr lang="ru-RU" altLang="ru-RU" dirty="0" smtClean="0">
+                <a:solidFill>
+                  <a:srgbClr val="FFFFFF"/>
+                </a:solidFill>
+                <a:latin typeface="Verdana" panose="020B0604030504040204" pitchFamily="34" charset="0"/>
+              </a:rPr>
+            </a:br>
+            <a:r>
+              <a:rPr lang="ru-RU" altLang="ru-RU" dirty="0" smtClean="0">
+                <a:solidFill>
+                  <a:srgbClr val="FFFFFF"/>
+                </a:solidFill>
+                <a:latin typeface="Verdana" panose="020B0604030504040204" pitchFamily="34" charset="0"/>
+              </a:rPr>
+              <a:t>            </a:t>
+            </a:r>
+            <a:r>
+              <a:rPr lang="ru-RU" altLang="ru-RU" dirty="0" err="1" smtClean="0">
+                <a:solidFill>
+                  <a:srgbClr val="FFFFFF"/>
+                </a:solidFill>
+                <a:latin typeface="Verdana" panose="020B0604030504040204" pitchFamily="34" charset="0"/>
+              </a:rPr>
+              <a:t>auto</a:t>
+            </a:r>
+            <a:r>
+              <a:rPr lang="ru-RU" altLang="ru-RU" dirty="0" smtClean="0">
+                <a:solidFill>
+                  <a:srgbClr val="FFFFFF"/>
+                </a:solidFill>
+                <a:latin typeface="Verdana" panose="020B0604030504040204" pitchFamily="34" charset="0"/>
+              </a:rPr>
+              <a:t> </a:t>
+            </a:r>
+            <a:r>
+              <a:rPr lang="ru-RU" altLang="ru-RU" dirty="0" err="1" smtClean="0">
+                <a:solidFill>
+                  <a:srgbClr val="5BCD9D"/>
+                </a:solidFill>
+                <a:latin typeface="Verdana" panose="020B0604030504040204" pitchFamily="34" charset="0"/>
+              </a:rPr>
+              <a:t>response</a:t>
+            </a:r>
+            <a:r>
+              <a:rPr lang="ru-RU" altLang="ru-RU" dirty="0" smtClean="0">
+                <a:solidFill>
+                  <a:srgbClr val="5BCD9D"/>
+                </a:solidFill>
+                <a:latin typeface="Verdana" panose="020B0604030504040204" pitchFamily="34" charset="0"/>
+              </a:rPr>
+              <a:t> </a:t>
+            </a:r>
+            <a:r>
+              <a:rPr lang="ru-RU" altLang="ru-RU" dirty="0" smtClean="0">
+                <a:solidFill>
+                  <a:srgbClr val="FFFFFF"/>
+                </a:solidFill>
+                <a:latin typeface="Verdana" panose="020B0604030504040204" pitchFamily="34" charset="0"/>
+              </a:rPr>
+              <a:t>= </a:t>
+            </a:r>
+            <a:r>
+              <a:rPr lang="ru-RU" altLang="ru-RU" dirty="0" err="1" smtClean="0">
+                <a:solidFill>
+                  <a:srgbClr val="9E64A9"/>
+                </a:solidFill>
+                <a:latin typeface="Verdana" panose="020B0604030504040204" pitchFamily="34" charset="0"/>
+              </a:rPr>
+              <a:t>std</a:t>
+            </a:r>
+            <a:r>
+              <a:rPr lang="ru-RU" altLang="ru-RU" dirty="0" smtClean="0">
+                <a:solidFill>
+                  <a:srgbClr val="FFFFFF"/>
+                </a:solidFill>
+                <a:latin typeface="Verdana" panose="020B0604030504040204" pitchFamily="34" charset="0"/>
+              </a:rPr>
+              <a:t>::</a:t>
+            </a:r>
+            <a:r>
+              <a:rPr lang="ru-RU" altLang="ru-RU" dirty="0" err="1" smtClean="0">
+                <a:solidFill>
+                  <a:srgbClr val="FFCC00"/>
+                </a:solidFill>
+                <a:latin typeface="Verdana" panose="020B0604030504040204" pitchFamily="34" charset="0"/>
+              </a:rPr>
+              <a:t>to_string</a:t>
+            </a:r>
+            <a:r>
+              <a:rPr lang="ru-RU" altLang="ru-RU" dirty="0" smtClean="0">
+                <a:solidFill>
+                  <a:srgbClr val="FFFFFF"/>
+                </a:solidFill>
+                <a:latin typeface="Verdana" panose="020B0604030504040204" pitchFamily="34" charset="0"/>
+              </a:rPr>
+              <a:t>(</a:t>
+            </a:r>
+            <a:r>
+              <a:rPr lang="ru-RU" altLang="ru-RU" dirty="0" err="1" smtClean="0">
+                <a:solidFill>
+                  <a:srgbClr val="5BCD9D"/>
+                </a:solidFill>
+                <a:latin typeface="Verdana" panose="020B0604030504040204" pitchFamily="34" charset="0"/>
+              </a:rPr>
+              <a:t>comments</a:t>
+            </a:r>
+            <a:r>
+              <a:rPr lang="ru-RU" altLang="ru-RU" dirty="0" smtClean="0">
+                <a:solidFill>
+                  <a:srgbClr val="5BCD9D"/>
+                </a:solidFill>
+                <a:latin typeface="Verdana" panose="020B0604030504040204" pitchFamily="34" charset="0"/>
+              </a:rPr>
+              <a:t>_</a:t>
+            </a:r>
+            <a:r>
+              <a:rPr lang="ru-RU" altLang="ru-RU" dirty="0" smtClean="0">
+                <a:solidFill>
+                  <a:srgbClr val="FFFFFF"/>
+                </a:solidFill>
+                <a:latin typeface="Verdana" panose="020B0604030504040204" pitchFamily="34" charset="0"/>
+              </a:rPr>
+              <a:t>.</a:t>
+            </a:r>
+            <a:r>
+              <a:rPr lang="ru-RU" altLang="ru-RU" dirty="0" err="1" smtClean="0">
+                <a:solidFill>
+                  <a:srgbClr val="FFCC00"/>
+                </a:solidFill>
+                <a:latin typeface="Verdana" panose="020B0604030504040204" pitchFamily="34" charset="0"/>
+              </a:rPr>
+              <a:t>size</a:t>
+            </a:r>
+            <a:r>
+              <a:rPr lang="ru-RU" altLang="ru-RU" dirty="0" smtClean="0">
+                <a:solidFill>
+                  <a:srgbClr val="FFFFFF"/>
+                </a:solidFill>
+                <a:latin typeface="Verdana" panose="020B0604030504040204" pitchFamily="34" charset="0"/>
+              </a:rPr>
+              <a:t>() - </a:t>
+            </a:r>
+            <a:r>
+              <a:rPr lang="ru-RU" altLang="ru-RU" dirty="0" smtClean="0">
+                <a:solidFill>
+                  <a:srgbClr val="6897BB"/>
+                </a:solidFill>
+                <a:latin typeface="Verdana" panose="020B0604030504040204" pitchFamily="34" charset="0"/>
+              </a:rPr>
+              <a:t>1</a:t>
+            </a:r>
+            <a:r>
+              <a:rPr lang="ru-RU" altLang="ru-RU" dirty="0" smtClean="0">
+                <a:solidFill>
+                  <a:srgbClr val="FFFFFF"/>
+                </a:solidFill>
+                <a:latin typeface="Verdana" panose="020B0604030504040204" pitchFamily="34" charset="0"/>
+              </a:rPr>
+              <a:t>);</a:t>
+            </a:r>
+            <a:br>
+              <a:rPr lang="ru-RU" altLang="ru-RU" dirty="0" smtClean="0">
+                <a:solidFill>
+                  <a:srgbClr val="FFFFFF"/>
+                </a:solidFill>
+                <a:latin typeface="Verdana" panose="020B0604030504040204" pitchFamily="34" charset="0"/>
+              </a:rPr>
+            </a:br>
+            <a:r>
+              <a:rPr lang="ru-RU" altLang="ru-RU" dirty="0" smtClean="0">
+                <a:solidFill>
+                  <a:srgbClr val="FFFFFF"/>
+                </a:solidFill>
+                <a:latin typeface="Verdana" panose="020B0604030504040204" pitchFamily="34" charset="0"/>
+              </a:rPr>
+              <a:t>            </a:t>
+            </a:r>
+            <a:r>
+              <a:rPr lang="ru-RU" altLang="ru-RU" dirty="0" smtClean="0">
+                <a:solidFill>
+                  <a:srgbClr val="72C3E0"/>
+                </a:solidFill>
+                <a:latin typeface="Verdana" panose="020B0604030504040204" pitchFamily="34" charset="0"/>
+              </a:rPr>
+              <a:t/>
+            </a:r>
+            <a:br>
+              <a:rPr lang="ru-RU" altLang="ru-RU" dirty="0" smtClean="0">
+                <a:solidFill>
+                  <a:srgbClr val="72C3E0"/>
+                </a:solidFill>
+                <a:latin typeface="Verdana" panose="020B0604030504040204" pitchFamily="34" charset="0"/>
+              </a:rPr>
+            </a:br>
+            <a:r>
+              <a:rPr lang="ru-RU" altLang="ru-RU" dirty="0" smtClean="0">
+                <a:solidFill>
+                  <a:srgbClr val="72C3E0"/>
+                </a:solidFill>
+                <a:latin typeface="Verdana" panose="020B0604030504040204" pitchFamily="34" charset="0"/>
+              </a:rPr>
+              <a:t>               </a:t>
+            </a:r>
+            <a:br>
+              <a:rPr lang="ru-RU" altLang="ru-RU" dirty="0" smtClean="0">
+                <a:solidFill>
+                  <a:srgbClr val="72C3E0"/>
+                </a:solidFill>
+                <a:latin typeface="Verdana" panose="020B0604030504040204" pitchFamily="34" charset="0"/>
+              </a:rPr>
+            </a:br>
+            <a:r>
+              <a:rPr lang="ru-RU" altLang="ru-RU" dirty="0" smtClean="0">
+                <a:solidFill>
+                  <a:srgbClr val="72C3E0"/>
+                </a:solidFill>
+                <a:latin typeface="Verdana" panose="020B0604030504040204" pitchFamily="34" charset="0"/>
+              </a:rPr>
+              <a:t>               </a:t>
+            </a:r>
+            <a:br>
+              <a:rPr lang="ru-RU" altLang="ru-RU" dirty="0" smtClean="0">
+                <a:solidFill>
+                  <a:srgbClr val="72C3E0"/>
+                </a:solidFill>
+                <a:latin typeface="Verdana" panose="020B0604030504040204" pitchFamily="34" charset="0"/>
+              </a:rPr>
+            </a:br>
+            <a:r>
+              <a:rPr lang="ru-RU" altLang="ru-RU" dirty="0" smtClean="0">
+                <a:solidFill>
+                  <a:srgbClr val="72C3E0"/>
+                </a:solidFill>
+                <a:latin typeface="Verdana" panose="020B0604030504040204" pitchFamily="34" charset="0"/>
+              </a:rPr>
+              <a:t>               </a:t>
+            </a:r>
+            <a:r>
+              <a:rPr lang="ru-RU" altLang="ru-RU" dirty="0" smtClean="0">
+                <a:solidFill>
+                  <a:srgbClr val="FFFFFF"/>
+                </a:solidFill>
+                <a:latin typeface="Verdana" panose="020B0604030504040204" pitchFamily="34" charset="0"/>
+              </a:rPr>
+              <a:t/>
+            </a:r>
+            <a:br>
+              <a:rPr lang="ru-RU" altLang="ru-RU" dirty="0" smtClean="0">
+                <a:solidFill>
+                  <a:srgbClr val="FFFFFF"/>
+                </a:solidFill>
+                <a:latin typeface="Verdana" panose="020B0604030504040204" pitchFamily="34" charset="0"/>
+              </a:rPr>
+            </a:br>
+            <a:r>
+              <a:rPr lang="ru-RU" altLang="ru-RU" dirty="0" smtClean="0">
+                <a:solidFill>
+                  <a:srgbClr val="FFFFFF"/>
+                </a:solidFill>
+                <a:latin typeface="Verdana" panose="020B0604030504040204" pitchFamily="34" charset="0"/>
+              </a:rPr>
+              <a:t>        } </a:t>
+            </a:r>
+            <a:r>
+              <a:rPr lang="ru-RU" altLang="ru-RU" dirty="0" err="1" smtClean="0">
+                <a:solidFill>
+                  <a:srgbClr val="FFFFFF"/>
+                </a:solidFill>
+                <a:latin typeface="Verdana" panose="020B0604030504040204" pitchFamily="34" charset="0"/>
+              </a:rPr>
+              <a:t>else</a:t>
+            </a:r>
+            <a:r>
+              <a:rPr lang="ru-RU" altLang="ru-RU" dirty="0" smtClean="0">
+                <a:solidFill>
+                  <a:srgbClr val="FFFFFF"/>
+                </a:solidFill>
+                <a:latin typeface="Verdana" panose="020B0604030504040204" pitchFamily="34" charset="0"/>
+              </a:rPr>
+              <a:t> </a:t>
+            </a:r>
+            <a:r>
+              <a:rPr lang="ru-RU" altLang="ru-RU" dirty="0" err="1" smtClean="0">
+                <a:solidFill>
+                  <a:srgbClr val="FFFFFF"/>
+                </a:solidFill>
+                <a:latin typeface="Verdana" panose="020B0604030504040204" pitchFamily="34" charset="0"/>
+              </a:rPr>
+              <a:t>if</a:t>
+            </a:r>
+            <a:r>
+              <a:rPr lang="ru-RU" altLang="ru-RU" dirty="0" smtClean="0">
+                <a:solidFill>
+                  <a:srgbClr val="FFFFFF"/>
+                </a:solidFill>
+                <a:latin typeface="Verdana" panose="020B0604030504040204" pitchFamily="34" charset="0"/>
+              </a:rPr>
+              <a:t> (</a:t>
+            </a:r>
+            <a:r>
+              <a:rPr lang="ru-RU" altLang="ru-RU" dirty="0" err="1" smtClean="0">
+                <a:solidFill>
+                  <a:srgbClr val="5BCD9D"/>
+                </a:solidFill>
+                <a:latin typeface="Verdana" panose="020B0604030504040204" pitchFamily="34" charset="0"/>
+              </a:rPr>
+              <a:t>req</a:t>
+            </a:r>
+            <a:r>
+              <a:rPr lang="ru-RU" altLang="ru-RU" dirty="0" err="1" smtClean="0">
+                <a:solidFill>
+                  <a:srgbClr val="FFFFFF"/>
+                </a:solidFill>
+                <a:latin typeface="Verdana" panose="020B0604030504040204" pitchFamily="34" charset="0"/>
+              </a:rPr>
+              <a:t>.</a:t>
+            </a:r>
+            <a:r>
+              <a:rPr lang="ru-RU" altLang="ru-RU" dirty="0" err="1" smtClean="0">
+                <a:solidFill>
+                  <a:srgbClr val="5BCD9D"/>
+                </a:solidFill>
+                <a:latin typeface="Verdana" panose="020B0604030504040204" pitchFamily="34" charset="0"/>
+              </a:rPr>
+              <a:t>path</a:t>
+            </a:r>
+            <a:r>
+              <a:rPr lang="ru-RU" altLang="ru-RU" dirty="0" smtClean="0">
+                <a:solidFill>
+                  <a:srgbClr val="5BCD9D"/>
+                </a:solidFill>
+                <a:latin typeface="Verdana" panose="020B0604030504040204" pitchFamily="34" charset="0"/>
+              </a:rPr>
+              <a:t> </a:t>
+            </a:r>
+            <a:r>
+              <a:rPr lang="ru-RU" altLang="ru-RU" dirty="0" smtClean="0">
+                <a:solidFill>
+                  <a:srgbClr val="FFFFFF"/>
+                </a:solidFill>
+                <a:latin typeface="Verdana" panose="020B0604030504040204" pitchFamily="34" charset="0"/>
+              </a:rPr>
+              <a:t>== </a:t>
+            </a:r>
+            <a:r>
+              <a:rPr lang="ru-RU" altLang="ru-RU" dirty="0" smtClean="0">
+                <a:solidFill>
+                  <a:srgbClr val="72C3E0"/>
+                </a:solidFill>
+                <a:latin typeface="Verdana" panose="020B0604030504040204" pitchFamily="34" charset="0"/>
+              </a:rPr>
+              <a:t>"/</a:t>
+            </a:r>
+            <a:r>
+              <a:rPr lang="ru-RU" altLang="ru-RU" dirty="0" err="1" smtClean="0">
+                <a:solidFill>
+                  <a:srgbClr val="72C3E0"/>
+                </a:solidFill>
+                <a:latin typeface="Verdana" panose="020B0604030504040204" pitchFamily="34" charset="0"/>
+              </a:rPr>
+              <a:t>add_comment</a:t>
+            </a:r>
+            <a:r>
+              <a:rPr lang="ru-RU" altLang="ru-RU" dirty="0" smtClean="0">
+                <a:solidFill>
+                  <a:srgbClr val="72C3E0"/>
+                </a:solidFill>
+                <a:latin typeface="Verdana" panose="020B0604030504040204" pitchFamily="34" charset="0"/>
+              </a:rPr>
+              <a:t>"</a:t>
+            </a:r>
+            <a:r>
+              <a:rPr lang="ru-RU" altLang="ru-RU" dirty="0" smtClean="0">
+                <a:solidFill>
+                  <a:srgbClr val="FFFFFF"/>
+                </a:solidFill>
+                <a:latin typeface="Verdana" panose="020B0604030504040204" pitchFamily="34" charset="0"/>
+              </a:rPr>
+              <a:t>) {</a:t>
+            </a:r>
+            <a:br>
+              <a:rPr lang="ru-RU" altLang="ru-RU" dirty="0" smtClean="0">
+                <a:solidFill>
+                  <a:srgbClr val="FFFFFF"/>
+                </a:solidFill>
+                <a:latin typeface="Verdana" panose="020B0604030504040204" pitchFamily="34" charset="0"/>
+              </a:rPr>
+            </a:br>
+            <a:r>
+              <a:rPr lang="ru-RU" altLang="ru-RU" dirty="0" smtClean="0">
+                <a:solidFill>
+                  <a:srgbClr val="FFFFFF"/>
+                </a:solidFill>
+                <a:latin typeface="Verdana" panose="020B0604030504040204" pitchFamily="34" charset="0"/>
+              </a:rPr>
+              <a:t>            </a:t>
+            </a:r>
+            <a:r>
+              <a:rPr lang="ru-RU" altLang="ru-RU" dirty="0" err="1" smtClean="0">
+                <a:solidFill>
+                  <a:srgbClr val="FFFFFF"/>
+                </a:solidFill>
+                <a:latin typeface="Verdana" panose="020B0604030504040204" pitchFamily="34" charset="0"/>
+              </a:rPr>
+              <a:t>auto</a:t>
+            </a:r>
+            <a:r>
+              <a:rPr lang="ru-RU" altLang="ru-RU" dirty="0" smtClean="0">
+                <a:solidFill>
+                  <a:srgbClr val="FFFFFF"/>
+                </a:solidFill>
+                <a:latin typeface="Verdana" panose="020B0604030504040204" pitchFamily="34" charset="0"/>
+              </a:rPr>
+              <a:t>[</a:t>
+            </a:r>
+            <a:r>
+              <a:rPr lang="ru-RU" altLang="ru-RU" dirty="0" err="1" smtClean="0">
+                <a:solidFill>
+                  <a:srgbClr val="FFCC00"/>
+                </a:solidFill>
+                <a:latin typeface="Verdana" panose="020B0604030504040204" pitchFamily="34" charset="0"/>
+              </a:rPr>
+              <a:t>user_id</a:t>
+            </a:r>
+            <a:r>
+              <a:rPr lang="ru-RU" altLang="ru-RU" dirty="0" smtClean="0">
+                <a:solidFill>
+                  <a:srgbClr val="FFFFFF"/>
+                </a:solidFill>
+                <a:latin typeface="Verdana" panose="020B0604030504040204" pitchFamily="34" charset="0"/>
+              </a:rPr>
+              <a:t>, </a:t>
+            </a:r>
+            <a:r>
+              <a:rPr lang="ru-RU" altLang="ru-RU" dirty="0" err="1" smtClean="0">
+                <a:solidFill>
+                  <a:srgbClr val="FFCC00"/>
+                </a:solidFill>
+                <a:latin typeface="Verdana" panose="020B0604030504040204" pitchFamily="34" charset="0"/>
+              </a:rPr>
+              <a:t>comment</a:t>
+            </a:r>
+            <a:r>
+              <a:rPr lang="ru-RU" altLang="ru-RU" dirty="0" smtClean="0">
+                <a:solidFill>
+                  <a:srgbClr val="FFFFFF"/>
+                </a:solidFill>
+                <a:latin typeface="Verdana" panose="020B0604030504040204" pitchFamily="34" charset="0"/>
+              </a:rPr>
+              <a:t>] = </a:t>
+            </a:r>
+            <a:r>
+              <a:rPr lang="ru-RU" altLang="ru-RU" dirty="0" err="1" smtClean="0">
+                <a:solidFill>
+                  <a:srgbClr val="FFCC00"/>
+                </a:solidFill>
+                <a:latin typeface="Verdana" panose="020B0604030504040204" pitchFamily="34" charset="0"/>
+              </a:rPr>
+              <a:t>ParseIdAndComment</a:t>
+            </a:r>
+            <a:r>
+              <a:rPr lang="ru-RU" altLang="ru-RU" dirty="0" smtClean="0">
+                <a:solidFill>
+                  <a:srgbClr val="FFFFFF"/>
+                </a:solidFill>
+                <a:latin typeface="Verdana" panose="020B0604030504040204" pitchFamily="34" charset="0"/>
+              </a:rPr>
+              <a:t>(</a:t>
+            </a:r>
+            <a:r>
+              <a:rPr lang="ru-RU" altLang="ru-RU" dirty="0" err="1" smtClean="0">
+                <a:solidFill>
+                  <a:srgbClr val="5BCD9D"/>
+                </a:solidFill>
+                <a:latin typeface="Verdana" panose="020B0604030504040204" pitchFamily="34" charset="0"/>
+              </a:rPr>
+              <a:t>req</a:t>
+            </a:r>
+            <a:r>
+              <a:rPr lang="ru-RU" altLang="ru-RU" dirty="0" err="1" smtClean="0">
+                <a:solidFill>
+                  <a:srgbClr val="FFFFFF"/>
+                </a:solidFill>
+                <a:latin typeface="Verdana" panose="020B0604030504040204" pitchFamily="34" charset="0"/>
+              </a:rPr>
+              <a:t>.</a:t>
+            </a:r>
+            <a:r>
+              <a:rPr lang="ru-RU" altLang="ru-RU" dirty="0" err="1" smtClean="0">
+                <a:solidFill>
+                  <a:srgbClr val="5BCD9D"/>
+                </a:solidFill>
+                <a:latin typeface="Verdana" panose="020B0604030504040204" pitchFamily="34" charset="0"/>
+              </a:rPr>
+              <a:t>body</a:t>
+            </a:r>
+            <a:r>
+              <a:rPr lang="ru-RU" altLang="ru-RU" dirty="0" smtClean="0">
+                <a:solidFill>
+                  <a:srgbClr val="FFFFFF"/>
+                </a:solidFill>
+                <a:latin typeface="Verdana" panose="020B0604030504040204" pitchFamily="34" charset="0"/>
+              </a:rPr>
+              <a:t>);</a:t>
+            </a:r>
+            <a:br>
+              <a:rPr lang="ru-RU" altLang="ru-RU" dirty="0" smtClean="0">
+                <a:solidFill>
+                  <a:srgbClr val="FFFFFF"/>
+                </a:solidFill>
+                <a:latin typeface="Verdana" panose="020B0604030504040204" pitchFamily="34" charset="0"/>
+              </a:rPr>
+            </a:br>
+            <a:r>
+              <a:rPr lang="ru-RU" altLang="ru-RU" dirty="0" smtClean="0">
+                <a:solidFill>
+                  <a:srgbClr val="FFFFFF"/>
+                </a:solidFill>
+                <a:latin typeface="Verdana" panose="020B0604030504040204" pitchFamily="34" charset="0"/>
+              </a:rPr>
+              <a:t>            </a:t>
+            </a:r>
+            <a:r>
+              <a:rPr lang="ru-RU" altLang="ru-RU" dirty="0" err="1" smtClean="0">
+                <a:solidFill>
+                  <a:srgbClr val="5BCD9D"/>
+                </a:solidFill>
+                <a:latin typeface="Verdana" panose="020B0604030504040204" pitchFamily="34" charset="0"/>
+              </a:rPr>
+              <a:t>comments</a:t>
+            </a:r>
+            <a:r>
+              <a:rPr lang="ru-RU" altLang="ru-RU" dirty="0" smtClean="0">
+                <a:solidFill>
+                  <a:srgbClr val="5BCD9D"/>
+                </a:solidFill>
+                <a:latin typeface="Verdana" panose="020B0604030504040204" pitchFamily="34" charset="0"/>
+              </a:rPr>
+              <a:t>_</a:t>
+            </a:r>
+            <a:r>
+              <a:rPr lang="ru-RU" altLang="ru-RU" dirty="0" smtClean="0">
+                <a:solidFill>
+                  <a:srgbClr val="FFFFFF"/>
+                </a:solidFill>
+                <a:latin typeface="Verdana" panose="020B0604030504040204" pitchFamily="34" charset="0"/>
+              </a:rPr>
+              <a:t>[</a:t>
+            </a:r>
+            <a:r>
+              <a:rPr lang="ru-RU" altLang="ru-RU" dirty="0" err="1" smtClean="0">
+                <a:solidFill>
+                  <a:srgbClr val="FFCC00"/>
+                </a:solidFill>
+                <a:latin typeface="Verdana" panose="020B0604030504040204" pitchFamily="34" charset="0"/>
+              </a:rPr>
+              <a:t>user_id</a:t>
+            </a:r>
+            <a:r>
+              <a:rPr lang="ru-RU" altLang="ru-RU" dirty="0" smtClean="0">
+                <a:solidFill>
+                  <a:srgbClr val="FFFFFF"/>
+                </a:solidFill>
+                <a:latin typeface="Verdana" panose="020B0604030504040204" pitchFamily="34" charset="0"/>
+              </a:rPr>
+              <a:t>].</a:t>
+            </a:r>
+            <a:r>
+              <a:rPr lang="ru-RU" altLang="ru-RU" dirty="0" err="1" smtClean="0">
+                <a:solidFill>
+                  <a:srgbClr val="FFCC00"/>
+                </a:solidFill>
+                <a:latin typeface="Verdana" panose="020B0604030504040204" pitchFamily="34" charset="0"/>
+              </a:rPr>
+              <a:t>push_back</a:t>
+            </a:r>
+            <a:r>
+              <a:rPr lang="ru-RU" altLang="ru-RU" dirty="0" smtClean="0">
+                <a:solidFill>
+                  <a:srgbClr val="FFFFFF"/>
+                </a:solidFill>
+                <a:latin typeface="Verdana" panose="020B0604030504040204" pitchFamily="34" charset="0"/>
+              </a:rPr>
+              <a:t>(</a:t>
+            </a:r>
+            <a:r>
+              <a:rPr lang="ru-RU" altLang="ru-RU" dirty="0" err="1" smtClean="0">
+                <a:solidFill>
+                  <a:srgbClr val="FFCC00"/>
+                </a:solidFill>
+                <a:latin typeface="Verdana" panose="020B0604030504040204" pitchFamily="34" charset="0"/>
+              </a:rPr>
+              <a:t>comment</a:t>
+            </a:r>
+            <a:r>
+              <a:rPr lang="ru-RU" altLang="ru-RU" dirty="0" smtClean="0">
+                <a:solidFill>
+                  <a:srgbClr val="FFFFFF"/>
+                </a:solidFill>
+                <a:latin typeface="Verdana" panose="020B0604030504040204" pitchFamily="34" charset="0"/>
+              </a:rPr>
+              <a:t>);</a:t>
+            </a:r>
+            <a:br>
+              <a:rPr lang="ru-RU" altLang="ru-RU" dirty="0" smtClean="0">
+                <a:solidFill>
+                  <a:srgbClr val="FFFFFF"/>
+                </a:solidFill>
+                <a:latin typeface="Verdana" panose="020B0604030504040204" pitchFamily="34" charset="0"/>
+              </a:rPr>
+            </a:br>
+            <a:r>
+              <a:rPr lang="ru-RU" altLang="ru-RU" dirty="0" smtClean="0">
+                <a:solidFill>
+                  <a:srgbClr val="FFFFFF"/>
+                </a:solidFill>
+                <a:latin typeface="Verdana" panose="020B0604030504040204" pitchFamily="34" charset="0"/>
+              </a:rPr>
+              <a:t>            </a:t>
+            </a:r>
+            <a:br>
+              <a:rPr lang="ru-RU" altLang="ru-RU" dirty="0" smtClean="0">
+                <a:solidFill>
+                  <a:srgbClr val="FFFFFF"/>
+                </a:solidFill>
+                <a:latin typeface="Verdana" panose="020B0604030504040204" pitchFamily="34" charset="0"/>
+              </a:rPr>
+            </a:br>
+            <a:r>
+              <a:rPr lang="ru-RU" altLang="ru-RU" dirty="0" smtClean="0">
+                <a:solidFill>
+                  <a:srgbClr val="FFFFFF"/>
+                </a:solidFill>
+                <a:latin typeface="Verdana" panose="020B0604030504040204" pitchFamily="34" charset="0"/>
+              </a:rPr>
+              <a:t>        } </a:t>
+            </a:r>
+            <a:r>
+              <a:rPr lang="ru-RU" altLang="ru-RU" dirty="0" err="1" smtClean="0">
+                <a:solidFill>
+                  <a:srgbClr val="FFFFFF"/>
+                </a:solidFill>
+                <a:latin typeface="Verdana" panose="020B0604030504040204" pitchFamily="34" charset="0"/>
+              </a:rPr>
+              <a:t>else</a:t>
+            </a:r>
+            <a:r>
+              <a:rPr lang="ru-RU" altLang="ru-RU" dirty="0" smtClean="0">
+                <a:solidFill>
+                  <a:srgbClr val="FFFFFF"/>
+                </a:solidFill>
+                <a:latin typeface="Verdana" panose="020B0604030504040204" pitchFamily="34" charset="0"/>
+              </a:rPr>
+              <a:t> {</a:t>
+            </a:r>
+            <a:br>
+              <a:rPr lang="ru-RU" altLang="ru-RU" dirty="0" smtClean="0">
+                <a:solidFill>
+                  <a:srgbClr val="FFFFFF"/>
+                </a:solidFill>
+                <a:latin typeface="Verdana" panose="020B0604030504040204" pitchFamily="34" charset="0"/>
+              </a:rPr>
+            </a:br>
+            <a:r>
+              <a:rPr lang="ru-RU" altLang="ru-RU" dirty="0" smtClean="0">
+                <a:solidFill>
+                  <a:srgbClr val="FFFFFF"/>
+                </a:solidFill>
+                <a:latin typeface="Verdana" panose="020B0604030504040204" pitchFamily="34" charset="0"/>
+              </a:rPr>
+              <a:t>            </a:t>
+            </a:r>
+            <a:br>
+              <a:rPr lang="ru-RU" altLang="ru-RU" dirty="0" smtClean="0">
+                <a:solidFill>
+                  <a:srgbClr val="FFFFFF"/>
+                </a:solidFill>
+                <a:latin typeface="Verdana" panose="020B0604030504040204" pitchFamily="34" charset="0"/>
+              </a:rPr>
+            </a:br>
+            <a:r>
+              <a:rPr lang="ru-RU" altLang="ru-RU" dirty="0" smtClean="0">
+                <a:solidFill>
+                  <a:srgbClr val="FFFFFF"/>
+                </a:solidFill>
+                <a:latin typeface="Verdana" panose="020B0604030504040204" pitchFamily="34" charset="0"/>
+              </a:rPr>
+              <a:t>        }</a:t>
+            </a:r>
+            <a:br>
+              <a:rPr lang="ru-RU" altLang="ru-RU" dirty="0" smtClean="0">
+                <a:solidFill>
+                  <a:srgbClr val="FFFFFF"/>
+                </a:solidFill>
+                <a:latin typeface="Verdana" panose="020B0604030504040204" pitchFamily="34" charset="0"/>
+              </a:rPr>
+            </a:br>
+            <a:endParaRPr lang="ru-RU" altLang="ru-RU" sz="6600" dirty="0">
+              <a:solidFill>
+                <a:schemeClr val="tx1"/>
+              </a:solidFill>
+              <a:latin typeface="Arial" panose="020B0604020202020204" pitchFamily="34" charset="0"/>
+            </a:endParaRPr>
+          </a:p>
+        </p:txBody>
+      </p:sp>
+      <p:sp>
+        <p:nvSpPr>
+          <p:cNvPr id="11" name="TextBox 10"/>
+          <p:cNvSpPr txBox="1"/>
+          <p:nvPr/>
+        </p:nvSpPr>
+        <p:spPr>
+          <a:xfrm>
+            <a:off x="3032125" y="12128338"/>
+            <a:ext cx="9921875" cy="646331"/>
+          </a:xfrm>
+          <a:prstGeom prst="rect">
+            <a:avLst/>
+          </a:prstGeom>
+          <a:noFill/>
+        </p:spPr>
+        <p:txBody>
+          <a:bodyPr wrap="square" rtlCol="0">
+            <a:spAutoFit/>
+          </a:bodyPr>
+          <a:lstStyle/>
+          <a:p>
+            <a:pPr lvl="0" defTabSz="914400" eaLnBrk="0" fontAlgn="base" hangingPunct="0">
+              <a:spcBef>
+                <a:spcPct val="0"/>
+              </a:spcBef>
+              <a:spcAft>
+                <a:spcPct val="0"/>
+              </a:spcAft>
+            </a:pPr>
+            <a:r>
+              <a:rPr lang="ru-RU" altLang="ru-RU" dirty="0" err="1">
+                <a:solidFill>
+                  <a:srgbClr val="5BCD9D"/>
+                </a:solidFill>
+                <a:latin typeface="Verdana" panose="020B0604030504040204" pitchFamily="34" charset="0"/>
+              </a:rPr>
+              <a:t>os</a:t>
+            </a:r>
+            <a:r>
+              <a:rPr lang="ru-RU" altLang="ru-RU" dirty="0">
+                <a:solidFill>
+                  <a:srgbClr val="5BCD9D"/>
+                </a:solidFill>
+                <a:latin typeface="Verdana" panose="020B0604030504040204" pitchFamily="34" charset="0"/>
+              </a:rPr>
+              <a:t> </a:t>
+            </a:r>
+            <a:r>
+              <a:rPr lang="ru-RU" altLang="ru-RU" dirty="0">
+                <a:solidFill>
+                  <a:srgbClr val="FFFFFF"/>
+                </a:solidFill>
+                <a:latin typeface="Verdana" panose="020B0604030504040204" pitchFamily="34" charset="0"/>
+              </a:rPr>
+              <a:t>&lt;&lt; </a:t>
+            </a:r>
+            <a:r>
+              <a:rPr lang="ru-RU" altLang="ru-RU" dirty="0">
+                <a:solidFill>
+                  <a:srgbClr val="72C3E0"/>
+                </a:solidFill>
+                <a:latin typeface="Verdana" panose="020B0604030504040204" pitchFamily="34" charset="0"/>
+              </a:rPr>
+              <a:t>"HTTP/1.1 404 </a:t>
+            </a:r>
+            <a:r>
+              <a:rPr lang="ru-RU" altLang="ru-RU" dirty="0" err="1">
+                <a:solidFill>
+                  <a:srgbClr val="72C3E0"/>
+                </a:solidFill>
+                <a:latin typeface="Verdana" panose="020B0604030504040204" pitchFamily="34" charset="0"/>
+              </a:rPr>
+              <a:t>Not</a:t>
+            </a:r>
+            <a:r>
+              <a:rPr lang="ru-RU" altLang="ru-RU" dirty="0">
+                <a:solidFill>
+                  <a:srgbClr val="72C3E0"/>
+                </a:solidFill>
+                <a:latin typeface="Verdana" panose="020B0604030504040204" pitchFamily="34" charset="0"/>
+              </a:rPr>
+              <a:t> </a:t>
+            </a:r>
+            <a:r>
+              <a:rPr lang="ru-RU" altLang="ru-RU" dirty="0" err="1">
+                <a:solidFill>
+                  <a:srgbClr val="72C3E0"/>
+                </a:solidFill>
+                <a:latin typeface="Verdana" panose="020B0604030504040204" pitchFamily="34" charset="0"/>
+              </a:rPr>
+              <a:t>found</a:t>
+            </a:r>
+            <a:r>
+              <a:rPr lang="ru-RU" altLang="ru-RU" dirty="0">
+                <a:solidFill>
+                  <a:srgbClr val="72C3E0"/>
+                </a:solidFill>
+                <a:latin typeface="Verdana" panose="020B0604030504040204" pitchFamily="34" charset="0"/>
+              </a:rPr>
+              <a:t>\r\n\r\n"</a:t>
+            </a:r>
+            <a:r>
+              <a:rPr lang="ru-RU" altLang="ru-RU" dirty="0">
+                <a:solidFill>
+                  <a:srgbClr val="FFFFFF"/>
+                </a:solidFill>
+                <a:latin typeface="Verdana" panose="020B0604030504040204" pitchFamily="34" charset="0"/>
+              </a:rPr>
+              <a:t>;</a:t>
+            </a:r>
+            <a:endParaRPr lang="ru-RU" altLang="ru-RU" sz="6600" dirty="0">
+              <a:latin typeface="Arial" panose="020B0604020202020204" pitchFamily="34" charset="0"/>
+            </a:endParaRPr>
+          </a:p>
+        </p:txBody>
+      </p:sp>
+      <p:sp>
+        <p:nvSpPr>
+          <p:cNvPr id="2" name="Нижний колонтитул 1"/>
+          <p:cNvSpPr>
+            <a:spLocks noGrp="1"/>
+          </p:cNvSpPr>
+          <p:nvPr>
+            <p:ph type="ftr" sz="quarter" idx="11"/>
+          </p:nvPr>
+        </p:nvSpPr>
+        <p:spPr/>
+        <p:txBody>
+          <a:bodyPr/>
+          <a:lstStyle/>
+          <a:p>
+            <a:endParaRPr lang="ru-RU" dirty="0">
+              <a:solidFill>
+                <a:srgbClr val="000000"/>
+              </a:solidFill>
+            </a:endParaRPr>
+          </a:p>
+        </p:txBody>
+      </p:sp>
+      <p:sp>
+        <p:nvSpPr>
+          <p:cNvPr id="3" name="Номер слайда 2"/>
+          <p:cNvSpPr>
+            <a:spLocks noGrp="1"/>
+          </p:cNvSpPr>
+          <p:nvPr>
+            <p:ph type="sldNum" sz="quarter" idx="12"/>
+          </p:nvPr>
+        </p:nvSpPr>
+        <p:spPr/>
+        <p:txBody>
+          <a:bodyPr/>
+          <a:lstStyle/>
+          <a:p>
+            <a:fld id="{741C03D3-FA44-40EC-9A21-1FC4FEA3E22E}" type="slidenum">
+              <a:rPr lang="ru-RU" smtClean="0">
+                <a:solidFill>
+                  <a:srgbClr val="000000"/>
+                </a:solidFill>
+              </a:rPr>
+              <a:pPr/>
+              <a:t>18</a:t>
+            </a:fld>
+            <a:endParaRPr lang="ru-RU">
+              <a:solidFill>
+                <a:srgbClr val="000000"/>
+              </a:solidFill>
+            </a:endParaRPr>
+          </a:p>
+        </p:txBody>
+      </p:sp>
+      <p:sp>
+        <p:nvSpPr>
+          <p:cNvPr id="5" name="TextBox 4"/>
+          <p:cNvSpPr txBox="1"/>
+          <p:nvPr/>
+        </p:nvSpPr>
+        <p:spPr>
+          <a:xfrm>
+            <a:off x="3032125" y="4586268"/>
+            <a:ext cx="13530755" cy="3416320"/>
+          </a:xfrm>
+          <a:prstGeom prst="rect">
+            <a:avLst/>
+          </a:prstGeom>
+          <a:noFill/>
+        </p:spPr>
+        <p:txBody>
+          <a:bodyPr wrap="none" rtlCol="0">
+            <a:spAutoFit/>
+          </a:bodyPr>
+          <a:lstStyle/>
+          <a:p>
+            <a:pPr>
+              <a:lnSpc>
+                <a:spcPct val="150000"/>
+              </a:lnSpc>
+            </a:pPr>
+            <a:r>
+              <a:rPr lang="ru-RU" altLang="ru-RU" dirty="0" err="1">
+                <a:solidFill>
+                  <a:srgbClr val="5BCD9D"/>
+                </a:solidFill>
+                <a:latin typeface="Verdana" panose="020B0604030504040204" pitchFamily="34" charset="0"/>
+              </a:rPr>
+              <a:t>os</a:t>
+            </a:r>
+            <a:r>
+              <a:rPr lang="ru-RU" altLang="ru-RU" dirty="0">
+                <a:solidFill>
+                  <a:srgbClr val="5BCD9D"/>
+                </a:solidFill>
+                <a:latin typeface="Verdana" panose="020B0604030504040204" pitchFamily="34" charset="0"/>
+              </a:rPr>
+              <a:t> </a:t>
+            </a:r>
+            <a:r>
+              <a:rPr lang="ru-RU" altLang="ru-RU" dirty="0">
+                <a:solidFill>
+                  <a:srgbClr val="FFFFFF"/>
+                </a:solidFill>
+                <a:latin typeface="Verdana" panose="020B0604030504040204" pitchFamily="34" charset="0"/>
+              </a:rPr>
+              <a:t>&lt;&lt; </a:t>
+            </a:r>
+            <a:r>
+              <a:rPr lang="ru-RU" altLang="ru-RU" dirty="0">
+                <a:solidFill>
+                  <a:srgbClr val="72C3E0"/>
+                </a:solidFill>
+                <a:latin typeface="Verdana" panose="020B0604030504040204" pitchFamily="34" charset="0"/>
+              </a:rPr>
+              <a:t>"HTTP/1.1 200 OK\r\n"</a:t>
+            </a:r>
+            <a:br>
+              <a:rPr lang="ru-RU" altLang="ru-RU" dirty="0">
+                <a:solidFill>
+                  <a:srgbClr val="72C3E0"/>
+                </a:solidFill>
+                <a:latin typeface="Verdana" panose="020B0604030504040204" pitchFamily="34" charset="0"/>
+              </a:rPr>
+            </a:br>
+            <a:r>
+              <a:rPr lang="ru-RU" altLang="ru-RU" dirty="0" smtClean="0">
+                <a:solidFill>
+                  <a:srgbClr val="72C3E0"/>
+                </a:solidFill>
+                <a:latin typeface="Verdana" panose="020B0604030504040204" pitchFamily="34" charset="0"/>
+              </a:rPr>
+              <a:t>    </a:t>
+            </a:r>
+            <a:r>
+              <a:rPr lang="ru-RU" altLang="ru-RU" dirty="0">
+                <a:solidFill>
+                  <a:srgbClr val="FFFFFF"/>
+                </a:solidFill>
+                <a:latin typeface="Verdana" panose="020B0604030504040204" pitchFamily="34" charset="0"/>
+              </a:rPr>
+              <a:t>&lt;&lt; </a:t>
+            </a:r>
+            <a:r>
+              <a:rPr lang="ru-RU" altLang="ru-RU" dirty="0">
+                <a:solidFill>
+                  <a:srgbClr val="72C3E0"/>
+                </a:solidFill>
+                <a:latin typeface="Verdana" panose="020B0604030504040204" pitchFamily="34" charset="0"/>
+              </a:rPr>
+              <a:t>"</a:t>
+            </a:r>
+            <a:r>
+              <a:rPr lang="ru-RU" altLang="ru-RU" dirty="0" err="1">
+                <a:solidFill>
+                  <a:srgbClr val="72C3E0"/>
+                </a:solidFill>
+                <a:latin typeface="Verdana" panose="020B0604030504040204" pitchFamily="34" charset="0"/>
+              </a:rPr>
+              <a:t>Content-Length</a:t>
+            </a:r>
+            <a:r>
+              <a:rPr lang="ru-RU" altLang="ru-RU" dirty="0">
+                <a:solidFill>
+                  <a:srgbClr val="72C3E0"/>
+                </a:solidFill>
+                <a:latin typeface="Verdana" panose="020B0604030504040204" pitchFamily="34" charset="0"/>
+              </a:rPr>
+              <a:t>: " </a:t>
+            </a:r>
+            <a:r>
+              <a:rPr lang="ru-RU" altLang="ru-RU" dirty="0">
+                <a:solidFill>
+                  <a:srgbClr val="FFFFFF"/>
+                </a:solidFill>
+                <a:latin typeface="Verdana" panose="020B0604030504040204" pitchFamily="34" charset="0"/>
+              </a:rPr>
+              <a:t>&lt;&lt; </a:t>
+            </a:r>
+            <a:r>
+              <a:rPr lang="ru-RU" altLang="ru-RU" dirty="0" err="1">
+                <a:solidFill>
+                  <a:srgbClr val="5BCD9D"/>
+                </a:solidFill>
+                <a:latin typeface="Verdana" panose="020B0604030504040204" pitchFamily="34" charset="0"/>
+              </a:rPr>
+              <a:t>response</a:t>
+            </a:r>
+            <a:r>
+              <a:rPr lang="ru-RU" altLang="ru-RU" dirty="0" err="1">
+                <a:solidFill>
+                  <a:srgbClr val="FFFFFF"/>
+                </a:solidFill>
+                <a:latin typeface="Verdana" panose="020B0604030504040204" pitchFamily="34" charset="0"/>
+              </a:rPr>
+              <a:t>.</a:t>
+            </a:r>
+            <a:r>
+              <a:rPr lang="ru-RU" altLang="ru-RU" dirty="0" err="1">
+                <a:solidFill>
+                  <a:srgbClr val="FFCC00"/>
+                </a:solidFill>
+                <a:latin typeface="Verdana" panose="020B0604030504040204" pitchFamily="34" charset="0"/>
+              </a:rPr>
+              <a:t>size</a:t>
+            </a:r>
+            <a:r>
+              <a:rPr lang="ru-RU" altLang="ru-RU" dirty="0">
+                <a:solidFill>
+                  <a:srgbClr val="FFFFFF"/>
+                </a:solidFill>
+                <a:latin typeface="Verdana" panose="020B0604030504040204" pitchFamily="34" charset="0"/>
+              </a:rPr>
+              <a:t>() &lt;&lt; </a:t>
+            </a:r>
+            <a:r>
+              <a:rPr lang="ru-RU" altLang="ru-RU" dirty="0">
+                <a:solidFill>
+                  <a:srgbClr val="72C3E0"/>
+                </a:solidFill>
+                <a:latin typeface="Verdana" panose="020B0604030504040204" pitchFamily="34" charset="0"/>
+              </a:rPr>
+              <a:t>"\r\n"</a:t>
+            </a:r>
+            <a:br>
+              <a:rPr lang="ru-RU" altLang="ru-RU" dirty="0">
+                <a:solidFill>
+                  <a:srgbClr val="72C3E0"/>
+                </a:solidFill>
+                <a:latin typeface="Verdana" panose="020B0604030504040204" pitchFamily="34" charset="0"/>
+              </a:rPr>
+            </a:br>
+            <a:r>
+              <a:rPr lang="ru-RU" altLang="ru-RU" dirty="0" smtClean="0">
+                <a:solidFill>
+                  <a:srgbClr val="72C3E0"/>
+                </a:solidFill>
+                <a:latin typeface="Verdana" panose="020B0604030504040204" pitchFamily="34" charset="0"/>
+              </a:rPr>
+              <a:t>    </a:t>
+            </a:r>
+            <a:r>
+              <a:rPr lang="ru-RU" altLang="ru-RU" dirty="0">
+                <a:solidFill>
+                  <a:srgbClr val="FFFFFF"/>
+                </a:solidFill>
+                <a:latin typeface="Verdana" panose="020B0604030504040204" pitchFamily="34" charset="0"/>
+              </a:rPr>
+              <a:t>&lt;&lt; </a:t>
+            </a:r>
+            <a:r>
+              <a:rPr lang="ru-RU" altLang="ru-RU" dirty="0">
+                <a:solidFill>
+                  <a:srgbClr val="72C3E0"/>
+                </a:solidFill>
+                <a:latin typeface="Verdana" panose="020B0604030504040204" pitchFamily="34" charset="0"/>
+              </a:rPr>
+              <a:t>"\r\n"</a:t>
+            </a:r>
+            <a:br>
+              <a:rPr lang="ru-RU" altLang="ru-RU" dirty="0">
+                <a:solidFill>
+                  <a:srgbClr val="72C3E0"/>
+                </a:solidFill>
+                <a:latin typeface="Verdana" panose="020B0604030504040204" pitchFamily="34" charset="0"/>
+              </a:rPr>
+            </a:br>
+            <a:r>
+              <a:rPr lang="ru-RU" altLang="ru-RU" dirty="0">
+                <a:solidFill>
+                  <a:srgbClr val="72C3E0"/>
+                </a:solidFill>
+                <a:latin typeface="Verdana" panose="020B0604030504040204" pitchFamily="34" charset="0"/>
+              </a:rPr>
+              <a:t>    </a:t>
+            </a:r>
+            <a:r>
+              <a:rPr lang="ru-RU" altLang="ru-RU" dirty="0" smtClean="0">
+                <a:solidFill>
+                  <a:srgbClr val="FFFFFF"/>
+                </a:solidFill>
+                <a:latin typeface="Verdana" panose="020B0604030504040204" pitchFamily="34" charset="0"/>
+              </a:rPr>
+              <a:t>&lt;&lt; </a:t>
+            </a:r>
+            <a:r>
+              <a:rPr lang="ru-RU" altLang="ru-RU" dirty="0" err="1">
+                <a:solidFill>
+                  <a:srgbClr val="5BCD9D"/>
+                </a:solidFill>
+                <a:latin typeface="Verdana" panose="020B0604030504040204" pitchFamily="34" charset="0"/>
+              </a:rPr>
+              <a:t>response</a:t>
+            </a:r>
+            <a:r>
+              <a:rPr lang="ru-RU" altLang="ru-RU" dirty="0">
+                <a:solidFill>
+                  <a:srgbClr val="FFFFFF"/>
+                </a:solidFill>
+                <a:latin typeface="Verdana" panose="020B0604030504040204" pitchFamily="34" charset="0"/>
+              </a:rPr>
+              <a:t>;</a:t>
+            </a:r>
+            <a:endParaRPr lang="ru-RU" dirty="0" smtClean="0">
+              <a:solidFill>
+                <a:sysClr val="windowText" lastClr="000000"/>
+              </a:solidFill>
+            </a:endParaRPr>
+          </a:p>
+        </p:txBody>
+      </p:sp>
+      <p:sp>
+        <p:nvSpPr>
+          <p:cNvPr id="6" name="TextBox 5"/>
+          <p:cNvSpPr txBox="1"/>
+          <p:nvPr/>
+        </p:nvSpPr>
+        <p:spPr>
+          <a:xfrm>
+            <a:off x="3032125" y="4568825"/>
+            <a:ext cx="13201884" cy="2585323"/>
+          </a:xfrm>
+          <a:prstGeom prst="rect">
+            <a:avLst/>
+          </a:prstGeom>
+          <a:noFill/>
+        </p:spPr>
+        <p:txBody>
+          <a:bodyPr wrap="none" rtlCol="0">
+            <a:spAutoFit/>
+          </a:bodyPr>
+          <a:lstStyle/>
+          <a:p>
+            <a:pPr lvl="0" defTabSz="914400" eaLnBrk="0" fontAlgn="base" hangingPunct="0">
+              <a:lnSpc>
+                <a:spcPct val="150000"/>
+              </a:lnSpc>
+              <a:spcBef>
+                <a:spcPct val="0"/>
+              </a:spcBef>
+              <a:spcAft>
+                <a:spcPct val="0"/>
+              </a:spcAft>
+            </a:pPr>
+            <a:r>
+              <a:rPr lang="ru-RU" altLang="ru-RU" dirty="0" err="1">
+                <a:solidFill>
+                  <a:srgbClr val="FFCC00"/>
+                </a:solidFill>
+                <a:latin typeface="Verdana" panose="020B0604030504040204" pitchFamily="34" charset="0"/>
+              </a:rPr>
+              <a:t>HttpResponse</a:t>
+            </a:r>
+            <a:r>
+              <a:rPr lang="ru-RU" altLang="ru-RU" dirty="0">
+                <a:solidFill>
+                  <a:srgbClr val="FFCC00"/>
+                </a:solidFill>
+                <a:latin typeface="Verdana" panose="020B0604030504040204" pitchFamily="34" charset="0"/>
+              </a:rPr>
+              <a:t> </a:t>
+            </a:r>
+            <a:r>
+              <a:rPr lang="ru-RU" altLang="ru-RU" dirty="0" err="1">
+                <a:solidFill>
+                  <a:srgbClr val="5BCD9D"/>
+                </a:solidFill>
+                <a:latin typeface="Verdana" panose="020B0604030504040204" pitchFamily="34" charset="0"/>
+              </a:rPr>
+              <a:t>resp</a:t>
+            </a:r>
+            <a:r>
+              <a:rPr lang="ru-RU" altLang="ru-RU" dirty="0">
+                <a:solidFill>
+                  <a:srgbClr val="FFFFFF"/>
+                </a:solidFill>
+                <a:latin typeface="Verdana" panose="020B0604030504040204" pitchFamily="34" charset="0"/>
+              </a:rPr>
+              <a:t>(</a:t>
+            </a:r>
+            <a:r>
+              <a:rPr lang="ru-RU" altLang="ru-RU" dirty="0">
+                <a:solidFill>
+                  <a:srgbClr val="6897BB"/>
+                </a:solidFill>
+                <a:latin typeface="Verdana" panose="020B0604030504040204" pitchFamily="34" charset="0"/>
+              </a:rPr>
+              <a:t>200</a:t>
+            </a:r>
+            <a:r>
+              <a:rPr lang="ru-RU" altLang="ru-RU" dirty="0">
+                <a:solidFill>
+                  <a:srgbClr val="FFFFFF"/>
+                </a:solidFill>
+                <a:latin typeface="Verdana" panose="020B0604030504040204" pitchFamily="34" charset="0"/>
+              </a:rPr>
+              <a:t>);</a:t>
+            </a:r>
+            <a:br>
+              <a:rPr lang="ru-RU" altLang="ru-RU" dirty="0">
+                <a:solidFill>
+                  <a:srgbClr val="FFFFFF"/>
+                </a:solidFill>
+                <a:latin typeface="Verdana" panose="020B0604030504040204" pitchFamily="34" charset="0"/>
+              </a:rPr>
+            </a:br>
+            <a:r>
+              <a:rPr lang="ru-RU" altLang="ru-RU" dirty="0" err="1">
+                <a:solidFill>
+                  <a:srgbClr val="5BCD9D"/>
+                </a:solidFill>
+                <a:latin typeface="Verdana" panose="020B0604030504040204" pitchFamily="34" charset="0"/>
+              </a:rPr>
+              <a:t>resp</a:t>
+            </a:r>
+            <a:r>
+              <a:rPr lang="ru-RU" altLang="ru-RU" dirty="0" err="1">
+                <a:solidFill>
+                  <a:srgbClr val="FFFFFF"/>
+                </a:solidFill>
+                <a:latin typeface="Verdana" panose="020B0604030504040204" pitchFamily="34" charset="0"/>
+              </a:rPr>
+              <a:t>.</a:t>
+            </a:r>
+            <a:r>
+              <a:rPr lang="ru-RU" altLang="ru-RU" dirty="0" err="1">
+                <a:solidFill>
+                  <a:srgbClr val="FFCC00"/>
+                </a:solidFill>
+                <a:latin typeface="Verdana" panose="020B0604030504040204" pitchFamily="34" charset="0"/>
+              </a:rPr>
+              <a:t>SetContent</a:t>
+            </a:r>
+            <a:r>
+              <a:rPr lang="ru-RU" altLang="ru-RU" dirty="0">
+                <a:solidFill>
+                  <a:srgbClr val="FFFFFF"/>
+                </a:solidFill>
+                <a:latin typeface="Verdana" panose="020B0604030504040204" pitchFamily="34" charset="0"/>
+              </a:rPr>
+              <a:t>(</a:t>
+            </a:r>
+            <a:r>
+              <a:rPr lang="ru-RU" altLang="ru-RU" dirty="0" err="1">
+                <a:solidFill>
+                  <a:srgbClr val="9E64A9"/>
+                </a:solidFill>
+                <a:latin typeface="Verdana" panose="020B0604030504040204" pitchFamily="34" charset="0"/>
+              </a:rPr>
+              <a:t>std</a:t>
+            </a:r>
+            <a:r>
+              <a:rPr lang="ru-RU" altLang="ru-RU" dirty="0">
+                <a:solidFill>
+                  <a:srgbClr val="FFFFFF"/>
+                </a:solidFill>
+                <a:latin typeface="Verdana" panose="020B0604030504040204" pitchFamily="34" charset="0"/>
+              </a:rPr>
+              <a:t>::</a:t>
+            </a:r>
+            <a:r>
+              <a:rPr lang="ru-RU" altLang="ru-RU" dirty="0" err="1">
+                <a:solidFill>
+                  <a:srgbClr val="FFCC00"/>
+                </a:solidFill>
+                <a:latin typeface="Verdana" panose="020B0604030504040204" pitchFamily="34" charset="0"/>
+              </a:rPr>
+              <a:t>to_string</a:t>
+            </a:r>
+            <a:r>
+              <a:rPr lang="ru-RU" altLang="ru-RU" dirty="0">
+                <a:solidFill>
+                  <a:srgbClr val="FFFFFF"/>
+                </a:solidFill>
+                <a:latin typeface="Verdana" panose="020B0604030504040204" pitchFamily="34" charset="0"/>
+              </a:rPr>
+              <a:t>(</a:t>
+            </a:r>
+            <a:r>
+              <a:rPr lang="ru-RU" altLang="ru-RU" dirty="0" err="1">
+                <a:solidFill>
+                  <a:srgbClr val="5BCD9D"/>
+                </a:solidFill>
+                <a:latin typeface="Verdana" panose="020B0604030504040204" pitchFamily="34" charset="0"/>
+              </a:rPr>
+              <a:t>comments</a:t>
+            </a:r>
+            <a:r>
+              <a:rPr lang="ru-RU" altLang="ru-RU" dirty="0">
+                <a:solidFill>
+                  <a:srgbClr val="5BCD9D"/>
+                </a:solidFill>
+                <a:latin typeface="Verdana" panose="020B0604030504040204" pitchFamily="34" charset="0"/>
+              </a:rPr>
+              <a:t>_</a:t>
+            </a:r>
+            <a:r>
+              <a:rPr lang="ru-RU" altLang="ru-RU" dirty="0">
+                <a:solidFill>
+                  <a:srgbClr val="FFFFFF"/>
+                </a:solidFill>
+                <a:latin typeface="Verdana" panose="020B0604030504040204" pitchFamily="34" charset="0"/>
+              </a:rPr>
+              <a:t>.</a:t>
+            </a:r>
+            <a:r>
+              <a:rPr lang="ru-RU" altLang="ru-RU" dirty="0" err="1">
+                <a:solidFill>
+                  <a:srgbClr val="FFCC00"/>
+                </a:solidFill>
+                <a:latin typeface="Verdana" panose="020B0604030504040204" pitchFamily="34" charset="0"/>
+              </a:rPr>
+              <a:t>size</a:t>
+            </a:r>
+            <a:r>
+              <a:rPr lang="ru-RU" altLang="ru-RU" dirty="0">
+                <a:solidFill>
+                  <a:srgbClr val="FFFFFF"/>
+                </a:solidFill>
+                <a:latin typeface="Verdana" panose="020B0604030504040204" pitchFamily="34" charset="0"/>
+              </a:rPr>
+              <a:t>() - </a:t>
+            </a:r>
+            <a:r>
+              <a:rPr lang="ru-RU" altLang="ru-RU" dirty="0">
+                <a:solidFill>
+                  <a:srgbClr val="6897BB"/>
+                </a:solidFill>
+                <a:latin typeface="Verdana" panose="020B0604030504040204" pitchFamily="34" charset="0"/>
+              </a:rPr>
+              <a:t>1</a:t>
+            </a:r>
+            <a:r>
+              <a:rPr lang="ru-RU" altLang="ru-RU" dirty="0">
+                <a:solidFill>
+                  <a:srgbClr val="FFFFFF"/>
+                </a:solidFill>
+                <a:latin typeface="Verdana" panose="020B0604030504040204" pitchFamily="34" charset="0"/>
+              </a:rPr>
+              <a:t>));</a:t>
+            </a:r>
+            <a:br>
+              <a:rPr lang="ru-RU" altLang="ru-RU" dirty="0">
+                <a:solidFill>
+                  <a:srgbClr val="FFFFFF"/>
+                </a:solidFill>
+                <a:latin typeface="Verdana" panose="020B0604030504040204" pitchFamily="34" charset="0"/>
+              </a:rPr>
+            </a:br>
+            <a:r>
+              <a:rPr lang="ru-RU" altLang="ru-RU" dirty="0" err="1">
+                <a:solidFill>
+                  <a:srgbClr val="5BCD9D"/>
+                </a:solidFill>
+                <a:latin typeface="Verdana" panose="020B0604030504040204" pitchFamily="34" charset="0"/>
+              </a:rPr>
+              <a:t>os</a:t>
+            </a:r>
+            <a:r>
+              <a:rPr lang="ru-RU" altLang="ru-RU" dirty="0">
+                <a:solidFill>
+                  <a:srgbClr val="5BCD9D"/>
+                </a:solidFill>
+                <a:latin typeface="Verdana" panose="020B0604030504040204" pitchFamily="34" charset="0"/>
+              </a:rPr>
+              <a:t> </a:t>
+            </a:r>
+            <a:r>
+              <a:rPr lang="ru-RU" altLang="ru-RU" dirty="0">
+                <a:solidFill>
+                  <a:srgbClr val="FFFFFF"/>
+                </a:solidFill>
+                <a:latin typeface="Verdana" panose="020B0604030504040204" pitchFamily="34" charset="0"/>
+              </a:rPr>
+              <a:t>&lt;&lt; </a:t>
+            </a:r>
+            <a:r>
+              <a:rPr lang="ru-RU" altLang="ru-RU" dirty="0" err="1">
+                <a:solidFill>
+                  <a:srgbClr val="5BCD9D"/>
+                </a:solidFill>
+                <a:latin typeface="Verdana" panose="020B0604030504040204" pitchFamily="34" charset="0"/>
+              </a:rPr>
+              <a:t>resp</a:t>
+            </a:r>
+            <a:r>
+              <a:rPr lang="ru-RU" altLang="ru-RU" dirty="0" smtClean="0">
+                <a:solidFill>
+                  <a:srgbClr val="FFFFFF"/>
+                </a:solidFill>
+                <a:latin typeface="Verdana" panose="020B0604030504040204" pitchFamily="34" charset="0"/>
+              </a:rPr>
+              <a:t>;</a:t>
+            </a:r>
+            <a:endParaRPr lang="ru-RU" altLang="ru-RU" sz="6600" dirty="0">
+              <a:latin typeface="Arial" panose="020B0604020202020204" pitchFamily="34" charset="0"/>
+            </a:endParaRPr>
+          </a:p>
+        </p:txBody>
+      </p:sp>
+      <p:sp>
+        <p:nvSpPr>
+          <p:cNvPr id="9" name="TextBox 8"/>
+          <p:cNvSpPr txBox="1"/>
+          <p:nvPr/>
+        </p:nvSpPr>
+        <p:spPr>
+          <a:xfrm>
+            <a:off x="3032937" y="10409269"/>
+            <a:ext cx="8395069" cy="646331"/>
+          </a:xfrm>
+          <a:prstGeom prst="rect">
+            <a:avLst/>
+          </a:prstGeom>
+          <a:noFill/>
+        </p:spPr>
+        <p:txBody>
+          <a:bodyPr wrap="square" rtlCol="0">
+            <a:spAutoFit/>
+          </a:bodyPr>
+          <a:lstStyle/>
+          <a:p>
+            <a:pPr lvl="0" defTabSz="914400" eaLnBrk="0" fontAlgn="base" hangingPunct="0">
+              <a:spcBef>
+                <a:spcPct val="0"/>
+              </a:spcBef>
+              <a:spcAft>
+                <a:spcPct val="0"/>
+              </a:spcAft>
+            </a:pPr>
+            <a:r>
+              <a:rPr lang="ru-RU" altLang="ru-RU" dirty="0" err="1">
+                <a:solidFill>
+                  <a:srgbClr val="5BCD9D"/>
+                </a:solidFill>
+                <a:latin typeface="Verdana" panose="020B0604030504040204" pitchFamily="34" charset="0"/>
+              </a:rPr>
+              <a:t>os</a:t>
+            </a:r>
+            <a:r>
+              <a:rPr lang="ru-RU" altLang="ru-RU" dirty="0">
+                <a:solidFill>
+                  <a:srgbClr val="5BCD9D"/>
+                </a:solidFill>
+                <a:latin typeface="Verdana" panose="020B0604030504040204" pitchFamily="34" charset="0"/>
+              </a:rPr>
+              <a:t> </a:t>
+            </a:r>
+            <a:r>
+              <a:rPr lang="ru-RU" altLang="ru-RU" dirty="0">
+                <a:solidFill>
+                  <a:srgbClr val="FFFFFF"/>
+                </a:solidFill>
+                <a:latin typeface="Verdana" panose="020B0604030504040204" pitchFamily="34" charset="0"/>
+              </a:rPr>
+              <a:t>&lt;&lt; </a:t>
+            </a:r>
+            <a:r>
+              <a:rPr lang="ru-RU" altLang="ru-RU" dirty="0" err="1" smtClean="0">
+                <a:solidFill>
+                  <a:srgbClr val="FFCC00"/>
+                </a:solidFill>
+                <a:latin typeface="Verdana" panose="020B0604030504040204" pitchFamily="34" charset="0"/>
+              </a:rPr>
+              <a:t>HttpResponse</a:t>
+            </a:r>
+            <a:r>
+              <a:rPr lang="ru-RU" altLang="ru-RU" dirty="0" smtClean="0">
+                <a:solidFill>
+                  <a:srgbClr val="FFFFFF"/>
+                </a:solidFill>
+                <a:latin typeface="Verdana" panose="020B0604030504040204" pitchFamily="34" charset="0"/>
+              </a:rPr>
+              <a:t>(</a:t>
+            </a:r>
+            <a:r>
+              <a:rPr lang="ru-RU" altLang="ru-RU" dirty="0" smtClean="0">
+                <a:solidFill>
+                  <a:srgbClr val="6897BB"/>
+                </a:solidFill>
+                <a:latin typeface="Verdana" panose="020B0604030504040204" pitchFamily="34" charset="0"/>
+              </a:rPr>
+              <a:t>200</a:t>
+            </a:r>
+            <a:r>
+              <a:rPr lang="ru-RU" altLang="ru-RU" dirty="0">
+                <a:solidFill>
+                  <a:srgbClr val="FFFFFF"/>
+                </a:solidFill>
+                <a:latin typeface="Verdana" panose="020B0604030504040204" pitchFamily="34" charset="0"/>
+              </a:rPr>
+              <a:t>);</a:t>
+            </a:r>
+            <a:endParaRPr lang="ru-RU" altLang="ru-RU" sz="6600" dirty="0">
+              <a:latin typeface="Arial" panose="020B0604020202020204" pitchFamily="34" charset="0"/>
+            </a:endParaRPr>
+          </a:p>
+        </p:txBody>
+      </p:sp>
+      <p:sp>
+        <p:nvSpPr>
+          <p:cNvPr id="8" name="TextBox 7"/>
+          <p:cNvSpPr txBox="1"/>
+          <p:nvPr/>
+        </p:nvSpPr>
+        <p:spPr>
+          <a:xfrm>
+            <a:off x="3032806" y="10409269"/>
+            <a:ext cx="8395069" cy="646331"/>
+          </a:xfrm>
+          <a:prstGeom prst="rect">
+            <a:avLst/>
+          </a:prstGeom>
+          <a:noFill/>
+        </p:spPr>
+        <p:txBody>
+          <a:bodyPr wrap="square" rtlCol="0">
+            <a:spAutoFit/>
+          </a:bodyPr>
+          <a:lstStyle/>
+          <a:p>
+            <a:r>
+              <a:rPr lang="ru-RU" altLang="ru-RU" dirty="0" err="1">
+                <a:solidFill>
+                  <a:srgbClr val="5BCD9D"/>
+                </a:solidFill>
+                <a:latin typeface="Verdana" panose="020B0604030504040204" pitchFamily="34" charset="0"/>
+                <a:ea typeface="Verdana" charset="0"/>
+                <a:cs typeface="Verdana" charset="0"/>
+              </a:rPr>
+              <a:t>os</a:t>
+            </a:r>
+            <a:r>
+              <a:rPr lang="ru-RU" altLang="ru-RU" dirty="0">
+                <a:solidFill>
+                  <a:srgbClr val="5BCD9D"/>
+                </a:solidFill>
+                <a:latin typeface="Verdana" panose="020B0604030504040204" pitchFamily="34" charset="0"/>
+                <a:ea typeface="Verdana" charset="0"/>
+                <a:cs typeface="Verdana" charset="0"/>
+              </a:rPr>
+              <a:t> </a:t>
+            </a:r>
+            <a:r>
+              <a:rPr lang="ru-RU" altLang="ru-RU" dirty="0">
+                <a:solidFill>
+                  <a:srgbClr val="FFFFFF"/>
+                </a:solidFill>
+                <a:latin typeface="Verdana" panose="020B0604030504040204" pitchFamily="34" charset="0"/>
+                <a:ea typeface="Verdana" charset="0"/>
+                <a:cs typeface="Verdana" charset="0"/>
+              </a:rPr>
+              <a:t>&lt;&lt; </a:t>
+            </a:r>
+            <a:r>
+              <a:rPr lang="ru-RU" altLang="ru-RU" dirty="0">
+                <a:solidFill>
+                  <a:srgbClr val="72C3E0"/>
+                </a:solidFill>
+                <a:latin typeface="Verdana" panose="020B0604030504040204" pitchFamily="34" charset="0"/>
+                <a:ea typeface="Verdana" charset="0"/>
+                <a:cs typeface="Verdana" charset="0"/>
+              </a:rPr>
+              <a:t>"HTTP/1.1 200 OK\r\n\r\n"</a:t>
+            </a:r>
+            <a:r>
+              <a:rPr lang="ru-RU" altLang="ru-RU" dirty="0">
+                <a:solidFill>
+                  <a:srgbClr val="FFFFFF"/>
+                </a:solidFill>
+                <a:latin typeface="Verdana" panose="020B0604030504040204" pitchFamily="34" charset="0"/>
+                <a:ea typeface="Verdana" charset="0"/>
+                <a:cs typeface="Verdana" charset="0"/>
+              </a:rPr>
+              <a:t>;</a:t>
+            </a:r>
+            <a:endParaRPr lang="ru-RU" sz="5000" dirty="0" smtClean="0">
+              <a:solidFill>
+                <a:sysClr val="windowText" lastClr="000000"/>
+              </a:solidFill>
+            </a:endParaRPr>
+          </a:p>
+        </p:txBody>
+      </p:sp>
+      <p:sp>
+        <p:nvSpPr>
+          <p:cNvPr id="12" name="TextBox 11"/>
+          <p:cNvSpPr txBox="1"/>
+          <p:nvPr/>
+        </p:nvSpPr>
+        <p:spPr>
+          <a:xfrm>
+            <a:off x="3032125" y="12122300"/>
+            <a:ext cx="8395069" cy="646331"/>
+          </a:xfrm>
+          <a:prstGeom prst="rect">
+            <a:avLst/>
+          </a:prstGeom>
+          <a:noFill/>
+        </p:spPr>
+        <p:txBody>
+          <a:bodyPr wrap="square" rtlCol="0">
+            <a:spAutoFit/>
+          </a:bodyPr>
+          <a:lstStyle/>
+          <a:p>
+            <a:pPr lvl="0" defTabSz="914400" eaLnBrk="0" fontAlgn="base" hangingPunct="0">
+              <a:spcBef>
+                <a:spcPct val="0"/>
+              </a:spcBef>
+              <a:spcAft>
+                <a:spcPct val="0"/>
+              </a:spcAft>
+            </a:pPr>
+            <a:r>
+              <a:rPr lang="ru-RU" altLang="ru-RU" dirty="0" err="1">
+                <a:solidFill>
+                  <a:srgbClr val="5BCD9D"/>
+                </a:solidFill>
+                <a:latin typeface="Verdana" panose="020B0604030504040204" pitchFamily="34" charset="0"/>
+              </a:rPr>
+              <a:t>os</a:t>
+            </a:r>
+            <a:r>
+              <a:rPr lang="ru-RU" altLang="ru-RU" dirty="0">
+                <a:solidFill>
+                  <a:srgbClr val="5BCD9D"/>
+                </a:solidFill>
+                <a:latin typeface="Verdana" panose="020B0604030504040204" pitchFamily="34" charset="0"/>
+              </a:rPr>
+              <a:t> </a:t>
+            </a:r>
+            <a:r>
+              <a:rPr lang="ru-RU" altLang="ru-RU" dirty="0">
+                <a:solidFill>
+                  <a:srgbClr val="FFFFFF"/>
+                </a:solidFill>
+                <a:latin typeface="Verdana" panose="020B0604030504040204" pitchFamily="34" charset="0"/>
+              </a:rPr>
+              <a:t>&lt;&lt; </a:t>
+            </a:r>
+            <a:r>
+              <a:rPr lang="ru-RU" altLang="ru-RU" dirty="0" err="1" smtClean="0">
+                <a:solidFill>
+                  <a:srgbClr val="FFCC00"/>
+                </a:solidFill>
+                <a:latin typeface="Verdana" panose="020B0604030504040204" pitchFamily="34" charset="0"/>
+              </a:rPr>
+              <a:t>HttpResponse</a:t>
+            </a:r>
+            <a:r>
+              <a:rPr lang="ru-RU" altLang="ru-RU" dirty="0" smtClean="0">
+                <a:solidFill>
+                  <a:srgbClr val="FFFFFF"/>
+                </a:solidFill>
+                <a:latin typeface="Verdana" panose="020B0604030504040204" pitchFamily="34" charset="0"/>
+              </a:rPr>
+              <a:t>(</a:t>
+            </a:r>
+            <a:r>
+              <a:rPr lang="en-US" altLang="ru-RU" dirty="0" smtClean="0">
+                <a:solidFill>
+                  <a:srgbClr val="6897BB"/>
+                </a:solidFill>
+                <a:latin typeface="Verdana" panose="020B0604030504040204" pitchFamily="34" charset="0"/>
+              </a:rPr>
+              <a:t>404</a:t>
+            </a:r>
+            <a:r>
+              <a:rPr lang="ru-RU" altLang="ru-RU" dirty="0" smtClean="0">
+                <a:solidFill>
+                  <a:srgbClr val="FFFFFF"/>
+                </a:solidFill>
+                <a:latin typeface="Verdana" panose="020B0604030504040204" pitchFamily="34" charset="0"/>
+              </a:rPr>
+              <a:t>);</a:t>
+            </a:r>
+            <a:endParaRPr lang="ru-RU" altLang="ru-RU" sz="6600" dirty="0">
+              <a:latin typeface="Arial" panose="020B0604020202020204" pitchFamily="34" charset="0"/>
+            </a:endParaRPr>
+          </a:p>
+        </p:txBody>
+      </p:sp>
+    </p:spTree>
+    <p:extLst>
+      <p:ext uri="{BB962C8B-B14F-4D97-AF65-F5344CB8AC3E}">
+        <p14:creationId xmlns:p14="http://schemas.microsoft.com/office/powerpoint/2010/main" val="4279186917"/>
+      </p:ext>
+    </p:extLst>
+  </p:cSld>
+  <p:clrMapOvr>
+    <a:masterClrMapping/>
+  </p:clrMapOvr>
+  <p:transition spd="med">
+    <p:push dir="u"/>
+  </p:transition>
+  <p:timing>
+    <p:tnLst>
+      <p:par>
+        <p:cTn id="1" dur="indefinite" restart="never" nodeType="tmRoot">
+          <p:childTnLst>
+            <p:seq concurrent="1" nextAc="seek">
+              <p:cTn id="2" dur="indefinite" nodeType="mainSeq">
+                <p:childTnLst>
+                  <p:par>
+                    <p:cTn id="3" fill="hold">
+                      <p:stCondLst>
+                        <p:cond delay="indefinite"/>
+                      </p:stCondLst>
+                      <p:childTnLst>
+                        <p:par>
+                          <p:cTn id="4" fill="hold">
+                            <p:stCondLst>
+                              <p:cond delay="0"/>
+                            </p:stCondLst>
+                            <p:childTnLst>
+                              <p:par>
+                                <p:cTn id="5" presetID="2" presetClass="exit" presetSubtype="8" fill="hold" grpId="0" nodeType="clickEffect">
+                                  <p:stCondLst>
+                                    <p:cond delay="0"/>
+                                  </p:stCondLst>
+                                  <p:childTnLst>
+                                    <p:anim calcmode="lin" valueType="num">
+                                      <p:cBhvr additive="base">
+                                        <p:cTn id="6" dur="500"/>
+                                        <p:tgtEl>
+                                          <p:spTgt spid="5"/>
+                                        </p:tgtEl>
+                                        <p:attrNameLst>
+                                          <p:attrName>ppt_x</p:attrName>
+                                        </p:attrNameLst>
+                                      </p:cBhvr>
+                                      <p:tavLst>
+                                        <p:tav tm="0">
+                                          <p:val>
+                                            <p:strVal val="ppt_x"/>
+                                          </p:val>
+                                        </p:tav>
+                                        <p:tav tm="100000">
+                                          <p:val>
+                                            <p:strVal val="0-ppt_w/2"/>
+                                          </p:val>
+                                        </p:tav>
+                                      </p:tavLst>
+                                    </p:anim>
+                                    <p:anim calcmode="lin" valueType="num">
+                                      <p:cBhvr additive="base">
+                                        <p:cTn id="7" dur="500"/>
+                                        <p:tgtEl>
+                                          <p:spTgt spid="5"/>
+                                        </p:tgtEl>
+                                        <p:attrNameLst>
+                                          <p:attrName>ppt_y</p:attrName>
+                                        </p:attrNameLst>
+                                      </p:cBhvr>
+                                      <p:tavLst>
+                                        <p:tav tm="0">
+                                          <p:val>
+                                            <p:strVal val="ppt_y"/>
+                                          </p:val>
+                                        </p:tav>
+                                        <p:tav tm="100000">
+                                          <p:val>
+                                            <p:strVal val="ppt_y"/>
+                                          </p:val>
+                                        </p:tav>
+                                      </p:tavLst>
+                                    </p:anim>
+                                    <p:set>
+                                      <p:cBhvr>
+                                        <p:cTn id="8" dur="1" fill="hold">
+                                          <p:stCondLst>
+                                            <p:cond delay="499"/>
+                                          </p:stCondLst>
+                                        </p:cTn>
+                                        <p:tgtEl>
+                                          <p:spTgt spid="5"/>
+                                        </p:tgtEl>
+                                        <p:attrNameLst>
+                                          <p:attrName>style.visibility</p:attrName>
+                                        </p:attrNameLst>
+                                      </p:cBhvr>
+                                      <p:to>
+                                        <p:strVal val="hidden"/>
+                                      </p:to>
+                                    </p:set>
+                                  </p:childTnLst>
+                                </p:cTn>
+                              </p:par>
+                              <p:par>
+                                <p:cTn id="9" presetID="2" presetClass="entr" presetSubtype="2" fill="hold" grpId="0" nodeType="withEffect">
+                                  <p:stCondLst>
+                                    <p:cond delay="0"/>
+                                  </p:stCondLst>
+                                  <p:childTnLst>
+                                    <p:set>
+                                      <p:cBhvr>
+                                        <p:cTn id="10" dur="1" fill="hold">
+                                          <p:stCondLst>
+                                            <p:cond delay="0"/>
+                                          </p:stCondLst>
+                                        </p:cTn>
+                                        <p:tgtEl>
+                                          <p:spTgt spid="6"/>
+                                        </p:tgtEl>
+                                        <p:attrNameLst>
+                                          <p:attrName>style.visibility</p:attrName>
+                                        </p:attrNameLst>
+                                      </p:cBhvr>
+                                      <p:to>
+                                        <p:strVal val="visible"/>
+                                      </p:to>
+                                    </p:set>
+                                    <p:anim calcmode="lin" valueType="num">
+                                      <p:cBhvr additive="base">
+                                        <p:cTn id="11" dur="500" fill="hold"/>
+                                        <p:tgtEl>
+                                          <p:spTgt spid="6"/>
+                                        </p:tgtEl>
+                                        <p:attrNameLst>
+                                          <p:attrName>ppt_x</p:attrName>
+                                        </p:attrNameLst>
+                                      </p:cBhvr>
+                                      <p:tavLst>
+                                        <p:tav tm="0">
+                                          <p:val>
+                                            <p:strVal val="1+#ppt_w/2"/>
+                                          </p:val>
+                                        </p:tav>
+                                        <p:tav tm="100000">
+                                          <p:val>
+                                            <p:strVal val="#ppt_x"/>
+                                          </p:val>
+                                        </p:tav>
+                                      </p:tavLst>
+                                    </p:anim>
+                                    <p:anim calcmode="lin" valueType="num">
+                                      <p:cBhvr additive="base">
+                                        <p:cTn id="12" dur="500" fill="hold"/>
+                                        <p:tgtEl>
+                                          <p:spTgt spid="6"/>
+                                        </p:tgtEl>
+                                        <p:attrNameLst>
+                                          <p:attrName>ppt_y</p:attrName>
+                                        </p:attrNameLst>
+                                      </p:cBhvr>
+                                      <p:tavLst>
+                                        <p:tav tm="0">
+                                          <p:val>
+                                            <p:strVal val="#ppt_y"/>
+                                          </p:val>
+                                        </p:tav>
+                                        <p:tav tm="100000">
+                                          <p:val>
+                                            <p:strVal val="#ppt_y"/>
+                                          </p:val>
+                                        </p:tav>
+                                      </p:tavLst>
+                                    </p:anim>
+                                  </p:childTnLst>
+                                </p:cTn>
+                              </p:par>
+                              <p:par>
+                                <p:cTn id="13" presetID="2" presetClass="entr" presetSubtype="2" fill="hold" grpId="0" nodeType="withEffect">
+                                  <p:stCondLst>
+                                    <p:cond delay="0"/>
+                                  </p:stCondLst>
+                                  <p:childTnLst>
+                                    <p:set>
+                                      <p:cBhvr>
+                                        <p:cTn id="14" dur="1" fill="hold">
+                                          <p:stCondLst>
+                                            <p:cond delay="0"/>
+                                          </p:stCondLst>
+                                        </p:cTn>
+                                        <p:tgtEl>
+                                          <p:spTgt spid="9"/>
+                                        </p:tgtEl>
+                                        <p:attrNameLst>
+                                          <p:attrName>style.visibility</p:attrName>
+                                        </p:attrNameLst>
+                                      </p:cBhvr>
+                                      <p:to>
+                                        <p:strVal val="visible"/>
+                                      </p:to>
+                                    </p:set>
+                                    <p:anim calcmode="lin" valueType="num">
+                                      <p:cBhvr additive="base">
+                                        <p:cTn id="15" dur="500" fill="hold"/>
+                                        <p:tgtEl>
+                                          <p:spTgt spid="9"/>
+                                        </p:tgtEl>
+                                        <p:attrNameLst>
+                                          <p:attrName>ppt_x</p:attrName>
+                                        </p:attrNameLst>
+                                      </p:cBhvr>
+                                      <p:tavLst>
+                                        <p:tav tm="0">
+                                          <p:val>
+                                            <p:strVal val="1+#ppt_w/2"/>
+                                          </p:val>
+                                        </p:tav>
+                                        <p:tav tm="100000">
+                                          <p:val>
+                                            <p:strVal val="#ppt_x"/>
+                                          </p:val>
+                                        </p:tav>
+                                      </p:tavLst>
+                                    </p:anim>
+                                    <p:anim calcmode="lin" valueType="num">
+                                      <p:cBhvr additive="base">
+                                        <p:cTn id="16" dur="500" fill="hold"/>
+                                        <p:tgtEl>
+                                          <p:spTgt spid="9"/>
+                                        </p:tgtEl>
+                                        <p:attrNameLst>
+                                          <p:attrName>ppt_y</p:attrName>
+                                        </p:attrNameLst>
+                                      </p:cBhvr>
+                                      <p:tavLst>
+                                        <p:tav tm="0">
+                                          <p:val>
+                                            <p:strVal val="#ppt_y"/>
+                                          </p:val>
+                                        </p:tav>
+                                        <p:tav tm="100000">
+                                          <p:val>
+                                            <p:strVal val="#ppt_y"/>
+                                          </p:val>
+                                        </p:tav>
+                                      </p:tavLst>
+                                    </p:anim>
+                                  </p:childTnLst>
+                                </p:cTn>
+                              </p:par>
+                              <p:par>
+                                <p:cTn id="17" presetID="2" presetClass="exit" presetSubtype="8" fill="hold" grpId="0" nodeType="withEffect">
+                                  <p:stCondLst>
+                                    <p:cond delay="0"/>
+                                  </p:stCondLst>
+                                  <p:childTnLst>
+                                    <p:anim calcmode="lin" valueType="num">
+                                      <p:cBhvr additive="base">
+                                        <p:cTn id="18" dur="500"/>
+                                        <p:tgtEl>
+                                          <p:spTgt spid="8"/>
+                                        </p:tgtEl>
+                                        <p:attrNameLst>
+                                          <p:attrName>ppt_x</p:attrName>
+                                        </p:attrNameLst>
+                                      </p:cBhvr>
+                                      <p:tavLst>
+                                        <p:tav tm="0">
+                                          <p:val>
+                                            <p:strVal val="ppt_x"/>
+                                          </p:val>
+                                        </p:tav>
+                                        <p:tav tm="100000">
+                                          <p:val>
+                                            <p:strVal val="0-ppt_w/2"/>
+                                          </p:val>
+                                        </p:tav>
+                                      </p:tavLst>
+                                    </p:anim>
+                                    <p:anim calcmode="lin" valueType="num">
+                                      <p:cBhvr additive="base">
+                                        <p:cTn id="19" dur="500"/>
+                                        <p:tgtEl>
+                                          <p:spTgt spid="8"/>
+                                        </p:tgtEl>
+                                        <p:attrNameLst>
+                                          <p:attrName>ppt_y</p:attrName>
+                                        </p:attrNameLst>
+                                      </p:cBhvr>
+                                      <p:tavLst>
+                                        <p:tav tm="0">
+                                          <p:val>
+                                            <p:strVal val="ppt_y"/>
+                                          </p:val>
+                                        </p:tav>
+                                        <p:tav tm="100000">
+                                          <p:val>
+                                            <p:strVal val="ppt_y"/>
+                                          </p:val>
+                                        </p:tav>
+                                      </p:tavLst>
+                                    </p:anim>
+                                    <p:set>
+                                      <p:cBhvr>
+                                        <p:cTn id="20" dur="1" fill="hold">
+                                          <p:stCondLst>
+                                            <p:cond delay="499"/>
+                                          </p:stCondLst>
+                                        </p:cTn>
+                                        <p:tgtEl>
+                                          <p:spTgt spid="8"/>
+                                        </p:tgtEl>
+                                        <p:attrNameLst>
+                                          <p:attrName>style.visibility</p:attrName>
+                                        </p:attrNameLst>
+                                      </p:cBhvr>
+                                      <p:to>
+                                        <p:strVal val="hidden"/>
+                                      </p:to>
+                                    </p:set>
+                                  </p:childTnLst>
+                                </p:cTn>
+                              </p:par>
+                              <p:par>
+                                <p:cTn id="21" presetID="2" presetClass="exit" presetSubtype="8" fill="hold" grpId="0" nodeType="withEffect">
+                                  <p:stCondLst>
+                                    <p:cond delay="0"/>
+                                  </p:stCondLst>
+                                  <p:childTnLst>
+                                    <p:anim calcmode="lin" valueType="num">
+                                      <p:cBhvr additive="base">
+                                        <p:cTn id="22" dur="500"/>
+                                        <p:tgtEl>
+                                          <p:spTgt spid="11"/>
+                                        </p:tgtEl>
+                                        <p:attrNameLst>
+                                          <p:attrName>ppt_x</p:attrName>
+                                        </p:attrNameLst>
+                                      </p:cBhvr>
+                                      <p:tavLst>
+                                        <p:tav tm="0">
+                                          <p:val>
+                                            <p:strVal val="ppt_x"/>
+                                          </p:val>
+                                        </p:tav>
+                                        <p:tav tm="100000">
+                                          <p:val>
+                                            <p:strVal val="0-ppt_w/2"/>
+                                          </p:val>
+                                        </p:tav>
+                                      </p:tavLst>
+                                    </p:anim>
+                                    <p:anim calcmode="lin" valueType="num">
+                                      <p:cBhvr additive="base">
+                                        <p:cTn id="23" dur="500"/>
+                                        <p:tgtEl>
+                                          <p:spTgt spid="11"/>
+                                        </p:tgtEl>
+                                        <p:attrNameLst>
+                                          <p:attrName>ppt_y</p:attrName>
+                                        </p:attrNameLst>
+                                      </p:cBhvr>
+                                      <p:tavLst>
+                                        <p:tav tm="0">
+                                          <p:val>
+                                            <p:strVal val="ppt_y"/>
+                                          </p:val>
+                                        </p:tav>
+                                        <p:tav tm="100000">
+                                          <p:val>
+                                            <p:strVal val="ppt_y"/>
+                                          </p:val>
+                                        </p:tav>
+                                      </p:tavLst>
+                                    </p:anim>
+                                    <p:set>
+                                      <p:cBhvr>
+                                        <p:cTn id="24" dur="1" fill="hold">
+                                          <p:stCondLst>
+                                            <p:cond delay="499"/>
+                                          </p:stCondLst>
+                                        </p:cTn>
+                                        <p:tgtEl>
+                                          <p:spTgt spid="11"/>
+                                        </p:tgtEl>
+                                        <p:attrNameLst>
+                                          <p:attrName>style.visibility</p:attrName>
+                                        </p:attrNameLst>
+                                      </p:cBhvr>
+                                      <p:to>
+                                        <p:strVal val="hidden"/>
+                                      </p:to>
+                                    </p:set>
+                                  </p:childTnLst>
+                                </p:cTn>
+                              </p:par>
+                              <p:par>
+                                <p:cTn id="25" presetID="2" presetClass="entr" presetSubtype="2" fill="hold" grpId="0" nodeType="withEffect">
+                                  <p:stCondLst>
+                                    <p:cond delay="0"/>
+                                  </p:stCondLst>
+                                  <p:childTnLst>
+                                    <p:set>
+                                      <p:cBhvr>
+                                        <p:cTn id="26" dur="1" fill="hold">
+                                          <p:stCondLst>
+                                            <p:cond delay="0"/>
+                                          </p:stCondLst>
+                                        </p:cTn>
+                                        <p:tgtEl>
+                                          <p:spTgt spid="12"/>
+                                        </p:tgtEl>
+                                        <p:attrNameLst>
+                                          <p:attrName>style.visibility</p:attrName>
+                                        </p:attrNameLst>
+                                      </p:cBhvr>
+                                      <p:to>
+                                        <p:strVal val="visible"/>
+                                      </p:to>
+                                    </p:set>
+                                    <p:anim calcmode="lin" valueType="num">
+                                      <p:cBhvr additive="base">
+                                        <p:cTn id="27" dur="500" fill="hold"/>
+                                        <p:tgtEl>
+                                          <p:spTgt spid="12"/>
+                                        </p:tgtEl>
+                                        <p:attrNameLst>
+                                          <p:attrName>ppt_x</p:attrName>
+                                        </p:attrNameLst>
+                                      </p:cBhvr>
+                                      <p:tavLst>
+                                        <p:tav tm="0">
+                                          <p:val>
+                                            <p:strVal val="1+#ppt_w/2"/>
+                                          </p:val>
+                                        </p:tav>
+                                        <p:tav tm="100000">
+                                          <p:val>
+                                            <p:strVal val="#ppt_x"/>
+                                          </p:val>
+                                        </p:tav>
+                                      </p:tavLst>
+                                    </p:anim>
+                                    <p:anim calcmode="lin" valueType="num">
+                                      <p:cBhvr additive="base">
+                                        <p:cTn id="28" dur="500" fill="hold"/>
+                                        <p:tgtEl>
+                                          <p:spTgt spid="12"/>
+                                        </p:tgtEl>
+                                        <p:attrNameLst>
+                                          <p:attrName>ppt_y</p:attrName>
+                                        </p:attrNameLst>
+                                      </p:cBhvr>
+                                      <p:tavLst>
+                                        <p:tav tm="0">
+                                          <p:val>
+                                            <p:strVal val="#ppt_y"/>
+                                          </p:val>
+                                        </p:tav>
+                                        <p:tav tm="100000">
+                                          <p:val>
+                                            <p:strVal val="#ppt_y"/>
+                                          </p:val>
+                                        </p:tav>
+                                      </p:tavLst>
+                                    </p:anim>
+                                  </p:childTnLst>
+                                </p:cTn>
+                              </p:par>
+                            </p:childTnLst>
+                          </p:cTn>
+                        </p:par>
+                      </p:childTnLst>
+                    </p:cTn>
+                  </p:par>
+                </p:childTnLst>
+              </p:cTn>
+              <p:prevCondLst>
+                <p:cond evt="onPrev" delay="0">
+                  <p:tgtEl>
+                    <p:sldTgt/>
+                  </p:tgtEl>
+                </p:cond>
+              </p:prevCondLst>
+              <p:nextCondLst>
+                <p:cond evt="onNext" delay="0">
+                  <p:tgtEl>
+                    <p:sldTgt/>
+                  </p:tgtEl>
+                </p:cond>
+              </p:nextCondLst>
+            </p:seq>
+          </p:childTnLst>
+        </p:cTn>
+      </p:par>
+    </p:tnLst>
+    <p:bldLst>
+      <p:bldP spid="11" grpId="0"/>
+      <p:bldP spid="5" grpId="0"/>
+      <p:bldP spid="6" grpId="0"/>
+      <p:bldP spid="9" grpId="0"/>
+      <p:bldP spid="8" grpId="0"/>
+      <p:bldP spid="12" grpId="0"/>
+    </p:bldLst>
+  </p:timing>
+</p:sld>
+</file>
+
+<file path=ppt/slides/slide19.xml><?xml version="1.0" encoding="utf-8"?>
 <p:sld xmlns:a="http://schemas.openxmlformats.org/drawingml/2006/main" xmlns:r="http://schemas.openxmlformats.org/officeDocument/2006/relationships" xmlns:p="http://schemas.openxmlformats.org/presentationml/2006/main">
   <p:cSld>
     <p:spTree>
@@ -29597,7 +33847,44 @@
 </p:sld>
 </file>
 
-<file path=ppt/slides/slide16.xml><?xml version="1.0" encoding="utf-8"?>
+<file path=ppt/slides/slide2.xml><?xml version="1.0" encoding="utf-8"?>
+<p:sld xmlns:a="http://schemas.openxmlformats.org/drawingml/2006/main" xmlns:r="http://schemas.openxmlformats.org/officeDocument/2006/relationships" xmlns:p="http://schemas.openxmlformats.org/presentationml/2006/main">
+  <p:cSld>
+    <p:spTree>
+      <p:nvGrpSpPr>
+        <p:cNvPr id="1" name=""/>
+        <p:cNvGrpSpPr/>
+        <p:nvPr/>
+      </p:nvGrpSpPr>
+      <p:grpSpPr>
+        <a:xfrm>
+          <a:off x="0" y="0"/>
+          <a:ext cx="0" cy="0"/>
+          <a:chOff x="0" y="0"/>
+          <a:chExt cx="0" cy="0"/>
+        </a:xfrm>
+      </p:grpSpPr>
+    </p:spTree>
+    <p:extLst>
+      <p:ext uri="{BB962C8B-B14F-4D97-AF65-F5344CB8AC3E}">
+        <p14:creationId xmlns:p14="http://schemas.microsoft.com/office/powerpoint/2010/main" val="1705445651"/>
+      </p:ext>
+    </p:extLst>
+  </p:cSld>
+  <p:clrMapOvr>
+    <a:masterClrMapping/>
+  </p:clrMapOvr>
+  <p:timing>
+    <p:tnLst>
+      <p:par>
+        <p:cTn id="1" dur="indefinite" restart="never" nodeType="tmRoot"/>
+      </p:par>
+    </p:tnLst>
+  </p:timing>
+</p:sld>
+</file>
+
+<file path=ppt/slides/slide20.xml><?xml version="1.0" encoding="utf-8"?>
 <p:sld xmlns:a="http://schemas.openxmlformats.org/drawingml/2006/main" xmlns:r="http://schemas.openxmlformats.org/officeDocument/2006/relationships" xmlns:p="http://schemas.openxmlformats.org/presentationml/2006/main" show="0">
   <p:cSld>
     <p:spTree>
@@ -29715,7 +34002,7 @@
                 </a:solidFill>
               </a:rPr>
               <a:pPr/>
-              <a:t>16</a:t>
+              <a:t>20</a:t>
             </a:fld>
             <a:endParaRPr lang="ru-RU">
               <a:solidFill>
@@ -30145,7 +34432,7 @@
 </p:sld>
 </file>
 
-<file path=ppt/slides/slide17.xml><?xml version="1.0" encoding="utf-8"?>
+<file path=ppt/slides/slide21.xml><?xml version="1.0" encoding="utf-8"?>
 <p:sld xmlns:a="http://schemas.openxmlformats.org/drawingml/2006/main" xmlns:r="http://schemas.openxmlformats.org/officeDocument/2006/relationships" xmlns:p="http://schemas.openxmlformats.org/presentationml/2006/main" show="0">
   <p:cSld>
     <p:spTree>
@@ -30229,7 +34516,7 @@
                 </a:solidFill>
               </a:rPr>
               <a:pPr/>
-              <a:t>17</a:t>
+              <a:t>21</a:t>
             </a:fld>
             <a:endParaRPr lang="ru-RU">
               <a:solidFill>
@@ -31459,7 +35746,7 @@
 </p:sld>
 </file>
 
-<file path=ppt/slides/slide18.xml><?xml version="1.0" encoding="utf-8"?>
+<file path=ppt/slides/slide22.xml><?xml version="1.0" encoding="utf-8"?>
 <p:sld xmlns:a="http://schemas.openxmlformats.org/drawingml/2006/main" xmlns:r="http://schemas.openxmlformats.org/officeDocument/2006/relationships" xmlns:p="http://schemas.openxmlformats.org/presentationml/2006/main" show="0">
   <p:cSld>
     <p:spTree>
@@ -31521,7 +35808,7 @@
                 </a:solidFill>
               </a:rPr>
               <a:pPr/>
-              <a:t>18</a:t>
+              <a:t>22</a:t>
             </a:fld>
             <a:endParaRPr lang="ru-RU">
               <a:solidFill>
@@ -32178,43 +36465,6 @@
 </p:sld>
 </file>
 
-<file path=ppt/slides/slide2.xml><?xml version="1.0" encoding="utf-8"?>
-<p:sld xmlns:a="http://schemas.openxmlformats.org/drawingml/2006/main" xmlns:r="http://schemas.openxmlformats.org/officeDocument/2006/relationships" xmlns:p="http://schemas.openxmlformats.org/presentationml/2006/main">
-  <p:cSld>
-    <p:spTree>
-      <p:nvGrpSpPr>
-        <p:cNvPr id="1" name=""/>
-        <p:cNvGrpSpPr/>
-        <p:nvPr/>
-      </p:nvGrpSpPr>
-      <p:grpSpPr>
-        <a:xfrm>
-          <a:off x="0" y="0"/>
-          <a:ext cx="0" cy="0"/>
-          <a:chOff x="0" y="0"/>
-          <a:chExt cx="0" cy="0"/>
-        </a:xfrm>
-      </p:grpSpPr>
-    </p:spTree>
-    <p:extLst>
-      <p:ext uri="{BB962C8B-B14F-4D97-AF65-F5344CB8AC3E}">
-        <p14:creationId xmlns:p14="http://schemas.microsoft.com/office/powerpoint/2010/main" val="1705445651"/>
-      </p:ext>
-    </p:extLst>
-  </p:cSld>
-  <p:clrMapOvr>
-    <a:masterClrMapping/>
-  </p:clrMapOvr>
-  <p:timing>
-    <p:tnLst>
-      <p:par>
-        <p:cTn id="1" dur="indefinite" restart="never" nodeType="tmRoot"/>
-      </p:par>
-    </p:tnLst>
-  </p:timing>
-</p:sld>
-</file>
-
 <file path=ppt/slides/slide3.xml><?xml version="1.0" encoding="utf-8"?>
 <p:sld xmlns:a="http://schemas.openxmlformats.org/drawingml/2006/main" xmlns:r="http://schemas.openxmlformats.org/officeDocument/2006/relationships" xmlns:p="http://schemas.openxmlformats.org/presentationml/2006/main">
   <p:cSld>
@@ -32311,6 +36561,13 @@
   <p:clrMapOvr>
     <a:masterClrMapping/>
   </p:clrMapOvr>
+  <p:timing>
+    <p:tnLst>
+      <p:par>
+        <p:cTn id="1" dur="indefinite" restart="never" nodeType="tmRoot"/>
+      </p:par>
+    </p:tnLst>
+  </p:timing>
 </p:sld>
 </file>
 

--- a/slides.pptx
+++ b/slides.pptx
@@ -6,7 +6,7 @@
     <p:sldMasterId id="2147483735" r:id="rId2"/>
   </p:sldMasterIdLst>
   <p:notesMasterIdLst>
-    <p:notesMasterId r:id="rId25"/>
+    <p:notesMasterId r:id="rId29"/>
   </p:notesMasterIdLst>
   <p:sldIdLst>
     <p:sldId id="303" r:id="rId3"/>
@@ -27,10 +27,14 @@
     <p:sldId id="319" r:id="rId18"/>
     <p:sldId id="321" r:id="rId19"/>
     <p:sldId id="322" r:id="rId20"/>
-    <p:sldId id="300" r:id="rId21"/>
-    <p:sldId id="309" r:id="rId22"/>
-    <p:sldId id="310" r:id="rId23"/>
-    <p:sldId id="311" r:id="rId24"/>
+    <p:sldId id="323" r:id="rId21"/>
+    <p:sldId id="324" r:id="rId22"/>
+    <p:sldId id="325" r:id="rId23"/>
+    <p:sldId id="326" r:id="rId24"/>
+    <p:sldId id="300" r:id="rId25"/>
+    <p:sldId id="309" r:id="rId26"/>
+    <p:sldId id="310" r:id="rId27"/>
+    <p:sldId id="311" r:id="rId28"/>
   </p:sldIdLst>
   <p:sldSz cx="24382413" cy="13716000"/>
   <p:notesSz cx="6858000" cy="9144000"/>
@@ -152,6 +156,10 @@
             <p14:sldId id="319"/>
             <p14:sldId id="321"/>
             <p14:sldId id="322"/>
+            <p14:sldId id="323"/>
+            <p14:sldId id="324"/>
+            <p14:sldId id="325"/>
+            <p14:sldId id="326"/>
             <p14:sldId id="300"/>
             <p14:sldId id="309"/>
             <p14:sldId id="310"/>
@@ -30864,6 +30872,4347 @@
 </file>
 
 <file path=ppt/slides/slide19.xml><?xml version="1.0" encoding="utf-8"?>
+<p:sld xmlns:a="http://schemas.openxmlformats.org/drawingml/2006/main" xmlns:r="http://schemas.openxmlformats.org/officeDocument/2006/relationships" xmlns:p="http://schemas.openxmlformats.org/presentationml/2006/main">
+  <p:cSld>
+    <p:spTree>
+      <p:nvGrpSpPr>
+        <p:cNvPr id="1" name=""/>
+        <p:cNvGrpSpPr/>
+        <p:nvPr/>
+      </p:nvGrpSpPr>
+      <p:grpSpPr>
+        <a:xfrm>
+          <a:off x="0" y="0"/>
+          <a:ext cx="0" cy="0"/>
+          <a:chOff x="0" y="0"/>
+          <a:chExt cx="0" cy="0"/>
+        </a:xfrm>
+      </p:grpSpPr>
+      <p:sp>
+        <p:nvSpPr>
+          <p:cNvPr id="2" name="Заголовок 1"/>
+          <p:cNvSpPr>
+            <a:spLocks noGrp="1"/>
+          </p:cNvSpPr>
+          <p:nvPr>
+            <p:ph type="title"/>
+          </p:nvPr>
+        </p:nvSpPr>
+        <p:spPr/>
+        <p:txBody>
+          <a:bodyPr/>
+          <a:lstStyle/>
+          <a:p>
+            <a:r>
+              <a:rPr lang="ru-RU" dirty="0" smtClean="0"/>
+              <a:t>Второй шаг – внедряем интерфейс</a:t>
+            </a:r>
+            <a:endParaRPr lang="ru-RU" dirty="0"/>
+          </a:p>
+        </p:txBody>
+      </p:sp>
+      <p:sp>
+        <p:nvSpPr>
+          <p:cNvPr id="3" name="Объект 2"/>
+          <p:cNvSpPr>
+            <a:spLocks noGrp="1"/>
+          </p:cNvSpPr>
+          <p:nvPr>
+            <p:ph idx="1"/>
+          </p:nvPr>
+        </p:nvSpPr>
+        <p:spPr/>
+        <p:txBody>
+          <a:bodyPr/>
+          <a:lstStyle/>
+          <a:p>
+            <a:pPr lvl="1"/>
+            <a:r>
+              <a:rPr lang="ru-RU" dirty="0" smtClean="0"/>
+              <a:t>Внедрение выявило проблемы интерфейса</a:t>
+            </a:r>
+          </a:p>
+          <a:p>
+            <a:pPr lvl="2"/>
+            <a:r>
+              <a:rPr lang="ru-RU" dirty="0" smtClean="0"/>
+              <a:t>вывод </a:t>
+            </a:r>
+            <a:r>
+              <a:rPr lang="en-US" dirty="0" smtClean="0"/>
+              <a:t>HTTP-</a:t>
+            </a:r>
+            <a:r>
+              <a:rPr lang="ru-RU" dirty="0" smtClean="0"/>
+              <a:t>ответа в поток требует трёх команд</a:t>
+            </a:r>
+          </a:p>
+          <a:p>
+            <a:pPr lvl="2"/>
+            <a:r>
+              <a:rPr lang="ru-RU" dirty="0" smtClean="0"/>
+              <a:t>коды ответов – «магические числа»</a:t>
+            </a:r>
+          </a:p>
+        </p:txBody>
+      </p:sp>
+      <p:sp>
+        <p:nvSpPr>
+          <p:cNvPr id="4" name="Нижний колонтитул 3"/>
+          <p:cNvSpPr>
+            <a:spLocks noGrp="1"/>
+          </p:cNvSpPr>
+          <p:nvPr>
+            <p:ph type="ftr" sz="quarter" idx="11"/>
+          </p:nvPr>
+        </p:nvSpPr>
+        <p:spPr/>
+        <p:txBody>
+          <a:bodyPr/>
+          <a:lstStyle/>
+          <a:p>
+            <a:endParaRPr lang="ru-RU" dirty="0">
+              <a:solidFill>
+                <a:srgbClr val="000000"/>
+              </a:solidFill>
+            </a:endParaRPr>
+          </a:p>
+        </p:txBody>
+      </p:sp>
+      <p:sp>
+        <p:nvSpPr>
+          <p:cNvPr id="5" name="Номер слайда 4"/>
+          <p:cNvSpPr>
+            <a:spLocks noGrp="1"/>
+          </p:cNvSpPr>
+          <p:nvPr>
+            <p:ph type="sldNum" sz="quarter" idx="12"/>
+          </p:nvPr>
+        </p:nvSpPr>
+        <p:spPr/>
+        <p:txBody>
+          <a:bodyPr/>
+          <a:lstStyle/>
+          <a:p>
+            <a:fld id="{741C03D3-FA44-40EC-9A21-1FC4FEA3E22E}" type="slidenum">
+              <a:rPr lang="ru-RU" smtClean="0">
+                <a:solidFill>
+                  <a:srgbClr val="000000"/>
+                </a:solidFill>
+              </a:rPr>
+              <a:pPr/>
+              <a:t>19</a:t>
+            </a:fld>
+            <a:endParaRPr lang="ru-RU">
+              <a:solidFill>
+                <a:srgbClr val="000000"/>
+              </a:solidFill>
+            </a:endParaRPr>
+          </a:p>
+        </p:txBody>
+      </p:sp>
+      <p:sp>
+        <p:nvSpPr>
+          <p:cNvPr id="6" name="Объект 5"/>
+          <p:cNvSpPr>
+            <a:spLocks noGrp="1"/>
+          </p:cNvSpPr>
+          <p:nvPr>
+            <p:ph idx="13"/>
+          </p:nvPr>
+        </p:nvSpPr>
+        <p:spPr/>
+        <p:txBody>
+          <a:bodyPr/>
+          <a:lstStyle/>
+          <a:p>
+            <a:pPr lvl="0" defTabSz="914400" eaLnBrk="0" fontAlgn="base" hangingPunct="0">
+              <a:spcBef>
+                <a:spcPct val="0"/>
+              </a:spcBef>
+              <a:spcAft>
+                <a:spcPct val="0"/>
+              </a:spcAft>
+            </a:pPr>
+            <a:r>
+              <a:rPr lang="ru-RU" altLang="ru-RU" dirty="0" err="1">
+                <a:solidFill>
+                  <a:srgbClr val="FFCC00"/>
+                </a:solidFill>
+                <a:latin typeface="Verdana" panose="020B0604030504040204" pitchFamily="34" charset="0"/>
+                <a:ea typeface="Verdana" panose="020B0604030504040204" pitchFamily="34" charset="0"/>
+                <a:cs typeface="Verdana" panose="020B0604030504040204" pitchFamily="34" charset="0"/>
+              </a:rPr>
+              <a:t>HttpResponse</a:t>
+            </a:r>
+            <a:r>
+              <a:rPr lang="ru-RU" altLang="ru-RU" dirty="0">
+                <a:solidFill>
+                  <a:srgbClr val="FFCC00"/>
+                </a:solidFill>
+                <a:latin typeface="Verdana" panose="020B0604030504040204" pitchFamily="34" charset="0"/>
+                <a:ea typeface="Verdana" panose="020B0604030504040204" pitchFamily="34" charset="0"/>
+                <a:cs typeface="Verdana" panose="020B0604030504040204" pitchFamily="34" charset="0"/>
+              </a:rPr>
+              <a:t> </a:t>
+            </a:r>
+            <a:r>
+              <a:rPr lang="ru-RU" altLang="ru-RU" dirty="0" err="1">
+                <a:solidFill>
+                  <a:srgbClr val="5BCD9D"/>
+                </a:solidFill>
+                <a:latin typeface="Verdana" panose="020B0604030504040204" pitchFamily="34" charset="0"/>
+                <a:ea typeface="Verdana" panose="020B0604030504040204" pitchFamily="34" charset="0"/>
+                <a:cs typeface="Verdana" panose="020B0604030504040204" pitchFamily="34" charset="0"/>
+              </a:rPr>
+              <a:t>resp</a:t>
+            </a:r>
+            <a:r>
+              <a:rPr lang="ru-RU" altLang="ru-RU" dirty="0">
+                <a:solidFill>
+                  <a:srgbClr val="FFFFFF"/>
+                </a:solidFill>
+                <a:latin typeface="Verdana" panose="020B0604030504040204" pitchFamily="34" charset="0"/>
+                <a:ea typeface="Verdana" panose="020B0604030504040204" pitchFamily="34" charset="0"/>
+                <a:cs typeface="Verdana" panose="020B0604030504040204" pitchFamily="34" charset="0"/>
+              </a:rPr>
+              <a:t>(</a:t>
+            </a:r>
+            <a:r>
+              <a:rPr lang="ru-RU" altLang="ru-RU" dirty="0">
+                <a:solidFill>
+                  <a:srgbClr val="6897BB"/>
+                </a:solidFill>
+                <a:latin typeface="Verdana" panose="020B0604030504040204" pitchFamily="34" charset="0"/>
+                <a:ea typeface="Verdana" panose="020B0604030504040204" pitchFamily="34" charset="0"/>
+                <a:cs typeface="Verdana" panose="020B0604030504040204" pitchFamily="34" charset="0"/>
+              </a:rPr>
+              <a:t>200</a:t>
+            </a:r>
+            <a:r>
+              <a:rPr lang="ru-RU" altLang="ru-RU" dirty="0">
+                <a:solidFill>
+                  <a:srgbClr val="FFFFFF"/>
+                </a:solidFill>
+                <a:latin typeface="Verdana" panose="020B0604030504040204" pitchFamily="34" charset="0"/>
+                <a:ea typeface="Verdana" panose="020B0604030504040204" pitchFamily="34" charset="0"/>
+                <a:cs typeface="Verdana" panose="020B0604030504040204" pitchFamily="34" charset="0"/>
+              </a:rPr>
+              <a:t>);</a:t>
+            </a:r>
+            <a:br>
+              <a:rPr lang="ru-RU" altLang="ru-RU" dirty="0">
+                <a:solidFill>
+                  <a:srgbClr val="FFFFFF"/>
+                </a:solidFill>
+                <a:latin typeface="Verdana" panose="020B0604030504040204" pitchFamily="34" charset="0"/>
+                <a:ea typeface="Verdana" panose="020B0604030504040204" pitchFamily="34" charset="0"/>
+                <a:cs typeface="Verdana" panose="020B0604030504040204" pitchFamily="34" charset="0"/>
+              </a:rPr>
+            </a:br>
+            <a:r>
+              <a:rPr lang="ru-RU" altLang="ru-RU" dirty="0" err="1">
+                <a:solidFill>
+                  <a:srgbClr val="5BCD9D"/>
+                </a:solidFill>
+                <a:latin typeface="Verdana" panose="020B0604030504040204" pitchFamily="34" charset="0"/>
+                <a:ea typeface="Verdana" panose="020B0604030504040204" pitchFamily="34" charset="0"/>
+                <a:cs typeface="Verdana" panose="020B0604030504040204" pitchFamily="34" charset="0"/>
+              </a:rPr>
+              <a:t>resp</a:t>
+            </a:r>
+            <a:r>
+              <a:rPr lang="ru-RU" altLang="ru-RU" dirty="0" err="1">
+                <a:solidFill>
+                  <a:srgbClr val="FFFFFF"/>
+                </a:solidFill>
+                <a:latin typeface="Verdana" panose="020B0604030504040204" pitchFamily="34" charset="0"/>
+                <a:ea typeface="Verdana" panose="020B0604030504040204" pitchFamily="34" charset="0"/>
+                <a:cs typeface="Verdana" panose="020B0604030504040204" pitchFamily="34" charset="0"/>
+              </a:rPr>
+              <a:t>.</a:t>
+            </a:r>
+            <a:r>
+              <a:rPr lang="ru-RU" altLang="ru-RU" dirty="0" err="1">
+                <a:solidFill>
+                  <a:srgbClr val="FFCC00"/>
+                </a:solidFill>
+                <a:latin typeface="Verdana" panose="020B0604030504040204" pitchFamily="34" charset="0"/>
+                <a:ea typeface="Verdana" panose="020B0604030504040204" pitchFamily="34" charset="0"/>
+                <a:cs typeface="Verdana" panose="020B0604030504040204" pitchFamily="34" charset="0"/>
+              </a:rPr>
+              <a:t>SetContent</a:t>
+            </a:r>
+            <a:r>
+              <a:rPr lang="ru-RU" altLang="ru-RU" dirty="0">
+                <a:solidFill>
+                  <a:srgbClr val="FFFFFF"/>
+                </a:solidFill>
+                <a:latin typeface="Verdana" panose="020B0604030504040204" pitchFamily="34" charset="0"/>
+                <a:ea typeface="Verdana" panose="020B0604030504040204" pitchFamily="34" charset="0"/>
+                <a:cs typeface="Verdana" panose="020B0604030504040204" pitchFamily="34" charset="0"/>
+              </a:rPr>
+              <a:t>(</a:t>
+            </a:r>
+            <a:r>
+              <a:rPr lang="ru-RU" altLang="ru-RU" dirty="0" err="1">
+                <a:solidFill>
+                  <a:srgbClr val="9E64A9"/>
+                </a:solidFill>
+                <a:latin typeface="Verdana" panose="020B0604030504040204" pitchFamily="34" charset="0"/>
+                <a:ea typeface="Verdana" panose="020B0604030504040204" pitchFamily="34" charset="0"/>
+                <a:cs typeface="Verdana" panose="020B0604030504040204" pitchFamily="34" charset="0"/>
+              </a:rPr>
+              <a:t>std</a:t>
+            </a:r>
+            <a:r>
+              <a:rPr lang="ru-RU" altLang="ru-RU" dirty="0">
+                <a:solidFill>
+                  <a:srgbClr val="FFFFFF"/>
+                </a:solidFill>
+                <a:latin typeface="Verdana" panose="020B0604030504040204" pitchFamily="34" charset="0"/>
+                <a:ea typeface="Verdana" panose="020B0604030504040204" pitchFamily="34" charset="0"/>
+                <a:cs typeface="Verdana" panose="020B0604030504040204" pitchFamily="34" charset="0"/>
+              </a:rPr>
+              <a:t>::</a:t>
+            </a:r>
+            <a:r>
+              <a:rPr lang="ru-RU" altLang="ru-RU" dirty="0" err="1">
+                <a:solidFill>
+                  <a:srgbClr val="FFCC00"/>
+                </a:solidFill>
+                <a:latin typeface="Verdana" panose="020B0604030504040204" pitchFamily="34" charset="0"/>
+                <a:ea typeface="Verdana" panose="020B0604030504040204" pitchFamily="34" charset="0"/>
+                <a:cs typeface="Verdana" panose="020B0604030504040204" pitchFamily="34" charset="0"/>
+              </a:rPr>
+              <a:t>to_string</a:t>
+            </a:r>
+            <a:r>
+              <a:rPr lang="ru-RU" altLang="ru-RU" dirty="0">
+                <a:solidFill>
+                  <a:srgbClr val="FFFFFF"/>
+                </a:solidFill>
+                <a:latin typeface="Verdana" panose="020B0604030504040204" pitchFamily="34" charset="0"/>
+                <a:ea typeface="Verdana" panose="020B0604030504040204" pitchFamily="34" charset="0"/>
+                <a:cs typeface="Verdana" panose="020B0604030504040204" pitchFamily="34" charset="0"/>
+              </a:rPr>
+              <a:t>(</a:t>
+            </a:r>
+            <a:r>
+              <a:rPr lang="ru-RU" altLang="ru-RU" dirty="0" err="1">
+                <a:solidFill>
+                  <a:srgbClr val="5BCD9D"/>
+                </a:solidFill>
+                <a:latin typeface="Verdana" panose="020B0604030504040204" pitchFamily="34" charset="0"/>
+                <a:ea typeface="Verdana" panose="020B0604030504040204" pitchFamily="34" charset="0"/>
+                <a:cs typeface="Verdana" panose="020B0604030504040204" pitchFamily="34" charset="0"/>
+              </a:rPr>
+              <a:t>comments</a:t>
+            </a:r>
+            <a:r>
+              <a:rPr lang="ru-RU" altLang="ru-RU" dirty="0">
+                <a:solidFill>
+                  <a:srgbClr val="5BCD9D"/>
+                </a:solidFill>
+                <a:latin typeface="Verdana" panose="020B0604030504040204" pitchFamily="34" charset="0"/>
+                <a:ea typeface="Verdana" panose="020B0604030504040204" pitchFamily="34" charset="0"/>
+                <a:cs typeface="Verdana" panose="020B0604030504040204" pitchFamily="34" charset="0"/>
+              </a:rPr>
+              <a:t>_</a:t>
+            </a:r>
+            <a:r>
+              <a:rPr lang="ru-RU" altLang="ru-RU" dirty="0">
+                <a:solidFill>
+                  <a:srgbClr val="FFFFFF"/>
+                </a:solidFill>
+                <a:latin typeface="Verdana" panose="020B0604030504040204" pitchFamily="34" charset="0"/>
+                <a:ea typeface="Verdana" panose="020B0604030504040204" pitchFamily="34" charset="0"/>
+                <a:cs typeface="Verdana" panose="020B0604030504040204" pitchFamily="34" charset="0"/>
+              </a:rPr>
+              <a:t>.</a:t>
+            </a:r>
+            <a:r>
+              <a:rPr lang="ru-RU" altLang="ru-RU" dirty="0" err="1">
+                <a:solidFill>
+                  <a:srgbClr val="FFCC00"/>
+                </a:solidFill>
+                <a:latin typeface="Verdana" panose="020B0604030504040204" pitchFamily="34" charset="0"/>
+                <a:ea typeface="Verdana" panose="020B0604030504040204" pitchFamily="34" charset="0"/>
+                <a:cs typeface="Verdana" panose="020B0604030504040204" pitchFamily="34" charset="0"/>
+              </a:rPr>
+              <a:t>size</a:t>
+            </a:r>
+            <a:r>
+              <a:rPr lang="ru-RU" altLang="ru-RU" dirty="0">
+                <a:solidFill>
+                  <a:srgbClr val="FFFFFF"/>
+                </a:solidFill>
+                <a:latin typeface="Verdana" panose="020B0604030504040204" pitchFamily="34" charset="0"/>
+                <a:ea typeface="Verdana" panose="020B0604030504040204" pitchFamily="34" charset="0"/>
+                <a:cs typeface="Verdana" panose="020B0604030504040204" pitchFamily="34" charset="0"/>
+              </a:rPr>
+              <a:t>() - </a:t>
+            </a:r>
+            <a:r>
+              <a:rPr lang="ru-RU" altLang="ru-RU" dirty="0">
+                <a:solidFill>
+                  <a:srgbClr val="6897BB"/>
+                </a:solidFill>
+                <a:latin typeface="Verdana" panose="020B0604030504040204" pitchFamily="34" charset="0"/>
+                <a:ea typeface="Verdana" panose="020B0604030504040204" pitchFamily="34" charset="0"/>
+                <a:cs typeface="Verdana" panose="020B0604030504040204" pitchFamily="34" charset="0"/>
+              </a:rPr>
+              <a:t>1</a:t>
+            </a:r>
+            <a:r>
+              <a:rPr lang="ru-RU" altLang="ru-RU" dirty="0">
+                <a:solidFill>
+                  <a:srgbClr val="FFFFFF"/>
+                </a:solidFill>
+                <a:latin typeface="Verdana" panose="020B0604030504040204" pitchFamily="34" charset="0"/>
+                <a:ea typeface="Verdana" panose="020B0604030504040204" pitchFamily="34" charset="0"/>
+                <a:cs typeface="Verdana" panose="020B0604030504040204" pitchFamily="34" charset="0"/>
+              </a:rPr>
+              <a:t>));</a:t>
+            </a:r>
+            <a:br>
+              <a:rPr lang="ru-RU" altLang="ru-RU" dirty="0">
+                <a:solidFill>
+                  <a:srgbClr val="FFFFFF"/>
+                </a:solidFill>
+                <a:latin typeface="Verdana" panose="020B0604030504040204" pitchFamily="34" charset="0"/>
+                <a:ea typeface="Verdana" panose="020B0604030504040204" pitchFamily="34" charset="0"/>
+                <a:cs typeface="Verdana" panose="020B0604030504040204" pitchFamily="34" charset="0"/>
+              </a:rPr>
+            </a:br>
+            <a:r>
+              <a:rPr lang="ru-RU" altLang="ru-RU" dirty="0" err="1">
+                <a:solidFill>
+                  <a:srgbClr val="5BCD9D"/>
+                </a:solidFill>
+                <a:latin typeface="Verdana" panose="020B0604030504040204" pitchFamily="34" charset="0"/>
+                <a:ea typeface="Verdana" panose="020B0604030504040204" pitchFamily="34" charset="0"/>
+                <a:cs typeface="Verdana" panose="020B0604030504040204" pitchFamily="34" charset="0"/>
+              </a:rPr>
+              <a:t>os</a:t>
+            </a:r>
+            <a:r>
+              <a:rPr lang="ru-RU" altLang="ru-RU" dirty="0">
+                <a:solidFill>
+                  <a:srgbClr val="5BCD9D"/>
+                </a:solidFill>
+                <a:latin typeface="Verdana" panose="020B0604030504040204" pitchFamily="34" charset="0"/>
+                <a:ea typeface="Verdana" panose="020B0604030504040204" pitchFamily="34" charset="0"/>
+                <a:cs typeface="Verdana" panose="020B0604030504040204" pitchFamily="34" charset="0"/>
+              </a:rPr>
+              <a:t> </a:t>
+            </a:r>
+            <a:r>
+              <a:rPr lang="ru-RU" altLang="ru-RU" dirty="0">
+                <a:solidFill>
+                  <a:srgbClr val="FFFFFF"/>
+                </a:solidFill>
+                <a:latin typeface="Verdana" panose="020B0604030504040204" pitchFamily="34" charset="0"/>
+                <a:ea typeface="Verdana" panose="020B0604030504040204" pitchFamily="34" charset="0"/>
+                <a:cs typeface="Verdana" panose="020B0604030504040204" pitchFamily="34" charset="0"/>
+              </a:rPr>
+              <a:t>&lt;&lt; </a:t>
+            </a:r>
+            <a:r>
+              <a:rPr lang="ru-RU" altLang="ru-RU" dirty="0" err="1">
+                <a:solidFill>
+                  <a:srgbClr val="5BCD9D"/>
+                </a:solidFill>
+                <a:latin typeface="Verdana" panose="020B0604030504040204" pitchFamily="34" charset="0"/>
+                <a:ea typeface="Verdana" panose="020B0604030504040204" pitchFamily="34" charset="0"/>
+                <a:cs typeface="Verdana" panose="020B0604030504040204" pitchFamily="34" charset="0"/>
+              </a:rPr>
+              <a:t>resp</a:t>
+            </a:r>
+            <a:r>
+              <a:rPr lang="ru-RU" altLang="ru-RU" dirty="0" smtClean="0">
+                <a:solidFill>
+                  <a:srgbClr val="FFFFFF"/>
+                </a:solidFill>
+                <a:latin typeface="Verdana" panose="020B0604030504040204" pitchFamily="34" charset="0"/>
+                <a:ea typeface="Verdana" panose="020B0604030504040204" pitchFamily="34" charset="0"/>
+                <a:cs typeface="Verdana" panose="020B0604030504040204" pitchFamily="34" charset="0"/>
+              </a:rPr>
+              <a:t>;</a:t>
+            </a:r>
+          </a:p>
+          <a:p>
+            <a:pPr lvl="0" defTabSz="914400" eaLnBrk="0" fontAlgn="base" hangingPunct="0">
+              <a:spcBef>
+                <a:spcPct val="0"/>
+              </a:spcBef>
+              <a:spcAft>
+                <a:spcPct val="0"/>
+              </a:spcAft>
+            </a:pPr>
+            <a:endParaRPr lang="ru-RU" altLang="ru-RU" dirty="0" smtClean="0">
+              <a:solidFill>
+                <a:srgbClr val="FFFFFF"/>
+              </a:solidFill>
+              <a:latin typeface="Verdana" panose="020B0604030504040204" pitchFamily="34" charset="0"/>
+              <a:ea typeface="Verdana" panose="020B0604030504040204" pitchFamily="34" charset="0"/>
+              <a:cs typeface="Verdana" panose="020B0604030504040204" pitchFamily="34" charset="0"/>
+            </a:endParaRPr>
+          </a:p>
+          <a:p>
+            <a:pPr lvl="0" defTabSz="914400" eaLnBrk="0" fontAlgn="base" hangingPunct="0">
+              <a:spcBef>
+                <a:spcPct val="0"/>
+              </a:spcBef>
+              <a:spcAft>
+                <a:spcPct val="0"/>
+              </a:spcAft>
+            </a:pPr>
+            <a:r>
+              <a:rPr lang="ru-RU" altLang="ru-RU" dirty="0" err="1" smtClean="0">
+                <a:solidFill>
+                  <a:srgbClr val="5BCD9D"/>
+                </a:solidFill>
+                <a:latin typeface="Verdana" panose="020B0604030504040204" pitchFamily="34" charset="0"/>
+                <a:ea typeface="Verdana" panose="020B0604030504040204" pitchFamily="34" charset="0"/>
+                <a:cs typeface="Verdana" panose="020B0604030504040204" pitchFamily="34" charset="0"/>
+              </a:rPr>
+              <a:t>os</a:t>
+            </a:r>
+            <a:r>
+              <a:rPr lang="ru-RU" altLang="ru-RU" dirty="0" smtClean="0">
+                <a:solidFill>
+                  <a:srgbClr val="5BCD9D"/>
+                </a:solidFill>
+                <a:latin typeface="Verdana" panose="020B0604030504040204" pitchFamily="34" charset="0"/>
+                <a:ea typeface="Verdana" panose="020B0604030504040204" pitchFamily="34" charset="0"/>
+                <a:cs typeface="Verdana" panose="020B0604030504040204" pitchFamily="34" charset="0"/>
+              </a:rPr>
+              <a:t> </a:t>
+            </a:r>
+            <a:r>
+              <a:rPr lang="ru-RU" altLang="ru-RU" dirty="0">
+                <a:solidFill>
+                  <a:srgbClr val="FFFFFF"/>
+                </a:solidFill>
+                <a:latin typeface="Verdana" panose="020B0604030504040204" pitchFamily="34" charset="0"/>
+                <a:ea typeface="Verdana" panose="020B0604030504040204" pitchFamily="34" charset="0"/>
+                <a:cs typeface="Verdana" panose="020B0604030504040204" pitchFamily="34" charset="0"/>
+              </a:rPr>
+              <a:t>&lt;&lt; </a:t>
+            </a:r>
+            <a:r>
+              <a:rPr lang="ru-RU" altLang="ru-RU" dirty="0" err="1">
+                <a:solidFill>
+                  <a:srgbClr val="FFCC00"/>
+                </a:solidFill>
+                <a:latin typeface="Verdana" panose="020B0604030504040204" pitchFamily="34" charset="0"/>
+                <a:ea typeface="Verdana" panose="020B0604030504040204" pitchFamily="34" charset="0"/>
+                <a:cs typeface="Verdana" panose="020B0604030504040204" pitchFamily="34" charset="0"/>
+              </a:rPr>
+              <a:t>HttpResponse</a:t>
+            </a:r>
+            <a:r>
+              <a:rPr lang="ru-RU" altLang="ru-RU" dirty="0">
+                <a:solidFill>
+                  <a:srgbClr val="FFFFFF"/>
+                </a:solidFill>
+                <a:latin typeface="Verdana" panose="020B0604030504040204" pitchFamily="34" charset="0"/>
+                <a:ea typeface="Verdana" panose="020B0604030504040204" pitchFamily="34" charset="0"/>
+                <a:cs typeface="Verdana" panose="020B0604030504040204" pitchFamily="34" charset="0"/>
+              </a:rPr>
+              <a:t>(</a:t>
+            </a:r>
+            <a:r>
+              <a:rPr lang="en-US" altLang="ru-RU" dirty="0">
+                <a:solidFill>
+                  <a:srgbClr val="6897BB"/>
+                </a:solidFill>
+                <a:latin typeface="Verdana" panose="020B0604030504040204" pitchFamily="34" charset="0"/>
+                <a:ea typeface="Verdana" panose="020B0604030504040204" pitchFamily="34" charset="0"/>
+                <a:cs typeface="Verdana" panose="020B0604030504040204" pitchFamily="34" charset="0"/>
+              </a:rPr>
+              <a:t>404</a:t>
+            </a:r>
+            <a:r>
+              <a:rPr lang="ru-RU" altLang="ru-RU" dirty="0">
+                <a:solidFill>
+                  <a:srgbClr val="FFFFFF"/>
+                </a:solidFill>
+                <a:latin typeface="Verdana" panose="020B0604030504040204" pitchFamily="34" charset="0"/>
+                <a:ea typeface="Verdana" panose="020B0604030504040204" pitchFamily="34" charset="0"/>
+                <a:cs typeface="Verdana" panose="020B0604030504040204" pitchFamily="34" charset="0"/>
+              </a:rPr>
+              <a:t>);</a:t>
+            </a:r>
+            <a:endParaRPr lang="ru-RU" altLang="ru-RU" dirty="0">
+              <a:solidFill>
+                <a:srgbClr val="000000"/>
+              </a:solidFill>
+              <a:latin typeface="Verdana" panose="020B0604030504040204" pitchFamily="34" charset="0"/>
+              <a:ea typeface="Verdana" panose="020B0604030504040204" pitchFamily="34" charset="0"/>
+              <a:cs typeface="Verdana" panose="020B0604030504040204" pitchFamily="34" charset="0"/>
+            </a:endParaRPr>
+          </a:p>
+          <a:p>
+            <a:pPr lvl="0" defTabSz="914400" eaLnBrk="0" fontAlgn="base" hangingPunct="0">
+              <a:spcBef>
+                <a:spcPct val="0"/>
+              </a:spcBef>
+              <a:spcAft>
+                <a:spcPct val="0"/>
+              </a:spcAft>
+            </a:pPr>
+            <a:endParaRPr lang="ru-RU" altLang="ru-RU" dirty="0">
+              <a:latin typeface="Verdana" panose="020B0604030504040204" pitchFamily="34" charset="0"/>
+              <a:ea typeface="Verdana" panose="020B0604030504040204" pitchFamily="34" charset="0"/>
+              <a:cs typeface="Verdana" panose="020B0604030504040204" pitchFamily="34" charset="0"/>
+            </a:endParaRPr>
+          </a:p>
+        </p:txBody>
+      </p:sp>
+    </p:spTree>
+    <p:extLst>
+      <p:ext uri="{BB962C8B-B14F-4D97-AF65-F5344CB8AC3E}">
+        <p14:creationId xmlns:p14="http://schemas.microsoft.com/office/powerpoint/2010/main" val="1771274126"/>
+      </p:ext>
+    </p:extLst>
+  </p:cSld>
+  <p:clrMapOvr>
+    <a:masterClrMapping/>
+  </p:clrMapOvr>
+  <p:timing>
+    <p:tnLst>
+      <p:par>
+        <p:cTn id="1" dur="indefinite" restart="never" nodeType="tmRoot"/>
+      </p:par>
+    </p:tnLst>
+  </p:timing>
+</p:sld>
+</file>
+
+<file path=ppt/slides/slide2.xml><?xml version="1.0" encoding="utf-8"?>
+<p:sld xmlns:a="http://schemas.openxmlformats.org/drawingml/2006/main" xmlns:r="http://schemas.openxmlformats.org/officeDocument/2006/relationships" xmlns:p="http://schemas.openxmlformats.org/presentationml/2006/main">
+  <p:cSld>
+    <p:spTree>
+      <p:nvGrpSpPr>
+        <p:cNvPr id="1" name=""/>
+        <p:cNvGrpSpPr/>
+        <p:nvPr/>
+      </p:nvGrpSpPr>
+      <p:grpSpPr>
+        <a:xfrm>
+          <a:off x="0" y="0"/>
+          <a:ext cx="0" cy="0"/>
+          <a:chOff x="0" y="0"/>
+          <a:chExt cx="0" cy="0"/>
+        </a:xfrm>
+      </p:grpSpPr>
+    </p:spTree>
+    <p:extLst>
+      <p:ext uri="{BB962C8B-B14F-4D97-AF65-F5344CB8AC3E}">
+        <p14:creationId xmlns:p14="http://schemas.microsoft.com/office/powerpoint/2010/main" val="1705445651"/>
+      </p:ext>
+    </p:extLst>
+  </p:cSld>
+  <p:clrMapOvr>
+    <a:masterClrMapping/>
+  </p:clrMapOvr>
+  <p:timing>
+    <p:tnLst>
+      <p:par>
+        <p:cTn id="1" dur="indefinite" restart="never" nodeType="tmRoot"/>
+      </p:par>
+    </p:tnLst>
+  </p:timing>
+</p:sld>
+</file>
+
+<file path=ppt/slides/slide20.xml><?xml version="1.0" encoding="utf-8"?>
+<p:sld xmlns:a="http://schemas.openxmlformats.org/drawingml/2006/main" xmlns:r="http://schemas.openxmlformats.org/officeDocument/2006/relationships" xmlns:p="http://schemas.openxmlformats.org/presentationml/2006/main">
+  <p:cSld>
+    <p:spTree>
+      <p:nvGrpSpPr>
+        <p:cNvPr id="1" name=""/>
+        <p:cNvGrpSpPr/>
+        <p:nvPr/>
+      </p:nvGrpSpPr>
+      <p:grpSpPr>
+        <a:xfrm>
+          <a:off x="0" y="0"/>
+          <a:ext cx="0" cy="0"/>
+          <a:chOff x="0" y="0"/>
+          <a:chExt cx="0" cy="0"/>
+        </a:xfrm>
+      </p:grpSpPr>
+      <p:sp>
+        <p:nvSpPr>
+          <p:cNvPr id="2" name="Заголовок 1"/>
+          <p:cNvSpPr>
+            <a:spLocks noGrp="1"/>
+          </p:cNvSpPr>
+          <p:nvPr>
+            <p:ph type="title"/>
+          </p:nvPr>
+        </p:nvSpPr>
+        <p:spPr/>
+        <p:txBody>
+          <a:bodyPr/>
+          <a:lstStyle/>
+          <a:p>
+            <a:r>
+              <a:rPr lang="ru-RU" dirty="0"/>
+              <a:t>Шаг первый – создадим интерфейс</a:t>
+            </a:r>
+          </a:p>
+        </p:txBody>
+      </p:sp>
+      <p:sp>
+        <p:nvSpPr>
+          <p:cNvPr id="3" name="Нижний колонтитул 2"/>
+          <p:cNvSpPr>
+            <a:spLocks noGrp="1"/>
+          </p:cNvSpPr>
+          <p:nvPr>
+            <p:ph type="ftr" sz="quarter" idx="11"/>
+          </p:nvPr>
+        </p:nvSpPr>
+        <p:spPr/>
+        <p:txBody>
+          <a:bodyPr/>
+          <a:lstStyle/>
+          <a:p>
+            <a:endParaRPr lang="ru-RU" dirty="0">
+              <a:solidFill>
+                <a:srgbClr val="000000"/>
+              </a:solidFill>
+            </a:endParaRPr>
+          </a:p>
+        </p:txBody>
+      </p:sp>
+      <p:sp>
+        <p:nvSpPr>
+          <p:cNvPr id="4" name="Номер слайда 3"/>
+          <p:cNvSpPr>
+            <a:spLocks noGrp="1"/>
+          </p:cNvSpPr>
+          <p:nvPr>
+            <p:ph type="sldNum" sz="quarter" idx="12"/>
+          </p:nvPr>
+        </p:nvSpPr>
+        <p:spPr/>
+        <p:txBody>
+          <a:bodyPr/>
+          <a:lstStyle/>
+          <a:p>
+            <a:fld id="{741C03D3-FA44-40EC-9A21-1FC4FEA3E22E}" type="slidenum">
+              <a:rPr lang="ru-RU" smtClean="0">
+                <a:solidFill>
+                  <a:srgbClr val="000000"/>
+                </a:solidFill>
+              </a:rPr>
+              <a:pPr/>
+              <a:t>20</a:t>
+            </a:fld>
+            <a:endParaRPr lang="ru-RU">
+              <a:solidFill>
+                <a:srgbClr val="000000"/>
+              </a:solidFill>
+            </a:endParaRPr>
+          </a:p>
+        </p:txBody>
+      </p:sp>
+      <p:sp>
+        <p:nvSpPr>
+          <p:cNvPr id="5" name="Объект 4"/>
+          <p:cNvSpPr>
+            <a:spLocks noGrp="1"/>
+          </p:cNvSpPr>
+          <p:nvPr>
+            <p:ph idx="13"/>
+          </p:nvPr>
+        </p:nvSpPr>
+        <p:spPr/>
+        <p:txBody>
+          <a:bodyPr/>
+          <a:lstStyle/>
+          <a:p>
+            <a:r>
+              <a:rPr lang="ru-RU" altLang="ru-RU" dirty="0" err="1">
+                <a:solidFill>
+                  <a:srgbClr val="FFFFFF"/>
+                </a:solidFill>
+                <a:latin typeface="Verdana" panose="020B0604030504040204" pitchFamily="34" charset="0"/>
+              </a:rPr>
+              <a:t>enum</a:t>
+            </a:r>
+            <a:r>
+              <a:rPr lang="ru-RU" altLang="ru-RU" dirty="0">
+                <a:solidFill>
+                  <a:srgbClr val="FFFFFF"/>
+                </a:solidFill>
+                <a:latin typeface="Verdana" panose="020B0604030504040204" pitchFamily="34" charset="0"/>
+              </a:rPr>
+              <a:t> </a:t>
+            </a:r>
+            <a:r>
+              <a:rPr lang="ru-RU" altLang="ru-RU" dirty="0" err="1">
+                <a:solidFill>
+                  <a:srgbClr val="FFFFFF"/>
+                </a:solidFill>
+                <a:latin typeface="Verdana" panose="020B0604030504040204" pitchFamily="34" charset="0"/>
+              </a:rPr>
+              <a:t>class</a:t>
+            </a:r>
+            <a:r>
+              <a:rPr lang="ru-RU" altLang="ru-RU" dirty="0">
+                <a:solidFill>
+                  <a:srgbClr val="FFFFFF"/>
+                </a:solidFill>
+                <a:latin typeface="Verdana" panose="020B0604030504040204" pitchFamily="34" charset="0"/>
+              </a:rPr>
+              <a:t> </a:t>
+            </a:r>
+            <a:r>
+              <a:rPr lang="ru-RU" altLang="ru-RU" dirty="0" err="1">
+                <a:solidFill>
+                  <a:srgbClr val="FFCC00"/>
+                </a:solidFill>
+                <a:latin typeface="Verdana" panose="020B0604030504040204" pitchFamily="34" charset="0"/>
+              </a:rPr>
+              <a:t>HttpCode</a:t>
+            </a:r>
+            <a:r>
+              <a:rPr lang="ru-RU" altLang="ru-RU" dirty="0">
+                <a:solidFill>
+                  <a:srgbClr val="FFCC00"/>
+                </a:solidFill>
+                <a:latin typeface="Verdana" panose="020B0604030504040204" pitchFamily="34" charset="0"/>
+              </a:rPr>
+              <a:t> </a:t>
+            </a:r>
+            <a:r>
+              <a:rPr lang="ru-RU" altLang="ru-RU" dirty="0">
+                <a:solidFill>
+                  <a:srgbClr val="FFFFFF"/>
+                </a:solidFill>
+                <a:latin typeface="Verdana" panose="020B0604030504040204" pitchFamily="34" charset="0"/>
+              </a:rPr>
+              <a:t>{</a:t>
+            </a:r>
+            <a:br>
+              <a:rPr lang="ru-RU" altLang="ru-RU" dirty="0">
+                <a:solidFill>
+                  <a:srgbClr val="FFFFFF"/>
+                </a:solidFill>
+                <a:latin typeface="Verdana" panose="020B0604030504040204" pitchFamily="34" charset="0"/>
+              </a:rPr>
+            </a:br>
+            <a:r>
+              <a:rPr lang="ru-RU" altLang="ru-RU" dirty="0">
+                <a:solidFill>
+                  <a:srgbClr val="FFFFFF"/>
+                </a:solidFill>
+                <a:latin typeface="Verdana" panose="020B0604030504040204" pitchFamily="34" charset="0"/>
+              </a:rPr>
+              <a:t>    </a:t>
+            </a:r>
+            <a:r>
+              <a:rPr lang="ru-RU" altLang="ru-RU" dirty="0">
+                <a:solidFill>
+                  <a:srgbClr val="5BCD9D"/>
+                </a:solidFill>
+                <a:latin typeface="Verdana" panose="020B0604030504040204" pitchFamily="34" charset="0"/>
+              </a:rPr>
+              <a:t>OK </a:t>
+            </a:r>
+            <a:r>
+              <a:rPr lang="ru-RU" altLang="ru-RU" dirty="0">
+                <a:solidFill>
+                  <a:srgbClr val="FFFFFF"/>
+                </a:solidFill>
+                <a:latin typeface="Verdana" panose="020B0604030504040204" pitchFamily="34" charset="0"/>
+              </a:rPr>
+              <a:t>= </a:t>
+            </a:r>
+            <a:r>
+              <a:rPr lang="ru-RU" altLang="ru-RU" dirty="0">
+                <a:solidFill>
+                  <a:srgbClr val="6897BB"/>
+                </a:solidFill>
+                <a:latin typeface="Verdana" panose="020B0604030504040204" pitchFamily="34" charset="0"/>
+              </a:rPr>
+              <a:t>200</a:t>
+            </a:r>
+            <a:r>
+              <a:rPr lang="ru-RU" altLang="ru-RU" dirty="0">
+                <a:solidFill>
+                  <a:srgbClr val="FFFFFF"/>
+                </a:solidFill>
+                <a:latin typeface="Verdana" panose="020B0604030504040204" pitchFamily="34" charset="0"/>
+              </a:rPr>
+              <a:t>,</a:t>
+            </a:r>
+            <a:br>
+              <a:rPr lang="ru-RU" altLang="ru-RU" dirty="0">
+                <a:solidFill>
+                  <a:srgbClr val="FFFFFF"/>
+                </a:solidFill>
+                <a:latin typeface="Verdana" panose="020B0604030504040204" pitchFamily="34" charset="0"/>
+              </a:rPr>
+            </a:br>
+            <a:r>
+              <a:rPr lang="ru-RU" altLang="ru-RU" dirty="0">
+                <a:solidFill>
+                  <a:srgbClr val="FFFFFF"/>
+                </a:solidFill>
+                <a:latin typeface="Verdana" panose="020B0604030504040204" pitchFamily="34" charset="0"/>
+              </a:rPr>
+              <a:t>    </a:t>
+            </a:r>
+            <a:r>
+              <a:rPr lang="ru-RU" altLang="ru-RU" dirty="0" err="1">
+                <a:solidFill>
+                  <a:srgbClr val="5BCD9D"/>
+                </a:solidFill>
+                <a:latin typeface="Verdana" panose="020B0604030504040204" pitchFamily="34" charset="0"/>
+              </a:rPr>
+              <a:t>NotFound</a:t>
+            </a:r>
+            <a:r>
+              <a:rPr lang="ru-RU" altLang="ru-RU" dirty="0">
+                <a:solidFill>
+                  <a:srgbClr val="5BCD9D"/>
+                </a:solidFill>
+                <a:latin typeface="Verdana" panose="020B0604030504040204" pitchFamily="34" charset="0"/>
+              </a:rPr>
+              <a:t> </a:t>
+            </a:r>
+            <a:r>
+              <a:rPr lang="ru-RU" altLang="ru-RU" dirty="0">
+                <a:solidFill>
+                  <a:srgbClr val="FFFFFF"/>
+                </a:solidFill>
+                <a:latin typeface="Verdana" panose="020B0604030504040204" pitchFamily="34" charset="0"/>
+              </a:rPr>
+              <a:t>= </a:t>
+            </a:r>
+            <a:r>
+              <a:rPr lang="ru-RU" altLang="ru-RU" dirty="0">
+                <a:solidFill>
+                  <a:srgbClr val="6897BB"/>
+                </a:solidFill>
+                <a:latin typeface="Verdana" panose="020B0604030504040204" pitchFamily="34" charset="0"/>
+              </a:rPr>
+              <a:t>404</a:t>
+            </a:r>
+            <a:r>
+              <a:rPr lang="ru-RU" altLang="ru-RU" dirty="0">
+                <a:solidFill>
+                  <a:srgbClr val="FFFFFF"/>
+                </a:solidFill>
+                <a:latin typeface="Verdana" panose="020B0604030504040204" pitchFamily="34" charset="0"/>
+              </a:rPr>
+              <a:t>,</a:t>
+            </a:r>
+            <a:br>
+              <a:rPr lang="ru-RU" altLang="ru-RU" dirty="0">
+                <a:solidFill>
+                  <a:srgbClr val="FFFFFF"/>
+                </a:solidFill>
+                <a:latin typeface="Verdana" panose="020B0604030504040204" pitchFamily="34" charset="0"/>
+              </a:rPr>
+            </a:br>
+            <a:r>
+              <a:rPr lang="ru-RU" altLang="ru-RU" dirty="0">
+                <a:solidFill>
+                  <a:srgbClr val="FFFFFF"/>
+                </a:solidFill>
+                <a:latin typeface="Verdana" panose="020B0604030504040204" pitchFamily="34" charset="0"/>
+              </a:rPr>
+              <a:t>};</a:t>
+            </a:r>
+            <a:br>
+              <a:rPr lang="ru-RU" altLang="ru-RU" dirty="0">
+                <a:solidFill>
+                  <a:srgbClr val="FFFFFF"/>
+                </a:solidFill>
+                <a:latin typeface="Verdana" panose="020B0604030504040204" pitchFamily="34" charset="0"/>
+              </a:rPr>
+            </a:br>
+            <a:r>
+              <a:rPr lang="ru-RU" altLang="ru-RU" dirty="0">
+                <a:solidFill>
+                  <a:srgbClr val="FFFFFF"/>
+                </a:solidFill>
+                <a:latin typeface="Verdana" panose="020B0604030504040204" pitchFamily="34" charset="0"/>
+              </a:rPr>
+              <a:t/>
+            </a:r>
+            <a:br>
+              <a:rPr lang="ru-RU" altLang="ru-RU" dirty="0">
+                <a:solidFill>
+                  <a:srgbClr val="FFFFFF"/>
+                </a:solidFill>
+                <a:latin typeface="Verdana" panose="020B0604030504040204" pitchFamily="34" charset="0"/>
+              </a:rPr>
+            </a:br>
+            <a:r>
+              <a:rPr lang="ru-RU" altLang="ru-RU" dirty="0" err="1">
+                <a:solidFill>
+                  <a:srgbClr val="FFFFFF"/>
+                </a:solidFill>
+                <a:latin typeface="Verdana" panose="020B0604030504040204" pitchFamily="34" charset="0"/>
+              </a:rPr>
+              <a:t>class</a:t>
+            </a:r>
+            <a:r>
+              <a:rPr lang="ru-RU" altLang="ru-RU" dirty="0">
+                <a:solidFill>
+                  <a:srgbClr val="FFFFFF"/>
+                </a:solidFill>
+                <a:latin typeface="Verdana" panose="020B0604030504040204" pitchFamily="34" charset="0"/>
+              </a:rPr>
+              <a:t> </a:t>
+            </a:r>
+            <a:r>
+              <a:rPr lang="ru-RU" altLang="ru-RU" dirty="0" err="1">
+                <a:solidFill>
+                  <a:srgbClr val="FFCC00"/>
+                </a:solidFill>
+                <a:latin typeface="Verdana" panose="020B0604030504040204" pitchFamily="34" charset="0"/>
+              </a:rPr>
+              <a:t>HttpResponse</a:t>
+            </a:r>
+            <a:r>
+              <a:rPr lang="ru-RU" altLang="ru-RU" dirty="0">
+                <a:solidFill>
+                  <a:srgbClr val="FFCC00"/>
+                </a:solidFill>
+                <a:latin typeface="Verdana" panose="020B0604030504040204" pitchFamily="34" charset="0"/>
+              </a:rPr>
+              <a:t> </a:t>
+            </a:r>
+            <a:r>
+              <a:rPr lang="ru-RU" altLang="ru-RU" dirty="0">
+                <a:solidFill>
+                  <a:srgbClr val="FFFFFF"/>
+                </a:solidFill>
+                <a:latin typeface="Verdana" panose="020B0604030504040204" pitchFamily="34" charset="0"/>
+              </a:rPr>
+              <a:t>{</a:t>
+            </a:r>
+            <a:br>
+              <a:rPr lang="ru-RU" altLang="ru-RU" dirty="0">
+                <a:solidFill>
+                  <a:srgbClr val="FFFFFF"/>
+                </a:solidFill>
+                <a:latin typeface="Verdana" panose="020B0604030504040204" pitchFamily="34" charset="0"/>
+              </a:rPr>
+            </a:br>
+            <a:r>
+              <a:rPr lang="ru-RU" altLang="ru-RU" dirty="0" err="1">
+                <a:solidFill>
+                  <a:srgbClr val="FFFFFF"/>
+                </a:solidFill>
+                <a:latin typeface="Verdana" panose="020B0604030504040204" pitchFamily="34" charset="0"/>
+              </a:rPr>
+              <a:t>public</a:t>
+            </a:r>
+            <a:r>
+              <a:rPr lang="ru-RU" altLang="ru-RU" dirty="0">
+                <a:solidFill>
+                  <a:srgbClr val="FFFFFF"/>
+                </a:solidFill>
+                <a:latin typeface="Verdana" panose="020B0604030504040204" pitchFamily="34" charset="0"/>
+              </a:rPr>
+              <a:t>:</a:t>
+            </a:r>
+            <a:br>
+              <a:rPr lang="ru-RU" altLang="ru-RU" dirty="0">
+                <a:solidFill>
+                  <a:srgbClr val="FFFFFF"/>
+                </a:solidFill>
+                <a:latin typeface="Verdana" panose="020B0604030504040204" pitchFamily="34" charset="0"/>
+              </a:rPr>
+            </a:br>
+            <a:r>
+              <a:rPr lang="ru-RU" altLang="ru-RU" dirty="0">
+                <a:solidFill>
+                  <a:srgbClr val="FFFFFF"/>
+                </a:solidFill>
+                <a:latin typeface="Verdana" panose="020B0604030504040204" pitchFamily="34" charset="0"/>
+              </a:rPr>
+              <a:t>    </a:t>
+            </a:r>
+            <a:r>
+              <a:rPr lang="ru-RU" altLang="ru-RU" dirty="0" err="1">
+                <a:solidFill>
+                  <a:srgbClr val="FFFFFF"/>
+                </a:solidFill>
+                <a:latin typeface="Verdana" panose="020B0604030504040204" pitchFamily="34" charset="0"/>
+              </a:rPr>
+              <a:t>explicit</a:t>
+            </a:r>
+            <a:r>
+              <a:rPr lang="ru-RU" altLang="ru-RU" dirty="0">
+                <a:solidFill>
+                  <a:srgbClr val="FFFFFF"/>
+                </a:solidFill>
+                <a:latin typeface="Verdana" panose="020B0604030504040204" pitchFamily="34" charset="0"/>
+              </a:rPr>
+              <a:t> </a:t>
+            </a:r>
+            <a:r>
+              <a:rPr lang="ru-RU" altLang="ru-RU" dirty="0" err="1">
+                <a:solidFill>
+                  <a:srgbClr val="FFCC00"/>
+                </a:solidFill>
+                <a:latin typeface="Verdana" panose="020B0604030504040204" pitchFamily="34" charset="0"/>
+              </a:rPr>
+              <a:t>HttpResponse</a:t>
+            </a:r>
+            <a:r>
+              <a:rPr lang="ru-RU" altLang="ru-RU" dirty="0">
+                <a:solidFill>
+                  <a:srgbClr val="FFFFFF"/>
+                </a:solidFill>
+                <a:latin typeface="Verdana" panose="020B0604030504040204" pitchFamily="34" charset="0"/>
+              </a:rPr>
+              <a:t>(</a:t>
+            </a:r>
+            <a:r>
+              <a:rPr lang="ru-RU" altLang="ru-RU" dirty="0" err="1">
+                <a:solidFill>
+                  <a:schemeClr val="accent4"/>
+                </a:solidFill>
+                <a:latin typeface="Verdana" panose="020B0604030504040204" pitchFamily="34" charset="0"/>
+              </a:rPr>
+              <a:t>HttpCode</a:t>
+            </a:r>
+            <a:r>
+              <a:rPr lang="ru-RU" altLang="ru-RU" dirty="0">
+                <a:solidFill>
+                  <a:schemeClr val="accent4"/>
+                </a:solidFill>
+                <a:latin typeface="Verdana" panose="020B0604030504040204" pitchFamily="34" charset="0"/>
+              </a:rPr>
+              <a:t> </a:t>
+            </a:r>
+            <a:r>
+              <a:rPr lang="ru-RU" altLang="ru-RU" dirty="0" err="1">
+                <a:solidFill>
+                  <a:schemeClr val="accent4"/>
+                </a:solidFill>
+                <a:latin typeface="Verdana" panose="020B0604030504040204" pitchFamily="34" charset="0"/>
+              </a:rPr>
+              <a:t>code</a:t>
+            </a:r>
+            <a:r>
+              <a:rPr lang="ru-RU" altLang="ru-RU" dirty="0">
+                <a:solidFill>
+                  <a:srgbClr val="FFFFFF"/>
+                </a:solidFill>
+                <a:latin typeface="Verdana" panose="020B0604030504040204" pitchFamily="34" charset="0"/>
+              </a:rPr>
+              <a:t>);</a:t>
+            </a:r>
+            <a:br>
+              <a:rPr lang="ru-RU" altLang="ru-RU" dirty="0">
+                <a:solidFill>
+                  <a:srgbClr val="FFFFFF"/>
+                </a:solidFill>
+                <a:latin typeface="Verdana" panose="020B0604030504040204" pitchFamily="34" charset="0"/>
+              </a:rPr>
+            </a:br>
+            <a:r>
+              <a:rPr lang="ru-RU" altLang="ru-RU" dirty="0">
+                <a:solidFill>
+                  <a:srgbClr val="FFFFFF"/>
+                </a:solidFill>
+                <a:latin typeface="Verdana" panose="020B0604030504040204" pitchFamily="34" charset="0"/>
+              </a:rPr>
+              <a:t>    </a:t>
+            </a:r>
+            <a:r>
+              <a:rPr lang="ru-RU" altLang="ru-RU" dirty="0" err="1">
+                <a:solidFill>
+                  <a:schemeClr val="accent4"/>
+                </a:solidFill>
+                <a:latin typeface="Verdana" panose="020B0604030504040204" pitchFamily="34" charset="0"/>
+              </a:rPr>
+              <a:t>HttpResponse</a:t>
+            </a:r>
+            <a:r>
+              <a:rPr lang="ru-RU" altLang="ru-RU" dirty="0">
+                <a:solidFill>
+                  <a:schemeClr val="accent4"/>
+                </a:solidFill>
+                <a:latin typeface="Verdana" panose="020B0604030504040204" pitchFamily="34" charset="0"/>
+              </a:rPr>
+              <a:t>&amp;</a:t>
+            </a:r>
+            <a:r>
+              <a:rPr lang="ru-RU" altLang="ru-RU" dirty="0">
+                <a:solidFill>
+                  <a:srgbClr val="FFFFFF"/>
+                </a:solidFill>
+                <a:latin typeface="Verdana" panose="020B0604030504040204" pitchFamily="34" charset="0"/>
+              </a:rPr>
+              <a:t> </a:t>
+            </a:r>
+            <a:r>
+              <a:rPr lang="ru-RU" altLang="ru-RU" dirty="0" err="1">
+                <a:solidFill>
+                  <a:srgbClr val="FFCC00"/>
+                </a:solidFill>
+                <a:latin typeface="Verdana" panose="020B0604030504040204" pitchFamily="34" charset="0"/>
+              </a:rPr>
+              <a:t>SetContent</a:t>
+            </a:r>
+            <a:r>
+              <a:rPr lang="ru-RU" altLang="ru-RU" dirty="0">
+                <a:solidFill>
+                  <a:srgbClr val="FFFFFF"/>
+                </a:solidFill>
+                <a:latin typeface="Verdana" panose="020B0604030504040204" pitchFamily="34" charset="0"/>
+              </a:rPr>
+              <a:t>(</a:t>
+            </a:r>
+            <a:r>
+              <a:rPr lang="ru-RU" altLang="ru-RU" dirty="0" err="1">
+                <a:solidFill>
+                  <a:srgbClr val="9E64A9"/>
+                </a:solidFill>
+                <a:latin typeface="Verdana" panose="020B0604030504040204" pitchFamily="34" charset="0"/>
+              </a:rPr>
+              <a:t>std</a:t>
+            </a:r>
+            <a:r>
+              <a:rPr lang="ru-RU" altLang="ru-RU" dirty="0">
+                <a:solidFill>
+                  <a:srgbClr val="FFFFFF"/>
+                </a:solidFill>
+                <a:latin typeface="Verdana" panose="020B0604030504040204" pitchFamily="34" charset="0"/>
+              </a:rPr>
+              <a:t>::</a:t>
+            </a:r>
+            <a:r>
+              <a:rPr lang="ru-RU" altLang="ru-RU" dirty="0" err="1">
+                <a:solidFill>
+                  <a:srgbClr val="FFCC00"/>
+                </a:solidFill>
+                <a:latin typeface="Verdana" panose="020B0604030504040204" pitchFamily="34" charset="0"/>
+              </a:rPr>
+              <a:t>string</a:t>
+            </a:r>
+            <a:r>
+              <a:rPr lang="ru-RU" altLang="ru-RU" dirty="0">
+                <a:solidFill>
+                  <a:srgbClr val="FFCC00"/>
+                </a:solidFill>
+                <a:latin typeface="Verdana" panose="020B0604030504040204" pitchFamily="34" charset="0"/>
+              </a:rPr>
+              <a:t> </a:t>
+            </a:r>
+            <a:r>
+              <a:rPr lang="ru-RU" altLang="ru-RU" dirty="0" err="1">
+                <a:solidFill>
+                  <a:srgbClr val="5BCD9D"/>
+                </a:solidFill>
+                <a:latin typeface="Verdana" panose="020B0604030504040204" pitchFamily="34" charset="0"/>
+              </a:rPr>
+              <a:t>value</a:t>
+            </a:r>
+            <a:r>
+              <a:rPr lang="ru-RU" altLang="ru-RU" dirty="0">
+                <a:solidFill>
+                  <a:srgbClr val="FFFFFF"/>
+                </a:solidFill>
+                <a:latin typeface="Verdana" panose="020B0604030504040204" pitchFamily="34" charset="0"/>
+              </a:rPr>
+              <a:t>);</a:t>
+            </a:r>
+            <a:br>
+              <a:rPr lang="ru-RU" altLang="ru-RU" dirty="0">
+                <a:solidFill>
+                  <a:srgbClr val="FFFFFF"/>
+                </a:solidFill>
+                <a:latin typeface="Verdana" panose="020B0604030504040204" pitchFamily="34" charset="0"/>
+              </a:rPr>
+            </a:br>
+            <a:r>
+              <a:rPr lang="ru-RU" altLang="ru-RU" dirty="0">
+                <a:solidFill>
+                  <a:srgbClr val="FFFFFF"/>
+                </a:solidFill>
+                <a:latin typeface="Verdana" panose="020B0604030504040204" pitchFamily="34" charset="0"/>
+              </a:rPr>
+              <a:t>    </a:t>
+            </a:r>
+            <a:r>
+              <a:rPr lang="ru-RU" altLang="ru-RU" dirty="0" err="1">
+                <a:solidFill>
+                  <a:srgbClr val="FFFFFF"/>
+                </a:solidFill>
+                <a:latin typeface="Verdana" panose="020B0604030504040204" pitchFamily="34" charset="0"/>
+              </a:rPr>
+              <a:t>friend</a:t>
+            </a:r>
+            <a:r>
+              <a:rPr lang="ru-RU" altLang="ru-RU" dirty="0">
+                <a:solidFill>
+                  <a:srgbClr val="FFFFFF"/>
+                </a:solidFill>
+                <a:latin typeface="Verdana" panose="020B0604030504040204" pitchFamily="34" charset="0"/>
+              </a:rPr>
+              <a:t> </a:t>
+            </a:r>
+            <a:r>
+              <a:rPr lang="ru-RU" altLang="ru-RU" dirty="0" err="1">
+                <a:solidFill>
+                  <a:srgbClr val="9E64A9"/>
+                </a:solidFill>
+                <a:latin typeface="Verdana" panose="020B0604030504040204" pitchFamily="34" charset="0"/>
+              </a:rPr>
+              <a:t>std</a:t>
+            </a:r>
+            <a:r>
+              <a:rPr lang="ru-RU" altLang="ru-RU" dirty="0">
+                <a:solidFill>
+                  <a:srgbClr val="FFFFFF"/>
+                </a:solidFill>
+                <a:latin typeface="Verdana" panose="020B0604030504040204" pitchFamily="34" charset="0"/>
+              </a:rPr>
+              <a:t>::</a:t>
+            </a:r>
+            <a:r>
+              <a:rPr lang="ru-RU" altLang="ru-RU" dirty="0" err="1">
+                <a:solidFill>
+                  <a:srgbClr val="FFCC00"/>
+                </a:solidFill>
+                <a:latin typeface="Verdana" panose="020B0604030504040204" pitchFamily="34" charset="0"/>
+              </a:rPr>
+              <a:t>ostream</a:t>
+            </a:r>
+            <a:r>
+              <a:rPr lang="ru-RU" altLang="ru-RU" dirty="0">
+                <a:solidFill>
+                  <a:srgbClr val="FFFFFF"/>
+                </a:solidFill>
+                <a:latin typeface="Verdana" panose="020B0604030504040204" pitchFamily="34" charset="0"/>
+              </a:rPr>
+              <a:t>&amp; </a:t>
+            </a:r>
+            <a:r>
+              <a:rPr lang="ru-RU" altLang="ru-RU" dirty="0" err="1">
+                <a:solidFill>
+                  <a:srgbClr val="FFFFFF"/>
+                </a:solidFill>
+                <a:latin typeface="Verdana" panose="020B0604030504040204" pitchFamily="34" charset="0"/>
+              </a:rPr>
+              <a:t>operator</a:t>
+            </a:r>
+            <a:r>
+              <a:rPr lang="ru-RU" altLang="ru-RU" dirty="0">
+                <a:solidFill>
+                  <a:srgbClr val="FFFFFF"/>
+                </a:solidFill>
+                <a:latin typeface="Verdana" panose="020B0604030504040204" pitchFamily="34" charset="0"/>
+              </a:rPr>
+              <a:t> </a:t>
+            </a:r>
+            <a:r>
+              <a:rPr lang="ru-RU" altLang="ru-RU" dirty="0">
+                <a:solidFill>
+                  <a:srgbClr val="FFCC00"/>
+                </a:solidFill>
+                <a:latin typeface="Verdana" panose="020B0604030504040204" pitchFamily="34" charset="0"/>
+              </a:rPr>
+              <a:t>&lt;&lt; </a:t>
+            </a:r>
+            <a:r>
+              <a:rPr lang="ru-RU" altLang="ru-RU" dirty="0">
+                <a:solidFill>
+                  <a:srgbClr val="FFFFFF"/>
+                </a:solidFill>
+                <a:latin typeface="Verdana" panose="020B0604030504040204" pitchFamily="34" charset="0"/>
+              </a:rPr>
+              <a:t>(</a:t>
+            </a:r>
+            <a:r>
+              <a:rPr lang="ru-RU" altLang="ru-RU" dirty="0" err="1">
+                <a:solidFill>
+                  <a:srgbClr val="9E64A9"/>
+                </a:solidFill>
+                <a:latin typeface="Verdana" panose="020B0604030504040204" pitchFamily="34" charset="0"/>
+              </a:rPr>
+              <a:t>std</a:t>
+            </a:r>
+            <a:r>
+              <a:rPr lang="ru-RU" altLang="ru-RU" dirty="0">
+                <a:solidFill>
+                  <a:srgbClr val="FFFFFF"/>
+                </a:solidFill>
+                <a:latin typeface="Verdana" panose="020B0604030504040204" pitchFamily="34" charset="0"/>
+              </a:rPr>
+              <a:t>::</a:t>
+            </a:r>
+            <a:r>
+              <a:rPr lang="ru-RU" altLang="ru-RU" dirty="0" err="1">
+                <a:solidFill>
+                  <a:srgbClr val="FFCC00"/>
+                </a:solidFill>
+                <a:latin typeface="Verdana" panose="020B0604030504040204" pitchFamily="34" charset="0"/>
+              </a:rPr>
+              <a:t>ostream</a:t>
+            </a:r>
+            <a:r>
+              <a:rPr lang="ru-RU" altLang="ru-RU" dirty="0">
+                <a:solidFill>
+                  <a:srgbClr val="FFFFFF"/>
+                </a:solidFill>
+                <a:latin typeface="Verdana" panose="020B0604030504040204" pitchFamily="34" charset="0"/>
+              </a:rPr>
+              <a:t>&amp; </a:t>
+            </a:r>
+            <a:r>
+              <a:rPr lang="ru-RU" altLang="ru-RU" dirty="0" err="1">
+                <a:solidFill>
+                  <a:srgbClr val="5BCD9D"/>
+                </a:solidFill>
+                <a:latin typeface="Verdana" panose="020B0604030504040204" pitchFamily="34" charset="0"/>
+              </a:rPr>
+              <a:t>os</a:t>
+            </a:r>
+            <a:r>
+              <a:rPr lang="ru-RU" altLang="ru-RU" dirty="0">
+                <a:solidFill>
+                  <a:srgbClr val="FFFFFF"/>
+                </a:solidFill>
+                <a:latin typeface="Verdana" panose="020B0604030504040204" pitchFamily="34" charset="0"/>
+              </a:rPr>
+              <a:t>, </a:t>
+            </a:r>
+            <a:r>
+              <a:rPr lang="ru-RU" altLang="ru-RU" dirty="0" err="1">
+                <a:solidFill>
+                  <a:srgbClr val="FFFFFF"/>
+                </a:solidFill>
+                <a:latin typeface="Verdana" panose="020B0604030504040204" pitchFamily="34" charset="0"/>
+              </a:rPr>
+              <a:t>const</a:t>
+            </a:r>
+            <a:r>
+              <a:rPr lang="ru-RU" altLang="ru-RU" dirty="0">
+                <a:solidFill>
+                  <a:srgbClr val="FFFFFF"/>
+                </a:solidFill>
+                <a:latin typeface="Verdana" panose="020B0604030504040204" pitchFamily="34" charset="0"/>
+              </a:rPr>
+              <a:t> </a:t>
+            </a:r>
+            <a:r>
+              <a:rPr lang="ru-RU" altLang="ru-RU" dirty="0" err="1">
+                <a:solidFill>
+                  <a:srgbClr val="FFCC00"/>
+                </a:solidFill>
+                <a:latin typeface="Verdana" panose="020B0604030504040204" pitchFamily="34" charset="0"/>
+              </a:rPr>
+              <a:t>HttpResponse</a:t>
+            </a:r>
+            <a:r>
+              <a:rPr lang="ru-RU" altLang="ru-RU" dirty="0">
+                <a:solidFill>
+                  <a:srgbClr val="FFFFFF"/>
+                </a:solidFill>
+                <a:latin typeface="Verdana" panose="020B0604030504040204" pitchFamily="34" charset="0"/>
+              </a:rPr>
+              <a:t>&amp; </a:t>
+            </a:r>
+            <a:r>
+              <a:rPr lang="ru-RU" altLang="ru-RU" dirty="0" err="1">
+                <a:solidFill>
+                  <a:srgbClr val="5BCD9D"/>
+                </a:solidFill>
+                <a:latin typeface="Verdana" panose="020B0604030504040204" pitchFamily="34" charset="0"/>
+              </a:rPr>
+              <a:t>resp</a:t>
+            </a:r>
+            <a:r>
+              <a:rPr lang="ru-RU" altLang="ru-RU" dirty="0">
+                <a:solidFill>
+                  <a:srgbClr val="FFFFFF"/>
+                </a:solidFill>
+                <a:latin typeface="Verdana" panose="020B0604030504040204" pitchFamily="34" charset="0"/>
+              </a:rPr>
+              <a:t>);</a:t>
+            </a:r>
+            <a:br>
+              <a:rPr lang="ru-RU" altLang="ru-RU" dirty="0">
+                <a:solidFill>
+                  <a:srgbClr val="FFFFFF"/>
+                </a:solidFill>
+                <a:latin typeface="Verdana" panose="020B0604030504040204" pitchFamily="34" charset="0"/>
+              </a:rPr>
+            </a:br>
+            <a:r>
+              <a:rPr lang="ru-RU" altLang="ru-RU" dirty="0">
+                <a:solidFill>
+                  <a:srgbClr val="FFFFFF"/>
+                </a:solidFill>
+                <a:latin typeface="Verdana" panose="020B0604030504040204" pitchFamily="34" charset="0"/>
+              </a:rPr>
+              <a:t>};</a:t>
+            </a:r>
+            <a:br>
+              <a:rPr lang="ru-RU" altLang="ru-RU" dirty="0">
+                <a:solidFill>
+                  <a:srgbClr val="FFFFFF"/>
+                </a:solidFill>
+                <a:latin typeface="Verdana" panose="020B0604030504040204" pitchFamily="34" charset="0"/>
+              </a:rPr>
+            </a:br>
+            <a:endParaRPr lang="ru-RU" altLang="ru-RU" sz="6600" dirty="0">
+              <a:solidFill>
+                <a:schemeClr val="tx1"/>
+              </a:solidFill>
+              <a:latin typeface="Arial" panose="020B0604020202020204" pitchFamily="34" charset="0"/>
+            </a:endParaRPr>
+          </a:p>
+          <a:p>
+            <a:endParaRPr lang="ru-RU" dirty="0"/>
+          </a:p>
+        </p:txBody>
+      </p:sp>
+    </p:spTree>
+    <p:extLst>
+      <p:ext uri="{BB962C8B-B14F-4D97-AF65-F5344CB8AC3E}">
+        <p14:creationId xmlns:p14="http://schemas.microsoft.com/office/powerpoint/2010/main" val="1218073368"/>
+      </p:ext>
+    </p:extLst>
+  </p:cSld>
+  <p:clrMapOvr>
+    <a:masterClrMapping/>
+  </p:clrMapOvr>
+  <p:timing>
+    <p:tnLst>
+      <p:par>
+        <p:cTn id="1" dur="indefinite" restart="never" nodeType="tmRoot"/>
+      </p:par>
+    </p:tnLst>
+  </p:timing>
+</p:sld>
+</file>
+
+<file path=ppt/slides/slide21.xml><?xml version="1.0" encoding="utf-8"?>
+<p:sld xmlns:a="http://schemas.openxmlformats.org/drawingml/2006/main" xmlns:r="http://schemas.openxmlformats.org/officeDocument/2006/relationships" xmlns:p="http://schemas.openxmlformats.org/presentationml/2006/main">
+  <p:cSld>
+    <p:spTree>
+      <p:nvGrpSpPr>
+        <p:cNvPr id="1" name=""/>
+        <p:cNvGrpSpPr/>
+        <p:nvPr/>
+      </p:nvGrpSpPr>
+      <p:grpSpPr>
+        <a:xfrm>
+          <a:off x="0" y="0"/>
+          <a:ext cx="0" cy="0"/>
+          <a:chOff x="0" y="0"/>
+          <a:chExt cx="0" cy="0"/>
+        </a:xfrm>
+      </p:grpSpPr>
+      <p:sp>
+        <p:nvSpPr>
+          <p:cNvPr id="5" name="Объект 4"/>
+          <p:cNvSpPr>
+            <a:spLocks noGrp="1"/>
+          </p:cNvSpPr>
+          <p:nvPr>
+            <p:ph idx="13"/>
+          </p:nvPr>
+        </p:nvSpPr>
+        <p:spPr/>
+        <p:txBody>
+          <a:bodyPr/>
+          <a:lstStyle/>
+          <a:p>
+            <a:pPr>
+              <a:lnSpc>
+                <a:spcPct val="130000"/>
+              </a:lnSpc>
+            </a:pPr>
+            <a:r>
+              <a:rPr lang="ru-RU" altLang="ru-RU" dirty="0" err="1">
+                <a:solidFill>
+                  <a:srgbClr val="FFFFFF"/>
+                </a:solidFill>
+                <a:latin typeface="Verdana" panose="020B0604030504040204" pitchFamily="34" charset="0"/>
+              </a:rPr>
+              <a:t>void</a:t>
+            </a:r>
+            <a:r>
+              <a:rPr lang="ru-RU" altLang="ru-RU" dirty="0">
+                <a:solidFill>
+                  <a:srgbClr val="FFFFFF"/>
+                </a:solidFill>
+                <a:latin typeface="Verdana" panose="020B0604030504040204" pitchFamily="34" charset="0"/>
+              </a:rPr>
+              <a:t> </a:t>
+            </a:r>
+            <a:r>
+              <a:rPr lang="ru-RU" altLang="ru-RU" dirty="0" err="1">
+                <a:solidFill>
+                  <a:srgbClr val="FFCC00"/>
+                </a:solidFill>
+                <a:latin typeface="Verdana" panose="020B0604030504040204" pitchFamily="34" charset="0"/>
+              </a:rPr>
+              <a:t>CommentServer</a:t>
+            </a:r>
+            <a:r>
+              <a:rPr lang="ru-RU" altLang="ru-RU" dirty="0">
+                <a:solidFill>
+                  <a:srgbClr val="FFFFFF"/>
+                </a:solidFill>
+                <a:latin typeface="Verdana" panose="020B0604030504040204" pitchFamily="34" charset="0"/>
+              </a:rPr>
+              <a:t>::</a:t>
+            </a:r>
+            <a:r>
+              <a:rPr lang="ru-RU" altLang="ru-RU" dirty="0" err="1">
+                <a:solidFill>
+                  <a:srgbClr val="FFCC00"/>
+                </a:solidFill>
+                <a:latin typeface="Verdana" panose="020B0604030504040204" pitchFamily="34" charset="0"/>
+              </a:rPr>
+              <a:t>ServeRequest</a:t>
+            </a:r>
+            <a:r>
+              <a:rPr lang="ru-RU" altLang="ru-RU" dirty="0">
+                <a:solidFill>
+                  <a:srgbClr val="FFFFFF"/>
+                </a:solidFill>
+                <a:latin typeface="Verdana" panose="020B0604030504040204" pitchFamily="34" charset="0"/>
+              </a:rPr>
+              <a:t>(</a:t>
+            </a:r>
+            <a:r>
+              <a:rPr lang="ru-RU" altLang="ru-RU" dirty="0" err="1">
+                <a:solidFill>
+                  <a:srgbClr val="FFFFFF"/>
+                </a:solidFill>
+                <a:latin typeface="Verdana" panose="020B0604030504040204" pitchFamily="34" charset="0"/>
+              </a:rPr>
+              <a:t>const</a:t>
+            </a:r>
+            <a:r>
+              <a:rPr lang="ru-RU" altLang="ru-RU" dirty="0">
+                <a:solidFill>
+                  <a:srgbClr val="FFFFFF"/>
+                </a:solidFill>
+                <a:latin typeface="Verdana" panose="020B0604030504040204" pitchFamily="34" charset="0"/>
+              </a:rPr>
+              <a:t> </a:t>
+            </a:r>
+            <a:r>
+              <a:rPr lang="ru-RU" altLang="ru-RU" dirty="0" err="1">
+                <a:solidFill>
+                  <a:srgbClr val="FFCC00"/>
+                </a:solidFill>
+                <a:latin typeface="Verdana" panose="020B0604030504040204" pitchFamily="34" charset="0"/>
+              </a:rPr>
+              <a:t>HttpRequest</a:t>
+            </a:r>
+            <a:r>
+              <a:rPr lang="ru-RU" altLang="ru-RU" dirty="0">
+                <a:solidFill>
+                  <a:srgbClr val="FFFFFF"/>
+                </a:solidFill>
+                <a:latin typeface="Verdana" panose="020B0604030504040204" pitchFamily="34" charset="0"/>
+              </a:rPr>
+              <a:t>&amp; </a:t>
+            </a:r>
+            <a:r>
+              <a:rPr lang="ru-RU" altLang="ru-RU" dirty="0" err="1">
+                <a:solidFill>
+                  <a:srgbClr val="5BCD9D"/>
+                </a:solidFill>
+                <a:latin typeface="Verdana" panose="020B0604030504040204" pitchFamily="34" charset="0"/>
+              </a:rPr>
+              <a:t>req</a:t>
+            </a:r>
+            <a:r>
+              <a:rPr lang="ru-RU" altLang="ru-RU" dirty="0">
+                <a:solidFill>
+                  <a:srgbClr val="FFFFFF"/>
+                </a:solidFill>
+                <a:latin typeface="Verdana" panose="020B0604030504040204" pitchFamily="34" charset="0"/>
+              </a:rPr>
+              <a:t>, </a:t>
+            </a:r>
+            <a:r>
+              <a:rPr lang="ru-RU" altLang="ru-RU" dirty="0" err="1">
+                <a:solidFill>
+                  <a:srgbClr val="9E64A9"/>
+                </a:solidFill>
+                <a:latin typeface="Verdana" panose="020B0604030504040204" pitchFamily="34" charset="0"/>
+              </a:rPr>
+              <a:t>std</a:t>
+            </a:r>
+            <a:r>
+              <a:rPr lang="ru-RU" altLang="ru-RU" dirty="0">
+                <a:solidFill>
+                  <a:srgbClr val="FFFFFF"/>
+                </a:solidFill>
+                <a:latin typeface="Verdana" panose="020B0604030504040204" pitchFamily="34" charset="0"/>
+              </a:rPr>
+              <a:t>::</a:t>
+            </a:r>
+            <a:r>
+              <a:rPr lang="ru-RU" altLang="ru-RU" dirty="0" err="1">
+                <a:solidFill>
+                  <a:srgbClr val="FFCC00"/>
+                </a:solidFill>
+                <a:latin typeface="Verdana" panose="020B0604030504040204" pitchFamily="34" charset="0"/>
+              </a:rPr>
+              <a:t>ostream</a:t>
+            </a:r>
+            <a:r>
+              <a:rPr lang="ru-RU" altLang="ru-RU" dirty="0">
+                <a:solidFill>
+                  <a:srgbClr val="FFFFFF"/>
+                </a:solidFill>
+                <a:latin typeface="Verdana" panose="020B0604030504040204" pitchFamily="34" charset="0"/>
+              </a:rPr>
+              <a:t>&amp; </a:t>
+            </a:r>
+            <a:r>
+              <a:rPr lang="ru-RU" altLang="ru-RU" dirty="0" err="1">
+                <a:solidFill>
+                  <a:srgbClr val="5BCD9D"/>
+                </a:solidFill>
+                <a:latin typeface="Verdana" panose="020B0604030504040204" pitchFamily="34" charset="0"/>
+              </a:rPr>
+              <a:t>os</a:t>
+            </a:r>
+            <a:r>
+              <a:rPr lang="ru-RU" altLang="ru-RU" dirty="0">
+                <a:solidFill>
+                  <a:srgbClr val="FFFFFF"/>
+                </a:solidFill>
+                <a:latin typeface="Verdana" panose="020B0604030504040204" pitchFamily="34" charset="0"/>
+              </a:rPr>
+              <a:t>) {</a:t>
+            </a:r>
+            <a:br>
+              <a:rPr lang="ru-RU" altLang="ru-RU" dirty="0">
+                <a:solidFill>
+                  <a:srgbClr val="FFFFFF"/>
+                </a:solidFill>
+                <a:latin typeface="Verdana" panose="020B0604030504040204" pitchFamily="34" charset="0"/>
+              </a:rPr>
+            </a:br>
+            <a:r>
+              <a:rPr lang="ru-RU" altLang="ru-RU" dirty="0">
+                <a:solidFill>
+                  <a:srgbClr val="FFFFFF"/>
+                </a:solidFill>
+                <a:latin typeface="Verdana" panose="020B0604030504040204" pitchFamily="34" charset="0"/>
+              </a:rPr>
+              <a:t>    </a:t>
+            </a:r>
+            <a:r>
+              <a:rPr lang="ru-RU" altLang="ru-RU" dirty="0" err="1">
+                <a:solidFill>
+                  <a:srgbClr val="FFFFFF"/>
+                </a:solidFill>
+                <a:latin typeface="Verdana" panose="020B0604030504040204" pitchFamily="34" charset="0"/>
+              </a:rPr>
+              <a:t>if</a:t>
+            </a:r>
+            <a:r>
+              <a:rPr lang="ru-RU" altLang="ru-RU" dirty="0">
+                <a:solidFill>
+                  <a:srgbClr val="FFFFFF"/>
+                </a:solidFill>
+                <a:latin typeface="Verdana" panose="020B0604030504040204" pitchFamily="34" charset="0"/>
+              </a:rPr>
+              <a:t> (</a:t>
+            </a:r>
+            <a:r>
+              <a:rPr lang="ru-RU" altLang="ru-RU" dirty="0" err="1">
+                <a:solidFill>
+                  <a:srgbClr val="5BCD9D"/>
+                </a:solidFill>
+                <a:latin typeface="Verdana" panose="020B0604030504040204" pitchFamily="34" charset="0"/>
+              </a:rPr>
+              <a:t>req</a:t>
+            </a:r>
+            <a:r>
+              <a:rPr lang="ru-RU" altLang="ru-RU" dirty="0" err="1">
+                <a:solidFill>
+                  <a:srgbClr val="FFFFFF"/>
+                </a:solidFill>
+                <a:latin typeface="Verdana" panose="020B0604030504040204" pitchFamily="34" charset="0"/>
+              </a:rPr>
+              <a:t>.</a:t>
+            </a:r>
+            <a:r>
+              <a:rPr lang="ru-RU" altLang="ru-RU" dirty="0" err="1">
+                <a:solidFill>
+                  <a:srgbClr val="5BCD9D"/>
+                </a:solidFill>
+                <a:latin typeface="Verdana" panose="020B0604030504040204" pitchFamily="34" charset="0"/>
+              </a:rPr>
+              <a:t>method</a:t>
+            </a:r>
+            <a:r>
+              <a:rPr lang="ru-RU" altLang="ru-RU" dirty="0">
+                <a:solidFill>
+                  <a:srgbClr val="5BCD9D"/>
+                </a:solidFill>
+                <a:latin typeface="Verdana" panose="020B0604030504040204" pitchFamily="34" charset="0"/>
+              </a:rPr>
+              <a:t> </a:t>
+            </a:r>
+            <a:r>
+              <a:rPr lang="ru-RU" altLang="ru-RU" dirty="0">
+                <a:solidFill>
+                  <a:srgbClr val="FFFFFF"/>
+                </a:solidFill>
+                <a:latin typeface="Verdana" panose="020B0604030504040204" pitchFamily="34" charset="0"/>
+              </a:rPr>
+              <a:t>== </a:t>
+            </a:r>
+            <a:r>
+              <a:rPr lang="ru-RU" altLang="ru-RU" dirty="0">
+                <a:solidFill>
+                  <a:srgbClr val="72C3E0"/>
+                </a:solidFill>
+                <a:latin typeface="Verdana" panose="020B0604030504040204" pitchFamily="34" charset="0"/>
+              </a:rPr>
+              <a:t>"POST"</a:t>
+            </a:r>
+            <a:r>
+              <a:rPr lang="ru-RU" altLang="ru-RU" dirty="0">
+                <a:solidFill>
+                  <a:srgbClr val="FFFFFF"/>
+                </a:solidFill>
+                <a:latin typeface="Verdana" panose="020B0604030504040204" pitchFamily="34" charset="0"/>
+              </a:rPr>
+              <a:t>) {</a:t>
+            </a:r>
+            <a:br>
+              <a:rPr lang="ru-RU" altLang="ru-RU" dirty="0">
+                <a:solidFill>
+                  <a:srgbClr val="FFFFFF"/>
+                </a:solidFill>
+                <a:latin typeface="Verdana" panose="020B0604030504040204" pitchFamily="34" charset="0"/>
+              </a:rPr>
+            </a:br>
+            <a:r>
+              <a:rPr lang="ru-RU" altLang="ru-RU" dirty="0">
+                <a:solidFill>
+                  <a:srgbClr val="FFFFFF"/>
+                </a:solidFill>
+                <a:latin typeface="Verdana" panose="020B0604030504040204" pitchFamily="34" charset="0"/>
+              </a:rPr>
+              <a:t>        </a:t>
+            </a:r>
+            <a:r>
+              <a:rPr lang="ru-RU" altLang="ru-RU" dirty="0" err="1">
+                <a:solidFill>
+                  <a:srgbClr val="FFFFFF"/>
+                </a:solidFill>
+                <a:latin typeface="Verdana" panose="020B0604030504040204" pitchFamily="34" charset="0"/>
+              </a:rPr>
+              <a:t>if</a:t>
+            </a:r>
+            <a:r>
+              <a:rPr lang="ru-RU" altLang="ru-RU" dirty="0">
+                <a:solidFill>
+                  <a:srgbClr val="FFFFFF"/>
+                </a:solidFill>
+                <a:latin typeface="Verdana" panose="020B0604030504040204" pitchFamily="34" charset="0"/>
+              </a:rPr>
+              <a:t> (</a:t>
+            </a:r>
+            <a:r>
+              <a:rPr lang="ru-RU" altLang="ru-RU" dirty="0" err="1">
+                <a:solidFill>
+                  <a:srgbClr val="5BCD9D"/>
+                </a:solidFill>
+                <a:latin typeface="Verdana" panose="020B0604030504040204" pitchFamily="34" charset="0"/>
+              </a:rPr>
+              <a:t>req</a:t>
+            </a:r>
+            <a:r>
+              <a:rPr lang="ru-RU" altLang="ru-RU" dirty="0" err="1">
+                <a:solidFill>
+                  <a:srgbClr val="FFFFFF"/>
+                </a:solidFill>
+                <a:latin typeface="Verdana" panose="020B0604030504040204" pitchFamily="34" charset="0"/>
+              </a:rPr>
+              <a:t>.</a:t>
+            </a:r>
+            <a:r>
+              <a:rPr lang="ru-RU" altLang="ru-RU" dirty="0" err="1">
+                <a:solidFill>
+                  <a:srgbClr val="5BCD9D"/>
+                </a:solidFill>
+                <a:latin typeface="Verdana" panose="020B0604030504040204" pitchFamily="34" charset="0"/>
+              </a:rPr>
+              <a:t>path</a:t>
+            </a:r>
+            <a:r>
+              <a:rPr lang="ru-RU" altLang="ru-RU" dirty="0">
+                <a:solidFill>
+                  <a:srgbClr val="5BCD9D"/>
+                </a:solidFill>
+                <a:latin typeface="Verdana" panose="020B0604030504040204" pitchFamily="34" charset="0"/>
+              </a:rPr>
+              <a:t> </a:t>
+            </a:r>
+            <a:r>
+              <a:rPr lang="ru-RU" altLang="ru-RU" dirty="0">
+                <a:solidFill>
+                  <a:srgbClr val="FFFFFF"/>
+                </a:solidFill>
+                <a:latin typeface="Verdana" panose="020B0604030504040204" pitchFamily="34" charset="0"/>
+              </a:rPr>
+              <a:t>== </a:t>
+            </a:r>
+            <a:r>
+              <a:rPr lang="ru-RU" altLang="ru-RU" dirty="0">
+                <a:solidFill>
+                  <a:srgbClr val="72C3E0"/>
+                </a:solidFill>
+                <a:latin typeface="Verdana" panose="020B0604030504040204" pitchFamily="34" charset="0"/>
+              </a:rPr>
+              <a:t>"/</a:t>
+            </a:r>
+            <a:r>
+              <a:rPr lang="ru-RU" altLang="ru-RU" dirty="0" err="1">
+                <a:solidFill>
+                  <a:srgbClr val="72C3E0"/>
+                </a:solidFill>
+                <a:latin typeface="Verdana" panose="020B0604030504040204" pitchFamily="34" charset="0"/>
+              </a:rPr>
+              <a:t>add_user</a:t>
+            </a:r>
+            <a:r>
+              <a:rPr lang="ru-RU" altLang="ru-RU" dirty="0">
+                <a:solidFill>
+                  <a:srgbClr val="72C3E0"/>
+                </a:solidFill>
+                <a:latin typeface="Verdana" panose="020B0604030504040204" pitchFamily="34" charset="0"/>
+              </a:rPr>
+              <a:t>"</a:t>
+            </a:r>
+            <a:r>
+              <a:rPr lang="ru-RU" altLang="ru-RU" dirty="0">
+                <a:solidFill>
+                  <a:srgbClr val="FFFFFF"/>
+                </a:solidFill>
+                <a:latin typeface="Verdana" panose="020B0604030504040204" pitchFamily="34" charset="0"/>
+              </a:rPr>
+              <a:t>) {</a:t>
+            </a:r>
+            <a:br>
+              <a:rPr lang="ru-RU" altLang="ru-RU" dirty="0">
+                <a:solidFill>
+                  <a:srgbClr val="FFFFFF"/>
+                </a:solidFill>
+                <a:latin typeface="Verdana" panose="020B0604030504040204" pitchFamily="34" charset="0"/>
+              </a:rPr>
+            </a:br>
+            <a:r>
+              <a:rPr lang="ru-RU" altLang="ru-RU" dirty="0">
+                <a:solidFill>
+                  <a:srgbClr val="FFFFFF"/>
+                </a:solidFill>
+                <a:latin typeface="Verdana" panose="020B0604030504040204" pitchFamily="34" charset="0"/>
+              </a:rPr>
+              <a:t>            </a:t>
+            </a:r>
+            <a:r>
+              <a:rPr lang="ru-RU" altLang="ru-RU" dirty="0" err="1">
+                <a:solidFill>
+                  <a:srgbClr val="5BCD9D"/>
+                </a:solidFill>
+                <a:latin typeface="Verdana" panose="020B0604030504040204" pitchFamily="34" charset="0"/>
+              </a:rPr>
+              <a:t>comments</a:t>
+            </a:r>
+            <a:r>
+              <a:rPr lang="ru-RU" altLang="ru-RU" dirty="0">
+                <a:solidFill>
+                  <a:srgbClr val="5BCD9D"/>
+                </a:solidFill>
+                <a:latin typeface="Verdana" panose="020B0604030504040204" pitchFamily="34" charset="0"/>
+              </a:rPr>
+              <a:t>_</a:t>
+            </a:r>
+            <a:r>
+              <a:rPr lang="ru-RU" altLang="ru-RU" dirty="0">
+                <a:solidFill>
+                  <a:srgbClr val="FFFFFF"/>
+                </a:solidFill>
+                <a:latin typeface="Verdana" panose="020B0604030504040204" pitchFamily="34" charset="0"/>
+              </a:rPr>
+              <a:t>.</a:t>
+            </a:r>
+            <a:r>
+              <a:rPr lang="ru-RU" altLang="ru-RU" dirty="0" err="1">
+                <a:solidFill>
+                  <a:srgbClr val="FFCC00"/>
+                </a:solidFill>
+                <a:latin typeface="Verdana" panose="020B0604030504040204" pitchFamily="34" charset="0"/>
+              </a:rPr>
+              <a:t>emplace_back</a:t>
+            </a:r>
+            <a:r>
+              <a:rPr lang="ru-RU" altLang="ru-RU" dirty="0">
+                <a:solidFill>
+                  <a:srgbClr val="FFFFFF"/>
+                </a:solidFill>
+                <a:latin typeface="Verdana" panose="020B0604030504040204" pitchFamily="34" charset="0"/>
+              </a:rPr>
+              <a:t>();</a:t>
+            </a:r>
+            <a:br>
+              <a:rPr lang="ru-RU" altLang="ru-RU" dirty="0">
+                <a:solidFill>
+                  <a:srgbClr val="FFFFFF"/>
+                </a:solidFill>
+                <a:latin typeface="Verdana" panose="020B0604030504040204" pitchFamily="34" charset="0"/>
+              </a:rPr>
+            </a:br>
+            <a:r>
+              <a:rPr lang="ru-RU" altLang="ru-RU" dirty="0" smtClean="0">
+                <a:solidFill>
+                  <a:srgbClr val="FFFFFF"/>
+                </a:solidFill>
+                <a:latin typeface="Verdana" panose="020B0604030504040204" pitchFamily="34" charset="0"/>
+              </a:rPr>
+              <a:t/>
+            </a:r>
+            <a:br>
+              <a:rPr lang="ru-RU" altLang="ru-RU" dirty="0" smtClean="0">
+                <a:solidFill>
+                  <a:srgbClr val="FFFFFF"/>
+                </a:solidFill>
+                <a:latin typeface="Verdana" panose="020B0604030504040204" pitchFamily="34" charset="0"/>
+              </a:rPr>
+            </a:br>
+            <a:r>
+              <a:rPr lang="ru-RU" altLang="ru-RU" dirty="0" smtClean="0">
+                <a:solidFill>
+                  <a:srgbClr val="FFFFFF"/>
+                </a:solidFill>
+                <a:latin typeface="Verdana" panose="020B0604030504040204" pitchFamily="34" charset="0"/>
+              </a:rPr>
+              <a:t/>
+            </a:r>
+            <a:br>
+              <a:rPr lang="ru-RU" altLang="ru-RU" dirty="0" smtClean="0">
+                <a:solidFill>
+                  <a:srgbClr val="FFFFFF"/>
+                </a:solidFill>
+                <a:latin typeface="Verdana" panose="020B0604030504040204" pitchFamily="34" charset="0"/>
+              </a:rPr>
+            </a:br>
+            <a:r>
+              <a:rPr lang="ru-RU" altLang="ru-RU" dirty="0">
+                <a:solidFill>
+                  <a:srgbClr val="FFFFFF"/>
+                </a:solidFill>
+                <a:latin typeface="Verdana" panose="020B0604030504040204" pitchFamily="34" charset="0"/>
+              </a:rPr>
+              <a:t/>
+            </a:r>
+            <a:br>
+              <a:rPr lang="ru-RU" altLang="ru-RU" dirty="0">
+                <a:solidFill>
+                  <a:srgbClr val="FFFFFF"/>
+                </a:solidFill>
+                <a:latin typeface="Verdana" panose="020B0604030504040204" pitchFamily="34" charset="0"/>
+              </a:rPr>
+            </a:br>
+            <a:r>
+              <a:rPr lang="ru-RU" altLang="ru-RU" dirty="0">
+                <a:solidFill>
+                  <a:srgbClr val="FFFFFF"/>
+                </a:solidFill>
+                <a:latin typeface="Verdana" panose="020B0604030504040204" pitchFamily="34" charset="0"/>
+              </a:rPr>
+              <a:t>        } </a:t>
+            </a:r>
+            <a:r>
+              <a:rPr lang="ru-RU" altLang="ru-RU" dirty="0" err="1">
+                <a:solidFill>
+                  <a:srgbClr val="FFFFFF"/>
+                </a:solidFill>
+                <a:latin typeface="Verdana" panose="020B0604030504040204" pitchFamily="34" charset="0"/>
+              </a:rPr>
+              <a:t>else</a:t>
+            </a:r>
+            <a:r>
+              <a:rPr lang="ru-RU" altLang="ru-RU" dirty="0">
+                <a:solidFill>
+                  <a:srgbClr val="FFFFFF"/>
+                </a:solidFill>
+                <a:latin typeface="Verdana" panose="020B0604030504040204" pitchFamily="34" charset="0"/>
+              </a:rPr>
+              <a:t> </a:t>
+            </a:r>
+            <a:r>
+              <a:rPr lang="ru-RU" altLang="ru-RU" dirty="0" err="1">
+                <a:solidFill>
+                  <a:srgbClr val="FFFFFF"/>
+                </a:solidFill>
+                <a:latin typeface="Verdana" panose="020B0604030504040204" pitchFamily="34" charset="0"/>
+              </a:rPr>
+              <a:t>if</a:t>
+            </a:r>
+            <a:r>
+              <a:rPr lang="ru-RU" altLang="ru-RU" dirty="0">
+                <a:solidFill>
+                  <a:srgbClr val="FFFFFF"/>
+                </a:solidFill>
+                <a:latin typeface="Verdana" panose="020B0604030504040204" pitchFamily="34" charset="0"/>
+              </a:rPr>
+              <a:t> (</a:t>
+            </a:r>
+            <a:r>
+              <a:rPr lang="ru-RU" altLang="ru-RU" dirty="0" err="1">
+                <a:solidFill>
+                  <a:srgbClr val="5BCD9D"/>
+                </a:solidFill>
+                <a:latin typeface="Verdana" panose="020B0604030504040204" pitchFamily="34" charset="0"/>
+              </a:rPr>
+              <a:t>req</a:t>
+            </a:r>
+            <a:r>
+              <a:rPr lang="ru-RU" altLang="ru-RU" dirty="0" err="1">
+                <a:solidFill>
+                  <a:srgbClr val="FFFFFF"/>
+                </a:solidFill>
+                <a:latin typeface="Verdana" panose="020B0604030504040204" pitchFamily="34" charset="0"/>
+              </a:rPr>
+              <a:t>.</a:t>
+            </a:r>
+            <a:r>
+              <a:rPr lang="ru-RU" altLang="ru-RU" dirty="0" err="1">
+                <a:solidFill>
+                  <a:srgbClr val="5BCD9D"/>
+                </a:solidFill>
+                <a:latin typeface="Verdana" panose="020B0604030504040204" pitchFamily="34" charset="0"/>
+              </a:rPr>
+              <a:t>path</a:t>
+            </a:r>
+            <a:r>
+              <a:rPr lang="ru-RU" altLang="ru-RU" dirty="0">
+                <a:solidFill>
+                  <a:srgbClr val="5BCD9D"/>
+                </a:solidFill>
+                <a:latin typeface="Verdana" panose="020B0604030504040204" pitchFamily="34" charset="0"/>
+              </a:rPr>
+              <a:t> </a:t>
+            </a:r>
+            <a:r>
+              <a:rPr lang="ru-RU" altLang="ru-RU" dirty="0">
+                <a:solidFill>
+                  <a:srgbClr val="FFFFFF"/>
+                </a:solidFill>
+                <a:latin typeface="Verdana" panose="020B0604030504040204" pitchFamily="34" charset="0"/>
+              </a:rPr>
+              <a:t>== </a:t>
+            </a:r>
+            <a:r>
+              <a:rPr lang="ru-RU" altLang="ru-RU" dirty="0">
+                <a:solidFill>
+                  <a:srgbClr val="72C3E0"/>
+                </a:solidFill>
+                <a:latin typeface="Verdana" panose="020B0604030504040204" pitchFamily="34" charset="0"/>
+              </a:rPr>
+              <a:t>"/</a:t>
+            </a:r>
+            <a:r>
+              <a:rPr lang="ru-RU" altLang="ru-RU" dirty="0" err="1">
+                <a:solidFill>
+                  <a:srgbClr val="72C3E0"/>
+                </a:solidFill>
+                <a:latin typeface="Verdana" panose="020B0604030504040204" pitchFamily="34" charset="0"/>
+              </a:rPr>
+              <a:t>add_comment</a:t>
+            </a:r>
+            <a:r>
+              <a:rPr lang="ru-RU" altLang="ru-RU" dirty="0">
+                <a:solidFill>
+                  <a:srgbClr val="72C3E0"/>
+                </a:solidFill>
+                <a:latin typeface="Verdana" panose="020B0604030504040204" pitchFamily="34" charset="0"/>
+              </a:rPr>
+              <a:t>"</a:t>
+            </a:r>
+            <a:r>
+              <a:rPr lang="ru-RU" altLang="ru-RU" dirty="0">
+                <a:solidFill>
+                  <a:srgbClr val="FFFFFF"/>
+                </a:solidFill>
+                <a:latin typeface="Verdana" panose="020B0604030504040204" pitchFamily="34" charset="0"/>
+              </a:rPr>
+              <a:t>) {</a:t>
+            </a:r>
+            <a:br>
+              <a:rPr lang="ru-RU" altLang="ru-RU" dirty="0">
+                <a:solidFill>
+                  <a:srgbClr val="FFFFFF"/>
+                </a:solidFill>
+                <a:latin typeface="Verdana" panose="020B0604030504040204" pitchFamily="34" charset="0"/>
+              </a:rPr>
+            </a:br>
+            <a:r>
+              <a:rPr lang="ru-RU" altLang="ru-RU" dirty="0">
+                <a:solidFill>
+                  <a:srgbClr val="FFFFFF"/>
+                </a:solidFill>
+                <a:latin typeface="Verdana" panose="020B0604030504040204" pitchFamily="34" charset="0"/>
+              </a:rPr>
+              <a:t>            </a:t>
+            </a:r>
+            <a:r>
+              <a:rPr lang="ru-RU" altLang="ru-RU" dirty="0" err="1">
+                <a:solidFill>
+                  <a:srgbClr val="FFFFFF"/>
+                </a:solidFill>
+                <a:latin typeface="Verdana" panose="020B0604030504040204" pitchFamily="34" charset="0"/>
+              </a:rPr>
+              <a:t>auto</a:t>
+            </a:r>
+            <a:r>
+              <a:rPr lang="ru-RU" altLang="ru-RU" dirty="0">
+                <a:solidFill>
+                  <a:srgbClr val="FFFFFF"/>
+                </a:solidFill>
+                <a:latin typeface="Verdana" panose="020B0604030504040204" pitchFamily="34" charset="0"/>
+              </a:rPr>
+              <a:t> [</a:t>
+            </a:r>
+            <a:r>
+              <a:rPr lang="ru-RU" altLang="ru-RU" dirty="0" err="1">
+                <a:solidFill>
+                  <a:srgbClr val="FFCC00"/>
+                </a:solidFill>
+                <a:latin typeface="Verdana" panose="020B0604030504040204" pitchFamily="34" charset="0"/>
+              </a:rPr>
+              <a:t>user_id</a:t>
+            </a:r>
+            <a:r>
+              <a:rPr lang="ru-RU" altLang="ru-RU" dirty="0">
+                <a:solidFill>
+                  <a:srgbClr val="FFFFFF"/>
+                </a:solidFill>
+                <a:latin typeface="Verdana" panose="020B0604030504040204" pitchFamily="34" charset="0"/>
+              </a:rPr>
+              <a:t>, </a:t>
+            </a:r>
+            <a:r>
+              <a:rPr lang="ru-RU" altLang="ru-RU" dirty="0" err="1">
+                <a:solidFill>
+                  <a:srgbClr val="FFCC00"/>
+                </a:solidFill>
+                <a:latin typeface="Verdana" panose="020B0604030504040204" pitchFamily="34" charset="0"/>
+              </a:rPr>
+              <a:t>comment</a:t>
+            </a:r>
+            <a:r>
+              <a:rPr lang="ru-RU" altLang="ru-RU" dirty="0">
+                <a:solidFill>
+                  <a:srgbClr val="FFFFFF"/>
+                </a:solidFill>
+                <a:latin typeface="Verdana" panose="020B0604030504040204" pitchFamily="34" charset="0"/>
+              </a:rPr>
+              <a:t>] = </a:t>
+            </a:r>
+            <a:r>
+              <a:rPr lang="ru-RU" altLang="ru-RU" dirty="0" err="1">
+                <a:solidFill>
+                  <a:srgbClr val="FFCC00"/>
+                </a:solidFill>
+                <a:latin typeface="Verdana" panose="020B0604030504040204" pitchFamily="34" charset="0"/>
+              </a:rPr>
+              <a:t>ParseIdAndComment</a:t>
+            </a:r>
+            <a:r>
+              <a:rPr lang="ru-RU" altLang="ru-RU" dirty="0">
+                <a:solidFill>
+                  <a:srgbClr val="FFFFFF"/>
+                </a:solidFill>
+                <a:latin typeface="Verdana" panose="020B0604030504040204" pitchFamily="34" charset="0"/>
+              </a:rPr>
+              <a:t>(</a:t>
+            </a:r>
+            <a:r>
+              <a:rPr lang="ru-RU" altLang="ru-RU" dirty="0" err="1">
+                <a:solidFill>
+                  <a:srgbClr val="5BCD9D"/>
+                </a:solidFill>
+                <a:latin typeface="Verdana" panose="020B0604030504040204" pitchFamily="34" charset="0"/>
+              </a:rPr>
+              <a:t>req</a:t>
+            </a:r>
+            <a:r>
+              <a:rPr lang="ru-RU" altLang="ru-RU" dirty="0" err="1">
+                <a:solidFill>
+                  <a:srgbClr val="FFFFFF"/>
+                </a:solidFill>
+                <a:latin typeface="Verdana" panose="020B0604030504040204" pitchFamily="34" charset="0"/>
+              </a:rPr>
+              <a:t>.</a:t>
+            </a:r>
+            <a:r>
+              <a:rPr lang="ru-RU" altLang="ru-RU" dirty="0" err="1">
+                <a:solidFill>
+                  <a:srgbClr val="5BCD9D"/>
+                </a:solidFill>
+                <a:latin typeface="Verdana" panose="020B0604030504040204" pitchFamily="34" charset="0"/>
+              </a:rPr>
+              <a:t>body</a:t>
+            </a:r>
+            <a:r>
+              <a:rPr lang="ru-RU" altLang="ru-RU" dirty="0">
+                <a:solidFill>
+                  <a:srgbClr val="FFFFFF"/>
+                </a:solidFill>
+                <a:latin typeface="Verdana" panose="020B0604030504040204" pitchFamily="34" charset="0"/>
+              </a:rPr>
+              <a:t>);</a:t>
+            </a:r>
+            <a:br>
+              <a:rPr lang="ru-RU" altLang="ru-RU" dirty="0">
+                <a:solidFill>
+                  <a:srgbClr val="FFFFFF"/>
+                </a:solidFill>
+                <a:latin typeface="Verdana" panose="020B0604030504040204" pitchFamily="34" charset="0"/>
+              </a:rPr>
+            </a:br>
+            <a:r>
+              <a:rPr lang="ru-RU" altLang="ru-RU" dirty="0">
+                <a:solidFill>
+                  <a:srgbClr val="FFFFFF"/>
+                </a:solidFill>
+                <a:latin typeface="Verdana" panose="020B0604030504040204" pitchFamily="34" charset="0"/>
+              </a:rPr>
+              <a:t>            </a:t>
+            </a:r>
+            <a:r>
+              <a:rPr lang="ru-RU" altLang="ru-RU" dirty="0" err="1">
+                <a:solidFill>
+                  <a:srgbClr val="5BCD9D"/>
+                </a:solidFill>
+                <a:latin typeface="Verdana" panose="020B0604030504040204" pitchFamily="34" charset="0"/>
+              </a:rPr>
+              <a:t>comments</a:t>
+            </a:r>
+            <a:r>
+              <a:rPr lang="ru-RU" altLang="ru-RU" dirty="0">
+                <a:solidFill>
+                  <a:srgbClr val="5BCD9D"/>
+                </a:solidFill>
+                <a:latin typeface="Verdana" panose="020B0604030504040204" pitchFamily="34" charset="0"/>
+              </a:rPr>
+              <a:t>_</a:t>
+            </a:r>
+            <a:r>
+              <a:rPr lang="ru-RU" altLang="ru-RU" dirty="0">
+                <a:solidFill>
+                  <a:srgbClr val="FFFFFF"/>
+                </a:solidFill>
+                <a:latin typeface="Verdana" panose="020B0604030504040204" pitchFamily="34" charset="0"/>
+              </a:rPr>
+              <a:t>[</a:t>
+            </a:r>
+            <a:r>
+              <a:rPr lang="ru-RU" altLang="ru-RU" dirty="0" err="1">
+                <a:solidFill>
+                  <a:srgbClr val="FFCC00"/>
+                </a:solidFill>
+                <a:latin typeface="Verdana" panose="020B0604030504040204" pitchFamily="34" charset="0"/>
+              </a:rPr>
+              <a:t>user_id</a:t>
+            </a:r>
+            <a:r>
+              <a:rPr lang="ru-RU" altLang="ru-RU" dirty="0">
+                <a:solidFill>
+                  <a:srgbClr val="FFFFFF"/>
+                </a:solidFill>
+                <a:latin typeface="Verdana" panose="020B0604030504040204" pitchFamily="34" charset="0"/>
+              </a:rPr>
+              <a:t>].</a:t>
+            </a:r>
+            <a:r>
+              <a:rPr lang="ru-RU" altLang="ru-RU" dirty="0" err="1">
+                <a:solidFill>
+                  <a:srgbClr val="FFCC00"/>
+                </a:solidFill>
+                <a:latin typeface="Verdana" panose="020B0604030504040204" pitchFamily="34" charset="0"/>
+              </a:rPr>
+              <a:t>push_back</a:t>
+            </a:r>
+            <a:r>
+              <a:rPr lang="ru-RU" altLang="ru-RU" dirty="0">
+                <a:solidFill>
+                  <a:srgbClr val="FFFFFF"/>
+                </a:solidFill>
+                <a:latin typeface="Verdana" panose="020B0604030504040204" pitchFamily="34" charset="0"/>
+              </a:rPr>
+              <a:t>(</a:t>
+            </a:r>
+            <a:r>
+              <a:rPr lang="ru-RU" altLang="ru-RU" dirty="0" err="1">
+                <a:solidFill>
+                  <a:srgbClr val="FFCC00"/>
+                </a:solidFill>
+                <a:latin typeface="Verdana" panose="020B0604030504040204" pitchFamily="34" charset="0"/>
+              </a:rPr>
+              <a:t>comment</a:t>
+            </a:r>
+            <a:r>
+              <a:rPr lang="ru-RU" altLang="ru-RU" dirty="0">
+                <a:solidFill>
+                  <a:srgbClr val="FFFFFF"/>
+                </a:solidFill>
+                <a:latin typeface="Verdana" panose="020B0604030504040204" pitchFamily="34" charset="0"/>
+              </a:rPr>
+              <a:t>);</a:t>
+            </a:r>
+            <a:br>
+              <a:rPr lang="ru-RU" altLang="ru-RU" dirty="0">
+                <a:solidFill>
+                  <a:srgbClr val="FFFFFF"/>
+                </a:solidFill>
+                <a:latin typeface="Verdana" panose="020B0604030504040204" pitchFamily="34" charset="0"/>
+              </a:rPr>
+            </a:br>
+            <a:r>
+              <a:rPr lang="ru-RU" altLang="ru-RU" dirty="0" smtClean="0">
+                <a:solidFill>
+                  <a:srgbClr val="FFFFFF"/>
+                </a:solidFill>
+                <a:latin typeface="Verdana" panose="020B0604030504040204" pitchFamily="34" charset="0"/>
+              </a:rPr>
+              <a:t>            </a:t>
+            </a:r>
+            <a:r>
+              <a:rPr lang="ru-RU" altLang="ru-RU" dirty="0">
+                <a:solidFill>
+                  <a:srgbClr val="FFFFFF"/>
+                </a:solidFill>
+                <a:latin typeface="Verdana" panose="020B0604030504040204" pitchFamily="34" charset="0"/>
+              </a:rPr>
+              <a:t/>
+            </a:r>
+            <a:br>
+              <a:rPr lang="ru-RU" altLang="ru-RU" dirty="0">
+                <a:solidFill>
+                  <a:srgbClr val="FFFFFF"/>
+                </a:solidFill>
+                <a:latin typeface="Verdana" panose="020B0604030504040204" pitchFamily="34" charset="0"/>
+              </a:rPr>
+            </a:br>
+            <a:r>
+              <a:rPr lang="ru-RU" altLang="ru-RU" dirty="0">
+                <a:solidFill>
+                  <a:srgbClr val="FFFFFF"/>
+                </a:solidFill>
+                <a:latin typeface="Verdana" panose="020B0604030504040204" pitchFamily="34" charset="0"/>
+              </a:rPr>
+              <a:t>        } </a:t>
+            </a:r>
+            <a:r>
+              <a:rPr lang="ru-RU" altLang="ru-RU" dirty="0" err="1">
+                <a:solidFill>
+                  <a:srgbClr val="FFFFFF"/>
+                </a:solidFill>
+                <a:latin typeface="Verdana" panose="020B0604030504040204" pitchFamily="34" charset="0"/>
+              </a:rPr>
+              <a:t>else</a:t>
+            </a:r>
+            <a:r>
+              <a:rPr lang="ru-RU" altLang="ru-RU" dirty="0">
+                <a:solidFill>
+                  <a:srgbClr val="FFFFFF"/>
+                </a:solidFill>
+                <a:latin typeface="Verdana" panose="020B0604030504040204" pitchFamily="34" charset="0"/>
+              </a:rPr>
+              <a:t> {</a:t>
+            </a:r>
+            <a:br>
+              <a:rPr lang="ru-RU" altLang="ru-RU" dirty="0">
+                <a:solidFill>
+                  <a:srgbClr val="FFFFFF"/>
+                </a:solidFill>
+                <a:latin typeface="Verdana" panose="020B0604030504040204" pitchFamily="34" charset="0"/>
+              </a:rPr>
+            </a:br>
+            <a:r>
+              <a:rPr lang="ru-RU" altLang="ru-RU" dirty="0">
+                <a:solidFill>
+                  <a:srgbClr val="FFFFFF"/>
+                </a:solidFill>
+                <a:latin typeface="Verdana" panose="020B0604030504040204" pitchFamily="34" charset="0"/>
+              </a:rPr>
+              <a:t>            </a:t>
+            </a:r>
+            <a:br>
+              <a:rPr lang="ru-RU" altLang="ru-RU" dirty="0">
+                <a:solidFill>
+                  <a:srgbClr val="FFFFFF"/>
+                </a:solidFill>
+                <a:latin typeface="Verdana" panose="020B0604030504040204" pitchFamily="34" charset="0"/>
+              </a:rPr>
+            </a:br>
+            <a:r>
+              <a:rPr lang="ru-RU" altLang="ru-RU" dirty="0">
+                <a:solidFill>
+                  <a:srgbClr val="FFFFFF"/>
+                </a:solidFill>
+                <a:latin typeface="Verdana" panose="020B0604030504040204" pitchFamily="34" charset="0"/>
+              </a:rPr>
+              <a:t>        }</a:t>
+            </a:r>
+            <a:br>
+              <a:rPr lang="ru-RU" altLang="ru-RU" dirty="0">
+                <a:solidFill>
+                  <a:srgbClr val="FFFFFF"/>
+                </a:solidFill>
+                <a:latin typeface="Verdana" panose="020B0604030504040204" pitchFamily="34" charset="0"/>
+              </a:rPr>
+            </a:br>
+            <a:endParaRPr lang="ru-RU" altLang="ru-RU" sz="6600" dirty="0">
+              <a:solidFill>
+                <a:schemeClr val="tx1"/>
+              </a:solidFill>
+              <a:latin typeface="Arial" panose="020B0604020202020204" pitchFamily="34" charset="0"/>
+            </a:endParaRPr>
+          </a:p>
+          <a:p>
+            <a:endParaRPr lang="ru-RU" dirty="0"/>
+          </a:p>
+        </p:txBody>
+      </p:sp>
+      <p:sp>
+        <p:nvSpPr>
+          <p:cNvPr id="8" name="TextBox 7"/>
+          <p:cNvSpPr txBox="1"/>
+          <p:nvPr/>
+        </p:nvSpPr>
+        <p:spPr>
+          <a:xfrm>
+            <a:off x="2933723" y="6381812"/>
+            <a:ext cx="20586700" cy="646331"/>
+          </a:xfrm>
+          <a:prstGeom prst="rect">
+            <a:avLst/>
+          </a:prstGeom>
+          <a:noFill/>
+        </p:spPr>
+        <p:txBody>
+          <a:bodyPr wrap="square" rtlCol="0">
+            <a:spAutoFit/>
+          </a:bodyPr>
+          <a:lstStyle/>
+          <a:p>
+            <a:pPr lvl="0" defTabSz="914400" eaLnBrk="0" fontAlgn="base" hangingPunct="0">
+              <a:spcBef>
+                <a:spcPct val="0"/>
+              </a:spcBef>
+              <a:spcAft>
+                <a:spcPct val="0"/>
+              </a:spcAft>
+            </a:pPr>
+            <a:r>
+              <a:rPr lang="ru-RU" altLang="ru-RU" dirty="0" err="1">
+                <a:solidFill>
+                  <a:srgbClr val="5BCD9D"/>
+                </a:solidFill>
+                <a:latin typeface="Verdana" panose="020B0604030504040204" pitchFamily="34" charset="0"/>
+              </a:rPr>
+              <a:t>os</a:t>
+            </a:r>
+            <a:r>
+              <a:rPr lang="ru-RU" altLang="ru-RU" dirty="0">
+                <a:solidFill>
+                  <a:srgbClr val="5BCD9D"/>
+                </a:solidFill>
+                <a:latin typeface="Verdana" panose="020B0604030504040204" pitchFamily="34" charset="0"/>
+              </a:rPr>
+              <a:t> </a:t>
+            </a:r>
+            <a:r>
+              <a:rPr lang="ru-RU" altLang="ru-RU" dirty="0">
+                <a:solidFill>
+                  <a:srgbClr val="FFFFFF"/>
+                </a:solidFill>
+                <a:latin typeface="Verdana" panose="020B0604030504040204" pitchFamily="34" charset="0"/>
+              </a:rPr>
+              <a:t>&lt;&lt; </a:t>
+            </a:r>
+            <a:r>
+              <a:rPr lang="ru-RU" altLang="ru-RU" dirty="0" err="1">
+                <a:solidFill>
+                  <a:srgbClr val="FFCC00"/>
+                </a:solidFill>
+                <a:latin typeface="Verdana" panose="020B0604030504040204" pitchFamily="34" charset="0"/>
+              </a:rPr>
+              <a:t>HttpResponse</a:t>
+            </a:r>
+            <a:r>
+              <a:rPr lang="ru-RU" altLang="ru-RU" dirty="0">
+                <a:solidFill>
+                  <a:srgbClr val="FFFFFF"/>
+                </a:solidFill>
+                <a:latin typeface="Verdana" panose="020B0604030504040204" pitchFamily="34" charset="0"/>
+              </a:rPr>
+              <a:t>(</a:t>
+            </a:r>
+            <a:r>
+              <a:rPr lang="ru-RU" altLang="ru-RU" dirty="0" err="1">
+                <a:solidFill>
+                  <a:srgbClr val="FFCC00"/>
+                </a:solidFill>
+                <a:latin typeface="Verdana" panose="020B0604030504040204" pitchFamily="34" charset="0"/>
+              </a:rPr>
+              <a:t>HttpCode</a:t>
+            </a:r>
+            <a:r>
+              <a:rPr lang="ru-RU" altLang="ru-RU" dirty="0">
+                <a:solidFill>
+                  <a:srgbClr val="FFFFFF"/>
+                </a:solidFill>
+                <a:latin typeface="Verdana" panose="020B0604030504040204" pitchFamily="34" charset="0"/>
+              </a:rPr>
+              <a:t>::</a:t>
+            </a:r>
+            <a:r>
+              <a:rPr lang="ru-RU" altLang="ru-RU" dirty="0">
+                <a:solidFill>
+                  <a:srgbClr val="5BCD9D"/>
+                </a:solidFill>
+                <a:latin typeface="Verdana" panose="020B0604030504040204" pitchFamily="34" charset="0"/>
+              </a:rPr>
+              <a:t>OK</a:t>
+            </a:r>
+            <a:r>
+              <a:rPr lang="ru-RU" altLang="ru-RU" dirty="0">
+                <a:solidFill>
+                  <a:srgbClr val="FFFFFF"/>
+                </a:solidFill>
+                <a:latin typeface="Verdana" panose="020B0604030504040204" pitchFamily="34" charset="0"/>
+              </a:rPr>
+              <a:t>).</a:t>
+            </a:r>
+            <a:r>
+              <a:rPr lang="ru-RU" altLang="ru-RU" dirty="0" err="1">
+                <a:solidFill>
+                  <a:srgbClr val="FFCC00"/>
+                </a:solidFill>
+                <a:latin typeface="Verdana" panose="020B0604030504040204" pitchFamily="34" charset="0"/>
+              </a:rPr>
+              <a:t>SetContent</a:t>
+            </a:r>
+            <a:r>
+              <a:rPr lang="ru-RU" altLang="ru-RU" dirty="0">
+                <a:solidFill>
+                  <a:srgbClr val="FFFFFF"/>
+                </a:solidFill>
+                <a:latin typeface="Verdana" panose="020B0604030504040204" pitchFamily="34" charset="0"/>
+              </a:rPr>
+              <a:t>(</a:t>
+            </a:r>
+            <a:r>
+              <a:rPr lang="ru-RU" altLang="ru-RU" dirty="0" err="1">
+                <a:solidFill>
+                  <a:srgbClr val="9E64A9"/>
+                </a:solidFill>
+                <a:latin typeface="Verdana" panose="020B0604030504040204" pitchFamily="34" charset="0"/>
+              </a:rPr>
+              <a:t>std</a:t>
+            </a:r>
+            <a:r>
+              <a:rPr lang="ru-RU" altLang="ru-RU" dirty="0">
+                <a:solidFill>
+                  <a:srgbClr val="FFFFFF"/>
+                </a:solidFill>
+                <a:latin typeface="Verdana" panose="020B0604030504040204" pitchFamily="34" charset="0"/>
+              </a:rPr>
+              <a:t>::</a:t>
+            </a:r>
+            <a:r>
+              <a:rPr lang="ru-RU" altLang="ru-RU" dirty="0" err="1">
+                <a:solidFill>
+                  <a:srgbClr val="FFCC00"/>
+                </a:solidFill>
+                <a:latin typeface="Verdana" panose="020B0604030504040204" pitchFamily="34" charset="0"/>
+              </a:rPr>
+              <a:t>to_string</a:t>
+            </a:r>
+            <a:r>
+              <a:rPr lang="ru-RU" altLang="ru-RU" dirty="0">
+                <a:solidFill>
+                  <a:srgbClr val="FFFFFF"/>
+                </a:solidFill>
+                <a:latin typeface="Verdana" panose="020B0604030504040204" pitchFamily="34" charset="0"/>
+              </a:rPr>
+              <a:t>(</a:t>
+            </a:r>
+            <a:r>
+              <a:rPr lang="ru-RU" altLang="ru-RU" dirty="0" err="1">
+                <a:solidFill>
+                  <a:srgbClr val="5BCD9D"/>
+                </a:solidFill>
+                <a:latin typeface="Verdana" panose="020B0604030504040204" pitchFamily="34" charset="0"/>
+              </a:rPr>
+              <a:t>comments</a:t>
+            </a:r>
+            <a:r>
+              <a:rPr lang="ru-RU" altLang="ru-RU" dirty="0">
+                <a:solidFill>
+                  <a:srgbClr val="5BCD9D"/>
+                </a:solidFill>
+                <a:latin typeface="Verdana" panose="020B0604030504040204" pitchFamily="34" charset="0"/>
+              </a:rPr>
+              <a:t>_</a:t>
+            </a:r>
+            <a:r>
+              <a:rPr lang="ru-RU" altLang="ru-RU" dirty="0">
+                <a:solidFill>
+                  <a:srgbClr val="FFFFFF"/>
+                </a:solidFill>
+                <a:latin typeface="Verdana" panose="020B0604030504040204" pitchFamily="34" charset="0"/>
+              </a:rPr>
+              <a:t>.</a:t>
+            </a:r>
+            <a:r>
+              <a:rPr lang="ru-RU" altLang="ru-RU" dirty="0" err="1">
+                <a:solidFill>
+                  <a:srgbClr val="FFCC00"/>
+                </a:solidFill>
+                <a:latin typeface="Verdana" panose="020B0604030504040204" pitchFamily="34" charset="0"/>
+              </a:rPr>
+              <a:t>size</a:t>
+            </a:r>
+            <a:r>
+              <a:rPr lang="ru-RU" altLang="ru-RU" dirty="0">
+                <a:solidFill>
+                  <a:srgbClr val="FFFFFF"/>
+                </a:solidFill>
+                <a:latin typeface="Verdana" panose="020B0604030504040204" pitchFamily="34" charset="0"/>
+              </a:rPr>
+              <a:t>() - </a:t>
+            </a:r>
+            <a:r>
+              <a:rPr lang="ru-RU" altLang="ru-RU" dirty="0">
+                <a:solidFill>
+                  <a:srgbClr val="6897BB"/>
+                </a:solidFill>
+                <a:latin typeface="Verdana" panose="020B0604030504040204" pitchFamily="34" charset="0"/>
+              </a:rPr>
+              <a:t>1</a:t>
+            </a:r>
+            <a:r>
+              <a:rPr lang="ru-RU" altLang="ru-RU" dirty="0">
+                <a:solidFill>
+                  <a:srgbClr val="FFFFFF"/>
+                </a:solidFill>
+                <a:latin typeface="Verdana" panose="020B0604030504040204" pitchFamily="34" charset="0"/>
+              </a:rPr>
+              <a:t>));</a:t>
+            </a:r>
+            <a:endParaRPr lang="ru-RU" altLang="ru-RU" sz="6600" dirty="0">
+              <a:latin typeface="Arial" panose="020B0604020202020204" pitchFamily="34" charset="0"/>
+            </a:endParaRPr>
+          </a:p>
+        </p:txBody>
+      </p:sp>
+      <p:sp>
+        <p:nvSpPr>
+          <p:cNvPr id="2" name="Заголовок 1"/>
+          <p:cNvSpPr>
+            <a:spLocks noGrp="1"/>
+          </p:cNvSpPr>
+          <p:nvPr>
+            <p:ph type="title"/>
+          </p:nvPr>
+        </p:nvSpPr>
+        <p:spPr/>
+        <p:txBody>
+          <a:bodyPr/>
+          <a:lstStyle/>
+          <a:p>
+            <a:r>
+              <a:rPr lang="ru-RU" dirty="0"/>
+              <a:t>Второй шаг – внедряем интерфейс</a:t>
+            </a:r>
+          </a:p>
+        </p:txBody>
+      </p:sp>
+      <p:sp>
+        <p:nvSpPr>
+          <p:cNvPr id="3" name="Нижний колонтитул 2"/>
+          <p:cNvSpPr>
+            <a:spLocks noGrp="1"/>
+          </p:cNvSpPr>
+          <p:nvPr>
+            <p:ph type="ftr" sz="quarter" idx="11"/>
+          </p:nvPr>
+        </p:nvSpPr>
+        <p:spPr/>
+        <p:txBody>
+          <a:bodyPr/>
+          <a:lstStyle/>
+          <a:p>
+            <a:endParaRPr lang="ru-RU" dirty="0">
+              <a:solidFill>
+                <a:srgbClr val="000000"/>
+              </a:solidFill>
+            </a:endParaRPr>
+          </a:p>
+        </p:txBody>
+      </p:sp>
+      <p:sp>
+        <p:nvSpPr>
+          <p:cNvPr id="4" name="Номер слайда 3"/>
+          <p:cNvSpPr>
+            <a:spLocks noGrp="1"/>
+          </p:cNvSpPr>
+          <p:nvPr>
+            <p:ph type="sldNum" sz="quarter" idx="12"/>
+          </p:nvPr>
+        </p:nvSpPr>
+        <p:spPr/>
+        <p:txBody>
+          <a:bodyPr/>
+          <a:lstStyle/>
+          <a:p>
+            <a:fld id="{741C03D3-FA44-40EC-9A21-1FC4FEA3E22E}" type="slidenum">
+              <a:rPr lang="ru-RU" smtClean="0">
+                <a:solidFill>
+                  <a:srgbClr val="000000"/>
+                </a:solidFill>
+              </a:rPr>
+              <a:pPr/>
+              <a:t>21</a:t>
+            </a:fld>
+            <a:endParaRPr lang="ru-RU">
+              <a:solidFill>
+                <a:srgbClr val="000000"/>
+              </a:solidFill>
+            </a:endParaRPr>
+          </a:p>
+        </p:txBody>
+      </p:sp>
+      <p:sp>
+        <p:nvSpPr>
+          <p:cNvPr id="7" name="TextBox 6"/>
+          <p:cNvSpPr txBox="1"/>
+          <p:nvPr/>
+        </p:nvSpPr>
+        <p:spPr>
+          <a:xfrm>
+            <a:off x="2933723" y="6336000"/>
+            <a:ext cx="13355981" cy="2252924"/>
+          </a:xfrm>
+          <a:prstGeom prst="rect">
+            <a:avLst/>
+          </a:prstGeom>
+          <a:noFill/>
+        </p:spPr>
+        <p:txBody>
+          <a:bodyPr wrap="square" rtlCol="0">
+            <a:spAutoFit/>
+          </a:bodyPr>
+          <a:lstStyle/>
+          <a:p>
+            <a:pPr>
+              <a:lnSpc>
+                <a:spcPct val="130000"/>
+              </a:lnSpc>
+            </a:pPr>
+            <a:r>
+              <a:rPr lang="ru-RU" altLang="ru-RU" dirty="0" err="1">
+                <a:solidFill>
+                  <a:srgbClr val="FFCC00"/>
+                </a:solidFill>
+                <a:latin typeface="Verdana" panose="020B0604030504040204" pitchFamily="34" charset="0"/>
+                <a:ea typeface="Verdana" charset="0"/>
+                <a:cs typeface="Verdana" charset="0"/>
+              </a:rPr>
+              <a:t>HttpResponse</a:t>
+            </a:r>
+            <a:r>
+              <a:rPr lang="ru-RU" altLang="ru-RU" dirty="0">
+                <a:solidFill>
+                  <a:srgbClr val="FFCC00"/>
+                </a:solidFill>
+                <a:latin typeface="Verdana" panose="020B0604030504040204" pitchFamily="34" charset="0"/>
+                <a:ea typeface="Verdana" charset="0"/>
+                <a:cs typeface="Verdana" charset="0"/>
+              </a:rPr>
+              <a:t> </a:t>
+            </a:r>
+            <a:r>
+              <a:rPr lang="ru-RU" altLang="ru-RU" dirty="0" err="1">
+                <a:solidFill>
+                  <a:srgbClr val="5BCD9D"/>
+                </a:solidFill>
+                <a:latin typeface="Verdana" panose="020B0604030504040204" pitchFamily="34" charset="0"/>
+                <a:ea typeface="Verdana" charset="0"/>
+                <a:cs typeface="Verdana" charset="0"/>
+              </a:rPr>
+              <a:t>resp</a:t>
+            </a:r>
+            <a:r>
+              <a:rPr lang="ru-RU" altLang="ru-RU" dirty="0">
+                <a:solidFill>
+                  <a:srgbClr val="FFFFFF"/>
+                </a:solidFill>
+                <a:latin typeface="Verdana" panose="020B0604030504040204" pitchFamily="34" charset="0"/>
+                <a:ea typeface="Verdana" charset="0"/>
+                <a:cs typeface="Verdana" charset="0"/>
+              </a:rPr>
+              <a:t>(</a:t>
+            </a:r>
+            <a:r>
+              <a:rPr lang="ru-RU" altLang="ru-RU" dirty="0">
+                <a:solidFill>
+                  <a:srgbClr val="6897BB"/>
+                </a:solidFill>
+                <a:latin typeface="Verdana" panose="020B0604030504040204" pitchFamily="34" charset="0"/>
+                <a:ea typeface="Verdana" charset="0"/>
+                <a:cs typeface="Verdana" charset="0"/>
+              </a:rPr>
+              <a:t>200</a:t>
+            </a:r>
+            <a:r>
+              <a:rPr lang="ru-RU" altLang="ru-RU" dirty="0" smtClean="0">
+                <a:solidFill>
+                  <a:srgbClr val="FFFFFF"/>
+                </a:solidFill>
+                <a:latin typeface="Verdana" panose="020B0604030504040204" pitchFamily="34" charset="0"/>
+                <a:ea typeface="Verdana" charset="0"/>
+                <a:cs typeface="Verdana" charset="0"/>
+              </a:rPr>
+              <a:t>);</a:t>
+            </a:r>
+            <a:endParaRPr lang="en-US" altLang="ru-RU" dirty="0" smtClean="0">
+              <a:solidFill>
+                <a:srgbClr val="FFFFFF"/>
+              </a:solidFill>
+              <a:latin typeface="Verdana" panose="020B0604030504040204" pitchFamily="34" charset="0"/>
+              <a:ea typeface="Verdana" charset="0"/>
+              <a:cs typeface="Verdana" charset="0"/>
+            </a:endParaRPr>
+          </a:p>
+          <a:p>
+            <a:pPr>
+              <a:lnSpc>
+                <a:spcPct val="130000"/>
+              </a:lnSpc>
+            </a:pPr>
+            <a:r>
+              <a:rPr lang="ru-RU" altLang="ru-RU" dirty="0" err="1">
+                <a:solidFill>
+                  <a:srgbClr val="5BCD9D"/>
+                </a:solidFill>
+                <a:latin typeface="Verdana" panose="020B0604030504040204" pitchFamily="34" charset="0"/>
+                <a:ea typeface="Verdana" charset="0"/>
+                <a:cs typeface="Verdana" charset="0"/>
+              </a:rPr>
+              <a:t>resp</a:t>
+            </a:r>
+            <a:r>
+              <a:rPr lang="ru-RU" altLang="ru-RU" dirty="0" err="1">
+                <a:solidFill>
+                  <a:srgbClr val="FFFFFF"/>
+                </a:solidFill>
+                <a:latin typeface="Verdana" panose="020B0604030504040204" pitchFamily="34" charset="0"/>
+                <a:ea typeface="Verdana" charset="0"/>
+                <a:cs typeface="Verdana" charset="0"/>
+              </a:rPr>
+              <a:t>.</a:t>
+            </a:r>
+            <a:r>
+              <a:rPr lang="ru-RU" altLang="ru-RU" dirty="0" err="1">
+                <a:solidFill>
+                  <a:srgbClr val="FFCC00"/>
+                </a:solidFill>
+                <a:latin typeface="Verdana" panose="020B0604030504040204" pitchFamily="34" charset="0"/>
+                <a:ea typeface="Verdana" charset="0"/>
+                <a:cs typeface="Verdana" charset="0"/>
+              </a:rPr>
+              <a:t>SetContent</a:t>
+            </a:r>
+            <a:r>
+              <a:rPr lang="ru-RU" altLang="ru-RU" dirty="0">
+                <a:solidFill>
+                  <a:srgbClr val="FFFFFF"/>
+                </a:solidFill>
+                <a:latin typeface="Verdana" panose="020B0604030504040204" pitchFamily="34" charset="0"/>
+                <a:ea typeface="Verdana" charset="0"/>
+                <a:cs typeface="Verdana" charset="0"/>
+              </a:rPr>
+              <a:t>(</a:t>
+            </a:r>
+            <a:r>
+              <a:rPr lang="ru-RU" altLang="ru-RU" dirty="0" err="1">
+                <a:solidFill>
+                  <a:srgbClr val="9E64A9"/>
+                </a:solidFill>
+                <a:latin typeface="Verdana" panose="020B0604030504040204" pitchFamily="34" charset="0"/>
+                <a:ea typeface="Verdana" charset="0"/>
+                <a:cs typeface="Verdana" charset="0"/>
+              </a:rPr>
+              <a:t>std</a:t>
+            </a:r>
+            <a:r>
+              <a:rPr lang="ru-RU" altLang="ru-RU" dirty="0">
+                <a:solidFill>
+                  <a:srgbClr val="FFFFFF"/>
+                </a:solidFill>
+                <a:latin typeface="Verdana" panose="020B0604030504040204" pitchFamily="34" charset="0"/>
+                <a:ea typeface="Verdana" charset="0"/>
+                <a:cs typeface="Verdana" charset="0"/>
+              </a:rPr>
+              <a:t>::</a:t>
+            </a:r>
+            <a:r>
+              <a:rPr lang="ru-RU" altLang="ru-RU" dirty="0" err="1">
+                <a:solidFill>
+                  <a:srgbClr val="FFCC00"/>
+                </a:solidFill>
+                <a:latin typeface="Verdana" panose="020B0604030504040204" pitchFamily="34" charset="0"/>
+                <a:ea typeface="Verdana" charset="0"/>
+                <a:cs typeface="Verdana" charset="0"/>
+              </a:rPr>
+              <a:t>to_string</a:t>
+            </a:r>
+            <a:r>
+              <a:rPr lang="ru-RU" altLang="ru-RU" dirty="0">
+                <a:solidFill>
+                  <a:srgbClr val="FFFFFF"/>
+                </a:solidFill>
+                <a:latin typeface="Verdana" panose="020B0604030504040204" pitchFamily="34" charset="0"/>
+                <a:ea typeface="Verdana" charset="0"/>
+                <a:cs typeface="Verdana" charset="0"/>
+              </a:rPr>
+              <a:t>(</a:t>
+            </a:r>
+            <a:r>
+              <a:rPr lang="ru-RU" altLang="ru-RU" dirty="0" err="1">
+                <a:solidFill>
+                  <a:srgbClr val="5BCD9D"/>
+                </a:solidFill>
+                <a:latin typeface="Verdana" panose="020B0604030504040204" pitchFamily="34" charset="0"/>
+                <a:ea typeface="Verdana" charset="0"/>
+                <a:cs typeface="Verdana" charset="0"/>
+              </a:rPr>
+              <a:t>comments</a:t>
+            </a:r>
+            <a:r>
+              <a:rPr lang="ru-RU" altLang="ru-RU" dirty="0">
+                <a:solidFill>
+                  <a:srgbClr val="5BCD9D"/>
+                </a:solidFill>
+                <a:latin typeface="Verdana" panose="020B0604030504040204" pitchFamily="34" charset="0"/>
+                <a:ea typeface="Verdana" charset="0"/>
+                <a:cs typeface="Verdana" charset="0"/>
+              </a:rPr>
+              <a:t>_</a:t>
+            </a:r>
+            <a:r>
+              <a:rPr lang="ru-RU" altLang="ru-RU" dirty="0">
+                <a:solidFill>
+                  <a:srgbClr val="FFFFFF"/>
+                </a:solidFill>
+                <a:latin typeface="Verdana" panose="020B0604030504040204" pitchFamily="34" charset="0"/>
+                <a:ea typeface="Verdana" charset="0"/>
+                <a:cs typeface="Verdana" charset="0"/>
+              </a:rPr>
+              <a:t>.</a:t>
+            </a:r>
+            <a:r>
+              <a:rPr lang="ru-RU" altLang="ru-RU" dirty="0" err="1">
+                <a:solidFill>
+                  <a:srgbClr val="FFCC00"/>
+                </a:solidFill>
+                <a:latin typeface="Verdana" panose="020B0604030504040204" pitchFamily="34" charset="0"/>
+                <a:ea typeface="Verdana" charset="0"/>
+                <a:cs typeface="Verdana" charset="0"/>
+              </a:rPr>
+              <a:t>size</a:t>
+            </a:r>
+            <a:r>
+              <a:rPr lang="ru-RU" altLang="ru-RU" dirty="0">
+                <a:solidFill>
+                  <a:srgbClr val="FFFFFF"/>
+                </a:solidFill>
+                <a:latin typeface="Verdana" panose="020B0604030504040204" pitchFamily="34" charset="0"/>
+                <a:ea typeface="Verdana" charset="0"/>
+                <a:cs typeface="Verdana" charset="0"/>
+              </a:rPr>
+              <a:t>() - </a:t>
+            </a:r>
+            <a:r>
+              <a:rPr lang="ru-RU" altLang="ru-RU" dirty="0">
+                <a:solidFill>
+                  <a:srgbClr val="6897BB"/>
+                </a:solidFill>
+                <a:latin typeface="Verdana" panose="020B0604030504040204" pitchFamily="34" charset="0"/>
+                <a:ea typeface="Verdana" charset="0"/>
+                <a:cs typeface="Verdana" charset="0"/>
+              </a:rPr>
+              <a:t>1</a:t>
+            </a:r>
+            <a:r>
+              <a:rPr lang="ru-RU" altLang="ru-RU" dirty="0" smtClean="0">
+                <a:solidFill>
+                  <a:srgbClr val="FFFFFF"/>
+                </a:solidFill>
+                <a:latin typeface="Verdana" panose="020B0604030504040204" pitchFamily="34" charset="0"/>
+                <a:ea typeface="Verdana" charset="0"/>
+                <a:cs typeface="Verdana" charset="0"/>
+              </a:rPr>
+              <a:t>));</a:t>
+            </a:r>
+            <a:endParaRPr lang="en-US" altLang="ru-RU" dirty="0" smtClean="0">
+              <a:solidFill>
+                <a:srgbClr val="FFFFFF"/>
+              </a:solidFill>
+              <a:latin typeface="Verdana" panose="020B0604030504040204" pitchFamily="34" charset="0"/>
+              <a:ea typeface="Verdana" charset="0"/>
+              <a:cs typeface="Verdana" charset="0"/>
+            </a:endParaRPr>
+          </a:p>
+          <a:p>
+            <a:pPr>
+              <a:lnSpc>
+                <a:spcPct val="130000"/>
+              </a:lnSpc>
+            </a:pPr>
+            <a:r>
+              <a:rPr lang="ru-RU" altLang="ru-RU" dirty="0" err="1">
+                <a:solidFill>
+                  <a:srgbClr val="5BCD9D"/>
+                </a:solidFill>
+                <a:latin typeface="Verdana" panose="020B0604030504040204" pitchFamily="34" charset="0"/>
+                <a:ea typeface="Verdana" charset="0"/>
+                <a:cs typeface="Verdana" charset="0"/>
+              </a:rPr>
+              <a:t>os</a:t>
+            </a:r>
+            <a:r>
+              <a:rPr lang="ru-RU" altLang="ru-RU" dirty="0">
+                <a:solidFill>
+                  <a:srgbClr val="5BCD9D"/>
+                </a:solidFill>
+                <a:latin typeface="Verdana" panose="020B0604030504040204" pitchFamily="34" charset="0"/>
+                <a:ea typeface="Verdana" charset="0"/>
+                <a:cs typeface="Verdana" charset="0"/>
+              </a:rPr>
+              <a:t> </a:t>
+            </a:r>
+            <a:r>
+              <a:rPr lang="ru-RU" altLang="ru-RU" dirty="0">
+                <a:solidFill>
+                  <a:srgbClr val="FFFFFF"/>
+                </a:solidFill>
+                <a:latin typeface="Verdana" panose="020B0604030504040204" pitchFamily="34" charset="0"/>
+                <a:ea typeface="Verdana" charset="0"/>
+                <a:cs typeface="Verdana" charset="0"/>
+              </a:rPr>
+              <a:t>&lt;&lt; </a:t>
+            </a:r>
+            <a:r>
+              <a:rPr lang="ru-RU" altLang="ru-RU" dirty="0" err="1">
+                <a:solidFill>
+                  <a:srgbClr val="5BCD9D"/>
+                </a:solidFill>
+                <a:latin typeface="Verdana" panose="020B0604030504040204" pitchFamily="34" charset="0"/>
+                <a:ea typeface="Verdana" charset="0"/>
+                <a:cs typeface="Verdana" charset="0"/>
+              </a:rPr>
+              <a:t>resp</a:t>
+            </a:r>
+            <a:r>
+              <a:rPr lang="ru-RU" altLang="ru-RU" dirty="0">
+                <a:solidFill>
+                  <a:srgbClr val="FFFFFF"/>
+                </a:solidFill>
+                <a:latin typeface="Verdana" panose="020B0604030504040204" pitchFamily="34" charset="0"/>
+                <a:ea typeface="Verdana" charset="0"/>
+                <a:cs typeface="Verdana" charset="0"/>
+              </a:rPr>
+              <a:t>;</a:t>
+            </a:r>
+            <a:endParaRPr lang="ru-RU" sz="5000" dirty="0" smtClean="0">
+              <a:solidFill>
+                <a:sysClr val="windowText" lastClr="000000"/>
+              </a:solidFill>
+            </a:endParaRPr>
+          </a:p>
+        </p:txBody>
+      </p:sp>
+      <p:sp>
+        <p:nvSpPr>
+          <p:cNvPr id="10" name="TextBox 9"/>
+          <p:cNvSpPr txBox="1"/>
+          <p:nvPr/>
+        </p:nvSpPr>
+        <p:spPr>
+          <a:xfrm>
+            <a:off x="3043238" y="10674000"/>
+            <a:ext cx="6858000" cy="646331"/>
+          </a:xfrm>
+          <a:prstGeom prst="rect">
+            <a:avLst/>
+          </a:prstGeom>
+          <a:noFill/>
+        </p:spPr>
+        <p:txBody>
+          <a:bodyPr wrap="square" rtlCol="0">
+            <a:spAutoFit/>
+          </a:bodyPr>
+          <a:lstStyle/>
+          <a:p>
+            <a:pPr lvl="0" defTabSz="914400" eaLnBrk="0" fontAlgn="base" hangingPunct="0">
+              <a:spcBef>
+                <a:spcPct val="0"/>
+              </a:spcBef>
+              <a:spcAft>
+                <a:spcPct val="0"/>
+              </a:spcAft>
+            </a:pPr>
+            <a:r>
+              <a:rPr lang="ru-RU" altLang="ru-RU" dirty="0" err="1">
+                <a:solidFill>
+                  <a:srgbClr val="5BCD9D"/>
+                </a:solidFill>
+                <a:latin typeface="Verdana" panose="020B0604030504040204" pitchFamily="34" charset="0"/>
+              </a:rPr>
+              <a:t>os</a:t>
+            </a:r>
+            <a:r>
+              <a:rPr lang="ru-RU" altLang="ru-RU" dirty="0">
+                <a:solidFill>
+                  <a:srgbClr val="5BCD9D"/>
+                </a:solidFill>
+                <a:latin typeface="Verdana" panose="020B0604030504040204" pitchFamily="34" charset="0"/>
+              </a:rPr>
+              <a:t> </a:t>
+            </a:r>
+            <a:r>
+              <a:rPr lang="ru-RU" altLang="ru-RU" dirty="0">
+                <a:solidFill>
+                  <a:srgbClr val="FFFFFF"/>
+                </a:solidFill>
+                <a:latin typeface="Verdana" panose="020B0604030504040204" pitchFamily="34" charset="0"/>
+              </a:rPr>
+              <a:t>&lt;&lt; </a:t>
+            </a:r>
+            <a:r>
+              <a:rPr lang="ru-RU" altLang="ru-RU" dirty="0" err="1">
+                <a:solidFill>
+                  <a:srgbClr val="FFCC00"/>
+                </a:solidFill>
+                <a:latin typeface="Verdana" panose="020B0604030504040204" pitchFamily="34" charset="0"/>
+              </a:rPr>
+              <a:t>HttpResponse</a:t>
+            </a:r>
+            <a:r>
+              <a:rPr lang="ru-RU" altLang="ru-RU" dirty="0">
+                <a:solidFill>
+                  <a:srgbClr val="FFFFFF"/>
+                </a:solidFill>
+                <a:latin typeface="Verdana" panose="020B0604030504040204" pitchFamily="34" charset="0"/>
+              </a:rPr>
+              <a:t>(</a:t>
+            </a:r>
+            <a:r>
+              <a:rPr lang="ru-RU" altLang="ru-RU" dirty="0">
+                <a:solidFill>
+                  <a:srgbClr val="6897BB"/>
+                </a:solidFill>
+                <a:latin typeface="Verdana" panose="020B0604030504040204" pitchFamily="34" charset="0"/>
+              </a:rPr>
+              <a:t>200</a:t>
+            </a:r>
+            <a:r>
+              <a:rPr lang="ru-RU" altLang="ru-RU" dirty="0">
+                <a:solidFill>
+                  <a:srgbClr val="FFFFFF"/>
+                </a:solidFill>
+                <a:latin typeface="Verdana" panose="020B0604030504040204" pitchFamily="34" charset="0"/>
+              </a:rPr>
+              <a:t>);</a:t>
+            </a:r>
+            <a:endParaRPr lang="ru-RU" altLang="ru-RU" sz="6600" dirty="0">
+              <a:latin typeface="Arial" panose="020B0604020202020204" pitchFamily="34" charset="0"/>
+            </a:endParaRPr>
+          </a:p>
+        </p:txBody>
+      </p:sp>
+      <p:sp>
+        <p:nvSpPr>
+          <p:cNvPr id="11" name="TextBox 10"/>
+          <p:cNvSpPr txBox="1"/>
+          <p:nvPr/>
+        </p:nvSpPr>
+        <p:spPr>
+          <a:xfrm>
+            <a:off x="3032806" y="10674000"/>
+            <a:ext cx="9148763" cy="646331"/>
+          </a:xfrm>
+          <a:prstGeom prst="rect">
+            <a:avLst/>
+          </a:prstGeom>
+          <a:noFill/>
+        </p:spPr>
+        <p:txBody>
+          <a:bodyPr wrap="square" rtlCol="0">
+            <a:spAutoFit/>
+          </a:bodyPr>
+          <a:lstStyle/>
+          <a:p>
+            <a:pPr lvl="0" defTabSz="914400" eaLnBrk="0" fontAlgn="base" hangingPunct="0">
+              <a:spcBef>
+                <a:spcPct val="0"/>
+              </a:spcBef>
+              <a:spcAft>
+                <a:spcPct val="0"/>
+              </a:spcAft>
+            </a:pPr>
+            <a:r>
+              <a:rPr lang="ru-RU" altLang="ru-RU" dirty="0" err="1">
+                <a:solidFill>
+                  <a:srgbClr val="5BCD9D"/>
+                </a:solidFill>
+                <a:latin typeface="Verdana" panose="020B0604030504040204" pitchFamily="34" charset="0"/>
+              </a:rPr>
+              <a:t>os</a:t>
+            </a:r>
+            <a:r>
+              <a:rPr lang="ru-RU" altLang="ru-RU" dirty="0">
+                <a:solidFill>
+                  <a:srgbClr val="5BCD9D"/>
+                </a:solidFill>
+                <a:latin typeface="Verdana" panose="020B0604030504040204" pitchFamily="34" charset="0"/>
+              </a:rPr>
+              <a:t> </a:t>
+            </a:r>
+            <a:r>
+              <a:rPr lang="ru-RU" altLang="ru-RU" dirty="0">
+                <a:solidFill>
+                  <a:srgbClr val="FFFFFF"/>
+                </a:solidFill>
+                <a:latin typeface="Verdana" panose="020B0604030504040204" pitchFamily="34" charset="0"/>
+              </a:rPr>
+              <a:t>&lt;&lt; </a:t>
+            </a:r>
+            <a:r>
+              <a:rPr lang="ru-RU" altLang="ru-RU" dirty="0" err="1">
+                <a:solidFill>
+                  <a:srgbClr val="FFCC00"/>
+                </a:solidFill>
+                <a:latin typeface="Verdana" panose="020B0604030504040204" pitchFamily="34" charset="0"/>
+              </a:rPr>
+              <a:t>HttpResponse</a:t>
+            </a:r>
+            <a:r>
+              <a:rPr lang="ru-RU" altLang="ru-RU" dirty="0">
+                <a:solidFill>
+                  <a:srgbClr val="FFFFFF"/>
+                </a:solidFill>
+                <a:latin typeface="Verdana" panose="020B0604030504040204" pitchFamily="34" charset="0"/>
+              </a:rPr>
+              <a:t>(</a:t>
+            </a:r>
+            <a:r>
+              <a:rPr lang="ru-RU" altLang="ru-RU" dirty="0" err="1">
+                <a:solidFill>
+                  <a:srgbClr val="FFCC00"/>
+                </a:solidFill>
+                <a:latin typeface="Verdana" panose="020B0604030504040204" pitchFamily="34" charset="0"/>
+              </a:rPr>
+              <a:t>HttpCode</a:t>
+            </a:r>
+            <a:r>
+              <a:rPr lang="ru-RU" altLang="ru-RU" dirty="0">
+                <a:solidFill>
+                  <a:srgbClr val="FFFFFF"/>
+                </a:solidFill>
+                <a:latin typeface="Verdana" panose="020B0604030504040204" pitchFamily="34" charset="0"/>
+              </a:rPr>
+              <a:t>::</a:t>
+            </a:r>
+            <a:r>
+              <a:rPr lang="ru-RU" altLang="ru-RU" dirty="0">
+                <a:solidFill>
+                  <a:srgbClr val="5BCD9D"/>
+                </a:solidFill>
+                <a:latin typeface="Verdana" panose="020B0604030504040204" pitchFamily="34" charset="0"/>
+              </a:rPr>
+              <a:t>OK</a:t>
+            </a:r>
+            <a:r>
+              <a:rPr lang="ru-RU" altLang="ru-RU" dirty="0" smtClean="0">
+                <a:solidFill>
+                  <a:srgbClr val="FFFFFF"/>
+                </a:solidFill>
+                <a:latin typeface="Verdana" panose="020B0604030504040204" pitchFamily="34" charset="0"/>
+              </a:rPr>
+              <a:t>);</a:t>
+            </a:r>
+            <a:endParaRPr lang="ru-RU" altLang="ru-RU" sz="6600" dirty="0">
+              <a:latin typeface="Arial" panose="020B0604020202020204" pitchFamily="34" charset="0"/>
+            </a:endParaRPr>
+          </a:p>
+        </p:txBody>
+      </p:sp>
+      <p:sp>
+        <p:nvSpPr>
+          <p:cNvPr id="12" name="TextBox 11"/>
+          <p:cNvSpPr txBox="1"/>
+          <p:nvPr/>
+        </p:nvSpPr>
+        <p:spPr>
+          <a:xfrm>
+            <a:off x="3042443" y="12088681"/>
+            <a:ext cx="6477563" cy="646331"/>
+          </a:xfrm>
+          <a:prstGeom prst="rect">
+            <a:avLst/>
+          </a:prstGeom>
+          <a:noFill/>
+        </p:spPr>
+        <p:txBody>
+          <a:bodyPr wrap="square" rtlCol="0">
+            <a:spAutoFit/>
+          </a:bodyPr>
+          <a:lstStyle/>
+          <a:p>
+            <a:pPr lvl="0" defTabSz="914400" eaLnBrk="0" fontAlgn="base" hangingPunct="0">
+              <a:spcBef>
+                <a:spcPct val="0"/>
+              </a:spcBef>
+              <a:spcAft>
+                <a:spcPct val="0"/>
+              </a:spcAft>
+            </a:pPr>
+            <a:r>
+              <a:rPr lang="ru-RU" altLang="ru-RU" dirty="0" err="1">
+                <a:solidFill>
+                  <a:srgbClr val="5BCD9D"/>
+                </a:solidFill>
+                <a:latin typeface="Verdana" panose="020B0604030504040204" pitchFamily="34" charset="0"/>
+              </a:rPr>
+              <a:t>os</a:t>
+            </a:r>
+            <a:r>
+              <a:rPr lang="ru-RU" altLang="ru-RU" dirty="0">
+                <a:solidFill>
+                  <a:srgbClr val="5BCD9D"/>
+                </a:solidFill>
+                <a:latin typeface="Verdana" panose="020B0604030504040204" pitchFamily="34" charset="0"/>
+              </a:rPr>
+              <a:t> </a:t>
+            </a:r>
+            <a:r>
+              <a:rPr lang="ru-RU" altLang="ru-RU" dirty="0">
+                <a:solidFill>
+                  <a:srgbClr val="FFFFFF"/>
+                </a:solidFill>
+                <a:latin typeface="Verdana" panose="020B0604030504040204" pitchFamily="34" charset="0"/>
+              </a:rPr>
+              <a:t>&lt;&lt; </a:t>
+            </a:r>
+            <a:r>
+              <a:rPr lang="ru-RU" altLang="ru-RU" dirty="0" err="1">
+                <a:solidFill>
+                  <a:srgbClr val="FFCC00"/>
+                </a:solidFill>
+                <a:latin typeface="Verdana" panose="020B0604030504040204" pitchFamily="34" charset="0"/>
+              </a:rPr>
+              <a:t>HttpResponse</a:t>
+            </a:r>
+            <a:r>
+              <a:rPr lang="ru-RU" altLang="ru-RU" dirty="0">
+                <a:solidFill>
+                  <a:srgbClr val="FFFFFF"/>
+                </a:solidFill>
+                <a:latin typeface="Verdana" panose="020B0604030504040204" pitchFamily="34" charset="0"/>
+              </a:rPr>
+              <a:t>(</a:t>
+            </a:r>
+            <a:r>
+              <a:rPr lang="ru-RU" altLang="ru-RU" dirty="0">
+                <a:solidFill>
+                  <a:srgbClr val="6897BB"/>
+                </a:solidFill>
+                <a:latin typeface="Verdana" panose="020B0604030504040204" pitchFamily="34" charset="0"/>
+              </a:rPr>
+              <a:t>404</a:t>
+            </a:r>
+            <a:r>
+              <a:rPr lang="ru-RU" altLang="ru-RU" dirty="0">
+                <a:solidFill>
+                  <a:srgbClr val="FFFFFF"/>
+                </a:solidFill>
+                <a:latin typeface="Verdana" panose="020B0604030504040204" pitchFamily="34" charset="0"/>
+              </a:rPr>
+              <a:t>);</a:t>
+            </a:r>
+            <a:endParaRPr lang="ru-RU" altLang="ru-RU" sz="6600" dirty="0">
+              <a:latin typeface="Arial" panose="020B0604020202020204" pitchFamily="34" charset="0"/>
+            </a:endParaRPr>
+          </a:p>
+        </p:txBody>
+      </p:sp>
+      <p:sp>
+        <p:nvSpPr>
+          <p:cNvPr id="13" name="TextBox 12"/>
+          <p:cNvSpPr txBox="1"/>
+          <p:nvPr/>
+        </p:nvSpPr>
+        <p:spPr>
+          <a:xfrm>
+            <a:off x="3024000" y="12078000"/>
+            <a:ext cx="11075206" cy="646331"/>
+          </a:xfrm>
+          <a:prstGeom prst="rect">
+            <a:avLst/>
+          </a:prstGeom>
+          <a:noFill/>
+        </p:spPr>
+        <p:txBody>
+          <a:bodyPr wrap="square" rtlCol="0">
+            <a:spAutoFit/>
+          </a:bodyPr>
+          <a:lstStyle/>
+          <a:p>
+            <a:pPr lvl="0" defTabSz="914400" eaLnBrk="0" fontAlgn="base" hangingPunct="0">
+              <a:spcBef>
+                <a:spcPct val="0"/>
+              </a:spcBef>
+              <a:spcAft>
+                <a:spcPct val="0"/>
+              </a:spcAft>
+            </a:pPr>
+            <a:r>
+              <a:rPr lang="ru-RU" altLang="ru-RU" dirty="0" err="1">
+                <a:solidFill>
+                  <a:srgbClr val="5BCD9D"/>
+                </a:solidFill>
+                <a:latin typeface="Verdana" panose="020B0604030504040204" pitchFamily="34" charset="0"/>
+              </a:rPr>
+              <a:t>os</a:t>
+            </a:r>
+            <a:r>
+              <a:rPr lang="ru-RU" altLang="ru-RU" dirty="0">
+                <a:solidFill>
+                  <a:srgbClr val="5BCD9D"/>
+                </a:solidFill>
+                <a:latin typeface="Verdana" panose="020B0604030504040204" pitchFamily="34" charset="0"/>
+              </a:rPr>
+              <a:t> </a:t>
+            </a:r>
+            <a:r>
+              <a:rPr lang="ru-RU" altLang="ru-RU" dirty="0">
+                <a:solidFill>
+                  <a:srgbClr val="FFFFFF"/>
+                </a:solidFill>
+                <a:latin typeface="Verdana" panose="020B0604030504040204" pitchFamily="34" charset="0"/>
+              </a:rPr>
+              <a:t>&lt;&lt; </a:t>
+            </a:r>
+            <a:r>
+              <a:rPr lang="ru-RU" altLang="ru-RU" dirty="0" err="1">
+                <a:solidFill>
+                  <a:srgbClr val="FFCC00"/>
+                </a:solidFill>
+                <a:latin typeface="Verdana" panose="020B0604030504040204" pitchFamily="34" charset="0"/>
+              </a:rPr>
+              <a:t>HttpResponse</a:t>
+            </a:r>
+            <a:r>
+              <a:rPr lang="ru-RU" altLang="ru-RU" dirty="0">
+                <a:solidFill>
+                  <a:srgbClr val="FFFFFF"/>
+                </a:solidFill>
+                <a:latin typeface="Verdana" panose="020B0604030504040204" pitchFamily="34" charset="0"/>
+              </a:rPr>
+              <a:t>(</a:t>
+            </a:r>
+            <a:r>
+              <a:rPr lang="ru-RU" altLang="ru-RU" dirty="0" err="1">
+                <a:solidFill>
+                  <a:srgbClr val="FFCC00"/>
+                </a:solidFill>
+                <a:latin typeface="Verdana" panose="020B0604030504040204" pitchFamily="34" charset="0"/>
+              </a:rPr>
+              <a:t>HttpCode</a:t>
+            </a:r>
+            <a:r>
+              <a:rPr lang="ru-RU" altLang="ru-RU" dirty="0" smtClean="0">
+                <a:solidFill>
+                  <a:srgbClr val="FFFFFF"/>
+                </a:solidFill>
+                <a:latin typeface="Verdana" panose="020B0604030504040204" pitchFamily="34" charset="0"/>
+              </a:rPr>
+              <a:t>::</a:t>
+            </a:r>
+            <a:r>
+              <a:rPr lang="en-US" altLang="ru-RU" dirty="0" err="1">
+                <a:solidFill>
+                  <a:srgbClr val="5BCD9D"/>
+                </a:solidFill>
+                <a:latin typeface="Verdana" panose="020B0604030504040204" pitchFamily="34" charset="0"/>
+              </a:rPr>
+              <a:t>NotFound</a:t>
+            </a:r>
+            <a:r>
+              <a:rPr lang="ru-RU" altLang="ru-RU" dirty="0" smtClean="0">
+                <a:solidFill>
+                  <a:srgbClr val="FFFFFF"/>
+                </a:solidFill>
+                <a:latin typeface="Verdana" panose="020B0604030504040204" pitchFamily="34" charset="0"/>
+              </a:rPr>
+              <a:t>);</a:t>
+            </a:r>
+            <a:endParaRPr lang="ru-RU" altLang="ru-RU" sz="6600" dirty="0">
+              <a:latin typeface="Arial" panose="020B0604020202020204" pitchFamily="34" charset="0"/>
+            </a:endParaRPr>
+          </a:p>
+        </p:txBody>
+      </p:sp>
+    </p:spTree>
+    <p:extLst>
+      <p:ext uri="{BB962C8B-B14F-4D97-AF65-F5344CB8AC3E}">
+        <p14:creationId xmlns:p14="http://schemas.microsoft.com/office/powerpoint/2010/main" val="750818755"/>
+      </p:ext>
+    </p:extLst>
+  </p:cSld>
+  <p:clrMapOvr>
+    <a:masterClrMapping/>
+  </p:clrMapOvr>
+  <p:timing>
+    <p:tnLst>
+      <p:par>
+        <p:cTn id="1" dur="indefinite" restart="never" nodeType="tmRoot">
+          <p:childTnLst>
+            <p:seq concurrent="1" nextAc="seek">
+              <p:cTn id="2" dur="indefinite" nodeType="mainSeq">
+                <p:childTnLst>
+                  <p:par>
+                    <p:cTn id="3" fill="hold">
+                      <p:stCondLst>
+                        <p:cond delay="indefinite"/>
+                      </p:stCondLst>
+                      <p:childTnLst>
+                        <p:par>
+                          <p:cTn id="4" fill="hold">
+                            <p:stCondLst>
+                              <p:cond delay="0"/>
+                            </p:stCondLst>
+                            <p:childTnLst>
+                              <p:par>
+                                <p:cTn id="5" presetID="2" presetClass="entr" presetSubtype="2" fill="hold" grpId="0" nodeType="clickEffect">
+                                  <p:stCondLst>
+                                    <p:cond delay="0"/>
+                                  </p:stCondLst>
+                                  <p:childTnLst>
+                                    <p:set>
+                                      <p:cBhvr>
+                                        <p:cTn id="6" dur="1" fill="hold">
+                                          <p:stCondLst>
+                                            <p:cond delay="0"/>
+                                          </p:stCondLst>
+                                        </p:cTn>
+                                        <p:tgtEl>
+                                          <p:spTgt spid="8"/>
+                                        </p:tgtEl>
+                                        <p:attrNameLst>
+                                          <p:attrName>style.visibility</p:attrName>
+                                        </p:attrNameLst>
+                                      </p:cBhvr>
+                                      <p:to>
+                                        <p:strVal val="visible"/>
+                                      </p:to>
+                                    </p:set>
+                                    <p:anim calcmode="lin" valueType="num">
+                                      <p:cBhvr additive="base">
+                                        <p:cTn id="7" dur="500" fill="hold"/>
+                                        <p:tgtEl>
+                                          <p:spTgt spid="8"/>
+                                        </p:tgtEl>
+                                        <p:attrNameLst>
+                                          <p:attrName>ppt_x</p:attrName>
+                                        </p:attrNameLst>
+                                      </p:cBhvr>
+                                      <p:tavLst>
+                                        <p:tav tm="0">
+                                          <p:val>
+                                            <p:strVal val="1+#ppt_w/2"/>
+                                          </p:val>
+                                        </p:tav>
+                                        <p:tav tm="100000">
+                                          <p:val>
+                                            <p:strVal val="#ppt_x"/>
+                                          </p:val>
+                                        </p:tav>
+                                      </p:tavLst>
+                                    </p:anim>
+                                    <p:anim calcmode="lin" valueType="num">
+                                      <p:cBhvr additive="base">
+                                        <p:cTn id="8" dur="500" fill="hold"/>
+                                        <p:tgtEl>
+                                          <p:spTgt spid="8"/>
+                                        </p:tgtEl>
+                                        <p:attrNameLst>
+                                          <p:attrName>ppt_y</p:attrName>
+                                        </p:attrNameLst>
+                                      </p:cBhvr>
+                                      <p:tavLst>
+                                        <p:tav tm="0">
+                                          <p:val>
+                                            <p:strVal val="#ppt_y"/>
+                                          </p:val>
+                                        </p:tav>
+                                        <p:tav tm="100000">
+                                          <p:val>
+                                            <p:strVal val="#ppt_y"/>
+                                          </p:val>
+                                        </p:tav>
+                                      </p:tavLst>
+                                    </p:anim>
+                                  </p:childTnLst>
+                                </p:cTn>
+                              </p:par>
+                              <p:par>
+                                <p:cTn id="9" presetID="2" presetClass="exit" presetSubtype="8" fill="hold" grpId="0" nodeType="withEffect">
+                                  <p:stCondLst>
+                                    <p:cond delay="0"/>
+                                  </p:stCondLst>
+                                  <p:childTnLst>
+                                    <p:anim calcmode="lin" valueType="num">
+                                      <p:cBhvr additive="base">
+                                        <p:cTn id="10" dur="500"/>
+                                        <p:tgtEl>
+                                          <p:spTgt spid="7"/>
+                                        </p:tgtEl>
+                                        <p:attrNameLst>
+                                          <p:attrName>ppt_x</p:attrName>
+                                        </p:attrNameLst>
+                                      </p:cBhvr>
+                                      <p:tavLst>
+                                        <p:tav tm="0">
+                                          <p:val>
+                                            <p:strVal val="ppt_x"/>
+                                          </p:val>
+                                        </p:tav>
+                                        <p:tav tm="100000">
+                                          <p:val>
+                                            <p:strVal val="0-ppt_w/2"/>
+                                          </p:val>
+                                        </p:tav>
+                                      </p:tavLst>
+                                    </p:anim>
+                                    <p:anim calcmode="lin" valueType="num">
+                                      <p:cBhvr additive="base">
+                                        <p:cTn id="11" dur="500"/>
+                                        <p:tgtEl>
+                                          <p:spTgt spid="7"/>
+                                        </p:tgtEl>
+                                        <p:attrNameLst>
+                                          <p:attrName>ppt_y</p:attrName>
+                                        </p:attrNameLst>
+                                      </p:cBhvr>
+                                      <p:tavLst>
+                                        <p:tav tm="0">
+                                          <p:val>
+                                            <p:strVal val="ppt_y"/>
+                                          </p:val>
+                                        </p:tav>
+                                        <p:tav tm="100000">
+                                          <p:val>
+                                            <p:strVal val="ppt_y"/>
+                                          </p:val>
+                                        </p:tav>
+                                      </p:tavLst>
+                                    </p:anim>
+                                    <p:set>
+                                      <p:cBhvr>
+                                        <p:cTn id="12" dur="1" fill="hold">
+                                          <p:stCondLst>
+                                            <p:cond delay="499"/>
+                                          </p:stCondLst>
+                                        </p:cTn>
+                                        <p:tgtEl>
+                                          <p:spTgt spid="7"/>
+                                        </p:tgtEl>
+                                        <p:attrNameLst>
+                                          <p:attrName>style.visibility</p:attrName>
+                                        </p:attrNameLst>
+                                      </p:cBhvr>
+                                      <p:to>
+                                        <p:strVal val="hidden"/>
+                                      </p:to>
+                                    </p:set>
+                                  </p:childTnLst>
+                                </p:cTn>
+                              </p:par>
+                              <p:par>
+                                <p:cTn id="13" presetID="2" presetClass="exit" presetSubtype="8" fill="hold" grpId="0" nodeType="withEffect">
+                                  <p:stCondLst>
+                                    <p:cond delay="0"/>
+                                  </p:stCondLst>
+                                  <p:childTnLst>
+                                    <p:anim calcmode="lin" valueType="num">
+                                      <p:cBhvr additive="base">
+                                        <p:cTn id="14" dur="500"/>
+                                        <p:tgtEl>
+                                          <p:spTgt spid="10"/>
+                                        </p:tgtEl>
+                                        <p:attrNameLst>
+                                          <p:attrName>ppt_x</p:attrName>
+                                        </p:attrNameLst>
+                                      </p:cBhvr>
+                                      <p:tavLst>
+                                        <p:tav tm="0">
+                                          <p:val>
+                                            <p:strVal val="ppt_x"/>
+                                          </p:val>
+                                        </p:tav>
+                                        <p:tav tm="100000">
+                                          <p:val>
+                                            <p:strVal val="0-ppt_w/2"/>
+                                          </p:val>
+                                        </p:tav>
+                                      </p:tavLst>
+                                    </p:anim>
+                                    <p:anim calcmode="lin" valueType="num">
+                                      <p:cBhvr additive="base">
+                                        <p:cTn id="15" dur="500"/>
+                                        <p:tgtEl>
+                                          <p:spTgt spid="10"/>
+                                        </p:tgtEl>
+                                        <p:attrNameLst>
+                                          <p:attrName>ppt_y</p:attrName>
+                                        </p:attrNameLst>
+                                      </p:cBhvr>
+                                      <p:tavLst>
+                                        <p:tav tm="0">
+                                          <p:val>
+                                            <p:strVal val="ppt_y"/>
+                                          </p:val>
+                                        </p:tav>
+                                        <p:tav tm="100000">
+                                          <p:val>
+                                            <p:strVal val="ppt_y"/>
+                                          </p:val>
+                                        </p:tav>
+                                      </p:tavLst>
+                                    </p:anim>
+                                    <p:set>
+                                      <p:cBhvr>
+                                        <p:cTn id="16" dur="1" fill="hold">
+                                          <p:stCondLst>
+                                            <p:cond delay="499"/>
+                                          </p:stCondLst>
+                                        </p:cTn>
+                                        <p:tgtEl>
+                                          <p:spTgt spid="10"/>
+                                        </p:tgtEl>
+                                        <p:attrNameLst>
+                                          <p:attrName>style.visibility</p:attrName>
+                                        </p:attrNameLst>
+                                      </p:cBhvr>
+                                      <p:to>
+                                        <p:strVal val="hidden"/>
+                                      </p:to>
+                                    </p:set>
+                                  </p:childTnLst>
+                                </p:cTn>
+                              </p:par>
+                              <p:par>
+                                <p:cTn id="17" presetID="2" presetClass="entr" presetSubtype="2" fill="hold" grpId="0" nodeType="withEffect">
+                                  <p:stCondLst>
+                                    <p:cond delay="0"/>
+                                  </p:stCondLst>
+                                  <p:childTnLst>
+                                    <p:set>
+                                      <p:cBhvr>
+                                        <p:cTn id="18" dur="1" fill="hold">
+                                          <p:stCondLst>
+                                            <p:cond delay="0"/>
+                                          </p:stCondLst>
+                                        </p:cTn>
+                                        <p:tgtEl>
+                                          <p:spTgt spid="11"/>
+                                        </p:tgtEl>
+                                        <p:attrNameLst>
+                                          <p:attrName>style.visibility</p:attrName>
+                                        </p:attrNameLst>
+                                      </p:cBhvr>
+                                      <p:to>
+                                        <p:strVal val="visible"/>
+                                      </p:to>
+                                    </p:set>
+                                    <p:anim calcmode="lin" valueType="num">
+                                      <p:cBhvr additive="base">
+                                        <p:cTn id="19" dur="500" fill="hold"/>
+                                        <p:tgtEl>
+                                          <p:spTgt spid="11"/>
+                                        </p:tgtEl>
+                                        <p:attrNameLst>
+                                          <p:attrName>ppt_x</p:attrName>
+                                        </p:attrNameLst>
+                                      </p:cBhvr>
+                                      <p:tavLst>
+                                        <p:tav tm="0">
+                                          <p:val>
+                                            <p:strVal val="1+#ppt_w/2"/>
+                                          </p:val>
+                                        </p:tav>
+                                        <p:tav tm="100000">
+                                          <p:val>
+                                            <p:strVal val="#ppt_x"/>
+                                          </p:val>
+                                        </p:tav>
+                                      </p:tavLst>
+                                    </p:anim>
+                                    <p:anim calcmode="lin" valueType="num">
+                                      <p:cBhvr additive="base">
+                                        <p:cTn id="20" dur="500" fill="hold"/>
+                                        <p:tgtEl>
+                                          <p:spTgt spid="11"/>
+                                        </p:tgtEl>
+                                        <p:attrNameLst>
+                                          <p:attrName>ppt_y</p:attrName>
+                                        </p:attrNameLst>
+                                      </p:cBhvr>
+                                      <p:tavLst>
+                                        <p:tav tm="0">
+                                          <p:val>
+                                            <p:strVal val="#ppt_y"/>
+                                          </p:val>
+                                        </p:tav>
+                                        <p:tav tm="100000">
+                                          <p:val>
+                                            <p:strVal val="#ppt_y"/>
+                                          </p:val>
+                                        </p:tav>
+                                      </p:tavLst>
+                                    </p:anim>
+                                  </p:childTnLst>
+                                </p:cTn>
+                              </p:par>
+                              <p:par>
+                                <p:cTn id="21" presetID="2" presetClass="exit" presetSubtype="8" fill="hold" grpId="0" nodeType="withEffect">
+                                  <p:stCondLst>
+                                    <p:cond delay="0"/>
+                                  </p:stCondLst>
+                                  <p:childTnLst>
+                                    <p:anim calcmode="lin" valueType="num">
+                                      <p:cBhvr additive="base">
+                                        <p:cTn id="22" dur="500"/>
+                                        <p:tgtEl>
+                                          <p:spTgt spid="12"/>
+                                        </p:tgtEl>
+                                        <p:attrNameLst>
+                                          <p:attrName>ppt_x</p:attrName>
+                                        </p:attrNameLst>
+                                      </p:cBhvr>
+                                      <p:tavLst>
+                                        <p:tav tm="0">
+                                          <p:val>
+                                            <p:strVal val="ppt_x"/>
+                                          </p:val>
+                                        </p:tav>
+                                        <p:tav tm="100000">
+                                          <p:val>
+                                            <p:strVal val="0-ppt_w/2"/>
+                                          </p:val>
+                                        </p:tav>
+                                      </p:tavLst>
+                                    </p:anim>
+                                    <p:anim calcmode="lin" valueType="num">
+                                      <p:cBhvr additive="base">
+                                        <p:cTn id="23" dur="500"/>
+                                        <p:tgtEl>
+                                          <p:spTgt spid="12"/>
+                                        </p:tgtEl>
+                                        <p:attrNameLst>
+                                          <p:attrName>ppt_y</p:attrName>
+                                        </p:attrNameLst>
+                                      </p:cBhvr>
+                                      <p:tavLst>
+                                        <p:tav tm="0">
+                                          <p:val>
+                                            <p:strVal val="ppt_y"/>
+                                          </p:val>
+                                        </p:tav>
+                                        <p:tav tm="100000">
+                                          <p:val>
+                                            <p:strVal val="ppt_y"/>
+                                          </p:val>
+                                        </p:tav>
+                                      </p:tavLst>
+                                    </p:anim>
+                                    <p:set>
+                                      <p:cBhvr>
+                                        <p:cTn id="24" dur="1" fill="hold">
+                                          <p:stCondLst>
+                                            <p:cond delay="499"/>
+                                          </p:stCondLst>
+                                        </p:cTn>
+                                        <p:tgtEl>
+                                          <p:spTgt spid="12"/>
+                                        </p:tgtEl>
+                                        <p:attrNameLst>
+                                          <p:attrName>style.visibility</p:attrName>
+                                        </p:attrNameLst>
+                                      </p:cBhvr>
+                                      <p:to>
+                                        <p:strVal val="hidden"/>
+                                      </p:to>
+                                    </p:set>
+                                  </p:childTnLst>
+                                </p:cTn>
+                              </p:par>
+                              <p:par>
+                                <p:cTn id="25" presetID="2" presetClass="entr" presetSubtype="2" fill="hold" grpId="0" nodeType="withEffect">
+                                  <p:stCondLst>
+                                    <p:cond delay="0"/>
+                                  </p:stCondLst>
+                                  <p:childTnLst>
+                                    <p:set>
+                                      <p:cBhvr>
+                                        <p:cTn id="26" dur="1" fill="hold">
+                                          <p:stCondLst>
+                                            <p:cond delay="0"/>
+                                          </p:stCondLst>
+                                        </p:cTn>
+                                        <p:tgtEl>
+                                          <p:spTgt spid="13"/>
+                                        </p:tgtEl>
+                                        <p:attrNameLst>
+                                          <p:attrName>style.visibility</p:attrName>
+                                        </p:attrNameLst>
+                                      </p:cBhvr>
+                                      <p:to>
+                                        <p:strVal val="visible"/>
+                                      </p:to>
+                                    </p:set>
+                                    <p:anim calcmode="lin" valueType="num">
+                                      <p:cBhvr additive="base">
+                                        <p:cTn id="27" dur="500" fill="hold"/>
+                                        <p:tgtEl>
+                                          <p:spTgt spid="13"/>
+                                        </p:tgtEl>
+                                        <p:attrNameLst>
+                                          <p:attrName>ppt_x</p:attrName>
+                                        </p:attrNameLst>
+                                      </p:cBhvr>
+                                      <p:tavLst>
+                                        <p:tav tm="0">
+                                          <p:val>
+                                            <p:strVal val="1+#ppt_w/2"/>
+                                          </p:val>
+                                        </p:tav>
+                                        <p:tav tm="100000">
+                                          <p:val>
+                                            <p:strVal val="#ppt_x"/>
+                                          </p:val>
+                                        </p:tav>
+                                      </p:tavLst>
+                                    </p:anim>
+                                    <p:anim calcmode="lin" valueType="num">
+                                      <p:cBhvr additive="base">
+                                        <p:cTn id="28" dur="500" fill="hold"/>
+                                        <p:tgtEl>
+                                          <p:spTgt spid="13"/>
+                                        </p:tgtEl>
+                                        <p:attrNameLst>
+                                          <p:attrName>ppt_y</p:attrName>
+                                        </p:attrNameLst>
+                                      </p:cBhvr>
+                                      <p:tavLst>
+                                        <p:tav tm="0">
+                                          <p:val>
+                                            <p:strVal val="#ppt_y"/>
+                                          </p:val>
+                                        </p:tav>
+                                        <p:tav tm="100000">
+                                          <p:val>
+                                            <p:strVal val="#ppt_y"/>
+                                          </p:val>
+                                        </p:tav>
+                                      </p:tavLst>
+                                    </p:anim>
+                                  </p:childTnLst>
+                                </p:cTn>
+                              </p:par>
+                            </p:childTnLst>
+                          </p:cTn>
+                        </p:par>
+                      </p:childTnLst>
+                    </p:cTn>
+                  </p:par>
+                </p:childTnLst>
+              </p:cTn>
+              <p:prevCondLst>
+                <p:cond evt="onPrev" delay="0">
+                  <p:tgtEl>
+                    <p:sldTgt/>
+                  </p:tgtEl>
+                </p:cond>
+              </p:prevCondLst>
+              <p:nextCondLst>
+                <p:cond evt="onNext" delay="0">
+                  <p:tgtEl>
+                    <p:sldTgt/>
+                  </p:tgtEl>
+                </p:cond>
+              </p:nextCondLst>
+            </p:seq>
+          </p:childTnLst>
+        </p:cTn>
+      </p:par>
+    </p:tnLst>
+    <p:bldLst>
+      <p:bldP spid="8" grpId="0"/>
+      <p:bldP spid="7" grpId="0"/>
+      <p:bldP spid="10" grpId="0"/>
+      <p:bldP spid="11" grpId="0"/>
+      <p:bldP spid="12" grpId="0"/>
+      <p:bldP spid="13" grpId="0"/>
+    </p:bldLst>
+  </p:timing>
+</p:sld>
+</file>
+
+<file path=ppt/slides/slide22.xml><?xml version="1.0" encoding="utf-8"?>
+<p:sld xmlns:a="http://schemas.openxmlformats.org/drawingml/2006/main" xmlns:r="http://schemas.openxmlformats.org/officeDocument/2006/relationships" xmlns:p="http://schemas.openxmlformats.org/presentationml/2006/main">
+  <p:cSld>
+    <p:spTree>
+      <p:nvGrpSpPr>
+        <p:cNvPr id="1" name=""/>
+        <p:cNvGrpSpPr/>
+        <p:nvPr/>
+      </p:nvGrpSpPr>
+      <p:grpSpPr>
+        <a:xfrm>
+          <a:off x="0" y="0"/>
+          <a:ext cx="0" cy="0"/>
+          <a:chOff x="0" y="0"/>
+          <a:chExt cx="0" cy="0"/>
+        </a:xfrm>
+      </p:grpSpPr>
+      <p:sp>
+        <p:nvSpPr>
+          <p:cNvPr id="2" name="Заголовок 1"/>
+          <p:cNvSpPr>
+            <a:spLocks noGrp="1"/>
+          </p:cNvSpPr>
+          <p:nvPr>
+            <p:ph type="title"/>
+          </p:nvPr>
+        </p:nvSpPr>
+        <p:spPr/>
+        <p:txBody>
+          <a:bodyPr/>
+          <a:lstStyle/>
+          <a:p>
+            <a:r>
+              <a:rPr lang="ru-RU" dirty="0"/>
+              <a:t>Второй шаг – внедряем интерфейс</a:t>
+            </a:r>
+          </a:p>
+        </p:txBody>
+      </p:sp>
+      <p:sp>
+        <p:nvSpPr>
+          <p:cNvPr id="3" name="Объект 2"/>
+          <p:cNvSpPr>
+            <a:spLocks noGrp="1"/>
+          </p:cNvSpPr>
+          <p:nvPr>
+            <p:ph idx="1"/>
+          </p:nvPr>
+        </p:nvSpPr>
+        <p:spPr/>
+        <p:txBody>
+          <a:bodyPr/>
+          <a:lstStyle/>
+          <a:p>
+            <a:pPr lvl="1"/>
+            <a:r>
+              <a:rPr lang="ru-RU" dirty="0" smtClean="0"/>
+              <a:t>Внедрение позволяет </a:t>
+            </a:r>
+            <a:r>
+              <a:rPr lang="ru-RU" dirty="0"/>
+              <a:t>понять, насколько </a:t>
+            </a:r>
+            <a:r>
+              <a:rPr lang="ru-RU" dirty="0" smtClean="0"/>
+              <a:t>интерфейс подходит </a:t>
+            </a:r>
+            <a:r>
+              <a:rPr lang="ru-RU" dirty="0"/>
+              <a:t>для </a:t>
+            </a:r>
+            <a:r>
+              <a:rPr lang="ru-RU" dirty="0" smtClean="0"/>
+              <a:t>нашей задачи</a:t>
+            </a:r>
+          </a:p>
+          <a:p>
+            <a:pPr lvl="1"/>
+            <a:endParaRPr lang="ru-RU" dirty="0" smtClean="0"/>
+          </a:p>
+          <a:p>
+            <a:pPr lvl="1"/>
+            <a:r>
+              <a:rPr lang="ru-RU" dirty="0" smtClean="0"/>
+              <a:t>Мы можем сразу его исправить</a:t>
+            </a:r>
+          </a:p>
+          <a:p>
+            <a:pPr lvl="1"/>
+            <a:endParaRPr lang="ru-RU" dirty="0" smtClean="0"/>
+          </a:p>
+          <a:p>
+            <a:pPr lvl="1"/>
+            <a:r>
+              <a:rPr lang="ru-RU" dirty="0" smtClean="0"/>
+              <a:t>Откладывая реализацию, мы экономим время</a:t>
+            </a:r>
+            <a:endParaRPr lang="ru-RU" dirty="0"/>
+          </a:p>
+          <a:p>
+            <a:pPr lvl="1"/>
+            <a:endParaRPr lang="ru-RU" smtClean="0"/>
+          </a:p>
+          <a:p>
+            <a:pPr lvl="1"/>
+            <a:r>
+              <a:rPr lang="ru-RU" smtClean="0"/>
+              <a:t>В </a:t>
+            </a:r>
+            <a:r>
+              <a:rPr lang="ru-RU" dirty="0" smtClean="0"/>
+              <a:t>итоге мы </a:t>
+            </a:r>
+            <a:r>
+              <a:rPr lang="ru-RU" dirty="0"/>
+              <a:t>получаем </a:t>
+            </a:r>
+            <a:r>
+              <a:rPr lang="ru-RU" dirty="0" smtClean="0"/>
+              <a:t>наилучший интерфейс именно для </a:t>
+            </a:r>
+            <a:r>
+              <a:rPr lang="ru-RU" dirty="0"/>
+              <a:t>нашей </a:t>
+            </a:r>
+            <a:r>
+              <a:rPr lang="ru-RU" dirty="0" smtClean="0"/>
+              <a:t>задачи</a:t>
+            </a:r>
+            <a:endParaRPr lang="ru-RU" dirty="0"/>
+          </a:p>
+        </p:txBody>
+      </p:sp>
+      <p:sp>
+        <p:nvSpPr>
+          <p:cNvPr id="4" name="Нижний колонтитул 3"/>
+          <p:cNvSpPr>
+            <a:spLocks noGrp="1"/>
+          </p:cNvSpPr>
+          <p:nvPr>
+            <p:ph type="ftr" sz="quarter" idx="11"/>
+          </p:nvPr>
+        </p:nvSpPr>
+        <p:spPr/>
+        <p:txBody>
+          <a:bodyPr/>
+          <a:lstStyle/>
+          <a:p>
+            <a:endParaRPr lang="ru-RU">
+              <a:solidFill>
+                <a:srgbClr val="000000"/>
+              </a:solidFill>
+            </a:endParaRPr>
+          </a:p>
+        </p:txBody>
+      </p:sp>
+      <p:sp>
+        <p:nvSpPr>
+          <p:cNvPr id="5" name="Номер слайда 4"/>
+          <p:cNvSpPr>
+            <a:spLocks noGrp="1"/>
+          </p:cNvSpPr>
+          <p:nvPr>
+            <p:ph type="sldNum" sz="quarter" idx="12"/>
+          </p:nvPr>
+        </p:nvSpPr>
+        <p:spPr/>
+        <p:txBody>
+          <a:bodyPr/>
+          <a:lstStyle/>
+          <a:p>
+            <a:fld id="{741C03D3-FA44-40EC-9A21-1FC4FEA3E22E}" type="slidenum">
+              <a:rPr lang="ru-RU" smtClean="0">
+                <a:solidFill>
+                  <a:srgbClr val="000000"/>
+                </a:solidFill>
+              </a:rPr>
+              <a:pPr/>
+              <a:t>22</a:t>
+            </a:fld>
+            <a:endParaRPr lang="ru-RU">
+              <a:solidFill>
+                <a:srgbClr val="000000"/>
+              </a:solidFill>
+            </a:endParaRPr>
+          </a:p>
+        </p:txBody>
+      </p:sp>
+    </p:spTree>
+    <p:extLst>
+      <p:ext uri="{BB962C8B-B14F-4D97-AF65-F5344CB8AC3E}">
+        <p14:creationId xmlns:p14="http://schemas.microsoft.com/office/powerpoint/2010/main" val="3890318114"/>
+      </p:ext>
+    </p:extLst>
+  </p:cSld>
+  <p:clrMapOvr>
+    <a:masterClrMapping/>
+  </p:clrMapOvr>
+  <p:timing>
+    <p:tnLst>
+      <p:par>
+        <p:cTn id="1" dur="indefinite" restart="never" nodeType="tmRoot"/>
+      </p:par>
+    </p:tnLst>
+  </p:timing>
+</p:sld>
+</file>
+
+<file path=ppt/slides/slide23.xml><?xml version="1.0" encoding="utf-8"?>
 <p:sld xmlns:a="http://schemas.openxmlformats.org/drawingml/2006/main" xmlns:r="http://schemas.openxmlformats.org/officeDocument/2006/relationships" xmlns:p="http://schemas.openxmlformats.org/presentationml/2006/main">
   <p:cSld>
     <p:spTree>
@@ -33847,44 +38196,7 @@
 </p:sld>
 </file>
 
-<file path=ppt/slides/slide2.xml><?xml version="1.0" encoding="utf-8"?>
-<p:sld xmlns:a="http://schemas.openxmlformats.org/drawingml/2006/main" xmlns:r="http://schemas.openxmlformats.org/officeDocument/2006/relationships" xmlns:p="http://schemas.openxmlformats.org/presentationml/2006/main">
-  <p:cSld>
-    <p:spTree>
-      <p:nvGrpSpPr>
-        <p:cNvPr id="1" name=""/>
-        <p:cNvGrpSpPr/>
-        <p:nvPr/>
-      </p:nvGrpSpPr>
-      <p:grpSpPr>
-        <a:xfrm>
-          <a:off x="0" y="0"/>
-          <a:ext cx="0" cy="0"/>
-          <a:chOff x="0" y="0"/>
-          <a:chExt cx="0" cy="0"/>
-        </a:xfrm>
-      </p:grpSpPr>
-    </p:spTree>
-    <p:extLst>
-      <p:ext uri="{BB962C8B-B14F-4D97-AF65-F5344CB8AC3E}">
-        <p14:creationId xmlns:p14="http://schemas.microsoft.com/office/powerpoint/2010/main" val="1705445651"/>
-      </p:ext>
-    </p:extLst>
-  </p:cSld>
-  <p:clrMapOvr>
-    <a:masterClrMapping/>
-  </p:clrMapOvr>
-  <p:timing>
-    <p:tnLst>
-      <p:par>
-        <p:cTn id="1" dur="indefinite" restart="never" nodeType="tmRoot"/>
-      </p:par>
-    </p:tnLst>
-  </p:timing>
-</p:sld>
-</file>
-
-<file path=ppt/slides/slide20.xml><?xml version="1.0" encoding="utf-8"?>
+<file path=ppt/slides/slide24.xml><?xml version="1.0" encoding="utf-8"?>
 <p:sld xmlns:a="http://schemas.openxmlformats.org/drawingml/2006/main" xmlns:r="http://schemas.openxmlformats.org/officeDocument/2006/relationships" xmlns:p="http://schemas.openxmlformats.org/presentationml/2006/main" show="0">
   <p:cSld>
     <p:spTree>
@@ -34002,7 +38314,7 @@
                 </a:solidFill>
               </a:rPr>
               <a:pPr/>
-              <a:t>20</a:t>
+              <a:t>24</a:t>
             </a:fld>
             <a:endParaRPr lang="ru-RU">
               <a:solidFill>
@@ -34432,7 +38744,7 @@
 </p:sld>
 </file>
 
-<file path=ppt/slides/slide21.xml><?xml version="1.0" encoding="utf-8"?>
+<file path=ppt/slides/slide25.xml><?xml version="1.0" encoding="utf-8"?>
 <p:sld xmlns:a="http://schemas.openxmlformats.org/drawingml/2006/main" xmlns:r="http://schemas.openxmlformats.org/officeDocument/2006/relationships" xmlns:p="http://schemas.openxmlformats.org/presentationml/2006/main" show="0">
   <p:cSld>
     <p:spTree>
@@ -34516,7 +38828,7 @@
                 </a:solidFill>
               </a:rPr>
               <a:pPr/>
-              <a:t>21</a:t>
+              <a:t>25</a:t>
             </a:fld>
             <a:endParaRPr lang="ru-RU">
               <a:solidFill>
@@ -35746,7 +40058,7 @@
 </p:sld>
 </file>
 
-<file path=ppt/slides/slide22.xml><?xml version="1.0" encoding="utf-8"?>
+<file path=ppt/slides/slide26.xml><?xml version="1.0" encoding="utf-8"?>
 <p:sld xmlns:a="http://schemas.openxmlformats.org/drawingml/2006/main" xmlns:r="http://schemas.openxmlformats.org/officeDocument/2006/relationships" xmlns:p="http://schemas.openxmlformats.org/presentationml/2006/main" show="0">
   <p:cSld>
     <p:spTree>
@@ -35808,7 +40120,7 @@
                 </a:solidFill>
               </a:rPr>
               <a:pPr/>
-              <a:t>22</a:t>
+              <a:t>26</a:t>
             </a:fld>
             <a:endParaRPr lang="ru-RU">
               <a:solidFill>

--- a/slides.pptx
+++ b/slides.pptx
@@ -6,7 +6,7 @@
     <p:sldMasterId id="2147483735" r:id="rId2"/>
   </p:sldMasterIdLst>
   <p:notesMasterIdLst>
-    <p:notesMasterId r:id="rId29"/>
+    <p:notesMasterId r:id="rId40"/>
   </p:notesMasterIdLst>
   <p:sldIdLst>
     <p:sldId id="303" r:id="rId3"/>
@@ -31,10 +31,21 @@
     <p:sldId id="324" r:id="rId22"/>
     <p:sldId id="325" r:id="rId23"/>
     <p:sldId id="326" r:id="rId24"/>
-    <p:sldId id="300" r:id="rId25"/>
-    <p:sldId id="309" r:id="rId26"/>
-    <p:sldId id="310" r:id="rId27"/>
-    <p:sldId id="311" r:id="rId28"/>
+    <p:sldId id="327" r:id="rId25"/>
+    <p:sldId id="328" r:id="rId26"/>
+    <p:sldId id="329" r:id="rId27"/>
+    <p:sldId id="330" r:id="rId28"/>
+    <p:sldId id="331" r:id="rId29"/>
+    <p:sldId id="332" r:id="rId30"/>
+    <p:sldId id="333" r:id="rId31"/>
+    <p:sldId id="334" r:id="rId32"/>
+    <p:sldId id="335" r:id="rId33"/>
+    <p:sldId id="336" r:id="rId34"/>
+    <p:sldId id="337" r:id="rId35"/>
+    <p:sldId id="300" r:id="rId36"/>
+    <p:sldId id="309" r:id="rId37"/>
+    <p:sldId id="310" r:id="rId38"/>
+    <p:sldId id="311" r:id="rId39"/>
   </p:sldIdLst>
   <p:sldSz cx="24382413" cy="13716000"/>
   <p:notesSz cx="6858000" cy="9144000"/>
@@ -160,6 +171,17 @@
             <p14:sldId id="324"/>
             <p14:sldId id="325"/>
             <p14:sldId id="326"/>
+            <p14:sldId id="327"/>
+            <p14:sldId id="328"/>
+            <p14:sldId id="329"/>
+            <p14:sldId id="330"/>
+            <p14:sldId id="331"/>
+            <p14:sldId id="332"/>
+            <p14:sldId id="333"/>
+            <p14:sldId id="334"/>
+            <p14:sldId id="335"/>
+            <p14:sldId id="336"/>
+            <p14:sldId id="337"/>
             <p14:sldId id="300"/>
             <p14:sldId id="309"/>
             <p14:sldId id="310"/>
@@ -4928,7 +4950,7 @@
           </a:ln>
           <a:extLst>
             <a:ext uri="{C572A759-6A51-4108-AA02-DFA0A04FC94B}">
-              <ma14:wrappingTextBoxFlag xmlns:ma14="http://schemas.microsoft.com/office/mac/drawingml/2011/main" xmlns="" val="1"/>
+              <ma14:wrappingTextBoxFlag xmlns="" xmlns:ma14="http://schemas.microsoft.com/office/mac/drawingml/2011/main" val="1"/>
             </a:ext>
           </a:extLst>
         </p:spPr>
@@ -5423,7 +5445,7 @@
           </a:ln>
           <a:extLst>
             <a:ext uri="{C572A759-6A51-4108-AA02-DFA0A04FC94B}">
-              <ma14:wrappingTextBoxFlag xmlns:ma14="http://schemas.microsoft.com/office/mac/drawingml/2011/main" xmlns="" val="1"/>
+              <ma14:wrappingTextBoxFlag xmlns="" xmlns:ma14="http://schemas.microsoft.com/office/mac/drawingml/2011/main" val="1"/>
             </a:ext>
           </a:extLst>
         </p:spPr>
@@ -5569,7 +5591,7 @@
           </a:ln>
           <a:extLst>
             <a:ext uri="{C572A759-6A51-4108-AA02-DFA0A04FC94B}">
-              <ma14:wrappingTextBoxFlag xmlns:ma14="http://schemas.microsoft.com/office/mac/drawingml/2011/main" xmlns="" val="1"/>
+              <ma14:wrappingTextBoxFlag xmlns="" xmlns:ma14="http://schemas.microsoft.com/office/mac/drawingml/2011/main" val="1"/>
             </a:ext>
           </a:extLst>
         </p:spPr>
@@ -5611,7 +5633,7 @@
           </a:ln>
           <a:extLst>
             <a:ext uri="{C572A759-6A51-4108-AA02-DFA0A04FC94B}">
-              <ma14:wrappingTextBoxFlag xmlns:ma14="http://schemas.microsoft.com/office/mac/drawingml/2011/main" xmlns="" val="1"/>
+              <ma14:wrappingTextBoxFlag xmlns="" xmlns:ma14="http://schemas.microsoft.com/office/mac/drawingml/2011/main" val="1"/>
             </a:ext>
           </a:extLst>
         </p:spPr>
@@ -5807,7 +5829,7 @@
           </a:ln>
           <a:extLst>
             <a:ext uri="{C572A759-6A51-4108-AA02-DFA0A04FC94B}">
-              <ma14:wrappingTextBoxFlag xmlns:ma14="http://schemas.microsoft.com/office/mac/drawingml/2011/main" xmlns="" val="1"/>
+              <ma14:wrappingTextBoxFlag xmlns="" xmlns:ma14="http://schemas.microsoft.com/office/mac/drawingml/2011/main" val="1"/>
             </a:ext>
           </a:extLst>
         </p:spPr>
@@ -5931,7 +5953,7 @@
           </a:ln>
           <a:extLst>
             <a:ext uri="{C572A759-6A51-4108-AA02-DFA0A04FC94B}">
-              <ma14:wrappingTextBoxFlag xmlns:ma14="http://schemas.microsoft.com/office/mac/drawingml/2011/main" xmlns="" val="1"/>
+              <ma14:wrappingTextBoxFlag xmlns="" xmlns:ma14="http://schemas.microsoft.com/office/mac/drawingml/2011/main" val="1"/>
             </a:ext>
           </a:extLst>
         </p:spPr>
@@ -6025,7 +6047,7 @@
           </a:ln>
           <a:extLst>
             <a:ext uri="{C572A759-6A51-4108-AA02-DFA0A04FC94B}">
-              <ma14:wrappingTextBoxFlag xmlns:ma14="http://schemas.microsoft.com/office/mac/drawingml/2011/main" xmlns="" val="1"/>
+              <ma14:wrappingTextBoxFlag xmlns="" xmlns:ma14="http://schemas.microsoft.com/office/mac/drawingml/2011/main" val="1"/>
             </a:ext>
           </a:extLst>
         </p:spPr>
@@ -6316,7 +6338,7 @@
           </a:ln>
           <a:extLst>
             <a:ext uri="{C572A759-6A51-4108-AA02-DFA0A04FC94B}">
-              <ma14:wrappingTextBoxFlag xmlns:ma14="http://schemas.microsoft.com/office/mac/drawingml/2011/main" xmlns="" val="1"/>
+              <ma14:wrappingTextBoxFlag xmlns="" xmlns:ma14="http://schemas.microsoft.com/office/mac/drawingml/2011/main" val="1"/>
             </a:ext>
           </a:extLst>
         </p:spPr>
@@ -6807,7 +6829,7 @@
           </a:ln>
           <a:extLst>
             <a:ext uri="{C572A759-6A51-4108-AA02-DFA0A04FC94B}">
-              <ma14:wrappingTextBoxFlag xmlns:ma14="http://schemas.microsoft.com/office/mac/drawingml/2011/main" xmlns="" val="1"/>
+              <ma14:wrappingTextBoxFlag xmlns="" xmlns:ma14="http://schemas.microsoft.com/office/mac/drawingml/2011/main" val="1"/>
             </a:ext>
           </a:extLst>
         </p:spPr>
@@ -6866,7 +6888,7 @@
           </a:ln>
           <a:extLst>
             <a:ext uri="{C572A759-6A51-4108-AA02-DFA0A04FC94B}">
-              <ma14:wrappingTextBoxFlag xmlns:ma14="http://schemas.microsoft.com/office/mac/drawingml/2011/main" xmlns="" val="1"/>
+              <ma14:wrappingTextBoxFlag xmlns="" xmlns:ma14="http://schemas.microsoft.com/office/mac/drawingml/2011/main" val="1"/>
             </a:ext>
           </a:extLst>
         </p:spPr>
@@ -6975,7 +6997,7 @@
           </a:ln>
           <a:extLst>
             <a:ext uri="{C572A759-6A51-4108-AA02-DFA0A04FC94B}">
-              <ma14:wrappingTextBoxFlag xmlns:ma14="http://schemas.microsoft.com/office/mac/drawingml/2011/main" xmlns="" val="1"/>
+              <ma14:wrappingTextBoxFlag xmlns="" xmlns:ma14="http://schemas.microsoft.com/office/mac/drawingml/2011/main" val="1"/>
             </a:ext>
           </a:extLst>
         </p:spPr>
@@ -7036,7 +7058,7 @@
           </a:ln>
           <a:extLst>
             <a:ext uri="{C572A759-6A51-4108-AA02-DFA0A04FC94B}">
-              <ma14:wrappingTextBoxFlag xmlns:ma14="http://schemas.microsoft.com/office/mac/drawingml/2011/main" xmlns="" val="1"/>
+              <ma14:wrappingTextBoxFlag xmlns="" xmlns:ma14="http://schemas.microsoft.com/office/mac/drawingml/2011/main" val="1"/>
             </a:ext>
           </a:extLst>
         </p:spPr>
@@ -7116,7 +7138,7 @@
           </a:ln>
           <a:extLst>
             <a:ext uri="{C572A759-6A51-4108-AA02-DFA0A04FC94B}">
-              <ma14:wrappingTextBoxFlag xmlns:ma14="http://schemas.microsoft.com/office/mac/drawingml/2011/main" xmlns="" val="1"/>
+              <ma14:wrappingTextBoxFlag xmlns="" xmlns:ma14="http://schemas.microsoft.com/office/mac/drawingml/2011/main" val="1"/>
             </a:ext>
           </a:extLst>
         </p:spPr>
@@ -7187,7 +7209,7 @@
           </a:ln>
           <a:extLst>
             <a:ext uri="{C572A759-6A51-4108-AA02-DFA0A04FC94B}">
-              <ma14:wrappingTextBoxFlag xmlns:ma14="http://schemas.microsoft.com/office/mac/drawingml/2011/main" xmlns="" val="1"/>
+              <ma14:wrappingTextBoxFlag xmlns="" xmlns:ma14="http://schemas.microsoft.com/office/mac/drawingml/2011/main" val="1"/>
             </a:ext>
           </a:extLst>
         </p:spPr>
@@ -7243,7 +7265,7 @@
           </a:ln>
           <a:extLst>
             <a:ext uri="{C572A759-6A51-4108-AA02-DFA0A04FC94B}">
-              <ma14:wrappingTextBoxFlag xmlns:ma14="http://schemas.microsoft.com/office/mac/drawingml/2011/main" xmlns="" val="1"/>
+              <ma14:wrappingTextBoxFlag xmlns="" xmlns:ma14="http://schemas.microsoft.com/office/mac/drawingml/2011/main" val="1"/>
             </a:ext>
           </a:extLst>
         </p:spPr>
@@ -7299,7 +7321,7 @@
           </a:ln>
           <a:extLst>
             <a:ext uri="{C572A759-6A51-4108-AA02-DFA0A04FC94B}">
-              <ma14:wrappingTextBoxFlag xmlns:ma14="http://schemas.microsoft.com/office/mac/drawingml/2011/main" xmlns="" val="1"/>
+              <ma14:wrappingTextBoxFlag xmlns="" xmlns:ma14="http://schemas.microsoft.com/office/mac/drawingml/2011/main" val="1"/>
             </a:ext>
           </a:extLst>
         </p:spPr>
@@ -7857,12 +7879,12 @@
   <p:extLst mod="1">
     <p:ext uri="{DCECCB84-F9BA-43D5-87BE-67443E8EF086}">
       <p15:sldGuideLst xmlns:p15="http://schemas.microsoft.com/office/powerpoint/2012/main">
-        <p15:guide id="4294967295" orient="horz" pos="1436">
+        <p15:guide id="1" orient="horz" pos="1436">
           <p15:clr>
             <a:srgbClr val="FBAE40"/>
           </p15:clr>
         </p15:guide>
-        <p15:guide id="4294967295" orient="horz" pos="1773">
+        <p15:guide id="2" orient="horz" pos="1773">
           <p15:clr>
             <a:srgbClr val="FBAE40"/>
           </p15:clr>
@@ -8121,12 +8143,12 @@
   <p:extLst mod="1">
     <p:ext uri="{DCECCB84-F9BA-43D5-87BE-67443E8EF086}">
       <p15:sldGuideLst xmlns:p15="http://schemas.microsoft.com/office/powerpoint/2012/main">
-        <p15:guide id="4294967295" orient="horz" pos="1773">
+        <p15:guide id="1" orient="horz" pos="1773">
           <p15:clr>
             <a:srgbClr val="FBAE40"/>
           </p15:clr>
         </p15:guide>
-        <p15:guide id="4294967295" orient="horz" pos="1436">
+        <p15:guide id="2" orient="horz" pos="1436">
           <p15:clr>
             <a:srgbClr val="FBAE40"/>
           </p15:clr>
@@ -15147,7 +15169,7 @@
           </a:ln>
           <a:extLst>
             <a:ext uri="{C572A759-6A51-4108-AA02-DFA0A04FC94B}">
-              <ma14:wrappingTextBoxFlag xmlns:ma14="http://schemas.microsoft.com/office/mac/drawingml/2011/main" xmlns="" val="1"/>
+              <ma14:wrappingTextBoxFlag xmlns="" xmlns:ma14="http://schemas.microsoft.com/office/mac/drawingml/2011/main" val="1"/>
             </a:ext>
           </a:extLst>
         </p:spPr>
@@ -15605,7 +15627,7 @@
           </a:ln>
           <a:extLst>
             <a:ext uri="{C572A759-6A51-4108-AA02-DFA0A04FC94B}">
-              <ma14:wrappingTextBoxFlag xmlns:ma14="http://schemas.microsoft.com/office/mac/drawingml/2011/main" xmlns="" val="1"/>
+              <ma14:wrappingTextBoxFlag xmlns="" xmlns:ma14="http://schemas.microsoft.com/office/mac/drawingml/2011/main" val="1"/>
             </a:ext>
           </a:extLst>
         </p:spPr>
@@ -15841,7 +15863,7 @@
           </a:ln>
           <a:extLst>
             <a:ext uri="{C572A759-6A51-4108-AA02-DFA0A04FC94B}">
-              <ma14:wrappingTextBoxFlag xmlns:ma14="http://schemas.microsoft.com/office/mac/drawingml/2011/main" xmlns="" val="1"/>
+              <ma14:wrappingTextBoxFlag xmlns="" xmlns:ma14="http://schemas.microsoft.com/office/mac/drawingml/2011/main" val="1"/>
             </a:ext>
           </a:extLst>
         </p:spPr>
@@ -15888,7 +15910,7 @@
           </a:ln>
           <a:extLst>
             <a:ext uri="{C572A759-6A51-4108-AA02-DFA0A04FC94B}">
-              <ma14:wrappingTextBoxFlag xmlns:ma14="http://schemas.microsoft.com/office/mac/drawingml/2011/main" xmlns="" val="1"/>
+              <ma14:wrappingTextBoxFlag xmlns="" xmlns:ma14="http://schemas.microsoft.com/office/mac/drawingml/2011/main" val="1"/>
             </a:ext>
           </a:extLst>
         </p:spPr>
@@ -16120,7 +16142,7 @@
           </a:ln>
           <a:extLst>
             <a:ext uri="{C572A759-6A51-4108-AA02-DFA0A04FC94B}">
-              <ma14:wrappingTextBoxFlag xmlns:ma14="http://schemas.microsoft.com/office/mac/drawingml/2011/main" xmlns="" val="1"/>
+              <ma14:wrappingTextBoxFlag xmlns="" xmlns:ma14="http://schemas.microsoft.com/office/mac/drawingml/2011/main" val="1"/>
             </a:ext>
           </a:extLst>
         </p:spPr>
@@ -16250,7 +16272,7 @@
           </a:ln>
           <a:extLst>
             <a:ext uri="{C572A759-6A51-4108-AA02-DFA0A04FC94B}">
-              <ma14:wrappingTextBoxFlag xmlns:ma14="http://schemas.microsoft.com/office/mac/drawingml/2011/main" xmlns="" val="1"/>
+              <ma14:wrappingTextBoxFlag xmlns="" xmlns:ma14="http://schemas.microsoft.com/office/mac/drawingml/2011/main" val="1"/>
             </a:ext>
           </a:extLst>
         </p:spPr>
@@ -16365,7 +16387,7 @@
           </a:ln>
           <a:extLst>
             <a:ext uri="{C572A759-6A51-4108-AA02-DFA0A04FC94B}">
-              <ma14:wrappingTextBoxFlag xmlns:ma14="http://schemas.microsoft.com/office/mac/drawingml/2011/main" xmlns="" val="1"/>
+              <ma14:wrappingTextBoxFlag xmlns="" xmlns:ma14="http://schemas.microsoft.com/office/mac/drawingml/2011/main" val="1"/>
             </a:ext>
           </a:extLst>
         </p:spPr>
@@ -16805,7 +16827,7 @@
           </a:ln>
           <a:extLst>
             <a:ext uri="{C572A759-6A51-4108-AA02-DFA0A04FC94B}">
-              <ma14:wrappingTextBoxFlag xmlns:ma14="http://schemas.microsoft.com/office/mac/drawingml/2011/main" xmlns="" val="1"/>
+              <ma14:wrappingTextBoxFlag xmlns="" xmlns:ma14="http://schemas.microsoft.com/office/mac/drawingml/2011/main" val="1"/>
             </a:ext>
           </a:extLst>
         </p:spPr>
@@ -17071,7 +17093,7 @@
           </a:ln>
           <a:extLst>
             <a:ext uri="{C572A759-6A51-4108-AA02-DFA0A04FC94B}">
-              <ma14:wrappingTextBoxFlag xmlns:ma14="http://schemas.microsoft.com/office/mac/drawingml/2011/main" xmlns="" val="1"/>
+              <ma14:wrappingTextBoxFlag xmlns="" xmlns:ma14="http://schemas.microsoft.com/office/mac/drawingml/2011/main" val="1"/>
             </a:ext>
           </a:extLst>
         </p:spPr>
@@ -17143,7 +17165,7 @@
             </a:ln>
             <a:extLst>
               <a:ext uri="{C572A759-6A51-4108-AA02-DFA0A04FC94B}">
-                <ma14:wrappingTextBoxFlag xmlns:ma14="http://schemas.microsoft.com/office/mac/drawingml/2011/main" xmlns="" val="1"/>
+                <ma14:wrappingTextBoxFlag xmlns="" xmlns:ma14="http://schemas.microsoft.com/office/mac/drawingml/2011/main" val="1"/>
               </a:ext>
             </a:extLst>
           </p:spPr>
@@ -17220,7 +17242,7 @@
             </a:ln>
             <a:extLst>
               <a:ext uri="{C572A759-6A51-4108-AA02-DFA0A04FC94B}">
-                <ma14:wrappingTextBoxFlag xmlns:ma14="http://schemas.microsoft.com/office/mac/drawingml/2011/main" xmlns="" val="1"/>
+                <ma14:wrappingTextBoxFlag xmlns="" xmlns:ma14="http://schemas.microsoft.com/office/mac/drawingml/2011/main" val="1"/>
               </a:ext>
             </a:extLst>
           </p:spPr>
@@ -17325,7 +17347,7 @@
             </a:ln>
             <a:extLst>
               <a:ext uri="{C572A759-6A51-4108-AA02-DFA0A04FC94B}">
-                <ma14:wrappingTextBoxFlag xmlns:ma14="http://schemas.microsoft.com/office/mac/drawingml/2011/main" xmlns="" val="1"/>
+                <ma14:wrappingTextBoxFlag xmlns="" xmlns:ma14="http://schemas.microsoft.com/office/mac/drawingml/2011/main" val="1"/>
               </a:ext>
             </a:extLst>
           </p:spPr>
@@ -17405,7 +17427,7 @@
             </a:ln>
             <a:extLst>
               <a:ext uri="{C572A759-6A51-4108-AA02-DFA0A04FC94B}">
-                <ma14:wrappingTextBoxFlag xmlns:ma14="http://schemas.microsoft.com/office/mac/drawingml/2011/main" xmlns="" val="1"/>
+                <ma14:wrappingTextBoxFlag xmlns="" xmlns:ma14="http://schemas.microsoft.com/office/mac/drawingml/2011/main" val="1"/>
               </a:ext>
             </a:extLst>
           </p:spPr>
@@ -17476,7 +17498,7 @@
             </a:ln>
             <a:extLst>
               <a:ext uri="{C572A759-6A51-4108-AA02-DFA0A04FC94B}">
-                <ma14:wrappingTextBoxFlag xmlns:ma14="http://schemas.microsoft.com/office/mac/drawingml/2011/main" xmlns="" val="1"/>
+                <ma14:wrappingTextBoxFlag xmlns="" xmlns:ma14="http://schemas.microsoft.com/office/mac/drawingml/2011/main" val="1"/>
               </a:ext>
             </a:extLst>
           </p:spPr>
@@ -17539,7 +17561,7 @@
             </a:ln>
             <a:extLst>
               <a:ext uri="{C572A759-6A51-4108-AA02-DFA0A04FC94B}">
-                <ma14:wrappingTextBoxFlag xmlns:ma14="http://schemas.microsoft.com/office/mac/drawingml/2011/main" xmlns="" val="1"/>
+                <ma14:wrappingTextBoxFlag xmlns="" xmlns:ma14="http://schemas.microsoft.com/office/mac/drawingml/2011/main" val="1"/>
               </a:ext>
             </a:extLst>
           </p:spPr>
@@ -20082,442 +20104,442 @@
   <p:extLst mod="1">
     <p:ext uri="{27BBF7A9-308A-43DC-89C8-2F10F3537804}">
       <p15:sldGuideLst xmlns:p15="http://schemas.microsoft.com/office/powerpoint/2012/main">
-        <p15:guide id="4294967295" pos="7680">
+        <p15:guide id="1" pos="7680">
           <p15:clr>
             <a:srgbClr val="F26B43"/>
           </p15:clr>
         </p15:guide>
-        <p15:guide id="4294967295" pos="7439">
+        <p15:guide id="2" pos="7439">
           <p15:clr>
             <a:srgbClr val="F26B43"/>
           </p15:clr>
         </p15:guide>
-        <p15:guide id="4294967295" pos="7199">
+        <p15:guide id="3" pos="7199">
           <p15:clr>
             <a:srgbClr val="F26B43"/>
           </p15:clr>
         </p15:guide>
-        <p15:guide id="4294967295" pos="6958">
+        <p15:guide id="4" pos="6958">
           <p15:clr>
             <a:srgbClr val="F26B43"/>
           </p15:clr>
         </p15:guide>
-        <p15:guide id="4294967295" pos="6718">
+        <p15:guide id="5" pos="6718">
           <p15:clr>
             <a:srgbClr val="F26B43"/>
           </p15:clr>
         </p15:guide>
-        <p15:guide id="4294967295" pos="6478">
+        <p15:guide id="6" pos="6478">
           <p15:clr>
             <a:srgbClr val="F26B43"/>
           </p15:clr>
         </p15:guide>
-        <p15:guide id="4294967295" pos="6237">
+        <p15:guide id="7" pos="6237">
           <p15:clr>
             <a:srgbClr val="F26B43"/>
           </p15:clr>
         </p15:guide>
-        <p15:guide id="4294967295" pos="5997">
+        <p15:guide id="8" pos="5997">
           <p15:clr>
             <a:srgbClr val="F26B43"/>
           </p15:clr>
         </p15:guide>
-        <p15:guide id="4294967295" pos="5756">
+        <p15:guide id="9" pos="5756">
           <p15:clr>
             <a:srgbClr val="F26B43"/>
           </p15:clr>
         </p15:guide>
-        <p15:guide id="4294967295" pos="5516">
+        <p15:guide id="10" pos="5516">
           <p15:clr>
             <a:srgbClr val="F26B43"/>
           </p15:clr>
         </p15:guide>
-        <p15:guide id="4294967295" pos="5276">
+        <p15:guide id="11" pos="5276">
           <p15:clr>
             <a:srgbClr val="F26B43"/>
           </p15:clr>
         </p15:guide>
-        <p15:guide id="4294967295" pos="5035">
+        <p15:guide id="12" pos="5035">
           <p15:clr>
             <a:srgbClr val="F26B43"/>
           </p15:clr>
         </p15:guide>
-        <p15:guide id="4294967295" pos="4555">
+        <p15:guide id="13" pos="4555">
           <p15:clr>
             <a:srgbClr val="F26B43"/>
           </p15:clr>
         </p15:guide>
-        <p15:guide id="4294967295" pos="4795">
+        <p15:guide id="14" pos="4795">
           <p15:clr>
             <a:srgbClr val="F26B43"/>
           </p15:clr>
         </p15:guide>
-        <p15:guide id="4294967295" pos="4314">
+        <p15:guide id="15" pos="4314">
           <p15:clr>
             <a:srgbClr val="F26B43"/>
           </p15:clr>
         </p15:guide>
-        <p15:guide id="4294967295" pos="4074">
+        <p15:guide id="16" pos="4074">
           <p15:clr>
             <a:srgbClr val="F26B43"/>
           </p15:clr>
         </p15:guide>
-        <p15:guide id="4294967295" pos="3353">
+        <p15:guide id="17" pos="3353">
           <p15:clr>
             <a:srgbClr val="F26B43"/>
           </p15:clr>
         </p15:guide>
-        <p15:guide id="4294967295" pos="3833">
+        <p15:guide id="18" pos="3833">
           <p15:clr>
             <a:srgbClr val="F26B43"/>
           </p15:clr>
         </p15:guide>
-        <p15:guide id="4294967295" pos="3112">
+        <p15:guide id="19" pos="3112">
           <p15:clr>
             <a:srgbClr val="F26B43"/>
           </p15:clr>
         </p15:guide>
-        <p15:guide id="4294967295" pos="2872">
+        <p15:guide id="20" pos="2872">
           <p15:clr>
             <a:srgbClr val="F26B43"/>
           </p15:clr>
         </p15:guide>
-        <p15:guide id="4294967295" pos="2632">
+        <p15:guide id="21" pos="2632">
           <p15:clr>
             <a:srgbClr val="F26B43"/>
           </p15:clr>
         </p15:guide>
-        <p15:guide id="4294967295" pos="3593">
+        <p15:guide id="22" pos="3593">
           <p15:clr>
             <a:srgbClr val="F26B43"/>
           </p15:clr>
         </p15:guide>
-        <p15:guide id="4294967295" pos="7920">
+        <p15:guide id="23" pos="7920">
           <p15:clr>
             <a:srgbClr val="F26B43"/>
           </p15:clr>
         </p15:guide>
-        <p15:guide id="4294967295" pos="8401">
+        <p15:guide id="24" pos="8401">
           <p15:clr>
             <a:srgbClr val="F26B43"/>
           </p15:clr>
         </p15:guide>
-        <p15:guide id="4294967295" pos="8641">
+        <p15:guide id="25" pos="8641">
           <p15:clr>
             <a:srgbClr val="F26B43"/>
           </p15:clr>
         </p15:guide>
-        <p15:guide id="4294967295" pos="8881">
+        <p15:guide id="26" pos="8881">
           <p15:clr>
             <a:srgbClr val="F26B43"/>
           </p15:clr>
         </p15:guide>
-        <p15:guide id="4294967295" pos="9122">
+        <p15:guide id="27" pos="9122">
           <p15:clr>
             <a:srgbClr val="F26B43"/>
           </p15:clr>
         </p15:guide>
-        <p15:guide id="4294967295" pos="9362">
+        <p15:guide id="28" pos="9362">
           <p15:clr>
             <a:srgbClr val="F26B43"/>
           </p15:clr>
         </p15:guide>
-        <p15:guide id="4294967295" pos="9603">
+        <p15:guide id="29" pos="9603">
           <p15:clr>
             <a:srgbClr val="F26B43"/>
           </p15:clr>
         </p15:guide>
-        <p15:guide id="4294967295" pos="10083">
+        <p15:guide id="30" pos="10083">
           <p15:clr>
             <a:srgbClr val="F26B43"/>
           </p15:clr>
         </p15:guide>
-        <p15:guide id="4294967295" pos="9843">
+        <p15:guide id="31" pos="9843">
           <p15:clr>
             <a:srgbClr val="F26B43"/>
           </p15:clr>
         </p15:guide>
-        <p15:guide id="4294967295" pos="10324">
+        <p15:guide id="32" pos="10324">
           <p15:clr>
             <a:srgbClr val="F26B43"/>
           </p15:clr>
         </p15:guide>
-        <p15:guide id="4294967295" pos="11516">
+        <p15:guide id="33" pos="11516">
           <p15:clr>
             <a:srgbClr val="F26B43"/>
           </p15:clr>
         </p15:guide>
-        <p15:guide id="4294967295" pos="10804">
+        <p15:guide id="34" pos="10804">
           <p15:clr>
             <a:srgbClr val="F26B43"/>
           </p15:clr>
         </p15:guide>
-        <p15:guide id="4294967295" pos="10564">
+        <p15:guide id="35" pos="10564">
           <p15:clr>
             <a:srgbClr val="F26B43"/>
           </p15:clr>
         </p15:guide>
-        <p15:guide id="4294967295" pos="11045">
+        <p15:guide id="36" pos="11045">
           <p15:clr>
             <a:srgbClr val="F26B43"/>
           </p15:clr>
         </p15:guide>
-        <p15:guide id="4294967295" pos="11285">
+        <p15:guide id="37" pos="11285">
           <p15:clr>
             <a:srgbClr val="F26B43"/>
           </p15:clr>
         </p15:guide>
-        <p15:guide id="4294967295" pos="11766">
+        <p15:guide id="38" pos="11766">
           <p15:clr>
             <a:srgbClr val="F26B43"/>
           </p15:clr>
         </p15:guide>
-        <p15:guide id="4294967295" pos="12006">
+        <p15:guide id="39" pos="12006">
           <p15:clr>
             <a:srgbClr val="F26B43"/>
           </p15:clr>
         </p15:guide>
-        <p15:guide id="4294967295" pos="12487">
+        <p15:guide id="40" pos="12487">
           <p15:clr>
             <a:srgbClr val="F26B43"/>
           </p15:clr>
         </p15:guide>
-        <p15:guide id="4294967295" pos="12247">
+        <p15:guide id="41" pos="12247">
           <p15:clr>
             <a:srgbClr val="F26B43"/>
           </p15:clr>
         </p15:guide>
-        <p15:guide id="4294967295" pos="12727">
+        <p15:guide id="42" pos="12727">
           <p15:clr>
             <a:srgbClr val="F26B43"/>
           </p15:clr>
         </p15:guide>
-        <p15:guide id="4294967295" pos="12968">
+        <p15:guide id="43" pos="12968">
           <p15:clr>
             <a:srgbClr val="F26B43"/>
           </p15:clr>
         </p15:guide>
-        <p15:guide id="4294967295" pos="13208">
+        <p15:guide id="44" pos="13208">
           <p15:clr>
             <a:srgbClr val="F26B43"/>
           </p15:clr>
         </p15:guide>
-        <p15:guide id="4294967295" orient="horz" pos="4320">
+        <p15:guide id="45" orient="horz" pos="4320">
           <p15:clr>
             <a:srgbClr val="F26B43"/>
           </p15:clr>
         </p15:guide>
-        <p15:guide id="4294967295" orient="horz" pos="4080">
+        <p15:guide id="46" orient="horz" pos="4080">
           <p15:clr>
             <a:srgbClr val="F26B43"/>
           </p15:clr>
         </p15:guide>
-        <p15:guide id="4294967295" orient="horz" pos="3839">
+        <p15:guide id="47" orient="horz" pos="3839">
           <p15:clr>
             <a:srgbClr val="F26B43"/>
           </p15:clr>
         </p15:guide>
-        <p15:guide id="4294967295" orient="horz" pos="3118">
+        <p15:guide id="48" orient="horz" pos="3118">
           <p15:clr>
             <a:srgbClr val="F26B43"/>
           </p15:clr>
         </p15:guide>
-        <p15:guide id="4294967295" orient="horz" pos="2878">
+        <p15:guide id="49" orient="horz" pos="2878">
           <p15:clr>
             <a:srgbClr val="F26B43"/>
           </p15:clr>
         </p15:guide>
-        <p15:guide id="4294967295" orient="horz" pos="2637">
+        <p15:guide id="50" orient="horz" pos="2637">
           <p15:clr>
             <a:srgbClr val="F26B43"/>
           </p15:clr>
         </p15:guide>
-        <p15:guide id="4294967295" orient="horz" pos="2397">
+        <p15:guide id="51" orient="horz" pos="2397">
           <p15:clr>
             <a:srgbClr val="F26B43"/>
           </p15:clr>
         </p15:guide>
-        <p15:guide id="4294967295" orient="horz" pos="2157">
+        <p15:guide id="52" orient="horz" pos="2157">
           <p15:clr>
             <a:srgbClr val="F26B43"/>
           </p15:clr>
         </p15:guide>
-        <p15:guide id="4294967295" orient="horz" pos="1916">
+        <p15:guide id="53" orient="horz" pos="1916">
           <p15:clr>
             <a:srgbClr val="F26B43"/>
           </p15:clr>
         </p15:guide>
-        <p15:guide id="4294967295" orient="horz" pos="1195">
+        <p15:guide id="54" orient="horz" pos="1195">
           <p15:clr>
             <a:srgbClr val="F26B43"/>
           </p15:clr>
         </p15:guide>
-        <p15:guide id="4294967295" orient="horz" pos="955">
+        <p15:guide id="55" orient="horz" pos="955">
           <p15:clr>
             <a:srgbClr val="F26B43"/>
           </p15:clr>
         </p15:guide>
-        <p15:guide id="4294967295" orient="horz" pos="714">
+        <p15:guide id="56" orient="horz" pos="714">
           <p15:clr>
             <a:srgbClr val="F26B43"/>
           </p15:clr>
         </p15:guide>
-        <p15:guide id="4294967295" orient="horz" pos="4560">
+        <p15:guide id="57" orient="horz" pos="4560">
           <p15:clr>
             <a:srgbClr val="F26B43"/>
           </p15:clr>
         </p15:guide>
-        <p15:guide id="4294967295" orient="horz" pos="4801">
+        <p15:guide id="58" orient="horz" pos="4801">
           <p15:clr>
             <a:srgbClr val="F26B43"/>
           </p15:clr>
         </p15:guide>
-        <p15:guide id="4294967295" orient="horz" pos="5282">
+        <p15:guide id="59" orient="horz" pos="5282">
           <p15:clr>
             <a:srgbClr val="F26B43"/>
           </p15:clr>
         </p15:guide>
-        <p15:guide id="4294967295" orient="horz" pos="5522">
+        <p15:guide id="60" orient="horz" pos="5522">
           <p15:clr>
             <a:srgbClr val="F26B43"/>
           </p15:clr>
         </p15:guide>
-        <p15:guide id="4294967295" orient="horz" pos="5762">
+        <p15:guide id="61" orient="horz" pos="5762">
           <p15:clr>
             <a:srgbClr val="F26B43"/>
           </p15:clr>
         </p15:guide>
-        <p15:guide id="4294967295" orient="horz" pos="6003">
+        <p15:guide id="62" orient="horz" pos="6003">
           <p15:clr>
             <a:srgbClr val="F26B43"/>
           </p15:clr>
         </p15:guide>
-        <p15:guide id="4294967295" orient="horz" pos="6243">
+        <p15:guide id="63" orient="horz" pos="6243">
           <p15:clr>
             <a:srgbClr val="F26B43"/>
           </p15:clr>
         </p15:guide>
-        <p15:guide id="4294967295" orient="horz" pos="6483">
+        <p15:guide id="64" orient="horz" pos="6483">
           <p15:clr>
             <a:srgbClr val="F26B43"/>
           </p15:clr>
         </p15:guide>
-        <p15:guide id="4294967295" orient="horz" pos="6724">
+        <p15:guide id="65" orient="horz" pos="6724">
           <p15:clr>
             <a:srgbClr val="F26B43"/>
           </p15:clr>
         </p15:guide>
-        <p15:guide id="4294967295" orient="horz" pos="6964">
+        <p15:guide id="66" orient="horz" pos="6964">
           <p15:clr>
             <a:srgbClr val="F26B43"/>
           </p15:clr>
         </p15:guide>
-        <p15:guide id="4294967295" orient="horz" pos="7685">
+        <p15:guide id="67" orient="horz" pos="7685">
           <p15:clr>
             <a:srgbClr val="F26B43"/>
           </p15:clr>
         </p15:guide>
-        <p15:guide id="4294967295" orient="horz" pos="7445">
+        <p15:guide id="68" orient="horz" pos="7445">
           <p15:clr>
             <a:srgbClr val="F26B43"/>
           </p15:clr>
         </p15:guide>
-        <p15:guide id="4294967295" orient="horz" pos="7205">
+        <p15:guide id="69" orient="horz" pos="7205">
           <p15:clr>
             <a:srgbClr val="F26B43"/>
           </p15:clr>
         </p15:guide>
-        <p15:guide id="4294967295" pos="8160">
+        <p15:guide id="70" pos="8160">
           <p15:clr>
             <a:srgbClr val="F26B43"/>
           </p15:clr>
         </p15:guide>
-        <p15:guide id="4294967295" orient="horz" pos="3599">
+        <p15:guide id="71" orient="horz" pos="3599">
           <p15:clr>
             <a:srgbClr val="F26B43"/>
           </p15:clr>
         </p15:guide>
-        <p15:guide id="4294967295" orient="horz" pos="3358">
+        <p15:guide id="72" orient="horz" pos="3358">
           <p15:clr>
             <a:srgbClr val="F26B43"/>
           </p15:clr>
         </p15:guide>
-        <p15:guide id="4294967295" orient="horz" pos="5041">
+        <p15:guide id="73" orient="horz" pos="5041">
           <p15:clr>
             <a:srgbClr val="F26B43"/>
           </p15:clr>
         </p15:guide>
-        <p15:guide id="4294967295" pos="2391">
+        <p15:guide id="74" pos="2391">
           <p15:clr>
             <a:srgbClr val="F26B43"/>
           </p15:clr>
         </p15:guide>
-        <p15:guide id="4294967295" pos="2151">
+        <p15:guide id="75" pos="2151">
           <p15:clr>
             <a:srgbClr val="F26B43"/>
           </p15:clr>
         </p15:guide>
-        <p15:guide id="4294967295" pos="1910">
+        <p15:guide id="76" pos="1910">
           <p15:clr>
             <a:srgbClr val="F26B43"/>
           </p15:clr>
         </p15:guide>
-        <p15:guide id="4294967295" pos="1670">
+        <p15:guide id="77" pos="1670">
           <p15:clr>
             <a:srgbClr val="F26B43"/>
           </p15:clr>
         </p15:guide>
-        <p15:guide id="4294967295" pos="1430">
+        <p15:guide id="78" pos="1430">
           <p15:clr>
             <a:srgbClr val="F26B43"/>
           </p15:clr>
         </p15:guide>
-        <p15:guide id="4294967295" pos="1189">
+        <p15:guide id="79" pos="1189">
           <p15:clr>
             <a:srgbClr val="F26B43"/>
           </p15:clr>
         </p15:guide>
-        <p15:guide id="4294967295" pos="949">
+        <p15:guide id="80" pos="949">
           <p15:clr>
             <a:srgbClr val="F26B43"/>
           </p15:clr>
         </p15:guide>
-        <p15:guide id="4294967295" pos="709">
+        <p15:guide id="81" pos="709">
           <p15:clr>
             <a:srgbClr val="F26B43"/>
           </p15:clr>
         </p15:guide>
-        <p15:guide id="4294967295" pos="13449">
+        <p15:guide id="82" pos="13449">
           <p15:clr>
             <a:srgbClr val="F26B43"/>
           </p15:clr>
         </p15:guide>
-        <p15:guide id="4294967295" pos="13689">
+        <p15:guide id="83" pos="13689">
           <p15:clr>
             <a:srgbClr val="F26B43"/>
           </p15:clr>
         </p15:guide>
-        <p15:guide id="4294967295" pos="13929">
+        <p15:guide id="84" pos="13929">
           <p15:clr>
             <a:srgbClr val="F26B43"/>
           </p15:clr>
         </p15:guide>
-        <p15:guide id="4294967295" pos="14170">
+        <p15:guide id="85" pos="14170">
           <p15:clr>
             <a:srgbClr val="F26B43"/>
           </p15:clr>
         </p15:guide>
-        <p15:guide id="4294967295" pos="14410">
+        <p15:guide id="86" pos="14410">
           <p15:clr>
             <a:srgbClr val="F26B43"/>
           </p15:clr>
         </p15:guide>
-        <p15:guide id="4294967295" pos="14650">
+        <p15:guide id="87" pos="14650">
           <p15:clr>
             <a:srgbClr val="F26B43"/>
           </p15:clr>
         </p15:guide>
-        <p15:guide id="4294967295" orient="horz" pos="474">
+        <p15:guide id="88" orient="horz" pos="474">
           <p15:clr>
             <a:srgbClr val="F26B43"/>
           </p15:clr>
@@ -25981,9 +26003,14 @@
             <p:ph idx="1"/>
           </p:nvPr>
         </p:nvSpPr>
-        <p:spPr/>
+        <p:spPr>
+          <a:xfrm>
+            <a:off x="1142999" y="3048000"/>
+            <a:ext cx="22131337" cy="3046413"/>
+          </a:xfrm>
+        </p:spPr>
         <p:txBody>
-          <a:bodyPr/>
+          <a:bodyPr anchor="t"/>
           <a:lstStyle/>
           <a:p>
             <a:pPr lvl="1"/>
@@ -26010,6 +26037,18 @@
             <a:r>
               <a:rPr lang="ru-RU" dirty="0" smtClean="0"/>
               <a:t>поток</a:t>
+            </a:r>
+            <a:endParaRPr lang="en-US" dirty="0" smtClean="0"/>
+          </a:p>
+          <a:p>
+            <a:pPr lvl="1"/>
+            <a:endParaRPr lang="en-US" dirty="0"/>
+          </a:p>
+          <a:p>
+            <a:pPr lvl="1"/>
+            <a:r>
+              <a:rPr lang="ru-RU" dirty="0" smtClean="0"/>
+              <a:t>Если у ответа есть содержимое, можно неверно указать его размер</a:t>
             </a:r>
             <a:endParaRPr lang="ru-RU" dirty="0"/>
           </a:p>
@@ -26679,7 +26718,12 @@
             <p:ph idx="1"/>
           </p:nvPr>
         </p:nvSpPr>
-        <p:spPr/>
+        <p:spPr>
+          <a:xfrm>
+            <a:off x="1142999" y="3048000"/>
+            <a:ext cx="22131337" cy="9158288"/>
+          </a:xfrm>
+        </p:spPr>
         <p:txBody>
           <a:bodyPr/>
           <a:lstStyle/>
@@ -35105,17 +35149,13 @@
           </a:p>
           <a:p>
             <a:pPr lvl="1"/>
-            <a:endParaRPr lang="ru-RU" smtClean="0"/>
+            <a:endParaRPr lang="ru-RU" dirty="0" smtClean="0"/>
           </a:p>
           <a:p>
             <a:pPr lvl="1"/>
             <a:r>
-              <a:rPr lang="ru-RU" smtClean="0"/>
-              <a:t>В </a:t>
-            </a:r>
-            <a:r>
               <a:rPr lang="ru-RU" dirty="0" smtClean="0"/>
-              <a:t>итоге мы </a:t>
+              <a:t>В итоге мы </a:t>
             </a:r>
             <a:r>
               <a:rPr lang="ru-RU" dirty="0"/>
@@ -35231,12 +35271,12 @@
       </p:grpSpPr>
       <p:sp>
         <p:nvSpPr>
-          <p:cNvPr id="2" name="Текст 1"/>
+          <p:cNvPr id="2" name="Заголовок 1"/>
           <p:cNvSpPr>
             <a:spLocks noGrp="1"/>
           </p:cNvSpPr>
           <p:nvPr>
-            <p:ph type="body" sz="quarter" idx="15"/>
+            <p:ph type="title"/>
           </p:nvPr>
         </p:nvSpPr>
         <p:spPr/>
@@ -35244,10 +35284,8366 @@
           <a:bodyPr/>
           <a:lstStyle/>
           <a:p>
-            <a:endParaRPr lang="ru-RU"/>
+            <a:r>
+              <a:rPr lang="ru-RU" dirty="0" smtClean="0"/>
+              <a:t>Третий шаг – пишем юнит-тесты</a:t>
+            </a:r>
+            <a:endParaRPr lang="ru-RU" dirty="0"/>
           </a:p>
         </p:txBody>
       </p:sp>
+      <p:sp>
+        <p:nvSpPr>
+          <p:cNvPr id="5" name="Объект 4"/>
+          <p:cNvSpPr>
+            <a:spLocks noGrp="1"/>
+          </p:cNvSpPr>
+          <p:nvPr>
+            <p:ph idx="1"/>
+          </p:nvPr>
+        </p:nvSpPr>
+        <p:spPr/>
+        <p:txBody>
+          <a:bodyPr/>
+          <a:lstStyle/>
+          <a:p>
+            <a:pPr lvl="1"/>
+            <a:r>
+              <a:rPr lang="ru-RU" altLang="ru-RU" dirty="0" smtClean="0">
+                <a:latin typeface="Verdana" panose="020B0604030504040204" pitchFamily="34" charset="0"/>
+              </a:rPr>
+              <a:t>Покроем наш интерфейс юнит-тестами</a:t>
+            </a:r>
+            <a:endParaRPr lang="en-US" altLang="ru-RU" dirty="0">
+              <a:latin typeface="Verdana" panose="020B0604030504040204" pitchFamily="34" charset="0"/>
+            </a:endParaRPr>
+          </a:p>
+          <a:p>
+            <a:pPr lvl="1"/>
+            <a:endParaRPr lang="ru-RU" altLang="ru-RU" dirty="0">
+              <a:latin typeface="Verdana" panose="020B0604030504040204" pitchFamily="34" charset="0"/>
+            </a:endParaRPr>
+          </a:p>
+          <a:p>
+            <a:pPr lvl="1"/>
+            <a:r>
+              <a:rPr lang="ru-RU" altLang="ru-RU" dirty="0" smtClean="0">
+                <a:latin typeface="Verdana" panose="020B0604030504040204" pitchFamily="34" charset="0"/>
+              </a:rPr>
+              <a:t>Мы всё ещё его не реализовали!</a:t>
+            </a:r>
+            <a:endParaRPr lang="en-US" altLang="ru-RU" dirty="0" smtClean="0">
+              <a:latin typeface="Verdana" panose="020B0604030504040204" pitchFamily="34" charset="0"/>
+            </a:endParaRPr>
+          </a:p>
+        </p:txBody>
+      </p:sp>
+      <p:sp>
+        <p:nvSpPr>
+          <p:cNvPr id="3" name="Нижний колонтитул 2"/>
+          <p:cNvSpPr>
+            <a:spLocks noGrp="1"/>
+          </p:cNvSpPr>
+          <p:nvPr>
+            <p:ph type="ftr" sz="quarter" idx="11"/>
+          </p:nvPr>
+        </p:nvSpPr>
+        <p:spPr/>
+        <p:txBody>
+          <a:bodyPr/>
+          <a:lstStyle/>
+          <a:p>
+            <a:endParaRPr lang="ru-RU" dirty="0">
+              <a:solidFill>
+                <a:srgbClr val="000000"/>
+              </a:solidFill>
+            </a:endParaRPr>
+          </a:p>
+        </p:txBody>
+      </p:sp>
+      <p:sp>
+        <p:nvSpPr>
+          <p:cNvPr id="4" name="Номер слайда 3"/>
+          <p:cNvSpPr>
+            <a:spLocks noGrp="1"/>
+          </p:cNvSpPr>
+          <p:nvPr>
+            <p:ph type="sldNum" sz="quarter" idx="12"/>
+          </p:nvPr>
+        </p:nvSpPr>
+        <p:spPr/>
+        <p:txBody>
+          <a:bodyPr/>
+          <a:lstStyle/>
+          <a:p>
+            <a:fld id="{741C03D3-FA44-40EC-9A21-1FC4FEA3E22E}" type="slidenum">
+              <a:rPr lang="ru-RU" smtClean="0">
+                <a:solidFill>
+                  <a:srgbClr val="000000"/>
+                </a:solidFill>
+              </a:rPr>
+              <a:pPr/>
+              <a:t>23</a:t>
+            </a:fld>
+            <a:endParaRPr lang="ru-RU">
+              <a:solidFill>
+                <a:srgbClr val="000000"/>
+              </a:solidFill>
+            </a:endParaRPr>
+          </a:p>
+        </p:txBody>
+      </p:sp>
+      <p:sp>
+        <p:nvSpPr>
+          <p:cNvPr id="10" name="Объект 9"/>
+          <p:cNvSpPr>
+            <a:spLocks noGrp="1"/>
+          </p:cNvSpPr>
+          <p:nvPr>
+            <p:ph idx="13"/>
+          </p:nvPr>
+        </p:nvSpPr>
+        <p:spPr/>
+        <p:txBody>
+          <a:bodyPr/>
+          <a:lstStyle/>
+          <a:p>
+            <a:r>
+              <a:rPr lang="ru-RU" altLang="ru-RU" dirty="0" err="1">
+                <a:solidFill>
+                  <a:srgbClr val="FFFFFF"/>
+                </a:solidFill>
+                <a:latin typeface="Verdana" panose="020B0604030504040204" pitchFamily="34" charset="0"/>
+              </a:rPr>
+              <a:t>class</a:t>
+            </a:r>
+            <a:r>
+              <a:rPr lang="ru-RU" altLang="ru-RU" dirty="0">
+                <a:solidFill>
+                  <a:srgbClr val="FFFFFF"/>
+                </a:solidFill>
+                <a:latin typeface="Verdana" panose="020B0604030504040204" pitchFamily="34" charset="0"/>
+              </a:rPr>
+              <a:t> </a:t>
+            </a:r>
+            <a:r>
+              <a:rPr lang="ru-RU" altLang="ru-RU" dirty="0" err="1">
+                <a:solidFill>
+                  <a:srgbClr val="FFCC00"/>
+                </a:solidFill>
+                <a:latin typeface="Verdana" panose="020B0604030504040204" pitchFamily="34" charset="0"/>
+              </a:rPr>
+              <a:t>HttpResponse</a:t>
+            </a:r>
+            <a:r>
+              <a:rPr lang="ru-RU" altLang="ru-RU" dirty="0">
+                <a:solidFill>
+                  <a:srgbClr val="FFCC00"/>
+                </a:solidFill>
+                <a:latin typeface="Verdana" panose="020B0604030504040204" pitchFamily="34" charset="0"/>
+              </a:rPr>
+              <a:t> </a:t>
+            </a:r>
+            <a:r>
+              <a:rPr lang="ru-RU" altLang="ru-RU" dirty="0">
+                <a:solidFill>
+                  <a:srgbClr val="FFFFFF"/>
+                </a:solidFill>
+                <a:latin typeface="Verdana" panose="020B0604030504040204" pitchFamily="34" charset="0"/>
+              </a:rPr>
+              <a:t>{</a:t>
+            </a:r>
+            <a:br>
+              <a:rPr lang="ru-RU" altLang="ru-RU" dirty="0">
+                <a:solidFill>
+                  <a:srgbClr val="FFFFFF"/>
+                </a:solidFill>
+                <a:latin typeface="Verdana" panose="020B0604030504040204" pitchFamily="34" charset="0"/>
+              </a:rPr>
+            </a:br>
+            <a:r>
+              <a:rPr lang="ru-RU" altLang="ru-RU" dirty="0" err="1">
+                <a:solidFill>
+                  <a:srgbClr val="FFFFFF"/>
+                </a:solidFill>
+                <a:latin typeface="Verdana" panose="020B0604030504040204" pitchFamily="34" charset="0"/>
+              </a:rPr>
+              <a:t>public</a:t>
+            </a:r>
+            <a:r>
+              <a:rPr lang="ru-RU" altLang="ru-RU" dirty="0">
+                <a:solidFill>
+                  <a:srgbClr val="FFFFFF"/>
+                </a:solidFill>
+                <a:latin typeface="Verdana" panose="020B0604030504040204" pitchFamily="34" charset="0"/>
+              </a:rPr>
+              <a:t>:</a:t>
+            </a:r>
+            <a:br>
+              <a:rPr lang="ru-RU" altLang="ru-RU" dirty="0">
+                <a:solidFill>
+                  <a:srgbClr val="FFFFFF"/>
+                </a:solidFill>
+                <a:latin typeface="Verdana" panose="020B0604030504040204" pitchFamily="34" charset="0"/>
+              </a:rPr>
+            </a:br>
+            <a:r>
+              <a:rPr lang="ru-RU" altLang="ru-RU" dirty="0">
+                <a:solidFill>
+                  <a:srgbClr val="FFFFFF"/>
+                </a:solidFill>
+                <a:latin typeface="Verdana" panose="020B0604030504040204" pitchFamily="34" charset="0"/>
+              </a:rPr>
+              <a:t>    </a:t>
+            </a:r>
+            <a:r>
+              <a:rPr lang="ru-RU" altLang="ru-RU" dirty="0" err="1">
+                <a:solidFill>
+                  <a:srgbClr val="FFFFFF"/>
+                </a:solidFill>
+                <a:latin typeface="Verdana" panose="020B0604030504040204" pitchFamily="34" charset="0"/>
+              </a:rPr>
+              <a:t>explicit</a:t>
+            </a:r>
+            <a:r>
+              <a:rPr lang="ru-RU" altLang="ru-RU" dirty="0">
+                <a:solidFill>
+                  <a:srgbClr val="FFFFFF"/>
+                </a:solidFill>
+                <a:latin typeface="Verdana" panose="020B0604030504040204" pitchFamily="34" charset="0"/>
+              </a:rPr>
+              <a:t> </a:t>
+            </a:r>
+            <a:r>
+              <a:rPr lang="ru-RU" altLang="ru-RU" dirty="0" err="1">
+                <a:solidFill>
+                  <a:srgbClr val="FFCC00"/>
+                </a:solidFill>
+                <a:latin typeface="Verdana" panose="020B0604030504040204" pitchFamily="34" charset="0"/>
+              </a:rPr>
+              <a:t>HttpResponse</a:t>
+            </a:r>
+            <a:r>
+              <a:rPr lang="ru-RU" altLang="ru-RU" dirty="0">
+                <a:solidFill>
+                  <a:srgbClr val="FFFFFF"/>
+                </a:solidFill>
+                <a:latin typeface="Verdana" panose="020B0604030504040204" pitchFamily="34" charset="0"/>
+              </a:rPr>
+              <a:t>(</a:t>
+            </a:r>
+            <a:r>
+              <a:rPr lang="ru-RU" altLang="ru-RU" dirty="0" err="1">
+                <a:solidFill>
+                  <a:srgbClr val="FFCC00"/>
+                </a:solidFill>
+                <a:latin typeface="Verdana" panose="020B0604030504040204" pitchFamily="34" charset="0"/>
+              </a:rPr>
+              <a:t>HttpCode</a:t>
+            </a:r>
+            <a:r>
+              <a:rPr lang="ru-RU" altLang="ru-RU" dirty="0">
+                <a:solidFill>
+                  <a:srgbClr val="FFCC00"/>
+                </a:solidFill>
+                <a:latin typeface="Verdana" panose="020B0604030504040204" pitchFamily="34" charset="0"/>
+              </a:rPr>
+              <a:t> </a:t>
+            </a:r>
+            <a:r>
+              <a:rPr lang="ru-RU" altLang="ru-RU" dirty="0" err="1">
+                <a:solidFill>
+                  <a:srgbClr val="5BCD9D"/>
+                </a:solidFill>
+                <a:latin typeface="Verdana" panose="020B0604030504040204" pitchFamily="34" charset="0"/>
+              </a:rPr>
+              <a:t>code</a:t>
+            </a:r>
+            <a:r>
+              <a:rPr lang="ru-RU" altLang="ru-RU" dirty="0">
+                <a:solidFill>
+                  <a:srgbClr val="FFFFFF"/>
+                </a:solidFill>
+                <a:latin typeface="Verdana" panose="020B0604030504040204" pitchFamily="34" charset="0"/>
+              </a:rPr>
+              <a:t>);</a:t>
+            </a:r>
+            <a:br>
+              <a:rPr lang="ru-RU" altLang="ru-RU" dirty="0">
+                <a:solidFill>
+                  <a:srgbClr val="FFFFFF"/>
+                </a:solidFill>
+                <a:latin typeface="Verdana" panose="020B0604030504040204" pitchFamily="34" charset="0"/>
+              </a:rPr>
+            </a:br>
+            <a:r>
+              <a:rPr lang="ru-RU" altLang="ru-RU" dirty="0">
+                <a:solidFill>
+                  <a:srgbClr val="FFFFFF"/>
+                </a:solidFill>
+                <a:latin typeface="Verdana" panose="020B0604030504040204" pitchFamily="34" charset="0"/>
+              </a:rPr>
+              <a:t>    </a:t>
+            </a:r>
+            <a:r>
+              <a:rPr lang="ru-RU" altLang="ru-RU" dirty="0" err="1">
+                <a:solidFill>
+                  <a:srgbClr val="FFCC00"/>
+                </a:solidFill>
+                <a:latin typeface="Verdana" panose="020B0604030504040204" pitchFamily="34" charset="0"/>
+              </a:rPr>
+              <a:t>HttpResponse</a:t>
+            </a:r>
+            <a:r>
+              <a:rPr lang="ru-RU" altLang="ru-RU" dirty="0">
+                <a:solidFill>
+                  <a:srgbClr val="FFFFFF"/>
+                </a:solidFill>
+                <a:latin typeface="Verdana" panose="020B0604030504040204" pitchFamily="34" charset="0"/>
+              </a:rPr>
+              <a:t>&amp; </a:t>
+            </a:r>
+            <a:r>
+              <a:rPr lang="ru-RU" altLang="ru-RU" dirty="0" err="1">
+                <a:solidFill>
+                  <a:srgbClr val="FFCC00"/>
+                </a:solidFill>
+                <a:latin typeface="Verdana" panose="020B0604030504040204" pitchFamily="34" charset="0"/>
+              </a:rPr>
+              <a:t>SetContent</a:t>
+            </a:r>
+            <a:r>
+              <a:rPr lang="ru-RU" altLang="ru-RU" dirty="0">
+                <a:solidFill>
+                  <a:srgbClr val="FFFFFF"/>
+                </a:solidFill>
+                <a:latin typeface="Verdana" panose="020B0604030504040204" pitchFamily="34" charset="0"/>
+              </a:rPr>
+              <a:t>(</a:t>
+            </a:r>
+            <a:r>
+              <a:rPr lang="ru-RU" altLang="ru-RU" dirty="0" err="1">
+                <a:solidFill>
+                  <a:srgbClr val="9E64A9"/>
+                </a:solidFill>
+                <a:latin typeface="Verdana" panose="020B0604030504040204" pitchFamily="34" charset="0"/>
+              </a:rPr>
+              <a:t>std</a:t>
+            </a:r>
+            <a:r>
+              <a:rPr lang="ru-RU" altLang="ru-RU" dirty="0">
+                <a:solidFill>
+                  <a:srgbClr val="FFFFFF"/>
+                </a:solidFill>
+                <a:latin typeface="Verdana" panose="020B0604030504040204" pitchFamily="34" charset="0"/>
+              </a:rPr>
+              <a:t>::</a:t>
+            </a:r>
+            <a:r>
+              <a:rPr lang="ru-RU" altLang="ru-RU" dirty="0" err="1">
+                <a:solidFill>
+                  <a:srgbClr val="FFCC00"/>
+                </a:solidFill>
+                <a:latin typeface="Verdana" panose="020B0604030504040204" pitchFamily="34" charset="0"/>
+              </a:rPr>
+              <a:t>string</a:t>
+            </a:r>
+            <a:r>
+              <a:rPr lang="ru-RU" altLang="ru-RU" dirty="0">
+                <a:solidFill>
+                  <a:srgbClr val="FFCC00"/>
+                </a:solidFill>
+                <a:latin typeface="Verdana" panose="020B0604030504040204" pitchFamily="34" charset="0"/>
+              </a:rPr>
+              <a:t> </a:t>
+            </a:r>
+            <a:r>
+              <a:rPr lang="ru-RU" altLang="ru-RU" dirty="0" err="1">
+                <a:solidFill>
+                  <a:srgbClr val="5BCD9D"/>
+                </a:solidFill>
+                <a:latin typeface="Verdana" panose="020B0604030504040204" pitchFamily="34" charset="0"/>
+              </a:rPr>
+              <a:t>value</a:t>
+            </a:r>
+            <a:r>
+              <a:rPr lang="ru-RU" altLang="ru-RU" dirty="0">
+                <a:solidFill>
+                  <a:srgbClr val="FFFFFF"/>
+                </a:solidFill>
+                <a:latin typeface="Verdana" panose="020B0604030504040204" pitchFamily="34" charset="0"/>
+              </a:rPr>
+              <a:t>);</a:t>
+            </a:r>
+            <a:br>
+              <a:rPr lang="ru-RU" altLang="ru-RU" dirty="0">
+                <a:solidFill>
+                  <a:srgbClr val="FFFFFF"/>
+                </a:solidFill>
+                <a:latin typeface="Verdana" panose="020B0604030504040204" pitchFamily="34" charset="0"/>
+              </a:rPr>
+            </a:br>
+            <a:r>
+              <a:rPr lang="ru-RU" altLang="ru-RU" dirty="0">
+                <a:solidFill>
+                  <a:srgbClr val="FFFFFF"/>
+                </a:solidFill>
+                <a:latin typeface="Verdana" panose="020B0604030504040204" pitchFamily="34" charset="0"/>
+              </a:rPr>
+              <a:t>    </a:t>
+            </a:r>
+            <a:r>
+              <a:rPr lang="ru-RU" altLang="ru-RU" dirty="0" err="1">
+                <a:solidFill>
+                  <a:srgbClr val="FFFFFF"/>
+                </a:solidFill>
+                <a:latin typeface="Verdana" panose="020B0604030504040204" pitchFamily="34" charset="0"/>
+              </a:rPr>
+              <a:t>friend</a:t>
+            </a:r>
+            <a:r>
+              <a:rPr lang="ru-RU" altLang="ru-RU" dirty="0">
+                <a:solidFill>
+                  <a:srgbClr val="FFFFFF"/>
+                </a:solidFill>
+                <a:latin typeface="Verdana" panose="020B0604030504040204" pitchFamily="34" charset="0"/>
+              </a:rPr>
+              <a:t> </a:t>
+            </a:r>
+            <a:r>
+              <a:rPr lang="ru-RU" altLang="ru-RU" dirty="0" err="1">
+                <a:solidFill>
+                  <a:srgbClr val="9E64A9"/>
+                </a:solidFill>
+                <a:latin typeface="Verdana" panose="020B0604030504040204" pitchFamily="34" charset="0"/>
+              </a:rPr>
+              <a:t>std</a:t>
+            </a:r>
+            <a:r>
+              <a:rPr lang="ru-RU" altLang="ru-RU" dirty="0">
+                <a:solidFill>
+                  <a:srgbClr val="FFFFFF"/>
+                </a:solidFill>
+                <a:latin typeface="Verdana" panose="020B0604030504040204" pitchFamily="34" charset="0"/>
+              </a:rPr>
+              <a:t>::</a:t>
+            </a:r>
+            <a:r>
+              <a:rPr lang="ru-RU" altLang="ru-RU" dirty="0" err="1">
+                <a:solidFill>
+                  <a:srgbClr val="FFCC00"/>
+                </a:solidFill>
+                <a:latin typeface="Verdana" panose="020B0604030504040204" pitchFamily="34" charset="0"/>
+              </a:rPr>
+              <a:t>ostream</a:t>
+            </a:r>
+            <a:r>
+              <a:rPr lang="ru-RU" altLang="ru-RU" dirty="0">
+                <a:solidFill>
+                  <a:srgbClr val="FFFFFF"/>
+                </a:solidFill>
+                <a:latin typeface="Verdana" panose="020B0604030504040204" pitchFamily="34" charset="0"/>
+              </a:rPr>
+              <a:t>&amp; </a:t>
+            </a:r>
+            <a:r>
+              <a:rPr lang="ru-RU" altLang="ru-RU" dirty="0" err="1">
+                <a:solidFill>
+                  <a:srgbClr val="FFFFFF"/>
+                </a:solidFill>
+                <a:latin typeface="Verdana" panose="020B0604030504040204" pitchFamily="34" charset="0"/>
+              </a:rPr>
+              <a:t>operator</a:t>
+            </a:r>
+            <a:r>
+              <a:rPr lang="ru-RU" altLang="ru-RU" dirty="0">
+                <a:solidFill>
+                  <a:srgbClr val="FFFFFF"/>
+                </a:solidFill>
+                <a:latin typeface="Verdana" panose="020B0604030504040204" pitchFamily="34" charset="0"/>
+              </a:rPr>
+              <a:t> </a:t>
+            </a:r>
+            <a:r>
+              <a:rPr lang="ru-RU" altLang="ru-RU" dirty="0">
+                <a:solidFill>
+                  <a:srgbClr val="FFCC00"/>
+                </a:solidFill>
+                <a:latin typeface="Verdana" panose="020B0604030504040204" pitchFamily="34" charset="0"/>
+              </a:rPr>
+              <a:t>&lt;&lt; </a:t>
+            </a:r>
+            <a:r>
+              <a:rPr lang="ru-RU" altLang="ru-RU" dirty="0">
+                <a:solidFill>
+                  <a:srgbClr val="FFFFFF"/>
+                </a:solidFill>
+                <a:latin typeface="Verdana" panose="020B0604030504040204" pitchFamily="34" charset="0"/>
+              </a:rPr>
+              <a:t>(</a:t>
+            </a:r>
+            <a:r>
+              <a:rPr lang="ru-RU" altLang="ru-RU" dirty="0" err="1">
+                <a:solidFill>
+                  <a:srgbClr val="9E64A9"/>
+                </a:solidFill>
+                <a:latin typeface="Verdana" panose="020B0604030504040204" pitchFamily="34" charset="0"/>
+              </a:rPr>
+              <a:t>std</a:t>
+            </a:r>
+            <a:r>
+              <a:rPr lang="ru-RU" altLang="ru-RU" dirty="0">
+                <a:solidFill>
+                  <a:srgbClr val="FFFFFF"/>
+                </a:solidFill>
+                <a:latin typeface="Verdana" panose="020B0604030504040204" pitchFamily="34" charset="0"/>
+              </a:rPr>
+              <a:t>::</a:t>
+            </a:r>
+            <a:r>
+              <a:rPr lang="ru-RU" altLang="ru-RU" dirty="0" err="1">
+                <a:solidFill>
+                  <a:srgbClr val="FFCC00"/>
+                </a:solidFill>
+                <a:latin typeface="Verdana" panose="020B0604030504040204" pitchFamily="34" charset="0"/>
+              </a:rPr>
+              <a:t>ostream</a:t>
+            </a:r>
+            <a:r>
+              <a:rPr lang="ru-RU" altLang="ru-RU" dirty="0">
+                <a:solidFill>
+                  <a:srgbClr val="FFFFFF"/>
+                </a:solidFill>
+                <a:latin typeface="Verdana" panose="020B0604030504040204" pitchFamily="34" charset="0"/>
+              </a:rPr>
+              <a:t>&amp; </a:t>
+            </a:r>
+            <a:r>
+              <a:rPr lang="ru-RU" altLang="ru-RU" dirty="0" err="1">
+                <a:solidFill>
+                  <a:srgbClr val="5BCD9D"/>
+                </a:solidFill>
+                <a:latin typeface="Verdana" panose="020B0604030504040204" pitchFamily="34" charset="0"/>
+              </a:rPr>
+              <a:t>os</a:t>
+            </a:r>
+            <a:r>
+              <a:rPr lang="ru-RU" altLang="ru-RU" dirty="0">
+                <a:solidFill>
+                  <a:srgbClr val="FFFFFF"/>
+                </a:solidFill>
+                <a:latin typeface="Verdana" panose="020B0604030504040204" pitchFamily="34" charset="0"/>
+              </a:rPr>
+              <a:t>, </a:t>
+            </a:r>
+            <a:r>
+              <a:rPr lang="ru-RU" altLang="ru-RU" dirty="0" err="1">
+                <a:solidFill>
+                  <a:srgbClr val="FFFFFF"/>
+                </a:solidFill>
+                <a:latin typeface="Verdana" panose="020B0604030504040204" pitchFamily="34" charset="0"/>
+              </a:rPr>
+              <a:t>const</a:t>
+            </a:r>
+            <a:r>
+              <a:rPr lang="ru-RU" altLang="ru-RU" dirty="0">
+                <a:solidFill>
+                  <a:srgbClr val="FFFFFF"/>
+                </a:solidFill>
+                <a:latin typeface="Verdana" panose="020B0604030504040204" pitchFamily="34" charset="0"/>
+              </a:rPr>
+              <a:t> </a:t>
+            </a:r>
+            <a:r>
+              <a:rPr lang="ru-RU" altLang="ru-RU" dirty="0" err="1">
+                <a:solidFill>
+                  <a:srgbClr val="FFCC00"/>
+                </a:solidFill>
+                <a:latin typeface="Verdana" panose="020B0604030504040204" pitchFamily="34" charset="0"/>
+              </a:rPr>
+              <a:t>HttpResponse</a:t>
+            </a:r>
+            <a:r>
+              <a:rPr lang="ru-RU" altLang="ru-RU" dirty="0">
+                <a:solidFill>
+                  <a:srgbClr val="FFFFFF"/>
+                </a:solidFill>
+                <a:latin typeface="Verdana" panose="020B0604030504040204" pitchFamily="34" charset="0"/>
+              </a:rPr>
+              <a:t>&amp; </a:t>
+            </a:r>
+            <a:r>
+              <a:rPr lang="ru-RU" altLang="ru-RU" dirty="0" err="1">
+                <a:solidFill>
+                  <a:srgbClr val="5BCD9D"/>
+                </a:solidFill>
+                <a:latin typeface="Verdana" panose="020B0604030504040204" pitchFamily="34" charset="0"/>
+              </a:rPr>
+              <a:t>resp</a:t>
+            </a:r>
+            <a:r>
+              <a:rPr lang="ru-RU" altLang="ru-RU" dirty="0">
+                <a:solidFill>
+                  <a:srgbClr val="FFFFFF"/>
+                </a:solidFill>
+                <a:latin typeface="Verdana" panose="020B0604030504040204" pitchFamily="34" charset="0"/>
+              </a:rPr>
+              <a:t>);</a:t>
+            </a:r>
+            <a:br>
+              <a:rPr lang="ru-RU" altLang="ru-RU" dirty="0">
+                <a:solidFill>
+                  <a:srgbClr val="FFFFFF"/>
+                </a:solidFill>
+                <a:latin typeface="Verdana" panose="020B0604030504040204" pitchFamily="34" charset="0"/>
+              </a:rPr>
+            </a:br>
+            <a:r>
+              <a:rPr lang="ru-RU" altLang="ru-RU" dirty="0" smtClean="0">
+                <a:solidFill>
+                  <a:srgbClr val="FFFFFF"/>
+                </a:solidFill>
+                <a:latin typeface="Verdana" panose="020B0604030504040204" pitchFamily="34" charset="0"/>
+              </a:rPr>
+              <a:t>};</a:t>
+            </a:r>
+            <a:r>
+              <a:rPr lang="ru-RU" altLang="ru-RU" dirty="0">
+                <a:solidFill>
+                  <a:srgbClr val="FFFFFF"/>
+                </a:solidFill>
+                <a:latin typeface="Verdana" panose="020B0604030504040204" pitchFamily="34" charset="0"/>
+              </a:rPr>
+              <a:t/>
+            </a:r>
+            <a:br>
+              <a:rPr lang="ru-RU" altLang="ru-RU" dirty="0">
+                <a:solidFill>
+                  <a:srgbClr val="FFFFFF"/>
+                </a:solidFill>
+                <a:latin typeface="Verdana" panose="020B0604030504040204" pitchFamily="34" charset="0"/>
+              </a:rPr>
+            </a:br>
+            <a:endParaRPr lang="ru-RU" altLang="ru-RU" sz="6600" dirty="0">
+              <a:solidFill>
+                <a:schemeClr val="tx1"/>
+              </a:solidFill>
+              <a:latin typeface="Arial" panose="020B0604020202020204" pitchFamily="34" charset="0"/>
+            </a:endParaRPr>
+          </a:p>
+          <a:p>
+            <a:endParaRPr lang="en-US" altLang="ru-RU" dirty="0">
+              <a:solidFill>
+                <a:srgbClr val="FFFFFF"/>
+              </a:solidFill>
+              <a:latin typeface="Verdana" panose="020B0604030504040204" pitchFamily="34" charset="0"/>
+            </a:endParaRPr>
+          </a:p>
+        </p:txBody>
+      </p:sp>
+    </p:spTree>
+    <p:extLst>
+      <p:ext uri="{BB962C8B-B14F-4D97-AF65-F5344CB8AC3E}">
+        <p14:creationId xmlns:p14="http://schemas.microsoft.com/office/powerpoint/2010/main" val="816885251"/>
+      </p:ext>
+    </p:extLst>
+  </p:cSld>
+  <p:clrMapOvr>
+    <a:masterClrMapping/>
+  </p:clrMapOvr>
+  <p:timing>
+    <p:tnLst>
+      <p:par>
+        <p:cTn id="1" dur="indefinite" restart="never" nodeType="tmRoot"/>
+      </p:par>
+    </p:tnLst>
+  </p:timing>
+</p:sld>
+</file>
+
+<file path=ppt/slides/slide24.xml><?xml version="1.0" encoding="utf-8"?>
+<p:sld xmlns:a="http://schemas.openxmlformats.org/drawingml/2006/main" xmlns:r="http://schemas.openxmlformats.org/officeDocument/2006/relationships" xmlns:p="http://schemas.openxmlformats.org/presentationml/2006/main">
+  <p:cSld>
+    <p:spTree>
+      <p:nvGrpSpPr>
+        <p:cNvPr id="1" name=""/>
+        <p:cNvGrpSpPr/>
+        <p:nvPr/>
+      </p:nvGrpSpPr>
+      <p:grpSpPr>
+        <a:xfrm>
+          <a:off x="0" y="0"/>
+          <a:ext cx="0" cy="0"/>
+          <a:chOff x="0" y="0"/>
+          <a:chExt cx="0" cy="0"/>
+        </a:xfrm>
+      </p:grpSpPr>
+      <p:sp>
+        <p:nvSpPr>
+          <p:cNvPr id="2" name="Нижний колонтитул 1"/>
+          <p:cNvSpPr>
+            <a:spLocks noGrp="1"/>
+          </p:cNvSpPr>
+          <p:nvPr>
+            <p:ph type="ftr" sz="quarter" idx="11"/>
+          </p:nvPr>
+        </p:nvSpPr>
+        <p:spPr/>
+        <p:txBody>
+          <a:bodyPr/>
+          <a:lstStyle/>
+          <a:p>
+            <a:endParaRPr lang="ru-RU" dirty="0">
+              <a:solidFill>
+                <a:srgbClr val="000000"/>
+              </a:solidFill>
+            </a:endParaRPr>
+          </a:p>
+        </p:txBody>
+      </p:sp>
+      <p:sp>
+        <p:nvSpPr>
+          <p:cNvPr id="3" name="Номер слайда 2"/>
+          <p:cNvSpPr>
+            <a:spLocks noGrp="1"/>
+          </p:cNvSpPr>
+          <p:nvPr>
+            <p:ph type="sldNum" sz="quarter" idx="12"/>
+          </p:nvPr>
+        </p:nvSpPr>
+        <p:spPr/>
+        <p:txBody>
+          <a:bodyPr/>
+          <a:lstStyle/>
+          <a:p>
+            <a:fld id="{741C03D3-FA44-40EC-9A21-1FC4FEA3E22E}" type="slidenum">
+              <a:rPr lang="ru-RU" smtClean="0">
+                <a:solidFill>
+                  <a:srgbClr val="000000"/>
+                </a:solidFill>
+              </a:rPr>
+              <a:pPr/>
+              <a:t>24</a:t>
+            </a:fld>
+            <a:endParaRPr lang="ru-RU">
+              <a:solidFill>
+                <a:srgbClr val="000000"/>
+              </a:solidFill>
+            </a:endParaRPr>
+          </a:p>
+        </p:txBody>
+      </p:sp>
+      <p:sp>
+        <p:nvSpPr>
+          <p:cNvPr id="4" name="Объект 3"/>
+          <p:cNvSpPr>
+            <a:spLocks noGrp="1"/>
+          </p:cNvSpPr>
+          <p:nvPr>
+            <p:ph idx="13"/>
+          </p:nvPr>
+        </p:nvSpPr>
+        <p:spPr/>
+        <p:txBody>
+          <a:bodyPr/>
+          <a:lstStyle/>
+          <a:p>
+            <a:pPr>
+              <a:lnSpc>
+                <a:spcPct val="125000"/>
+              </a:lnSpc>
+            </a:pPr>
+            <a:r>
+              <a:rPr lang="ru-RU" altLang="ru-RU" dirty="0" err="1">
+                <a:solidFill>
+                  <a:srgbClr val="FFFFFF"/>
+                </a:solidFill>
+                <a:latin typeface="Verdana" panose="020B0604030504040204" pitchFamily="34" charset="0"/>
+              </a:rPr>
+              <a:t>void</a:t>
+            </a:r>
+            <a:r>
+              <a:rPr lang="ru-RU" altLang="ru-RU" dirty="0">
+                <a:solidFill>
+                  <a:srgbClr val="FFFFFF"/>
+                </a:solidFill>
+                <a:latin typeface="Verdana" panose="020B0604030504040204" pitchFamily="34" charset="0"/>
+              </a:rPr>
+              <a:t> </a:t>
+            </a:r>
+            <a:r>
+              <a:rPr lang="ru-RU" altLang="ru-RU" dirty="0" err="1">
+                <a:solidFill>
+                  <a:srgbClr val="FFCC00"/>
+                </a:solidFill>
+                <a:latin typeface="Verdana" panose="020B0604030504040204" pitchFamily="34" charset="0"/>
+              </a:rPr>
+              <a:t>TestConstruction</a:t>
+            </a:r>
+            <a:r>
+              <a:rPr lang="ru-RU" altLang="ru-RU" dirty="0">
+                <a:solidFill>
+                  <a:srgbClr val="FFFFFF"/>
+                </a:solidFill>
+                <a:latin typeface="Verdana" panose="020B0604030504040204" pitchFamily="34" charset="0"/>
+              </a:rPr>
+              <a:t>() {</a:t>
+            </a:r>
+            <a:br>
+              <a:rPr lang="ru-RU" altLang="ru-RU" dirty="0">
+                <a:solidFill>
+                  <a:srgbClr val="FFFFFF"/>
+                </a:solidFill>
+                <a:latin typeface="Verdana" panose="020B0604030504040204" pitchFamily="34" charset="0"/>
+              </a:rPr>
+            </a:br>
+            <a:r>
+              <a:rPr lang="ru-RU" altLang="ru-RU" dirty="0">
+                <a:solidFill>
+                  <a:srgbClr val="FFFFFF"/>
+                </a:solidFill>
+                <a:latin typeface="Verdana" panose="020B0604030504040204" pitchFamily="34" charset="0"/>
+              </a:rPr>
+              <a:t>    </a:t>
+            </a:r>
+            <a:r>
+              <a:rPr lang="ru-RU" altLang="ru-RU" dirty="0" err="1">
+                <a:solidFill>
+                  <a:srgbClr val="9E64A9"/>
+                </a:solidFill>
+                <a:latin typeface="Verdana" panose="020B0604030504040204" pitchFamily="34" charset="0"/>
+              </a:rPr>
+              <a:t>std</a:t>
+            </a:r>
+            <a:r>
+              <a:rPr lang="ru-RU" altLang="ru-RU" dirty="0">
+                <a:solidFill>
+                  <a:srgbClr val="FFFFFF"/>
+                </a:solidFill>
+                <a:latin typeface="Verdana" panose="020B0604030504040204" pitchFamily="34" charset="0"/>
+              </a:rPr>
+              <a:t>::</a:t>
+            </a:r>
+            <a:r>
+              <a:rPr lang="ru-RU" altLang="ru-RU" dirty="0" err="1">
+                <a:solidFill>
+                  <a:srgbClr val="FFCC00"/>
+                </a:solidFill>
+                <a:latin typeface="Verdana" panose="020B0604030504040204" pitchFamily="34" charset="0"/>
+              </a:rPr>
+              <a:t>ostringstream</a:t>
+            </a:r>
+            <a:r>
+              <a:rPr lang="ru-RU" altLang="ru-RU" dirty="0">
+                <a:solidFill>
+                  <a:srgbClr val="FFCC00"/>
+                </a:solidFill>
+                <a:latin typeface="Verdana" panose="020B0604030504040204" pitchFamily="34" charset="0"/>
+              </a:rPr>
+              <a:t> </a:t>
+            </a:r>
+            <a:r>
+              <a:rPr lang="ru-RU" altLang="ru-RU" dirty="0" err="1">
+                <a:solidFill>
+                  <a:srgbClr val="5BCD9D"/>
+                </a:solidFill>
+                <a:latin typeface="Verdana" panose="020B0604030504040204" pitchFamily="34" charset="0"/>
+              </a:rPr>
+              <a:t>os</a:t>
+            </a:r>
+            <a:r>
+              <a:rPr lang="ru-RU" altLang="ru-RU" dirty="0">
+                <a:solidFill>
+                  <a:srgbClr val="FFFFFF"/>
+                </a:solidFill>
+                <a:latin typeface="Verdana" panose="020B0604030504040204" pitchFamily="34" charset="0"/>
+              </a:rPr>
+              <a:t>;</a:t>
+            </a:r>
+            <a:br>
+              <a:rPr lang="ru-RU" altLang="ru-RU" dirty="0">
+                <a:solidFill>
+                  <a:srgbClr val="FFFFFF"/>
+                </a:solidFill>
+                <a:latin typeface="Verdana" panose="020B0604030504040204" pitchFamily="34" charset="0"/>
+              </a:rPr>
+            </a:br>
+            <a:r>
+              <a:rPr lang="ru-RU" altLang="ru-RU" dirty="0">
+                <a:solidFill>
+                  <a:srgbClr val="FFFFFF"/>
+                </a:solidFill>
+                <a:latin typeface="Verdana" panose="020B0604030504040204" pitchFamily="34" charset="0"/>
+              </a:rPr>
+              <a:t>    </a:t>
+            </a:r>
+            <a:r>
+              <a:rPr lang="ru-RU" altLang="ru-RU" dirty="0" err="1">
+                <a:solidFill>
+                  <a:srgbClr val="5BCD9D"/>
+                </a:solidFill>
+                <a:latin typeface="Verdana" panose="020B0604030504040204" pitchFamily="34" charset="0"/>
+              </a:rPr>
+              <a:t>os</a:t>
+            </a:r>
+            <a:r>
+              <a:rPr lang="ru-RU" altLang="ru-RU" dirty="0">
+                <a:solidFill>
+                  <a:srgbClr val="5BCD9D"/>
+                </a:solidFill>
+                <a:latin typeface="Verdana" panose="020B0604030504040204" pitchFamily="34" charset="0"/>
+              </a:rPr>
+              <a:t> </a:t>
+            </a:r>
+            <a:r>
+              <a:rPr lang="ru-RU" altLang="ru-RU" dirty="0">
+                <a:solidFill>
+                  <a:srgbClr val="FFFFFF"/>
+                </a:solidFill>
+                <a:latin typeface="Verdana" panose="020B0604030504040204" pitchFamily="34" charset="0"/>
+              </a:rPr>
+              <a:t>&lt;&lt; </a:t>
+            </a:r>
+            <a:r>
+              <a:rPr lang="ru-RU" altLang="ru-RU" dirty="0" err="1">
+                <a:solidFill>
+                  <a:srgbClr val="FFCC00"/>
+                </a:solidFill>
+                <a:latin typeface="Verdana" panose="020B0604030504040204" pitchFamily="34" charset="0"/>
+              </a:rPr>
+              <a:t>HttpResponse</a:t>
+            </a:r>
+            <a:r>
+              <a:rPr lang="ru-RU" altLang="ru-RU" dirty="0">
+                <a:solidFill>
+                  <a:srgbClr val="FFFFFF"/>
+                </a:solidFill>
+                <a:latin typeface="Verdana" panose="020B0604030504040204" pitchFamily="34" charset="0"/>
+              </a:rPr>
+              <a:t>(</a:t>
+            </a:r>
+            <a:r>
+              <a:rPr lang="ru-RU" altLang="ru-RU" dirty="0" err="1">
+                <a:solidFill>
+                  <a:srgbClr val="FFCC00"/>
+                </a:solidFill>
+                <a:latin typeface="Verdana" panose="020B0604030504040204" pitchFamily="34" charset="0"/>
+              </a:rPr>
+              <a:t>HttpCode</a:t>
+            </a:r>
+            <a:r>
+              <a:rPr lang="ru-RU" altLang="ru-RU" dirty="0">
+                <a:solidFill>
+                  <a:srgbClr val="FFFFFF"/>
+                </a:solidFill>
+                <a:latin typeface="Verdana" panose="020B0604030504040204" pitchFamily="34" charset="0"/>
+              </a:rPr>
+              <a:t>::</a:t>
+            </a:r>
+            <a:r>
+              <a:rPr lang="ru-RU" altLang="ru-RU" dirty="0">
+                <a:solidFill>
+                  <a:srgbClr val="5BCD9D"/>
+                </a:solidFill>
+                <a:latin typeface="Verdana" panose="020B0604030504040204" pitchFamily="34" charset="0"/>
+              </a:rPr>
+              <a:t>OK</a:t>
+            </a:r>
+            <a:r>
+              <a:rPr lang="ru-RU" altLang="ru-RU" dirty="0">
+                <a:solidFill>
+                  <a:srgbClr val="FFFFFF"/>
+                </a:solidFill>
+                <a:latin typeface="Verdana" panose="020B0604030504040204" pitchFamily="34" charset="0"/>
+              </a:rPr>
+              <a:t>);</a:t>
+            </a:r>
+            <a:br>
+              <a:rPr lang="ru-RU" altLang="ru-RU" dirty="0">
+                <a:solidFill>
+                  <a:srgbClr val="FFFFFF"/>
+                </a:solidFill>
+                <a:latin typeface="Verdana" panose="020B0604030504040204" pitchFamily="34" charset="0"/>
+              </a:rPr>
+            </a:br>
+            <a:r>
+              <a:rPr lang="ru-RU" altLang="ru-RU" dirty="0">
+                <a:solidFill>
+                  <a:srgbClr val="FFFFFF"/>
+                </a:solidFill>
+                <a:latin typeface="Verdana" panose="020B0604030504040204" pitchFamily="34" charset="0"/>
+              </a:rPr>
+              <a:t>    </a:t>
+            </a:r>
+            <a:r>
+              <a:rPr lang="ru-RU" altLang="ru-RU" dirty="0" err="1">
+                <a:solidFill>
+                  <a:srgbClr val="908B25"/>
+                </a:solidFill>
+                <a:latin typeface="Verdana" panose="020B0604030504040204" pitchFamily="34" charset="0"/>
+              </a:rPr>
+              <a:t>assert</a:t>
+            </a:r>
+            <a:r>
+              <a:rPr lang="ru-RU" altLang="ru-RU" dirty="0">
+                <a:solidFill>
+                  <a:srgbClr val="FFFFFF"/>
+                </a:solidFill>
+                <a:latin typeface="Verdana" panose="020B0604030504040204" pitchFamily="34" charset="0"/>
+              </a:rPr>
+              <a:t>(</a:t>
+            </a:r>
+            <a:r>
+              <a:rPr lang="ru-RU" altLang="ru-RU" dirty="0" err="1">
+                <a:solidFill>
+                  <a:srgbClr val="5BCD9D"/>
+                </a:solidFill>
+                <a:latin typeface="Verdana" panose="020B0604030504040204" pitchFamily="34" charset="0"/>
+              </a:rPr>
+              <a:t>os</a:t>
+            </a:r>
+            <a:r>
+              <a:rPr lang="ru-RU" altLang="ru-RU" dirty="0" err="1">
+                <a:solidFill>
+                  <a:srgbClr val="FFFFFF"/>
+                </a:solidFill>
+                <a:latin typeface="Verdana" panose="020B0604030504040204" pitchFamily="34" charset="0"/>
+              </a:rPr>
+              <a:t>.</a:t>
+            </a:r>
+            <a:r>
+              <a:rPr lang="ru-RU" altLang="ru-RU" dirty="0" err="1">
+                <a:solidFill>
+                  <a:srgbClr val="FFCC00"/>
+                </a:solidFill>
+                <a:latin typeface="Verdana" panose="020B0604030504040204" pitchFamily="34" charset="0"/>
+              </a:rPr>
+              <a:t>str</a:t>
+            </a:r>
+            <a:r>
+              <a:rPr lang="ru-RU" altLang="ru-RU" dirty="0">
+                <a:solidFill>
+                  <a:srgbClr val="FFFFFF"/>
+                </a:solidFill>
+                <a:latin typeface="Verdana" panose="020B0604030504040204" pitchFamily="34" charset="0"/>
+              </a:rPr>
+              <a:t>() == </a:t>
+            </a:r>
+            <a:r>
+              <a:rPr lang="ru-RU" altLang="ru-RU" dirty="0">
+                <a:solidFill>
+                  <a:srgbClr val="72C3E0"/>
+                </a:solidFill>
+                <a:latin typeface="Verdana" panose="020B0604030504040204" pitchFamily="34" charset="0"/>
+              </a:rPr>
+              <a:t>"HTTP/1.1 200 OK\r\n\r\n"</a:t>
+            </a:r>
+            <a:r>
+              <a:rPr lang="ru-RU" altLang="ru-RU" dirty="0">
+                <a:solidFill>
+                  <a:srgbClr val="FFFFFF"/>
+                </a:solidFill>
+                <a:latin typeface="Verdana" panose="020B0604030504040204" pitchFamily="34" charset="0"/>
+              </a:rPr>
+              <a:t>);</a:t>
+            </a:r>
+            <a:br>
+              <a:rPr lang="ru-RU" altLang="ru-RU" dirty="0">
+                <a:solidFill>
+                  <a:srgbClr val="FFFFFF"/>
+                </a:solidFill>
+                <a:latin typeface="Verdana" panose="020B0604030504040204" pitchFamily="34" charset="0"/>
+              </a:rPr>
+            </a:br>
+            <a:r>
+              <a:rPr lang="ru-RU" altLang="ru-RU" dirty="0">
+                <a:solidFill>
+                  <a:srgbClr val="FFFFFF"/>
+                </a:solidFill>
+                <a:latin typeface="Verdana" panose="020B0604030504040204" pitchFamily="34" charset="0"/>
+              </a:rPr>
+              <a:t>    </a:t>
+            </a:r>
+            <a:r>
+              <a:rPr lang="ru-RU" altLang="ru-RU" dirty="0" err="1">
+                <a:solidFill>
+                  <a:srgbClr val="5BCD9D"/>
+                </a:solidFill>
+                <a:latin typeface="Verdana" panose="020B0604030504040204" pitchFamily="34" charset="0"/>
+              </a:rPr>
+              <a:t>os</a:t>
+            </a:r>
+            <a:r>
+              <a:rPr lang="ru-RU" altLang="ru-RU" dirty="0" err="1">
+                <a:solidFill>
+                  <a:srgbClr val="FFFFFF"/>
+                </a:solidFill>
+                <a:latin typeface="Verdana" panose="020B0604030504040204" pitchFamily="34" charset="0"/>
+              </a:rPr>
+              <a:t>.</a:t>
+            </a:r>
+            <a:r>
+              <a:rPr lang="ru-RU" altLang="ru-RU" dirty="0" err="1">
+                <a:solidFill>
+                  <a:srgbClr val="FFCC00"/>
+                </a:solidFill>
+                <a:latin typeface="Verdana" panose="020B0604030504040204" pitchFamily="34" charset="0"/>
+              </a:rPr>
+              <a:t>str</a:t>
+            </a:r>
+            <a:r>
+              <a:rPr lang="ru-RU" altLang="ru-RU" dirty="0">
+                <a:solidFill>
+                  <a:srgbClr val="FFFFFF"/>
+                </a:solidFill>
+                <a:latin typeface="Verdana" panose="020B0604030504040204" pitchFamily="34" charset="0"/>
+              </a:rPr>
+              <a:t>(</a:t>
+            </a:r>
+            <a:r>
+              <a:rPr lang="ru-RU" altLang="ru-RU" dirty="0">
+                <a:solidFill>
+                  <a:srgbClr val="72C3E0"/>
+                </a:solidFill>
+                <a:latin typeface="Verdana" panose="020B0604030504040204" pitchFamily="34" charset="0"/>
+              </a:rPr>
+              <a:t>""</a:t>
+            </a:r>
+            <a:r>
+              <a:rPr lang="ru-RU" altLang="ru-RU" dirty="0">
+                <a:solidFill>
+                  <a:srgbClr val="FFFFFF"/>
+                </a:solidFill>
+                <a:latin typeface="Verdana" panose="020B0604030504040204" pitchFamily="34" charset="0"/>
+              </a:rPr>
+              <a:t>);</a:t>
+            </a:r>
+            <a:br>
+              <a:rPr lang="ru-RU" altLang="ru-RU" dirty="0">
+                <a:solidFill>
+                  <a:srgbClr val="FFFFFF"/>
+                </a:solidFill>
+                <a:latin typeface="Verdana" panose="020B0604030504040204" pitchFamily="34" charset="0"/>
+              </a:rPr>
+            </a:br>
+            <a:r>
+              <a:rPr lang="ru-RU" altLang="ru-RU" dirty="0">
+                <a:solidFill>
+                  <a:srgbClr val="FFFFFF"/>
+                </a:solidFill>
+                <a:latin typeface="Verdana" panose="020B0604030504040204" pitchFamily="34" charset="0"/>
+              </a:rPr>
+              <a:t>    </a:t>
+            </a:r>
+            <a:r>
+              <a:rPr lang="ru-RU" altLang="ru-RU" dirty="0" err="1">
+                <a:solidFill>
+                  <a:srgbClr val="5BCD9D"/>
+                </a:solidFill>
+                <a:latin typeface="Verdana" panose="020B0604030504040204" pitchFamily="34" charset="0"/>
+              </a:rPr>
+              <a:t>os</a:t>
+            </a:r>
+            <a:r>
+              <a:rPr lang="ru-RU" altLang="ru-RU" dirty="0">
+                <a:solidFill>
+                  <a:srgbClr val="5BCD9D"/>
+                </a:solidFill>
+                <a:latin typeface="Verdana" panose="020B0604030504040204" pitchFamily="34" charset="0"/>
+              </a:rPr>
+              <a:t> </a:t>
+            </a:r>
+            <a:r>
+              <a:rPr lang="ru-RU" altLang="ru-RU" dirty="0">
+                <a:solidFill>
+                  <a:srgbClr val="FFFFFF"/>
+                </a:solidFill>
+                <a:latin typeface="Verdana" panose="020B0604030504040204" pitchFamily="34" charset="0"/>
+              </a:rPr>
+              <a:t>&lt;&lt; </a:t>
+            </a:r>
+            <a:r>
+              <a:rPr lang="ru-RU" altLang="ru-RU" dirty="0" err="1">
+                <a:solidFill>
+                  <a:srgbClr val="FFCC00"/>
+                </a:solidFill>
+                <a:latin typeface="Verdana" panose="020B0604030504040204" pitchFamily="34" charset="0"/>
+              </a:rPr>
+              <a:t>HttpResponse</a:t>
+            </a:r>
+            <a:r>
+              <a:rPr lang="ru-RU" altLang="ru-RU" dirty="0">
+                <a:solidFill>
+                  <a:srgbClr val="FFFFFF"/>
+                </a:solidFill>
+                <a:latin typeface="Verdana" panose="020B0604030504040204" pitchFamily="34" charset="0"/>
+              </a:rPr>
+              <a:t>(</a:t>
+            </a:r>
+            <a:r>
+              <a:rPr lang="ru-RU" altLang="ru-RU" dirty="0" err="1">
+                <a:solidFill>
+                  <a:srgbClr val="FFCC00"/>
+                </a:solidFill>
+                <a:latin typeface="Verdana" panose="020B0604030504040204" pitchFamily="34" charset="0"/>
+              </a:rPr>
+              <a:t>HttpCode</a:t>
+            </a:r>
+            <a:r>
+              <a:rPr lang="ru-RU" altLang="ru-RU" dirty="0">
+                <a:solidFill>
+                  <a:srgbClr val="FFFFFF"/>
+                </a:solidFill>
+                <a:latin typeface="Verdana" panose="020B0604030504040204" pitchFamily="34" charset="0"/>
+              </a:rPr>
+              <a:t>::</a:t>
+            </a:r>
+            <a:r>
+              <a:rPr lang="ru-RU" altLang="ru-RU" dirty="0" err="1">
+                <a:solidFill>
+                  <a:srgbClr val="5BCD9D"/>
+                </a:solidFill>
+                <a:latin typeface="Verdana" panose="020B0604030504040204" pitchFamily="34" charset="0"/>
+              </a:rPr>
+              <a:t>NotFound</a:t>
+            </a:r>
+            <a:r>
+              <a:rPr lang="ru-RU" altLang="ru-RU" dirty="0">
+                <a:solidFill>
+                  <a:srgbClr val="FFFFFF"/>
+                </a:solidFill>
+                <a:latin typeface="Verdana" panose="020B0604030504040204" pitchFamily="34" charset="0"/>
+              </a:rPr>
+              <a:t>);</a:t>
+            </a:r>
+            <a:br>
+              <a:rPr lang="ru-RU" altLang="ru-RU" dirty="0">
+                <a:solidFill>
+                  <a:srgbClr val="FFFFFF"/>
+                </a:solidFill>
+                <a:latin typeface="Verdana" panose="020B0604030504040204" pitchFamily="34" charset="0"/>
+              </a:rPr>
+            </a:br>
+            <a:r>
+              <a:rPr lang="ru-RU" altLang="ru-RU" dirty="0">
+                <a:solidFill>
+                  <a:srgbClr val="FFFFFF"/>
+                </a:solidFill>
+                <a:latin typeface="Verdana" panose="020B0604030504040204" pitchFamily="34" charset="0"/>
+              </a:rPr>
+              <a:t>    </a:t>
+            </a:r>
+            <a:r>
+              <a:rPr lang="ru-RU" altLang="ru-RU" dirty="0" err="1">
+                <a:solidFill>
+                  <a:srgbClr val="908B25"/>
+                </a:solidFill>
+                <a:latin typeface="Verdana" panose="020B0604030504040204" pitchFamily="34" charset="0"/>
+              </a:rPr>
+              <a:t>assert</a:t>
+            </a:r>
+            <a:r>
+              <a:rPr lang="ru-RU" altLang="ru-RU" dirty="0">
+                <a:solidFill>
+                  <a:srgbClr val="FFFFFF"/>
+                </a:solidFill>
+                <a:latin typeface="Verdana" panose="020B0604030504040204" pitchFamily="34" charset="0"/>
+              </a:rPr>
+              <a:t>(</a:t>
+            </a:r>
+            <a:r>
+              <a:rPr lang="ru-RU" altLang="ru-RU" dirty="0" err="1">
+                <a:solidFill>
+                  <a:srgbClr val="5BCD9D"/>
+                </a:solidFill>
+                <a:latin typeface="Verdana" panose="020B0604030504040204" pitchFamily="34" charset="0"/>
+              </a:rPr>
+              <a:t>os</a:t>
+            </a:r>
+            <a:r>
+              <a:rPr lang="ru-RU" altLang="ru-RU" dirty="0" err="1">
+                <a:solidFill>
+                  <a:srgbClr val="FFFFFF"/>
+                </a:solidFill>
+                <a:latin typeface="Verdana" panose="020B0604030504040204" pitchFamily="34" charset="0"/>
+              </a:rPr>
+              <a:t>.</a:t>
+            </a:r>
+            <a:r>
+              <a:rPr lang="ru-RU" altLang="ru-RU" dirty="0" err="1">
+                <a:solidFill>
+                  <a:srgbClr val="FFCC00"/>
+                </a:solidFill>
+                <a:latin typeface="Verdana" panose="020B0604030504040204" pitchFamily="34" charset="0"/>
+              </a:rPr>
+              <a:t>str</a:t>
+            </a:r>
+            <a:r>
+              <a:rPr lang="ru-RU" altLang="ru-RU" dirty="0">
+                <a:solidFill>
+                  <a:srgbClr val="FFFFFF"/>
+                </a:solidFill>
+                <a:latin typeface="Verdana" panose="020B0604030504040204" pitchFamily="34" charset="0"/>
+              </a:rPr>
+              <a:t>() == </a:t>
+            </a:r>
+            <a:r>
+              <a:rPr lang="ru-RU" altLang="ru-RU" dirty="0">
+                <a:solidFill>
+                  <a:srgbClr val="72C3E0"/>
+                </a:solidFill>
+                <a:latin typeface="Verdana" panose="020B0604030504040204" pitchFamily="34" charset="0"/>
+              </a:rPr>
+              <a:t>"HTTP/1.1 404 </a:t>
+            </a:r>
+            <a:r>
+              <a:rPr lang="ru-RU" altLang="ru-RU" dirty="0" err="1">
+                <a:solidFill>
+                  <a:srgbClr val="72C3E0"/>
+                </a:solidFill>
+                <a:latin typeface="Verdana" panose="020B0604030504040204" pitchFamily="34" charset="0"/>
+              </a:rPr>
+              <a:t>Not</a:t>
+            </a:r>
+            <a:r>
+              <a:rPr lang="ru-RU" altLang="ru-RU" dirty="0">
+                <a:solidFill>
+                  <a:srgbClr val="72C3E0"/>
+                </a:solidFill>
+                <a:latin typeface="Verdana" panose="020B0604030504040204" pitchFamily="34" charset="0"/>
+              </a:rPr>
+              <a:t> </a:t>
+            </a:r>
+            <a:r>
+              <a:rPr lang="ru-RU" altLang="ru-RU" dirty="0" err="1">
+                <a:solidFill>
+                  <a:srgbClr val="72C3E0"/>
+                </a:solidFill>
+                <a:latin typeface="Verdana" panose="020B0604030504040204" pitchFamily="34" charset="0"/>
+              </a:rPr>
+              <a:t>found</a:t>
+            </a:r>
+            <a:r>
+              <a:rPr lang="ru-RU" altLang="ru-RU" dirty="0">
+                <a:solidFill>
+                  <a:srgbClr val="72C3E0"/>
+                </a:solidFill>
+                <a:latin typeface="Verdana" panose="020B0604030504040204" pitchFamily="34" charset="0"/>
+              </a:rPr>
+              <a:t>\r\n\r\n"</a:t>
+            </a:r>
+            <a:r>
+              <a:rPr lang="ru-RU" altLang="ru-RU" dirty="0">
+                <a:solidFill>
+                  <a:srgbClr val="FFFFFF"/>
+                </a:solidFill>
+                <a:latin typeface="Verdana" panose="020B0604030504040204" pitchFamily="34" charset="0"/>
+              </a:rPr>
+              <a:t>);</a:t>
+            </a:r>
+            <a:br>
+              <a:rPr lang="ru-RU" altLang="ru-RU" dirty="0">
+                <a:solidFill>
+                  <a:srgbClr val="FFFFFF"/>
+                </a:solidFill>
+                <a:latin typeface="Verdana" panose="020B0604030504040204" pitchFamily="34" charset="0"/>
+              </a:rPr>
+            </a:br>
+            <a:r>
+              <a:rPr lang="ru-RU" altLang="ru-RU" dirty="0" smtClean="0">
+                <a:solidFill>
+                  <a:srgbClr val="FFFFFF"/>
+                </a:solidFill>
+                <a:latin typeface="Verdana" panose="020B0604030504040204" pitchFamily="34" charset="0"/>
+              </a:rPr>
+              <a:t>}</a:t>
+            </a:r>
+            <a:endParaRPr lang="en-US" altLang="ru-RU" dirty="0" smtClean="0">
+              <a:solidFill>
+                <a:srgbClr val="FFFFFF"/>
+              </a:solidFill>
+              <a:latin typeface="Verdana" panose="020B0604030504040204" pitchFamily="34" charset="0"/>
+            </a:endParaRPr>
+          </a:p>
+          <a:p>
+            <a:pPr>
+              <a:lnSpc>
+                <a:spcPct val="125000"/>
+              </a:lnSpc>
+            </a:pPr>
+            <a:endParaRPr lang="en-US" altLang="ru-RU" dirty="0">
+              <a:solidFill>
+                <a:srgbClr val="FFFFFF"/>
+              </a:solidFill>
+              <a:latin typeface="Verdana" panose="020B0604030504040204" pitchFamily="34" charset="0"/>
+            </a:endParaRPr>
+          </a:p>
+          <a:p>
+            <a:pPr>
+              <a:lnSpc>
+                <a:spcPct val="125000"/>
+              </a:lnSpc>
+            </a:pPr>
+            <a:r>
+              <a:rPr lang="ru-RU" altLang="ru-RU" dirty="0" err="1" smtClean="0">
+                <a:solidFill>
+                  <a:srgbClr val="FFFFFF"/>
+                </a:solidFill>
+                <a:latin typeface="Verdana" panose="020B0604030504040204" pitchFamily="34" charset="0"/>
+              </a:rPr>
+              <a:t>void</a:t>
+            </a:r>
+            <a:r>
+              <a:rPr lang="ru-RU" altLang="ru-RU" dirty="0" smtClean="0">
+                <a:solidFill>
+                  <a:srgbClr val="FFFFFF"/>
+                </a:solidFill>
+                <a:latin typeface="Verdana" panose="020B0604030504040204" pitchFamily="34" charset="0"/>
+              </a:rPr>
+              <a:t> </a:t>
+            </a:r>
+            <a:r>
+              <a:rPr lang="ru-RU" altLang="ru-RU" dirty="0" err="1">
+                <a:solidFill>
+                  <a:srgbClr val="FFCC00"/>
+                </a:solidFill>
+                <a:latin typeface="Verdana" panose="020B0604030504040204" pitchFamily="34" charset="0"/>
+              </a:rPr>
+              <a:t>TestSetContent</a:t>
+            </a:r>
+            <a:r>
+              <a:rPr lang="ru-RU" altLang="ru-RU" dirty="0">
+                <a:solidFill>
+                  <a:srgbClr val="FFFFFF"/>
+                </a:solidFill>
+                <a:latin typeface="Verdana" panose="020B0604030504040204" pitchFamily="34" charset="0"/>
+              </a:rPr>
+              <a:t>() {</a:t>
+            </a:r>
+            <a:br>
+              <a:rPr lang="ru-RU" altLang="ru-RU" dirty="0">
+                <a:solidFill>
+                  <a:srgbClr val="FFFFFF"/>
+                </a:solidFill>
+                <a:latin typeface="Verdana" panose="020B0604030504040204" pitchFamily="34" charset="0"/>
+              </a:rPr>
+            </a:br>
+            <a:r>
+              <a:rPr lang="ru-RU" altLang="ru-RU" dirty="0">
+                <a:solidFill>
+                  <a:srgbClr val="FFFFFF"/>
+                </a:solidFill>
+                <a:latin typeface="Verdana" panose="020B0604030504040204" pitchFamily="34" charset="0"/>
+              </a:rPr>
+              <a:t>    </a:t>
+            </a:r>
+            <a:r>
+              <a:rPr lang="ru-RU" altLang="ru-RU" dirty="0" err="1">
+                <a:solidFill>
+                  <a:srgbClr val="9E64A9"/>
+                </a:solidFill>
+                <a:latin typeface="Verdana" panose="020B0604030504040204" pitchFamily="34" charset="0"/>
+              </a:rPr>
+              <a:t>std</a:t>
+            </a:r>
+            <a:r>
+              <a:rPr lang="ru-RU" altLang="ru-RU" dirty="0">
+                <a:solidFill>
+                  <a:srgbClr val="FFFFFF"/>
+                </a:solidFill>
+                <a:latin typeface="Verdana" panose="020B0604030504040204" pitchFamily="34" charset="0"/>
+              </a:rPr>
+              <a:t>::</a:t>
+            </a:r>
+            <a:r>
+              <a:rPr lang="ru-RU" altLang="ru-RU" dirty="0" err="1">
+                <a:solidFill>
+                  <a:srgbClr val="FFCC00"/>
+                </a:solidFill>
+                <a:latin typeface="Verdana" panose="020B0604030504040204" pitchFamily="34" charset="0"/>
+              </a:rPr>
+              <a:t>ostringstream</a:t>
+            </a:r>
+            <a:r>
+              <a:rPr lang="ru-RU" altLang="ru-RU" dirty="0">
+                <a:solidFill>
+                  <a:srgbClr val="FFCC00"/>
+                </a:solidFill>
+                <a:latin typeface="Verdana" panose="020B0604030504040204" pitchFamily="34" charset="0"/>
+              </a:rPr>
+              <a:t> </a:t>
+            </a:r>
+            <a:r>
+              <a:rPr lang="ru-RU" altLang="ru-RU" dirty="0" err="1" smtClean="0">
+                <a:solidFill>
+                  <a:srgbClr val="5BCD9D"/>
+                </a:solidFill>
+                <a:latin typeface="Verdana" panose="020B0604030504040204" pitchFamily="34" charset="0"/>
+              </a:rPr>
+              <a:t>os</a:t>
+            </a:r>
+            <a:r>
+              <a:rPr lang="en-US" altLang="ru-RU" dirty="0" smtClean="0">
+                <a:latin typeface="Verdana" panose="020B0604030504040204" pitchFamily="34" charset="0"/>
+              </a:rPr>
+              <a:t>,</a:t>
+            </a:r>
+            <a:r>
+              <a:rPr lang="en-US" altLang="ru-RU" dirty="0" smtClean="0">
+                <a:solidFill>
+                  <a:srgbClr val="5BCD9D"/>
+                </a:solidFill>
+                <a:latin typeface="Verdana" panose="020B0604030504040204" pitchFamily="34" charset="0"/>
+              </a:rPr>
+              <a:t> </a:t>
+            </a:r>
+            <a:r>
+              <a:rPr lang="ru-RU" altLang="ru-RU" dirty="0" err="1">
+                <a:solidFill>
+                  <a:srgbClr val="5BCD9D"/>
+                </a:solidFill>
+                <a:latin typeface="Verdana" panose="020B0604030504040204" pitchFamily="34" charset="0"/>
+              </a:rPr>
+              <a:t>expected</a:t>
+            </a:r>
+            <a:r>
+              <a:rPr lang="ru-RU" altLang="ru-RU" dirty="0" smtClean="0">
+                <a:solidFill>
+                  <a:srgbClr val="FFFFFF"/>
+                </a:solidFill>
+                <a:latin typeface="Verdana" panose="020B0604030504040204" pitchFamily="34" charset="0"/>
+              </a:rPr>
+              <a:t>;</a:t>
+            </a:r>
+            <a:r>
+              <a:rPr lang="ru-RU" altLang="ru-RU" dirty="0">
+                <a:solidFill>
+                  <a:srgbClr val="FFFFFF"/>
+                </a:solidFill>
+                <a:latin typeface="Verdana" panose="020B0604030504040204" pitchFamily="34" charset="0"/>
+              </a:rPr>
+              <a:t/>
+            </a:r>
+            <a:br>
+              <a:rPr lang="ru-RU" altLang="ru-RU" dirty="0">
+                <a:solidFill>
+                  <a:srgbClr val="FFFFFF"/>
+                </a:solidFill>
+                <a:latin typeface="Verdana" panose="020B0604030504040204" pitchFamily="34" charset="0"/>
+              </a:rPr>
+            </a:br>
+            <a:r>
+              <a:rPr lang="ru-RU" altLang="ru-RU" dirty="0">
+                <a:solidFill>
+                  <a:srgbClr val="FFFFFF"/>
+                </a:solidFill>
+                <a:latin typeface="Verdana" panose="020B0604030504040204" pitchFamily="34" charset="0"/>
+              </a:rPr>
+              <a:t>    </a:t>
+            </a:r>
+            <a:r>
+              <a:rPr lang="ru-RU" altLang="ru-RU" dirty="0" err="1">
+                <a:solidFill>
+                  <a:srgbClr val="FFFFFF"/>
+                </a:solidFill>
+                <a:latin typeface="Verdana" panose="020B0604030504040204" pitchFamily="34" charset="0"/>
+              </a:rPr>
+              <a:t>const</a:t>
+            </a:r>
+            <a:r>
+              <a:rPr lang="ru-RU" altLang="ru-RU" dirty="0">
+                <a:solidFill>
+                  <a:srgbClr val="FFFFFF"/>
+                </a:solidFill>
+                <a:latin typeface="Verdana" panose="020B0604030504040204" pitchFamily="34" charset="0"/>
+              </a:rPr>
+              <a:t> </a:t>
+            </a:r>
+            <a:r>
+              <a:rPr lang="ru-RU" altLang="ru-RU" dirty="0" err="1">
+                <a:solidFill>
+                  <a:srgbClr val="9E64A9"/>
+                </a:solidFill>
+                <a:latin typeface="Verdana" panose="020B0604030504040204" pitchFamily="34" charset="0"/>
+              </a:rPr>
+              <a:t>std</a:t>
+            </a:r>
+            <a:r>
+              <a:rPr lang="ru-RU" altLang="ru-RU" dirty="0">
+                <a:solidFill>
+                  <a:srgbClr val="FFFFFF"/>
+                </a:solidFill>
+                <a:latin typeface="Verdana" panose="020B0604030504040204" pitchFamily="34" charset="0"/>
+              </a:rPr>
+              <a:t>::</a:t>
+            </a:r>
+            <a:r>
+              <a:rPr lang="ru-RU" altLang="ru-RU" dirty="0" err="1">
+                <a:solidFill>
+                  <a:srgbClr val="FFCC00"/>
+                </a:solidFill>
+                <a:latin typeface="Verdana" panose="020B0604030504040204" pitchFamily="34" charset="0"/>
+              </a:rPr>
+              <a:t>string</a:t>
+            </a:r>
+            <a:r>
+              <a:rPr lang="ru-RU" altLang="ru-RU" dirty="0">
+                <a:solidFill>
+                  <a:srgbClr val="FFCC00"/>
+                </a:solidFill>
+                <a:latin typeface="Verdana" panose="020B0604030504040204" pitchFamily="34" charset="0"/>
+              </a:rPr>
+              <a:t> </a:t>
+            </a:r>
+            <a:r>
+              <a:rPr lang="ru-RU" altLang="ru-RU" dirty="0" err="1">
+                <a:solidFill>
+                  <a:srgbClr val="5BCD9D"/>
+                </a:solidFill>
+                <a:latin typeface="Verdana" panose="020B0604030504040204" pitchFamily="34" charset="0"/>
+              </a:rPr>
+              <a:t>content</a:t>
+            </a:r>
+            <a:r>
+              <a:rPr lang="ru-RU" altLang="ru-RU" dirty="0">
+                <a:solidFill>
+                  <a:srgbClr val="5BCD9D"/>
+                </a:solidFill>
+                <a:latin typeface="Verdana" panose="020B0604030504040204" pitchFamily="34" charset="0"/>
+              </a:rPr>
+              <a:t> </a:t>
+            </a:r>
+            <a:r>
+              <a:rPr lang="ru-RU" altLang="ru-RU" dirty="0">
+                <a:solidFill>
+                  <a:srgbClr val="FFFFFF"/>
+                </a:solidFill>
+                <a:latin typeface="Verdana" panose="020B0604030504040204" pitchFamily="34" charset="0"/>
+              </a:rPr>
+              <a:t>= </a:t>
+            </a:r>
+            <a:r>
+              <a:rPr lang="ru-RU" altLang="ru-RU" dirty="0">
+                <a:solidFill>
+                  <a:srgbClr val="72C3E0"/>
+                </a:solidFill>
+                <a:latin typeface="Verdana" panose="020B0604030504040204" pitchFamily="34" charset="0"/>
+              </a:rPr>
+              <a:t>"</a:t>
+            </a:r>
+            <a:r>
+              <a:rPr lang="ru-RU" altLang="ru-RU" dirty="0" err="1">
+                <a:solidFill>
+                  <a:srgbClr val="72C3E0"/>
+                </a:solidFill>
+                <a:latin typeface="Verdana" panose="020B0604030504040204" pitchFamily="34" charset="0"/>
+              </a:rPr>
+              <a:t>Hello</a:t>
+            </a:r>
+            <a:r>
+              <a:rPr lang="ru-RU" altLang="ru-RU" dirty="0">
+                <a:solidFill>
+                  <a:srgbClr val="72C3E0"/>
+                </a:solidFill>
+                <a:latin typeface="Verdana" panose="020B0604030504040204" pitchFamily="34" charset="0"/>
+              </a:rPr>
+              <a:t>, SECR 2017!"</a:t>
+            </a:r>
+            <a:r>
+              <a:rPr lang="ru-RU" altLang="ru-RU" dirty="0">
+                <a:solidFill>
+                  <a:srgbClr val="FFFFFF"/>
+                </a:solidFill>
+                <a:latin typeface="Verdana" panose="020B0604030504040204" pitchFamily="34" charset="0"/>
+              </a:rPr>
+              <a:t>;</a:t>
+            </a:r>
+            <a:br>
+              <a:rPr lang="ru-RU" altLang="ru-RU" dirty="0">
+                <a:solidFill>
+                  <a:srgbClr val="FFFFFF"/>
+                </a:solidFill>
+                <a:latin typeface="Verdana" panose="020B0604030504040204" pitchFamily="34" charset="0"/>
+              </a:rPr>
+            </a:br>
+            <a:r>
+              <a:rPr lang="ru-RU" altLang="ru-RU" dirty="0">
+                <a:solidFill>
+                  <a:srgbClr val="FFFFFF"/>
+                </a:solidFill>
+                <a:latin typeface="Verdana" panose="020B0604030504040204" pitchFamily="34" charset="0"/>
+              </a:rPr>
+              <a:t>    </a:t>
+            </a:r>
+            <a:r>
+              <a:rPr lang="ru-RU" altLang="ru-RU" dirty="0" err="1">
+                <a:solidFill>
+                  <a:srgbClr val="5BCD9D"/>
+                </a:solidFill>
+                <a:latin typeface="Verdana" panose="020B0604030504040204" pitchFamily="34" charset="0"/>
+              </a:rPr>
+              <a:t>os</a:t>
+            </a:r>
+            <a:r>
+              <a:rPr lang="ru-RU" altLang="ru-RU" dirty="0">
+                <a:solidFill>
+                  <a:srgbClr val="5BCD9D"/>
+                </a:solidFill>
+                <a:latin typeface="Verdana" panose="020B0604030504040204" pitchFamily="34" charset="0"/>
+              </a:rPr>
+              <a:t> </a:t>
+            </a:r>
+            <a:r>
+              <a:rPr lang="ru-RU" altLang="ru-RU" dirty="0">
+                <a:solidFill>
+                  <a:srgbClr val="FFFFFF"/>
+                </a:solidFill>
+                <a:latin typeface="Verdana" panose="020B0604030504040204" pitchFamily="34" charset="0"/>
+              </a:rPr>
+              <a:t>&lt;&lt; </a:t>
+            </a:r>
+            <a:r>
+              <a:rPr lang="ru-RU" altLang="ru-RU" dirty="0" err="1">
+                <a:solidFill>
+                  <a:srgbClr val="FFCC00"/>
+                </a:solidFill>
+                <a:latin typeface="Verdana" panose="020B0604030504040204" pitchFamily="34" charset="0"/>
+              </a:rPr>
+              <a:t>HttpResponse</a:t>
+            </a:r>
+            <a:r>
+              <a:rPr lang="ru-RU" altLang="ru-RU" dirty="0">
+                <a:solidFill>
+                  <a:srgbClr val="FFFFFF"/>
+                </a:solidFill>
+                <a:latin typeface="Verdana" panose="020B0604030504040204" pitchFamily="34" charset="0"/>
+              </a:rPr>
+              <a:t>(</a:t>
+            </a:r>
+            <a:r>
+              <a:rPr lang="ru-RU" altLang="ru-RU" dirty="0" err="1">
+                <a:solidFill>
+                  <a:srgbClr val="FFCC00"/>
+                </a:solidFill>
+                <a:latin typeface="Verdana" panose="020B0604030504040204" pitchFamily="34" charset="0"/>
+              </a:rPr>
+              <a:t>HttpCode</a:t>
+            </a:r>
+            <a:r>
+              <a:rPr lang="ru-RU" altLang="ru-RU" dirty="0">
+                <a:solidFill>
+                  <a:srgbClr val="FFFFFF"/>
+                </a:solidFill>
+                <a:latin typeface="Verdana" panose="020B0604030504040204" pitchFamily="34" charset="0"/>
+              </a:rPr>
+              <a:t>::</a:t>
+            </a:r>
+            <a:r>
+              <a:rPr lang="ru-RU" altLang="ru-RU" dirty="0">
+                <a:solidFill>
+                  <a:srgbClr val="5BCD9D"/>
+                </a:solidFill>
+                <a:latin typeface="Verdana" panose="020B0604030504040204" pitchFamily="34" charset="0"/>
+              </a:rPr>
+              <a:t>OK</a:t>
+            </a:r>
+            <a:r>
+              <a:rPr lang="ru-RU" altLang="ru-RU" dirty="0">
+                <a:solidFill>
+                  <a:srgbClr val="FFFFFF"/>
+                </a:solidFill>
+                <a:latin typeface="Verdana" panose="020B0604030504040204" pitchFamily="34" charset="0"/>
+              </a:rPr>
+              <a:t>).</a:t>
+            </a:r>
+            <a:r>
+              <a:rPr lang="ru-RU" altLang="ru-RU" dirty="0" err="1">
+                <a:solidFill>
+                  <a:srgbClr val="FFCC00"/>
+                </a:solidFill>
+                <a:latin typeface="Verdana" panose="020B0604030504040204" pitchFamily="34" charset="0"/>
+              </a:rPr>
+              <a:t>SetContent</a:t>
+            </a:r>
+            <a:r>
+              <a:rPr lang="ru-RU" altLang="ru-RU" dirty="0">
+                <a:solidFill>
+                  <a:srgbClr val="FFFFFF"/>
+                </a:solidFill>
+                <a:latin typeface="Verdana" panose="020B0604030504040204" pitchFamily="34" charset="0"/>
+              </a:rPr>
+              <a:t>(</a:t>
+            </a:r>
+            <a:r>
+              <a:rPr lang="ru-RU" altLang="ru-RU" dirty="0" err="1">
+                <a:solidFill>
+                  <a:srgbClr val="5BCD9D"/>
+                </a:solidFill>
+                <a:latin typeface="Verdana" panose="020B0604030504040204" pitchFamily="34" charset="0"/>
+              </a:rPr>
+              <a:t>content</a:t>
+            </a:r>
+            <a:r>
+              <a:rPr lang="ru-RU" altLang="ru-RU" dirty="0">
+                <a:solidFill>
+                  <a:srgbClr val="FFFFFF"/>
+                </a:solidFill>
+                <a:latin typeface="Verdana" panose="020B0604030504040204" pitchFamily="34" charset="0"/>
+              </a:rPr>
+              <a:t>);</a:t>
+            </a:r>
+            <a:br>
+              <a:rPr lang="ru-RU" altLang="ru-RU" dirty="0">
+                <a:solidFill>
+                  <a:srgbClr val="FFFFFF"/>
+                </a:solidFill>
+                <a:latin typeface="Verdana" panose="020B0604030504040204" pitchFamily="34" charset="0"/>
+              </a:rPr>
+            </a:br>
+            <a:r>
+              <a:rPr lang="en-US" altLang="ru-RU" dirty="0" smtClean="0">
+                <a:solidFill>
+                  <a:srgbClr val="FFFFFF"/>
+                </a:solidFill>
+                <a:latin typeface="Verdana" panose="020B0604030504040204" pitchFamily="34" charset="0"/>
+              </a:rPr>
+              <a:t>    </a:t>
+            </a:r>
+            <a:r>
+              <a:rPr lang="ru-RU" altLang="ru-RU" dirty="0" err="1" smtClean="0">
+                <a:solidFill>
+                  <a:srgbClr val="5BCD9D"/>
+                </a:solidFill>
+                <a:latin typeface="Verdana" panose="020B0604030504040204" pitchFamily="34" charset="0"/>
+              </a:rPr>
+              <a:t>expected</a:t>
+            </a:r>
+            <a:r>
+              <a:rPr lang="ru-RU" altLang="ru-RU" dirty="0" smtClean="0">
+                <a:solidFill>
+                  <a:srgbClr val="5BCD9D"/>
+                </a:solidFill>
+                <a:latin typeface="Verdana" panose="020B0604030504040204" pitchFamily="34" charset="0"/>
+              </a:rPr>
+              <a:t> </a:t>
+            </a:r>
+            <a:r>
+              <a:rPr lang="ru-RU" altLang="ru-RU" dirty="0">
+                <a:solidFill>
+                  <a:srgbClr val="FFFFFF"/>
+                </a:solidFill>
+                <a:latin typeface="Verdana" panose="020B0604030504040204" pitchFamily="34" charset="0"/>
+              </a:rPr>
+              <a:t>&lt;&lt; </a:t>
+            </a:r>
+            <a:r>
+              <a:rPr lang="ru-RU" altLang="ru-RU" dirty="0">
+                <a:solidFill>
+                  <a:srgbClr val="72C3E0"/>
+                </a:solidFill>
+                <a:latin typeface="Verdana" panose="020B0604030504040204" pitchFamily="34" charset="0"/>
+              </a:rPr>
+              <a:t>"HTTP/1.1 200 </a:t>
+            </a:r>
+            <a:r>
+              <a:rPr lang="ru-RU" altLang="ru-RU" dirty="0" smtClean="0">
+                <a:solidFill>
+                  <a:srgbClr val="72C3E0"/>
+                </a:solidFill>
+                <a:latin typeface="Verdana" panose="020B0604030504040204" pitchFamily="34" charset="0"/>
+              </a:rPr>
+              <a:t>OK\r\n“</a:t>
+            </a:r>
+            <a:r>
+              <a:rPr lang="en-US" altLang="ru-RU" dirty="0" smtClean="0">
+                <a:solidFill>
+                  <a:srgbClr val="72C3E0"/>
+                </a:solidFill>
+                <a:latin typeface="Verdana" panose="020B0604030504040204" pitchFamily="34" charset="0"/>
+              </a:rPr>
+              <a:t> </a:t>
+            </a:r>
+            <a:r>
+              <a:rPr lang="ru-RU" altLang="ru-RU" dirty="0" smtClean="0">
+                <a:solidFill>
+                  <a:srgbClr val="FFFFFF"/>
+                </a:solidFill>
+                <a:latin typeface="Verdana" panose="020B0604030504040204" pitchFamily="34" charset="0"/>
+              </a:rPr>
+              <a:t>&lt;&lt; </a:t>
+            </a:r>
+            <a:r>
+              <a:rPr lang="ru-RU" altLang="ru-RU" dirty="0">
+                <a:solidFill>
+                  <a:srgbClr val="72C3E0"/>
+                </a:solidFill>
+                <a:latin typeface="Verdana" panose="020B0604030504040204" pitchFamily="34" charset="0"/>
+              </a:rPr>
+              <a:t>"</a:t>
+            </a:r>
+            <a:r>
+              <a:rPr lang="ru-RU" altLang="ru-RU" dirty="0" err="1">
+                <a:solidFill>
+                  <a:srgbClr val="72C3E0"/>
+                </a:solidFill>
+                <a:latin typeface="Verdana" panose="020B0604030504040204" pitchFamily="34" charset="0"/>
+              </a:rPr>
+              <a:t>Content-Length</a:t>
+            </a:r>
+            <a:r>
+              <a:rPr lang="ru-RU" altLang="ru-RU" dirty="0">
+                <a:solidFill>
+                  <a:srgbClr val="72C3E0"/>
+                </a:solidFill>
+                <a:latin typeface="Verdana" panose="020B0604030504040204" pitchFamily="34" charset="0"/>
+              </a:rPr>
+              <a:t>: " </a:t>
+            </a:r>
+            <a:r>
+              <a:rPr lang="ru-RU" altLang="ru-RU" dirty="0">
+                <a:solidFill>
+                  <a:srgbClr val="FFFFFF"/>
+                </a:solidFill>
+                <a:latin typeface="Verdana" panose="020B0604030504040204" pitchFamily="34" charset="0"/>
+              </a:rPr>
+              <a:t>&lt;&lt; </a:t>
+            </a:r>
+            <a:r>
+              <a:rPr lang="ru-RU" altLang="ru-RU" dirty="0" err="1">
+                <a:solidFill>
+                  <a:srgbClr val="5BCD9D"/>
+                </a:solidFill>
+                <a:latin typeface="Verdana" panose="020B0604030504040204" pitchFamily="34" charset="0"/>
+              </a:rPr>
+              <a:t>content</a:t>
+            </a:r>
+            <a:r>
+              <a:rPr lang="ru-RU" altLang="ru-RU" dirty="0" err="1">
+                <a:solidFill>
+                  <a:srgbClr val="FFFFFF"/>
+                </a:solidFill>
+                <a:latin typeface="Verdana" panose="020B0604030504040204" pitchFamily="34" charset="0"/>
+              </a:rPr>
+              <a:t>.</a:t>
+            </a:r>
+            <a:r>
+              <a:rPr lang="ru-RU" altLang="ru-RU" dirty="0" err="1">
+                <a:solidFill>
+                  <a:srgbClr val="FFCC00"/>
+                </a:solidFill>
+                <a:latin typeface="Verdana" panose="020B0604030504040204" pitchFamily="34" charset="0"/>
+              </a:rPr>
+              <a:t>size</a:t>
+            </a:r>
+            <a:r>
+              <a:rPr lang="ru-RU" altLang="ru-RU" dirty="0">
+                <a:solidFill>
+                  <a:srgbClr val="FFFFFF"/>
+                </a:solidFill>
+                <a:latin typeface="Verdana" panose="020B0604030504040204" pitchFamily="34" charset="0"/>
+              </a:rPr>
+              <a:t>() &lt;&lt; </a:t>
+            </a:r>
+            <a:r>
+              <a:rPr lang="ru-RU" altLang="ru-RU" dirty="0">
+                <a:solidFill>
+                  <a:srgbClr val="72C3E0"/>
+                </a:solidFill>
+                <a:latin typeface="Verdana" panose="020B0604030504040204" pitchFamily="34" charset="0"/>
+              </a:rPr>
+              <a:t>"\r\n"</a:t>
+            </a:r>
+            <a:br>
+              <a:rPr lang="ru-RU" altLang="ru-RU" dirty="0">
+                <a:solidFill>
+                  <a:srgbClr val="72C3E0"/>
+                </a:solidFill>
+                <a:latin typeface="Verdana" panose="020B0604030504040204" pitchFamily="34" charset="0"/>
+              </a:rPr>
+            </a:br>
+            <a:r>
+              <a:rPr lang="en-US" altLang="ru-RU" dirty="0" smtClean="0">
+                <a:solidFill>
+                  <a:srgbClr val="72C3E0"/>
+                </a:solidFill>
+                <a:latin typeface="Verdana" panose="020B0604030504040204" pitchFamily="34" charset="0"/>
+              </a:rPr>
+              <a:t>    </a:t>
+            </a:r>
+            <a:r>
+              <a:rPr lang="ru-RU" altLang="ru-RU" dirty="0" smtClean="0">
+                <a:solidFill>
+                  <a:srgbClr val="72C3E0"/>
+                </a:solidFill>
+                <a:latin typeface="Verdana" panose="020B0604030504040204" pitchFamily="34" charset="0"/>
+              </a:rPr>
+              <a:t>             </a:t>
+            </a:r>
+            <a:r>
+              <a:rPr lang="ru-RU" altLang="ru-RU" dirty="0">
+                <a:solidFill>
+                  <a:srgbClr val="FFFFFF"/>
+                </a:solidFill>
+                <a:latin typeface="Verdana" panose="020B0604030504040204" pitchFamily="34" charset="0"/>
+              </a:rPr>
+              <a:t>&lt;&lt; </a:t>
+            </a:r>
+            <a:r>
+              <a:rPr lang="ru-RU" altLang="ru-RU" dirty="0">
+                <a:solidFill>
+                  <a:srgbClr val="72C3E0"/>
+                </a:solidFill>
+                <a:latin typeface="Verdana" panose="020B0604030504040204" pitchFamily="34" charset="0"/>
+              </a:rPr>
+              <a:t>"\</a:t>
+            </a:r>
+            <a:r>
+              <a:rPr lang="ru-RU" altLang="ru-RU" dirty="0" smtClean="0">
+                <a:solidFill>
+                  <a:srgbClr val="72C3E0"/>
+                </a:solidFill>
+                <a:latin typeface="Verdana" panose="020B0604030504040204" pitchFamily="34" charset="0"/>
+              </a:rPr>
+              <a:t>r\n“</a:t>
+            </a:r>
+            <a:r>
+              <a:rPr lang="en-US" altLang="ru-RU" dirty="0" smtClean="0">
+                <a:solidFill>
+                  <a:srgbClr val="72C3E0"/>
+                </a:solidFill>
+                <a:latin typeface="Verdana" panose="020B0604030504040204" pitchFamily="34" charset="0"/>
+              </a:rPr>
+              <a:t> </a:t>
+            </a:r>
+            <a:r>
+              <a:rPr lang="ru-RU" altLang="ru-RU" dirty="0" smtClean="0">
+                <a:solidFill>
+                  <a:srgbClr val="FFFFFF"/>
+                </a:solidFill>
+                <a:latin typeface="Verdana" panose="020B0604030504040204" pitchFamily="34" charset="0"/>
+              </a:rPr>
+              <a:t>&lt;&lt; </a:t>
+            </a:r>
+            <a:r>
+              <a:rPr lang="ru-RU" altLang="ru-RU" dirty="0" err="1">
+                <a:solidFill>
+                  <a:srgbClr val="5BCD9D"/>
+                </a:solidFill>
+                <a:latin typeface="Verdana" panose="020B0604030504040204" pitchFamily="34" charset="0"/>
+              </a:rPr>
+              <a:t>content</a:t>
+            </a:r>
+            <a:r>
+              <a:rPr lang="ru-RU" altLang="ru-RU" dirty="0">
+                <a:solidFill>
+                  <a:srgbClr val="FFFFFF"/>
+                </a:solidFill>
+                <a:latin typeface="Verdana" panose="020B0604030504040204" pitchFamily="34" charset="0"/>
+              </a:rPr>
+              <a:t>;</a:t>
+            </a:r>
+            <a:br>
+              <a:rPr lang="ru-RU" altLang="ru-RU" dirty="0">
+                <a:solidFill>
+                  <a:srgbClr val="FFFFFF"/>
+                </a:solidFill>
+                <a:latin typeface="Verdana" panose="020B0604030504040204" pitchFamily="34" charset="0"/>
+              </a:rPr>
+            </a:br>
+            <a:r>
+              <a:rPr lang="ru-RU" altLang="ru-RU" dirty="0">
+                <a:solidFill>
+                  <a:srgbClr val="FFFFFF"/>
+                </a:solidFill>
+                <a:latin typeface="Verdana" panose="020B0604030504040204" pitchFamily="34" charset="0"/>
+              </a:rPr>
+              <a:t>    </a:t>
+            </a:r>
+            <a:r>
+              <a:rPr lang="ru-RU" altLang="ru-RU" dirty="0" err="1">
+                <a:solidFill>
+                  <a:srgbClr val="908B25"/>
+                </a:solidFill>
+                <a:latin typeface="Verdana" panose="020B0604030504040204" pitchFamily="34" charset="0"/>
+              </a:rPr>
+              <a:t>assert</a:t>
+            </a:r>
+            <a:r>
+              <a:rPr lang="ru-RU" altLang="ru-RU" dirty="0">
+                <a:solidFill>
+                  <a:srgbClr val="FFFFFF"/>
+                </a:solidFill>
+                <a:latin typeface="Verdana" panose="020B0604030504040204" pitchFamily="34" charset="0"/>
+              </a:rPr>
+              <a:t>(</a:t>
+            </a:r>
+            <a:r>
+              <a:rPr lang="ru-RU" altLang="ru-RU" dirty="0" err="1">
+                <a:solidFill>
+                  <a:srgbClr val="5BCD9D"/>
+                </a:solidFill>
+                <a:latin typeface="Verdana" panose="020B0604030504040204" pitchFamily="34" charset="0"/>
+              </a:rPr>
+              <a:t>os</a:t>
+            </a:r>
+            <a:r>
+              <a:rPr lang="ru-RU" altLang="ru-RU" dirty="0" err="1">
+                <a:solidFill>
+                  <a:srgbClr val="FFFFFF"/>
+                </a:solidFill>
+                <a:latin typeface="Verdana" panose="020B0604030504040204" pitchFamily="34" charset="0"/>
+              </a:rPr>
+              <a:t>.</a:t>
+            </a:r>
+            <a:r>
+              <a:rPr lang="ru-RU" altLang="ru-RU" dirty="0" err="1">
+                <a:solidFill>
+                  <a:srgbClr val="FFCC00"/>
+                </a:solidFill>
+                <a:latin typeface="Verdana" panose="020B0604030504040204" pitchFamily="34" charset="0"/>
+              </a:rPr>
+              <a:t>str</a:t>
+            </a:r>
+            <a:r>
+              <a:rPr lang="ru-RU" altLang="ru-RU" dirty="0">
+                <a:solidFill>
+                  <a:srgbClr val="FFFFFF"/>
+                </a:solidFill>
+                <a:latin typeface="Verdana" panose="020B0604030504040204" pitchFamily="34" charset="0"/>
+              </a:rPr>
+              <a:t>() == </a:t>
+            </a:r>
+            <a:r>
+              <a:rPr lang="ru-RU" altLang="ru-RU" dirty="0" err="1">
+                <a:solidFill>
+                  <a:srgbClr val="5BCD9D"/>
+                </a:solidFill>
+                <a:latin typeface="Verdana" panose="020B0604030504040204" pitchFamily="34" charset="0"/>
+              </a:rPr>
+              <a:t>expected</a:t>
+            </a:r>
+            <a:r>
+              <a:rPr lang="ru-RU" altLang="ru-RU" dirty="0" err="1">
+                <a:solidFill>
+                  <a:srgbClr val="FFFFFF"/>
+                </a:solidFill>
+                <a:latin typeface="Verdana" panose="020B0604030504040204" pitchFamily="34" charset="0"/>
+              </a:rPr>
+              <a:t>.</a:t>
+            </a:r>
+            <a:r>
+              <a:rPr lang="ru-RU" altLang="ru-RU" dirty="0" err="1">
+                <a:solidFill>
+                  <a:srgbClr val="FFCC00"/>
+                </a:solidFill>
+                <a:latin typeface="Verdana" panose="020B0604030504040204" pitchFamily="34" charset="0"/>
+              </a:rPr>
+              <a:t>str</a:t>
+            </a:r>
+            <a:r>
+              <a:rPr lang="ru-RU" altLang="ru-RU" dirty="0">
+                <a:solidFill>
+                  <a:srgbClr val="FFFFFF"/>
+                </a:solidFill>
+                <a:latin typeface="Verdana" panose="020B0604030504040204" pitchFamily="34" charset="0"/>
+              </a:rPr>
+              <a:t>());</a:t>
+            </a:r>
+            <a:br>
+              <a:rPr lang="ru-RU" altLang="ru-RU" dirty="0">
+                <a:solidFill>
+                  <a:srgbClr val="FFFFFF"/>
+                </a:solidFill>
+                <a:latin typeface="Verdana" panose="020B0604030504040204" pitchFamily="34" charset="0"/>
+              </a:rPr>
+            </a:br>
+            <a:r>
+              <a:rPr lang="ru-RU" altLang="ru-RU" dirty="0" smtClean="0">
+                <a:solidFill>
+                  <a:srgbClr val="FFFFFF"/>
+                </a:solidFill>
+                <a:latin typeface="Verdana" panose="020B0604030504040204" pitchFamily="34" charset="0"/>
+              </a:rPr>
+              <a:t>}</a:t>
+            </a:r>
+            <a:endParaRPr lang="ru-RU" altLang="ru-RU" sz="6600" dirty="0">
+              <a:latin typeface="Arial" panose="020B0604020202020204" pitchFamily="34" charset="0"/>
+            </a:endParaRPr>
+          </a:p>
+        </p:txBody>
+      </p:sp>
+    </p:spTree>
+    <p:extLst>
+      <p:ext uri="{BB962C8B-B14F-4D97-AF65-F5344CB8AC3E}">
+        <p14:creationId xmlns:p14="http://schemas.microsoft.com/office/powerpoint/2010/main" val="3688710194"/>
+      </p:ext>
+    </p:extLst>
+  </p:cSld>
+  <p:clrMapOvr>
+    <a:masterClrMapping/>
+  </p:clrMapOvr>
+  <p:transition spd="slow">
+    <p:push dir="u"/>
+  </p:transition>
+  <p:timing>
+    <p:tnLst>
+      <p:par>
+        <p:cTn id="1" dur="indefinite" restart="never" nodeType="tmRoot"/>
+      </p:par>
+    </p:tnLst>
+  </p:timing>
+</p:sld>
+</file>
+
+<file path=ppt/slides/slide25.xml><?xml version="1.0" encoding="utf-8"?>
+<p:sld xmlns:a="http://schemas.openxmlformats.org/drawingml/2006/main" xmlns:r="http://schemas.openxmlformats.org/officeDocument/2006/relationships" xmlns:p="http://schemas.openxmlformats.org/presentationml/2006/main">
+  <p:cSld>
+    <p:spTree>
+      <p:nvGrpSpPr>
+        <p:cNvPr id="1" name=""/>
+        <p:cNvGrpSpPr/>
+        <p:nvPr/>
+      </p:nvGrpSpPr>
+      <p:grpSpPr>
+        <a:xfrm>
+          <a:off x="0" y="0"/>
+          <a:ext cx="0" cy="0"/>
+          <a:chOff x="0" y="0"/>
+          <a:chExt cx="0" cy="0"/>
+        </a:xfrm>
+      </p:grpSpPr>
+      <p:sp>
+        <p:nvSpPr>
+          <p:cNvPr id="2" name="Заголовок 1"/>
+          <p:cNvSpPr>
+            <a:spLocks noGrp="1"/>
+          </p:cNvSpPr>
+          <p:nvPr>
+            <p:ph type="title"/>
+          </p:nvPr>
+        </p:nvSpPr>
+        <p:spPr/>
+        <p:txBody>
+          <a:bodyPr/>
+          <a:lstStyle/>
+          <a:p>
+            <a:r>
+              <a:rPr lang="ru-RU" dirty="0"/>
+              <a:t>Третий шаг – пишем юнит-тесты</a:t>
+            </a:r>
+          </a:p>
+        </p:txBody>
+      </p:sp>
+      <p:sp>
+        <p:nvSpPr>
+          <p:cNvPr id="3" name="Объект 2"/>
+          <p:cNvSpPr>
+            <a:spLocks noGrp="1"/>
+          </p:cNvSpPr>
+          <p:nvPr>
+            <p:ph idx="1"/>
+          </p:nvPr>
+        </p:nvSpPr>
+        <p:spPr/>
+        <p:txBody>
+          <a:bodyPr/>
+          <a:lstStyle/>
+          <a:p>
+            <a:pPr lvl="1"/>
+            <a:r>
+              <a:rPr lang="ru-RU" dirty="0" smtClean="0"/>
+              <a:t>Разработка юнит-тестов до реализации позволяет</a:t>
+            </a:r>
+          </a:p>
+          <a:p>
+            <a:pPr lvl="2"/>
+            <a:r>
+              <a:rPr lang="ru-RU" dirty="0"/>
+              <a:t>заранее </a:t>
+            </a:r>
+            <a:r>
+              <a:rPr lang="ru-RU" dirty="0" smtClean="0"/>
+              <a:t>продумать </a:t>
+            </a:r>
+            <a:r>
+              <a:rPr lang="ru-RU" dirty="0"/>
+              <a:t>все крайние </a:t>
+            </a:r>
+            <a:r>
+              <a:rPr lang="ru-RU" dirty="0" smtClean="0"/>
+              <a:t>случаи</a:t>
+            </a:r>
+          </a:p>
+          <a:p>
+            <a:pPr lvl="2"/>
+            <a:r>
+              <a:rPr lang="ru-RU" dirty="0" smtClean="0"/>
+              <a:t>и учесть </a:t>
+            </a:r>
+            <a:r>
+              <a:rPr lang="ru-RU" dirty="0"/>
+              <a:t>их во время реализации</a:t>
+            </a:r>
+          </a:p>
+          <a:p>
+            <a:pPr lvl="2"/>
+            <a:r>
+              <a:rPr lang="ru-RU" dirty="0" smtClean="0"/>
+              <a:t>убедиться</a:t>
+            </a:r>
+            <a:r>
+              <a:rPr lang="ru-RU" dirty="0"/>
+              <a:t>, что </a:t>
+            </a:r>
+            <a:r>
+              <a:rPr lang="ru-RU" dirty="0" smtClean="0"/>
+              <a:t>новые тесты корректно встроены </a:t>
+            </a:r>
+            <a:r>
+              <a:rPr lang="ru-RU" dirty="0"/>
+              <a:t>в систему </a:t>
+            </a:r>
+            <a:r>
+              <a:rPr lang="ru-RU" dirty="0" smtClean="0"/>
+              <a:t>тестирования (они должны падать)</a:t>
+            </a:r>
+            <a:endParaRPr lang="ru-RU" dirty="0"/>
+          </a:p>
+        </p:txBody>
+      </p:sp>
+      <p:sp>
+        <p:nvSpPr>
+          <p:cNvPr id="4" name="Нижний колонтитул 3"/>
+          <p:cNvSpPr>
+            <a:spLocks noGrp="1"/>
+          </p:cNvSpPr>
+          <p:nvPr>
+            <p:ph type="ftr" sz="quarter" idx="11"/>
+          </p:nvPr>
+        </p:nvSpPr>
+        <p:spPr/>
+        <p:txBody>
+          <a:bodyPr/>
+          <a:lstStyle/>
+          <a:p>
+            <a:endParaRPr lang="ru-RU">
+              <a:solidFill>
+                <a:srgbClr val="000000"/>
+              </a:solidFill>
+            </a:endParaRPr>
+          </a:p>
+        </p:txBody>
+      </p:sp>
+      <p:sp>
+        <p:nvSpPr>
+          <p:cNvPr id="5" name="Номер слайда 4"/>
+          <p:cNvSpPr>
+            <a:spLocks noGrp="1"/>
+          </p:cNvSpPr>
+          <p:nvPr>
+            <p:ph type="sldNum" sz="quarter" idx="12"/>
+          </p:nvPr>
+        </p:nvSpPr>
+        <p:spPr/>
+        <p:txBody>
+          <a:bodyPr/>
+          <a:lstStyle/>
+          <a:p>
+            <a:fld id="{741C03D3-FA44-40EC-9A21-1FC4FEA3E22E}" type="slidenum">
+              <a:rPr lang="ru-RU" smtClean="0">
+                <a:solidFill>
+                  <a:srgbClr val="000000"/>
+                </a:solidFill>
+              </a:rPr>
+              <a:pPr/>
+              <a:t>25</a:t>
+            </a:fld>
+            <a:endParaRPr lang="ru-RU">
+              <a:solidFill>
+                <a:srgbClr val="000000"/>
+              </a:solidFill>
+            </a:endParaRPr>
+          </a:p>
+        </p:txBody>
+      </p:sp>
+    </p:spTree>
+    <p:extLst>
+      <p:ext uri="{BB962C8B-B14F-4D97-AF65-F5344CB8AC3E}">
+        <p14:creationId xmlns:p14="http://schemas.microsoft.com/office/powerpoint/2010/main" val="420005197"/>
+      </p:ext>
+    </p:extLst>
+  </p:cSld>
+  <p:clrMapOvr>
+    <a:masterClrMapping/>
+  </p:clrMapOvr>
+  <p:timing>
+    <p:tnLst>
+      <p:par>
+        <p:cTn id="1" dur="indefinite" restart="never" nodeType="tmRoot">
+          <p:childTnLst>
+            <p:seq concurrent="1" nextAc="seek">
+              <p:cTn id="2" dur="indefinite" nodeType="mainSeq">
+                <p:childTnLst>
+                  <p:par>
+                    <p:cTn id="3" fill="hold">
+                      <p:stCondLst>
+                        <p:cond delay="indefinite"/>
+                      </p:stCondLst>
+                      <p:childTnLst>
+                        <p:par>
+                          <p:cTn id="4" fill="hold">
+                            <p:stCondLst>
+                              <p:cond delay="0"/>
+                            </p:stCondLst>
+                            <p:childTnLst>
+                              <p:par>
+                                <p:cTn id="5" presetID="1" presetClass="entr" presetSubtype="0" fill="hold" nodeType="clickEffect">
+                                  <p:stCondLst>
+                                    <p:cond delay="0"/>
+                                  </p:stCondLst>
+                                  <p:childTnLst>
+                                    <p:set>
+                                      <p:cBhvr>
+                                        <p:cTn id="6" dur="1" fill="hold">
+                                          <p:stCondLst>
+                                            <p:cond delay="0"/>
+                                          </p:stCondLst>
+                                        </p:cTn>
+                                        <p:tgtEl>
+                                          <p:spTgt spid="3">
+                                            <p:txEl>
+                                              <p:pRg st="2" end="2"/>
+                                            </p:txEl>
+                                          </p:spTgt>
+                                        </p:tgtEl>
+                                        <p:attrNameLst>
+                                          <p:attrName>style.visibility</p:attrName>
+                                        </p:attrNameLst>
+                                      </p:cBhvr>
+                                      <p:to>
+                                        <p:strVal val="visible"/>
+                                      </p:to>
+                                    </p:set>
+                                  </p:childTnLst>
+                                </p:cTn>
+                              </p:par>
+                            </p:childTnLst>
+                          </p:cTn>
+                        </p:par>
+                      </p:childTnLst>
+                    </p:cTn>
+                  </p:par>
+                  <p:par>
+                    <p:cTn id="7" fill="hold">
+                      <p:stCondLst>
+                        <p:cond delay="indefinite"/>
+                      </p:stCondLst>
+                      <p:childTnLst>
+                        <p:par>
+                          <p:cTn id="8" fill="hold">
+                            <p:stCondLst>
+                              <p:cond delay="0"/>
+                            </p:stCondLst>
+                            <p:childTnLst>
+                              <p:par>
+                                <p:cTn id="9" presetID="1" presetClass="entr" presetSubtype="0" fill="hold" nodeType="clickEffect">
+                                  <p:stCondLst>
+                                    <p:cond delay="0"/>
+                                  </p:stCondLst>
+                                  <p:childTnLst>
+                                    <p:set>
+                                      <p:cBhvr>
+                                        <p:cTn id="10" dur="1" fill="hold">
+                                          <p:stCondLst>
+                                            <p:cond delay="0"/>
+                                          </p:stCondLst>
+                                        </p:cTn>
+                                        <p:tgtEl>
+                                          <p:spTgt spid="3">
+                                            <p:txEl>
+                                              <p:pRg st="3" end="3"/>
+                                            </p:txEl>
+                                          </p:spTgt>
+                                        </p:tgtEl>
+                                        <p:attrNameLst>
+                                          <p:attrName>style.visibility</p:attrName>
+                                        </p:attrNameLst>
+                                      </p:cBhvr>
+                                      <p:to>
+                                        <p:strVal val="visible"/>
+                                      </p:to>
+                                    </p:set>
+                                  </p:childTnLst>
+                                </p:cTn>
+                              </p:par>
+                            </p:childTnLst>
+                          </p:cTn>
+                        </p:par>
+                      </p:childTnLst>
+                    </p:cTn>
+                  </p:par>
+                </p:childTnLst>
+              </p:cTn>
+              <p:prevCondLst>
+                <p:cond evt="onPrev" delay="0">
+                  <p:tgtEl>
+                    <p:sldTgt/>
+                  </p:tgtEl>
+                </p:cond>
+              </p:prevCondLst>
+              <p:nextCondLst>
+                <p:cond evt="onNext" delay="0">
+                  <p:tgtEl>
+                    <p:sldTgt/>
+                  </p:tgtEl>
+                </p:cond>
+              </p:nextCondLst>
+            </p:seq>
+          </p:childTnLst>
+        </p:cTn>
+      </p:par>
+    </p:tnLst>
+  </p:timing>
+</p:sld>
+</file>
+
+<file path=ppt/slides/slide26.xml><?xml version="1.0" encoding="utf-8"?>
+<p:sld xmlns:a="http://schemas.openxmlformats.org/drawingml/2006/main" xmlns:r="http://schemas.openxmlformats.org/officeDocument/2006/relationships" xmlns:p="http://schemas.openxmlformats.org/presentationml/2006/main">
+  <p:cSld>
+    <p:spTree>
+      <p:nvGrpSpPr>
+        <p:cNvPr id="1" name=""/>
+        <p:cNvGrpSpPr/>
+        <p:nvPr/>
+      </p:nvGrpSpPr>
+      <p:grpSpPr>
+        <a:xfrm>
+          <a:off x="0" y="0"/>
+          <a:ext cx="0" cy="0"/>
+          <a:chOff x="0" y="0"/>
+          <a:chExt cx="0" cy="0"/>
+        </a:xfrm>
+      </p:grpSpPr>
+      <p:sp>
+        <p:nvSpPr>
+          <p:cNvPr id="6" name="Заголовок 5"/>
+          <p:cNvSpPr>
+            <a:spLocks noGrp="1"/>
+          </p:cNvSpPr>
+          <p:nvPr>
+            <p:ph type="title"/>
+          </p:nvPr>
+        </p:nvSpPr>
+        <p:spPr/>
+        <p:txBody>
+          <a:bodyPr/>
+          <a:lstStyle/>
+          <a:p>
+            <a:r>
+              <a:rPr lang="ru-RU" dirty="0"/>
+              <a:t>Третий шаг – пишем юнит-тесты</a:t>
+            </a:r>
+          </a:p>
+        </p:txBody>
+      </p:sp>
+      <p:sp>
+        <p:nvSpPr>
+          <p:cNvPr id="7" name="Объект 6"/>
+          <p:cNvSpPr>
+            <a:spLocks noGrp="1"/>
+          </p:cNvSpPr>
+          <p:nvPr>
+            <p:ph idx="1"/>
+          </p:nvPr>
+        </p:nvSpPr>
+        <p:spPr>
+          <a:xfrm>
+            <a:off x="1143000" y="3048000"/>
+            <a:ext cx="22114606" cy="3046413"/>
+          </a:xfrm>
+        </p:spPr>
+        <p:txBody>
+          <a:bodyPr/>
+          <a:lstStyle/>
+          <a:p>
+            <a:pPr lvl="1"/>
+            <a:r>
+              <a:rPr lang="ru-RU" dirty="0" smtClean="0"/>
+              <a:t>Тесты пустой реализации интерфейса должны падать</a:t>
+            </a:r>
+          </a:p>
+          <a:p>
+            <a:pPr lvl="1"/>
+            <a:endParaRPr lang="ru-RU" dirty="0"/>
+          </a:p>
+          <a:p>
+            <a:pPr lvl="1"/>
+            <a:r>
+              <a:rPr lang="ru-RU" dirty="0" smtClean="0"/>
+              <a:t>Это позволяет убедиться, что они встроены в систему тестирования</a:t>
+            </a:r>
+            <a:endParaRPr lang="ru-RU" dirty="0"/>
+          </a:p>
+        </p:txBody>
+      </p:sp>
+      <p:sp>
+        <p:nvSpPr>
+          <p:cNvPr id="4" name="Нижний колонтитул 3"/>
+          <p:cNvSpPr>
+            <a:spLocks noGrp="1"/>
+          </p:cNvSpPr>
+          <p:nvPr>
+            <p:ph type="ftr" sz="quarter" idx="11"/>
+          </p:nvPr>
+        </p:nvSpPr>
+        <p:spPr/>
+        <p:txBody>
+          <a:bodyPr/>
+          <a:lstStyle/>
+          <a:p>
+            <a:endParaRPr lang="ru-RU">
+              <a:solidFill>
+                <a:srgbClr val="000000"/>
+              </a:solidFill>
+            </a:endParaRPr>
+          </a:p>
+        </p:txBody>
+      </p:sp>
+      <p:sp>
+        <p:nvSpPr>
+          <p:cNvPr id="5" name="Номер слайда 4"/>
+          <p:cNvSpPr>
+            <a:spLocks noGrp="1"/>
+          </p:cNvSpPr>
+          <p:nvPr>
+            <p:ph type="sldNum" sz="quarter" idx="12"/>
+          </p:nvPr>
+        </p:nvSpPr>
+        <p:spPr/>
+        <p:txBody>
+          <a:bodyPr/>
+          <a:lstStyle/>
+          <a:p>
+            <a:fld id="{741C03D3-FA44-40EC-9A21-1FC4FEA3E22E}" type="slidenum">
+              <a:rPr lang="ru-RU" smtClean="0">
+                <a:solidFill>
+                  <a:srgbClr val="000000"/>
+                </a:solidFill>
+              </a:rPr>
+              <a:pPr/>
+              <a:t>26</a:t>
+            </a:fld>
+            <a:endParaRPr lang="ru-RU">
+              <a:solidFill>
+                <a:srgbClr val="000000"/>
+              </a:solidFill>
+            </a:endParaRPr>
+          </a:p>
+        </p:txBody>
+      </p:sp>
+      <p:sp>
+        <p:nvSpPr>
+          <p:cNvPr id="8" name="Объект 7"/>
+          <p:cNvSpPr>
+            <a:spLocks noGrp="1"/>
+          </p:cNvSpPr>
+          <p:nvPr>
+            <p:ph idx="13"/>
+          </p:nvPr>
+        </p:nvSpPr>
+        <p:spPr/>
+        <p:txBody>
+          <a:bodyPr/>
+          <a:lstStyle/>
+          <a:p>
+            <a:r>
+              <a:rPr lang="en-US" dirty="0" smtClean="0"/>
+              <a:t>$ ./build-project &amp;&amp; ./run-unit-tests</a:t>
+            </a:r>
+          </a:p>
+          <a:p>
+            <a:r>
+              <a:rPr lang="en-US" dirty="0" smtClean="0">
+                <a:solidFill>
+                  <a:schemeClr val="accent2"/>
+                </a:solidFill>
+              </a:rPr>
+              <a:t>251 tests – OK</a:t>
+            </a:r>
+          </a:p>
+          <a:p>
+            <a:endParaRPr lang="en-US" dirty="0" smtClean="0"/>
+          </a:p>
+          <a:p>
+            <a:r>
+              <a:rPr lang="en-US" dirty="0" smtClean="0"/>
+              <a:t>$ </a:t>
+            </a:r>
+            <a:r>
+              <a:rPr lang="en-US" dirty="0"/>
+              <a:t>./build-project &amp;&amp; ./</a:t>
+            </a:r>
+            <a:r>
+              <a:rPr lang="en-US" dirty="0" smtClean="0"/>
+              <a:t>run-unit-tests</a:t>
+            </a:r>
+          </a:p>
+          <a:p>
+            <a:r>
+              <a:rPr lang="en-US" dirty="0" smtClean="0">
+                <a:solidFill>
+                  <a:schemeClr val="accent2"/>
+                </a:solidFill>
+              </a:rPr>
+              <a:t>251 tests – OK</a:t>
+            </a:r>
+          </a:p>
+          <a:p>
+            <a:r>
+              <a:rPr lang="en-US" dirty="0" smtClean="0">
+                <a:solidFill>
+                  <a:schemeClr val="accent4"/>
+                </a:solidFill>
+              </a:rPr>
+              <a:t>2 tests – Fail</a:t>
+            </a:r>
+            <a:endParaRPr lang="en-US" dirty="0">
+              <a:solidFill>
+                <a:schemeClr val="accent4"/>
+              </a:solidFill>
+            </a:endParaRPr>
+          </a:p>
+          <a:p>
+            <a:endParaRPr lang="ru-RU" dirty="0"/>
+          </a:p>
+        </p:txBody>
+      </p:sp>
+    </p:spTree>
+    <p:extLst>
+      <p:ext uri="{BB962C8B-B14F-4D97-AF65-F5344CB8AC3E}">
+        <p14:creationId xmlns:p14="http://schemas.microsoft.com/office/powerpoint/2010/main" val="1205337388"/>
+      </p:ext>
+    </p:extLst>
+  </p:cSld>
+  <p:clrMapOvr>
+    <a:masterClrMapping/>
+  </p:clrMapOvr>
+  <p:timing>
+    <p:tnLst>
+      <p:par>
+        <p:cTn id="1" dur="indefinite" restart="never" nodeType="tmRoot">
+          <p:childTnLst>
+            <p:seq concurrent="1" nextAc="seek">
+              <p:cTn id="2" dur="indefinite" nodeType="mainSeq">
+                <p:childTnLst>
+                  <p:par>
+                    <p:cTn id="3" fill="hold">
+                      <p:stCondLst>
+                        <p:cond delay="indefinite"/>
+                      </p:stCondLst>
+                      <p:childTnLst>
+                        <p:par>
+                          <p:cTn id="4" fill="hold">
+                            <p:stCondLst>
+                              <p:cond delay="0"/>
+                            </p:stCondLst>
+                            <p:childTnLst>
+                              <p:par>
+                                <p:cTn id="5" presetID="1" presetClass="entr" presetSubtype="0" fill="hold" nodeType="clickEffect">
+                                  <p:stCondLst>
+                                    <p:cond delay="0"/>
+                                  </p:stCondLst>
+                                  <p:childTnLst>
+                                    <p:set>
+                                      <p:cBhvr>
+                                        <p:cTn id="6" dur="1" fill="hold">
+                                          <p:stCondLst>
+                                            <p:cond delay="0"/>
+                                          </p:stCondLst>
+                                        </p:cTn>
+                                        <p:tgtEl>
+                                          <p:spTgt spid="8">
+                                            <p:txEl>
+                                              <p:pRg st="3" end="3"/>
+                                            </p:txEl>
+                                          </p:spTgt>
+                                        </p:tgtEl>
+                                        <p:attrNameLst>
+                                          <p:attrName>style.visibility</p:attrName>
+                                        </p:attrNameLst>
+                                      </p:cBhvr>
+                                      <p:to>
+                                        <p:strVal val="visible"/>
+                                      </p:to>
+                                    </p:set>
+                                  </p:childTnLst>
+                                </p:cTn>
+                              </p:par>
+                              <p:par>
+                                <p:cTn id="7" presetID="1" presetClass="entr" presetSubtype="0" fill="hold" nodeType="withEffect">
+                                  <p:stCondLst>
+                                    <p:cond delay="0"/>
+                                  </p:stCondLst>
+                                  <p:childTnLst>
+                                    <p:set>
+                                      <p:cBhvr>
+                                        <p:cTn id="8" dur="1" fill="hold">
+                                          <p:stCondLst>
+                                            <p:cond delay="0"/>
+                                          </p:stCondLst>
+                                        </p:cTn>
+                                        <p:tgtEl>
+                                          <p:spTgt spid="8">
+                                            <p:txEl>
+                                              <p:pRg st="4" end="4"/>
+                                            </p:txEl>
+                                          </p:spTgt>
+                                        </p:tgtEl>
+                                        <p:attrNameLst>
+                                          <p:attrName>style.visibility</p:attrName>
+                                        </p:attrNameLst>
+                                      </p:cBhvr>
+                                      <p:to>
+                                        <p:strVal val="visible"/>
+                                      </p:to>
+                                    </p:set>
+                                  </p:childTnLst>
+                                </p:cTn>
+                              </p:par>
+                              <p:par>
+                                <p:cTn id="9" presetID="1" presetClass="entr" presetSubtype="0" fill="hold" nodeType="withEffect">
+                                  <p:stCondLst>
+                                    <p:cond delay="0"/>
+                                  </p:stCondLst>
+                                  <p:childTnLst>
+                                    <p:set>
+                                      <p:cBhvr>
+                                        <p:cTn id="10" dur="1" fill="hold">
+                                          <p:stCondLst>
+                                            <p:cond delay="0"/>
+                                          </p:stCondLst>
+                                        </p:cTn>
+                                        <p:tgtEl>
+                                          <p:spTgt spid="8">
+                                            <p:txEl>
+                                              <p:pRg st="5" end="5"/>
+                                            </p:txEl>
+                                          </p:spTgt>
+                                        </p:tgtEl>
+                                        <p:attrNameLst>
+                                          <p:attrName>style.visibility</p:attrName>
+                                        </p:attrNameLst>
+                                      </p:cBhvr>
+                                      <p:to>
+                                        <p:strVal val="visible"/>
+                                      </p:to>
+                                    </p:set>
+                                  </p:childTnLst>
+                                </p:cTn>
+                              </p:par>
+                            </p:childTnLst>
+                          </p:cTn>
+                        </p:par>
+                      </p:childTnLst>
+                    </p:cTn>
+                  </p:par>
+                </p:childTnLst>
+              </p:cTn>
+              <p:prevCondLst>
+                <p:cond evt="onPrev" delay="0">
+                  <p:tgtEl>
+                    <p:sldTgt/>
+                  </p:tgtEl>
+                </p:cond>
+              </p:prevCondLst>
+              <p:nextCondLst>
+                <p:cond evt="onNext" delay="0">
+                  <p:tgtEl>
+                    <p:sldTgt/>
+                  </p:tgtEl>
+                </p:cond>
+              </p:nextCondLst>
+            </p:seq>
+          </p:childTnLst>
+        </p:cTn>
+      </p:par>
+    </p:tnLst>
+  </p:timing>
+</p:sld>
+</file>
+
+<file path=ppt/slides/slide27.xml><?xml version="1.0" encoding="utf-8"?>
+<p:sld xmlns:a="http://schemas.openxmlformats.org/drawingml/2006/main" xmlns:r="http://schemas.openxmlformats.org/officeDocument/2006/relationships" xmlns:p="http://schemas.openxmlformats.org/presentationml/2006/main">
+  <p:cSld>
+    <p:spTree>
+      <p:nvGrpSpPr>
+        <p:cNvPr id="1" name=""/>
+        <p:cNvGrpSpPr/>
+        <p:nvPr/>
+      </p:nvGrpSpPr>
+      <p:grpSpPr>
+        <a:xfrm>
+          <a:off x="0" y="0"/>
+          <a:ext cx="0" cy="0"/>
+          <a:chOff x="0" y="0"/>
+          <a:chExt cx="0" cy="0"/>
+        </a:xfrm>
+      </p:grpSpPr>
+      <p:sp>
+        <p:nvSpPr>
+          <p:cNvPr id="2" name="Заголовок 1"/>
+          <p:cNvSpPr>
+            <a:spLocks noGrp="1"/>
+          </p:cNvSpPr>
+          <p:nvPr>
+            <p:ph type="title"/>
+          </p:nvPr>
+        </p:nvSpPr>
+        <p:spPr/>
+        <p:txBody>
+          <a:bodyPr/>
+          <a:lstStyle/>
+          <a:p>
+            <a:r>
+              <a:rPr lang="ru-RU" dirty="0" smtClean="0"/>
+              <a:t>Четвёртый шаг – реализация интерфейса</a:t>
+            </a:r>
+            <a:endParaRPr lang="ru-RU" dirty="0"/>
+          </a:p>
+        </p:txBody>
+      </p:sp>
+      <p:sp>
+        <p:nvSpPr>
+          <p:cNvPr id="3" name="Объект 2"/>
+          <p:cNvSpPr>
+            <a:spLocks noGrp="1"/>
+          </p:cNvSpPr>
+          <p:nvPr>
+            <p:ph idx="1"/>
+          </p:nvPr>
+        </p:nvSpPr>
+        <p:spPr/>
+        <p:txBody>
+          <a:bodyPr/>
+          <a:lstStyle/>
+          <a:p>
+            <a:pPr lvl="1"/>
+            <a:r>
+              <a:rPr lang="ru-RU" dirty="0" smtClean="0"/>
+              <a:t>На данный момент у нас есть</a:t>
+            </a:r>
+          </a:p>
+          <a:p>
+            <a:pPr lvl="2"/>
+            <a:r>
+              <a:rPr lang="ru-RU" dirty="0" smtClean="0"/>
+              <a:t>интерфейс именно для нашей задачи</a:t>
+            </a:r>
+          </a:p>
+          <a:p>
+            <a:pPr lvl="2"/>
+            <a:r>
+              <a:rPr lang="ru-RU" dirty="0" smtClean="0"/>
+              <a:t>юнит-тесты – способ контроля корректности его реализации</a:t>
+            </a:r>
+          </a:p>
+          <a:p>
+            <a:pPr lvl="1"/>
+            <a:endParaRPr lang="ru-RU" dirty="0" smtClean="0"/>
+          </a:p>
+          <a:p>
+            <a:pPr lvl="1"/>
+            <a:r>
+              <a:rPr lang="ru-RU" dirty="0" smtClean="0"/>
+              <a:t>Сразу после реализации</a:t>
+            </a:r>
+          </a:p>
+          <a:p>
+            <a:pPr lvl="2"/>
+            <a:r>
+              <a:rPr lang="ru-RU" dirty="0" smtClean="0"/>
+              <a:t>мы сможем быстро поймать и исправить большинство багов</a:t>
+            </a:r>
+          </a:p>
+          <a:p>
+            <a:pPr lvl="2"/>
+            <a:r>
+              <a:rPr lang="ru-RU" dirty="0" smtClean="0"/>
+              <a:t>Чем </a:t>
+            </a:r>
+            <a:r>
+              <a:rPr lang="ru-RU" dirty="0"/>
+              <a:t>меньше время </a:t>
+            </a:r>
+            <a:r>
+              <a:rPr lang="ru-RU" dirty="0" smtClean="0"/>
+              <a:t>между </a:t>
+            </a:r>
+            <a:r>
+              <a:rPr lang="ru-RU" dirty="0"/>
+              <a:t>допущением и </a:t>
+            </a:r>
+            <a:r>
+              <a:rPr lang="ru-RU" dirty="0" smtClean="0"/>
+              <a:t>обнаружением ошибки</a:t>
+            </a:r>
+            <a:r>
+              <a:rPr lang="ru-RU" dirty="0"/>
+              <a:t>, тем проще её </a:t>
+            </a:r>
+            <a:r>
+              <a:rPr lang="ru-RU" dirty="0" smtClean="0"/>
+              <a:t>исправить</a:t>
+            </a:r>
+            <a:endParaRPr lang="ru-RU" dirty="0"/>
+          </a:p>
+          <a:p>
+            <a:pPr lvl="2"/>
+            <a:endParaRPr lang="ru-RU" dirty="0"/>
+          </a:p>
+        </p:txBody>
+      </p:sp>
+      <p:sp>
+        <p:nvSpPr>
+          <p:cNvPr id="4" name="Нижний колонтитул 3"/>
+          <p:cNvSpPr>
+            <a:spLocks noGrp="1"/>
+          </p:cNvSpPr>
+          <p:nvPr>
+            <p:ph type="ftr" sz="quarter" idx="11"/>
+          </p:nvPr>
+        </p:nvSpPr>
+        <p:spPr/>
+        <p:txBody>
+          <a:bodyPr/>
+          <a:lstStyle/>
+          <a:p>
+            <a:endParaRPr lang="ru-RU">
+              <a:solidFill>
+                <a:srgbClr val="000000"/>
+              </a:solidFill>
+            </a:endParaRPr>
+          </a:p>
+        </p:txBody>
+      </p:sp>
+      <p:sp>
+        <p:nvSpPr>
+          <p:cNvPr id="5" name="Номер слайда 4"/>
+          <p:cNvSpPr>
+            <a:spLocks noGrp="1"/>
+          </p:cNvSpPr>
+          <p:nvPr>
+            <p:ph type="sldNum" sz="quarter" idx="12"/>
+          </p:nvPr>
+        </p:nvSpPr>
+        <p:spPr/>
+        <p:txBody>
+          <a:bodyPr/>
+          <a:lstStyle/>
+          <a:p>
+            <a:fld id="{741C03D3-FA44-40EC-9A21-1FC4FEA3E22E}" type="slidenum">
+              <a:rPr lang="ru-RU" smtClean="0">
+                <a:solidFill>
+                  <a:srgbClr val="000000"/>
+                </a:solidFill>
+              </a:rPr>
+              <a:pPr/>
+              <a:t>27</a:t>
+            </a:fld>
+            <a:endParaRPr lang="ru-RU">
+              <a:solidFill>
+                <a:srgbClr val="000000"/>
+              </a:solidFill>
+            </a:endParaRPr>
+          </a:p>
+        </p:txBody>
+      </p:sp>
+    </p:spTree>
+    <p:extLst>
+      <p:ext uri="{BB962C8B-B14F-4D97-AF65-F5344CB8AC3E}">
+        <p14:creationId xmlns:p14="http://schemas.microsoft.com/office/powerpoint/2010/main" val="4035992218"/>
+      </p:ext>
+    </p:extLst>
+  </p:cSld>
+  <p:clrMapOvr>
+    <a:masterClrMapping/>
+  </p:clrMapOvr>
+  <p:timing>
+    <p:tnLst>
+      <p:par>
+        <p:cTn id="1" dur="indefinite" restart="never" nodeType="tmRoot"/>
+      </p:par>
+    </p:tnLst>
+  </p:timing>
+</p:sld>
+</file>
+
+<file path=ppt/slides/slide28.xml><?xml version="1.0" encoding="utf-8"?>
+<p:sld xmlns:a="http://schemas.openxmlformats.org/drawingml/2006/main" xmlns:r="http://schemas.openxmlformats.org/officeDocument/2006/relationships" xmlns:p="http://schemas.openxmlformats.org/presentationml/2006/main">
+  <p:cSld>
+    <p:spTree>
+      <p:nvGrpSpPr>
+        <p:cNvPr id="1" name=""/>
+        <p:cNvGrpSpPr/>
+        <p:nvPr/>
+      </p:nvGrpSpPr>
+      <p:grpSpPr>
+        <a:xfrm>
+          <a:off x="0" y="0"/>
+          <a:ext cx="0" cy="0"/>
+          <a:chOff x="0" y="0"/>
+          <a:chExt cx="0" cy="0"/>
+        </a:xfrm>
+      </p:grpSpPr>
+      <p:sp>
+        <p:nvSpPr>
+          <p:cNvPr id="2" name="Заголовок 1"/>
+          <p:cNvSpPr>
+            <a:spLocks noGrp="1"/>
+          </p:cNvSpPr>
+          <p:nvPr>
+            <p:ph type="title"/>
+          </p:nvPr>
+        </p:nvSpPr>
+        <p:spPr/>
+        <p:txBody>
+          <a:bodyPr/>
+          <a:lstStyle/>
+          <a:p>
+            <a:r>
+              <a:rPr lang="ru-RU" dirty="0"/>
+              <a:t>Четвёртый шаг – реализация интерфейса</a:t>
+            </a:r>
+          </a:p>
+        </p:txBody>
+      </p:sp>
+      <p:sp>
+        <p:nvSpPr>
+          <p:cNvPr id="3" name="Нижний колонтитул 2"/>
+          <p:cNvSpPr>
+            <a:spLocks noGrp="1"/>
+          </p:cNvSpPr>
+          <p:nvPr>
+            <p:ph type="ftr" sz="quarter" idx="11"/>
+          </p:nvPr>
+        </p:nvSpPr>
+        <p:spPr/>
+        <p:txBody>
+          <a:bodyPr/>
+          <a:lstStyle/>
+          <a:p>
+            <a:endParaRPr lang="ru-RU" dirty="0">
+              <a:solidFill>
+                <a:srgbClr val="000000"/>
+              </a:solidFill>
+            </a:endParaRPr>
+          </a:p>
+        </p:txBody>
+      </p:sp>
+      <p:sp>
+        <p:nvSpPr>
+          <p:cNvPr id="4" name="Номер слайда 3"/>
+          <p:cNvSpPr>
+            <a:spLocks noGrp="1"/>
+          </p:cNvSpPr>
+          <p:nvPr>
+            <p:ph type="sldNum" sz="quarter" idx="12"/>
+          </p:nvPr>
+        </p:nvSpPr>
+        <p:spPr/>
+        <p:txBody>
+          <a:bodyPr/>
+          <a:lstStyle/>
+          <a:p>
+            <a:fld id="{741C03D3-FA44-40EC-9A21-1FC4FEA3E22E}" type="slidenum">
+              <a:rPr lang="ru-RU" smtClean="0">
+                <a:solidFill>
+                  <a:srgbClr val="000000"/>
+                </a:solidFill>
+              </a:rPr>
+              <a:pPr/>
+              <a:t>28</a:t>
+            </a:fld>
+            <a:endParaRPr lang="ru-RU">
+              <a:solidFill>
+                <a:srgbClr val="000000"/>
+              </a:solidFill>
+            </a:endParaRPr>
+          </a:p>
+        </p:txBody>
+      </p:sp>
+      <p:sp>
+        <p:nvSpPr>
+          <p:cNvPr id="5" name="Объект 4"/>
+          <p:cNvSpPr>
+            <a:spLocks noGrp="1"/>
+          </p:cNvSpPr>
+          <p:nvPr>
+            <p:ph idx="13"/>
+          </p:nvPr>
+        </p:nvSpPr>
+        <p:spPr/>
+        <p:txBody>
+          <a:bodyPr/>
+          <a:lstStyle/>
+          <a:p>
+            <a:pPr>
+              <a:lnSpc>
+                <a:spcPct val="135000"/>
+              </a:lnSpc>
+            </a:pPr>
+            <a:r>
+              <a:rPr lang="ru-RU" altLang="ru-RU" dirty="0" err="1">
+                <a:solidFill>
+                  <a:srgbClr val="FFFFFF"/>
+                </a:solidFill>
+                <a:latin typeface="Verdana" panose="020B0604030504040204" pitchFamily="34" charset="0"/>
+              </a:rPr>
+              <a:t>class</a:t>
+            </a:r>
+            <a:r>
+              <a:rPr lang="ru-RU" altLang="ru-RU" dirty="0">
+                <a:solidFill>
+                  <a:srgbClr val="FFFFFF"/>
+                </a:solidFill>
+                <a:latin typeface="Verdana" panose="020B0604030504040204" pitchFamily="34" charset="0"/>
+              </a:rPr>
+              <a:t> </a:t>
+            </a:r>
+            <a:r>
+              <a:rPr lang="ru-RU" altLang="ru-RU" dirty="0" err="1">
+                <a:solidFill>
+                  <a:srgbClr val="FFCC00"/>
+                </a:solidFill>
+                <a:latin typeface="Verdana" panose="020B0604030504040204" pitchFamily="34" charset="0"/>
+              </a:rPr>
+              <a:t>HttpResponse</a:t>
+            </a:r>
+            <a:r>
+              <a:rPr lang="ru-RU" altLang="ru-RU" dirty="0">
+                <a:solidFill>
+                  <a:srgbClr val="FFCC00"/>
+                </a:solidFill>
+                <a:latin typeface="Verdana" panose="020B0604030504040204" pitchFamily="34" charset="0"/>
+              </a:rPr>
+              <a:t> </a:t>
+            </a:r>
+            <a:r>
+              <a:rPr lang="ru-RU" altLang="ru-RU" dirty="0">
+                <a:solidFill>
+                  <a:srgbClr val="FFFFFF"/>
+                </a:solidFill>
+                <a:latin typeface="Verdana" panose="020B0604030504040204" pitchFamily="34" charset="0"/>
+              </a:rPr>
+              <a:t>{</a:t>
+            </a:r>
+            <a:br>
+              <a:rPr lang="ru-RU" altLang="ru-RU" dirty="0">
+                <a:solidFill>
+                  <a:srgbClr val="FFFFFF"/>
+                </a:solidFill>
+                <a:latin typeface="Verdana" panose="020B0604030504040204" pitchFamily="34" charset="0"/>
+              </a:rPr>
+            </a:br>
+            <a:r>
+              <a:rPr lang="ru-RU" altLang="ru-RU" dirty="0" err="1">
+                <a:solidFill>
+                  <a:srgbClr val="FFFFFF"/>
+                </a:solidFill>
+                <a:latin typeface="Verdana" panose="020B0604030504040204" pitchFamily="34" charset="0"/>
+              </a:rPr>
+              <a:t>public</a:t>
+            </a:r>
+            <a:r>
+              <a:rPr lang="ru-RU" altLang="ru-RU" dirty="0">
+                <a:solidFill>
+                  <a:srgbClr val="FFFFFF"/>
+                </a:solidFill>
+                <a:latin typeface="Verdana" panose="020B0604030504040204" pitchFamily="34" charset="0"/>
+              </a:rPr>
+              <a:t>:</a:t>
+            </a:r>
+            <a:br>
+              <a:rPr lang="ru-RU" altLang="ru-RU" dirty="0">
+                <a:solidFill>
+                  <a:srgbClr val="FFFFFF"/>
+                </a:solidFill>
+                <a:latin typeface="Verdana" panose="020B0604030504040204" pitchFamily="34" charset="0"/>
+              </a:rPr>
+            </a:br>
+            <a:r>
+              <a:rPr lang="ru-RU" altLang="ru-RU" dirty="0">
+                <a:solidFill>
+                  <a:srgbClr val="FFFFFF"/>
+                </a:solidFill>
+                <a:latin typeface="Verdana" panose="020B0604030504040204" pitchFamily="34" charset="0"/>
+              </a:rPr>
+              <a:t>    </a:t>
+            </a:r>
+            <a:r>
+              <a:rPr lang="ru-RU" altLang="ru-RU" dirty="0" err="1">
+                <a:solidFill>
+                  <a:srgbClr val="FFFFFF"/>
+                </a:solidFill>
+                <a:latin typeface="Verdana" panose="020B0604030504040204" pitchFamily="34" charset="0"/>
+              </a:rPr>
+              <a:t>explicit</a:t>
+            </a:r>
+            <a:r>
+              <a:rPr lang="ru-RU" altLang="ru-RU" dirty="0">
+                <a:solidFill>
+                  <a:srgbClr val="FFFFFF"/>
+                </a:solidFill>
+                <a:latin typeface="Verdana" panose="020B0604030504040204" pitchFamily="34" charset="0"/>
+              </a:rPr>
+              <a:t> </a:t>
+            </a:r>
+            <a:r>
+              <a:rPr lang="ru-RU" altLang="ru-RU" dirty="0" err="1">
+                <a:solidFill>
+                  <a:srgbClr val="FFCC00"/>
+                </a:solidFill>
+                <a:latin typeface="Verdana" panose="020B0604030504040204" pitchFamily="34" charset="0"/>
+              </a:rPr>
+              <a:t>HttpResponse</a:t>
+            </a:r>
+            <a:r>
+              <a:rPr lang="ru-RU" altLang="ru-RU" dirty="0">
+                <a:solidFill>
+                  <a:srgbClr val="FFFFFF"/>
+                </a:solidFill>
+                <a:latin typeface="Verdana" panose="020B0604030504040204" pitchFamily="34" charset="0"/>
+              </a:rPr>
+              <a:t>(</a:t>
+            </a:r>
+            <a:r>
+              <a:rPr lang="ru-RU" altLang="ru-RU" dirty="0" err="1">
+                <a:solidFill>
+                  <a:srgbClr val="FFCC00"/>
+                </a:solidFill>
+                <a:latin typeface="Verdana" panose="020B0604030504040204" pitchFamily="34" charset="0"/>
+              </a:rPr>
+              <a:t>HttpCode</a:t>
+            </a:r>
+            <a:r>
+              <a:rPr lang="ru-RU" altLang="ru-RU" dirty="0">
+                <a:solidFill>
+                  <a:srgbClr val="FFCC00"/>
+                </a:solidFill>
+                <a:latin typeface="Verdana" panose="020B0604030504040204" pitchFamily="34" charset="0"/>
+              </a:rPr>
+              <a:t> </a:t>
+            </a:r>
+            <a:r>
+              <a:rPr lang="ru-RU" altLang="ru-RU" dirty="0" err="1">
+                <a:solidFill>
+                  <a:srgbClr val="5BCD9D"/>
+                </a:solidFill>
+                <a:latin typeface="Verdana" panose="020B0604030504040204" pitchFamily="34" charset="0"/>
+              </a:rPr>
+              <a:t>code</a:t>
+            </a:r>
+            <a:r>
+              <a:rPr lang="ru-RU" altLang="ru-RU" dirty="0">
+                <a:solidFill>
+                  <a:srgbClr val="FFFFFF"/>
+                </a:solidFill>
+                <a:latin typeface="Verdana" panose="020B0604030504040204" pitchFamily="34" charset="0"/>
+              </a:rPr>
+              <a:t>);</a:t>
+            </a:r>
+            <a:br>
+              <a:rPr lang="ru-RU" altLang="ru-RU" dirty="0">
+                <a:solidFill>
+                  <a:srgbClr val="FFFFFF"/>
+                </a:solidFill>
+                <a:latin typeface="Verdana" panose="020B0604030504040204" pitchFamily="34" charset="0"/>
+              </a:rPr>
+            </a:br>
+            <a:r>
+              <a:rPr lang="ru-RU" altLang="ru-RU" dirty="0">
+                <a:solidFill>
+                  <a:srgbClr val="FFFFFF"/>
+                </a:solidFill>
+                <a:latin typeface="Verdana" panose="020B0604030504040204" pitchFamily="34" charset="0"/>
+              </a:rPr>
+              <a:t>    </a:t>
+            </a:r>
+            <a:r>
+              <a:rPr lang="ru-RU" altLang="ru-RU" dirty="0" err="1">
+                <a:solidFill>
+                  <a:srgbClr val="FFCC00"/>
+                </a:solidFill>
+                <a:latin typeface="Verdana" panose="020B0604030504040204" pitchFamily="34" charset="0"/>
+              </a:rPr>
+              <a:t>HttpResponse</a:t>
+            </a:r>
+            <a:r>
+              <a:rPr lang="ru-RU" altLang="ru-RU" dirty="0">
+                <a:solidFill>
+                  <a:srgbClr val="FFFFFF"/>
+                </a:solidFill>
+                <a:latin typeface="Verdana" panose="020B0604030504040204" pitchFamily="34" charset="0"/>
+              </a:rPr>
+              <a:t>&amp; </a:t>
+            </a:r>
+            <a:r>
+              <a:rPr lang="ru-RU" altLang="ru-RU" dirty="0" err="1">
+                <a:solidFill>
+                  <a:srgbClr val="FFCC00"/>
+                </a:solidFill>
+                <a:latin typeface="Verdana" panose="020B0604030504040204" pitchFamily="34" charset="0"/>
+              </a:rPr>
+              <a:t>SetContent</a:t>
+            </a:r>
+            <a:r>
+              <a:rPr lang="ru-RU" altLang="ru-RU" dirty="0">
+                <a:solidFill>
+                  <a:srgbClr val="FFFFFF"/>
+                </a:solidFill>
+                <a:latin typeface="Verdana" panose="020B0604030504040204" pitchFamily="34" charset="0"/>
+              </a:rPr>
+              <a:t>(</a:t>
+            </a:r>
+            <a:r>
+              <a:rPr lang="ru-RU" altLang="ru-RU" dirty="0" err="1">
+                <a:solidFill>
+                  <a:srgbClr val="9E64A9"/>
+                </a:solidFill>
+                <a:latin typeface="Verdana" panose="020B0604030504040204" pitchFamily="34" charset="0"/>
+              </a:rPr>
+              <a:t>std</a:t>
+            </a:r>
+            <a:r>
+              <a:rPr lang="ru-RU" altLang="ru-RU" dirty="0">
+                <a:solidFill>
+                  <a:srgbClr val="FFFFFF"/>
+                </a:solidFill>
+                <a:latin typeface="Verdana" panose="020B0604030504040204" pitchFamily="34" charset="0"/>
+              </a:rPr>
+              <a:t>::</a:t>
+            </a:r>
+            <a:r>
+              <a:rPr lang="ru-RU" altLang="ru-RU" dirty="0" err="1">
+                <a:solidFill>
+                  <a:srgbClr val="FFCC00"/>
+                </a:solidFill>
+                <a:latin typeface="Verdana" panose="020B0604030504040204" pitchFamily="34" charset="0"/>
+              </a:rPr>
+              <a:t>string</a:t>
+            </a:r>
+            <a:r>
+              <a:rPr lang="ru-RU" altLang="ru-RU" dirty="0">
+                <a:solidFill>
+                  <a:srgbClr val="FFCC00"/>
+                </a:solidFill>
+                <a:latin typeface="Verdana" panose="020B0604030504040204" pitchFamily="34" charset="0"/>
+              </a:rPr>
+              <a:t> </a:t>
+            </a:r>
+            <a:r>
+              <a:rPr lang="ru-RU" altLang="ru-RU" dirty="0" err="1">
+                <a:solidFill>
+                  <a:srgbClr val="5BCD9D"/>
+                </a:solidFill>
+                <a:latin typeface="Verdana" panose="020B0604030504040204" pitchFamily="34" charset="0"/>
+              </a:rPr>
+              <a:t>value</a:t>
+            </a:r>
+            <a:r>
+              <a:rPr lang="ru-RU" altLang="ru-RU" dirty="0">
+                <a:solidFill>
+                  <a:srgbClr val="FFFFFF"/>
+                </a:solidFill>
+                <a:latin typeface="Verdana" panose="020B0604030504040204" pitchFamily="34" charset="0"/>
+              </a:rPr>
+              <a:t>);</a:t>
+            </a:r>
+            <a:br>
+              <a:rPr lang="ru-RU" altLang="ru-RU" dirty="0">
+                <a:solidFill>
+                  <a:srgbClr val="FFFFFF"/>
+                </a:solidFill>
+                <a:latin typeface="Verdana" panose="020B0604030504040204" pitchFamily="34" charset="0"/>
+              </a:rPr>
+            </a:br>
+            <a:r>
+              <a:rPr lang="ru-RU" altLang="ru-RU" dirty="0">
+                <a:solidFill>
+                  <a:srgbClr val="FFFFFF"/>
+                </a:solidFill>
+                <a:latin typeface="Verdana" panose="020B0604030504040204" pitchFamily="34" charset="0"/>
+              </a:rPr>
+              <a:t>    </a:t>
+            </a:r>
+            <a:r>
+              <a:rPr lang="ru-RU" altLang="ru-RU" dirty="0" err="1">
+                <a:solidFill>
+                  <a:srgbClr val="FFFFFF"/>
+                </a:solidFill>
+                <a:latin typeface="Verdana" panose="020B0604030504040204" pitchFamily="34" charset="0"/>
+              </a:rPr>
+              <a:t>friend</a:t>
+            </a:r>
+            <a:r>
+              <a:rPr lang="ru-RU" altLang="ru-RU" dirty="0">
+                <a:solidFill>
+                  <a:srgbClr val="FFFFFF"/>
+                </a:solidFill>
+                <a:latin typeface="Verdana" panose="020B0604030504040204" pitchFamily="34" charset="0"/>
+              </a:rPr>
+              <a:t> </a:t>
+            </a:r>
+            <a:r>
+              <a:rPr lang="ru-RU" altLang="ru-RU" dirty="0" err="1">
+                <a:solidFill>
+                  <a:srgbClr val="9E64A9"/>
+                </a:solidFill>
+                <a:latin typeface="Verdana" panose="020B0604030504040204" pitchFamily="34" charset="0"/>
+              </a:rPr>
+              <a:t>std</a:t>
+            </a:r>
+            <a:r>
+              <a:rPr lang="ru-RU" altLang="ru-RU" dirty="0">
+                <a:solidFill>
+                  <a:srgbClr val="FFFFFF"/>
+                </a:solidFill>
+                <a:latin typeface="Verdana" panose="020B0604030504040204" pitchFamily="34" charset="0"/>
+              </a:rPr>
+              <a:t>::</a:t>
+            </a:r>
+            <a:r>
+              <a:rPr lang="ru-RU" altLang="ru-RU" dirty="0" err="1">
+                <a:solidFill>
+                  <a:srgbClr val="FFCC00"/>
+                </a:solidFill>
+                <a:latin typeface="Verdana" panose="020B0604030504040204" pitchFamily="34" charset="0"/>
+              </a:rPr>
+              <a:t>ostream</a:t>
+            </a:r>
+            <a:r>
+              <a:rPr lang="ru-RU" altLang="ru-RU" dirty="0">
+                <a:solidFill>
+                  <a:srgbClr val="FFFFFF"/>
+                </a:solidFill>
+                <a:latin typeface="Verdana" panose="020B0604030504040204" pitchFamily="34" charset="0"/>
+              </a:rPr>
+              <a:t>&amp; </a:t>
+            </a:r>
+            <a:r>
+              <a:rPr lang="ru-RU" altLang="ru-RU" dirty="0" err="1">
+                <a:solidFill>
+                  <a:srgbClr val="FFFFFF"/>
+                </a:solidFill>
+                <a:latin typeface="Verdana" panose="020B0604030504040204" pitchFamily="34" charset="0"/>
+              </a:rPr>
+              <a:t>operator</a:t>
+            </a:r>
+            <a:r>
+              <a:rPr lang="ru-RU" altLang="ru-RU" dirty="0">
+                <a:solidFill>
+                  <a:srgbClr val="FFFFFF"/>
+                </a:solidFill>
+                <a:latin typeface="Verdana" panose="020B0604030504040204" pitchFamily="34" charset="0"/>
+              </a:rPr>
+              <a:t> </a:t>
+            </a:r>
+            <a:r>
+              <a:rPr lang="ru-RU" altLang="ru-RU" dirty="0">
+                <a:solidFill>
+                  <a:srgbClr val="FFCC00"/>
+                </a:solidFill>
+                <a:latin typeface="Verdana" panose="020B0604030504040204" pitchFamily="34" charset="0"/>
+              </a:rPr>
+              <a:t>&lt;&lt; </a:t>
+            </a:r>
+            <a:r>
+              <a:rPr lang="ru-RU" altLang="ru-RU" dirty="0">
+                <a:solidFill>
+                  <a:srgbClr val="FFFFFF"/>
+                </a:solidFill>
+                <a:latin typeface="Verdana" panose="020B0604030504040204" pitchFamily="34" charset="0"/>
+              </a:rPr>
+              <a:t>(</a:t>
+            </a:r>
+            <a:r>
+              <a:rPr lang="ru-RU" altLang="ru-RU" dirty="0" err="1">
+                <a:solidFill>
+                  <a:srgbClr val="9E64A9"/>
+                </a:solidFill>
+                <a:latin typeface="Verdana" panose="020B0604030504040204" pitchFamily="34" charset="0"/>
+              </a:rPr>
+              <a:t>std</a:t>
+            </a:r>
+            <a:r>
+              <a:rPr lang="ru-RU" altLang="ru-RU" dirty="0">
+                <a:solidFill>
+                  <a:srgbClr val="FFFFFF"/>
+                </a:solidFill>
+                <a:latin typeface="Verdana" panose="020B0604030504040204" pitchFamily="34" charset="0"/>
+              </a:rPr>
+              <a:t>::</a:t>
+            </a:r>
+            <a:r>
+              <a:rPr lang="ru-RU" altLang="ru-RU" dirty="0" err="1">
+                <a:solidFill>
+                  <a:srgbClr val="FFCC00"/>
+                </a:solidFill>
+                <a:latin typeface="Verdana" panose="020B0604030504040204" pitchFamily="34" charset="0"/>
+              </a:rPr>
+              <a:t>ostream</a:t>
+            </a:r>
+            <a:r>
+              <a:rPr lang="ru-RU" altLang="ru-RU" dirty="0">
+                <a:solidFill>
+                  <a:srgbClr val="FFFFFF"/>
+                </a:solidFill>
+                <a:latin typeface="Verdana" panose="020B0604030504040204" pitchFamily="34" charset="0"/>
+              </a:rPr>
+              <a:t>&amp; </a:t>
+            </a:r>
+            <a:r>
+              <a:rPr lang="ru-RU" altLang="ru-RU" dirty="0" err="1">
+                <a:solidFill>
+                  <a:srgbClr val="5BCD9D"/>
+                </a:solidFill>
+                <a:latin typeface="Verdana" panose="020B0604030504040204" pitchFamily="34" charset="0"/>
+              </a:rPr>
+              <a:t>os</a:t>
+            </a:r>
+            <a:r>
+              <a:rPr lang="ru-RU" altLang="ru-RU" dirty="0">
+                <a:solidFill>
+                  <a:srgbClr val="FFFFFF"/>
+                </a:solidFill>
+                <a:latin typeface="Verdana" panose="020B0604030504040204" pitchFamily="34" charset="0"/>
+              </a:rPr>
+              <a:t>, </a:t>
+            </a:r>
+            <a:r>
+              <a:rPr lang="ru-RU" altLang="ru-RU" dirty="0" err="1">
+                <a:solidFill>
+                  <a:srgbClr val="FFFFFF"/>
+                </a:solidFill>
+                <a:latin typeface="Verdana" panose="020B0604030504040204" pitchFamily="34" charset="0"/>
+              </a:rPr>
+              <a:t>const</a:t>
+            </a:r>
+            <a:r>
+              <a:rPr lang="ru-RU" altLang="ru-RU" dirty="0">
+                <a:solidFill>
+                  <a:srgbClr val="FFFFFF"/>
+                </a:solidFill>
+                <a:latin typeface="Verdana" panose="020B0604030504040204" pitchFamily="34" charset="0"/>
+              </a:rPr>
+              <a:t> </a:t>
+            </a:r>
+            <a:r>
+              <a:rPr lang="ru-RU" altLang="ru-RU" dirty="0" err="1">
+                <a:solidFill>
+                  <a:srgbClr val="FFCC00"/>
+                </a:solidFill>
+                <a:latin typeface="Verdana" panose="020B0604030504040204" pitchFamily="34" charset="0"/>
+              </a:rPr>
+              <a:t>HttpResponse</a:t>
+            </a:r>
+            <a:r>
+              <a:rPr lang="ru-RU" altLang="ru-RU" dirty="0">
+                <a:solidFill>
+                  <a:srgbClr val="FFFFFF"/>
+                </a:solidFill>
+                <a:latin typeface="Verdana" panose="020B0604030504040204" pitchFamily="34" charset="0"/>
+              </a:rPr>
+              <a:t>&amp; </a:t>
+            </a:r>
+            <a:r>
+              <a:rPr lang="ru-RU" altLang="ru-RU" dirty="0" err="1">
+                <a:solidFill>
+                  <a:srgbClr val="5BCD9D"/>
+                </a:solidFill>
+                <a:latin typeface="Verdana" panose="020B0604030504040204" pitchFamily="34" charset="0"/>
+              </a:rPr>
+              <a:t>resp</a:t>
+            </a:r>
+            <a:r>
+              <a:rPr lang="ru-RU" altLang="ru-RU" dirty="0">
+                <a:solidFill>
+                  <a:srgbClr val="FFFFFF"/>
+                </a:solidFill>
+                <a:latin typeface="Verdana" panose="020B0604030504040204" pitchFamily="34" charset="0"/>
+              </a:rPr>
+              <a:t>);</a:t>
+            </a:r>
+            <a:br>
+              <a:rPr lang="ru-RU" altLang="ru-RU" dirty="0">
+                <a:solidFill>
+                  <a:srgbClr val="FFFFFF"/>
+                </a:solidFill>
+                <a:latin typeface="Verdana" panose="020B0604030504040204" pitchFamily="34" charset="0"/>
+              </a:rPr>
+            </a:br>
+            <a:r>
+              <a:rPr lang="ru-RU" altLang="ru-RU" dirty="0">
+                <a:solidFill>
+                  <a:srgbClr val="FFFFFF"/>
+                </a:solidFill>
+                <a:latin typeface="Verdana" panose="020B0604030504040204" pitchFamily="34" charset="0"/>
+              </a:rPr>
+              <a:t>};</a:t>
+            </a:r>
+            <a:br>
+              <a:rPr lang="ru-RU" altLang="ru-RU" dirty="0">
+                <a:solidFill>
+                  <a:srgbClr val="FFFFFF"/>
+                </a:solidFill>
+                <a:latin typeface="Verdana" panose="020B0604030504040204" pitchFamily="34" charset="0"/>
+              </a:rPr>
+            </a:br>
+            <a:r>
+              <a:rPr lang="ru-RU" altLang="ru-RU" dirty="0" err="1" smtClean="0">
+                <a:solidFill>
+                  <a:srgbClr val="FFCC00"/>
+                </a:solidFill>
+                <a:latin typeface="Verdana" panose="020B0604030504040204" pitchFamily="34" charset="0"/>
+              </a:rPr>
+              <a:t>HttpResponse</a:t>
+            </a:r>
+            <a:r>
+              <a:rPr lang="ru-RU" altLang="ru-RU" dirty="0">
+                <a:solidFill>
+                  <a:srgbClr val="FFFFFF"/>
+                </a:solidFill>
+                <a:latin typeface="Verdana" panose="020B0604030504040204" pitchFamily="34" charset="0"/>
+              </a:rPr>
+              <a:t>::</a:t>
+            </a:r>
+            <a:r>
+              <a:rPr lang="ru-RU" altLang="ru-RU" dirty="0" err="1">
+                <a:solidFill>
+                  <a:srgbClr val="FFCC00"/>
+                </a:solidFill>
+                <a:latin typeface="Verdana" panose="020B0604030504040204" pitchFamily="34" charset="0"/>
+              </a:rPr>
+              <a:t>HttpResponse</a:t>
+            </a:r>
+            <a:r>
+              <a:rPr lang="ru-RU" altLang="ru-RU" dirty="0">
+                <a:solidFill>
+                  <a:srgbClr val="FFFFFF"/>
+                </a:solidFill>
+                <a:latin typeface="Verdana" panose="020B0604030504040204" pitchFamily="34" charset="0"/>
+              </a:rPr>
+              <a:t>(</a:t>
+            </a:r>
+            <a:r>
+              <a:rPr lang="ru-RU" altLang="ru-RU" dirty="0" err="1">
+                <a:solidFill>
+                  <a:srgbClr val="FFCC00"/>
+                </a:solidFill>
+                <a:latin typeface="Verdana" panose="020B0604030504040204" pitchFamily="34" charset="0"/>
+              </a:rPr>
+              <a:t>HttpCode</a:t>
+            </a:r>
+            <a:r>
+              <a:rPr lang="ru-RU" altLang="ru-RU" dirty="0">
+                <a:solidFill>
+                  <a:srgbClr val="FFCC00"/>
+                </a:solidFill>
+                <a:latin typeface="Verdana" panose="020B0604030504040204" pitchFamily="34" charset="0"/>
+              </a:rPr>
+              <a:t> </a:t>
+            </a:r>
+            <a:r>
+              <a:rPr lang="ru-RU" altLang="ru-RU" dirty="0" err="1">
+                <a:solidFill>
+                  <a:srgbClr val="5BCD9D"/>
+                </a:solidFill>
+                <a:latin typeface="Verdana" panose="020B0604030504040204" pitchFamily="34" charset="0"/>
+              </a:rPr>
+              <a:t>code</a:t>
+            </a:r>
+            <a:r>
+              <a:rPr lang="ru-RU" altLang="ru-RU" dirty="0">
+                <a:solidFill>
+                  <a:srgbClr val="FFFFFF"/>
+                </a:solidFill>
+                <a:latin typeface="Verdana" panose="020B0604030504040204" pitchFamily="34" charset="0"/>
+              </a:rPr>
+              <a:t>) {</a:t>
+            </a:r>
+            <a:br>
+              <a:rPr lang="ru-RU" altLang="ru-RU" dirty="0">
+                <a:solidFill>
+                  <a:srgbClr val="FFFFFF"/>
+                </a:solidFill>
+                <a:latin typeface="Verdana" panose="020B0604030504040204" pitchFamily="34" charset="0"/>
+              </a:rPr>
+            </a:br>
+            <a:r>
+              <a:rPr lang="ru-RU" altLang="ru-RU" dirty="0">
+                <a:solidFill>
+                  <a:srgbClr val="FFFFFF"/>
+                </a:solidFill>
+                <a:latin typeface="Verdana" panose="020B0604030504040204" pitchFamily="34" charset="0"/>
+              </a:rPr>
+              <a:t>}</a:t>
+            </a:r>
+            <a:br>
+              <a:rPr lang="ru-RU" altLang="ru-RU" dirty="0">
+                <a:solidFill>
+                  <a:srgbClr val="FFFFFF"/>
+                </a:solidFill>
+                <a:latin typeface="Verdana" panose="020B0604030504040204" pitchFamily="34" charset="0"/>
+              </a:rPr>
+            </a:br>
+            <a:r>
+              <a:rPr lang="ru-RU" altLang="ru-RU" dirty="0" err="1" smtClean="0">
+                <a:solidFill>
+                  <a:srgbClr val="FFCC00"/>
+                </a:solidFill>
+                <a:latin typeface="Verdana" panose="020B0604030504040204" pitchFamily="34" charset="0"/>
+              </a:rPr>
+              <a:t>HttpResponse</a:t>
+            </a:r>
+            <a:r>
+              <a:rPr lang="ru-RU" altLang="ru-RU" dirty="0">
+                <a:solidFill>
+                  <a:srgbClr val="FFFFFF"/>
+                </a:solidFill>
+                <a:latin typeface="Verdana" panose="020B0604030504040204" pitchFamily="34" charset="0"/>
+              </a:rPr>
+              <a:t>&amp; </a:t>
+            </a:r>
+            <a:r>
+              <a:rPr lang="ru-RU" altLang="ru-RU" dirty="0" err="1">
+                <a:solidFill>
+                  <a:srgbClr val="FFCC00"/>
+                </a:solidFill>
+                <a:latin typeface="Verdana" panose="020B0604030504040204" pitchFamily="34" charset="0"/>
+              </a:rPr>
+              <a:t>HttpResponse</a:t>
+            </a:r>
+            <a:r>
+              <a:rPr lang="ru-RU" altLang="ru-RU" dirty="0">
+                <a:solidFill>
+                  <a:srgbClr val="FFFFFF"/>
+                </a:solidFill>
+                <a:latin typeface="Verdana" panose="020B0604030504040204" pitchFamily="34" charset="0"/>
+              </a:rPr>
+              <a:t>::</a:t>
+            </a:r>
+            <a:r>
+              <a:rPr lang="ru-RU" altLang="ru-RU" dirty="0" err="1">
+                <a:solidFill>
+                  <a:srgbClr val="FFCC00"/>
+                </a:solidFill>
+                <a:latin typeface="Verdana" panose="020B0604030504040204" pitchFamily="34" charset="0"/>
+              </a:rPr>
+              <a:t>SetContent</a:t>
+            </a:r>
+            <a:r>
+              <a:rPr lang="ru-RU" altLang="ru-RU" dirty="0">
+                <a:solidFill>
+                  <a:srgbClr val="FFFFFF"/>
+                </a:solidFill>
+                <a:latin typeface="Verdana" panose="020B0604030504040204" pitchFamily="34" charset="0"/>
+              </a:rPr>
+              <a:t>(</a:t>
+            </a:r>
+            <a:r>
+              <a:rPr lang="ru-RU" altLang="ru-RU" dirty="0" err="1">
+                <a:solidFill>
+                  <a:srgbClr val="9E64A9"/>
+                </a:solidFill>
+                <a:latin typeface="Verdana" panose="020B0604030504040204" pitchFamily="34" charset="0"/>
+              </a:rPr>
+              <a:t>std</a:t>
+            </a:r>
+            <a:r>
+              <a:rPr lang="ru-RU" altLang="ru-RU" dirty="0">
+                <a:solidFill>
+                  <a:srgbClr val="FFFFFF"/>
+                </a:solidFill>
+                <a:latin typeface="Verdana" panose="020B0604030504040204" pitchFamily="34" charset="0"/>
+              </a:rPr>
+              <a:t>::</a:t>
+            </a:r>
+            <a:r>
+              <a:rPr lang="ru-RU" altLang="ru-RU" dirty="0" err="1">
+                <a:solidFill>
+                  <a:srgbClr val="FFCC00"/>
+                </a:solidFill>
+                <a:latin typeface="Verdana" panose="020B0604030504040204" pitchFamily="34" charset="0"/>
+              </a:rPr>
+              <a:t>string</a:t>
+            </a:r>
+            <a:r>
+              <a:rPr lang="ru-RU" altLang="ru-RU" dirty="0">
+                <a:solidFill>
+                  <a:srgbClr val="FFCC00"/>
+                </a:solidFill>
+                <a:latin typeface="Verdana" panose="020B0604030504040204" pitchFamily="34" charset="0"/>
+              </a:rPr>
+              <a:t> </a:t>
+            </a:r>
+            <a:r>
+              <a:rPr lang="ru-RU" altLang="ru-RU" dirty="0" err="1">
+                <a:solidFill>
+                  <a:srgbClr val="5BCD9D"/>
+                </a:solidFill>
+                <a:latin typeface="Verdana" panose="020B0604030504040204" pitchFamily="34" charset="0"/>
+              </a:rPr>
+              <a:t>value</a:t>
+            </a:r>
+            <a:r>
+              <a:rPr lang="ru-RU" altLang="ru-RU" dirty="0">
+                <a:solidFill>
+                  <a:srgbClr val="FFFFFF"/>
+                </a:solidFill>
+                <a:latin typeface="Verdana" panose="020B0604030504040204" pitchFamily="34" charset="0"/>
+              </a:rPr>
+              <a:t>) {</a:t>
+            </a:r>
+            <a:br>
+              <a:rPr lang="ru-RU" altLang="ru-RU" dirty="0">
+                <a:solidFill>
+                  <a:srgbClr val="FFFFFF"/>
+                </a:solidFill>
+                <a:latin typeface="Verdana" panose="020B0604030504040204" pitchFamily="34" charset="0"/>
+              </a:rPr>
+            </a:br>
+            <a:r>
+              <a:rPr lang="ru-RU" altLang="ru-RU" dirty="0">
+                <a:solidFill>
+                  <a:srgbClr val="FFFFFF"/>
+                </a:solidFill>
+                <a:latin typeface="Verdana" panose="020B0604030504040204" pitchFamily="34" charset="0"/>
+              </a:rPr>
+              <a:t>}</a:t>
+            </a:r>
+            <a:br>
+              <a:rPr lang="ru-RU" altLang="ru-RU" dirty="0">
+                <a:solidFill>
+                  <a:srgbClr val="FFFFFF"/>
+                </a:solidFill>
+                <a:latin typeface="Verdana" panose="020B0604030504040204" pitchFamily="34" charset="0"/>
+              </a:rPr>
+            </a:br>
+            <a:r>
+              <a:rPr lang="ru-RU" altLang="ru-RU" dirty="0" err="1" smtClean="0">
+                <a:solidFill>
+                  <a:srgbClr val="9E64A9"/>
+                </a:solidFill>
+                <a:latin typeface="Verdana" panose="020B0604030504040204" pitchFamily="34" charset="0"/>
+              </a:rPr>
+              <a:t>std</a:t>
+            </a:r>
+            <a:r>
+              <a:rPr lang="ru-RU" altLang="ru-RU" dirty="0">
+                <a:solidFill>
+                  <a:srgbClr val="FFFFFF"/>
+                </a:solidFill>
+                <a:latin typeface="Verdana" panose="020B0604030504040204" pitchFamily="34" charset="0"/>
+              </a:rPr>
+              <a:t>::</a:t>
+            </a:r>
+            <a:r>
+              <a:rPr lang="ru-RU" altLang="ru-RU" dirty="0" err="1">
+                <a:solidFill>
+                  <a:srgbClr val="FFCC00"/>
+                </a:solidFill>
+                <a:latin typeface="Verdana" panose="020B0604030504040204" pitchFamily="34" charset="0"/>
+              </a:rPr>
+              <a:t>ostream</a:t>
+            </a:r>
+            <a:r>
+              <a:rPr lang="ru-RU" altLang="ru-RU" dirty="0">
+                <a:solidFill>
+                  <a:srgbClr val="FFFFFF"/>
+                </a:solidFill>
+                <a:latin typeface="Verdana" panose="020B0604030504040204" pitchFamily="34" charset="0"/>
+              </a:rPr>
+              <a:t>&amp; </a:t>
+            </a:r>
+            <a:r>
+              <a:rPr lang="ru-RU" altLang="ru-RU" dirty="0" err="1">
+                <a:solidFill>
+                  <a:srgbClr val="FFFFFF"/>
+                </a:solidFill>
+                <a:latin typeface="Verdana" panose="020B0604030504040204" pitchFamily="34" charset="0"/>
+              </a:rPr>
+              <a:t>operator</a:t>
+            </a:r>
+            <a:r>
+              <a:rPr lang="ru-RU" altLang="ru-RU" dirty="0">
+                <a:solidFill>
+                  <a:srgbClr val="FFFFFF"/>
+                </a:solidFill>
+                <a:latin typeface="Verdana" panose="020B0604030504040204" pitchFamily="34" charset="0"/>
+              </a:rPr>
+              <a:t> </a:t>
+            </a:r>
+            <a:r>
+              <a:rPr lang="ru-RU" altLang="ru-RU" dirty="0">
+                <a:solidFill>
+                  <a:srgbClr val="FFCC00"/>
+                </a:solidFill>
+                <a:latin typeface="Verdana" panose="020B0604030504040204" pitchFamily="34" charset="0"/>
+              </a:rPr>
+              <a:t>&lt;&lt; </a:t>
+            </a:r>
+            <a:r>
+              <a:rPr lang="ru-RU" altLang="ru-RU" dirty="0">
+                <a:solidFill>
+                  <a:srgbClr val="FFFFFF"/>
+                </a:solidFill>
+                <a:latin typeface="Verdana" panose="020B0604030504040204" pitchFamily="34" charset="0"/>
+              </a:rPr>
+              <a:t>(</a:t>
+            </a:r>
+            <a:r>
+              <a:rPr lang="ru-RU" altLang="ru-RU" dirty="0" err="1">
+                <a:solidFill>
+                  <a:srgbClr val="9E64A9"/>
+                </a:solidFill>
+                <a:latin typeface="Verdana" panose="020B0604030504040204" pitchFamily="34" charset="0"/>
+              </a:rPr>
+              <a:t>std</a:t>
+            </a:r>
+            <a:r>
+              <a:rPr lang="ru-RU" altLang="ru-RU" dirty="0">
+                <a:solidFill>
+                  <a:srgbClr val="FFFFFF"/>
+                </a:solidFill>
+                <a:latin typeface="Verdana" panose="020B0604030504040204" pitchFamily="34" charset="0"/>
+              </a:rPr>
+              <a:t>::</a:t>
+            </a:r>
+            <a:r>
+              <a:rPr lang="ru-RU" altLang="ru-RU" dirty="0" err="1">
+                <a:solidFill>
+                  <a:srgbClr val="FFCC00"/>
+                </a:solidFill>
+                <a:latin typeface="Verdana" panose="020B0604030504040204" pitchFamily="34" charset="0"/>
+              </a:rPr>
+              <a:t>ostream</a:t>
+            </a:r>
+            <a:r>
+              <a:rPr lang="ru-RU" altLang="ru-RU" dirty="0">
+                <a:solidFill>
+                  <a:srgbClr val="FFFFFF"/>
+                </a:solidFill>
+                <a:latin typeface="Verdana" panose="020B0604030504040204" pitchFamily="34" charset="0"/>
+              </a:rPr>
+              <a:t>&amp; </a:t>
+            </a:r>
+            <a:r>
+              <a:rPr lang="ru-RU" altLang="ru-RU" dirty="0" err="1">
+                <a:solidFill>
+                  <a:srgbClr val="5BCD9D"/>
+                </a:solidFill>
+                <a:latin typeface="Verdana" panose="020B0604030504040204" pitchFamily="34" charset="0"/>
+              </a:rPr>
+              <a:t>os</a:t>
+            </a:r>
+            <a:r>
+              <a:rPr lang="ru-RU" altLang="ru-RU" dirty="0">
+                <a:solidFill>
+                  <a:srgbClr val="FFFFFF"/>
+                </a:solidFill>
+                <a:latin typeface="Verdana" panose="020B0604030504040204" pitchFamily="34" charset="0"/>
+              </a:rPr>
+              <a:t>, </a:t>
+            </a:r>
+            <a:r>
+              <a:rPr lang="ru-RU" altLang="ru-RU" dirty="0" err="1">
+                <a:solidFill>
+                  <a:srgbClr val="FFFFFF"/>
+                </a:solidFill>
+                <a:latin typeface="Verdana" panose="020B0604030504040204" pitchFamily="34" charset="0"/>
+              </a:rPr>
+              <a:t>const</a:t>
+            </a:r>
+            <a:r>
+              <a:rPr lang="ru-RU" altLang="ru-RU" dirty="0">
+                <a:solidFill>
+                  <a:srgbClr val="FFFFFF"/>
+                </a:solidFill>
+                <a:latin typeface="Verdana" panose="020B0604030504040204" pitchFamily="34" charset="0"/>
+              </a:rPr>
+              <a:t> </a:t>
+            </a:r>
+            <a:r>
+              <a:rPr lang="ru-RU" altLang="ru-RU" dirty="0" err="1">
+                <a:solidFill>
+                  <a:srgbClr val="FFCC00"/>
+                </a:solidFill>
+                <a:latin typeface="Verdana" panose="020B0604030504040204" pitchFamily="34" charset="0"/>
+              </a:rPr>
+              <a:t>HttpResponse</a:t>
+            </a:r>
+            <a:r>
+              <a:rPr lang="ru-RU" altLang="ru-RU" dirty="0">
+                <a:solidFill>
+                  <a:srgbClr val="FFFFFF"/>
+                </a:solidFill>
+                <a:latin typeface="Verdana" panose="020B0604030504040204" pitchFamily="34" charset="0"/>
+              </a:rPr>
+              <a:t>&amp; </a:t>
+            </a:r>
+            <a:r>
+              <a:rPr lang="ru-RU" altLang="ru-RU" dirty="0" err="1">
+                <a:solidFill>
+                  <a:srgbClr val="5BCD9D"/>
+                </a:solidFill>
+                <a:latin typeface="Verdana" panose="020B0604030504040204" pitchFamily="34" charset="0"/>
+              </a:rPr>
+              <a:t>resp</a:t>
+            </a:r>
+            <a:r>
+              <a:rPr lang="ru-RU" altLang="ru-RU" dirty="0">
+                <a:solidFill>
+                  <a:srgbClr val="FFFFFF"/>
+                </a:solidFill>
+                <a:latin typeface="Verdana" panose="020B0604030504040204" pitchFamily="34" charset="0"/>
+              </a:rPr>
+              <a:t>) {</a:t>
+            </a:r>
+            <a:br>
+              <a:rPr lang="ru-RU" altLang="ru-RU" dirty="0">
+                <a:solidFill>
+                  <a:srgbClr val="FFFFFF"/>
+                </a:solidFill>
+                <a:latin typeface="Verdana" panose="020B0604030504040204" pitchFamily="34" charset="0"/>
+              </a:rPr>
+            </a:br>
+            <a:r>
+              <a:rPr lang="ru-RU" altLang="ru-RU" dirty="0" smtClean="0">
+                <a:solidFill>
+                  <a:srgbClr val="FFFFFF"/>
+                </a:solidFill>
+                <a:latin typeface="Verdana" panose="020B0604030504040204" pitchFamily="34" charset="0"/>
+              </a:rPr>
+              <a:t>}</a:t>
+            </a:r>
+            <a:r>
+              <a:rPr lang="ru-RU" altLang="ru-RU" dirty="0">
+                <a:solidFill>
+                  <a:srgbClr val="FFFFFF"/>
+                </a:solidFill>
+                <a:latin typeface="Verdana" panose="020B0604030504040204" pitchFamily="34" charset="0"/>
+              </a:rPr>
+              <a:t/>
+            </a:r>
+            <a:br>
+              <a:rPr lang="ru-RU" altLang="ru-RU" dirty="0">
+                <a:solidFill>
+                  <a:srgbClr val="FFFFFF"/>
+                </a:solidFill>
+                <a:latin typeface="Verdana" panose="020B0604030504040204" pitchFamily="34" charset="0"/>
+              </a:rPr>
+            </a:br>
+            <a:endParaRPr lang="ru-RU" altLang="ru-RU" sz="6600" dirty="0">
+              <a:solidFill>
+                <a:schemeClr val="tx1"/>
+              </a:solidFill>
+              <a:latin typeface="Arial" panose="020B0604020202020204" pitchFamily="34" charset="0"/>
+            </a:endParaRPr>
+          </a:p>
+          <a:p>
+            <a:endParaRPr lang="ru-RU" dirty="0"/>
+          </a:p>
+        </p:txBody>
+      </p:sp>
+    </p:spTree>
+    <p:extLst>
+      <p:ext uri="{BB962C8B-B14F-4D97-AF65-F5344CB8AC3E}">
+        <p14:creationId xmlns:p14="http://schemas.microsoft.com/office/powerpoint/2010/main" val="121522117"/>
+      </p:ext>
+    </p:extLst>
+  </p:cSld>
+  <p:clrMapOvr>
+    <a:masterClrMapping/>
+  </p:clrMapOvr>
+  <p:timing>
+    <p:tnLst>
+      <p:par>
+        <p:cTn id="1" dur="indefinite" restart="never" nodeType="tmRoot"/>
+      </p:par>
+    </p:tnLst>
+  </p:timing>
+</p:sld>
+</file>
+
+<file path=ppt/slides/slide29.xml><?xml version="1.0" encoding="utf-8"?>
+<p:sld xmlns:a="http://schemas.openxmlformats.org/drawingml/2006/main" xmlns:r="http://schemas.openxmlformats.org/officeDocument/2006/relationships" xmlns:p="http://schemas.openxmlformats.org/presentationml/2006/main">
+  <p:cSld>
+    <p:spTree>
+      <p:nvGrpSpPr>
+        <p:cNvPr id="1" name=""/>
+        <p:cNvGrpSpPr/>
+        <p:nvPr/>
+      </p:nvGrpSpPr>
+      <p:grpSpPr>
+        <a:xfrm>
+          <a:off x="0" y="0"/>
+          <a:ext cx="0" cy="0"/>
+          <a:chOff x="0" y="0"/>
+          <a:chExt cx="0" cy="0"/>
+        </a:xfrm>
+      </p:grpSpPr>
+      <p:sp>
+        <p:nvSpPr>
+          <p:cNvPr id="2" name="Нижний колонтитул 1"/>
+          <p:cNvSpPr>
+            <a:spLocks noGrp="1"/>
+          </p:cNvSpPr>
+          <p:nvPr>
+            <p:ph type="ftr" sz="quarter" idx="11"/>
+          </p:nvPr>
+        </p:nvSpPr>
+        <p:spPr/>
+        <p:txBody>
+          <a:bodyPr/>
+          <a:lstStyle/>
+          <a:p>
+            <a:endParaRPr lang="ru-RU" dirty="0">
+              <a:solidFill>
+                <a:srgbClr val="000000"/>
+              </a:solidFill>
+            </a:endParaRPr>
+          </a:p>
+        </p:txBody>
+      </p:sp>
+      <p:sp>
+        <p:nvSpPr>
+          <p:cNvPr id="3" name="Номер слайда 2"/>
+          <p:cNvSpPr>
+            <a:spLocks noGrp="1"/>
+          </p:cNvSpPr>
+          <p:nvPr>
+            <p:ph type="sldNum" sz="quarter" idx="12"/>
+          </p:nvPr>
+        </p:nvSpPr>
+        <p:spPr/>
+        <p:txBody>
+          <a:bodyPr/>
+          <a:lstStyle/>
+          <a:p>
+            <a:fld id="{741C03D3-FA44-40EC-9A21-1FC4FEA3E22E}" type="slidenum">
+              <a:rPr lang="ru-RU" smtClean="0">
+                <a:solidFill>
+                  <a:srgbClr val="000000"/>
+                </a:solidFill>
+              </a:rPr>
+              <a:pPr/>
+              <a:t>29</a:t>
+            </a:fld>
+            <a:endParaRPr lang="ru-RU">
+              <a:solidFill>
+                <a:srgbClr val="000000"/>
+              </a:solidFill>
+            </a:endParaRPr>
+          </a:p>
+        </p:txBody>
+      </p:sp>
+      <p:sp>
+        <p:nvSpPr>
+          <p:cNvPr id="4" name="Объект 3"/>
+          <p:cNvSpPr>
+            <a:spLocks noGrp="1"/>
+          </p:cNvSpPr>
+          <p:nvPr>
+            <p:ph idx="13"/>
+          </p:nvPr>
+        </p:nvSpPr>
+        <p:spPr/>
+        <p:txBody>
+          <a:bodyPr/>
+          <a:lstStyle/>
+          <a:p>
+            <a:r>
+              <a:rPr lang="ru-RU" altLang="ru-RU" dirty="0" err="1" smtClean="0">
+                <a:solidFill>
+                  <a:srgbClr val="FFFFFF"/>
+                </a:solidFill>
+                <a:latin typeface="Verdana" panose="020B0604030504040204" pitchFamily="34" charset="0"/>
+              </a:rPr>
+              <a:t>class</a:t>
+            </a:r>
+            <a:r>
+              <a:rPr lang="ru-RU" altLang="ru-RU" dirty="0" smtClean="0">
+                <a:solidFill>
+                  <a:srgbClr val="FFFFFF"/>
+                </a:solidFill>
+                <a:latin typeface="Verdana" panose="020B0604030504040204" pitchFamily="34" charset="0"/>
+              </a:rPr>
+              <a:t> </a:t>
+            </a:r>
+            <a:r>
+              <a:rPr lang="ru-RU" altLang="ru-RU" dirty="0" err="1" smtClean="0">
+                <a:solidFill>
+                  <a:srgbClr val="FFCC00"/>
+                </a:solidFill>
+                <a:latin typeface="Verdana" panose="020B0604030504040204" pitchFamily="34" charset="0"/>
+              </a:rPr>
+              <a:t>HttpResponse</a:t>
+            </a:r>
+            <a:r>
+              <a:rPr lang="ru-RU" altLang="ru-RU" dirty="0" smtClean="0">
+                <a:solidFill>
+                  <a:srgbClr val="FFCC00"/>
+                </a:solidFill>
+                <a:latin typeface="Verdana" panose="020B0604030504040204" pitchFamily="34" charset="0"/>
+              </a:rPr>
+              <a:t> </a:t>
+            </a:r>
+            <a:r>
+              <a:rPr lang="ru-RU" altLang="ru-RU" dirty="0" smtClean="0">
+                <a:solidFill>
+                  <a:srgbClr val="FFFFFF"/>
+                </a:solidFill>
+                <a:latin typeface="Verdana" panose="020B0604030504040204" pitchFamily="34" charset="0"/>
+              </a:rPr>
+              <a:t>{</a:t>
+            </a:r>
+            <a:br>
+              <a:rPr lang="ru-RU" altLang="ru-RU" dirty="0" smtClean="0">
+                <a:solidFill>
+                  <a:srgbClr val="FFFFFF"/>
+                </a:solidFill>
+                <a:latin typeface="Verdana" panose="020B0604030504040204" pitchFamily="34" charset="0"/>
+              </a:rPr>
+            </a:br>
+            <a:r>
+              <a:rPr lang="ru-RU" altLang="ru-RU" dirty="0" err="1" smtClean="0">
+                <a:solidFill>
+                  <a:srgbClr val="FFFFFF"/>
+                </a:solidFill>
+                <a:latin typeface="Verdana" panose="020B0604030504040204" pitchFamily="34" charset="0"/>
+              </a:rPr>
+              <a:t>public</a:t>
+            </a:r>
+            <a:r>
+              <a:rPr lang="ru-RU" altLang="ru-RU" dirty="0" smtClean="0">
+                <a:solidFill>
+                  <a:srgbClr val="FFFFFF"/>
+                </a:solidFill>
+                <a:latin typeface="Verdana" panose="020B0604030504040204" pitchFamily="34" charset="0"/>
+              </a:rPr>
+              <a:t>:</a:t>
+            </a:r>
+            <a:br>
+              <a:rPr lang="ru-RU" altLang="ru-RU" dirty="0" smtClean="0">
+                <a:solidFill>
+                  <a:srgbClr val="FFFFFF"/>
+                </a:solidFill>
+                <a:latin typeface="Verdana" panose="020B0604030504040204" pitchFamily="34" charset="0"/>
+              </a:rPr>
+            </a:br>
+            <a:r>
+              <a:rPr lang="ru-RU" altLang="ru-RU" dirty="0" smtClean="0">
+                <a:solidFill>
+                  <a:srgbClr val="FFFFFF"/>
+                </a:solidFill>
+                <a:latin typeface="Verdana" panose="020B0604030504040204" pitchFamily="34" charset="0"/>
+              </a:rPr>
+              <a:t>    </a:t>
+            </a:r>
+            <a:r>
+              <a:rPr lang="ru-RU" altLang="ru-RU" dirty="0" err="1" smtClean="0">
+                <a:solidFill>
+                  <a:srgbClr val="FFFFFF"/>
+                </a:solidFill>
+                <a:latin typeface="Verdana" panose="020B0604030504040204" pitchFamily="34" charset="0"/>
+              </a:rPr>
+              <a:t>explicit</a:t>
+            </a:r>
+            <a:r>
+              <a:rPr lang="ru-RU" altLang="ru-RU" dirty="0" smtClean="0">
+                <a:solidFill>
+                  <a:srgbClr val="FFFFFF"/>
+                </a:solidFill>
+                <a:latin typeface="Verdana" panose="020B0604030504040204" pitchFamily="34" charset="0"/>
+              </a:rPr>
+              <a:t> </a:t>
+            </a:r>
+            <a:r>
+              <a:rPr lang="ru-RU" altLang="ru-RU" dirty="0" err="1" smtClean="0">
+                <a:solidFill>
+                  <a:srgbClr val="FFCC00"/>
+                </a:solidFill>
+                <a:latin typeface="Verdana" panose="020B0604030504040204" pitchFamily="34" charset="0"/>
+              </a:rPr>
+              <a:t>HttpResponse</a:t>
+            </a:r>
+            <a:r>
+              <a:rPr lang="ru-RU" altLang="ru-RU" dirty="0" smtClean="0">
+                <a:solidFill>
+                  <a:srgbClr val="FFFFFF"/>
+                </a:solidFill>
+                <a:latin typeface="Verdana" panose="020B0604030504040204" pitchFamily="34" charset="0"/>
+              </a:rPr>
+              <a:t>(</a:t>
+            </a:r>
+            <a:r>
+              <a:rPr lang="ru-RU" altLang="ru-RU" dirty="0" err="1" smtClean="0">
+                <a:solidFill>
+                  <a:srgbClr val="FFCC00"/>
+                </a:solidFill>
+                <a:latin typeface="Verdana" panose="020B0604030504040204" pitchFamily="34" charset="0"/>
+              </a:rPr>
+              <a:t>HttpCode</a:t>
+            </a:r>
+            <a:r>
+              <a:rPr lang="ru-RU" altLang="ru-RU" dirty="0" smtClean="0">
+                <a:solidFill>
+                  <a:srgbClr val="FFCC00"/>
+                </a:solidFill>
+                <a:latin typeface="Verdana" panose="020B0604030504040204" pitchFamily="34" charset="0"/>
+              </a:rPr>
+              <a:t> </a:t>
+            </a:r>
+            <a:r>
+              <a:rPr lang="ru-RU" altLang="ru-RU" dirty="0" err="1" smtClean="0">
+                <a:solidFill>
+                  <a:srgbClr val="5BCD9D"/>
+                </a:solidFill>
+                <a:latin typeface="Verdana" panose="020B0604030504040204" pitchFamily="34" charset="0"/>
+              </a:rPr>
+              <a:t>code</a:t>
+            </a:r>
+            <a:r>
+              <a:rPr lang="ru-RU" altLang="ru-RU" dirty="0" smtClean="0">
+                <a:solidFill>
+                  <a:srgbClr val="FFFFFF"/>
+                </a:solidFill>
+                <a:latin typeface="Verdana" panose="020B0604030504040204" pitchFamily="34" charset="0"/>
+              </a:rPr>
+              <a:t>);</a:t>
+            </a:r>
+            <a:br>
+              <a:rPr lang="ru-RU" altLang="ru-RU" dirty="0" smtClean="0">
+                <a:solidFill>
+                  <a:srgbClr val="FFFFFF"/>
+                </a:solidFill>
+                <a:latin typeface="Verdana" panose="020B0604030504040204" pitchFamily="34" charset="0"/>
+              </a:rPr>
+            </a:br>
+            <a:r>
+              <a:rPr lang="ru-RU" altLang="ru-RU" dirty="0" smtClean="0">
+                <a:solidFill>
+                  <a:srgbClr val="FFFFFF"/>
+                </a:solidFill>
+                <a:latin typeface="Verdana" panose="020B0604030504040204" pitchFamily="34" charset="0"/>
+              </a:rPr>
+              <a:t>    </a:t>
+            </a:r>
+            <a:r>
+              <a:rPr lang="ru-RU" altLang="ru-RU" dirty="0" err="1" smtClean="0">
+                <a:solidFill>
+                  <a:srgbClr val="FFCC00"/>
+                </a:solidFill>
+                <a:latin typeface="Verdana" panose="020B0604030504040204" pitchFamily="34" charset="0"/>
+              </a:rPr>
+              <a:t>HttpResponse</a:t>
+            </a:r>
+            <a:r>
+              <a:rPr lang="ru-RU" altLang="ru-RU" dirty="0" smtClean="0">
+                <a:solidFill>
+                  <a:srgbClr val="FFFFFF"/>
+                </a:solidFill>
+                <a:latin typeface="Verdana" panose="020B0604030504040204" pitchFamily="34" charset="0"/>
+              </a:rPr>
+              <a:t>&amp; </a:t>
+            </a:r>
+            <a:r>
+              <a:rPr lang="ru-RU" altLang="ru-RU" dirty="0" err="1" smtClean="0">
+                <a:solidFill>
+                  <a:srgbClr val="FFCC00"/>
+                </a:solidFill>
+                <a:latin typeface="Verdana" panose="020B0604030504040204" pitchFamily="34" charset="0"/>
+              </a:rPr>
+              <a:t>SetContent</a:t>
+            </a:r>
+            <a:r>
+              <a:rPr lang="ru-RU" altLang="ru-RU" dirty="0" smtClean="0">
+                <a:solidFill>
+                  <a:srgbClr val="FFFFFF"/>
+                </a:solidFill>
+                <a:latin typeface="Verdana" panose="020B0604030504040204" pitchFamily="34" charset="0"/>
+              </a:rPr>
+              <a:t>(</a:t>
+            </a:r>
+            <a:r>
+              <a:rPr lang="ru-RU" altLang="ru-RU" dirty="0" err="1" smtClean="0">
+                <a:solidFill>
+                  <a:srgbClr val="9E64A9"/>
+                </a:solidFill>
+                <a:latin typeface="Verdana" panose="020B0604030504040204" pitchFamily="34" charset="0"/>
+              </a:rPr>
+              <a:t>std</a:t>
+            </a:r>
+            <a:r>
+              <a:rPr lang="ru-RU" altLang="ru-RU" dirty="0" smtClean="0">
+                <a:solidFill>
+                  <a:srgbClr val="FFFFFF"/>
+                </a:solidFill>
+                <a:latin typeface="Verdana" panose="020B0604030504040204" pitchFamily="34" charset="0"/>
+              </a:rPr>
+              <a:t>::</a:t>
+            </a:r>
+            <a:r>
+              <a:rPr lang="ru-RU" altLang="ru-RU" dirty="0" err="1" smtClean="0">
+                <a:solidFill>
+                  <a:srgbClr val="FFCC00"/>
+                </a:solidFill>
+                <a:latin typeface="Verdana" panose="020B0604030504040204" pitchFamily="34" charset="0"/>
+              </a:rPr>
+              <a:t>string</a:t>
+            </a:r>
+            <a:r>
+              <a:rPr lang="ru-RU" altLang="ru-RU" dirty="0" smtClean="0">
+                <a:solidFill>
+                  <a:srgbClr val="FFCC00"/>
+                </a:solidFill>
+                <a:latin typeface="Verdana" panose="020B0604030504040204" pitchFamily="34" charset="0"/>
+              </a:rPr>
+              <a:t> </a:t>
+            </a:r>
+            <a:r>
+              <a:rPr lang="ru-RU" altLang="ru-RU" dirty="0" err="1" smtClean="0">
+                <a:solidFill>
+                  <a:srgbClr val="5BCD9D"/>
+                </a:solidFill>
+                <a:latin typeface="Verdana" panose="020B0604030504040204" pitchFamily="34" charset="0"/>
+              </a:rPr>
+              <a:t>value</a:t>
+            </a:r>
+            <a:r>
+              <a:rPr lang="ru-RU" altLang="ru-RU" dirty="0" smtClean="0">
+                <a:solidFill>
+                  <a:srgbClr val="FFFFFF"/>
+                </a:solidFill>
+                <a:latin typeface="Verdana" panose="020B0604030504040204" pitchFamily="34" charset="0"/>
+              </a:rPr>
+              <a:t>);</a:t>
+            </a:r>
+            <a:br>
+              <a:rPr lang="ru-RU" altLang="ru-RU" dirty="0" smtClean="0">
+                <a:solidFill>
+                  <a:srgbClr val="FFFFFF"/>
+                </a:solidFill>
+                <a:latin typeface="Verdana" panose="020B0604030504040204" pitchFamily="34" charset="0"/>
+              </a:rPr>
+            </a:br>
+            <a:r>
+              <a:rPr lang="ru-RU" altLang="ru-RU" dirty="0" smtClean="0">
+                <a:solidFill>
+                  <a:srgbClr val="FFFFFF"/>
+                </a:solidFill>
+                <a:latin typeface="Verdana" panose="020B0604030504040204" pitchFamily="34" charset="0"/>
+              </a:rPr>
+              <a:t>    </a:t>
+            </a:r>
+            <a:r>
+              <a:rPr lang="ru-RU" altLang="ru-RU" dirty="0" err="1" smtClean="0">
+                <a:solidFill>
+                  <a:srgbClr val="FFFFFF"/>
+                </a:solidFill>
+                <a:latin typeface="Verdana" panose="020B0604030504040204" pitchFamily="34" charset="0"/>
+              </a:rPr>
+              <a:t>friend</a:t>
+            </a:r>
+            <a:r>
+              <a:rPr lang="ru-RU" altLang="ru-RU" dirty="0" smtClean="0">
+                <a:solidFill>
+                  <a:srgbClr val="FFFFFF"/>
+                </a:solidFill>
+                <a:latin typeface="Verdana" panose="020B0604030504040204" pitchFamily="34" charset="0"/>
+              </a:rPr>
+              <a:t> </a:t>
+            </a:r>
+            <a:r>
+              <a:rPr lang="ru-RU" altLang="ru-RU" dirty="0" err="1" smtClean="0">
+                <a:solidFill>
+                  <a:srgbClr val="9E64A9"/>
+                </a:solidFill>
+                <a:latin typeface="Verdana" panose="020B0604030504040204" pitchFamily="34" charset="0"/>
+              </a:rPr>
+              <a:t>std</a:t>
+            </a:r>
+            <a:r>
+              <a:rPr lang="ru-RU" altLang="ru-RU" dirty="0" smtClean="0">
+                <a:solidFill>
+                  <a:srgbClr val="FFFFFF"/>
+                </a:solidFill>
+                <a:latin typeface="Verdana" panose="020B0604030504040204" pitchFamily="34" charset="0"/>
+              </a:rPr>
+              <a:t>::</a:t>
+            </a:r>
+            <a:r>
+              <a:rPr lang="ru-RU" altLang="ru-RU" dirty="0" err="1" smtClean="0">
+                <a:solidFill>
+                  <a:srgbClr val="FFCC00"/>
+                </a:solidFill>
+                <a:latin typeface="Verdana" panose="020B0604030504040204" pitchFamily="34" charset="0"/>
+              </a:rPr>
+              <a:t>ostream</a:t>
+            </a:r>
+            <a:r>
+              <a:rPr lang="ru-RU" altLang="ru-RU" dirty="0" smtClean="0">
+                <a:solidFill>
+                  <a:srgbClr val="FFFFFF"/>
+                </a:solidFill>
+                <a:latin typeface="Verdana" panose="020B0604030504040204" pitchFamily="34" charset="0"/>
+              </a:rPr>
+              <a:t>&amp; </a:t>
+            </a:r>
+            <a:r>
+              <a:rPr lang="ru-RU" altLang="ru-RU" dirty="0" err="1" smtClean="0">
+                <a:solidFill>
+                  <a:srgbClr val="FFFFFF"/>
+                </a:solidFill>
+                <a:latin typeface="Verdana" panose="020B0604030504040204" pitchFamily="34" charset="0"/>
+              </a:rPr>
+              <a:t>operator</a:t>
+            </a:r>
+            <a:r>
+              <a:rPr lang="ru-RU" altLang="ru-RU" dirty="0" smtClean="0">
+                <a:solidFill>
+                  <a:srgbClr val="FFFFFF"/>
+                </a:solidFill>
+                <a:latin typeface="Verdana" panose="020B0604030504040204" pitchFamily="34" charset="0"/>
+              </a:rPr>
+              <a:t> </a:t>
+            </a:r>
+            <a:r>
+              <a:rPr lang="ru-RU" altLang="ru-RU" dirty="0" smtClean="0">
+                <a:solidFill>
+                  <a:srgbClr val="FFCC00"/>
+                </a:solidFill>
+                <a:latin typeface="Verdana" panose="020B0604030504040204" pitchFamily="34" charset="0"/>
+              </a:rPr>
+              <a:t>&lt;&lt; </a:t>
+            </a:r>
+            <a:r>
+              <a:rPr lang="ru-RU" altLang="ru-RU" dirty="0" smtClean="0">
+                <a:solidFill>
+                  <a:srgbClr val="FFFFFF"/>
+                </a:solidFill>
+                <a:latin typeface="Verdana" panose="020B0604030504040204" pitchFamily="34" charset="0"/>
+              </a:rPr>
+              <a:t>(</a:t>
+            </a:r>
+            <a:r>
+              <a:rPr lang="ru-RU" altLang="ru-RU" dirty="0" err="1" smtClean="0">
+                <a:solidFill>
+                  <a:srgbClr val="9E64A9"/>
+                </a:solidFill>
+                <a:latin typeface="Verdana" panose="020B0604030504040204" pitchFamily="34" charset="0"/>
+              </a:rPr>
+              <a:t>std</a:t>
+            </a:r>
+            <a:r>
+              <a:rPr lang="ru-RU" altLang="ru-RU" dirty="0" smtClean="0">
+                <a:solidFill>
+                  <a:srgbClr val="FFFFFF"/>
+                </a:solidFill>
+                <a:latin typeface="Verdana" panose="020B0604030504040204" pitchFamily="34" charset="0"/>
+              </a:rPr>
+              <a:t>::</a:t>
+            </a:r>
+            <a:r>
+              <a:rPr lang="ru-RU" altLang="ru-RU" dirty="0" err="1" smtClean="0">
+                <a:solidFill>
+                  <a:srgbClr val="FFCC00"/>
+                </a:solidFill>
+                <a:latin typeface="Verdana" panose="020B0604030504040204" pitchFamily="34" charset="0"/>
+              </a:rPr>
+              <a:t>ostream</a:t>
+            </a:r>
+            <a:r>
+              <a:rPr lang="ru-RU" altLang="ru-RU" dirty="0" smtClean="0">
+                <a:solidFill>
+                  <a:srgbClr val="FFFFFF"/>
+                </a:solidFill>
+                <a:latin typeface="Verdana" panose="020B0604030504040204" pitchFamily="34" charset="0"/>
+              </a:rPr>
+              <a:t>&amp; </a:t>
+            </a:r>
+            <a:r>
+              <a:rPr lang="ru-RU" altLang="ru-RU" dirty="0" err="1" smtClean="0">
+                <a:solidFill>
+                  <a:srgbClr val="5BCD9D"/>
+                </a:solidFill>
+                <a:latin typeface="Verdana" panose="020B0604030504040204" pitchFamily="34" charset="0"/>
+              </a:rPr>
+              <a:t>os</a:t>
+            </a:r>
+            <a:r>
+              <a:rPr lang="ru-RU" altLang="ru-RU" dirty="0" smtClean="0">
+                <a:solidFill>
+                  <a:srgbClr val="FFFFFF"/>
+                </a:solidFill>
+                <a:latin typeface="Verdana" panose="020B0604030504040204" pitchFamily="34" charset="0"/>
+              </a:rPr>
+              <a:t>, </a:t>
+            </a:r>
+            <a:r>
+              <a:rPr lang="ru-RU" altLang="ru-RU" dirty="0" err="1" smtClean="0">
+                <a:solidFill>
+                  <a:srgbClr val="FFFFFF"/>
+                </a:solidFill>
+                <a:latin typeface="Verdana" panose="020B0604030504040204" pitchFamily="34" charset="0"/>
+              </a:rPr>
+              <a:t>const</a:t>
+            </a:r>
+            <a:r>
+              <a:rPr lang="ru-RU" altLang="ru-RU" dirty="0" smtClean="0">
+                <a:solidFill>
+                  <a:srgbClr val="FFFFFF"/>
+                </a:solidFill>
+                <a:latin typeface="Verdana" panose="020B0604030504040204" pitchFamily="34" charset="0"/>
+              </a:rPr>
+              <a:t> </a:t>
+            </a:r>
+            <a:r>
+              <a:rPr lang="ru-RU" altLang="ru-RU" dirty="0" err="1" smtClean="0">
+                <a:solidFill>
+                  <a:srgbClr val="FFCC00"/>
+                </a:solidFill>
+                <a:latin typeface="Verdana" panose="020B0604030504040204" pitchFamily="34" charset="0"/>
+              </a:rPr>
+              <a:t>HttpResponse</a:t>
+            </a:r>
+            <a:r>
+              <a:rPr lang="ru-RU" altLang="ru-RU" dirty="0" smtClean="0">
+                <a:solidFill>
+                  <a:srgbClr val="FFFFFF"/>
+                </a:solidFill>
+                <a:latin typeface="Verdana" panose="020B0604030504040204" pitchFamily="34" charset="0"/>
+              </a:rPr>
+              <a:t>&amp; </a:t>
+            </a:r>
+            <a:r>
+              <a:rPr lang="ru-RU" altLang="ru-RU" dirty="0" err="1" smtClean="0">
+                <a:solidFill>
+                  <a:srgbClr val="5BCD9D"/>
+                </a:solidFill>
+                <a:latin typeface="Verdana" panose="020B0604030504040204" pitchFamily="34" charset="0"/>
+              </a:rPr>
+              <a:t>resp</a:t>
+            </a:r>
+            <a:r>
+              <a:rPr lang="ru-RU" altLang="ru-RU" dirty="0" smtClean="0">
+                <a:solidFill>
+                  <a:srgbClr val="FFFFFF"/>
+                </a:solidFill>
+                <a:latin typeface="Verdana" panose="020B0604030504040204" pitchFamily="34" charset="0"/>
+              </a:rPr>
+              <a:t>);</a:t>
+            </a:r>
+            <a:br>
+              <a:rPr lang="ru-RU" altLang="ru-RU" dirty="0" smtClean="0">
+                <a:solidFill>
+                  <a:srgbClr val="FFFFFF"/>
+                </a:solidFill>
+                <a:latin typeface="Verdana" panose="020B0604030504040204" pitchFamily="34" charset="0"/>
+              </a:rPr>
+            </a:br>
+            <a:r>
+              <a:rPr lang="ru-RU" altLang="ru-RU" dirty="0" smtClean="0">
+                <a:solidFill>
+                  <a:srgbClr val="FFFFFF"/>
+                </a:solidFill>
+                <a:latin typeface="Verdana" panose="020B0604030504040204" pitchFamily="34" charset="0"/>
+              </a:rPr>
+              <a:t/>
+            </a:r>
+            <a:br>
+              <a:rPr lang="ru-RU" altLang="ru-RU" dirty="0" smtClean="0">
+                <a:solidFill>
+                  <a:srgbClr val="FFFFFF"/>
+                </a:solidFill>
+                <a:latin typeface="Verdana" panose="020B0604030504040204" pitchFamily="34" charset="0"/>
+              </a:rPr>
+            </a:br>
+            <a:endParaRPr lang="ru-RU" altLang="ru-RU" sz="6600" dirty="0" smtClean="0">
+              <a:solidFill>
+                <a:schemeClr val="tx1"/>
+              </a:solidFill>
+              <a:latin typeface="Arial" panose="020B0604020202020204" pitchFamily="34" charset="0"/>
+            </a:endParaRPr>
+          </a:p>
+          <a:p>
+            <a:endParaRPr lang="en-US" dirty="0" smtClean="0"/>
+          </a:p>
+          <a:p>
+            <a:endParaRPr lang="ru-RU" dirty="0"/>
+          </a:p>
+        </p:txBody>
+      </p:sp>
+      <p:sp>
+        <p:nvSpPr>
+          <p:cNvPr id="7" name="TextBox 6"/>
+          <p:cNvSpPr txBox="1"/>
+          <p:nvPr/>
+        </p:nvSpPr>
+        <p:spPr>
+          <a:xfrm>
+            <a:off x="1044000" y="4699027"/>
+            <a:ext cx="5723344" cy="3416320"/>
+          </a:xfrm>
+          <a:prstGeom prst="rect">
+            <a:avLst/>
+          </a:prstGeom>
+          <a:noFill/>
+        </p:spPr>
+        <p:txBody>
+          <a:bodyPr wrap="square" rtlCol="0">
+            <a:spAutoFit/>
+          </a:bodyPr>
+          <a:lstStyle/>
+          <a:p>
+            <a:pPr lvl="0" defTabSz="914400" eaLnBrk="0" fontAlgn="base" hangingPunct="0">
+              <a:lnSpc>
+                <a:spcPct val="150000"/>
+              </a:lnSpc>
+              <a:spcBef>
+                <a:spcPct val="0"/>
+              </a:spcBef>
+              <a:spcAft>
+                <a:spcPct val="0"/>
+              </a:spcAft>
+            </a:pPr>
+            <a:r>
+              <a:rPr lang="ru-RU" altLang="ru-RU" dirty="0" err="1">
+                <a:solidFill>
+                  <a:srgbClr val="FFFFFF"/>
+                </a:solidFill>
+                <a:latin typeface="Verdana" panose="020B0604030504040204" pitchFamily="34" charset="0"/>
+              </a:rPr>
+              <a:t>private</a:t>
+            </a:r>
+            <a:r>
+              <a:rPr lang="ru-RU" altLang="ru-RU" dirty="0">
+                <a:solidFill>
+                  <a:srgbClr val="FFFFFF"/>
+                </a:solidFill>
+                <a:latin typeface="Verdana" panose="020B0604030504040204" pitchFamily="34" charset="0"/>
+              </a:rPr>
+              <a:t>:</a:t>
+            </a:r>
+            <a:br>
+              <a:rPr lang="ru-RU" altLang="ru-RU" dirty="0">
+                <a:solidFill>
+                  <a:srgbClr val="FFFFFF"/>
+                </a:solidFill>
+                <a:latin typeface="Verdana" panose="020B0604030504040204" pitchFamily="34" charset="0"/>
+              </a:rPr>
+            </a:br>
+            <a:r>
+              <a:rPr lang="ru-RU" altLang="ru-RU" dirty="0">
+                <a:solidFill>
+                  <a:srgbClr val="FFFFFF"/>
+                </a:solidFill>
+                <a:latin typeface="Verdana" panose="020B0604030504040204" pitchFamily="34" charset="0"/>
+              </a:rPr>
+              <a:t>    </a:t>
+            </a:r>
+            <a:r>
+              <a:rPr lang="ru-RU" altLang="ru-RU" dirty="0" err="1">
+                <a:solidFill>
+                  <a:srgbClr val="FFCC00"/>
+                </a:solidFill>
+                <a:latin typeface="Verdana" panose="020B0604030504040204" pitchFamily="34" charset="0"/>
+              </a:rPr>
+              <a:t>HttpCode</a:t>
+            </a:r>
+            <a:r>
+              <a:rPr lang="ru-RU" altLang="ru-RU" dirty="0">
+                <a:solidFill>
+                  <a:srgbClr val="FFCC00"/>
+                </a:solidFill>
+                <a:latin typeface="Verdana" panose="020B0604030504040204" pitchFamily="34" charset="0"/>
+              </a:rPr>
+              <a:t> </a:t>
+            </a:r>
+            <a:r>
+              <a:rPr lang="en-US" altLang="ru-RU" dirty="0" smtClean="0">
+                <a:solidFill>
+                  <a:srgbClr val="5BCD9D"/>
+                </a:solidFill>
+                <a:latin typeface="Verdana" panose="020B0604030504040204" pitchFamily="34" charset="0"/>
+              </a:rPr>
+              <a:t>c</a:t>
+            </a:r>
+            <a:r>
+              <a:rPr lang="ru-RU" altLang="ru-RU" dirty="0" err="1" smtClean="0">
+                <a:solidFill>
+                  <a:srgbClr val="5BCD9D"/>
+                </a:solidFill>
+                <a:latin typeface="Verdana" panose="020B0604030504040204" pitchFamily="34" charset="0"/>
+              </a:rPr>
+              <a:t>ode</a:t>
+            </a:r>
+            <a:r>
+              <a:rPr lang="en-US" altLang="ru-RU" dirty="0" smtClean="0">
+                <a:solidFill>
+                  <a:srgbClr val="5BCD9D"/>
+                </a:solidFill>
+                <a:latin typeface="Verdana" panose="020B0604030504040204" pitchFamily="34" charset="0"/>
+              </a:rPr>
+              <a:t>_</a:t>
+            </a:r>
+            <a:r>
+              <a:rPr lang="ru-RU" altLang="ru-RU" dirty="0" smtClean="0">
+                <a:solidFill>
+                  <a:srgbClr val="FFFFFF"/>
+                </a:solidFill>
+                <a:latin typeface="Verdana" panose="020B0604030504040204" pitchFamily="34" charset="0"/>
+              </a:rPr>
+              <a:t>;</a:t>
+            </a:r>
+            <a:r>
+              <a:rPr lang="ru-RU" altLang="ru-RU" dirty="0">
+                <a:solidFill>
+                  <a:srgbClr val="FFFFFF"/>
+                </a:solidFill>
+                <a:latin typeface="Verdana" panose="020B0604030504040204" pitchFamily="34" charset="0"/>
+              </a:rPr>
+              <a:t/>
+            </a:r>
+            <a:br>
+              <a:rPr lang="ru-RU" altLang="ru-RU" dirty="0">
+                <a:solidFill>
+                  <a:srgbClr val="FFFFFF"/>
+                </a:solidFill>
+                <a:latin typeface="Verdana" panose="020B0604030504040204" pitchFamily="34" charset="0"/>
+              </a:rPr>
+            </a:br>
+            <a:r>
+              <a:rPr lang="ru-RU" altLang="ru-RU" dirty="0">
+                <a:solidFill>
+                  <a:srgbClr val="FFFFFF"/>
+                </a:solidFill>
+                <a:latin typeface="Verdana" panose="020B0604030504040204" pitchFamily="34" charset="0"/>
+              </a:rPr>
+              <a:t>    </a:t>
+            </a:r>
+            <a:r>
+              <a:rPr lang="ru-RU" altLang="ru-RU" dirty="0" err="1">
+                <a:solidFill>
+                  <a:srgbClr val="9E64A9"/>
+                </a:solidFill>
+                <a:latin typeface="Verdana" panose="020B0604030504040204" pitchFamily="34" charset="0"/>
+              </a:rPr>
+              <a:t>std</a:t>
+            </a:r>
+            <a:r>
+              <a:rPr lang="ru-RU" altLang="ru-RU" dirty="0">
+                <a:solidFill>
+                  <a:srgbClr val="FFFFFF"/>
+                </a:solidFill>
+                <a:latin typeface="Verdana" panose="020B0604030504040204" pitchFamily="34" charset="0"/>
+              </a:rPr>
+              <a:t>::</a:t>
+            </a:r>
+            <a:r>
+              <a:rPr lang="ru-RU" altLang="ru-RU" dirty="0" err="1">
+                <a:solidFill>
+                  <a:srgbClr val="FFCC00"/>
+                </a:solidFill>
+                <a:latin typeface="Verdana" panose="020B0604030504040204" pitchFamily="34" charset="0"/>
+              </a:rPr>
+              <a:t>string</a:t>
+            </a:r>
+            <a:r>
+              <a:rPr lang="ru-RU" altLang="ru-RU" dirty="0">
+                <a:solidFill>
+                  <a:srgbClr val="FFCC00"/>
+                </a:solidFill>
+                <a:latin typeface="Verdana" panose="020B0604030504040204" pitchFamily="34" charset="0"/>
+              </a:rPr>
+              <a:t> </a:t>
+            </a:r>
+            <a:r>
+              <a:rPr lang="en-US" altLang="ru-RU" dirty="0" err="1">
+                <a:solidFill>
+                  <a:srgbClr val="5BCD9D"/>
+                </a:solidFill>
+                <a:latin typeface="Verdana" panose="020B0604030504040204" pitchFamily="34" charset="0"/>
+              </a:rPr>
+              <a:t>c</a:t>
+            </a:r>
+            <a:r>
+              <a:rPr lang="ru-RU" altLang="ru-RU" dirty="0" err="1" smtClean="0">
+                <a:solidFill>
+                  <a:srgbClr val="5BCD9D"/>
+                </a:solidFill>
+                <a:latin typeface="Verdana" panose="020B0604030504040204" pitchFamily="34" charset="0"/>
+              </a:rPr>
+              <a:t>ontent</a:t>
+            </a:r>
+            <a:r>
+              <a:rPr lang="en-US" altLang="ru-RU" dirty="0" smtClean="0">
+                <a:solidFill>
+                  <a:srgbClr val="5BCD9D"/>
+                </a:solidFill>
+                <a:latin typeface="Verdana" panose="020B0604030504040204" pitchFamily="34" charset="0"/>
+              </a:rPr>
+              <a:t>_</a:t>
+            </a:r>
+            <a:r>
+              <a:rPr lang="ru-RU" altLang="ru-RU" dirty="0" smtClean="0">
+                <a:solidFill>
+                  <a:srgbClr val="FFFFFF"/>
+                </a:solidFill>
+                <a:latin typeface="Verdana" panose="020B0604030504040204" pitchFamily="34" charset="0"/>
+              </a:rPr>
+              <a:t>;</a:t>
+            </a:r>
+            <a:r>
+              <a:rPr lang="ru-RU" altLang="ru-RU" dirty="0">
+                <a:solidFill>
+                  <a:srgbClr val="FFFFFF"/>
+                </a:solidFill>
+                <a:latin typeface="Verdana" panose="020B0604030504040204" pitchFamily="34" charset="0"/>
+              </a:rPr>
+              <a:t/>
+            </a:r>
+            <a:br>
+              <a:rPr lang="ru-RU" altLang="ru-RU" dirty="0">
+                <a:solidFill>
+                  <a:srgbClr val="FFFFFF"/>
+                </a:solidFill>
+                <a:latin typeface="Verdana" panose="020B0604030504040204" pitchFamily="34" charset="0"/>
+              </a:rPr>
+            </a:br>
+            <a:endParaRPr lang="ru-RU" altLang="ru-RU" dirty="0">
+              <a:latin typeface="Arial" panose="020B0604020202020204" pitchFamily="34" charset="0"/>
+            </a:endParaRPr>
+          </a:p>
+        </p:txBody>
+      </p:sp>
+      <p:sp>
+        <p:nvSpPr>
+          <p:cNvPr id="6" name="TextBox 5"/>
+          <p:cNvSpPr txBox="1"/>
+          <p:nvPr/>
+        </p:nvSpPr>
+        <p:spPr>
+          <a:xfrm>
+            <a:off x="1124806" y="4685269"/>
+            <a:ext cx="1144800" cy="646331"/>
+          </a:xfrm>
+          <a:prstGeom prst="rect">
+            <a:avLst/>
+          </a:prstGeom>
+          <a:noFill/>
+        </p:spPr>
+        <p:txBody>
+          <a:bodyPr wrap="square" rtlCol="0">
+            <a:spAutoFit/>
+          </a:bodyPr>
+          <a:lstStyle/>
+          <a:p>
+            <a:r>
+              <a:rPr lang="ru-RU" altLang="ru-RU" dirty="0">
+                <a:solidFill>
+                  <a:srgbClr val="FFFFFF"/>
+                </a:solidFill>
+                <a:latin typeface="Verdana" panose="020B0604030504040204" pitchFamily="34" charset="0"/>
+              </a:rPr>
+              <a:t>};</a:t>
+            </a:r>
+            <a:endParaRPr lang="ru-RU" dirty="0" smtClean="0">
+              <a:solidFill>
+                <a:sysClr val="windowText" lastClr="000000"/>
+              </a:solidFill>
+            </a:endParaRPr>
+          </a:p>
+        </p:txBody>
+      </p:sp>
+      <p:sp>
+        <p:nvSpPr>
+          <p:cNvPr id="10" name="TextBox 9"/>
+          <p:cNvSpPr txBox="1"/>
+          <p:nvPr/>
+        </p:nvSpPr>
+        <p:spPr>
+          <a:xfrm>
+            <a:off x="1090736" y="8136555"/>
+            <a:ext cx="14700519" cy="5909310"/>
+          </a:xfrm>
+          <a:prstGeom prst="rect">
+            <a:avLst/>
+          </a:prstGeom>
+          <a:noFill/>
+        </p:spPr>
+        <p:txBody>
+          <a:bodyPr wrap="square" rtlCol="0">
+            <a:spAutoFit/>
+          </a:bodyPr>
+          <a:lstStyle/>
+          <a:p>
+            <a:pPr>
+              <a:lnSpc>
+                <a:spcPct val="150000"/>
+              </a:lnSpc>
+            </a:pPr>
+            <a:r>
+              <a:rPr lang="ru-RU" altLang="ru-RU" dirty="0" err="1">
+                <a:solidFill>
+                  <a:srgbClr val="FFCC00"/>
+                </a:solidFill>
+                <a:latin typeface="Verdana" panose="020B0604030504040204" pitchFamily="34" charset="0"/>
+              </a:rPr>
+              <a:t>HttpResponse</a:t>
+            </a:r>
+            <a:r>
+              <a:rPr lang="ru-RU" altLang="ru-RU" dirty="0">
+                <a:solidFill>
+                  <a:srgbClr val="FFFFFF"/>
+                </a:solidFill>
+                <a:latin typeface="Verdana" panose="020B0604030504040204" pitchFamily="34" charset="0"/>
+              </a:rPr>
+              <a:t>::</a:t>
+            </a:r>
+            <a:r>
+              <a:rPr lang="ru-RU" altLang="ru-RU" dirty="0" err="1">
+                <a:solidFill>
+                  <a:srgbClr val="FFCC00"/>
+                </a:solidFill>
+                <a:latin typeface="Verdana" panose="020B0604030504040204" pitchFamily="34" charset="0"/>
+              </a:rPr>
+              <a:t>HttpResponse</a:t>
+            </a:r>
+            <a:r>
+              <a:rPr lang="ru-RU" altLang="ru-RU" dirty="0">
+                <a:solidFill>
+                  <a:srgbClr val="FFFFFF"/>
+                </a:solidFill>
+                <a:latin typeface="Verdana" panose="020B0604030504040204" pitchFamily="34" charset="0"/>
+              </a:rPr>
+              <a:t>(</a:t>
+            </a:r>
+            <a:r>
+              <a:rPr lang="ru-RU" altLang="ru-RU" dirty="0" err="1">
+                <a:solidFill>
+                  <a:srgbClr val="FFCC00"/>
+                </a:solidFill>
+                <a:latin typeface="Verdana" panose="020B0604030504040204" pitchFamily="34" charset="0"/>
+              </a:rPr>
+              <a:t>HttpCode</a:t>
+            </a:r>
+            <a:r>
+              <a:rPr lang="ru-RU" altLang="ru-RU" dirty="0">
+                <a:solidFill>
+                  <a:srgbClr val="FFCC00"/>
+                </a:solidFill>
+                <a:latin typeface="Verdana" panose="020B0604030504040204" pitchFamily="34" charset="0"/>
+              </a:rPr>
+              <a:t> </a:t>
+            </a:r>
+            <a:r>
+              <a:rPr lang="ru-RU" altLang="ru-RU" dirty="0" err="1">
+                <a:solidFill>
+                  <a:srgbClr val="5BCD9D"/>
+                </a:solidFill>
+                <a:latin typeface="Verdana" panose="020B0604030504040204" pitchFamily="34" charset="0"/>
+              </a:rPr>
+              <a:t>code</a:t>
+            </a:r>
+            <a:r>
+              <a:rPr lang="ru-RU" altLang="ru-RU" dirty="0">
+                <a:solidFill>
+                  <a:srgbClr val="FFFFFF"/>
+                </a:solidFill>
+                <a:latin typeface="Verdana" panose="020B0604030504040204" pitchFamily="34" charset="0"/>
+              </a:rPr>
+              <a:t>) : </a:t>
+            </a:r>
+            <a:r>
+              <a:rPr lang="ru-RU" altLang="ru-RU" dirty="0" err="1">
+                <a:solidFill>
+                  <a:srgbClr val="5BCD9D"/>
+                </a:solidFill>
+                <a:latin typeface="Verdana" panose="020B0604030504040204" pitchFamily="34" charset="0"/>
+              </a:rPr>
+              <a:t>code</a:t>
+            </a:r>
+            <a:r>
+              <a:rPr lang="ru-RU" altLang="ru-RU" dirty="0">
+                <a:solidFill>
+                  <a:srgbClr val="5BCD9D"/>
+                </a:solidFill>
+                <a:latin typeface="Verdana" panose="020B0604030504040204" pitchFamily="34" charset="0"/>
+              </a:rPr>
+              <a:t>_</a:t>
+            </a:r>
+            <a:r>
+              <a:rPr lang="ru-RU" altLang="ru-RU" dirty="0">
+                <a:solidFill>
+                  <a:srgbClr val="FFFFFF"/>
+                </a:solidFill>
+                <a:latin typeface="Verdana" panose="020B0604030504040204" pitchFamily="34" charset="0"/>
+              </a:rPr>
+              <a:t>(</a:t>
+            </a:r>
+            <a:r>
+              <a:rPr lang="ru-RU" altLang="ru-RU" dirty="0" err="1">
+                <a:solidFill>
+                  <a:srgbClr val="5BCD9D"/>
+                </a:solidFill>
+                <a:latin typeface="Verdana" panose="020B0604030504040204" pitchFamily="34" charset="0"/>
+              </a:rPr>
+              <a:t>code</a:t>
+            </a:r>
+            <a:r>
+              <a:rPr lang="ru-RU" altLang="ru-RU" dirty="0">
+                <a:solidFill>
+                  <a:srgbClr val="FFFFFF"/>
+                </a:solidFill>
+                <a:latin typeface="Verdana" panose="020B0604030504040204" pitchFamily="34" charset="0"/>
+              </a:rPr>
+              <a:t>) {</a:t>
+            </a:r>
+            <a:br>
+              <a:rPr lang="ru-RU" altLang="ru-RU" dirty="0">
+                <a:solidFill>
+                  <a:srgbClr val="FFFFFF"/>
+                </a:solidFill>
+                <a:latin typeface="Verdana" panose="020B0604030504040204" pitchFamily="34" charset="0"/>
+              </a:rPr>
+            </a:br>
+            <a:r>
+              <a:rPr lang="ru-RU" altLang="ru-RU" dirty="0">
+                <a:solidFill>
+                  <a:srgbClr val="FFFFFF"/>
+                </a:solidFill>
+                <a:latin typeface="Verdana" panose="020B0604030504040204" pitchFamily="34" charset="0"/>
+              </a:rPr>
+              <a:t>}</a:t>
+            </a:r>
+            <a:br>
+              <a:rPr lang="ru-RU" altLang="ru-RU" dirty="0">
+                <a:solidFill>
+                  <a:srgbClr val="FFFFFF"/>
+                </a:solidFill>
+                <a:latin typeface="Verdana" panose="020B0604030504040204" pitchFamily="34" charset="0"/>
+              </a:rPr>
+            </a:br>
+            <a:r>
+              <a:rPr lang="ru-RU" altLang="ru-RU" dirty="0" err="1">
+                <a:solidFill>
+                  <a:srgbClr val="FFCC00"/>
+                </a:solidFill>
+                <a:latin typeface="Verdana" panose="020B0604030504040204" pitchFamily="34" charset="0"/>
+              </a:rPr>
+              <a:t>HttpResponse</a:t>
+            </a:r>
+            <a:r>
+              <a:rPr lang="ru-RU" altLang="ru-RU" dirty="0">
+                <a:solidFill>
+                  <a:srgbClr val="FFFFFF"/>
+                </a:solidFill>
+                <a:latin typeface="Verdana" panose="020B0604030504040204" pitchFamily="34" charset="0"/>
+              </a:rPr>
+              <a:t>&amp; </a:t>
+            </a:r>
+            <a:r>
+              <a:rPr lang="ru-RU" altLang="ru-RU" dirty="0" err="1">
+                <a:solidFill>
+                  <a:srgbClr val="FFCC00"/>
+                </a:solidFill>
+                <a:latin typeface="Verdana" panose="020B0604030504040204" pitchFamily="34" charset="0"/>
+              </a:rPr>
+              <a:t>HttpResponse</a:t>
+            </a:r>
+            <a:r>
+              <a:rPr lang="ru-RU" altLang="ru-RU" dirty="0">
+                <a:solidFill>
+                  <a:srgbClr val="FFFFFF"/>
+                </a:solidFill>
+                <a:latin typeface="Verdana" panose="020B0604030504040204" pitchFamily="34" charset="0"/>
+              </a:rPr>
+              <a:t>::</a:t>
+            </a:r>
+            <a:r>
+              <a:rPr lang="ru-RU" altLang="ru-RU" dirty="0" err="1">
+                <a:solidFill>
+                  <a:srgbClr val="FFCC00"/>
+                </a:solidFill>
+                <a:latin typeface="Verdana" panose="020B0604030504040204" pitchFamily="34" charset="0"/>
+              </a:rPr>
+              <a:t>SetContent</a:t>
+            </a:r>
+            <a:r>
+              <a:rPr lang="ru-RU" altLang="ru-RU" dirty="0">
+                <a:solidFill>
+                  <a:srgbClr val="FFFFFF"/>
+                </a:solidFill>
+                <a:latin typeface="Verdana" panose="020B0604030504040204" pitchFamily="34" charset="0"/>
+              </a:rPr>
+              <a:t>(</a:t>
+            </a:r>
+            <a:r>
+              <a:rPr lang="ru-RU" altLang="ru-RU" dirty="0" err="1">
+                <a:solidFill>
+                  <a:srgbClr val="9E64A9"/>
+                </a:solidFill>
+                <a:latin typeface="Verdana" panose="020B0604030504040204" pitchFamily="34" charset="0"/>
+              </a:rPr>
+              <a:t>std</a:t>
+            </a:r>
+            <a:r>
+              <a:rPr lang="ru-RU" altLang="ru-RU" dirty="0">
+                <a:solidFill>
+                  <a:srgbClr val="FFFFFF"/>
+                </a:solidFill>
+                <a:latin typeface="Verdana" panose="020B0604030504040204" pitchFamily="34" charset="0"/>
+              </a:rPr>
+              <a:t>::</a:t>
+            </a:r>
+            <a:r>
+              <a:rPr lang="ru-RU" altLang="ru-RU" dirty="0" err="1">
+                <a:solidFill>
+                  <a:srgbClr val="FFCC00"/>
+                </a:solidFill>
+                <a:latin typeface="Verdana" panose="020B0604030504040204" pitchFamily="34" charset="0"/>
+              </a:rPr>
+              <a:t>string</a:t>
+            </a:r>
+            <a:r>
+              <a:rPr lang="ru-RU" altLang="ru-RU" dirty="0">
+                <a:solidFill>
+                  <a:srgbClr val="FFCC00"/>
+                </a:solidFill>
+                <a:latin typeface="Verdana" panose="020B0604030504040204" pitchFamily="34" charset="0"/>
+              </a:rPr>
+              <a:t> </a:t>
+            </a:r>
+            <a:r>
+              <a:rPr lang="ru-RU" altLang="ru-RU" dirty="0" err="1">
+                <a:solidFill>
+                  <a:srgbClr val="5BCD9D"/>
+                </a:solidFill>
+                <a:latin typeface="Verdana" panose="020B0604030504040204" pitchFamily="34" charset="0"/>
+              </a:rPr>
+              <a:t>value</a:t>
+            </a:r>
+            <a:r>
+              <a:rPr lang="ru-RU" altLang="ru-RU" dirty="0">
+                <a:solidFill>
+                  <a:srgbClr val="FFFFFF"/>
+                </a:solidFill>
+                <a:latin typeface="Verdana" panose="020B0604030504040204" pitchFamily="34" charset="0"/>
+              </a:rPr>
+              <a:t>) {</a:t>
+            </a:r>
+            <a:br>
+              <a:rPr lang="ru-RU" altLang="ru-RU" dirty="0">
+                <a:solidFill>
+                  <a:srgbClr val="FFFFFF"/>
+                </a:solidFill>
+                <a:latin typeface="Verdana" panose="020B0604030504040204" pitchFamily="34" charset="0"/>
+              </a:rPr>
+            </a:br>
+            <a:r>
+              <a:rPr lang="ru-RU" altLang="ru-RU" dirty="0">
+                <a:solidFill>
+                  <a:srgbClr val="FFFFFF"/>
+                </a:solidFill>
+                <a:latin typeface="Verdana" panose="020B0604030504040204" pitchFamily="34" charset="0"/>
+              </a:rPr>
+              <a:t>    </a:t>
+            </a:r>
+            <a:r>
+              <a:rPr lang="ru-RU" altLang="ru-RU" dirty="0" err="1">
+                <a:solidFill>
+                  <a:srgbClr val="5BCD9D"/>
+                </a:solidFill>
+                <a:latin typeface="Verdana" panose="020B0604030504040204" pitchFamily="34" charset="0"/>
+              </a:rPr>
+              <a:t>content</a:t>
+            </a:r>
+            <a:r>
+              <a:rPr lang="ru-RU" altLang="ru-RU" dirty="0">
+                <a:solidFill>
+                  <a:srgbClr val="5BCD9D"/>
+                </a:solidFill>
+                <a:latin typeface="Verdana" panose="020B0604030504040204" pitchFamily="34" charset="0"/>
+              </a:rPr>
+              <a:t>_ </a:t>
+            </a:r>
+            <a:r>
+              <a:rPr lang="ru-RU" altLang="ru-RU" dirty="0">
+                <a:solidFill>
+                  <a:srgbClr val="FFFFFF"/>
+                </a:solidFill>
+                <a:latin typeface="Verdana" panose="020B0604030504040204" pitchFamily="34" charset="0"/>
+              </a:rPr>
+              <a:t>= </a:t>
+            </a:r>
+            <a:r>
+              <a:rPr lang="ru-RU" altLang="ru-RU" dirty="0" err="1">
+                <a:solidFill>
+                  <a:srgbClr val="9E64A9"/>
+                </a:solidFill>
+                <a:latin typeface="Verdana" panose="020B0604030504040204" pitchFamily="34" charset="0"/>
+              </a:rPr>
+              <a:t>std</a:t>
+            </a:r>
+            <a:r>
+              <a:rPr lang="ru-RU" altLang="ru-RU" dirty="0">
+                <a:solidFill>
+                  <a:srgbClr val="FFFFFF"/>
+                </a:solidFill>
+                <a:latin typeface="Verdana" panose="020B0604030504040204" pitchFamily="34" charset="0"/>
+              </a:rPr>
+              <a:t>::</a:t>
+            </a:r>
+            <a:r>
+              <a:rPr lang="ru-RU" altLang="ru-RU" dirty="0" err="1">
+                <a:solidFill>
+                  <a:srgbClr val="FFCC00"/>
+                </a:solidFill>
+                <a:latin typeface="Verdana" panose="020B0604030504040204" pitchFamily="34" charset="0"/>
+              </a:rPr>
+              <a:t>move</a:t>
+            </a:r>
+            <a:r>
+              <a:rPr lang="ru-RU" altLang="ru-RU" dirty="0">
+                <a:solidFill>
+                  <a:srgbClr val="FFFFFF"/>
+                </a:solidFill>
+                <a:latin typeface="Verdana" panose="020B0604030504040204" pitchFamily="34" charset="0"/>
+              </a:rPr>
+              <a:t>(</a:t>
+            </a:r>
+            <a:r>
+              <a:rPr lang="ru-RU" altLang="ru-RU" dirty="0" err="1">
+                <a:solidFill>
+                  <a:srgbClr val="5BCD9D"/>
+                </a:solidFill>
+                <a:latin typeface="Verdana" panose="020B0604030504040204" pitchFamily="34" charset="0"/>
+              </a:rPr>
+              <a:t>value</a:t>
+            </a:r>
+            <a:r>
+              <a:rPr lang="ru-RU" altLang="ru-RU" dirty="0">
+                <a:solidFill>
+                  <a:srgbClr val="FFFFFF"/>
+                </a:solidFill>
+                <a:latin typeface="Verdana" panose="020B0604030504040204" pitchFamily="34" charset="0"/>
+              </a:rPr>
+              <a:t>);</a:t>
+            </a:r>
+            <a:br>
+              <a:rPr lang="ru-RU" altLang="ru-RU" dirty="0">
+                <a:solidFill>
+                  <a:srgbClr val="FFFFFF"/>
+                </a:solidFill>
+                <a:latin typeface="Verdana" panose="020B0604030504040204" pitchFamily="34" charset="0"/>
+              </a:rPr>
+            </a:br>
+            <a:r>
+              <a:rPr lang="ru-RU" altLang="ru-RU" dirty="0">
+                <a:solidFill>
+                  <a:srgbClr val="FFFFFF"/>
+                </a:solidFill>
+                <a:latin typeface="Verdana" panose="020B0604030504040204" pitchFamily="34" charset="0"/>
+              </a:rPr>
+              <a:t>    </a:t>
+            </a:r>
+            <a:r>
+              <a:rPr lang="ru-RU" altLang="ru-RU" dirty="0" err="1">
+                <a:solidFill>
+                  <a:srgbClr val="FFFFFF"/>
+                </a:solidFill>
+                <a:latin typeface="Verdana" panose="020B0604030504040204" pitchFamily="34" charset="0"/>
+              </a:rPr>
+              <a:t>return</a:t>
+            </a:r>
+            <a:r>
+              <a:rPr lang="ru-RU" altLang="ru-RU" dirty="0">
+                <a:solidFill>
+                  <a:srgbClr val="FFFFFF"/>
+                </a:solidFill>
+                <a:latin typeface="Verdana" panose="020B0604030504040204" pitchFamily="34" charset="0"/>
+              </a:rPr>
+              <a:t> *</a:t>
+            </a:r>
+            <a:r>
+              <a:rPr lang="ru-RU" altLang="ru-RU" dirty="0" err="1">
+                <a:solidFill>
+                  <a:srgbClr val="FFFFFF"/>
+                </a:solidFill>
+                <a:latin typeface="Verdana" panose="020B0604030504040204" pitchFamily="34" charset="0"/>
+              </a:rPr>
+              <a:t>this</a:t>
+            </a:r>
+            <a:r>
+              <a:rPr lang="ru-RU" altLang="ru-RU" dirty="0">
+                <a:solidFill>
+                  <a:srgbClr val="FFFFFF"/>
+                </a:solidFill>
+                <a:latin typeface="Verdana" panose="020B0604030504040204" pitchFamily="34" charset="0"/>
+              </a:rPr>
+              <a:t>;</a:t>
+            </a:r>
+            <a:br>
+              <a:rPr lang="ru-RU" altLang="ru-RU" dirty="0">
+                <a:solidFill>
+                  <a:srgbClr val="FFFFFF"/>
+                </a:solidFill>
+                <a:latin typeface="Verdana" panose="020B0604030504040204" pitchFamily="34" charset="0"/>
+              </a:rPr>
+            </a:br>
+            <a:r>
+              <a:rPr lang="ru-RU" altLang="ru-RU" dirty="0">
+                <a:solidFill>
+                  <a:srgbClr val="FFFFFF"/>
+                </a:solidFill>
+                <a:latin typeface="Verdana" panose="020B0604030504040204" pitchFamily="34" charset="0"/>
+              </a:rPr>
+              <a:t>}</a:t>
+            </a:r>
+            <a:br>
+              <a:rPr lang="ru-RU" altLang="ru-RU" dirty="0">
+                <a:solidFill>
+                  <a:srgbClr val="FFFFFF"/>
+                </a:solidFill>
+                <a:latin typeface="Verdana" panose="020B0604030504040204" pitchFamily="34" charset="0"/>
+              </a:rPr>
+            </a:br>
+            <a:endParaRPr lang="ru-RU" dirty="0" smtClean="0">
+              <a:solidFill>
+                <a:sysClr val="windowText" lastClr="000000"/>
+              </a:solidFill>
+            </a:endParaRPr>
+          </a:p>
+        </p:txBody>
+      </p:sp>
+    </p:spTree>
+    <p:extLst>
+      <p:ext uri="{BB962C8B-B14F-4D97-AF65-F5344CB8AC3E}">
+        <p14:creationId xmlns:p14="http://schemas.microsoft.com/office/powerpoint/2010/main" val="4062972452"/>
+      </p:ext>
+    </p:extLst>
+  </p:cSld>
+  <p:clrMapOvr>
+    <a:masterClrMapping/>
+  </p:clrMapOvr>
+  <p:timing>
+    <p:tnLst>
+      <p:par>
+        <p:cTn id="1" dur="indefinite" restart="never" nodeType="tmRoot">
+          <p:childTnLst>
+            <p:seq concurrent="1" nextAc="seek">
+              <p:cTn id="2" dur="indefinite" nodeType="mainSeq">
+                <p:childTnLst>
+                  <p:par>
+                    <p:cTn id="3" fill="hold">
+                      <p:stCondLst>
+                        <p:cond delay="indefinite"/>
+                      </p:stCondLst>
+                      <p:childTnLst>
+                        <p:par>
+                          <p:cTn id="4" fill="hold">
+                            <p:stCondLst>
+                              <p:cond delay="0"/>
+                            </p:stCondLst>
+                            <p:childTnLst>
+                              <p:par>
+                                <p:cTn id="5" presetID="42" presetClass="path" presetSubtype="0" accel="50000" decel="50000" fill="hold" grpId="0" nodeType="clickEffect">
+                                  <p:stCondLst>
+                                    <p:cond delay="0"/>
+                                  </p:stCondLst>
+                                  <p:childTnLst>
+                                    <p:animMotion origin="layout" path="M -8.85474E-7 3.7037E-6 L -8.85474E-7 0.19062 " pathEditMode="relative" rAng="0" ptsTypes="AA">
+                                      <p:cBhvr>
+                                        <p:cTn id="6" dur="500" fill="hold"/>
+                                        <p:tgtEl>
+                                          <p:spTgt spid="6"/>
+                                        </p:tgtEl>
+                                        <p:attrNameLst>
+                                          <p:attrName>ppt_x</p:attrName>
+                                          <p:attrName>ppt_y</p:attrName>
+                                        </p:attrNameLst>
+                                      </p:cBhvr>
+                                      <p:rCtr x="0" y="9525"/>
+                                    </p:animMotion>
+                                  </p:childTnLst>
+                                </p:cTn>
+                              </p:par>
+                            </p:childTnLst>
+                          </p:cTn>
+                        </p:par>
+                        <p:par>
+                          <p:cTn id="7" fill="hold">
+                            <p:stCondLst>
+                              <p:cond delay="500"/>
+                            </p:stCondLst>
+                            <p:childTnLst>
+                              <p:par>
+                                <p:cTn id="8" presetID="2" presetClass="entr" presetSubtype="2" fill="hold" grpId="0" nodeType="afterEffect">
+                                  <p:stCondLst>
+                                    <p:cond delay="0"/>
+                                  </p:stCondLst>
+                                  <p:childTnLst>
+                                    <p:set>
+                                      <p:cBhvr>
+                                        <p:cTn id="9" dur="1" fill="hold">
+                                          <p:stCondLst>
+                                            <p:cond delay="0"/>
+                                          </p:stCondLst>
+                                        </p:cTn>
+                                        <p:tgtEl>
+                                          <p:spTgt spid="7"/>
+                                        </p:tgtEl>
+                                        <p:attrNameLst>
+                                          <p:attrName>style.visibility</p:attrName>
+                                        </p:attrNameLst>
+                                      </p:cBhvr>
+                                      <p:to>
+                                        <p:strVal val="visible"/>
+                                      </p:to>
+                                    </p:set>
+                                    <p:anim calcmode="lin" valueType="num">
+                                      <p:cBhvr additive="base">
+                                        <p:cTn id="10" dur="500" fill="hold"/>
+                                        <p:tgtEl>
+                                          <p:spTgt spid="7"/>
+                                        </p:tgtEl>
+                                        <p:attrNameLst>
+                                          <p:attrName>ppt_x</p:attrName>
+                                        </p:attrNameLst>
+                                      </p:cBhvr>
+                                      <p:tavLst>
+                                        <p:tav tm="0">
+                                          <p:val>
+                                            <p:strVal val="1+#ppt_w/2"/>
+                                          </p:val>
+                                        </p:tav>
+                                        <p:tav tm="100000">
+                                          <p:val>
+                                            <p:strVal val="#ppt_x"/>
+                                          </p:val>
+                                        </p:tav>
+                                      </p:tavLst>
+                                    </p:anim>
+                                    <p:anim calcmode="lin" valueType="num">
+                                      <p:cBhvr additive="base">
+                                        <p:cTn id="11" dur="500" fill="hold"/>
+                                        <p:tgtEl>
+                                          <p:spTgt spid="7"/>
+                                        </p:tgtEl>
+                                        <p:attrNameLst>
+                                          <p:attrName>ppt_y</p:attrName>
+                                        </p:attrNameLst>
+                                      </p:cBhvr>
+                                      <p:tavLst>
+                                        <p:tav tm="0">
+                                          <p:val>
+                                            <p:strVal val="#ppt_y"/>
+                                          </p:val>
+                                        </p:tav>
+                                        <p:tav tm="100000">
+                                          <p:val>
+                                            <p:strVal val="#ppt_y"/>
+                                          </p:val>
+                                        </p:tav>
+                                      </p:tavLst>
+                                    </p:anim>
+                                  </p:childTnLst>
+                                </p:cTn>
+                              </p:par>
+                            </p:childTnLst>
+                          </p:cTn>
+                        </p:par>
+                      </p:childTnLst>
+                    </p:cTn>
+                  </p:par>
+                  <p:par>
+                    <p:cTn id="12" fill="hold">
+                      <p:stCondLst>
+                        <p:cond delay="indefinite"/>
+                      </p:stCondLst>
+                      <p:childTnLst>
+                        <p:par>
+                          <p:cTn id="13" fill="hold">
+                            <p:stCondLst>
+                              <p:cond delay="0"/>
+                            </p:stCondLst>
+                            <p:childTnLst>
+                              <p:par>
+                                <p:cTn id="14" presetID="2" presetClass="entr" presetSubtype="2" fill="hold" grpId="0" nodeType="clickEffect">
+                                  <p:stCondLst>
+                                    <p:cond delay="0"/>
+                                  </p:stCondLst>
+                                  <p:childTnLst>
+                                    <p:set>
+                                      <p:cBhvr>
+                                        <p:cTn id="15" dur="1" fill="hold">
+                                          <p:stCondLst>
+                                            <p:cond delay="0"/>
+                                          </p:stCondLst>
+                                        </p:cTn>
+                                        <p:tgtEl>
+                                          <p:spTgt spid="10"/>
+                                        </p:tgtEl>
+                                        <p:attrNameLst>
+                                          <p:attrName>style.visibility</p:attrName>
+                                        </p:attrNameLst>
+                                      </p:cBhvr>
+                                      <p:to>
+                                        <p:strVal val="visible"/>
+                                      </p:to>
+                                    </p:set>
+                                    <p:anim calcmode="lin" valueType="num">
+                                      <p:cBhvr additive="base">
+                                        <p:cTn id="16" dur="500" fill="hold"/>
+                                        <p:tgtEl>
+                                          <p:spTgt spid="10"/>
+                                        </p:tgtEl>
+                                        <p:attrNameLst>
+                                          <p:attrName>ppt_x</p:attrName>
+                                        </p:attrNameLst>
+                                      </p:cBhvr>
+                                      <p:tavLst>
+                                        <p:tav tm="0">
+                                          <p:val>
+                                            <p:strVal val="1+#ppt_w/2"/>
+                                          </p:val>
+                                        </p:tav>
+                                        <p:tav tm="100000">
+                                          <p:val>
+                                            <p:strVal val="#ppt_x"/>
+                                          </p:val>
+                                        </p:tav>
+                                      </p:tavLst>
+                                    </p:anim>
+                                    <p:anim calcmode="lin" valueType="num">
+                                      <p:cBhvr additive="base">
+                                        <p:cTn id="17" dur="500" fill="hold"/>
+                                        <p:tgtEl>
+                                          <p:spTgt spid="10"/>
+                                        </p:tgtEl>
+                                        <p:attrNameLst>
+                                          <p:attrName>ppt_y</p:attrName>
+                                        </p:attrNameLst>
+                                      </p:cBhvr>
+                                      <p:tavLst>
+                                        <p:tav tm="0">
+                                          <p:val>
+                                            <p:strVal val="#ppt_y"/>
+                                          </p:val>
+                                        </p:tav>
+                                        <p:tav tm="100000">
+                                          <p:val>
+                                            <p:strVal val="#ppt_y"/>
+                                          </p:val>
+                                        </p:tav>
+                                      </p:tavLst>
+                                    </p:anim>
+                                  </p:childTnLst>
+                                </p:cTn>
+                              </p:par>
+                            </p:childTnLst>
+                          </p:cTn>
+                        </p:par>
+                      </p:childTnLst>
+                    </p:cTn>
+                  </p:par>
+                </p:childTnLst>
+              </p:cTn>
+              <p:prevCondLst>
+                <p:cond evt="onPrev" delay="0">
+                  <p:tgtEl>
+                    <p:sldTgt/>
+                  </p:tgtEl>
+                </p:cond>
+              </p:prevCondLst>
+              <p:nextCondLst>
+                <p:cond evt="onNext" delay="0">
+                  <p:tgtEl>
+                    <p:sldTgt/>
+                  </p:tgtEl>
+                </p:cond>
+              </p:nextCondLst>
+            </p:seq>
+          </p:childTnLst>
+        </p:cTn>
+      </p:par>
+    </p:tnLst>
+    <p:bldLst>
+      <p:bldP spid="7" grpId="0"/>
+      <p:bldP spid="6" grpId="0"/>
+      <p:bldP spid="10" grpId="0"/>
+    </p:bldLst>
+  </p:timing>
+</p:sld>
+</file>
+
+<file path=ppt/slides/slide3.xml><?xml version="1.0" encoding="utf-8"?>
+<p:sld xmlns:a="http://schemas.openxmlformats.org/drawingml/2006/main" xmlns:r="http://schemas.openxmlformats.org/officeDocument/2006/relationships" xmlns:p="http://schemas.openxmlformats.org/presentationml/2006/main">
+  <p:cSld>
+    <p:spTree>
+      <p:nvGrpSpPr>
+        <p:cNvPr id="1" name=""/>
+        <p:cNvGrpSpPr/>
+        <p:nvPr/>
+      </p:nvGrpSpPr>
+      <p:grpSpPr>
+        <a:xfrm>
+          <a:off x="0" y="0"/>
+          <a:ext cx="0" cy="0"/>
+          <a:chOff x="0" y="0"/>
+          <a:chExt cx="0" cy="0"/>
+        </a:xfrm>
+      </p:grpSpPr>
+      <p:sp>
+        <p:nvSpPr>
+          <p:cNvPr id="2" name="Заголовок 1"/>
+          <p:cNvSpPr>
+            <a:spLocks noGrp="1"/>
+          </p:cNvSpPr>
+          <p:nvPr>
+            <p:ph type="ctrTitle"/>
+          </p:nvPr>
+        </p:nvSpPr>
+        <p:spPr/>
+        <p:txBody>
+          <a:bodyPr/>
+          <a:lstStyle/>
+          <a:p>
+            <a:r>
+              <a:rPr lang="ru-RU" dirty="0"/>
+              <a:t>Техника безопасности при работе с кодом большого проекта</a:t>
+            </a:r>
+          </a:p>
+        </p:txBody>
+      </p:sp>
+      <p:sp>
+        <p:nvSpPr>
+          <p:cNvPr id="3" name="Подзаголовок 2"/>
+          <p:cNvSpPr>
+            <a:spLocks noGrp="1"/>
+          </p:cNvSpPr>
+          <p:nvPr>
+            <p:ph type="subTitle" idx="1"/>
+          </p:nvPr>
+        </p:nvSpPr>
+        <p:spPr/>
+        <p:txBody>
+          <a:bodyPr/>
+          <a:lstStyle/>
+          <a:p>
+            <a:r>
+              <a:rPr lang="ru-RU" dirty="0" smtClean="0"/>
+              <a:t>Илья Шишков</a:t>
+            </a:r>
+            <a:endParaRPr lang="ru-RU" dirty="0"/>
+          </a:p>
+        </p:txBody>
+      </p:sp>
+      <p:sp>
+        <p:nvSpPr>
+          <p:cNvPr id="4" name="Рисунок 3"/>
+          <p:cNvSpPr>
+            <a:spLocks noGrp="1"/>
+          </p:cNvSpPr>
+          <p:nvPr>
+            <p:ph type="pic" sz="quarter" idx="13"/>
+          </p:nvPr>
+        </p:nvSpPr>
+        <p:spPr/>
+      </p:sp>
+      <p:sp>
+        <p:nvSpPr>
+          <p:cNvPr id="5" name="Рисунок 4"/>
+          <p:cNvSpPr>
+            <a:spLocks noGrp="1"/>
+          </p:cNvSpPr>
+          <p:nvPr>
+            <p:ph type="pic" sz="quarter" idx="14"/>
+          </p:nvPr>
+        </p:nvSpPr>
+        <p:spPr/>
+      </p:sp>
+    </p:spTree>
+    <p:extLst>
+      <p:ext uri="{BB962C8B-B14F-4D97-AF65-F5344CB8AC3E}">
+        <p14:creationId xmlns:p14="http://schemas.microsoft.com/office/powerpoint/2010/main" val="1569643543"/>
+      </p:ext>
+    </p:extLst>
+  </p:cSld>
+  <p:clrMapOvr>
+    <a:masterClrMapping/>
+  </p:clrMapOvr>
+  <p:timing>
+    <p:tnLst>
+      <p:par>
+        <p:cTn id="1" dur="indefinite" restart="never" nodeType="tmRoot"/>
+      </p:par>
+    </p:tnLst>
+  </p:timing>
+</p:sld>
+</file>
+
+<file path=ppt/slides/slide30.xml><?xml version="1.0" encoding="utf-8"?>
+<p:sld xmlns:a="http://schemas.openxmlformats.org/drawingml/2006/main" xmlns:r="http://schemas.openxmlformats.org/officeDocument/2006/relationships" xmlns:p="http://schemas.openxmlformats.org/presentationml/2006/main">
+  <p:cSld>
+    <p:spTree>
+      <p:nvGrpSpPr>
+        <p:cNvPr id="1" name=""/>
+        <p:cNvGrpSpPr/>
+        <p:nvPr/>
+      </p:nvGrpSpPr>
+      <p:grpSpPr>
+        <a:xfrm>
+          <a:off x="0" y="0"/>
+          <a:ext cx="0" cy="0"/>
+          <a:chOff x="0" y="0"/>
+          <a:chExt cx="0" cy="0"/>
+        </a:xfrm>
+      </p:grpSpPr>
+      <p:sp>
+        <p:nvSpPr>
+          <p:cNvPr id="2" name="Нижний колонтитул 1"/>
+          <p:cNvSpPr>
+            <a:spLocks noGrp="1"/>
+          </p:cNvSpPr>
+          <p:nvPr>
+            <p:ph type="ftr" sz="quarter" idx="11"/>
+          </p:nvPr>
+        </p:nvSpPr>
+        <p:spPr/>
+        <p:txBody>
+          <a:bodyPr/>
+          <a:lstStyle/>
+          <a:p>
+            <a:endParaRPr lang="ru-RU" dirty="0">
+              <a:solidFill>
+                <a:srgbClr val="000000"/>
+              </a:solidFill>
+            </a:endParaRPr>
+          </a:p>
+        </p:txBody>
+      </p:sp>
+      <p:sp>
+        <p:nvSpPr>
+          <p:cNvPr id="3" name="Номер слайда 2"/>
+          <p:cNvSpPr>
+            <a:spLocks noGrp="1"/>
+          </p:cNvSpPr>
+          <p:nvPr>
+            <p:ph type="sldNum" sz="quarter" idx="12"/>
+          </p:nvPr>
+        </p:nvSpPr>
+        <p:spPr/>
+        <p:txBody>
+          <a:bodyPr/>
+          <a:lstStyle/>
+          <a:p>
+            <a:fld id="{741C03D3-FA44-40EC-9A21-1FC4FEA3E22E}" type="slidenum">
+              <a:rPr lang="ru-RU" smtClean="0">
+                <a:solidFill>
+                  <a:srgbClr val="000000"/>
+                </a:solidFill>
+              </a:rPr>
+              <a:pPr/>
+              <a:t>30</a:t>
+            </a:fld>
+            <a:endParaRPr lang="ru-RU">
+              <a:solidFill>
+                <a:srgbClr val="000000"/>
+              </a:solidFill>
+            </a:endParaRPr>
+          </a:p>
+        </p:txBody>
+      </p:sp>
+      <p:sp>
+        <p:nvSpPr>
+          <p:cNvPr id="4" name="Объект 3"/>
+          <p:cNvSpPr>
+            <a:spLocks noGrp="1"/>
+          </p:cNvSpPr>
+          <p:nvPr>
+            <p:ph idx="13"/>
+          </p:nvPr>
+        </p:nvSpPr>
+        <p:spPr/>
+        <p:txBody>
+          <a:bodyPr/>
+          <a:lstStyle/>
+          <a:p>
+            <a:r>
+              <a:rPr lang="ru-RU" altLang="ru-RU" dirty="0" err="1">
+                <a:solidFill>
+                  <a:srgbClr val="9E64A9"/>
+                </a:solidFill>
+                <a:latin typeface="Verdana" panose="020B0604030504040204" pitchFamily="34" charset="0"/>
+              </a:rPr>
+              <a:t>std</a:t>
+            </a:r>
+            <a:r>
+              <a:rPr lang="ru-RU" altLang="ru-RU" dirty="0">
+                <a:solidFill>
+                  <a:srgbClr val="FFFFFF"/>
+                </a:solidFill>
+                <a:latin typeface="Verdana" panose="020B0604030504040204" pitchFamily="34" charset="0"/>
+              </a:rPr>
+              <a:t>::</a:t>
+            </a:r>
+            <a:r>
+              <a:rPr lang="ru-RU" altLang="ru-RU" dirty="0" err="1">
+                <a:solidFill>
+                  <a:srgbClr val="FFCC00"/>
+                </a:solidFill>
+                <a:latin typeface="Verdana" panose="020B0604030504040204" pitchFamily="34" charset="0"/>
+              </a:rPr>
+              <a:t>ostream</a:t>
+            </a:r>
+            <a:r>
+              <a:rPr lang="ru-RU" altLang="ru-RU" dirty="0">
+                <a:solidFill>
+                  <a:srgbClr val="FFFFFF"/>
+                </a:solidFill>
+                <a:latin typeface="Verdana" panose="020B0604030504040204" pitchFamily="34" charset="0"/>
+              </a:rPr>
+              <a:t>&amp; </a:t>
+            </a:r>
+            <a:r>
+              <a:rPr lang="ru-RU" altLang="ru-RU" dirty="0" err="1">
+                <a:solidFill>
+                  <a:srgbClr val="FFFFFF"/>
+                </a:solidFill>
+                <a:latin typeface="Verdana" panose="020B0604030504040204" pitchFamily="34" charset="0"/>
+              </a:rPr>
+              <a:t>operator</a:t>
+            </a:r>
+            <a:r>
+              <a:rPr lang="ru-RU" altLang="ru-RU" dirty="0">
+                <a:solidFill>
+                  <a:srgbClr val="FFFFFF"/>
+                </a:solidFill>
+                <a:latin typeface="Verdana" panose="020B0604030504040204" pitchFamily="34" charset="0"/>
+              </a:rPr>
+              <a:t> </a:t>
+            </a:r>
+            <a:r>
+              <a:rPr lang="ru-RU" altLang="ru-RU" dirty="0">
+                <a:solidFill>
+                  <a:srgbClr val="FFCC00"/>
+                </a:solidFill>
+                <a:latin typeface="Verdana" panose="020B0604030504040204" pitchFamily="34" charset="0"/>
+              </a:rPr>
+              <a:t>&lt;&lt; </a:t>
+            </a:r>
+            <a:r>
+              <a:rPr lang="ru-RU" altLang="ru-RU" dirty="0">
+                <a:solidFill>
+                  <a:srgbClr val="FFFFFF"/>
+                </a:solidFill>
+                <a:latin typeface="Verdana" panose="020B0604030504040204" pitchFamily="34" charset="0"/>
+              </a:rPr>
+              <a:t>(</a:t>
+            </a:r>
+            <a:r>
+              <a:rPr lang="ru-RU" altLang="ru-RU" dirty="0" err="1">
+                <a:solidFill>
+                  <a:srgbClr val="9E64A9"/>
+                </a:solidFill>
+                <a:latin typeface="Verdana" panose="020B0604030504040204" pitchFamily="34" charset="0"/>
+              </a:rPr>
+              <a:t>std</a:t>
+            </a:r>
+            <a:r>
+              <a:rPr lang="ru-RU" altLang="ru-RU" dirty="0">
+                <a:solidFill>
+                  <a:srgbClr val="FFFFFF"/>
+                </a:solidFill>
+                <a:latin typeface="Verdana" panose="020B0604030504040204" pitchFamily="34" charset="0"/>
+              </a:rPr>
+              <a:t>::</a:t>
+            </a:r>
+            <a:r>
+              <a:rPr lang="ru-RU" altLang="ru-RU" dirty="0" err="1">
+                <a:solidFill>
+                  <a:srgbClr val="FFCC00"/>
+                </a:solidFill>
+                <a:latin typeface="Verdana" panose="020B0604030504040204" pitchFamily="34" charset="0"/>
+              </a:rPr>
+              <a:t>ostream</a:t>
+            </a:r>
+            <a:r>
+              <a:rPr lang="ru-RU" altLang="ru-RU" dirty="0">
+                <a:solidFill>
+                  <a:srgbClr val="FFFFFF"/>
+                </a:solidFill>
+                <a:latin typeface="Verdana" panose="020B0604030504040204" pitchFamily="34" charset="0"/>
+              </a:rPr>
+              <a:t>&amp; </a:t>
+            </a:r>
+            <a:r>
+              <a:rPr lang="ru-RU" altLang="ru-RU" dirty="0" err="1">
+                <a:solidFill>
+                  <a:srgbClr val="5BCD9D"/>
+                </a:solidFill>
+                <a:latin typeface="Verdana" panose="020B0604030504040204" pitchFamily="34" charset="0"/>
+              </a:rPr>
+              <a:t>os</a:t>
+            </a:r>
+            <a:r>
+              <a:rPr lang="ru-RU" altLang="ru-RU" dirty="0">
+                <a:solidFill>
+                  <a:srgbClr val="FFFFFF"/>
+                </a:solidFill>
+                <a:latin typeface="Verdana" panose="020B0604030504040204" pitchFamily="34" charset="0"/>
+              </a:rPr>
+              <a:t>, </a:t>
+            </a:r>
+            <a:r>
+              <a:rPr lang="ru-RU" altLang="ru-RU" dirty="0" err="1">
+                <a:solidFill>
+                  <a:srgbClr val="FFFFFF"/>
+                </a:solidFill>
+                <a:latin typeface="Verdana" panose="020B0604030504040204" pitchFamily="34" charset="0"/>
+              </a:rPr>
+              <a:t>const</a:t>
+            </a:r>
+            <a:r>
+              <a:rPr lang="ru-RU" altLang="ru-RU" dirty="0">
+                <a:solidFill>
+                  <a:srgbClr val="FFFFFF"/>
+                </a:solidFill>
+                <a:latin typeface="Verdana" panose="020B0604030504040204" pitchFamily="34" charset="0"/>
+              </a:rPr>
+              <a:t> </a:t>
+            </a:r>
+            <a:r>
+              <a:rPr lang="ru-RU" altLang="ru-RU" dirty="0" err="1">
+                <a:solidFill>
+                  <a:srgbClr val="FFCC00"/>
+                </a:solidFill>
+                <a:latin typeface="Verdana" panose="020B0604030504040204" pitchFamily="34" charset="0"/>
+              </a:rPr>
+              <a:t>HttpResponse</a:t>
+            </a:r>
+            <a:r>
+              <a:rPr lang="ru-RU" altLang="ru-RU" dirty="0">
+                <a:solidFill>
+                  <a:srgbClr val="FFFFFF"/>
+                </a:solidFill>
+                <a:latin typeface="Verdana" panose="020B0604030504040204" pitchFamily="34" charset="0"/>
+              </a:rPr>
+              <a:t>&amp; </a:t>
+            </a:r>
+            <a:r>
+              <a:rPr lang="ru-RU" altLang="ru-RU" dirty="0" err="1">
+                <a:solidFill>
+                  <a:srgbClr val="5BCD9D"/>
+                </a:solidFill>
+                <a:latin typeface="Verdana" panose="020B0604030504040204" pitchFamily="34" charset="0"/>
+              </a:rPr>
+              <a:t>resp</a:t>
+            </a:r>
+            <a:r>
+              <a:rPr lang="ru-RU" altLang="ru-RU" dirty="0">
+                <a:solidFill>
+                  <a:srgbClr val="FFFFFF"/>
+                </a:solidFill>
+                <a:latin typeface="Verdana" panose="020B0604030504040204" pitchFamily="34" charset="0"/>
+              </a:rPr>
+              <a:t>) {</a:t>
+            </a:r>
+            <a:br>
+              <a:rPr lang="ru-RU" altLang="ru-RU" dirty="0">
+                <a:solidFill>
+                  <a:srgbClr val="FFFFFF"/>
+                </a:solidFill>
+                <a:latin typeface="Verdana" panose="020B0604030504040204" pitchFamily="34" charset="0"/>
+              </a:rPr>
+            </a:br>
+            <a:r>
+              <a:rPr lang="ru-RU" altLang="ru-RU" dirty="0">
+                <a:solidFill>
+                  <a:srgbClr val="FFFFFF"/>
+                </a:solidFill>
+                <a:latin typeface="Verdana" panose="020B0604030504040204" pitchFamily="34" charset="0"/>
+              </a:rPr>
+              <a:t>    </a:t>
+            </a:r>
+            <a:r>
+              <a:rPr lang="ru-RU" altLang="ru-RU" dirty="0" err="1">
+                <a:solidFill>
+                  <a:srgbClr val="FFFFFF"/>
+                </a:solidFill>
+                <a:latin typeface="Verdana" panose="020B0604030504040204" pitchFamily="34" charset="0"/>
+              </a:rPr>
+              <a:t>const</a:t>
+            </a:r>
+            <a:r>
+              <a:rPr lang="ru-RU" altLang="ru-RU" dirty="0">
+                <a:solidFill>
+                  <a:srgbClr val="FFFFFF"/>
+                </a:solidFill>
+                <a:latin typeface="Verdana" panose="020B0604030504040204" pitchFamily="34" charset="0"/>
+              </a:rPr>
+              <a:t> </a:t>
+            </a:r>
+            <a:r>
+              <a:rPr lang="ru-RU" altLang="ru-RU" dirty="0" err="1">
+                <a:solidFill>
+                  <a:srgbClr val="9E64A9"/>
+                </a:solidFill>
+                <a:latin typeface="Verdana" panose="020B0604030504040204" pitchFamily="34" charset="0"/>
+              </a:rPr>
+              <a:t>std</a:t>
+            </a:r>
+            <a:r>
+              <a:rPr lang="ru-RU" altLang="ru-RU" dirty="0">
+                <a:solidFill>
+                  <a:srgbClr val="FFFFFF"/>
+                </a:solidFill>
+                <a:latin typeface="Verdana" panose="020B0604030504040204" pitchFamily="34" charset="0"/>
+              </a:rPr>
+              <a:t>::</a:t>
+            </a:r>
+            <a:r>
+              <a:rPr lang="ru-RU" altLang="ru-RU" dirty="0" err="1">
+                <a:solidFill>
+                  <a:srgbClr val="FFCC00"/>
+                </a:solidFill>
+                <a:latin typeface="Verdana" panose="020B0604030504040204" pitchFamily="34" charset="0"/>
+              </a:rPr>
+              <a:t>string_view</a:t>
+            </a:r>
+            <a:r>
+              <a:rPr lang="ru-RU" altLang="ru-RU" dirty="0">
+                <a:solidFill>
+                  <a:srgbClr val="FFCC00"/>
+                </a:solidFill>
+                <a:latin typeface="Verdana" panose="020B0604030504040204" pitchFamily="34" charset="0"/>
+              </a:rPr>
+              <a:t> </a:t>
+            </a:r>
+            <a:r>
+              <a:rPr lang="ru-RU" altLang="ru-RU" dirty="0" err="1">
+                <a:solidFill>
+                  <a:srgbClr val="5BCD9D"/>
+                </a:solidFill>
+                <a:latin typeface="Verdana" panose="020B0604030504040204" pitchFamily="34" charset="0"/>
+              </a:rPr>
+              <a:t>crlf</a:t>
+            </a:r>
+            <a:r>
+              <a:rPr lang="ru-RU" altLang="ru-RU" dirty="0">
+                <a:solidFill>
+                  <a:srgbClr val="FFFFFF"/>
+                </a:solidFill>
+                <a:latin typeface="Verdana" panose="020B0604030504040204" pitchFamily="34" charset="0"/>
+              </a:rPr>
+              <a:t>(</a:t>
+            </a:r>
+            <a:r>
+              <a:rPr lang="ru-RU" altLang="ru-RU" dirty="0">
+                <a:solidFill>
+                  <a:srgbClr val="72C3E0"/>
+                </a:solidFill>
+                <a:latin typeface="Verdana" panose="020B0604030504040204" pitchFamily="34" charset="0"/>
+              </a:rPr>
+              <a:t>"\r\n"</a:t>
+            </a:r>
+            <a:r>
+              <a:rPr lang="ru-RU" altLang="ru-RU" dirty="0">
+                <a:solidFill>
+                  <a:srgbClr val="FFFFFF"/>
+                </a:solidFill>
+                <a:latin typeface="Verdana" panose="020B0604030504040204" pitchFamily="34" charset="0"/>
+              </a:rPr>
+              <a:t>);</a:t>
+            </a:r>
+            <a:br>
+              <a:rPr lang="ru-RU" altLang="ru-RU" dirty="0">
+                <a:solidFill>
+                  <a:srgbClr val="FFFFFF"/>
+                </a:solidFill>
+                <a:latin typeface="Verdana" panose="020B0604030504040204" pitchFamily="34" charset="0"/>
+              </a:rPr>
+            </a:br>
+            <a:r>
+              <a:rPr lang="ru-RU" altLang="ru-RU" dirty="0" smtClean="0">
+                <a:solidFill>
+                  <a:srgbClr val="FFFFFF"/>
+                </a:solidFill>
+                <a:latin typeface="Verdana" panose="020B0604030504040204" pitchFamily="34" charset="0"/>
+              </a:rPr>
+              <a:t>    </a:t>
+            </a:r>
+            <a:r>
+              <a:rPr lang="ru-RU" altLang="ru-RU" dirty="0" err="1">
+                <a:solidFill>
+                  <a:srgbClr val="5BCD9D"/>
+                </a:solidFill>
+                <a:latin typeface="Verdana" panose="020B0604030504040204" pitchFamily="34" charset="0"/>
+              </a:rPr>
+              <a:t>os</a:t>
+            </a:r>
+            <a:r>
+              <a:rPr lang="ru-RU" altLang="ru-RU" dirty="0">
+                <a:solidFill>
+                  <a:srgbClr val="5BCD9D"/>
+                </a:solidFill>
+                <a:latin typeface="Verdana" panose="020B0604030504040204" pitchFamily="34" charset="0"/>
+              </a:rPr>
+              <a:t> </a:t>
+            </a:r>
+            <a:r>
+              <a:rPr lang="ru-RU" altLang="ru-RU" dirty="0">
+                <a:solidFill>
+                  <a:srgbClr val="FFFFFF"/>
+                </a:solidFill>
+                <a:latin typeface="Verdana" panose="020B0604030504040204" pitchFamily="34" charset="0"/>
+              </a:rPr>
+              <a:t>&lt;&lt; </a:t>
+            </a:r>
+            <a:r>
+              <a:rPr lang="ru-RU" altLang="ru-RU" dirty="0">
+                <a:solidFill>
+                  <a:srgbClr val="72C3E0"/>
+                </a:solidFill>
+                <a:latin typeface="Verdana" panose="020B0604030504040204" pitchFamily="34" charset="0"/>
+              </a:rPr>
+              <a:t>"HTTP/1.1 " </a:t>
+            </a:r>
+            <a:r>
+              <a:rPr lang="ru-RU" altLang="ru-RU" dirty="0">
+                <a:solidFill>
+                  <a:srgbClr val="FFFFFF"/>
+                </a:solidFill>
+                <a:latin typeface="Verdana" panose="020B0604030504040204" pitchFamily="34" charset="0"/>
+              </a:rPr>
+              <a:t>&lt;&lt; </a:t>
+            </a:r>
+            <a:r>
+              <a:rPr lang="ru-RU" altLang="ru-RU" dirty="0" err="1">
+                <a:solidFill>
+                  <a:srgbClr val="FFFFFF"/>
+                </a:solidFill>
+                <a:latin typeface="Verdana" panose="020B0604030504040204" pitchFamily="34" charset="0"/>
+              </a:rPr>
+              <a:t>static_cast</a:t>
+            </a:r>
+            <a:r>
+              <a:rPr lang="ru-RU" altLang="ru-RU" dirty="0">
+                <a:solidFill>
+                  <a:srgbClr val="FFFFFF"/>
+                </a:solidFill>
+                <a:latin typeface="Verdana" panose="020B0604030504040204" pitchFamily="34" charset="0"/>
+              </a:rPr>
+              <a:t>&lt;</a:t>
+            </a:r>
+            <a:r>
+              <a:rPr lang="ru-RU" altLang="ru-RU" dirty="0" err="1">
+                <a:solidFill>
+                  <a:srgbClr val="FFFFFF"/>
+                </a:solidFill>
+                <a:latin typeface="Verdana" panose="020B0604030504040204" pitchFamily="34" charset="0"/>
+              </a:rPr>
+              <a:t>int</a:t>
+            </a:r>
+            <a:r>
+              <a:rPr lang="ru-RU" altLang="ru-RU" dirty="0">
+                <a:solidFill>
+                  <a:srgbClr val="FFFFFF"/>
+                </a:solidFill>
+                <a:latin typeface="Verdana" panose="020B0604030504040204" pitchFamily="34" charset="0"/>
+              </a:rPr>
+              <a:t>&gt;(</a:t>
+            </a:r>
+            <a:r>
+              <a:rPr lang="ru-RU" altLang="ru-RU" dirty="0" err="1">
+                <a:solidFill>
+                  <a:srgbClr val="5BCD9D"/>
+                </a:solidFill>
+                <a:latin typeface="Verdana" panose="020B0604030504040204" pitchFamily="34" charset="0"/>
+              </a:rPr>
+              <a:t>resp</a:t>
+            </a:r>
+            <a:r>
+              <a:rPr lang="ru-RU" altLang="ru-RU" dirty="0" err="1">
+                <a:solidFill>
+                  <a:srgbClr val="FFFFFF"/>
+                </a:solidFill>
+                <a:latin typeface="Verdana" panose="020B0604030504040204" pitchFamily="34" charset="0"/>
+              </a:rPr>
+              <a:t>.</a:t>
+            </a:r>
+            <a:r>
+              <a:rPr lang="ru-RU" altLang="ru-RU" dirty="0" err="1">
+                <a:solidFill>
+                  <a:srgbClr val="5BCD9D"/>
+                </a:solidFill>
+                <a:latin typeface="Verdana" panose="020B0604030504040204" pitchFamily="34" charset="0"/>
+              </a:rPr>
+              <a:t>code</a:t>
+            </a:r>
+            <a:r>
+              <a:rPr lang="ru-RU" altLang="ru-RU" dirty="0">
+                <a:solidFill>
+                  <a:srgbClr val="5BCD9D"/>
+                </a:solidFill>
+                <a:latin typeface="Verdana" panose="020B0604030504040204" pitchFamily="34" charset="0"/>
+              </a:rPr>
+              <a:t>_</a:t>
+            </a:r>
+            <a:r>
+              <a:rPr lang="ru-RU" altLang="ru-RU" dirty="0">
+                <a:solidFill>
+                  <a:srgbClr val="FFFFFF"/>
+                </a:solidFill>
+                <a:latin typeface="Verdana" panose="020B0604030504040204" pitchFamily="34" charset="0"/>
+              </a:rPr>
+              <a:t>) &lt;&lt; </a:t>
+            </a:r>
+            <a:r>
+              <a:rPr lang="ru-RU" altLang="ru-RU" dirty="0">
+                <a:solidFill>
+                  <a:srgbClr val="72C3E0"/>
+                </a:solidFill>
+                <a:latin typeface="Verdana" panose="020B0604030504040204" pitchFamily="34" charset="0"/>
+              </a:rPr>
+              <a:t>' '</a:t>
+            </a:r>
+            <a:r>
+              <a:rPr lang="ru-RU" altLang="ru-RU" dirty="0">
+                <a:solidFill>
+                  <a:srgbClr val="FFFFFF"/>
+                </a:solidFill>
+                <a:latin typeface="Verdana" panose="020B0604030504040204" pitchFamily="34" charset="0"/>
+              </a:rPr>
+              <a:t>;</a:t>
+            </a:r>
+            <a:br>
+              <a:rPr lang="ru-RU" altLang="ru-RU" dirty="0">
+                <a:solidFill>
+                  <a:srgbClr val="FFFFFF"/>
+                </a:solidFill>
+                <a:latin typeface="Verdana" panose="020B0604030504040204" pitchFamily="34" charset="0"/>
+              </a:rPr>
+            </a:br>
+            <a:r>
+              <a:rPr lang="ru-RU" altLang="ru-RU" dirty="0">
+                <a:solidFill>
+                  <a:srgbClr val="FFFFFF"/>
+                </a:solidFill>
+                <a:latin typeface="Verdana" panose="020B0604030504040204" pitchFamily="34" charset="0"/>
+              </a:rPr>
+              <a:t>    </a:t>
+            </a:r>
+            <a:r>
+              <a:rPr lang="ru-RU" altLang="ru-RU" dirty="0" err="1">
+                <a:solidFill>
+                  <a:srgbClr val="FFFFFF"/>
+                </a:solidFill>
+                <a:latin typeface="Verdana" panose="020B0604030504040204" pitchFamily="34" charset="0"/>
+              </a:rPr>
+              <a:t>switch</a:t>
+            </a:r>
+            <a:r>
+              <a:rPr lang="ru-RU" altLang="ru-RU" dirty="0">
+                <a:solidFill>
+                  <a:srgbClr val="FFFFFF"/>
+                </a:solidFill>
+                <a:latin typeface="Verdana" panose="020B0604030504040204" pitchFamily="34" charset="0"/>
+              </a:rPr>
+              <a:t> (</a:t>
+            </a:r>
+            <a:r>
+              <a:rPr lang="ru-RU" altLang="ru-RU" dirty="0" err="1">
+                <a:solidFill>
+                  <a:srgbClr val="5BCD9D"/>
+                </a:solidFill>
+                <a:latin typeface="Verdana" panose="020B0604030504040204" pitchFamily="34" charset="0"/>
+              </a:rPr>
+              <a:t>resp</a:t>
+            </a:r>
+            <a:r>
+              <a:rPr lang="ru-RU" altLang="ru-RU" dirty="0" err="1">
+                <a:solidFill>
+                  <a:srgbClr val="FFFFFF"/>
+                </a:solidFill>
+                <a:latin typeface="Verdana" panose="020B0604030504040204" pitchFamily="34" charset="0"/>
+              </a:rPr>
+              <a:t>.</a:t>
+            </a:r>
+            <a:r>
+              <a:rPr lang="ru-RU" altLang="ru-RU" dirty="0" err="1">
+                <a:solidFill>
+                  <a:srgbClr val="5BCD9D"/>
+                </a:solidFill>
+                <a:latin typeface="Verdana" panose="020B0604030504040204" pitchFamily="34" charset="0"/>
+              </a:rPr>
+              <a:t>code</a:t>
+            </a:r>
+            <a:r>
+              <a:rPr lang="ru-RU" altLang="ru-RU" dirty="0">
+                <a:solidFill>
+                  <a:srgbClr val="5BCD9D"/>
+                </a:solidFill>
+                <a:latin typeface="Verdana" panose="020B0604030504040204" pitchFamily="34" charset="0"/>
+              </a:rPr>
+              <a:t>_</a:t>
+            </a:r>
+            <a:r>
+              <a:rPr lang="ru-RU" altLang="ru-RU" dirty="0">
+                <a:solidFill>
+                  <a:srgbClr val="FFFFFF"/>
+                </a:solidFill>
+                <a:latin typeface="Verdana" panose="020B0604030504040204" pitchFamily="34" charset="0"/>
+              </a:rPr>
+              <a:t>) {</a:t>
+            </a:r>
+            <a:br>
+              <a:rPr lang="ru-RU" altLang="ru-RU" dirty="0">
+                <a:solidFill>
+                  <a:srgbClr val="FFFFFF"/>
+                </a:solidFill>
+                <a:latin typeface="Verdana" panose="020B0604030504040204" pitchFamily="34" charset="0"/>
+              </a:rPr>
+            </a:br>
+            <a:r>
+              <a:rPr lang="ru-RU" altLang="ru-RU" dirty="0">
+                <a:solidFill>
+                  <a:srgbClr val="FFFFFF"/>
+                </a:solidFill>
+                <a:latin typeface="Verdana" panose="020B0604030504040204" pitchFamily="34" charset="0"/>
+              </a:rPr>
+              <a:t>        </a:t>
+            </a:r>
+            <a:r>
+              <a:rPr lang="ru-RU" altLang="ru-RU" dirty="0" err="1">
+                <a:solidFill>
+                  <a:srgbClr val="FFFFFF"/>
+                </a:solidFill>
+                <a:latin typeface="Verdana" panose="020B0604030504040204" pitchFamily="34" charset="0"/>
+              </a:rPr>
+              <a:t>case</a:t>
+            </a:r>
+            <a:r>
+              <a:rPr lang="ru-RU" altLang="ru-RU" dirty="0">
+                <a:solidFill>
+                  <a:srgbClr val="FFFFFF"/>
+                </a:solidFill>
+                <a:latin typeface="Verdana" panose="020B0604030504040204" pitchFamily="34" charset="0"/>
+              </a:rPr>
+              <a:t> </a:t>
+            </a:r>
+            <a:r>
+              <a:rPr lang="ru-RU" altLang="ru-RU" dirty="0" err="1">
+                <a:solidFill>
+                  <a:srgbClr val="FFCC00"/>
+                </a:solidFill>
+                <a:latin typeface="Verdana" panose="020B0604030504040204" pitchFamily="34" charset="0"/>
+              </a:rPr>
+              <a:t>HttpCode</a:t>
+            </a:r>
+            <a:r>
+              <a:rPr lang="ru-RU" altLang="ru-RU" dirty="0">
+                <a:solidFill>
+                  <a:srgbClr val="FFFFFF"/>
+                </a:solidFill>
+                <a:latin typeface="Verdana" panose="020B0604030504040204" pitchFamily="34" charset="0"/>
+              </a:rPr>
+              <a:t>::</a:t>
+            </a:r>
+            <a:r>
+              <a:rPr lang="ru-RU" altLang="ru-RU" dirty="0" smtClean="0">
+                <a:solidFill>
+                  <a:srgbClr val="5BCD9D"/>
+                </a:solidFill>
+                <a:latin typeface="Verdana" panose="020B0604030504040204" pitchFamily="34" charset="0"/>
+              </a:rPr>
+              <a:t>OK</a:t>
+            </a:r>
+            <a:r>
+              <a:rPr lang="ru-RU" altLang="ru-RU" dirty="0" smtClean="0">
+                <a:solidFill>
+                  <a:srgbClr val="FFFFFF"/>
+                </a:solidFill>
+                <a:latin typeface="Verdana" panose="020B0604030504040204" pitchFamily="34" charset="0"/>
+              </a:rPr>
+              <a:t>:</a:t>
+            </a:r>
+            <a:r>
+              <a:rPr lang="en-US" altLang="ru-RU" dirty="0" smtClean="0">
+                <a:solidFill>
+                  <a:srgbClr val="FFFFFF"/>
+                </a:solidFill>
+                <a:latin typeface="Verdana" panose="020B0604030504040204" pitchFamily="34" charset="0"/>
+              </a:rPr>
+              <a:t>          </a:t>
+            </a:r>
+            <a:r>
+              <a:rPr lang="ru-RU" altLang="ru-RU" dirty="0" err="1" smtClean="0">
+                <a:solidFill>
+                  <a:srgbClr val="5BCD9D"/>
+                </a:solidFill>
+                <a:latin typeface="Verdana" panose="020B0604030504040204" pitchFamily="34" charset="0"/>
+              </a:rPr>
+              <a:t>os</a:t>
+            </a:r>
+            <a:r>
+              <a:rPr lang="ru-RU" altLang="ru-RU" dirty="0" smtClean="0">
+                <a:solidFill>
+                  <a:srgbClr val="5BCD9D"/>
+                </a:solidFill>
+                <a:latin typeface="Verdana" panose="020B0604030504040204" pitchFamily="34" charset="0"/>
+              </a:rPr>
+              <a:t> </a:t>
+            </a:r>
+            <a:r>
+              <a:rPr lang="ru-RU" altLang="ru-RU" dirty="0">
+                <a:solidFill>
+                  <a:srgbClr val="FFFFFF"/>
+                </a:solidFill>
+                <a:latin typeface="Verdana" panose="020B0604030504040204" pitchFamily="34" charset="0"/>
+              </a:rPr>
+              <a:t>&lt;&lt; </a:t>
+            </a:r>
+            <a:r>
+              <a:rPr lang="ru-RU" altLang="ru-RU" dirty="0">
+                <a:solidFill>
+                  <a:srgbClr val="72C3E0"/>
+                </a:solidFill>
+                <a:latin typeface="Verdana" panose="020B0604030504040204" pitchFamily="34" charset="0"/>
+              </a:rPr>
+              <a:t>"OK"</a:t>
+            </a:r>
+            <a:r>
+              <a:rPr lang="ru-RU" altLang="ru-RU" dirty="0">
+                <a:solidFill>
+                  <a:srgbClr val="FFFFFF"/>
+                </a:solidFill>
+                <a:latin typeface="Verdana" panose="020B0604030504040204" pitchFamily="34" charset="0"/>
+              </a:rPr>
+              <a:t>; </a:t>
+            </a:r>
+            <a:r>
+              <a:rPr lang="en-US" altLang="ru-RU" dirty="0" smtClean="0">
+                <a:solidFill>
+                  <a:srgbClr val="FFFFFF"/>
+                </a:solidFill>
+                <a:latin typeface="Verdana" panose="020B0604030504040204" pitchFamily="34" charset="0"/>
+              </a:rPr>
+              <a:t>          </a:t>
+            </a:r>
+            <a:r>
+              <a:rPr lang="ru-RU" altLang="ru-RU" dirty="0" err="1" smtClean="0">
+                <a:solidFill>
+                  <a:srgbClr val="FFFFFF"/>
+                </a:solidFill>
+                <a:latin typeface="Verdana" panose="020B0604030504040204" pitchFamily="34" charset="0"/>
+              </a:rPr>
+              <a:t>break</a:t>
+            </a:r>
+            <a:r>
+              <a:rPr lang="ru-RU" altLang="ru-RU" dirty="0">
+                <a:solidFill>
+                  <a:srgbClr val="FFFFFF"/>
+                </a:solidFill>
+                <a:latin typeface="Verdana" panose="020B0604030504040204" pitchFamily="34" charset="0"/>
+              </a:rPr>
+              <a:t>;</a:t>
+            </a:r>
+            <a:br>
+              <a:rPr lang="ru-RU" altLang="ru-RU" dirty="0">
+                <a:solidFill>
+                  <a:srgbClr val="FFFFFF"/>
+                </a:solidFill>
+                <a:latin typeface="Verdana" panose="020B0604030504040204" pitchFamily="34" charset="0"/>
+              </a:rPr>
+            </a:br>
+            <a:r>
+              <a:rPr lang="ru-RU" altLang="ru-RU" dirty="0">
+                <a:solidFill>
+                  <a:srgbClr val="FFFFFF"/>
+                </a:solidFill>
+                <a:latin typeface="Verdana" panose="020B0604030504040204" pitchFamily="34" charset="0"/>
+              </a:rPr>
+              <a:t>        </a:t>
+            </a:r>
+            <a:r>
+              <a:rPr lang="ru-RU" altLang="ru-RU" dirty="0" err="1">
+                <a:solidFill>
+                  <a:srgbClr val="FFFFFF"/>
+                </a:solidFill>
+                <a:latin typeface="Verdana" panose="020B0604030504040204" pitchFamily="34" charset="0"/>
+              </a:rPr>
+              <a:t>case</a:t>
+            </a:r>
+            <a:r>
+              <a:rPr lang="ru-RU" altLang="ru-RU" dirty="0">
+                <a:solidFill>
+                  <a:srgbClr val="FFFFFF"/>
+                </a:solidFill>
+                <a:latin typeface="Verdana" panose="020B0604030504040204" pitchFamily="34" charset="0"/>
+              </a:rPr>
+              <a:t> </a:t>
+            </a:r>
+            <a:r>
+              <a:rPr lang="ru-RU" altLang="ru-RU" dirty="0" err="1">
+                <a:solidFill>
+                  <a:srgbClr val="FFCC00"/>
+                </a:solidFill>
+                <a:latin typeface="Verdana" panose="020B0604030504040204" pitchFamily="34" charset="0"/>
+              </a:rPr>
+              <a:t>HttpCode</a:t>
+            </a:r>
+            <a:r>
+              <a:rPr lang="ru-RU" altLang="ru-RU" dirty="0">
+                <a:solidFill>
+                  <a:srgbClr val="FFFFFF"/>
+                </a:solidFill>
+                <a:latin typeface="Verdana" panose="020B0604030504040204" pitchFamily="34" charset="0"/>
+              </a:rPr>
+              <a:t>::</a:t>
+            </a:r>
+            <a:r>
+              <a:rPr lang="ru-RU" altLang="ru-RU" dirty="0" err="1" smtClean="0">
+                <a:solidFill>
+                  <a:srgbClr val="5BCD9D"/>
+                </a:solidFill>
+                <a:latin typeface="Verdana" panose="020B0604030504040204" pitchFamily="34" charset="0"/>
+              </a:rPr>
+              <a:t>NotFound</a:t>
+            </a:r>
+            <a:r>
+              <a:rPr lang="ru-RU" altLang="ru-RU" dirty="0" smtClean="0">
+                <a:solidFill>
+                  <a:srgbClr val="FFFFFF"/>
+                </a:solidFill>
+                <a:latin typeface="Verdana" panose="020B0604030504040204" pitchFamily="34" charset="0"/>
+              </a:rPr>
+              <a:t>:</a:t>
+            </a:r>
+            <a:r>
+              <a:rPr lang="en-US" altLang="ru-RU" dirty="0" smtClean="0">
+                <a:solidFill>
+                  <a:srgbClr val="FFFFFF"/>
+                </a:solidFill>
+                <a:latin typeface="Verdana" panose="020B0604030504040204" pitchFamily="34" charset="0"/>
+              </a:rPr>
+              <a:t> </a:t>
+            </a:r>
+            <a:r>
+              <a:rPr lang="ru-RU" altLang="ru-RU" dirty="0" err="1" smtClean="0">
+                <a:solidFill>
+                  <a:srgbClr val="5BCD9D"/>
+                </a:solidFill>
+                <a:latin typeface="Verdana" panose="020B0604030504040204" pitchFamily="34" charset="0"/>
+              </a:rPr>
+              <a:t>os</a:t>
+            </a:r>
+            <a:r>
+              <a:rPr lang="ru-RU" altLang="ru-RU" dirty="0" smtClean="0">
+                <a:solidFill>
+                  <a:srgbClr val="5BCD9D"/>
+                </a:solidFill>
+                <a:latin typeface="Verdana" panose="020B0604030504040204" pitchFamily="34" charset="0"/>
+              </a:rPr>
+              <a:t> </a:t>
+            </a:r>
+            <a:r>
+              <a:rPr lang="ru-RU" altLang="ru-RU" dirty="0">
+                <a:solidFill>
+                  <a:srgbClr val="FFFFFF"/>
+                </a:solidFill>
+                <a:latin typeface="Verdana" panose="020B0604030504040204" pitchFamily="34" charset="0"/>
+              </a:rPr>
+              <a:t>&lt;&lt; </a:t>
+            </a:r>
+            <a:r>
+              <a:rPr lang="ru-RU" altLang="ru-RU" dirty="0">
+                <a:solidFill>
+                  <a:srgbClr val="72C3E0"/>
+                </a:solidFill>
+                <a:latin typeface="Verdana" panose="020B0604030504040204" pitchFamily="34" charset="0"/>
+              </a:rPr>
+              <a:t>"</a:t>
+            </a:r>
+            <a:r>
+              <a:rPr lang="ru-RU" altLang="ru-RU" dirty="0" err="1">
+                <a:solidFill>
+                  <a:srgbClr val="72C3E0"/>
+                </a:solidFill>
+                <a:latin typeface="Verdana" panose="020B0604030504040204" pitchFamily="34" charset="0"/>
+              </a:rPr>
+              <a:t>Not</a:t>
+            </a:r>
+            <a:r>
+              <a:rPr lang="ru-RU" altLang="ru-RU" dirty="0">
+                <a:solidFill>
+                  <a:srgbClr val="72C3E0"/>
+                </a:solidFill>
+                <a:latin typeface="Verdana" panose="020B0604030504040204" pitchFamily="34" charset="0"/>
+              </a:rPr>
+              <a:t> </a:t>
+            </a:r>
+            <a:r>
+              <a:rPr lang="ru-RU" altLang="ru-RU" dirty="0" err="1">
+                <a:solidFill>
+                  <a:srgbClr val="72C3E0"/>
+                </a:solidFill>
+                <a:latin typeface="Verdana" panose="020B0604030504040204" pitchFamily="34" charset="0"/>
+              </a:rPr>
+              <a:t>found</a:t>
+            </a:r>
+            <a:r>
+              <a:rPr lang="ru-RU" altLang="ru-RU" dirty="0">
+                <a:solidFill>
+                  <a:srgbClr val="72C3E0"/>
+                </a:solidFill>
+                <a:latin typeface="Verdana" panose="020B0604030504040204" pitchFamily="34" charset="0"/>
+              </a:rPr>
+              <a:t>"</a:t>
+            </a:r>
+            <a:r>
+              <a:rPr lang="ru-RU" altLang="ru-RU" dirty="0">
+                <a:solidFill>
+                  <a:srgbClr val="FFFFFF"/>
+                </a:solidFill>
+                <a:latin typeface="Verdana" panose="020B0604030504040204" pitchFamily="34" charset="0"/>
+              </a:rPr>
+              <a:t>; </a:t>
+            </a:r>
+            <a:r>
+              <a:rPr lang="ru-RU" altLang="ru-RU" dirty="0" err="1">
+                <a:solidFill>
+                  <a:srgbClr val="FFFFFF"/>
+                </a:solidFill>
+                <a:latin typeface="Verdana" panose="020B0604030504040204" pitchFamily="34" charset="0"/>
+              </a:rPr>
+              <a:t>break</a:t>
+            </a:r>
+            <a:r>
+              <a:rPr lang="ru-RU" altLang="ru-RU" dirty="0">
+                <a:solidFill>
+                  <a:srgbClr val="FFFFFF"/>
+                </a:solidFill>
+                <a:latin typeface="Verdana" panose="020B0604030504040204" pitchFamily="34" charset="0"/>
+              </a:rPr>
+              <a:t>;</a:t>
+            </a:r>
+            <a:br>
+              <a:rPr lang="ru-RU" altLang="ru-RU" dirty="0">
+                <a:solidFill>
+                  <a:srgbClr val="FFFFFF"/>
+                </a:solidFill>
+                <a:latin typeface="Verdana" panose="020B0604030504040204" pitchFamily="34" charset="0"/>
+              </a:rPr>
+            </a:br>
+            <a:r>
+              <a:rPr lang="ru-RU" altLang="ru-RU" dirty="0">
+                <a:solidFill>
+                  <a:srgbClr val="FFFFFF"/>
+                </a:solidFill>
+                <a:latin typeface="Verdana" panose="020B0604030504040204" pitchFamily="34" charset="0"/>
+              </a:rPr>
+              <a:t>    }</a:t>
+            </a:r>
+            <a:br>
+              <a:rPr lang="ru-RU" altLang="ru-RU" dirty="0">
+                <a:solidFill>
+                  <a:srgbClr val="FFFFFF"/>
+                </a:solidFill>
+                <a:latin typeface="Verdana" panose="020B0604030504040204" pitchFamily="34" charset="0"/>
+              </a:rPr>
+            </a:br>
+            <a:r>
+              <a:rPr lang="ru-RU" altLang="ru-RU" dirty="0">
+                <a:solidFill>
+                  <a:srgbClr val="FFFFFF"/>
+                </a:solidFill>
+                <a:latin typeface="Verdana" panose="020B0604030504040204" pitchFamily="34" charset="0"/>
+              </a:rPr>
+              <a:t>    </a:t>
+            </a:r>
+            <a:r>
+              <a:rPr lang="ru-RU" altLang="ru-RU" dirty="0" err="1">
+                <a:solidFill>
+                  <a:srgbClr val="5BCD9D"/>
+                </a:solidFill>
+                <a:latin typeface="Verdana" panose="020B0604030504040204" pitchFamily="34" charset="0"/>
+              </a:rPr>
+              <a:t>os</a:t>
+            </a:r>
+            <a:r>
+              <a:rPr lang="ru-RU" altLang="ru-RU" dirty="0">
+                <a:solidFill>
+                  <a:srgbClr val="5BCD9D"/>
+                </a:solidFill>
+                <a:latin typeface="Verdana" panose="020B0604030504040204" pitchFamily="34" charset="0"/>
+              </a:rPr>
+              <a:t> </a:t>
+            </a:r>
+            <a:r>
+              <a:rPr lang="ru-RU" altLang="ru-RU" dirty="0">
+                <a:solidFill>
+                  <a:srgbClr val="FFFFFF"/>
+                </a:solidFill>
+                <a:latin typeface="Verdana" panose="020B0604030504040204" pitchFamily="34" charset="0"/>
+              </a:rPr>
+              <a:t>&lt;&lt; </a:t>
+            </a:r>
+            <a:r>
+              <a:rPr lang="ru-RU" altLang="ru-RU" dirty="0" err="1">
+                <a:solidFill>
+                  <a:srgbClr val="5BCD9D"/>
+                </a:solidFill>
+                <a:latin typeface="Verdana" panose="020B0604030504040204" pitchFamily="34" charset="0"/>
+              </a:rPr>
+              <a:t>crlf</a:t>
+            </a:r>
+            <a:r>
+              <a:rPr lang="ru-RU" altLang="ru-RU" dirty="0">
+                <a:solidFill>
+                  <a:srgbClr val="FFFFFF"/>
+                </a:solidFill>
+                <a:latin typeface="Verdana" panose="020B0604030504040204" pitchFamily="34" charset="0"/>
+              </a:rPr>
+              <a:t>;</a:t>
+            </a:r>
+            <a:br>
+              <a:rPr lang="ru-RU" altLang="ru-RU" dirty="0">
+                <a:solidFill>
+                  <a:srgbClr val="FFFFFF"/>
+                </a:solidFill>
+                <a:latin typeface="Verdana" panose="020B0604030504040204" pitchFamily="34" charset="0"/>
+              </a:rPr>
+            </a:br>
+            <a:r>
+              <a:rPr lang="ru-RU" altLang="ru-RU" dirty="0" smtClean="0">
+                <a:solidFill>
+                  <a:srgbClr val="FFFFFF"/>
+                </a:solidFill>
+                <a:latin typeface="Verdana" panose="020B0604030504040204" pitchFamily="34" charset="0"/>
+              </a:rPr>
+              <a:t>    </a:t>
+            </a:r>
+            <a:r>
+              <a:rPr lang="ru-RU" altLang="ru-RU" dirty="0" err="1">
+                <a:solidFill>
+                  <a:srgbClr val="FFFFFF"/>
+                </a:solidFill>
+                <a:latin typeface="Verdana" panose="020B0604030504040204" pitchFamily="34" charset="0"/>
+              </a:rPr>
+              <a:t>if</a:t>
+            </a:r>
+            <a:r>
+              <a:rPr lang="ru-RU" altLang="ru-RU" dirty="0">
+                <a:solidFill>
+                  <a:srgbClr val="FFFFFF"/>
+                </a:solidFill>
+                <a:latin typeface="Verdana" panose="020B0604030504040204" pitchFamily="34" charset="0"/>
+              </a:rPr>
+              <a:t> (!</a:t>
+            </a:r>
+            <a:r>
+              <a:rPr lang="ru-RU" altLang="ru-RU" dirty="0">
+                <a:solidFill>
+                  <a:srgbClr val="5BCD9D"/>
+                </a:solidFill>
+                <a:latin typeface="Verdana" panose="020B0604030504040204" pitchFamily="34" charset="0"/>
+              </a:rPr>
+              <a:t>resp</a:t>
+            </a:r>
+            <a:r>
+              <a:rPr lang="ru-RU" altLang="ru-RU" dirty="0">
+                <a:solidFill>
+                  <a:srgbClr val="FFFFFF"/>
+                </a:solidFill>
+                <a:latin typeface="Verdana" panose="020B0604030504040204" pitchFamily="34" charset="0"/>
+              </a:rPr>
+              <a:t>.</a:t>
+            </a:r>
+            <a:r>
+              <a:rPr lang="ru-RU" altLang="ru-RU" dirty="0" err="1">
+                <a:solidFill>
+                  <a:srgbClr val="5BCD9D"/>
+                </a:solidFill>
+                <a:latin typeface="Verdana" panose="020B0604030504040204" pitchFamily="34" charset="0"/>
+              </a:rPr>
+              <a:t>content</a:t>
+            </a:r>
+            <a:r>
+              <a:rPr lang="ru-RU" altLang="ru-RU" dirty="0">
+                <a:solidFill>
+                  <a:srgbClr val="5BCD9D"/>
+                </a:solidFill>
+                <a:latin typeface="Verdana" panose="020B0604030504040204" pitchFamily="34" charset="0"/>
+              </a:rPr>
+              <a:t>_</a:t>
+            </a:r>
+            <a:r>
+              <a:rPr lang="ru-RU" altLang="ru-RU" dirty="0">
+                <a:solidFill>
+                  <a:srgbClr val="FFFFFF"/>
+                </a:solidFill>
+                <a:latin typeface="Verdana" panose="020B0604030504040204" pitchFamily="34" charset="0"/>
+              </a:rPr>
+              <a:t>.</a:t>
+            </a:r>
+            <a:r>
+              <a:rPr lang="ru-RU" altLang="ru-RU" dirty="0" err="1">
+                <a:solidFill>
+                  <a:srgbClr val="FFCC00"/>
+                </a:solidFill>
+                <a:latin typeface="Verdana" panose="020B0604030504040204" pitchFamily="34" charset="0"/>
+              </a:rPr>
+              <a:t>empty</a:t>
+            </a:r>
+            <a:r>
+              <a:rPr lang="ru-RU" altLang="ru-RU" dirty="0">
+                <a:solidFill>
+                  <a:srgbClr val="FFFFFF"/>
+                </a:solidFill>
+                <a:latin typeface="Verdana" panose="020B0604030504040204" pitchFamily="34" charset="0"/>
+              </a:rPr>
+              <a:t>()) {</a:t>
+            </a:r>
+            <a:br>
+              <a:rPr lang="ru-RU" altLang="ru-RU" dirty="0">
+                <a:solidFill>
+                  <a:srgbClr val="FFFFFF"/>
+                </a:solidFill>
+                <a:latin typeface="Verdana" panose="020B0604030504040204" pitchFamily="34" charset="0"/>
+              </a:rPr>
+            </a:br>
+            <a:r>
+              <a:rPr lang="ru-RU" altLang="ru-RU" dirty="0">
+                <a:solidFill>
+                  <a:srgbClr val="FFFFFF"/>
+                </a:solidFill>
+                <a:latin typeface="Verdana" panose="020B0604030504040204" pitchFamily="34" charset="0"/>
+              </a:rPr>
+              <a:t>        </a:t>
+            </a:r>
+            <a:r>
+              <a:rPr lang="ru-RU" altLang="ru-RU" dirty="0" err="1">
+                <a:solidFill>
+                  <a:srgbClr val="5BCD9D"/>
+                </a:solidFill>
+                <a:latin typeface="Verdana" panose="020B0604030504040204" pitchFamily="34" charset="0"/>
+              </a:rPr>
+              <a:t>os</a:t>
+            </a:r>
+            <a:r>
+              <a:rPr lang="ru-RU" altLang="ru-RU" dirty="0">
+                <a:solidFill>
+                  <a:srgbClr val="5BCD9D"/>
+                </a:solidFill>
+                <a:latin typeface="Verdana" panose="020B0604030504040204" pitchFamily="34" charset="0"/>
+              </a:rPr>
+              <a:t> </a:t>
+            </a:r>
+            <a:r>
+              <a:rPr lang="ru-RU" altLang="ru-RU" dirty="0">
+                <a:solidFill>
+                  <a:srgbClr val="FFFFFF"/>
+                </a:solidFill>
+                <a:latin typeface="Verdana" panose="020B0604030504040204" pitchFamily="34" charset="0"/>
+              </a:rPr>
+              <a:t>&lt;&lt; </a:t>
+            </a:r>
+            <a:r>
+              <a:rPr lang="ru-RU" altLang="ru-RU" dirty="0">
+                <a:solidFill>
+                  <a:srgbClr val="72C3E0"/>
+                </a:solidFill>
+                <a:latin typeface="Verdana" panose="020B0604030504040204" pitchFamily="34" charset="0"/>
+              </a:rPr>
+              <a:t>"</a:t>
+            </a:r>
+            <a:r>
+              <a:rPr lang="ru-RU" altLang="ru-RU" dirty="0" err="1">
+                <a:solidFill>
+                  <a:srgbClr val="72C3E0"/>
+                </a:solidFill>
+                <a:latin typeface="Verdana" panose="020B0604030504040204" pitchFamily="34" charset="0"/>
+              </a:rPr>
+              <a:t>Content-Length</a:t>
+            </a:r>
+            <a:r>
+              <a:rPr lang="ru-RU" altLang="ru-RU" dirty="0">
+                <a:solidFill>
+                  <a:srgbClr val="72C3E0"/>
+                </a:solidFill>
+                <a:latin typeface="Verdana" panose="020B0604030504040204" pitchFamily="34" charset="0"/>
+              </a:rPr>
+              <a:t>: " </a:t>
+            </a:r>
+            <a:r>
+              <a:rPr lang="ru-RU" altLang="ru-RU" dirty="0">
+                <a:solidFill>
+                  <a:srgbClr val="FFFFFF"/>
+                </a:solidFill>
+                <a:latin typeface="Verdana" panose="020B0604030504040204" pitchFamily="34" charset="0"/>
+              </a:rPr>
+              <a:t>&lt;&lt; </a:t>
+            </a:r>
+            <a:r>
+              <a:rPr lang="ru-RU" altLang="ru-RU" dirty="0">
+                <a:solidFill>
+                  <a:srgbClr val="5BCD9D"/>
+                </a:solidFill>
+                <a:latin typeface="Verdana" panose="020B0604030504040204" pitchFamily="34" charset="0"/>
+              </a:rPr>
+              <a:t>resp</a:t>
+            </a:r>
+            <a:r>
+              <a:rPr lang="ru-RU" altLang="ru-RU" dirty="0">
+                <a:solidFill>
+                  <a:srgbClr val="FFFFFF"/>
+                </a:solidFill>
+                <a:latin typeface="Verdana" panose="020B0604030504040204" pitchFamily="34" charset="0"/>
+              </a:rPr>
+              <a:t>.</a:t>
+            </a:r>
+            <a:r>
+              <a:rPr lang="ru-RU" altLang="ru-RU" dirty="0" err="1">
+                <a:solidFill>
+                  <a:srgbClr val="5BCD9D"/>
+                </a:solidFill>
+                <a:latin typeface="Verdana" panose="020B0604030504040204" pitchFamily="34" charset="0"/>
+              </a:rPr>
+              <a:t>content</a:t>
+            </a:r>
+            <a:r>
+              <a:rPr lang="ru-RU" altLang="ru-RU" dirty="0">
+                <a:solidFill>
+                  <a:srgbClr val="5BCD9D"/>
+                </a:solidFill>
+                <a:latin typeface="Verdana" panose="020B0604030504040204" pitchFamily="34" charset="0"/>
+              </a:rPr>
+              <a:t>_</a:t>
+            </a:r>
+            <a:r>
+              <a:rPr lang="ru-RU" altLang="ru-RU" dirty="0">
+                <a:solidFill>
+                  <a:srgbClr val="FFFFFF"/>
+                </a:solidFill>
+                <a:latin typeface="Verdana" panose="020B0604030504040204" pitchFamily="34" charset="0"/>
+              </a:rPr>
+              <a:t>.</a:t>
+            </a:r>
+            <a:r>
+              <a:rPr lang="ru-RU" altLang="ru-RU" dirty="0" err="1">
+                <a:solidFill>
+                  <a:srgbClr val="FFCC00"/>
+                </a:solidFill>
+                <a:latin typeface="Verdana" panose="020B0604030504040204" pitchFamily="34" charset="0"/>
+              </a:rPr>
+              <a:t>size</a:t>
+            </a:r>
+            <a:r>
+              <a:rPr lang="ru-RU" altLang="ru-RU" dirty="0">
+                <a:solidFill>
+                  <a:srgbClr val="FFFFFF"/>
+                </a:solidFill>
+                <a:latin typeface="Verdana" panose="020B0604030504040204" pitchFamily="34" charset="0"/>
+              </a:rPr>
+              <a:t>() &lt;&lt; </a:t>
+            </a:r>
+            <a:r>
+              <a:rPr lang="ru-RU" altLang="ru-RU" dirty="0" err="1">
+                <a:solidFill>
+                  <a:srgbClr val="5BCD9D"/>
+                </a:solidFill>
+                <a:latin typeface="Verdana" panose="020B0604030504040204" pitchFamily="34" charset="0"/>
+              </a:rPr>
+              <a:t>crlf</a:t>
+            </a:r>
+            <a:r>
+              <a:rPr lang="ru-RU" altLang="ru-RU" dirty="0">
+                <a:solidFill>
+                  <a:srgbClr val="FFFFFF"/>
+                </a:solidFill>
+                <a:latin typeface="Verdana" panose="020B0604030504040204" pitchFamily="34" charset="0"/>
+              </a:rPr>
+              <a:t>;</a:t>
+            </a:r>
+            <a:br>
+              <a:rPr lang="ru-RU" altLang="ru-RU" dirty="0">
+                <a:solidFill>
+                  <a:srgbClr val="FFFFFF"/>
+                </a:solidFill>
+                <a:latin typeface="Verdana" panose="020B0604030504040204" pitchFamily="34" charset="0"/>
+              </a:rPr>
+            </a:br>
+            <a:r>
+              <a:rPr lang="ru-RU" altLang="ru-RU" dirty="0">
+                <a:solidFill>
+                  <a:srgbClr val="FFFFFF"/>
+                </a:solidFill>
+                <a:latin typeface="Verdana" panose="020B0604030504040204" pitchFamily="34" charset="0"/>
+              </a:rPr>
+              <a:t>    }</a:t>
+            </a:r>
+            <a:br>
+              <a:rPr lang="ru-RU" altLang="ru-RU" dirty="0">
+                <a:solidFill>
+                  <a:srgbClr val="FFFFFF"/>
+                </a:solidFill>
+                <a:latin typeface="Verdana" panose="020B0604030504040204" pitchFamily="34" charset="0"/>
+              </a:rPr>
+            </a:br>
+            <a:r>
+              <a:rPr lang="ru-RU" altLang="ru-RU" dirty="0">
+                <a:solidFill>
+                  <a:srgbClr val="FFFFFF"/>
+                </a:solidFill>
+                <a:latin typeface="Verdana" panose="020B0604030504040204" pitchFamily="34" charset="0"/>
+              </a:rPr>
+              <a:t>    </a:t>
+            </a:r>
+            <a:r>
+              <a:rPr lang="ru-RU" altLang="ru-RU" dirty="0" err="1">
+                <a:solidFill>
+                  <a:srgbClr val="5BCD9D"/>
+                </a:solidFill>
+                <a:latin typeface="Verdana" panose="020B0604030504040204" pitchFamily="34" charset="0"/>
+              </a:rPr>
+              <a:t>os</a:t>
+            </a:r>
+            <a:r>
+              <a:rPr lang="ru-RU" altLang="ru-RU" dirty="0">
+                <a:solidFill>
+                  <a:srgbClr val="5BCD9D"/>
+                </a:solidFill>
+                <a:latin typeface="Verdana" panose="020B0604030504040204" pitchFamily="34" charset="0"/>
+              </a:rPr>
+              <a:t> </a:t>
+            </a:r>
+            <a:r>
+              <a:rPr lang="ru-RU" altLang="ru-RU" dirty="0">
+                <a:solidFill>
+                  <a:srgbClr val="FFFFFF"/>
+                </a:solidFill>
+                <a:latin typeface="Verdana" panose="020B0604030504040204" pitchFamily="34" charset="0"/>
+              </a:rPr>
+              <a:t>&lt;&lt; </a:t>
+            </a:r>
+            <a:r>
+              <a:rPr lang="ru-RU" altLang="ru-RU" dirty="0" err="1">
+                <a:solidFill>
+                  <a:srgbClr val="5BCD9D"/>
+                </a:solidFill>
+                <a:latin typeface="Verdana" panose="020B0604030504040204" pitchFamily="34" charset="0"/>
+              </a:rPr>
+              <a:t>crlf</a:t>
+            </a:r>
+            <a:r>
+              <a:rPr lang="ru-RU" altLang="ru-RU" dirty="0">
+                <a:solidFill>
+                  <a:srgbClr val="5BCD9D"/>
+                </a:solidFill>
+                <a:latin typeface="Verdana" panose="020B0604030504040204" pitchFamily="34" charset="0"/>
+              </a:rPr>
+              <a:t> </a:t>
+            </a:r>
+            <a:r>
+              <a:rPr lang="ru-RU" altLang="ru-RU" dirty="0">
+                <a:solidFill>
+                  <a:srgbClr val="FFFFFF"/>
+                </a:solidFill>
+                <a:latin typeface="Verdana" panose="020B0604030504040204" pitchFamily="34" charset="0"/>
+              </a:rPr>
+              <a:t>&lt;&lt; </a:t>
+            </a:r>
+            <a:r>
+              <a:rPr lang="ru-RU" altLang="ru-RU" dirty="0" err="1">
+                <a:solidFill>
+                  <a:srgbClr val="5BCD9D"/>
+                </a:solidFill>
+                <a:latin typeface="Verdana" panose="020B0604030504040204" pitchFamily="34" charset="0"/>
+              </a:rPr>
+              <a:t>resp</a:t>
+            </a:r>
+            <a:r>
+              <a:rPr lang="ru-RU" altLang="ru-RU" dirty="0" err="1">
+                <a:solidFill>
+                  <a:srgbClr val="FFFFFF"/>
+                </a:solidFill>
+                <a:latin typeface="Verdana" panose="020B0604030504040204" pitchFamily="34" charset="0"/>
+              </a:rPr>
+              <a:t>.</a:t>
+            </a:r>
+            <a:r>
+              <a:rPr lang="ru-RU" altLang="ru-RU" dirty="0" err="1">
+                <a:solidFill>
+                  <a:srgbClr val="5BCD9D"/>
+                </a:solidFill>
+                <a:latin typeface="Verdana" panose="020B0604030504040204" pitchFamily="34" charset="0"/>
+              </a:rPr>
+              <a:t>content</a:t>
+            </a:r>
+            <a:r>
+              <a:rPr lang="ru-RU" altLang="ru-RU" dirty="0">
+                <a:solidFill>
+                  <a:srgbClr val="5BCD9D"/>
+                </a:solidFill>
+                <a:latin typeface="Verdana" panose="020B0604030504040204" pitchFamily="34" charset="0"/>
+              </a:rPr>
+              <a:t>_</a:t>
+            </a:r>
+            <a:r>
+              <a:rPr lang="ru-RU" altLang="ru-RU" dirty="0">
+                <a:solidFill>
+                  <a:srgbClr val="FFFFFF"/>
+                </a:solidFill>
+                <a:latin typeface="Verdana" panose="020B0604030504040204" pitchFamily="34" charset="0"/>
+              </a:rPr>
+              <a:t>;</a:t>
+            </a:r>
+            <a:br>
+              <a:rPr lang="ru-RU" altLang="ru-RU" dirty="0">
+                <a:solidFill>
+                  <a:srgbClr val="FFFFFF"/>
+                </a:solidFill>
+                <a:latin typeface="Verdana" panose="020B0604030504040204" pitchFamily="34" charset="0"/>
+              </a:rPr>
+            </a:br>
+            <a:r>
+              <a:rPr lang="ru-RU" altLang="ru-RU" dirty="0">
+                <a:solidFill>
+                  <a:srgbClr val="FFFFFF"/>
+                </a:solidFill>
+                <a:latin typeface="Verdana" panose="020B0604030504040204" pitchFamily="34" charset="0"/>
+              </a:rPr>
+              <a:t>    </a:t>
+            </a:r>
+            <a:r>
+              <a:rPr lang="ru-RU" altLang="ru-RU" dirty="0" err="1">
+                <a:solidFill>
+                  <a:srgbClr val="FFFFFF"/>
+                </a:solidFill>
+                <a:latin typeface="Verdana" panose="020B0604030504040204" pitchFamily="34" charset="0"/>
+              </a:rPr>
+              <a:t>return</a:t>
+            </a:r>
+            <a:r>
+              <a:rPr lang="ru-RU" altLang="ru-RU" dirty="0">
+                <a:solidFill>
+                  <a:srgbClr val="FFFFFF"/>
+                </a:solidFill>
+                <a:latin typeface="Verdana" panose="020B0604030504040204" pitchFamily="34" charset="0"/>
+              </a:rPr>
+              <a:t> </a:t>
+            </a:r>
+            <a:r>
+              <a:rPr lang="ru-RU" altLang="ru-RU" dirty="0" err="1">
+                <a:solidFill>
+                  <a:srgbClr val="5BCD9D"/>
+                </a:solidFill>
+                <a:latin typeface="Verdana" panose="020B0604030504040204" pitchFamily="34" charset="0"/>
+              </a:rPr>
+              <a:t>os</a:t>
+            </a:r>
+            <a:r>
+              <a:rPr lang="ru-RU" altLang="ru-RU" dirty="0">
+                <a:solidFill>
+                  <a:srgbClr val="FFFFFF"/>
+                </a:solidFill>
+                <a:latin typeface="Verdana" panose="020B0604030504040204" pitchFamily="34" charset="0"/>
+              </a:rPr>
+              <a:t>;</a:t>
+            </a:r>
+            <a:br>
+              <a:rPr lang="ru-RU" altLang="ru-RU" dirty="0">
+                <a:solidFill>
+                  <a:srgbClr val="FFFFFF"/>
+                </a:solidFill>
+                <a:latin typeface="Verdana" panose="020B0604030504040204" pitchFamily="34" charset="0"/>
+              </a:rPr>
+            </a:br>
+            <a:r>
+              <a:rPr lang="ru-RU" altLang="ru-RU" dirty="0">
+                <a:solidFill>
+                  <a:srgbClr val="FFFFFF"/>
+                </a:solidFill>
+                <a:latin typeface="Verdana" panose="020B0604030504040204" pitchFamily="34" charset="0"/>
+              </a:rPr>
+              <a:t>}</a:t>
+            </a:r>
+            <a:br>
+              <a:rPr lang="ru-RU" altLang="ru-RU" dirty="0">
+                <a:solidFill>
+                  <a:srgbClr val="FFFFFF"/>
+                </a:solidFill>
+                <a:latin typeface="Verdana" panose="020B0604030504040204" pitchFamily="34" charset="0"/>
+              </a:rPr>
+            </a:br>
+            <a:endParaRPr lang="ru-RU" altLang="ru-RU" sz="6600" dirty="0">
+              <a:solidFill>
+                <a:schemeClr val="tx1"/>
+              </a:solidFill>
+              <a:latin typeface="Arial" panose="020B0604020202020204" pitchFamily="34" charset="0"/>
+            </a:endParaRPr>
+          </a:p>
+          <a:p>
+            <a:endParaRPr lang="ru-RU" dirty="0"/>
+          </a:p>
+        </p:txBody>
+      </p:sp>
+    </p:spTree>
+    <p:extLst>
+      <p:ext uri="{BB962C8B-B14F-4D97-AF65-F5344CB8AC3E}">
+        <p14:creationId xmlns:p14="http://schemas.microsoft.com/office/powerpoint/2010/main" val="3930386594"/>
+      </p:ext>
+    </p:extLst>
+  </p:cSld>
+  <p:clrMapOvr>
+    <a:masterClrMapping/>
+  </p:clrMapOvr>
+  <p:timing>
+    <p:tnLst>
+      <p:par>
+        <p:cTn id="1" dur="indefinite" restart="never" nodeType="tmRoot"/>
+      </p:par>
+    </p:tnLst>
+  </p:timing>
+</p:sld>
+</file>
+
+<file path=ppt/slides/slide31.xml><?xml version="1.0" encoding="utf-8"?>
+<p:sld xmlns:a="http://schemas.openxmlformats.org/drawingml/2006/main" xmlns:r="http://schemas.openxmlformats.org/officeDocument/2006/relationships" xmlns:p="http://schemas.openxmlformats.org/presentationml/2006/main">
+  <p:cSld>
+    <p:spTree>
+      <p:nvGrpSpPr>
+        <p:cNvPr id="1" name=""/>
+        <p:cNvGrpSpPr/>
+        <p:nvPr/>
+      </p:nvGrpSpPr>
+      <p:grpSpPr>
+        <a:xfrm>
+          <a:off x="0" y="0"/>
+          <a:ext cx="0" cy="0"/>
+          <a:chOff x="0" y="0"/>
+          <a:chExt cx="0" cy="0"/>
+        </a:xfrm>
+      </p:grpSpPr>
+      <p:sp>
+        <p:nvSpPr>
+          <p:cNvPr id="6" name="Заголовок 5"/>
+          <p:cNvSpPr>
+            <a:spLocks noGrp="1"/>
+          </p:cNvSpPr>
+          <p:nvPr>
+            <p:ph type="title"/>
+          </p:nvPr>
+        </p:nvSpPr>
+        <p:spPr/>
+        <p:txBody>
+          <a:bodyPr/>
+          <a:lstStyle/>
+          <a:p>
+            <a:r>
+              <a:rPr lang="ru-RU" dirty="0"/>
+              <a:t>Четвёртый шаг – реализация интерфейса</a:t>
+            </a:r>
+            <a:endParaRPr lang="ru-RU" dirty="0"/>
+          </a:p>
+        </p:txBody>
+      </p:sp>
+      <p:sp>
+        <p:nvSpPr>
+          <p:cNvPr id="7" name="Объект 6"/>
+          <p:cNvSpPr>
+            <a:spLocks noGrp="1"/>
+          </p:cNvSpPr>
+          <p:nvPr>
+            <p:ph idx="1"/>
+          </p:nvPr>
+        </p:nvSpPr>
+        <p:spPr>
+          <a:xfrm>
+            <a:off x="1143000" y="3048000"/>
+            <a:ext cx="22114606" cy="3046413"/>
+          </a:xfrm>
+        </p:spPr>
+        <p:txBody>
+          <a:bodyPr/>
+          <a:lstStyle/>
+          <a:p>
+            <a:pPr lvl="1"/>
+            <a:r>
+              <a:rPr lang="ru-RU" dirty="0" smtClean="0"/>
+              <a:t>Реализовав интерфейс, запускаем юнит-тесты</a:t>
+            </a:r>
+            <a:endParaRPr lang="ru-RU" dirty="0" smtClean="0"/>
+          </a:p>
+          <a:p>
+            <a:pPr lvl="1"/>
+            <a:endParaRPr lang="ru-RU" dirty="0"/>
+          </a:p>
+          <a:p>
+            <a:pPr lvl="1"/>
+            <a:r>
+              <a:rPr lang="ru-RU" dirty="0" smtClean="0"/>
+              <a:t>Убеждаемся, что они проходят</a:t>
+            </a:r>
+            <a:endParaRPr lang="ru-RU" dirty="0"/>
+          </a:p>
+        </p:txBody>
+      </p:sp>
+      <p:sp>
+        <p:nvSpPr>
+          <p:cNvPr id="4" name="Нижний колонтитул 3"/>
+          <p:cNvSpPr>
+            <a:spLocks noGrp="1"/>
+          </p:cNvSpPr>
+          <p:nvPr>
+            <p:ph type="ftr" sz="quarter" idx="11"/>
+          </p:nvPr>
+        </p:nvSpPr>
+        <p:spPr/>
+        <p:txBody>
+          <a:bodyPr/>
+          <a:lstStyle/>
+          <a:p>
+            <a:endParaRPr lang="ru-RU">
+              <a:solidFill>
+                <a:srgbClr val="000000"/>
+              </a:solidFill>
+            </a:endParaRPr>
+          </a:p>
+        </p:txBody>
+      </p:sp>
+      <p:sp>
+        <p:nvSpPr>
+          <p:cNvPr id="5" name="Номер слайда 4"/>
+          <p:cNvSpPr>
+            <a:spLocks noGrp="1"/>
+          </p:cNvSpPr>
+          <p:nvPr>
+            <p:ph type="sldNum" sz="quarter" idx="12"/>
+          </p:nvPr>
+        </p:nvSpPr>
+        <p:spPr/>
+        <p:txBody>
+          <a:bodyPr/>
+          <a:lstStyle/>
+          <a:p>
+            <a:fld id="{741C03D3-FA44-40EC-9A21-1FC4FEA3E22E}" type="slidenum">
+              <a:rPr lang="ru-RU" smtClean="0">
+                <a:solidFill>
+                  <a:srgbClr val="000000"/>
+                </a:solidFill>
+              </a:rPr>
+              <a:pPr/>
+              <a:t>31</a:t>
+            </a:fld>
+            <a:endParaRPr lang="ru-RU">
+              <a:solidFill>
+                <a:srgbClr val="000000"/>
+              </a:solidFill>
+            </a:endParaRPr>
+          </a:p>
+        </p:txBody>
+      </p:sp>
+      <p:sp>
+        <p:nvSpPr>
+          <p:cNvPr id="8" name="Объект 7"/>
+          <p:cNvSpPr>
+            <a:spLocks noGrp="1"/>
+          </p:cNvSpPr>
+          <p:nvPr>
+            <p:ph idx="13"/>
+          </p:nvPr>
+        </p:nvSpPr>
+        <p:spPr/>
+        <p:txBody>
+          <a:bodyPr/>
+          <a:lstStyle/>
+          <a:p>
+            <a:r>
+              <a:rPr lang="en-US" dirty="0" smtClean="0"/>
+              <a:t>$ ./build-project &amp;&amp; ./run-unit-tests</a:t>
+            </a:r>
+          </a:p>
+          <a:p>
+            <a:r>
+              <a:rPr lang="en-US" dirty="0" smtClean="0">
+                <a:solidFill>
+                  <a:schemeClr val="accent2"/>
+                </a:solidFill>
+              </a:rPr>
+              <a:t>25</a:t>
+            </a:r>
+            <a:r>
+              <a:rPr lang="ru-RU" dirty="0" smtClean="0">
+                <a:solidFill>
+                  <a:schemeClr val="accent2"/>
+                </a:solidFill>
+              </a:rPr>
+              <a:t>3</a:t>
+            </a:r>
+            <a:r>
+              <a:rPr lang="en-US" dirty="0" smtClean="0">
+                <a:solidFill>
+                  <a:schemeClr val="accent2"/>
+                </a:solidFill>
+              </a:rPr>
+              <a:t> </a:t>
+            </a:r>
+            <a:r>
+              <a:rPr lang="en-US" dirty="0" smtClean="0">
+                <a:solidFill>
+                  <a:schemeClr val="accent2"/>
+                </a:solidFill>
+              </a:rPr>
+              <a:t>tests – </a:t>
+            </a:r>
+            <a:r>
+              <a:rPr lang="en-US" dirty="0" smtClean="0">
+                <a:solidFill>
+                  <a:schemeClr val="accent2"/>
+                </a:solidFill>
+              </a:rPr>
+              <a:t>OK</a:t>
+            </a:r>
+            <a:endParaRPr lang="en-US" dirty="0" smtClean="0">
+              <a:solidFill>
+                <a:schemeClr val="accent2"/>
+              </a:solidFill>
+            </a:endParaRPr>
+          </a:p>
+        </p:txBody>
+      </p:sp>
+    </p:spTree>
+    <p:extLst>
+      <p:ext uri="{BB962C8B-B14F-4D97-AF65-F5344CB8AC3E}">
+        <p14:creationId xmlns:p14="http://schemas.microsoft.com/office/powerpoint/2010/main" val="889560738"/>
+      </p:ext>
+    </p:extLst>
+  </p:cSld>
+  <p:clrMapOvr>
+    <a:masterClrMapping/>
+  </p:clrMapOvr>
+  <p:timing>
+    <p:tnLst>
+      <p:par>
+        <p:cTn id="1" dur="indefinite" restart="never" nodeType="tmRoot"/>
+      </p:par>
+    </p:tnLst>
+  </p:timing>
+</p:sld>
+</file>
+
+<file path=ppt/slides/slide32.xml><?xml version="1.0" encoding="utf-8"?>
+<p:sld xmlns:a="http://schemas.openxmlformats.org/drawingml/2006/main" xmlns:r="http://schemas.openxmlformats.org/officeDocument/2006/relationships" xmlns:p="http://schemas.openxmlformats.org/presentationml/2006/main">
+  <p:cSld>
+    <p:spTree>
+      <p:nvGrpSpPr>
+        <p:cNvPr id="1" name=""/>
+        <p:cNvGrpSpPr/>
+        <p:nvPr/>
+      </p:nvGrpSpPr>
+      <p:grpSpPr>
+        <a:xfrm>
+          <a:off x="0" y="0"/>
+          <a:ext cx="0" cy="0"/>
+          <a:chOff x="0" y="0"/>
+          <a:chExt cx="0" cy="0"/>
+        </a:xfrm>
+      </p:grpSpPr>
+      <p:sp>
+        <p:nvSpPr>
+          <p:cNvPr id="2" name="Заголовок 1"/>
+          <p:cNvSpPr>
+            <a:spLocks noGrp="1"/>
+          </p:cNvSpPr>
+          <p:nvPr>
+            <p:ph type="title"/>
+          </p:nvPr>
+        </p:nvSpPr>
+        <p:spPr/>
+        <p:txBody>
+          <a:bodyPr/>
+          <a:lstStyle/>
+          <a:p>
+            <a:r>
+              <a:rPr lang="ru-RU" dirty="0" smtClean="0"/>
+              <a:t>Итоги</a:t>
+            </a:r>
+            <a:endParaRPr lang="ru-RU" dirty="0"/>
+          </a:p>
+        </p:txBody>
+      </p:sp>
+      <p:sp>
+        <p:nvSpPr>
+          <p:cNvPr id="3" name="Объект 2"/>
+          <p:cNvSpPr>
+            <a:spLocks noGrp="1"/>
+          </p:cNvSpPr>
+          <p:nvPr>
+            <p:ph idx="1"/>
+          </p:nvPr>
+        </p:nvSpPr>
+        <p:spPr/>
+        <p:txBody>
+          <a:bodyPr/>
+          <a:lstStyle/>
+          <a:p>
+            <a:pPr lvl="1"/>
+            <a:r>
+              <a:rPr lang="ru-RU" dirty="0" smtClean="0"/>
+              <a:t>Мы получили </a:t>
+            </a:r>
+            <a:r>
+              <a:rPr lang="ru-RU" dirty="0"/>
+              <a:t>корректный </a:t>
+            </a:r>
+            <a:r>
+              <a:rPr lang="ru-RU" dirty="0" smtClean="0"/>
+              <a:t>код</a:t>
+            </a:r>
+          </a:p>
+          <a:p>
+            <a:pPr lvl="1"/>
+            <a:endParaRPr lang="ru-RU" dirty="0" smtClean="0"/>
+          </a:p>
+          <a:p>
+            <a:pPr lvl="1"/>
+            <a:r>
+              <a:rPr lang="ru-RU" dirty="0" smtClean="0"/>
+              <a:t>Корректно </a:t>
+            </a:r>
+            <a:r>
+              <a:rPr lang="ru-RU" dirty="0"/>
+              <a:t>встроенный в </a:t>
+            </a:r>
+            <a:r>
+              <a:rPr lang="ru-RU" dirty="0" smtClean="0"/>
+              <a:t>систему</a:t>
+            </a:r>
+          </a:p>
+          <a:p>
+            <a:pPr lvl="1"/>
+            <a:endParaRPr lang="ru-RU" dirty="0" smtClean="0"/>
+          </a:p>
+          <a:p>
+            <a:pPr lvl="1"/>
+            <a:r>
+              <a:rPr lang="ru-RU" dirty="0" smtClean="0"/>
+              <a:t>Мы </a:t>
+            </a:r>
+            <a:r>
+              <a:rPr lang="ru-RU" dirty="0"/>
+              <a:t>минимизировали риски </a:t>
+            </a:r>
+            <a:endParaRPr lang="ru-RU" dirty="0" smtClean="0"/>
+          </a:p>
+          <a:p>
+            <a:pPr lvl="2"/>
+            <a:r>
+              <a:rPr lang="ru-RU" dirty="0" smtClean="0"/>
+              <a:t>возникновения багов</a:t>
+            </a:r>
+          </a:p>
+          <a:p>
+            <a:pPr lvl="2"/>
+            <a:r>
+              <a:rPr lang="ru-RU" dirty="0" smtClean="0"/>
+              <a:t>необходимости </a:t>
+            </a:r>
+            <a:r>
+              <a:rPr lang="ru-RU" dirty="0"/>
+              <a:t>переделывать свою </a:t>
+            </a:r>
+            <a:r>
+              <a:rPr lang="ru-RU" dirty="0" smtClean="0"/>
+              <a:t>работу</a:t>
+            </a:r>
+          </a:p>
+          <a:p>
+            <a:pPr lvl="1"/>
+            <a:endParaRPr lang="ru-RU" dirty="0" smtClean="0"/>
+          </a:p>
+          <a:p>
+            <a:pPr lvl="1"/>
+            <a:r>
+              <a:rPr lang="ru-RU" dirty="0" smtClean="0"/>
+              <a:t>Сэкономили </a:t>
+            </a:r>
+            <a:r>
+              <a:rPr lang="ru-RU" dirty="0"/>
+              <a:t>уйму времени на отладке и </a:t>
+            </a:r>
+            <a:r>
+              <a:rPr lang="ru-RU" dirty="0" smtClean="0"/>
+              <a:t>переписывании кода</a:t>
+            </a:r>
+            <a:endParaRPr lang="ru-RU" dirty="0"/>
+          </a:p>
+        </p:txBody>
+      </p:sp>
+      <p:sp>
+        <p:nvSpPr>
+          <p:cNvPr id="4" name="Нижний колонтитул 3"/>
+          <p:cNvSpPr>
+            <a:spLocks noGrp="1"/>
+          </p:cNvSpPr>
+          <p:nvPr>
+            <p:ph type="ftr" sz="quarter" idx="11"/>
+          </p:nvPr>
+        </p:nvSpPr>
+        <p:spPr/>
+        <p:txBody>
+          <a:bodyPr/>
+          <a:lstStyle/>
+          <a:p>
+            <a:endParaRPr lang="ru-RU">
+              <a:solidFill>
+                <a:srgbClr val="000000"/>
+              </a:solidFill>
+            </a:endParaRPr>
+          </a:p>
+        </p:txBody>
+      </p:sp>
+      <p:sp>
+        <p:nvSpPr>
+          <p:cNvPr id="5" name="Номер слайда 4"/>
+          <p:cNvSpPr>
+            <a:spLocks noGrp="1"/>
+          </p:cNvSpPr>
+          <p:nvPr>
+            <p:ph type="sldNum" sz="quarter" idx="12"/>
+          </p:nvPr>
+        </p:nvSpPr>
+        <p:spPr/>
+        <p:txBody>
+          <a:bodyPr/>
+          <a:lstStyle/>
+          <a:p>
+            <a:fld id="{741C03D3-FA44-40EC-9A21-1FC4FEA3E22E}" type="slidenum">
+              <a:rPr lang="ru-RU" smtClean="0">
+                <a:solidFill>
+                  <a:srgbClr val="000000"/>
+                </a:solidFill>
+              </a:rPr>
+              <a:pPr/>
+              <a:t>32</a:t>
+            </a:fld>
+            <a:endParaRPr lang="ru-RU">
+              <a:solidFill>
+                <a:srgbClr val="000000"/>
+              </a:solidFill>
+            </a:endParaRPr>
+          </a:p>
+        </p:txBody>
+      </p:sp>
+    </p:spTree>
+    <p:extLst>
+      <p:ext uri="{BB962C8B-B14F-4D97-AF65-F5344CB8AC3E}">
+        <p14:creationId xmlns:p14="http://schemas.microsoft.com/office/powerpoint/2010/main" val="1820527795"/>
+      </p:ext>
+    </p:extLst>
+  </p:cSld>
+  <p:clrMapOvr>
+    <a:masterClrMapping/>
+  </p:clrMapOvr>
+  <p:timing>
+    <p:tnLst>
+      <p:par>
+        <p:cTn id="1" dur="indefinite" restart="never" nodeType="tmRoot">
+          <p:childTnLst>
+            <p:seq concurrent="1" nextAc="seek">
+              <p:cTn id="2" dur="indefinite" nodeType="mainSeq">
+                <p:childTnLst>
+                  <p:par>
+                    <p:cTn id="3" fill="hold">
+                      <p:stCondLst>
+                        <p:cond delay="indefinite"/>
+                      </p:stCondLst>
+                      <p:childTnLst>
+                        <p:par>
+                          <p:cTn id="4" fill="hold">
+                            <p:stCondLst>
+                              <p:cond delay="0"/>
+                            </p:stCondLst>
+                            <p:childTnLst>
+                              <p:par>
+                                <p:cTn id="5" presetID="1" presetClass="entr" presetSubtype="0" fill="hold" nodeType="clickEffect">
+                                  <p:stCondLst>
+                                    <p:cond delay="0"/>
+                                  </p:stCondLst>
+                                  <p:childTnLst>
+                                    <p:set>
+                                      <p:cBhvr>
+                                        <p:cTn id="6" dur="1" fill="hold">
+                                          <p:stCondLst>
+                                            <p:cond delay="0"/>
+                                          </p:stCondLst>
+                                        </p:cTn>
+                                        <p:tgtEl>
+                                          <p:spTgt spid="3">
+                                            <p:txEl>
+                                              <p:pRg st="0" end="0"/>
+                                            </p:txEl>
+                                          </p:spTgt>
+                                        </p:tgtEl>
+                                        <p:attrNameLst>
+                                          <p:attrName>style.visibility</p:attrName>
+                                        </p:attrNameLst>
+                                      </p:cBhvr>
+                                      <p:to>
+                                        <p:strVal val="visible"/>
+                                      </p:to>
+                                    </p:set>
+                                  </p:childTnLst>
+                                </p:cTn>
+                              </p:par>
+                            </p:childTnLst>
+                          </p:cTn>
+                        </p:par>
+                      </p:childTnLst>
+                    </p:cTn>
+                  </p:par>
+                  <p:par>
+                    <p:cTn id="7" fill="hold">
+                      <p:stCondLst>
+                        <p:cond delay="indefinite"/>
+                      </p:stCondLst>
+                      <p:childTnLst>
+                        <p:par>
+                          <p:cTn id="8" fill="hold">
+                            <p:stCondLst>
+                              <p:cond delay="0"/>
+                            </p:stCondLst>
+                            <p:childTnLst>
+                              <p:par>
+                                <p:cTn id="9" presetID="1" presetClass="entr" presetSubtype="0" fill="hold" nodeType="clickEffect">
+                                  <p:stCondLst>
+                                    <p:cond delay="0"/>
+                                  </p:stCondLst>
+                                  <p:childTnLst>
+                                    <p:set>
+                                      <p:cBhvr>
+                                        <p:cTn id="10" dur="1" fill="hold">
+                                          <p:stCondLst>
+                                            <p:cond delay="0"/>
+                                          </p:stCondLst>
+                                        </p:cTn>
+                                        <p:tgtEl>
+                                          <p:spTgt spid="3">
+                                            <p:txEl>
+                                              <p:pRg st="2" end="2"/>
+                                            </p:txEl>
+                                          </p:spTgt>
+                                        </p:tgtEl>
+                                        <p:attrNameLst>
+                                          <p:attrName>style.visibility</p:attrName>
+                                        </p:attrNameLst>
+                                      </p:cBhvr>
+                                      <p:to>
+                                        <p:strVal val="visible"/>
+                                      </p:to>
+                                    </p:set>
+                                  </p:childTnLst>
+                                </p:cTn>
+                              </p:par>
+                            </p:childTnLst>
+                          </p:cTn>
+                        </p:par>
+                      </p:childTnLst>
+                    </p:cTn>
+                  </p:par>
+                  <p:par>
+                    <p:cTn id="11" fill="hold">
+                      <p:stCondLst>
+                        <p:cond delay="indefinite"/>
+                      </p:stCondLst>
+                      <p:childTnLst>
+                        <p:par>
+                          <p:cTn id="12" fill="hold">
+                            <p:stCondLst>
+                              <p:cond delay="0"/>
+                            </p:stCondLst>
+                            <p:childTnLst>
+                              <p:par>
+                                <p:cTn id="13" presetID="1" presetClass="entr" presetSubtype="0" fill="hold" nodeType="clickEffect">
+                                  <p:stCondLst>
+                                    <p:cond delay="0"/>
+                                  </p:stCondLst>
+                                  <p:childTnLst>
+                                    <p:set>
+                                      <p:cBhvr>
+                                        <p:cTn id="14" dur="1" fill="hold">
+                                          <p:stCondLst>
+                                            <p:cond delay="0"/>
+                                          </p:stCondLst>
+                                        </p:cTn>
+                                        <p:tgtEl>
+                                          <p:spTgt spid="3">
+                                            <p:txEl>
+                                              <p:pRg st="4" end="4"/>
+                                            </p:txEl>
+                                          </p:spTgt>
+                                        </p:tgtEl>
+                                        <p:attrNameLst>
+                                          <p:attrName>style.visibility</p:attrName>
+                                        </p:attrNameLst>
+                                      </p:cBhvr>
+                                      <p:to>
+                                        <p:strVal val="visible"/>
+                                      </p:to>
+                                    </p:set>
+                                  </p:childTnLst>
+                                </p:cTn>
+                              </p:par>
+                              <p:par>
+                                <p:cTn id="15" presetID="1" presetClass="entr" presetSubtype="0" fill="hold" nodeType="withEffect">
+                                  <p:stCondLst>
+                                    <p:cond delay="0"/>
+                                  </p:stCondLst>
+                                  <p:childTnLst>
+                                    <p:set>
+                                      <p:cBhvr>
+                                        <p:cTn id="16" dur="1" fill="hold">
+                                          <p:stCondLst>
+                                            <p:cond delay="0"/>
+                                          </p:stCondLst>
+                                        </p:cTn>
+                                        <p:tgtEl>
+                                          <p:spTgt spid="3">
+                                            <p:txEl>
+                                              <p:pRg st="5" end="5"/>
+                                            </p:txEl>
+                                          </p:spTgt>
+                                        </p:tgtEl>
+                                        <p:attrNameLst>
+                                          <p:attrName>style.visibility</p:attrName>
+                                        </p:attrNameLst>
+                                      </p:cBhvr>
+                                      <p:to>
+                                        <p:strVal val="visible"/>
+                                      </p:to>
+                                    </p:set>
+                                  </p:childTnLst>
+                                </p:cTn>
+                              </p:par>
+                              <p:par>
+                                <p:cTn id="17" presetID="1" presetClass="entr" presetSubtype="0" fill="hold" nodeType="withEffect">
+                                  <p:stCondLst>
+                                    <p:cond delay="0"/>
+                                  </p:stCondLst>
+                                  <p:childTnLst>
+                                    <p:set>
+                                      <p:cBhvr>
+                                        <p:cTn id="18" dur="1" fill="hold">
+                                          <p:stCondLst>
+                                            <p:cond delay="0"/>
+                                          </p:stCondLst>
+                                        </p:cTn>
+                                        <p:tgtEl>
+                                          <p:spTgt spid="3">
+                                            <p:txEl>
+                                              <p:pRg st="6" end="6"/>
+                                            </p:txEl>
+                                          </p:spTgt>
+                                        </p:tgtEl>
+                                        <p:attrNameLst>
+                                          <p:attrName>style.visibility</p:attrName>
+                                        </p:attrNameLst>
+                                      </p:cBhvr>
+                                      <p:to>
+                                        <p:strVal val="visible"/>
+                                      </p:to>
+                                    </p:set>
+                                  </p:childTnLst>
+                                </p:cTn>
+                              </p:par>
+                            </p:childTnLst>
+                          </p:cTn>
+                        </p:par>
+                      </p:childTnLst>
+                    </p:cTn>
+                  </p:par>
+                  <p:par>
+                    <p:cTn id="19" fill="hold">
+                      <p:stCondLst>
+                        <p:cond delay="indefinite"/>
+                      </p:stCondLst>
+                      <p:childTnLst>
+                        <p:par>
+                          <p:cTn id="20" fill="hold">
+                            <p:stCondLst>
+                              <p:cond delay="0"/>
+                            </p:stCondLst>
+                            <p:childTnLst>
+                              <p:par>
+                                <p:cTn id="21" presetID="1" presetClass="entr" presetSubtype="0" fill="hold" nodeType="clickEffect">
+                                  <p:stCondLst>
+                                    <p:cond delay="0"/>
+                                  </p:stCondLst>
+                                  <p:childTnLst>
+                                    <p:set>
+                                      <p:cBhvr>
+                                        <p:cTn id="22" dur="1" fill="hold">
+                                          <p:stCondLst>
+                                            <p:cond delay="0"/>
+                                          </p:stCondLst>
+                                        </p:cTn>
+                                        <p:tgtEl>
+                                          <p:spTgt spid="3">
+                                            <p:txEl>
+                                              <p:pRg st="8" end="8"/>
+                                            </p:txEl>
+                                          </p:spTgt>
+                                        </p:tgtEl>
+                                        <p:attrNameLst>
+                                          <p:attrName>style.visibility</p:attrName>
+                                        </p:attrNameLst>
+                                      </p:cBhvr>
+                                      <p:to>
+                                        <p:strVal val="visible"/>
+                                      </p:to>
+                                    </p:set>
+                                  </p:childTnLst>
+                                </p:cTn>
+                              </p:par>
+                            </p:childTnLst>
+                          </p:cTn>
+                        </p:par>
+                      </p:childTnLst>
+                    </p:cTn>
+                  </p:par>
+                </p:childTnLst>
+              </p:cTn>
+              <p:prevCondLst>
+                <p:cond evt="onPrev" delay="0">
+                  <p:tgtEl>
+                    <p:sldTgt/>
+                  </p:tgtEl>
+                </p:cond>
+              </p:prevCondLst>
+              <p:nextCondLst>
+                <p:cond evt="onNext" delay="0">
+                  <p:tgtEl>
+                    <p:sldTgt/>
+                  </p:tgtEl>
+                </p:cond>
+              </p:nextCondLst>
+            </p:seq>
+          </p:childTnLst>
+        </p:cTn>
+      </p:par>
+    </p:tnLst>
+  </p:timing>
+</p:sld>
+</file>
+
+<file path=ppt/slides/slide33.xml><?xml version="1.0" encoding="utf-8"?>
+<p:sld xmlns:a="http://schemas.openxmlformats.org/drawingml/2006/main" xmlns:r="http://schemas.openxmlformats.org/officeDocument/2006/relationships" xmlns:p="http://schemas.openxmlformats.org/presentationml/2006/main">
+  <p:cSld>
+    <p:spTree>
+      <p:nvGrpSpPr>
+        <p:cNvPr id="1" name=""/>
+        <p:cNvGrpSpPr/>
+        <p:nvPr/>
+      </p:nvGrpSpPr>
+      <p:grpSpPr>
+        <a:xfrm>
+          <a:off x="0" y="0"/>
+          <a:ext cx="0" cy="0"/>
+          <a:chOff x="0" y="0"/>
+          <a:chExt cx="0" cy="0"/>
+        </a:xfrm>
+      </p:grpSpPr>
+      <p:sp>
+        <p:nvSpPr>
+          <p:cNvPr id="2" name="Заголовок 1"/>
+          <p:cNvSpPr>
+            <a:spLocks noGrp="1"/>
+          </p:cNvSpPr>
+          <p:nvPr>
+            <p:ph type="title"/>
+          </p:nvPr>
+        </p:nvSpPr>
+        <p:spPr/>
+        <p:txBody>
+          <a:bodyPr/>
+          <a:lstStyle/>
+          <a:p>
+            <a:r>
+              <a:rPr lang="en-US" dirty="0" smtClean="0"/>
+              <a:t>P.S.</a:t>
+            </a:r>
+            <a:endParaRPr lang="ru-RU" dirty="0"/>
+          </a:p>
+        </p:txBody>
+      </p:sp>
+      <p:sp>
+        <p:nvSpPr>
+          <p:cNvPr id="3" name="Объект 2"/>
+          <p:cNvSpPr>
+            <a:spLocks noGrp="1"/>
+          </p:cNvSpPr>
+          <p:nvPr>
+            <p:ph idx="1"/>
+          </p:nvPr>
+        </p:nvSpPr>
+        <p:spPr>
+          <a:xfrm>
+            <a:off x="1124806" y="3048000"/>
+            <a:ext cx="19461162" cy="9158288"/>
+          </a:xfrm>
+        </p:spPr>
+        <p:txBody>
+          <a:bodyPr/>
+          <a:lstStyle/>
+          <a:p>
+            <a:pPr lvl="1"/>
+            <a:r>
+              <a:rPr lang="ru-RU" dirty="0" smtClean="0"/>
+              <a:t>Работа основана на</a:t>
+            </a:r>
+          </a:p>
+          <a:p>
+            <a:pPr lvl="2"/>
+            <a:r>
+              <a:rPr lang="ru-RU" dirty="0" smtClean="0"/>
+              <a:t>принципах </a:t>
+            </a:r>
+            <a:r>
+              <a:rPr lang="en-US" dirty="0" smtClean="0"/>
+              <a:t>TDD</a:t>
+            </a:r>
+          </a:p>
+          <a:p>
+            <a:pPr lvl="2"/>
+            <a:r>
+              <a:rPr lang="ru-RU" dirty="0" smtClean="0"/>
+              <a:t>книге Мартина </a:t>
+            </a:r>
+            <a:r>
+              <a:rPr lang="ru-RU" dirty="0" err="1" smtClean="0"/>
+              <a:t>Фаулера</a:t>
+            </a:r>
+            <a:r>
+              <a:rPr lang="ru-RU" dirty="0"/>
+              <a:t> «</a:t>
+            </a:r>
+            <a:r>
+              <a:rPr lang="ru-RU" dirty="0" err="1"/>
+              <a:t>Рефакторинг</a:t>
+            </a:r>
+            <a:r>
+              <a:rPr lang="ru-RU" dirty="0"/>
+              <a:t>. Улучшение существующего кода»</a:t>
+            </a:r>
+          </a:p>
+        </p:txBody>
+      </p:sp>
+      <p:sp>
+        <p:nvSpPr>
+          <p:cNvPr id="4" name="Нижний колонтитул 3"/>
+          <p:cNvSpPr>
+            <a:spLocks noGrp="1"/>
+          </p:cNvSpPr>
+          <p:nvPr>
+            <p:ph type="ftr" sz="quarter" idx="11"/>
+          </p:nvPr>
+        </p:nvSpPr>
+        <p:spPr/>
+        <p:txBody>
+          <a:bodyPr/>
+          <a:lstStyle/>
+          <a:p>
+            <a:endParaRPr lang="ru-RU">
+              <a:solidFill>
+                <a:srgbClr val="000000"/>
+              </a:solidFill>
+            </a:endParaRPr>
+          </a:p>
+        </p:txBody>
+      </p:sp>
+      <p:sp>
+        <p:nvSpPr>
+          <p:cNvPr id="5" name="Номер слайда 4"/>
+          <p:cNvSpPr>
+            <a:spLocks noGrp="1"/>
+          </p:cNvSpPr>
+          <p:nvPr>
+            <p:ph type="sldNum" sz="quarter" idx="12"/>
+          </p:nvPr>
+        </p:nvSpPr>
+        <p:spPr/>
+        <p:txBody>
+          <a:bodyPr/>
+          <a:lstStyle/>
+          <a:p>
+            <a:fld id="{741C03D3-FA44-40EC-9A21-1FC4FEA3E22E}" type="slidenum">
+              <a:rPr lang="ru-RU" smtClean="0">
+                <a:solidFill>
+                  <a:srgbClr val="000000"/>
+                </a:solidFill>
+              </a:rPr>
+              <a:pPr/>
+              <a:t>33</a:t>
+            </a:fld>
+            <a:endParaRPr lang="ru-RU">
+              <a:solidFill>
+                <a:srgbClr val="000000"/>
+              </a:solidFill>
+            </a:endParaRPr>
+          </a:p>
+        </p:txBody>
+      </p:sp>
+    </p:spTree>
+    <p:extLst>
+      <p:ext uri="{BB962C8B-B14F-4D97-AF65-F5344CB8AC3E}">
+        <p14:creationId xmlns:p14="http://schemas.microsoft.com/office/powerpoint/2010/main" val="1364492084"/>
+      </p:ext>
+    </p:extLst>
+  </p:cSld>
+  <p:clrMapOvr>
+    <a:masterClrMapping/>
+  </p:clrMapOvr>
+  <p:timing>
+    <p:tnLst>
+      <p:par>
+        <p:cTn id="1" dur="indefinite" restart="never" nodeType="tmRoot"/>
+      </p:par>
+    </p:tnLst>
+  </p:timing>
+</p:sld>
+</file>
+
+<file path=ppt/slides/slide34.xml><?xml version="1.0" encoding="utf-8"?>
+<p:sld xmlns:a="http://schemas.openxmlformats.org/drawingml/2006/main" xmlns:r="http://schemas.openxmlformats.org/officeDocument/2006/relationships" xmlns:p="http://schemas.openxmlformats.org/presentationml/2006/main">
+  <p:cSld>
+    <p:spTree>
+      <p:nvGrpSpPr>
+        <p:cNvPr id="1" name=""/>
+        <p:cNvGrpSpPr/>
+        <p:nvPr/>
+      </p:nvGrpSpPr>
+      <p:grpSpPr>
+        <a:xfrm>
+          <a:off x="0" y="0"/>
+          <a:ext cx="0" cy="0"/>
+          <a:chOff x="0" y="0"/>
+          <a:chExt cx="0" cy="0"/>
+        </a:xfrm>
+      </p:grpSpPr>
       <p:sp>
         <p:nvSpPr>
           <p:cNvPr id="3" name="Текст 2"/>
@@ -35263,7 +43659,11 @@
           <a:bodyPr/>
           <a:lstStyle/>
           <a:p>
-            <a:endParaRPr lang="ru-RU"/>
+            <a:r>
+              <a:rPr lang="en-US" dirty="0" smtClean="0"/>
+              <a:t>ishfb@yandex-team.ru</a:t>
+            </a:r>
+            <a:endParaRPr lang="ru-RU" dirty="0"/>
           </a:p>
         </p:txBody>
       </p:sp>
@@ -35282,7 +43682,11 @@
           <a:bodyPr/>
           <a:lstStyle/>
           <a:p>
-            <a:endParaRPr lang="ru-RU"/>
+            <a:r>
+              <a:rPr lang="ru-RU" dirty="0" smtClean="0"/>
+              <a:t>Спасибо!</a:t>
+            </a:r>
+            <a:endParaRPr lang="ru-RU" dirty="0"/>
           </a:p>
         </p:txBody>
       </p:sp>
@@ -35301,7 +43705,11 @@
           <a:bodyPr/>
           <a:lstStyle/>
           <a:p>
-            <a:endParaRPr lang="ru-RU"/>
+            <a:r>
+              <a:rPr lang="ru-RU" dirty="0" smtClean="0"/>
+              <a:t>Илья Шишков</a:t>
+            </a:r>
+            <a:endParaRPr lang="ru-RU" dirty="0"/>
           </a:p>
         </p:txBody>
       </p:sp>
@@ -35320,7 +43728,15 @@
           <a:bodyPr/>
           <a:lstStyle/>
           <a:p>
-            <a:endParaRPr lang="ru-RU"/>
+            <a:r>
+              <a:rPr lang="ru-RU" dirty="0"/>
+              <a:t>Старший разработчик компании </a:t>
+            </a:r>
+            <a:r>
+              <a:rPr lang="ru-RU" dirty="0" smtClean="0"/>
+              <a:t>Яндекс</a:t>
+            </a:r>
+            <a:endParaRPr lang="ru-RU" dirty="0"/>
           </a:p>
         </p:txBody>
       </p:sp>
@@ -35332,7 +43748,7 @@
         </p:nvGrpSpPr>
         <p:grpSpPr>
           <a:xfrm>
-            <a:off x="2921395" y="-9596638"/>
+            <a:off x="2921395" y="10181004"/>
             <a:ext cx="9576251" cy="874596"/>
             <a:chOff x="3761696" y="4512527"/>
             <a:chExt cx="9576251" cy="874596"/>
@@ -35603,7 +44019,7 @@
                   <a:rPr lang="en-US" dirty="0" err="1" smtClean="0">
                     <a:latin typeface="+mn-lt"/>
                   </a:rPr>
-                  <a:t>vkontakte</a:t>
+                  <a:t>ishfb</a:t>
                 </a:r>
                 <a:endParaRPr lang="ru-RU" dirty="0">
                   <a:latin typeface="+mn-lt"/>
@@ -36293,7 +44709,7 @@
         </p:nvGrpSpPr>
         <p:grpSpPr>
           <a:xfrm>
-            <a:off x="2914468" y="-3872113"/>
+            <a:off x="13299755" y="10181004"/>
             <a:ext cx="9576251" cy="874596"/>
             <a:chOff x="3754769" y="10237052"/>
             <a:chExt cx="9576251" cy="874596"/>
@@ -36505,6 +44921,18 @@
                   <a:latin typeface="+mn-lt"/>
                 </a:rPr>
                 <a:t>github</a:t>
+              </a:r>
+              <a:r>
+                <a:rPr lang="en-US" dirty="0" smtClean="0">
+                  <a:latin typeface="+mn-lt"/>
+                </a:rPr>
+                <a:t>: </a:t>
+              </a:r>
+              <a:r>
+                <a:rPr lang="en-US" dirty="0" err="1" smtClean="0">
+                  <a:latin typeface="+mn-lt"/>
+                </a:rPr>
+                <a:t>ishfb</a:t>
               </a:r>
               <a:endParaRPr lang="ru-RU" dirty="0">
                 <a:latin typeface="+mn-lt"/>
@@ -37577,7 +46005,7 @@
         </p:nvGrpSpPr>
         <p:grpSpPr>
           <a:xfrm>
-            <a:off x="13294884" y="-7699373"/>
+            <a:off x="13294884" y="9036204"/>
             <a:ext cx="9558766" cy="874596"/>
             <a:chOff x="13294884" y="4512527"/>
             <a:chExt cx="9558766" cy="874596"/>
@@ -37831,10 +46259,16 @@
             </a:lstStyle>
             <a:p>
               <a:r>
-                <a:rPr lang="en-US" dirty="0">
+                <a:rPr lang="en-US" dirty="0" smtClean="0">
                   <a:latin typeface="+mn-lt"/>
                 </a:rPr>
-                <a:t>telegram</a:t>
+                <a:t>telegram: </a:t>
+              </a:r>
+              <a:r>
+                <a:rPr lang="en-US" dirty="0" err="1" smtClean="0">
+                  <a:latin typeface="+mn-lt"/>
+                </a:rPr>
+                <a:t>ishfb</a:t>
               </a:r>
               <a:endParaRPr lang="ru-RU" dirty="0">
                 <a:latin typeface="+mn-lt"/>
@@ -38196,7 +46630,7 @@
 </p:sld>
 </file>
 
-<file path=ppt/slides/slide24.xml><?xml version="1.0" encoding="utf-8"?>
+<file path=ppt/slides/slide35.xml><?xml version="1.0" encoding="utf-8"?>
 <p:sld xmlns:a="http://schemas.openxmlformats.org/drawingml/2006/main" xmlns:r="http://schemas.openxmlformats.org/officeDocument/2006/relationships" xmlns:p="http://schemas.openxmlformats.org/presentationml/2006/main" show="0">
   <p:cSld>
     <p:spTree>
@@ -38314,7 +46748,7 @@
                 </a:solidFill>
               </a:rPr>
               <a:pPr/>
-              <a:t>24</a:t>
+              <a:t>35</a:t>
             </a:fld>
             <a:endParaRPr lang="ru-RU">
               <a:solidFill>
@@ -38646,7 +47080,7 @@
               <a:effectLst/>
               <a:extLst>
                 <a:ext uri="{C572A759-6A51-4108-AA02-DFA0A04FC94B}">
-                  <ma14:wrappingTextBoxFlag xmlns:ma14="http://schemas.microsoft.com/office/mac/drawingml/2011/main" xmlns="" val="1"/>
+                  <ma14:wrappingTextBoxFlag xmlns="" xmlns:ma14="http://schemas.microsoft.com/office/mac/drawingml/2011/main" val="1"/>
                 </a:ext>
               </a:extLst>
             </p:spPr>
@@ -38726,11 +47160,11 @@
   <p:clrMapOvr>
     <a:masterClrMapping/>
   </p:clrMapOvr>
-  <mc:AlternateContent xmlns:mc="http://schemas.openxmlformats.org/markup-compatibility/2006">
-    <mc:Choice xmlns:p14="http://schemas.microsoft.com/office/powerpoint/2010/main" Requires="p14">
+  <mc:AlternateContent xmlns:mc="http://schemas.openxmlformats.org/markup-compatibility/2006" xmlns:p14="http://schemas.microsoft.com/office/powerpoint/2010/main">
+    <mc:Choice Requires="p14">
       <p:transition spd="slow" p14:dur="2000"/>
     </mc:Choice>
-    <mc:Fallback>
+    <mc:Fallback xmlns="">
       <p:transition spd="slow"/>
     </mc:Fallback>
   </mc:AlternateContent>
@@ -38744,7 +47178,7 @@
 </p:sld>
 </file>
 
-<file path=ppt/slides/slide25.xml><?xml version="1.0" encoding="utf-8"?>
+<file path=ppt/slides/slide36.xml><?xml version="1.0" encoding="utf-8"?>
 <p:sld xmlns:a="http://schemas.openxmlformats.org/drawingml/2006/main" xmlns:r="http://schemas.openxmlformats.org/officeDocument/2006/relationships" xmlns:p="http://schemas.openxmlformats.org/presentationml/2006/main" show="0">
   <p:cSld>
     <p:spTree>
@@ -38828,7 +47262,7 @@
                 </a:solidFill>
               </a:rPr>
               <a:pPr/>
-              <a:t>25</a:t>
+              <a:t>36</a:t>
             </a:fld>
             <a:endParaRPr lang="ru-RU">
               <a:solidFill>
@@ -39912,7 +48346,7 @@
               <a:effectLst/>
               <a:extLst>
                 <a:ext uri="{C572A759-6A51-4108-AA02-DFA0A04FC94B}">
-                  <ma14:wrappingTextBoxFlag xmlns:ma14="http://schemas.microsoft.com/office/mac/drawingml/2011/main" xmlns="" val="1"/>
+                  <ma14:wrappingTextBoxFlag xmlns="" xmlns:ma14="http://schemas.microsoft.com/office/mac/drawingml/2011/main" val="1"/>
                 </a:ext>
               </a:extLst>
             </p:spPr>
@@ -40040,11 +48474,11 @@
   <p:clrMapOvr>
     <a:masterClrMapping/>
   </p:clrMapOvr>
-  <mc:AlternateContent xmlns:mc="http://schemas.openxmlformats.org/markup-compatibility/2006">
-    <mc:Choice xmlns:p14="http://schemas.microsoft.com/office/powerpoint/2010/main" Requires="p14">
+  <mc:AlternateContent xmlns:mc="http://schemas.openxmlformats.org/markup-compatibility/2006" xmlns:p14="http://schemas.microsoft.com/office/powerpoint/2010/main">
+    <mc:Choice Requires="p14">
       <p:transition spd="slow" p14:dur="2000"/>
     </mc:Choice>
-    <mc:Fallback>
+    <mc:Fallback xmlns="">
       <p:transition spd="slow"/>
     </mc:Fallback>
   </mc:AlternateContent>
@@ -40058,7 +48492,7 @@
 </p:sld>
 </file>
 
-<file path=ppt/slides/slide26.xml><?xml version="1.0" encoding="utf-8"?>
+<file path=ppt/slides/slide37.xml><?xml version="1.0" encoding="utf-8"?>
 <p:sld xmlns:a="http://schemas.openxmlformats.org/drawingml/2006/main" xmlns:r="http://schemas.openxmlformats.org/officeDocument/2006/relationships" xmlns:p="http://schemas.openxmlformats.org/presentationml/2006/main" show="0">
   <p:cSld>
     <p:spTree>
@@ -40120,7 +48554,7 @@
                 </a:solidFill>
               </a:rPr>
               <a:pPr/>
-              <a:t>26</a:t>
+              <a:t>37</a:t>
             </a:fld>
             <a:endParaRPr lang="ru-RU">
               <a:solidFill>
@@ -40684,7 +49118,7 @@
               <a:effectLst/>
               <a:extLst>
                 <a:ext uri="{C572A759-6A51-4108-AA02-DFA0A04FC94B}">
-                  <ma14:wrappingTextBoxFlag xmlns:ma14="http://schemas.microsoft.com/office/mac/drawingml/2011/main" xmlns="" val="1"/>
+                  <ma14:wrappingTextBoxFlag xmlns="" xmlns:ma14="http://schemas.microsoft.com/office/mac/drawingml/2011/main" val="1"/>
                 </a:ext>
               </a:extLst>
             </p:spPr>
@@ -40767,112 +49201,6 @@
   <p:transition spd="slow">
     <p:push dir="u"/>
   </p:transition>
-  <p:timing>
-    <p:tnLst>
-      <p:par>
-        <p:cTn id="1" dur="indefinite" restart="never" nodeType="tmRoot"/>
-      </p:par>
-    </p:tnLst>
-  </p:timing>
-</p:sld>
-</file>
-
-<file path=ppt/slides/slide3.xml><?xml version="1.0" encoding="utf-8"?>
-<p:sld xmlns:a="http://schemas.openxmlformats.org/drawingml/2006/main" xmlns:r="http://schemas.openxmlformats.org/officeDocument/2006/relationships" xmlns:p="http://schemas.openxmlformats.org/presentationml/2006/main">
-  <p:cSld>
-    <p:spTree>
-      <p:nvGrpSpPr>
-        <p:cNvPr id="1" name=""/>
-        <p:cNvGrpSpPr/>
-        <p:nvPr/>
-      </p:nvGrpSpPr>
-      <p:grpSpPr>
-        <a:xfrm>
-          <a:off x="0" y="0"/>
-          <a:ext cx="0" cy="0"/>
-          <a:chOff x="0" y="0"/>
-          <a:chExt cx="0" cy="0"/>
-        </a:xfrm>
-      </p:grpSpPr>
-      <p:sp>
-        <p:nvSpPr>
-          <p:cNvPr id="2" name="Заголовок 1"/>
-          <p:cNvSpPr>
-            <a:spLocks noGrp="1"/>
-          </p:cNvSpPr>
-          <p:nvPr>
-            <p:ph type="ctrTitle"/>
-          </p:nvPr>
-        </p:nvSpPr>
-        <p:spPr/>
-        <p:txBody>
-          <a:bodyPr/>
-          <a:lstStyle/>
-          <a:p>
-            <a:r>
-              <a:rPr lang="ru-RU" dirty="0"/>
-              <a:t>Техника безопасности при работе с кодом большого проекта</a:t>
-            </a:r>
-          </a:p>
-        </p:txBody>
-      </p:sp>
-      <p:sp>
-        <p:nvSpPr>
-          <p:cNvPr id="3" name="Подзаголовок 2"/>
-          <p:cNvSpPr>
-            <a:spLocks noGrp="1"/>
-          </p:cNvSpPr>
-          <p:nvPr>
-            <p:ph type="subTitle" idx="1"/>
-          </p:nvPr>
-        </p:nvSpPr>
-        <p:spPr/>
-        <p:txBody>
-          <a:bodyPr/>
-          <a:lstStyle/>
-          <a:p>
-            <a:r>
-              <a:rPr lang="ru-RU" dirty="0" smtClean="0"/>
-              <a:t>Илья Шишков</a:t>
-            </a:r>
-            <a:endParaRPr lang="ru-RU" dirty="0"/>
-          </a:p>
-        </p:txBody>
-      </p:sp>
-      <p:sp>
-        <p:nvSpPr>
-          <p:cNvPr id="4" name="Рисунок 3"/>
-          <p:cNvSpPr>
-            <a:spLocks noGrp="1"/>
-          </p:cNvSpPr>
-          <p:nvPr>
-            <p:ph type="pic" sz="quarter" idx="13"/>
-          </p:nvPr>
-        </p:nvSpPr>
-        <p:spPr/>
-      </p:sp>
-      <p:sp>
-        <p:nvSpPr>
-          <p:cNvPr id="5" name="Рисунок 4"/>
-          <p:cNvSpPr>
-            <a:spLocks noGrp="1"/>
-          </p:cNvSpPr>
-          <p:nvPr>
-            <p:ph type="pic" sz="quarter" idx="14"/>
-          </p:nvPr>
-        </p:nvSpPr>
-        <p:spPr/>
-      </p:sp>
-    </p:spTree>
-    <p:extLst>
-      <p:ext uri="{BB962C8B-B14F-4D97-AF65-F5344CB8AC3E}">
-        <p14:creationId xmlns:p14="http://schemas.microsoft.com/office/powerpoint/2010/main" val="1569643543"/>
-      </p:ext>
-    </p:extLst>
-  </p:cSld>
-  <p:clrMapOvr>
-    <a:masterClrMapping/>
-  </p:clrMapOvr>
   <p:timing>
     <p:tnLst>
       <p:par>

--- a/slides.pptx
+++ b/slides.pptx
@@ -286,7 +286,7 @@
           <a:p>
             <a:fld id="{A48BA324-014D-41B7-8E83-ECE8F197A959}" type="datetimeFigureOut">
               <a:rPr lang="ru-RU" smtClean="0"/>
-              <a:t>08.10.2017</a:t>
+              <a:t>12.10.2017</a:t>
             </a:fld>
             <a:endParaRPr lang="ru-RU"/>
           </a:p>
@@ -4950,7 +4950,7 @@
           </a:ln>
           <a:extLst>
             <a:ext uri="{C572A759-6A51-4108-AA02-DFA0A04FC94B}">
-              <ma14:wrappingTextBoxFlag xmlns="" xmlns:ma14="http://schemas.microsoft.com/office/mac/drawingml/2011/main" val="1"/>
+              <ma14:wrappingTextBoxFlag xmlns:ma14="http://schemas.microsoft.com/office/mac/drawingml/2011/main" xmlns="" val="1"/>
             </a:ext>
           </a:extLst>
         </p:spPr>
@@ -5445,7 +5445,7 @@
           </a:ln>
           <a:extLst>
             <a:ext uri="{C572A759-6A51-4108-AA02-DFA0A04FC94B}">
-              <ma14:wrappingTextBoxFlag xmlns="" xmlns:ma14="http://schemas.microsoft.com/office/mac/drawingml/2011/main" val="1"/>
+              <ma14:wrappingTextBoxFlag xmlns:ma14="http://schemas.microsoft.com/office/mac/drawingml/2011/main" xmlns="" val="1"/>
             </a:ext>
           </a:extLst>
         </p:spPr>
@@ -5591,7 +5591,7 @@
           </a:ln>
           <a:extLst>
             <a:ext uri="{C572A759-6A51-4108-AA02-DFA0A04FC94B}">
-              <ma14:wrappingTextBoxFlag xmlns="" xmlns:ma14="http://schemas.microsoft.com/office/mac/drawingml/2011/main" val="1"/>
+              <ma14:wrappingTextBoxFlag xmlns:ma14="http://schemas.microsoft.com/office/mac/drawingml/2011/main" xmlns="" val="1"/>
             </a:ext>
           </a:extLst>
         </p:spPr>
@@ -5633,7 +5633,7 @@
           </a:ln>
           <a:extLst>
             <a:ext uri="{C572A759-6A51-4108-AA02-DFA0A04FC94B}">
-              <ma14:wrappingTextBoxFlag xmlns="" xmlns:ma14="http://schemas.microsoft.com/office/mac/drawingml/2011/main" val="1"/>
+              <ma14:wrappingTextBoxFlag xmlns:ma14="http://schemas.microsoft.com/office/mac/drawingml/2011/main" xmlns="" val="1"/>
             </a:ext>
           </a:extLst>
         </p:spPr>
@@ -5829,7 +5829,7 @@
           </a:ln>
           <a:extLst>
             <a:ext uri="{C572A759-6A51-4108-AA02-DFA0A04FC94B}">
-              <ma14:wrappingTextBoxFlag xmlns="" xmlns:ma14="http://schemas.microsoft.com/office/mac/drawingml/2011/main" val="1"/>
+              <ma14:wrappingTextBoxFlag xmlns:ma14="http://schemas.microsoft.com/office/mac/drawingml/2011/main" xmlns="" val="1"/>
             </a:ext>
           </a:extLst>
         </p:spPr>
@@ -5953,7 +5953,7 @@
           </a:ln>
           <a:extLst>
             <a:ext uri="{C572A759-6A51-4108-AA02-DFA0A04FC94B}">
-              <ma14:wrappingTextBoxFlag xmlns="" xmlns:ma14="http://schemas.microsoft.com/office/mac/drawingml/2011/main" val="1"/>
+              <ma14:wrappingTextBoxFlag xmlns:ma14="http://schemas.microsoft.com/office/mac/drawingml/2011/main" xmlns="" val="1"/>
             </a:ext>
           </a:extLst>
         </p:spPr>
@@ -6047,7 +6047,7 @@
           </a:ln>
           <a:extLst>
             <a:ext uri="{C572A759-6A51-4108-AA02-DFA0A04FC94B}">
-              <ma14:wrappingTextBoxFlag xmlns="" xmlns:ma14="http://schemas.microsoft.com/office/mac/drawingml/2011/main" val="1"/>
+              <ma14:wrappingTextBoxFlag xmlns:ma14="http://schemas.microsoft.com/office/mac/drawingml/2011/main" xmlns="" val="1"/>
             </a:ext>
           </a:extLst>
         </p:spPr>
@@ -6338,7 +6338,7 @@
           </a:ln>
           <a:extLst>
             <a:ext uri="{C572A759-6A51-4108-AA02-DFA0A04FC94B}">
-              <ma14:wrappingTextBoxFlag xmlns="" xmlns:ma14="http://schemas.microsoft.com/office/mac/drawingml/2011/main" val="1"/>
+              <ma14:wrappingTextBoxFlag xmlns:ma14="http://schemas.microsoft.com/office/mac/drawingml/2011/main" xmlns="" val="1"/>
             </a:ext>
           </a:extLst>
         </p:spPr>
@@ -6829,7 +6829,7 @@
           </a:ln>
           <a:extLst>
             <a:ext uri="{C572A759-6A51-4108-AA02-DFA0A04FC94B}">
-              <ma14:wrappingTextBoxFlag xmlns="" xmlns:ma14="http://schemas.microsoft.com/office/mac/drawingml/2011/main" val="1"/>
+              <ma14:wrappingTextBoxFlag xmlns:ma14="http://schemas.microsoft.com/office/mac/drawingml/2011/main" xmlns="" val="1"/>
             </a:ext>
           </a:extLst>
         </p:spPr>
@@ -6888,7 +6888,7 @@
           </a:ln>
           <a:extLst>
             <a:ext uri="{C572A759-6A51-4108-AA02-DFA0A04FC94B}">
-              <ma14:wrappingTextBoxFlag xmlns="" xmlns:ma14="http://schemas.microsoft.com/office/mac/drawingml/2011/main" val="1"/>
+              <ma14:wrappingTextBoxFlag xmlns:ma14="http://schemas.microsoft.com/office/mac/drawingml/2011/main" xmlns="" val="1"/>
             </a:ext>
           </a:extLst>
         </p:spPr>
@@ -6997,7 +6997,7 @@
           </a:ln>
           <a:extLst>
             <a:ext uri="{C572A759-6A51-4108-AA02-DFA0A04FC94B}">
-              <ma14:wrappingTextBoxFlag xmlns="" xmlns:ma14="http://schemas.microsoft.com/office/mac/drawingml/2011/main" val="1"/>
+              <ma14:wrappingTextBoxFlag xmlns:ma14="http://schemas.microsoft.com/office/mac/drawingml/2011/main" xmlns="" val="1"/>
             </a:ext>
           </a:extLst>
         </p:spPr>
@@ -7058,7 +7058,7 @@
           </a:ln>
           <a:extLst>
             <a:ext uri="{C572A759-6A51-4108-AA02-DFA0A04FC94B}">
-              <ma14:wrappingTextBoxFlag xmlns="" xmlns:ma14="http://schemas.microsoft.com/office/mac/drawingml/2011/main" val="1"/>
+              <ma14:wrappingTextBoxFlag xmlns:ma14="http://schemas.microsoft.com/office/mac/drawingml/2011/main" xmlns="" val="1"/>
             </a:ext>
           </a:extLst>
         </p:spPr>
@@ -7138,7 +7138,7 @@
           </a:ln>
           <a:extLst>
             <a:ext uri="{C572A759-6A51-4108-AA02-DFA0A04FC94B}">
-              <ma14:wrappingTextBoxFlag xmlns="" xmlns:ma14="http://schemas.microsoft.com/office/mac/drawingml/2011/main" val="1"/>
+              <ma14:wrappingTextBoxFlag xmlns:ma14="http://schemas.microsoft.com/office/mac/drawingml/2011/main" xmlns="" val="1"/>
             </a:ext>
           </a:extLst>
         </p:spPr>
@@ -7209,7 +7209,7 @@
           </a:ln>
           <a:extLst>
             <a:ext uri="{C572A759-6A51-4108-AA02-DFA0A04FC94B}">
-              <ma14:wrappingTextBoxFlag xmlns="" xmlns:ma14="http://schemas.microsoft.com/office/mac/drawingml/2011/main" val="1"/>
+              <ma14:wrappingTextBoxFlag xmlns:ma14="http://schemas.microsoft.com/office/mac/drawingml/2011/main" xmlns="" val="1"/>
             </a:ext>
           </a:extLst>
         </p:spPr>
@@ -7265,7 +7265,7 @@
           </a:ln>
           <a:extLst>
             <a:ext uri="{C572A759-6A51-4108-AA02-DFA0A04FC94B}">
-              <ma14:wrappingTextBoxFlag xmlns="" xmlns:ma14="http://schemas.microsoft.com/office/mac/drawingml/2011/main" val="1"/>
+              <ma14:wrappingTextBoxFlag xmlns:ma14="http://schemas.microsoft.com/office/mac/drawingml/2011/main" xmlns="" val="1"/>
             </a:ext>
           </a:extLst>
         </p:spPr>
@@ -7321,7 +7321,7 @@
           </a:ln>
           <a:extLst>
             <a:ext uri="{C572A759-6A51-4108-AA02-DFA0A04FC94B}">
-              <ma14:wrappingTextBoxFlag xmlns="" xmlns:ma14="http://schemas.microsoft.com/office/mac/drawingml/2011/main" val="1"/>
+              <ma14:wrappingTextBoxFlag xmlns:ma14="http://schemas.microsoft.com/office/mac/drawingml/2011/main" xmlns="" val="1"/>
             </a:ext>
           </a:extLst>
         </p:spPr>
@@ -15169,7 +15169,7 @@
           </a:ln>
           <a:extLst>
             <a:ext uri="{C572A759-6A51-4108-AA02-DFA0A04FC94B}">
-              <ma14:wrappingTextBoxFlag xmlns="" xmlns:ma14="http://schemas.microsoft.com/office/mac/drawingml/2011/main" val="1"/>
+              <ma14:wrappingTextBoxFlag xmlns:ma14="http://schemas.microsoft.com/office/mac/drawingml/2011/main" xmlns="" val="1"/>
             </a:ext>
           </a:extLst>
         </p:spPr>
@@ -15627,7 +15627,7 @@
           </a:ln>
           <a:extLst>
             <a:ext uri="{C572A759-6A51-4108-AA02-DFA0A04FC94B}">
-              <ma14:wrappingTextBoxFlag xmlns="" xmlns:ma14="http://schemas.microsoft.com/office/mac/drawingml/2011/main" val="1"/>
+              <ma14:wrappingTextBoxFlag xmlns:ma14="http://schemas.microsoft.com/office/mac/drawingml/2011/main" xmlns="" val="1"/>
             </a:ext>
           </a:extLst>
         </p:spPr>
@@ -15863,7 +15863,7 @@
           </a:ln>
           <a:extLst>
             <a:ext uri="{C572A759-6A51-4108-AA02-DFA0A04FC94B}">
-              <ma14:wrappingTextBoxFlag xmlns="" xmlns:ma14="http://schemas.microsoft.com/office/mac/drawingml/2011/main" val="1"/>
+              <ma14:wrappingTextBoxFlag xmlns:ma14="http://schemas.microsoft.com/office/mac/drawingml/2011/main" xmlns="" val="1"/>
             </a:ext>
           </a:extLst>
         </p:spPr>
@@ -15910,7 +15910,7 @@
           </a:ln>
           <a:extLst>
             <a:ext uri="{C572A759-6A51-4108-AA02-DFA0A04FC94B}">
-              <ma14:wrappingTextBoxFlag xmlns="" xmlns:ma14="http://schemas.microsoft.com/office/mac/drawingml/2011/main" val="1"/>
+              <ma14:wrappingTextBoxFlag xmlns:ma14="http://schemas.microsoft.com/office/mac/drawingml/2011/main" xmlns="" val="1"/>
             </a:ext>
           </a:extLst>
         </p:spPr>
@@ -16142,7 +16142,7 @@
           </a:ln>
           <a:extLst>
             <a:ext uri="{C572A759-6A51-4108-AA02-DFA0A04FC94B}">
-              <ma14:wrappingTextBoxFlag xmlns="" xmlns:ma14="http://schemas.microsoft.com/office/mac/drawingml/2011/main" val="1"/>
+              <ma14:wrappingTextBoxFlag xmlns:ma14="http://schemas.microsoft.com/office/mac/drawingml/2011/main" xmlns="" val="1"/>
             </a:ext>
           </a:extLst>
         </p:spPr>
@@ -16272,7 +16272,7 @@
           </a:ln>
           <a:extLst>
             <a:ext uri="{C572A759-6A51-4108-AA02-DFA0A04FC94B}">
-              <ma14:wrappingTextBoxFlag xmlns="" xmlns:ma14="http://schemas.microsoft.com/office/mac/drawingml/2011/main" val="1"/>
+              <ma14:wrappingTextBoxFlag xmlns:ma14="http://schemas.microsoft.com/office/mac/drawingml/2011/main" xmlns="" val="1"/>
             </a:ext>
           </a:extLst>
         </p:spPr>
@@ -16387,7 +16387,7 @@
           </a:ln>
           <a:extLst>
             <a:ext uri="{C572A759-6A51-4108-AA02-DFA0A04FC94B}">
-              <ma14:wrappingTextBoxFlag xmlns="" xmlns:ma14="http://schemas.microsoft.com/office/mac/drawingml/2011/main" val="1"/>
+              <ma14:wrappingTextBoxFlag xmlns:ma14="http://schemas.microsoft.com/office/mac/drawingml/2011/main" xmlns="" val="1"/>
             </a:ext>
           </a:extLst>
         </p:spPr>
@@ -16827,7 +16827,7 @@
           </a:ln>
           <a:extLst>
             <a:ext uri="{C572A759-6A51-4108-AA02-DFA0A04FC94B}">
-              <ma14:wrappingTextBoxFlag xmlns="" xmlns:ma14="http://schemas.microsoft.com/office/mac/drawingml/2011/main" val="1"/>
+              <ma14:wrappingTextBoxFlag xmlns:ma14="http://schemas.microsoft.com/office/mac/drawingml/2011/main" xmlns="" val="1"/>
             </a:ext>
           </a:extLst>
         </p:spPr>
@@ -17093,7 +17093,7 @@
           </a:ln>
           <a:extLst>
             <a:ext uri="{C572A759-6A51-4108-AA02-DFA0A04FC94B}">
-              <ma14:wrappingTextBoxFlag xmlns="" xmlns:ma14="http://schemas.microsoft.com/office/mac/drawingml/2011/main" val="1"/>
+              <ma14:wrappingTextBoxFlag xmlns:ma14="http://schemas.microsoft.com/office/mac/drawingml/2011/main" xmlns="" val="1"/>
             </a:ext>
           </a:extLst>
         </p:spPr>
@@ -17165,7 +17165,7 @@
             </a:ln>
             <a:extLst>
               <a:ext uri="{C572A759-6A51-4108-AA02-DFA0A04FC94B}">
-                <ma14:wrappingTextBoxFlag xmlns="" xmlns:ma14="http://schemas.microsoft.com/office/mac/drawingml/2011/main" val="1"/>
+                <ma14:wrappingTextBoxFlag xmlns:ma14="http://schemas.microsoft.com/office/mac/drawingml/2011/main" xmlns="" val="1"/>
               </a:ext>
             </a:extLst>
           </p:spPr>
@@ -17242,7 +17242,7 @@
             </a:ln>
             <a:extLst>
               <a:ext uri="{C572A759-6A51-4108-AA02-DFA0A04FC94B}">
-                <ma14:wrappingTextBoxFlag xmlns="" xmlns:ma14="http://schemas.microsoft.com/office/mac/drawingml/2011/main" val="1"/>
+                <ma14:wrappingTextBoxFlag xmlns:ma14="http://schemas.microsoft.com/office/mac/drawingml/2011/main" xmlns="" val="1"/>
               </a:ext>
             </a:extLst>
           </p:spPr>
@@ -17347,7 +17347,7 @@
             </a:ln>
             <a:extLst>
               <a:ext uri="{C572A759-6A51-4108-AA02-DFA0A04FC94B}">
-                <ma14:wrappingTextBoxFlag xmlns="" xmlns:ma14="http://schemas.microsoft.com/office/mac/drawingml/2011/main" val="1"/>
+                <ma14:wrappingTextBoxFlag xmlns:ma14="http://schemas.microsoft.com/office/mac/drawingml/2011/main" xmlns="" val="1"/>
               </a:ext>
             </a:extLst>
           </p:spPr>
@@ -17427,7 +17427,7 @@
             </a:ln>
             <a:extLst>
               <a:ext uri="{C572A759-6A51-4108-AA02-DFA0A04FC94B}">
-                <ma14:wrappingTextBoxFlag xmlns="" xmlns:ma14="http://schemas.microsoft.com/office/mac/drawingml/2011/main" val="1"/>
+                <ma14:wrappingTextBoxFlag xmlns:ma14="http://schemas.microsoft.com/office/mac/drawingml/2011/main" xmlns="" val="1"/>
               </a:ext>
             </a:extLst>
           </p:spPr>
@@ -17498,7 +17498,7 @@
             </a:ln>
             <a:extLst>
               <a:ext uri="{C572A759-6A51-4108-AA02-DFA0A04FC94B}">
-                <ma14:wrappingTextBoxFlag xmlns="" xmlns:ma14="http://schemas.microsoft.com/office/mac/drawingml/2011/main" val="1"/>
+                <ma14:wrappingTextBoxFlag xmlns:ma14="http://schemas.microsoft.com/office/mac/drawingml/2011/main" xmlns="" val="1"/>
               </a:ext>
             </a:extLst>
           </p:spPr>
@@ -17561,7 +17561,7 @@
             </a:ln>
             <a:extLst>
               <a:ext uri="{C572A759-6A51-4108-AA02-DFA0A04FC94B}">
-                <ma14:wrappingTextBoxFlag xmlns="" xmlns:ma14="http://schemas.microsoft.com/office/mac/drawingml/2011/main" val="1"/>
+                <ma14:wrappingTextBoxFlag xmlns:ma14="http://schemas.microsoft.com/office/mac/drawingml/2011/main" xmlns="" val="1"/>
               </a:ext>
             </a:extLst>
           </p:spPr>
@@ -23419,7 +23419,7 @@
   <p:clrMapOvr>
     <a:masterClrMapping/>
   </p:clrMapOvr>
-  <p:transition spd="slow">
+  <p:transition spd="med">
     <p:push dir="u"/>
   </p:transition>
   <p:timing>
@@ -28714,150 +28714,6 @@
               </a:rPr>
               <a:t>            </a:t>
             </a:r>
-            <a:r>
-              <a:rPr lang="ru-RU" altLang="ru-RU" dirty="0" err="1" smtClean="0">
-                <a:solidFill>
-                  <a:srgbClr val="FFFFFF"/>
-                </a:solidFill>
-                <a:latin typeface="Verdana" panose="020B0604030504040204" pitchFamily="34" charset="0"/>
-              </a:rPr>
-              <a:t>auto</a:t>
-            </a:r>
-            <a:r>
-              <a:rPr lang="ru-RU" altLang="ru-RU" dirty="0" smtClean="0">
-                <a:solidFill>
-                  <a:srgbClr val="FFFFFF"/>
-                </a:solidFill>
-                <a:latin typeface="Verdana" panose="020B0604030504040204" pitchFamily="34" charset="0"/>
-              </a:rPr>
-              <a:t> </a:t>
-            </a:r>
-            <a:r>
-              <a:rPr lang="ru-RU" altLang="ru-RU" dirty="0" err="1" smtClean="0">
-                <a:solidFill>
-                  <a:srgbClr val="5BCD9D"/>
-                </a:solidFill>
-                <a:latin typeface="Verdana" panose="020B0604030504040204" pitchFamily="34" charset="0"/>
-              </a:rPr>
-              <a:t>response</a:t>
-            </a:r>
-            <a:r>
-              <a:rPr lang="ru-RU" altLang="ru-RU" dirty="0" smtClean="0">
-                <a:solidFill>
-                  <a:srgbClr val="5BCD9D"/>
-                </a:solidFill>
-                <a:latin typeface="Verdana" panose="020B0604030504040204" pitchFamily="34" charset="0"/>
-              </a:rPr>
-              <a:t> </a:t>
-            </a:r>
-            <a:r>
-              <a:rPr lang="ru-RU" altLang="ru-RU" dirty="0" smtClean="0">
-                <a:solidFill>
-                  <a:srgbClr val="FFFFFF"/>
-                </a:solidFill>
-                <a:latin typeface="Verdana" panose="020B0604030504040204" pitchFamily="34" charset="0"/>
-              </a:rPr>
-              <a:t>= </a:t>
-            </a:r>
-            <a:r>
-              <a:rPr lang="ru-RU" altLang="ru-RU" dirty="0" err="1" smtClean="0">
-                <a:solidFill>
-                  <a:srgbClr val="9E64A9"/>
-                </a:solidFill>
-                <a:latin typeface="Verdana" panose="020B0604030504040204" pitchFamily="34" charset="0"/>
-              </a:rPr>
-              <a:t>std</a:t>
-            </a:r>
-            <a:r>
-              <a:rPr lang="ru-RU" altLang="ru-RU" dirty="0" smtClean="0">
-                <a:solidFill>
-                  <a:srgbClr val="FFFFFF"/>
-                </a:solidFill>
-                <a:latin typeface="Verdana" panose="020B0604030504040204" pitchFamily="34" charset="0"/>
-              </a:rPr>
-              <a:t>::</a:t>
-            </a:r>
-            <a:r>
-              <a:rPr lang="ru-RU" altLang="ru-RU" dirty="0" err="1" smtClean="0">
-                <a:solidFill>
-                  <a:srgbClr val="FFCC00"/>
-                </a:solidFill>
-                <a:latin typeface="Verdana" panose="020B0604030504040204" pitchFamily="34" charset="0"/>
-              </a:rPr>
-              <a:t>to_string</a:t>
-            </a:r>
-            <a:r>
-              <a:rPr lang="ru-RU" altLang="ru-RU" dirty="0" smtClean="0">
-                <a:solidFill>
-                  <a:srgbClr val="FFFFFF"/>
-                </a:solidFill>
-                <a:latin typeface="Verdana" panose="020B0604030504040204" pitchFamily="34" charset="0"/>
-              </a:rPr>
-              <a:t>(</a:t>
-            </a:r>
-            <a:r>
-              <a:rPr lang="ru-RU" altLang="ru-RU" dirty="0" err="1" smtClean="0">
-                <a:solidFill>
-                  <a:srgbClr val="5BCD9D"/>
-                </a:solidFill>
-                <a:latin typeface="Verdana" panose="020B0604030504040204" pitchFamily="34" charset="0"/>
-              </a:rPr>
-              <a:t>comments</a:t>
-            </a:r>
-            <a:r>
-              <a:rPr lang="ru-RU" altLang="ru-RU" dirty="0" smtClean="0">
-                <a:solidFill>
-                  <a:srgbClr val="5BCD9D"/>
-                </a:solidFill>
-                <a:latin typeface="Verdana" panose="020B0604030504040204" pitchFamily="34" charset="0"/>
-              </a:rPr>
-              <a:t>_</a:t>
-            </a:r>
-            <a:r>
-              <a:rPr lang="ru-RU" altLang="ru-RU" dirty="0" smtClean="0">
-                <a:solidFill>
-                  <a:srgbClr val="FFFFFF"/>
-                </a:solidFill>
-                <a:latin typeface="Verdana" panose="020B0604030504040204" pitchFamily="34" charset="0"/>
-              </a:rPr>
-              <a:t>.</a:t>
-            </a:r>
-            <a:r>
-              <a:rPr lang="ru-RU" altLang="ru-RU" dirty="0" err="1" smtClean="0">
-                <a:solidFill>
-                  <a:srgbClr val="FFCC00"/>
-                </a:solidFill>
-                <a:latin typeface="Verdana" panose="020B0604030504040204" pitchFamily="34" charset="0"/>
-              </a:rPr>
-              <a:t>size</a:t>
-            </a:r>
-            <a:r>
-              <a:rPr lang="ru-RU" altLang="ru-RU" dirty="0" smtClean="0">
-                <a:solidFill>
-                  <a:srgbClr val="FFFFFF"/>
-                </a:solidFill>
-                <a:latin typeface="Verdana" panose="020B0604030504040204" pitchFamily="34" charset="0"/>
-              </a:rPr>
-              <a:t>() - </a:t>
-            </a:r>
-            <a:r>
-              <a:rPr lang="ru-RU" altLang="ru-RU" dirty="0" smtClean="0">
-                <a:solidFill>
-                  <a:srgbClr val="6897BB"/>
-                </a:solidFill>
-                <a:latin typeface="Verdana" panose="020B0604030504040204" pitchFamily="34" charset="0"/>
-              </a:rPr>
-              <a:t>1</a:t>
-            </a:r>
-            <a:r>
-              <a:rPr lang="ru-RU" altLang="ru-RU" dirty="0" smtClean="0">
-                <a:solidFill>
-                  <a:srgbClr val="FFFFFF"/>
-                </a:solidFill>
-                <a:latin typeface="Verdana" panose="020B0604030504040204" pitchFamily="34" charset="0"/>
-              </a:rPr>
-              <a:t>);</a:t>
-            </a:r>
             <a:br>
               <a:rPr lang="ru-RU" altLang="ru-RU" dirty="0" smtClean="0">
                 <a:solidFill>
@@ -29399,6 +29255,304 @@
               <a:solidFill>
                 <a:schemeClr val="tx1"/>
               </a:solidFill>
+              <a:latin typeface="Arial" panose="020B0604020202020204" pitchFamily="34" charset="0"/>
+            </a:endParaRPr>
+          </a:p>
+        </p:txBody>
+      </p:sp>
+      <p:sp>
+        <p:nvSpPr>
+          <p:cNvPr id="6" name="TextBox 5"/>
+          <p:cNvSpPr txBox="1"/>
+          <p:nvPr/>
+        </p:nvSpPr>
+        <p:spPr>
+          <a:xfrm>
+            <a:off x="3032125" y="3805200"/>
+            <a:ext cx="13201884" cy="2585323"/>
+          </a:xfrm>
+          <a:prstGeom prst="rect">
+            <a:avLst/>
+          </a:prstGeom>
+          <a:noFill/>
+        </p:spPr>
+        <p:txBody>
+          <a:bodyPr wrap="none" rtlCol="0">
+            <a:spAutoFit/>
+          </a:bodyPr>
+          <a:lstStyle/>
+          <a:p>
+            <a:pPr lvl="0" defTabSz="914400" eaLnBrk="0" fontAlgn="base" hangingPunct="0">
+              <a:lnSpc>
+                <a:spcPct val="150000"/>
+              </a:lnSpc>
+              <a:spcBef>
+                <a:spcPct val="0"/>
+              </a:spcBef>
+              <a:spcAft>
+                <a:spcPct val="0"/>
+              </a:spcAft>
+            </a:pPr>
+            <a:r>
+              <a:rPr lang="ru-RU" altLang="ru-RU" dirty="0" err="1">
+                <a:solidFill>
+                  <a:srgbClr val="FFCC00"/>
+                </a:solidFill>
+                <a:latin typeface="Verdana" panose="020B0604030504040204" pitchFamily="34" charset="0"/>
+              </a:rPr>
+              <a:t>HttpResponse</a:t>
+            </a:r>
+            <a:r>
+              <a:rPr lang="ru-RU" altLang="ru-RU" dirty="0">
+                <a:solidFill>
+                  <a:srgbClr val="FFCC00"/>
+                </a:solidFill>
+                <a:latin typeface="Verdana" panose="020B0604030504040204" pitchFamily="34" charset="0"/>
+              </a:rPr>
+              <a:t> </a:t>
+            </a:r>
+            <a:r>
+              <a:rPr lang="ru-RU" altLang="ru-RU" dirty="0" err="1">
+                <a:solidFill>
+                  <a:srgbClr val="5BCD9D"/>
+                </a:solidFill>
+                <a:latin typeface="Verdana" panose="020B0604030504040204" pitchFamily="34" charset="0"/>
+              </a:rPr>
+              <a:t>resp</a:t>
+            </a:r>
+            <a:r>
+              <a:rPr lang="ru-RU" altLang="ru-RU" dirty="0">
+                <a:solidFill>
+                  <a:srgbClr val="FFFFFF"/>
+                </a:solidFill>
+                <a:latin typeface="Verdana" panose="020B0604030504040204" pitchFamily="34" charset="0"/>
+              </a:rPr>
+              <a:t>(</a:t>
+            </a:r>
+            <a:r>
+              <a:rPr lang="ru-RU" altLang="ru-RU" dirty="0">
+                <a:solidFill>
+                  <a:srgbClr val="6897BB"/>
+                </a:solidFill>
+                <a:latin typeface="Verdana" panose="020B0604030504040204" pitchFamily="34" charset="0"/>
+              </a:rPr>
+              <a:t>200</a:t>
+            </a:r>
+            <a:r>
+              <a:rPr lang="ru-RU" altLang="ru-RU" dirty="0" smtClean="0">
+                <a:solidFill>
+                  <a:srgbClr val="FFFFFF"/>
+                </a:solidFill>
+                <a:latin typeface="Verdana" panose="020B0604030504040204" pitchFamily="34" charset="0"/>
+              </a:rPr>
+              <a:t>);</a:t>
+            </a:r>
+            <a:r>
+              <a:rPr lang="ru-RU" altLang="ru-RU" dirty="0">
+                <a:solidFill>
+                  <a:srgbClr val="FFFFFF"/>
+                </a:solidFill>
+                <a:latin typeface="Verdana" panose="020B0604030504040204" pitchFamily="34" charset="0"/>
+              </a:rPr>
+              <a:t/>
+            </a:r>
+            <a:br>
+              <a:rPr lang="ru-RU" altLang="ru-RU" dirty="0">
+                <a:solidFill>
+                  <a:srgbClr val="FFFFFF"/>
+                </a:solidFill>
+                <a:latin typeface="Verdana" panose="020B0604030504040204" pitchFamily="34" charset="0"/>
+              </a:rPr>
+            </a:br>
+            <a:r>
+              <a:rPr lang="ru-RU" altLang="ru-RU" dirty="0" err="1">
+                <a:solidFill>
+                  <a:srgbClr val="5BCD9D"/>
+                </a:solidFill>
+                <a:latin typeface="Verdana" panose="020B0604030504040204" pitchFamily="34" charset="0"/>
+              </a:rPr>
+              <a:t>resp</a:t>
+            </a:r>
+            <a:r>
+              <a:rPr lang="ru-RU" altLang="ru-RU" dirty="0" err="1">
+                <a:solidFill>
+                  <a:srgbClr val="FFFFFF"/>
+                </a:solidFill>
+                <a:latin typeface="Verdana" panose="020B0604030504040204" pitchFamily="34" charset="0"/>
+              </a:rPr>
+              <a:t>.</a:t>
+            </a:r>
+            <a:r>
+              <a:rPr lang="ru-RU" altLang="ru-RU" dirty="0" err="1">
+                <a:solidFill>
+                  <a:srgbClr val="FFCC00"/>
+                </a:solidFill>
+                <a:latin typeface="Verdana" panose="020B0604030504040204" pitchFamily="34" charset="0"/>
+              </a:rPr>
+              <a:t>SetContent</a:t>
+            </a:r>
+            <a:r>
+              <a:rPr lang="ru-RU" altLang="ru-RU" dirty="0">
+                <a:solidFill>
+                  <a:srgbClr val="FFFFFF"/>
+                </a:solidFill>
+                <a:latin typeface="Verdana" panose="020B0604030504040204" pitchFamily="34" charset="0"/>
+              </a:rPr>
+              <a:t>(</a:t>
+            </a:r>
+            <a:r>
+              <a:rPr lang="ru-RU" altLang="ru-RU" dirty="0" err="1">
+                <a:solidFill>
+                  <a:srgbClr val="9E64A9"/>
+                </a:solidFill>
+                <a:latin typeface="Verdana" panose="020B0604030504040204" pitchFamily="34" charset="0"/>
+              </a:rPr>
+              <a:t>std</a:t>
+            </a:r>
+            <a:r>
+              <a:rPr lang="ru-RU" altLang="ru-RU" dirty="0">
+                <a:solidFill>
+                  <a:srgbClr val="FFFFFF"/>
+                </a:solidFill>
+                <a:latin typeface="Verdana" panose="020B0604030504040204" pitchFamily="34" charset="0"/>
+              </a:rPr>
+              <a:t>::</a:t>
+            </a:r>
+            <a:r>
+              <a:rPr lang="ru-RU" altLang="ru-RU" dirty="0" err="1">
+                <a:solidFill>
+                  <a:srgbClr val="FFCC00"/>
+                </a:solidFill>
+                <a:latin typeface="Verdana" panose="020B0604030504040204" pitchFamily="34" charset="0"/>
+              </a:rPr>
+              <a:t>to_string</a:t>
+            </a:r>
+            <a:r>
+              <a:rPr lang="ru-RU" altLang="ru-RU" dirty="0">
+                <a:solidFill>
+                  <a:srgbClr val="FFFFFF"/>
+                </a:solidFill>
+                <a:latin typeface="Verdana" panose="020B0604030504040204" pitchFamily="34" charset="0"/>
+              </a:rPr>
+              <a:t>(</a:t>
+            </a:r>
+            <a:r>
+              <a:rPr lang="ru-RU" altLang="ru-RU" dirty="0" err="1">
+                <a:solidFill>
+                  <a:srgbClr val="5BCD9D"/>
+                </a:solidFill>
+                <a:latin typeface="Verdana" panose="020B0604030504040204" pitchFamily="34" charset="0"/>
+              </a:rPr>
+              <a:t>comments</a:t>
+            </a:r>
+            <a:r>
+              <a:rPr lang="ru-RU" altLang="ru-RU" dirty="0">
+                <a:solidFill>
+                  <a:srgbClr val="5BCD9D"/>
+                </a:solidFill>
+                <a:latin typeface="Verdana" panose="020B0604030504040204" pitchFamily="34" charset="0"/>
+              </a:rPr>
+              <a:t>_</a:t>
+            </a:r>
+            <a:r>
+              <a:rPr lang="ru-RU" altLang="ru-RU" dirty="0">
+                <a:solidFill>
+                  <a:srgbClr val="FFFFFF"/>
+                </a:solidFill>
+                <a:latin typeface="Verdana" panose="020B0604030504040204" pitchFamily="34" charset="0"/>
+              </a:rPr>
+              <a:t>.</a:t>
+            </a:r>
+            <a:r>
+              <a:rPr lang="ru-RU" altLang="ru-RU" dirty="0" err="1">
+                <a:solidFill>
+                  <a:srgbClr val="FFCC00"/>
+                </a:solidFill>
+                <a:latin typeface="Verdana" panose="020B0604030504040204" pitchFamily="34" charset="0"/>
+              </a:rPr>
+              <a:t>size</a:t>
+            </a:r>
+            <a:r>
+              <a:rPr lang="ru-RU" altLang="ru-RU" dirty="0">
+                <a:solidFill>
+                  <a:srgbClr val="FFFFFF"/>
+                </a:solidFill>
+                <a:latin typeface="Verdana" panose="020B0604030504040204" pitchFamily="34" charset="0"/>
+              </a:rPr>
+              <a:t>() - </a:t>
+            </a:r>
+            <a:r>
+              <a:rPr lang="ru-RU" altLang="ru-RU" dirty="0">
+                <a:solidFill>
+                  <a:srgbClr val="6897BB"/>
+                </a:solidFill>
+                <a:latin typeface="Verdana" panose="020B0604030504040204" pitchFamily="34" charset="0"/>
+              </a:rPr>
+              <a:t>1</a:t>
+            </a:r>
+            <a:r>
+              <a:rPr lang="ru-RU" altLang="ru-RU" dirty="0">
+                <a:solidFill>
+                  <a:srgbClr val="FFFFFF"/>
+                </a:solidFill>
+                <a:latin typeface="Verdana" panose="020B0604030504040204" pitchFamily="34" charset="0"/>
+              </a:rPr>
+              <a:t>));</a:t>
+            </a:r>
+            <a:br>
+              <a:rPr lang="ru-RU" altLang="ru-RU" dirty="0">
+                <a:solidFill>
+                  <a:srgbClr val="FFFFFF"/>
+                </a:solidFill>
+                <a:latin typeface="Verdana" panose="020B0604030504040204" pitchFamily="34" charset="0"/>
+              </a:rPr>
+            </a:br>
+            <a:r>
+              <a:rPr lang="ru-RU" altLang="ru-RU" dirty="0" err="1">
+                <a:solidFill>
+                  <a:srgbClr val="5BCD9D"/>
+                </a:solidFill>
+                <a:latin typeface="Verdana" panose="020B0604030504040204" pitchFamily="34" charset="0"/>
+              </a:rPr>
+              <a:t>os</a:t>
+            </a:r>
+            <a:r>
+              <a:rPr lang="ru-RU" altLang="ru-RU" dirty="0">
+                <a:solidFill>
+                  <a:srgbClr val="5BCD9D"/>
+                </a:solidFill>
+                <a:latin typeface="Verdana" panose="020B0604030504040204" pitchFamily="34" charset="0"/>
+              </a:rPr>
+              <a:t> </a:t>
+            </a:r>
+            <a:r>
+              <a:rPr lang="ru-RU" altLang="ru-RU" dirty="0">
+                <a:solidFill>
+                  <a:srgbClr val="FFFFFF"/>
+                </a:solidFill>
+                <a:latin typeface="Verdana" panose="020B0604030504040204" pitchFamily="34" charset="0"/>
+              </a:rPr>
+              <a:t>&lt;&lt; </a:t>
+            </a:r>
+            <a:r>
+              <a:rPr lang="ru-RU" altLang="ru-RU" dirty="0" err="1">
+                <a:solidFill>
+                  <a:srgbClr val="5BCD9D"/>
+                </a:solidFill>
+                <a:latin typeface="Verdana" panose="020B0604030504040204" pitchFamily="34" charset="0"/>
+              </a:rPr>
+              <a:t>resp</a:t>
+            </a:r>
+            <a:r>
+              <a:rPr lang="ru-RU" altLang="ru-RU" dirty="0" smtClean="0">
+                <a:solidFill>
+                  <a:srgbClr val="FFFFFF"/>
+                </a:solidFill>
+                <a:latin typeface="Verdana" panose="020B0604030504040204" pitchFamily="34" charset="0"/>
+              </a:rPr>
+              <a:t>;</a:t>
+            </a:r>
+            <a:endParaRPr lang="ru-RU" altLang="ru-RU" sz="6600" dirty="0">
               <a:latin typeface="Arial" panose="020B0604020202020204" pitchFamily="34" charset="0"/>
             </a:endParaRPr>
           </a:p>
@@ -29584,8 +29738,8 @@
         </p:nvSpPr>
         <p:spPr>
           <a:xfrm>
-            <a:off x="3032125" y="4586268"/>
-            <a:ext cx="13530755" cy="3416320"/>
+            <a:off x="3032806" y="3805200"/>
+            <a:ext cx="13206949" cy="4151008"/>
           </a:xfrm>
           <a:prstGeom prst="rect">
             <a:avLst/>
@@ -29606,14 +29760,171 @@
             <a:r>
               <a:rPr lang="ru-RU" altLang="ru-RU" dirty="0" err="1">
                 <a:solidFill>
+                  <a:srgbClr val="FFFFFF"/>
+                </a:solidFill>
+                <a:latin typeface="Verdana" panose="020B0604030504040204" pitchFamily="34" charset="0"/>
+              </a:rPr>
+              <a:t>auto</a:t>
+            </a:r>
+            <a:r>
+              <a:rPr lang="ru-RU" altLang="ru-RU" dirty="0">
+                <a:solidFill>
+                  <a:srgbClr val="FFFFFF"/>
+                </a:solidFill>
+                <a:latin typeface="Verdana" panose="020B0604030504040204" pitchFamily="34" charset="0"/>
+              </a:rPr>
+              <a:t> </a:t>
+            </a:r>
+            <a:r>
+              <a:rPr lang="ru-RU" altLang="ru-RU" dirty="0" err="1">
+                <a:solidFill>
                   <a:srgbClr val="5BCD9D"/>
                 </a:solidFill>
                 <a:latin typeface="Verdana" panose="020B0604030504040204" pitchFamily="34" charset="0"/>
               </a:rPr>
+              <a:t>response</a:t>
+            </a:r>
+            <a:r>
+              <a:rPr lang="ru-RU" altLang="ru-RU" dirty="0">
+                <a:solidFill>
+                  <a:srgbClr val="5BCD9D"/>
+                </a:solidFill>
+                <a:latin typeface="Verdana" panose="020B0604030504040204" pitchFamily="34" charset="0"/>
+              </a:rPr>
+              <a:t> </a:t>
+            </a:r>
+            <a:r>
+              <a:rPr lang="ru-RU" altLang="ru-RU" dirty="0">
+                <a:solidFill>
+                  <a:srgbClr val="FFFFFF"/>
+                </a:solidFill>
+                <a:latin typeface="Verdana" panose="020B0604030504040204" pitchFamily="34" charset="0"/>
+              </a:rPr>
+              <a:t>= </a:t>
+            </a:r>
+            <a:r>
+              <a:rPr lang="ru-RU" altLang="ru-RU" dirty="0" err="1">
+                <a:solidFill>
+                  <a:srgbClr val="9E64A9"/>
+                </a:solidFill>
+                <a:latin typeface="Verdana" panose="020B0604030504040204" pitchFamily="34" charset="0"/>
+              </a:rPr>
+              <a:t>std</a:t>
+            </a:r>
+            <a:r>
+              <a:rPr lang="ru-RU" altLang="ru-RU" dirty="0">
+                <a:solidFill>
+                  <a:srgbClr val="FFFFFF"/>
+                </a:solidFill>
+                <a:latin typeface="Verdana" panose="020B0604030504040204" pitchFamily="34" charset="0"/>
+              </a:rPr>
+              <a:t>::</a:t>
+            </a:r>
+            <a:r>
+              <a:rPr lang="ru-RU" altLang="ru-RU" dirty="0" err="1">
+                <a:solidFill>
+                  <a:srgbClr val="FFCC00"/>
+                </a:solidFill>
+                <a:latin typeface="Verdana" panose="020B0604030504040204" pitchFamily="34" charset="0"/>
+              </a:rPr>
+              <a:t>to_string</a:t>
+            </a:r>
+            <a:r>
+              <a:rPr lang="ru-RU" altLang="ru-RU" dirty="0">
+                <a:solidFill>
+                  <a:srgbClr val="FFFFFF"/>
+                </a:solidFill>
+                <a:latin typeface="Verdana" panose="020B0604030504040204" pitchFamily="34" charset="0"/>
+              </a:rPr>
+              <a:t>(</a:t>
+            </a:r>
+            <a:r>
+              <a:rPr lang="ru-RU" altLang="ru-RU" dirty="0" err="1">
+                <a:solidFill>
+                  <a:srgbClr val="5BCD9D"/>
+                </a:solidFill>
+                <a:latin typeface="Verdana" panose="020B0604030504040204" pitchFamily="34" charset="0"/>
+              </a:rPr>
+              <a:t>comments</a:t>
+            </a:r>
+            <a:r>
+              <a:rPr lang="ru-RU" altLang="ru-RU" dirty="0">
+                <a:solidFill>
+                  <a:srgbClr val="5BCD9D"/>
+                </a:solidFill>
+                <a:latin typeface="Verdana" panose="020B0604030504040204" pitchFamily="34" charset="0"/>
+              </a:rPr>
+              <a:t>_</a:t>
+            </a:r>
+            <a:r>
+              <a:rPr lang="ru-RU" altLang="ru-RU" dirty="0">
+                <a:solidFill>
+                  <a:srgbClr val="FFFFFF"/>
+                </a:solidFill>
+                <a:latin typeface="Verdana" panose="020B0604030504040204" pitchFamily="34" charset="0"/>
+              </a:rPr>
+              <a:t>.</a:t>
+            </a:r>
+            <a:r>
+              <a:rPr lang="ru-RU" altLang="ru-RU" dirty="0" err="1">
+                <a:solidFill>
+                  <a:srgbClr val="FFCC00"/>
+                </a:solidFill>
+                <a:latin typeface="Verdana" panose="020B0604030504040204" pitchFamily="34" charset="0"/>
+              </a:rPr>
+              <a:t>size</a:t>
+            </a:r>
+            <a:r>
+              <a:rPr lang="ru-RU" altLang="ru-RU" dirty="0">
+                <a:solidFill>
+                  <a:srgbClr val="FFFFFF"/>
+                </a:solidFill>
+                <a:latin typeface="Verdana" panose="020B0604030504040204" pitchFamily="34" charset="0"/>
+              </a:rPr>
+              <a:t>() - </a:t>
+            </a:r>
+            <a:r>
+              <a:rPr lang="ru-RU" altLang="ru-RU" dirty="0">
+                <a:solidFill>
+                  <a:srgbClr val="6897BB"/>
+                </a:solidFill>
+                <a:latin typeface="Verdana" panose="020B0604030504040204" pitchFamily="34" charset="0"/>
+              </a:rPr>
+              <a:t>1</a:t>
+            </a:r>
+            <a:r>
+              <a:rPr lang="ru-RU" altLang="ru-RU" dirty="0">
+                <a:solidFill>
+                  <a:srgbClr val="FFFFFF"/>
+                </a:solidFill>
+                <a:latin typeface="Verdana" panose="020B0604030504040204" pitchFamily="34" charset="0"/>
+              </a:rPr>
+              <a:t>);</a:t>
+            </a:r>
+            <a:endParaRPr lang="en-US" altLang="ru-RU" dirty="0" smtClean="0">
+              <a:solidFill>
+                <a:srgbClr val="5BCD9D"/>
+              </a:solidFill>
+              <a:latin typeface="Verdana" panose="020B0604030504040204" pitchFamily="34" charset="0"/>
+            </a:endParaRPr>
+          </a:p>
+          <a:p>
+            <a:pPr>
+              <a:lnSpc>
+                <a:spcPct val="150000"/>
+              </a:lnSpc>
+            </a:pPr>
+            <a:r>
+              <a:rPr lang="ru-RU" altLang="ru-RU" dirty="0" err="1" smtClean="0">
+                <a:solidFill>
+                  <a:srgbClr val="5BCD9D"/>
+                </a:solidFill>
+                <a:latin typeface="Verdana" panose="020B0604030504040204" pitchFamily="34" charset="0"/>
+              </a:rPr>
               <a:t>os</a:t>
             </a:r>
             <a:r>
-              <a:rPr lang="ru-RU" altLang="ru-RU" dirty="0">
+              <a:rPr lang="ru-RU" altLang="ru-RU" dirty="0" smtClean="0">
                 <a:solidFill>
                   <a:srgbClr val="5BCD9D"/>
                 </a:solidFill>
@@ -29829,295 +30140,6 @@
               <a:solidFill>
                 <a:sysClr val="windowText" lastClr="000000"/>
               </a:solidFill>
-            </a:endParaRPr>
-          </a:p>
-        </p:txBody>
-      </p:sp>
-      <p:sp>
-        <p:nvSpPr>
-          <p:cNvPr id="6" name="TextBox 5"/>
-          <p:cNvSpPr txBox="1"/>
-          <p:nvPr/>
-        </p:nvSpPr>
-        <p:spPr>
-          <a:xfrm>
-            <a:off x="3032125" y="4568825"/>
-            <a:ext cx="13201884" cy="2585323"/>
-          </a:xfrm>
-          <a:prstGeom prst="rect">
-            <a:avLst/>
-          </a:prstGeom>
-          <a:noFill/>
-        </p:spPr>
-        <p:txBody>
-          <a:bodyPr wrap="none" rtlCol="0">
-            <a:spAutoFit/>
-          </a:bodyPr>
-          <a:lstStyle/>
-          <a:p>
-            <a:pPr lvl="0" defTabSz="914400" eaLnBrk="0" fontAlgn="base" hangingPunct="0">
-              <a:lnSpc>
-                <a:spcPct val="150000"/>
-              </a:lnSpc>
-              <a:spcBef>
-                <a:spcPct val="0"/>
-              </a:spcBef>
-              <a:spcAft>
-                <a:spcPct val="0"/>
-              </a:spcAft>
-            </a:pPr>
-            <a:r>
-              <a:rPr lang="ru-RU" altLang="ru-RU" dirty="0" err="1">
-                <a:solidFill>
-                  <a:srgbClr val="FFCC00"/>
-                </a:solidFill>
-                <a:latin typeface="Verdana" panose="020B0604030504040204" pitchFamily="34" charset="0"/>
-              </a:rPr>
-              <a:t>HttpResponse</a:t>
-            </a:r>
-            <a:r>
-              <a:rPr lang="ru-RU" altLang="ru-RU" dirty="0">
-                <a:solidFill>
-                  <a:srgbClr val="FFCC00"/>
-                </a:solidFill>
-                <a:latin typeface="Verdana" panose="020B0604030504040204" pitchFamily="34" charset="0"/>
-              </a:rPr>
-              <a:t> </a:t>
-            </a:r>
-            <a:r>
-              <a:rPr lang="ru-RU" altLang="ru-RU" dirty="0" err="1">
-                <a:solidFill>
-                  <a:srgbClr val="5BCD9D"/>
-                </a:solidFill>
-                <a:latin typeface="Verdana" panose="020B0604030504040204" pitchFamily="34" charset="0"/>
-              </a:rPr>
-              <a:t>resp</a:t>
-            </a:r>
-            <a:r>
-              <a:rPr lang="ru-RU" altLang="ru-RU" dirty="0">
-                <a:solidFill>
-                  <a:srgbClr val="FFFFFF"/>
-                </a:solidFill>
-                <a:latin typeface="Verdana" panose="020B0604030504040204" pitchFamily="34" charset="0"/>
-              </a:rPr>
-              <a:t>(</a:t>
-            </a:r>
-            <a:r>
-              <a:rPr lang="ru-RU" altLang="ru-RU" dirty="0">
-                <a:solidFill>
-                  <a:srgbClr val="6897BB"/>
-                </a:solidFill>
-                <a:latin typeface="Verdana" panose="020B0604030504040204" pitchFamily="34" charset="0"/>
-              </a:rPr>
-              <a:t>200</a:t>
-            </a:r>
-            <a:r>
-              <a:rPr lang="ru-RU" altLang="ru-RU" dirty="0">
-                <a:solidFill>
-                  <a:srgbClr val="FFFFFF"/>
-                </a:solidFill>
-                <a:latin typeface="Verdana" panose="020B0604030504040204" pitchFamily="34" charset="0"/>
-              </a:rPr>
-              <a:t>);</a:t>
-            </a:r>
-            <a:br>
-              <a:rPr lang="ru-RU" altLang="ru-RU" dirty="0">
-                <a:solidFill>
-                  <a:srgbClr val="FFFFFF"/>
-                </a:solidFill>
-                <a:latin typeface="Verdana" panose="020B0604030504040204" pitchFamily="34" charset="0"/>
-              </a:rPr>
-            </a:br>
-            <a:r>
-              <a:rPr lang="ru-RU" altLang="ru-RU" dirty="0" err="1">
-                <a:solidFill>
-                  <a:srgbClr val="5BCD9D"/>
-                </a:solidFill>
-                <a:latin typeface="Verdana" panose="020B0604030504040204" pitchFamily="34" charset="0"/>
-              </a:rPr>
-              <a:t>resp</a:t>
-            </a:r>
-            <a:r>
-              <a:rPr lang="ru-RU" altLang="ru-RU" dirty="0" err="1">
-                <a:solidFill>
-                  <a:srgbClr val="FFFFFF"/>
-                </a:solidFill>
-                <a:latin typeface="Verdana" panose="020B0604030504040204" pitchFamily="34" charset="0"/>
-              </a:rPr>
-              <a:t>.</a:t>
-            </a:r>
-            <a:r>
-              <a:rPr lang="ru-RU" altLang="ru-RU" dirty="0" err="1">
-                <a:solidFill>
-                  <a:srgbClr val="FFCC00"/>
-                </a:solidFill>
-                <a:latin typeface="Verdana" panose="020B0604030504040204" pitchFamily="34" charset="0"/>
-              </a:rPr>
-              <a:t>SetContent</a:t>
-            </a:r>
-            <a:r>
-              <a:rPr lang="ru-RU" altLang="ru-RU" dirty="0">
-                <a:solidFill>
-                  <a:srgbClr val="FFFFFF"/>
-                </a:solidFill>
-                <a:latin typeface="Verdana" panose="020B0604030504040204" pitchFamily="34" charset="0"/>
-              </a:rPr>
-              <a:t>(</a:t>
-            </a:r>
-            <a:r>
-              <a:rPr lang="ru-RU" altLang="ru-RU" dirty="0" err="1">
-                <a:solidFill>
-                  <a:srgbClr val="9E64A9"/>
-                </a:solidFill>
-                <a:latin typeface="Verdana" panose="020B0604030504040204" pitchFamily="34" charset="0"/>
-              </a:rPr>
-              <a:t>std</a:t>
-            </a:r>
-            <a:r>
-              <a:rPr lang="ru-RU" altLang="ru-RU" dirty="0">
-                <a:solidFill>
-                  <a:srgbClr val="FFFFFF"/>
-                </a:solidFill>
-                <a:latin typeface="Verdana" panose="020B0604030504040204" pitchFamily="34" charset="0"/>
-              </a:rPr>
-              <a:t>::</a:t>
-            </a:r>
-            <a:r>
-              <a:rPr lang="ru-RU" altLang="ru-RU" dirty="0" err="1">
-                <a:solidFill>
-                  <a:srgbClr val="FFCC00"/>
-                </a:solidFill>
-                <a:latin typeface="Verdana" panose="020B0604030504040204" pitchFamily="34" charset="0"/>
-              </a:rPr>
-              <a:t>to_string</a:t>
-            </a:r>
-            <a:r>
-              <a:rPr lang="ru-RU" altLang="ru-RU" dirty="0">
-                <a:solidFill>
-                  <a:srgbClr val="FFFFFF"/>
-                </a:solidFill>
-                <a:latin typeface="Verdana" panose="020B0604030504040204" pitchFamily="34" charset="0"/>
-              </a:rPr>
-              <a:t>(</a:t>
-            </a:r>
-            <a:r>
-              <a:rPr lang="ru-RU" altLang="ru-RU" dirty="0" err="1">
-                <a:solidFill>
-                  <a:srgbClr val="5BCD9D"/>
-                </a:solidFill>
-                <a:latin typeface="Verdana" panose="020B0604030504040204" pitchFamily="34" charset="0"/>
-              </a:rPr>
-              <a:t>comments</a:t>
-            </a:r>
-            <a:r>
-              <a:rPr lang="ru-RU" altLang="ru-RU" dirty="0">
-                <a:solidFill>
-                  <a:srgbClr val="5BCD9D"/>
-                </a:solidFill>
-                <a:latin typeface="Verdana" panose="020B0604030504040204" pitchFamily="34" charset="0"/>
-              </a:rPr>
-              <a:t>_</a:t>
-            </a:r>
-            <a:r>
-              <a:rPr lang="ru-RU" altLang="ru-RU" dirty="0">
-                <a:solidFill>
-                  <a:srgbClr val="FFFFFF"/>
-                </a:solidFill>
-                <a:latin typeface="Verdana" panose="020B0604030504040204" pitchFamily="34" charset="0"/>
-              </a:rPr>
-              <a:t>.</a:t>
-            </a:r>
-            <a:r>
-              <a:rPr lang="ru-RU" altLang="ru-RU" dirty="0" err="1">
-                <a:solidFill>
-                  <a:srgbClr val="FFCC00"/>
-                </a:solidFill>
-                <a:latin typeface="Verdana" panose="020B0604030504040204" pitchFamily="34" charset="0"/>
-              </a:rPr>
-              <a:t>size</a:t>
-            </a:r>
-            <a:r>
-              <a:rPr lang="ru-RU" altLang="ru-RU" dirty="0">
-                <a:solidFill>
-                  <a:srgbClr val="FFFFFF"/>
-                </a:solidFill>
-                <a:latin typeface="Verdana" panose="020B0604030504040204" pitchFamily="34" charset="0"/>
-              </a:rPr>
-              <a:t>() - </a:t>
-            </a:r>
-            <a:r>
-              <a:rPr lang="ru-RU" altLang="ru-RU" dirty="0">
-                <a:solidFill>
-                  <a:srgbClr val="6897BB"/>
-                </a:solidFill>
-                <a:latin typeface="Verdana" panose="020B0604030504040204" pitchFamily="34" charset="0"/>
-              </a:rPr>
-              <a:t>1</a:t>
-            </a:r>
-            <a:r>
-              <a:rPr lang="ru-RU" altLang="ru-RU" dirty="0">
-                <a:solidFill>
-                  <a:srgbClr val="FFFFFF"/>
-                </a:solidFill>
-                <a:latin typeface="Verdana" panose="020B0604030504040204" pitchFamily="34" charset="0"/>
-              </a:rPr>
-              <a:t>));</a:t>
-            </a:r>
-            <a:br>
-              <a:rPr lang="ru-RU" altLang="ru-RU" dirty="0">
-                <a:solidFill>
-                  <a:srgbClr val="FFFFFF"/>
-                </a:solidFill>
-                <a:latin typeface="Verdana" panose="020B0604030504040204" pitchFamily="34" charset="0"/>
-              </a:rPr>
-            </a:br>
-            <a:r>
-              <a:rPr lang="ru-RU" altLang="ru-RU" dirty="0" err="1">
-                <a:solidFill>
-                  <a:srgbClr val="5BCD9D"/>
-                </a:solidFill>
-                <a:latin typeface="Verdana" panose="020B0604030504040204" pitchFamily="34" charset="0"/>
-              </a:rPr>
-              <a:t>os</a:t>
-            </a:r>
-            <a:r>
-              <a:rPr lang="ru-RU" altLang="ru-RU" dirty="0">
-                <a:solidFill>
-                  <a:srgbClr val="5BCD9D"/>
-                </a:solidFill>
-                <a:latin typeface="Verdana" panose="020B0604030504040204" pitchFamily="34" charset="0"/>
-              </a:rPr>
-              <a:t> </a:t>
-            </a:r>
-            <a:r>
-              <a:rPr lang="ru-RU" altLang="ru-RU" dirty="0">
-                <a:solidFill>
-                  <a:srgbClr val="FFFFFF"/>
-                </a:solidFill>
-                <a:latin typeface="Verdana" panose="020B0604030504040204" pitchFamily="34" charset="0"/>
-              </a:rPr>
-              <a:t>&lt;&lt; </a:t>
-            </a:r>
-            <a:r>
-              <a:rPr lang="ru-RU" altLang="ru-RU" dirty="0" err="1">
-                <a:solidFill>
-                  <a:srgbClr val="5BCD9D"/>
-                </a:solidFill>
-                <a:latin typeface="Verdana" panose="020B0604030504040204" pitchFamily="34" charset="0"/>
-              </a:rPr>
-              <a:t>resp</a:t>
-            </a:r>
-            <a:r>
-              <a:rPr lang="ru-RU" altLang="ru-RU" dirty="0" smtClean="0">
-                <a:solidFill>
-                  <a:srgbClr val="FFFFFF"/>
-                </a:solidFill>
-                <a:latin typeface="Verdana" panose="020B0604030504040204" pitchFamily="34" charset="0"/>
-              </a:rPr>
-              <a:t>;</a:t>
-            </a:r>
-            <a:endParaRPr lang="ru-RU" altLang="ru-RU" sz="6600" dirty="0">
-              <a:latin typeface="Arial" panose="020B0604020202020204" pitchFamily="34" charset="0"/>
             </a:endParaRPr>
           </a:p>
         </p:txBody>
@@ -30904,9 +30926,9 @@
       </p:par>
     </p:tnLst>
     <p:bldLst>
+      <p:bldP spid="6" grpId="0"/>
       <p:bldP spid="11" grpId="0"/>
       <p:bldP spid="5" grpId="0"/>
-      <p:bldP spid="6" grpId="0"/>
       <p:bldP spid="9" grpId="0"/>
       <p:bldP spid="8" grpId="0"/>
       <p:bldP spid="12" grpId="0"/>
@@ -37482,7 +37504,7 @@
   <p:clrMapOvr>
     <a:masterClrMapping/>
   </p:clrMapOvr>
-  <p:transition spd="slow">
+  <p:transition spd="med">
     <p:push dir="u"/>
   </p:transition>
   <p:timing>
@@ -38268,8 +38290,8 @@
           <a:p>
             <a:pPr lvl="2"/>
             <a:r>
-              <a:rPr lang="ru-RU" dirty="0" smtClean="0"/>
-              <a:t>Чем </a:t>
+              <a:rPr lang="ru-RU" smtClean="0"/>
+              <a:t>чем </a:t>
             </a:r>
             <a:r>
               <a:rPr lang="ru-RU" dirty="0"/>
@@ -42757,7 +42779,6 @@
               <a:rPr lang="ru-RU" dirty="0"/>
               <a:t>Четвёртый шаг – реализация интерфейса</a:t>
             </a:r>
-            <a:endParaRPr lang="ru-RU" dirty="0"/>
           </a:p>
         </p:txBody>
       </p:sp>
@@ -42786,7 +42807,6 @@
               <a:rPr lang="ru-RU" dirty="0" smtClean="0"/>
               <a:t>Реализовав интерфейс, запускаем юнит-тесты</a:t>
             </a:r>
-            <a:endParaRPr lang="ru-RU" dirty="0" smtClean="0"/>
           </a:p>
           <a:p>
             <a:pPr lvl="1"/>
@@ -42900,29 +42920,8 @@
                   <a:schemeClr val="accent2"/>
                 </a:solidFill>
               </a:rPr>
-              <a:t> </a:t>
-            </a:r>
-            <a:r>
-              <a:rPr lang="en-US" dirty="0" smtClean="0">
-                <a:solidFill>
-                  <a:schemeClr val="accent2"/>
-                </a:solidFill>
-              </a:rPr>
-              <a:t>tests – </a:t>
-            </a:r>
-            <a:r>
-              <a:rPr lang="en-US" dirty="0" smtClean="0">
-                <a:solidFill>
-                  <a:schemeClr val="accent2"/>
-                </a:solidFill>
-              </a:rPr>
-              <a:t>OK</a:t>
-            </a:r>
-            <a:endParaRPr lang="en-US" dirty="0" smtClean="0">
-              <a:solidFill>
-                <a:schemeClr val="accent2"/>
-              </a:solidFill>
-            </a:endParaRPr>
+              <a:t> tests – OK</a:t>
+            </a:r>
           </a:p>
         </p:txBody>
       </p:sp>
@@ -47080,7 +47079,7 @@
               <a:effectLst/>
               <a:extLst>
                 <a:ext uri="{C572A759-6A51-4108-AA02-DFA0A04FC94B}">
-                  <ma14:wrappingTextBoxFlag xmlns="" xmlns:ma14="http://schemas.microsoft.com/office/mac/drawingml/2011/main" val="1"/>
+                  <ma14:wrappingTextBoxFlag xmlns:ma14="http://schemas.microsoft.com/office/mac/drawingml/2011/main" xmlns="" val="1"/>
                 </a:ext>
               </a:extLst>
             </p:spPr>
@@ -48346,7 +48345,7 @@
               <a:effectLst/>
               <a:extLst>
                 <a:ext uri="{C572A759-6A51-4108-AA02-DFA0A04FC94B}">
-                  <ma14:wrappingTextBoxFlag xmlns="" xmlns:ma14="http://schemas.microsoft.com/office/mac/drawingml/2011/main" val="1"/>
+                  <ma14:wrappingTextBoxFlag xmlns:ma14="http://schemas.microsoft.com/office/mac/drawingml/2011/main" xmlns="" val="1"/>
                 </a:ext>
               </a:extLst>
             </p:spPr>
@@ -49118,7 +49117,7 @@
               <a:effectLst/>
               <a:extLst>
                 <a:ext uri="{C572A759-6A51-4108-AA02-DFA0A04FC94B}">
-                  <ma14:wrappingTextBoxFlag xmlns="" xmlns:ma14="http://schemas.microsoft.com/office/mac/drawingml/2011/main" val="1"/>
+                  <ma14:wrappingTextBoxFlag xmlns:ma14="http://schemas.microsoft.com/office/mac/drawingml/2011/main" xmlns="" val="1"/>
                 </a:ext>
               </a:extLst>
             </p:spPr>

--- a/slides.pptx
+++ b/slides.pptx
@@ -4938,7 +4938,7 @@
           </a:ln>
           <a:extLst>
             <a:ext uri="{C572A759-6A51-4108-AA02-DFA0A04FC94B}">
-              <ma14:wrappingTextBoxFlag xmlns:ma14="http://schemas.microsoft.com/office/mac/drawingml/2011/main" xmlns="" val="1"/>
+              <ma14:wrappingTextBoxFlag xmlns="" xmlns:ma14="http://schemas.microsoft.com/office/mac/drawingml/2011/main" val="1"/>
             </a:ext>
           </a:extLst>
         </p:spPr>
@@ -5433,7 +5433,7 @@
           </a:ln>
           <a:extLst>
             <a:ext uri="{C572A759-6A51-4108-AA02-DFA0A04FC94B}">
-              <ma14:wrappingTextBoxFlag xmlns:ma14="http://schemas.microsoft.com/office/mac/drawingml/2011/main" xmlns="" val="1"/>
+              <ma14:wrappingTextBoxFlag xmlns="" xmlns:ma14="http://schemas.microsoft.com/office/mac/drawingml/2011/main" val="1"/>
             </a:ext>
           </a:extLst>
         </p:spPr>
@@ -5579,7 +5579,7 @@
           </a:ln>
           <a:extLst>
             <a:ext uri="{C572A759-6A51-4108-AA02-DFA0A04FC94B}">
-              <ma14:wrappingTextBoxFlag xmlns:ma14="http://schemas.microsoft.com/office/mac/drawingml/2011/main" xmlns="" val="1"/>
+              <ma14:wrappingTextBoxFlag xmlns="" xmlns:ma14="http://schemas.microsoft.com/office/mac/drawingml/2011/main" val="1"/>
             </a:ext>
           </a:extLst>
         </p:spPr>
@@ -5621,7 +5621,7 @@
           </a:ln>
           <a:extLst>
             <a:ext uri="{C572A759-6A51-4108-AA02-DFA0A04FC94B}">
-              <ma14:wrappingTextBoxFlag xmlns:ma14="http://schemas.microsoft.com/office/mac/drawingml/2011/main" xmlns="" val="1"/>
+              <ma14:wrappingTextBoxFlag xmlns="" xmlns:ma14="http://schemas.microsoft.com/office/mac/drawingml/2011/main" val="1"/>
             </a:ext>
           </a:extLst>
         </p:spPr>
@@ -5817,7 +5817,7 @@
           </a:ln>
           <a:extLst>
             <a:ext uri="{C572A759-6A51-4108-AA02-DFA0A04FC94B}">
-              <ma14:wrappingTextBoxFlag xmlns:ma14="http://schemas.microsoft.com/office/mac/drawingml/2011/main" xmlns="" val="1"/>
+              <ma14:wrappingTextBoxFlag xmlns="" xmlns:ma14="http://schemas.microsoft.com/office/mac/drawingml/2011/main" val="1"/>
             </a:ext>
           </a:extLst>
         </p:spPr>
@@ -5941,7 +5941,7 @@
           </a:ln>
           <a:extLst>
             <a:ext uri="{C572A759-6A51-4108-AA02-DFA0A04FC94B}">
-              <ma14:wrappingTextBoxFlag xmlns:ma14="http://schemas.microsoft.com/office/mac/drawingml/2011/main" xmlns="" val="1"/>
+              <ma14:wrappingTextBoxFlag xmlns="" xmlns:ma14="http://schemas.microsoft.com/office/mac/drawingml/2011/main" val="1"/>
             </a:ext>
           </a:extLst>
         </p:spPr>
@@ -6035,7 +6035,7 @@
           </a:ln>
           <a:extLst>
             <a:ext uri="{C572A759-6A51-4108-AA02-DFA0A04FC94B}">
-              <ma14:wrappingTextBoxFlag xmlns:ma14="http://schemas.microsoft.com/office/mac/drawingml/2011/main" xmlns="" val="1"/>
+              <ma14:wrappingTextBoxFlag xmlns="" xmlns:ma14="http://schemas.microsoft.com/office/mac/drawingml/2011/main" val="1"/>
             </a:ext>
           </a:extLst>
         </p:spPr>
@@ -6326,7 +6326,7 @@
           </a:ln>
           <a:extLst>
             <a:ext uri="{C572A759-6A51-4108-AA02-DFA0A04FC94B}">
-              <ma14:wrappingTextBoxFlag xmlns:ma14="http://schemas.microsoft.com/office/mac/drawingml/2011/main" xmlns="" val="1"/>
+              <ma14:wrappingTextBoxFlag xmlns="" xmlns:ma14="http://schemas.microsoft.com/office/mac/drawingml/2011/main" val="1"/>
             </a:ext>
           </a:extLst>
         </p:spPr>
@@ -6817,7 +6817,7 @@
           </a:ln>
           <a:extLst>
             <a:ext uri="{C572A759-6A51-4108-AA02-DFA0A04FC94B}">
-              <ma14:wrappingTextBoxFlag xmlns:ma14="http://schemas.microsoft.com/office/mac/drawingml/2011/main" xmlns="" val="1"/>
+              <ma14:wrappingTextBoxFlag xmlns="" xmlns:ma14="http://schemas.microsoft.com/office/mac/drawingml/2011/main" val="1"/>
             </a:ext>
           </a:extLst>
         </p:spPr>
@@ -6876,7 +6876,7 @@
           </a:ln>
           <a:extLst>
             <a:ext uri="{C572A759-6A51-4108-AA02-DFA0A04FC94B}">
-              <ma14:wrappingTextBoxFlag xmlns:ma14="http://schemas.microsoft.com/office/mac/drawingml/2011/main" xmlns="" val="1"/>
+              <ma14:wrappingTextBoxFlag xmlns="" xmlns:ma14="http://schemas.microsoft.com/office/mac/drawingml/2011/main" val="1"/>
             </a:ext>
           </a:extLst>
         </p:spPr>
@@ -6985,7 +6985,7 @@
           </a:ln>
           <a:extLst>
             <a:ext uri="{C572A759-6A51-4108-AA02-DFA0A04FC94B}">
-              <ma14:wrappingTextBoxFlag xmlns:ma14="http://schemas.microsoft.com/office/mac/drawingml/2011/main" xmlns="" val="1"/>
+              <ma14:wrappingTextBoxFlag xmlns="" xmlns:ma14="http://schemas.microsoft.com/office/mac/drawingml/2011/main" val="1"/>
             </a:ext>
           </a:extLst>
         </p:spPr>
@@ -7046,7 +7046,7 @@
           </a:ln>
           <a:extLst>
             <a:ext uri="{C572A759-6A51-4108-AA02-DFA0A04FC94B}">
-              <ma14:wrappingTextBoxFlag xmlns:ma14="http://schemas.microsoft.com/office/mac/drawingml/2011/main" xmlns="" val="1"/>
+              <ma14:wrappingTextBoxFlag xmlns="" xmlns:ma14="http://schemas.microsoft.com/office/mac/drawingml/2011/main" val="1"/>
             </a:ext>
           </a:extLst>
         </p:spPr>
@@ -7126,7 +7126,7 @@
           </a:ln>
           <a:extLst>
             <a:ext uri="{C572A759-6A51-4108-AA02-DFA0A04FC94B}">
-              <ma14:wrappingTextBoxFlag xmlns:ma14="http://schemas.microsoft.com/office/mac/drawingml/2011/main" xmlns="" val="1"/>
+              <ma14:wrappingTextBoxFlag xmlns="" xmlns:ma14="http://schemas.microsoft.com/office/mac/drawingml/2011/main" val="1"/>
             </a:ext>
           </a:extLst>
         </p:spPr>
@@ -7197,7 +7197,7 @@
           </a:ln>
           <a:extLst>
             <a:ext uri="{C572A759-6A51-4108-AA02-DFA0A04FC94B}">
-              <ma14:wrappingTextBoxFlag xmlns:ma14="http://schemas.microsoft.com/office/mac/drawingml/2011/main" xmlns="" val="1"/>
+              <ma14:wrappingTextBoxFlag xmlns="" xmlns:ma14="http://schemas.microsoft.com/office/mac/drawingml/2011/main" val="1"/>
             </a:ext>
           </a:extLst>
         </p:spPr>
@@ -7253,7 +7253,7 @@
           </a:ln>
           <a:extLst>
             <a:ext uri="{C572A759-6A51-4108-AA02-DFA0A04FC94B}">
-              <ma14:wrappingTextBoxFlag xmlns:ma14="http://schemas.microsoft.com/office/mac/drawingml/2011/main" xmlns="" val="1"/>
+              <ma14:wrappingTextBoxFlag xmlns="" xmlns:ma14="http://schemas.microsoft.com/office/mac/drawingml/2011/main" val="1"/>
             </a:ext>
           </a:extLst>
         </p:spPr>
@@ -7309,7 +7309,7 @@
           </a:ln>
           <a:extLst>
             <a:ext uri="{C572A759-6A51-4108-AA02-DFA0A04FC94B}">
-              <ma14:wrappingTextBoxFlag xmlns:ma14="http://schemas.microsoft.com/office/mac/drawingml/2011/main" xmlns="" val="1"/>
+              <ma14:wrappingTextBoxFlag xmlns="" xmlns:ma14="http://schemas.microsoft.com/office/mac/drawingml/2011/main" val="1"/>
             </a:ext>
           </a:extLst>
         </p:spPr>
@@ -15157,7 +15157,7 @@
           </a:ln>
           <a:extLst>
             <a:ext uri="{C572A759-6A51-4108-AA02-DFA0A04FC94B}">
-              <ma14:wrappingTextBoxFlag xmlns:ma14="http://schemas.microsoft.com/office/mac/drawingml/2011/main" xmlns="" val="1"/>
+              <ma14:wrappingTextBoxFlag xmlns="" xmlns:ma14="http://schemas.microsoft.com/office/mac/drawingml/2011/main" val="1"/>
             </a:ext>
           </a:extLst>
         </p:spPr>
@@ -15615,7 +15615,7 @@
           </a:ln>
           <a:extLst>
             <a:ext uri="{C572A759-6A51-4108-AA02-DFA0A04FC94B}">
-              <ma14:wrappingTextBoxFlag xmlns:ma14="http://schemas.microsoft.com/office/mac/drawingml/2011/main" xmlns="" val="1"/>
+              <ma14:wrappingTextBoxFlag xmlns="" xmlns:ma14="http://schemas.microsoft.com/office/mac/drawingml/2011/main" val="1"/>
             </a:ext>
           </a:extLst>
         </p:spPr>
@@ -15851,7 +15851,7 @@
           </a:ln>
           <a:extLst>
             <a:ext uri="{C572A759-6A51-4108-AA02-DFA0A04FC94B}">
-              <ma14:wrappingTextBoxFlag xmlns:ma14="http://schemas.microsoft.com/office/mac/drawingml/2011/main" xmlns="" val="1"/>
+              <ma14:wrappingTextBoxFlag xmlns="" xmlns:ma14="http://schemas.microsoft.com/office/mac/drawingml/2011/main" val="1"/>
             </a:ext>
           </a:extLst>
         </p:spPr>
@@ -15898,7 +15898,7 @@
           </a:ln>
           <a:extLst>
             <a:ext uri="{C572A759-6A51-4108-AA02-DFA0A04FC94B}">
-              <ma14:wrappingTextBoxFlag xmlns:ma14="http://schemas.microsoft.com/office/mac/drawingml/2011/main" xmlns="" val="1"/>
+              <ma14:wrappingTextBoxFlag xmlns="" xmlns:ma14="http://schemas.microsoft.com/office/mac/drawingml/2011/main" val="1"/>
             </a:ext>
           </a:extLst>
         </p:spPr>
@@ -16130,7 +16130,7 @@
           </a:ln>
           <a:extLst>
             <a:ext uri="{C572A759-6A51-4108-AA02-DFA0A04FC94B}">
-              <ma14:wrappingTextBoxFlag xmlns:ma14="http://schemas.microsoft.com/office/mac/drawingml/2011/main" xmlns="" val="1"/>
+              <ma14:wrappingTextBoxFlag xmlns="" xmlns:ma14="http://schemas.microsoft.com/office/mac/drawingml/2011/main" val="1"/>
             </a:ext>
           </a:extLst>
         </p:spPr>
@@ -16260,7 +16260,7 @@
           </a:ln>
           <a:extLst>
             <a:ext uri="{C572A759-6A51-4108-AA02-DFA0A04FC94B}">
-              <ma14:wrappingTextBoxFlag xmlns:ma14="http://schemas.microsoft.com/office/mac/drawingml/2011/main" xmlns="" val="1"/>
+              <ma14:wrappingTextBoxFlag xmlns="" xmlns:ma14="http://schemas.microsoft.com/office/mac/drawingml/2011/main" val="1"/>
             </a:ext>
           </a:extLst>
         </p:spPr>
@@ -16375,7 +16375,7 @@
           </a:ln>
           <a:extLst>
             <a:ext uri="{C572A759-6A51-4108-AA02-DFA0A04FC94B}">
-              <ma14:wrappingTextBoxFlag xmlns:ma14="http://schemas.microsoft.com/office/mac/drawingml/2011/main" xmlns="" val="1"/>
+              <ma14:wrappingTextBoxFlag xmlns="" xmlns:ma14="http://schemas.microsoft.com/office/mac/drawingml/2011/main" val="1"/>
             </a:ext>
           </a:extLst>
         </p:spPr>
@@ -16815,7 +16815,7 @@
           </a:ln>
           <a:extLst>
             <a:ext uri="{C572A759-6A51-4108-AA02-DFA0A04FC94B}">
-              <ma14:wrappingTextBoxFlag xmlns:ma14="http://schemas.microsoft.com/office/mac/drawingml/2011/main" xmlns="" val="1"/>
+              <ma14:wrappingTextBoxFlag xmlns="" xmlns:ma14="http://schemas.microsoft.com/office/mac/drawingml/2011/main" val="1"/>
             </a:ext>
           </a:extLst>
         </p:spPr>
@@ -17081,7 +17081,7 @@
           </a:ln>
           <a:extLst>
             <a:ext uri="{C572A759-6A51-4108-AA02-DFA0A04FC94B}">
-              <ma14:wrappingTextBoxFlag xmlns:ma14="http://schemas.microsoft.com/office/mac/drawingml/2011/main" xmlns="" val="1"/>
+              <ma14:wrappingTextBoxFlag xmlns="" xmlns:ma14="http://schemas.microsoft.com/office/mac/drawingml/2011/main" val="1"/>
             </a:ext>
           </a:extLst>
         </p:spPr>
@@ -17153,7 +17153,7 @@
             </a:ln>
             <a:extLst>
               <a:ext uri="{C572A759-6A51-4108-AA02-DFA0A04FC94B}">
-                <ma14:wrappingTextBoxFlag xmlns:ma14="http://schemas.microsoft.com/office/mac/drawingml/2011/main" xmlns="" val="1"/>
+                <ma14:wrappingTextBoxFlag xmlns="" xmlns:ma14="http://schemas.microsoft.com/office/mac/drawingml/2011/main" val="1"/>
               </a:ext>
             </a:extLst>
           </p:spPr>
@@ -17230,7 +17230,7 @@
             </a:ln>
             <a:extLst>
               <a:ext uri="{C572A759-6A51-4108-AA02-DFA0A04FC94B}">
-                <ma14:wrappingTextBoxFlag xmlns:ma14="http://schemas.microsoft.com/office/mac/drawingml/2011/main" xmlns="" val="1"/>
+                <ma14:wrappingTextBoxFlag xmlns="" xmlns:ma14="http://schemas.microsoft.com/office/mac/drawingml/2011/main" val="1"/>
               </a:ext>
             </a:extLst>
           </p:spPr>
@@ -17335,7 +17335,7 @@
             </a:ln>
             <a:extLst>
               <a:ext uri="{C572A759-6A51-4108-AA02-DFA0A04FC94B}">
-                <ma14:wrappingTextBoxFlag xmlns:ma14="http://schemas.microsoft.com/office/mac/drawingml/2011/main" xmlns="" val="1"/>
+                <ma14:wrappingTextBoxFlag xmlns="" xmlns:ma14="http://schemas.microsoft.com/office/mac/drawingml/2011/main" val="1"/>
               </a:ext>
             </a:extLst>
           </p:spPr>
@@ -17415,7 +17415,7 @@
             </a:ln>
             <a:extLst>
               <a:ext uri="{C572A759-6A51-4108-AA02-DFA0A04FC94B}">
-                <ma14:wrappingTextBoxFlag xmlns:ma14="http://schemas.microsoft.com/office/mac/drawingml/2011/main" xmlns="" val="1"/>
+                <ma14:wrappingTextBoxFlag xmlns="" xmlns:ma14="http://schemas.microsoft.com/office/mac/drawingml/2011/main" val="1"/>
               </a:ext>
             </a:extLst>
           </p:spPr>
@@ -17486,7 +17486,7 @@
             </a:ln>
             <a:extLst>
               <a:ext uri="{C572A759-6A51-4108-AA02-DFA0A04FC94B}">
-                <ma14:wrappingTextBoxFlag xmlns:ma14="http://schemas.microsoft.com/office/mac/drawingml/2011/main" xmlns="" val="1"/>
+                <ma14:wrappingTextBoxFlag xmlns="" xmlns:ma14="http://schemas.microsoft.com/office/mac/drawingml/2011/main" val="1"/>
               </a:ext>
             </a:extLst>
           </p:spPr>
@@ -17549,7 +17549,7 @@
             </a:ln>
             <a:extLst>
               <a:ext uri="{C572A759-6A51-4108-AA02-DFA0A04FC94B}">
-                <ma14:wrappingTextBoxFlag xmlns:ma14="http://schemas.microsoft.com/office/mac/drawingml/2011/main" xmlns="" val="1"/>
+                <ma14:wrappingTextBoxFlag xmlns="" xmlns:ma14="http://schemas.microsoft.com/office/mac/drawingml/2011/main" val="1"/>
               </a:ext>
             </a:extLst>
           </p:spPr>
@@ -40773,7 +40773,7 @@
               <a:effectLst/>
               <a:extLst>
                 <a:ext uri="{C572A759-6A51-4108-AA02-DFA0A04FC94B}">
-                  <ma14:wrappingTextBoxFlag xmlns:ma14="http://schemas.microsoft.com/office/mac/drawingml/2011/main" xmlns="" val="1"/>
+                  <ma14:wrappingTextBoxFlag xmlns="" xmlns:ma14="http://schemas.microsoft.com/office/mac/drawingml/2011/main" val="1"/>
                 </a:ext>
               </a:extLst>
             </p:spPr>
@@ -40927,7 +40927,7 @@
           <a:p>
             <a:r>
               <a:rPr lang="ru-RU" dirty="0" smtClean="0"/>
-              <a:t>Илья Шишков</a:t>
+              <a:t>Илья Шишков, старший разработчик</a:t>
             </a:r>
             <a:endParaRPr lang="ru-RU" dirty="0"/>
           </a:p>
@@ -42145,7 +42145,7 @@
               <a:effectLst/>
               <a:extLst>
                 <a:ext uri="{C572A759-6A51-4108-AA02-DFA0A04FC94B}">
-                  <ma14:wrappingTextBoxFlag xmlns:ma14="http://schemas.microsoft.com/office/mac/drawingml/2011/main" xmlns="" val="1"/>
+                  <ma14:wrappingTextBoxFlag xmlns="" xmlns:ma14="http://schemas.microsoft.com/office/mac/drawingml/2011/main" val="1"/>
                 </a:ext>
               </a:extLst>
             </p:spPr>
@@ -42917,7 +42917,7 @@
               <a:effectLst/>
               <a:extLst>
                 <a:ext uri="{C572A759-6A51-4108-AA02-DFA0A04FC94B}">
-                  <ma14:wrappingTextBoxFlag xmlns:ma14="http://schemas.microsoft.com/office/mac/drawingml/2011/main" xmlns="" val="1"/>
+                  <ma14:wrappingTextBoxFlag xmlns="" xmlns:ma14="http://schemas.microsoft.com/office/mac/drawingml/2011/main" val="1"/>
                 </a:ext>
               </a:extLst>
             </p:spPr>

--- a/slides.pptx
+++ b/slides.pptx
@@ -274,7 +274,7 @@
           <a:p>
             <a:fld id="{A48BA324-014D-41B7-8E83-ECE8F197A959}" type="datetimeFigureOut">
               <a:rPr lang="ru-RU" smtClean="0"/>
-              <a:t>13.10.2017</a:t>
+              <a:t>14.10.2017</a:t>
             </a:fld>
             <a:endParaRPr lang="ru-RU"/>
           </a:p>
@@ -4938,7 +4938,7 @@
           </a:ln>
           <a:extLst>
             <a:ext uri="{C572A759-6A51-4108-AA02-DFA0A04FC94B}">
-              <ma14:wrappingTextBoxFlag xmlns="" xmlns:ma14="http://schemas.microsoft.com/office/mac/drawingml/2011/main" val="1"/>
+              <ma14:wrappingTextBoxFlag xmlns:ma14="http://schemas.microsoft.com/office/mac/drawingml/2011/main" xmlns="" val="1"/>
             </a:ext>
           </a:extLst>
         </p:spPr>
@@ -5433,7 +5433,7 @@
           </a:ln>
           <a:extLst>
             <a:ext uri="{C572A759-6A51-4108-AA02-DFA0A04FC94B}">
-              <ma14:wrappingTextBoxFlag xmlns="" xmlns:ma14="http://schemas.microsoft.com/office/mac/drawingml/2011/main" val="1"/>
+              <ma14:wrappingTextBoxFlag xmlns:ma14="http://schemas.microsoft.com/office/mac/drawingml/2011/main" xmlns="" val="1"/>
             </a:ext>
           </a:extLst>
         </p:spPr>
@@ -5579,7 +5579,7 @@
           </a:ln>
           <a:extLst>
             <a:ext uri="{C572A759-6A51-4108-AA02-DFA0A04FC94B}">
-              <ma14:wrappingTextBoxFlag xmlns="" xmlns:ma14="http://schemas.microsoft.com/office/mac/drawingml/2011/main" val="1"/>
+              <ma14:wrappingTextBoxFlag xmlns:ma14="http://schemas.microsoft.com/office/mac/drawingml/2011/main" xmlns="" val="1"/>
             </a:ext>
           </a:extLst>
         </p:spPr>
@@ -5621,7 +5621,7 @@
           </a:ln>
           <a:extLst>
             <a:ext uri="{C572A759-6A51-4108-AA02-DFA0A04FC94B}">
-              <ma14:wrappingTextBoxFlag xmlns="" xmlns:ma14="http://schemas.microsoft.com/office/mac/drawingml/2011/main" val="1"/>
+              <ma14:wrappingTextBoxFlag xmlns:ma14="http://schemas.microsoft.com/office/mac/drawingml/2011/main" xmlns="" val="1"/>
             </a:ext>
           </a:extLst>
         </p:spPr>
@@ -5817,7 +5817,7 @@
           </a:ln>
           <a:extLst>
             <a:ext uri="{C572A759-6A51-4108-AA02-DFA0A04FC94B}">
-              <ma14:wrappingTextBoxFlag xmlns="" xmlns:ma14="http://schemas.microsoft.com/office/mac/drawingml/2011/main" val="1"/>
+              <ma14:wrappingTextBoxFlag xmlns:ma14="http://schemas.microsoft.com/office/mac/drawingml/2011/main" xmlns="" val="1"/>
             </a:ext>
           </a:extLst>
         </p:spPr>
@@ -5941,7 +5941,7 @@
           </a:ln>
           <a:extLst>
             <a:ext uri="{C572A759-6A51-4108-AA02-DFA0A04FC94B}">
-              <ma14:wrappingTextBoxFlag xmlns="" xmlns:ma14="http://schemas.microsoft.com/office/mac/drawingml/2011/main" val="1"/>
+              <ma14:wrappingTextBoxFlag xmlns:ma14="http://schemas.microsoft.com/office/mac/drawingml/2011/main" xmlns="" val="1"/>
             </a:ext>
           </a:extLst>
         </p:spPr>
@@ -6035,7 +6035,7 @@
           </a:ln>
           <a:extLst>
             <a:ext uri="{C572A759-6A51-4108-AA02-DFA0A04FC94B}">
-              <ma14:wrappingTextBoxFlag xmlns="" xmlns:ma14="http://schemas.microsoft.com/office/mac/drawingml/2011/main" val="1"/>
+              <ma14:wrappingTextBoxFlag xmlns:ma14="http://schemas.microsoft.com/office/mac/drawingml/2011/main" xmlns="" val="1"/>
             </a:ext>
           </a:extLst>
         </p:spPr>
@@ -6326,7 +6326,7 @@
           </a:ln>
           <a:extLst>
             <a:ext uri="{C572A759-6A51-4108-AA02-DFA0A04FC94B}">
-              <ma14:wrappingTextBoxFlag xmlns="" xmlns:ma14="http://schemas.microsoft.com/office/mac/drawingml/2011/main" val="1"/>
+              <ma14:wrappingTextBoxFlag xmlns:ma14="http://schemas.microsoft.com/office/mac/drawingml/2011/main" xmlns="" val="1"/>
             </a:ext>
           </a:extLst>
         </p:spPr>
@@ -6817,7 +6817,7 @@
           </a:ln>
           <a:extLst>
             <a:ext uri="{C572A759-6A51-4108-AA02-DFA0A04FC94B}">
-              <ma14:wrappingTextBoxFlag xmlns="" xmlns:ma14="http://schemas.microsoft.com/office/mac/drawingml/2011/main" val="1"/>
+              <ma14:wrappingTextBoxFlag xmlns:ma14="http://schemas.microsoft.com/office/mac/drawingml/2011/main" xmlns="" val="1"/>
             </a:ext>
           </a:extLst>
         </p:spPr>
@@ -6876,7 +6876,7 @@
           </a:ln>
           <a:extLst>
             <a:ext uri="{C572A759-6A51-4108-AA02-DFA0A04FC94B}">
-              <ma14:wrappingTextBoxFlag xmlns="" xmlns:ma14="http://schemas.microsoft.com/office/mac/drawingml/2011/main" val="1"/>
+              <ma14:wrappingTextBoxFlag xmlns:ma14="http://schemas.microsoft.com/office/mac/drawingml/2011/main" xmlns="" val="1"/>
             </a:ext>
           </a:extLst>
         </p:spPr>
@@ -6985,7 +6985,7 @@
           </a:ln>
           <a:extLst>
             <a:ext uri="{C572A759-6A51-4108-AA02-DFA0A04FC94B}">
-              <ma14:wrappingTextBoxFlag xmlns="" xmlns:ma14="http://schemas.microsoft.com/office/mac/drawingml/2011/main" val="1"/>
+              <ma14:wrappingTextBoxFlag xmlns:ma14="http://schemas.microsoft.com/office/mac/drawingml/2011/main" xmlns="" val="1"/>
             </a:ext>
           </a:extLst>
         </p:spPr>
@@ -7046,7 +7046,7 @@
           </a:ln>
           <a:extLst>
             <a:ext uri="{C572A759-6A51-4108-AA02-DFA0A04FC94B}">
-              <ma14:wrappingTextBoxFlag xmlns="" xmlns:ma14="http://schemas.microsoft.com/office/mac/drawingml/2011/main" val="1"/>
+              <ma14:wrappingTextBoxFlag xmlns:ma14="http://schemas.microsoft.com/office/mac/drawingml/2011/main" xmlns="" val="1"/>
             </a:ext>
           </a:extLst>
         </p:spPr>
@@ -7126,7 +7126,7 @@
           </a:ln>
           <a:extLst>
             <a:ext uri="{C572A759-6A51-4108-AA02-DFA0A04FC94B}">
-              <ma14:wrappingTextBoxFlag xmlns="" xmlns:ma14="http://schemas.microsoft.com/office/mac/drawingml/2011/main" val="1"/>
+              <ma14:wrappingTextBoxFlag xmlns:ma14="http://schemas.microsoft.com/office/mac/drawingml/2011/main" xmlns="" val="1"/>
             </a:ext>
           </a:extLst>
         </p:spPr>
@@ -7197,7 +7197,7 @@
           </a:ln>
           <a:extLst>
             <a:ext uri="{C572A759-6A51-4108-AA02-DFA0A04FC94B}">
-              <ma14:wrappingTextBoxFlag xmlns="" xmlns:ma14="http://schemas.microsoft.com/office/mac/drawingml/2011/main" val="1"/>
+              <ma14:wrappingTextBoxFlag xmlns:ma14="http://schemas.microsoft.com/office/mac/drawingml/2011/main" xmlns="" val="1"/>
             </a:ext>
           </a:extLst>
         </p:spPr>
@@ -7253,7 +7253,7 @@
           </a:ln>
           <a:extLst>
             <a:ext uri="{C572A759-6A51-4108-AA02-DFA0A04FC94B}">
-              <ma14:wrappingTextBoxFlag xmlns="" xmlns:ma14="http://schemas.microsoft.com/office/mac/drawingml/2011/main" val="1"/>
+              <ma14:wrappingTextBoxFlag xmlns:ma14="http://schemas.microsoft.com/office/mac/drawingml/2011/main" xmlns="" val="1"/>
             </a:ext>
           </a:extLst>
         </p:spPr>
@@ -7309,7 +7309,7 @@
           </a:ln>
           <a:extLst>
             <a:ext uri="{C572A759-6A51-4108-AA02-DFA0A04FC94B}">
-              <ma14:wrappingTextBoxFlag xmlns="" xmlns:ma14="http://schemas.microsoft.com/office/mac/drawingml/2011/main" val="1"/>
+              <ma14:wrappingTextBoxFlag xmlns:ma14="http://schemas.microsoft.com/office/mac/drawingml/2011/main" xmlns="" val="1"/>
             </a:ext>
           </a:extLst>
         </p:spPr>
@@ -15157,7 +15157,7 @@
           </a:ln>
           <a:extLst>
             <a:ext uri="{C572A759-6A51-4108-AA02-DFA0A04FC94B}">
-              <ma14:wrappingTextBoxFlag xmlns="" xmlns:ma14="http://schemas.microsoft.com/office/mac/drawingml/2011/main" val="1"/>
+              <ma14:wrappingTextBoxFlag xmlns:ma14="http://schemas.microsoft.com/office/mac/drawingml/2011/main" xmlns="" val="1"/>
             </a:ext>
           </a:extLst>
         </p:spPr>
@@ -15615,7 +15615,7 @@
           </a:ln>
           <a:extLst>
             <a:ext uri="{C572A759-6A51-4108-AA02-DFA0A04FC94B}">
-              <ma14:wrappingTextBoxFlag xmlns="" xmlns:ma14="http://schemas.microsoft.com/office/mac/drawingml/2011/main" val="1"/>
+              <ma14:wrappingTextBoxFlag xmlns:ma14="http://schemas.microsoft.com/office/mac/drawingml/2011/main" xmlns="" val="1"/>
             </a:ext>
           </a:extLst>
         </p:spPr>
@@ -15851,7 +15851,7 @@
           </a:ln>
           <a:extLst>
             <a:ext uri="{C572A759-6A51-4108-AA02-DFA0A04FC94B}">
-              <ma14:wrappingTextBoxFlag xmlns="" xmlns:ma14="http://schemas.microsoft.com/office/mac/drawingml/2011/main" val="1"/>
+              <ma14:wrappingTextBoxFlag xmlns:ma14="http://schemas.microsoft.com/office/mac/drawingml/2011/main" xmlns="" val="1"/>
             </a:ext>
           </a:extLst>
         </p:spPr>
@@ -15898,7 +15898,7 @@
           </a:ln>
           <a:extLst>
             <a:ext uri="{C572A759-6A51-4108-AA02-DFA0A04FC94B}">
-              <ma14:wrappingTextBoxFlag xmlns="" xmlns:ma14="http://schemas.microsoft.com/office/mac/drawingml/2011/main" val="1"/>
+              <ma14:wrappingTextBoxFlag xmlns:ma14="http://schemas.microsoft.com/office/mac/drawingml/2011/main" xmlns="" val="1"/>
             </a:ext>
           </a:extLst>
         </p:spPr>
@@ -16130,7 +16130,7 @@
           </a:ln>
           <a:extLst>
             <a:ext uri="{C572A759-6A51-4108-AA02-DFA0A04FC94B}">
-              <ma14:wrappingTextBoxFlag xmlns="" xmlns:ma14="http://schemas.microsoft.com/office/mac/drawingml/2011/main" val="1"/>
+              <ma14:wrappingTextBoxFlag xmlns:ma14="http://schemas.microsoft.com/office/mac/drawingml/2011/main" xmlns="" val="1"/>
             </a:ext>
           </a:extLst>
         </p:spPr>
@@ -16260,7 +16260,7 @@
           </a:ln>
           <a:extLst>
             <a:ext uri="{C572A759-6A51-4108-AA02-DFA0A04FC94B}">
-              <ma14:wrappingTextBoxFlag xmlns="" xmlns:ma14="http://schemas.microsoft.com/office/mac/drawingml/2011/main" val="1"/>
+              <ma14:wrappingTextBoxFlag xmlns:ma14="http://schemas.microsoft.com/office/mac/drawingml/2011/main" xmlns="" val="1"/>
             </a:ext>
           </a:extLst>
         </p:spPr>
@@ -16375,7 +16375,7 @@
           </a:ln>
           <a:extLst>
             <a:ext uri="{C572A759-6A51-4108-AA02-DFA0A04FC94B}">
-              <ma14:wrappingTextBoxFlag xmlns="" xmlns:ma14="http://schemas.microsoft.com/office/mac/drawingml/2011/main" val="1"/>
+              <ma14:wrappingTextBoxFlag xmlns:ma14="http://schemas.microsoft.com/office/mac/drawingml/2011/main" xmlns="" val="1"/>
             </a:ext>
           </a:extLst>
         </p:spPr>
@@ -16815,7 +16815,7 @@
           </a:ln>
           <a:extLst>
             <a:ext uri="{C572A759-6A51-4108-AA02-DFA0A04FC94B}">
-              <ma14:wrappingTextBoxFlag xmlns="" xmlns:ma14="http://schemas.microsoft.com/office/mac/drawingml/2011/main" val="1"/>
+              <ma14:wrappingTextBoxFlag xmlns:ma14="http://schemas.microsoft.com/office/mac/drawingml/2011/main" xmlns="" val="1"/>
             </a:ext>
           </a:extLst>
         </p:spPr>
@@ -17081,7 +17081,7 @@
           </a:ln>
           <a:extLst>
             <a:ext uri="{C572A759-6A51-4108-AA02-DFA0A04FC94B}">
-              <ma14:wrappingTextBoxFlag xmlns="" xmlns:ma14="http://schemas.microsoft.com/office/mac/drawingml/2011/main" val="1"/>
+              <ma14:wrappingTextBoxFlag xmlns:ma14="http://schemas.microsoft.com/office/mac/drawingml/2011/main" xmlns="" val="1"/>
             </a:ext>
           </a:extLst>
         </p:spPr>
@@ -17153,7 +17153,7 @@
             </a:ln>
             <a:extLst>
               <a:ext uri="{C572A759-6A51-4108-AA02-DFA0A04FC94B}">
-                <ma14:wrappingTextBoxFlag xmlns="" xmlns:ma14="http://schemas.microsoft.com/office/mac/drawingml/2011/main" val="1"/>
+                <ma14:wrappingTextBoxFlag xmlns:ma14="http://schemas.microsoft.com/office/mac/drawingml/2011/main" xmlns="" val="1"/>
               </a:ext>
             </a:extLst>
           </p:spPr>
@@ -17230,7 +17230,7 @@
             </a:ln>
             <a:extLst>
               <a:ext uri="{C572A759-6A51-4108-AA02-DFA0A04FC94B}">
-                <ma14:wrappingTextBoxFlag xmlns="" xmlns:ma14="http://schemas.microsoft.com/office/mac/drawingml/2011/main" val="1"/>
+                <ma14:wrappingTextBoxFlag xmlns:ma14="http://schemas.microsoft.com/office/mac/drawingml/2011/main" xmlns="" val="1"/>
               </a:ext>
             </a:extLst>
           </p:spPr>
@@ -17335,7 +17335,7 @@
             </a:ln>
             <a:extLst>
               <a:ext uri="{C572A759-6A51-4108-AA02-DFA0A04FC94B}">
-                <ma14:wrappingTextBoxFlag xmlns="" xmlns:ma14="http://schemas.microsoft.com/office/mac/drawingml/2011/main" val="1"/>
+                <ma14:wrappingTextBoxFlag xmlns:ma14="http://schemas.microsoft.com/office/mac/drawingml/2011/main" xmlns="" val="1"/>
               </a:ext>
             </a:extLst>
           </p:spPr>
@@ -17415,7 +17415,7 @@
             </a:ln>
             <a:extLst>
               <a:ext uri="{C572A759-6A51-4108-AA02-DFA0A04FC94B}">
-                <ma14:wrappingTextBoxFlag xmlns="" xmlns:ma14="http://schemas.microsoft.com/office/mac/drawingml/2011/main" val="1"/>
+                <ma14:wrappingTextBoxFlag xmlns:ma14="http://schemas.microsoft.com/office/mac/drawingml/2011/main" xmlns="" val="1"/>
               </a:ext>
             </a:extLst>
           </p:spPr>
@@ -17486,7 +17486,7 @@
             </a:ln>
             <a:extLst>
               <a:ext uri="{C572A759-6A51-4108-AA02-DFA0A04FC94B}">
-                <ma14:wrappingTextBoxFlag xmlns="" xmlns:ma14="http://schemas.microsoft.com/office/mac/drawingml/2011/main" val="1"/>
+                <ma14:wrappingTextBoxFlag xmlns:ma14="http://schemas.microsoft.com/office/mac/drawingml/2011/main" xmlns="" val="1"/>
               </a:ext>
             </a:extLst>
           </p:spPr>
@@ -17549,7 +17549,7 @@
             </a:ln>
             <a:extLst>
               <a:ext uri="{C572A759-6A51-4108-AA02-DFA0A04FC94B}">
-                <ma14:wrappingTextBoxFlag xmlns="" xmlns:ma14="http://schemas.microsoft.com/office/mac/drawingml/2011/main" val="1"/>
+                <ma14:wrappingTextBoxFlag xmlns:ma14="http://schemas.microsoft.com/office/mac/drawingml/2011/main" xmlns="" val="1"/>
               </a:ext>
             </a:extLst>
           </p:spPr>
@@ -23251,7 +23251,12 @@
           <a:prstGeom prst="rect">
             <a:avLst/>
           </a:prstGeom>
-          <a:noFill/>
+          <a:solidFill>
+            <a:schemeClr val="tx1">
+              <a:lumMod val="75000"/>
+              <a:lumOff val="25000"/>
+            </a:schemeClr>
+          </a:solidFill>
         </p:spPr>
         <p:txBody>
           <a:bodyPr wrap="none" rtlCol="0">
@@ -23543,7 +23548,7 @@
         </p:nvSpPr>
         <p:spPr>
           <a:xfrm>
-            <a:off x="3032125" y="12128338"/>
+            <a:off x="3032806" y="12128338"/>
             <a:ext cx="9921875" cy="646331"/>
           </a:xfrm>
           <a:prstGeom prst="rect">
@@ -23648,61 +23653,6 @@
             </a:r>
             <a:endParaRPr lang="ru-RU" altLang="ru-RU" sz="6600" dirty="0">
               <a:latin typeface="Arial" panose="020B0604020202020204" pitchFamily="34" charset="0"/>
-            </a:endParaRPr>
-          </a:p>
-        </p:txBody>
-      </p:sp>
-      <p:sp>
-        <p:nvSpPr>
-          <p:cNvPr id="2" name="Нижний колонтитул 1"/>
-          <p:cNvSpPr>
-            <a:spLocks noGrp="1"/>
-          </p:cNvSpPr>
-          <p:nvPr>
-            <p:ph type="ftr" sz="quarter" idx="11"/>
-          </p:nvPr>
-        </p:nvSpPr>
-        <p:spPr/>
-        <p:txBody>
-          <a:bodyPr/>
-          <a:lstStyle/>
-          <a:p>
-            <a:endParaRPr lang="ru-RU" dirty="0">
-              <a:solidFill>
-                <a:srgbClr val="000000"/>
-              </a:solidFill>
-            </a:endParaRPr>
-          </a:p>
-        </p:txBody>
-      </p:sp>
-      <p:sp>
-        <p:nvSpPr>
-          <p:cNvPr id="3" name="Номер слайда 2"/>
-          <p:cNvSpPr>
-            <a:spLocks noGrp="1"/>
-          </p:cNvSpPr>
-          <p:nvPr>
-            <p:ph type="sldNum" sz="quarter" idx="12"/>
-          </p:nvPr>
-        </p:nvSpPr>
-        <p:spPr/>
-        <p:txBody>
-          <a:bodyPr/>
-          <a:lstStyle/>
-          <a:p>
-            <a:fld id="{741C03D3-FA44-40EC-9A21-1FC4FEA3E22E}" type="slidenum">
-              <a:rPr lang="ru-RU" smtClean="0">
-                <a:solidFill>
-                  <a:srgbClr val="000000"/>
-                </a:solidFill>
-              </a:rPr>
-              <a:pPr/>
-              <a:t>13</a:t>
-            </a:fld>
-            <a:endParaRPr lang="ru-RU">
-              <a:solidFill>
-                <a:srgbClr val="000000"/>
-              </a:solidFill>
             </a:endParaRPr>
           </a:p>
         </p:txBody>
@@ -24123,6 +24073,61 @@
       </p:sp>
       <p:sp>
         <p:nvSpPr>
+          <p:cNvPr id="2" name="Нижний колонтитул 1"/>
+          <p:cNvSpPr>
+            <a:spLocks noGrp="1"/>
+          </p:cNvSpPr>
+          <p:nvPr>
+            <p:ph type="ftr" sz="quarter" idx="11"/>
+          </p:nvPr>
+        </p:nvSpPr>
+        <p:spPr/>
+        <p:txBody>
+          <a:bodyPr/>
+          <a:lstStyle/>
+          <a:p>
+            <a:endParaRPr lang="ru-RU" dirty="0">
+              <a:solidFill>
+                <a:srgbClr val="000000"/>
+              </a:solidFill>
+            </a:endParaRPr>
+          </a:p>
+        </p:txBody>
+      </p:sp>
+      <p:sp>
+        <p:nvSpPr>
+          <p:cNvPr id="3" name="Номер слайда 2"/>
+          <p:cNvSpPr>
+            <a:spLocks noGrp="1"/>
+          </p:cNvSpPr>
+          <p:nvPr>
+            <p:ph type="sldNum" sz="quarter" idx="12"/>
+          </p:nvPr>
+        </p:nvSpPr>
+        <p:spPr/>
+        <p:txBody>
+          <a:bodyPr/>
+          <a:lstStyle/>
+          <a:p>
+            <a:fld id="{741C03D3-FA44-40EC-9A21-1FC4FEA3E22E}" type="slidenum">
+              <a:rPr lang="ru-RU" smtClean="0">
+                <a:solidFill>
+                  <a:srgbClr val="000000"/>
+                </a:solidFill>
+              </a:rPr>
+              <a:pPr/>
+              <a:t>13</a:t>
+            </a:fld>
+            <a:endParaRPr lang="ru-RU">
+              <a:solidFill>
+                <a:srgbClr val="000000"/>
+              </a:solidFill>
+            </a:endParaRPr>
+          </a:p>
+        </p:txBody>
+      </p:sp>
+      <p:sp>
+        <p:nvSpPr>
           <p:cNvPr id="9" name="TextBox 8"/>
           <p:cNvSpPr txBox="1"/>
           <p:nvPr/>
@@ -24130,12 +24135,17 @@
         <p:spPr>
           <a:xfrm>
             <a:off x="3032937" y="10409269"/>
-            <a:ext cx="8395069" cy="646331"/>
+            <a:ext cx="6487301" cy="646331"/>
           </a:xfrm>
           <a:prstGeom prst="rect">
             <a:avLst/>
           </a:prstGeom>
-          <a:noFill/>
+          <a:solidFill>
+            <a:schemeClr val="tx1">
+              <a:lumMod val="75000"/>
+              <a:lumOff val="25000"/>
+            </a:schemeClr>
+          </a:solidFill>
         </p:spPr>
         <p:txBody>
           <a:bodyPr wrap="square" rtlCol="0">
@@ -24314,12 +24324,17 @@
         <p:spPr>
           <a:xfrm>
             <a:off x="3032125" y="12122300"/>
-            <a:ext cx="8395069" cy="646331"/>
+            <a:ext cx="6488113" cy="646331"/>
           </a:xfrm>
           <a:prstGeom prst="rect">
             <a:avLst/>
           </a:prstGeom>
-          <a:noFill/>
+          <a:solidFill>
+            <a:schemeClr val="tx1">
+              <a:lumMod val="75000"/>
+              <a:lumOff val="25000"/>
+            </a:schemeClr>
+          </a:solidFill>
         </p:spPr>
         <p:txBody>
           <a:bodyPr wrap="square" rtlCol="0">
@@ -24903,12 +24918,12 @@
       </p:par>
     </p:tnLst>
     <p:bldLst>
-      <p:bldP spid="6" grpId="0"/>
+      <p:bldP spid="6" grpId="0" animBg="1"/>
       <p:bldP spid="11" grpId="0"/>
       <p:bldP spid="5" grpId="0"/>
-      <p:bldP spid="9" grpId="0"/>
+      <p:bldP spid="9" grpId="0" animBg="1"/>
       <p:bldP spid="8" grpId="0"/>
-      <p:bldP spid="12" grpId="0"/>
+      <p:bldP spid="12" grpId="0" animBg="1"/>
     </p:bldLst>
   </p:timing>
 </p:sld>
@@ -27423,7 +27438,12 @@
           <a:prstGeom prst="rect">
             <a:avLst/>
           </a:prstGeom>
-          <a:noFill/>
+          <a:solidFill>
+            <a:schemeClr val="tx1">
+              <a:lumMod val="75000"/>
+              <a:lumOff val="25000"/>
+            </a:schemeClr>
+          </a:solidFill>
         </p:spPr>
         <p:txBody>
           <a:bodyPr wrap="square" rtlCol="0">
@@ -28179,12 +28199,17 @@
         <p:spPr>
           <a:xfrm>
             <a:off x="3032806" y="10674000"/>
-            <a:ext cx="9148763" cy="646331"/>
+            <a:ext cx="9158400" cy="646331"/>
           </a:xfrm>
           <a:prstGeom prst="rect">
             <a:avLst/>
           </a:prstGeom>
-          <a:noFill/>
+          <a:solidFill>
+            <a:schemeClr val="tx1">
+              <a:lumMod val="75000"/>
+              <a:lumOff val="25000"/>
+            </a:schemeClr>
+          </a:solidFill>
         </p:spPr>
         <p:txBody>
           <a:bodyPr wrap="square" rtlCol="0">
@@ -28395,12 +28420,17 @@
         <p:spPr>
           <a:xfrm>
             <a:off x="3024000" y="12078000"/>
-            <a:ext cx="11075206" cy="646331"/>
+            <a:ext cx="10312588" cy="646331"/>
           </a:xfrm>
           <a:prstGeom prst="rect">
             <a:avLst/>
           </a:prstGeom>
-          <a:noFill/>
+          <a:solidFill>
+            <a:schemeClr val="tx1">
+              <a:lumMod val="75000"/>
+              <a:lumOff val="25000"/>
+            </a:schemeClr>
+          </a:solidFill>
         </p:spPr>
         <p:txBody>
           <a:bodyPr wrap="square" rtlCol="0">
@@ -28999,12 +29029,12 @@
       </p:par>
     </p:tnLst>
     <p:bldLst>
-      <p:bldP spid="8" grpId="0"/>
+      <p:bldP spid="8" grpId="0" animBg="1"/>
       <p:bldP spid="7" grpId="0"/>
       <p:bldP spid="10" grpId="0"/>
-      <p:bldP spid="11" grpId="0"/>
+      <p:bldP spid="11" grpId="0" animBg="1"/>
       <p:bldP spid="12" grpId="0"/>
-      <p:bldP spid="13" grpId="0"/>
+      <p:bldP spid="13" grpId="0" animBg="1"/>
     </p:bldLst>
   </p:timing>
 </p:sld>
@@ -40773,7 +40803,7 @@
               <a:effectLst/>
               <a:extLst>
                 <a:ext uri="{C572A759-6A51-4108-AA02-DFA0A04FC94B}">
-                  <ma14:wrappingTextBoxFlag xmlns="" xmlns:ma14="http://schemas.microsoft.com/office/mac/drawingml/2011/main" val="1"/>
+                  <ma14:wrappingTextBoxFlag xmlns:ma14="http://schemas.microsoft.com/office/mac/drawingml/2011/main" xmlns="" val="1"/>
                 </a:ext>
               </a:extLst>
             </p:spPr>
@@ -42145,7 +42175,7 @@
               <a:effectLst/>
               <a:extLst>
                 <a:ext uri="{C572A759-6A51-4108-AA02-DFA0A04FC94B}">
-                  <ma14:wrappingTextBoxFlag xmlns="" xmlns:ma14="http://schemas.microsoft.com/office/mac/drawingml/2011/main" val="1"/>
+                  <ma14:wrappingTextBoxFlag xmlns:ma14="http://schemas.microsoft.com/office/mac/drawingml/2011/main" xmlns="" val="1"/>
                 </a:ext>
               </a:extLst>
             </p:spPr>
@@ -42917,7 +42947,7 @@
               <a:effectLst/>
               <a:extLst>
                 <a:ext uri="{C572A759-6A51-4108-AA02-DFA0A04FC94B}">
-                  <ma14:wrappingTextBoxFlag xmlns="" xmlns:ma14="http://schemas.microsoft.com/office/mac/drawingml/2011/main" val="1"/>
+                  <ma14:wrappingTextBoxFlag xmlns:ma14="http://schemas.microsoft.com/office/mac/drawingml/2011/main" xmlns="" val="1"/>
                 </a:ext>
               </a:extLst>
             </p:spPr>

--- a/slides.pptx
+++ b/slides.pptx
@@ -6,7 +6,7 @@
     <p:sldMasterId id="2147483735" r:id="rId2"/>
   </p:sldMasterIdLst>
   <p:notesMasterIdLst>
-    <p:notesMasterId r:id="rId33"/>
+    <p:notesMasterId r:id="rId32"/>
   </p:notesMasterIdLst>
   <p:sldIdLst>
     <p:sldId id="303" r:id="rId3"/>
@@ -32,13 +32,12 @@
     <p:sldId id="331" r:id="rId23"/>
     <p:sldId id="332" r:id="rId24"/>
     <p:sldId id="333" r:id="rId25"/>
-    <p:sldId id="334" r:id="rId26"/>
-    <p:sldId id="335" r:id="rId27"/>
-    <p:sldId id="336" r:id="rId28"/>
-    <p:sldId id="300" r:id="rId29"/>
-    <p:sldId id="309" r:id="rId30"/>
-    <p:sldId id="310" r:id="rId31"/>
-    <p:sldId id="311" r:id="rId32"/>
+    <p:sldId id="335" r:id="rId26"/>
+    <p:sldId id="336" r:id="rId27"/>
+    <p:sldId id="300" r:id="rId28"/>
+    <p:sldId id="309" r:id="rId29"/>
+    <p:sldId id="310" r:id="rId30"/>
+    <p:sldId id="311" r:id="rId31"/>
   </p:sldIdLst>
   <p:sldSz cx="24382413" cy="13716000"/>
   <p:notesSz cx="6858000" cy="9144000"/>
@@ -165,7 +164,6 @@
             <p14:sldId id="331"/>
             <p14:sldId id="332"/>
             <p14:sldId id="333"/>
-            <p14:sldId id="334"/>
             <p14:sldId id="335"/>
             <p14:sldId id="336"/>
             <p14:sldId id="300"/>
@@ -31799,10 +31797,13 @@
           <a:bodyPr/>
           <a:lstStyle/>
           <a:p>
-            <a:pPr>
-              <a:lnSpc>
-                <a:spcPct val="135000"/>
-              </a:lnSpc>
+            <a:pPr lvl="0" defTabSz="914400" eaLnBrk="0" fontAlgn="base" hangingPunct="0">
+              <a:spcBef>
+                <a:spcPct val="0"/>
+              </a:spcBef>
+              <a:spcAft>
+                <a:spcPct val="0"/>
+              </a:spcAft>
             </a:pPr>
             <a:r>
               <a:rPr lang="ru-RU" altLang="ru-RU" dirty="0" err="1">
@@ -32295,7 +32296,175 @@
               </a:rPr>
             </a:br>
             <a:r>
-              <a:rPr lang="ru-RU" altLang="ru-RU" dirty="0">
+              <a:rPr lang="ru-RU" altLang="ru-RU" dirty="0" err="1">
+                <a:solidFill>
+                  <a:srgbClr val="FFFFFF"/>
+                </a:solidFill>
+                <a:latin typeface="Verdana" panose="020B0604030504040204" pitchFamily="34" charset="0"/>
+              </a:rPr>
+              <a:t>private</a:t>
+            </a:r>
+            <a:r>
+              <a:rPr lang="ru-RU" altLang="ru-RU" dirty="0">
+                <a:solidFill>
+                  <a:srgbClr val="FFFFFF"/>
+                </a:solidFill>
+                <a:latin typeface="Verdana" panose="020B0604030504040204" pitchFamily="34" charset="0"/>
+              </a:rPr>
+              <a:t>:</a:t>
+            </a:r>
+            <a:br>
+              <a:rPr lang="ru-RU" altLang="ru-RU" dirty="0">
+                <a:solidFill>
+                  <a:srgbClr val="FFFFFF"/>
+                </a:solidFill>
+                <a:latin typeface="Verdana" panose="020B0604030504040204" pitchFamily="34" charset="0"/>
+              </a:rPr>
+            </a:br>
+            <a:r>
+              <a:rPr lang="ru-RU" altLang="ru-RU" dirty="0">
+                <a:solidFill>
+                  <a:srgbClr val="FFFFFF"/>
+                </a:solidFill>
+                <a:latin typeface="Verdana" panose="020B0604030504040204" pitchFamily="34" charset="0"/>
+              </a:rPr>
+              <a:t>    </a:t>
+            </a:r>
+            <a:r>
+              <a:rPr lang="ru-RU" altLang="ru-RU" dirty="0" err="1">
+                <a:solidFill>
+                  <a:srgbClr val="FFCC00"/>
+                </a:solidFill>
+                <a:latin typeface="Verdana" panose="020B0604030504040204" pitchFamily="34" charset="0"/>
+              </a:rPr>
+              <a:t>HttpCode</a:t>
+            </a:r>
+            <a:r>
+              <a:rPr lang="ru-RU" altLang="ru-RU" dirty="0">
+                <a:solidFill>
+                  <a:srgbClr val="FFCC00"/>
+                </a:solidFill>
+                <a:latin typeface="Verdana" panose="020B0604030504040204" pitchFamily="34" charset="0"/>
+              </a:rPr>
+              <a:t> </a:t>
+            </a:r>
+            <a:r>
+              <a:rPr lang="ru-RU" altLang="ru-RU" dirty="0" err="1">
+                <a:solidFill>
+                  <a:srgbClr val="5BCD9D"/>
+                </a:solidFill>
+                <a:latin typeface="Verdana" panose="020B0604030504040204" pitchFamily="34" charset="0"/>
+              </a:rPr>
+              <a:t>code</a:t>
+            </a:r>
+            <a:r>
+              <a:rPr lang="ru-RU" altLang="ru-RU" dirty="0">
+                <a:solidFill>
+                  <a:srgbClr val="5BCD9D"/>
+                </a:solidFill>
+                <a:latin typeface="Verdana" panose="020B0604030504040204" pitchFamily="34" charset="0"/>
+              </a:rPr>
+              <a:t>_</a:t>
+            </a:r>
+            <a:r>
+              <a:rPr lang="ru-RU" altLang="ru-RU" dirty="0">
+                <a:solidFill>
+                  <a:srgbClr val="FFFFFF"/>
+                </a:solidFill>
+                <a:latin typeface="Verdana" panose="020B0604030504040204" pitchFamily="34" charset="0"/>
+              </a:rPr>
+              <a:t>;</a:t>
+            </a:r>
+            <a:br>
+              <a:rPr lang="ru-RU" altLang="ru-RU" dirty="0">
+                <a:solidFill>
+                  <a:srgbClr val="FFFFFF"/>
+                </a:solidFill>
+                <a:latin typeface="Verdana" panose="020B0604030504040204" pitchFamily="34" charset="0"/>
+              </a:rPr>
+            </a:br>
+            <a:r>
+              <a:rPr lang="ru-RU" altLang="ru-RU" dirty="0">
+                <a:solidFill>
+                  <a:srgbClr val="FFFFFF"/>
+                </a:solidFill>
+                <a:latin typeface="Verdana" panose="020B0604030504040204" pitchFamily="34" charset="0"/>
+              </a:rPr>
+              <a:t>    </a:t>
+            </a:r>
+            <a:r>
+              <a:rPr lang="ru-RU" altLang="ru-RU" dirty="0" err="1">
+                <a:solidFill>
+                  <a:srgbClr val="9E64A9"/>
+                </a:solidFill>
+                <a:latin typeface="Verdana" panose="020B0604030504040204" pitchFamily="34" charset="0"/>
+              </a:rPr>
+              <a:t>std</a:t>
+            </a:r>
+            <a:r>
+              <a:rPr lang="ru-RU" altLang="ru-RU" dirty="0">
+                <a:solidFill>
+                  <a:srgbClr val="FFFFFF"/>
+                </a:solidFill>
+                <a:latin typeface="Verdana" panose="020B0604030504040204" pitchFamily="34" charset="0"/>
+              </a:rPr>
+              <a:t>::</a:t>
+            </a:r>
+            <a:r>
+              <a:rPr lang="ru-RU" altLang="ru-RU" dirty="0" err="1">
+                <a:solidFill>
+                  <a:srgbClr val="FFCC00"/>
+                </a:solidFill>
+                <a:latin typeface="Verdana" panose="020B0604030504040204" pitchFamily="34" charset="0"/>
+              </a:rPr>
+              <a:t>string</a:t>
+            </a:r>
+            <a:r>
+              <a:rPr lang="ru-RU" altLang="ru-RU" dirty="0">
+                <a:solidFill>
+                  <a:srgbClr val="FFCC00"/>
+                </a:solidFill>
+                <a:latin typeface="Verdana" panose="020B0604030504040204" pitchFamily="34" charset="0"/>
+              </a:rPr>
+              <a:t> </a:t>
+            </a:r>
+            <a:r>
+              <a:rPr lang="ru-RU" altLang="ru-RU" dirty="0" err="1">
+                <a:solidFill>
+                  <a:srgbClr val="5BCD9D"/>
+                </a:solidFill>
+                <a:latin typeface="Verdana" panose="020B0604030504040204" pitchFamily="34" charset="0"/>
+              </a:rPr>
+              <a:t>content</a:t>
+            </a:r>
+            <a:r>
+              <a:rPr lang="ru-RU" altLang="ru-RU" dirty="0">
+                <a:solidFill>
+                  <a:srgbClr val="5BCD9D"/>
+                </a:solidFill>
+                <a:latin typeface="Verdana" panose="020B0604030504040204" pitchFamily="34" charset="0"/>
+              </a:rPr>
+              <a:t>_</a:t>
+            </a:r>
+            <a:r>
+              <a:rPr lang="ru-RU" altLang="ru-RU" dirty="0">
+                <a:solidFill>
+                  <a:srgbClr val="FFFFFF"/>
+                </a:solidFill>
+                <a:latin typeface="Verdana" panose="020B0604030504040204" pitchFamily="34" charset="0"/>
+              </a:rPr>
+              <a:t>;</a:t>
+            </a:r>
+            <a:br>
+              <a:rPr lang="ru-RU" altLang="ru-RU" dirty="0">
+                <a:solidFill>
+                  <a:srgbClr val="FFFFFF"/>
+                </a:solidFill>
+                <a:latin typeface="Verdana" panose="020B0604030504040204" pitchFamily="34" charset="0"/>
+              </a:rPr>
+            </a:br>
+            <a:r>
+              <a:rPr lang="ru-RU" altLang="ru-RU" dirty="0" smtClean="0">
                 <a:solidFill>
                   <a:srgbClr val="FFFFFF"/>
                 </a:solidFill>
@@ -32303,6 +32472,155 @@
               </a:rPr>
               <a:t>};</a:t>
             </a:r>
+            <a:endParaRPr lang="en-US" altLang="ru-RU" dirty="0" smtClean="0">
+              <a:solidFill>
+                <a:srgbClr val="FFFFFF"/>
+              </a:solidFill>
+              <a:latin typeface="Verdana" panose="020B0604030504040204" pitchFamily="34" charset="0"/>
+            </a:endParaRPr>
+          </a:p>
+          <a:p>
+            <a:pPr lvl="0" defTabSz="914400" eaLnBrk="0" fontAlgn="base" hangingPunct="0">
+              <a:spcBef>
+                <a:spcPct val="0"/>
+              </a:spcBef>
+              <a:spcAft>
+                <a:spcPct val="0"/>
+              </a:spcAft>
+            </a:pPr>
+            <a:endParaRPr lang="en-US" altLang="ru-RU" dirty="0" smtClean="0">
+              <a:solidFill>
+                <a:srgbClr val="FFFFFF"/>
+              </a:solidFill>
+              <a:latin typeface="Verdana" panose="020B0604030504040204" pitchFamily="34" charset="0"/>
+            </a:endParaRPr>
+          </a:p>
+          <a:p>
+            <a:pPr lvl="0" defTabSz="914400" eaLnBrk="0" fontAlgn="base" hangingPunct="0">
+              <a:spcBef>
+                <a:spcPct val="0"/>
+              </a:spcBef>
+              <a:spcAft>
+                <a:spcPct val="0"/>
+              </a:spcAft>
+            </a:pPr>
+            <a:r>
+              <a:rPr lang="ru-RU" altLang="ru-RU" dirty="0" err="1">
+                <a:solidFill>
+                  <a:srgbClr val="FFCC00"/>
+                </a:solidFill>
+                <a:latin typeface="Verdana" panose="020B0604030504040204" pitchFamily="34" charset="0"/>
+              </a:rPr>
+              <a:t>HttpResponse</a:t>
+            </a:r>
+            <a:r>
+              <a:rPr lang="ru-RU" altLang="ru-RU" dirty="0">
+                <a:solidFill>
+                  <a:srgbClr val="FFFFFF"/>
+                </a:solidFill>
+                <a:latin typeface="Verdana" panose="020B0604030504040204" pitchFamily="34" charset="0"/>
+              </a:rPr>
+              <a:t>::</a:t>
+            </a:r>
+            <a:r>
+              <a:rPr lang="ru-RU" altLang="ru-RU" dirty="0" err="1">
+                <a:solidFill>
+                  <a:srgbClr val="FFCC00"/>
+                </a:solidFill>
+                <a:latin typeface="Verdana" panose="020B0604030504040204" pitchFamily="34" charset="0"/>
+              </a:rPr>
+              <a:t>HttpResponse</a:t>
+            </a:r>
+            <a:r>
+              <a:rPr lang="ru-RU" altLang="ru-RU" dirty="0">
+                <a:solidFill>
+                  <a:srgbClr val="FFFFFF"/>
+                </a:solidFill>
+                <a:latin typeface="Verdana" panose="020B0604030504040204" pitchFamily="34" charset="0"/>
+              </a:rPr>
+              <a:t>(</a:t>
+            </a:r>
+            <a:r>
+              <a:rPr lang="ru-RU" altLang="ru-RU" dirty="0" err="1">
+                <a:solidFill>
+                  <a:srgbClr val="FFCC00"/>
+                </a:solidFill>
+                <a:latin typeface="Verdana" panose="020B0604030504040204" pitchFamily="34" charset="0"/>
+              </a:rPr>
+              <a:t>HttpCode</a:t>
+            </a:r>
+            <a:r>
+              <a:rPr lang="ru-RU" altLang="ru-RU" dirty="0">
+                <a:solidFill>
+                  <a:srgbClr val="FFCC00"/>
+                </a:solidFill>
+                <a:latin typeface="Verdana" panose="020B0604030504040204" pitchFamily="34" charset="0"/>
+              </a:rPr>
+              <a:t> </a:t>
+            </a:r>
+            <a:r>
+              <a:rPr lang="ru-RU" altLang="ru-RU" dirty="0" err="1">
+                <a:solidFill>
+                  <a:srgbClr val="5BCD9D"/>
+                </a:solidFill>
+                <a:latin typeface="Verdana" panose="020B0604030504040204" pitchFamily="34" charset="0"/>
+              </a:rPr>
+              <a:t>code</a:t>
+            </a:r>
+            <a:r>
+              <a:rPr lang="ru-RU" altLang="ru-RU" dirty="0">
+                <a:solidFill>
+                  <a:srgbClr val="FFFFFF"/>
+                </a:solidFill>
+                <a:latin typeface="Verdana" panose="020B0604030504040204" pitchFamily="34" charset="0"/>
+              </a:rPr>
+              <a:t>) : </a:t>
+            </a:r>
+            <a:r>
+              <a:rPr lang="ru-RU" altLang="ru-RU" dirty="0" err="1">
+                <a:solidFill>
+                  <a:srgbClr val="5BCD9D"/>
+                </a:solidFill>
+                <a:latin typeface="Verdana" panose="020B0604030504040204" pitchFamily="34" charset="0"/>
+              </a:rPr>
+              <a:t>code</a:t>
+            </a:r>
+            <a:r>
+              <a:rPr lang="ru-RU" altLang="ru-RU" dirty="0">
+                <a:solidFill>
+                  <a:srgbClr val="5BCD9D"/>
+                </a:solidFill>
+                <a:latin typeface="Verdana" panose="020B0604030504040204" pitchFamily="34" charset="0"/>
+              </a:rPr>
+              <a:t>_</a:t>
+            </a:r>
+            <a:r>
+              <a:rPr lang="ru-RU" altLang="ru-RU" dirty="0">
+                <a:solidFill>
+                  <a:srgbClr val="FFFFFF"/>
+                </a:solidFill>
+                <a:latin typeface="Verdana" panose="020B0604030504040204" pitchFamily="34" charset="0"/>
+              </a:rPr>
+              <a:t>(</a:t>
+            </a:r>
+            <a:r>
+              <a:rPr lang="ru-RU" altLang="ru-RU" dirty="0" err="1">
+                <a:solidFill>
+                  <a:srgbClr val="5BCD9D"/>
+                </a:solidFill>
+                <a:latin typeface="Verdana" panose="020B0604030504040204" pitchFamily="34" charset="0"/>
+              </a:rPr>
+              <a:t>code</a:t>
+            </a:r>
+            <a:r>
+              <a:rPr lang="ru-RU" altLang="ru-RU" dirty="0">
+                <a:solidFill>
+                  <a:srgbClr val="FFFFFF"/>
+                </a:solidFill>
+                <a:latin typeface="Verdana" panose="020B0604030504040204" pitchFamily="34" charset="0"/>
+              </a:rPr>
+              <a:t>) {</a:t>
+            </a:r>
             <a:br>
               <a:rPr lang="ru-RU" altLang="ru-RU" dirty="0">
                 <a:solidFill>
@@ -32312,87 +32630,7 @@
               </a:rPr>
             </a:br>
             <a:r>
-              <a:rPr lang="ru-RU" altLang="ru-RU" dirty="0" err="1" smtClean="0">
-                <a:solidFill>
-                  <a:srgbClr val="FFCC00"/>
-                </a:solidFill>
-                <a:latin typeface="Verdana" panose="020B0604030504040204" pitchFamily="34" charset="0"/>
-              </a:rPr>
-              <a:t>HttpResponse</a:t>
-            </a:r>
-            <a:r>
-              <a:rPr lang="ru-RU" altLang="ru-RU" dirty="0">
-                <a:solidFill>
-                  <a:srgbClr val="FFFFFF"/>
-                </a:solidFill>
-                <a:latin typeface="Verdana" panose="020B0604030504040204" pitchFamily="34" charset="0"/>
-              </a:rPr>
-              <a:t>::</a:t>
-            </a:r>
-            <a:r>
-              <a:rPr lang="ru-RU" altLang="ru-RU" dirty="0" err="1">
-                <a:solidFill>
-                  <a:srgbClr val="FFCC00"/>
-                </a:solidFill>
-                <a:latin typeface="Verdana" panose="020B0604030504040204" pitchFamily="34" charset="0"/>
-              </a:rPr>
-              <a:t>HttpResponse</a:t>
-            </a:r>
-            <a:r>
-              <a:rPr lang="ru-RU" altLang="ru-RU" dirty="0">
-                <a:solidFill>
-                  <a:srgbClr val="FFFFFF"/>
-                </a:solidFill>
-                <a:latin typeface="Verdana" panose="020B0604030504040204" pitchFamily="34" charset="0"/>
-              </a:rPr>
-              <a:t>(</a:t>
-            </a:r>
-            <a:r>
-              <a:rPr lang="ru-RU" altLang="ru-RU" dirty="0" err="1">
-                <a:solidFill>
-                  <a:srgbClr val="FFCC00"/>
-                </a:solidFill>
-                <a:latin typeface="Verdana" panose="020B0604030504040204" pitchFamily="34" charset="0"/>
-              </a:rPr>
-              <a:t>HttpCode</a:t>
-            </a:r>
-            <a:r>
-              <a:rPr lang="ru-RU" altLang="ru-RU" dirty="0">
-                <a:solidFill>
-                  <a:srgbClr val="FFCC00"/>
-                </a:solidFill>
-                <a:latin typeface="Verdana" panose="020B0604030504040204" pitchFamily="34" charset="0"/>
-              </a:rPr>
-              <a:t> </a:t>
-            </a:r>
-            <a:r>
-              <a:rPr lang="ru-RU" altLang="ru-RU" dirty="0" err="1">
-                <a:solidFill>
-                  <a:srgbClr val="5BCD9D"/>
-                </a:solidFill>
-                <a:latin typeface="Verdana" panose="020B0604030504040204" pitchFamily="34" charset="0"/>
-              </a:rPr>
-              <a:t>code</a:t>
-            </a:r>
-            <a:r>
-              <a:rPr lang="ru-RU" altLang="ru-RU" dirty="0">
-                <a:solidFill>
-                  <a:srgbClr val="FFFFFF"/>
-                </a:solidFill>
-                <a:latin typeface="Verdana" panose="020B0604030504040204" pitchFamily="34" charset="0"/>
-              </a:rPr>
-              <a:t>) {</a:t>
-            </a:r>
-            <a:br>
-              <a:rPr lang="ru-RU" altLang="ru-RU" dirty="0">
-                <a:solidFill>
-                  <a:srgbClr val="FFFFFF"/>
-                </a:solidFill>
-                <a:latin typeface="Verdana" panose="020B0604030504040204" pitchFamily="34" charset="0"/>
-              </a:rPr>
-            </a:br>
-            <a:r>
-              <a:rPr lang="ru-RU" altLang="ru-RU" dirty="0">
+              <a:rPr lang="ru-RU" altLang="ru-RU" dirty="0" smtClean="0">
                 <a:solidFill>
                   <a:srgbClr val="FFFFFF"/>
                 </a:solidFill>
@@ -32400,370 +32638,12 @@
               </a:rPr>
               <a:t>}</a:t>
             </a:r>
-            <a:br>
-              <a:rPr lang="ru-RU" altLang="ru-RU" dirty="0">
-                <a:solidFill>
-                  <a:srgbClr val="FFFFFF"/>
-                </a:solidFill>
-                <a:latin typeface="Verdana" panose="020B0604030504040204" pitchFamily="34" charset="0"/>
-              </a:rPr>
-            </a:br>
-            <a:r>
-              <a:rPr lang="ru-RU" altLang="ru-RU" dirty="0" err="1" smtClean="0">
-                <a:solidFill>
-                  <a:srgbClr val="FFCC00"/>
-                </a:solidFill>
-                <a:latin typeface="Verdana" panose="020B0604030504040204" pitchFamily="34" charset="0"/>
-              </a:rPr>
-              <a:t>HttpResponse</a:t>
-            </a:r>
-            <a:r>
-              <a:rPr lang="ru-RU" altLang="ru-RU" dirty="0">
-                <a:solidFill>
-                  <a:srgbClr val="FFFFFF"/>
-                </a:solidFill>
-                <a:latin typeface="Verdana" panose="020B0604030504040204" pitchFamily="34" charset="0"/>
-              </a:rPr>
-              <a:t>&amp; </a:t>
-            </a:r>
-            <a:r>
-              <a:rPr lang="ru-RU" altLang="ru-RU" dirty="0" err="1">
-                <a:solidFill>
-                  <a:srgbClr val="FFCC00"/>
-                </a:solidFill>
-                <a:latin typeface="Verdana" panose="020B0604030504040204" pitchFamily="34" charset="0"/>
-              </a:rPr>
-              <a:t>HttpResponse</a:t>
-            </a:r>
-            <a:r>
-              <a:rPr lang="ru-RU" altLang="ru-RU" dirty="0">
-                <a:solidFill>
-                  <a:srgbClr val="FFFFFF"/>
-                </a:solidFill>
-                <a:latin typeface="Verdana" panose="020B0604030504040204" pitchFamily="34" charset="0"/>
-              </a:rPr>
-              <a:t>::</a:t>
-            </a:r>
-            <a:r>
-              <a:rPr lang="ru-RU" altLang="ru-RU" dirty="0" err="1">
-                <a:solidFill>
-                  <a:srgbClr val="FFCC00"/>
-                </a:solidFill>
-                <a:latin typeface="Verdana" panose="020B0604030504040204" pitchFamily="34" charset="0"/>
-              </a:rPr>
-              <a:t>SetContent</a:t>
-            </a:r>
-            <a:r>
-              <a:rPr lang="ru-RU" altLang="ru-RU" dirty="0">
-                <a:solidFill>
-                  <a:srgbClr val="FFFFFF"/>
-                </a:solidFill>
-                <a:latin typeface="Verdana" panose="020B0604030504040204" pitchFamily="34" charset="0"/>
-              </a:rPr>
-              <a:t>(</a:t>
-            </a:r>
-            <a:r>
-              <a:rPr lang="ru-RU" altLang="ru-RU" dirty="0" err="1">
-                <a:solidFill>
-                  <a:srgbClr val="9E64A9"/>
-                </a:solidFill>
-                <a:latin typeface="Verdana" panose="020B0604030504040204" pitchFamily="34" charset="0"/>
-              </a:rPr>
-              <a:t>std</a:t>
-            </a:r>
-            <a:r>
-              <a:rPr lang="ru-RU" altLang="ru-RU" dirty="0">
-                <a:solidFill>
-                  <a:srgbClr val="FFFFFF"/>
-                </a:solidFill>
-                <a:latin typeface="Verdana" panose="020B0604030504040204" pitchFamily="34" charset="0"/>
-              </a:rPr>
-              <a:t>::</a:t>
-            </a:r>
-            <a:r>
-              <a:rPr lang="ru-RU" altLang="ru-RU" dirty="0" err="1">
-                <a:solidFill>
-                  <a:srgbClr val="FFCC00"/>
-                </a:solidFill>
-                <a:latin typeface="Verdana" panose="020B0604030504040204" pitchFamily="34" charset="0"/>
-              </a:rPr>
-              <a:t>string</a:t>
-            </a:r>
-            <a:r>
-              <a:rPr lang="ru-RU" altLang="ru-RU" dirty="0">
-                <a:solidFill>
-                  <a:srgbClr val="FFCC00"/>
-                </a:solidFill>
-                <a:latin typeface="Verdana" panose="020B0604030504040204" pitchFamily="34" charset="0"/>
-              </a:rPr>
-              <a:t> </a:t>
-            </a:r>
-            <a:r>
-              <a:rPr lang="ru-RU" altLang="ru-RU" dirty="0" err="1">
-                <a:solidFill>
-                  <a:srgbClr val="5BCD9D"/>
-                </a:solidFill>
-                <a:latin typeface="Verdana" panose="020B0604030504040204" pitchFamily="34" charset="0"/>
-              </a:rPr>
-              <a:t>value</a:t>
-            </a:r>
-            <a:r>
-              <a:rPr lang="ru-RU" altLang="ru-RU" dirty="0">
-                <a:solidFill>
-                  <a:srgbClr val="FFFFFF"/>
-                </a:solidFill>
-                <a:latin typeface="Verdana" panose="020B0604030504040204" pitchFamily="34" charset="0"/>
-              </a:rPr>
-              <a:t>) {</a:t>
-            </a:r>
-            <a:br>
-              <a:rPr lang="ru-RU" altLang="ru-RU" dirty="0">
-                <a:solidFill>
-                  <a:srgbClr val="FFFFFF"/>
-                </a:solidFill>
-                <a:latin typeface="Verdana" panose="020B0604030504040204" pitchFamily="34" charset="0"/>
-              </a:rPr>
-            </a:br>
-            <a:r>
-              <a:rPr lang="ru-RU" altLang="ru-RU" dirty="0">
-                <a:solidFill>
-                  <a:srgbClr val="FFFFFF"/>
-                </a:solidFill>
-                <a:latin typeface="Verdana" panose="020B0604030504040204" pitchFamily="34" charset="0"/>
-              </a:rPr>
-              <a:t>}</a:t>
-            </a:r>
-            <a:br>
-              <a:rPr lang="ru-RU" altLang="ru-RU" dirty="0">
-                <a:solidFill>
-                  <a:srgbClr val="FFFFFF"/>
-                </a:solidFill>
-                <a:latin typeface="Verdana" panose="020B0604030504040204" pitchFamily="34" charset="0"/>
-              </a:rPr>
-            </a:br>
-            <a:r>
-              <a:rPr lang="ru-RU" altLang="ru-RU" dirty="0" err="1" smtClean="0">
-                <a:solidFill>
-                  <a:srgbClr val="9E64A9"/>
-                </a:solidFill>
-                <a:latin typeface="Verdana" panose="020B0604030504040204" pitchFamily="34" charset="0"/>
-              </a:rPr>
-              <a:t>std</a:t>
-            </a:r>
-            <a:r>
-              <a:rPr lang="ru-RU" altLang="ru-RU" dirty="0">
-                <a:solidFill>
-                  <a:srgbClr val="FFFFFF"/>
-                </a:solidFill>
-                <a:latin typeface="Verdana" panose="020B0604030504040204" pitchFamily="34" charset="0"/>
-              </a:rPr>
-              <a:t>::</a:t>
-            </a:r>
-            <a:r>
-              <a:rPr lang="ru-RU" altLang="ru-RU" dirty="0" err="1">
-                <a:solidFill>
-                  <a:srgbClr val="FFCC00"/>
-                </a:solidFill>
-                <a:latin typeface="Verdana" panose="020B0604030504040204" pitchFamily="34" charset="0"/>
-              </a:rPr>
-              <a:t>ostream</a:t>
-            </a:r>
-            <a:r>
-              <a:rPr lang="ru-RU" altLang="ru-RU" dirty="0">
-                <a:solidFill>
-                  <a:srgbClr val="FFFFFF"/>
-                </a:solidFill>
-                <a:latin typeface="Verdana" panose="020B0604030504040204" pitchFamily="34" charset="0"/>
-              </a:rPr>
-              <a:t>&amp; </a:t>
-            </a:r>
-            <a:r>
-              <a:rPr lang="ru-RU" altLang="ru-RU" dirty="0" err="1">
-                <a:solidFill>
-                  <a:srgbClr val="FFFFFF"/>
-                </a:solidFill>
-                <a:latin typeface="Verdana" panose="020B0604030504040204" pitchFamily="34" charset="0"/>
-              </a:rPr>
-              <a:t>operator</a:t>
-            </a:r>
-            <a:r>
-              <a:rPr lang="ru-RU" altLang="ru-RU" dirty="0">
-                <a:solidFill>
-                  <a:srgbClr val="FFFFFF"/>
-                </a:solidFill>
-                <a:latin typeface="Verdana" panose="020B0604030504040204" pitchFamily="34" charset="0"/>
-              </a:rPr>
-              <a:t> </a:t>
-            </a:r>
-            <a:r>
-              <a:rPr lang="ru-RU" altLang="ru-RU" dirty="0">
-                <a:solidFill>
-                  <a:srgbClr val="FFCC00"/>
-                </a:solidFill>
-                <a:latin typeface="Verdana" panose="020B0604030504040204" pitchFamily="34" charset="0"/>
-              </a:rPr>
-              <a:t>&lt;&lt; </a:t>
-            </a:r>
-            <a:r>
-              <a:rPr lang="ru-RU" altLang="ru-RU" dirty="0">
-                <a:solidFill>
-                  <a:srgbClr val="FFFFFF"/>
-                </a:solidFill>
-                <a:latin typeface="Verdana" panose="020B0604030504040204" pitchFamily="34" charset="0"/>
-              </a:rPr>
-              <a:t>(</a:t>
-            </a:r>
-            <a:r>
-              <a:rPr lang="ru-RU" altLang="ru-RU" dirty="0" err="1">
-                <a:solidFill>
-                  <a:srgbClr val="9E64A9"/>
-                </a:solidFill>
-                <a:latin typeface="Verdana" panose="020B0604030504040204" pitchFamily="34" charset="0"/>
-              </a:rPr>
-              <a:t>std</a:t>
-            </a:r>
-            <a:r>
-              <a:rPr lang="ru-RU" altLang="ru-RU" dirty="0">
-                <a:solidFill>
-                  <a:srgbClr val="FFFFFF"/>
-                </a:solidFill>
-                <a:latin typeface="Verdana" panose="020B0604030504040204" pitchFamily="34" charset="0"/>
-              </a:rPr>
-              <a:t>::</a:t>
-            </a:r>
-            <a:r>
-              <a:rPr lang="ru-RU" altLang="ru-RU" dirty="0" err="1">
-                <a:solidFill>
-                  <a:srgbClr val="FFCC00"/>
-                </a:solidFill>
-                <a:latin typeface="Verdana" panose="020B0604030504040204" pitchFamily="34" charset="0"/>
-              </a:rPr>
-              <a:t>ostream</a:t>
-            </a:r>
-            <a:r>
-              <a:rPr lang="ru-RU" altLang="ru-RU" dirty="0">
-                <a:solidFill>
-                  <a:srgbClr val="FFFFFF"/>
-                </a:solidFill>
-                <a:latin typeface="Verdana" panose="020B0604030504040204" pitchFamily="34" charset="0"/>
-              </a:rPr>
-              <a:t>&amp; </a:t>
-            </a:r>
-            <a:r>
-              <a:rPr lang="ru-RU" altLang="ru-RU" dirty="0" err="1">
-                <a:solidFill>
-                  <a:srgbClr val="5BCD9D"/>
-                </a:solidFill>
-                <a:latin typeface="Verdana" panose="020B0604030504040204" pitchFamily="34" charset="0"/>
-              </a:rPr>
-              <a:t>os</a:t>
-            </a:r>
-            <a:r>
-              <a:rPr lang="ru-RU" altLang="ru-RU" dirty="0">
-                <a:solidFill>
-                  <a:srgbClr val="FFFFFF"/>
-                </a:solidFill>
-                <a:latin typeface="Verdana" panose="020B0604030504040204" pitchFamily="34" charset="0"/>
-              </a:rPr>
-              <a:t>, </a:t>
-            </a:r>
-            <a:r>
-              <a:rPr lang="ru-RU" altLang="ru-RU" dirty="0" err="1">
-                <a:solidFill>
-                  <a:srgbClr val="FFFFFF"/>
-                </a:solidFill>
-                <a:latin typeface="Verdana" panose="020B0604030504040204" pitchFamily="34" charset="0"/>
-              </a:rPr>
-              <a:t>const</a:t>
-            </a:r>
-            <a:r>
-              <a:rPr lang="ru-RU" altLang="ru-RU" dirty="0">
-                <a:solidFill>
-                  <a:srgbClr val="FFFFFF"/>
-                </a:solidFill>
-                <a:latin typeface="Verdana" panose="020B0604030504040204" pitchFamily="34" charset="0"/>
-              </a:rPr>
-              <a:t> </a:t>
-            </a:r>
-            <a:r>
-              <a:rPr lang="ru-RU" altLang="ru-RU" dirty="0" err="1">
-                <a:solidFill>
-                  <a:srgbClr val="FFCC00"/>
-                </a:solidFill>
-                <a:latin typeface="Verdana" panose="020B0604030504040204" pitchFamily="34" charset="0"/>
-              </a:rPr>
-              <a:t>HttpResponse</a:t>
-            </a:r>
-            <a:r>
-              <a:rPr lang="ru-RU" altLang="ru-RU" dirty="0">
-                <a:solidFill>
-                  <a:srgbClr val="FFFFFF"/>
-                </a:solidFill>
-                <a:latin typeface="Verdana" panose="020B0604030504040204" pitchFamily="34" charset="0"/>
-              </a:rPr>
-              <a:t>&amp; </a:t>
-            </a:r>
-            <a:r>
-              <a:rPr lang="ru-RU" altLang="ru-RU" dirty="0" err="1">
-                <a:solidFill>
-                  <a:srgbClr val="5BCD9D"/>
-                </a:solidFill>
-                <a:latin typeface="Verdana" panose="020B0604030504040204" pitchFamily="34" charset="0"/>
-              </a:rPr>
-              <a:t>resp</a:t>
-            </a:r>
-            <a:r>
-              <a:rPr lang="ru-RU" altLang="ru-RU" dirty="0">
-                <a:solidFill>
-                  <a:srgbClr val="FFFFFF"/>
-                </a:solidFill>
-                <a:latin typeface="Verdana" panose="020B0604030504040204" pitchFamily="34" charset="0"/>
-              </a:rPr>
-              <a:t>) {</a:t>
-            </a:r>
-            <a:br>
-              <a:rPr lang="ru-RU" altLang="ru-RU" dirty="0">
-                <a:solidFill>
-                  <a:srgbClr val="FFFFFF"/>
-                </a:solidFill>
-                <a:latin typeface="Verdana" panose="020B0604030504040204" pitchFamily="34" charset="0"/>
-              </a:rPr>
-            </a:br>
-            <a:r>
-              <a:rPr lang="ru-RU" altLang="ru-RU" dirty="0" smtClean="0">
-                <a:solidFill>
-                  <a:srgbClr val="FFFFFF"/>
-                </a:solidFill>
-                <a:latin typeface="Verdana" panose="020B0604030504040204" pitchFamily="34" charset="0"/>
-              </a:rPr>
-              <a:t>}</a:t>
-            </a:r>
-            <a:r>
-              <a:rPr lang="ru-RU" altLang="ru-RU" dirty="0">
-                <a:solidFill>
-                  <a:srgbClr val="FFFFFF"/>
-                </a:solidFill>
-                <a:latin typeface="Verdana" panose="020B0604030504040204" pitchFamily="34" charset="0"/>
-              </a:rPr>
-              <a:t/>
-            </a:r>
-            <a:br>
-              <a:rPr lang="ru-RU" altLang="ru-RU" dirty="0">
-                <a:solidFill>
-                  <a:srgbClr val="FFFFFF"/>
-                </a:solidFill>
-                <a:latin typeface="Verdana" panose="020B0604030504040204" pitchFamily="34" charset="0"/>
-              </a:rPr>
-            </a:br>
-            <a:endParaRPr lang="ru-RU" altLang="ru-RU" sz="6600" dirty="0">
+            <a:endParaRPr lang="ru-RU" altLang="ru-RU" dirty="0">
               <a:solidFill>
                 <a:schemeClr val="tx1"/>
               </a:solidFill>
               <a:latin typeface="Arial" panose="020B0604020202020204" pitchFamily="34" charset="0"/>
             </a:endParaRPr>
-          </a:p>
-          <a:p>
-            <a:endParaRPr lang="ru-RU" dirty="0"/>
           </a:p>
         </p:txBody>
       </p:sp>
@@ -32874,554 +32754,7 @@
           <a:bodyPr/>
           <a:lstStyle/>
           <a:p>
-            <a:r>
-              <a:rPr lang="ru-RU" altLang="ru-RU" dirty="0" err="1" smtClean="0">
-                <a:solidFill>
-                  <a:srgbClr val="FFFFFF"/>
-                </a:solidFill>
-                <a:latin typeface="Verdana" panose="020B0604030504040204" pitchFamily="34" charset="0"/>
-              </a:rPr>
-              <a:t>class</a:t>
-            </a:r>
-            <a:r>
-              <a:rPr lang="ru-RU" altLang="ru-RU" dirty="0" smtClean="0">
-                <a:solidFill>
-                  <a:srgbClr val="FFFFFF"/>
-                </a:solidFill>
-                <a:latin typeface="Verdana" panose="020B0604030504040204" pitchFamily="34" charset="0"/>
-              </a:rPr>
-              <a:t> </a:t>
-            </a:r>
-            <a:r>
-              <a:rPr lang="ru-RU" altLang="ru-RU" dirty="0" err="1" smtClean="0">
-                <a:solidFill>
-                  <a:srgbClr val="FFCC00"/>
-                </a:solidFill>
-                <a:latin typeface="Verdana" panose="020B0604030504040204" pitchFamily="34" charset="0"/>
-              </a:rPr>
-              <a:t>HttpResponse</a:t>
-            </a:r>
-            <a:r>
-              <a:rPr lang="ru-RU" altLang="ru-RU" dirty="0" smtClean="0">
-                <a:solidFill>
-                  <a:srgbClr val="FFCC00"/>
-                </a:solidFill>
-                <a:latin typeface="Verdana" panose="020B0604030504040204" pitchFamily="34" charset="0"/>
-              </a:rPr>
-              <a:t> </a:t>
-            </a:r>
-            <a:r>
-              <a:rPr lang="ru-RU" altLang="ru-RU" dirty="0" smtClean="0">
-                <a:solidFill>
-                  <a:srgbClr val="FFFFFF"/>
-                </a:solidFill>
-                <a:latin typeface="Verdana" panose="020B0604030504040204" pitchFamily="34" charset="0"/>
-              </a:rPr>
-              <a:t>{</a:t>
-            </a:r>
-            <a:br>
-              <a:rPr lang="ru-RU" altLang="ru-RU" dirty="0" smtClean="0">
-                <a:solidFill>
-                  <a:srgbClr val="FFFFFF"/>
-                </a:solidFill>
-                <a:latin typeface="Verdana" panose="020B0604030504040204" pitchFamily="34" charset="0"/>
-              </a:rPr>
-            </a:br>
-            <a:r>
-              <a:rPr lang="ru-RU" altLang="ru-RU" dirty="0" err="1" smtClean="0">
-                <a:solidFill>
-                  <a:srgbClr val="FFFFFF"/>
-                </a:solidFill>
-                <a:latin typeface="Verdana" panose="020B0604030504040204" pitchFamily="34" charset="0"/>
-              </a:rPr>
-              <a:t>public</a:t>
-            </a:r>
-            <a:r>
-              <a:rPr lang="ru-RU" altLang="ru-RU" dirty="0" smtClean="0">
-                <a:solidFill>
-                  <a:srgbClr val="FFFFFF"/>
-                </a:solidFill>
-                <a:latin typeface="Verdana" panose="020B0604030504040204" pitchFamily="34" charset="0"/>
-              </a:rPr>
-              <a:t>:</a:t>
-            </a:r>
-            <a:br>
-              <a:rPr lang="ru-RU" altLang="ru-RU" dirty="0" smtClean="0">
-                <a:solidFill>
-                  <a:srgbClr val="FFFFFF"/>
-                </a:solidFill>
-                <a:latin typeface="Verdana" panose="020B0604030504040204" pitchFamily="34" charset="0"/>
-              </a:rPr>
-            </a:br>
-            <a:r>
-              <a:rPr lang="ru-RU" altLang="ru-RU" dirty="0" smtClean="0">
-                <a:solidFill>
-                  <a:srgbClr val="FFFFFF"/>
-                </a:solidFill>
-                <a:latin typeface="Verdana" panose="020B0604030504040204" pitchFamily="34" charset="0"/>
-              </a:rPr>
-              <a:t>    </a:t>
-            </a:r>
-            <a:r>
-              <a:rPr lang="ru-RU" altLang="ru-RU" dirty="0" err="1" smtClean="0">
-                <a:solidFill>
-                  <a:srgbClr val="FFFFFF"/>
-                </a:solidFill>
-                <a:latin typeface="Verdana" panose="020B0604030504040204" pitchFamily="34" charset="0"/>
-              </a:rPr>
-              <a:t>explicit</a:t>
-            </a:r>
-            <a:r>
-              <a:rPr lang="ru-RU" altLang="ru-RU" dirty="0" smtClean="0">
-                <a:solidFill>
-                  <a:srgbClr val="FFFFFF"/>
-                </a:solidFill>
-                <a:latin typeface="Verdana" panose="020B0604030504040204" pitchFamily="34" charset="0"/>
-              </a:rPr>
-              <a:t> </a:t>
-            </a:r>
-            <a:r>
-              <a:rPr lang="ru-RU" altLang="ru-RU" dirty="0" err="1" smtClean="0">
-                <a:solidFill>
-                  <a:srgbClr val="FFCC00"/>
-                </a:solidFill>
-                <a:latin typeface="Verdana" panose="020B0604030504040204" pitchFamily="34" charset="0"/>
-              </a:rPr>
-              <a:t>HttpResponse</a:t>
-            </a:r>
-            <a:r>
-              <a:rPr lang="ru-RU" altLang="ru-RU" dirty="0" smtClean="0">
-                <a:solidFill>
-                  <a:srgbClr val="FFFFFF"/>
-                </a:solidFill>
-                <a:latin typeface="Verdana" panose="020B0604030504040204" pitchFamily="34" charset="0"/>
-              </a:rPr>
-              <a:t>(</a:t>
-            </a:r>
-            <a:r>
-              <a:rPr lang="ru-RU" altLang="ru-RU" dirty="0" err="1" smtClean="0">
-                <a:solidFill>
-                  <a:srgbClr val="FFCC00"/>
-                </a:solidFill>
-                <a:latin typeface="Verdana" panose="020B0604030504040204" pitchFamily="34" charset="0"/>
-              </a:rPr>
-              <a:t>HttpCode</a:t>
-            </a:r>
-            <a:r>
-              <a:rPr lang="ru-RU" altLang="ru-RU" dirty="0" smtClean="0">
-                <a:solidFill>
-                  <a:srgbClr val="FFCC00"/>
-                </a:solidFill>
-                <a:latin typeface="Verdana" panose="020B0604030504040204" pitchFamily="34" charset="0"/>
-              </a:rPr>
-              <a:t> </a:t>
-            </a:r>
-            <a:r>
-              <a:rPr lang="ru-RU" altLang="ru-RU" dirty="0" err="1" smtClean="0">
-                <a:solidFill>
-                  <a:srgbClr val="5BCD9D"/>
-                </a:solidFill>
-                <a:latin typeface="Verdana" panose="020B0604030504040204" pitchFamily="34" charset="0"/>
-              </a:rPr>
-              <a:t>code</a:t>
-            </a:r>
-            <a:r>
-              <a:rPr lang="ru-RU" altLang="ru-RU" dirty="0" smtClean="0">
-                <a:solidFill>
-                  <a:srgbClr val="FFFFFF"/>
-                </a:solidFill>
-                <a:latin typeface="Verdana" panose="020B0604030504040204" pitchFamily="34" charset="0"/>
-              </a:rPr>
-              <a:t>);</a:t>
-            </a:r>
-            <a:br>
-              <a:rPr lang="ru-RU" altLang="ru-RU" dirty="0" smtClean="0">
-                <a:solidFill>
-                  <a:srgbClr val="FFFFFF"/>
-                </a:solidFill>
-                <a:latin typeface="Verdana" panose="020B0604030504040204" pitchFamily="34" charset="0"/>
-              </a:rPr>
-            </a:br>
-            <a:r>
-              <a:rPr lang="ru-RU" altLang="ru-RU" dirty="0" smtClean="0">
-                <a:solidFill>
-                  <a:srgbClr val="FFFFFF"/>
-                </a:solidFill>
-                <a:latin typeface="Verdana" panose="020B0604030504040204" pitchFamily="34" charset="0"/>
-              </a:rPr>
-              <a:t>    </a:t>
-            </a:r>
-            <a:r>
-              <a:rPr lang="ru-RU" altLang="ru-RU" dirty="0" err="1" smtClean="0">
-                <a:solidFill>
-                  <a:srgbClr val="FFCC00"/>
-                </a:solidFill>
-                <a:latin typeface="Verdana" panose="020B0604030504040204" pitchFamily="34" charset="0"/>
-              </a:rPr>
-              <a:t>HttpResponse</a:t>
-            </a:r>
-            <a:r>
-              <a:rPr lang="ru-RU" altLang="ru-RU" dirty="0" smtClean="0">
-                <a:solidFill>
-                  <a:srgbClr val="FFFFFF"/>
-                </a:solidFill>
-                <a:latin typeface="Verdana" panose="020B0604030504040204" pitchFamily="34" charset="0"/>
-              </a:rPr>
-              <a:t>&amp; </a:t>
-            </a:r>
-            <a:r>
-              <a:rPr lang="ru-RU" altLang="ru-RU" dirty="0" err="1" smtClean="0">
-                <a:solidFill>
-                  <a:srgbClr val="FFCC00"/>
-                </a:solidFill>
-                <a:latin typeface="Verdana" panose="020B0604030504040204" pitchFamily="34" charset="0"/>
-              </a:rPr>
-              <a:t>SetContent</a:t>
-            </a:r>
-            <a:r>
-              <a:rPr lang="ru-RU" altLang="ru-RU" dirty="0" smtClean="0">
-                <a:solidFill>
-                  <a:srgbClr val="FFFFFF"/>
-                </a:solidFill>
-                <a:latin typeface="Verdana" panose="020B0604030504040204" pitchFamily="34" charset="0"/>
-              </a:rPr>
-              <a:t>(</a:t>
-            </a:r>
-            <a:r>
-              <a:rPr lang="ru-RU" altLang="ru-RU" dirty="0" err="1" smtClean="0">
-                <a:solidFill>
-                  <a:srgbClr val="9E64A9"/>
-                </a:solidFill>
-                <a:latin typeface="Verdana" panose="020B0604030504040204" pitchFamily="34" charset="0"/>
-              </a:rPr>
-              <a:t>std</a:t>
-            </a:r>
-            <a:r>
-              <a:rPr lang="ru-RU" altLang="ru-RU" dirty="0" smtClean="0">
-                <a:solidFill>
-                  <a:srgbClr val="FFFFFF"/>
-                </a:solidFill>
-                <a:latin typeface="Verdana" panose="020B0604030504040204" pitchFamily="34" charset="0"/>
-              </a:rPr>
-              <a:t>::</a:t>
-            </a:r>
-            <a:r>
-              <a:rPr lang="ru-RU" altLang="ru-RU" dirty="0" err="1" smtClean="0">
-                <a:solidFill>
-                  <a:srgbClr val="FFCC00"/>
-                </a:solidFill>
-                <a:latin typeface="Verdana" panose="020B0604030504040204" pitchFamily="34" charset="0"/>
-              </a:rPr>
-              <a:t>string</a:t>
-            </a:r>
-            <a:r>
-              <a:rPr lang="ru-RU" altLang="ru-RU" dirty="0" smtClean="0">
-                <a:solidFill>
-                  <a:srgbClr val="FFCC00"/>
-                </a:solidFill>
-                <a:latin typeface="Verdana" panose="020B0604030504040204" pitchFamily="34" charset="0"/>
-              </a:rPr>
-              <a:t> </a:t>
-            </a:r>
-            <a:r>
-              <a:rPr lang="ru-RU" altLang="ru-RU" dirty="0" err="1" smtClean="0">
-                <a:solidFill>
-                  <a:srgbClr val="5BCD9D"/>
-                </a:solidFill>
-                <a:latin typeface="Verdana" panose="020B0604030504040204" pitchFamily="34" charset="0"/>
-              </a:rPr>
-              <a:t>value</a:t>
-            </a:r>
-            <a:r>
-              <a:rPr lang="ru-RU" altLang="ru-RU" dirty="0" smtClean="0">
-                <a:solidFill>
-                  <a:srgbClr val="FFFFFF"/>
-                </a:solidFill>
-                <a:latin typeface="Verdana" panose="020B0604030504040204" pitchFamily="34" charset="0"/>
-              </a:rPr>
-              <a:t>);</a:t>
-            </a:r>
-            <a:br>
-              <a:rPr lang="ru-RU" altLang="ru-RU" dirty="0" smtClean="0">
-                <a:solidFill>
-                  <a:srgbClr val="FFFFFF"/>
-                </a:solidFill>
-                <a:latin typeface="Verdana" panose="020B0604030504040204" pitchFamily="34" charset="0"/>
-              </a:rPr>
-            </a:br>
-            <a:r>
-              <a:rPr lang="ru-RU" altLang="ru-RU" dirty="0" smtClean="0">
-                <a:solidFill>
-                  <a:srgbClr val="FFFFFF"/>
-                </a:solidFill>
-                <a:latin typeface="Verdana" panose="020B0604030504040204" pitchFamily="34" charset="0"/>
-              </a:rPr>
-              <a:t>    </a:t>
-            </a:r>
-            <a:r>
-              <a:rPr lang="ru-RU" altLang="ru-RU" dirty="0" err="1" smtClean="0">
-                <a:solidFill>
-                  <a:srgbClr val="FFFFFF"/>
-                </a:solidFill>
-                <a:latin typeface="Verdana" panose="020B0604030504040204" pitchFamily="34" charset="0"/>
-              </a:rPr>
-              <a:t>friend</a:t>
-            </a:r>
-            <a:r>
-              <a:rPr lang="ru-RU" altLang="ru-RU" dirty="0" smtClean="0">
-                <a:solidFill>
-                  <a:srgbClr val="FFFFFF"/>
-                </a:solidFill>
-                <a:latin typeface="Verdana" panose="020B0604030504040204" pitchFamily="34" charset="0"/>
-              </a:rPr>
-              <a:t> </a:t>
-            </a:r>
-            <a:r>
-              <a:rPr lang="ru-RU" altLang="ru-RU" dirty="0" err="1" smtClean="0">
-                <a:solidFill>
-                  <a:srgbClr val="9E64A9"/>
-                </a:solidFill>
-                <a:latin typeface="Verdana" panose="020B0604030504040204" pitchFamily="34" charset="0"/>
-              </a:rPr>
-              <a:t>std</a:t>
-            </a:r>
-            <a:r>
-              <a:rPr lang="ru-RU" altLang="ru-RU" dirty="0" smtClean="0">
-                <a:solidFill>
-                  <a:srgbClr val="FFFFFF"/>
-                </a:solidFill>
-                <a:latin typeface="Verdana" panose="020B0604030504040204" pitchFamily="34" charset="0"/>
-              </a:rPr>
-              <a:t>::</a:t>
-            </a:r>
-            <a:r>
-              <a:rPr lang="ru-RU" altLang="ru-RU" dirty="0" err="1" smtClean="0">
-                <a:solidFill>
-                  <a:srgbClr val="FFCC00"/>
-                </a:solidFill>
-                <a:latin typeface="Verdana" panose="020B0604030504040204" pitchFamily="34" charset="0"/>
-              </a:rPr>
-              <a:t>ostream</a:t>
-            </a:r>
-            <a:r>
-              <a:rPr lang="ru-RU" altLang="ru-RU" dirty="0" smtClean="0">
-                <a:solidFill>
-                  <a:srgbClr val="FFFFFF"/>
-                </a:solidFill>
-                <a:latin typeface="Verdana" panose="020B0604030504040204" pitchFamily="34" charset="0"/>
-              </a:rPr>
-              <a:t>&amp; </a:t>
-            </a:r>
-            <a:r>
-              <a:rPr lang="ru-RU" altLang="ru-RU" dirty="0" err="1" smtClean="0">
-                <a:solidFill>
-                  <a:srgbClr val="FFFFFF"/>
-                </a:solidFill>
-                <a:latin typeface="Verdana" panose="020B0604030504040204" pitchFamily="34" charset="0"/>
-              </a:rPr>
-              <a:t>operator</a:t>
-            </a:r>
-            <a:r>
-              <a:rPr lang="ru-RU" altLang="ru-RU" dirty="0" smtClean="0">
-                <a:solidFill>
-                  <a:srgbClr val="FFFFFF"/>
-                </a:solidFill>
-                <a:latin typeface="Verdana" panose="020B0604030504040204" pitchFamily="34" charset="0"/>
-              </a:rPr>
-              <a:t> </a:t>
-            </a:r>
-            <a:r>
-              <a:rPr lang="ru-RU" altLang="ru-RU" dirty="0" smtClean="0">
-                <a:solidFill>
-                  <a:srgbClr val="FFCC00"/>
-                </a:solidFill>
-                <a:latin typeface="Verdana" panose="020B0604030504040204" pitchFamily="34" charset="0"/>
-              </a:rPr>
-              <a:t>&lt;&lt; </a:t>
-            </a:r>
-            <a:r>
-              <a:rPr lang="ru-RU" altLang="ru-RU" dirty="0" smtClean="0">
-                <a:solidFill>
-                  <a:srgbClr val="FFFFFF"/>
-                </a:solidFill>
-                <a:latin typeface="Verdana" panose="020B0604030504040204" pitchFamily="34" charset="0"/>
-              </a:rPr>
-              <a:t>(</a:t>
-            </a:r>
-            <a:r>
-              <a:rPr lang="ru-RU" altLang="ru-RU" dirty="0" err="1" smtClean="0">
-                <a:solidFill>
-                  <a:srgbClr val="9E64A9"/>
-                </a:solidFill>
-                <a:latin typeface="Verdana" panose="020B0604030504040204" pitchFamily="34" charset="0"/>
-              </a:rPr>
-              <a:t>std</a:t>
-            </a:r>
-            <a:r>
-              <a:rPr lang="ru-RU" altLang="ru-RU" dirty="0" smtClean="0">
-                <a:solidFill>
-                  <a:srgbClr val="FFFFFF"/>
-                </a:solidFill>
-                <a:latin typeface="Verdana" panose="020B0604030504040204" pitchFamily="34" charset="0"/>
-              </a:rPr>
-              <a:t>::</a:t>
-            </a:r>
-            <a:r>
-              <a:rPr lang="ru-RU" altLang="ru-RU" dirty="0" err="1" smtClean="0">
-                <a:solidFill>
-                  <a:srgbClr val="FFCC00"/>
-                </a:solidFill>
-                <a:latin typeface="Verdana" panose="020B0604030504040204" pitchFamily="34" charset="0"/>
-              </a:rPr>
-              <a:t>ostream</a:t>
-            </a:r>
-            <a:r>
-              <a:rPr lang="ru-RU" altLang="ru-RU" dirty="0" smtClean="0">
-                <a:solidFill>
-                  <a:srgbClr val="FFFFFF"/>
-                </a:solidFill>
-                <a:latin typeface="Verdana" panose="020B0604030504040204" pitchFamily="34" charset="0"/>
-              </a:rPr>
-              <a:t>&amp; </a:t>
-            </a:r>
-            <a:r>
-              <a:rPr lang="ru-RU" altLang="ru-RU" dirty="0" err="1" smtClean="0">
-                <a:solidFill>
-                  <a:srgbClr val="5BCD9D"/>
-                </a:solidFill>
-                <a:latin typeface="Verdana" panose="020B0604030504040204" pitchFamily="34" charset="0"/>
-              </a:rPr>
-              <a:t>os</a:t>
-            </a:r>
-            <a:r>
-              <a:rPr lang="ru-RU" altLang="ru-RU" dirty="0" smtClean="0">
-                <a:solidFill>
-                  <a:srgbClr val="FFFFFF"/>
-                </a:solidFill>
-                <a:latin typeface="Verdana" panose="020B0604030504040204" pitchFamily="34" charset="0"/>
-              </a:rPr>
-              <a:t>, </a:t>
-            </a:r>
-            <a:r>
-              <a:rPr lang="ru-RU" altLang="ru-RU" dirty="0" err="1" smtClean="0">
-                <a:solidFill>
-                  <a:srgbClr val="FFFFFF"/>
-                </a:solidFill>
-                <a:latin typeface="Verdana" panose="020B0604030504040204" pitchFamily="34" charset="0"/>
-              </a:rPr>
-              <a:t>const</a:t>
-            </a:r>
-            <a:r>
-              <a:rPr lang="ru-RU" altLang="ru-RU" dirty="0" smtClean="0">
-                <a:solidFill>
-                  <a:srgbClr val="FFFFFF"/>
-                </a:solidFill>
-                <a:latin typeface="Verdana" panose="020B0604030504040204" pitchFamily="34" charset="0"/>
-              </a:rPr>
-              <a:t> </a:t>
-            </a:r>
-            <a:r>
-              <a:rPr lang="ru-RU" altLang="ru-RU" dirty="0" err="1" smtClean="0">
-                <a:solidFill>
-                  <a:srgbClr val="FFCC00"/>
-                </a:solidFill>
-                <a:latin typeface="Verdana" panose="020B0604030504040204" pitchFamily="34" charset="0"/>
-              </a:rPr>
-              <a:t>HttpResponse</a:t>
-            </a:r>
-            <a:r>
-              <a:rPr lang="ru-RU" altLang="ru-RU" dirty="0" smtClean="0">
-                <a:solidFill>
-                  <a:srgbClr val="FFFFFF"/>
-                </a:solidFill>
-                <a:latin typeface="Verdana" panose="020B0604030504040204" pitchFamily="34" charset="0"/>
-              </a:rPr>
-              <a:t>&amp; </a:t>
-            </a:r>
-            <a:r>
-              <a:rPr lang="ru-RU" altLang="ru-RU" dirty="0" err="1" smtClean="0">
-                <a:solidFill>
-                  <a:srgbClr val="5BCD9D"/>
-                </a:solidFill>
-                <a:latin typeface="Verdana" panose="020B0604030504040204" pitchFamily="34" charset="0"/>
-              </a:rPr>
-              <a:t>resp</a:t>
-            </a:r>
-            <a:r>
-              <a:rPr lang="ru-RU" altLang="ru-RU" dirty="0" smtClean="0">
-                <a:solidFill>
-                  <a:srgbClr val="FFFFFF"/>
-                </a:solidFill>
-                <a:latin typeface="Verdana" panose="020B0604030504040204" pitchFamily="34" charset="0"/>
-              </a:rPr>
-              <a:t>);</a:t>
-            </a:r>
-            <a:br>
-              <a:rPr lang="ru-RU" altLang="ru-RU" dirty="0" smtClean="0">
-                <a:solidFill>
-                  <a:srgbClr val="FFFFFF"/>
-                </a:solidFill>
-                <a:latin typeface="Verdana" panose="020B0604030504040204" pitchFamily="34" charset="0"/>
-              </a:rPr>
-            </a:br>
-            <a:r>
-              <a:rPr lang="ru-RU" altLang="ru-RU" dirty="0" smtClean="0">
-                <a:solidFill>
-                  <a:srgbClr val="FFFFFF"/>
-                </a:solidFill>
-                <a:latin typeface="Verdana" panose="020B0604030504040204" pitchFamily="34" charset="0"/>
-              </a:rPr>
-              <a:t/>
-            </a:r>
-            <a:br>
-              <a:rPr lang="ru-RU" altLang="ru-RU" dirty="0" smtClean="0">
-                <a:solidFill>
-                  <a:srgbClr val="FFFFFF"/>
-                </a:solidFill>
-                <a:latin typeface="Verdana" panose="020B0604030504040204" pitchFamily="34" charset="0"/>
-              </a:rPr>
-            </a:br>
-            <a:endParaRPr lang="ru-RU" altLang="ru-RU" sz="6600" dirty="0" smtClean="0">
-              <a:solidFill>
-                <a:schemeClr val="tx1"/>
-              </a:solidFill>
-              <a:latin typeface="Arial" panose="020B0604020202020204" pitchFamily="34" charset="0"/>
-            </a:endParaRPr>
-          </a:p>
-          <a:p>
-            <a:endParaRPr lang="en-US" dirty="0" smtClean="0"/>
-          </a:p>
-          <a:p>
-            <a:endParaRPr lang="ru-RU" dirty="0"/>
-          </a:p>
-        </p:txBody>
-      </p:sp>
-      <p:sp>
-        <p:nvSpPr>
-          <p:cNvPr id="7" name="TextBox 6"/>
-          <p:cNvSpPr txBox="1"/>
-          <p:nvPr/>
-        </p:nvSpPr>
-        <p:spPr>
-          <a:xfrm>
-            <a:off x="1044000" y="4699027"/>
-            <a:ext cx="5723344" cy="3416320"/>
-          </a:xfrm>
-          <a:prstGeom prst="rect">
-            <a:avLst/>
-          </a:prstGeom>
-          <a:noFill/>
-        </p:spPr>
-        <p:txBody>
-          <a:bodyPr wrap="square" rtlCol="0">
-            <a:spAutoFit/>
-          </a:bodyPr>
-          <a:lstStyle/>
-          <a:p>
             <a:pPr lvl="0" defTabSz="914400" eaLnBrk="0" fontAlgn="base" hangingPunct="0">
-              <a:lnSpc>
-                <a:spcPct val="150000"/>
-              </a:lnSpc>
               <a:spcBef>
                 <a:spcPct val="0"/>
               </a:spcBef>
@@ -33430,16 +32763,1043 @@
               </a:spcAft>
             </a:pPr>
             <a:r>
+              <a:rPr lang="ru-RU" altLang="ru-RU" dirty="0" err="1" smtClean="0">
+                <a:solidFill>
+                  <a:srgbClr val="FFCC00"/>
+                </a:solidFill>
+                <a:latin typeface="Verdana" panose="020B0604030504040204" pitchFamily="34" charset="0"/>
+              </a:rPr>
+              <a:t>HttpResponse</a:t>
+            </a:r>
+            <a:r>
+              <a:rPr lang="ru-RU" altLang="ru-RU" dirty="0">
+                <a:solidFill>
+                  <a:srgbClr val="FFFFFF"/>
+                </a:solidFill>
+                <a:latin typeface="Verdana" panose="020B0604030504040204" pitchFamily="34" charset="0"/>
+              </a:rPr>
+              <a:t>&amp; </a:t>
+            </a:r>
+            <a:r>
               <a:rPr lang="ru-RU" altLang="ru-RU" dirty="0" err="1">
                 <a:solidFill>
-                  <a:srgbClr val="FFFFFF"/>
-                </a:solidFill>
-                <a:latin typeface="Verdana" panose="020B0604030504040204" pitchFamily="34" charset="0"/>
-              </a:rPr>
-              <a:t>private</a:t>
-            </a:r>
-            <a:r>
-              <a:rPr lang="ru-RU" altLang="ru-RU" dirty="0">
+                  <a:srgbClr val="FFCC00"/>
+                </a:solidFill>
+                <a:latin typeface="Verdana" panose="020B0604030504040204" pitchFamily="34" charset="0"/>
+              </a:rPr>
+              <a:t>HttpResponse</a:t>
+            </a:r>
+            <a:r>
+              <a:rPr lang="ru-RU" altLang="ru-RU" dirty="0">
+                <a:solidFill>
+                  <a:srgbClr val="FFFFFF"/>
+                </a:solidFill>
+                <a:latin typeface="Verdana" panose="020B0604030504040204" pitchFamily="34" charset="0"/>
+              </a:rPr>
+              <a:t>::</a:t>
+            </a:r>
+            <a:r>
+              <a:rPr lang="ru-RU" altLang="ru-RU" dirty="0" err="1">
+                <a:solidFill>
+                  <a:srgbClr val="FFCC00"/>
+                </a:solidFill>
+                <a:latin typeface="Verdana" panose="020B0604030504040204" pitchFamily="34" charset="0"/>
+              </a:rPr>
+              <a:t>SetContent</a:t>
+            </a:r>
+            <a:r>
+              <a:rPr lang="ru-RU" altLang="ru-RU" dirty="0">
+                <a:solidFill>
+                  <a:srgbClr val="FFFFFF"/>
+                </a:solidFill>
+                <a:latin typeface="Verdana" panose="020B0604030504040204" pitchFamily="34" charset="0"/>
+              </a:rPr>
+              <a:t>(</a:t>
+            </a:r>
+            <a:r>
+              <a:rPr lang="ru-RU" altLang="ru-RU" dirty="0" err="1">
+                <a:solidFill>
+                  <a:srgbClr val="9E64A9"/>
+                </a:solidFill>
+                <a:latin typeface="Verdana" panose="020B0604030504040204" pitchFamily="34" charset="0"/>
+              </a:rPr>
+              <a:t>std</a:t>
+            </a:r>
+            <a:r>
+              <a:rPr lang="ru-RU" altLang="ru-RU" dirty="0">
+                <a:solidFill>
+                  <a:srgbClr val="FFFFFF"/>
+                </a:solidFill>
+                <a:latin typeface="Verdana" panose="020B0604030504040204" pitchFamily="34" charset="0"/>
+              </a:rPr>
+              <a:t>::</a:t>
+            </a:r>
+            <a:r>
+              <a:rPr lang="ru-RU" altLang="ru-RU" dirty="0" err="1">
+                <a:solidFill>
+                  <a:srgbClr val="FFCC00"/>
+                </a:solidFill>
+                <a:latin typeface="Verdana" panose="020B0604030504040204" pitchFamily="34" charset="0"/>
+              </a:rPr>
+              <a:t>string</a:t>
+            </a:r>
+            <a:r>
+              <a:rPr lang="ru-RU" altLang="ru-RU" dirty="0">
+                <a:solidFill>
+                  <a:srgbClr val="FFCC00"/>
+                </a:solidFill>
+                <a:latin typeface="Verdana" panose="020B0604030504040204" pitchFamily="34" charset="0"/>
+              </a:rPr>
+              <a:t> </a:t>
+            </a:r>
+            <a:r>
+              <a:rPr lang="ru-RU" altLang="ru-RU" dirty="0" err="1">
+                <a:solidFill>
+                  <a:srgbClr val="5BCD9D"/>
+                </a:solidFill>
+                <a:latin typeface="Verdana" panose="020B0604030504040204" pitchFamily="34" charset="0"/>
+              </a:rPr>
+              <a:t>value</a:t>
+            </a:r>
+            <a:r>
+              <a:rPr lang="ru-RU" altLang="ru-RU" dirty="0">
+                <a:solidFill>
+                  <a:srgbClr val="FFFFFF"/>
+                </a:solidFill>
+                <a:latin typeface="Verdana" panose="020B0604030504040204" pitchFamily="34" charset="0"/>
+              </a:rPr>
+              <a:t>) {</a:t>
+            </a:r>
+            <a:br>
+              <a:rPr lang="ru-RU" altLang="ru-RU" dirty="0">
+                <a:solidFill>
+                  <a:srgbClr val="FFFFFF"/>
+                </a:solidFill>
+                <a:latin typeface="Verdana" panose="020B0604030504040204" pitchFamily="34" charset="0"/>
+              </a:rPr>
+            </a:br>
+            <a:r>
+              <a:rPr lang="ru-RU" altLang="ru-RU" dirty="0">
+                <a:solidFill>
+                  <a:srgbClr val="FFFFFF"/>
+                </a:solidFill>
+                <a:latin typeface="Verdana" panose="020B0604030504040204" pitchFamily="34" charset="0"/>
+              </a:rPr>
+              <a:t>    </a:t>
+            </a:r>
+            <a:r>
+              <a:rPr lang="ru-RU" altLang="ru-RU" dirty="0" err="1">
+                <a:solidFill>
+                  <a:srgbClr val="5BCD9D"/>
+                </a:solidFill>
+                <a:latin typeface="Verdana" panose="020B0604030504040204" pitchFamily="34" charset="0"/>
+              </a:rPr>
+              <a:t>content</a:t>
+            </a:r>
+            <a:r>
+              <a:rPr lang="ru-RU" altLang="ru-RU" dirty="0">
+                <a:solidFill>
+                  <a:srgbClr val="5BCD9D"/>
+                </a:solidFill>
+                <a:latin typeface="Verdana" panose="020B0604030504040204" pitchFamily="34" charset="0"/>
+              </a:rPr>
+              <a:t>_ </a:t>
+            </a:r>
+            <a:r>
+              <a:rPr lang="ru-RU" altLang="ru-RU" dirty="0">
+                <a:solidFill>
+                  <a:srgbClr val="FFFFFF"/>
+                </a:solidFill>
+                <a:latin typeface="Verdana" panose="020B0604030504040204" pitchFamily="34" charset="0"/>
+              </a:rPr>
+              <a:t>= </a:t>
+            </a:r>
+            <a:r>
+              <a:rPr lang="ru-RU" altLang="ru-RU" dirty="0" err="1">
+                <a:solidFill>
+                  <a:srgbClr val="9E64A9"/>
+                </a:solidFill>
+                <a:latin typeface="Verdana" panose="020B0604030504040204" pitchFamily="34" charset="0"/>
+              </a:rPr>
+              <a:t>std</a:t>
+            </a:r>
+            <a:r>
+              <a:rPr lang="ru-RU" altLang="ru-RU" dirty="0">
+                <a:solidFill>
+                  <a:srgbClr val="FFFFFF"/>
+                </a:solidFill>
+                <a:latin typeface="Verdana" panose="020B0604030504040204" pitchFamily="34" charset="0"/>
+              </a:rPr>
+              <a:t>::</a:t>
+            </a:r>
+            <a:r>
+              <a:rPr lang="ru-RU" altLang="ru-RU" dirty="0" err="1">
+                <a:solidFill>
+                  <a:srgbClr val="FFCC00"/>
+                </a:solidFill>
+                <a:latin typeface="Verdana" panose="020B0604030504040204" pitchFamily="34" charset="0"/>
+              </a:rPr>
+              <a:t>move</a:t>
+            </a:r>
+            <a:r>
+              <a:rPr lang="ru-RU" altLang="ru-RU" dirty="0">
+                <a:solidFill>
+                  <a:srgbClr val="FFFFFF"/>
+                </a:solidFill>
+                <a:latin typeface="Verdana" panose="020B0604030504040204" pitchFamily="34" charset="0"/>
+              </a:rPr>
+              <a:t>(</a:t>
+            </a:r>
+            <a:r>
+              <a:rPr lang="ru-RU" altLang="ru-RU" dirty="0" err="1">
+                <a:solidFill>
+                  <a:srgbClr val="5BCD9D"/>
+                </a:solidFill>
+                <a:latin typeface="Verdana" panose="020B0604030504040204" pitchFamily="34" charset="0"/>
+              </a:rPr>
+              <a:t>value</a:t>
+            </a:r>
+            <a:r>
+              <a:rPr lang="ru-RU" altLang="ru-RU" dirty="0" smtClean="0">
+                <a:solidFill>
+                  <a:srgbClr val="FFFFFF"/>
+                </a:solidFill>
+                <a:latin typeface="Verdana" panose="020B0604030504040204" pitchFamily="34" charset="0"/>
+              </a:rPr>
+              <a:t>);</a:t>
+            </a:r>
+            <a:r>
+              <a:rPr lang="en-US" altLang="ru-RU" dirty="0" smtClean="0">
+                <a:solidFill>
+                  <a:srgbClr val="FFFFFF"/>
+                </a:solidFill>
+                <a:latin typeface="Verdana" panose="020B0604030504040204" pitchFamily="34" charset="0"/>
+              </a:rPr>
+              <a:t>   </a:t>
+            </a:r>
+            <a:r>
+              <a:rPr lang="ru-RU" altLang="ru-RU" dirty="0" err="1" smtClean="0">
+                <a:solidFill>
+                  <a:srgbClr val="FFFFFF"/>
+                </a:solidFill>
+                <a:latin typeface="Verdana" panose="020B0604030504040204" pitchFamily="34" charset="0"/>
+              </a:rPr>
+              <a:t>return</a:t>
+            </a:r>
+            <a:r>
+              <a:rPr lang="ru-RU" altLang="ru-RU" dirty="0" smtClean="0">
+                <a:solidFill>
+                  <a:srgbClr val="FFFFFF"/>
+                </a:solidFill>
+                <a:latin typeface="Verdana" panose="020B0604030504040204" pitchFamily="34" charset="0"/>
+              </a:rPr>
+              <a:t> </a:t>
+            </a:r>
+            <a:r>
+              <a:rPr lang="ru-RU" altLang="ru-RU" dirty="0">
+                <a:solidFill>
+                  <a:srgbClr val="FFFFFF"/>
+                </a:solidFill>
+                <a:latin typeface="Verdana" panose="020B0604030504040204" pitchFamily="34" charset="0"/>
+              </a:rPr>
+              <a:t>*</a:t>
+            </a:r>
+            <a:r>
+              <a:rPr lang="ru-RU" altLang="ru-RU" dirty="0" err="1">
+                <a:solidFill>
+                  <a:srgbClr val="FFFFFF"/>
+                </a:solidFill>
+                <a:latin typeface="Verdana" panose="020B0604030504040204" pitchFamily="34" charset="0"/>
+              </a:rPr>
+              <a:t>this</a:t>
+            </a:r>
+            <a:r>
+              <a:rPr lang="ru-RU" altLang="ru-RU" dirty="0">
+                <a:solidFill>
+                  <a:srgbClr val="FFFFFF"/>
+                </a:solidFill>
+                <a:latin typeface="Verdana" panose="020B0604030504040204" pitchFamily="34" charset="0"/>
+              </a:rPr>
+              <a:t>;</a:t>
+            </a:r>
+            <a:br>
+              <a:rPr lang="ru-RU" altLang="ru-RU" dirty="0">
+                <a:solidFill>
+                  <a:srgbClr val="FFFFFF"/>
+                </a:solidFill>
+                <a:latin typeface="Verdana" panose="020B0604030504040204" pitchFamily="34" charset="0"/>
+              </a:rPr>
+            </a:br>
+            <a:r>
+              <a:rPr lang="ru-RU" altLang="ru-RU" dirty="0">
+                <a:solidFill>
+                  <a:srgbClr val="FFFFFF"/>
+                </a:solidFill>
+                <a:latin typeface="Verdana" panose="020B0604030504040204" pitchFamily="34" charset="0"/>
+              </a:rPr>
+              <a:t>}</a:t>
+            </a:r>
+            <a:br>
+              <a:rPr lang="ru-RU" altLang="ru-RU" dirty="0">
+                <a:solidFill>
+                  <a:srgbClr val="FFFFFF"/>
+                </a:solidFill>
+                <a:latin typeface="Verdana" panose="020B0604030504040204" pitchFamily="34" charset="0"/>
+              </a:rPr>
+            </a:br>
+            <a:r>
+              <a:rPr lang="ru-RU" altLang="ru-RU" dirty="0" err="1" smtClean="0">
+                <a:solidFill>
+                  <a:srgbClr val="9E64A9"/>
+                </a:solidFill>
+                <a:latin typeface="Verdana" panose="020B0604030504040204" pitchFamily="34" charset="0"/>
+              </a:rPr>
+              <a:t>std</a:t>
+            </a:r>
+            <a:r>
+              <a:rPr lang="ru-RU" altLang="ru-RU" dirty="0">
+                <a:solidFill>
+                  <a:srgbClr val="FFFFFF"/>
+                </a:solidFill>
+                <a:latin typeface="Verdana" panose="020B0604030504040204" pitchFamily="34" charset="0"/>
+              </a:rPr>
+              <a:t>::</a:t>
+            </a:r>
+            <a:r>
+              <a:rPr lang="ru-RU" altLang="ru-RU" dirty="0" err="1">
+                <a:solidFill>
+                  <a:srgbClr val="FFCC00"/>
+                </a:solidFill>
+                <a:latin typeface="Verdana" panose="020B0604030504040204" pitchFamily="34" charset="0"/>
+              </a:rPr>
+              <a:t>ostream</a:t>
+            </a:r>
+            <a:r>
+              <a:rPr lang="ru-RU" altLang="ru-RU" dirty="0">
+                <a:solidFill>
+                  <a:srgbClr val="FFFFFF"/>
+                </a:solidFill>
+                <a:latin typeface="Verdana" panose="020B0604030504040204" pitchFamily="34" charset="0"/>
+              </a:rPr>
+              <a:t>&amp; </a:t>
+            </a:r>
+            <a:r>
+              <a:rPr lang="ru-RU" altLang="ru-RU" dirty="0" err="1">
+                <a:solidFill>
+                  <a:srgbClr val="FFFFFF"/>
+                </a:solidFill>
+                <a:latin typeface="Verdana" panose="020B0604030504040204" pitchFamily="34" charset="0"/>
+              </a:rPr>
+              <a:t>operator</a:t>
+            </a:r>
+            <a:r>
+              <a:rPr lang="ru-RU" altLang="ru-RU" dirty="0">
+                <a:solidFill>
+                  <a:srgbClr val="FFFFFF"/>
+                </a:solidFill>
+                <a:latin typeface="Verdana" panose="020B0604030504040204" pitchFamily="34" charset="0"/>
+              </a:rPr>
+              <a:t> </a:t>
+            </a:r>
+            <a:r>
+              <a:rPr lang="ru-RU" altLang="ru-RU" dirty="0">
+                <a:solidFill>
+                  <a:srgbClr val="FFCC00"/>
+                </a:solidFill>
+                <a:latin typeface="Verdana" panose="020B0604030504040204" pitchFamily="34" charset="0"/>
+              </a:rPr>
+              <a:t>&lt;&lt; </a:t>
+            </a:r>
+            <a:r>
+              <a:rPr lang="ru-RU" altLang="ru-RU" dirty="0">
+                <a:solidFill>
+                  <a:srgbClr val="FFFFFF"/>
+                </a:solidFill>
+                <a:latin typeface="Verdana" panose="020B0604030504040204" pitchFamily="34" charset="0"/>
+              </a:rPr>
+              <a:t>(</a:t>
+            </a:r>
+            <a:r>
+              <a:rPr lang="ru-RU" altLang="ru-RU" dirty="0" err="1">
+                <a:solidFill>
+                  <a:srgbClr val="9E64A9"/>
+                </a:solidFill>
+                <a:latin typeface="Verdana" panose="020B0604030504040204" pitchFamily="34" charset="0"/>
+              </a:rPr>
+              <a:t>std</a:t>
+            </a:r>
+            <a:r>
+              <a:rPr lang="ru-RU" altLang="ru-RU" dirty="0">
+                <a:solidFill>
+                  <a:srgbClr val="FFFFFF"/>
+                </a:solidFill>
+                <a:latin typeface="Verdana" panose="020B0604030504040204" pitchFamily="34" charset="0"/>
+              </a:rPr>
+              <a:t>::</a:t>
+            </a:r>
+            <a:r>
+              <a:rPr lang="ru-RU" altLang="ru-RU" dirty="0" err="1">
+                <a:solidFill>
+                  <a:srgbClr val="FFCC00"/>
+                </a:solidFill>
+                <a:latin typeface="Verdana" panose="020B0604030504040204" pitchFamily="34" charset="0"/>
+              </a:rPr>
+              <a:t>ostream</a:t>
+            </a:r>
+            <a:r>
+              <a:rPr lang="ru-RU" altLang="ru-RU" dirty="0">
+                <a:solidFill>
+                  <a:srgbClr val="FFFFFF"/>
+                </a:solidFill>
+                <a:latin typeface="Verdana" panose="020B0604030504040204" pitchFamily="34" charset="0"/>
+              </a:rPr>
+              <a:t>&amp; </a:t>
+            </a:r>
+            <a:r>
+              <a:rPr lang="ru-RU" altLang="ru-RU" dirty="0" err="1">
+                <a:solidFill>
+                  <a:srgbClr val="5BCD9D"/>
+                </a:solidFill>
+                <a:latin typeface="Verdana" panose="020B0604030504040204" pitchFamily="34" charset="0"/>
+              </a:rPr>
+              <a:t>os</a:t>
+            </a:r>
+            <a:r>
+              <a:rPr lang="ru-RU" altLang="ru-RU" dirty="0">
+                <a:solidFill>
+                  <a:srgbClr val="FFFFFF"/>
+                </a:solidFill>
+                <a:latin typeface="Verdana" panose="020B0604030504040204" pitchFamily="34" charset="0"/>
+              </a:rPr>
+              <a:t>, </a:t>
+            </a:r>
+            <a:r>
+              <a:rPr lang="ru-RU" altLang="ru-RU" dirty="0" err="1">
+                <a:solidFill>
+                  <a:srgbClr val="FFFFFF"/>
+                </a:solidFill>
+                <a:latin typeface="Verdana" panose="020B0604030504040204" pitchFamily="34" charset="0"/>
+              </a:rPr>
+              <a:t>const</a:t>
+            </a:r>
+            <a:r>
+              <a:rPr lang="ru-RU" altLang="ru-RU" dirty="0">
+                <a:solidFill>
+                  <a:srgbClr val="FFFFFF"/>
+                </a:solidFill>
+                <a:latin typeface="Verdana" panose="020B0604030504040204" pitchFamily="34" charset="0"/>
+              </a:rPr>
+              <a:t> </a:t>
+            </a:r>
+            <a:r>
+              <a:rPr lang="ru-RU" altLang="ru-RU" dirty="0" err="1">
+                <a:solidFill>
+                  <a:srgbClr val="FFCC00"/>
+                </a:solidFill>
+                <a:latin typeface="Verdana" panose="020B0604030504040204" pitchFamily="34" charset="0"/>
+              </a:rPr>
+              <a:t>HttpResponse</a:t>
+            </a:r>
+            <a:r>
+              <a:rPr lang="ru-RU" altLang="ru-RU" dirty="0">
+                <a:solidFill>
+                  <a:srgbClr val="FFFFFF"/>
+                </a:solidFill>
+                <a:latin typeface="Verdana" panose="020B0604030504040204" pitchFamily="34" charset="0"/>
+              </a:rPr>
+              <a:t>&amp; </a:t>
+            </a:r>
+            <a:r>
+              <a:rPr lang="ru-RU" altLang="ru-RU" dirty="0" err="1">
+                <a:solidFill>
+                  <a:srgbClr val="5BCD9D"/>
+                </a:solidFill>
+                <a:latin typeface="Verdana" panose="020B0604030504040204" pitchFamily="34" charset="0"/>
+              </a:rPr>
+              <a:t>resp</a:t>
+            </a:r>
+            <a:r>
+              <a:rPr lang="ru-RU" altLang="ru-RU" dirty="0">
+                <a:solidFill>
+                  <a:srgbClr val="FFFFFF"/>
+                </a:solidFill>
+                <a:latin typeface="Verdana" panose="020B0604030504040204" pitchFamily="34" charset="0"/>
+              </a:rPr>
+              <a:t>) {</a:t>
+            </a:r>
+            <a:br>
+              <a:rPr lang="ru-RU" altLang="ru-RU" dirty="0">
+                <a:solidFill>
+                  <a:srgbClr val="FFFFFF"/>
+                </a:solidFill>
+                <a:latin typeface="Verdana" panose="020B0604030504040204" pitchFamily="34" charset="0"/>
+              </a:rPr>
+            </a:br>
+            <a:r>
+              <a:rPr lang="ru-RU" altLang="ru-RU" dirty="0">
+                <a:solidFill>
+                  <a:srgbClr val="FFFFFF"/>
+                </a:solidFill>
+                <a:latin typeface="Verdana" panose="020B0604030504040204" pitchFamily="34" charset="0"/>
+              </a:rPr>
+              <a:t>    </a:t>
+            </a:r>
+            <a:r>
+              <a:rPr lang="ru-RU" altLang="ru-RU" dirty="0" err="1">
+                <a:solidFill>
+                  <a:srgbClr val="FFFFFF"/>
+                </a:solidFill>
+                <a:latin typeface="Verdana" panose="020B0604030504040204" pitchFamily="34" charset="0"/>
+              </a:rPr>
+              <a:t>const</a:t>
+            </a:r>
+            <a:r>
+              <a:rPr lang="ru-RU" altLang="ru-RU" dirty="0">
+                <a:solidFill>
+                  <a:srgbClr val="FFFFFF"/>
+                </a:solidFill>
+                <a:latin typeface="Verdana" panose="020B0604030504040204" pitchFamily="34" charset="0"/>
+              </a:rPr>
+              <a:t> </a:t>
+            </a:r>
+            <a:r>
+              <a:rPr lang="ru-RU" altLang="ru-RU" dirty="0" err="1">
+                <a:solidFill>
+                  <a:srgbClr val="9E64A9"/>
+                </a:solidFill>
+                <a:latin typeface="Verdana" panose="020B0604030504040204" pitchFamily="34" charset="0"/>
+              </a:rPr>
+              <a:t>std</a:t>
+            </a:r>
+            <a:r>
+              <a:rPr lang="ru-RU" altLang="ru-RU" dirty="0">
+                <a:solidFill>
+                  <a:srgbClr val="FFFFFF"/>
+                </a:solidFill>
+                <a:latin typeface="Verdana" panose="020B0604030504040204" pitchFamily="34" charset="0"/>
+              </a:rPr>
+              <a:t>::</a:t>
+            </a:r>
+            <a:r>
+              <a:rPr lang="ru-RU" altLang="ru-RU" dirty="0" err="1">
+                <a:solidFill>
+                  <a:srgbClr val="FFCC00"/>
+                </a:solidFill>
+                <a:latin typeface="Verdana" panose="020B0604030504040204" pitchFamily="34" charset="0"/>
+              </a:rPr>
+              <a:t>string_view</a:t>
+            </a:r>
+            <a:r>
+              <a:rPr lang="ru-RU" altLang="ru-RU" dirty="0">
+                <a:solidFill>
+                  <a:srgbClr val="FFCC00"/>
+                </a:solidFill>
+                <a:latin typeface="Verdana" panose="020B0604030504040204" pitchFamily="34" charset="0"/>
+              </a:rPr>
+              <a:t> </a:t>
+            </a:r>
+            <a:r>
+              <a:rPr lang="ru-RU" altLang="ru-RU" dirty="0" err="1">
+                <a:solidFill>
+                  <a:srgbClr val="5BCD9D"/>
+                </a:solidFill>
+                <a:latin typeface="Verdana" panose="020B0604030504040204" pitchFamily="34" charset="0"/>
+              </a:rPr>
+              <a:t>crlf</a:t>
+            </a:r>
+            <a:r>
+              <a:rPr lang="ru-RU" altLang="ru-RU" dirty="0">
+                <a:solidFill>
+                  <a:srgbClr val="FFFFFF"/>
+                </a:solidFill>
+                <a:latin typeface="Verdana" panose="020B0604030504040204" pitchFamily="34" charset="0"/>
+              </a:rPr>
+              <a:t>(</a:t>
+            </a:r>
+            <a:r>
+              <a:rPr lang="ru-RU" altLang="ru-RU" dirty="0">
+                <a:solidFill>
+                  <a:srgbClr val="72C3E0"/>
+                </a:solidFill>
+                <a:latin typeface="Verdana" panose="020B0604030504040204" pitchFamily="34" charset="0"/>
+              </a:rPr>
+              <a:t>"\r\n"</a:t>
+            </a:r>
+            <a:r>
+              <a:rPr lang="ru-RU" altLang="ru-RU" dirty="0">
+                <a:solidFill>
+                  <a:srgbClr val="FFFFFF"/>
+                </a:solidFill>
+                <a:latin typeface="Verdana" panose="020B0604030504040204" pitchFamily="34" charset="0"/>
+              </a:rPr>
+              <a:t>);</a:t>
+            </a:r>
+            <a:br>
+              <a:rPr lang="ru-RU" altLang="ru-RU" dirty="0">
+                <a:solidFill>
+                  <a:srgbClr val="FFFFFF"/>
+                </a:solidFill>
+                <a:latin typeface="Verdana" panose="020B0604030504040204" pitchFamily="34" charset="0"/>
+              </a:rPr>
+            </a:br>
+            <a:r>
+              <a:rPr lang="ru-RU" altLang="ru-RU" dirty="0">
+                <a:solidFill>
+                  <a:srgbClr val="FFFFFF"/>
+                </a:solidFill>
+                <a:latin typeface="Verdana" panose="020B0604030504040204" pitchFamily="34" charset="0"/>
+              </a:rPr>
+              <a:t>    </a:t>
+            </a:r>
+            <a:r>
+              <a:rPr lang="ru-RU" altLang="ru-RU" dirty="0" err="1">
+                <a:solidFill>
+                  <a:srgbClr val="5BCD9D"/>
+                </a:solidFill>
+                <a:latin typeface="Verdana" panose="020B0604030504040204" pitchFamily="34" charset="0"/>
+              </a:rPr>
+              <a:t>os</a:t>
+            </a:r>
+            <a:r>
+              <a:rPr lang="ru-RU" altLang="ru-RU" dirty="0">
+                <a:solidFill>
+                  <a:srgbClr val="5BCD9D"/>
+                </a:solidFill>
+                <a:latin typeface="Verdana" panose="020B0604030504040204" pitchFamily="34" charset="0"/>
+              </a:rPr>
+              <a:t> </a:t>
+            </a:r>
+            <a:r>
+              <a:rPr lang="ru-RU" altLang="ru-RU" dirty="0">
+                <a:solidFill>
+                  <a:srgbClr val="FFFFFF"/>
+                </a:solidFill>
+                <a:latin typeface="Verdana" panose="020B0604030504040204" pitchFamily="34" charset="0"/>
+              </a:rPr>
+              <a:t>&lt;&lt; </a:t>
+            </a:r>
+            <a:r>
+              <a:rPr lang="ru-RU" altLang="ru-RU" dirty="0">
+                <a:solidFill>
+                  <a:srgbClr val="72C3E0"/>
+                </a:solidFill>
+                <a:latin typeface="Verdana" panose="020B0604030504040204" pitchFamily="34" charset="0"/>
+              </a:rPr>
+              <a:t>"HTTP/1.1 " </a:t>
+            </a:r>
+            <a:r>
+              <a:rPr lang="ru-RU" altLang="ru-RU" dirty="0">
+                <a:solidFill>
+                  <a:srgbClr val="FFFFFF"/>
+                </a:solidFill>
+                <a:latin typeface="Verdana" panose="020B0604030504040204" pitchFamily="34" charset="0"/>
+              </a:rPr>
+              <a:t>&lt;&lt; </a:t>
+            </a:r>
+            <a:r>
+              <a:rPr lang="ru-RU" altLang="ru-RU" dirty="0" err="1">
+                <a:solidFill>
+                  <a:srgbClr val="FFFFFF"/>
+                </a:solidFill>
+                <a:latin typeface="Verdana" panose="020B0604030504040204" pitchFamily="34" charset="0"/>
+              </a:rPr>
+              <a:t>static_cast</a:t>
+            </a:r>
+            <a:r>
+              <a:rPr lang="ru-RU" altLang="ru-RU" dirty="0">
+                <a:solidFill>
+                  <a:srgbClr val="FFFFFF"/>
+                </a:solidFill>
+                <a:latin typeface="Verdana" panose="020B0604030504040204" pitchFamily="34" charset="0"/>
+              </a:rPr>
+              <a:t>&lt;</a:t>
+            </a:r>
+            <a:r>
+              <a:rPr lang="ru-RU" altLang="ru-RU" dirty="0" err="1">
+                <a:solidFill>
+                  <a:srgbClr val="FFFFFF"/>
+                </a:solidFill>
+                <a:latin typeface="Verdana" panose="020B0604030504040204" pitchFamily="34" charset="0"/>
+              </a:rPr>
+              <a:t>int</a:t>
+            </a:r>
+            <a:r>
+              <a:rPr lang="ru-RU" altLang="ru-RU" dirty="0">
+                <a:solidFill>
+                  <a:srgbClr val="FFFFFF"/>
+                </a:solidFill>
+                <a:latin typeface="Verdana" panose="020B0604030504040204" pitchFamily="34" charset="0"/>
+              </a:rPr>
+              <a:t>&gt;(</a:t>
+            </a:r>
+            <a:r>
+              <a:rPr lang="ru-RU" altLang="ru-RU" dirty="0" err="1">
+                <a:solidFill>
+                  <a:srgbClr val="5BCD9D"/>
+                </a:solidFill>
+                <a:latin typeface="Verdana" panose="020B0604030504040204" pitchFamily="34" charset="0"/>
+              </a:rPr>
+              <a:t>resp</a:t>
+            </a:r>
+            <a:r>
+              <a:rPr lang="ru-RU" altLang="ru-RU" dirty="0" err="1">
+                <a:solidFill>
+                  <a:srgbClr val="FFFFFF"/>
+                </a:solidFill>
+                <a:latin typeface="Verdana" panose="020B0604030504040204" pitchFamily="34" charset="0"/>
+              </a:rPr>
+              <a:t>.</a:t>
+            </a:r>
+            <a:r>
+              <a:rPr lang="ru-RU" altLang="ru-RU" dirty="0" err="1">
+                <a:solidFill>
+                  <a:srgbClr val="5BCD9D"/>
+                </a:solidFill>
+                <a:latin typeface="Verdana" panose="020B0604030504040204" pitchFamily="34" charset="0"/>
+              </a:rPr>
+              <a:t>code</a:t>
+            </a:r>
+            <a:r>
+              <a:rPr lang="ru-RU" altLang="ru-RU" dirty="0">
+                <a:solidFill>
+                  <a:srgbClr val="5BCD9D"/>
+                </a:solidFill>
+                <a:latin typeface="Verdana" panose="020B0604030504040204" pitchFamily="34" charset="0"/>
+              </a:rPr>
+              <a:t>_</a:t>
+            </a:r>
+            <a:r>
+              <a:rPr lang="ru-RU" altLang="ru-RU" dirty="0">
+                <a:solidFill>
+                  <a:srgbClr val="FFFFFF"/>
+                </a:solidFill>
+                <a:latin typeface="Verdana" panose="020B0604030504040204" pitchFamily="34" charset="0"/>
+              </a:rPr>
+              <a:t>) &lt;&lt; </a:t>
+            </a:r>
+            <a:r>
+              <a:rPr lang="ru-RU" altLang="ru-RU" dirty="0">
+                <a:solidFill>
+                  <a:srgbClr val="72C3E0"/>
+                </a:solidFill>
+                <a:latin typeface="Verdana" panose="020B0604030504040204" pitchFamily="34" charset="0"/>
+              </a:rPr>
+              <a:t>' '</a:t>
+            </a:r>
+            <a:r>
+              <a:rPr lang="ru-RU" altLang="ru-RU" dirty="0">
+                <a:solidFill>
+                  <a:srgbClr val="FFFFFF"/>
+                </a:solidFill>
+                <a:latin typeface="Verdana" panose="020B0604030504040204" pitchFamily="34" charset="0"/>
+              </a:rPr>
+              <a:t>;</a:t>
+            </a:r>
+            <a:br>
+              <a:rPr lang="ru-RU" altLang="ru-RU" dirty="0">
+                <a:solidFill>
+                  <a:srgbClr val="FFFFFF"/>
+                </a:solidFill>
+                <a:latin typeface="Verdana" panose="020B0604030504040204" pitchFamily="34" charset="0"/>
+              </a:rPr>
+            </a:br>
+            <a:r>
+              <a:rPr lang="ru-RU" altLang="ru-RU" dirty="0">
+                <a:solidFill>
+                  <a:srgbClr val="FFFFFF"/>
+                </a:solidFill>
+                <a:latin typeface="Verdana" panose="020B0604030504040204" pitchFamily="34" charset="0"/>
+              </a:rPr>
+              <a:t>    </a:t>
+            </a:r>
+            <a:r>
+              <a:rPr lang="ru-RU" altLang="ru-RU" dirty="0" err="1">
+                <a:solidFill>
+                  <a:srgbClr val="FFFFFF"/>
+                </a:solidFill>
+                <a:latin typeface="Verdana" panose="020B0604030504040204" pitchFamily="34" charset="0"/>
+              </a:rPr>
+              <a:t>switch</a:t>
+            </a:r>
+            <a:r>
+              <a:rPr lang="ru-RU" altLang="ru-RU" dirty="0">
+                <a:solidFill>
+                  <a:srgbClr val="FFFFFF"/>
+                </a:solidFill>
+                <a:latin typeface="Verdana" panose="020B0604030504040204" pitchFamily="34" charset="0"/>
+              </a:rPr>
+              <a:t> (</a:t>
+            </a:r>
+            <a:r>
+              <a:rPr lang="ru-RU" altLang="ru-RU" dirty="0" err="1">
+                <a:solidFill>
+                  <a:srgbClr val="5BCD9D"/>
+                </a:solidFill>
+                <a:latin typeface="Verdana" panose="020B0604030504040204" pitchFamily="34" charset="0"/>
+              </a:rPr>
+              <a:t>resp</a:t>
+            </a:r>
+            <a:r>
+              <a:rPr lang="ru-RU" altLang="ru-RU" dirty="0" err="1">
+                <a:solidFill>
+                  <a:srgbClr val="FFFFFF"/>
+                </a:solidFill>
+                <a:latin typeface="Verdana" panose="020B0604030504040204" pitchFamily="34" charset="0"/>
+              </a:rPr>
+              <a:t>.</a:t>
+            </a:r>
+            <a:r>
+              <a:rPr lang="ru-RU" altLang="ru-RU" dirty="0" err="1">
+                <a:solidFill>
+                  <a:srgbClr val="5BCD9D"/>
+                </a:solidFill>
+                <a:latin typeface="Verdana" panose="020B0604030504040204" pitchFamily="34" charset="0"/>
+              </a:rPr>
+              <a:t>code</a:t>
+            </a:r>
+            <a:r>
+              <a:rPr lang="ru-RU" altLang="ru-RU" dirty="0">
+                <a:solidFill>
+                  <a:srgbClr val="5BCD9D"/>
+                </a:solidFill>
+                <a:latin typeface="Verdana" panose="020B0604030504040204" pitchFamily="34" charset="0"/>
+              </a:rPr>
+              <a:t>_</a:t>
+            </a:r>
+            <a:r>
+              <a:rPr lang="ru-RU" altLang="ru-RU" dirty="0">
+                <a:solidFill>
+                  <a:srgbClr val="FFFFFF"/>
+                </a:solidFill>
+                <a:latin typeface="Verdana" panose="020B0604030504040204" pitchFamily="34" charset="0"/>
+              </a:rPr>
+              <a:t>) {</a:t>
+            </a:r>
+            <a:br>
+              <a:rPr lang="ru-RU" altLang="ru-RU" dirty="0">
+                <a:solidFill>
+                  <a:srgbClr val="FFFFFF"/>
+                </a:solidFill>
+                <a:latin typeface="Verdana" panose="020B0604030504040204" pitchFamily="34" charset="0"/>
+              </a:rPr>
+            </a:br>
+            <a:r>
+              <a:rPr lang="ru-RU" altLang="ru-RU" dirty="0">
+                <a:solidFill>
+                  <a:srgbClr val="FFFFFF"/>
+                </a:solidFill>
+                <a:latin typeface="Verdana" panose="020B0604030504040204" pitchFamily="34" charset="0"/>
+              </a:rPr>
+              <a:t>        </a:t>
+            </a:r>
+            <a:r>
+              <a:rPr lang="ru-RU" altLang="ru-RU" dirty="0" err="1">
+                <a:solidFill>
+                  <a:srgbClr val="FFFFFF"/>
+                </a:solidFill>
+                <a:latin typeface="Verdana" panose="020B0604030504040204" pitchFamily="34" charset="0"/>
+              </a:rPr>
+              <a:t>case</a:t>
+            </a:r>
+            <a:r>
+              <a:rPr lang="ru-RU" altLang="ru-RU" dirty="0">
+                <a:solidFill>
+                  <a:srgbClr val="FFFFFF"/>
+                </a:solidFill>
+                <a:latin typeface="Verdana" panose="020B0604030504040204" pitchFamily="34" charset="0"/>
+              </a:rPr>
+              <a:t> </a:t>
+            </a:r>
+            <a:r>
+              <a:rPr lang="ru-RU" altLang="ru-RU" dirty="0" err="1">
+                <a:solidFill>
+                  <a:srgbClr val="FFCC00"/>
+                </a:solidFill>
+                <a:latin typeface="Verdana" panose="020B0604030504040204" pitchFamily="34" charset="0"/>
+              </a:rPr>
+              <a:t>HttpCode</a:t>
+            </a:r>
+            <a:r>
+              <a:rPr lang="ru-RU" altLang="ru-RU" dirty="0">
+                <a:solidFill>
+                  <a:srgbClr val="FFFFFF"/>
+                </a:solidFill>
+                <a:latin typeface="Verdana" panose="020B0604030504040204" pitchFamily="34" charset="0"/>
+              </a:rPr>
+              <a:t>::</a:t>
+            </a:r>
+            <a:r>
+              <a:rPr lang="ru-RU" altLang="ru-RU" dirty="0">
+                <a:solidFill>
+                  <a:srgbClr val="5BCD9D"/>
+                </a:solidFill>
+                <a:latin typeface="Verdana" panose="020B0604030504040204" pitchFamily="34" charset="0"/>
+              </a:rPr>
+              <a:t>OK</a:t>
+            </a:r>
+            <a:r>
+              <a:rPr lang="ru-RU" altLang="ru-RU" dirty="0">
+                <a:solidFill>
+                  <a:srgbClr val="FFFFFF"/>
+                </a:solidFill>
+                <a:latin typeface="Verdana" panose="020B0604030504040204" pitchFamily="34" charset="0"/>
+              </a:rPr>
+              <a:t>:       </a:t>
+            </a:r>
+            <a:r>
+              <a:rPr lang="en-US" altLang="ru-RU" dirty="0" smtClean="0">
+                <a:solidFill>
+                  <a:srgbClr val="FFFFFF"/>
+                </a:solidFill>
+                <a:latin typeface="Verdana" panose="020B0604030504040204" pitchFamily="34" charset="0"/>
+              </a:rPr>
+              <a:t> </a:t>
+            </a:r>
+            <a:r>
+              <a:rPr lang="ru-RU" altLang="ru-RU" dirty="0" smtClean="0">
+                <a:solidFill>
+                  <a:srgbClr val="FFFFFF"/>
+                </a:solidFill>
+                <a:latin typeface="Verdana" panose="020B0604030504040204" pitchFamily="34" charset="0"/>
+              </a:rPr>
+              <a:t>    </a:t>
+            </a:r>
+            <a:r>
+              <a:rPr lang="ru-RU" altLang="ru-RU" dirty="0" err="1">
+                <a:solidFill>
+                  <a:srgbClr val="5BCD9D"/>
+                </a:solidFill>
+                <a:latin typeface="Verdana" panose="020B0604030504040204" pitchFamily="34" charset="0"/>
+              </a:rPr>
+              <a:t>os</a:t>
+            </a:r>
+            <a:r>
+              <a:rPr lang="ru-RU" altLang="ru-RU" dirty="0">
+                <a:solidFill>
+                  <a:srgbClr val="5BCD9D"/>
+                </a:solidFill>
+                <a:latin typeface="Verdana" panose="020B0604030504040204" pitchFamily="34" charset="0"/>
+              </a:rPr>
+              <a:t> </a:t>
+            </a:r>
+            <a:r>
+              <a:rPr lang="ru-RU" altLang="ru-RU" dirty="0">
+                <a:solidFill>
+                  <a:srgbClr val="FFFFFF"/>
+                </a:solidFill>
+                <a:latin typeface="Verdana" panose="020B0604030504040204" pitchFamily="34" charset="0"/>
+              </a:rPr>
+              <a:t>&lt;&lt; </a:t>
+            </a:r>
+            <a:r>
+              <a:rPr lang="ru-RU" altLang="ru-RU" dirty="0">
+                <a:solidFill>
+                  <a:srgbClr val="72C3E0"/>
+                </a:solidFill>
+                <a:latin typeface="Verdana" panose="020B0604030504040204" pitchFamily="34" charset="0"/>
+              </a:rPr>
+              <a:t>"OK"</a:t>
+            </a:r>
+            <a:r>
+              <a:rPr lang="ru-RU" altLang="ru-RU" dirty="0">
+                <a:solidFill>
+                  <a:srgbClr val="FFFFFF"/>
+                </a:solidFill>
+                <a:latin typeface="Verdana" panose="020B0604030504040204" pitchFamily="34" charset="0"/>
+              </a:rPr>
+              <a:t>;       </a:t>
+            </a:r>
+            <a:r>
+              <a:rPr lang="ru-RU" altLang="ru-RU" dirty="0" smtClean="0">
+                <a:solidFill>
+                  <a:srgbClr val="FFFFFF"/>
+                </a:solidFill>
+                <a:latin typeface="Verdana" panose="020B0604030504040204" pitchFamily="34" charset="0"/>
+              </a:rPr>
+              <a:t>   </a:t>
+            </a:r>
+            <a:r>
+              <a:rPr lang="ru-RU" altLang="ru-RU" dirty="0" err="1">
+                <a:solidFill>
+                  <a:srgbClr val="FFFFFF"/>
+                </a:solidFill>
+                <a:latin typeface="Verdana" panose="020B0604030504040204" pitchFamily="34" charset="0"/>
+              </a:rPr>
+              <a:t>break</a:t>
+            </a:r>
+            <a:r>
+              <a:rPr lang="ru-RU" altLang="ru-RU" dirty="0">
+                <a:solidFill>
+                  <a:srgbClr val="FFFFFF"/>
+                </a:solidFill>
+                <a:latin typeface="Verdana" panose="020B0604030504040204" pitchFamily="34" charset="0"/>
+              </a:rPr>
+              <a:t>;</a:t>
+            </a:r>
+            <a:br>
+              <a:rPr lang="ru-RU" altLang="ru-RU" dirty="0">
+                <a:solidFill>
+                  <a:srgbClr val="FFFFFF"/>
+                </a:solidFill>
+                <a:latin typeface="Verdana" panose="020B0604030504040204" pitchFamily="34" charset="0"/>
+              </a:rPr>
+            </a:br>
+            <a:r>
+              <a:rPr lang="ru-RU" altLang="ru-RU" dirty="0">
+                <a:solidFill>
+                  <a:srgbClr val="FFFFFF"/>
+                </a:solidFill>
+                <a:latin typeface="Verdana" panose="020B0604030504040204" pitchFamily="34" charset="0"/>
+              </a:rPr>
+              <a:t>        </a:t>
+            </a:r>
+            <a:r>
+              <a:rPr lang="ru-RU" altLang="ru-RU" dirty="0" err="1">
+                <a:solidFill>
+                  <a:srgbClr val="FFFFFF"/>
+                </a:solidFill>
+                <a:latin typeface="Verdana" panose="020B0604030504040204" pitchFamily="34" charset="0"/>
+              </a:rPr>
+              <a:t>case</a:t>
+            </a:r>
+            <a:r>
+              <a:rPr lang="ru-RU" altLang="ru-RU" dirty="0">
+                <a:solidFill>
+                  <a:srgbClr val="FFFFFF"/>
+                </a:solidFill>
+                <a:latin typeface="Verdana" panose="020B0604030504040204" pitchFamily="34" charset="0"/>
+              </a:rPr>
+              <a:t> </a:t>
+            </a:r>
+            <a:r>
+              <a:rPr lang="ru-RU" altLang="ru-RU" dirty="0" err="1">
+                <a:solidFill>
+                  <a:srgbClr val="FFCC00"/>
+                </a:solidFill>
+                <a:latin typeface="Verdana" panose="020B0604030504040204" pitchFamily="34" charset="0"/>
+              </a:rPr>
+              <a:t>HttpCode</a:t>
+            </a:r>
+            <a:r>
+              <a:rPr lang="ru-RU" altLang="ru-RU" dirty="0">
+                <a:solidFill>
+                  <a:srgbClr val="FFFFFF"/>
+                </a:solidFill>
+                <a:latin typeface="Verdana" panose="020B0604030504040204" pitchFamily="34" charset="0"/>
+              </a:rPr>
+              <a:t>::</a:t>
+            </a:r>
+            <a:r>
+              <a:rPr lang="ru-RU" altLang="ru-RU" dirty="0" err="1">
+                <a:solidFill>
+                  <a:srgbClr val="5BCD9D"/>
+                </a:solidFill>
+                <a:latin typeface="Verdana" panose="020B0604030504040204" pitchFamily="34" charset="0"/>
+              </a:rPr>
+              <a:t>NotFound</a:t>
+            </a:r>
+            <a:r>
+              <a:rPr lang="ru-RU" altLang="ru-RU" dirty="0" smtClean="0">
                 <a:solidFill>
                   <a:srgbClr val="FFFFFF"/>
                 </a:solidFill>
@@ -33447,6 +33807,123 @@
               </a:rPr>
               <a:t>:</a:t>
             </a:r>
+            <a:r>
+              <a:rPr lang="en-US" altLang="ru-RU" dirty="0" smtClean="0">
+                <a:solidFill>
+                  <a:srgbClr val="FFFFFF"/>
+                </a:solidFill>
+                <a:latin typeface="Verdana" panose="020B0604030504040204" pitchFamily="34" charset="0"/>
+              </a:rPr>
+              <a:t> </a:t>
+            </a:r>
+            <a:r>
+              <a:rPr lang="ru-RU" altLang="ru-RU" dirty="0" smtClean="0">
+                <a:solidFill>
+                  <a:srgbClr val="FFFFFF"/>
+                </a:solidFill>
+                <a:latin typeface="Verdana" panose="020B0604030504040204" pitchFamily="34" charset="0"/>
+              </a:rPr>
+              <a:t> </a:t>
+            </a:r>
+            <a:r>
+              <a:rPr lang="ru-RU" altLang="ru-RU" dirty="0" err="1">
+                <a:solidFill>
+                  <a:srgbClr val="5BCD9D"/>
+                </a:solidFill>
+                <a:latin typeface="Verdana" panose="020B0604030504040204" pitchFamily="34" charset="0"/>
+              </a:rPr>
+              <a:t>os</a:t>
+            </a:r>
+            <a:r>
+              <a:rPr lang="ru-RU" altLang="ru-RU" dirty="0">
+                <a:solidFill>
+                  <a:srgbClr val="5BCD9D"/>
+                </a:solidFill>
+                <a:latin typeface="Verdana" panose="020B0604030504040204" pitchFamily="34" charset="0"/>
+              </a:rPr>
+              <a:t> </a:t>
+            </a:r>
+            <a:r>
+              <a:rPr lang="ru-RU" altLang="ru-RU" dirty="0">
+                <a:solidFill>
+                  <a:srgbClr val="FFFFFF"/>
+                </a:solidFill>
+                <a:latin typeface="Verdana" panose="020B0604030504040204" pitchFamily="34" charset="0"/>
+              </a:rPr>
+              <a:t>&lt;&lt; </a:t>
+            </a:r>
+            <a:r>
+              <a:rPr lang="ru-RU" altLang="ru-RU" dirty="0">
+                <a:solidFill>
+                  <a:srgbClr val="72C3E0"/>
+                </a:solidFill>
+                <a:latin typeface="Verdana" panose="020B0604030504040204" pitchFamily="34" charset="0"/>
+              </a:rPr>
+              <a:t>"</a:t>
+            </a:r>
+            <a:r>
+              <a:rPr lang="ru-RU" altLang="ru-RU" dirty="0" err="1">
+                <a:solidFill>
+                  <a:srgbClr val="72C3E0"/>
+                </a:solidFill>
+                <a:latin typeface="Verdana" panose="020B0604030504040204" pitchFamily="34" charset="0"/>
+              </a:rPr>
+              <a:t>Not</a:t>
+            </a:r>
+            <a:r>
+              <a:rPr lang="ru-RU" altLang="ru-RU" dirty="0">
+                <a:solidFill>
+                  <a:srgbClr val="72C3E0"/>
+                </a:solidFill>
+                <a:latin typeface="Verdana" panose="020B0604030504040204" pitchFamily="34" charset="0"/>
+              </a:rPr>
+              <a:t> </a:t>
+            </a:r>
+            <a:r>
+              <a:rPr lang="ru-RU" altLang="ru-RU" dirty="0" err="1">
+                <a:solidFill>
+                  <a:srgbClr val="72C3E0"/>
+                </a:solidFill>
+                <a:latin typeface="Verdana" panose="020B0604030504040204" pitchFamily="34" charset="0"/>
+              </a:rPr>
+              <a:t>found</a:t>
+            </a:r>
+            <a:r>
+              <a:rPr lang="ru-RU" altLang="ru-RU" dirty="0">
+                <a:solidFill>
+                  <a:srgbClr val="72C3E0"/>
+                </a:solidFill>
+                <a:latin typeface="Verdana" panose="020B0604030504040204" pitchFamily="34" charset="0"/>
+              </a:rPr>
+              <a:t>"</a:t>
+            </a:r>
+            <a:r>
+              <a:rPr lang="ru-RU" altLang="ru-RU" dirty="0">
+                <a:solidFill>
+                  <a:srgbClr val="FFFFFF"/>
+                </a:solidFill>
+                <a:latin typeface="Verdana" panose="020B0604030504040204" pitchFamily="34" charset="0"/>
+              </a:rPr>
+              <a:t>; </a:t>
+            </a:r>
+            <a:r>
+              <a:rPr lang="ru-RU" altLang="ru-RU" dirty="0" err="1">
+                <a:solidFill>
+                  <a:srgbClr val="FFFFFF"/>
+                </a:solidFill>
+                <a:latin typeface="Verdana" panose="020B0604030504040204" pitchFamily="34" charset="0"/>
+              </a:rPr>
+              <a:t>break</a:t>
+            </a:r>
+            <a:r>
+              <a:rPr lang="ru-RU" altLang="ru-RU" dirty="0">
+                <a:solidFill>
+                  <a:srgbClr val="FFFFFF"/>
+                </a:solidFill>
+                <a:latin typeface="Verdana" panose="020B0604030504040204" pitchFamily="34" charset="0"/>
+              </a:rPr>
+              <a:t>;</a:t>
+            </a:r>
             <a:br>
               <a:rPr lang="ru-RU" altLang="ru-RU" dirty="0">
                 <a:solidFill>
@@ -33462,679 +33939,493 @@
                 </a:solidFill>
                 <a:latin typeface="Verdana" panose="020B0604030504040204" pitchFamily="34" charset="0"/>
               </a:rPr>
+              <a:t>    }</a:t>
+            </a:r>
+            <a:br>
+              <a:rPr lang="ru-RU" altLang="ru-RU" dirty="0">
+                <a:solidFill>
+                  <a:srgbClr val="FFFFFF"/>
+                </a:solidFill>
+                <a:latin typeface="Verdana" panose="020B0604030504040204" pitchFamily="34" charset="0"/>
+              </a:rPr>
+            </a:br>
+            <a:r>
+              <a:rPr lang="ru-RU" altLang="ru-RU" dirty="0">
+                <a:solidFill>
+                  <a:srgbClr val="FFFFFF"/>
+                </a:solidFill>
+                <a:latin typeface="Verdana" panose="020B0604030504040204" pitchFamily="34" charset="0"/>
+              </a:rPr>
               <a:t>    </a:t>
             </a:r>
             <a:r>
               <a:rPr lang="ru-RU" altLang="ru-RU" dirty="0" err="1">
                 <a:solidFill>
+                  <a:srgbClr val="5BCD9D"/>
+                </a:solidFill>
+                <a:latin typeface="Verdana" panose="020B0604030504040204" pitchFamily="34" charset="0"/>
+              </a:rPr>
+              <a:t>os</a:t>
+            </a:r>
+            <a:r>
+              <a:rPr lang="ru-RU" altLang="ru-RU" dirty="0">
+                <a:solidFill>
+                  <a:srgbClr val="5BCD9D"/>
+                </a:solidFill>
+                <a:latin typeface="Verdana" panose="020B0604030504040204" pitchFamily="34" charset="0"/>
+              </a:rPr>
+              <a:t> </a:t>
+            </a:r>
+            <a:r>
+              <a:rPr lang="ru-RU" altLang="ru-RU" dirty="0">
+                <a:solidFill>
+                  <a:srgbClr val="FFFFFF"/>
+                </a:solidFill>
+                <a:latin typeface="Verdana" panose="020B0604030504040204" pitchFamily="34" charset="0"/>
+              </a:rPr>
+              <a:t>&lt;&lt; </a:t>
+            </a:r>
+            <a:r>
+              <a:rPr lang="ru-RU" altLang="ru-RU" dirty="0" err="1">
+                <a:solidFill>
+                  <a:srgbClr val="5BCD9D"/>
+                </a:solidFill>
+                <a:latin typeface="Verdana" panose="020B0604030504040204" pitchFamily="34" charset="0"/>
+              </a:rPr>
+              <a:t>crlf</a:t>
+            </a:r>
+            <a:r>
+              <a:rPr lang="ru-RU" altLang="ru-RU" dirty="0">
+                <a:solidFill>
+                  <a:srgbClr val="FFFFFF"/>
+                </a:solidFill>
+                <a:latin typeface="Verdana" panose="020B0604030504040204" pitchFamily="34" charset="0"/>
+              </a:rPr>
+              <a:t>;</a:t>
+            </a:r>
+            <a:br>
+              <a:rPr lang="ru-RU" altLang="ru-RU" dirty="0">
+                <a:solidFill>
+                  <a:srgbClr val="FFFFFF"/>
+                </a:solidFill>
+                <a:latin typeface="Verdana" panose="020B0604030504040204" pitchFamily="34" charset="0"/>
+              </a:rPr>
+            </a:br>
+            <a:r>
+              <a:rPr lang="ru-RU" altLang="ru-RU" dirty="0">
+                <a:solidFill>
+                  <a:srgbClr val="FFFFFF"/>
+                </a:solidFill>
+                <a:latin typeface="Verdana" panose="020B0604030504040204" pitchFamily="34" charset="0"/>
+              </a:rPr>
+              <a:t>    </a:t>
+            </a:r>
+            <a:r>
+              <a:rPr lang="ru-RU" altLang="ru-RU" dirty="0" err="1">
+                <a:solidFill>
+                  <a:srgbClr val="FFFFFF"/>
+                </a:solidFill>
+                <a:latin typeface="Verdana" panose="020B0604030504040204" pitchFamily="34" charset="0"/>
+              </a:rPr>
+              <a:t>if</a:t>
+            </a:r>
+            <a:r>
+              <a:rPr lang="ru-RU" altLang="ru-RU" dirty="0">
+                <a:solidFill>
+                  <a:srgbClr val="FFFFFF"/>
+                </a:solidFill>
+                <a:latin typeface="Verdana" panose="020B0604030504040204" pitchFamily="34" charset="0"/>
+              </a:rPr>
+              <a:t> (!</a:t>
+            </a:r>
+            <a:r>
+              <a:rPr lang="ru-RU" altLang="ru-RU" dirty="0">
+                <a:solidFill>
+                  <a:srgbClr val="5BCD9D"/>
+                </a:solidFill>
+                <a:latin typeface="Verdana" panose="020B0604030504040204" pitchFamily="34" charset="0"/>
+              </a:rPr>
+              <a:t>resp</a:t>
+            </a:r>
+            <a:r>
+              <a:rPr lang="ru-RU" altLang="ru-RU" dirty="0">
+                <a:solidFill>
+                  <a:srgbClr val="FFFFFF"/>
+                </a:solidFill>
+                <a:latin typeface="Verdana" panose="020B0604030504040204" pitchFamily="34" charset="0"/>
+              </a:rPr>
+              <a:t>.</a:t>
+            </a:r>
+            <a:r>
+              <a:rPr lang="ru-RU" altLang="ru-RU" dirty="0" err="1">
+                <a:solidFill>
+                  <a:srgbClr val="5BCD9D"/>
+                </a:solidFill>
+                <a:latin typeface="Verdana" panose="020B0604030504040204" pitchFamily="34" charset="0"/>
+              </a:rPr>
+              <a:t>content</a:t>
+            </a:r>
+            <a:r>
+              <a:rPr lang="ru-RU" altLang="ru-RU" dirty="0">
+                <a:solidFill>
+                  <a:srgbClr val="5BCD9D"/>
+                </a:solidFill>
+                <a:latin typeface="Verdana" panose="020B0604030504040204" pitchFamily="34" charset="0"/>
+              </a:rPr>
+              <a:t>_</a:t>
+            </a:r>
+            <a:r>
+              <a:rPr lang="ru-RU" altLang="ru-RU" dirty="0">
+                <a:solidFill>
+                  <a:srgbClr val="FFFFFF"/>
+                </a:solidFill>
+                <a:latin typeface="Verdana" panose="020B0604030504040204" pitchFamily="34" charset="0"/>
+              </a:rPr>
+              <a:t>.</a:t>
+            </a:r>
+            <a:r>
+              <a:rPr lang="ru-RU" altLang="ru-RU" dirty="0" err="1">
+                <a:solidFill>
                   <a:srgbClr val="FFCC00"/>
                 </a:solidFill>
                 <a:latin typeface="Verdana" panose="020B0604030504040204" pitchFamily="34" charset="0"/>
               </a:rPr>
-              <a:t>HttpCode</a:t>
-            </a:r>
-            <a:r>
-              <a:rPr lang="ru-RU" altLang="ru-RU" dirty="0">
+              <a:t>empty</a:t>
+            </a:r>
+            <a:r>
+              <a:rPr lang="ru-RU" altLang="ru-RU" dirty="0">
+                <a:solidFill>
+                  <a:srgbClr val="FFFFFF"/>
+                </a:solidFill>
+                <a:latin typeface="Verdana" panose="020B0604030504040204" pitchFamily="34" charset="0"/>
+              </a:rPr>
+              <a:t>()) {</a:t>
+            </a:r>
+            <a:br>
+              <a:rPr lang="ru-RU" altLang="ru-RU" dirty="0">
+                <a:solidFill>
+                  <a:srgbClr val="FFFFFF"/>
+                </a:solidFill>
+                <a:latin typeface="Verdana" panose="020B0604030504040204" pitchFamily="34" charset="0"/>
+              </a:rPr>
+            </a:br>
+            <a:r>
+              <a:rPr lang="ru-RU" altLang="ru-RU" dirty="0">
+                <a:solidFill>
+                  <a:srgbClr val="FFFFFF"/>
+                </a:solidFill>
+                <a:latin typeface="Verdana" panose="020B0604030504040204" pitchFamily="34" charset="0"/>
+              </a:rPr>
+              <a:t>        </a:t>
+            </a:r>
+            <a:r>
+              <a:rPr lang="ru-RU" altLang="ru-RU" dirty="0" err="1">
+                <a:solidFill>
+                  <a:srgbClr val="5BCD9D"/>
+                </a:solidFill>
+                <a:latin typeface="Verdana" panose="020B0604030504040204" pitchFamily="34" charset="0"/>
+              </a:rPr>
+              <a:t>os</a:t>
+            </a:r>
+            <a:r>
+              <a:rPr lang="ru-RU" altLang="ru-RU" dirty="0">
+                <a:solidFill>
+                  <a:srgbClr val="5BCD9D"/>
+                </a:solidFill>
+                <a:latin typeface="Verdana" panose="020B0604030504040204" pitchFamily="34" charset="0"/>
+              </a:rPr>
+              <a:t> </a:t>
+            </a:r>
+            <a:r>
+              <a:rPr lang="ru-RU" altLang="ru-RU" dirty="0">
+                <a:solidFill>
+                  <a:srgbClr val="FFFFFF"/>
+                </a:solidFill>
+                <a:latin typeface="Verdana" panose="020B0604030504040204" pitchFamily="34" charset="0"/>
+              </a:rPr>
+              <a:t>&lt;&lt; </a:t>
+            </a:r>
+            <a:r>
+              <a:rPr lang="ru-RU" altLang="ru-RU" dirty="0">
+                <a:solidFill>
+                  <a:srgbClr val="72C3E0"/>
+                </a:solidFill>
+                <a:latin typeface="Verdana" panose="020B0604030504040204" pitchFamily="34" charset="0"/>
+              </a:rPr>
+              <a:t>"</a:t>
+            </a:r>
+            <a:r>
+              <a:rPr lang="ru-RU" altLang="ru-RU" dirty="0" err="1">
+                <a:solidFill>
+                  <a:srgbClr val="72C3E0"/>
+                </a:solidFill>
+                <a:latin typeface="Verdana" panose="020B0604030504040204" pitchFamily="34" charset="0"/>
+              </a:rPr>
+              <a:t>Content-Length</a:t>
+            </a:r>
+            <a:r>
+              <a:rPr lang="ru-RU" altLang="ru-RU" dirty="0">
+                <a:solidFill>
+                  <a:srgbClr val="72C3E0"/>
+                </a:solidFill>
+                <a:latin typeface="Verdana" panose="020B0604030504040204" pitchFamily="34" charset="0"/>
+              </a:rPr>
+              <a:t>: " </a:t>
+            </a:r>
+            <a:r>
+              <a:rPr lang="ru-RU" altLang="ru-RU" dirty="0">
+                <a:solidFill>
+                  <a:srgbClr val="FFFFFF"/>
+                </a:solidFill>
+                <a:latin typeface="Verdana" panose="020B0604030504040204" pitchFamily="34" charset="0"/>
+              </a:rPr>
+              <a:t>&lt;&lt; </a:t>
+            </a:r>
+            <a:r>
+              <a:rPr lang="ru-RU" altLang="ru-RU" dirty="0">
+                <a:solidFill>
+                  <a:srgbClr val="5BCD9D"/>
+                </a:solidFill>
+                <a:latin typeface="Verdana" panose="020B0604030504040204" pitchFamily="34" charset="0"/>
+              </a:rPr>
+              <a:t>resp</a:t>
+            </a:r>
+            <a:r>
+              <a:rPr lang="ru-RU" altLang="ru-RU" dirty="0">
+                <a:solidFill>
+                  <a:srgbClr val="FFFFFF"/>
+                </a:solidFill>
+                <a:latin typeface="Verdana" panose="020B0604030504040204" pitchFamily="34" charset="0"/>
+              </a:rPr>
+              <a:t>.</a:t>
+            </a:r>
+            <a:r>
+              <a:rPr lang="ru-RU" altLang="ru-RU" dirty="0" err="1">
+                <a:solidFill>
+                  <a:srgbClr val="5BCD9D"/>
+                </a:solidFill>
+                <a:latin typeface="Verdana" panose="020B0604030504040204" pitchFamily="34" charset="0"/>
+              </a:rPr>
+              <a:t>content</a:t>
+            </a:r>
+            <a:r>
+              <a:rPr lang="ru-RU" altLang="ru-RU" dirty="0">
+                <a:solidFill>
+                  <a:srgbClr val="5BCD9D"/>
+                </a:solidFill>
+                <a:latin typeface="Verdana" panose="020B0604030504040204" pitchFamily="34" charset="0"/>
+              </a:rPr>
+              <a:t>_</a:t>
+            </a:r>
+            <a:r>
+              <a:rPr lang="ru-RU" altLang="ru-RU" dirty="0">
+                <a:solidFill>
+                  <a:srgbClr val="FFFFFF"/>
+                </a:solidFill>
+                <a:latin typeface="Verdana" panose="020B0604030504040204" pitchFamily="34" charset="0"/>
+              </a:rPr>
+              <a:t>.</a:t>
+            </a:r>
+            <a:r>
+              <a:rPr lang="ru-RU" altLang="ru-RU" dirty="0" err="1">
                 <a:solidFill>
                   <a:srgbClr val="FFCC00"/>
                 </a:solidFill>
                 <a:latin typeface="Verdana" panose="020B0604030504040204" pitchFamily="34" charset="0"/>
               </a:rPr>
+              <a:t>size</a:t>
+            </a:r>
+            <a:r>
+              <a:rPr lang="ru-RU" altLang="ru-RU" dirty="0">
+                <a:solidFill>
+                  <a:srgbClr val="FFFFFF"/>
+                </a:solidFill>
+                <a:latin typeface="Verdana" panose="020B0604030504040204" pitchFamily="34" charset="0"/>
+              </a:rPr>
+              <a:t>() &lt;&lt; </a:t>
+            </a:r>
+            <a:r>
+              <a:rPr lang="ru-RU" altLang="ru-RU" dirty="0" err="1">
+                <a:solidFill>
+                  <a:srgbClr val="5BCD9D"/>
+                </a:solidFill>
+                <a:latin typeface="Verdana" panose="020B0604030504040204" pitchFamily="34" charset="0"/>
+              </a:rPr>
+              <a:t>crlf</a:t>
+            </a:r>
+            <a:r>
+              <a:rPr lang="ru-RU" altLang="ru-RU" dirty="0">
+                <a:solidFill>
+                  <a:srgbClr val="FFFFFF"/>
+                </a:solidFill>
+                <a:latin typeface="Verdana" panose="020B0604030504040204" pitchFamily="34" charset="0"/>
+              </a:rPr>
+              <a:t>;</a:t>
+            </a:r>
+            <a:br>
+              <a:rPr lang="ru-RU" altLang="ru-RU" dirty="0">
+                <a:solidFill>
+                  <a:srgbClr val="FFFFFF"/>
+                </a:solidFill>
+                <a:latin typeface="Verdana" panose="020B0604030504040204" pitchFamily="34" charset="0"/>
+              </a:rPr>
+            </a:br>
+            <a:r>
+              <a:rPr lang="ru-RU" altLang="ru-RU" dirty="0">
+                <a:solidFill>
+                  <a:srgbClr val="FFFFFF"/>
+                </a:solidFill>
+                <a:latin typeface="Verdana" panose="020B0604030504040204" pitchFamily="34" charset="0"/>
+              </a:rPr>
+              <a:t>    }</a:t>
+            </a:r>
+            <a:br>
+              <a:rPr lang="ru-RU" altLang="ru-RU" dirty="0">
+                <a:solidFill>
+                  <a:srgbClr val="FFFFFF"/>
+                </a:solidFill>
+                <a:latin typeface="Verdana" panose="020B0604030504040204" pitchFamily="34" charset="0"/>
+              </a:rPr>
+            </a:br>
+            <a:r>
+              <a:rPr lang="ru-RU" altLang="ru-RU" dirty="0">
+                <a:solidFill>
+                  <a:srgbClr val="FFFFFF"/>
+                </a:solidFill>
+                <a:latin typeface="Verdana" panose="020B0604030504040204" pitchFamily="34" charset="0"/>
+              </a:rPr>
+              <a:t>    </a:t>
+            </a:r>
+            <a:r>
+              <a:rPr lang="en-US" altLang="ru-RU" dirty="0" smtClean="0">
+                <a:solidFill>
+                  <a:srgbClr val="FFFFFF"/>
+                </a:solidFill>
+                <a:latin typeface="Verdana" panose="020B0604030504040204" pitchFamily="34" charset="0"/>
+              </a:rPr>
+              <a:t>return </a:t>
+            </a:r>
+            <a:r>
+              <a:rPr lang="ru-RU" altLang="ru-RU" dirty="0" err="1" smtClean="0">
+                <a:solidFill>
+                  <a:srgbClr val="5BCD9D"/>
+                </a:solidFill>
+                <a:latin typeface="Verdana" panose="020B0604030504040204" pitchFamily="34" charset="0"/>
+              </a:rPr>
+              <a:t>os</a:t>
+            </a:r>
+            <a:r>
+              <a:rPr lang="ru-RU" altLang="ru-RU" dirty="0" smtClean="0">
+                <a:solidFill>
+                  <a:srgbClr val="5BCD9D"/>
+                </a:solidFill>
+                <a:latin typeface="Verdana" panose="020B0604030504040204" pitchFamily="34" charset="0"/>
+              </a:rPr>
               <a:t> </a:t>
             </a:r>
             <a:r>
-              <a:rPr lang="en-US" altLang="ru-RU" dirty="0" smtClean="0">
+              <a:rPr lang="ru-RU" altLang="ru-RU" dirty="0">
+                <a:solidFill>
+                  <a:srgbClr val="FFFFFF"/>
+                </a:solidFill>
+                <a:latin typeface="Verdana" panose="020B0604030504040204" pitchFamily="34" charset="0"/>
+              </a:rPr>
+              <a:t>&lt;&lt; </a:t>
+            </a:r>
+            <a:r>
+              <a:rPr lang="ru-RU" altLang="ru-RU" dirty="0" err="1">
                 <a:solidFill>
                   <a:srgbClr val="5BCD9D"/>
                 </a:solidFill>
                 <a:latin typeface="Verdana" panose="020B0604030504040204" pitchFamily="34" charset="0"/>
               </a:rPr>
-              <a:t>c</a:t>
-            </a:r>
-            <a:r>
-              <a:rPr lang="ru-RU" altLang="ru-RU" dirty="0" err="1" smtClean="0">
+              <a:t>crlf</a:t>
+            </a:r>
+            <a:r>
+              <a:rPr lang="ru-RU" altLang="ru-RU" dirty="0">
                 <a:solidFill>
                   <a:srgbClr val="5BCD9D"/>
                 </a:solidFill>
                 <a:latin typeface="Verdana" panose="020B0604030504040204" pitchFamily="34" charset="0"/>
               </a:rPr>
-              <a:t>ode</a:t>
-            </a:r>
-            <a:r>
-              <a:rPr lang="en-US" altLang="ru-RU" dirty="0" smtClean="0">
+              <a:t> </a:t>
+            </a:r>
+            <a:r>
+              <a:rPr lang="ru-RU" altLang="ru-RU" dirty="0">
+                <a:solidFill>
+                  <a:srgbClr val="FFFFFF"/>
+                </a:solidFill>
+                <a:latin typeface="Verdana" panose="020B0604030504040204" pitchFamily="34" charset="0"/>
+              </a:rPr>
+              <a:t>&lt;&lt; </a:t>
+            </a:r>
+            <a:r>
+              <a:rPr lang="ru-RU" altLang="ru-RU" dirty="0" err="1">
                 <a:solidFill>
                   <a:srgbClr val="5BCD9D"/>
                 </a:solidFill>
                 <a:latin typeface="Verdana" panose="020B0604030504040204" pitchFamily="34" charset="0"/>
               </a:rPr>
+              <a:t>resp</a:t>
+            </a:r>
+            <a:r>
+              <a:rPr lang="ru-RU" altLang="ru-RU" dirty="0" err="1">
+                <a:solidFill>
+                  <a:srgbClr val="FFFFFF"/>
+                </a:solidFill>
+                <a:latin typeface="Verdana" panose="020B0604030504040204" pitchFamily="34" charset="0"/>
+              </a:rPr>
+              <a:t>.</a:t>
+            </a:r>
+            <a:r>
+              <a:rPr lang="ru-RU" altLang="ru-RU" dirty="0" err="1">
+                <a:solidFill>
+                  <a:srgbClr val="5BCD9D"/>
+                </a:solidFill>
+                <a:latin typeface="Verdana" panose="020B0604030504040204" pitchFamily="34" charset="0"/>
+              </a:rPr>
+              <a:t>content</a:t>
+            </a:r>
+            <a:r>
+              <a:rPr lang="ru-RU" altLang="ru-RU" dirty="0">
+                <a:solidFill>
+                  <a:srgbClr val="5BCD9D"/>
+                </a:solidFill>
+                <a:latin typeface="Verdana" panose="020B0604030504040204" pitchFamily="34" charset="0"/>
+              </a:rPr>
               <a:t>_</a:t>
             </a:r>
             <a:r>
+              <a:rPr lang="ru-RU" altLang="ru-RU" dirty="0">
+                <a:solidFill>
+                  <a:srgbClr val="FFFFFF"/>
+                </a:solidFill>
+                <a:latin typeface="Verdana" panose="020B0604030504040204" pitchFamily="34" charset="0"/>
+              </a:rPr>
+              <a:t>;</a:t>
+            </a:r>
+            <a:br>
+              <a:rPr lang="ru-RU" altLang="ru-RU" dirty="0">
+                <a:solidFill>
+                  <a:srgbClr val="FFFFFF"/>
+                </a:solidFill>
+                <a:latin typeface="Verdana" panose="020B0604030504040204" pitchFamily="34" charset="0"/>
+              </a:rPr>
+            </a:br>
+            <a:r>
               <a:rPr lang="ru-RU" altLang="ru-RU" dirty="0" smtClean="0">
                 <a:solidFill>
                   <a:srgbClr val="FFFFFF"/>
                 </a:solidFill>
                 <a:latin typeface="Verdana" panose="020B0604030504040204" pitchFamily="34" charset="0"/>
               </a:rPr>
-              <a:t>;</a:t>
-            </a:r>
-            <a:r>
-              <a:rPr lang="ru-RU" altLang="ru-RU" dirty="0">
-                <a:solidFill>
-                  <a:srgbClr val="FFFFFF"/>
-                </a:solidFill>
-                <a:latin typeface="Verdana" panose="020B0604030504040204" pitchFamily="34" charset="0"/>
-              </a:rPr>
-              <a:t/>
-            </a:r>
-            <a:br>
-              <a:rPr lang="ru-RU" altLang="ru-RU" dirty="0">
-                <a:solidFill>
-                  <a:srgbClr val="FFFFFF"/>
-                </a:solidFill>
-                <a:latin typeface="Verdana" panose="020B0604030504040204" pitchFamily="34" charset="0"/>
-              </a:rPr>
-            </a:br>
-            <a:r>
-              <a:rPr lang="ru-RU" altLang="ru-RU" dirty="0">
-                <a:solidFill>
-                  <a:srgbClr val="FFFFFF"/>
-                </a:solidFill>
-                <a:latin typeface="Verdana" panose="020B0604030504040204" pitchFamily="34" charset="0"/>
-              </a:rPr>
-              <a:t>    </a:t>
-            </a:r>
-            <a:r>
-              <a:rPr lang="ru-RU" altLang="ru-RU" dirty="0" err="1">
-                <a:solidFill>
-                  <a:srgbClr val="9E64A9"/>
-                </a:solidFill>
-                <a:latin typeface="Verdana" panose="020B0604030504040204" pitchFamily="34" charset="0"/>
-              </a:rPr>
-              <a:t>std</a:t>
-            </a:r>
-            <a:r>
-              <a:rPr lang="ru-RU" altLang="ru-RU" dirty="0">
-                <a:solidFill>
-                  <a:srgbClr val="FFFFFF"/>
-                </a:solidFill>
-                <a:latin typeface="Verdana" panose="020B0604030504040204" pitchFamily="34" charset="0"/>
-              </a:rPr>
-              <a:t>::</a:t>
-            </a:r>
-            <a:r>
-              <a:rPr lang="ru-RU" altLang="ru-RU" dirty="0" err="1">
-                <a:solidFill>
-                  <a:srgbClr val="FFCC00"/>
-                </a:solidFill>
-                <a:latin typeface="Verdana" panose="020B0604030504040204" pitchFamily="34" charset="0"/>
-              </a:rPr>
-              <a:t>string</a:t>
-            </a:r>
-            <a:r>
-              <a:rPr lang="ru-RU" altLang="ru-RU" dirty="0">
-                <a:solidFill>
-                  <a:srgbClr val="FFCC00"/>
-                </a:solidFill>
-                <a:latin typeface="Verdana" panose="020B0604030504040204" pitchFamily="34" charset="0"/>
-              </a:rPr>
-              <a:t> </a:t>
-            </a:r>
-            <a:r>
-              <a:rPr lang="en-US" altLang="ru-RU" dirty="0" err="1">
-                <a:solidFill>
-                  <a:srgbClr val="5BCD9D"/>
-                </a:solidFill>
-                <a:latin typeface="Verdana" panose="020B0604030504040204" pitchFamily="34" charset="0"/>
-              </a:rPr>
-              <a:t>c</a:t>
-            </a:r>
-            <a:r>
-              <a:rPr lang="ru-RU" altLang="ru-RU" dirty="0" err="1" smtClean="0">
-                <a:solidFill>
-                  <a:srgbClr val="5BCD9D"/>
-                </a:solidFill>
-                <a:latin typeface="Verdana" panose="020B0604030504040204" pitchFamily="34" charset="0"/>
-              </a:rPr>
-              <a:t>ontent</a:t>
-            </a:r>
-            <a:r>
-              <a:rPr lang="en-US" altLang="ru-RU" dirty="0" smtClean="0">
-                <a:solidFill>
-                  <a:srgbClr val="5BCD9D"/>
-                </a:solidFill>
-                <a:latin typeface="Verdana" panose="020B0604030504040204" pitchFamily="34" charset="0"/>
-              </a:rPr>
-              <a:t>_</a:t>
-            </a:r>
-            <a:r>
-              <a:rPr lang="ru-RU" altLang="ru-RU" dirty="0" smtClean="0">
-                <a:solidFill>
-                  <a:srgbClr val="FFFFFF"/>
-                </a:solidFill>
-                <a:latin typeface="Verdana" panose="020B0604030504040204" pitchFamily="34" charset="0"/>
-              </a:rPr>
-              <a:t>;</a:t>
-            </a:r>
-            <a:r>
-              <a:rPr lang="ru-RU" altLang="ru-RU" dirty="0">
-                <a:solidFill>
-                  <a:srgbClr val="FFFFFF"/>
-                </a:solidFill>
-                <a:latin typeface="Verdana" panose="020B0604030504040204" pitchFamily="34" charset="0"/>
-              </a:rPr>
-              <a:t/>
-            </a:r>
-            <a:br>
-              <a:rPr lang="ru-RU" altLang="ru-RU" dirty="0">
-                <a:solidFill>
-                  <a:srgbClr val="FFFFFF"/>
-                </a:solidFill>
-                <a:latin typeface="Verdana" panose="020B0604030504040204" pitchFamily="34" charset="0"/>
-              </a:rPr>
-            </a:br>
-            <a:endParaRPr lang="ru-RU" altLang="ru-RU" dirty="0">
+              <a:t>}</a:t>
+            </a:r>
+            <a:endParaRPr lang="ru-RU" altLang="ru-RU" sz="6600" dirty="0">
+              <a:solidFill>
+                <a:schemeClr val="tx1"/>
+              </a:solidFill>
               <a:latin typeface="Arial" panose="020B0604020202020204" pitchFamily="34" charset="0"/>
-            </a:endParaRPr>
-          </a:p>
-        </p:txBody>
-      </p:sp>
-      <p:sp>
-        <p:nvSpPr>
-          <p:cNvPr id="6" name="TextBox 5"/>
-          <p:cNvSpPr txBox="1"/>
-          <p:nvPr/>
-        </p:nvSpPr>
-        <p:spPr>
-          <a:xfrm>
-            <a:off x="1124806" y="4685269"/>
-            <a:ext cx="1144800" cy="646331"/>
-          </a:xfrm>
-          <a:prstGeom prst="rect">
-            <a:avLst/>
-          </a:prstGeom>
-          <a:noFill/>
-        </p:spPr>
-        <p:txBody>
-          <a:bodyPr wrap="square" rtlCol="0">
-            <a:spAutoFit/>
-          </a:bodyPr>
-          <a:lstStyle/>
-          <a:p>
-            <a:r>
-              <a:rPr lang="ru-RU" altLang="ru-RU" dirty="0">
-                <a:solidFill>
-                  <a:srgbClr val="FFFFFF"/>
-                </a:solidFill>
-                <a:latin typeface="Verdana" panose="020B0604030504040204" pitchFamily="34" charset="0"/>
-              </a:rPr>
-              <a:t>};</a:t>
-            </a:r>
-            <a:endParaRPr lang="ru-RU" dirty="0" smtClean="0">
-              <a:solidFill>
-                <a:sysClr val="windowText" lastClr="000000"/>
-              </a:solidFill>
-            </a:endParaRPr>
-          </a:p>
-        </p:txBody>
-      </p:sp>
-      <p:sp>
-        <p:nvSpPr>
-          <p:cNvPr id="10" name="TextBox 9"/>
-          <p:cNvSpPr txBox="1"/>
-          <p:nvPr/>
-        </p:nvSpPr>
-        <p:spPr>
-          <a:xfrm>
-            <a:off x="1090736" y="8136555"/>
-            <a:ext cx="14700519" cy="5909310"/>
-          </a:xfrm>
-          <a:prstGeom prst="rect">
-            <a:avLst/>
-          </a:prstGeom>
-          <a:noFill/>
-        </p:spPr>
-        <p:txBody>
-          <a:bodyPr wrap="square" rtlCol="0">
-            <a:spAutoFit/>
-          </a:bodyPr>
-          <a:lstStyle/>
-          <a:p>
-            <a:pPr>
-              <a:lnSpc>
-                <a:spcPct val="150000"/>
-              </a:lnSpc>
-            </a:pPr>
-            <a:r>
-              <a:rPr lang="ru-RU" altLang="ru-RU" dirty="0" err="1">
-                <a:solidFill>
-                  <a:srgbClr val="FFCC00"/>
-                </a:solidFill>
-                <a:latin typeface="Verdana" panose="020B0604030504040204" pitchFamily="34" charset="0"/>
-              </a:rPr>
-              <a:t>HttpResponse</a:t>
-            </a:r>
-            <a:r>
-              <a:rPr lang="ru-RU" altLang="ru-RU" dirty="0">
-                <a:solidFill>
-                  <a:srgbClr val="FFFFFF"/>
-                </a:solidFill>
-                <a:latin typeface="Verdana" panose="020B0604030504040204" pitchFamily="34" charset="0"/>
-              </a:rPr>
-              <a:t>::</a:t>
-            </a:r>
-            <a:r>
-              <a:rPr lang="ru-RU" altLang="ru-RU" dirty="0" err="1">
-                <a:solidFill>
-                  <a:srgbClr val="FFCC00"/>
-                </a:solidFill>
-                <a:latin typeface="Verdana" panose="020B0604030504040204" pitchFamily="34" charset="0"/>
-              </a:rPr>
-              <a:t>HttpResponse</a:t>
-            </a:r>
-            <a:r>
-              <a:rPr lang="ru-RU" altLang="ru-RU" dirty="0">
-                <a:solidFill>
-                  <a:srgbClr val="FFFFFF"/>
-                </a:solidFill>
-                <a:latin typeface="Verdana" panose="020B0604030504040204" pitchFamily="34" charset="0"/>
-              </a:rPr>
-              <a:t>(</a:t>
-            </a:r>
-            <a:r>
-              <a:rPr lang="ru-RU" altLang="ru-RU" dirty="0" err="1">
-                <a:solidFill>
-                  <a:srgbClr val="FFCC00"/>
-                </a:solidFill>
-                <a:latin typeface="Verdana" panose="020B0604030504040204" pitchFamily="34" charset="0"/>
-              </a:rPr>
-              <a:t>HttpCode</a:t>
-            </a:r>
-            <a:r>
-              <a:rPr lang="ru-RU" altLang="ru-RU" dirty="0">
-                <a:solidFill>
-                  <a:srgbClr val="FFCC00"/>
-                </a:solidFill>
-                <a:latin typeface="Verdana" panose="020B0604030504040204" pitchFamily="34" charset="0"/>
-              </a:rPr>
-              <a:t> </a:t>
-            </a:r>
-            <a:r>
-              <a:rPr lang="ru-RU" altLang="ru-RU" dirty="0" err="1">
-                <a:solidFill>
-                  <a:srgbClr val="5BCD9D"/>
-                </a:solidFill>
-                <a:latin typeface="Verdana" panose="020B0604030504040204" pitchFamily="34" charset="0"/>
-              </a:rPr>
-              <a:t>code</a:t>
-            </a:r>
-            <a:r>
-              <a:rPr lang="ru-RU" altLang="ru-RU" dirty="0">
-                <a:solidFill>
-                  <a:srgbClr val="FFFFFF"/>
-                </a:solidFill>
-                <a:latin typeface="Verdana" panose="020B0604030504040204" pitchFamily="34" charset="0"/>
-              </a:rPr>
-              <a:t>) : </a:t>
-            </a:r>
-            <a:r>
-              <a:rPr lang="ru-RU" altLang="ru-RU" dirty="0" err="1">
-                <a:solidFill>
-                  <a:srgbClr val="5BCD9D"/>
-                </a:solidFill>
-                <a:latin typeface="Verdana" panose="020B0604030504040204" pitchFamily="34" charset="0"/>
-              </a:rPr>
-              <a:t>code</a:t>
-            </a:r>
-            <a:r>
-              <a:rPr lang="ru-RU" altLang="ru-RU" dirty="0">
-                <a:solidFill>
-                  <a:srgbClr val="5BCD9D"/>
-                </a:solidFill>
-                <a:latin typeface="Verdana" panose="020B0604030504040204" pitchFamily="34" charset="0"/>
-              </a:rPr>
-              <a:t>_</a:t>
-            </a:r>
-            <a:r>
-              <a:rPr lang="ru-RU" altLang="ru-RU" dirty="0">
-                <a:solidFill>
-                  <a:srgbClr val="FFFFFF"/>
-                </a:solidFill>
-                <a:latin typeface="Verdana" panose="020B0604030504040204" pitchFamily="34" charset="0"/>
-              </a:rPr>
-              <a:t>(</a:t>
-            </a:r>
-            <a:r>
-              <a:rPr lang="ru-RU" altLang="ru-RU" dirty="0" err="1">
-                <a:solidFill>
-                  <a:srgbClr val="5BCD9D"/>
-                </a:solidFill>
-                <a:latin typeface="Verdana" panose="020B0604030504040204" pitchFamily="34" charset="0"/>
-              </a:rPr>
-              <a:t>code</a:t>
-            </a:r>
-            <a:r>
-              <a:rPr lang="ru-RU" altLang="ru-RU" dirty="0">
-                <a:solidFill>
-                  <a:srgbClr val="FFFFFF"/>
-                </a:solidFill>
-                <a:latin typeface="Verdana" panose="020B0604030504040204" pitchFamily="34" charset="0"/>
-              </a:rPr>
-              <a:t>) {</a:t>
-            </a:r>
-            <a:br>
-              <a:rPr lang="ru-RU" altLang="ru-RU" dirty="0">
-                <a:solidFill>
-                  <a:srgbClr val="FFFFFF"/>
-                </a:solidFill>
-                <a:latin typeface="Verdana" panose="020B0604030504040204" pitchFamily="34" charset="0"/>
-              </a:rPr>
-            </a:br>
-            <a:r>
-              <a:rPr lang="ru-RU" altLang="ru-RU" dirty="0">
-                <a:solidFill>
-                  <a:srgbClr val="FFFFFF"/>
-                </a:solidFill>
-                <a:latin typeface="Verdana" panose="020B0604030504040204" pitchFamily="34" charset="0"/>
-              </a:rPr>
-              <a:t>}</a:t>
-            </a:r>
-            <a:br>
-              <a:rPr lang="ru-RU" altLang="ru-RU" dirty="0">
-                <a:solidFill>
-                  <a:srgbClr val="FFFFFF"/>
-                </a:solidFill>
-                <a:latin typeface="Verdana" panose="020B0604030504040204" pitchFamily="34" charset="0"/>
-              </a:rPr>
-            </a:br>
-            <a:r>
-              <a:rPr lang="ru-RU" altLang="ru-RU" dirty="0" err="1">
-                <a:solidFill>
-                  <a:srgbClr val="FFCC00"/>
-                </a:solidFill>
-                <a:latin typeface="Verdana" panose="020B0604030504040204" pitchFamily="34" charset="0"/>
-              </a:rPr>
-              <a:t>HttpResponse</a:t>
-            </a:r>
-            <a:r>
-              <a:rPr lang="ru-RU" altLang="ru-RU" dirty="0">
-                <a:solidFill>
-                  <a:srgbClr val="FFFFFF"/>
-                </a:solidFill>
-                <a:latin typeface="Verdana" panose="020B0604030504040204" pitchFamily="34" charset="0"/>
-              </a:rPr>
-              <a:t>&amp; </a:t>
-            </a:r>
-            <a:r>
-              <a:rPr lang="ru-RU" altLang="ru-RU" dirty="0" err="1">
-                <a:solidFill>
-                  <a:srgbClr val="FFCC00"/>
-                </a:solidFill>
-                <a:latin typeface="Verdana" panose="020B0604030504040204" pitchFamily="34" charset="0"/>
-              </a:rPr>
-              <a:t>HttpResponse</a:t>
-            </a:r>
-            <a:r>
-              <a:rPr lang="ru-RU" altLang="ru-RU" dirty="0">
-                <a:solidFill>
-                  <a:srgbClr val="FFFFFF"/>
-                </a:solidFill>
-                <a:latin typeface="Verdana" panose="020B0604030504040204" pitchFamily="34" charset="0"/>
-              </a:rPr>
-              <a:t>::</a:t>
-            </a:r>
-            <a:r>
-              <a:rPr lang="ru-RU" altLang="ru-RU" dirty="0" err="1">
-                <a:solidFill>
-                  <a:srgbClr val="FFCC00"/>
-                </a:solidFill>
-                <a:latin typeface="Verdana" panose="020B0604030504040204" pitchFamily="34" charset="0"/>
-              </a:rPr>
-              <a:t>SetContent</a:t>
-            </a:r>
-            <a:r>
-              <a:rPr lang="ru-RU" altLang="ru-RU" dirty="0">
-                <a:solidFill>
-                  <a:srgbClr val="FFFFFF"/>
-                </a:solidFill>
-                <a:latin typeface="Verdana" panose="020B0604030504040204" pitchFamily="34" charset="0"/>
-              </a:rPr>
-              <a:t>(</a:t>
-            </a:r>
-            <a:r>
-              <a:rPr lang="ru-RU" altLang="ru-RU" dirty="0" err="1">
-                <a:solidFill>
-                  <a:srgbClr val="9E64A9"/>
-                </a:solidFill>
-                <a:latin typeface="Verdana" panose="020B0604030504040204" pitchFamily="34" charset="0"/>
-              </a:rPr>
-              <a:t>std</a:t>
-            </a:r>
-            <a:r>
-              <a:rPr lang="ru-RU" altLang="ru-RU" dirty="0">
-                <a:solidFill>
-                  <a:srgbClr val="FFFFFF"/>
-                </a:solidFill>
-                <a:latin typeface="Verdana" panose="020B0604030504040204" pitchFamily="34" charset="0"/>
-              </a:rPr>
-              <a:t>::</a:t>
-            </a:r>
-            <a:r>
-              <a:rPr lang="ru-RU" altLang="ru-RU" dirty="0" err="1">
-                <a:solidFill>
-                  <a:srgbClr val="FFCC00"/>
-                </a:solidFill>
-                <a:latin typeface="Verdana" panose="020B0604030504040204" pitchFamily="34" charset="0"/>
-              </a:rPr>
-              <a:t>string</a:t>
-            </a:r>
-            <a:r>
-              <a:rPr lang="ru-RU" altLang="ru-RU" dirty="0">
-                <a:solidFill>
-                  <a:srgbClr val="FFCC00"/>
-                </a:solidFill>
-                <a:latin typeface="Verdana" panose="020B0604030504040204" pitchFamily="34" charset="0"/>
-              </a:rPr>
-              <a:t> </a:t>
-            </a:r>
-            <a:r>
-              <a:rPr lang="ru-RU" altLang="ru-RU" dirty="0" err="1">
-                <a:solidFill>
-                  <a:srgbClr val="5BCD9D"/>
-                </a:solidFill>
-                <a:latin typeface="Verdana" panose="020B0604030504040204" pitchFamily="34" charset="0"/>
-              </a:rPr>
-              <a:t>value</a:t>
-            </a:r>
-            <a:r>
-              <a:rPr lang="ru-RU" altLang="ru-RU" dirty="0">
-                <a:solidFill>
-                  <a:srgbClr val="FFFFFF"/>
-                </a:solidFill>
-                <a:latin typeface="Verdana" panose="020B0604030504040204" pitchFamily="34" charset="0"/>
-              </a:rPr>
-              <a:t>) {</a:t>
-            </a:r>
-            <a:br>
-              <a:rPr lang="ru-RU" altLang="ru-RU" dirty="0">
-                <a:solidFill>
-                  <a:srgbClr val="FFFFFF"/>
-                </a:solidFill>
-                <a:latin typeface="Verdana" panose="020B0604030504040204" pitchFamily="34" charset="0"/>
-              </a:rPr>
-            </a:br>
-            <a:r>
-              <a:rPr lang="ru-RU" altLang="ru-RU" dirty="0">
-                <a:solidFill>
-                  <a:srgbClr val="FFFFFF"/>
-                </a:solidFill>
-                <a:latin typeface="Verdana" panose="020B0604030504040204" pitchFamily="34" charset="0"/>
-              </a:rPr>
-              <a:t>    </a:t>
-            </a:r>
-            <a:r>
-              <a:rPr lang="ru-RU" altLang="ru-RU" dirty="0" err="1">
-                <a:solidFill>
-                  <a:srgbClr val="5BCD9D"/>
-                </a:solidFill>
-                <a:latin typeface="Verdana" panose="020B0604030504040204" pitchFamily="34" charset="0"/>
-              </a:rPr>
-              <a:t>content</a:t>
-            </a:r>
-            <a:r>
-              <a:rPr lang="ru-RU" altLang="ru-RU" dirty="0">
-                <a:solidFill>
-                  <a:srgbClr val="5BCD9D"/>
-                </a:solidFill>
-                <a:latin typeface="Verdana" panose="020B0604030504040204" pitchFamily="34" charset="0"/>
-              </a:rPr>
-              <a:t>_ </a:t>
-            </a:r>
-            <a:r>
-              <a:rPr lang="ru-RU" altLang="ru-RU" dirty="0">
-                <a:solidFill>
-                  <a:srgbClr val="FFFFFF"/>
-                </a:solidFill>
-                <a:latin typeface="Verdana" panose="020B0604030504040204" pitchFamily="34" charset="0"/>
-              </a:rPr>
-              <a:t>= </a:t>
-            </a:r>
-            <a:r>
-              <a:rPr lang="ru-RU" altLang="ru-RU" dirty="0" err="1">
-                <a:solidFill>
-                  <a:srgbClr val="9E64A9"/>
-                </a:solidFill>
-                <a:latin typeface="Verdana" panose="020B0604030504040204" pitchFamily="34" charset="0"/>
-              </a:rPr>
-              <a:t>std</a:t>
-            </a:r>
-            <a:r>
-              <a:rPr lang="ru-RU" altLang="ru-RU" dirty="0">
-                <a:solidFill>
-                  <a:srgbClr val="FFFFFF"/>
-                </a:solidFill>
-                <a:latin typeface="Verdana" panose="020B0604030504040204" pitchFamily="34" charset="0"/>
-              </a:rPr>
-              <a:t>::</a:t>
-            </a:r>
-            <a:r>
-              <a:rPr lang="ru-RU" altLang="ru-RU" dirty="0" err="1">
-                <a:solidFill>
-                  <a:srgbClr val="FFCC00"/>
-                </a:solidFill>
-                <a:latin typeface="Verdana" panose="020B0604030504040204" pitchFamily="34" charset="0"/>
-              </a:rPr>
-              <a:t>move</a:t>
-            </a:r>
-            <a:r>
-              <a:rPr lang="ru-RU" altLang="ru-RU" dirty="0">
-                <a:solidFill>
-                  <a:srgbClr val="FFFFFF"/>
-                </a:solidFill>
-                <a:latin typeface="Verdana" panose="020B0604030504040204" pitchFamily="34" charset="0"/>
-              </a:rPr>
-              <a:t>(</a:t>
-            </a:r>
-            <a:r>
-              <a:rPr lang="ru-RU" altLang="ru-RU" dirty="0" err="1">
-                <a:solidFill>
-                  <a:srgbClr val="5BCD9D"/>
-                </a:solidFill>
-                <a:latin typeface="Verdana" panose="020B0604030504040204" pitchFamily="34" charset="0"/>
-              </a:rPr>
-              <a:t>value</a:t>
-            </a:r>
-            <a:r>
-              <a:rPr lang="ru-RU" altLang="ru-RU" dirty="0">
-                <a:solidFill>
-                  <a:srgbClr val="FFFFFF"/>
-                </a:solidFill>
-                <a:latin typeface="Verdana" panose="020B0604030504040204" pitchFamily="34" charset="0"/>
-              </a:rPr>
-              <a:t>);</a:t>
-            </a:r>
-            <a:br>
-              <a:rPr lang="ru-RU" altLang="ru-RU" dirty="0">
-                <a:solidFill>
-                  <a:srgbClr val="FFFFFF"/>
-                </a:solidFill>
-                <a:latin typeface="Verdana" panose="020B0604030504040204" pitchFamily="34" charset="0"/>
-              </a:rPr>
-            </a:br>
-            <a:r>
-              <a:rPr lang="ru-RU" altLang="ru-RU" dirty="0">
-                <a:solidFill>
-                  <a:srgbClr val="FFFFFF"/>
-                </a:solidFill>
-                <a:latin typeface="Verdana" panose="020B0604030504040204" pitchFamily="34" charset="0"/>
-              </a:rPr>
-              <a:t>    </a:t>
-            </a:r>
-            <a:r>
-              <a:rPr lang="ru-RU" altLang="ru-RU" dirty="0" err="1">
-                <a:solidFill>
-                  <a:srgbClr val="FFFFFF"/>
-                </a:solidFill>
-                <a:latin typeface="Verdana" panose="020B0604030504040204" pitchFamily="34" charset="0"/>
-              </a:rPr>
-              <a:t>return</a:t>
-            </a:r>
-            <a:r>
-              <a:rPr lang="ru-RU" altLang="ru-RU" dirty="0">
-                <a:solidFill>
-                  <a:srgbClr val="FFFFFF"/>
-                </a:solidFill>
-                <a:latin typeface="Verdana" panose="020B0604030504040204" pitchFamily="34" charset="0"/>
-              </a:rPr>
-              <a:t> *</a:t>
-            </a:r>
-            <a:r>
-              <a:rPr lang="ru-RU" altLang="ru-RU" dirty="0" err="1">
-                <a:solidFill>
-                  <a:srgbClr val="FFFFFF"/>
-                </a:solidFill>
-                <a:latin typeface="Verdana" panose="020B0604030504040204" pitchFamily="34" charset="0"/>
-              </a:rPr>
-              <a:t>this</a:t>
-            </a:r>
-            <a:r>
-              <a:rPr lang="ru-RU" altLang="ru-RU" dirty="0">
-                <a:solidFill>
-                  <a:srgbClr val="FFFFFF"/>
-                </a:solidFill>
-                <a:latin typeface="Verdana" panose="020B0604030504040204" pitchFamily="34" charset="0"/>
-              </a:rPr>
-              <a:t>;</a:t>
-            </a:r>
-            <a:br>
-              <a:rPr lang="ru-RU" altLang="ru-RU" dirty="0">
-                <a:solidFill>
-                  <a:srgbClr val="FFFFFF"/>
-                </a:solidFill>
-                <a:latin typeface="Verdana" panose="020B0604030504040204" pitchFamily="34" charset="0"/>
-              </a:rPr>
-            </a:br>
-            <a:r>
-              <a:rPr lang="ru-RU" altLang="ru-RU" dirty="0">
-                <a:solidFill>
-                  <a:srgbClr val="FFFFFF"/>
-                </a:solidFill>
-                <a:latin typeface="Verdana" panose="020B0604030504040204" pitchFamily="34" charset="0"/>
-              </a:rPr>
-              <a:t>}</a:t>
-            </a:r>
-            <a:br>
-              <a:rPr lang="ru-RU" altLang="ru-RU" dirty="0">
-                <a:solidFill>
-                  <a:srgbClr val="FFFFFF"/>
-                </a:solidFill>
-                <a:latin typeface="Verdana" panose="020B0604030504040204" pitchFamily="34" charset="0"/>
-              </a:rPr>
-            </a:br>
-            <a:endParaRPr lang="ru-RU" dirty="0" smtClean="0">
-              <a:solidFill>
-                <a:sysClr val="windowText" lastClr="000000"/>
-              </a:solidFill>
             </a:endParaRPr>
           </a:p>
         </p:txBody>
@@ -34149,253 +34440,15 @@
   <p:clrMapOvr>
     <a:masterClrMapping/>
   </p:clrMapOvr>
+  <p:transition spd="med">
+    <p:push dir="u"/>
+  </p:transition>
   <p:timing>
     <p:tnLst>
       <p:par>
-        <p:cTn id="1" dur="indefinite" restart="never" nodeType="tmRoot">
-          <p:childTnLst>
-            <p:seq concurrent="1" nextAc="seek">
-              <p:cTn id="2" dur="indefinite" nodeType="mainSeq">
-                <p:childTnLst>
-                  <p:par>
-                    <p:cTn id="3" fill="hold">
-                      <p:stCondLst>
-                        <p:cond delay="indefinite"/>
-                      </p:stCondLst>
-                      <p:childTnLst>
-                        <p:par>
-                          <p:cTn id="4" fill="hold">
-                            <p:stCondLst>
-                              <p:cond delay="0"/>
-                            </p:stCondLst>
-                            <p:childTnLst>
-                              <p:par>
-                                <p:cTn id="5" presetID="42" presetClass="path" presetSubtype="0" accel="50000" decel="50000" fill="hold" grpId="0" nodeType="clickEffect">
-                                  <p:stCondLst>
-                                    <p:cond delay="0"/>
-                                  </p:stCondLst>
-                                  <p:childTnLst>
-                                    <p:animMotion origin="layout" path="M -8.85474E-7 3.7037E-6 L -8.85474E-7 0.19062 " pathEditMode="relative" rAng="0" ptsTypes="AA">
-                                      <p:cBhvr>
-                                        <p:cTn id="6" dur="500" fill="hold"/>
-                                        <p:tgtEl>
-                                          <p:spTgt spid="6"/>
-                                        </p:tgtEl>
-                                        <p:attrNameLst>
-                                          <p:attrName>ppt_x</p:attrName>
-                                          <p:attrName>ppt_y</p:attrName>
-                                        </p:attrNameLst>
-                                      </p:cBhvr>
-                                      <p:rCtr x="0" y="9525"/>
-                                    </p:animMotion>
-                                  </p:childTnLst>
-                                </p:cTn>
-                              </p:par>
-                            </p:childTnLst>
-                          </p:cTn>
-                        </p:par>
-                        <p:par>
-                          <p:cTn id="7" fill="hold">
-                            <p:stCondLst>
-                              <p:cond delay="500"/>
-                            </p:stCondLst>
-                            <p:childTnLst>
-                              <p:par>
-                                <p:cTn id="8" presetID="2" presetClass="entr" presetSubtype="2" fill="hold" grpId="0" nodeType="afterEffect">
-                                  <p:stCondLst>
-                                    <p:cond delay="0"/>
-                                  </p:stCondLst>
-                                  <p:childTnLst>
-                                    <p:set>
-                                      <p:cBhvr>
-                                        <p:cTn id="9" dur="1" fill="hold">
-                                          <p:stCondLst>
-                                            <p:cond delay="0"/>
-                                          </p:stCondLst>
-                                        </p:cTn>
-                                        <p:tgtEl>
-                                          <p:spTgt spid="7"/>
-                                        </p:tgtEl>
-                                        <p:attrNameLst>
-                                          <p:attrName>style.visibility</p:attrName>
-                                        </p:attrNameLst>
-                                      </p:cBhvr>
-                                      <p:to>
-                                        <p:strVal val="visible"/>
-                                      </p:to>
-                                    </p:set>
-                                    <p:anim calcmode="lin" valueType="num">
-                                      <p:cBhvr additive="base">
-                                        <p:cTn id="10" dur="500" fill="hold"/>
-                                        <p:tgtEl>
-                                          <p:spTgt spid="7"/>
-                                        </p:tgtEl>
-                                        <p:attrNameLst>
-                                          <p:attrName>ppt_x</p:attrName>
-                                        </p:attrNameLst>
-                                      </p:cBhvr>
-                                      <p:tavLst>
-                                        <p:tav tm="0">
-                                          <p:val>
-                                            <p:strVal val="1+#ppt_w/2"/>
-                                          </p:val>
-                                        </p:tav>
-                                        <p:tav tm="100000">
-                                          <p:val>
-                                            <p:strVal val="#ppt_x"/>
-                                          </p:val>
-                                        </p:tav>
-                                      </p:tavLst>
-                                    </p:anim>
-                                    <p:anim calcmode="lin" valueType="num">
-                                      <p:cBhvr additive="base">
-                                        <p:cTn id="11" dur="500" fill="hold"/>
-                                        <p:tgtEl>
-                                          <p:spTgt spid="7"/>
-                                        </p:tgtEl>
-                                        <p:attrNameLst>
-                                          <p:attrName>ppt_y</p:attrName>
-                                        </p:attrNameLst>
-                                      </p:cBhvr>
-                                      <p:tavLst>
-                                        <p:tav tm="0">
-                                          <p:val>
-                                            <p:strVal val="#ppt_y"/>
-                                          </p:val>
-                                        </p:tav>
-                                        <p:tav tm="100000">
-                                          <p:val>
-                                            <p:strVal val="#ppt_y"/>
-                                          </p:val>
-                                        </p:tav>
-                                      </p:tavLst>
-                                    </p:anim>
-                                  </p:childTnLst>
-                                </p:cTn>
-                              </p:par>
-                            </p:childTnLst>
-                          </p:cTn>
-                        </p:par>
-                      </p:childTnLst>
-                    </p:cTn>
-                  </p:par>
-                  <p:par>
-                    <p:cTn id="12" fill="hold">
-                      <p:stCondLst>
-                        <p:cond delay="indefinite"/>
-                      </p:stCondLst>
-                      <p:childTnLst>
-                        <p:par>
-                          <p:cTn id="13" fill="hold">
-                            <p:stCondLst>
-                              <p:cond delay="0"/>
-                            </p:stCondLst>
-                            <p:childTnLst>
-                              <p:par>
-                                <p:cTn id="14" presetID="2" presetClass="entr" presetSubtype="2" fill="hold" grpId="0" nodeType="clickEffect">
-                                  <p:stCondLst>
-                                    <p:cond delay="0"/>
-                                  </p:stCondLst>
-                                  <p:childTnLst>
-                                    <p:set>
-                                      <p:cBhvr>
-                                        <p:cTn id="15" dur="1" fill="hold">
-                                          <p:stCondLst>
-                                            <p:cond delay="0"/>
-                                          </p:stCondLst>
-                                        </p:cTn>
-                                        <p:tgtEl>
-                                          <p:spTgt spid="10"/>
-                                        </p:tgtEl>
-                                        <p:attrNameLst>
-                                          <p:attrName>style.visibility</p:attrName>
-                                        </p:attrNameLst>
-                                      </p:cBhvr>
-                                      <p:to>
-                                        <p:strVal val="visible"/>
-                                      </p:to>
-                                    </p:set>
-                                    <p:anim calcmode="lin" valueType="num">
-                                      <p:cBhvr additive="base">
-                                        <p:cTn id="16" dur="500" fill="hold"/>
-                                        <p:tgtEl>
-                                          <p:spTgt spid="10"/>
-                                        </p:tgtEl>
-                                        <p:attrNameLst>
-                                          <p:attrName>ppt_x</p:attrName>
-                                        </p:attrNameLst>
-                                      </p:cBhvr>
-                                      <p:tavLst>
-                                        <p:tav tm="0">
-                                          <p:val>
-                                            <p:strVal val="1+#ppt_w/2"/>
-                                          </p:val>
-                                        </p:tav>
-                                        <p:tav tm="100000">
-                                          <p:val>
-                                            <p:strVal val="#ppt_x"/>
-                                          </p:val>
-                                        </p:tav>
-                                      </p:tavLst>
-                                    </p:anim>
-                                    <p:anim calcmode="lin" valueType="num">
-                                      <p:cBhvr additive="base">
-                                        <p:cTn id="17" dur="500" fill="hold"/>
-                                        <p:tgtEl>
-                                          <p:spTgt spid="10"/>
-                                        </p:tgtEl>
-                                        <p:attrNameLst>
-                                          <p:attrName>ppt_y</p:attrName>
-                                        </p:attrNameLst>
-                                      </p:cBhvr>
-                                      <p:tavLst>
-                                        <p:tav tm="0">
-                                          <p:val>
-                                            <p:strVal val="#ppt_y"/>
-                                          </p:val>
-                                        </p:tav>
-                                        <p:tav tm="100000">
-                                          <p:val>
-                                            <p:strVal val="#ppt_y"/>
-                                          </p:val>
-                                        </p:tav>
-                                      </p:tavLst>
-                                    </p:anim>
-                                  </p:childTnLst>
-                                </p:cTn>
-                              </p:par>
-                            </p:childTnLst>
-                          </p:cTn>
-                        </p:par>
-                      </p:childTnLst>
-                    </p:cTn>
-                  </p:par>
-                </p:childTnLst>
-              </p:cTn>
-              <p:prevCondLst>
-                <p:cond evt="onPrev" delay="0">
-                  <p:tgtEl>
-                    <p:sldTgt/>
-                  </p:tgtEl>
-                </p:cond>
-              </p:prevCondLst>
-              <p:nextCondLst>
-                <p:cond evt="onNext" delay="0">
-                  <p:tgtEl>
-                    <p:sldTgt/>
-                  </p:tgtEl>
-                </p:cond>
-              </p:nextCondLst>
-            </p:seq>
-          </p:childTnLst>
-        </p:cTn>
+        <p:cTn id="1" dur="indefinite" restart="never" nodeType="tmRoot"/>
       </p:par>
     </p:tnLst>
-    <p:bldLst>
-      <p:bldP spid="7" grpId="0"/>
-      <p:bldP spid="6" grpId="0"/>
-      <p:bldP spid="10" grpId="0"/>
-    </p:bldLst>
   </p:timing>
 </p:sld>
 </file>
@@ -34419,7 +34472,69 @@
       </p:grpSpPr>
       <p:sp>
         <p:nvSpPr>
-          <p:cNvPr id="2" name="Нижний колонтитул 1"/>
+          <p:cNvPr id="6" name="Заголовок 5"/>
+          <p:cNvSpPr>
+            <a:spLocks noGrp="1"/>
+          </p:cNvSpPr>
+          <p:nvPr>
+            <p:ph type="title"/>
+          </p:nvPr>
+        </p:nvSpPr>
+        <p:spPr/>
+        <p:txBody>
+          <a:bodyPr/>
+          <a:lstStyle/>
+          <a:p>
+            <a:r>
+              <a:rPr lang="ru-RU" dirty="0"/>
+              <a:t>Четвёртый шаг – реализация интерфейса</a:t>
+            </a:r>
+          </a:p>
+        </p:txBody>
+      </p:sp>
+      <p:sp>
+        <p:nvSpPr>
+          <p:cNvPr id="7" name="Объект 6"/>
+          <p:cNvSpPr>
+            <a:spLocks noGrp="1"/>
+          </p:cNvSpPr>
+          <p:nvPr>
+            <p:ph idx="1"/>
+          </p:nvPr>
+        </p:nvSpPr>
+        <p:spPr>
+          <a:xfrm>
+            <a:off x="1143000" y="3048000"/>
+            <a:ext cx="22114606" cy="3046413"/>
+          </a:xfrm>
+        </p:spPr>
+        <p:txBody>
+          <a:bodyPr/>
+          <a:lstStyle/>
+          <a:p>
+            <a:pPr lvl="1"/>
+            <a:r>
+              <a:rPr lang="ru-RU" dirty="0" smtClean="0"/>
+              <a:t>Реализовав интерфейс, запускаем юнит-тесты</a:t>
+            </a:r>
+          </a:p>
+          <a:p>
+            <a:pPr lvl="1"/>
+            <a:endParaRPr lang="ru-RU" dirty="0"/>
+          </a:p>
+          <a:p>
+            <a:pPr lvl="1"/>
+            <a:r>
+              <a:rPr lang="ru-RU" dirty="0" smtClean="0"/>
+              <a:t>Убеждаемся, что они проходят</a:t>
+            </a:r>
+            <a:endParaRPr lang="ru-RU" dirty="0"/>
+          </a:p>
+        </p:txBody>
+      </p:sp>
+      <p:sp>
+        <p:nvSpPr>
+          <p:cNvPr id="4" name="Нижний колонтитул 3"/>
           <p:cNvSpPr>
             <a:spLocks noGrp="1"/>
           </p:cNvSpPr>
@@ -34432,7 +34547,7 @@
           <a:bodyPr/>
           <a:lstStyle/>
           <a:p>
-            <a:endParaRPr lang="ru-RU" dirty="0">
+            <a:endParaRPr lang="ru-RU">
               <a:solidFill>
                 <a:srgbClr val="000000"/>
               </a:solidFill>
@@ -34442,7 +34557,7 @@
       </p:sp>
       <p:sp>
         <p:nvSpPr>
-          <p:cNvPr id="3" name="Номер слайда 2"/>
+          <p:cNvPr id="5" name="Номер слайда 4"/>
           <p:cNvSpPr>
             <a:spLocks noGrp="1"/>
           </p:cNvSpPr>
@@ -34474,7 +34589,7 @@
       </p:sp>
       <p:sp>
         <p:nvSpPr>
-          <p:cNvPr id="4" name="Объект 3"/>
+          <p:cNvPr id="8" name="Объект 7"/>
           <p:cNvSpPr>
             <a:spLocks noGrp="1"/>
           </p:cNvSpPr>
@@ -34488,1429 +34603,42 @@
           <a:lstStyle/>
           <a:p>
             <a:r>
-              <a:rPr lang="ru-RU" altLang="ru-RU" dirty="0" err="1">
-                <a:solidFill>
-                  <a:srgbClr val="9E64A9"/>
-                </a:solidFill>
-                <a:latin typeface="Verdana" panose="020B0604030504040204" pitchFamily="34" charset="0"/>
-              </a:rPr>
-              <a:t>std</a:t>
-            </a:r>
-            <a:r>
-              <a:rPr lang="ru-RU" altLang="ru-RU" dirty="0">
-                <a:solidFill>
-                  <a:srgbClr val="FFFFFF"/>
-                </a:solidFill>
-                <a:latin typeface="Verdana" panose="020B0604030504040204" pitchFamily="34" charset="0"/>
-              </a:rPr>
-              <a:t>::</a:t>
-            </a:r>
-            <a:r>
-              <a:rPr lang="ru-RU" altLang="ru-RU" dirty="0" err="1">
-                <a:solidFill>
-                  <a:srgbClr val="FFCC00"/>
-                </a:solidFill>
-                <a:latin typeface="Verdana" panose="020B0604030504040204" pitchFamily="34" charset="0"/>
-              </a:rPr>
-              <a:t>ostream</a:t>
-            </a:r>
-            <a:r>
-              <a:rPr lang="ru-RU" altLang="ru-RU" dirty="0">
-                <a:solidFill>
-                  <a:srgbClr val="FFFFFF"/>
-                </a:solidFill>
-                <a:latin typeface="Verdana" panose="020B0604030504040204" pitchFamily="34" charset="0"/>
-              </a:rPr>
-              <a:t>&amp; </a:t>
-            </a:r>
-            <a:r>
-              <a:rPr lang="ru-RU" altLang="ru-RU" dirty="0" err="1">
-                <a:solidFill>
-                  <a:srgbClr val="FFFFFF"/>
-                </a:solidFill>
-                <a:latin typeface="Verdana" panose="020B0604030504040204" pitchFamily="34" charset="0"/>
-              </a:rPr>
-              <a:t>operator</a:t>
-            </a:r>
-            <a:r>
-              <a:rPr lang="ru-RU" altLang="ru-RU" dirty="0">
-                <a:solidFill>
-                  <a:srgbClr val="FFFFFF"/>
-                </a:solidFill>
-                <a:latin typeface="Verdana" panose="020B0604030504040204" pitchFamily="34" charset="0"/>
-              </a:rPr>
-              <a:t> </a:t>
-            </a:r>
-            <a:r>
-              <a:rPr lang="ru-RU" altLang="ru-RU" dirty="0">
-                <a:solidFill>
-                  <a:srgbClr val="FFCC00"/>
-                </a:solidFill>
-                <a:latin typeface="Verdana" panose="020B0604030504040204" pitchFamily="34" charset="0"/>
-              </a:rPr>
-              <a:t>&lt;&lt; </a:t>
-            </a:r>
-            <a:r>
-              <a:rPr lang="ru-RU" altLang="ru-RU" dirty="0">
-                <a:solidFill>
-                  <a:srgbClr val="FFFFFF"/>
-                </a:solidFill>
-                <a:latin typeface="Verdana" panose="020B0604030504040204" pitchFamily="34" charset="0"/>
-              </a:rPr>
-              <a:t>(</a:t>
-            </a:r>
-            <a:r>
-              <a:rPr lang="ru-RU" altLang="ru-RU" dirty="0" err="1">
-                <a:solidFill>
-                  <a:srgbClr val="9E64A9"/>
-                </a:solidFill>
-                <a:latin typeface="Verdana" panose="020B0604030504040204" pitchFamily="34" charset="0"/>
-              </a:rPr>
-              <a:t>std</a:t>
-            </a:r>
-            <a:r>
-              <a:rPr lang="ru-RU" altLang="ru-RU" dirty="0">
-                <a:solidFill>
-                  <a:srgbClr val="FFFFFF"/>
-                </a:solidFill>
-                <a:latin typeface="Verdana" panose="020B0604030504040204" pitchFamily="34" charset="0"/>
-              </a:rPr>
-              <a:t>::</a:t>
-            </a:r>
-            <a:r>
-              <a:rPr lang="ru-RU" altLang="ru-RU" dirty="0" err="1">
-                <a:solidFill>
-                  <a:srgbClr val="FFCC00"/>
-                </a:solidFill>
-                <a:latin typeface="Verdana" panose="020B0604030504040204" pitchFamily="34" charset="0"/>
-              </a:rPr>
-              <a:t>ostream</a:t>
-            </a:r>
-            <a:r>
-              <a:rPr lang="ru-RU" altLang="ru-RU" dirty="0">
-                <a:solidFill>
-                  <a:srgbClr val="FFFFFF"/>
-                </a:solidFill>
-                <a:latin typeface="Verdana" panose="020B0604030504040204" pitchFamily="34" charset="0"/>
-              </a:rPr>
-              <a:t>&amp; </a:t>
-            </a:r>
-            <a:r>
-              <a:rPr lang="ru-RU" altLang="ru-RU" dirty="0" err="1">
-                <a:solidFill>
-                  <a:srgbClr val="5BCD9D"/>
-                </a:solidFill>
-                <a:latin typeface="Verdana" panose="020B0604030504040204" pitchFamily="34" charset="0"/>
-              </a:rPr>
-              <a:t>os</a:t>
-            </a:r>
-            <a:r>
-              <a:rPr lang="ru-RU" altLang="ru-RU" dirty="0">
-                <a:solidFill>
-                  <a:srgbClr val="FFFFFF"/>
-                </a:solidFill>
-                <a:latin typeface="Verdana" panose="020B0604030504040204" pitchFamily="34" charset="0"/>
-              </a:rPr>
-              <a:t>, </a:t>
-            </a:r>
-            <a:r>
-              <a:rPr lang="ru-RU" altLang="ru-RU" dirty="0" err="1">
-                <a:solidFill>
-                  <a:srgbClr val="FFFFFF"/>
-                </a:solidFill>
-                <a:latin typeface="Verdana" panose="020B0604030504040204" pitchFamily="34" charset="0"/>
-              </a:rPr>
-              <a:t>const</a:t>
-            </a:r>
-            <a:r>
-              <a:rPr lang="ru-RU" altLang="ru-RU" dirty="0">
-                <a:solidFill>
-                  <a:srgbClr val="FFFFFF"/>
-                </a:solidFill>
-                <a:latin typeface="Verdana" panose="020B0604030504040204" pitchFamily="34" charset="0"/>
-              </a:rPr>
-              <a:t> </a:t>
-            </a:r>
-            <a:r>
-              <a:rPr lang="ru-RU" altLang="ru-RU" dirty="0" err="1">
-                <a:solidFill>
-                  <a:srgbClr val="FFCC00"/>
-                </a:solidFill>
-                <a:latin typeface="Verdana" panose="020B0604030504040204" pitchFamily="34" charset="0"/>
-              </a:rPr>
-              <a:t>HttpResponse</a:t>
-            </a:r>
-            <a:r>
-              <a:rPr lang="ru-RU" altLang="ru-RU" dirty="0">
-                <a:solidFill>
-                  <a:srgbClr val="FFFFFF"/>
-                </a:solidFill>
-                <a:latin typeface="Verdana" panose="020B0604030504040204" pitchFamily="34" charset="0"/>
-              </a:rPr>
-              <a:t>&amp; </a:t>
-            </a:r>
-            <a:r>
-              <a:rPr lang="ru-RU" altLang="ru-RU" dirty="0" err="1">
-                <a:solidFill>
-                  <a:srgbClr val="5BCD9D"/>
-                </a:solidFill>
-                <a:latin typeface="Verdana" panose="020B0604030504040204" pitchFamily="34" charset="0"/>
-              </a:rPr>
-              <a:t>resp</a:t>
-            </a:r>
-            <a:r>
-              <a:rPr lang="ru-RU" altLang="ru-RU" dirty="0">
-                <a:solidFill>
-                  <a:srgbClr val="FFFFFF"/>
-                </a:solidFill>
-                <a:latin typeface="Verdana" panose="020B0604030504040204" pitchFamily="34" charset="0"/>
-              </a:rPr>
-              <a:t>) {</a:t>
-            </a:r>
-            <a:br>
-              <a:rPr lang="ru-RU" altLang="ru-RU" dirty="0">
-                <a:solidFill>
-                  <a:srgbClr val="FFFFFF"/>
-                </a:solidFill>
-                <a:latin typeface="Verdana" panose="020B0604030504040204" pitchFamily="34" charset="0"/>
-              </a:rPr>
-            </a:br>
-            <a:r>
-              <a:rPr lang="ru-RU" altLang="ru-RU" dirty="0">
-                <a:solidFill>
-                  <a:srgbClr val="FFFFFF"/>
-                </a:solidFill>
-                <a:latin typeface="Verdana" panose="020B0604030504040204" pitchFamily="34" charset="0"/>
-              </a:rPr>
-              <a:t>    </a:t>
-            </a:r>
-            <a:r>
-              <a:rPr lang="ru-RU" altLang="ru-RU" dirty="0" err="1">
-                <a:solidFill>
-                  <a:srgbClr val="FFFFFF"/>
-                </a:solidFill>
-                <a:latin typeface="Verdana" panose="020B0604030504040204" pitchFamily="34" charset="0"/>
-              </a:rPr>
-              <a:t>const</a:t>
-            </a:r>
-            <a:r>
-              <a:rPr lang="ru-RU" altLang="ru-RU" dirty="0">
-                <a:solidFill>
-                  <a:srgbClr val="FFFFFF"/>
-                </a:solidFill>
-                <a:latin typeface="Verdana" panose="020B0604030504040204" pitchFamily="34" charset="0"/>
-              </a:rPr>
-              <a:t> </a:t>
-            </a:r>
-            <a:r>
-              <a:rPr lang="ru-RU" altLang="ru-RU" dirty="0" err="1">
-                <a:solidFill>
-                  <a:srgbClr val="9E64A9"/>
-                </a:solidFill>
-                <a:latin typeface="Verdana" panose="020B0604030504040204" pitchFamily="34" charset="0"/>
-              </a:rPr>
-              <a:t>std</a:t>
-            </a:r>
-            <a:r>
-              <a:rPr lang="ru-RU" altLang="ru-RU" dirty="0">
-                <a:solidFill>
-                  <a:srgbClr val="FFFFFF"/>
-                </a:solidFill>
-                <a:latin typeface="Verdana" panose="020B0604030504040204" pitchFamily="34" charset="0"/>
-              </a:rPr>
-              <a:t>::</a:t>
-            </a:r>
-            <a:r>
-              <a:rPr lang="ru-RU" altLang="ru-RU" dirty="0" err="1">
-                <a:solidFill>
-                  <a:srgbClr val="FFCC00"/>
-                </a:solidFill>
-                <a:latin typeface="Verdana" panose="020B0604030504040204" pitchFamily="34" charset="0"/>
-              </a:rPr>
-              <a:t>string_view</a:t>
-            </a:r>
-            <a:r>
-              <a:rPr lang="ru-RU" altLang="ru-RU" dirty="0">
-                <a:solidFill>
-                  <a:srgbClr val="FFCC00"/>
-                </a:solidFill>
-                <a:latin typeface="Verdana" panose="020B0604030504040204" pitchFamily="34" charset="0"/>
-              </a:rPr>
-              <a:t> </a:t>
-            </a:r>
-            <a:r>
-              <a:rPr lang="ru-RU" altLang="ru-RU" dirty="0" err="1">
-                <a:solidFill>
-                  <a:srgbClr val="5BCD9D"/>
-                </a:solidFill>
-                <a:latin typeface="Verdana" panose="020B0604030504040204" pitchFamily="34" charset="0"/>
-              </a:rPr>
-              <a:t>crlf</a:t>
-            </a:r>
-            <a:r>
-              <a:rPr lang="ru-RU" altLang="ru-RU" dirty="0">
-                <a:solidFill>
-                  <a:srgbClr val="FFFFFF"/>
-                </a:solidFill>
-                <a:latin typeface="Verdana" panose="020B0604030504040204" pitchFamily="34" charset="0"/>
-              </a:rPr>
-              <a:t>(</a:t>
-            </a:r>
-            <a:r>
-              <a:rPr lang="ru-RU" altLang="ru-RU" dirty="0">
-                <a:solidFill>
-                  <a:srgbClr val="72C3E0"/>
-                </a:solidFill>
-                <a:latin typeface="Verdana" panose="020B0604030504040204" pitchFamily="34" charset="0"/>
-              </a:rPr>
-              <a:t>"\r\n"</a:t>
-            </a:r>
-            <a:r>
-              <a:rPr lang="ru-RU" altLang="ru-RU" dirty="0">
-                <a:solidFill>
-                  <a:srgbClr val="FFFFFF"/>
-                </a:solidFill>
-                <a:latin typeface="Verdana" panose="020B0604030504040204" pitchFamily="34" charset="0"/>
-              </a:rPr>
-              <a:t>);</a:t>
-            </a:r>
-            <a:br>
-              <a:rPr lang="ru-RU" altLang="ru-RU" dirty="0">
-                <a:solidFill>
-                  <a:srgbClr val="FFFFFF"/>
-                </a:solidFill>
-                <a:latin typeface="Verdana" panose="020B0604030504040204" pitchFamily="34" charset="0"/>
-              </a:rPr>
-            </a:br>
-            <a:r>
-              <a:rPr lang="ru-RU" altLang="ru-RU" dirty="0" smtClean="0">
-                <a:solidFill>
-                  <a:srgbClr val="FFFFFF"/>
-                </a:solidFill>
-                <a:latin typeface="Verdana" panose="020B0604030504040204" pitchFamily="34" charset="0"/>
-              </a:rPr>
-              <a:t>    </a:t>
-            </a:r>
-            <a:r>
-              <a:rPr lang="ru-RU" altLang="ru-RU" dirty="0" err="1">
-                <a:solidFill>
-                  <a:srgbClr val="5BCD9D"/>
-                </a:solidFill>
-                <a:latin typeface="Verdana" panose="020B0604030504040204" pitchFamily="34" charset="0"/>
-              </a:rPr>
-              <a:t>os</a:t>
-            </a:r>
-            <a:r>
-              <a:rPr lang="ru-RU" altLang="ru-RU" dirty="0">
-                <a:solidFill>
-                  <a:srgbClr val="5BCD9D"/>
-                </a:solidFill>
-                <a:latin typeface="Verdana" panose="020B0604030504040204" pitchFamily="34" charset="0"/>
-              </a:rPr>
-              <a:t> </a:t>
-            </a:r>
-            <a:r>
-              <a:rPr lang="ru-RU" altLang="ru-RU" dirty="0">
-                <a:solidFill>
-                  <a:srgbClr val="FFFFFF"/>
-                </a:solidFill>
-                <a:latin typeface="Verdana" panose="020B0604030504040204" pitchFamily="34" charset="0"/>
-              </a:rPr>
-              <a:t>&lt;&lt; </a:t>
-            </a:r>
-            <a:r>
-              <a:rPr lang="ru-RU" altLang="ru-RU" dirty="0">
-                <a:solidFill>
-                  <a:srgbClr val="72C3E0"/>
-                </a:solidFill>
-                <a:latin typeface="Verdana" panose="020B0604030504040204" pitchFamily="34" charset="0"/>
-              </a:rPr>
-              <a:t>"HTTP/1.1 " </a:t>
-            </a:r>
-            <a:r>
-              <a:rPr lang="ru-RU" altLang="ru-RU" dirty="0">
-                <a:solidFill>
-                  <a:srgbClr val="FFFFFF"/>
-                </a:solidFill>
-                <a:latin typeface="Verdana" panose="020B0604030504040204" pitchFamily="34" charset="0"/>
-              </a:rPr>
-              <a:t>&lt;&lt; </a:t>
-            </a:r>
-            <a:r>
-              <a:rPr lang="ru-RU" altLang="ru-RU" dirty="0" err="1">
-                <a:solidFill>
-                  <a:srgbClr val="FFFFFF"/>
-                </a:solidFill>
-                <a:latin typeface="Verdana" panose="020B0604030504040204" pitchFamily="34" charset="0"/>
-              </a:rPr>
-              <a:t>static_cast</a:t>
-            </a:r>
-            <a:r>
-              <a:rPr lang="ru-RU" altLang="ru-RU" dirty="0">
-                <a:solidFill>
-                  <a:srgbClr val="FFFFFF"/>
-                </a:solidFill>
-                <a:latin typeface="Verdana" panose="020B0604030504040204" pitchFamily="34" charset="0"/>
-              </a:rPr>
-              <a:t>&lt;</a:t>
-            </a:r>
-            <a:r>
-              <a:rPr lang="ru-RU" altLang="ru-RU" dirty="0" err="1">
-                <a:solidFill>
-                  <a:srgbClr val="FFFFFF"/>
-                </a:solidFill>
-                <a:latin typeface="Verdana" panose="020B0604030504040204" pitchFamily="34" charset="0"/>
-              </a:rPr>
-              <a:t>int</a:t>
-            </a:r>
-            <a:r>
-              <a:rPr lang="ru-RU" altLang="ru-RU" dirty="0">
-                <a:solidFill>
-                  <a:srgbClr val="FFFFFF"/>
-                </a:solidFill>
-                <a:latin typeface="Verdana" panose="020B0604030504040204" pitchFamily="34" charset="0"/>
-              </a:rPr>
-              <a:t>&gt;(</a:t>
-            </a:r>
-            <a:r>
-              <a:rPr lang="ru-RU" altLang="ru-RU" dirty="0" err="1">
-                <a:solidFill>
-                  <a:srgbClr val="5BCD9D"/>
-                </a:solidFill>
-                <a:latin typeface="Verdana" panose="020B0604030504040204" pitchFamily="34" charset="0"/>
-              </a:rPr>
-              <a:t>resp</a:t>
-            </a:r>
-            <a:r>
-              <a:rPr lang="ru-RU" altLang="ru-RU" dirty="0" err="1">
-                <a:solidFill>
-                  <a:srgbClr val="FFFFFF"/>
-                </a:solidFill>
-                <a:latin typeface="Verdana" panose="020B0604030504040204" pitchFamily="34" charset="0"/>
-              </a:rPr>
-              <a:t>.</a:t>
-            </a:r>
-            <a:r>
-              <a:rPr lang="ru-RU" altLang="ru-RU" dirty="0" err="1">
-                <a:solidFill>
-                  <a:srgbClr val="5BCD9D"/>
-                </a:solidFill>
-                <a:latin typeface="Verdana" panose="020B0604030504040204" pitchFamily="34" charset="0"/>
-              </a:rPr>
-              <a:t>code</a:t>
-            </a:r>
-            <a:r>
-              <a:rPr lang="ru-RU" altLang="ru-RU" dirty="0">
-                <a:solidFill>
-                  <a:srgbClr val="5BCD9D"/>
-                </a:solidFill>
-                <a:latin typeface="Verdana" panose="020B0604030504040204" pitchFamily="34" charset="0"/>
-              </a:rPr>
-              <a:t>_</a:t>
-            </a:r>
-            <a:r>
-              <a:rPr lang="ru-RU" altLang="ru-RU" dirty="0">
-                <a:solidFill>
-                  <a:srgbClr val="FFFFFF"/>
-                </a:solidFill>
-                <a:latin typeface="Verdana" panose="020B0604030504040204" pitchFamily="34" charset="0"/>
-              </a:rPr>
-              <a:t>) &lt;&lt; </a:t>
-            </a:r>
-            <a:r>
-              <a:rPr lang="ru-RU" altLang="ru-RU" dirty="0">
-                <a:solidFill>
-                  <a:srgbClr val="72C3E0"/>
-                </a:solidFill>
-                <a:latin typeface="Verdana" panose="020B0604030504040204" pitchFamily="34" charset="0"/>
-              </a:rPr>
-              <a:t>' '</a:t>
-            </a:r>
-            <a:r>
-              <a:rPr lang="ru-RU" altLang="ru-RU" dirty="0">
-                <a:solidFill>
-                  <a:srgbClr val="FFFFFF"/>
-                </a:solidFill>
-                <a:latin typeface="Verdana" panose="020B0604030504040204" pitchFamily="34" charset="0"/>
-              </a:rPr>
-              <a:t>;</a:t>
-            </a:r>
-            <a:br>
-              <a:rPr lang="ru-RU" altLang="ru-RU" dirty="0">
-                <a:solidFill>
-                  <a:srgbClr val="FFFFFF"/>
-                </a:solidFill>
-                <a:latin typeface="Verdana" panose="020B0604030504040204" pitchFamily="34" charset="0"/>
-              </a:rPr>
-            </a:br>
-            <a:r>
-              <a:rPr lang="ru-RU" altLang="ru-RU" dirty="0">
-                <a:solidFill>
-                  <a:srgbClr val="FFFFFF"/>
-                </a:solidFill>
-                <a:latin typeface="Verdana" panose="020B0604030504040204" pitchFamily="34" charset="0"/>
-              </a:rPr>
-              <a:t>    </a:t>
-            </a:r>
-            <a:r>
-              <a:rPr lang="ru-RU" altLang="ru-RU" dirty="0" err="1">
-                <a:solidFill>
-                  <a:srgbClr val="FFFFFF"/>
-                </a:solidFill>
-                <a:latin typeface="Verdana" panose="020B0604030504040204" pitchFamily="34" charset="0"/>
-              </a:rPr>
-              <a:t>switch</a:t>
-            </a:r>
-            <a:r>
-              <a:rPr lang="ru-RU" altLang="ru-RU" dirty="0">
-                <a:solidFill>
-                  <a:srgbClr val="FFFFFF"/>
-                </a:solidFill>
-                <a:latin typeface="Verdana" panose="020B0604030504040204" pitchFamily="34" charset="0"/>
-              </a:rPr>
-              <a:t> (</a:t>
-            </a:r>
-            <a:r>
-              <a:rPr lang="ru-RU" altLang="ru-RU" dirty="0" err="1">
-                <a:solidFill>
-                  <a:srgbClr val="5BCD9D"/>
-                </a:solidFill>
-                <a:latin typeface="Verdana" panose="020B0604030504040204" pitchFamily="34" charset="0"/>
-              </a:rPr>
-              <a:t>resp</a:t>
-            </a:r>
-            <a:r>
-              <a:rPr lang="ru-RU" altLang="ru-RU" dirty="0" err="1">
-                <a:solidFill>
-                  <a:srgbClr val="FFFFFF"/>
-                </a:solidFill>
-                <a:latin typeface="Verdana" panose="020B0604030504040204" pitchFamily="34" charset="0"/>
-              </a:rPr>
-              <a:t>.</a:t>
-            </a:r>
-            <a:r>
-              <a:rPr lang="ru-RU" altLang="ru-RU" dirty="0" err="1">
-                <a:solidFill>
-                  <a:srgbClr val="5BCD9D"/>
-                </a:solidFill>
-                <a:latin typeface="Verdana" panose="020B0604030504040204" pitchFamily="34" charset="0"/>
-              </a:rPr>
-              <a:t>code</a:t>
-            </a:r>
-            <a:r>
-              <a:rPr lang="ru-RU" altLang="ru-RU" dirty="0">
-                <a:solidFill>
-                  <a:srgbClr val="5BCD9D"/>
-                </a:solidFill>
-                <a:latin typeface="Verdana" panose="020B0604030504040204" pitchFamily="34" charset="0"/>
-              </a:rPr>
-              <a:t>_</a:t>
-            </a:r>
-            <a:r>
-              <a:rPr lang="ru-RU" altLang="ru-RU" dirty="0">
-                <a:solidFill>
-                  <a:srgbClr val="FFFFFF"/>
-                </a:solidFill>
-                <a:latin typeface="Verdana" panose="020B0604030504040204" pitchFamily="34" charset="0"/>
-              </a:rPr>
-              <a:t>) {</a:t>
-            </a:r>
-            <a:br>
-              <a:rPr lang="ru-RU" altLang="ru-RU" dirty="0">
-                <a:solidFill>
-                  <a:srgbClr val="FFFFFF"/>
-                </a:solidFill>
-                <a:latin typeface="Verdana" panose="020B0604030504040204" pitchFamily="34" charset="0"/>
-              </a:rPr>
-            </a:br>
-            <a:r>
-              <a:rPr lang="ru-RU" altLang="ru-RU" dirty="0">
-                <a:solidFill>
-                  <a:srgbClr val="FFFFFF"/>
-                </a:solidFill>
-                <a:latin typeface="Verdana" panose="020B0604030504040204" pitchFamily="34" charset="0"/>
-              </a:rPr>
-              <a:t>        </a:t>
-            </a:r>
-            <a:r>
-              <a:rPr lang="ru-RU" altLang="ru-RU" dirty="0" err="1">
-                <a:solidFill>
-                  <a:srgbClr val="FFFFFF"/>
-                </a:solidFill>
-                <a:latin typeface="Verdana" panose="020B0604030504040204" pitchFamily="34" charset="0"/>
-              </a:rPr>
-              <a:t>case</a:t>
-            </a:r>
-            <a:r>
-              <a:rPr lang="ru-RU" altLang="ru-RU" dirty="0">
-                <a:solidFill>
-                  <a:srgbClr val="FFFFFF"/>
-                </a:solidFill>
-                <a:latin typeface="Verdana" panose="020B0604030504040204" pitchFamily="34" charset="0"/>
-              </a:rPr>
-              <a:t> </a:t>
-            </a:r>
-            <a:r>
-              <a:rPr lang="ru-RU" altLang="ru-RU" dirty="0" err="1">
-                <a:solidFill>
-                  <a:srgbClr val="FFCC00"/>
-                </a:solidFill>
-                <a:latin typeface="Verdana" panose="020B0604030504040204" pitchFamily="34" charset="0"/>
-              </a:rPr>
-              <a:t>HttpCode</a:t>
-            </a:r>
-            <a:r>
-              <a:rPr lang="ru-RU" altLang="ru-RU" dirty="0">
-                <a:solidFill>
-                  <a:srgbClr val="FFFFFF"/>
-                </a:solidFill>
-                <a:latin typeface="Verdana" panose="020B0604030504040204" pitchFamily="34" charset="0"/>
-              </a:rPr>
-              <a:t>::</a:t>
-            </a:r>
-            <a:r>
-              <a:rPr lang="ru-RU" altLang="ru-RU" dirty="0" smtClean="0">
-                <a:solidFill>
-                  <a:srgbClr val="5BCD9D"/>
-                </a:solidFill>
-                <a:latin typeface="Verdana" panose="020B0604030504040204" pitchFamily="34" charset="0"/>
-              </a:rPr>
-              <a:t>OK</a:t>
-            </a:r>
-            <a:r>
-              <a:rPr lang="ru-RU" altLang="ru-RU" dirty="0" smtClean="0">
-                <a:solidFill>
-                  <a:srgbClr val="FFFFFF"/>
-                </a:solidFill>
-                <a:latin typeface="Verdana" panose="020B0604030504040204" pitchFamily="34" charset="0"/>
-              </a:rPr>
-              <a:t>:</a:t>
-            </a:r>
-            <a:r>
-              <a:rPr lang="en-US" altLang="ru-RU" dirty="0" smtClean="0">
-                <a:solidFill>
-                  <a:srgbClr val="FFFFFF"/>
-                </a:solidFill>
-                <a:latin typeface="Verdana" panose="020B0604030504040204" pitchFamily="34" charset="0"/>
-              </a:rPr>
-              <a:t>          </a:t>
-            </a:r>
-            <a:r>
-              <a:rPr lang="ru-RU" altLang="ru-RU" dirty="0" err="1" smtClean="0">
-                <a:solidFill>
-                  <a:srgbClr val="5BCD9D"/>
-                </a:solidFill>
-                <a:latin typeface="Verdana" panose="020B0604030504040204" pitchFamily="34" charset="0"/>
-              </a:rPr>
-              <a:t>os</a:t>
-            </a:r>
-            <a:r>
-              <a:rPr lang="ru-RU" altLang="ru-RU" dirty="0" smtClean="0">
-                <a:solidFill>
-                  <a:srgbClr val="5BCD9D"/>
-                </a:solidFill>
-                <a:latin typeface="Verdana" panose="020B0604030504040204" pitchFamily="34" charset="0"/>
-              </a:rPr>
-              <a:t> </a:t>
-            </a:r>
-            <a:r>
-              <a:rPr lang="ru-RU" altLang="ru-RU" dirty="0">
-                <a:solidFill>
-                  <a:srgbClr val="FFFFFF"/>
-                </a:solidFill>
-                <a:latin typeface="Verdana" panose="020B0604030504040204" pitchFamily="34" charset="0"/>
-              </a:rPr>
-              <a:t>&lt;&lt; </a:t>
-            </a:r>
-            <a:r>
-              <a:rPr lang="ru-RU" altLang="ru-RU" dirty="0">
-                <a:solidFill>
-                  <a:srgbClr val="72C3E0"/>
-                </a:solidFill>
-                <a:latin typeface="Verdana" panose="020B0604030504040204" pitchFamily="34" charset="0"/>
-              </a:rPr>
-              <a:t>"OK"</a:t>
-            </a:r>
-            <a:r>
-              <a:rPr lang="ru-RU" altLang="ru-RU" dirty="0">
-                <a:solidFill>
-                  <a:srgbClr val="FFFFFF"/>
-                </a:solidFill>
-                <a:latin typeface="Verdana" panose="020B0604030504040204" pitchFamily="34" charset="0"/>
-              </a:rPr>
-              <a:t>; </a:t>
-            </a:r>
-            <a:r>
-              <a:rPr lang="en-US" altLang="ru-RU" dirty="0" smtClean="0">
-                <a:solidFill>
-                  <a:srgbClr val="FFFFFF"/>
-                </a:solidFill>
-                <a:latin typeface="Verdana" panose="020B0604030504040204" pitchFamily="34" charset="0"/>
-              </a:rPr>
-              <a:t>          </a:t>
-            </a:r>
-            <a:r>
-              <a:rPr lang="ru-RU" altLang="ru-RU" dirty="0" err="1" smtClean="0">
-                <a:solidFill>
-                  <a:srgbClr val="FFFFFF"/>
-                </a:solidFill>
-                <a:latin typeface="Verdana" panose="020B0604030504040204" pitchFamily="34" charset="0"/>
-              </a:rPr>
-              <a:t>break</a:t>
-            </a:r>
-            <a:r>
-              <a:rPr lang="ru-RU" altLang="ru-RU" dirty="0">
-                <a:solidFill>
-                  <a:srgbClr val="FFFFFF"/>
-                </a:solidFill>
-                <a:latin typeface="Verdana" panose="020B0604030504040204" pitchFamily="34" charset="0"/>
-              </a:rPr>
-              <a:t>;</a:t>
-            </a:r>
-            <a:br>
-              <a:rPr lang="ru-RU" altLang="ru-RU" dirty="0">
-                <a:solidFill>
-                  <a:srgbClr val="FFFFFF"/>
-                </a:solidFill>
-                <a:latin typeface="Verdana" panose="020B0604030504040204" pitchFamily="34" charset="0"/>
-              </a:rPr>
-            </a:br>
-            <a:r>
-              <a:rPr lang="ru-RU" altLang="ru-RU" dirty="0">
-                <a:solidFill>
-                  <a:srgbClr val="FFFFFF"/>
-                </a:solidFill>
-                <a:latin typeface="Verdana" panose="020B0604030504040204" pitchFamily="34" charset="0"/>
-              </a:rPr>
-              <a:t>        </a:t>
-            </a:r>
-            <a:r>
-              <a:rPr lang="ru-RU" altLang="ru-RU" dirty="0" err="1">
-                <a:solidFill>
-                  <a:srgbClr val="FFFFFF"/>
-                </a:solidFill>
-                <a:latin typeface="Verdana" panose="020B0604030504040204" pitchFamily="34" charset="0"/>
-              </a:rPr>
-              <a:t>case</a:t>
-            </a:r>
-            <a:r>
-              <a:rPr lang="ru-RU" altLang="ru-RU" dirty="0">
-                <a:solidFill>
-                  <a:srgbClr val="FFFFFF"/>
-                </a:solidFill>
-                <a:latin typeface="Verdana" panose="020B0604030504040204" pitchFamily="34" charset="0"/>
-              </a:rPr>
-              <a:t> </a:t>
-            </a:r>
-            <a:r>
-              <a:rPr lang="ru-RU" altLang="ru-RU" dirty="0" err="1">
-                <a:solidFill>
-                  <a:srgbClr val="FFCC00"/>
-                </a:solidFill>
-                <a:latin typeface="Verdana" panose="020B0604030504040204" pitchFamily="34" charset="0"/>
-              </a:rPr>
-              <a:t>HttpCode</a:t>
-            </a:r>
-            <a:r>
-              <a:rPr lang="ru-RU" altLang="ru-RU" dirty="0">
-                <a:solidFill>
-                  <a:srgbClr val="FFFFFF"/>
-                </a:solidFill>
-                <a:latin typeface="Verdana" panose="020B0604030504040204" pitchFamily="34" charset="0"/>
-              </a:rPr>
-              <a:t>::</a:t>
-            </a:r>
-            <a:r>
-              <a:rPr lang="ru-RU" altLang="ru-RU" dirty="0" err="1" smtClean="0">
-                <a:solidFill>
-                  <a:srgbClr val="5BCD9D"/>
-                </a:solidFill>
-                <a:latin typeface="Verdana" panose="020B0604030504040204" pitchFamily="34" charset="0"/>
-              </a:rPr>
-              <a:t>NotFound</a:t>
-            </a:r>
-            <a:r>
-              <a:rPr lang="ru-RU" altLang="ru-RU" dirty="0" smtClean="0">
-                <a:solidFill>
-                  <a:srgbClr val="FFFFFF"/>
-                </a:solidFill>
-                <a:latin typeface="Verdana" panose="020B0604030504040204" pitchFamily="34" charset="0"/>
-              </a:rPr>
-              <a:t>:</a:t>
-            </a:r>
-            <a:r>
-              <a:rPr lang="en-US" altLang="ru-RU" dirty="0" smtClean="0">
-                <a:solidFill>
-                  <a:srgbClr val="FFFFFF"/>
-                </a:solidFill>
-                <a:latin typeface="Verdana" panose="020B0604030504040204" pitchFamily="34" charset="0"/>
-              </a:rPr>
-              <a:t> </a:t>
-            </a:r>
-            <a:r>
-              <a:rPr lang="ru-RU" altLang="ru-RU" dirty="0" err="1" smtClean="0">
-                <a:solidFill>
-                  <a:srgbClr val="5BCD9D"/>
-                </a:solidFill>
-                <a:latin typeface="Verdana" panose="020B0604030504040204" pitchFamily="34" charset="0"/>
-              </a:rPr>
-              <a:t>os</a:t>
-            </a:r>
-            <a:r>
-              <a:rPr lang="ru-RU" altLang="ru-RU" dirty="0" smtClean="0">
-                <a:solidFill>
-                  <a:srgbClr val="5BCD9D"/>
-                </a:solidFill>
-                <a:latin typeface="Verdana" panose="020B0604030504040204" pitchFamily="34" charset="0"/>
-              </a:rPr>
-              <a:t> </a:t>
-            </a:r>
-            <a:r>
-              <a:rPr lang="ru-RU" altLang="ru-RU" dirty="0">
-                <a:solidFill>
-                  <a:srgbClr val="FFFFFF"/>
-                </a:solidFill>
-                <a:latin typeface="Verdana" panose="020B0604030504040204" pitchFamily="34" charset="0"/>
-              </a:rPr>
-              <a:t>&lt;&lt; </a:t>
-            </a:r>
-            <a:r>
-              <a:rPr lang="ru-RU" altLang="ru-RU" dirty="0">
-                <a:solidFill>
-                  <a:srgbClr val="72C3E0"/>
-                </a:solidFill>
-                <a:latin typeface="Verdana" panose="020B0604030504040204" pitchFamily="34" charset="0"/>
-              </a:rPr>
-              <a:t>"</a:t>
-            </a:r>
-            <a:r>
-              <a:rPr lang="ru-RU" altLang="ru-RU" dirty="0" err="1">
-                <a:solidFill>
-                  <a:srgbClr val="72C3E0"/>
-                </a:solidFill>
-                <a:latin typeface="Verdana" panose="020B0604030504040204" pitchFamily="34" charset="0"/>
-              </a:rPr>
-              <a:t>Not</a:t>
-            </a:r>
-            <a:r>
-              <a:rPr lang="ru-RU" altLang="ru-RU" dirty="0">
-                <a:solidFill>
-                  <a:srgbClr val="72C3E0"/>
-                </a:solidFill>
-                <a:latin typeface="Verdana" panose="020B0604030504040204" pitchFamily="34" charset="0"/>
-              </a:rPr>
-              <a:t> </a:t>
-            </a:r>
-            <a:r>
-              <a:rPr lang="ru-RU" altLang="ru-RU" dirty="0" err="1">
-                <a:solidFill>
-                  <a:srgbClr val="72C3E0"/>
-                </a:solidFill>
-                <a:latin typeface="Verdana" panose="020B0604030504040204" pitchFamily="34" charset="0"/>
-              </a:rPr>
-              <a:t>found</a:t>
-            </a:r>
-            <a:r>
-              <a:rPr lang="ru-RU" altLang="ru-RU" dirty="0">
-                <a:solidFill>
-                  <a:srgbClr val="72C3E0"/>
-                </a:solidFill>
-                <a:latin typeface="Verdana" panose="020B0604030504040204" pitchFamily="34" charset="0"/>
-              </a:rPr>
-              <a:t>"</a:t>
-            </a:r>
-            <a:r>
-              <a:rPr lang="ru-RU" altLang="ru-RU" dirty="0">
-                <a:solidFill>
-                  <a:srgbClr val="FFFFFF"/>
-                </a:solidFill>
-                <a:latin typeface="Verdana" panose="020B0604030504040204" pitchFamily="34" charset="0"/>
-              </a:rPr>
-              <a:t>; </a:t>
-            </a:r>
-            <a:r>
-              <a:rPr lang="ru-RU" altLang="ru-RU" dirty="0" err="1">
-                <a:solidFill>
-                  <a:srgbClr val="FFFFFF"/>
-                </a:solidFill>
-                <a:latin typeface="Verdana" panose="020B0604030504040204" pitchFamily="34" charset="0"/>
-              </a:rPr>
-              <a:t>break</a:t>
-            </a:r>
-            <a:r>
-              <a:rPr lang="ru-RU" altLang="ru-RU" dirty="0">
-                <a:solidFill>
-                  <a:srgbClr val="FFFFFF"/>
-                </a:solidFill>
-                <a:latin typeface="Verdana" panose="020B0604030504040204" pitchFamily="34" charset="0"/>
-              </a:rPr>
-              <a:t>;</a:t>
-            </a:r>
-            <a:br>
-              <a:rPr lang="ru-RU" altLang="ru-RU" dirty="0">
-                <a:solidFill>
-                  <a:srgbClr val="FFFFFF"/>
-                </a:solidFill>
-                <a:latin typeface="Verdana" panose="020B0604030504040204" pitchFamily="34" charset="0"/>
-              </a:rPr>
-            </a:br>
-            <a:r>
-              <a:rPr lang="ru-RU" altLang="ru-RU" dirty="0">
-                <a:solidFill>
-                  <a:srgbClr val="FFFFFF"/>
-                </a:solidFill>
-                <a:latin typeface="Verdana" panose="020B0604030504040204" pitchFamily="34" charset="0"/>
-              </a:rPr>
-              <a:t>    }</a:t>
-            </a:r>
-            <a:br>
-              <a:rPr lang="ru-RU" altLang="ru-RU" dirty="0">
-                <a:solidFill>
-                  <a:srgbClr val="FFFFFF"/>
-                </a:solidFill>
-                <a:latin typeface="Verdana" panose="020B0604030504040204" pitchFamily="34" charset="0"/>
-              </a:rPr>
-            </a:br>
-            <a:r>
-              <a:rPr lang="ru-RU" altLang="ru-RU" dirty="0">
-                <a:solidFill>
-                  <a:srgbClr val="FFFFFF"/>
-                </a:solidFill>
-                <a:latin typeface="Verdana" panose="020B0604030504040204" pitchFamily="34" charset="0"/>
-              </a:rPr>
-              <a:t>    </a:t>
-            </a:r>
-            <a:r>
-              <a:rPr lang="ru-RU" altLang="ru-RU" dirty="0" err="1">
-                <a:solidFill>
-                  <a:srgbClr val="5BCD9D"/>
-                </a:solidFill>
-                <a:latin typeface="Verdana" panose="020B0604030504040204" pitchFamily="34" charset="0"/>
-              </a:rPr>
-              <a:t>os</a:t>
-            </a:r>
-            <a:r>
-              <a:rPr lang="ru-RU" altLang="ru-RU" dirty="0">
-                <a:solidFill>
-                  <a:srgbClr val="5BCD9D"/>
-                </a:solidFill>
-                <a:latin typeface="Verdana" panose="020B0604030504040204" pitchFamily="34" charset="0"/>
-              </a:rPr>
-              <a:t> </a:t>
-            </a:r>
-            <a:r>
-              <a:rPr lang="ru-RU" altLang="ru-RU" dirty="0">
-                <a:solidFill>
-                  <a:srgbClr val="FFFFFF"/>
-                </a:solidFill>
-                <a:latin typeface="Verdana" panose="020B0604030504040204" pitchFamily="34" charset="0"/>
-              </a:rPr>
-              <a:t>&lt;&lt; </a:t>
-            </a:r>
-            <a:r>
-              <a:rPr lang="ru-RU" altLang="ru-RU" dirty="0" err="1">
-                <a:solidFill>
-                  <a:srgbClr val="5BCD9D"/>
-                </a:solidFill>
-                <a:latin typeface="Verdana" panose="020B0604030504040204" pitchFamily="34" charset="0"/>
-              </a:rPr>
-              <a:t>crlf</a:t>
-            </a:r>
-            <a:r>
-              <a:rPr lang="ru-RU" altLang="ru-RU" dirty="0">
-                <a:solidFill>
-                  <a:srgbClr val="FFFFFF"/>
-                </a:solidFill>
-                <a:latin typeface="Verdana" panose="020B0604030504040204" pitchFamily="34" charset="0"/>
-              </a:rPr>
-              <a:t>;</a:t>
-            </a:r>
-            <a:br>
-              <a:rPr lang="ru-RU" altLang="ru-RU" dirty="0">
-                <a:solidFill>
-                  <a:srgbClr val="FFFFFF"/>
-                </a:solidFill>
-                <a:latin typeface="Verdana" panose="020B0604030504040204" pitchFamily="34" charset="0"/>
-              </a:rPr>
-            </a:br>
-            <a:r>
-              <a:rPr lang="ru-RU" altLang="ru-RU" dirty="0" smtClean="0">
-                <a:solidFill>
-                  <a:srgbClr val="FFFFFF"/>
-                </a:solidFill>
-                <a:latin typeface="Verdana" panose="020B0604030504040204" pitchFamily="34" charset="0"/>
-              </a:rPr>
-              <a:t>    </a:t>
-            </a:r>
-            <a:r>
-              <a:rPr lang="ru-RU" altLang="ru-RU" dirty="0" err="1">
-                <a:solidFill>
-                  <a:srgbClr val="FFFFFF"/>
-                </a:solidFill>
-                <a:latin typeface="Verdana" panose="020B0604030504040204" pitchFamily="34" charset="0"/>
-              </a:rPr>
-              <a:t>if</a:t>
-            </a:r>
-            <a:r>
-              <a:rPr lang="ru-RU" altLang="ru-RU" dirty="0">
-                <a:solidFill>
-                  <a:srgbClr val="FFFFFF"/>
-                </a:solidFill>
-                <a:latin typeface="Verdana" panose="020B0604030504040204" pitchFamily="34" charset="0"/>
-              </a:rPr>
-              <a:t> (!</a:t>
-            </a:r>
-            <a:r>
-              <a:rPr lang="ru-RU" altLang="ru-RU" dirty="0">
-                <a:solidFill>
-                  <a:srgbClr val="5BCD9D"/>
-                </a:solidFill>
-                <a:latin typeface="Verdana" panose="020B0604030504040204" pitchFamily="34" charset="0"/>
-              </a:rPr>
-              <a:t>resp</a:t>
-            </a:r>
-            <a:r>
-              <a:rPr lang="ru-RU" altLang="ru-RU" dirty="0">
-                <a:solidFill>
-                  <a:srgbClr val="FFFFFF"/>
-                </a:solidFill>
-                <a:latin typeface="Verdana" panose="020B0604030504040204" pitchFamily="34" charset="0"/>
-              </a:rPr>
-              <a:t>.</a:t>
-            </a:r>
-            <a:r>
-              <a:rPr lang="ru-RU" altLang="ru-RU" dirty="0" err="1">
-                <a:solidFill>
-                  <a:srgbClr val="5BCD9D"/>
-                </a:solidFill>
-                <a:latin typeface="Verdana" panose="020B0604030504040204" pitchFamily="34" charset="0"/>
-              </a:rPr>
-              <a:t>content</a:t>
-            </a:r>
-            <a:r>
-              <a:rPr lang="ru-RU" altLang="ru-RU" dirty="0">
-                <a:solidFill>
-                  <a:srgbClr val="5BCD9D"/>
-                </a:solidFill>
-                <a:latin typeface="Verdana" panose="020B0604030504040204" pitchFamily="34" charset="0"/>
-              </a:rPr>
-              <a:t>_</a:t>
-            </a:r>
-            <a:r>
-              <a:rPr lang="ru-RU" altLang="ru-RU" dirty="0">
-                <a:solidFill>
-                  <a:srgbClr val="FFFFFF"/>
-                </a:solidFill>
-                <a:latin typeface="Verdana" panose="020B0604030504040204" pitchFamily="34" charset="0"/>
-              </a:rPr>
-              <a:t>.</a:t>
-            </a:r>
-            <a:r>
-              <a:rPr lang="ru-RU" altLang="ru-RU" dirty="0" err="1">
-                <a:solidFill>
-                  <a:srgbClr val="FFCC00"/>
-                </a:solidFill>
-                <a:latin typeface="Verdana" panose="020B0604030504040204" pitchFamily="34" charset="0"/>
-              </a:rPr>
-              <a:t>empty</a:t>
-            </a:r>
-            <a:r>
-              <a:rPr lang="ru-RU" altLang="ru-RU" dirty="0">
-                <a:solidFill>
-                  <a:srgbClr val="FFFFFF"/>
-                </a:solidFill>
-                <a:latin typeface="Verdana" panose="020B0604030504040204" pitchFamily="34" charset="0"/>
-              </a:rPr>
-              <a:t>()) {</a:t>
-            </a:r>
-            <a:br>
-              <a:rPr lang="ru-RU" altLang="ru-RU" dirty="0">
-                <a:solidFill>
-                  <a:srgbClr val="FFFFFF"/>
-                </a:solidFill>
-                <a:latin typeface="Verdana" panose="020B0604030504040204" pitchFamily="34" charset="0"/>
-              </a:rPr>
-            </a:br>
-            <a:r>
-              <a:rPr lang="ru-RU" altLang="ru-RU" dirty="0">
-                <a:solidFill>
-                  <a:srgbClr val="FFFFFF"/>
-                </a:solidFill>
-                <a:latin typeface="Verdana" panose="020B0604030504040204" pitchFamily="34" charset="0"/>
-              </a:rPr>
-              <a:t>        </a:t>
-            </a:r>
-            <a:r>
-              <a:rPr lang="ru-RU" altLang="ru-RU" dirty="0" err="1">
-                <a:solidFill>
-                  <a:srgbClr val="5BCD9D"/>
-                </a:solidFill>
-                <a:latin typeface="Verdana" panose="020B0604030504040204" pitchFamily="34" charset="0"/>
-              </a:rPr>
-              <a:t>os</a:t>
-            </a:r>
-            <a:r>
-              <a:rPr lang="ru-RU" altLang="ru-RU" dirty="0">
-                <a:solidFill>
-                  <a:srgbClr val="5BCD9D"/>
-                </a:solidFill>
-                <a:latin typeface="Verdana" panose="020B0604030504040204" pitchFamily="34" charset="0"/>
-              </a:rPr>
-              <a:t> </a:t>
-            </a:r>
-            <a:r>
-              <a:rPr lang="ru-RU" altLang="ru-RU" dirty="0">
-                <a:solidFill>
-                  <a:srgbClr val="FFFFFF"/>
-                </a:solidFill>
-                <a:latin typeface="Verdana" panose="020B0604030504040204" pitchFamily="34" charset="0"/>
-              </a:rPr>
-              <a:t>&lt;&lt; </a:t>
-            </a:r>
-            <a:r>
-              <a:rPr lang="ru-RU" altLang="ru-RU" dirty="0">
-                <a:solidFill>
-                  <a:srgbClr val="72C3E0"/>
-                </a:solidFill>
-                <a:latin typeface="Verdana" panose="020B0604030504040204" pitchFamily="34" charset="0"/>
-              </a:rPr>
-              <a:t>"</a:t>
-            </a:r>
-            <a:r>
-              <a:rPr lang="ru-RU" altLang="ru-RU" dirty="0" err="1">
-                <a:solidFill>
-                  <a:srgbClr val="72C3E0"/>
-                </a:solidFill>
-                <a:latin typeface="Verdana" panose="020B0604030504040204" pitchFamily="34" charset="0"/>
-              </a:rPr>
-              <a:t>Content-Length</a:t>
-            </a:r>
-            <a:r>
-              <a:rPr lang="ru-RU" altLang="ru-RU" dirty="0">
-                <a:solidFill>
-                  <a:srgbClr val="72C3E0"/>
-                </a:solidFill>
-                <a:latin typeface="Verdana" panose="020B0604030504040204" pitchFamily="34" charset="0"/>
-              </a:rPr>
-              <a:t>: " </a:t>
-            </a:r>
-            <a:r>
-              <a:rPr lang="ru-RU" altLang="ru-RU" dirty="0">
-                <a:solidFill>
-                  <a:srgbClr val="FFFFFF"/>
-                </a:solidFill>
-                <a:latin typeface="Verdana" panose="020B0604030504040204" pitchFamily="34" charset="0"/>
-              </a:rPr>
-              <a:t>&lt;&lt; </a:t>
-            </a:r>
-            <a:r>
-              <a:rPr lang="ru-RU" altLang="ru-RU" dirty="0">
-                <a:solidFill>
-                  <a:srgbClr val="5BCD9D"/>
-                </a:solidFill>
-                <a:latin typeface="Verdana" panose="020B0604030504040204" pitchFamily="34" charset="0"/>
-              </a:rPr>
-              <a:t>resp</a:t>
-            </a:r>
-            <a:r>
-              <a:rPr lang="ru-RU" altLang="ru-RU" dirty="0">
-                <a:solidFill>
-                  <a:srgbClr val="FFFFFF"/>
-                </a:solidFill>
-                <a:latin typeface="Verdana" panose="020B0604030504040204" pitchFamily="34" charset="0"/>
-              </a:rPr>
-              <a:t>.</a:t>
-            </a:r>
-            <a:r>
-              <a:rPr lang="ru-RU" altLang="ru-RU" dirty="0" err="1">
-                <a:solidFill>
-                  <a:srgbClr val="5BCD9D"/>
-                </a:solidFill>
-                <a:latin typeface="Verdana" panose="020B0604030504040204" pitchFamily="34" charset="0"/>
-              </a:rPr>
-              <a:t>content</a:t>
-            </a:r>
-            <a:r>
-              <a:rPr lang="ru-RU" altLang="ru-RU" dirty="0">
-                <a:solidFill>
-                  <a:srgbClr val="5BCD9D"/>
-                </a:solidFill>
-                <a:latin typeface="Verdana" panose="020B0604030504040204" pitchFamily="34" charset="0"/>
-              </a:rPr>
-              <a:t>_</a:t>
-            </a:r>
-            <a:r>
-              <a:rPr lang="ru-RU" altLang="ru-RU" dirty="0">
-                <a:solidFill>
-                  <a:srgbClr val="FFFFFF"/>
-                </a:solidFill>
-                <a:latin typeface="Verdana" panose="020B0604030504040204" pitchFamily="34" charset="0"/>
-              </a:rPr>
-              <a:t>.</a:t>
-            </a:r>
-            <a:r>
-              <a:rPr lang="ru-RU" altLang="ru-RU" dirty="0" err="1">
-                <a:solidFill>
-                  <a:srgbClr val="FFCC00"/>
-                </a:solidFill>
-                <a:latin typeface="Verdana" panose="020B0604030504040204" pitchFamily="34" charset="0"/>
-              </a:rPr>
-              <a:t>size</a:t>
-            </a:r>
-            <a:r>
-              <a:rPr lang="ru-RU" altLang="ru-RU" dirty="0">
-                <a:solidFill>
-                  <a:srgbClr val="FFFFFF"/>
-                </a:solidFill>
-                <a:latin typeface="Verdana" panose="020B0604030504040204" pitchFamily="34" charset="0"/>
-              </a:rPr>
-              <a:t>() &lt;&lt; </a:t>
-            </a:r>
-            <a:r>
-              <a:rPr lang="ru-RU" altLang="ru-RU" dirty="0" err="1">
-                <a:solidFill>
-                  <a:srgbClr val="5BCD9D"/>
-                </a:solidFill>
-                <a:latin typeface="Verdana" panose="020B0604030504040204" pitchFamily="34" charset="0"/>
-              </a:rPr>
-              <a:t>crlf</a:t>
-            </a:r>
-            <a:r>
-              <a:rPr lang="ru-RU" altLang="ru-RU" dirty="0">
-                <a:solidFill>
-                  <a:srgbClr val="FFFFFF"/>
-                </a:solidFill>
-                <a:latin typeface="Verdana" panose="020B0604030504040204" pitchFamily="34" charset="0"/>
-              </a:rPr>
-              <a:t>;</a:t>
-            </a:r>
-            <a:br>
-              <a:rPr lang="ru-RU" altLang="ru-RU" dirty="0">
-                <a:solidFill>
-                  <a:srgbClr val="FFFFFF"/>
-                </a:solidFill>
-                <a:latin typeface="Verdana" panose="020B0604030504040204" pitchFamily="34" charset="0"/>
-              </a:rPr>
-            </a:br>
-            <a:r>
-              <a:rPr lang="ru-RU" altLang="ru-RU" dirty="0">
-                <a:solidFill>
-                  <a:srgbClr val="FFFFFF"/>
-                </a:solidFill>
-                <a:latin typeface="Verdana" panose="020B0604030504040204" pitchFamily="34" charset="0"/>
-              </a:rPr>
-              <a:t>    }</a:t>
-            </a:r>
-            <a:br>
-              <a:rPr lang="ru-RU" altLang="ru-RU" dirty="0">
-                <a:solidFill>
-                  <a:srgbClr val="FFFFFF"/>
-                </a:solidFill>
-                <a:latin typeface="Verdana" panose="020B0604030504040204" pitchFamily="34" charset="0"/>
-              </a:rPr>
-            </a:br>
-            <a:r>
-              <a:rPr lang="ru-RU" altLang="ru-RU" dirty="0">
-                <a:solidFill>
-                  <a:srgbClr val="FFFFFF"/>
-                </a:solidFill>
-                <a:latin typeface="Verdana" panose="020B0604030504040204" pitchFamily="34" charset="0"/>
-              </a:rPr>
-              <a:t>    </a:t>
-            </a:r>
-            <a:r>
-              <a:rPr lang="ru-RU" altLang="ru-RU" dirty="0" err="1">
-                <a:solidFill>
-                  <a:srgbClr val="5BCD9D"/>
-                </a:solidFill>
-                <a:latin typeface="Verdana" panose="020B0604030504040204" pitchFamily="34" charset="0"/>
-              </a:rPr>
-              <a:t>os</a:t>
-            </a:r>
-            <a:r>
-              <a:rPr lang="ru-RU" altLang="ru-RU" dirty="0">
-                <a:solidFill>
-                  <a:srgbClr val="5BCD9D"/>
-                </a:solidFill>
-                <a:latin typeface="Verdana" panose="020B0604030504040204" pitchFamily="34" charset="0"/>
-              </a:rPr>
-              <a:t> </a:t>
-            </a:r>
-            <a:r>
-              <a:rPr lang="ru-RU" altLang="ru-RU" dirty="0">
-                <a:solidFill>
-                  <a:srgbClr val="FFFFFF"/>
-                </a:solidFill>
-                <a:latin typeface="Verdana" panose="020B0604030504040204" pitchFamily="34" charset="0"/>
-              </a:rPr>
-              <a:t>&lt;&lt; </a:t>
-            </a:r>
-            <a:r>
-              <a:rPr lang="ru-RU" altLang="ru-RU" dirty="0" err="1">
-                <a:solidFill>
-                  <a:srgbClr val="5BCD9D"/>
-                </a:solidFill>
-                <a:latin typeface="Verdana" panose="020B0604030504040204" pitchFamily="34" charset="0"/>
-              </a:rPr>
-              <a:t>crlf</a:t>
-            </a:r>
-            <a:r>
-              <a:rPr lang="ru-RU" altLang="ru-RU" dirty="0">
-                <a:solidFill>
-                  <a:srgbClr val="5BCD9D"/>
-                </a:solidFill>
-                <a:latin typeface="Verdana" panose="020B0604030504040204" pitchFamily="34" charset="0"/>
-              </a:rPr>
-              <a:t> </a:t>
-            </a:r>
-            <a:r>
-              <a:rPr lang="ru-RU" altLang="ru-RU" dirty="0">
-                <a:solidFill>
-                  <a:srgbClr val="FFFFFF"/>
-                </a:solidFill>
-                <a:latin typeface="Verdana" panose="020B0604030504040204" pitchFamily="34" charset="0"/>
-              </a:rPr>
-              <a:t>&lt;&lt; </a:t>
-            </a:r>
-            <a:r>
-              <a:rPr lang="ru-RU" altLang="ru-RU" dirty="0" err="1">
-                <a:solidFill>
-                  <a:srgbClr val="5BCD9D"/>
-                </a:solidFill>
-                <a:latin typeface="Verdana" panose="020B0604030504040204" pitchFamily="34" charset="0"/>
-              </a:rPr>
-              <a:t>resp</a:t>
-            </a:r>
-            <a:r>
-              <a:rPr lang="ru-RU" altLang="ru-RU" dirty="0" err="1">
-                <a:solidFill>
-                  <a:srgbClr val="FFFFFF"/>
-                </a:solidFill>
-                <a:latin typeface="Verdana" panose="020B0604030504040204" pitchFamily="34" charset="0"/>
-              </a:rPr>
-              <a:t>.</a:t>
-            </a:r>
-            <a:r>
-              <a:rPr lang="ru-RU" altLang="ru-RU" dirty="0" err="1">
-                <a:solidFill>
-                  <a:srgbClr val="5BCD9D"/>
-                </a:solidFill>
-                <a:latin typeface="Verdana" panose="020B0604030504040204" pitchFamily="34" charset="0"/>
-              </a:rPr>
-              <a:t>content</a:t>
-            </a:r>
-            <a:r>
-              <a:rPr lang="ru-RU" altLang="ru-RU" dirty="0">
-                <a:solidFill>
-                  <a:srgbClr val="5BCD9D"/>
-                </a:solidFill>
-                <a:latin typeface="Verdana" panose="020B0604030504040204" pitchFamily="34" charset="0"/>
-              </a:rPr>
-              <a:t>_</a:t>
-            </a:r>
-            <a:r>
-              <a:rPr lang="ru-RU" altLang="ru-RU" dirty="0">
-                <a:solidFill>
-                  <a:srgbClr val="FFFFFF"/>
-                </a:solidFill>
-                <a:latin typeface="Verdana" panose="020B0604030504040204" pitchFamily="34" charset="0"/>
-              </a:rPr>
-              <a:t>;</a:t>
-            </a:r>
-            <a:br>
-              <a:rPr lang="ru-RU" altLang="ru-RU" dirty="0">
-                <a:solidFill>
-                  <a:srgbClr val="FFFFFF"/>
-                </a:solidFill>
-                <a:latin typeface="Verdana" panose="020B0604030504040204" pitchFamily="34" charset="0"/>
-              </a:rPr>
-            </a:br>
-            <a:r>
-              <a:rPr lang="ru-RU" altLang="ru-RU" dirty="0">
-                <a:solidFill>
-                  <a:srgbClr val="FFFFFF"/>
-                </a:solidFill>
-                <a:latin typeface="Verdana" panose="020B0604030504040204" pitchFamily="34" charset="0"/>
-              </a:rPr>
-              <a:t>    </a:t>
-            </a:r>
-            <a:r>
-              <a:rPr lang="ru-RU" altLang="ru-RU" dirty="0" err="1">
-                <a:solidFill>
-                  <a:srgbClr val="FFFFFF"/>
-                </a:solidFill>
-                <a:latin typeface="Verdana" panose="020B0604030504040204" pitchFamily="34" charset="0"/>
-              </a:rPr>
-              <a:t>return</a:t>
-            </a:r>
-            <a:r>
-              <a:rPr lang="ru-RU" altLang="ru-RU" dirty="0">
-                <a:solidFill>
-                  <a:srgbClr val="FFFFFF"/>
-                </a:solidFill>
-                <a:latin typeface="Verdana" panose="020B0604030504040204" pitchFamily="34" charset="0"/>
-              </a:rPr>
-              <a:t> </a:t>
-            </a:r>
-            <a:r>
-              <a:rPr lang="ru-RU" altLang="ru-RU" dirty="0" err="1">
-                <a:solidFill>
-                  <a:srgbClr val="5BCD9D"/>
-                </a:solidFill>
-                <a:latin typeface="Verdana" panose="020B0604030504040204" pitchFamily="34" charset="0"/>
-              </a:rPr>
-              <a:t>os</a:t>
-            </a:r>
-            <a:r>
-              <a:rPr lang="ru-RU" altLang="ru-RU" dirty="0">
-                <a:solidFill>
-                  <a:srgbClr val="FFFFFF"/>
-                </a:solidFill>
-                <a:latin typeface="Verdana" panose="020B0604030504040204" pitchFamily="34" charset="0"/>
-              </a:rPr>
-              <a:t>;</a:t>
-            </a:r>
-            <a:br>
-              <a:rPr lang="ru-RU" altLang="ru-RU" dirty="0">
-                <a:solidFill>
-                  <a:srgbClr val="FFFFFF"/>
-                </a:solidFill>
-                <a:latin typeface="Verdana" panose="020B0604030504040204" pitchFamily="34" charset="0"/>
-              </a:rPr>
-            </a:br>
-            <a:r>
-              <a:rPr lang="ru-RU" altLang="ru-RU" dirty="0">
-                <a:solidFill>
-                  <a:srgbClr val="FFFFFF"/>
-                </a:solidFill>
-                <a:latin typeface="Verdana" panose="020B0604030504040204" pitchFamily="34" charset="0"/>
-              </a:rPr>
-              <a:t>}</a:t>
-            </a:r>
-            <a:br>
-              <a:rPr lang="ru-RU" altLang="ru-RU" dirty="0">
-                <a:solidFill>
-                  <a:srgbClr val="FFFFFF"/>
-                </a:solidFill>
-                <a:latin typeface="Verdana" panose="020B0604030504040204" pitchFamily="34" charset="0"/>
-              </a:rPr>
-            </a:br>
-            <a:endParaRPr lang="ru-RU" altLang="ru-RU" sz="6600" dirty="0">
-              <a:solidFill>
-                <a:schemeClr val="tx1"/>
-              </a:solidFill>
-              <a:latin typeface="Arial" panose="020B0604020202020204" pitchFamily="34" charset="0"/>
-            </a:endParaRPr>
-          </a:p>
-          <a:p>
-            <a:endParaRPr lang="ru-RU" dirty="0"/>
+              <a:rPr lang="en-US" dirty="0" smtClean="0"/>
+              <a:t>$ ./build-project &amp;&amp; ./run-unit-tests</a:t>
+            </a:r>
+          </a:p>
+          <a:p>
+            <a:r>
+              <a:rPr lang="en-US" dirty="0" smtClean="0">
+                <a:solidFill>
+                  <a:schemeClr val="accent2"/>
+                </a:solidFill>
+              </a:rPr>
+              <a:t>25</a:t>
+            </a:r>
+            <a:r>
+              <a:rPr lang="ru-RU" dirty="0" smtClean="0">
+                <a:solidFill>
+                  <a:schemeClr val="accent2"/>
+                </a:solidFill>
+              </a:rPr>
+              <a:t>3</a:t>
+            </a:r>
+            <a:r>
+              <a:rPr lang="en-US" dirty="0" smtClean="0">
+                <a:solidFill>
+                  <a:schemeClr val="accent2"/>
+                </a:solidFill>
+              </a:rPr>
+              <a:t> tests – OK</a:t>
+            </a:r>
           </a:p>
         </p:txBody>
       </p:sp>
     </p:spTree>
     <p:extLst>
       <p:ext uri="{BB962C8B-B14F-4D97-AF65-F5344CB8AC3E}">
-        <p14:creationId xmlns:p14="http://schemas.microsoft.com/office/powerpoint/2010/main" val="3930386594"/>
+        <p14:creationId xmlns:p14="http://schemas.microsoft.com/office/powerpoint/2010/main" val="889560738"/>
       </p:ext>
     </p:extLst>
   </p:cSld>
@@ -35946,7 +34674,7 @@
       </p:grpSpPr>
       <p:sp>
         <p:nvSpPr>
-          <p:cNvPr id="6" name="Заголовок 5"/>
+          <p:cNvPr id="2" name="Заголовок 1"/>
           <p:cNvSpPr>
             <a:spLocks noGrp="1"/>
           </p:cNvSpPr>
@@ -35960,15 +34688,16 @@
           <a:lstStyle/>
           <a:p>
             <a:r>
-              <a:rPr lang="ru-RU" dirty="0"/>
-              <a:t>Четвёртый шаг – реализация интерфейса</a:t>
-            </a:r>
+              <a:rPr lang="ru-RU" dirty="0" smtClean="0"/>
+              <a:t>Итоги</a:t>
+            </a:r>
+            <a:endParaRPr lang="ru-RU" dirty="0"/>
           </a:p>
         </p:txBody>
       </p:sp>
       <p:sp>
         <p:nvSpPr>
-          <p:cNvPr id="7" name="Объект 6"/>
+          <p:cNvPr id="3" name="Объект 2"/>
           <p:cNvSpPr>
             <a:spLocks noGrp="1"/>
           </p:cNvSpPr>
@@ -35976,12 +34705,7 @@
             <p:ph idx="1"/>
           </p:nvPr>
         </p:nvSpPr>
-        <p:spPr>
-          <a:xfrm>
-            <a:off x="1143000" y="3048000"/>
-            <a:ext cx="22114606" cy="3046413"/>
-          </a:xfrm>
-        </p:spPr>
+        <p:spPr/>
         <p:txBody>
           <a:bodyPr/>
           <a:lstStyle/>
@@ -35989,18 +34713,91 @@
             <a:pPr lvl="1"/>
             <a:r>
               <a:rPr lang="ru-RU" dirty="0" smtClean="0"/>
-              <a:t>Реализовав интерфейс, запускаем юнит-тесты</a:t>
+              <a:t>Мы получили </a:t>
+            </a:r>
+            <a:r>
+              <a:rPr lang="ru-RU" dirty="0"/>
+              <a:t>корректный </a:t>
+            </a:r>
+            <a:r>
+              <a:rPr lang="ru-RU" dirty="0" smtClean="0"/>
+              <a:t>код</a:t>
             </a:r>
           </a:p>
           <a:p>
             <a:pPr lvl="1"/>
-            <a:endParaRPr lang="ru-RU" dirty="0"/>
+            <a:endParaRPr lang="ru-RU" dirty="0" smtClean="0"/>
           </a:p>
           <a:p>
             <a:pPr lvl="1"/>
             <a:r>
               <a:rPr lang="ru-RU" dirty="0" smtClean="0"/>
-              <a:t>Убеждаемся, что они проходят</a:t>
+              <a:t>Корректно </a:t>
+            </a:r>
+            <a:r>
+              <a:rPr lang="ru-RU" dirty="0"/>
+              <a:t>встроенный в </a:t>
+            </a:r>
+            <a:r>
+              <a:rPr lang="ru-RU" dirty="0" smtClean="0"/>
+              <a:t>систему</a:t>
+            </a:r>
+          </a:p>
+          <a:p>
+            <a:pPr lvl="1"/>
+            <a:endParaRPr lang="ru-RU" dirty="0" smtClean="0"/>
+          </a:p>
+          <a:p>
+            <a:pPr lvl="1"/>
+            <a:r>
+              <a:rPr lang="ru-RU" dirty="0" smtClean="0"/>
+              <a:t>Мы </a:t>
+            </a:r>
+            <a:r>
+              <a:rPr lang="ru-RU" dirty="0"/>
+              <a:t>минимизировали риски </a:t>
+            </a:r>
+            <a:endParaRPr lang="ru-RU" dirty="0" smtClean="0"/>
+          </a:p>
+          <a:p>
+            <a:pPr lvl="2"/>
+            <a:r>
+              <a:rPr lang="ru-RU" dirty="0" smtClean="0"/>
+              <a:t>возникновения багов</a:t>
+            </a:r>
+          </a:p>
+          <a:p>
+            <a:pPr lvl="2"/>
+            <a:r>
+              <a:rPr lang="ru-RU" dirty="0" smtClean="0"/>
+              <a:t>необходимости </a:t>
+            </a:r>
+            <a:r>
+              <a:rPr lang="ru-RU" dirty="0"/>
+              <a:t>переделывать свою </a:t>
+            </a:r>
+            <a:r>
+              <a:rPr lang="ru-RU" dirty="0" smtClean="0"/>
+              <a:t>работу</a:t>
+            </a:r>
+          </a:p>
+          <a:p>
+            <a:pPr lvl="1"/>
+            <a:endParaRPr lang="ru-RU" dirty="0" smtClean="0"/>
+          </a:p>
+          <a:p>
+            <a:pPr lvl="1"/>
+            <a:r>
+              <a:rPr lang="ru-RU" dirty="0" smtClean="0"/>
+              <a:t>Сэкономили </a:t>
+            </a:r>
+            <a:r>
+              <a:rPr lang="ru-RU" dirty="0"/>
+              <a:t>уйму времени на отладке и </a:t>
+            </a:r>
+            <a:r>
+              <a:rPr lang="ru-RU" dirty="0" smtClean="0"/>
+              <a:t>переписывании кода</a:t>
             </a:r>
             <a:endParaRPr lang="ru-RU" dirty="0"/>
           </a:p>
@@ -36052,277 +34849,6 @@
               </a:rPr>
               <a:pPr/>
               <a:t>25</a:t>
-            </a:fld>
-            <a:endParaRPr lang="ru-RU">
-              <a:solidFill>
-                <a:srgbClr val="000000"/>
-              </a:solidFill>
-            </a:endParaRPr>
-          </a:p>
-        </p:txBody>
-      </p:sp>
-      <p:sp>
-        <p:nvSpPr>
-          <p:cNvPr id="8" name="Объект 7"/>
-          <p:cNvSpPr>
-            <a:spLocks noGrp="1"/>
-          </p:cNvSpPr>
-          <p:nvPr>
-            <p:ph idx="13"/>
-          </p:nvPr>
-        </p:nvSpPr>
-        <p:spPr/>
-        <p:txBody>
-          <a:bodyPr/>
-          <a:lstStyle/>
-          <a:p>
-            <a:r>
-              <a:rPr lang="en-US" dirty="0" smtClean="0"/>
-              <a:t>$ ./build-project &amp;&amp; ./run-unit-tests</a:t>
-            </a:r>
-          </a:p>
-          <a:p>
-            <a:r>
-              <a:rPr lang="en-US" dirty="0" smtClean="0">
-                <a:solidFill>
-                  <a:schemeClr val="accent2"/>
-                </a:solidFill>
-              </a:rPr>
-              <a:t>25</a:t>
-            </a:r>
-            <a:r>
-              <a:rPr lang="ru-RU" dirty="0" smtClean="0">
-                <a:solidFill>
-                  <a:schemeClr val="accent2"/>
-                </a:solidFill>
-              </a:rPr>
-              <a:t>3</a:t>
-            </a:r>
-            <a:r>
-              <a:rPr lang="en-US" dirty="0" smtClean="0">
-                <a:solidFill>
-                  <a:schemeClr val="accent2"/>
-                </a:solidFill>
-              </a:rPr>
-              <a:t> tests – OK</a:t>
-            </a:r>
-          </a:p>
-        </p:txBody>
-      </p:sp>
-    </p:spTree>
-    <p:extLst>
-      <p:ext uri="{BB962C8B-B14F-4D97-AF65-F5344CB8AC3E}">
-        <p14:creationId xmlns:p14="http://schemas.microsoft.com/office/powerpoint/2010/main" val="889560738"/>
-      </p:ext>
-    </p:extLst>
-  </p:cSld>
-  <p:clrMapOvr>
-    <a:masterClrMapping/>
-  </p:clrMapOvr>
-  <p:timing>
-    <p:tnLst>
-      <p:par>
-        <p:cTn id="1" dur="indefinite" restart="never" nodeType="tmRoot"/>
-      </p:par>
-    </p:tnLst>
-  </p:timing>
-</p:sld>
-</file>
-
-<file path=ppt/slides/slide26.xml><?xml version="1.0" encoding="utf-8"?>
-<p:sld xmlns:a="http://schemas.openxmlformats.org/drawingml/2006/main" xmlns:r="http://schemas.openxmlformats.org/officeDocument/2006/relationships" xmlns:p="http://schemas.openxmlformats.org/presentationml/2006/main">
-  <p:cSld>
-    <p:spTree>
-      <p:nvGrpSpPr>
-        <p:cNvPr id="1" name=""/>
-        <p:cNvGrpSpPr/>
-        <p:nvPr/>
-      </p:nvGrpSpPr>
-      <p:grpSpPr>
-        <a:xfrm>
-          <a:off x="0" y="0"/>
-          <a:ext cx="0" cy="0"/>
-          <a:chOff x="0" y="0"/>
-          <a:chExt cx="0" cy="0"/>
-        </a:xfrm>
-      </p:grpSpPr>
-      <p:sp>
-        <p:nvSpPr>
-          <p:cNvPr id="2" name="Заголовок 1"/>
-          <p:cNvSpPr>
-            <a:spLocks noGrp="1"/>
-          </p:cNvSpPr>
-          <p:nvPr>
-            <p:ph type="title"/>
-          </p:nvPr>
-        </p:nvSpPr>
-        <p:spPr/>
-        <p:txBody>
-          <a:bodyPr/>
-          <a:lstStyle/>
-          <a:p>
-            <a:r>
-              <a:rPr lang="ru-RU" dirty="0" smtClean="0"/>
-              <a:t>Итоги</a:t>
-            </a:r>
-            <a:endParaRPr lang="ru-RU" dirty="0"/>
-          </a:p>
-        </p:txBody>
-      </p:sp>
-      <p:sp>
-        <p:nvSpPr>
-          <p:cNvPr id="3" name="Объект 2"/>
-          <p:cNvSpPr>
-            <a:spLocks noGrp="1"/>
-          </p:cNvSpPr>
-          <p:nvPr>
-            <p:ph idx="1"/>
-          </p:nvPr>
-        </p:nvSpPr>
-        <p:spPr/>
-        <p:txBody>
-          <a:bodyPr/>
-          <a:lstStyle/>
-          <a:p>
-            <a:pPr lvl="1"/>
-            <a:r>
-              <a:rPr lang="ru-RU" dirty="0" smtClean="0"/>
-              <a:t>Мы получили </a:t>
-            </a:r>
-            <a:r>
-              <a:rPr lang="ru-RU" dirty="0"/>
-              <a:t>корректный </a:t>
-            </a:r>
-            <a:r>
-              <a:rPr lang="ru-RU" dirty="0" smtClean="0"/>
-              <a:t>код</a:t>
-            </a:r>
-          </a:p>
-          <a:p>
-            <a:pPr lvl="1"/>
-            <a:endParaRPr lang="ru-RU" dirty="0" smtClean="0"/>
-          </a:p>
-          <a:p>
-            <a:pPr lvl="1"/>
-            <a:r>
-              <a:rPr lang="ru-RU" dirty="0" smtClean="0"/>
-              <a:t>Корректно </a:t>
-            </a:r>
-            <a:r>
-              <a:rPr lang="ru-RU" dirty="0"/>
-              <a:t>встроенный в </a:t>
-            </a:r>
-            <a:r>
-              <a:rPr lang="ru-RU" dirty="0" smtClean="0"/>
-              <a:t>систему</a:t>
-            </a:r>
-          </a:p>
-          <a:p>
-            <a:pPr lvl="1"/>
-            <a:endParaRPr lang="ru-RU" dirty="0" smtClean="0"/>
-          </a:p>
-          <a:p>
-            <a:pPr lvl="1"/>
-            <a:r>
-              <a:rPr lang="ru-RU" dirty="0" smtClean="0"/>
-              <a:t>Мы </a:t>
-            </a:r>
-            <a:r>
-              <a:rPr lang="ru-RU" dirty="0"/>
-              <a:t>минимизировали риски </a:t>
-            </a:r>
-            <a:endParaRPr lang="ru-RU" dirty="0" smtClean="0"/>
-          </a:p>
-          <a:p>
-            <a:pPr lvl="2"/>
-            <a:r>
-              <a:rPr lang="ru-RU" dirty="0" smtClean="0"/>
-              <a:t>возникновения багов</a:t>
-            </a:r>
-          </a:p>
-          <a:p>
-            <a:pPr lvl="2"/>
-            <a:r>
-              <a:rPr lang="ru-RU" dirty="0" smtClean="0"/>
-              <a:t>необходимости </a:t>
-            </a:r>
-            <a:r>
-              <a:rPr lang="ru-RU" dirty="0"/>
-              <a:t>переделывать свою </a:t>
-            </a:r>
-            <a:r>
-              <a:rPr lang="ru-RU" dirty="0" smtClean="0"/>
-              <a:t>работу</a:t>
-            </a:r>
-          </a:p>
-          <a:p>
-            <a:pPr lvl="1"/>
-            <a:endParaRPr lang="ru-RU" dirty="0" smtClean="0"/>
-          </a:p>
-          <a:p>
-            <a:pPr lvl="1"/>
-            <a:r>
-              <a:rPr lang="ru-RU" dirty="0" smtClean="0"/>
-              <a:t>Сэкономили </a:t>
-            </a:r>
-            <a:r>
-              <a:rPr lang="ru-RU" dirty="0"/>
-              <a:t>уйму времени на отладке и </a:t>
-            </a:r>
-            <a:r>
-              <a:rPr lang="ru-RU" dirty="0" smtClean="0"/>
-              <a:t>переписывании кода</a:t>
-            </a:r>
-            <a:endParaRPr lang="ru-RU" dirty="0"/>
-          </a:p>
-        </p:txBody>
-      </p:sp>
-      <p:sp>
-        <p:nvSpPr>
-          <p:cNvPr id="4" name="Нижний колонтитул 3"/>
-          <p:cNvSpPr>
-            <a:spLocks noGrp="1"/>
-          </p:cNvSpPr>
-          <p:nvPr>
-            <p:ph type="ftr" sz="quarter" idx="11"/>
-          </p:nvPr>
-        </p:nvSpPr>
-        <p:spPr/>
-        <p:txBody>
-          <a:bodyPr/>
-          <a:lstStyle/>
-          <a:p>
-            <a:endParaRPr lang="ru-RU">
-              <a:solidFill>
-                <a:srgbClr val="000000"/>
-              </a:solidFill>
-            </a:endParaRPr>
-          </a:p>
-        </p:txBody>
-      </p:sp>
-      <p:sp>
-        <p:nvSpPr>
-          <p:cNvPr id="5" name="Номер слайда 4"/>
-          <p:cNvSpPr>
-            <a:spLocks noGrp="1"/>
-          </p:cNvSpPr>
-          <p:nvPr>
-            <p:ph type="sldNum" sz="quarter" idx="12"/>
-          </p:nvPr>
-        </p:nvSpPr>
-        <p:spPr/>
-        <p:txBody>
-          <a:bodyPr/>
-          <a:lstStyle/>
-          <a:p>
-            <a:fld id="{741C03D3-FA44-40EC-9A21-1FC4FEA3E22E}" type="slidenum">
-              <a:rPr lang="ru-RU" smtClean="0">
-                <a:solidFill>
-                  <a:srgbClr val="000000"/>
-                </a:solidFill>
-              </a:rPr>
-              <a:pPr/>
-              <a:t>26</a:t>
             </a:fld>
             <a:endParaRPr lang="ru-RU">
               <a:solidFill>
@@ -36633,7 +35159,7 @@
 </p:sld>
 </file>
 
-<file path=ppt/slides/slide27.xml><?xml version="1.0" encoding="utf-8"?>
+<file path=ppt/slides/slide26.xml><?xml version="1.0" encoding="utf-8"?>
 <p:sld xmlns:a="http://schemas.openxmlformats.org/drawingml/2006/main" xmlns:r="http://schemas.openxmlformats.org/officeDocument/2006/relationships" xmlns:p="http://schemas.openxmlformats.org/presentationml/2006/main">
   <p:cSld>
     <p:spTree>
@@ -39636,7 +38162,7 @@
 </p:sld>
 </file>
 
-<file path=ppt/slides/slide28.xml><?xml version="1.0" encoding="utf-8"?>
+<file path=ppt/slides/slide27.xml><?xml version="1.0" encoding="utf-8"?>
 <p:sld xmlns:a="http://schemas.openxmlformats.org/drawingml/2006/main" xmlns:r="http://schemas.openxmlformats.org/officeDocument/2006/relationships" xmlns:p="http://schemas.openxmlformats.org/presentationml/2006/main" show="0">
   <p:cSld>
     <p:spTree>
@@ -39754,7 +38280,7 @@
                 </a:solidFill>
               </a:rPr>
               <a:pPr/>
-              <a:t>28</a:t>
+              <a:t>27</a:t>
             </a:fld>
             <a:endParaRPr lang="ru-RU">
               <a:solidFill>
@@ -40184,7 +38710,7 @@
 </p:sld>
 </file>
 
-<file path=ppt/slides/slide29.xml><?xml version="1.0" encoding="utf-8"?>
+<file path=ppt/slides/slide28.xml><?xml version="1.0" encoding="utf-8"?>
 <p:sld xmlns:a="http://schemas.openxmlformats.org/drawingml/2006/main" xmlns:r="http://schemas.openxmlformats.org/officeDocument/2006/relationships" xmlns:p="http://schemas.openxmlformats.org/presentationml/2006/main" show="0">
   <p:cSld>
     <p:spTree>
@@ -40268,7 +38794,7 @@
                 </a:solidFill>
               </a:rPr>
               <a:pPr/>
-              <a:t>29</a:t>
+              <a:t>28</a:t>
             </a:fld>
             <a:endParaRPr lang="ru-RU">
               <a:solidFill>
@@ -41498,113 +40024,7 @@
 </p:sld>
 </file>
 
-<file path=ppt/slides/slide3.xml><?xml version="1.0" encoding="utf-8"?>
-<p:sld xmlns:a="http://schemas.openxmlformats.org/drawingml/2006/main" xmlns:r="http://schemas.openxmlformats.org/officeDocument/2006/relationships" xmlns:p="http://schemas.openxmlformats.org/presentationml/2006/main">
-  <p:cSld>
-    <p:spTree>
-      <p:nvGrpSpPr>
-        <p:cNvPr id="1" name=""/>
-        <p:cNvGrpSpPr/>
-        <p:nvPr/>
-      </p:nvGrpSpPr>
-      <p:grpSpPr>
-        <a:xfrm>
-          <a:off x="0" y="0"/>
-          <a:ext cx="0" cy="0"/>
-          <a:chOff x="0" y="0"/>
-          <a:chExt cx="0" cy="0"/>
-        </a:xfrm>
-      </p:grpSpPr>
-      <p:sp>
-        <p:nvSpPr>
-          <p:cNvPr id="2" name="Заголовок 1"/>
-          <p:cNvSpPr>
-            <a:spLocks noGrp="1"/>
-          </p:cNvSpPr>
-          <p:nvPr>
-            <p:ph type="ctrTitle"/>
-          </p:nvPr>
-        </p:nvSpPr>
-        <p:spPr/>
-        <p:txBody>
-          <a:bodyPr/>
-          <a:lstStyle/>
-          <a:p>
-            <a:r>
-              <a:rPr lang="ru-RU" dirty="0"/>
-              <a:t>Техника безопасности при работе с кодом большого проекта</a:t>
-            </a:r>
-          </a:p>
-        </p:txBody>
-      </p:sp>
-      <p:sp>
-        <p:nvSpPr>
-          <p:cNvPr id="3" name="Подзаголовок 2"/>
-          <p:cNvSpPr>
-            <a:spLocks noGrp="1"/>
-          </p:cNvSpPr>
-          <p:nvPr>
-            <p:ph type="subTitle" idx="1"/>
-          </p:nvPr>
-        </p:nvSpPr>
-        <p:spPr/>
-        <p:txBody>
-          <a:bodyPr/>
-          <a:lstStyle/>
-          <a:p>
-            <a:r>
-              <a:rPr lang="ru-RU" dirty="0" smtClean="0"/>
-              <a:t>Илья Шишков, старший разработчик</a:t>
-            </a:r>
-            <a:endParaRPr lang="ru-RU" dirty="0"/>
-          </a:p>
-        </p:txBody>
-      </p:sp>
-      <p:sp>
-        <p:nvSpPr>
-          <p:cNvPr id="4" name="Рисунок 3"/>
-          <p:cNvSpPr>
-            <a:spLocks noGrp="1"/>
-          </p:cNvSpPr>
-          <p:nvPr>
-            <p:ph type="pic" sz="quarter" idx="13"/>
-          </p:nvPr>
-        </p:nvSpPr>
-        <p:spPr/>
-      </p:sp>
-      <p:sp>
-        <p:nvSpPr>
-          <p:cNvPr id="5" name="Рисунок 4"/>
-          <p:cNvSpPr>
-            <a:spLocks noGrp="1"/>
-          </p:cNvSpPr>
-          <p:nvPr>
-            <p:ph type="pic" sz="quarter" idx="14"/>
-          </p:nvPr>
-        </p:nvSpPr>
-        <p:spPr/>
-      </p:sp>
-    </p:spTree>
-    <p:extLst>
-      <p:ext uri="{BB962C8B-B14F-4D97-AF65-F5344CB8AC3E}">
-        <p14:creationId xmlns:p14="http://schemas.microsoft.com/office/powerpoint/2010/main" val="1569643543"/>
-      </p:ext>
-    </p:extLst>
-  </p:cSld>
-  <p:clrMapOvr>
-    <a:masterClrMapping/>
-  </p:clrMapOvr>
-  <p:timing>
-    <p:tnLst>
-      <p:par>
-        <p:cTn id="1" dur="indefinite" restart="never" nodeType="tmRoot"/>
-      </p:par>
-    </p:tnLst>
-  </p:timing>
-</p:sld>
-</file>
-
-<file path=ppt/slides/slide30.xml><?xml version="1.0" encoding="utf-8"?>
+<file path=ppt/slides/slide29.xml><?xml version="1.0" encoding="utf-8"?>
 <p:sld xmlns:a="http://schemas.openxmlformats.org/drawingml/2006/main" xmlns:r="http://schemas.openxmlformats.org/officeDocument/2006/relationships" xmlns:p="http://schemas.openxmlformats.org/presentationml/2006/main" show="0">
   <p:cSld>
     <p:spTree>
@@ -41666,7 +40086,7 @@
                 </a:solidFill>
               </a:rPr>
               <a:pPr/>
-              <a:t>30</a:t>
+              <a:t>29</a:t>
             </a:fld>
             <a:endParaRPr lang="ru-RU">
               <a:solidFill>
@@ -42313,6 +40733,112 @@
   <p:transition spd="slow">
     <p:push dir="u"/>
   </p:transition>
+  <p:timing>
+    <p:tnLst>
+      <p:par>
+        <p:cTn id="1" dur="indefinite" restart="never" nodeType="tmRoot"/>
+      </p:par>
+    </p:tnLst>
+  </p:timing>
+</p:sld>
+</file>
+
+<file path=ppt/slides/slide3.xml><?xml version="1.0" encoding="utf-8"?>
+<p:sld xmlns:a="http://schemas.openxmlformats.org/drawingml/2006/main" xmlns:r="http://schemas.openxmlformats.org/officeDocument/2006/relationships" xmlns:p="http://schemas.openxmlformats.org/presentationml/2006/main">
+  <p:cSld>
+    <p:spTree>
+      <p:nvGrpSpPr>
+        <p:cNvPr id="1" name=""/>
+        <p:cNvGrpSpPr/>
+        <p:nvPr/>
+      </p:nvGrpSpPr>
+      <p:grpSpPr>
+        <a:xfrm>
+          <a:off x="0" y="0"/>
+          <a:ext cx="0" cy="0"/>
+          <a:chOff x="0" y="0"/>
+          <a:chExt cx="0" cy="0"/>
+        </a:xfrm>
+      </p:grpSpPr>
+      <p:sp>
+        <p:nvSpPr>
+          <p:cNvPr id="2" name="Заголовок 1"/>
+          <p:cNvSpPr>
+            <a:spLocks noGrp="1"/>
+          </p:cNvSpPr>
+          <p:nvPr>
+            <p:ph type="ctrTitle"/>
+          </p:nvPr>
+        </p:nvSpPr>
+        <p:spPr/>
+        <p:txBody>
+          <a:bodyPr/>
+          <a:lstStyle/>
+          <a:p>
+            <a:r>
+              <a:rPr lang="ru-RU" dirty="0"/>
+              <a:t>Техника безопасности при работе с кодом большого проекта</a:t>
+            </a:r>
+          </a:p>
+        </p:txBody>
+      </p:sp>
+      <p:sp>
+        <p:nvSpPr>
+          <p:cNvPr id="3" name="Подзаголовок 2"/>
+          <p:cNvSpPr>
+            <a:spLocks noGrp="1"/>
+          </p:cNvSpPr>
+          <p:nvPr>
+            <p:ph type="subTitle" idx="1"/>
+          </p:nvPr>
+        </p:nvSpPr>
+        <p:spPr/>
+        <p:txBody>
+          <a:bodyPr/>
+          <a:lstStyle/>
+          <a:p>
+            <a:r>
+              <a:rPr lang="ru-RU" dirty="0" smtClean="0"/>
+              <a:t>Илья Шишков, старший разработчик</a:t>
+            </a:r>
+            <a:endParaRPr lang="ru-RU" dirty="0"/>
+          </a:p>
+        </p:txBody>
+      </p:sp>
+      <p:sp>
+        <p:nvSpPr>
+          <p:cNvPr id="4" name="Рисунок 3"/>
+          <p:cNvSpPr>
+            <a:spLocks noGrp="1"/>
+          </p:cNvSpPr>
+          <p:nvPr>
+            <p:ph type="pic" sz="quarter" idx="13"/>
+          </p:nvPr>
+        </p:nvSpPr>
+        <p:spPr/>
+      </p:sp>
+      <p:sp>
+        <p:nvSpPr>
+          <p:cNvPr id="5" name="Рисунок 4"/>
+          <p:cNvSpPr>
+            <a:spLocks noGrp="1"/>
+          </p:cNvSpPr>
+          <p:nvPr>
+            <p:ph type="pic" sz="quarter" idx="14"/>
+          </p:nvPr>
+        </p:nvSpPr>
+        <p:spPr/>
+      </p:sp>
+    </p:spTree>
+    <p:extLst>
+      <p:ext uri="{BB962C8B-B14F-4D97-AF65-F5344CB8AC3E}">
+        <p14:creationId xmlns:p14="http://schemas.microsoft.com/office/powerpoint/2010/main" val="1569643543"/>
+      </p:ext>
+    </p:extLst>
+  </p:cSld>
+  <p:clrMapOvr>
+    <a:masterClrMapping/>
+  </p:clrMapOvr>
   <p:timing>
     <p:tnLst>
       <p:par>

--- a/slides.pptx
+++ b/slides.pptx
@@ -270,7 +270,7 @@
           <a:p>
             <a:fld id="{A48BA324-014D-41B7-8E83-ECE8F197A959}" type="datetimeFigureOut">
               <a:rPr lang="ru-RU" smtClean="0"/>
-              <a:t>14.10.2017</a:t>
+              <a:t>16.10.2017</a:t>
             </a:fld>
             <a:endParaRPr lang="ru-RU"/>
           </a:p>
@@ -4934,7 +4934,7 @@
           </a:ln>
           <a:extLst>
             <a:ext uri="{C572A759-6A51-4108-AA02-DFA0A04FC94B}">
-              <ma14:wrappingTextBoxFlag xmlns:ma14="http://schemas.microsoft.com/office/mac/drawingml/2011/main" xmlns="" val="1"/>
+              <ma14:wrappingTextBoxFlag xmlns="" xmlns:ma14="http://schemas.microsoft.com/office/mac/drawingml/2011/main" val="1"/>
             </a:ext>
           </a:extLst>
         </p:spPr>
@@ -5429,7 +5429,7 @@
           </a:ln>
           <a:extLst>
             <a:ext uri="{C572A759-6A51-4108-AA02-DFA0A04FC94B}">
-              <ma14:wrappingTextBoxFlag xmlns:ma14="http://schemas.microsoft.com/office/mac/drawingml/2011/main" xmlns="" val="1"/>
+              <ma14:wrappingTextBoxFlag xmlns="" xmlns:ma14="http://schemas.microsoft.com/office/mac/drawingml/2011/main" val="1"/>
             </a:ext>
           </a:extLst>
         </p:spPr>
@@ -5575,7 +5575,7 @@
           </a:ln>
           <a:extLst>
             <a:ext uri="{C572A759-6A51-4108-AA02-DFA0A04FC94B}">
-              <ma14:wrappingTextBoxFlag xmlns:ma14="http://schemas.microsoft.com/office/mac/drawingml/2011/main" xmlns="" val="1"/>
+              <ma14:wrappingTextBoxFlag xmlns="" xmlns:ma14="http://schemas.microsoft.com/office/mac/drawingml/2011/main" val="1"/>
             </a:ext>
           </a:extLst>
         </p:spPr>
@@ -5617,7 +5617,7 @@
           </a:ln>
           <a:extLst>
             <a:ext uri="{C572A759-6A51-4108-AA02-DFA0A04FC94B}">
-              <ma14:wrappingTextBoxFlag xmlns:ma14="http://schemas.microsoft.com/office/mac/drawingml/2011/main" xmlns="" val="1"/>
+              <ma14:wrappingTextBoxFlag xmlns="" xmlns:ma14="http://schemas.microsoft.com/office/mac/drawingml/2011/main" val="1"/>
             </a:ext>
           </a:extLst>
         </p:spPr>
@@ -5813,7 +5813,7 @@
           </a:ln>
           <a:extLst>
             <a:ext uri="{C572A759-6A51-4108-AA02-DFA0A04FC94B}">
-              <ma14:wrappingTextBoxFlag xmlns:ma14="http://schemas.microsoft.com/office/mac/drawingml/2011/main" xmlns="" val="1"/>
+              <ma14:wrappingTextBoxFlag xmlns="" xmlns:ma14="http://schemas.microsoft.com/office/mac/drawingml/2011/main" val="1"/>
             </a:ext>
           </a:extLst>
         </p:spPr>
@@ -5937,7 +5937,7 @@
           </a:ln>
           <a:extLst>
             <a:ext uri="{C572A759-6A51-4108-AA02-DFA0A04FC94B}">
-              <ma14:wrappingTextBoxFlag xmlns:ma14="http://schemas.microsoft.com/office/mac/drawingml/2011/main" xmlns="" val="1"/>
+              <ma14:wrappingTextBoxFlag xmlns="" xmlns:ma14="http://schemas.microsoft.com/office/mac/drawingml/2011/main" val="1"/>
             </a:ext>
           </a:extLst>
         </p:spPr>
@@ -6031,7 +6031,7 @@
           </a:ln>
           <a:extLst>
             <a:ext uri="{C572A759-6A51-4108-AA02-DFA0A04FC94B}">
-              <ma14:wrappingTextBoxFlag xmlns:ma14="http://schemas.microsoft.com/office/mac/drawingml/2011/main" xmlns="" val="1"/>
+              <ma14:wrappingTextBoxFlag xmlns="" xmlns:ma14="http://schemas.microsoft.com/office/mac/drawingml/2011/main" val="1"/>
             </a:ext>
           </a:extLst>
         </p:spPr>
@@ -6322,7 +6322,7 @@
           </a:ln>
           <a:extLst>
             <a:ext uri="{C572A759-6A51-4108-AA02-DFA0A04FC94B}">
-              <ma14:wrappingTextBoxFlag xmlns:ma14="http://schemas.microsoft.com/office/mac/drawingml/2011/main" xmlns="" val="1"/>
+              <ma14:wrappingTextBoxFlag xmlns="" xmlns:ma14="http://schemas.microsoft.com/office/mac/drawingml/2011/main" val="1"/>
             </a:ext>
           </a:extLst>
         </p:spPr>
@@ -6813,7 +6813,7 @@
           </a:ln>
           <a:extLst>
             <a:ext uri="{C572A759-6A51-4108-AA02-DFA0A04FC94B}">
-              <ma14:wrappingTextBoxFlag xmlns:ma14="http://schemas.microsoft.com/office/mac/drawingml/2011/main" xmlns="" val="1"/>
+              <ma14:wrappingTextBoxFlag xmlns="" xmlns:ma14="http://schemas.microsoft.com/office/mac/drawingml/2011/main" val="1"/>
             </a:ext>
           </a:extLst>
         </p:spPr>
@@ -6872,7 +6872,7 @@
           </a:ln>
           <a:extLst>
             <a:ext uri="{C572A759-6A51-4108-AA02-DFA0A04FC94B}">
-              <ma14:wrappingTextBoxFlag xmlns:ma14="http://schemas.microsoft.com/office/mac/drawingml/2011/main" xmlns="" val="1"/>
+              <ma14:wrappingTextBoxFlag xmlns="" xmlns:ma14="http://schemas.microsoft.com/office/mac/drawingml/2011/main" val="1"/>
             </a:ext>
           </a:extLst>
         </p:spPr>
@@ -6981,7 +6981,7 @@
           </a:ln>
           <a:extLst>
             <a:ext uri="{C572A759-6A51-4108-AA02-DFA0A04FC94B}">
-              <ma14:wrappingTextBoxFlag xmlns:ma14="http://schemas.microsoft.com/office/mac/drawingml/2011/main" xmlns="" val="1"/>
+              <ma14:wrappingTextBoxFlag xmlns="" xmlns:ma14="http://schemas.microsoft.com/office/mac/drawingml/2011/main" val="1"/>
             </a:ext>
           </a:extLst>
         </p:spPr>
@@ -7042,7 +7042,7 @@
           </a:ln>
           <a:extLst>
             <a:ext uri="{C572A759-6A51-4108-AA02-DFA0A04FC94B}">
-              <ma14:wrappingTextBoxFlag xmlns:ma14="http://schemas.microsoft.com/office/mac/drawingml/2011/main" xmlns="" val="1"/>
+              <ma14:wrappingTextBoxFlag xmlns="" xmlns:ma14="http://schemas.microsoft.com/office/mac/drawingml/2011/main" val="1"/>
             </a:ext>
           </a:extLst>
         </p:spPr>
@@ -7122,7 +7122,7 @@
           </a:ln>
           <a:extLst>
             <a:ext uri="{C572A759-6A51-4108-AA02-DFA0A04FC94B}">
-              <ma14:wrappingTextBoxFlag xmlns:ma14="http://schemas.microsoft.com/office/mac/drawingml/2011/main" xmlns="" val="1"/>
+              <ma14:wrappingTextBoxFlag xmlns="" xmlns:ma14="http://schemas.microsoft.com/office/mac/drawingml/2011/main" val="1"/>
             </a:ext>
           </a:extLst>
         </p:spPr>
@@ -7193,7 +7193,7 @@
           </a:ln>
           <a:extLst>
             <a:ext uri="{C572A759-6A51-4108-AA02-DFA0A04FC94B}">
-              <ma14:wrappingTextBoxFlag xmlns:ma14="http://schemas.microsoft.com/office/mac/drawingml/2011/main" xmlns="" val="1"/>
+              <ma14:wrappingTextBoxFlag xmlns="" xmlns:ma14="http://schemas.microsoft.com/office/mac/drawingml/2011/main" val="1"/>
             </a:ext>
           </a:extLst>
         </p:spPr>
@@ -7249,7 +7249,7 @@
           </a:ln>
           <a:extLst>
             <a:ext uri="{C572A759-6A51-4108-AA02-DFA0A04FC94B}">
-              <ma14:wrappingTextBoxFlag xmlns:ma14="http://schemas.microsoft.com/office/mac/drawingml/2011/main" xmlns="" val="1"/>
+              <ma14:wrappingTextBoxFlag xmlns="" xmlns:ma14="http://schemas.microsoft.com/office/mac/drawingml/2011/main" val="1"/>
             </a:ext>
           </a:extLst>
         </p:spPr>
@@ -7305,7 +7305,7 @@
           </a:ln>
           <a:extLst>
             <a:ext uri="{C572A759-6A51-4108-AA02-DFA0A04FC94B}">
-              <ma14:wrappingTextBoxFlag xmlns:ma14="http://schemas.microsoft.com/office/mac/drawingml/2011/main" xmlns="" val="1"/>
+              <ma14:wrappingTextBoxFlag xmlns="" xmlns:ma14="http://schemas.microsoft.com/office/mac/drawingml/2011/main" val="1"/>
             </a:ext>
           </a:extLst>
         </p:spPr>
@@ -15153,7 +15153,7 @@
           </a:ln>
           <a:extLst>
             <a:ext uri="{C572A759-6A51-4108-AA02-DFA0A04FC94B}">
-              <ma14:wrappingTextBoxFlag xmlns:ma14="http://schemas.microsoft.com/office/mac/drawingml/2011/main" xmlns="" val="1"/>
+              <ma14:wrappingTextBoxFlag xmlns="" xmlns:ma14="http://schemas.microsoft.com/office/mac/drawingml/2011/main" val="1"/>
             </a:ext>
           </a:extLst>
         </p:spPr>
@@ -15611,7 +15611,7 @@
           </a:ln>
           <a:extLst>
             <a:ext uri="{C572A759-6A51-4108-AA02-DFA0A04FC94B}">
-              <ma14:wrappingTextBoxFlag xmlns:ma14="http://schemas.microsoft.com/office/mac/drawingml/2011/main" xmlns="" val="1"/>
+              <ma14:wrappingTextBoxFlag xmlns="" xmlns:ma14="http://schemas.microsoft.com/office/mac/drawingml/2011/main" val="1"/>
             </a:ext>
           </a:extLst>
         </p:spPr>
@@ -15847,7 +15847,7 @@
           </a:ln>
           <a:extLst>
             <a:ext uri="{C572A759-6A51-4108-AA02-DFA0A04FC94B}">
-              <ma14:wrappingTextBoxFlag xmlns:ma14="http://schemas.microsoft.com/office/mac/drawingml/2011/main" xmlns="" val="1"/>
+              <ma14:wrappingTextBoxFlag xmlns="" xmlns:ma14="http://schemas.microsoft.com/office/mac/drawingml/2011/main" val="1"/>
             </a:ext>
           </a:extLst>
         </p:spPr>
@@ -15894,7 +15894,7 @@
           </a:ln>
           <a:extLst>
             <a:ext uri="{C572A759-6A51-4108-AA02-DFA0A04FC94B}">
-              <ma14:wrappingTextBoxFlag xmlns:ma14="http://schemas.microsoft.com/office/mac/drawingml/2011/main" xmlns="" val="1"/>
+              <ma14:wrappingTextBoxFlag xmlns="" xmlns:ma14="http://schemas.microsoft.com/office/mac/drawingml/2011/main" val="1"/>
             </a:ext>
           </a:extLst>
         </p:spPr>
@@ -16126,7 +16126,7 @@
           </a:ln>
           <a:extLst>
             <a:ext uri="{C572A759-6A51-4108-AA02-DFA0A04FC94B}">
-              <ma14:wrappingTextBoxFlag xmlns:ma14="http://schemas.microsoft.com/office/mac/drawingml/2011/main" xmlns="" val="1"/>
+              <ma14:wrappingTextBoxFlag xmlns="" xmlns:ma14="http://schemas.microsoft.com/office/mac/drawingml/2011/main" val="1"/>
             </a:ext>
           </a:extLst>
         </p:spPr>
@@ -16256,7 +16256,7 @@
           </a:ln>
           <a:extLst>
             <a:ext uri="{C572A759-6A51-4108-AA02-DFA0A04FC94B}">
-              <ma14:wrappingTextBoxFlag xmlns:ma14="http://schemas.microsoft.com/office/mac/drawingml/2011/main" xmlns="" val="1"/>
+              <ma14:wrappingTextBoxFlag xmlns="" xmlns:ma14="http://schemas.microsoft.com/office/mac/drawingml/2011/main" val="1"/>
             </a:ext>
           </a:extLst>
         </p:spPr>
@@ -16371,7 +16371,7 @@
           </a:ln>
           <a:extLst>
             <a:ext uri="{C572A759-6A51-4108-AA02-DFA0A04FC94B}">
-              <ma14:wrappingTextBoxFlag xmlns:ma14="http://schemas.microsoft.com/office/mac/drawingml/2011/main" xmlns="" val="1"/>
+              <ma14:wrappingTextBoxFlag xmlns="" xmlns:ma14="http://schemas.microsoft.com/office/mac/drawingml/2011/main" val="1"/>
             </a:ext>
           </a:extLst>
         </p:spPr>
@@ -16811,7 +16811,7 @@
           </a:ln>
           <a:extLst>
             <a:ext uri="{C572A759-6A51-4108-AA02-DFA0A04FC94B}">
-              <ma14:wrappingTextBoxFlag xmlns:ma14="http://schemas.microsoft.com/office/mac/drawingml/2011/main" xmlns="" val="1"/>
+              <ma14:wrappingTextBoxFlag xmlns="" xmlns:ma14="http://schemas.microsoft.com/office/mac/drawingml/2011/main" val="1"/>
             </a:ext>
           </a:extLst>
         </p:spPr>
@@ -17077,7 +17077,7 @@
           </a:ln>
           <a:extLst>
             <a:ext uri="{C572A759-6A51-4108-AA02-DFA0A04FC94B}">
-              <ma14:wrappingTextBoxFlag xmlns:ma14="http://schemas.microsoft.com/office/mac/drawingml/2011/main" xmlns="" val="1"/>
+              <ma14:wrappingTextBoxFlag xmlns="" xmlns:ma14="http://schemas.microsoft.com/office/mac/drawingml/2011/main" val="1"/>
             </a:ext>
           </a:extLst>
         </p:spPr>
@@ -17149,7 +17149,7 @@
             </a:ln>
             <a:extLst>
               <a:ext uri="{C572A759-6A51-4108-AA02-DFA0A04FC94B}">
-                <ma14:wrappingTextBoxFlag xmlns:ma14="http://schemas.microsoft.com/office/mac/drawingml/2011/main" xmlns="" val="1"/>
+                <ma14:wrappingTextBoxFlag xmlns="" xmlns:ma14="http://schemas.microsoft.com/office/mac/drawingml/2011/main" val="1"/>
               </a:ext>
             </a:extLst>
           </p:spPr>
@@ -17226,7 +17226,7 @@
             </a:ln>
             <a:extLst>
               <a:ext uri="{C572A759-6A51-4108-AA02-DFA0A04FC94B}">
-                <ma14:wrappingTextBoxFlag xmlns:ma14="http://schemas.microsoft.com/office/mac/drawingml/2011/main" xmlns="" val="1"/>
+                <ma14:wrappingTextBoxFlag xmlns="" xmlns:ma14="http://schemas.microsoft.com/office/mac/drawingml/2011/main" val="1"/>
               </a:ext>
             </a:extLst>
           </p:spPr>
@@ -17331,7 +17331,7 @@
             </a:ln>
             <a:extLst>
               <a:ext uri="{C572A759-6A51-4108-AA02-DFA0A04FC94B}">
-                <ma14:wrappingTextBoxFlag xmlns:ma14="http://schemas.microsoft.com/office/mac/drawingml/2011/main" xmlns="" val="1"/>
+                <ma14:wrappingTextBoxFlag xmlns="" xmlns:ma14="http://schemas.microsoft.com/office/mac/drawingml/2011/main" val="1"/>
               </a:ext>
             </a:extLst>
           </p:spPr>
@@ -17411,7 +17411,7 @@
             </a:ln>
             <a:extLst>
               <a:ext uri="{C572A759-6A51-4108-AA02-DFA0A04FC94B}">
-                <ma14:wrappingTextBoxFlag xmlns:ma14="http://schemas.microsoft.com/office/mac/drawingml/2011/main" xmlns="" val="1"/>
+                <ma14:wrappingTextBoxFlag xmlns="" xmlns:ma14="http://schemas.microsoft.com/office/mac/drawingml/2011/main" val="1"/>
               </a:ext>
             </a:extLst>
           </p:spPr>
@@ -17482,7 +17482,7 @@
             </a:ln>
             <a:extLst>
               <a:ext uri="{C572A759-6A51-4108-AA02-DFA0A04FC94B}">
-                <ma14:wrappingTextBoxFlag xmlns:ma14="http://schemas.microsoft.com/office/mac/drawingml/2011/main" xmlns="" val="1"/>
+                <ma14:wrappingTextBoxFlag xmlns="" xmlns:ma14="http://schemas.microsoft.com/office/mac/drawingml/2011/main" val="1"/>
               </a:ext>
             </a:extLst>
           </p:spPr>
@@ -17545,7 +17545,7 @@
             </a:ln>
             <a:extLst>
               <a:ext uri="{C572A759-6A51-4108-AA02-DFA0A04FC94B}">
-                <ma14:wrappingTextBoxFlag xmlns:ma14="http://schemas.microsoft.com/office/mac/drawingml/2011/main" xmlns="" val="1"/>
+                <ma14:wrappingTextBoxFlag xmlns="" xmlns:ma14="http://schemas.microsoft.com/office/mac/drawingml/2011/main" val="1"/>
               </a:ext>
             </a:extLst>
           </p:spPr>
@@ -38612,7 +38612,7 @@
               <a:effectLst/>
               <a:extLst>
                 <a:ext uri="{C572A759-6A51-4108-AA02-DFA0A04FC94B}">
-                  <ma14:wrappingTextBoxFlag xmlns:ma14="http://schemas.microsoft.com/office/mac/drawingml/2011/main" xmlns="" val="1"/>
+                  <ma14:wrappingTextBoxFlag xmlns="" xmlns:ma14="http://schemas.microsoft.com/office/mac/drawingml/2011/main" val="1"/>
                 </a:ext>
               </a:extLst>
             </p:spPr>
@@ -39878,7 +39878,7 @@
               <a:effectLst/>
               <a:extLst>
                 <a:ext uri="{C572A759-6A51-4108-AA02-DFA0A04FC94B}">
-                  <ma14:wrappingTextBoxFlag xmlns:ma14="http://schemas.microsoft.com/office/mac/drawingml/2011/main" xmlns="" val="1"/>
+                  <ma14:wrappingTextBoxFlag xmlns="" xmlns:ma14="http://schemas.microsoft.com/office/mac/drawingml/2011/main" val="1"/>
                 </a:ext>
               </a:extLst>
             </p:spPr>
@@ -40650,7 +40650,7 @@
               <a:effectLst/>
               <a:extLst>
                 <a:ext uri="{C572A759-6A51-4108-AA02-DFA0A04FC94B}">
-                  <ma14:wrappingTextBoxFlag xmlns:ma14="http://schemas.microsoft.com/office/mac/drawingml/2011/main" xmlns="" val="1"/>
+                  <ma14:wrappingTextBoxFlag xmlns="" xmlns:ma14="http://schemas.microsoft.com/office/mac/drawingml/2011/main" val="1"/>
                 </a:ext>
               </a:extLst>
             </p:spPr>
@@ -40983,128 +40983,7 @@
   <p:timing>
     <p:tnLst>
       <p:par>
-        <p:cTn id="1" dur="indefinite" restart="never" nodeType="tmRoot">
-          <p:childTnLst>
-            <p:seq concurrent="1" nextAc="seek">
-              <p:cTn id="2" dur="indefinite" nodeType="mainSeq">
-                <p:childTnLst>
-                  <p:par>
-                    <p:cTn id="3" fill="hold">
-                      <p:stCondLst>
-                        <p:cond delay="indefinite"/>
-                      </p:stCondLst>
-                      <p:childTnLst>
-                        <p:par>
-                          <p:cTn id="4" fill="hold">
-                            <p:stCondLst>
-                              <p:cond delay="0"/>
-                            </p:stCondLst>
-                            <p:childTnLst>
-                              <p:par>
-                                <p:cTn id="5" presetID="1" presetClass="entr" presetSubtype="0" fill="hold" nodeType="clickEffect">
-                                  <p:stCondLst>
-                                    <p:cond delay="0"/>
-                                  </p:stCondLst>
-                                  <p:childTnLst>
-                                    <p:set>
-                                      <p:cBhvr>
-                                        <p:cTn id="6" dur="1" fill="hold">
-                                          <p:stCondLst>
-                                            <p:cond delay="0"/>
-                                          </p:stCondLst>
-                                        </p:cTn>
-                                        <p:tgtEl>
-                                          <p:spTgt spid="3">
-                                            <p:txEl>
-                                              <p:pRg st="0" end="0"/>
-                                            </p:txEl>
-                                          </p:spTgt>
-                                        </p:tgtEl>
-                                        <p:attrNameLst>
-                                          <p:attrName>style.visibility</p:attrName>
-                                        </p:attrNameLst>
-                                      </p:cBhvr>
-                                      <p:to>
-                                        <p:strVal val="visible"/>
-                                      </p:to>
-                                    </p:set>
-                                  </p:childTnLst>
-                                </p:cTn>
-                              </p:par>
-                            </p:childTnLst>
-                          </p:cTn>
-                        </p:par>
-                      </p:childTnLst>
-                    </p:cTn>
-                  </p:par>
-                  <p:par>
-                    <p:cTn id="7" fill="hold">
-                      <p:stCondLst>
-                        <p:cond delay="indefinite"/>
-                      </p:stCondLst>
-                      <p:childTnLst>
-                        <p:par>
-                          <p:cTn id="8" fill="hold">
-                            <p:stCondLst>
-                              <p:cond delay="0"/>
-                            </p:stCondLst>
-                            <p:childTnLst>
-                              <p:par>
-                                <p:cTn id="9" presetID="1" presetClass="entr" presetSubtype="0" fill="hold" nodeType="clickEffect">
-                                  <p:stCondLst>
-                                    <p:cond delay="0"/>
-                                  </p:stCondLst>
-                                  <p:childTnLst>
-                                    <p:set>
-                                      <p:cBhvr>
-                                        <p:cTn id="10" dur="1" fill="hold">
-                                          <p:stCondLst>
-                                            <p:cond delay="0"/>
-                                          </p:stCondLst>
-                                        </p:cTn>
-                                        <p:tgtEl>
-                                          <p:spTgt spid="3">
-                                            <p:txEl>
-                                              <p:pRg st="2" end="2"/>
-                                            </p:txEl>
-                                          </p:spTgt>
-                                        </p:tgtEl>
-                                        <p:attrNameLst>
-                                          <p:attrName>style.visibility</p:attrName>
-                                        </p:attrNameLst>
-                                      </p:cBhvr>
-                                      <p:to>
-                                        <p:strVal val="visible"/>
-                                      </p:to>
-                                    </p:set>
-                                  </p:childTnLst>
-                                </p:cTn>
-                              </p:par>
-                            </p:childTnLst>
-                          </p:cTn>
-                        </p:par>
-                      </p:childTnLst>
-                    </p:cTn>
-                  </p:par>
-                </p:childTnLst>
-              </p:cTn>
-              <p:prevCondLst>
-                <p:cond evt="onPrev" delay="0">
-                  <p:tgtEl>
-                    <p:sldTgt/>
-                  </p:tgtEl>
-                </p:cond>
-              </p:prevCondLst>
-              <p:nextCondLst>
-                <p:cond evt="onNext" delay="0">
-                  <p:tgtEl>
-                    <p:sldTgt/>
-                  </p:tgtEl>
-                </p:cond>
-              </p:nextCondLst>
-            </p:seq>
-          </p:childTnLst>
-        </p:cTn>
+        <p:cTn id="1" dur="indefinite" restart="never" nodeType="tmRoot"/>
       </p:par>
     </p:tnLst>
   </p:timing>

--- a/slides.pptx
+++ b/slides.pptx
@@ -6,7 +6,7 @@
     <p:sldMasterId id="2147483735" r:id="rId2"/>
   </p:sldMasterIdLst>
   <p:notesMasterIdLst>
-    <p:notesMasterId r:id="rId32"/>
+    <p:notesMasterId r:id="rId31"/>
   </p:notesMasterIdLst>
   <p:sldIdLst>
     <p:sldId id="303" r:id="rId3"/>
@@ -17,27 +17,26 @@
     <p:sldId id="308" r:id="rId8"/>
     <p:sldId id="312" r:id="rId9"/>
     <p:sldId id="313" r:id="rId10"/>
-    <p:sldId id="317" r:id="rId11"/>
-    <p:sldId id="318" r:id="rId12"/>
-    <p:sldId id="319" r:id="rId13"/>
-    <p:sldId id="322" r:id="rId14"/>
-    <p:sldId id="323" r:id="rId15"/>
-    <p:sldId id="324" r:id="rId16"/>
-    <p:sldId id="325" r:id="rId17"/>
-    <p:sldId id="326" r:id="rId18"/>
-    <p:sldId id="327" r:id="rId19"/>
-    <p:sldId id="328" r:id="rId20"/>
-    <p:sldId id="329" r:id="rId21"/>
-    <p:sldId id="330" r:id="rId22"/>
-    <p:sldId id="331" r:id="rId23"/>
-    <p:sldId id="332" r:id="rId24"/>
-    <p:sldId id="333" r:id="rId25"/>
-    <p:sldId id="335" r:id="rId26"/>
-    <p:sldId id="336" r:id="rId27"/>
-    <p:sldId id="300" r:id="rId28"/>
-    <p:sldId id="309" r:id="rId29"/>
-    <p:sldId id="310" r:id="rId30"/>
-    <p:sldId id="311" r:id="rId31"/>
+    <p:sldId id="318" r:id="rId11"/>
+    <p:sldId id="319" r:id="rId12"/>
+    <p:sldId id="322" r:id="rId13"/>
+    <p:sldId id="323" r:id="rId14"/>
+    <p:sldId id="324" r:id="rId15"/>
+    <p:sldId id="325" r:id="rId16"/>
+    <p:sldId id="326" r:id="rId17"/>
+    <p:sldId id="327" r:id="rId18"/>
+    <p:sldId id="328" r:id="rId19"/>
+    <p:sldId id="329" r:id="rId20"/>
+    <p:sldId id="330" r:id="rId21"/>
+    <p:sldId id="331" r:id="rId22"/>
+    <p:sldId id="332" r:id="rId23"/>
+    <p:sldId id="333" r:id="rId24"/>
+    <p:sldId id="335" r:id="rId25"/>
+    <p:sldId id="336" r:id="rId26"/>
+    <p:sldId id="300" r:id="rId27"/>
+    <p:sldId id="309" r:id="rId28"/>
+    <p:sldId id="310" r:id="rId29"/>
+    <p:sldId id="311" r:id="rId30"/>
   </p:sldIdLst>
   <p:sldSz cx="24382413" cy="13716000"/>
   <p:notesSz cx="6858000" cy="9144000"/>
@@ -149,7 +148,6 @@
             <p14:sldId id="308"/>
             <p14:sldId id="312"/>
             <p14:sldId id="313"/>
-            <p14:sldId id="317"/>
             <p14:sldId id="318"/>
             <p14:sldId id="319"/>
             <p14:sldId id="322"/>
@@ -20598,6 +20596,540 @@
       </p:grpSpPr>
       <p:sp>
         <p:nvSpPr>
+          <p:cNvPr id="6" name="Объект 5"/>
+          <p:cNvSpPr>
+            <a:spLocks noGrp="1"/>
+          </p:cNvSpPr>
+          <p:nvPr>
+            <p:ph idx="13"/>
+          </p:nvPr>
+        </p:nvSpPr>
+        <p:spPr/>
+        <p:txBody>
+          <a:bodyPr/>
+          <a:lstStyle/>
+          <a:p>
+            <a:r>
+              <a:rPr lang="ru-RU" altLang="ru-RU" dirty="0" err="1">
+                <a:solidFill>
+                  <a:srgbClr val="FFFFFF"/>
+                </a:solidFill>
+                <a:latin typeface="Verdana" panose="020B0604030504040204" pitchFamily="34" charset="0"/>
+              </a:rPr>
+              <a:t>class</a:t>
+            </a:r>
+            <a:r>
+              <a:rPr lang="ru-RU" altLang="ru-RU" dirty="0">
+                <a:solidFill>
+                  <a:srgbClr val="FFFFFF"/>
+                </a:solidFill>
+                <a:latin typeface="Verdana" panose="020B0604030504040204" pitchFamily="34" charset="0"/>
+              </a:rPr>
+              <a:t> </a:t>
+            </a:r>
+            <a:r>
+              <a:rPr lang="ru-RU" altLang="ru-RU" dirty="0" err="1">
+                <a:solidFill>
+                  <a:srgbClr val="FFCC00"/>
+                </a:solidFill>
+                <a:latin typeface="Verdana" panose="020B0604030504040204" pitchFamily="34" charset="0"/>
+              </a:rPr>
+              <a:t>HttpResponse</a:t>
+            </a:r>
+            <a:r>
+              <a:rPr lang="ru-RU" altLang="ru-RU" dirty="0">
+                <a:solidFill>
+                  <a:srgbClr val="FFCC00"/>
+                </a:solidFill>
+                <a:latin typeface="Verdana" panose="020B0604030504040204" pitchFamily="34" charset="0"/>
+              </a:rPr>
+              <a:t> </a:t>
+            </a:r>
+            <a:r>
+              <a:rPr lang="ru-RU" altLang="ru-RU" dirty="0">
+                <a:solidFill>
+                  <a:srgbClr val="FFFFFF"/>
+                </a:solidFill>
+                <a:latin typeface="Verdana" panose="020B0604030504040204" pitchFamily="34" charset="0"/>
+              </a:rPr>
+              <a:t>{</a:t>
+            </a:r>
+            <a:br>
+              <a:rPr lang="ru-RU" altLang="ru-RU" dirty="0">
+                <a:solidFill>
+                  <a:srgbClr val="FFFFFF"/>
+                </a:solidFill>
+                <a:latin typeface="Verdana" panose="020B0604030504040204" pitchFamily="34" charset="0"/>
+              </a:rPr>
+            </a:br>
+            <a:r>
+              <a:rPr lang="ru-RU" altLang="ru-RU" dirty="0" err="1">
+                <a:solidFill>
+                  <a:srgbClr val="FFFFFF"/>
+                </a:solidFill>
+                <a:latin typeface="Verdana" panose="020B0604030504040204" pitchFamily="34" charset="0"/>
+              </a:rPr>
+              <a:t>public</a:t>
+            </a:r>
+            <a:r>
+              <a:rPr lang="ru-RU" altLang="ru-RU" dirty="0">
+                <a:solidFill>
+                  <a:srgbClr val="FFFFFF"/>
+                </a:solidFill>
+                <a:latin typeface="Verdana" panose="020B0604030504040204" pitchFamily="34" charset="0"/>
+              </a:rPr>
+              <a:t>:</a:t>
+            </a:r>
+            <a:br>
+              <a:rPr lang="ru-RU" altLang="ru-RU" dirty="0">
+                <a:solidFill>
+                  <a:srgbClr val="FFFFFF"/>
+                </a:solidFill>
+                <a:latin typeface="Verdana" panose="020B0604030504040204" pitchFamily="34" charset="0"/>
+              </a:rPr>
+            </a:br>
+            <a:r>
+              <a:rPr lang="ru-RU" altLang="ru-RU" dirty="0">
+                <a:solidFill>
+                  <a:srgbClr val="FFFFFF"/>
+                </a:solidFill>
+                <a:latin typeface="Verdana" panose="020B0604030504040204" pitchFamily="34" charset="0"/>
+              </a:rPr>
+              <a:t>    </a:t>
+            </a:r>
+            <a:r>
+              <a:rPr lang="ru-RU" altLang="ru-RU" dirty="0" err="1">
+                <a:solidFill>
+                  <a:srgbClr val="FFFFFF"/>
+                </a:solidFill>
+                <a:latin typeface="Verdana" panose="020B0604030504040204" pitchFamily="34" charset="0"/>
+              </a:rPr>
+              <a:t>explicit</a:t>
+            </a:r>
+            <a:r>
+              <a:rPr lang="ru-RU" altLang="ru-RU" dirty="0">
+                <a:solidFill>
+                  <a:srgbClr val="FFFFFF"/>
+                </a:solidFill>
+                <a:latin typeface="Verdana" panose="020B0604030504040204" pitchFamily="34" charset="0"/>
+              </a:rPr>
+              <a:t> </a:t>
+            </a:r>
+            <a:r>
+              <a:rPr lang="ru-RU" altLang="ru-RU" dirty="0" err="1">
+                <a:solidFill>
+                  <a:srgbClr val="FFCC00"/>
+                </a:solidFill>
+                <a:latin typeface="Verdana" panose="020B0604030504040204" pitchFamily="34" charset="0"/>
+              </a:rPr>
+              <a:t>HttpResponse</a:t>
+            </a:r>
+            <a:r>
+              <a:rPr lang="ru-RU" altLang="ru-RU" dirty="0">
+                <a:solidFill>
+                  <a:srgbClr val="FFFFFF"/>
+                </a:solidFill>
+                <a:latin typeface="Verdana" panose="020B0604030504040204" pitchFamily="34" charset="0"/>
+              </a:rPr>
+              <a:t>(</a:t>
+            </a:r>
+            <a:r>
+              <a:rPr lang="ru-RU" altLang="ru-RU" dirty="0" err="1">
+                <a:solidFill>
+                  <a:srgbClr val="FFFFFF"/>
+                </a:solidFill>
+                <a:latin typeface="Verdana" panose="020B0604030504040204" pitchFamily="34" charset="0"/>
+              </a:rPr>
+              <a:t>int</a:t>
+            </a:r>
+            <a:r>
+              <a:rPr lang="ru-RU" altLang="ru-RU" dirty="0">
+                <a:solidFill>
+                  <a:srgbClr val="FFFFFF"/>
+                </a:solidFill>
+                <a:latin typeface="Verdana" panose="020B0604030504040204" pitchFamily="34" charset="0"/>
+              </a:rPr>
+              <a:t> </a:t>
+            </a:r>
+            <a:r>
+              <a:rPr lang="ru-RU" altLang="ru-RU" dirty="0" err="1">
+                <a:solidFill>
+                  <a:srgbClr val="5BCD9D"/>
+                </a:solidFill>
+                <a:latin typeface="Verdana" panose="020B0604030504040204" pitchFamily="34" charset="0"/>
+              </a:rPr>
+              <a:t>code</a:t>
+            </a:r>
+            <a:r>
+              <a:rPr lang="ru-RU" altLang="ru-RU" dirty="0">
+                <a:solidFill>
+                  <a:srgbClr val="FFFFFF"/>
+                </a:solidFill>
+                <a:latin typeface="Verdana" panose="020B0604030504040204" pitchFamily="34" charset="0"/>
+              </a:rPr>
+              <a:t>);</a:t>
+            </a:r>
+            <a:br>
+              <a:rPr lang="ru-RU" altLang="ru-RU" dirty="0">
+                <a:solidFill>
+                  <a:srgbClr val="FFFFFF"/>
+                </a:solidFill>
+                <a:latin typeface="Verdana" panose="020B0604030504040204" pitchFamily="34" charset="0"/>
+              </a:rPr>
+            </a:br>
+            <a:r>
+              <a:rPr lang="ru-RU" altLang="ru-RU" dirty="0">
+                <a:solidFill>
+                  <a:srgbClr val="FFFFFF"/>
+                </a:solidFill>
+                <a:latin typeface="Verdana" panose="020B0604030504040204" pitchFamily="34" charset="0"/>
+              </a:rPr>
+              <a:t>    </a:t>
+            </a:r>
+            <a:r>
+              <a:rPr lang="ru-RU" altLang="ru-RU" dirty="0" err="1">
+                <a:solidFill>
+                  <a:srgbClr val="FFFFFF"/>
+                </a:solidFill>
+                <a:latin typeface="Verdana" panose="020B0604030504040204" pitchFamily="34" charset="0"/>
+              </a:rPr>
+              <a:t>void</a:t>
+            </a:r>
+            <a:r>
+              <a:rPr lang="ru-RU" altLang="ru-RU" dirty="0">
+                <a:solidFill>
+                  <a:srgbClr val="FFFFFF"/>
+                </a:solidFill>
+                <a:latin typeface="Verdana" panose="020B0604030504040204" pitchFamily="34" charset="0"/>
+              </a:rPr>
+              <a:t> </a:t>
+            </a:r>
+            <a:r>
+              <a:rPr lang="ru-RU" altLang="ru-RU" dirty="0" err="1">
+                <a:solidFill>
+                  <a:srgbClr val="FFCC00"/>
+                </a:solidFill>
+                <a:latin typeface="Verdana" panose="020B0604030504040204" pitchFamily="34" charset="0"/>
+              </a:rPr>
+              <a:t>SetContent</a:t>
+            </a:r>
+            <a:r>
+              <a:rPr lang="ru-RU" altLang="ru-RU" dirty="0">
+                <a:solidFill>
+                  <a:srgbClr val="FFFFFF"/>
+                </a:solidFill>
+                <a:latin typeface="Verdana" panose="020B0604030504040204" pitchFamily="34" charset="0"/>
+              </a:rPr>
+              <a:t>(</a:t>
+            </a:r>
+            <a:r>
+              <a:rPr lang="ru-RU" altLang="ru-RU" dirty="0" err="1">
+                <a:solidFill>
+                  <a:srgbClr val="9E64A9"/>
+                </a:solidFill>
+                <a:latin typeface="Verdana" panose="020B0604030504040204" pitchFamily="34" charset="0"/>
+              </a:rPr>
+              <a:t>std</a:t>
+            </a:r>
+            <a:r>
+              <a:rPr lang="ru-RU" altLang="ru-RU" dirty="0">
+                <a:solidFill>
+                  <a:srgbClr val="FFFFFF"/>
+                </a:solidFill>
+                <a:latin typeface="Verdana" panose="020B0604030504040204" pitchFamily="34" charset="0"/>
+              </a:rPr>
+              <a:t>::</a:t>
+            </a:r>
+            <a:r>
+              <a:rPr lang="ru-RU" altLang="ru-RU" dirty="0" err="1">
+                <a:solidFill>
+                  <a:srgbClr val="FFCC00"/>
+                </a:solidFill>
+                <a:latin typeface="Verdana" panose="020B0604030504040204" pitchFamily="34" charset="0"/>
+              </a:rPr>
+              <a:t>string</a:t>
+            </a:r>
+            <a:r>
+              <a:rPr lang="ru-RU" altLang="ru-RU" dirty="0">
+                <a:solidFill>
+                  <a:srgbClr val="FFCC00"/>
+                </a:solidFill>
+                <a:latin typeface="Verdana" panose="020B0604030504040204" pitchFamily="34" charset="0"/>
+              </a:rPr>
+              <a:t> </a:t>
+            </a:r>
+            <a:r>
+              <a:rPr lang="ru-RU" altLang="ru-RU" dirty="0" err="1">
+                <a:solidFill>
+                  <a:srgbClr val="5BCD9D"/>
+                </a:solidFill>
+                <a:latin typeface="Verdana" panose="020B0604030504040204" pitchFamily="34" charset="0"/>
+              </a:rPr>
+              <a:t>value</a:t>
+            </a:r>
+            <a:r>
+              <a:rPr lang="ru-RU" altLang="ru-RU" dirty="0">
+                <a:solidFill>
+                  <a:srgbClr val="FFFFFF"/>
+                </a:solidFill>
+                <a:latin typeface="Verdana" panose="020B0604030504040204" pitchFamily="34" charset="0"/>
+              </a:rPr>
+              <a:t>);</a:t>
+            </a:r>
+            <a:br>
+              <a:rPr lang="ru-RU" altLang="ru-RU" dirty="0">
+                <a:solidFill>
+                  <a:srgbClr val="FFFFFF"/>
+                </a:solidFill>
+                <a:latin typeface="Verdana" panose="020B0604030504040204" pitchFamily="34" charset="0"/>
+              </a:rPr>
+            </a:br>
+            <a:r>
+              <a:rPr lang="ru-RU" altLang="ru-RU" dirty="0">
+                <a:solidFill>
+                  <a:srgbClr val="FFFFFF"/>
+                </a:solidFill>
+                <a:latin typeface="Verdana" panose="020B0604030504040204" pitchFamily="34" charset="0"/>
+              </a:rPr>
+              <a:t>    </a:t>
+            </a:r>
+            <a:r>
+              <a:rPr lang="ru-RU" altLang="ru-RU" dirty="0" err="1">
+                <a:solidFill>
+                  <a:srgbClr val="FFFFFF"/>
+                </a:solidFill>
+                <a:latin typeface="Verdana" panose="020B0604030504040204" pitchFamily="34" charset="0"/>
+              </a:rPr>
+              <a:t>friend</a:t>
+            </a:r>
+            <a:r>
+              <a:rPr lang="ru-RU" altLang="ru-RU" dirty="0">
+                <a:solidFill>
+                  <a:srgbClr val="FFFFFF"/>
+                </a:solidFill>
+                <a:latin typeface="Verdana" panose="020B0604030504040204" pitchFamily="34" charset="0"/>
+              </a:rPr>
+              <a:t> </a:t>
+            </a:r>
+            <a:r>
+              <a:rPr lang="ru-RU" altLang="ru-RU" dirty="0" err="1">
+                <a:solidFill>
+                  <a:srgbClr val="9E64A9"/>
+                </a:solidFill>
+                <a:latin typeface="Verdana" panose="020B0604030504040204" pitchFamily="34" charset="0"/>
+              </a:rPr>
+              <a:t>std</a:t>
+            </a:r>
+            <a:r>
+              <a:rPr lang="ru-RU" altLang="ru-RU" dirty="0">
+                <a:solidFill>
+                  <a:srgbClr val="FFFFFF"/>
+                </a:solidFill>
+                <a:latin typeface="Verdana" panose="020B0604030504040204" pitchFamily="34" charset="0"/>
+              </a:rPr>
+              <a:t>::</a:t>
+            </a:r>
+            <a:r>
+              <a:rPr lang="ru-RU" altLang="ru-RU" dirty="0" err="1">
+                <a:solidFill>
+                  <a:srgbClr val="FFCC00"/>
+                </a:solidFill>
+                <a:latin typeface="Verdana" panose="020B0604030504040204" pitchFamily="34" charset="0"/>
+              </a:rPr>
+              <a:t>ostream</a:t>
+            </a:r>
+            <a:r>
+              <a:rPr lang="ru-RU" altLang="ru-RU" dirty="0">
+                <a:solidFill>
+                  <a:srgbClr val="FFFFFF"/>
+                </a:solidFill>
+                <a:latin typeface="Verdana" panose="020B0604030504040204" pitchFamily="34" charset="0"/>
+              </a:rPr>
+              <a:t>&amp; </a:t>
+            </a:r>
+            <a:r>
+              <a:rPr lang="ru-RU" altLang="ru-RU" dirty="0" err="1">
+                <a:solidFill>
+                  <a:srgbClr val="FFFFFF"/>
+                </a:solidFill>
+                <a:latin typeface="Verdana" panose="020B0604030504040204" pitchFamily="34" charset="0"/>
+              </a:rPr>
+              <a:t>operator</a:t>
+            </a:r>
+            <a:r>
+              <a:rPr lang="ru-RU" altLang="ru-RU" dirty="0">
+                <a:solidFill>
+                  <a:srgbClr val="FFFFFF"/>
+                </a:solidFill>
+                <a:latin typeface="Verdana" panose="020B0604030504040204" pitchFamily="34" charset="0"/>
+              </a:rPr>
+              <a:t> </a:t>
+            </a:r>
+            <a:r>
+              <a:rPr lang="ru-RU" altLang="ru-RU" dirty="0">
+                <a:solidFill>
+                  <a:srgbClr val="FFCC00"/>
+                </a:solidFill>
+                <a:latin typeface="Verdana" panose="020B0604030504040204" pitchFamily="34" charset="0"/>
+              </a:rPr>
+              <a:t>&lt;&lt; </a:t>
+            </a:r>
+            <a:r>
+              <a:rPr lang="ru-RU" altLang="ru-RU" dirty="0">
+                <a:solidFill>
+                  <a:srgbClr val="FFFFFF"/>
+                </a:solidFill>
+                <a:latin typeface="Verdana" panose="020B0604030504040204" pitchFamily="34" charset="0"/>
+              </a:rPr>
+              <a:t>(</a:t>
+            </a:r>
+            <a:r>
+              <a:rPr lang="ru-RU" altLang="ru-RU" dirty="0" err="1">
+                <a:solidFill>
+                  <a:srgbClr val="9E64A9"/>
+                </a:solidFill>
+                <a:latin typeface="Verdana" panose="020B0604030504040204" pitchFamily="34" charset="0"/>
+              </a:rPr>
+              <a:t>std</a:t>
+            </a:r>
+            <a:r>
+              <a:rPr lang="ru-RU" altLang="ru-RU" dirty="0">
+                <a:solidFill>
+                  <a:srgbClr val="FFFFFF"/>
+                </a:solidFill>
+                <a:latin typeface="Verdana" panose="020B0604030504040204" pitchFamily="34" charset="0"/>
+              </a:rPr>
+              <a:t>::</a:t>
+            </a:r>
+            <a:r>
+              <a:rPr lang="ru-RU" altLang="ru-RU" dirty="0" err="1">
+                <a:solidFill>
+                  <a:srgbClr val="FFCC00"/>
+                </a:solidFill>
+                <a:latin typeface="Verdana" panose="020B0604030504040204" pitchFamily="34" charset="0"/>
+              </a:rPr>
+              <a:t>ostream</a:t>
+            </a:r>
+            <a:r>
+              <a:rPr lang="ru-RU" altLang="ru-RU" dirty="0">
+                <a:solidFill>
+                  <a:srgbClr val="FFFFFF"/>
+                </a:solidFill>
+                <a:latin typeface="Verdana" panose="020B0604030504040204" pitchFamily="34" charset="0"/>
+              </a:rPr>
+              <a:t>&amp; </a:t>
+            </a:r>
+            <a:r>
+              <a:rPr lang="ru-RU" altLang="ru-RU" dirty="0" err="1">
+                <a:solidFill>
+                  <a:srgbClr val="5BCD9D"/>
+                </a:solidFill>
+                <a:latin typeface="Verdana" panose="020B0604030504040204" pitchFamily="34" charset="0"/>
+              </a:rPr>
+              <a:t>os</a:t>
+            </a:r>
+            <a:r>
+              <a:rPr lang="ru-RU" altLang="ru-RU" dirty="0">
+                <a:solidFill>
+                  <a:srgbClr val="FFFFFF"/>
+                </a:solidFill>
+                <a:latin typeface="Verdana" panose="020B0604030504040204" pitchFamily="34" charset="0"/>
+              </a:rPr>
+              <a:t>, </a:t>
+            </a:r>
+            <a:r>
+              <a:rPr lang="ru-RU" altLang="ru-RU" dirty="0" err="1">
+                <a:solidFill>
+                  <a:srgbClr val="FFFFFF"/>
+                </a:solidFill>
+                <a:latin typeface="Verdana" panose="020B0604030504040204" pitchFamily="34" charset="0"/>
+              </a:rPr>
+              <a:t>const</a:t>
+            </a:r>
+            <a:r>
+              <a:rPr lang="ru-RU" altLang="ru-RU" dirty="0">
+                <a:solidFill>
+                  <a:srgbClr val="FFFFFF"/>
+                </a:solidFill>
+                <a:latin typeface="Verdana" panose="020B0604030504040204" pitchFamily="34" charset="0"/>
+              </a:rPr>
+              <a:t> </a:t>
+            </a:r>
+            <a:r>
+              <a:rPr lang="ru-RU" altLang="ru-RU" dirty="0" err="1">
+                <a:solidFill>
+                  <a:srgbClr val="FFCC00"/>
+                </a:solidFill>
+                <a:latin typeface="Verdana" panose="020B0604030504040204" pitchFamily="34" charset="0"/>
+              </a:rPr>
+              <a:t>HttpResponse</a:t>
+            </a:r>
+            <a:r>
+              <a:rPr lang="ru-RU" altLang="ru-RU" dirty="0">
+                <a:solidFill>
+                  <a:srgbClr val="FFFFFF"/>
+                </a:solidFill>
+                <a:latin typeface="Verdana" panose="020B0604030504040204" pitchFamily="34" charset="0"/>
+              </a:rPr>
+              <a:t>&amp; </a:t>
+            </a:r>
+            <a:r>
+              <a:rPr lang="ru-RU" altLang="ru-RU" dirty="0" err="1">
+                <a:solidFill>
+                  <a:srgbClr val="5BCD9D"/>
+                </a:solidFill>
+                <a:latin typeface="Verdana" panose="020B0604030504040204" pitchFamily="34" charset="0"/>
+              </a:rPr>
+              <a:t>resp</a:t>
+            </a:r>
+            <a:r>
+              <a:rPr lang="ru-RU" altLang="ru-RU" dirty="0">
+                <a:solidFill>
+                  <a:srgbClr val="FFFFFF"/>
+                </a:solidFill>
+                <a:latin typeface="Verdana" panose="020B0604030504040204" pitchFamily="34" charset="0"/>
+              </a:rPr>
+              <a:t>);</a:t>
+            </a:r>
+            <a:br>
+              <a:rPr lang="ru-RU" altLang="ru-RU" dirty="0">
+                <a:solidFill>
+                  <a:srgbClr val="FFFFFF"/>
+                </a:solidFill>
+                <a:latin typeface="Verdana" panose="020B0604030504040204" pitchFamily="34" charset="0"/>
+              </a:rPr>
+            </a:br>
+            <a:r>
+              <a:rPr lang="ru-RU" altLang="ru-RU" dirty="0">
+                <a:solidFill>
+                  <a:srgbClr val="FFFFFF"/>
+                </a:solidFill>
+                <a:latin typeface="Verdana" panose="020B0604030504040204" pitchFamily="34" charset="0"/>
+              </a:rPr>
+              <a:t>};</a:t>
+            </a:r>
+            <a:br>
+              <a:rPr lang="ru-RU" altLang="ru-RU" dirty="0">
+                <a:solidFill>
+                  <a:srgbClr val="FFFFFF"/>
+                </a:solidFill>
+                <a:latin typeface="Verdana" panose="020B0604030504040204" pitchFamily="34" charset="0"/>
+              </a:rPr>
+            </a:br>
+            <a:endParaRPr lang="ru-RU" altLang="ru-RU" sz="6600" dirty="0">
+              <a:solidFill>
+                <a:schemeClr val="tx1"/>
+              </a:solidFill>
+              <a:latin typeface="Arial" panose="020B0604020202020204" pitchFamily="34" charset="0"/>
+            </a:endParaRPr>
+          </a:p>
+          <a:p>
+            <a:endParaRPr lang="ru-RU" dirty="0"/>
+          </a:p>
+        </p:txBody>
+      </p:sp>
+      <p:sp>
+        <p:nvSpPr>
           <p:cNvPr id="2" name="Заголовок 1"/>
           <p:cNvSpPr>
             <a:spLocks noGrp="1"/>
@@ -20613,11 +21145,7 @@
           <a:p>
             <a:r>
               <a:rPr lang="ru-RU" dirty="0" smtClean="0"/>
-              <a:t>Выполним </a:t>
-            </a:r>
-            <a:r>
-              <a:rPr lang="ru-RU" dirty="0" err="1" smtClean="0"/>
-              <a:t>рефакторинг</a:t>
+              <a:t>Шаг первый – создадим интерфейс</a:t>
             </a:r>
             <a:endParaRPr lang="ru-RU" dirty="0"/>
           </a:p>
@@ -20633,12 +21161,7 @@
             <p:ph idx="1"/>
           </p:nvPr>
         </p:nvSpPr>
-        <p:spPr>
-          <a:xfrm>
-            <a:off x="1142999" y="3048000"/>
-            <a:ext cx="22131337" cy="9158288"/>
-          </a:xfrm>
-        </p:spPr>
+        <p:spPr/>
         <p:txBody>
           <a:bodyPr/>
           <a:lstStyle/>
@@ -20646,84 +21169,7 @@
             <a:pPr lvl="1"/>
             <a:r>
               <a:rPr lang="ru-RU" dirty="0" smtClean="0"/>
-              <a:t>Избавимся от необходимости каждый раз </a:t>
-            </a:r>
-            <a:r>
-              <a:rPr lang="ru-RU" dirty="0" err="1" smtClean="0"/>
-              <a:t>хардкодить</a:t>
-            </a:r>
-            <a:r>
-              <a:rPr lang="ru-RU" dirty="0" smtClean="0"/>
-              <a:t> </a:t>
-            </a:r>
-            <a:r>
-              <a:rPr lang="en-US" dirty="0" smtClean="0"/>
-              <a:t>HTTP-</a:t>
-            </a:r>
-            <a:r>
-              <a:rPr lang="ru-RU" dirty="0" smtClean="0"/>
-              <a:t>ответы</a:t>
-            </a:r>
-          </a:p>
-          <a:p>
-            <a:pPr lvl="1"/>
-            <a:endParaRPr lang="ru-RU" dirty="0" smtClean="0"/>
-          </a:p>
-          <a:p>
-            <a:pPr lvl="1"/>
-            <a:r>
-              <a:rPr lang="ru-RU" dirty="0" smtClean="0"/>
-              <a:t>Напишем </a:t>
-            </a:r>
-            <a:r>
-              <a:rPr lang="ru-RU" dirty="0"/>
-              <a:t>класс </a:t>
-            </a:r>
-            <a:r>
-              <a:rPr lang="ru-RU" dirty="0" err="1" smtClean="0"/>
-              <a:t>HttpResponse</a:t>
-            </a:r>
-            <a:r>
-              <a:rPr lang="ru-RU" dirty="0" smtClean="0"/>
-              <a:t>, который будет</a:t>
-            </a:r>
-          </a:p>
-          <a:p>
-            <a:pPr lvl="2"/>
-            <a:r>
-              <a:rPr lang="ru-RU" dirty="0" smtClean="0"/>
-              <a:t>инкапсулировать строковое </a:t>
-            </a:r>
-            <a:r>
-              <a:rPr lang="ru-RU" dirty="0"/>
-              <a:t>представление HTTP-ответов </a:t>
-            </a:r>
-            <a:endParaRPr lang="ru-RU" dirty="0" smtClean="0"/>
-          </a:p>
-          <a:p>
-            <a:pPr lvl="2"/>
-            <a:r>
-              <a:rPr lang="ru-RU" dirty="0" smtClean="0"/>
-              <a:t>предоставлять </a:t>
-            </a:r>
-            <a:r>
-              <a:rPr lang="ru-RU" dirty="0"/>
-              <a:t>удобный интерфейс для их </a:t>
-            </a:r>
-            <a:r>
-              <a:rPr lang="ru-RU" dirty="0" smtClean="0"/>
-              <a:t>создания</a:t>
-            </a:r>
-          </a:p>
-          <a:p>
-            <a:pPr lvl="1"/>
-            <a:endParaRPr lang="ru-RU" dirty="0"/>
-          </a:p>
-          <a:p>
-            <a:pPr lvl="1"/>
-            <a:r>
-              <a:rPr lang="ru-RU" dirty="0" smtClean="0"/>
-              <a:t>Воспользуемся нашими четырьмя шагами</a:t>
+              <a:t>Мы создаём интерфейс без реализации!</a:t>
             </a:r>
             <a:endParaRPr lang="ru-RU" dirty="0"/>
           </a:p>
@@ -20744,7 +21190,7 @@
           <a:bodyPr/>
           <a:lstStyle/>
           <a:p>
-            <a:endParaRPr lang="ru-RU">
+            <a:endParaRPr lang="ru-RU" dirty="0">
               <a:solidFill>
                 <a:srgbClr val="000000"/>
               </a:solidFill>
@@ -20770,15 +21216,15 @@
             <a:fld id="{741C03D3-FA44-40EC-9A21-1FC4FEA3E22E}" type="slidenum">
               <a:rPr lang="ru-RU" smtClean="0">
                 <a:solidFill>
-                  <a:srgbClr val="000000"/>
+                  <a:schemeClr val="bg1"/>
                 </a:solidFill>
               </a:rPr>
               <a:pPr/>
               <a:t>10</a:t>
             </a:fld>
-            <a:endParaRPr lang="ru-RU">
+            <a:endParaRPr lang="ru-RU" dirty="0">
               <a:solidFill>
-                <a:srgbClr val="000000"/>
+                <a:schemeClr val="bg1"/>
               </a:solidFill>
             </a:endParaRPr>
           </a:p>
@@ -20787,7 +21233,7 @@
     </p:spTree>
     <p:extLst>
       <p:ext uri="{BB962C8B-B14F-4D97-AF65-F5344CB8AC3E}">
-        <p14:creationId xmlns:p14="http://schemas.microsoft.com/office/powerpoint/2010/main" val="1587362783"/>
+        <p14:creationId xmlns:p14="http://schemas.microsoft.com/office/powerpoint/2010/main" val="2448288711"/>
       </p:ext>
     </p:extLst>
   </p:cSld>
@@ -20823,679 +21269,6 @@
       </p:grpSpPr>
       <p:sp>
         <p:nvSpPr>
-          <p:cNvPr id="6" name="Объект 5"/>
-          <p:cNvSpPr>
-            <a:spLocks noGrp="1"/>
-          </p:cNvSpPr>
-          <p:nvPr>
-            <p:ph idx="13"/>
-          </p:nvPr>
-        </p:nvSpPr>
-        <p:spPr/>
-        <p:txBody>
-          <a:bodyPr/>
-          <a:lstStyle/>
-          <a:p>
-            <a:r>
-              <a:rPr lang="ru-RU" altLang="ru-RU" dirty="0" err="1">
-                <a:solidFill>
-                  <a:srgbClr val="FFFFFF"/>
-                </a:solidFill>
-                <a:latin typeface="Verdana" panose="020B0604030504040204" pitchFamily="34" charset="0"/>
-              </a:rPr>
-              <a:t>class</a:t>
-            </a:r>
-            <a:r>
-              <a:rPr lang="ru-RU" altLang="ru-RU" dirty="0">
-                <a:solidFill>
-                  <a:srgbClr val="FFFFFF"/>
-                </a:solidFill>
-                <a:latin typeface="Verdana" panose="020B0604030504040204" pitchFamily="34" charset="0"/>
-              </a:rPr>
-              <a:t> </a:t>
-            </a:r>
-            <a:r>
-              <a:rPr lang="ru-RU" altLang="ru-RU" dirty="0" err="1">
-                <a:solidFill>
-                  <a:srgbClr val="FFCC00"/>
-                </a:solidFill>
-                <a:latin typeface="Verdana" panose="020B0604030504040204" pitchFamily="34" charset="0"/>
-              </a:rPr>
-              <a:t>HttpResponse</a:t>
-            </a:r>
-            <a:r>
-              <a:rPr lang="ru-RU" altLang="ru-RU" dirty="0">
-                <a:solidFill>
-                  <a:srgbClr val="FFCC00"/>
-                </a:solidFill>
-                <a:latin typeface="Verdana" panose="020B0604030504040204" pitchFamily="34" charset="0"/>
-              </a:rPr>
-              <a:t> </a:t>
-            </a:r>
-            <a:r>
-              <a:rPr lang="ru-RU" altLang="ru-RU" dirty="0">
-                <a:solidFill>
-                  <a:srgbClr val="FFFFFF"/>
-                </a:solidFill>
-                <a:latin typeface="Verdana" panose="020B0604030504040204" pitchFamily="34" charset="0"/>
-              </a:rPr>
-              <a:t>{</a:t>
-            </a:r>
-            <a:br>
-              <a:rPr lang="ru-RU" altLang="ru-RU" dirty="0">
-                <a:solidFill>
-                  <a:srgbClr val="FFFFFF"/>
-                </a:solidFill>
-                <a:latin typeface="Verdana" panose="020B0604030504040204" pitchFamily="34" charset="0"/>
-              </a:rPr>
-            </a:br>
-            <a:r>
-              <a:rPr lang="ru-RU" altLang="ru-RU" dirty="0" err="1">
-                <a:solidFill>
-                  <a:srgbClr val="FFFFFF"/>
-                </a:solidFill>
-                <a:latin typeface="Verdana" panose="020B0604030504040204" pitchFamily="34" charset="0"/>
-              </a:rPr>
-              <a:t>public</a:t>
-            </a:r>
-            <a:r>
-              <a:rPr lang="ru-RU" altLang="ru-RU" dirty="0">
-                <a:solidFill>
-                  <a:srgbClr val="FFFFFF"/>
-                </a:solidFill>
-                <a:latin typeface="Verdana" panose="020B0604030504040204" pitchFamily="34" charset="0"/>
-              </a:rPr>
-              <a:t>:</a:t>
-            </a:r>
-            <a:br>
-              <a:rPr lang="ru-RU" altLang="ru-RU" dirty="0">
-                <a:solidFill>
-                  <a:srgbClr val="FFFFFF"/>
-                </a:solidFill>
-                <a:latin typeface="Verdana" panose="020B0604030504040204" pitchFamily="34" charset="0"/>
-              </a:rPr>
-            </a:br>
-            <a:r>
-              <a:rPr lang="ru-RU" altLang="ru-RU" dirty="0">
-                <a:solidFill>
-                  <a:srgbClr val="FFFFFF"/>
-                </a:solidFill>
-                <a:latin typeface="Verdana" panose="020B0604030504040204" pitchFamily="34" charset="0"/>
-              </a:rPr>
-              <a:t>    </a:t>
-            </a:r>
-            <a:r>
-              <a:rPr lang="ru-RU" altLang="ru-RU" dirty="0" err="1">
-                <a:solidFill>
-                  <a:srgbClr val="FFFFFF"/>
-                </a:solidFill>
-                <a:latin typeface="Verdana" panose="020B0604030504040204" pitchFamily="34" charset="0"/>
-              </a:rPr>
-              <a:t>explicit</a:t>
-            </a:r>
-            <a:r>
-              <a:rPr lang="ru-RU" altLang="ru-RU" dirty="0">
-                <a:solidFill>
-                  <a:srgbClr val="FFFFFF"/>
-                </a:solidFill>
-                <a:latin typeface="Verdana" panose="020B0604030504040204" pitchFamily="34" charset="0"/>
-              </a:rPr>
-              <a:t> </a:t>
-            </a:r>
-            <a:r>
-              <a:rPr lang="ru-RU" altLang="ru-RU" dirty="0" err="1">
-                <a:solidFill>
-                  <a:srgbClr val="FFCC00"/>
-                </a:solidFill>
-                <a:latin typeface="Verdana" panose="020B0604030504040204" pitchFamily="34" charset="0"/>
-              </a:rPr>
-              <a:t>HttpResponse</a:t>
-            </a:r>
-            <a:r>
-              <a:rPr lang="ru-RU" altLang="ru-RU" dirty="0">
-                <a:solidFill>
-                  <a:srgbClr val="FFFFFF"/>
-                </a:solidFill>
-                <a:latin typeface="Verdana" panose="020B0604030504040204" pitchFamily="34" charset="0"/>
-              </a:rPr>
-              <a:t>(</a:t>
-            </a:r>
-            <a:r>
-              <a:rPr lang="ru-RU" altLang="ru-RU" dirty="0" err="1">
-                <a:solidFill>
-                  <a:srgbClr val="FFFFFF"/>
-                </a:solidFill>
-                <a:latin typeface="Verdana" panose="020B0604030504040204" pitchFamily="34" charset="0"/>
-              </a:rPr>
-              <a:t>int</a:t>
-            </a:r>
-            <a:r>
-              <a:rPr lang="ru-RU" altLang="ru-RU" dirty="0">
-                <a:solidFill>
-                  <a:srgbClr val="FFFFFF"/>
-                </a:solidFill>
-                <a:latin typeface="Verdana" panose="020B0604030504040204" pitchFamily="34" charset="0"/>
-              </a:rPr>
-              <a:t> </a:t>
-            </a:r>
-            <a:r>
-              <a:rPr lang="ru-RU" altLang="ru-RU" dirty="0" err="1">
-                <a:solidFill>
-                  <a:srgbClr val="5BCD9D"/>
-                </a:solidFill>
-                <a:latin typeface="Verdana" panose="020B0604030504040204" pitchFamily="34" charset="0"/>
-              </a:rPr>
-              <a:t>code</a:t>
-            </a:r>
-            <a:r>
-              <a:rPr lang="ru-RU" altLang="ru-RU" dirty="0">
-                <a:solidFill>
-                  <a:srgbClr val="FFFFFF"/>
-                </a:solidFill>
-                <a:latin typeface="Verdana" panose="020B0604030504040204" pitchFamily="34" charset="0"/>
-              </a:rPr>
-              <a:t>);</a:t>
-            </a:r>
-            <a:br>
-              <a:rPr lang="ru-RU" altLang="ru-RU" dirty="0">
-                <a:solidFill>
-                  <a:srgbClr val="FFFFFF"/>
-                </a:solidFill>
-                <a:latin typeface="Verdana" panose="020B0604030504040204" pitchFamily="34" charset="0"/>
-              </a:rPr>
-            </a:br>
-            <a:r>
-              <a:rPr lang="ru-RU" altLang="ru-RU" dirty="0">
-                <a:solidFill>
-                  <a:srgbClr val="FFFFFF"/>
-                </a:solidFill>
-                <a:latin typeface="Verdana" panose="020B0604030504040204" pitchFamily="34" charset="0"/>
-              </a:rPr>
-              <a:t>    </a:t>
-            </a:r>
-            <a:r>
-              <a:rPr lang="ru-RU" altLang="ru-RU" dirty="0" err="1">
-                <a:solidFill>
-                  <a:srgbClr val="FFFFFF"/>
-                </a:solidFill>
-                <a:latin typeface="Verdana" panose="020B0604030504040204" pitchFamily="34" charset="0"/>
-              </a:rPr>
-              <a:t>void</a:t>
-            </a:r>
-            <a:r>
-              <a:rPr lang="ru-RU" altLang="ru-RU" dirty="0">
-                <a:solidFill>
-                  <a:srgbClr val="FFFFFF"/>
-                </a:solidFill>
-                <a:latin typeface="Verdana" panose="020B0604030504040204" pitchFamily="34" charset="0"/>
-              </a:rPr>
-              <a:t> </a:t>
-            </a:r>
-            <a:r>
-              <a:rPr lang="ru-RU" altLang="ru-RU" dirty="0" err="1">
-                <a:solidFill>
-                  <a:srgbClr val="FFCC00"/>
-                </a:solidFill>
-                <a:latin typeface="Verdana" panose="020B0604030504040204" pitchFamily="34" charset="0"/>
-              </a:rPr>
-              <a:t>SetContent</a:t>
-            </a:r>
-            <a:r>
-              <a:rPr lang="ru-RU" altLang="ru-RU" dirty="0">
-                <a:solidFill>
-                  <a:srgbClr val="FFFFFF"/>
-                </a:solidFill>
-                <a:latin typeface="Verdana" panose="020B0604030504040204" pitchFamily="34" charset="0"/>
-              </a:rPr>
-              <a:t>(</a:t>
-            </a:r>
-            <a:r>
-              <a:rPr lang="ru-RU" altLang="ru-RU" dirty="0" err="1">
-                <a:solidFill>
-                  <a:srgbClr val="9E64A9"/>
-                </a:solidFill>
-                <a:latin typeface="Verdana" panose="020B0604030504040204" pitchFamily="34" charset="0"/>
-              </a:rPr>
-              <a:t>std</a:t>
-            </a:r>
-            <a:r>
-              <a:rPr lang="ru-RU" altLang="ru-RU" dirty="0">
-                <a:solidFill>
-                  <a:srgbClr val="FFFFFF"/>
-                </a:solidFill>
-                <a:latin typeface="Verdana" panose="020B0604030504040204" pitchFamily="34" charset="0"/>
-              </a:rPr>
-              <a:t>::</a:t>
-            </a:r>
-            <a:r>
-              <a:rPr lang="ru-RU" altLang="ru-RU" dirty="0" err="1">
-                <a:solidFill>
-                  <a:srgbClr val="FFCC00"/>
-                </a:solidFill>
-                <a:latin typeface="Verdana" panose="020B0604030504040204" pitchFamily="34" charset="0"/>
-              </a:rPr>
-              <a:t>string</a:t>
-            </a:r>
-            <a:r>
-              <a:rPr lang="ru-RU" altLang="ru-RU" dirty="0">
-                <a:solidFill>
-                  <a:srgbClr val="FFCC00"/>
-                </a:solidFill>
-                <a:latin typeface="Verdana" panose="020B0604030504040204" pitchFamily="34" charset="0"/>
-              </a:rPr>
-              <a:t> </a:t>
-            </a:r>
-            <a:r>
-              <a:rPr lang="ru-RU" altLang="ru-RU" dirty="0" err="1">
-                <a:solidFill>
-                  <a:srgbClr val="5BCD9D"/>
-                </a:solidFill>
-                <a:latin typeface="Verdana" panose="020B0604030504040204" pitchFamily="34" charset="0"/>
-              </a:rPr>
-              <a:t>value</a:t>
-            </a:r>
-            <a:r>
-              <a:rPr lang="ru-RU" altLang="ru-RU" dirty="0">
-                <a:solidFill>
-                  <a:srgbClr val="FFFFFF"/>
-                </a:solidFill>
-                <a:latin typeface="Verdana" panose="020B0604030504040204" pitchFamily="34" charset="0"/>
-              </a:rPr>
-              <a:t>);</a:t>
-            </a:r>
-            <a:br>
-              <a:rPr lang="ru-RU" altLang="ru-RU" dirty="0">
-                <a:solidFill>
-                  <a:srgbClr val="FFFFFF"/>
-                </a:solidFill>
-                <a:latin typeface="Verdana" panose="020B0604030504040204" pitchFamily="34" charset="0"/>
-              </a:rPr>
-            </a:br>
-            <a:r>
-              <a:rPr lang="ru-RU" altLang="ru-RU" dirty="0">
-                <a:solidFill>
-                  <a:srgbClr val="FFFFFF"/>
-                </a:solidFill>
-                <a:latin typeface="Verdana" panose="020B0604030504040204" pitchFamily="34" charset="0"/>
-              </a:rPr>
-              <a:t>    </a:t>
-            </a:r>
-            <a:r>
-              <a:rPr lang="ru-RU" altLang="ru-RU" dirty="0" err="1">
-                <a:solidFill>
-                  <a:srgbClr val="FFFFFF"/>
-                </a:solidFill>
-                <a:latin typeface="Verdana" panose="020B0604030504040204" pitchFamily="34" charset="0"/>
-              </a:rPr>
-              <a:t>friend</a:t>
-            </a:r>
-            <a:r>
-              <a:rPr lang="ru-RU" altLang="ru-RU" dirty="0">
-                <a:solidFill>
-                  <a:srgbClr val="FFFFFF"/>
-                </a:solidFill>
-                <a:latin typeface="Verdana" panose="020B0604030504040204" pitchFamily="34" charset="0"/>
-              </a:rPr>
-              <a:t> </a:t>
-            </a:r>
-            <a:r>
-              <a:rPr lang="ru-RU" altLang="ru-RU" dirty="0" err="1">
-                <a:solidFill>
-                  <a:srgbClr val="9E64A9"/>
-                </a:solidFill>
-                <a:latin typeface="Verdana" panose="020B0604030504040204" pitchFamily="34" charset="0"/>
-              </a:rPr>
-              <a:t>std</a:t>
-            </a:r>
-            <a:r>
-              <a:rPr lang="ru-RU" altLang="ru-RU" dirty="0">
-                <a:solidFill>
-                  <a:srgbClr val="FFFFFF"/>
-                </a:solidFill>
-                <a:latin typeface="Verdana" panose="020B0604030504040204" pitchFamily="34" charset="0"/>
-              </a:rPr>
-              <a:t>::</a:t>
-            </a:r>
-            <a:r>
-              <a:rPr lang="ru-RU" altLang="ru-RU" dirty="0" err="1">
-                <a:solidFill>
-                  <a:srgbClr val="FFCC00"/>
-                </a:solidFill>
-                <a:latin typeface="Verdana" panose="020B0604030504040204" pitchFamily="34" charset="0"/>
-              </a:rPr>
-              <a:t>ostream</a:t>
-            </a:r>
-            <a:r>
-              <a:rPr lang="ru-RU" altLang="ru-RU" dirty="0">
-                <a:solidFill>
-                  <a:srgbClr val="FFFFFF"/>
-                </a:solidFill>
-                <a:latin typeface="Verdana" panose="020B0604030504040204" pitchFamily="34" charset="0"/>
-              </a:rPr>
-              <a:t>&amp; </a:t>
-            </a:r>
-            <a:r>
-              <a:rPr lang="ru-RU" altLang="ru-RU" dirty="0" err="1">
-                <a:solidFill>
-                  <a:srgbClr val="FFFFFF"/>
-                </a:solidFill>
-                <a:latin typeface="Verdana" panose="020B0604030504040204" pitchFamily="34" charset="0"/>
-              </a:rPr>
-              <a:t>operator</a:t>
-            </a:r>
-            <a:r>
-              <a:rPr lang="ru-RU" altLang="ru-RU" dirty="0">
-                <a:solidFill>
-                  <a:srgbClr val="FFFFFF"/>
-                </a:solidFill>
-                <a:latin typeface="Verdana" panose="020B0604030504040204" pitchFamily="34" charset="0"/>
-              </a:rPr>
-              <a:t> </a:t>
-            </a:r>
-            <a:r>
-              <a:rPr lang="ru-RU" altLang="ru-RU" dirty="0">
-                <a:solidFill>
-                  <a:srgbClr val="FFCC00"/>
-                </a:solidFill>
-                <a:latin typeface="Verdana" panose="020B0604030504040204" pitchFamily="34" charset="0"/>
-              </a:rPr>
-              <a:t>&lt;&lt; </a:t>
-            </a:r>
-            <a:r>
-              <a:rPr lang="ru-RU" altLang="ru-RU" dirty="0">
-                <a:solidFill>
-                  <a:srgbClr val="FFFFFF"/>
-                </a:solidFill>
-                <a:latin typeface="Verdana" panose="020B0604030504040204" pitchFamily="34" charset="0"/>
-              </a:rPr>
-              <a:t>(</a:t>
-            </a:r>
-            <a:r>
-              <a:rPr lang="ru-RU" altLang="ru-RU" dirty="0" err="1">
-                <a:solidFill>
-                  <a:srgbClr val="9E64A9"/>
-                </a:solidFill>
-                <a:latin typeface="Verdana" panose="020B0604030504040204" pitchFamily="34" charset="0"/>
-              </a:rPr>
-              <a:t>std</a:t>
-            </a:r>
-            <a:r>
-              <a:rPr lang="ru-RU" altLang="ru-RU" dirty="0">
-                <a:solidFill>
-                  <a:srgbClr val="FFFFFF"/>
-                </a:solidFill>
-                <a:latin typeface="Verdana" panose="020B0604030504040204" pitchFamily="34" charset="0"/>
-              </a:rPr>
-              <a:t>::</a:t>
-            </a:r>
-            <a:r>
-              <a:rPr lang="ru-RU" altLang="ru-RU" dirty="0" err="1">
-                <a:solidFill>
-                  <a:srgbClr val="FFCC00"/>
-                </a:solidFill>
-                <a:latin typeface="Verdana" panose="020B0604030504040204" pitchFamily="34" charset="0"/>
-              </a:rPr>
-              <a:t>ostream</a:t>
-            </a:r>
-            <a:r>
-              <a:rPr lang="ru-RU" altLang="ru-RU" dirty="0">
-                <a:solidFill>
-                  <a:srgbClr val="FFFFFF"/>
-                </a:solidFill>
-                <a:latin typeface="Verdana" panose="020B0604030504040204" pitchFamily="34" charset="0"/>
-              </a:rPr>
-              <a:t>&amp; </a:t>
-            </a:r>
-            <a:r>
-              <a:rPr lang="ru-RU" altLang="ru-RU" dirty="0" err="1">
-                <a:solidFill>
-                  <a:srgbClr val="5BCD9D"/>
-                </a:solidFill>
-                <a:latin typeface="Verdana" panose="020B0604030504040204" pitchFamily="34" charset="0"/>
-              </a:rPr>
-              <a:t>os</a:t>
-            </a:r>
-            <a:r>
-              <a:rPr lang="ru-RU" altLang="ru-RU" dirty="0">
-                <a:solidFill>
-                  <a:srgbClr val="FFFFFF"/>
-                </a:solidFill>
-                <a:latin typeface="Verdana" panose="020B0604030504040204" pitchFamily="34" charset="0"/>
-              </a:rPr>
-              <a:t>, </a:t>
-            </a:r>
-            <a:r>
-              <a:rPr lang="ru-RU" altLang="ru-RU" dirty="0" err="1">
-                <a:solidFill>
-                  <a:srgbClr val="FFFFFF"/>
-                </a:solidFill>
-                <a:latin typeface="Verdana" panose="020B0604030504040204" pitchFamily="34" charset="0"/>
-              </a:rPr>
-              <a:t>const</a:t>
-            </a:r>
-            <a:r>
-              <a:rPr lang="ru-RU" altLang="ru-RU" dirty="0">
-                <a:solidFill>
-                  <a:srgbClr val="FFFFFF"/>
-                </a:solidFill>
-                <a:latin typeface="Verdana" panose="020B0604030504040204" pitchFamily="34" charset="0"/>
-              </a:rPr>
-              <a:t> </a:t>
-            </a:r>
-            <a:r>
-              <a:rPr lang="ru-RU" altLang="ru-RU" dirty="0" err="1">
-                <a:solidFill>
-                  <a:srgbClr val="FFCC00"/>
-                </a:solidFill>
-                <a:latin typeface="Verdana" panose="020B0604030504040204" pitchFamily="34" charset="0"/>
-              </a:rPr>
-              <a:t>HttpResponse</a:t>
-            </a:r>
-            <a:r>
-              <a:rPr lang="ru-RU" altLang="ru-RU" dirty="0">
-                <a:solidFill>
-                  <a:srgbClr val="FFFFFF"/>
-                </a:solidFill>
-                <a:latin typeface="Verdana" panose="020B0604030504040204" pitchFamily="34" charset="0"/>
-              </a:rPr>
-              <a:t>&amp; </a:t>
-            </a:r>
-            <a:r>
-              <a:rPr lang="ru-RU" altLang="ru-RU" dirty="0" err="1">
-                <a:solidFill>
-                  <a:srgbClr val="5BCD9D"/>
-                </a:solidFill>
-                <a:latin typeface="Verdana" panose="020B0604030504040204" pitchFamily="34" charset="0"/>
-              </a:rPr>
-              <a:t>resp</a:t>
-            </a:r>
-            <a:r>
-              <a:rPr lang="ru-RU" altLang="ru-RU" dirty="0">
-                <a:solidFill>
-                  <a:srgbClr val="FFFFFF"/>
-                </a:solidFill>
-                <a:latin typeface="Verdana" panose="020B0604030504040204" pitchFamily="34" charset="0"/>
-              </a:rPr>
-              <a:t>);</a:t>
-            </a:r>
-            <a:br>
-              <a:rPr lang="ru-RU" altLang="ru-RU" dirty="0">
-                <a:solidFill>
-                  <a:srgbClr val="FFFFFF"/>
-                </a:solidFill>
-                <a:latin typeface="Verdana" panose="020B0604030504040204" pitchFamily="34" charset="0"/>
-              </a:rPr>
-            </a:br>
-            <a:r>
-              <a:rPr lang="ru-RU" altLang="ru-RU" dirty="0">
-                <a:solidFill>
-                  <a:srgbClr val="FFFFFF"/>
-                </a:solidFill>
-                <a:latin typeface="Verdana" panose="020B0604030504040204" pitchFamily="34" charset="0"/>
-              </a:rPr>
-              <a:t>};</a:t>
-            </a:r>
-            <a:br>
-              <a:rPr lang="ru-RU" altLang="ru-RU" dirty="0">
-                <a:solidFill>
-                  <a:srgbClr val="FFFFFF"/>
-                </a:solidFill>
-                <a:latin typeface="Verdana" panose="020B0604030504040204" pitchFamily="34" charset="0"/>
-              </a:rPr>
-            </a:br>
-            <a:endParaRPr lang="ru-RU" altLang="ru-RU" sz="6600" dirty="0">
-              <a:solidFill>
-                <a:schemeClr val="tx1"/>
-              </a:solidFill>
-              <a:latin typeface="Arial" panose="020B0604020202020204" pitchFamily="34" charset="0"/>
-            </a:endParaRPr>
-          </a:p>
-          <a:p>
-            <a:endParaRPr lang="ru-RU" dirty="0"/>
-          </a:p>
-        </p:txBody>
-      </p:sp>
-      <p:sp>
-        <p:nvSpPr>
-          <p:cNvPr id="2" name="Заголовок 1"/>
-          <p:cNvSpPr>
-            <a:spLocks noGrp="1"/>
-          </p:cNvSpPr>
-          <p:nvPr>
-            <p:ph type="title"/>
-          </p:nvPr>
-        </p:nvSpPr>
-        <p:spPr/>
-        <p:txBody>
-          <a:bodyPr/>
-          <a:lstStyle/>
-          <a:p>
-            <a:r>
-              <a:rPr lang="ru-RU" dirty="0" smtClean="0"/>
-              <a:t>Шаг первый – создадим интерфейс</a:t>
-            </a:r>
-            <a:endParaRPr lang="ru-RU" dirty="0"/>
-          </a:p>
-        </p:txBody>
-      </p:sp>
-      <p:sp>
-        <p:nvSpPr>
-          <p:cNvPr id="3" name="Объект 2"/>
-          <p:cNvSpPr>
-            <a:spLocks noGrp="1"/>
-          </p:cNvSpPr>
-          <p:nvPr>
-            <p:ph idx="1"/>
-          </p:nvPr>
-        </p:nvSpPr>
-        <p:spPr/>
-        <p:txBody>
-          <a:bodyPr/>
-          <a:lstStyle/>
-          <a:p>
-            <a:pPr lvl="1"/>
-            <a:r>
-              <a:rPr lang="ru-RU" dirty="0" smtClean="0"/>
-              <a:t>Мы создаём интерфейс без реализации!</a:t>
-            </a:r>
-            <a:endParaRPr lang="ru-RU" dirty="0"/>
-          </a:p>
-        </p:txBody>
-      </p:sp>
-      <p:sp>
-        <p:nvSpPr>
-          <p:cNvPr id="4" name="Нижний колонтитул 3"/>
-          <p:cNvSpPr>
-            <a:spLocks noGrp="1"/>
-          </p:cNvSpPr>
-          <p:nvPr>
-            <p:ph type="ftr" sz="quarter" idx="11"/>
-          </p:nvPr>
-        </p:nvSpPr>
-        <p:spPr/>
-        <p:txBody>
-          <a:bodyPr/>
-          <a:lstStyle/>
-          <a:p>
-            <a:endParaRPr lang="ru-RU" dirty="0">
-              <a:solidFill>
-                <a:srgbClr val="000000"/>
-              </a:solidFill>
-            </a:endParaRPr>
-          </a:p>
-        </p:txBody>
-      </p:sp>
-      <p:sp>
-        <p:nvSpPr>
-          <p:cNvPr id="5" name="Номер слайда 4"/>
-          <p:cNvSpPr>
-            <a:spLocks noGrp="1"/>
-          </p:cNvSpPr>
-          <p:nvPr>
-            <p:ph type="sldNum" sz="quarter" idx="12"/>
-          </p:nvPr>
-        </p:nvSpPr>
-        <p:spPr/>
-        <p:txBody>
-          <a:bodyPr/>
-          <a:lstStyle/>
-          <a:p>
-            <a:fld id="{741C03D3-FA44-40EC-9A21-1FC4FEA3E22E}" type="slidenum">
-              <a:rPr lang="ru-RU" smtClean="0">
-                <a:solidFill>
-                  <a:schemeClr val="bg1"/>
-                </a:solidFill>
-              </a:rPr>
-              <a:pPr/>
-              <a:t>11</a:t>
-            </a:fld>
-            <a:endParaRPr lang="ru-RU" dirty="0">
-              <a:solidFill>
-                <a:schemeClr val="bg1"/>
-              </a:solidFill>
-            </a:endParaRPr>
-          </a:p>
-        </p:txBody>
-      </p:sp>
-    </p:spTree>
-    <p:extLst>
-      <p:ext uri="{BB962C8B-B14F-4D97-AF65-F5344CB8AC3E}">
-        <p14:creationId xmlns:p14="http://schemas.microsoft.com/office/powerpoint/2010/main" val="2448288711"/>
-      </p:ext>
-    </p:extLst>
-  </p:cSld>
-  <p:clrMapOvr>
-    <a:masterClrMapping/>
-  </p:clrMapOvr>
-  <p:timing>
-    <p:tnLst>
-      <p:par>
-        <p:cTn id="1" dur="indefinite" restart="never" nodeType="tmRoot"/>
-      </p:par>
-    </p:tnLst>
-  </p:timing>
-</p:sld>
-</file>
-
-<file path=ppt/slides/slide12.xml><?xml version="1.0" encoding="utf-8"?>
-<p:sld xmlns:a="http://schemas.openxmlformats.org/drawingml/2006/main" xmlns:r="http://schemas.openxmlformats.org/officeDocument/2006/relationships" xmlns:p="http://schemas.openxmlformats.org/presentationml/2006/main">
-  <p:cSld>
-    <p:spTree>
-      <p:nvGrpSpPr>
-        <p:cNvPr id="1" name=""/>
-        <p:cNvGrpSpPr/>
-        <p:nvPr/>
-      </p:nvGrpSpPr>
-      <p:grpSpPr>
-        <a:xfrm>
-          <a:off x="0" y="0"/>
-          <a:ext cx="0" cy="0"/>
-          <a:chOff x="0" y="0"/>
-          <a:chExt cx="0" cy="0"/>
-        </a:xfrm>
-      </p:grpSpPr>
-      <p:sp>
-        <p:nvSpPr>
           <p:cNvPr id="4" name="Объект 3"/>
           <p:cNvSpPr>
             <a:spLocks noGrp="1"/>
@@ -23397,7 +23170,7 @@
                 </a:solidFill>
               </a:rPr>
               <a:pPr/>
-              <a:t>12</a:t>
+              <a:t>11</a:t>
             </a:fld>
             <a:endParaRPr lang="ru-RU" dirty="0">
               <a:solidFill>
@@ -24210,7 +23983,7 @@
 </p:sld>
 </file>
 
-<file path=ppt/slides/slide13.xml><?xml version="1.0" encoding="utf-8"?>
+<file path=ppt/slides/slide12.xml><?xml version="1.0" encoding="utf-8"?>
 <p:sld xmlns:a="http://schemas.openxmlformats.org/drawingml/2006/main" xmlns:r="http://schemas.openxmlformats.org/officeDocument/2006/relationships" xmlns:p="http://schemas.openxmlformats.org/presentationml/2006/main">
   <p:cSld>
     <p:spTree>
@@ -24800,6 +24573,883 @@
                 </a:solidFill>
               </a:rPr>
               <a:pPr/>
+              <a:t>12</a:t>
+            </a:fld>
+            <a:endParaRPr lang="ru-RU" dirty="0">
+              <a:solidFill>
+                <a:schemeClr val="bg1"/>
+              </a:solidFill>
+            </a:endParaRPr>
+          </a:p>
+        </p:txBody>
+      </p:sp>
+    </p:spTree>
+    <p:extLst>
+      <p:ext uri="{BB962C8B-B14F-4D97-AF65-F5344CB8AC3E}">
+        <p14:creationId xmlns:p14="http://schemas.microsoft.com/office/powerpoint/2010/main" val="1771274126"/>
+      </p:ext>
+    </p:extLst>
+  </p:cSld>
+  <p:clrMapOvr>
+    <a:masterClrMapping/>
+  </p:clrMapOvr>
+  <p:timing>
+    <p:tnLst>
+      <p:par>
+        <p:cTn id="1" dur="indefinite" restart="never" nodeType="tmRoot"/>
+      </p:par>
+    </p:tnLst>
+  </p:timing>
+</p:sld>
+</file>
+
+<file path=ppt/slides/slide13.xml><?xml version="1.0" encoding="utf-8"?>
+<p:sld xmlns:a="http://schemas.openxmlformats.org/drawingml/2006/main" xmlns:r="http://schemas.openxmlformats.org/officeDocument/2006/relationships" xmlns:p="http://schemas.openxmlformats.org/presentationml/2006/main">
+  <p:cSld>
+    <p:spTree>
+      <p:nvGrpSpPr>
+        <p:cNvPr id="1" name=""/>
+        <p:cNvGrpSpPr/>
+        <p:nvPr/>
+      </p:nvGrpSpPr>
+      <p:grpSpPr>
+        <a:xfrm>
+          <a:off x="0" y="0"/>
+          <a:ext cx="0" cy="0"/>
+          <a:chOff x="0" y="0"/>
+          <a:chExt cx="0" cy="0"/>
+        </a:xfrm>
+      </p:grpSpPr>
+      <p:sp>
+        <p:nvSpPr>
+          <p:cNvPr id="5" name="Объект 4"/>
+          <p:cNvSpPr>
+            <a:spLocks noGrp="1"/>
+          </p:cNvSpPr>
+          <p:nvPr>
+            <p:ph idx="13"/>
+          </p:nvPr>
+        </p:nvSpPr>
+        <p:spPr/>
+        <p:txBody>
+          <a:bodyPr/>
+          <a:lstStyle/>
+          <a:p>
+            <a:r>
+              <a:rPr lang="ru-RU" altLang="ru-RU" dirty="0" err="1">
+                <a:solidFill>
+                  <a:srgbClr val="FFFFFF"/>
+                </a:solidFill>
+                <a:latin typeface="Verdana" panose="020B0604030504040204" pitchFamily="34" charset="0"/>
+              </a:rPr>
+              <a:t>enum</a:t>
+            </a:r>
+            <a:r>
+              <a:rPr lang="ru-RU" altLang="ru-RU" dirty="0">
+                <a:solidFill>
+                  <a:srgbClr val="FFFFFF"/>
+                </a:solidFill>
+                <a:latin typeface="Verdana" panose="020B0604030504040204" pitchFamily="34" charset="0"/>
+              </a:rPr>
+              <a:t> </a:t>
+            </a:r>
+            <a:r>
+              <a:rPr lang="ru-RU" altLang="ru-RU" dirty="0" err="1">
+                <a:solidFill>
+                  <a:srgbClr val="FFFFFF"/>
+                </a:solidFill>
+                <a:latin typeface="Verdana" panose="020B0604030504040204" pitchFamily="34" charset="0"/>
+              </a:rPr>
+              <a:t>class</a:t>
+            </a:r>
+            <a:r>
+              <a:rPr lang="ru-RU" altLang="ru-RU" dirty="0">
+                <a:solidFill>
+                  <a:srgbClr val="FFFFFF"/>
+                </a:solidFill>
+                <a:latin typeface="Verdana" panose="020B0604030504040204" pitchFamily="34" charset="0"/>
+              </a:rPr>
+              <a:t> </a:t>
+            </a:r>
+            <a:r>
+              <a:rPr lang="ru-RU" altLang="ru-RU" dirty="0" err="1">
+                <a:solidFill>
+                  <a:srgbClr val="FFCC00"/>
+                </a:solidFill>
+                <a:latin typeface="Verdana" panose="020B0604030504040204" pitchFamily="34" charset="0"/>
+              </a:rPr>
+              <a:t>HttpCode</a:t>
+            </a:r>
+            <a:r>
+              <a:rPr lang="ru-RU" altLang="ru-RU" dirty="0">
+                <a:solidFill>
+                  <a:srgbClr val="FFCC00"/>
+                </a:solidFill>
+                <a:latin typeface="Verdana" panose="020B0604030504040204" pitchFamily="34" charset="0"/>
+              </a:rPr>
+              <a:t> </a:t>
+            </a:r>
+            <a:r>
+              <a:rPr lang="ru-RU" altLang="ru-RU" dirty="0">
+                <a:solidFill>
+                  <a:srgbClr val="FFFFFF"/>
+                </a:solidFill>
+                <a:latin typeface="Verdana" panose="020B0604030504040204" pitchFamily="34" charset="0"/>
+              </a:rPr>
+              <a:t>{</a:t>
+            </a:r>
+            <a:br>
+              <a:rPr lang="ru-RU" altLang="ru-RU" dirty="0">
+                <a:solidFill>
+                  <a:srgbClr val="FFFFFF"/>
+                </a:solidFill>
+                <a:latin typeface="Verdana" panose="020B0604030504040204" pitchFamily="34" charset="0"/>
+              </a:rPr>
+            </a:br>
+            <a:r>
+              <a:rPr lang="ru-RU" altLang="ru-RU" dirty="0">
+                <a:solidFill>
+                  <a:srgbClr val="FFFFFF"/>
+                </a:solidFill>
+                <a:latin typeface="Verdana" panose="020B0604030504040204" pitchFamily="34" charset="0"/>
+              </a:rPr>
+              <a:t>    </a:t>
+            </a:r>
+            <a:r>
+              <a:rPr lang="ru-RU" altLang="ru-RU" dirty="0">
+                <a:solidFill>
+                  <a:srgbClr val="5BCD9D"/>
+                </a:solidFill>
+                <a:latin typeface="Verdana" panose="020B0604030504040204" pitchFamily="34" charset="0"/>
+              </a:rPr>
+              <a:t>OK </a:t>
+            </a:r>
+            <a:r>
+              <a:rPr lang="ru-RU" altLang="ru-RU" dirty="0">
+                <a:solidFill>
+                  <a:srgbClr val="FFFFFF"/>
+                </a:solidFill>
+                <a:latin typeface="Verdana" panose="020B0604030504040204" pitchFamily="34" charset="0"/>
+              </a:rPr>
+              <a:t>= </a:t>
+            </a:r>
+            <a:r>
+              <a:rPr lang="ru-RU" altLang="ru-RU" dirty="0">
+                <a:solidFill>
+                  <a:srgbClr val="6897BB"/>
+                </a:solidFill>
+                <a:latin typeface="Verdana" panose="020B0604030504040204" pitchFamily="34" charset="0"/>
+              </a:rPr>
+              <a:t>200</a:t>
+            </a:r>
+            <a:r>
+              <a:rPr lang="ru-RU" altLang="ru-RU" dirty="0">
+                <a:solidFill>
+                  <a:srgbClr val="FFFFFF"/>
+                </a:solidFill>
+                <a:latin typeface="Verdana" panose="020B0604030504040204" pitchFamily="34" charset="0"/>
+              </a:rPr>
+              <a:t>,</a:t>
+            </a:r>
+            <a:br>
+              <a:rPr lang="ru-RU" altLang="ru-RU" dirty="0">
+                <a:solidFill>
+                  <a:srgbClr val="FFFFFF"/>
+                </a:solidFill>
+                <a:latin typeface="Verdana" panose="020B0604030504040204" pitchFamily="34" charset="0"/>
+              </a:rPr>
+            </a:br>
+            <a:r>
+              <a:rPr lang="ru-RU" altLang="ru-RU" dirty="0">
+                <a:solidFill>
+                  <a:srgbClr val="FFFFFF"/>
+                </a:solidFill>
+                <a:latin typeface="Verdana" panose="020B0604030504040204" pitchFamily="34" charset="0"/>
+              </a:rPr>
+              <a:t>    </a:t>
+            </a:r>
+            <a:r>
+              <a:rPr lang="ru-RU" altLang="ru-RU" dirty="0" err="1">
+                <a:solidFill>
+                  <a:srgbClr val="5BCD9D"/>
+                </a:solidFill>
+                <a:latin typeface="Verdana" panose="020B0604030504040204" pitchFamily="34" charset="0"/>
+              </a:rPr>
+              <a:t>NotFound</a:t>
+            </a:r>
+            <a:r>
+              <a:rPr lang="ru-RU" altLang="ru-RU" dirty="0">
+                <a:solidFill>
+                  <a:srgbClr val="5BCD9D"/>
+                </a:solidFill>
+                <a:latin typeface="Verdana" panose="020B0604030504040204" pitchFamily="34" charset="0"/>
+              </a:rPr>
+              <a:t> </a:t>
+            </a:r>
+            <a:r>
+              <a:rPr lang="ru-RU" altLang="ru-RU" dirty="0">
+                <a:solidFill>
+                  <a:srgbClr val="FFFFFF"/>
+                </a:solidFill>
+                <a:latin typeface="Verdana" panose="020B0604030504040204" pitchFamily="34" charset="0"/>
+              </a:rPr>
+              <a:t>= </a:t>
+            </a:r>
+            <a:r>
+              <a:rPr lang="ru-RU" altLang="ru-RU" dirty="0">
+                <a:solidFill>
+                  <a:srgbClr val="6897BB"/>
+                </a:solidFill>
+                <a:latin typeface="Verdana" panose="020B0604030504040204" pitchFamily="34" charset="0"/>
+              </a:rPr>
+              <a:t>404</a:t>
+            </a:r>
+            <a:r>
+              <a:rPr lang="ru-RU" altLang="ru-RU" dirty="0">
+                <a:solidFill>
+                  <a:srgbClr val="FFFFFF"/>
+                </a:solidFill>
+                <a:latin typeface="Verdana" panose="020B0604030504040204" pitchFamily="34" charset="0"/>
+              </a:rPr>
+              <a:t>,</a:t>
+            </a:r>
+            <a:br>
+              <a:rPr lang="ru-RU" altLang="ru-RU" dirty="0">
+                <a:solidFill>
+                  <a:srgbClr val="FFFFFF"/>
+                </a:solidFill>
+                <a:latin typeface="Verdana" panose="020B0604030504040204" pitchFamily="34" charset="0"/>
+              </a:rPr>
+            </a:br>
+            <a:r>
+              <a:rPr lang="ru-RU" altLang="ru-RU" dirty="0">
+                <a:solidFill>
+                  <a:srgbClr val="FFFFFF"/>
+                </a:solidFill>
+                <a:latin typeface="Verdana" panose="020B0604030504040204" pitchFamily="34" charset="0"/>
+              </a:rPr>
+              <a:t>};</a:t>
+            </a:r>
+            <a:br>
+              <a:rPr lang="ru-RU" altLang="ru-RU" dirty="0">
+                <a:solidFill>
+                  <a:srgbClr val="FFFFFF"/>
+                </a:solidFill>
+                <a:latin typeface="Verdana" panose="020B0604030504040204" pitchFamily="34" charset="0"/>
+              </a:rPr>
+            </a:br>
+            <a:r>
+              <a:rPr lang="ru-RU" altLang="ru-RU" dirty="0">
+                <a:solidFill>
+                  <a:srgbClr val="FFFFFF"/>
+                </a:solidFill>
+                <a:latin typeface="Verdana" panose="020B0604030504040204" pitchFamily="34" charset="0"/>
+              </a:rPr>
+              <a:t/>
+            </a:r>
+            <a:br>
+              <a:rPr lang="ru-RU" altLang="ru-RU" dirty="0">
+                <a:solidFill>
+                  <a:srgbClr val="FFFFFF"/>
+                </a:solidFill>
+                <a:latin typeface="Verdana" panose="020B0604030504040204" pitchFamily="34" charset="0"/>
+              </a:rPr>
+            </a:br>
+            <a:r>
+              <a:rPr lang="ru-RU" altLang="ru-RU" dirty="0" err="1">
+                <a:solidFill>
+                  <a:srgbClr val="FFFFFF"/>
+                </a:solidFill>
+                <a:latin typeface="Verdana" panose="020B0604030504040204" pitchFamily="34" charset="0"/>
+              </a:rPr>
+              <a:t>class</a:t>
+            </a:r>
+            <a:r>
+              <a:rPr lang="ru-RU" altLang="ru-RU" dirty="0">
+                <a:solidFill>
+                  <a:srgbClr val="FFFFFF"/>
+                </a:solidFill>
+                <a:latin typeface="Verdana" panose="020B0604030504040204" pitchFamily="34" charset="0"/>
+              </a:rPr>
+              <a:t> </a:t>
+            </a:r>
+            <a:r>
+              <a:rPr lang="ru-RU" altLang="ru-RU" dirty="0" err="1">
+                <a:solidFill>
+                  <a:srgbClr val="FFCC00"/>
+                </a:solidFill>
+                <a:latin typeface="Verdana" panose="020B0604030504040204" pitchFamily="34" charset="0"/>
+              </a:rPr>
+              <a:t>HttpResponse</a:t>
+            </a:r>
+            <a:r>
+              <a:rPr lang="ru-RU" altLang="ru-RU" dirty="0">
+                <a:solidFill>
+                  <a:srgbClr val="FFCC00"/>
+                </a:solidFill>
+                <a:latin typeface="Verdana" panose="020B0604030504040204" pitchFamily="34" charset="0"/>
+              </a:rPr>
+              <a:t> </a:t>
+            </a:r>
+            <a:r>
+              <a:rPr lang="ru-RU" altLang="ru-RU" dirty="0">
+                <a:solidFill>
+                  <a:srgbClr val="FFFFFF"/>
+                </a:solidFill>
+                <a:latin typeface="Verdana" panose="020B0604030504040204" pitchFamily="34" charset="0"/>
+              </a:rPr>
+              <a:t>{</a:t>
+            </a:r>
+            <a:br>
+              <a:rPr lang="ru-RU" altLang="ru-RU" dirty="0">
+                <a:solidFill>
+                  <a:srgbClr val="FFFFFF"/>
+                </a:solidFill>
+                <a:latin typeface="Verdana" panose="020B0604030504040204" pitchFamily="34" charset="0"/>
+              </a:rPr>
+            </a:br>
+            <a:r>
+              <a:rPr lang="ru-RU" altLang="ru-RU" dirty="0" err="1">
+                <a:solidFill>
+                  <a:srgbClr val="FFFFFF"/>
+                </a:solidFill>
+                <a:latin typeface="Verdana" panose="020B0604030504040204" pitchFamily="34" charset="0"/>
+              </a:rPr>
+              <a:t>public</a:t>
+            </a:r>
+            <a:r>
+              <a:rPr lang="ru-RU" altLang="ru-RU" dirty="0">
+                <a:solidFill>
+                  <a:srgbClr val="FFFFFF"/>
+                </a:solidFill>
+                <a:latin typeface="Verdana" panose="020B0604030504040204" pitchFamily="34" charset="0"/>
+              </a:rPr>
+              <a:t>:</a:t>
+            </a:r>
+            <a:br>
+              <a:rPr lang="ru-RU" altLang="ru-RU" dirty="0">
+                <a:solidFill>
+                  <a:srgbClr val="FFFFFF"/>
+                </a:solidFill>
+                <a:latin typeface="Verdana" panose="020B0604030504040204" pitchFamily="34" charset="0"/>
+              </a:rPr>
+            </a:br>
+            <a:r>
+              <a:rPr lang="ru-RU" altLang="ru-RU" dirty="0">
+                <a:solidFill>
+                  <a:srgbClr val="FFFFFF"/>
+                </a:solidFill>
+                <a:latin typeface="Verdana" panose="020B0604030504040204" pitchFamily="34" charset="0"/>
+              </a:rPr>
+              <a:t>    </a:t>
+            </a:r>
+            <a:r>
+              <a:rPr lang="ru-RU" altLang="ru-RU" dirty="0" err="1">
+                <a:solidFill>
+                  <a:srgbClr val="FFFFFF"/>
+                </a:solidFill>
+                <a:latin typeface="Verdana" panose="020B0604030504040204" pitchFamily="34" charset="0"/>
+              </a:rPr>
+              <a:t>explicit</a:t>
+            </a:r>
+            <a:r>
+              <a:rPr lang="ru-RU" altLang="ru-RU" dirty="0">
+                <a:solidFill>
+                  <a:srgbClr val="FFFFFF"/>
+                </a:solidFill>
+                <a:latin typeface="Verdana" panose="020B0604030504040204" pitchFamily="34" charset="0"/>
+              </a:rPr>
+              <a:t> </a:t>
+            </a:r>
+            <a:r>
+              <a:rPr lang="ru-RU" altLang="ru-RU" dirty="0" err="1">
+                <a:solidFill>
+                  <a:srgbClr val="FFCC00"/>
+                </a:solidFill>
+                <a:latin typeface="Verdana" panose="020B0604030504040204" pitchFamily="34" charset="0"/>
+              </a:rPr>
+              <a:t>HttpResponse</a:t>
+            </a:r>
+            <a:r>
+              <a:rPr lang="ru-RU" altLang="ru-RU" dirty="0">
+                <a:solidFill>
+                  <a:srgbClr val="FFFFFF"/>
+                </a:solidFill>
+                <a:latin typeface="Verdana" panose="020B0604030504040204" pitchFamily="34" charset="0"/>
+              </a:rPr>
+              <a:t>(</a:t>
+            </a:r>
+            <a:r>
+              <a:rPr lang="ru-RU" altLang="ru-RU" dirty="0" err="1">
+                <a:solidFill>
+                  <a:schemeClr val="accent4"/>
+                </a:solidFill>
+                <a:latin typeface="Verdana" panose="020B0604030504040204" pitchFamily="34" charset="0"/>
+              </a:rPr>
+              <a:t>HttpCode</a:t>
+            </a:r>
+            <a:r>
+              <a:rPr lang="ru-RU" altLang="ru-RU" dirty="0">
+                <a:solidFill>
+                  <a:schemeClr val="accent4"/>
+                </a:solidFill>
+                <a:latin typeface="Verdana" panose="020B0604030504040204" pitchFamily="34" charset="0"/>
+              </a:rPr>
+              <a:t> </a:t>
+            </a:r>
+            <a:r>
+              <a:rPr lang="ru-RU" altLang="ru-RU" dirty="0" err="1">
+                <a:solidFill>
+                  <a:schemeClr val="accent4"/>
+                </a:solidFill>
+                <a:latin typeface="Verdana" panose="020B0604030504040204" pitchFamily="34" charset="0"/>
+              </a:rPr>
+              <a:t>code</a:t>
+            </a:r>
+            <a:r>
+              <a:rPr lang="ru-RU" altLang="ru-RU" dirty="0">
+                <a:solidFill>
+                  <a:srgbClr val="FFFFFF"/>
+                </a:solidFill>
+                <a:latin typeface="Verdana" panose="020B0604030504040204" pitchFamily="34" charset="0"/>
+              </a:rPr>
+              <a:t>);</a:t>
+            </a:r>
+            <a:br>
+              <a:rPr lang="ru-RU" altLang="ru-RU" dirty="0">
+                <a:solidFill>
+                  <a:srgbClr val="FFFFFF"/>
+                </a:solidFill>
+                <a:latin typeface="Verdana" panose="020B0604030504040204" pitchFamily="34" charset="0"/>
+              </a:rPr>
+            </a:br>
+            <a:r>
+              <a:rPr lang="ru-RU" altLang="ru-RU" dirty="0">
+                <a:solidFill>
+                  <a:srgbClr val="FFFFFF"/>
+                </a:solidFill>
+                <a:latin typeface="Verdana" panose="020B0604030504040204" pitchFamily="34" charset="0"/>
+              </a:rPr>
+              <a:t>    </a:t>
+            </a:r>
+            <a:r>
+              <a:rPr lang="ru-RU" altLang="ru-RU" dirty="0" err="1">
+                <a:solidFill>
+                  <a:schemeClr val="accent4"/>
+                </a:solidFill>
+                <a:latin typeface="Verdana" panose="020B0604030504040204" pitchFamily="34" charset="0"/>
+              </a:rPr>
+              <a:t>HttpResponse</a:t>
+            </a:r>
+            <a:r>
+              <a:rPr lang="ru-RU" altLang="ru-RU" dirty="0">
+                <a:solidFill>
+                  <a:schemeClr val="accent4"/>
+                </a:solidFill>
+                <a:latin typeface="Verdana" panose="020B0604030504040204" pitchFamily="34" charset="0"/>
+              </a:rPr>
+              <a:t>&amp;</a:t>
+            </a:r>
+            <a:r>
+              <a:rPr lang="ru-RU" altLang="ru-RU" dirty="0">
+                <a:solidFill>
+                  <a:srgbClr val="FFFFFF"/>
+                </a:solidFill>
+                <a:latin typeface="Verdana" panose="020B0604030504040204" pitchFamily="34" charset="0"/>
+              </a:rPr>
+              <a:t> </a:t>
+            </a:r>
+            <a:r>
+              <a:rPr lang="ru-RU" altLang="ru-RU" dirty="0" err="1">
+                <a:solidFill>
+                  <a:srgbClr val="FFCC00"/>
+                </a:solidFill>
+                <a:latin typeface="Verdana" panose="020B0604030504040204" pitchFamily="34" charset="0"/>
+              </a:rPr>
+              <a:t>SetContent</a:t>
+            </a:r>
+            <a:r>
+              <a:rPr lang="ru-RU" altLang="ru-RU" dirty="0">
+                <a:solidFill>
+                  <a:srgbClr val="FFFFFF"/>
+                </a:solidFill>
+                <a:latin typeface="Verdana" panose="020B0604030504040204" pitchFamily="34" charset="0"/>
+              </a:rPr>
+              <a:t>(</a:t>
+            </a:r>
+            <a:r>
+              <a:rPr lang="ru-RU" altLang="ru-RU" dirty="0" err="1">
+                <a:solidFill>
+                  <a:srgbClr val="9E64A9"/>
+                </a:solidFill>
+                <a:latin typeface="Verdana" panose="020B0604030504040204" pitchFamily="34" charset="0"/>
+              </a:rPr>
+              <a:t>std</a:t>
+            </a:r>
+            <a:r>
+              <a:rPr lang="ru-RU" altLang="ru-RU" dirty="0">
+                <a:solidFill>
+                  <a:srgbClr val="FFFFFF"/>
+                </a:solidFill>
+                <a:latin typeface="Verdana" panose="020B0604030504040204" pitchFamily="34" charset="0"/>
+              </a:rPr>
+              <a:t>::</a:t>
+            </a:r>
+            <a:r>
+              <a:rPr lang="ru-RU" altLang="ru-RU" dirty="0" err="1">
+                <a:solidFill>
+                  <a:srgbClr val="FFCC00"/>
+                </a:solidFill>
+                <a:latin typeface="Verdana" panose="020B0604030504040204" pitchFamily="34" charset="0"/>
+              </a:rPr>
+              <a:t>string</a:t>
+            </a:r>
+            <a:r>
+              <a:rPr lang="ru-RU" altLang="ru-RU" dirty="0">
+                <a:solidFill>
+                  <a:srgbClr val="FFCC00"/>
+                </a:solidFill>
+                <a:latin typeface="Verdana" panose="020B0604030504040204" pitchFamily="34" charset="0"/>
+              </a:rPr>
+              <a:t> </a:t>
+            </a:r>
+            <a:r>
+              <a:rPr lang="ru-RU" altLang="ru-RU" dirty="0" err="1">
+                <a:solidFill>
+                  <a:srgbClr val="5BCD9D"/>
+                </a:solidFill>
+                <a:latin typeface="Verdana" panose="020B0604030504040204" pitchFamily="34" charset="0"/>
+              </a:rPr>
+              <a:t>value</a:t>
+            </a:r>
+            <a:r>
+              <a:rPr lang="ru-RU" altLang="ru-RU" dirty="0">
+                <a:solidFill>
+                  <a:srgbClr val="FFFFFF"/>
+                </a:solidFill>
+                <a:latin typeface="Verdana" panose="020B0604030504040204" pitchFamily="34" charset="0"/>
+              </a:rPr>
+              <a:t>);</a:t>
+            </a:r>
+            <a:br>
+              <a:rPr lang="ru-RU" altLang="ru-RU" dirty="0">
+                <a:solidFill>
+                  <a:srgbClr val="FFFFFF"/>
+                </a:solidFill>
+                <a:latin typeface="Verdana" panose="020B0604030504040204" pitchFamily="34" charset="0"/>
+              </a:rPr>
+            </a:br>
+            <a:r>
+              <a:rPr lang="ru-RU" altLang="ru-RU" dirty="0">
+                <a:solidFill>
+                  <a:srgbClr val="FFFFFF"/>
+                </a:solidFill>
+                <a:latin typeface="Verdana" panose="020B0604030504040204" pitchFamily="34" charset="0"/>
+              </a:rPr>
+              <a:t>    </a:t>
+            </a:r>
+            <a:r>
+              <a:rPr lang="ru-RU" altLang="ru-RU" dirty="0" err="1">
+                <a:solidFill>
+                  <a:srgbClr val="FFFFFF"/>
+                </a:solidFill>
+                <a:latin typeface="Verdana" panose="020B0604030504040204" pitchFamily="34" charset="0"/>
+              </a:rPr>
+              <a:t>friend</a:t>
+            </a:r>
+            <a:r>
+              <a:rPr lang="ru-RU" altLang="ru-RU" dirty="0">
+                <a:solidFill>
+                  <a:srgbClr val="FFFFFF"/>
+                </a:solidFill>
+                <a:latin typeface="Verdana" panose="020B0604030504040204" pitchFamily="34" charset="0"/>
+              </a:rPr>
+              <a:t> </a:t>
+            </a:r>
+            <a:r>
+              <a:rPr lang="ru-RU" altLang="ru-RU" dirty="0" err="1">
+                <a:solidFill>
+                  <a:srgbClr val="9E64A9"/>
+                </a:solidFill>
+                <a:latin typeface="Verdana" panose="020B0604030504040204" pitchFamily="34" charset="0"/>
+              </a:rPr>
+              <a:t>std</a:t>
+            </a:r>
+            <a:r>
+              <a:rPr lang="ru-RU" altLang="ru-RU" dirty="0">
+                <a:solidFill>
+                  <a:srgbClr val="FFFFFF"/>
+                </a:solidFill>
+                <a:latin typeface="Verdana" panose="020B0604030504040204" pitchFamily="34" charset="0"/>
+              </a:rPr>
+              <a:t>::</a:t>
+            </a:r>
+            <a:r>
+              <a:rPr lang="ru-RU" altLang="ru-RU" dirty="0" err="1">
+                <a:solidFill>
+                  <a:srgbClr val="FFCC00"/>
+                </a:solidFill>
+                <a:latin typeface="Verdana" panose="020B0604030504040204" pitchFamily="34" charset="0"/>
+              </a:rPr>
+              <a:t>ostream</a:t>
+            </a:r>
+            <a:r>
+              <a:rPr lang="ru-RU" altLang="ru-RU" dirty="0">
+                <a:solidFill>
+                  <a:srgbClr val="FFFFFF"/>
+                </a:solidFill>
+                <a:latin typeface="Verdana" panose="020B0604030504040204" pitchFamily="34" charset="0"/>
+              </a:rPr>
+              <a:t>&amp; </a:t>
+            </a:r>
+            <a:r>
+              <a:rPr lang="ru-RU" altLang="ru-RU" dirty="0" err="1">
+                <a:solidFill>
+                  <a:srgbClr val="FFFFFF"/>
+                </a:solidFill>
+                <a:latin typeface="Verdana" panose="020B0604030504040204" pitchFamily="34" charset="0"/>
+              </a:rPr>
+              <a:t>operator</a:t>
+            </a:r>
+            <a:r>
+              <a:rPr lang="ru-RU" altLang="ru-RU" dirty="0">
+                <a:solidFill>
+                  <a:srgbClr val="FFFFFF"/>
+                </a:solidFill>
+                <a:latin typeface="Verdana" panose="020B0604030504040204" pitchFamily="34" charset="0"/>
+              </a:rPr>
+              <a:t> </a:t>
+            </a:r>
+            <a:r>
+              <a:rPr lang="ru-RU" altLang="ru-RU" dirty="0">
+                <a:solidFill>
+                  <a:srgbClr val="FFCC00"/>
+                </a:solidFill>
+                <a:latin typeface="Verdana" panose="020B0604030504040204" pitchFamily="34" charset="0"/>
+              </a:rPr>
+              <a:t>&lt;&lt; </a:t>
+            </a:r>
+            <a:r>
+              <a:rPr lang="ru-RU" altLang="ru-RU" dirty="0">
+                <a:solidFill>
+                  <a:srgbClr val="FFFFFF"/>
+                </a:solidFill>
+                <a:latin typeface="Verdana" panose="020B0604030504040204" pitchFamily="34" charset="0"/>
+              </a:rPr>
+              <a:t>(</a:t>
+            </a:r>
+            <a:r>
+              <a:rPr lang="ru-RU" altLang="ru-RU" dirty="0" err="1">
+                <a:solidFill>
+                  <a:srgbClr val="9E64A9"/>
+                </a:solidFill>
+                <a:latin typeface="Verdana" panose="020B0604030504040204" pitchFamily="34" charset="0"/>
+              </a:rPr>
+              <a:t>std</a:t>
+            </a:r>
+            <a:r>
+              <a:rPr lang="ru-RU" altLang="ru-RU" dirty="0">
+                <a:solidFill>
+                  <a:srgbClr val="FFFFFF"/>
+                </a:solidFill>
+                <a:latin typeface="Verdana" panose="020B0604030504040204" pitchFamily="34" charset="0"/>
+              </a:rPr>
+              <a:t>::</a:t>
+            </a:r>
+            <a:r>
+              <a:rPr lang="ru-RU" altLang="ru-RU" dirty="0" err="1">
+                <a:solidFill>
+                  <a:srgbClr val="FFCC00"/>
+                </a:solidFill>
+                <a:latin typeface="Verdana" panose="020B0604030504040204" pitchFamily="34" charset="0"/>
+              </a:rPr>
+              <a:t>ostream</a:t>
+            </a:r>
+            <a:r>
+              <a:rPr lang="ru-RU" altLang="ru-RU" dirty="0">
+                <a:solidFill>
+                  <a:srgbClr val="FFFFFF"/>
+                </a:solidFill>
+                <a:latin typeface="Verdana" panose="020B0604030504040204" pitchFamily="34" charset="0"/>
+              </a:rPr>
+              <a:t>&amp; </a:t>
+            </a:r>
+            <a:r>
+              <a:rPr lang="ru-RU" altLang="ru-RU" dirty="0" err="1">
+                <a:solidFill>
+                  <a:srgbClr val="5BCD9D"/>
+                </a:solidFill>
+                <a:latin typeface="Verdana" panose="020B0604030504040204" pitchFamily="34" charset="0"/>
+              </a:rPr>
+              <a:t>os</a:t>
+            </a:r>
+            <a:r>
+              <a:rPr lang="ru-RU" altLang="ru-RU" dirty="0">
+                <a:solidFill>
+                  <a:srgbClr val="FFFFFF"/>
+                </a:solidFill>
+                <a:latin typeface="Verdana" panose="020B0604030504040204" pitchFamily="34" charset="0"/>
+              </a:rPr>
+              <a:t>, </a:t>
+            </a:r>
+            <a:r>
+              <a:rPr lang="ru-RU" altLang="ru-RU" dirty="0" err="1">
+                <a:solidFill>
+                  <a:srgbClr val="FFFFFF"/>
+                </a:solidFill>
+                <a:latin typeface="Verdana" panose="020B0604030504040204" pitchFamily="34" charset="0"/>
+              </a:rPr>
+              <a:t>const</a:t>
+            </a:r>
+            <a:r>
+              <a:rPr lang="ru-RU" altLang="ru-RU" dirty="0">
+                <a:solidFill>
+                  <a:srgbClr val="FFFFFF"/>
+                </a:solidFill>
+                <a:latin typeface="Verdana" panose="020B0604030504040204" pitchFamily="34" charset="0"/>
+              </a:rPr>
+              <a:t> </a:t>
+            </a:r>
+            <a:r>
+              <a:rPr lang="ru-RU" altLang="ru-RU" dirty="0" err="1">
+                <a:solidFill>
+                  <a:srgbClr val="FFCC00"/>
+                </a:solidFill>
+                <a:latin typeface="Verdana" panose="020B0604030504040204" pitchFamily="34" charset="0"/>
+              </a:rPr>
+              <a:t>HttpResponse</a:t>
+            </a:r>
+            <a:r>
+              <a:rPr lang="ru-RU" altLang="ru-RU" dirty="0">
+                <a:solidFill>
+                  <a:srgbClr val="FFFFFF"/>
+                </a:solidFill>
+                <a:latin typeface="Verdana" panose="020B0604030504040204" pitchFamily="34" charset="0"/>
+              </a:rPr>
+              <a:t>&amp; </a:t>
+            </a:r>
+            <a:r>
+              <a:rPr lang="ru-RU" altLang="ru-RU" dirty="0" err="1">
+                <a:solidFill>
+                  <a:srgbClr val="5BCD9D"/>
+                </a:solidFill>
+                <a:latin typeface="Verdana" panose="020B0604030504040204" pitchFamily="34" charset="0"/>
+              </a:rPr>
+              <a:t>resp</a:t>
+            </a:r>
+            <a:r>
+              <a:rPr lang="ru-RU" altLang="ru-RU" dirty="0">
+                <a:solidFill>
+                  <a:srgbClr val="FFFFFF"/>
+                </a:solidFill>
+                <a:latin typeface="Verdana" panose="020B0604030504040204" pitchFamily="34" charset="0"/>
+              </a:rPr>
+              <a:t>);</a:t>
+            </a:r>
+            <a:br>
+              <a:rPr lang="ru-RU" altLang="ru-RU" dirty="0">
+                <a:solidFill>
+                  <a:srgbClr val="FFFFFF"/>
+                </a:solidFill>
+                <a:latin typeface="Verdana" panose="020B0604030504040204" pitchFamily="34" charset="0"/>
+              </a:rPr>
+            </a:br>
+            <a:r>
+              <a:rPr lang="ru-RU" altLang="ru-RU" dirty="0">
+                <a:solidFill>
+                  <a:srgbClr val="FFFFFF"/>
+                </a:solidFill>
+                <a:latin typeface="Verdana" panose="020B0604030504040204" pitchFamily="34" charset="0"/>
+              </a:rPr>
+              <a:t>};</a:t>
+            </a:r>
+            <a:br>
+              <a:rPr lang="ru-RU" altLang="ru-RU" dirty="0">
+                <a:solidFill>
+                  <a:srgbClr val="FFFFFF"/>
+                </a:solidFill>
+                <a:latin typeface="Verdana" panose="020B0604030504040204" pitchFamily="34" charset="0"/>
+              </a:rPr>
+            </a:br>
+            <a:endParaRPr lang="ru-RU" altLang="ru-RU" sz="6600" dirty="0">
+              <a:solidFill>
+                <a:schemeClr val="tx1"/>
+              </a:solidFill>
+              <a:latin typeface="Arial" panose="020B0604020202020204" pitchFamily="34" charset="0"/>
+            </a:endParaRPr>
+          </a:p>
+          <a:p>
+            <a:endParaRPr lang="ru-RU" dirty="0"/>
+          </a:p>
+        </p:txBody>
+      </p:sp>
+      <p:sp>
+        <p:nvSpPr>
+          <p:cNvPr id="2" name="Заголовок 1"/>
+          <p:cNvSpPr>
+            <a:spLocks noGrp="1"/>
+          </p:cNvSpPr>
+          <p:nvPr>
+            <p:ph type="title"/>
+          </p:nvPr>
+        </p:nvSpPr>
+        <p:spPr/>
+        <p:txBody>
+          <a:bodyPr/>
+          <a:lstStyle/>
+          <a:p>
+            <a:r>
+              <a:rPr lang="ru-RU" dirty="0"/>
+              <a:t>Шаг первый – создадим интерфейс</a:t>
+            </a:r>
+          </a:p>
+        </p:txBody>
+      </p:sp>
+      <p:sp>
+        <p:nvSpPr>
+          <p:cNvPr id="3" name="Нижний колонтитул 2"/>
+          <p:cNvSpPr>
+            <a:spLocks noGrp="1"/>
+          </p:cNvSpPr>
+          <p:nvPr>
+            <p:ph type="ftr" sz="quarter" idx="11"/>
+          </p:nvPr>
+        </p:nvSpPr>
+        <p:spPr/>
+        <p:txBody>
+          <a:bodyPr/>
+          <a:lstStyle/>
+          <a:p>
+            <a:endParaRPr lang="ru-RU" dirty="0">
+              <a:solidFill>
+                <a:srgbClr val="000000"/>
+              </a:solidFill>
+            </a:endParaRPr>
+          </a:p>
+        </p:txBody>
+      </p:sp>
+      <p:sp>
+        <p:nvSpPr>
+          <p:cNvPr id="4" name="Номер слайда 3"/>
+          <p:cNvSpPr>
+            <a:spLocks noGrp="1"/>
+          </p:cNvSpPr>
+          <p:nvPr>
+            <p:ph type="sldNum" sz="quarter" idx="12"/>
+          </p:nvPr>
+        </p:nvSpPr>
+        <p:spPr/>
+        <p:txBody>
+          <a:bodyPr/>
+          <a:lstStyle/>
+          <a:p>
+            <a:fld id="{741C03D3-FA44-40EC-9A21-1FC4FEA3E22E}" type="slidenum">
+              <a:rPr lang="ru-RU" smtClean="0">
+                <a:solidFill>
+                  <a:schemeClr val="bg1"/>
+                </a:solidFill>
+              </a:rPr>
+              <a:pPr/>
               <a:t>13</a:t>
             </a:fld>
             <a:endParaRPr lang="ru-RU" dirty="0">
@@ -24813,7 +25463,7 @@
     </p:spTree>
     <p:extLst>
       <p:ext uri="{BB962C8B-B14F-4D97-AF65-F5344CB8AC3E}">
-        <p14:creationId xmlns:p14="http://schemas.microsoft.com/office/powerpoint/2010/main" val="1771274126"/>
+        <p14:creationId xmlns:p14="http://schemas.microsoft.com/office/powerpoint/2010/main" val="1218073368"/>
       </p:ext>
     </p:extLst>
   </p:cSld>
@@ -24862,883 +25512,6 @@
           <a:bodyPr/>
           <a:lstStyle/>
           <a:p>
-            <a:r>
-              <a:rPr lang="ru-RU" altLang="ru-RU" dirty="0" err="1">
-                <a:solidFill>
-                  <a:srgbClr val="FFFFFF"/>
-                </a:solidFill>
-                <a:latin typeface="Verdana" panose="020B0604030504040204" pitchFamily="34" charset="0"/>
-              </a:rPr>
-              <a:t>enum</a:t>
-            </a:r>
-            <a:r>
-              <a:rPr lang="ru-RU" altLang="ru-RU" dirty="0">
-                <a:solidFill>
-                  <a:srgbClr val="FFFFFF"/>
-                </a:solidFill>
-                <a:latin typeface="Verdana" panose="020B0604030504040204" pitchFamily="34" charset="0"/>
-              </a:rPr>
-              <a:t> </a:t>
-            </a:r>
-            <a:r>
-              <a:rPr lang="ru-RU" altLang="ru-RU" dirty="0" err="1">
-                <a:solidFill>
-                  <a:srgbClr val="FFFFFF"/>
-                </a:solidFill>
-                <a:latin typeface="Verdana" panose="020B0604030504040204" pitchFamily="34" charset="0"/>
-              </a:rPr>
-              <a:t>class</a:t>
-            </a:r>
-            <a:r>
-              <a:rPr lang="ru-RU" altLang="ru-RU" dirty="0">
-                <a:solidFill>
-                  <a:srgbClr val="FFFFFF"/>
-                </a:solidFill>
-                <a:latin typeface="Verdana" panose="020B0604030504040204" pitchFamily="34" charset="0"/>
-              </a:rPr>
-              <a:t> </a:t>
-            </a:r>
-            <a:r>
-              <a:rPr lang="ru-RU" altLang="ru-RU" dirty="0" err="1">
-                <a:solidFill>
-                  <a:srgbClr val="FFCC00"/>
-                </a:solidFill>
-                <a:latin typeface="Verdana" panose="020B0604030504040204" pitchFamily="34" charset="0"/>
-              </a:rPr>
-              <a:t>HttpCode</a:t>
-            </a:r>
-            <a:r>
-              <a:rPr lang="ru-RU" altLang="ru-RU" dirty="0">
-                <a:solidFill>
-                  <a:srgbClr val="FFCC00"/>
-                </a:solidFill>
-                <a:latin typeface="Verdana" panose="020B0604030504040204" pitchFamily="34" charset="0"/>
-              </a:rPr>
-              <a:t> </a:t>
-            </a:r>
-            <a:r>
-              <a:rPr lang="ru-RU" altLang="ru-RU" dirty="0">
-                <a:solidFill>
-                  <a:srgbClr val="FFFFFF"/>
-                </a:solidFill>
-                <a:latin typeface="Verdana" panose="020B0604030504040204" pitchFamily="34" charset="0"/>
-              </a:rPr>
-              <a:t>{</a:t>
-            </a:r>
-            <a:br>
-              <a:rPr lang="ru-RU" altLang="ru-RU" dirty="0">
-                <a:solidFill>
-                  <a:srgbClr val="FFFFFF"/>
-                </a:solidFill>
-                <a:latin typeface="Verdana" panose="020B0604030504040204" pitchFamily="34" charset="0"/>
-              </a:rPr>
-            </a:br>
-            <a:r>
-              <a:rPr lang="ru-RU" altLang="ru-RU" dirty="0">
-                <a:solidFill>
-                  <a:srgbClr val="FFFFFF"/>
-                </a:solidFill>
-                <a:latin typeface="Verdana" panose="020B0604030504040204" pitchFamily="34" charset="0"/>
-              </a:rPr>
-              <a:t>    </a:t>
-            </a:r>
-            <a:r>
-              <a:rPr lang="ru-RU" altLang="ru-RU" dirty="0">
-                <a:solidFill>
-                  <a:srgbClr val="5BCD9D"/>
-                </a:solidFill>
-                <a:latin typeface="Verdana" panose="020B0604030504040204" pitchFamily="34" charset="0"/>
-              </a:rPr>
-              <a:t>OK </a:t>
-            </a:r>
-            <a:r>
-              <a:rPr lang="ru-RU" altLang="ru-RU" dirty="0">
-                <a:solidFill>
-                  <a:srgbClr val="FFFFFF"/>
-                </a:solidFill>
-                <a:latin typeface="Verdana" panose="020B0604030504040204" pitchFamily="34" charset="0"/>
-              </a:rPr>
-              <a:t>= </a:t>
-            </a:r>
-            <a:r>
-              <a:rPr lang="ru-RU" altLang="ru-RU" dirty="0">
-                <a:solidFill>
-                  <a:srgbClr val="6897BB"/>
-                </a:solidFill>
-                <a:latin typeface="Verdana" panose="020B0604030504040204" pitchFamily="34" charset="0"/>
-              </a:rPr>
-              <a:t>200</a:t>
-            </a:r>
-            <a:r>
-              <a:rPr lang="ru-RU" altLang="ru-RU" dirty="0">
-                <a:solidFill>
-                  <a:srgbClr val="FFFFFF"/>
-                </a:solidFill>
-                <a:latin typeface="Verdana" panose="020B0604030504040204" pitchFamily="34" charset="0"/>
-              </a:rPr>
-              <a:t>,</a:t>
-            </a:r>
-            <a:br>
-              <a:rPr lang="ru-RU" altLang="ru-RU" dirty="0">
-                <a:solidFill>
-                  <a:srgbClr val="FFFFFF"/>
-                </a:solidFill>
-                <a:latin typeface="Verdana" panose="020B0604030504040204" pitchFamily="34" charset="0"/>
-              </a:rPr>
-            </a:br>
-            <a:r>
-              <a:rPr lang="ru-RU" altLang="ru-RU" dirty="0">
-                <a:solidFill>
-                  <a:srgbClr val="FFFFFF"/>
-                </a:solidFill>
-                <a:latin typeface="Verdana" panose="020B0604030504040204" pitchFamily="34" charset="0"/>
-              </a:rPr>
-              <a:t>    </a:t>
-            </a:r>
-            <a:r>
-              <a:rPr lang="ru-RU" altLang="ru-RU" dirty="0" err="1">
-                <a:solidFill>
-                  <a:srgbClr val="5BCD9D"/>
-                </a:solidFill>
-                <a:latin typeface="Verdana" panose="020B0604030504040204" pitchFamily="34" charset="0"/>
-              </a:rPr>
-              <a:t>NotFound</a:t>
-            </a:r>
-            <a:r>
-              <a:rPr lang="ru-RU" altLang="ru-RU" dirty="0">
-                <a:solidFill>
-                  <a:srgbClr val="5BCD9D"/>
-                </a:solidFill>
-                <a:latin typeface="Verdana" panose="020B0604030504040204" pitchFamily="34" charset="0"/>
-              </a:rPr>
-              <a:t> </a:t>
-            </a:r>
-            <a:r>
-              <a:rPr lang="ru-RU" altLang="ru-RU" dirty="0">
-                <a:solidFill>
-                  <a:srgbClr val="FFFFFF"/>
-                </a:solidFill>
-                <a:latin typeface="Verdana" panose="020B0604030504040204" pitchFamily="34" charset="0"/>
-              </a:rPr>
-              <a:t>= </a:t>
-            </a:r>
-            <a:r>
-              <a:rPr lang="ru-RU" altLang="ru-RU" dirty="0">
-                <a:solidFill>
-                  <a:srgbClr val="6897BB"/>
-                </a:solidFill>
-                <a:latin typeface="Verdana" panose="020B0604030504040204" pitchFamily="34" charset="0"/>
-              </a:rPr>
-              <a:t>404</a:t>
-            </a:r>
-            <a:r>
-              <a:rPr lang="ru-RU" altLang="ru-RU" dirty="0">
-                <a:solidFill>
-                  <a:srgbClr val="FFFFFF"/>
-                </a:solidFill>
-                <a:latin typeface="Verdana" panose="020B0604030504040204" pitchFamily="34" charset="0"/>
-              </a:rPr>
-              <a:t>,</a:t>
-            </a:r>
-            <a:br>
-              <a:rPr lang="ru-RU" altLang="ru-RU" dirty="0">
-                <a:solidFill>
-                  <a:srgbClr val="FFFFFF"/>
-                </a:solidFill>
-                <a:latin typeface="Verdana" panose="020B0604030504040204" pitchFamily="34" charset="0"/>
-              </a:rPr>
-            </a:br>
-            <a:r>
-              <a:rPr lang="ru-RU" altLang="ru-RU" dirty="0">
-                <a:solidFill>
-                  <a:srgbClr val="FFFFFF"/>
-                </a:solidFill>
-                <a:latin typeface="Verdana" panose="020B0604030504040204" pitchFamily="34" charset="0"/>
-              </a:rPr>
-              <a:t>};</a:t>
-            </a:r>
-            <a:br>
-              <a:rPr lang="ru-RU" altLang="ru-RU" dirty="0">
-                <a:solidFill>
-                  <a:srgbClr val="FFFFFF"/>
-                </a:solidFill>
-                <a:latin typeface="Verdana" panose="020B0604030504040204" pitchFamily="34" charset="0"/>
-              </a:rPr>
-            </a:br>
-            <a:r>
-              <a:rPr lang="ru-RU" altLang="ru-RU" dirty="0">
-                <a:solidFill>
-                  <a:srgbClr val="FFFFFF"/>
-                </a:solidFill>
-                <a:latin typeface="Verdana" panose="020B0604030504040204" pitchFamily="34" charset="0"/>
-              </a:rPr>
-              <a:t/>
-            </a:r>
-            <a:br>
-              <a:rPr lang="ru-RU" altLang="ru-RU" dirty="0">
-                <a:solidFill>
-                  <a:srgbClr val="FFFFFF"/>
-                </a:solidFill>
-                <a:latin typeface="Verdana" panose="020B0604030504040204" pitchFamily="34" charset="0"/>
-              </a:rPr>
-            </a:br>
-            <a:r>
-              <a:rPr lang="ru-RU" altLang="ru-RU" dirty="0" err="1">
-                <a:solidFill>
-                  <a:srgbClr val="FFFFFF"/>
-                </a:solidFill>
-                <a:latin typeface="Verdana" panose="020B0604030504040204" pitchFamily="34" charset="0"/>
-              </a:rPr>
-              <a:t>class</a:t>
-            </a:r>
-            <a:r>
-              <a:rPr lang="ru-RU" altLang="ru-RU" dirty="0">
-                <a:solidFill>
-                  <a:srgbClr val="FFFFFF"/>
-                </a:solidFill>
-                <a:latin typeface="Verdana" panose="020B0604030504040204" pitchFamily="34" charset="0"/>
-              </a:rPr>
-              <a:t> </a:t>
-            </a:r>
-            <a:r>
-              <a:rPr lang="ru-RU" altLang="ru-RU" dirty="0" err="1">
-                <a:solidFill>
-                  <a:srgbClr val="FFCC00"/>
-                </a:solidFill>
-                <a:latin typeface="Verdana" panose="020B0604030504040204" pitchFamily="34" charset="0"/>
-              </a:rPr>
-              <a:t>HttpResponse</a:t>
-            </a:r>
-            <a:r>
-              <a:rPr lang="ru-RU" altLang="ru-RU" dirty="0">
-                <a:solidFill>
-                  <a:srgbClr val="FFCC00"/>
-                </a:solidFill>
-                <a:latin typeface="Verdana" panose="020B0604030504040204" pitchFamily="34" charset="0"/>
-              </a:rPr>
-              <a:t> </a:t>
-            </a:r>
-            <a:r>
-              <a:rPr lang="ru-RU" altLang="ru-RU" dirty="0">
-                <a:solidFill>
-                  <a:srgbClr val="FFFFFF"/>
-                </a:solidFill>
-                <a:latin typeface="Verdana" panose="020B0604030504040204" pitchFamily="34" charset="0"/>
-              </a:rPr>
-              <a:t>{</a:t>
-            </a:r>
-            <a:br>
-              <a:rPr lang="ru-RU" altLang="ru-RU" dirty="0">
-                <a:solidFill>
-                  <a:srgbClr val="FFFFFF"/>
-                </a:solidFill>
-                <a:latin typeface="Verdana" panose="020B0604030504040204" pitchFamily="34" charset="0"/>
-              </a:rPr>
-            </a:br>
-            <a:r>
-              <a:rPr lang="ru-RU" altLang="ru-RU" dirty="0" err="1">
-                <a:solidFill>
-                  <a:srgbClr val="FFFFFF"/>
-                </a:solidFill>
-                <a:latin typeface="Verdana" panose="020B0604030504040204" pitchFamily="34" charset="0"/>
-              </a:rPr>
-              <a:t>public</a:t>
-            </a:r>
-            <a:r>
-              <a:rPr lang="ru-RU" altLang="ru-RU" dirty="0">
-                <a:solidFill>
-                  <a:srgbClr val="FFFFFF"/>
-                </a:solidFill>
-                <a:latin typeface="Verdana" panose="020B0604030504040204" pitchFamily="34" charset="0"/>
-              </a:rPr>
-              <a:t>:</a:t>
-            </a:r>
-            <a:br>
-              <a:rPr lang="ru-RU" altLang="ru-RU" dirty="0">
-                <a:solidFill>
-                  <a:srgbClr val="FFFFFF"/>
-                </a:solidFill>
-                <a:latin typeface="Verdana" panose="020B0604030504040204" pitchFamily="34" charset="0"/>
-              </a:rPr>
-            </a:br>
-            <a:r>
-              <a:rPr lang="ru-RU" altLang="ru-RU" dirty="0">
-                <a:solidFill>
-                  <a:srgbClr val="FFFFFF"/>
-                </a:solidFill>
-                <a:latin typeface="Verdana" panose="020B0604030504040204" pitchFamily="34" charset="0"/>
-              </a:rPr>
-              <a:t>    </a:t>
-            </a:r>
-            <a:r>
-              <a:rPr lang="ru-RU" altLang="ru-RU" dirty="0" err="1">
-                <a:solidFill>
-                  <a:srgbClr val="FFFFFF"/>
-                </a:solidFill>
-                <a:latin typeface="Verdana" panose="020B0604030504040204" pitchFamily="34" charset="0"/>
-              </a:rPr>
-              <a:t>explicit</a:t>
-            </a:r>
-            <a:r>
-              <a:rPr lang="ru-RU" altLang="ru-RU" dirty="0">
-                <a:solidFill>
-                  <a:srgbClr val="FFFFFF"/>
-                </a:solidFill>
-                <a:latin typeface="Verdana" panose="020B0604030504040204" pitchFamily="34" charset="0"/>
-              </a:rPr>
-              <a:t> </a:t>
-            </a:r>
-            <a:r>
-              <a:rPr lang="ru-RU" altLang="ru-RU" dirty="0" err="1">
-                <a:solidFill>
-                  <a:srgbClr val="FFCC00"/>
-                </a:solidFill>
-                <a:latin typeface="Verdana" panose="020B0604030504040204" pitchFamily="34" charset="0"/>
-              </a:rPr>
-              <a:t>HttpResponse</a:t>
-            </a:r>
-            <a:r>
-              <a:rPr lang="ru-RU" altLang="ru-RU" dirty="0">
-                <a:solidFill>
-                  <a:srgbClr val="FFFFFF"/>
-                </a:solidFill>
-                <a:latin typeface="Verdana" panose="020B0604030504040204" pitchFamily="34" charset="0"/>
-              </a:rPr>
-              <a:t>(</a:t>
-            </a:r>
-            <a:r>
-              <a:rPr lang="ru-RU" altLang="ru-RU" dirty="0" err="1">
-                <a:solidFill>
-                  <a:schemeClr val="accent4"/>
-                </a:solidFill>
-                <a:latin typeface="Verdana" panose="020B0604030504040204" pitchFamily="34" charset="0"/>
-              </a:rPr>
-              <a:t>HttpCode</a:t>
-            </a:r>
-            <a:r>
-              <a:rPr lang="ru-RU" altLang="ru-RU" dirty="0">
-                <a:solidFill>
-                  <a:schemeClr val="accent4"/>
-                </a:solidFill>
-                <a:latin typeface="Verdana" panose="020B0604030504040204" pitchFamily="34" charset="0"/>
-              </a:rPr>
-              <a:t> </a:t>
-            </a:r>
-            <a:r>
-              <a:rPr lang="ru-RU" altLang="ru-RU" dirty="0" err="1">
-                <a:solidFill>
-                  <a:schemeClr val="accent4"/>
-                </a:solidFill>
-                <a:latin typeface="Verdana" panose="020B0604030504040204" pitchFamily="34" charset="0"/>
-              </a:rPr>
-              <a:t>code</a:t>
-            </a:r>
-            <a:r>
-              <a:rPr lang="ru-RU" altLang="ru-RU" dirty="0">
-                <a:solidFill>
-                  <a:srgbClr val="FFFFFF"/>
-                </a:solidFill>
-                <a:latin typeface="Verdana" panose="020B0604030504040204" pitchFamily="34" charset="0"/>
-              </a:rPr>
-              <a:t>);</a:t>
-            </a:r>
-            <a:br>
-              <a:rPr lang="ru-RU" altLang="ru-RU" dirty="0">
-                <a:solidFill>
-                  <a:srgbClr val="FFFFFF"/>
-                </a:solidFill>
-                <a:latin typeface="Verdana" panose="020B0604030504040204" pitchFamily="34" charset="0"/>
-              </a:rPr>
-            </a:br>
-            <a:r>
-              <a:rPr lang="ru-RU" altLang="ru-RU" dirty="0">
-                <a:solidFill>
-                  <a:srgbClr val="FFFFFF"/>
-                </a:solidFill>
-                <a:latin typeface="Verdana" panose="020B0604030504040204" pitchFamily="34" charset="0"/>
-              </a:rPr>
-              <a:t>    </a:t>
-            </a:r>
-            <a:r>
-              <a:rPr lang="ru-RU" altLang="ru-RU" dirty="0" err="1">
-                <a:solidFill>
-                  <a:schemeClr val="accent4"/>
-                </a:solidFill>
-                <a:latin typeface="Verdana" panose="020B0604030504040204" pitchFamily="34" charset="0"/>
-              </a:rPr>
-              <a:t>HttpResponse</a:t>
-            </a:r>
-            <a:r>
-              <a:rPr lang="ru-RU" altLang="ru-RU" dirty="0">
-                <a:solidFill>
-                  <a:schemeClr val="accent4"/>
-                </a:solidFill>
-                <a:latin typeface="Verdana" panose="020B0604030504040204" pitchFamily="34" charset="0"/>
-              </a:rPr>
-              <a:t>&amp;</a:t>
-            </a:r>
-            <a:r>
-              <a:rPr lang="ru-RU" altLang="ru-RU" dirty="0">
-                <a:solidFill>
-                  <a:srgbClr val="FFFFFF"/>
-                </a:solidFill>
-                <a:latin typeface="Verdana" panose="020B0604030504040204" pitchFamily="34" charset="0"/>
-              </a:rPr>
-              <a:t> </a:t>
-            </a:r>
-            <a:r>
-              <a:rPr lang="ru-RU" altLang="ru-RU" dirty="0" err="1">
-                <a:solidFill>
-                  <a:srgbClr val="FFCC00"/>
-                </a:solidFill>
-                <a:latin typeface="Verdana" panose="020B0604030504040204" pitchFamily="34" charset="0"/>
-              </a:rPr>
-              <a:t>SetContent</a:t>
-            </a:r>
-            <a:r>
-              <a:rPr lang="ru-RU" altLang="ru-RU" dirty="0">
-                <a:solidFill>
-                  <a:srgbClr val="FFFFFF"/>
-                </a:solidFill>
-                <a:latin typeface="Verdana" panose="020B0604030504040204" pitchFamily="34" charset="0"/>
-              </a:rPr>
-              <a:t>(</a:t>
-            </a:r>
-            <a:r>
-              <a:rPr lang="ru-RU" altLang="ru-RU" dirty="0" err="1">
-                <a:solidFill>
-                  <a:srgbClr val="9E64A9"/>
-                </a:solidFill>
-                <a:latin typeface="Verdana" panose="020B0604030504040204" pitchFamily="34" charset="0"/>
-              </a:rPr>
-              <a:t>std</a:t>
-            </a:r>
-            <a:r>
-              <a:rPr lang="ru-RU" altLang="ru-RU" dirty="0">
-                <a:solidFill>
-                  <a:srgbClr val="FFFFFF"/>
-                </a:solidFill>
-                <a:latin typeface="Verdana" panose="020B0604030504040204" pitchFamily="34" charset="0"/>
-              </a:rPr>
-              <a:t>::</a:t>
-            </a:r>
-            <a:r>
-              <a:rPr lang="ru-RU" altLang="ru-RU" dirty="0" err="1">
-                <a:solidFill>
-                  <a:srgbClr val="FFCC00"/>
-                </a:solidFill>
-                <a:latin typeface="Verdana" panose="020B0604030504040204" pitchFamily="34" charset="0"/>
-              </a:rPr>
-              <a:t>string</a:t>
-            </a:r>
-            <a:r>
-              <a:rPr lang="ru-RU" altLang="ru-RU" dirty="0">
-                <a:solidFill>
-                  <a:srgbClr val="FFCC00"/>
-                </a:solidFill>
-                <a:latin typeface="Verdana" panose="020B0604030504040204" pitchFamily="34" charset="0"/>
-              </a:rPr>
-              <a:t> </a:t>
-            </a:r>
-            <a:r>
-              <a:rPr lang="ru-RU" altLang="ru-RU" dirty="0" err="1">
-                <a:solidFill>
-                  <a:srgbClr val="5BCD9D"/>
-                </a:solidFill>
-                <a:latin typeface="Verdana" panose="020B0604030504040204" pitchFamily="34" charset="0"/>
-              </a:rPr>
-              <a:t>value</a:t>
-            </a:r>
-            <a:r>
-              <a:rPr lang="ru-RU" altLang="ru-RU" dirty="0">
-                <a:solidFill>
-                  <a:srgbClr val="FFFFFF"/>
-                </a:solidFill>
-                <a:latin typeface="Verdana" panose="020B0604030504040204" pitchFamily="34" charset="0"/>
-              </a:rPr>
-              <a:t>);</a:t>
-            </a:r>
-            <a:br>
-              <a:rPr lang="ru-RU" altLang="ru-RU" dirty="0">
-                <a:solidFill>
-                  <a:srgbClr val="FFFFFF"/>
-                </a:solidFill>
-                <a:latin typeface="Verdana" panose="020B0604030504040204" pitchFamily="34" charset="0"/>
-              </a:rPr>
-            </a:br>
-            <a:r>
-              <a:rPr lang="ru-RU" altLang="ru-RU" dirty="0">
-                <a:solidFill>
-                  <a:srgbClr val="FFFFFF"/>
-                </a:solidFill>
-                <a:latin typeface="Verdana" panose="020B0604030504040204" pitchFamily="34" charset="0"/>
-              </a:rPr>
-              <a:t>    </a:t>
-            </a:r>
-            <a:r>
-              <a:rPr lang="ru-RU" altLang="ru-RU" dirty="0" err="1">
-                <a:solidFill>
-                  <a:srgbClr val="FFFFFF"/>
-                </a:solidFill>
-                <a:latin typeface="Verdana" panose="020B0604030504040204" pitchFamily="34" charset="0"/>
-              </a:rPr>
-              <a:t>friend</a:t>
-            </a:r>
-            <a:r>
-              <a:rPr lang="ru-RU" altLang="ru-RU" dirty="0">
-                <a:solidFill>
-                  <a:srgbClr val="FFFFFF"/>
-                </a:solidFill>
-                <a:latin typeface="Verdana" panose="020B0604030504040204" pitchFamily="34" charset="0"/>
-              </a:rPr>
-              <a:t> </a:t>
-            </a:r>
-            <a:r>
-              <a:rPr lang="ru-RU" altLang="ru-RU" dirty="0" err="1">
-                <a:solidFill>
-                  <a:srgbClr val="9E64A9"/>
-                </a:solidFill>
-                <a:latin typeface="Verdana" panose="020B0604030504040204" pitchFamily="34" charset="0"/>
-              </a:rPr>
-              <a:t>std</a:t>
-            </a:r>
-            <a:r>
-              <a:rPr lang="ru-RU" altLang="ru-RU" dirty="0">
-                <a:solidFill>
-                  <a:srgbClr val="FFFFFF"/>
-                </a:solidFill>
-                <a:latin typeface="Verdana" panose="020B0604030504040204" pitchFamily="34" charset="0"/>
-              </a:rPr>
-              <a:t>::</a:t>
-            </a:r>
-            <a:r>
-              <a:rPr lang="ru-RU" altLang="ru-RU" dirty="0" err="1">
-                <a:solidFill>
-                  <a:srgbClr val="FFCC00"/>
-                </a:solidFill>
-                <a:latin typeface="Verdana" panose="020B0604030504040204" pitchFamily="34" charset="0"/>
-              </a:rPr>
-              <a:t>ostream</a:t>
-            </a:r>
-            <a:r>
-              <a:rPr lang="ru-RU" altLang="ru-RU" dirty="0">
-                <a:solidFill>
-                  <a:srgbClr val="FFFFFF"/>
-                </a:solidFill>
-                <a:latin typeface="Verdana" panose="020B0604030504040204" pitchFamily="34" charset="0"/>
-              </a:rPr>
-              <a:t>&amp; </a:t>
-            </a:r>
-            <a:r>
-              <a:rPr lang="ru-RU" altLang="ru-RU" dirty="0" err="1">
-                <a:solidFill>
-                  <a:srgbClr val="FFFFFF"/>
-                </a:solidFill>
-                <a:latin typeface="Verdana" panose="020B0604030504040204" pitchFamily="34" charset="0"/>
-              </a:rPr>
-              <a:t>operator</a:t>
-            </a:r>
-            <a:r>
-              <a:rPr lang="ru-RU" altLang="ru-RU" dirty="0">
-                <a:solidFill>
-                  <a:srgbClr val="FFFFFF"/>
-                </a:solidFill>
-                <a:latin typeface="Verdana" panose="020B0604030504040204" pitchFamily="34" charset="0"/>
-              </a:rPr>
-              <a:t> </a:t>
-            </a:r>
-            <a:r>
-              <a:rPr lang="ru-RU" altLang="ru-RU" dirty="0">
-                <a:solidFill>
-                  <a:srgbClr val="FFCC00"/>
-                </a:solidFill>
-                <a:latin typeface="Verdana" panose="020B0604030504040204" pitchFamily="34" charset="0"/>
-              </a:rPr>
-              <a:t>&lt;&lt; </a:t>
-            </a:r>
-            <a:r>
-              <a:rPr lang="ru-RU" altLang="ru-RU" dirty="0">
-                <a:solidFill>
-                  <a:srgbClr val="FFFFFF"/>
-                </a:solidFill>
-                <a:latin typeface="Verdana" panose="020B0604030504040204" pitchFamily="34" charset="0"/>
-              </a:rPr>
-              <a:t>(</a:t>
-            </a:r>
-            <a:r>
-              <a:rPr lang="ru-RU" altLang="ru-RU" dirty="0" err="1">
-                <a:solidFill>
-                  <a:srgbClr val="9E64A9"/>
-                </a:solidFill>
-                <a:latin typeface="Verdana" panose="020B0604030504040204" pitchFamily="34" charset="0"/>
-              </a:rPr>
-              <a:t>std</a:t>
-            </a:r>
-            <a:r>
-              <a:rPr lang="ru-RU" altLang="ru-RU" dirty="0">
-                <a:solidFill>
-                  <a:srgbClr val="FFFFFF"/>
-                </a:solidFill>
-                <a:latin typeface="Verdana" panose="020B0604030504040204" pitchFamily="34" charset="0"/>
-              </a:rPr>
-              <a:t>::</a:t>
-            </a:r>
-            <a:r>
-              <a:rPr lang="ru-RU" altLang="ru-RU" dirty="0" err="1">
-                <a:solidFill>
-                  <a:srgbClr val="FFCC00"/>
-                </a:solidFill>
-                <a:latin typeface="Verdana" panose="020B0604030504040204" pitchFamily="34" charset="0"/>
-              </a:rPr>
-              <a:t>ostream</a:t>
-            </a:r>
-            <a:r>
-              <a:rPr lang="ru-RU" altLang="ru-RU" dirty="0">
-                <a:solidFill>
-                  <a:srgbClr val="FFFFFF"/>
-                </a:solidFill>
-                <a:latin typeface="Verdana" panose="020B0604030504040204" pitchFamily="34" charset="0"/>
-              </a:rPr>
-              <a:t>&amp; </a:t>
-            </a:r>
-            <a:r>
-              <a:rPr lang="ru-RU" altLang="ru-RU" dirty="0" err="1">
-                <a:solidFill>
-                  <a:srgbClr val="5BCD9D"/>
-                </a:solidFill>
-                <a:latin typeface="Verdana" panose="020B0604030504040204" pitchFamily="34" charset="0"/>
-              </a:rPr>
-              <a:t>os</a:t>
-            </a:r>
-            <a:r>
-              <a:rPr lang="ru-RU" altLang="ru-RU" dirty="0">
-                <a:solidFill>
-                  <a:srgbClr val="FFFFFF"/>
-                </a:solidFill>
-                <a:latin typeface="Verdana" panose="020B0604030504040204" pitchFamily="34" charset="0"/>
-              </a:rPr>
-              <a:t>, </a:t>
-            </a:r>
-            <a:r>
-              <a:rPr lang="ru-RU" altLang="ru-RU" dirty="0" err="1">
-                <a:solidFill>
-                  <a:srgbClr val="FFFFFF"/>
-                </a:solidFill>
-                <a:latin typeface="Verdana" panose="020B0604030504040204" pitchFamily="34" charset="0"/>
-              </a:rPr>
-              <a:t>const</a:t>
-            </a:r>
-            <a:r>
-              <a:rPr lang="ru-RU" altLang="ru-RU" dirty="0">
-                <a:solidFill>
-                  <a:srgbClr val="FFFFFF"/>
-                </a:solidFill>
-                <a:latin typeface="Verdana" panose="020B0604030504040204" pitchFamily="34" charset="0"/>
-              </a:rPr>
-              <a:t> </a:t>
-            </a:r>
-            <a:r>
-              <a:rPr lang="ru-RU" altLang="ru-RU" dirty="0" err="1">
-                <a:solidFill>
-                  <a:srgbClr val="FFCC00"/>
-                </a:solidFill>
-                <a:latin typeface="Verdana" panose="020B0604030504040204" pitchFamily="34" charset="0"/>
-              </a:rPr>
-              <a:t>HttpResponse</a:t>
-            </a:r>
-            <a:r>
-              <a:rPr lang="ru-RU" altLang="ru-RU" dirty="0">
-                <a:solidFill>
-                  <a:srgbClr val="FFFFFF"/>
-                </a:solidFill>
-                <a:latin typeface="Verdana" panose="020B0604030504040204" pitchFamily="34" charset="0"/>
-              </a:rPr>
-              <a:t>&amp; </a:t>
-            </a:r>
-            <a:r>
-              <a:rPr lang="ru-RU" altLang="ru-RU" dirty="0" err="1">
-                <a:solidFill>
-                  <a:srgbClr val="5BCD9D"/>
-                </a:solidFill>
-                <a:latin typeface="Verdana" panose="020B0604030504040204" pitchFamily="34" charset="0"/>
-              </a:rPr>
-              <a:t>resp</a:t>
-            </a:r>
-            <a:r>
-              <a:rPr lang="ru-RU" altLang="ru-RU" dirty="0">
-                <a:solidFill>
-                  <a:srgbClr val="FFFFFF"/>
-                </a:solidFill>
-                <a:latin typeface="Verdana" panose="020B0604030504040204" pitchFamily="34" charset="0"/>
-              </a:rPr>
-              <a:t>);</a:t>
-            </a:r>
-            <a:br>
-              <a:rPr lang="ru-RU" altLang="ru-RU" dirty="0">
-                <a:solidFill>
-                  <a:srgbClr val="FFFFFF"/>
-                </a:solidFill>
-                <a:latin typeface="Verdana" panose="020B0604030504040204" pitchFamily="34" charset="0"/>
-              </a:rPr>
-            </a:br>
-            <a:r>
-              <a:rPr lang="ru-RU" altLang="ru-RU" dirty="0">
-                <a:solidFill>
-                  <a:srgbClr val="FFFFFF"/>
-                </a:solidFill>
-                <a:latin typeface="Verdana" panose="020B0604030504040204" pitchFamily="34" charset="0"/>
-              </a:rPr>
-              <a:t>};</a:t>
-            </a:r>
-            <a:br>
-              <a:rPr lang="ru-RU" altLang="ru-RU" dirty="0">
-                <a:solidFill>
-                  <a:srgbClr val="FFFFFF"/>
-                </a:solidFill>
-                <a:latin typeface="Verdana" panose="020B0604030504040204" pitchFamily="34" charset="0"/>
-              </a:rPr>
-            </a:br>
-            <a:endParaRPr lang="ru-RU" altLang="ru-RU" sz="6600" dirty="0">
-              <a:solidFill>
-                <a:schemeClr val="tx1"/>
-              </a:solidFill>
-              <a:latin typeface="Arial" panose="020B0604020202020204" pitchFamily="34" charset="0"/>
-            </a:endParaRPr>
-          </a:p>
-          <a:p>
-            <a:endParaRPr lang="ru-RU" dirty="0"/>
-          </a:p>
-        </p:txBody>
-      </p:sp>
-      <p:sp>
-        <p:nvSpPr>
-          <p:cNvPr id="2" name="Заголовок 1"/>
-          <p:cNvSpPr>
-            <a:spLocks noGrp="1"/>
-          </p:cNvSpPr>
-          <p:nvPr>
-            <p:ph type="title"/>
-          </p:nvPr>
-        </p:nvSpPr>
-        <p:spPr/>
-        <p:txBody>
-          <a:bodyPr/>
-          <a:lstStyle/>
-          <a:p>
-            <a:r>
-              <a:rPr lang="ru-RU" dirty="0"/>
-              <a:t>Шаг первый – создадим интерфейс</a:t>
-            </a:r>
-          </a:p>
-        </p:txBody>
-      </p:sp>
-      <p:sp>
-        <p:nvSpPr>
-          <p:cNvPr id="3" name="Нижний колонтитул 2"/>
-          <p:cNvSpPr>
-            <a:spLocks noGrp="1"/>
-          </p:cNvSpPr>
-          <p:nvPr>
-            <p:ph type="ftr" sz="quarter" idx="11"/>
-          </p:nvPr>
-        </p:nvSpPr>
-        <p:spPr/>
-        <p:txBody>
-          <a:bodyPr/>
-          <a:lstStyle/>
-          <a:p>
-            <a:endParaRPr lang="ru-RU" dirty="0">
-              <a:solidFill>
-                <a:srgbClr val="000000"/>
-              </a:solidFill>
-            </a:endParaRPr>
-          </a:p>
-        </p:txBody>
-      </p:sp>
-      <p:sp>
-        <p:nvSpPr>
-          <p:cNvPr id="4" name="Номер слайда 3"/>
-          <p:cNvSpPr>
-            <a:spLocks noGrp="1"/>
-          </p:cNvSpPr>
-          <p:nvPr>
-            <p:ph type="sldNum" sz="quarter" idx="12"/>
-          </p:nvPr>
-        </p:nvSpPr>
-        <p:spPr/>
-        <p:txBody>
-          <a:bodyPr/>
-          <a:lstStyle/>
-          <a:p>
-            <a:fld id="{741C03D3-FA44-40EC-9A21-1FC4FEA3E22E}" type="slidenum">
-              <a:rPr lang="ru-RU" smtClean="0">
-                <a:solidFill>
-                  <a:schemeClr val="bg1"/>
-                </a:solidFill>
-              </a:rPr>
-              <a:pPr/>
-              <a:t>14</a:t>
-            </a:fld>
-            <a:endParaRPr lang="ru-RU" dirty="0">
-              <a:solidFill>
-                <a:schemeClr val="bg1"/>
-              </a:solidFill>
-            </a:endParaRPr>
-          </a:p>
-        </p:txBody>
-      </p:sp>
-    </p:spTree>
-    <p:extLst>
-      <p:ext uri="{BB962C8B-B14F-4D97-AF65-F5344CB8AC3E}">
-        <p14:creationId xmlns:p14="http://schemas.microsoft.com/office/powerpoint/2010/main" val="1218073368"/>
-      </p:ext>
-    </p:extLst>
-  </p:cSld>
-  <p:clrMapOvr>
-    <a:masterClrMapping/>
-  </p:clrMapOvr>
-  <p:timing>
-    <p:tnLst>
-      <p:par>
-        <p:cTn id="1" dur="indefinite" restart="never" nodeType="tmRoot"/>
-      </p:par>
-    </p:tnLst>
-  </p:timing>
-</p:sld>
-</file>
-
-<file path=ppt/slides/slide15.xml><?xml version="1.0" encoding="utf-8"?>
-<p:sld xmlns:a="http://schemas.openxmlformats.org/drawingml/2006/main" xmlns:r="http://schemas.openxmlformats.org/officeDocument/2006/relationships" xmlns:p="http://schemas.openxmlformats.org/presentationml/2006/main">
-  <p:cSld>
-    <p:spTree>
-      <p:nvGrpSpPr>
-        <p:cNvPr id="1" name=""/>
-        <p:cNvGrpSpPr/>
-        <p:nvPr/>
-      </p:nvGrpSpPr>
-      <p:grpSpPr>
-        <a:xfrm>
-          <a:off x="0" y="0"/>
-          <a:ext cx="0" cy="0"/>
-          <a:chOff x="0" y="0"/>
-          <a:chExt cx="0" cy="0"/>
-        </a:xfrm>
-      </p:grpSpPr>
-      <p:sp>
-        <p:nvSpPr>
-          <p:cNvPr id="5" name="Объект 4"/>
-          <p:cNvSpPr>
-            <a:spLocks noGrp="1"/>
-          </p:cNvSpPr>
-          <p:nvPr>
-            <p:ph idx="13"/>
-          </p:nvPr>
-        </p:nvSpPr>
-        <p:spPr/>
-        <p:txBody>
-          <a:bodyPr/>
-          <a:lstStyle/>
-          <a:p>
             <a:pPr>
               <a:lnSpc>
                 <a:spcPct val="130000"/>
@@ -27011,7 +26784,7 @@
                 </a:solidFill>
               </a:rPr>
               <a:pPr/>
-              <a:t>15</a:t>
+              <a:t>14</a:t>
             </a:fld>
             <a:endParaRPr lang="ru-RU" dirty="0">
               <a:solidFill>
@@ -28321,7 +28094,7 @@
 </p:sld>
 </file>
 
-<file path=ppt/slides/slide16.xml><?xml version="1.0" encoding="utf-8"?>
+<file path=ppt/slides/slide15.xml><?xml version="1.0" encoding="utf-8"?>
 <p:sld xmlns:a="http://schemas.openxmlformats.org/drawingml/2006/main" xmlns:r="http://schemas.openxmlformats.org/officeDocument/2006/relationships" xmlns:p="http://schemas.openxmlformats.org/presentationml/2006/main">
   <p:cSld>
     <p:spTree>
@@ -28495,7 +28268,7 @@
                 </a:solidFill>
               </a:rPr>
               <a:pPr/>
-              <a:t>16</a:t>
+              <a:t>15</a:t>
             </a:fld>
             <a:endParaRPr lang="ru-RU">
               <a:solidFill>
@@ -28509,6 +28282,715 @@
     <p:extLst>
       <p:ext uri="{BB962C8B-B14F-4D97-AF65-F5344CB8AC3E}">
         <p14:creationId xmlns:p14="http://schemas.microsoft.com/office/powerpoint/2010/main" val="3890318114"/>
+      </p:ext>
+    </p:extLst>
+  </p:cSld>
+  <p:clrMapOvr>
+    <a:masterClrMapping/>
+  </p:clrMapOvr>
+  <p:timing>
+    <p:tnLst>
+      <p:par>
+        <p:cTn id="1" dur="indefinite" restart="never" nodeType="tmRoot"/>
+      </p:par>
+    </p:tnLst>
+  </p:timing>
+</p:sld>
+</file>
+
+<file path=ppt/slides/slide16.xml><?xml version="1.0" encoding="utf-8"?>
+<p:sld xmlns:a="http://schemas.openxmlformats.org/drawingml/2006/main" xmlns:r="http://schemas.openxmlformats.org/officeDocument/2006/relationships" xmlns:p="http://schemas.openxmlformats.org/presentationml/2006/main">
+  <p:cSld>
+    <p:spTree>
+      <p:nvGrpSpPr>
+        <p:cNvPr id="1" name=""/>
+        <p:cNvGrpSpPr/>
+        <p:nvPr/>
+      </p:nvGrpSpPr>
+      <p:grpSpPr>
+        <a:xfrm>
+          <a:off x="0" y="0"/>
+          <a:ext cx="0" cy="0"/>
+          <a:chOff x="0" y="0"/>
+          <a:chExt cx="0" cy="0"/>
+        </a:xfrm>
+      </p:grpSpPr>
+      <p:sp>
+        <p:nvSpPr>
+          <p:cNvPr id="10" name="Объект 9"/>
+          <p:cNvSpPr>
+            <a:spLocks noGrp="1"/>
+          </p:cNvSpPr>
+          <p:nvPr>
+            <p:ph idx="13"/>
+          </p:nvPr>
+        </p:nvSpPr>
+        <p:spPr/>
+        <p:txBody>
+          <a:bodyPr/>
+          <a:lstStyle/>
+          <a:p>
+            <a:r>
+              <a:rPr lang="ru-RU" altLang="ru-RU" dirty="0" err="1">
+                <a:solidFill>
+                  <a:srgbClr val="FFFFFF"/>
+                </a:solidFill>
+                <a:latin typeface="Verdana" panose="020B0604030504040204" pitchFamily="34" charset="0"/>
+              </a:rPr>
+              <a:t>class</a:t>
+            </a:r>
+            <a:r>
+              <a:rPr lang="ru-RU" altLang="ru-RU" dirty="0">
+                <a:solidFill>
+                  <a:srgbClr val="FFFFFF"/>
+                </a:solidFill>
+                <a:latin typeface="Verdana" panose="020B0604030504040204" pitchFamily="34" charset="0"/>
+              </a:rPr>
+              <a:t> </a:t>
+            </a:r>
+            <a:r>
+              <a:rPr lang="ru-RU" altLang="ru-RU" dirty="0" err="1">
+                <a:solidFill>
+                  <a:srgbClr val="FFCC00"/>
+                </a:solidFill>
+                <a:latin typeface="Verdana" panose="020B0604030504040204" pitchFamily="34" charset="0"/>
+              </a:rPr>
+              <a:t>HttpResponse</a:t>
+            </a:r>
+            <a:r>
+              <a:rPr lang="ru-RU" altLang="ru-RU" dirty="0">
+                <a:solidFill>
+                  <a:srgbClr val="FFCC00"/>
+                </a:solidFill>
+                <a:latin typeface="Verdana" panose="020B0604030504040204" pitchFamily="34" charset="0"/>
+              </a:rPr>
+              <a:t> </a:t>
+            </a:r>
+            <a:r>
+              <a:rPr lang="ru-RU" altLang="ru-RU" dirty="0">
+                <a:solidFill>
+                  <a:srgbClr val="FFFFFF"/>
+                </a:solidFill>
+                <a:latin typeface="Verdana" panose="020B0604030504040204" pitchFamily="34" charset="0"/>
+              </a:rPr>
+              <a:t>{</a:t>
+            </a:r>
+            <a:br>
+              <a:rPr lang="ru-RU" altLang="ru-RU" dirty="0">
+                <a:solidFill>
+                  <a:srgbClr val="FFFFFF"/>
+                </a:solidFill>
+                <a:latin typeface="Verdana" panose="020B0604030504040204" pitchFamily="34" charset="0"/>
+              </a:rPr>
+            </a:br>
+            <a:r>
+              <a:rPr lang="ru-RU" altLang="ru-RU" dirty="0" err="1">
+                <a:solidFill>
+                  <a:srgbClr val="FFFFFF"/>
+                </a:solidFill>
+                <a:latin typeface="Verdana" panose="020B0604030504040204" pitchFamily="34" charset="0"/>
+              </a:rPr>
+              <a:t>public</a:t>
+            </a:r>
+            <a:r>
+              <a:rPr lang="ru-RU" altLang="ru-RU" dirty="0">
+                <a:solidFill>
+                  <a:srgbClr val="FFFFFF"/>
+                </a:solidFill>
+                <a:latin typeface="Verdana" panose="020B0604030504040204" pitchFamily="34" charset="0"/>
+              </a:rPr>
+              <a:t>:</a:t>
+            </a:r>
+            <a:br>
+              <a:rPr lang="ru-RU" altLang="ru-RU" dirty="0">
+                <a:solidFill>
+                  <a:srgbClr val="FFFFFF"/>
+                </a:solidFill>
+                <a:latin typeface="Verdana" panose="020B0604030504040204" pitchFamily="34" charset="0"/>
+              </a:rPr>
+            </a:br>
+            <a:r>
+              <a:rPr lang="ru-RU" altLang="ru-RU" dirty="0">
+                <a:solidFill>
+                  <a:srgbClr val="FFFFFF"/>
+                </a:solidFill>
+                <a:latin typeface="Verdana" panose="020B0604030504040204" pitchFamily="34" charset="0"/>
+              </a:rPr>
+              <a:t>    </a:t>
+            </a:r>
+            <a:r>
+              <a:rPr lang="ru-RU" altLang="ru-RU" dirty="0" err="1">
+                <a:solidFill>
+                  <a:srgbClr val="FFFFFF"/>
+                </a:solidFill>
+                <a:latin typeface="Verdana" panose="020B0604030504040204" pitchFamily="34" charset="0"/>
+              </a:rPr>
+              <a:t>explicit</a:t>
+            </a:r>
+            <a:r>
+              <a:rPr lang="ru-RU" altLang="ru-RU" dirty="0">
+                <a:solidFill>
+                  <a:srgbClr val="FFFFFF"/>
+                </a:solidFill>
+                <a:latin typeface="Verdana" panose="020B0604030504040204" pitchFamily="34" charset="0"/>
+              </a:rPr>
+              <a:t> </a:t>
+            </a:r>
+            <a:r>
+              <a:rPr lang="ru-RU" altLang="ru-RU" dirty="0" err="1">
+                <a:solidFill>
+                  <a:srgbClr val="FFCC00"/>
+                </a:solidFill>
+                <a:latin typeface="Verdana" panose="020B0604030504040204" pitchFamily="34" charset="0"/>
+              </a:rPr>
+              <a:t>HttpResponse</a:t>
+            </a:r>
+            <a:r>
+              <a:rPr lang="ru-RU" altLang="ru-RU" dirty="0">
+                <a:solidFill>
+                  <a:srgbClr val="FFFFFF"/>
+                </a:solidFill>
+                <a:latin typeface="Verdana" panose="020B0604030504040204" pitchFamily="34" charset="0"/>
+              </a:rPr>
+              <a:t>(</a:t>
+            </a:r>
+            <a:r>
+              <a:rPr lang="ru-RU" altLang="ru-RU" dirty="0" err="1">
+                <a:solidFill>
+                  <a:srgbClr val="FFCC00"/>
+                </a:solidFill>
+                <a:latin typeface="Verdana" panose="020B0604030504040204" pitchFamily="34" charset="0"/>
+              </a:rPr>
+              <a:t>HttpCode</a:t>
+            </a:r>
+            <a:r>
+              <a:rPr lang="ru-RU" altLang="ru-RU" dirty="0">
+                <a:solidFill>
+                  <a:srgbClr val="FFCC00"/>
+                </a:solidFill>
+                <a:latin typeface="Verdana" panose="020B0604030504040204" pitchFamily="34" charset="0"/>
+              </a:rPr>
+              <a:t> </a:t>
+            </a:r>
+            <a:r>
+              <a:rPr lang="ru-RU" altLang="ru-RU" dirty="0" err="1">
+                <a:solidFill>
+                  <a:srgbClr val="5BCD9D"/>
+                </a:solidFill>
+                <a:latin typeface="Verdana" panose="020B0604030504040204" pitchFamily="34" charset="0"/>
+              </a:rPr>
+              <a:t>code</a:t>
+            </a:r>
+            <a:r>
+              <a:rPr lang="ru-RU" altLang="ru-RU" dirty="0">
+                <a:solidFill>
+                  <a:srgbClr val="FFFFFF"/>
+                </a:solidFill>
+                <a:latin typeface="Verdana" panose="020B0604030504040204" pitchFamily="34" charset="0"/>
+              </a:rPr>
+              <a:t>);</a:t>
+            </a:r>
+            <a:br>
+              <a:rPr lang="ru-RU" altLang="ru-RU" dirty="0">
+                <a:solidFill>
+                  <a:srgbClr val="FFFFFF"/>
+                </a:solidFill>
+                <a:latin typeface="Verdana" panose="020B0604030504040204" pitchFamily="34" charset="0"/>
+              </a:rPr>
+            </a:br>
+            <a:r>
+              <a:rPr lang="ru-RU" altLang="ru-RU" dirty="0">
+                <a:solidFill>
+                  <a:srgbClr val="FFFFFF"/>
+                </a:solidFill>
+                <a:latin typeface="Verdana" panose="020B0604030504040204" pitchFamily="34" charset="0"/>
+              </a:rPr>
+              <a:t>    </a:t>
+            </a:r>
+            <a:r>
+              <a:rPr lang="ru-RU" altLang="ru-RU" dirty="0" err="1">
+                <a:solidFill>
+                  <a:srgbClr val="FFCC00"/>
+                </a:solidFill>
+                <a:latin typeface="Verdana" panose="020B0604030504040204" pitchFamily="34" charset="0"/>
+              </a:rPr>
+              <a:t>HttpResponse</a:t>
+            </a:r>
+            <a:r>
+              <a:rPr lang="ru-RU" altLang="ru-RU" dirty="0">
+                <a:solidFill>
+                  <a:srgbClr val="FFFFFF"/>
+                </a:solidFill>
+                <a:latin typeface="Verdana" panose="020B0604030504040204" pitchFamily="34" charset="0"/>
+              </a:rPr>
+              <a:t>&amp; </a:t>
+            </a:r>
+            <a:r>
+              <a:rPr lang="ru-RU" altLang="ru-RU" dirty="0" err="1">
+                <a:solidFill>
+                  <a:srgbClr val="FFCC00"/>
+                </a:solidFill>
+                <a:latin typeface="Verdana" panose="020B0604030504040204" pitchFamily="34" charset="0"/>
+              </a:rPr>
+              <a:t>SetContent</a:t>
+            </a:r>
+            <a:r>
+              <a:rPr lang="ru-RU" altLang="ru-RU" dirty="0">
+                <a:solidFill>
+                  <a:srgbClr val="FFFFFF"/>
+                </a:solidFill>
+                <a:latin typeface="Verdana" panose="020B0604030504040204" pitchFamily="34" charset="0"/>
+              </a:rPr>
+              <a:t>(</a:t>
+            </a:r>
+            <a:r>
+              <a:rPr lang="ru-RU" altLang="ru-RU" dirty="0" err="1">
+                <a:solidFill>
+                  <a:srgbClr val="9E64A9"/>
+                </a:solidFill>
+                <a:latin typeface="Verdana" panose="020B0604030504040204" pitchFamily="34" charset="0"/>
+              </a:rPr>
+              <a:t>std</a:t>
+            </a:r>
+            <a:r>
+              <a:rPr lang="ru-RU" altLang="ru-RU" dirty="0">
+                <a:solidFill>
+                  <a:srgbClr val="FFFFFF"/>
+                </a:solidFill>
+                <a:latin typeface="Verdana" panose="020B0604030504040204" pitchFamily="34" charset="0"/>
+              </a:rPr>
+              <a:t>::</a:t>
+            </a:r>
+            <a:r>
+              <a:rPr lang="ru-RU" altLang="ru-RU" dirty="0" err="1">
+                <a:solidFill>
+                  <a:srgbClr val="FFCC00"/>
+                </a:solidFill>
+                <a:latin typeface="Verdana" panose="020B0604030504040204" pitchFamily="34" charset="0"/>
+              </a:rPr>
+              <a:t>string</a:t>
+            </a:r>
+            <a:r>
+              <a:rPr lang="ru-RU" altLang="ru-RU" dirty="0">
+                <a:solidFill>
+                  <a:srgbClr val="FFCC00"/>
+                </a:solidFill>
+                <a:latin typeface="Verdana" panose="020B0604030504040204" pitchFamily="34" charset="0"/>
+              </a:rPr>
+              <a:t> </a:t>
+            </a:r>
+            <a:r>
+              <a:rPr lang="ru-RU" altLang="ru-RU" dirty="0" err="1">
+                <a:solidFill>
+                  <a:srgbClr val="5BCD9D"/>
+                </a:solidFill>
+                <a:latin typeface="Verdana" panose="020B0604030504040204" pitchFamily="34" charset="0"/>
+              </a:rPr>
+              <a:t>value</a:t>
+            </a:r>
+            <a:r>
+              <a:rPr lang="ru-RU" altLang="ru-RU" dirty="0">
+                <a:solidFill>
+                  <a:srgbClr val="FFFFFF"/>
+                </a:solidFill>
+                <a:latin typeface="Verdana" panose="020B0604030504040204" pitchFamily="34" charset="0"/>
+              </a:rPr>
+              <a:t>);</a:t>
+            </a:r>
+            <a:br>
+              <a:rPr lang="ru-RU" altLang="ru-RU" dirty="0">
+                <a:solidFill>
+                  <a:srgbClr val="FFFFFF"/>
+                </a:solidFill>
+                <a:latin typeface="Verdana" panose="020B0604030504040204" pitchFamily="34" charset="0"/>
+              </a:rPr>
+            </a:br>
+            <a:r>
+              <a:rPr lang="ru-RU" altLang="ru-RU" dirty="0">
+                <a:solidFill>
+                  <a:srgbClr val="FFFFFF"/>
+                </a:solidFill>
+                <a:latin typeface="Verdana" panose="020B0604030504040204" pitchFamily="34" charset="0"/>
+              </a:rPr>
+              <a:t>    </a:t>
+            </a:r>
+            <a:r>
+              <a:rPr lang="ru-RU" altLang="ru-RU" dirty="0" err="1">
+                <a:solidFill>
+                  <a:srgbClr val="FFFFFF"/>
+                </a:solidFill>
+                <a:latin typeface="Verdana" panose="020B0604030504040204" pitchFamily="34" charset="0"/>
+              </a:rPr>
+              <a:t>friend</a:t>
+            </a:r>
+            <a:r>
+              <a:rPr lang="ru-RU" altLang="ru-RU" dirty="0">
+                <a:solidFill>
+                  <a:srgbClr val="FFFFFF"/>
+                </a:solidFill>
+                <a:latin typeface="Verdana" panose="020B0604030504040204" pitchFamily="34" charset="0"/>
+              </a:rPr>
+              <a:t> </a:t>
+            </a:r>
+            <a:r>
+              <a:rPr lang="ru-RU" altLang="ru-RU" dirty="0" err="1">
+                <a:solidFill>
+                  <a:srgbClr val="9E64A9"/>
+                </a:solidFill>
+                <a:latin typeface="Verdana" panose="020B0604030504040204" pitchFamily="34" charset="0"/>
+              </a:rPr>
+              <a:t>std</a:t>
+            </a:r>
+            <a:r>
+              <a:rPr lang="ru-RU" altLang="ru-RU" dirty="0">
+                <a:solidFill>
+                  <a:srgbClr val="FFFFFF"/>
+                </a:solidFill>
+                <a:latin typeface="Verdana" panose="020B0604030504040204" pitchFamily="34" charset="0"/>
+              </a:rPr>
+              <a:t>::</a:t>
+            </a:r>
+            <a:r>
+              <a:rPr lang="ru-RU" altLang="ru-RU" dirty="0" err="1">
+                <a:solidFill>
+                  <a:srgbClr val="FFCC00"/>
+                </a:solidFill>
+                <a:latin typeface="Verdana" panose="020B0604030504040204" pitchFamily="34" charset="0"/>
+              </a:rPr>
+              <a:t>ostream</a:t>
+            </a:r>
+            <a:r>
+              <a:rPr lang="ru-RU" altLang="ru-RU" dirty="0">
+                <a:solidFill>
+                  <a:srgbClr val="FFFFFF"/>
+                </a:solidFill>
+                <a:latin typeface="Verdana" panose="020B0604030504040204" pitchFamily="34" charset="0"/>
+              </a:rPr>
+              <a:t>&amp; </a:t>
+            </a:r>
+            <a:r>
+              <a:rPr lang="ru-RU" altLang="ru-RU" dirty="0" err="1">
+                <a:solidFill>
+                  <a:srgbClr val="FFFFFF"/>
+                </a:solidFill>
+                <a:latin typeface="Verdana" panose="020B0604030504040204" pitchFamily="34" charset="0"/>
+              </a:rPr>
+              <a:t>operator</a:t>
+            </a:r>
+            <a:r>
+              <a:rPr lang="ru-RU" altLang="ru-RU" dirty="0">
+                <a:solidFill>
+                  <a:srgbClr val="FFFFFF"/>
+                </a:solidFill>
+                <a:latin typeface="Verdana" panose="020B0604030504040204" pitchFamily="34" charset="0"/>
+              </a:rPr>
+              <a:t> </a:t>
+            </a:r>
+            <a:r>
+              <a:rPr lang="ru-RU" altLang="ru-RU" dirty="0">
+                <a:solidFill>
+                  <a:srgbClr val="FFCC00"/>
+                </a:solidFill>
+                <a:latin typeface="Verdana" panose="020B0604030504040204" pitchFamily="34" charset="0"/>
+              </a:rPr>
+              <a:t>&lt;&lt; </a:t>
+            </a:r>
+            <a:r>
+              <a:rPr lang="ru-RU" altLang="ru-RU" dirty="0">
+                <a:solidFill>
+                  <a:srgbClr val="FFFFFF"/>
+                </a:solidFill>
+                <a:latin typeface="Verdana" panose="020B0604030504040204" pitchFamily="34" charset="0"/>
+              </a:rPr>
+              <a:t>(</a:t>
+            </a:r>
+            <a:r>
+              <a:rPr lang="ru-RU" altLang="ru-RU" dirty="0" err="1">
+                <a:solidFill>
+                  <a:srgbClr val="9E64A9"/>
+                </a:solidFill>
+                <a:latin typeface="Verdana" panose="020B0604030504040204" pitchFamily="34" charset="0"/>
+              </a:rPr>
+              <a:t>std</a:t>
+            </a:r>
+            <a:r>
+              <a:rPr lang="ru-RU" altLang="ru-RU" dirty="0">
+                <a:solidFill>
+                  <a:srgbClr val="FFFFFF"/>
+                </a:solidFill>
+                <a:latin typeface="Verdana" panose="020B0604030504040204" pitchFamily="34" charset="0"/>
+              </a:rPr>
+              <a:t>::</a:t>
+            </a:r>
+            <a:r>
+              <a:rPr lang="ru-RU" altLang="ru-RU" dirty="0" err="1">
+                <a:solidFill>
+                  <a:srgbClr val="FFCC00"/>
+                </a:solidFill>
+                <a:latin typeface="Verdana" panose="020B0604030504040204" pitchFamily="34" charset="0"/>
+              </a:rPr>
+              <a:t>ostream</a:t>
+            </a:r>
+            <a:r>
+              <a:rPr lang="ru-RU" altLang="ru-RU" dirty="0">
+                <a:solidFill>
+                  <a:srgbClr val="FFFFFF"/>
+                </a:solidFill>
+                <a:latin typeface="Verdana" panose="020B0604030504040204" pitchFamily="34" charset="0"/>
+              </a:rPr>
+              <a:t>&amp; </a:t>
+            </a:r>
+            <a:r>
+              <a:rPr lang="ru-RU" altLang="ru-RU" dirty="0" err="1">
+                <a:solidFill>
+                  <a:srgbClr val="5BCD9D"/>
+                </a:solidFill>
+                <a:latin typeface="Verdana" panose="020B0604030504040204" pitchFamily="34" charset="0"/>
+              </a:rPr>
+              <a:t>os</a:t>
+            </a:r>
+            <a:r>
+              <a:rPr lang="ru-RU" altLang="ru-RU" dirty="0">
+                <a:solidFill>
+                  <a:srgbClr val="FFFFFF"/>
+                </a:solidFill>
+                <a:latin typeface="Verdana" panose="020B0604030504040204" pitchFamily="34" charset="0"/>
+              </a:rPr>
+              <a:t>, </a:t>
+            </a:r>
+            <a:r>
+              <a:rPr lang="ru-RU" altLang="ru-RU" dirty="0" err="1">
+                <a:solidFill>
+                  <a:srgbClr val="FFFFFF"/>
+                </a:solidFill>
+                <a:latin typeface="Verdana" panose="020B0604030504040204" pitchFamily="34" charset="0"/>
+              </a:rPr>
+              <a:t>const</a:t>
+            </a:r>
+            <a:r>
+              <a:rPr lang="ru-RU" altLang="ru-RU" dirty="0">
+                <a:solidFill>
+                  <a:srgbClr val="FFFFFF"/>
+                </a:solidFill>
+                <a:latin typeface="Verdana" panose="020B0604030504040204" pitchFamily="34" charset="0"/>
+              </a:rPr>
+              <a:t> </a:t>
+            </a:r>
+            <a:r>
+              <a:rPr lang="ru-RU" altLang="ru-RU" dirty="0" err="1">
+                <a:solidFill>
+                  <a:srgbClr val="FFCC00"/>
+                </a:solidFill>
+                <a:latin typeface="Verdana" panose="020B0604030504040204" pitchFamily="34" charset="0"/>
+              </a:rPr>
+              <a:t>HttpResponse</a:t>
+            </a:r>
+            <a:r>
+              <a:rPr lang="ru-RU" altLang="ru-RU" dirty="0">
+                <a:solidFill>
+                  <a:srgbClr val="FFFFFF"/>
+                </a:solidFill>
+                <a:latin typeface="Verdana" panose="020B0604030504040204" pitchFamily="34" charset="0"/>
+              </a:rPr>
+              <a:t>&amp; </a:t>
+            </a:r>
+            <a:r>
+              <a:rPr lang="ru-RU" altLang="ru-RU" dirty="0" err="1">
+                <a:solidFill>
+                  <a:srgbClr val="5BCD9D"/>
+                </a:solidFill>
+                <a:latin typeface="Verdana" panose="020B0604030504040204" pitchFamily="34" charset="0"/>
+              </a:rPr>
+              <a:t>resp</a:t>
+            </a:r>
+            <a:r>
+              <a:rPr lang="ru-RU" altLang="ru-RU" dirty="0">
+                <a:solidFill>
+                  <a:srgbClr val="FFFFFF"/>
+                </a:solidFill>
+                <a:latin typeface="Verdana" panose="020B0604030504040204" pitchFamily="34" charset="0"/>
+              </a:rPr>
+              <a:t>);</a:t>
+            </a:r>
+            <a:br>
+              <a:rPr lang="ru-RU" altLang="ru-RU" dirty="0">
+                <a:solidFill>
+                  <a:srgbClr val="FFFFFF"/>
+                </a:solidFill>
+                <a:latin typeface="Verdana" panose="020B0604030504040204" pitchFamily="34" charset="0"/>
+              </a:rPr>
+            </a:br>
+            <a:r>
+              <a:rPr lang="ru-RU" altLang="ru-RU" dirty="0" smtClean="0">
+                <a:solidFill>
+                  <a:srgbClr val="FFFFFF"/>
+                </a:solidFill>
+                <a:latin typeface="Verdana" panose="020B0604030504040204" pitchFamily="34" charset="0"/>
+              </a:rPr>
+              <a:t>};</a:t>
+            </a:r>
+            <a:r>
+              <a:rPr lang="ru-RU" altLang="ru-RU" dirty="0">
+                <a:solidFill>
+                  <a:srgbClr val="FFFFFF"/>
+                </a:solidFill>
+                <a:latin typeface="Verdana" panose="020B0604030504040204" pitchFamily="34" charset="0"/>
+              </a:rPr>
+              <a:t/>
+            </a:r>
+            <a:br>
+              <a:rPr lang="ru-RU" altLang="ru-RU" dirty="0">
+                <a:solidFill>
+                  <a:srgbClr val="FFFFFF"/>
+                </a:solidFill>
+                <a:latin typeface="Verdana" panose="020B0604030504040204" pitchFamily="34" charset="0"/>
+              </a:rPr>
+            </a:br>
+            <a:endParaRPr lang="ru-RU" altLang="ru-RU" sz="6600" dirty="0">
+              <a:solidFill>
+                <a:schemeClr val="tx1"/>
+              </a:solidFill>
+              <a:latin typeface="Arial" panose="020B0604020202020204" pitchFamily="34" charset="0"/>
+            </a:endParaRPr>
+          </a:p>
+          <a:p>
+            <a:endParaRPr lang="en-US" altLang="ru-RU" dirty="0">
+              <a:solidFill>
+                <a:srgbClr val="FFFFFF"/>
+              </a:solidFill>
+              <a:latin typeface="Verdana" panose="020B0604030504040204" pitchFamily="34" charset="0"/>
+            </a:endParaRPr>
+          </a:p>
+        </p:txBody>
+      </p:sp>
+      <p:sp>
+        <p:nvSpPr>
+          <p:cNvPr id="2" name="Заголовок 1"/>
+          <p:cNvSpPr>
+            <a:spLocks noGrp="1"/>
+          </p:cNvSpPr>
+          <p:nvPr>
+            <p:ph type="title"/>
+          </p:nvPr>
+        </p:nvSpPr>
+        <p:spPr/>
+        <p:txBody>
+          <a:bodyPr/>
+          <a:lstStyle/>
+          <a:p>
+            <a:r>
+              <a:rPr lang="ru-RU" dirty="0" smtClean="0"/>
+              <a:t>Третий шаг – пишем юнит-тесты</a:t>
+            </a:r>
+            <a:endParaRPr lang="ru-RU" dirty="0"/>
+          </a:p>
+        </p:txBody>
+      </p:sp>
+      <p:sp>
+        <p:nvSpPr>
+          <p:cNvPr id="5" name="Объект 4"/>
+          <p:cNvSpPr>
+            <a:spLocks noGrp="1"/>
+          </p:cNvSpPr>
+          <p:nvPr>
+            <p:ph idx="1"/>
+          </p:nvPr>
+        </p:nvSpPr>
+        <p:spPr/>
+        <p:txBody>
+          <a:bodyPr/>
+          <a:lstStyle/>
+          <a:p>
+            <a:pPr lvl="1"/>
+            <a:r>
+              <a:rPr lang="ru-RU" altLang="ru-RU" dirty="0" smtClean="0">
+                <a:latin typeface="Verdana" panose="020B0604030504040204" pitchFamily="34" charset="0"/>
+              </a:rPr>
+              <a:t>Покроем наш интерфейс юнит-тестами</a:t>
+            </a:r>
+            <a:endParaRPr lang="en-US" altLang="ru-RU" dirty="0">
+              <a:latin typeface="Verdana" panose="020B0604030504040204" pitchFamily="34" charset="0"/>
+            </a:endParaRPr>
+          </a:p>
+          <a:p>
+            <a:pPr lvl="1"/>
+            <a:endParaRPr lang="ru-RU" altLang="ru-RU" dirty="0">
+              <a:latin typeface="Verdana" panose="020B0604030504040204" pitchFamily="34" charset="0"/>
+            </a:endParaRPr>
+          </a:p>
+          <a:p>
+            <a:pPr lvl="1"/>
+            <a:r>
+              <a:rPr lang="ru-RU" altLang="ru-RU" dirty="0" smtClean="0">
+                <a:latin typeface="Verdana" panose="020B0604030504040204" pitchFamily="34" charset="0"/>
+              </a:rPr>
+              <a:t>Мы всё ещё его не реализовали!</a:t>
+            </a:r>
+            <a:endParaRPr lang="en-US" altLang="ru-RU" dirty="0" smtClean="0">
+              <a:latin typeface="Verdana" panose="020B0604030504040204" pitchFamily="34" charset="0"/>
+            </a:endParaRPr>
+          </a:p>
+        </p:txBody>
+      </p:sp>
+      <p:sp>
+        <p:nvSpPr>
+          <p:cNvPr id="3" name="Нижний колонтитул 2"/>
+          <p:cNvSpPr>
+            <a:spLocks noGrp="1"/>
+          </p:cNvSpPr>
+          <p:nvPr>
+            <p:ph type="ftr" sz="quarter" idx="11"/>
+          </p:nvPr>
+        </p:nvSpPr>
+        <p:spPr/>
+        <p:txBody>
+          <a:bodyPr/>
+          <a:lstStyle/>
+          <a:p>
+            <a:endParaRPr lang="ru-RU" dirty="0">
+              <a:solidFill>
+                <a:srgbClr val="000000"/>
+              </a:solidFill>
+            </a:endParaRPr>
+          </a:p>
+        </p:txBody>
+      </p:sp>
+      <p:sp>
+        <p:nvSpPr>
+          <p:cNvPr id="4" name="Номер слайда 3"/>
+          <p:cNvSpPr>
+            <a:spLocks noGrp="1"/>
+          </p:cNvSpPr>
+          <p:nvPr>
+            <p:ph type="sldNum" sz="quarter" idx="12"/>
+          </p:nvPr>
+        </p:nvSpPr>
+        <p:spPr/>
+        <p:txBody>
+          <a:bodyPr/>
+          <a:lstStyle/>
+          <a:p>
+            <a:fld id="{741C03D3-FA44-40EC-9A21-1FC4FEA3E22E}" type="slidenum">
+              <a:rPr lang="ru-RU" smtClean="0">
+                <a:solidFill>
+                  <a:schemeClr val="bg1"/>
+                </a:solidFill>
+              </a:rPr>
+              <a:pPr/>
+              <a:t>16</a:t>
+            </a:fld>
+            <a:endParaRPr lang="ru-RU" dirty="0">
+              <a:solidFill>
+                <a:schemeClr val="bg1"/>
+              </a:solidFill>
+            </a:endParaRPr>
+          </a:p>
+        </p:txBody>
+      </p:sp>
+    </p:spTree>
+    <p:extLst>
+      <p:ext uri="{BB962C8B-B14F-4D97-AF65-F5344CB8AC3E}">
+        <p14:creationId xmlns:p14="http://schemas.microsoft.com/office/powerpoint/2010/main" val="816885251"/>
       </p:ext>
     </p:extLst>
   </p:cSld>
@@ -28544,715 +29026,6 @@
       </p:grpSpPr>
       <p:sp>
         <p:nvSpPr>
-          <p:cNvPr id="10" name="Объект 9"/>
-          <p:cNvSpPr>
-            <a:spLocks noGrp="1"/>
-          </p:cNvSpPr>
-          <p:nvPr>
-            <p:ph idx="13"/>
-          </p:nvPr>
-        </p:nvSpPr>
-        <p:spPr/>
-        <p:txBody>
-          <a:bodyPr/>
-          <a:lstStyle/>
-          <a:p>
-            <a:r>
-              <a:rPr lang="ru-RU" altLang="ru-RU" dirty="0" err="1">
-                <a:solidFill>
-                  <a:srgbClr val="FFFFFF"/>
-                </a:solidFill>
-                <a:latin typeface="Verdana" panose="020B0604030504040204" pitchFamily="34" charset="0"/>
-              </a:rPr>
-              <a:t>class</a:t>
-            </a:r>
-            <a:r>
-              <a:rPr lang="ru-RU" altLang="ru-RU" dirty="0">
-                <a:solidFill>
-                  <a:srgbClr val="FFFFFF"/>
-                </a:solidFill>
-                <a:latin typeface="Verdana" panose="020B0604030504040204" pitchFamily="34" charset="0"/>
-              </a:rPr>
-              <a:t> </a:t>
-            </a:r>
-            <a:r>
-              <a:rPr lang="ru-RU" altLang="ru-RU" dirty="0" err="1">
-                <a:solidFill>
-                  <a:srgbClr val="FFCC00"/>
-                </a:solidFill>
-                <a:latin typeface="Verdana" panose="020B0604030504040204" pitchFamily="34" charset="0"/>
-              </a:rPr>
-              <a:t>HttpResponse</a:t>
-            </a:r>
-            <a:r>
-              <a:rPr lang="ru-RU" altLang="ru-RU" dirty="0">
-                <a:solidFill>
-                  <a:srgbClr val="FFCC00"/>
-                </a:solidFill>
-                <a:latin typeface="Verdana" panose="020B0604030504040204" pitchFamily="34" charset="0"/>
-              </a:rPr>
-              <a:t> </a:t>
-            </a:r>
-            <a:r>
-              <a:rPr lang="ru-RU" altLang="ru-RU" dirty="0">
-                <a:solidFill>
-                  <a:srgbClr val="FFFFFF"/>
-                </a:solidFill>
-                <a:latin typeface="Verdana" panose="020B0604030504040204" pitchFamily="34" charset="0"/>
-              </a:rPr>
-              <a:t>{</a:t>
-            </a:r>
-            <a:br>
-              <a:rPr lang="ru-RU" altLang="ru-RU" dirty="0">
-                <a:solidFill>
-                  <a:srgbClr val="FFFFFF"/>
-                </a:solidFill>
-                <a:latin typeface="Verdana" panose="020B0604030504040204" pitchFamily="34" charset="0"/>
-              </a:rPr>
-            </a:br>
-            <a:r>
-              <a:rPr lang="ru-RU" altLang="ru-RU" dirty="0" err="1">
-                <a:solidFill>
-                  <a:srgbClr val="FFFFFF"/>
-                </a:solidFill>
-                <a:latin typeface="Verdana" panose="020B0604030504040204" pitchFamily="34" charset="0"/>
-              </a:rPr>
-              <a:t>public</a:t>
-            </a:r>
-            <a:r>
-              <a:rPr lang="ru-RU" altLang="ru-RU" dirty="0">
-                <a:solidFill>
-                  <a:srgbClr val="FFFFFF"/>
-                </a:solidFill>
-                <a:latin typeface="Verdana" panose="020B0604030504040204" pitchFamily="34" charset="0"/>
-              </a:rPr>
-              <a:t>:</a:t>
-            </a:r>
-            <a:br>
-              <a:rPr lang="ru-RU" altLang="ru-RU" dirty="0">
-                <a:solidFill>
-                  <a:srgbClr val="FFFFFF"/>
-                </a:solidFill>
-                <a:latin typeface="Verdana" panose="020B0604030504040204" pitchFamily="34" charset="0"/>
-              </a:rPr>
-            </a:br>
-            <a:r>
-              <a:rPr lang="ru-RU" altLang="ru-RU" dirty="0">
-                <a:solidFill>
-                  <a:srgbClr val="FFFFFF"/>
-                </a:solidFill>
-                <a:latin typeface="Verdana" panose="020B0604030504040204" pitchFamily="34" charset="0"/>
-              </a:rPr>
-              <a:t>    </a:t>
-            </a:r>
-            <a:r>
-              <a:rPr lang="ru-RU" altLang="ru-RU" dirty="0" err="1">
-                <a:solidFill>
-                  <a:srgbClr val="FFFFFF"/>
-                </a:solidFill>
-                <a:latin typeface="Verdana" panose="020B0604030504040204" pitchFamily="34" charset="0"/>
-              </a:rPr>
-              <a:t>explicit</a:t>
-            </a:r>
-            <a:r>
-              <a:rPr lang="ru-RU" altLang="ru-RU" dirty="0">
-                <a:solidFill>
-                  <a:srgbClr val="FFFFFF"/>
-                </a:solidFill>
-                <a:latin typeface="Verdana" panose="020B0604030504040204" pitchFamily="34" charset="0"/>
-              </a:rPr>
-              <a:t> </a:t>
-            </a:r>
-            <a:r>
-              <a:rPr lang="ru-RU" altLang="ru-RU" dirty="0" err="1">
-                <a:solidFill>
-                  <a:srgbClr val="FFCC00"/>
-                </a:solidFill>
-                <a:latin typeface="Verdana" panose="020B0604030504040204" pitchFamily="34" charset="0"/>
-              </a:rPr>
-              <a:t>HttpResponse</a:t>
-            </a:r>
-            <a:r>
-              <a:rPr lang="ru-RU" altLang="ru-RU" dirty="0">
-                <a:solidFill>
-                  <a:srgbClr val="FFFFFF"/>
-                </a:solidFill>
-                <a:latin typeface="Verdana" panose="020B0604030504040204" pitchFamily="34" charset="0"/>
-              </a:rPr>
-              <a:t>(</a:t>
-            </a:r>
-            <a:r>
-              <a:rPr lang="ru-RU" altLang="ru-RU" dirty="0" err="1">
-                <a:solidFill>
-                  <a:srgbClr val="FFCC00"/>
-                </a:solidFill>
-                <a:latin typeface="Verdana" panose="020B0604030504040204" pitchFamily="34" charset="0"/>
-              </a:rPr>
-              <a:t>HttpCode</a:t>
-            </a:r>
-            <a:r>
-              <a:rPr lang="ru-RU" altLang="ru-RU" dirty="0">
-                <a:solidFill>
-                  <a:srgbClr val="FFCC00"/>
-                </a:solidFill>
-                <a:latin typeface="Verdana" panose="020B0604030504040204" pitchFamily="34" charset="0"/>
-              </a:rPr>
-              <a:t> </a:t>
-            </a:r>
-            <a:r>
-              <a:rPr lang="ru-RU" altLang="ru-RU" dirty="0" err="1">
-                <a:solidFill>
-                  <a:srgbClr val="5BCD9D"/>
-                </a:solidFill>
-                <a:latin typeface="Verdana" panose="020B0604030504040204" pitchFamily="34" charset="0"/>
-              </a:rPr>
-              <a:t>code</a:t>
-            </a:r>
-            <a:r>
-              <a:rPr lang="ru-RU" altLang="ru-RU" dirty="0">
-                <a:solidFill>
-                  <a:srgbClr val="FFFFFF"/>
-                </a:solidFill>
-                <a:latin typeface="Verdana" panose="020B0604030504040204" pitchFamily="34" charset="0"/>
-              </a:rPr>
-              <a:t>);</a:t>
-            </a:r>
-            <a:br>
-              <a:rPr lang="ru-RU" altLang="ru-RU" dirty="0">
-                <a:solidFill>
-                  <a:srgbClr val="FFFFFF"/>
-                </a:solidFill>
-                <a:latin typeface="Verdana" panose="020B0604030504040204" pitchFamily="34" charset="0"/>
-              </a:rPr>
-            </a:br>
-            <a:r>
-              <a:rPr lang="ru-RU" altLang="ru-RU" dirty="0">
-                <a:solidFill>
-                  <a:srgbClr val="FFFFFF"/>
-                </a:solidFill>
-                <a:latin typeface="Verdana" panose="020B0604030504040204" pitchFamily="34" charset="0"/>
-              </a:rPr>
-              <a:t>    </a:t>
-            </a:r>
-            <a:r>
-              <a:rPr lang="ru-RU" altLang="ru-RU" dirty="0" err="1">
-                <a:solidFill>
-                  <a:srgbClr val="FFCC00"/>
-                </a:solidFill>
-                <a:latin typeface="Verdana" panose="020B0604030504040204" pitchFamily="34" charset="0"/>
-              </a:rPr>
-              <a:t>HttpResponse</a:t>
-            </a:r>
-            <a:r>
-              <a:rPr lang="ru-RU" altLang="ru-RU" dirty="0">
-                <a:solidFill>
-                  <a:srgbClr val="FFFFFF"/>
-                </a:solidFill>
-                <a:latin typeface="Verdana" panose="020B0604030504040204" pitchFamily="34" charset="0"/>
-              </a:rPr>
-              <a:t>&amp; </a:t>
-            </a:r>
-            <a:r>
-              <a:rPr lang="ru-RU" altLang="ru-RU" dirty="0" err="1">
-                <a:solidFill>
-                  <a:srgbClr val="FFCC00"/>
-                </a:solidFill>
-                <a:latin typeface="Verdana" panose="020B0604030504040204" pitchFamily="34" charset="0"/>
-              </a:rPr>
-              <a:t>SetContent</a:t>
-            </a:r>
-            <a:r>
-              <a:rPr lang="ru-RU" altLang="ru-RU" dirty="0">
-                <a:solidFill>
-                  <a:srgbClr val="FFFFFF"/>
-                </a:solidFill>
-                <a:latin typeface="Verdana" panose="020B0604030504040204" pitchFamily="34" charset="0"/>
-              </a:rPr>
-              <a:t>(</a:t>
-            </a:r>
-            <a:r>
-              <a:rPr lang="ru-RU" altLang="ru-RU" dirty="0" err="1">
-                <a:solidFill>
-                  <a:srgbClr val="9E64A9"/>
-                </a:solidFill>
-                <a:latin typeface="Verdana" panose="020B0604030504040204" pitchFamily="34" charset="0"/>
-              </a:rPr>
-              <a:t>std</a:t>
-            </a:r>
-            <a:r>
-              <a:rPr lang="ru-RU" altLang="ru-RU" dirty="0">
-                <a:solidFill>
-                  <a:srgbClr val="FFFFFF"/>
-                </a:solidFill>
-                <a:latin typeface="Verdana" panose="020B0604030504040204" pitchFamily="34" charset="0"/>
-              </a:rPr>
-              <a:t>::</a:t>
-            </a:r>
-            <a:r>
-              <a:rPr lang="ru-RU" altLang="ru-RU" dirty="0" err="1">
-                <a:solidFill>
-                  <a:srgbClr val="FFCC00"/>
-                </a:solidFill>
-                <a:latin typeface="Verdana" panose="020B0604030504040204" pitchFamily="34" charset="0"/>
-              </a:rPr>
-              <a:t>string</a:t>
-            </a:r>
-            <a:r>
-              <a:rPr lang="ru-RU" altLang="ru-RU" dirty="0">
-                <a:solidFill>
-                  <a:srgbClr val="FFCC00"/>
-                </a:solidFill>
-                <a:latin typeface="Verdana" panose="020B0604030504040204" pitchFamily="34" charset="0"/>
-              </a:rPr>
-              <a:t> </a:t>
-            </a:r>
-            <a:r>
-              <a:rPr lang="ru-RU" altLang="ru-RU" dirty="0" err="1">
-                <a:solidFill>
-                  <a:srgbClr val="5BCD9D"/>
-                </a:solidFill>
-                <a:latin typeface="Verdana" panose="020B0604030504040204" pitchFamily="34" charset="0"/>
-              </a:rPr>
-              <a:t>value</a:t>
-            </a:r>
-            <a:r>
-              <a:rPr lang="ru-RU" altLang="ru-RU" dirty="0">
-                <a:solidFill>
-                  <a:srgbClr val="FFFFFF"/>
-                </a:solidFill>
-                <a:latin typeface="Verdana" panose="020B0604030504040204" pitchFamily="34" charset="0"/>
-              </a:rPr>
-              <a:t>);</a:t>
-            </a:r>
-            <a:br>
-              <a:rPr lang="ru-RU" altLang="ru-RU" dirty="0">
-                <a:solidFill>
-                  <a:srgbClr val="FFFFFF"/>
-                </a:solidFill>
-                <a:latin typeface="Verdana" panose="020B0604030504040204" pitchFamily="34" charset="0"/>
-              </a:rPr>
-            </a:br>
-            <a:r>
-              <a:rPr lang="ru-RU" altLang="ru-RU" dirty="0">
-                <a:solidFill>
-                  <a:srgbClr val="FFFFFF"/>
-                </a:solidFill>
-                <a:latin typeface="Verdana" panose="020B0604030504040204" pitchFamily="34" charset="0"/>
-              </a:rPr>
-              <a:t>    </a:t>
-            </a:r>
-            <a:r>
-              <a:rPr lang="ru-RU" altLang="ru-RU" dirty="0" err="1">
-                <a:solidFill>
-                  <a:srgbClr val="FFFFFF"/>
-                </a:solidFill>
-                <a:latin typeface="Verdana" panose="020B0604030504040204" pitchFamily="34" charset="0"/>
-              </a:rPr>
-              <a:t>friend</a:t>
-            </a:r>
-            <a:r>
-              <a:rPr lang="ru-RU" altLang="ru-RU" dirty="0">
-                <a:solidFill>
-                  <a:srgbClr val="FFFFFF"/>
-                </a:solidFill>
-                <a:latin typeface="Verdana" panose="020B0604030504040204" pitchFamily="34" charset="0"/>
-              </a:rPr>
-              <a:t> </a:t>
-            </a:r>
-            <a:r>
-              <a:rPr lang="ru-RU" altLang="ru-RU" dirty="0" err="1">
-                <a:solidFill>
-                  <a:srgbClr val="9E64A9"/>
-                </a:solidFill>
-                <a:latin typeface="Verdana" panose="020B0604030504040204" pitchFamily="34" charset="0"/>
-              </a:rPr>
-              <a:t>std</a:t>
-            </a:r>
-            <a:r>
-              <a:rPr lang="ru-RU" altLang="ru-RU" dirty="0">
-                <a:solidFill>
-                  <a:srgbClr val="FFFFFF"/>
-                </a:solidFill>
-                <a:latin typeface="Verdana" panose="020B0604030504040204" pitchFamily="34" charset="0"/>
-              </a:rPr>
-              <a:t>::</a:t>
-            </a:r>
-            <a:r>
-              <a:rPr lang="ru-RU" altLang="ru-RU" dirty="0" err="1">
-                <a:solidFill>
-                  <a:srgbClr val="FFCC00"/>
-                </a:solidFill>
-                <a:latin typeface="Verdana" panose="020B0604030504040204" pitchFamily="34" charset="0"/>
-              </a:rPr>
-              <a:t>ostream</a:t>
-            </a:r>
-            <a:r>
-              <a:rPr lang="ru-RU" altLang="ru-RU" dirty="0">
-                <a:solidFill>
-                  <a:srgbClr val="FFFFFF"/>
-                </a:solidFill>
-                <a:latin typeface="Verdana" panose="020B0604030504040204" pitchFamily="34" charset="0"/>
-              </a:rPr>
-              <a:t>&amp; </a:t>
-            </a:r>
-            <a:r>
-              <a:rPr lang="ru-RU" altLang="ru-RU" dirty="0" err="1">
-                <a:solidFill>
-                  <a:srgbClr val="FFFFFF"/>
-                </a:solidFill>
-                <a:latin typeface="Verdana" panose="020B0604030504040204" pitchFamily="34" charset="0"/>
-              </a:rPr>
-              <a:t>operator</a:t>
-            </a:r>
-            <a:r>
-              <a:rPr lang="ru-RU" altLang="ru-RU" dirty="0">
-                <a:solidFill>
-                  <a:srgbClr val="FFFFFF"/>
-                </a:solidFill>
-                <a:latin typeface="Verdana" panose="020B0604030504040204" pitchFamily="34" charset="0"/>
-              </a:rPr>
-              <a:t> </a:t>
-            </a:r>
-            <a:r>
-              <a:rPr lang="ru-RU" altLang="ru-RU" dirty="0">
-                <a:solidFill>
-                  <a:srgbClr val="FFCC00"/>
-                </a:solidFill>
-                <a:latin typeface="Verdana" panose="020B0604030504040204" pitchFamily="34" charset="0"/>
-              </a:rPr>
-              <a:t>&lt;&lt; </a:t>
-            </a:r>
-            <a:r>
-              <a:rPr lang="ru-RU" altLang="ru-RU" dirty="0">
-                <a:solidFill>
-                  <a:srgbClr val="FFFFFF"/>
-                </a:solidFill>
-                <a:latin typeface="Verdana" panose="020B0604030504040204" pitchFamily="34" charset="0"/>
-              </a:rPr>
-              <a:t>(</a:t>
-            </a:r>
-            <a:r>
-              <a:rPr lang="ru-RU" altLang="ru-RU" dirty="0" err="1">
-                <a:solidFill>
-                  <a:srgbClr val="9E64A9"/>
-                </a:solidFill>
-                <a:latin typeface="Verdana" panose="020B0604030504040204" pitchFamily="34" charset="0"/>
-              </a:rPr>
-              <a:t>std</a:t>
-            </a:r>
-            <a:r>
-              <a:rPr lang="ru-RU" altLang="ru-RU" dirty="0">
-                <a:solidFill>
-                  <a:srgbClr val="FFFFFF"/>
-                </a:solidFill>
-                <a:latin typeface="Verdana" panose="020B0604030504040204" pitchFamily="34" charset="0"/>
-              </a:rPr>
-              <a:t>::</a:t>
-            </a:r>
-            <a:r>
-              <a:rPr lang="ru-RU" altLang="ru-RU" dirty="0" err="1">
-                <a:solidFill>
-                  <a:srgbClr val="FFCC00"/>
-                </a:solidFill>
-                <a:latin typeface="Verdana" panose="020B0604030504040204" pitchFamily="34" charset="0"/>
-              </a:rPr>
-              <a:t>ostream</a:t>
-            </a:r>
-            <a:r>
-              <a:rPr lang="ru-RU" altLang="ru-RU" dirty="0">
-                <a:solidFill>
-                  <a:srgbClr val="FFFFFF"/>
-                </a:solidFill>
-                <a:latin typeface="Verdana" panose="020B0604030504040204" pitchFamily="34" charset="0"/>
-              </a:rPr>
-              <a:t>&amp; </a:t>
-            </a:r>
-            <a:r>
-              <a:rPr lang="ru-RU" altLang="ru-RU" dirty="0" err="1">
-                <a:solidFill>
-                  <a:srgbClr val="5BCD9D"/>
-                </a:solidFill>
-                <a:latin typeface="Verdana" panose="020B0604030504040204" pitchFamily="34" charset="0"/>
-              </a:rPr>
-              <a:t>os</a:t>
-            </a:r>
-            <a:r>
-              <a:rPr lang="ru-RU" altLang="ru-RU" dirty="0">
-                <a:solidFill>
-                  <a:srgbClr val="FFFFFF"/>
-                </a:solidFill>
-                <a:latin typeface="Verdana" panose="020B0604030504040204" pitchFamily="34" charset="0"/>
-              </a:rPr>
-              <a:t>, </a:t>
-            </a:r>
-            <a:r>
-              <a:rPr lang="ru-RU" altLang="ru-RU" dirty="0" err="1">
-                <a:solidFill>
-                  <a:srgbClr val="FFFFFF"/>
-                </a:solidFill>
-                <a:latin typeface="Verdana" panose="020B0604030504040204" pitchFamily="34" charset="0"/>
-              </a:rPr>
-              <a:t>const</a:t>
-            </a:r>
-            <a:r>
-              <a:rPr lang="ru-RU" altLang="ru-RU" dirty="0">
-                <a:solidFill>
-                  <a:srgbClr val="FFFFFF"/>
-                </a:solidFill>
-                <a:latin typeface="Verdana" panose="020B0604030504040204" pitchFamily="34" charset="0"/>
-              </a:rPr>
-              <a:t> </a:t>
-            </a:r>
-            <a:r>
-              <a:rPr lang="ru-RU" altLang="ru-RU" dirty="0" err="1">
-                <a:solidFill>
-                  <a:srgbClr val="FFCC00"/>
-                </a:solidFill>
-                <a:latin typeface="Verdana" panose="020B0604030504040204" pitchFamily="34" charset="0"/>
-              </a:rPr>
-              <a:t>HttpResponse</a:t>
-            </a:r>
-            <a:r>
-              <a:rPr lang="ru-RU" altLang="ru-RU" dirty="0">
-                <a:solidFill>
-                  <a:srgbClr val="FFFFFF"/>
-                </a:solidFill>
-                <a:latin typeface="Verdana" panose="020B0604030504040204" pitchFamily="34" charset="0"/>
-              </a:rPr>
-              <a:t>&amp; </a:t>
-            </a:r>
-            <a:r>
-              <a:rPr lang="ru-RU" altLang="ru-RU" dirty="0" err="1">
-                <a:solidFill>
-                  <a:srgbClr val="5BCD9D"/>
-                </a:solidFill>
-                <a:latin typeface="Verdana" panose="020B0604030504040204" pitchFamily="34" charset="0"/>
-              </a:rPr>
-              <a:t>resp</a:t>
-            </a:r>
-            <a:r>
-              <a:rPr lang="ru-RU" altLang="ru-RU" dirty="0">
-                <a:solidFill>
-                  <a:srgbClr val="FFFFFF"/>
-                </a:solidFill>
-                <a:latin typeface="Verdana" panose="020B0604030504040204" pitchFamily="34" charset="0"/>
-              </a:rPr>
-              <a:t>);</a:t>
-            </a:r>
-            <a:br>
-              <a:rPr lang="ru-RU" altLang="ru-RU" dirty="0">
-                <a:solidFill>
-                  <a:srgbClr val="FFFFFF"/>
-                </a:solidFill>
-                <a:latin typeface="Verdana" panose="020B0604030504040204" pitchFamily="34" charset="0"/>
-              </a:rPr>
-            </a:br>
-            <a:r>
-              <a:rPr lang="ru-RU" altLang="ru-RU" dirty="0" smtClean="0">
-                <a:solidFill>
-                  <a:srgbClr val="FFFFFF"/>
-                </a:solidFill>
-                <a:latin typeface="Verdana" panose="020B0604030504040204" pitchFamily="34" charset="0"/>
-              </a:rPr>
-              <a:t>};</a:t>
-            </a:r>
-            <a:r>
-              <a:rPr lang="ru-RU" altLang="ru-RU" dirty="0">
-                <a:solidFill>
-                  <a:srgbClr val="FFFFFF"/>
-                </a:solidFill>
-                <a:latin typeface="Verdana" panose="020B0604030504040204" pitchFamily="34" charset="0"/>
-              </a:rPr>
-              <a:t/>
-            </a:r>
-            <a:br>
-              <a:rPr lang="ru-RU" altLang="ru-RU" dirty="0">
-                <a:solidFill>
-                  <a:srgbClr val="FFFFFF"/>
-                </a:solidFill>
-                <a:latin typeface="Verdana" panose="020B0604030504040204" pitchFamily="34" charset="0"/>
-              </a:rPr>
-            </a:br>
-            <a:endParaRPr lang="ru-RU" altLang="ru-RU" sz="6600" dirty="0">
-              <a:solidFill>
-                <a:schemeClr val="tx1"/>
-              </a:solidFill>
-              <a:latin typeface="Arial" panose="020B0604020202020204" pitchFamily="34" charset="0"/>
-            </a:endParaRPr>
-          </a:p>
-          <a:p>
-            <a:endParaRPr lang="en-US" altLang="ru-RU" dirty="0">
-              <a:solidFill>
-                <a:srgbClr val="FFFFFF"/>
-              </a:solidFill>
-              <a:latin typeface="Verdana" panose="020B0604030504040204" pitchFamily="34" charset="0"/>
-            </a:endParaRPr>
-          </a:p>
-        </p:txBody>
-      </p:sp>
-      <p:sp>
-        <p:nvSpPr>
-          <p:cNvPr id="2" name="Заголовок 1"/>
-          <p:cNvSpPr>
-            <a:spLocks noGrp="1"/>
-          </p:cNvSpPr>
-          <p:nvPr>
-            <p:ph type="title"/>
-          </p:nvPr>
-        </p:nvSpPr>
-        <p:spPr/>
-        <p:txBody>
-          <a:bodyPr/>
-          <a:lstStyle/>
-          <a:p>
-            <a:r>
-              <a:rPr lang="ru-RU" dirty="0" smtClean="0"/>
-              <a:t>Третий шаг – пишем юнит-тесты</a:t>
-            </a:r>
-            <a:endParaRPr lang="ru-RU" dirty="0"/>
-          </a:p>
-        </p:txBody>
-      </p:sp>
-      <p:sp>
-        <p:nvSpPr>
-          <p:cNvPr id="5" name="Объект 4"/>
-          <p:cNvSpPr>
-            <a:spLocks noGrp="1"/>
-          </p:cNvSpPr>
-          <p:nvPr>
-            <p:ph idx="1"/>
-          </p:nvPr>
-        </p:nvSpPr>
-        <p:spPr/>
-        <p:txBody>
-          <a:bodyPr/>
-          <a:lstStyle/>
-          <a:p>
-            <a:pPr lvl="1"/>
-            <a:r>
-              <a:rPr lang="ru-RU" altLang="ru-RU" dirty="0" smtClean="0">
-                <a:latin typeface="Verdana" panose="020B0604030504040204" pitchFamily="34" charset="0"/>
-              </a:rPr>
-              <a:t>Покроем наш интерфейс юнит-тестами</a:t>
-            </a:r>
-            <a:endParaRPr lang="en-US" altLang="ru-RU" dirty="0">
-              <a:latin typeface="Verdana" panose="020B0604030504040204" pitchFamily="34" charset="0"/>
-            </a:endParaRPr>
-          </a:p>
-          <a:p>
-            <a:pPr lvl="1"/>
-            <a:endParaRPr lang="ru-RU" altLang="ru-RU" dirty="0">
-              <a:latin typeface="Verdana" panose="020B0604030504040204" pitchFamily="34" charset="0"/>
-            </a:endParaRPr>
-          </a:p>
-          <a:p>
-            <a:pPr lvl="1"/>
-            <a:r>
-              <a:rPr lang="ru-RU" altLang="ru-RU" dirty="0" smtClean="0">
-                <a:latin typeface="Verdana" panose="020B0604030504040204" pitchFamily="34" charset="0"/>
-              </a:rPr>
-              <a:t>Мы всё ещё его не реализовали!</a:t>
-            </a:r>
-            <a:endParaRPr lang="en-US" altLang="ru-RU" dirty="0" smtClean="0">
-              <a:latin typeface="Verdana" panose="020B0604030504040204" pitchFamily="34" charset="0"/>
-            </a:endParaRPr>
-          </a:p>
-        </p:txBody>
-      </p:sp>
-      <p:sp>
-        <p:nvSpPr>
-          <p:cNvPr id="3" name="Нижний колонтитул 2"/>
-          <p:cNvSpPr>
-            <a:spLocks noGrp="1"/>
-          </p:cNvSpPr>
-          <p:nvPr>
-            <p:ph type="ftr" sz="quarter" idx="11"/>
-          </p:nvPr>
-        </p:nvSpPr>
-        <p:spPr/>
-        <p:txBody>
-          <a:bodyPr/>
-          <a:lstStyle/>
-          <a:p>
-            <a:endParaRPr lang="ru-RU" dirty="0">
-              <a:solidFill>
-                <a:srgbClr val="000000"/>
-              </a:solidFill>
-            </a:endParaRPr>
-          </a:p>
-        </p:txBody>
-      </p:sp>
-      <p:sp>
-        <p:nvSpPr>
-          <p:cNvPr id="4" name="Номер слайда 3"/>
-          <p:cNvSpPr>
-            <a:spLocks noGrp="1"/>
-          </p:cNvSpPr>
-          <p:nvPr>
-            <p:ph type="sldNum" sz="quarter" idx="12"/>
-          </p:nvPr>
-        </p:nvSpPr>
-        <p:spPr/>
-        <p:txBody>
-          <a:bodyPr/>
-          <a:lstStyle/>
-          <a:p>
-            <a:fld id="{741C03D3-FA44-40EC-9A21-1FC4FEA3E22E}" type="slidenum">
-              <a:rPr lang="ru-RU" smtClean="0">
-                <a:solidFill>
-                  <a:schemeClr val="bg1"/>
-                </a:solidFill>
-              </a:rPr>
-              <a:pPr/>
-              <a:t>17</a:t>
-            </a:fld>
-            <a:endParaRPr lang="ru-RU" dirty="0">
-              <a:solidFill>
-                <a:schemeClr val="bg1"/>
-              </a:solidFill>
-            </a:endParaRPr>
-          </a:p>
-        </p:txBody>
-      </p:sp>
-    </p:spTree>
-    <p:extLst>
-      <p:ext uri="{BB962C8B-B14F-4D97-AF65-F5344CB8AC3E}">
-        <p14:creationId xmlns:p14="http://schemas.microsoft.com/office/powerpoint/2010/main" val="816885251"/>
-      </p:ext>
-    </p:extLst>
-  </p:cSld>
-  <p:clrMapOvr>
-    <a:masterClrMapping/>
-  </p:clrMapOvr>
-  <p:timing>
-    <p:tnLst>
-      <p:par>
-        <p:cTn id="1" dur="indefinite" restart="never" nodeType="tmRoot"/>
-      </p:par>
-    </p:tnLst>
-  </p:timing>
-</p:sld>
-</file>
-
-<file path=ppt/slides/slide18.xml><?xml version="1.0" encoding="utf-8"?>
-<p:sld xmlns:a="http://schemas.openxmlformats.org/drawingml/2006/main" xmlns:r="http://schemas.openxmlformats.org/officeDocument/2006/relationships" xmlns:p="http://schemas.openxmlformats.org/presentationml/2006/main">
-  <p:cSld>
-    <p:spTree>
-      <p:nvGrpSpPr>
-        <p:cNvPr id="1" name=""/>
-        <p:cNvGrpSpPr/>
-        <p:nvPr/>
-      </p:nvGrpSpPr>
-      <p:grpSpPr>
-        <a:xfrm>
-          <a:off x="0" y="0"/>
-          <a:ext cx="0" cy="0"/>
-          <a:chOff x="0" y="0"/>
-          <a:chExt cx="0" cy="0"/>
-        </a:xfrm>
-      </p:grpSpPr>
-      <p:sp>
-        <p:nvSpPr>
           <p:cNvPr id="4" name="Объект 3"/>
           <p:cNvSpPr>
             <a:spLocks noGrp="1"/>
@@ -30735,7 +30508,7 @@
                 </a:solidFill>
               </a:rPr>
               <a:pPr/>
-              <a:t>18</a:t>
+              <a:t>17</a:t>
             </a:fld>
             <a:endParaRPr lang="ru-RU" dirty="0">
               <a:solidFill>
@@ -30768,7 +30541,7 @@
 </p:sld>
 </file>
 
-<file path=ppt/slides/slide19.xml><?xml version="1.0" encoding="utf-8"?>
+<file path=ppt/slides/slide18.xml><?xml version="1.0" encoding="utf-8"?>
 <p:sld xmlns:a="http://schemas.openxmlformats.org/drawingml/2006/main" xmlns:r="http://schemas.openxmlformats.org/officeDocument/2006/relationships" xmlns:p="http://schemas.openxmlformats.org/presentationml/2006/main">
   <p:cSld>
     <p:spTree>
@@ -30929,7 +30702,7 @@
                 </a:solidFill>
               </a:rPr>
               <a:pPr/>
-              <a:t>19</a:t>
+              <a:t>18</a:t>
             </a:fld>
             <a:endParaRPr lang="ru-RU">
               <a:solidFill>
@@ -31080,44 +30853,7 @@
 </p:sld>
 </file>
 
-<file path=ppt/slides/slide2.xml><?xml version="1.0" encoding="utf-8"?>
-<p:sld xmlns:a="http://schemas.openxmlformats.org/drawingml/2006/main" xmlns:r="http://schemas.openxmlformats.org/officeDocument/2006/relationships" xmlns:p="http://schemas.openxmlformats.org/presentationml/2006/main">
-  <p:cSld>
-    <p:spTree>
-      <p:nvGrpSpPr>
-        <p:cNvPr id="1" name=""/>
-        <p:cNvGrpSpPr/>
-        <p:nvPr/>
-      </p:nvGrpSpPr>
-      <p:grpSpPr>
-        <a:xfrm>
-          <a:off x="0" y="0"/>
-          <a:ext cx="0" cy="0"/>
-          <a:chOff x="0" y="0"/>
-          <a:chExt cx="0" cy="0"/>
-        </a:xfrm>
-      </p:grpSpPr>
-    </p:spTree>
-    <p:extLst>
-      <p:ext uri="{BB962C8B-B14F-4D97-AF65-F5344CB8AC3E}">
-        <p14:creationId xmlns:p14="http://schemas.microsoft.com/office/powerpoint/2010/main" val="1705445651"/>
-      </p:ext>
-    </p:extLst>
-  </p:cSld>
-  <p:clrMapOvr>
-    <a:masterClrMapping/>
-  </p:clrMapOvr>
-  <p:timing>
-    <p:tnLst>
-      <p:par>
-        <p:cTn id="1" dur="indefinite" restart="never" nodeType="tmRoot"/>
-      </p:par>
-    </p:tnLst>
-  </p:timing>
-</p:sld>
-</file>
-
-<file path=ppt/slides/slide20.xml><?xml version="1.0" encoding="utf-8"?>
+<file path=ppt/slides/slide19.xml><?xml version="1.0" encoding="utf-8"?>
 <p:sld xmlns:a="http://schemas.openxmlformats.org/drawingml/2006/main" xmlns:r="http://schemas.openxmlformats.org/officeDocument/2006/relationships" xmlns:p="http://schemas.openxmlformats.org/presentationml/2006/main">
   <p:cSld>
     <p:spTree>
@@ -31318,7 +31054,7 @@
                 </a:solidFill>
               </a:rPr>
               <a:pPr/>
-              <a:t>20</a:t>
+              <a:t>19</a:t>
             </a:fld>
             <a:endParaRPr lang="ru-RU" dirty="0">
               <a:solidFill>
@@ -31482,7 +31218,44 @@
 </p:sld>
 </file>
 
-<file path=ppt/slides/slide21.xml><?xml version="1.0" encoding="utf-8"?>
+<file path=ppt/slides/slide2.xml><?xml version="1.0" encoding="utf-8"?>
+<p:sld xmlns:a="http://schemas.openxmlformats.org/drawingml/2006/main" xmlns:r="http://schemas.openxmlformats.org/officeDocument/2006/relationships" xmlns:p="http://schemas.openxmlformats.org/presentationml/2006/main">
+  <p:cSld>
+    <p:spTree>
+      <p:nvGrpSpPr>
+        <p:cNvPr id="1" name=""/>
+        <p:cNvGrpSpPr/>
+        <p:nvPr/>
+      </p:nvGrpSpPr>
+      <p:grpSpPr>
+        <a:xfrm>
+          <a:off x="0" y="0"/>
+          <a:ext cx="0" cy="0"/>
+          <a:chOff x="0" y="0"/>
+          <a:chExt cx="0" cy="0"/>
+        </a:xfrm>
+      </p:grpSpPr>
+    </p:spTree>
+    <p:extLst>
+      <p:ext uri="{BB962C8B-B14F-4D97-AF65-F5344CB8AC3E}">
+        <p14:creationId xmlns:p14="http://schemas.microsoft.com/office/powerpoint/2010/main" val="1705445651"/>
+      </p:ext>
+    </p:extLst>
+  </p:cSld>
+  <p:clrMapOvr>
+    <a:masterClrMapping/>
+  </p:clrMapOvr>
+  <p:timing>
+    <p:tnLst>
+      <p:par>
+        <p:cTn id="1" dur="indefinite" restart="never" nodeType="tmRoot"/>
+      </p:par>
+    </p:tnLst>
+  </p:timing>
+</p:sld>
+</file>
+
+<file path=ppt/slides/slide20.xml><?xml version="1.0" encoding="utf-8"?>
 <p:sld xmlns:a="http://schemas.openxmlformats.org/drawingml/2006/main" xmlns:r="http://schemas.openxmlformats.org/officeDocument/2006/relationships" xmlns:p="http://schemas.openxmlformats.org/presentationml/2006/main">
   <p:cSld>
     <p:spTree>
@@ -31658,7 +31431,7 @@
                 </a:solidFill>
               </a:rPr>
               <a:pPr/>
-              <a:t>21</a:t>
+              <a:t>20</a:t>
             </a:fld>
             <a:endParaRPr lang="ru-RU">
               <a:solidFill>
@@ -31672,6 +31445,985 @@
     <p:extLst>
       <p:ext uri="{BB962C8B-B14F-4D97-AF65-F5344CB8AC3E}">
         <p14:creationId xmlns:p14="http://schemas.microsoft.com/office/powerpoint/2010/main" val="4035992218"/>
+      </p:ext>
+    </p:extLst>
+  </p:cSld>
+  <p:clrMapOvr>
+    <a:masterClrMapping/>
+  </p:clrMapOvr>
+  <p:timing>
+    <p:tnLst>
+      <p:par>
+        <p:cTn id="1" dur="indefinite" restart="never" nodeType="tmRoot"/>
+      </p:par>
+    </p:tnLst>
+  </p:timing>
+</p:sld>
+</file>
+
+<file path=ppt/slides/slide21.xml><?xml version="1.0" encoding="utf-8"?>
+<p:sld xmlns:a="http://schemas.openxmlformats.org/drawingml/2006/main" xmlns:r="http://schemas.openxmlformats.org/officeDocument/2006/relationships" xmlns:p="http://schemas.openxmlformats.org/presentationml/2006/main">
+  <p:cSld>
+    <p:spTree>
+      <p:nvGrpSpPr>
+        <p:cNvPr id="1" name=""/>
+        <p:cNvGrpSpPr/>
+        <p:nvPr/>
+      </p:nvGrpSpPr>
+      <p:grpSpPr>
+        <a:xfrm>
+          <a:off x="0" y="0"/>
+          <a:ext cx="0" cy="0"/>
+          <a:chOff x="0" y="0"/>
+          <a:chExt cx="0" cy="0"/>
+        </a:xfrm>
+      </p:grpSpPr>
+      <p:sp>
+        <p:nvSpPr>
+          <p:cNvPr id="5" name="Объект 4"/>
+          <p:cNvSpPr>
+            <a:spLocks noGrp="1"/>
+          </p:cNvSpPr>
+          <p:nvPr>
+            <p:ph idx="13"/>
+          </p:nvPr>
+        </p:nvSpPr>
+        <p:spPr/>
+        <p:txBody>
+          <a:bodyPr/>
+          <a:lstStyle/>
+          <a:p>
+            <a:pPr lvl="0" defTabSz="914400" eaLnBrk="0" fontAlgn="base" hangingPunct="0">
+              <a:spcBef>
+                <a:spcPct val="0"/>
+              </a:spcBef>
+              <a:spcAft>
+                <a:spcPct val="0"/>
+              </a:spcAft>
+            </a:pPr>
+            <a:r>
+              <a:rPr lang="ru-RU" altLang="ru-RU" dirty="0" err="1">
+                <a:solidFill>
+                  <a:srgbClr val="FFFFFF"/>
+                </a:solidFill>
+                <a:latin typeface="Verdana" panose="020B0604030504040204" pitchFamily="34" charset="0"/>
+              </a:rPr>
+              <a:t>class</a:t>
+            </a:r>
+            <a:r>
+              <a:rPr lang="ru-RU" altLang="ru-RU" dirty="0">
+                <a:solidFill>
+                  <a:srgbClr val="FFFFFF"/>
+                </a:solidFill>
+                <a:latin typeface="Verdana" panose="020B0604030504040204" pitchFamily="34" charset="0"/>
+              </a:rPr>
+              <a:t> </a:t>
+            </a:r>
+            <a:r>
+              <a:rPr lang="ru-RU" altLang="ru-RU" dirty="0" err="1">
+                <a:solidFill>
+                  <a:srgbClr val="FFCC00"/>
+                </a:solidFill>
+                <a:latin typeface="Verdana" panose="020B0604030504040204" pitchFamily="34" charset="0"/>
+              </a:rPr>
+              <a:t>HttpResponse</a:t>
+            </a:r>
+            <a:r>
+              <a:rPr lang="ru-RU" altLang="ru-RU" dirty="0">
+                <a:solidFill>
+                  <a:srgbClr val="FFCC00"/>
+                </a:solidFill>
+                <a:latin typeface="Verdana" panose="020B0604030504040204" pitchFamily="34" charset="0"/>
+              </a:rPr>
+              <a:t> </a:t>
+            </a:r>
+            <a:r>
+              <a:rPr lang="ru-RU" altLang="ru-RU" dirty="0">
+                <a:solidFill>
+                  <a:srgbClr val="FFFFFF"/>
+                </a:solidFill>
+                <a:latin typeface="Verdana" panose="020B0604030504040204" pitchFamily="34" charset="0"/>
+              </a:rPr>
+              <a:t>{</a:t>
+            </a:r>
+            <a:br>
+              <a:rPr lang="ru-RU" altLang="ru-RU" dirty="0">
+                <a:solidFill>
+                  <a:srgbClr val="FFFFFF"/>
+                </a:solidFill>
+                <a:latin typeface="Verdana" panose="020B0604030504040204" pitchFamily="34" charset="0"/>
+              </a:rPr>
+            </a:br>
+            <a:r>
+              <a:rPr lang="ru-RU" altLang="ru-RU" dirty="0" err="1">
+                <a:solidFill>
+                  <a:srgbClr val="FFFFFF"/>
+                </a:solidFill>
+                <a:latin typeface="Verdana" panose="020B0604030504040204" pitchFamily="34" charset="0"/>
+              </a:rPr>
+              <a:t>public</a:t>
+            </a:r>
+            <a:r>
+              <a:rPr lang="ru-RU" altLang="ru-RU" dirty="0">
+                <a:solidFill>
+                  <a:srgbClr val="FFFFFF"/>
+                </a:solidFill>
+                <a:latin typeface="Verdana" panose="020B0604030504040204" pitchFamily="34" charset="0"/>
+              </a:rPr>
+              <a:t>:</a:t>
+            </a:r>
+            <a:br>
+              <a:rPr lang="ru-RU" altLang="ru-RU" dirty="0">
+                <a:solidFill>
+                  <a:srgbClr val="FFFFFF"/>
+                </a:solidFill>
+                <a:latin typeface="Verdana" panose="020B0604030504040204" pitchFamily="34" charset="0"/>
+              </a:rPr>
+            </a:br>
+            <a:r>
+              <a:rPr lang="ru-RU" altLang="ru-RU" dirty="0">
+                <a:solidFill>
+                  <a:srgbClr val="FFFFFF"/>
+                </a:solidFill>
+                <a:latin typeface="Verdana" panose="020B0604030504040204" pitchFamily="34" charset="0"/>
+              </a:rPr>
+              <a:t>    </a:t>
+            </a:r>
+            <a:r>
+              <a:rPr lang="ru-RU" altLang="ru-RU" dirty="0" err="1">
+                <a:solidFill>
+                  <a:srgbClr val="FFFFFF"/>
+                </a:solidFill>
+                <a:latin typeface="Verdana" panose="020B0604030504040204" pitchFamily="34" charset="0"/>
+              </a:rPr>
+              <a:t>explicit</a:t>
+            </a:r>
+            <a:r>
+              <a:rPr lang="ru-RU" altLang="ru-RU" dirty="0">
+                <a:solidFill>
+                  <a:srgbClr val="FFFFFF"/>
+                </a:solidFill>
+                <a:latin typeface="Verdana" panose="020B0604030504040204" pitchFamily="34" charset="0"/>
+              </a:rPr>
+              <a:t> </a:t>
+            </a:r>
+            <a:r>
+              <a:rPr lang="ru-RU" altLang="ru-RU" dirty="0" err="1">
+                <a:solidFill>
+                  <a:srgbClr val="FFCC00"/>
+                </a:solidFill>
+                <a:latin typeface="Verdana" panose="020B0604030504040204" pitchFamily="34" charset="0"/>
+              </a:rPr>
+              <a:t>HttpResponse</a:t>
+            </a:r>
+            <a:r>
+              <a:rPr lang="ru-RU" altLang="ru-RU" dirty="0">
+                <a:solidFill>
+                  <a:srgbClr val="FFFFFF"/>
+                </a:solidFill>
+                <a:latin typeface="Verdana" panose="020B0604030504040204" pitchFamily="34" charset="0"/>
+              </a:rPr>
+              <a:t>(</a:t>
+            </a:r>
+            <a:r>
+              <a:rPr lang="ru-RU" altLang="ru-RU" dirty="0" err="1">
+                <a:solidFill>
+                  <a:srgbClr val="FFCC00"/>
+                </a:solidFill>
+                <a:latin typeface="Verdana" panose="020B0604030504040204" pitchFamily="34" charset="0"/>
+              </a:rPr>
+              <a:t>HttpCode</a:t>
+            </a:r>
+            <a:r>
+              <a:rPr lang="ru-RU" altLang="ru-RU" dirty="0">
+                <a:solidFill>
+                  <a:srgbClr val="FFCC00"/>
+                </a:solidFill>
+                <a:latin typeface="Verdana" panose="020B0604030504040204" pitchFamily="34" charset="0"/>
+              </a:rPr>
+              <a:t> </a:t>
+            </a:r>
+            <a:r>
+              <a:rPr lang="ru-RU" altLang="ru-RU" dirty="0" err="1">
+                <a:solidFill>
+                  <a:srgbClr val="5BCD9D"/>
+                </a:solidFill>
+                <a:latin typeface="Verdana" panose="020B0604030504040204" pitchFamily="34" charset="0"/>
+              </a:rPr>
+              <a:t>code</a:t>
+            </a:r>
+            <a:r>
+              <a:rPr lang="ru-RU" altLang="ru-RU" dirty="0">
+                <a:solidFill>
+                  <a:srgbClr val="FFFFFF"/>
+                </a:solidFill>
+                <a:latin typeface="Verdana" panose="020B0604030504040204" pitchFamily="34" charset="0"/>
+              </a:rPr>
+              <a:t>);</a:t>
+            </a:r>
+            <a:br>
+              <a:rPr lang="ru-RU" altLang="ru-RU" dirty="0">
+                <a:solidFill>
+                  <a:srgbClr val="FFFFFF"/>
+                </a:solidFill>
+                <a:latin typeface="Verdana" panose="020B0604030504040204" pitchFamily="34" charset="0"/>
+              </a:rPr>
+            </a:br>
+            <a:r>
+              <a:rPr lang="ru-RU" altLang="ru-RU" dirty="0">
+                <a:solidFill>
+                  <a:srgbClr val="FFFFFF"/>
+                </a:solidFill>
+                <a:latin typeface="Verdana" panose="020B0604030504040204" pitchFamily="34" charset="0"/>
+              </a:rPr>
+              <a:t>    </a:t>
+            </a:r>
+            <a:r>
+              <a:rPr lang="ru-RU" altLang="ru-RU" dirty="0" err="1">
+                <a:solidFill>
+                  <a:srgbClr val="FFCC00"/>
+                </a:solidFill>
+                <a:latin typeface="Verdana" panose="020B0604030504040204" pitchFamily="34" charset="0"/>
+              </a:rPr>
+              <a:t>HttpResponse</a:t>
+            </a:r>
+            <a:r>
+              <a:rPr lang="ru-RU" altLang="ru-RU" dirty="0">
+                <a:solidFill>
+                  <a:srgbClr val="FFFFFF"/>
+                </a:solidFill>
+                <a:latin typeface="Verdana" panose="020B0604030504040204" pitchFamily="34" charset="0"/>
+              </a:rPr>
+              <a:t>&amp; </a:t>
+            </a:r>
+            <a:r>
+              <a:rPr lang="ru-RU" altLang="ru-RU" dirty="0" err="1">
+                <a:solidFill>
+                  <a:srgbClr val="FFCC00"/>
+                </a:solidFill>
+                <a:latin typeface="Verdana" panose="020B0604030504040204" pitchFamily="34" charset="0"/>
+              </a:rPr>
+              <a:t>SetContent</a:t>
+            </a:r>
+            <a:r>
+              <a:rPr lang="ru-RU" altLang="ru-RU" dirty="0">
+                <a:solidFill>
+                  <a:srgbClr val="FFFFFF"/>
+                </a:solidFill>
+                <a:latin typeface="Verdana" panose="020B0604030504040204" pitchFamily="34" charset="0"/>
+              </a:rPr>
+              <a:t>(</a:t>
+            </a:r>
+            <a:r>
+              <a:rPr lang="ru-RU" altLang="ru-RU" dirty="0" err="1">
+                <a:solidFill>
+                  <a:srgbClr val="9E64A9"/>
+                </a:solidFill>
+                <a:latin typeface="Verdana" panose="020B0604030504040204" pitchFamily="34" charset="0"/>
+              </a:rPr>
+              <a:t>std</a:t>
+            </a:r>
+            <a:r>
+              <a:rPr lang="ru-RU" altLang="ru-RU" dirty="0">
+                <a:solidFill>
+                  <a:srgbClr val="FFFFFF"/>
+                </a:solidFill>
+                <a:latin typeface="Verdana" panose="020B0604030504040204" pitchFamily="34" charset="0"/>
+              </a:rPr>
+              <a:t>::</a:t>
+            </a:r>
+            <a:r>
+              <a:rPr lang="ru-RU" altLang="ru-RU" dirty="0" err="1">
+                <a:solidFill>
+                  <a:srgbClr val="FFCC00"/>
+                </a:solidFill>
+                <a:latin typeface="Verdana" panose="020B0604030504040204" pitchFamily="34" charset="0"/>
+              </a:rPr>
+              <a:t>string</a:t>
+            </a:r>
+            <a:r>
+              <a:rPr lang="ru-RU" altLang="ru-RU" dirty="0">
+                <a:solidFill>
+                  <a:srgbClr val="FFCC00"/>
+                </a:solidFill>
+                <a:latin typeface="Verdana" panose="020B0604030504040204" pitchFamily="34" charset="0"/>
+              </a:rPr>
+              <a:t> </a:t>
+            </a:r>
+            <a:r>
+              <a:rPr lang="ru-RU" altLang="ru-RU" dirty="0" err="1">
+                <a:solidFill>
+                  <a:srgbClr val="5BCD9D"/>
+                </a:solidFill>
+                <a:latin typeface="Verdana" panose="020B0604030504040204" pitchFamily="34" charset="0"/>
+              </a:rPr>
+              <a:t>value</a:t>
+            </a:r>
+            <a:r>
+              <a:rPr lang="ru-RU" altLang="ru-RU" dirty="0">
+                <a:solidFill>
+                  <a:srgbClr val="FFFFFF"/>
+                </a:solidFill>
+                <a:latin typeface="Verdana" panose="020B0604030504040204" pitchFamily="34" charset="0"/>
+              </a:rPr>
+              <a:t>);</a:t>
+            </a:r>
+            <a:br>
+              <a:rPr lang="ru-RU" altLang="ru-RU" dirty="0">
+                <a:solidFill>
+                  <a:srgbClr val="FFFFFF"/>
+                </a:solidFill>
+                <a:latin typeface="Verdana" panose="020B0604030504040204" pitchFamily="34" charset="0"/>
+              </a:rPr>
+            </a:br>
+            <a:r>
+              <a:rPr lang="ru-RU" altLang="ru-RU" dirty="0">
+                <a:solidFill>
+                  <a:srgbClr val="FFFFFF"/>
+                </a:solidFill>
+                <a:latin typeface="Verdana" panose="020B0604030504040204" pitchFamily="34" charset="0"/>
+              </a:rPr>
+              <a:t>    </a:t>
+            </a:r>
+            <a:r>
+              <a:rPr lang="ru-RU" altLang="ru-RU" dirty="0" err="1">
+                <a:solidFill>
+                  <a:srgbClr val="FFFFFF"/>
+                </a:solidFill>
+                <a:latin typeface="Verdana" panose="020B0604030504040204" pitchFamily="34" charset="0"/>
+              </a:rPr>
+              <a:t>friend</a:t>
+            </a:r>
+            <a:r>
+              <a:rPr lang="ru-RU" altLang="ru-RU" dirty="0">
+                <a:solidFill>
+                  <a:srgbClr val="FFFFFF"/>
+                </a:solidFill>
+                <a:latin typeface="Verdana" panose="020B0604030504040204" pitchFamily="34" charset="0"/>
+              </a:rPr>
+              <a:t> </a:t>
+            </a:r>
+            <a:r>
+              <a:rPr lang="ru-RU" altLang="ru-RU" dirty="0" err="1">
+                <a:solidFill>
+                  <a:srgbClr val="9E64A9"/>
+                </a:solidFill>
+                <a:latin typeface="Verdana" panose="020B0604030504040204" pitchFamily="34" charset="0"/>
+              </a:rPr>
+              <a:t>std</a:t>
+            </a:r>
+            <a:r>
+              <a:rPr lang="ru-RU" altLang="ru-RU" dirty="0">
+                <a:solidFill>
+                  <a:srgbClr val="FFFFFF"/>
+                </a:solidFill>
+                <a:latin typeface="Verdana" panose="020B0604030504040204" pitchFamily="34" charset="0"/>
+              </a:rPr>
+              <a:t>::</a:t>
+            </a:r>
+            <a:r>
+              <a:rPr lang="ru-RU" altLang="ru-RU" dirty="0" err="1">
+                <a:solidFill>
+                  <a:srgbClr val="FFCC00"/>
+                </a:solidFill>
+                <a:latin typeface="Verdana" panose="020B0604030504040204" pitchFamily="34" charset="0"/>
+              </a:rPr>
+              <a:t>ostream</a:t>
+            </a:r>
+            <a:r>
+              <a:rPr lang="ru-RU" altLang="ru-RU" dirty="0">
+                <a:solidFill>
+                  <a:srgbClr val="FFFFFF"/>
+                </a:solidFill>
+                <a:latin typeface="Verdana" panose="020B0604030504040204" pitchFamily="34" charset="0"/>
+              </a:rPr>
+              <a:t>&amp; </a:t>
+            </a:r>
+            <a:r>
+              <a:rPr lang="ru-RU" altLang="ru-RU" dirty="0" err="1">
+                <a:solidFill>
+                  <a:srgbClr val="FFFFFF"/>
+                </a:solidFill>
+                <a:latin typeface="Verdana" panose="020B0604030504040204" pitchFamily="34" charset="0"/>
+              </a:rPr>
+              <a:t>operator</a:t>
+            </a:r>
+            <a:r>
+              <a:rPr lang="ru-RU" altLang="ru-RU" dirty="0">
+                <a:solidFill>
+                  <a:srgbClr val="FFFFFF"/>
+                </a:solidFill>
+                <a:latin typeface="Verdana" panose="020B0604030504040204" pitchFamily="34" charset="0"/>
+              </a:rPr>
+              <a:t> </a:t>
+            </a:r>
+            <a:r>
+              <a:rPr lang="ru-RU" altLang="ru-RU" dirty="0">
+                <a:solidFill>
+                  <a:srgbClr val="FFCC00"/>
+                </a:solidFill>
+                <a:latin typeface="Verdana" panose="020B0604030504040204" pitchFamily="34" charset="0"/>
+              </a:rPr>
+              <a:t>&lt;&lt; </a:t>
+            </a:r>
+            <a:r>
+              <a:rPr lang="ru-RU" altLang="ru-RU" dirty="0">
+                <a:solidFill>
+                  <a:srgbClr val="FFFFFF"/>
+                </a:solidFill>
+                <a:latin typeface="Verdana" panose="020B0604030504040204" pitchFamily="34" charset="0"/>
+              </a:rPr>
+              <a:t>(</a:t>
+            </a:r>
+            <a:r>
+              <a:rPr lang="ru-RU" altLang="ru-RU" dirty="0" err="1">
+                <a:solidFill>
+                  <a:srgbClr val="9E64A9"/>
+                </a:solidFill>
+                <a:latin typeface="Verdana" panose="020B0604030504040204" pitchFamily="34" charset="0"/>
+              </a:rPr>
+              <a:t>std</a:t>
+            </a:r>
+            <a:r>
+              <a:rPr lang="ru-RU" altLang="ru-RU" dirty="0">
+                <a:solidFill>
+                  <a:srgbClr val="FFFFFF"/>
+                </a:solidFill>
+                <a:latin typeface="Verdana" panose="020B0604030504040204" pitchFamily="34" charset="0"/>
+              </a:rPr>
+              <a:t>::</a:t>
+            </a:r>
+            <a:r>
+              <a:rPr lang="ru-RU" altLang="ru-RU" dirty="0" err="1">
+                <a:solidFill>
+                  <a:srgbClr val="FFCC00"/>
+                </a:solidFill>
+                <a:latin typeface="Verdana" panose="020B0604030504040204" pitchFamily="34" charset="0"/>
+              </a:rPr>
+              <a:t>ostream</a:t>
+            </a:r>
+            <a:r>
+              <a:rPr lang="ru-RU" altLang="ru-RU" dirty="0">
+                <a:solidFill>
+                  <a:srgbClr val="FFFFFF"/>
+                </a:solidFill>
+                <a:latin typeface="Verdana" panose="020B0604030504040204" pitchFamily="34" charset="0"/>
+              </a:rPr>
+              <a:t>&amp; </a:t>
+            </a:r>
+            <a:r>
+              <a:rPr lang="ru-RU" altLang="ru-RU" dirty="0" err="1">
+                <a:solidFill>
+                  <a:srgbClr val="5BCD9D"/>
+                </a:solidFill>
+                <a:latin typeface="Verdana" panose="020B0604030504040204" pitchFamily="34" charset="0"/>
+              </a:rPr>
+              <a:t>os</a:t>
+            </a:r>
+            <a:r>
+              <a:rPr lang="ru-RU" altLang="ru-RU" dirty="0">
+                <a:solidFill>
+                  <a:srgbClr val="FFFFFF"/>
+                </a:solidFill>
+                <a:latin typeface="Verdana" panose="020B0604030504040204" pitchFamily="34" charset="0"/>
+              </a:rPr>
+              <a:t>, </a:t>
+            </a:r>
+            <a:r>
+              <a:rPr lang="ru-RU" altLang="ru-RU" dirty="0" err="1">
+                <a:solidFill>
+                  <a:srgbClr val="FFFFFF"/>
+                </a:solidFill>
+                <a:latin typeface="Verdana" panose="020B0604030504040204" pitchFamily="34" charset="0"/>
+              </a:rPr>
+              <a:t>const</a:t>
+            </a:r>
+            <a:r>
+              <a:rPr lang="ru-RU" altLang="ru-RU" dirty="0">
+                <a:solidFill>
+                  <a:srgbClr val="FFFFFF"/>
+                </a:solidFill>
+                <a:latin typeface="Verdana" panose="020B0604030504040204" pitchFamily="34" charset="0"/>
+              </a:rPr>
+              <a:t> </a:t>
+            </a:r>
+            <a:r>
+              <a:rPr lang="ru-RU" altLang="ru-RU" dirty="0" err="1">
+                <a:solidFill>
+                  <a:srgbClr val="FFCC00"/>
+                </a:solidFill>
+                <a:latin typeface="Verdana" panose="020B0604030504040204" pitchFamily="34" charset="0"/>
+              </a:rPr>
+              <a:t>HttpResponse</a:t>
+            </a:r>
+            <a:r>
+              <a:rPr lang="ru-RU" altLang="ru-RU" dirty="0">
+                <a:solidFill>
+                  <a:srgbClr val="FFFFFF"/>
+                </a:solidFill>
+                <a:latin typeface="Verdana" panose="020B0604030504040204" pitchFamily="34" charset="0"/>
+              </a:rPr>
+              <a:t>&amp; </a:t>
+            </a:r>
+            <a:r>
+              <a:rPr lang="ru-RU" altLang="ru-RU" dirty="0" err="1">
+                <a:solidFill>
+                  <a:srgbClr val="5BCD9D"/>
+                </a:solidFill>
+                <a:latin typeface="Verdana" panose="020B0604030504040204" pitchFamily="34" charset="0"/>
+              </a:rPr>
+              <a:t>resp</a:t>
+            </a:r>
+            <a:r>
+              <a:rPr lang="ru-RU" altLang="ru-RU" dirty="0">
+                <a:solidFill>
+                  <a:srgbClr val="FFFFFF"/>
+                </a:solidFill>
+                <a:latin typeface="Verdana" panose="020B0604030504040204" pitchFamily="34" charset="0"/>
+              </a:rPr>
+              <a:t>);</a:t>
+            </a:r>
+            <a:br>
+              <a:rPr lang="ru-RU" altLang="ru-RU" dirty="0">
+                <a:solidFill>
+                  <a:srgbClr val="FFFFFF"/>
+                </a:solidFill>
+                <a:latin typeface="Verdana" panose="020B0604030504040204" pitchFamily="34" charset="0"/>
+              </a:rPr>
+            </a:br>
+            <a:r>
+              <a:rPr lang="ru-RU" altLang="ru-RU" dirty="0" err="1">
+                <a:solidFill>
+                  <a:srgbClr val="FFFFFF"/>
+                </a:solidFill>
+                <a:latin typeface="Verdana" panose="020B0604030504040204" pitchFamily="34" charset="0"/>
+              </a:rPr>
+              <a:t>private</a:t>
+            </a:r>
+            <a:r>
+              <a:rPr lang="ru-RU" altLang="ru-RU" dirty="0">
+                <a:solidFill>
+                  <a:srgbClr val="FFFFFF"/>
+                </a:solidFill>
+                <a:latin typeface="Verdana" panose="020B0604030504040204" pitchFamily="34" charset="0"/>
+              </a:rPr>
+              <a:t>:</a:t>
+            </a:r>
+            <a:br>
+              <a:rPr lang="ru-RU" altLang="ru-RU" dirty="0">
+                <a:solidFill>
+                  <a:srgbClr val="FFFFFF"/>
+                </a:solidFill>
+                <a:latin typeface="Verdana" panose="020B0604030504040204" pitchFamily="34" charset="0"/>
+              </a:rPr>
+            </a:br>
+            <a:r>
+              <a:rPr lang="ru-RU" altLang="ru-RU" dirty="0">
+                <a:solidFill>
+                  <a:srgbClr val="FFFFFF"/>
+                </a:solidFill>
+                <a:latin typeface="Verdana" panose="020B0604030504040204" pitchFamily="34" charset="0"/>
+              </a:rPr>
+              <a:t>    </a:t>
+            </a:r>
+            <a:r>
+              <a:rPr lang="ru-RU" altLang="ru-RU" dirty="0" err="1">
+                <a:solidFill>
+                  <a:srgbClr val="FFCC00"/>
+                </a:solidFill>
+                <a:latin typeface="Verdana" panose="020B0604030504040204" pitchFamily="34" charset="0"/>
+              </a:rPr>
+              <a:t>HttpCode</a:t>
+            </a:r>
+            <a:r>
+              <a:rPr lang="ru-RU" altLang="ru-RU" dirty="0">
+                <a:solidFill>
+                  <a:srgbClr val="FFCC00"/>
+                </a:solidFill>
+                <a:latin typeface="Verdana" panose="020B0604030504040204" pitchFamily="34" charset="0"/>
+              </a:rPr>
+              <a:t> </a:t>
+            </a:r>
+            <a:r>
+              <a:rPr lang="ru-RU" altLang="ru-RU" dirty="0" err="1">
+                <a:solidFill>
+                  <a:srgbClr val="5BCD9D"/>
+                </a:solidFill>
+                <a:latin typeface="Verdana" panose="020B0604030504040204" pitchFamily="34" charset="0"/>
+              </a:rPr>
+              <a:t>code</a:t>
+            </a:r>
+            <a:r>
+              <a:rPr lang="ru-RU" altLang="ru-RU" dirty="0">
+                <a:solidFill>
+                  <a:srgbClr val="5BCD9D"/>
+                </a:solidFill>
+                <a:latin typeface="Verdana" panose="020B0604030504040204" pitchFamily="34" charset="0"/>
+              </a:rPr>
+              <a:t>_</a:t>
+            </a:r>
+            <a:r>
+              <a:rPr lang="ru-RU" altLang="ru-RU" dirty="0">
+                <a:solidFill>
+                  <a:srgbClr val="FFFFFF"/>
+                </a:solidFill>
+                <a:latin typeface="Verdana" panose="020B0604030504040204" pitchFamily="34" charset="0"/>
+              </a:rPr>
+              <a:t>;</a:t>
+            </a:r>
+            <a:br>
+              <a:rPr lang="ru-RU" altLang="ru-RU" dirty="0">
+                <a:solidFill>
+                  <a:srgbClr val="FFFFFF"/>
+                </a:solidFill>
+                <a:latin typeface="Verdana" panose="020B0604030504040204" pitchFamily="34" charset="0"/>
+              </a:rPr>
+            </a:br>
+            <a:r>
+              <a:rPr lang="ru-RU" altLang="ru-RU" dirty="0">
+                <a:solidFill>
+                  <a:srgbClr val="FFFFFF"/>
+                </a:solidFill>
+                <a:latin typeface="Verdana" panose="020B0604030504040204" pitchFamily="34" charset="0"/>
+              </a:rPr>
+              <a:t>    </a:t>
+            </a:r>
+            <a:r>
+              <a:rPr lang="ru-RU" altLang="ru-RU" dirty="0" err="1">
+                <a:solidFill>
+                  <a:srgbClr val="9E64A9"/>
+                </a:solidFill>
+                <a:latin typeface="Verdana" panose="020B0604030504040204" pitchFamily="34" charset="0"/>
+              </a:rPr>
+              <a:t>std</a:t>
+            </a:r>
+            <a:r>
+              <a:rPr lang="ru-RU" altLang="ru-RU" dirty="0">
+                <a:solidFill>
+                  <a:srgbClr val="FFFFFF"/>
+                </a:solidFill>
+                <a:latin typeface="Verdana" panose="020B0604030504040204" pitchFamily="34" charset="0"/>
+              </a:rPr>
+              <a:t>::</a:t>
+            </a:r>
+            <a:r>
+              <a:rPr lang="ru-RU" altLang="ru-RU" dirty="0" err="1">
+                <a:solidFill>
+                  <a:srgbClr val="FFCC00"/>
+                </a:solidFill>
+                <a:latin typeface="Verdana" panose="020B0604030504040204" pitchFamily="34" charset="0"/>
+              </a:rPr>
+              <a:t>string</a:t>
+            </a:r>
+            <a:r>
+              <a:rPr lang="ru-RU" altLang="ru-RU" dirty="0">
+                <a:solidFill>
+                  <a:srgbClr val="FFCC00"/>
+                </a:solidFill>
+                <a:latin typeface="Verdana" panose="020B0604030504040204" pitchFamily="34" charset="0"/>
+              </a:rPr>
+              <a:t> </a:t>
+            </a:r>
+            <a:r>
+              <a:rPr lang="ru-RU" altLang="ru-RU" dirty="0" err="1">
+                <a:solidFill>
+                  <a:srgbClr val="5BCD9D"/>
+                </a:solidFill>
+                <a:latin typeface="Verdana" panose="020B0604030504040204" pitchFamily="34" charset="0"/>
+              </a:rPr>
+              <a:t>content</a:t>
+            </a:r>
+            <a:r>
+              <a:rPr lang="ru-RU" altLang="ru-RU" dirty="0">
+                <a:solidFill>
+                  <a:srgbClr val="5BCD9D"/>
+                </a:solidFill>
+                <a:latin typeface="Verdana" panose="020B0604030504040204" pitchFamily="34" charset="0"/>
+              </a:rPr>
+              <a:t>_</a:t>
+            </a:r>
+            <a:r>
+              <a:rPr lang="ru-RU" altLang="ru-RU" dirty="0">
+                <a:solidFill>
+                  <a:srgbClr val="FFFFFF"/>
+                </a:solidFill>
+                <a:latin typeface="Verdana" panose="020B0604030504040204" pitchFamily="34" charset="0"/>
+              </a:rPr>
+              <a:t>;</a:t>
+            </a:r>
+            <a:br>
+              <a:rPr lang="ru-RU" altLang="ru-RU" dirty="0">
+                <a:solidFill>
+                  <a:srgbClr val="FFFFFF"/>
+                </a:solidFill>
+                <a:latin typeface="Verdana" panose="020B0604030504040204" pitchFamily="34" charset="0"/>
+              </a:rPr>
+            </a:br>
+            <a:r>
+              <a:rPr lang="ru-RU" altLang="ru-RU" dirty="0" smtClean="0">
+                <a:solidFill>
+                  <a:srgbClr val="FFFFFF"/>
+                </a:solidFill>
+                <a:latin typeface="Verdana" panose="020B0604030504040204" pitchFamily="34" charset="0"/>
+              </a:rPr>
+              <a:t>};</a:t>
+            </a:r>
+            <a:endParaRPr lang="en-US" altLang="ru-RU" dirty="0" smtClean="0">
+              <a:solidFill>
+                <a:srgbClr val="FFFFFF"/>
+              </a:solidFill>
+              <a:latin typeface="Verdana" panose="020B0604030504040204" pitchFamily="34" charset="0"/>
+            </a:endParaRPr>
+          </a:p>
+          <a:p>
+            <a:pPr lvl="0" defTabSz="914400" eaLnBrk="0" fontAlgn="base" hangingPunct="0">
+              <a:spcBef>
+                <a:spcPct val="0"/>
+              </a:spcBef>
+              <a:spcAft>
+                <a:spcPct val="0"/>
+              </a:spcAft>
+            </a:pPr>
+            <a:endParaRPr lang="en-US" altLang="ru-RU" dirty="0" smtClean="0">
+              <a:solidFill>
+                <a:srgbClr val="FFFFFF"/>
+              </a:solidFill>
+              <a:latin typeface="Verdana" panose="020B0604030504040204" pitchFamily="34" charset="0"/>
+            </a:endParaRPr>
+          </a:p>
+          <a:p>
+            <a:pPr lvl="0" defTabSz="914400" eaLnBrk="0" fontAlgn="base" hangingPunct="0">
+              <a:spcBef>
+                <a:spcPct val="0"/>
+              </a:spcBef>
+              <a:spcAft>
+                <a:spcPct val="0"/>
+              </a:spcAft>
+            </a:pPr>
+            <a:r>
+              <a:rPr lang="ru-RU" altLang="ru-RU" dirty="0" err="1">
+                <a:solidFill>
+                  <a:srgbClr val="FFCC00"/>
+                </a:solidFill>
+                <a:latin typeface="Verdana" panose="020B0604030504040204" pitchFamily="34" charset="0"/>
+              </a:rPr>
+              <a:t>HttpResponse</a:t>
+            </a:r>
+            <a:r>
+              <a:rPr lang="ru-RU" altLang="ru-RU" dirty="0">
+                <a:solidFill>
+                  <a:srgbClr val="FFFFFF"/>
+                </a:solidFill>
+                <a:latin typeface="Verdana" panose="020B0604030504040204" pitchFamily="34" charset="0"/>
+              </a:rPr>
+              <a:t>::</a:t>
+            </a:r>
+            <a:r>
+              <a:rPr lang="ru-RU" altLang="ru-RU" dirty="0" err="1">
+                <a:solidFill>
+                  <a:srgbClr val="FFCC00"/>
+                </a:solidFill>
+                <a:latin typeface="Verdana" panose="020B0604030504040204" pitchFamily="34" charset="0"/>
+              </a:rPr>
+              <a:t>HttpResponse</a:t>
+            </a:r>
+            <a:r>
+              <a:rPr lang="ru-RU" altLang="ru-RU" dirty="0">
+                <a:solidFill>
+                  <a:srgbClr val="FFFFFF"/>
+                </a:solidFill>
+                <a:latin typeface="Verdana" panose="020B0604030504040204" pitchFamily="34" charset="0"/>
+              </a:rPr>
+              <a:t>(</a:t>
+            </a:r>
+            <a:r>
+              <a:rPr lang="ru-RU" altLang="ru-RU" dirty="0" err="1">
+                <a:solidFill>
+                  <a:srgbClr val="FFCC00"/>
+                </a:solidFill>
+                <a:latin typeface="Verdana" panose="020B0604030504040204" pitchFamily="34" charset="0"/>
+              </a:rPr>
+              <a:t>HttpCode</a:t>
+            </a:r>
+            <a:r>
+              <a:rPr lang="ru-RU" altLang="ru-RU" dirty="0">
+                <a:solidFill>
+                  <a:srgbClr val="FFCC00"/>
+                </a:solidFill>
+                <a:latin typeface="Verdana" panose="020B0604030504040204" pitchFamily="34" charset="0"/>
+              </a:rPr>
+              <a:t> </a:t>
+            </a:r>
+            <a:r>
+              <a:rPr lang="ru-RU" altLang="ru-RU" dirty="0" err="1">
+                <a:solidFill>
+                  <a:srgbClr val="5BCD9D"/>
+                </a:solidFill>
+                <a:latin typeface="Verdana" panose="020B0604030504040204" pitchFamily="34" charset="0"/>
+              </a:rPr>
+              <a:t>code</a:t>
+            </a:r>
+            <a:r>
+              <a:rPr lang="ru-RU" altLang="ru-RU" dirty="0">
+                <a:solidFill>
+                  <a:srgbClr val="FFFFFF"/>
+                </a:solidFill>
+                <a:latin typeface="Verdana" panose="020B0604030504040204" pitchFamily="34" charset="0"/>
+              </a:rPr>
+              <a:t>) : </a:t>
+            </a:r>
+            <a:r>
+              <a:rPr lang="ru-RU" altLang="ru-RU" dirty="0" err="1">
+                <a:solidFill>
+                  <a:srgbClr val="5BCD9D"/>
+                </a:solidFill>
+                <a:latin typeface="Verdana" panose="020B0604030504040204" pitchFamily="34" charset="0"/>
+              </a:rPr>
+              <a:t>code</a:t>
+            </a:r>
+            <a:r>
+              <a:rPr lang="ru-RU" altLang="ru-RU" dirty="0">
+                <a:solidFill>
+                  <a:srgbClr val="5BCD9D"/>
+                </a:solidFill>
+                <a:latin typeface="Verdana" panose="020B0604030504040204" pitchFamily="34" charset="0"/>
+              </a:rPr>
+              <a:t>_</a:t>
+            </a:r>
+            <a:r>
+              <a:rPr lang="ru-RU" altLang="ru-RU" dirty="0">
+                <a:solidFill>
+                  <a:srgbClr val="FFFFFF"/>
+                </a:solidFill>
+                <a:latin typeface="Verdana" panose="020B0604030504040204" pitchFamily="34" charset="0"/>
+              </a:rPr>
+              <a:t>(</a:t>
+            </a:r>
+            <a:r>
+              <a:rPr lang="ru-RU" altLang="ru-RU" dirty="0" err="1">
+                <a:solidFill>
+                  <a:srgbClr val="5BCD9D"/>
+                </a:solidFill>
+                <a:latin typeface="Verdana" panose="020B0604030504040204" pitchFamily="34" charset="0"/>
+              </a:rPr>
+              <a:t>code</a:t>
+            </a:r>
+            <a:r>
+              <a:rPr lang="ru-RU" altLang="ru-RU" dirty="0">
+                <a:solidFill>
+                  <a:srgbClr val="FFFFFF"/>
+                </a:solidFill>
+                <a:latin typeface="Verdana" panose="020B0604030504040204" pitchFamily="34" charset="0"/>
+              </a:rPr>
+              <a:t>) {</a:t>
+            </a:r>
+            <a:br>
+              <a:rPr lang="ru-RU" altLang="ru-RU" dirty="0">
+                <a:solidFill>
+                  <a:srgbClr val="FFFFFF"/>
+                </a:solidFill>
+                <a:latin typeface="Verdana" panose="020B0604030504040204" pitchFamily="34" charset="0"/>
+              </a:rPr>
+            </a:br>
+            <a:r>
+              <a:rPr lang="ru-RU" altLang="ru-RU" dirty="0" smtClean="0">
+                <a:solidFill>
+                  <a:srgbClr val="FFFFFF"/>
+                </a:solidFill>
+                <a:latin typeface="Verdana" panose="020B0604030504040204" pitchFamily="34" charset="0"/>
+              </a:rPr>
+              <a:t>}</a:t>
+            </a:r>
+            <a:endParaRPr lang="ru-RU" altLang="ru-RU" dirty="0">
+              <a:solidFill>
+                <a:schemeClr val="tx1"/>
+              </a:solidFill>
+              <a:latin typeface="Arial" panose="020B0604020202020204" pitchFamily="34" charset="0"/>
+            </a:endParaRPr>
+          </a:p>
+        </p:txBody>
+      </p:sp>
+      <p:sp>
+        <p:nvSpPr>
+          <p:cNvPr id="2" name="Заголовок 1"/>
+          <p:cNvSpPr>
+            <a:spLocks noGrp="1"/>
+          </p:cNvSpPr>
+          <p:nvPr>
+            <p:ph type="title"/>
+          </p:nvPr>
+        </p:nvSpPr>
+        <p:spPr/>
+        <p:txBody>
+          <a:bodyPr/>
+          <a:lstStyle/>
+          <a:p>
+            <a:r>
+              <a:rPr lang="ru-RU" dirty="0"/>
+              <a:t>Четвёртый шаг – реализация интерфейса</a:t>
+            </a:r>
+          </a:p>
+        </p:txBody>
+      </p:sp>
+      <p:sp>
+        <p:nvSpPr>
+          <p:cNvPr id="3" name="Нижний колонтитул 2"/>
+          <p:cNvSpPr>
+            <a:spLocks noGrp="1"/>
+          </p:cNvSpPr>
+          <p:nvPr>
+            <p:ph type="ftr" sz="quarter" idx="11"/>
+          </p:nvPr>
+        </p:nvSpPr>
+        <p:spPr/>
+        <p:txBody>
+          <a:bodyPr/>
+          <a:lstStyle/>
+          <a:p>
+            <a:endParaRPr lang="ru-RU" dirty="0">
+              <a:solidFill>
+                <a:srgbClr val="000000"/>
+              </a:solidFill>
+            </a:endParaRPr>
+          </a:p>
+        </p:txBody>
+      </p:sp>
+      <p:sp>
+        <p:nvSpPr>
+          <p:cNvPr id="4" name="Номер слайда 3"/>
+          <p:cNvSpPr>
+            <a:spLocks noGrp="1"/>
+          </p:cNvSpPr>
+          <p:nvPr>
+            <p:ph type="sldNum" sz="quarter" idx="12"/>
+          </p:nvPr>
+        </p:nvSpPr>
+        <p:spPr/>
+        <p:txBody>
+          <a:bodyPr/>
+          <a:lstStyle/>
+          <a:p>
+            <a:fld id="{741C03D3-FA44-40EC-9A21-1FC4FEA3E22E}" type="slidenum">
+              <a:rPr lang="ru-RU" smtClean="0">
+                <a:solidFill>
+                  <a:schemeClr val="bg1"/>
+                </a:solidFill>
+              </a:rPr>
+              <a:pPr/>
+              <a:t>21</a:t>
+            </a:fld>
+            <a:endParaRPr lang="ru-RU" dirty="0">
+              <a:solidFill>
+                <a:schemeClr val="bg1"/>
+              </a:solidFill>
+            </a:endParaRPr>
+          </a:p>
+        </p:txBody>
+      </p:sp>
+    </p:spTree>
+    <p:extLst>
+      <p:ext uri="{BB962C8B-B14F-4D97-AF65-F5344CB8AC3E}">
+        <p14:creationId xmlns:p14="http://schemas.microsoft.com/office/powerpoint/2010/main" val="121522117"/>
       </p:ext>
     </p:extLst>
   </p:cSld>
@@ -31707,985 +32459,6 @@
       </p:grpSpPr>
       <p:sp>
         <p:nvSpPr>
-          <p:cNvPr id="5" name="Объект 4"/>
-          <p:cNvSpPr>
-            <a:spLocks noGrp="1"/>
-          </p:cNvSpPr>
-          <p:nvPr>
-            <p:ph idx="13"/>
-          </p:nvPr>
-        </p:nvSpPr>
-        <p:spPr/>
-        <p:txBody>
-          <a:bodyPr/>
-          <a:lstStyle/>
-          <a:p>
-            <a:pPr lvl="0" defTabSz="914400" eaLnBrk="0" fontAlgn="base" hangingPunct="0">
-              <a:spcBef>
-                <a:spcPct val="0"/>
-              </a:spcBef>
-              <a:spcAft>
-                <a:spcPct val="0"/>
-              </a:spcAft>
-            </a:pPr>
-            <a:r>
-              <a:rPr lang="ru-RU" altLang="ru-RU" dirty="0" err="1">
-                <a:solidFill>
-                  <a:srgbClr val="FFFFFF"/>
-                </a:solidFill>
-                <a:latin typeface="Verdana" panose="020B0604030504040204" pitchFamily="34" charset="0"/>
-              </a:rPr>
-              <a:t>class</a:t>
-            </a:r>
-            <a:r>
-              <a:rPr lang="ru-RU" altLang="ru-RU" dirty="0">
-                <a:solidFill>
-                  <a:srgbClr val="FFFFFF"/>
-                </a:solidFill>
-                <a:latin typeface="Verdana" panose="020B0604030504040204" pitchFamily="34" charset="0"/>
-              </a:rPr>
-              <a:t> </a:t>
-            </a:r>
-            <a:r>
-              <a:rPr lang="ru-RU" altLang="ru-RU" dirty="0" err="1">
-                <a:solidFill>
-                  <a:srgbClr val="FFCC00"/>
-                </a:solidFill>
-                <a:latin typeface="Verdana" panose="020B0604030504040204" pitchFamily="34" charset="0"/>
-              </a:rPr>
-              <a:t>HttpResponse</a:t>
-            </a:r>
-            <a:r>
-              <a:rPr lang="ru-RU" altLang="ru-RU" dirty="0">
-                <a:solidFill>
-                  <a:srgbClr val="FFCC00"/>
-                </a:solidFill>
-                <a:latin typeface="Verdana" panose="020B0604030504040204" pitchFamily="34" charset="0"/>
-              </a:rPr>
-              <a:t> </a:t>
-            </a:r>
-            <a:r>
-              <a:rPr lang="ru-RU" altLang="ru-RU" dirty="0">
-                <a:solidFill>
-                  <a:srgbClr val="FFFFFF"/>
-                </a:solidFill>
-                <a:latin typeface="Verdana" panose="020B0604030504040204" pitchFamily="34" charset="0"/>
-              </a:rPr>
-              <a:t>{</a:t>
-            </a:r>
-            <a:br>
-              <a:rPr lang="ru-RU" altLang="ru-RU" dirty="0">
-                <a:solidFill>
-                  <a:srgbClr val="FFFFFF"/>
-                </a:solidFill>
-                <a:latin typeface="Verdana" panose="020B0604030504040204" pitchFamily="34" charset="0"/>
-              </a:rPr>
-            </a:br>
-            <a:r>
-              <a:rPr lang="ru-RU" altLang="ru-RU" dirty="0" err="1">
-                <a:solidFill>
-                  <a:srgbClr val="FFFFFF"/>
-                </a:solidFill>
-                <a:latin typeface="Verdana" panose="020B0604030504040204" pitchFamily="34" charset="0"/>
-              </a:rPr>
-              <a:t>public</a:t>
-            </a:r>
-            <a:r>
-              <a:rPr lang="ru-RU" altLang="ru-RU" dirty="0">
-                <a:solidFill>
-                  <a:srgbClr val="FFFFFF"/>
-                </a:solidFill>
-                <a:latin typeface="Verdana" panose="020B0604030504040204" pitchFamily="34" charset="0"/>
-              </a:rPr>
-              <a:t>:</a:t>
-            </a:r>
-            <a:br>
-              <a:rPr lang="ru-RU" altLang="ru-RU" dirty="0">
-                <a:solidFill>
-                  <a:srgbClr val="FFFFFF"/>
-                </a:solidFill>
-                <a:latin typeface="Verdana" panose="020B0604030504040204" pitchFamily="34" charset="0"/>
-              </a:rPr>
-            </a:br>
-            <a:r>
-              <a:rPr lang="ru-RU" altLang="ru-RU" dirty="0">
-                <a:solidFill>
-                  <a:srgbClr val="FFFFFF"/>
-                </a:solidFill>
-                <a:latin typeface="Verdana" panose="020B0604030504040204" pitchFamily="34" charset="0"/>
-              </a:rPr>
-              <a:t>    </a:t>
-            </a:r>
-            <a:r>
-              <a:rPr lang="ru-RU" altLang="ru-RU" dirty="0" err="1">
-                <a:solidFill>
-                  <a:srgbClr val="FFFFFF"/>
-                </a:solidFill>
-                <a:latin typeface="Verdana" panose="020B0604030504040204" pitchFamily="34" charset="0"/>
-              </a:rPr>
-              <a:t>explicit</a:t>
-            </a:r>
-            <a:r>
-              <a:rPr lang="ru-RU" altLang="ru-RU" dirty="0">
-                <a:solidFill>
-                  <a:srgbClr val="FFFFFF"/>
-                </a:solidFill>
-                <a:latin typeface="Verdana" panose="020B0604030504040204" pitchFamily="34" charset="0"/>
-              </a:rPr>
-              <a:t> </a:t>
-            </a:r>
-            <a:r>
-              <a:rPr lang="ru-RU" altLang="ru-RU" dirty="0" err="1">
-                <a:solidFill>
-                  <a:srgbClr val="FFCC00"/>
-                </a:solidFill>
-                <a:latin typeface="Verdana" panose="020B0604030504040204" pitchFamily="34" charset="0"/>
-              </a:rPr>
-              <a:t>HttpResponse</a:t>
-            </a:r>
-            <a:r>
-              <a:rPr lang="ru-RU" altLang="ru-RU" dirty="0">
-                <a:solidFill>
-                  <a:srgbClr val="FFFFFF"/>
-                </a:solidFill>
-                <a:latin typeface="Verdana" panose="020B0604030504040204" pitchFamily="34" charset="0"/>
-              </a:rPr>
-              <a:t>(</a:t>
-            </a:r>
-            <a:r>
-              <a:rPr lang="ru-RU" altLang="ru-RU" dirty="0" err="1">
-                <a:solidFill>
-                  <a:srgbClr val="FFCC00"/>
-                </a:solidFill>
-                <a:latin typeface="Verdana" panose="020B0604030504040204" pitchFamily="34" charset="0"/>
-              </a:rPr>
-              <a:t>HttpCode</a:t>
-            </a:r>
-            <a:r>
-              <a:rPr lang="ru-RU" altLang="ru-RU" dirty="0">
-                <a:solidFill>
-                  <a:srgbClr val="FFCC00"/>
-                </a:solidFill>
-                <a:latin typeface="Verdana" panose="020B0604030504040204" pitchFamily="34" charset="0"/>
-              </a:rPr>
-              <a:t> </a:t>
-            </a:r>
-            <a:r>
-              <a:rPr lang="ru-RU" altLang="ru-RU" dirty="0" err="1">
-                <a:solidFill>
-                  <a:srgbClr val="5BCD9D"/>
-                </a:solidFill>
-                <a:latin typeface="Verdana" panose="020B0604030504040204" pitchFamily="34" charset="0"/>
-              </a:rPr>
-              <a:t>code</a:t>
-            </a:r>
-            <a:r>
-              <a:rPr lang="ru-RU" altLang="ru-RU" dirty="0">
-                <a:solidFill>
-                  <a:srgbClr val="FFFFFF"/>
-                </a:solidFill>
-                <a:latin typeface="Verdana" panose="020B0604030504040204" pitchFamily="34" charset="0"/>
-              </a:rPr>
-              <a:t>);</a:t>
-            </a:r>
-            <a:br>
-              <a:rPr lang="ru-RU" altLang="ru-RU" dirty="0">
-                <a:solidFill>
-                  <a:srgbClr val="FFFFFF"/>
-                </a:solidFill>
-                <a:latin typeface="Verdana" panose="020B0604030504040204" pitchFamily="34" charset="0"/>
-              </a:rPr>
-            </a:br>
-            <a:r>
-              <a:rPr lang="ru-RU" altLang="ru-RU" dirty="0">
-                <a:solidFill>
-                  <a:srgbClr val="FFFFFF"/>
-                </a:solidFill>
-                <a:latin typeface="Verdana" panose="020B0604030504040204" pitchFamily="34" charset="0"/>
-              </a:rPr>
-              <a:t>    </a:t>
-            </a:r>
-            <a:r>
-              <a:rPr lang="ru-RU" altLang="ru-RU" dirty="0" err="1">
-                <a:solidFill>
-                  <a:srgbClr val="FFCC00"/>
-                </a:solidFill>
-                <a:latin typeface="Verdana" panose="020B0604030504040204" pitchFamily="34" charset="0"/>
-              </a:rPr>
-              <a:t>HttpResponse</a:t>
-            </a:r>
-            <a:r>
-              <a:rPr lang="ru-RU" altLang="ru-RU" dirty="0">
-                <a:solidFill>
-                  <a:srgbClr val="FFFFFF"/>
-                </a:solidFill>
-                <a:latin typeface="Verdana" panose="020B0604030504040204" pitchFamily="34" charset="0"/>
-              </a:rPr>
-              <a:t>&amp; </a:t>
-            </a:r>
-            <a:r>
-              <a:rPr lang="ru-RU" altLang="ru-RU" dirty="0" err="1">
-                <a:solidFill>
-                  <a:srgbClr val="FFCC00"/>
-                </a:solidFill>
-                <a:latin typeface="Verdana" panose="020B0604030504040204" pitchFamily="34" charset="0"/>
-              </a:rPr>
-              <a:t>SetContent</a:t>
-            </a:r>
-            <a:r>
-              <a:rPr lang="ru-RU" altLang="ru-RU" dirty="0">
-                <a:solidFill>
-                  <a:srgbClr val="FFFFFF"/>
-                </a:solidFill>
-                <a:latin typeface="Verdana" panose="020B0604030504040204" pitchFamily="34" charset="0"/>
-              </a:rPr>
-              <a:t>(</a:t>
-            </a:r>
-            <a:r>
-              <a:rPr lang="ru-RU" altLang="ru-RU" dirty="0" err="1">
-                <a:solidFill>
-                  <a:srgbClr val="9E64A9"/>
-                </a:solidFill>
-                <a:latin typeface="Verdana" panose="020B0604030504040204" pitchFamily="34" charset="0"/>
-              </a:rPr>
-              <a:t>std</a:t>
-            </a:r>
-            <a:r>
-              <a:rPr lang="ru-RU" altLang="ru-RU" dirty="0">
-                <a:solidFill>
-                  <a:srgbClr val="FFFFFF"/>
-                </a:solidFill>
-                <a:latin typeface="Verdana" panose="020B0604030504040204" pitchFamily="34" charset="0"/>
-              </a:rPr>
-              <a:t>::</a:t>
-            </a:r>
-            <a:r>
-              <a:rPr lang="ru-RU" altLang="ru-RU" dirty="0" err="1">
-                <a:solidFill>
-                  <a:srgbClr val="FFCC00"/>
-                </a:solidFill>
-                <a:latin typeface="Verdana" panose="020B0604030504040204" pitchFamily="34" charset="0"/>
-              </a:rPr>
-              <a:t>string</a:t>
-            </a:r>
-            <a:r>
-              <a:rPr lang="ru-RU" altLang="ru-RU" dirty="0">
-                <a:solidFill>
-                  <a:srgbClr val="FFCC00"/>
-                </a:solidFill>
-                <a:latin typeface="Verdana" panose="020B0604030504040204" pitchFamily="34" charset="0"/>
-              </a:rPr>
-              <a:t> </a:t>
-            </a:r>
-            <a:r>
-              <a:rPr lang="ru-RU" altLang="ru-RU" dirty="0" err="1">
-                <a:solidFill>
-                  <a:srgbClr val="5BCD9D"/>
-                </a:solidFill>
-                <a:latin typeface="Verdana" panose="020B0604030504040204" pitchFamily="34" charset="0"/>
-              </a:rPr>
-              <a:t>value</a:t>
-            </a:r>
-            <a:r>
-              <a:rPr lang="ru-RU" altLang="ru-RU" dirty="0">
-                <a:solidFill>
-                  <a:srgbClr val="FFFFFF"/>
-                </a:solidFill>
-                <a:latin typeface="Verdana" panose="020B0604030504040204" pitchFamily="34" charset="0"/>
-              </a:rPr>
-              <a:t>);</a:t>
-            </a:r>
-            <a:br>
-              <a:rPr lang="ru-RU" altLang="ru-RU" dirty="0">
-                <a:solidFill>
-                  <a:srgbClr val="FFFFFF"/>
-                </a:solidFill>
-                <a:latin typeface="Verdana" panose="020B0604030504040204" pitchFamily="34" charset="0"/>
-              </a:rPr>
-            </a:br>
-            <a:r>
-              <a:rPr lang="ru-RU" altLang="ru-RU" dirty="0">
-                <a:solidFill>
-                  <a:srgbClr val="FFFFFF"/>
-                </a:solidFill>
-                <a:latin typeface="Verdana" panose="020B0604030504040204" pitchFamily="34" charset="0"/>
-              </a:rPr>
-              <a:t>    </a:t>
-            </a:r>
-            <a:r>
-              <a:rPr lang="ru-RU" altLang="ru-RU" dirty="0" err="1">
-                <a:solidFill>
-                  <a:srgbClr val="FFFFFF"/>
-                </a:solidFill>
-                <a:latin typeface="Verdana" panose="020B0604030504040204" pitchFamily="34" charset="0"/>
-              </a:rPr>
-              <a:t>friend</a:t>
-            </a:r>
-            <a:r>
-              <a:rPr lang="ru-RU" altLang="ru-RU" dirty="0">
-                <a:solidFill>
-                  <a:srgbClr val="FFFFFF"/>
-                </a:solidFill>
-                <a:latin typeface="Verdana" panose="020B0604030504040204" pitchFamily="34" charset="0"/>
-              </a:rPr>
-              <a:t> </a:t>
-            </a:r>
-            <a:r>
-              <a:rPr lang="ru-RU" altLang="ru-RU" dirty="0" err="1">
-                <a:solidFill>
-                  <a:srgbClr val="9E64A9"/>
-                </a:solidFill>
-                <a:latin typeface="Verdana" panose="020B0604030504040204" pitchFamily="34" charset="0"/>
-              </a:rPr>
-              <a:t>std</a:t>
-            </a:r>
-            <a:r>
-              <a:rPr lang="ru-RU" altLang="ru-RU" dirty="0">
-                <a:solidFill>
-                  <a:srgbClr val="FFFFFF"/>
-                </a:solidFill>
-                <a:latin typeface="Verdana" panose="020B0604030504040204" pitchFamily="34" charset="0"/>
-              </a:rPr>
-              <a:t>::</a:t>
-            </a:r>
-            <a:r>
-              <a:rPr lang="ru-RU" altLang="ru-RU" dirty="0" err="1">
-                <a:solidFill>
-                  <a:srgbClr val="FFCC00"/>
-                </a:solidFill>
-                <a:latin typeface="Verdana" panose="020B0604030504040204" pitchFamily="34" charset="0"/>
-              </a:rPr>
-              <a:t>ostream</a:t>
-            </a:r>
-            <a:r>
-              <a:rPr lang="ru-RU" altLang="ru-RU" dirty="0">
-                <a:solidFill>
-                  <a:srgbClr val="FFFFFF"/>
-                </a:solidFill>
-                <a:latin typeface="Verdana" panose="020B0604030504040204" pitchFamily="34" charset="0"/>
-              </a:rPr>
-              <a:t>&amp; </a:t>
-            </a:r>
-            <a:r>
-              <a:rPr lang="ru-RU" altLang="ru-RU" dirty="0" err="1">
-                <a:solidFill>
-                  <a:srgbClr val="FFFFFF"/>
-                </a:solidFill>
-                <a:latin typeface="Verdana" panose="020B0604030504040204" pitchFamily="34" charset="0"/>
-              </a:rPr>
-              <a:t>operator</a:t>
-            </a:r>
-            <a:r>
-              <a:rPr lang="ru-RU" altLang="ru-RU" dirty="0">
-                <a:solidFill>
-                  <a:srgbClr val="FFFFFF"/>
-                </a:solidFill>
-                <a:latin typeface="Verdana" panose="020B0604030504040204" pitchFamily="34" charset="0"/>
-              </a:rPr>
-              <a:t> </a:t>
-            </a:r>
-            <a:r>
-              <a:rPr lang="ru-RU" altLang="ru-RU" dirty="0">
-                <a:solidFill>
-                  <a:srgbClr val="FFCC00"/>
-                </a:solidFill>
-                <a:latin typeface="Verdana" panose="020B0604030504040204" pitchFamily="34" charset="0"/>
-              </a:rPr>
-              <a:t>&lt;&lt; </a:t>
-            </a:r>
-            <a:r>
-              <a:rPr lang="ru-RU" altLang="ru-RU" dirty="0">
-                <a:solidFill>
-                  <a:srgbClr val="FFFFFF"/>
-                </a:solidFill>
-                <a:latin typeface="Verdana" panose="020B0604030504040204" pitchFamily="34" charset="0"/>
-              </a:rPr>
-              <a:t>(</a:t>
-            </a:r>
-            <a:r>
-              <a:rPr lang="ru-RU" altLang="ru-RU" dirty="0" err="1">
-                <a:solidFill>
-                  <a:srgbClr val="9E64A9"/>
-                </a:solidFill>
-                <a:latin typeface="Verdana" panose="020B0604030504040204" pitchFamily="34" charset="0"/>
-              </a:rPr>
-              <a:t>std</a:t>
-            </a:r>
-            <a:r>
-              <a:rPr lang="ru-RU" altLang="ru-RU" dirty="0">
-                <a:solidFill>
-                  <a:srgbClr val="FFFFFF"/>
-                </a:solidFill>
-                <a:latin typeface="Verdana" panose="020B0604030504040204" pitchFamily="34" charset="0"/>
-              </a:rPr>
-              <a:t>::</a:t>
-            </a:r>
-            <a:r>
-              <a:rPr lang="ru-RU" altLang="ru-RU" dirty="0" err="1">
-                <a:solidFill>
-                  <a:srgbClr val="FFCC00"/>
-                </a:solidFill>
-                <a:latin typeface="Verdana" panose="020B0604030504040204" pitchFamily="34" charset="0"/>
-              </a:rPr>
-              <a:t>ostream</a:t>
-            </a:r>
-            <a:r>
-              <a:rPr lang="ru-RU" altLang="ru-RU" dirty="0">
-                <a:solidFill>
-                  <a:srgbClr val="FFFFFF"/>
-                </a:solidFill>
-                <a:latin typeface="Verdana" panose="020B0604030504040204" pitchFamily="34" charset="0"/>
-              </a:rPr>
-              <a:t>&amp; </a:t>
-            </a:r>
-            <a:r>
-              <a:rPr lang="ru-RU" altLang="ru-RU" dirty="0" err="1">
-                <a:solidFill>
-                  <a:srgbClr val="5BCD9D"/>
-                </a:solidFill>
-                <a:latin typeface="Verdana" panose="020B0604030504040204" pitchFamily="34" charset="0"/>
-              </a:rPr>
-              <a:t>os</a:t>
-            </a:r>
-            <a:r>
-              <a:rPr lang="ru-RU" altLang="ru-RU" dirty="0">
-                <a:solidFill>
-                  <a:srgbClr val="FFFFFF"/>
-                </a:solidFill>
-                <a:latin typeface="Verdana" panose="020B0604030504040204" pitchFamily="34" charset="0"/>
-              </a:rPr>
-              <a:t>, </a:t>
-            </a:r>
-            <a:r>
-              <a:rPr lang="ru-RU" altLang="ru-RU" dirty="0" err="1">
-                <a:solidFill>
-                  <a:srgbClr val="FFFFFF"/>
-                </a:solidFill>
-                <a:latin typeface="Verdana" panose="020B0604030504040204" pitchFamily="34" charset="0"/>
-              </a:rPr>
-              <a:t>const</a:t>
-            </a:r>
-            <a:r>
-              <a:rPr lang="ru-RU" altLang="ru-RU" dirty="0">
-                <a:solidFill>
-                  <a:srgbClr val="FFFFFF"/>
-                </a:solidFill>
-                <a:latin typeface="Verdana" panose="020B0604030504040204" pitchFamily="34" charset="0"/>
-              </a:rPr>
-              <a:t> </a:t>
-            </a:r>
-            <a:r>
-              <a:rPr lang="ru-RU" altLang="ru-RU" dirty="0" err="1">
-                <a:solidFill>
-                  <a:srgbClr val="FFCC00"/>
-                </a:solidFill>
-                <a:latin typeface="Verdana" panose="020B0604030504040204" pitchFamily="34" charset="0"/>
-              </a:rPr>
-              <a:t>HttpResponse</a:t>
-            </a:r>
-            <a:r>
-              <a:rPr lang="ru-RU" altLang="ru-RU" dirty="0">
-                <a:solidFill>
-                  <a:srgbClr val="FFFFFF"/>
-                </a:solidFill>
-                <a:latin typeface="Verdana" panose="020B0604030504040204" pitchFamily="34" charset="0"/>
-              </a:rPr>
-              <a:t>&amp; </a:t>
-            </a:r>
-            <a:r>
-              <a:rPr lang="ru-RU" altLang="ru-RU" dirty="0" err="1">
-                <a:solidFill>
-                  <a:srgbClr val="5BCD9D"/>
-                </a:solidFill>
-                <a:latin typeface="Verdana" panose="020B0604030504040204" pitchFamily="34" charset="0"/>
-              </a:rPr>
-              <a:t>resp</a:t>
-            </a:r>
-            <a:r>
-              <a:rPr lang="ru-RU" altLang="ru-RU" dirty="0">
-                <a:solidFill>
-                  <a:srgbClr val="FFFFFF"/>
-                </a:solidFill>
-                <a:latin typeface="Verdana" panose="020B0604030504040204" pitchFamily="34" charset="0"/>
-              </a:rPr>
-              <a:t>);</a:t>
-            </a:r>
-            <a:br>
-              <a:rPr lang="ru-RU" altLang="ru-RU" dirty="0">
-                <a:solidFill>
-                  <a:srgbClr val="FFFFFF"/>
-                </a:solidFill>
-                <a:latin typeface="Verdana" panose="020B0604030504040204" pitchFamily="34" charset="0"/>
-              </a:rPr>
-            </a:br>
-            <a:r>
-              <a:rPr lang="ru-RU" altLang="ru-RU" dirty="0" err="1">
-                <a:solidFill>
-                  <a:srgbClr val="FFFFFF"/>
-                </a:solidFill>
-                <a:latin typeface="Verdana" panose="020B0604030504040204" pitchFamily="34" charset="0"/>
-              </a:rPr>
-              <a:t>private</a:t>
-            </a:r>
-            <a:r>
-              <a:rPr lang="ru-RU" altLang="ru-RU" dirty="0">
-                <a:solidFill>
-                  <a:srgbClr val="FFFFFF"/>
-                </a:solidFill>
-                <a:latin typeface="Verdana" panose="020B0604030504040204" pitchFamily="34" charset="0"/>
-              </a:rPr>
-              <a:t>:</a:t>
-            </a:r>
-            <a:br>
-              <a:rPr lang="ru-RU" altLang="ru-RU" dirty="0">
-                <a:solidFill>
-                  <a:srgbClr val="FFFFFF"/>
-                </a:solidFill>
-                <a:latin typeface="Verdana" panose="020B0604030504040204" pitchFamily="34" charset="0"/>
-              </a:rPr>
-            </a:br>
-            <a:r>
-              <a:rPr lang="ru-RU" altLang="ru-RU" dirty="0">
-                <a:solidFill>
-                  <a:srgbClr val="FFFFFF"/>
-                </a:solidFill>
-                <a:latin typeface="Verdana" panose="020B0604030504040204" pitchFamily="34" charset="0"/>
-              </a:rPr>
-              <a:t>    </a:t>
-            </a:r>
-            <a:r>
-              <a:rPr lang="ru-RU" altLang="ru-RU" dirty="0" err="1">
-                <a:solidFill>
-                  <a:srgbClr val="FFCC00"/>
-                </a:solidFill>
-                <a:latin typeface="Verdana" panose="020B0604030504040204" pitchFamily="34" charset="0"/>
-              </a:rPr>
-              <a:t>HttpCode</a:t>
-            </a:r>
-            <a:r>
-              <a:rPr lang="ru-RU" altLang="ru-RU" dirty="0">
-                <a:solidFill>
-                  <a:srgbClr val="FFCC00"/>
-                </a:solidFill>
-                <a:latin typeface="Verdana" panose="020B0604030504040204" pitchFamily="34" charset="0"/>
-              </a:rPr>
-              <a:t> </a:t>
-            </a:r>
-            <a:r>
-              <a:rPr lang="ru-RU" altLang="ru-RU" dirty="0" err="1">
-                <a:solidFill>
-                  <a:srgbClr val="5BCD9D"/>
-                </a:solidFill>
-                <a:latin typeface="Verdana" panose="020B0604030504040204" pitchFamily="34" charset="0"/>
-              </a:rPr>
-              <a:t>code</a:t>
-            </a:r>
-            <a:r>
-              <a:rPr lang="ru-RU" altLang="ru-RU" dirty="0">
-                <a:solidFill>
-                  <a:srgbClr val="5BCD9D"/>
-                </a:solidFill>
-                <a:latin typeface="Verdana" panose="020B0604030504040204" pitchFamily="34" charset="0"/>
-              </a:rPr>
-              <a:t>_</a:t>
-            </a:r>
-            <a:r>
-              <a:rPr lang="ru-RU" altLang="ru-RU" dirty="0">
-                <a:solidFill>
-                  <a:srgbClr val="FFFFFF"/>
-                </a:solidFill>
-                <a:latin typeface="Verdana" panose="020B0604030504040204" pitchFamily="34" charset="0"/>
-              </a:rPr>
-              <a:t>;</a:t>
-            </a:r>
-            <a:br>
-              <a:rPr lang="ru-RU" altLang="ru-RU" dirty="0">
-                <a:solidFill>
-                  <a:srgbClr val="FFFFFF"/>
-                </a:solidFill>
-                <a:latin typeface="Verdana" panose="020B0604030504040204" pitchFamily="34" charset="0"/>
-              </a:rPr>
-            </a:br>
-            <a:r>
-              <a:rPr lang="ru-RU" altLang="ru-RU" dirty="0">
-                <a:solidFill>
-                  <a:srgbClr val="FFFFFF"/>
-                </a:solidFill>
-                <a:latin typeface="Verdana" panose="020B0604030504040204" pitchFamily="34" charset="0"/>
-              </a:rPr>
-              <a:t>    </a:t>
-            </a:r>
-            <a:r>
-              <a:rPr lang="ru-RU" altLang="ru-RU" dirty="0" err="1">
-                <a:solidFill>
-                  <a:srgbClr val="9E64A9"/>
-                </a:solidFill>
-                <a:latin typeface="Verdana" panose="020B0604030504040204" pitchFamily="34" charset="0"/>
-              </a:rPr>
-              <a:t>std</a:t>
-            </a:r>
-            <a:r>
-              <a:rPr lang="ru-RU" altLang="ru-RU" dirty="0">
-                <a:solidFill>
-                  <a:srgbClr val="FFFFFF"/>
-                </a:solidFill>
-                <a:latin typeface="Verdana" panose="020B0604030504040204" pitchFamily="34" charset="0"/>
-              </a:rPr>
-              <a:t>::</a:t>
-            </a:r>
-            <a:r>
-              <a:rPr lang="ru-RU" altLang="ru-RU" dirty="0" err="1">
-                <a:solidFill>
-                  <a:srgbClr val="FFCC00"/>
-                </a:solidFill>
-                <a:latin typeface="Verdana" panose="020B0604030504040204" pitchFamily="34" charset="0"/>
-              </a:rPr>
-              <a:t>string</a:t>
-            </a:r>
-            <a:r>
-              <a:rPr lang="ru-RU" altLang="ru-RU" dirty="0">
-                <a:solidFill>
-                  <a:srgbClr val="FFCC00"/>
-                </a:solidFill>
-                <a:latin typeface="Verdana" panose="020B0604030504040204" pitchFamily="34" charset="0"/>
-              </a:rPr>
-              <a:t> </a:t>
-            </a:r>
-            <a:r>
-              <a:rPr lang="ru-RU" altLang="ru-RU" dirty="0" err="1">
-                <a:solidFill>
-                  <a:srgbClr val="5BCD9D"/>
-                </a:solidFill>
-                <a:latin typeface="Verdana" panose="020B0604030504040204" pitchFamily="34" charset="0"/>
-              </a:rPr>
-              <a:t>content</a:t>
-            </a:r>
-            <a:r>
-              <a:rPr lang="ru-RU" altLang="ru-RU" dirty="0">
-                <a:solidFill>
-                  <a:srgbClr val="5BCD9D"/>
-                </a:solidFill>
-                <a:latin typeface="Verdana" panose="020B0604030504040204" pitchFamily="34" charset="0"/>
-              </a:rPr>
-              <a:t>_</a:t>
-            </a:r>
-            <a:r>
-              <a:rPr lang="ru-RU" altLang="ru-RU" dirty="0">
-                <a:solidFill>
-                  <a:srgbClr val="FFFFFF"/>
-                </a:solidFill>
-                <a:latin typeface="Verdana" panose="020B0604030504040204" pitchFamily="34" charset="0"/>
-              </a:rPr>
-              <a:t>;</a:t>
-            </a:r>
-            <a:br>
-              <a:rPr lang="ru-RU" altLang="ru-RU" dirty="0">
-                <a:solidFill>
-                  <a:srgbClr val="FFFFFF"/>
-                </a:solidFill>
-                <a:latin typeface="Verdana" panose="020B0604030504040204" pitchFamily="34" charset="0"/>
-              </a:rPr>
-            </a:br>
-            <a:r>
-              <a:rPr lang="ru-RU" altLang="ru-RU" dirty="0" smtClean="0">
-                <a:solidFill>
-                  <a:srgbClr val="FFFFFF"/>
-                </a:solidFill>
-                <a:latin typeface="Verdana" panose="020B0604030504040204" pitchFamily="34" charset="0"/>
-              </a:rPr>
-              <a:t>};</a:t>
-            </a:r>
-            <a:endParaRPr lang="en-US" altLang="ru-RU" dirty="0" smtClean="0">
-              <a:solidFill>
-                <a:srgbClr val="FFFFFF"/>
-              </a:solidFill>
-              <a:latin typeface="Verdana" panose="020B0604030504040204" pitchFamily="34" charset="0"/>
-            </a:endParaRPr>
-          </a:p>
-          <a:p>
-            <a:pPr lvl="0" defTabSz="914400" eaLnBrk="0" fontAlgn="base" hangingPunct="0">
-              <a:spcBef>
-                <a:spcPct val="0"/>
-              </a:spcBef>
-              <a:spcAft>
-                <a:spcPct val="0"/>
-              </a:spcAft>
-            </a:pPr>
-            <a:endParaRPr lang="en-US" altLang="ru-RU" dirty="0" smtClean="0">
-              <a:solidFill>
-                <a:srgbClr val="FFFFFF"/>
-              </a:solidFill>
-              <a:latin typeface="Verdana" panose="020B0604030504040204" pitchFamily="34" charset="0"/>
-            </a:endParaRPr>
-          </a:p>
-          <a:p>
-            <a:pPr lvl="0" defTabSz="914400" eaLnBrk="0" fontAlgn="base" hangingPunct="0">
-              <a:spcBef>
-                <a:spcPct val="0"/>
-              </a:spcBef>
-              <a:spcAft>
-                <a:spcPct val="0"/>
-              </a:spcAft>
-            </a:pPr>
-            <a:r>
-              <a:rPr lang="ru-RU" altLang="ru-RU" dirty="0" err="1">
-                <a:solidFill>
-                  <a:srgbClr val="FFCC00"/>
-                </a:solidFill>
-                <a:latin typeface="Verdana" panose="020B0604030504040204" pitchFamily="34" charset="0"/>
-              </a:rPr>
-              <a:t>HttpResponse</a:t>
-            </a:r>
-            <a:r>
-              <a:rPr lang="ru-RU" altLang="ru-RU" dirty="0">
-                <a:solidFill>
-                  <a:srgbClr val="FFFFFF"/>
-                </a:solidFill>
-                <a:latin typeface="Verdana" panose="020B0604030504040204" pitchFamily="34" charset="0"/>
-              </a:rPr>
-              <a:t>::</a:t>
-            </a:r>
-            <a:r>
-              <a:rPr lang="ru-RU" altLang="ru-RU" dirty="0" err="1">
-                <a:solidFill>
-                  <a:srgbClr val="FFCC00"/>
-                </a:solidFill>
-                <a:latin typeface="Verdana" panose="020B0604030504040204" pitchFamily="34" charset="0"/>
-              </a:rPr>
-              <a:t>HttpResponse</a:t>
-            </a:r>
-            <a:r>
-              <a:rPr lang="ru-RU" altLang="ru-RU" dirty="0">
-                <a:solidFill>
-                  <a:srgbClr val="FFFFFF"/>
-                </a:solidFill>
-                <a:latin typeface="Verdana" panose="020B0604030504040204" pitchFamily="34" charset="0"/>
-              </a:rPr>
-              <a:t>(</a:t>
-            </a:r>
-            <a:r>
-              <a:rPr lang="ru-RU" altLang="ru-RU" dirty="0" err="1">
-                <a:solidFill>
-                  <a:srgbClr val="FFCC00"/>
-                </a:solidFill>
-                <a:latin typeface="Verdana" panose="020B0604030504040204" pitchFamily="34" charset="0"/>
-              </a:rPr>
-              <a:t>HttpCode</a:t>
-            </a:r>
-            <a:r>
-              <a:rPr lang="ru-RU" altLang="ru-RU" dirty="0">
-                <a:solidFill>
-                  <a:srgbClr val="FFCC00"/>
-                </a:solidFill>
-                <a:latin typeface="Verdana" panose="020B0604030504040204" pitchFamily="34" charset="0"/>
-              </a:rPr>
-              <a:t> </a:t>
-            </a:r>
-            <a:r>
-              <a:rPr lang="ru-RU" altLang="ru-RU" dirty="0" err="1">
-                <a:solidFill>
-                  <a:srgbClr val="5BCD9D"/>
-                </a:solidFill>
-                <a:latin typeface="Verdana" panose="020B0604030504040204" pitchFamily="34" charset="0"/>
-              </a:rPr>
-              <a:t>code</a:t>
-            </a:r>
-            <a:r>
-              <a:rPr lang="ru-RU" altLang="ru-RU" dirty="0">
-                <a:solidFill>
-                  <a:srgbClr val="FFFFFF"/>
-                </a:solidFill>
-                <a:latin typeface="Verdana" panose="020B0604030504040204" pitchFamily="34" charset="0"/>
-              </a:rPr>
-              <a:t>) : </a:t>
-            </a:r>
-            <a:r>
-              <a:rPr lang="ru-RU" altLang="ru-RU" dirty="0" err="1">
-                <a:solidFill>
-                  <a:srgbClr val="5BCD9D"/>
-                </a:solidFill>
-                <a:latin typeface="Verdana" panose="020B0604030504040204" pitchFamily="34" charset="0"/>
-              </a:rPr>
-              <a:t>code</a:t>
-            </a:r>
-            <a:r>
-              <a:rPr lang="ru-RU" altLang="ru-RU" dirty="0">
-                <a:solidFill>
-                  <a:srgbClr val="5BCD9D"/>
-                </a:solidFill>
-                <a:latin typeface="Verdana" panose="020B0604030504040204" pitchFamily="34" charset="0"/>
-              </a:rPr>
-              <a:t>_</a:t>
-            </a:r>
-            <a:r>
-              <a:rPr lang="ru-RU" altLang="ru-RU" dirty="0">
-                <a:solidFill>
-                  <a:srgbClr val="FFFFFF"/>
-                </a:solidFill>
-                <a:latin typeface="Verdana" panose="020B0604030504040204" pitchFamily="34" charset="0"/>
-              </a:rPr>
-              <a:t>(</a:t>
-            </a:r>
-            <a:r>
-              <a:rPr lang="ru-RU" altLang="ru-RU" dirty="0" err="1">
-                <a:solidFill>
-                  <a:srgbClr val="5BCD9D"/>
-                </a:solidFill>
-                <a:latin typeface="Verdana" panose="020B0604030504040204" pitchFamily="34" charset="0"/>
-              </a:rPr>
-              <a:t>code</a:t>
-            </a:r>
-            <a:r>
-              <a:rPr lang="ru-RU" altLang="ru-RU" dirty="0">
-                <a:solidFill>
-                  <a:srgbClr val="FFFFFF"/>
-                </a:solidFill>
-                <a:latin typeface="Verdana" panose="020B0604030504040204" pitchFamily="34" charset="0"/>
-              </a:rPr>
-              <a:t>) {</a:t>
-            </a:r>
-            <a:br>
-              <a:rPr lang="ru-RU" altLang="ru-RU" dirty="0">
-                <a:solidFill>
-                  <a:srgbClr val="FFFFFF"/>
-                </a:solidFill>
-                <a:latin typeface="Verdana" panose="020B0604030504040204" pitchFamily="34" charset="0"/>
-              </a:rPr>
-            </a:br>
-            <a:r>
-              <a:rPr lang="ru-RU" altLang="ru-RU" dirty="0" smtClean="0">
-                <a:solidFill>
-                  <a:srgbClr val="FFFFFF"/>
-                </a:solidFill>
-                <a:latin typeface="Verdana" panose="020B0604030504040204" pitchFamily="34" charset="0"/>
-              </a:rPr>
-              <a:t>}</a:t>
-            </a:r>
-            <a:endParaRPr lang="ru-RU" altLang="ru-RU" dirty="0">
-              <a:solidFill>
-                <a:schemeClr val="tx1"/>
-              </a:solidFill>
-              <a:latin typeface="Arial" panose="020B0604020202020204" pitchFamily="34" charset="0"/>
-            </a:endParaRPr>
-          </a:p>
-        </p:txBody>
-      </p:sp>
-      <p:sp>
-        <p:nvSpPr>
-          <p:cNvPr id="2" name="Заголовок 1"/>
-          <p:cNvSpPr>
-            <a:spLocks noGrp="1"/>
-          </p:cNvSpPr>
-          <p:nvPr>
-            <p:ph type="title"/>
-          </p:nvPr>
-        </p:nvSpPr>
-        <p:spPr/>
-        <p:txBody>
-          <a:bodyPr/>
-          <a:lstStyle/>
-          <a:p>
-            <a:r>
-              <a:rPr lang="ru-RU" dirty="0"/>
-              <a:t>Четвёртый шаг – реализация интерфейса</a:t>
-            </a:r>
-          </a:p>
-        </p:txBody>
-      </p:sp>
-      <p:sp>
-        <p:nvSpPr>
-          <p:cNvPr id="3" name="Нижний колонтитул 2"/>
-          <p:cNvSpPr>
-            <a:spLocks noGrp="1"/>
-          </p:cNvSpPr>
-          <p:nvPr>
-            <p:ph type="ftr" sz="quarter" idx="11"/>
-          </p:nvPr>
-        </p:nvSpPr>
-        <p:spPr/>
-        <p:txBody>
-          <a:bodyPr/>
-          <a:lstStyle/>
-          <a:p>
-            <a:endParaRPr lang="ru-RU" dirty="0">
-              <a:solidFill>
-                <a:srgbClr val="000000"/>
-              </a:solidFill>
-            </a:endParaRPr>
-          </a:p>
-        </p:txBody>
-      </p:sp>
-      <p:sp>
-        <p:nvSpPr>
-          <p:cNvPr id="4" name="Номер слайда 3"/>
-          <p:cNvSpPr>
-            <a:spLocks noGrp="1"/>
-          </p:cNvSpPr>
-          <p:nvPr>
-            <p:ph type="sldNum" sz="quarter" idx="12"/>
-          </p:nvPr>
-        </p:nvSpPr>
-        <p:spPr/>
-        <p:txBody>
-          <a:bodyPr/>
-          <a:lstStyle/>
-          <a:p>
-            <a:fld id="{741C03D3-FA44-40EC-9A21-1FC4FEA3E22E}" type="slidenum">
-              <a:rPr lang="ru-RU" smtClean="0">
-                <a:solidFill>
-                  <a:schemeClr val="bg1"/>
-                </a:solidFill>
-              </a:rPr>
-              <a:pPr/>
-              <a:t>22</a:t>
-            </a:fld>
-            <a:endParaRPr lang="ru-RU" dirty="0">
-              <a:solidFill>
-                <a:schemeClr val="bg1"/>
-              </a:solidFill>
-            </a:endParaRPr>
-          </a:p>
-        </p:txBody>
-      </p:sp>
-    </p:spTree>
-    <p:extLst>
-      <p:ext uri="{BB962C8B-B14F-4D97-AF65-F5344CB8AC3E}">
-        <p14:creationId xmlns:p14="http://schemas.microsoft.com/office/powerpoint/2010/main" val="121522117"/>
-      </p:ext>
-    </p:extLst>
-  </p:cSld>
-  <p:clrMapOvr>
-    <a:masterClrMapping/>
-  </p:clrMapOvr>
-  <p:timing>
-    <p:tnLst>
-      <p:par>
-        <p:cTn id="1" dur="indefinite" restart="never" nodeType="tmRoot"/>
-      </p:par>
-    </p:tnLst>
-  </p:timing>
-</p:sld>
-</file>
-
-<file path=ppt/slides/slide23.xml><?xml version="1.0" encoding="utf-8"?>
-<p:sld xmlns:a="http://schemas.openxmlformats.org/drawingml/2006/main" xmlns:r="http://schemas.openxmlformats.org/officeDocument/2006/relationships" xmlns:p="http://schemas.openxmlformats.org/presentationml/2006/main">
-  <p:cSld>
-    <p:spTree>
-      <p:nvGrpSpPr>
-        <p:cNvPr id="1" name=""/>
-        <p:cNvGrpSpPr/>
-        <p:nvPr/>
-      </p:nvGrpSpPr>
-      <p:grpSpPr>
-        <a:xfrm>
-          <a:off x="0" y="0"/>
-          <a:ext cx="0" cy="0"/>
-          <a:chOff x="0" y="0"/>
-          <a:chExt cx="0" cy="0"/>
-        </a:xfrm>
-      </p:grpSpPr>
-      <p:sp>
-        <p:nvSpPr>
           <p:cNvPr id="4" name="Объект 3"/>
           <p:cNvSpPr>
             <a:spLocks noGrp="1"/>
@@ -34420,7 +34193,7 @@
                 </a:solidFill>
               </a:rPr>
               <a:pPr/>
-              <a:t>23</a:t>
+              <a:t>22</a:t>
             </a:fld>
             <a:endParaRPr lang="ru-RU" dirty="0">
               <a:solidFill>
@@ -34453,7 +34226,7 @@
 </p:sld>
 </file>
 
-<file path=ppt/slides/slide24.xml><?xml version="1.0" encoding="utf-8"?>
+<file path=ppt/slides/slide23.xml><?xml version="1.0" encoding="utf-8"?>
 <p:sld xmlns:a="http://schemas.openxmlformats.org/drawingml/2006/main" xmlns:r="http://schemas.openxmlformats.org/officeDocument/2006/relationships" xmlns:p="http://schemas.openxmlformats.org/presentationml/2006/main">
   <p:cSld>
     <p:spTree>
@@ -34625,7 +34398,7 @@
                 </a:solidFill>
               </a:rPr>
               <a:pPr/>
-              <a:t>24</a:t>
+              <a:t>23</a:t>
             </a:fld>
             <a:endParaRPr lang="ru-RU" dirty="0">
               <a:solidFill>
@@ -34655,7 +34428,7 @@
 </p:sld>
 </file>
 
-<file path=ppt/slides/slide25.xml><?xml version="1.0" encoding="utf-8"?>
+<file path=ppt/slides/slide24.xml><?xml version="1.0" encoding="utf-8"?>
 <p:sld xmlns:a="http://schemas.openxmlformats.org/drawingml/2006/main" xmlns:r="http://schemas.openxmlformats.org/officeDocument/2006/relationships" xmlns:p="http://schemas.openxmlformats.org/presentationml/2006/main">
   <p:cSld>
     <p:spTree>
@@ -34848,7 +34621,7 @@
                 </a:solidFill>
               </a:rPr>
               <a:pPr/>
-              <a:t>25</a:t>
+              <a:t>24</a:t>
             </a:fld>
             <a:endParaRPr lang="ru-RU">
               <a:solidFill>
@@ -35159,7 +34932,7 @@
 </p:sld>
 </file>
 
-<file path=ppt/slides/slide26.xml><?xml version="1.0" encoding="utf-8"?>
+<file path=ppt/slides/slide25.xml><?xml version="1.0" encoding="utf-8"?>
 <p:sld xmlns:a="http://schemas.openxmlformats.org/drawingml/2006/main" xmlns:r="http://schemas.openxmlformats.org/officeDocument/2006/relationships" xmlns:p="http://schemas.openxmlformats.org/presentationml/2006/main">
   <p:cSld>
     <p:spTree>
@@ -38162,7 +37935,7 @@
 </p:sld>
 </file>
 
-<file path=ppt/slides/slide27.xml><?xml version="1.0" encoding="utf-8"?>
+<file path=ppt/slides/slide26.xml><?xml version="1.0" encoding="utf-8"?>
 <p:sld xmlns:a="http://schemas.openxmlformats.org/drawingml/2006/main" xmlns:r="http://schemas.openxmlformats.org/officeDocument/2006/relationships" xmlns:p="http://schemas.openxmlformats.org/presentationml/2006/main" show="0">
   <p:cSld>
     <p:spTree>
@@ -38280,7 +38053,7 @@
                 </a:solidFill>
               </a:rPr>
               <a:pPr/>
-              <a:t>27</a:t>
+              <a:t>26</a:t>
             </a:fld>
             <a:endParaRPr lang="ru-RU">
               <a:solidFill>
@@ -38710,7 +38483,7 @@
 </p:sld>
 </file>
 
-<file path=ppt/slides/slide28.xml><?xml version="1.0" encoding="utf-8"?>
+<file path=ppt/slides/slide27.xml><?xml version="1.0" encoding="utf-8"?>
 <p:sld xmlns:a="http://schemas.openxmlformats.org/drawingml/2006/main" xmlns:r="http://schemas.openxmlformats.org/officeDocument/2006/relationships" xmlns:p="http://schemas.openxmlformats.org/presentationml/2006/main" show="0">
   <p:cSld>
     <p:spTree>
@@ -38794,7 +38567,7 @@
                 </a:solidFill>
               </a:rPr>
               <a:pPr/>
-              <a:t>28</a:t>
+              <a:t>27</a:t>
             </a:fld>
             <a:endParaRPr lang="ru-RU">
               <a:solidFill>
@@ -40024,7 +39797,7 @@
 </p:sld>
 </file>
 
-<file path=ppt/slides/slide29.xml><?xml version="1.0" encoding="utf-8"?>
+<file path=ppt/slides/slide28.xml><?xml version="1.0" encoding="utf-8"?>
 <p:sld xmlns:a="http://schemas.openxmlformats.org/drawingml/2006/main" xmlns:r="http://schemas.openxmlformats.org/officeDocument/2006/relationships" xmlns:p="http://schemas.openxmlformats.org/presentationml/2006/main" show="0">
   <p:cSld>
     <p:spTree>
@@ -40086,7 +39859,7 @@
                 </a:solidFill>
               </a:rPr>
               <a:pPr/>
-              <a:t>29</a:t>
+              <a:t>28</a:t>
             </a:fld>
             <a:endParaRPr lang="ru-RU">
               <a:solidFill>
@@ -44969,6 +44742,208 @@
             <a:r>
               <a:rPr lang="ru-RU" altLang="ru-RU" dirty="0">
                 <a:solidFill>
+                  <a:srgbClr val="72C3E0"/>
+                </a:solidFill>
+                <a:latin typeface="Verdana" panose="020B0604030504040204" pitchFamily="34" charset="0"/>
+              </a:rPr>
+              <a:t/>
+            </a:r>
+            <a:br>
+              <a:rPr lang="ru-RU" altLang="ru-RU" dirty="0">
+                <a:solidFill>
+                  <a:srgbClr val="72C3E0"/>
+                </a:solidFill>
+                <a:latin typeface="Verdana" panose="020B0604030504040204" pitchFamily="34" charset="0"/>
+              </a:rPr>
+            </a:br>
+            <a:r>
+              <a:rPr lang="ru-RU" altLang="ru-RU" dirty="0">
+                <a:solidFill>
+                  <a:srgbClr val="72C3E0"/>
+                </a:solidFill>
+                <a:latin typeface="Verdana" panose="020B0604030504040204" pitchFamily="34" charset="0"/>
+              </a:rPr>
+              <a:t/>
+            </a:r>
+            <a:br>
+              <a:rPr lang="ru-RU" altLang="ru-RU" dirty="0">
+                <a:solidFill>
+                  <a:srgbClr val="72C3E0"/>
+                </a:solidFill>
+                <a:latin typeface="Verdana" panose="020B0604030504040204" pitchFamily="34" charset="0"/>
+              </a:rPr>
+            </a:br>
+            <a:r>
+              <a:rPr lang="ru-RU" altLang="ru-RU" dirty="0">
+                <a:solidFill>
+                  <a:srgbClr val="72C3E0"/>
+                </a:solidFill>
+                <a:latin typeface="Verdana" panose="020B0604030504040204" pitchFamily="34" charset="0"/>
+              </a:rPr>
+              <a:t/>
+            </a:r>
+            <a:br>
+              <a:rPr lang="ru-RU" altLang="ru-RU" dirty="0">
+                <a:solidFill>
+                  <a:srgbClr val="72C3E0"/>
+                </a:solidFill>
+                <a:latin typeface="Verdana" panose="020B0604030504040204" pitchFamily="34" charset="0"/>
+              </a:rPr>
+            </a:br>
+            <a:r>
+              <a:rPr lang="ru-RU" altLang="ru-RU" dirty="0">
+                <a:solidFill>
+                  <a:srgbClr val="FFFFFF"/>
+                </a:solidFill>
+                <a:latin typeface="Verdana" panose="020B0604030504040204" pitchFamily="34" charset="0"/>
+              </a:rPr>
+              <a:t/>
+            </a:r>
+            <a:br>
+              <a:rPr lang="ru-RU" altLang="ru-RU" dirty="0">
+                <a:solidFill>
+                  <a:srgbClr val="FFFFFF"/>
+                </a:solidFill>
+                <a:latin typeface="Verdana" panose="020B0604030504040204" pitchFamily="34" charset="0"/>
+              </a:rPr>
+            </a:br>
+            <a:r>
+              <a:rPr lang="ru-RU" altLang="ru-RU" dirty="0">
+                <a:solidFill>
+                  <a:srgbClr val="FFFFFF"/>
+                </a:solidFill>
+                <a:latin typeface="Verdana" panose="020B0604030504040204" pitchFamily="34" charset="0"/>
+              </a:rPr>
+              <a:t>        } </a:t>
+            </a:r>
+            <a:r>
+              <a:rPr lang="ru-RU" altLang="ru-RU" dirty="0" err="1">
+                <a:solidFill>
+                  <a:srgbClr val="FFFFFF"/>
+                </a:solidFill>
+                <a:latin typeface="Verdana" panose="020B0604030504040204" pitchFamily="34" charset="0"/>
+              </a:rPr>
+              <a:t>else</a:t>
+            </a:r>
+            <a:r>
+              <a:rPr lang="ru-RU" altLang="ru-RU" dirty="0">
+                <a:solidFill>
+                  <a:srgbClr val="FFFFFF"/>
+                </a:solidFill>
+                <a:latin typeface="Verdana" panose="020B0604030504040204" pitchFamily="34" charset="0"/>
+              </a:rPr>
+              <a:t> </a:t>
+            </a:r>
+            <a:r>
+              <a:rPr lang="ru-RU" altLang="ru-RU" dirty="0" err="1">
+                <a:solidFill>
+                  <a:srgbClr val="FFFFFF"/>
+                </a:solidFill>
+                <a:latin typeface="Verdana" panose="020B0604030504040204" pitchFamily="34" charset="0"/>
+              </a:rPr>
+              <a:t>if</a:t>
+            </a:r>
+            <a:r>
+              <a:rPr lang="ru-RU" altLang="ru-RU" dirty="0">
+                <a:solidFill>
+                  <a:srgbClr val="FFFFFF"/>
+                </a:solidFill>
+                <a:latin typeface="Verdana" panose="020B0604030504040204" pitchFamily="34" charset="0"/>
+              </a:rPr>
+              <a:t> (</a:t>
+            </a:r>
+            <a:r>
+              <a:rPr lang="ru-RU" altLang="ru-RU" dirty="0" err="1">
+                <a:solidFill>
+                  <a:srgbClr val="5BCD9D"/>
+                </a:solidFill>
+                <a:latin typeface="Verdana" panose="020B0604030504040204" pitchFamily="34" charset="0"/>
+              </a:rPr>
+              <a:t>req</a:t>
+            </a:r>
+            <a:r>
+              <a:rPr lang="ru-RU" altLang="ru-RU" dirty="0" err="1">
+                <a:solidFill>
+                  <a:srgbClr val="FFFFFF"/>
+                </a:solidFill>
+                <a:latin typeface="Verdana" panose="020B0604030504040204" pitchFamily="34" charset="0"/>
+              </a:rPr>
+              <a:t>.</a:t>
+            </a:r>
+            <a:r>
+              <a:rPr lang="ru-RU" altLang="ru-RU" dirty="0" err="1">
+                <a:solidFill>
+                  <a:srgbClr val="5BCD9D"/>
+                </a:solidFill>
+                <a:latin typeface="Verdana" panose="020B0604030504040204" pitchFamily="34" charset="0"/>
+              </a:rPr>
+              <a:t>path</a:t>
+            </a:r>
+            <a:r>
+              <a:rPr lang="ru-RU" altLang="ru-RU" dirty="0">
+                <a:solidFill>
+                  <a:srgbClr val="5BCD9D"/>
+                </a:solidFill>
+                <a:latin typeface="Verdana" panose="020B0604030504040204" pitchFamily="34" charset="0"/>
+              </a:rPr>
+              <a:t> </a:t>
+            </a:r>
+            <a:r>
+              <a:rPr lang="ru-RU" altLang="ru-RU" dirty="0">
+                <a:solidFill>
+                  <a:srgbClr val="FFFFFF"/>
+                </a:solidFill>
+                <a:latin typeface="Verdana" panose="020B0604030504040204" pitchFamily="34" charset="0"/>
+              </a:rPr>
+              <a:t>== </a:t>
+            </a:r>
+            <a:r>
+              <a:rPr lang="ru-RU" altLang="ru-RU" dirty="0">
+                <a:solidFill>
+                  <a:srgbClr val="72C3E0"/>
+                </a:solidFill>
+                <a:latin typeface="Verdana" panose="020B0604030504040204" pitchFamily="34" charset="0"/>
+              </a:rPr>
+              <a:t>"/</a:t>
+            </a:r>
+            <a:r>
+              <a:rPr lang="ru-RU" altLang="ru-RU" dirty="0" err="1">
+                <a:solidFill>
+                  <a:srgbClr val="72C3E0"/>
+                </a:solidFill>
+                <a:latin typeface="Verdana" panose="020B0604030504040204" pitchFamily="34" charset="0"/>
+              </a:rPr>
+              <a:t>add_comment</a:t>
+            </a:r>
+            <a:r>
+              <a:rPr lang="ru-RU" altLang="ru-RU" dirty="0">
+                <a:solidFill>
+                  <a:srgbClr val="72C3E0"/>
+                </a:solidFill>
+                <a:latin typeface="Verdana" panose="020B0604030504040204" pitchFamily="34" charset="0"/>
+              </a:rPr>
+              <a:t>"</a:t>
+            </a:r>
+            <a:r>
+              <a:rPr lang="ru-RU" altLang="ru-RU" dirty="0">
+                <a:solidFill>
+                  <a:srgbClr val="FFFFFF"/>
+                </a:solidFill>
+                <a:latin typeface="Verdana" panose="020B0604030504040204" pitchFamily="34" charset="0"/>
+              </a:rPr>
+              <a:t>) {</a:t>
+            </a:r>
+            <a:br>
+              <a:rPr lang="ru-RU" altLang="ru-RU" dirty="0">
+                <a:solidFill>
+                  <a:srgbClr val="FFFFFF"/>
+                </a:solidFill>
+                <a:latin typeface="Verdana" panose="020B0604030504040204" pitchFamily="34" charset="0"/>
+              </a:rPr>
+            </a:br>
+            <a:r>
+              <a:rPr lang="ru-RU" altLang="ru-RU" dirty="0">
+                <a:solidFill>
                   <a:srgbClr val="FFFFFF"/>
                 </a:solidFill>
                 <a:latin typeface="Verdana" panose="020B0604030504040204" pitchFamily="34" charset="0"/>
@@ -44978,43 +44953,115 @@
             <a:r>
               <a:rPr lang="ru-RU" altLang="ru-RU" dirty="0" err="1">
                 <a:solidFill>
+                  <a:srgbClr val="FFFFFF"/>
+                </a:solidFill>
+                <a:latin typeface="Verdana" panose="020B0604030504040204" pitchFamily="34" charset="0"/>
+              </a:rPr>
+              <a:t>auto</a:t>
+            </a:r>
+            <a:r>
+              <a:rPr lang="ru-RU" altLang="ru-RU" dirty="0">
+                <a:solidFill>
+                  <a:srgbClr val="FFFFFF"/>
+                </a:solidFill>
+                <a:latin typeface="Verdana" panose="020B0604030504040204" pitchFamily="34" charset="0"/>
+              </a:rPr>
+              <a:t>[</a:t>
+            </a:r>
+            <a:r>
+              <a:rPr lang="ru-RU" altLang="ru-RU" dirty="0" err="1">
+                <a:solidFill>
+                  <a:srgbClr val="FFCC00"/>
+                </a:solidFill>
+                <a:latin typeface="Verdana" panose="020B0604030504040204" pitchFamily="34" charset="0"/>
+              </a:rPr>
+              <a:t>user_id</a:t>
+            </a:r>
+            <a:r>
+              <a:rPr lang="ru-RU" altLang="ru-RU" dirty="0">
+                <a:solidFill>
+                  <a:srgbClr val="FFFFFF"/>
+                </a:solidFill>
+                <a:latin typeface="Verdana" panose="020B0604030504040204" pitchFamily="34" charset="0"/>
+              </a:rPr>
+              <a:t>, </a:t>
+            </a:r>
+            <a:r>
+              <a:rPr lang="ru-RU" altLang="ru-RU" dirty="0" err="1">
+                <a:solidFill>
+                  <a:srgbClr val="FFCC00"/>
+                </a:solidFill>
+                <a:latin typeface="Verdana" panose="020B0604030504040204" pitchFamily="34" charset="0"/>
+              </a:rPr>
+              <a:t>comment</a:t>
+            </a:r>
+            <a:r>
+              <a:rPr lang="ru-RU" altLang="ru-RU" dirty="0">
+                <a:solidFill>
+                  <a:srgbClr val="FFFFFF"/>
+                </a:solidFill>
+                <a:latin typeface="Verdana" panose="020B0604030504040204" pitchFamily="34" charset="0"/>
+              </a:rPr>
+              <a:t>] = </a:t>
+            </a:r>
+            <a:r>
+              <a:rPr lang="ru-RU" altLang="ru-RU" dirty="0" err="1">
+                <a:solidFill>
+                  <a:srgbClr val="FFCC00"/>
+                </a:solidFill>
+                <a:latin typeface="Verdana" panose="020B0604030504040204" pitchFamily="34" charset="0"/>
+              </a:rPr>
+              <a:t>ParseIdAndComment</a:t>
+            </a:r>
+            <a:r>
+              <a:rPr lang="ru-RU" altLang="ru-RU" dirty="0">
+                <a:solidFill>
+                  <a:srgbClr val="FFFFFF"/>
+                </a:solidFill>
+                <a:latin typeface="Verdana" panose="020B0604030504040204" pitchFamily="34" charset="0"/>
+              </a:rPr>
+              <a:t>(</a:t>
+            </a:r>
+            <a:r>
+              <a:rPr lang="ru-RU" altLang="ru-RU" dirty="0" err="1">
+                <a:solidFill>
                   <a:srgbClr val="5BCD9D"/>
                 </a:solidFill>
                 <a:latin typeface="Verdana" panose="020B0604030504040204" pitchFamily="34" charset="0"/>
               </a:rPr>
-              <a:t>os</a:t>
-            </a:r>
-            <a:r>
-              <a:rPr lang="ru-RU" altLang="ru-RU" dirty="0">
+              <a:t>req</a:t>
+            </a:r>
+            <a:r>
+              <a:rPr lang="ru-RU" altLang="ru-RU" dirty="0" err="1">
+                <a:solidFill>
+                  <a:srgbClr val="FFFFFF"/>
+                </a:solidFill>
+                <a:latin typeface="Verdana" panose="020B0604030504040204" pitchFamily="34" charset="0"/>
+              </a:rPr>
+              <a:t>.</a:t>
+            </a:r>
+            <a:r>
+              <a:rPr lang="ru-RU" altLang="ru-RU" dirty="0" err="1">
                 <a:solidFill>
                   <a:srgbClr val="5BCD9D"/>
                 </a:solidFill>
                 <a:latin typeface="Verdana" panose="020B0604030504040204" pitchFamily="34" charset="0"/>
               </a:rPr>
-              <a:t> </a:t>
-            </a:r>
-            <a:r>
-              <a:rPr lang="ru-RU" altLang="ru-RU" dirty="0">
-                <a:solidFill>
-                  <a:srgbClr val="FFFFFF"/>
-                </a:solidFill>
-                <a:latin typeface="Verdana" panose="020B0604030504040204" pitchFamily="34" charset="0"/>
-              </a:rPr>
-              <a:t>&lt;&lt; </a:t>
-            </a:r>
-            <a:r>
-              <a:rPr lang="ru-RU" altLang="ru-RU" dirty="0">
-                <a:solidFill>
-                  <a:srgbClr val="72C3E0"/>
-                </a:solidFill>
-                <a:latin typeface="Verdana" panose="020B0604030504040204" pitchFamily="34" charset="0"/>
-              </a:rPr>
-              <a:t>"HTTP/1.1 200 OK\r\n"</a:t>
+              <a:t>body</a:t>
+            </a:r>
+            <a:r>
+              <a:rPr lang="ru-RU" altLang="ru-RU" dirty="0">
+                <a:solidFill>
+                  <a:srgbClr val="FFFFFF"/>
+                </a:solidFill>
+                <a:latin typeface="Verdana" panose="020B0604030504040204" pitchFamily="34" charset="0"/>
+              </a:rPr>
+              <a:t>);</a:t>
             </a:r>
             <a:br>
               <a:rPr lang="ru-RU" altLang="ru-RU" dirty="0">
                 <a:solidFill>
-                  <a:srgbClr val="72C3E0"/>
+                  <a:srgbClr val="FFFFFF"/>
                 </a:solidFill>
                 <a:latin typeface="Verdana" panose="020B0604030504040204" pitchFamily="34" charset="0"/>
               </a:rPr>
@@ -45022,74 +45069,74 @@
             <a:r>
               <a:rPr lang="ru-RU" altLang="ru-RU" dirty="0">
                 <a:solidFill>
-                  <a:srgbClr val="72C3E0"/>
-                </a:solidFill>
-                <a:latin typeface="Verdana" panose="020B0604030504040204" pitchFamily="34" charset="0"/>
-              </a:rPr>
-              <a:t>               </a:t>
-            </a:r>
-            <a:r>
-              <a:rPr lang="ru-RU" altLang="ru-RU" dirty="0">
-                <a:solidFill>
-                  <a:srgbClr val="FFFFFF"/>
-                </a:solidFill>
-                <a:latin typeface="Verdana" panose="020B0604030504040204" pitchFamily="34" charset="0"/>
-              </a:rPr>
-              <a:t>&lt;&lt; </a:t>
-            </a:r>
-            <a:r>
-              <a:rPr lang="ru-RU" altLang="ru-RU" dirty="0">
-                <a:solidFill>
-                  <a:srgbClr val="72C3E0"/>
-                </a:solidFill>
-                <a:latin typeface="Verdana" panose="020B0604030504040204" pitchFamily="34" charset="0"/>
-              </a:rPr>
-              <a:t>"</a:t>
+                  <a:srgbClr val="FFFFFF"/>
+                </a:solidFill>
+                <a:latin typeface="Verdana" panose="020B0604030504040204" pitchFamily="34" charset="0"/>
+              </a:rPr>
+              <a:t>            </a:t>
             </a:r>
             <a:r>
               <a:rPr lang="ru-RU" altLang="ru-RU" dirty="0" err="1">
                 <a:solidFill>
-                  <a:srgbClr val="72C3E0"/>
-                </a:solidFill>
-                <a:latin typeface="Verdana" panose="020B0604030504040204" pitchFamily="34" charset="0"/>
-              </a:rPr>
-              <a:t>Content-Length</a:t>
-            </a:r>
-            <a:r>
-              <a:rPr lang="ru-RU" altLang="ru-RU" dirty="0">
-                <a:solidFill>
-                  <a:srgbClr val="72C3E0"/>
-                </a:solidFill>
-                <a:latin typeface="Verdana" panose="020B0604030504040204" pitchFamily="34" charset="0"/>
-              </a:rPr>
-              <a:t>: " </a:t>
-            </a:r>
-            <a:r>
-              <a:rPr lang="ru-RU" altLang="ru-RU" dirty="0">
-                <a:solidFill>
-                  <a:srgbClr val="FFFFFF"/>
-                </a:solidFill>
-                <a:latin typeface="Verdana" panose="020B0604030504040204" pitchFamily="34" charset="0"/>
-              </a:rPr>
-              <a:t>&lt;&lt; </a:t>
+                  <a:srgbClr val="5BCD9D"/>
+                </a:solidFill>
+                <a:latin typeface="Verdana" panose="020B0604030504040204" pitchFamily="34" charset="0"/>
+              </a:rPr>
+              <a:t>comments</a:t>
+            </a:r>
+            <a:r>
+              <a:rPr lang="ru-RU" altLang="ru-RU" dirty="0">
+                <a:solidFill>
+                  <a:srgbClr val="5BCD9D"/>
+                </a:solidFill>
+                <a:latin typeface="Verdana" panose="020B0604030504040204" pitchFamily="34" charset="0"/>
+              </a:rPr>
+              <a:t>_</a:t>
+            </a:r>
+            <a:r>
+              <a:rPr lang="ru-RU" altLang="ru-RU" dirty="0">
+                <a:solidFill>
+                  <a:srgbClr val="FFFFFF"/>
+                </a:solidFill>
+                <a:latin typeface="Verdana" panose="020B0604030504040204" pitchFamily="34" charset="0"/>
+              </a:rPr>
+              <a:t>[</a:t>
             </a:r>
             <a:r>
               <a:rPr lang="ru-RU" altLang="ru-RU" dirty="0" err="1">
                 <a:solidFill>
-                  <a:srgbClr val="5BCD9D"/>
-                </a:solidFill>
-                <a:latin typeface="Verdana" panose="020B0604030504040204" pitchFamily="34" charset="0"/>
-              </a:rPr>
-              <a:t>response</a:t>
+                  <a:srgbClr val="FFCC00"/>
+                </a:solidFill>
+                <a:latin typeface="Verdana" panose="020B0604030504040204" pitchFamily="34" charset="0"/>
+              </a:rPr>
+              <a:t>user_id</a:t>
+            </a:r>
+            <a:r>
+              <a:rPr lang="ru-RU" altLang="ru-RU" dirty="0">
+                <a:solidFill>
+                  <a:srgbClr val="FFFFFF"/>
+                </a:solidFill>
+                <a:latin typeface="Verdana" panose="020B0604030504040204" pitchFamily="34" charset="0"/>
+              </a:rPr>
+              <a:t>].</a:t>
             </a:r>
             <a:r>
               <a:rPr lang="ru-RU" altLang="ru-RU" dirty="0" err="1">
                 <a:solidFill>
-                  <a:srgbClr val="FFFFFF"/>
-                </a:solidFill>
-                <a:latin typeface="Verdana" panose="020B0604030504040204" pitchFamily="34" charset="0"/>
-              </a:rPr>
-              <a:t>.</a:t>
+                  <a:srgbClr val="FFCC00"/>
+                </a:solidFill>
+                <a:latin typeface="Verdana" panose="020B0604030504040204" pitchFamily="34" charset="0"/>
+              </a:rPr>
+              <a:t>push_back</a:t>
+            </a:r>
+            <a:r>
+              <a:rPr lang="ru-RU" altLang="ru-RU" dirty="0">
+                <a:solidFill>
+                  <a:srgbClr val="FFFFFF"/>
+                </a:solidFill>
+                <a:latin typeface="Verdana" panose="020B0604030504040204" pitchFamily="34" charset="0"/>
+              </a:rPr>
+              <a:t>(</a:t>
             </a:r>
             <a:r>
               <a:rPr lang="ru-RU" altLang="ru-RU" dirty="0" err="1">
@@ -45098,65 +45145,47 @@
                 </a:solidFill>
                 <a:latin typeface="Verdana" panose="020B0604030504040204" pitchFamily="34" charset="0"/>
               </a:rPr>
-              <a:t>size</a:t>
-            </a:r>
-            <a:r>
-              <a:rPr lang="ru-RU" altLang="ru-RU" dirty="0">
-                <a:solidFill>
-                  <a:srgbClr val="FFFFFF"/>
-                </a:solidFill>
-                <a:latin typeface="Verdana" panose="020B0604030504040204" pitchFamily="34" charset="0"/>
-              </a:rPr>
-              <a:t>() &lt;&lt; </a:t>
-            </a:r>
-            <a:r>
-              <a:rPr lang="ru-RU" altLang="ru-RU" dirty="0">
-                <a:solidFill>
-                  <a:srgbClr val="72C3E0"/>
-                </a:solidFill>
-                <a:latin typeface="Verdana" panose="020B0604030504040204" pitchFamily="34" charset="0"/>
-              </a:rPr>
-              <a:t>"\r\n"</a:t>
+              <a:t>comment</a:t>
+            </a:r>
+            <a:r>
+              <a:rPr lang="ru-RU" altLang="ru-RU" dirty="0">
+                <a:solidFill>
+                  <a:srgbClr val="FFFFFF"/>
+                </a:solidFill>
+                <a:latin typeface="Verdana" panose="020B0604030504040204" pitchFamily="34" charset="0"/>
+              </a:rPr>
+              <a:t>);</a:t>
             </a:r>
             <a:br>
               <a:rPr lang="ru-RU" altLang="ru-RU" dirty="0">
                 <a:solidFill>
-                  <a:srgbClr val="72C3E0"/>
+                  <a:srgbClr val="FFFFFF"/>
                 </a:solidFill>
                 <a:latin typeface="Verdana" panose="020B0604030504040204" pitchFamily="34" charset="0"/>
               </a:rPr>
             </a:br>
             <a:r>
-              <a:rPr lang="ru-RU" altLang="ru-RU" dirty="0">
-                <a:solidFill>
-                  <a:srgbClr val="72C3E0"/>
-                </a:solidFill>
-                <a:latin typeface="Verdana" panose="020B0604030504040204" pitchFamily="34" charset="0"/>
-              </a:rPr>
-              <a:t>               </a:t>
-            </a:r>
-            <a:r>
-              <a:rPr lang="ru-RU" altLang="ru-RU" dirty="0">
-                <a:solidFill>
-                  <a:srgbClr val="FFFFFF"/>
-                </a:solidFill>
-                <a:latin typeface="Verdana" panose="020B0604030504040204" pitchFamily="34" charset="0"/>
-              </a:rPr>
-              <a:t>&lt;&lt; </a:t>
-            </a:r>
-            <a:r>
-              <a:rPr lang="ru-RU" altLang="ru-RU" dirty="0">
-                <a:solidFill>
-                  <a:srgbClr val="72C3E0"/>
-                </a:solidFill>
-                <a:latin typeface="Verdana" panose="020B0604030504040204" pitchFamily="34" charset="0"/>
-              </a:rPr>
-              <a:t>"\r\n"</a:t>
+              <a:rPr lang="ru-RU" altLang="ru-RU" dirty="0" smtClean="0">
+                <a:solidFill>
+                  <a:srgbClr val="FFFFFF"/>
+                </a:solidFill>
+                <a:latin typeface="Verdana" panose="020B0604030504040204" pitchFamily="34" charset="0"/>
+              </a:rPr>
+              <a:t>            </a:t>
+            </a:r>
+            <a:r>
+              <a:rPr lang="ru-RU" altLang="ru-RU" dirty="0">
+                <a:solidFill>
+                  <a:srgbClr val="FFFFFF"/>
+                </a:solidFill>
+                <a:latin typeface="Verdana" panose="020B0604030504040204" pitchFamily="34" charset="0"/>
+              </a:rPr>
+              <a:t/>
             </a:r>
             <a:br>
               <a:rPr lang="ru-RU" altLang="ru-RU" dirty="0">
                 <a:solidFill>
-                  <a:srgbClr val="72C3E0"/>
+                  <a:srgbClr val="FFFFFF"/>
                 </a:solidFill>
                 <a:latin typeface="Verdana" panose="020B0604030504040204" pitchFamily="34" charset="0"/>
               </a:rPr>
@@ -45164,38 +45193,29 @@
             <a:r>
               <a:rPr lang="ru-RU" altLang="ru-RU" dirty="0">
                 <a:solidFill>
-                  <a:srgbClr val="72C3E0"/>
-                </a:solidFill>
-                <a:latin typeface="Verdana" panose="020B0604030504040204" pitchFamily="34" charset="0"/>
-              </a:rPr>
-              <a:t>               </a:t>
-            </a:r>
-            <a:r>
-              <a:rPr lang="ru-RU" altLang="ru-RU" dirty="0">
-                <a:solidFill>
-                  <a:srgbClr val="FFFFFF"/>
-                </a:solidFill>
-                <a:latin typeface="Verdana" panose="020B0604030504040204" pitchFamily="34" charset="0"/>
-              </a:rPr>
-              <a:t>&lt;&lt; </a:t>
+                  <a:srgbClr val="FFFFFF"/>
+                </a:solidFill>
+                <a:latin typeface="Verdana" panose="020B0604030504040204" pitchFamily="34" charset="0"/>
+              </a:rPr>
+              <a:t>        } </a:t>
             </a:r>
             <a:r>
               <a:rPr lang="ru-RU" altLang="ru-RU" dirty="0" err="1">
                 <a:solidFill>
-                  <a:srgbClr val="5BCD9D"/>
-                </a:solidFill>
-                <a:latin typeface="Verdana" panose="020B0604030504040204" pitchFamily="34" charset="0"/>
-              </a:rPr>
-              <a:t>response</a:t>
-            </a:r>
-            <a:r>
-              <a:rPr lang="ru-RU" altLang="ru-RU" dirty="0">
-                <a:solidFill>
-                  <a:srgbClr val="FFFFFF"/>
-                </a:solidFill>
-                <a:latin typeface="Verdana" panose="020B0604030504040204" pitchFamily="34" charset="0"/>
-              </a:rPr>
-              <a:t>;</a:t>
+                  <a:srgbClr val="FFFFFF"/>
+                </a:solidFill>
+                <a:latin typeface="Verdana" panose="020B0604030504040204" pitchFamily="34" charset="0"/>
+              </a:rPr>
+              <a:t>else</a:t>
+            </a:r>
+            <a:r>
+              <a:rPr lang="ru-RU" altLang="ru-RU" dirty="0">
+                <a:solidFill>
+                  <a:srgbClr val="FFFFFF"/>
+                </a:solidFill>
+                <a:latin typeface="Verdana" panose="020B0604030504040204" pitchFamily="34" charset="0"/>
+              </a:rPr>
+              <a:t> {</a:t>
             </a:r>
             <a:br>
               <a:rPr lang="ru-RU" altLang="ru-RU" dirty="0">
@@ -45212,542 +45232,7 @@
                 </a:solidFill>
                 <a:latin typeface="Verdana" panose="020B0604030504040204" pitchFamily="34" charset="0"/>
               </a:rPr>
-              <a:t>        } </a:t>
-            </a:r>
-            <a:r>
-              <a:rPr lang="ru-RU" altLang="ru-RU" dirty="0" err="1">
-                <a:solidFill>
-                  <a:srgbClr val="FFFFFF"/>
-                </a:solidFill>
-                <a:latin typeface="Verdana" panose="020B0604030504040204" pitchFamily="34" charset="0"/>
-              </a:rPr>
-              <a:t>else</a:t>
-            </a:r>
-            <a:r>
-              <a:rPr lang="ru-RU" altLang="ru-RU" dirty="0">
-                <a:solidFill>
-                  <a:srgbClr val="FFFFFF"/>
-                </a:solidFill>
-                <a:latin typeface="Verdana" panose="020B0604030504040204" pitchFamily="34" charset="0"/>
-              </a:rPr>
-              <a:t> </a:t>
-            </a:r>
-            <a:r>
-              <a:rPr lang="ru-RU" altLang="ru-RU" dirty="0" err="1">
-                <a:solidFill>
-                  <a:srgbClr val="FFFFFF"/>
-                </a:solidFill>
-                <a:latin typeface="Verdana" panose="020B0604030504040204" pitchFamily="34" charset="0"/>
-              </a:rPr>
-              <a:t>if</a:t>
-            </a:r>
-            <a:r>
-              <a:rPr lang="ru-RU" altLang="ru-RU" dirty="0">
-                <a:solidFill>
-                  <a:srgbClr val="FFFFFF"/>
-                </a:solidFill>
-                <a:latin typeface="Verdana" panose="020B0604030504040204" pitchFamily="34" charset="0"/>
-              </a:rPr>
-              <a:t> (</a:t>
-            </a:r>
-            <a:r>
-              <a:rPr lang="ru-RU" altLang="ru-RU" dirty="0" err="1">
-                <a:solidFill>
-                  <a:srgbClr val="5BCD9D"/>
-                </a:solidFill>
-                <a:latin typeface="Verdana" panose="020B0604030504040204" pitchFamily="34" charset="0"/>
-              </a:rPr>
-              <a:t>req</a:t>
-            </a:r>
-            <a:r>
-              <a:rPr lang="ru-RU" altLang="ru-RU" dirty="0" err="1">
-                <a:solidFill>
-                  <a:srgbClr val="FFFFFF"/>
-                </a:solidFill>
-                <a:latin typeface="Verdana" panose="020B0604030504040204" pitchFamily="34" charset="0"/>
-              </a:rPr>
-              <a:t>.</a:t>
-            </a:r>
-            <a:r>
-              <a:rPr lang="ru-RU" altLang="ru-RU" dirty="0" err="1">
-                <a:solidFill>
-                  <a:srgbClr val="5BCD9D"/>
-                </a:solidFill>
-                <a:latin typeface="Verdana" panose="020B0604030504040204" pitchFamily="34" charset="0"/>
-              </a:rPr>
-              <a:t>path</a:t>
-            </a:r>
-            <a:r>
-              <a:rPr lang="ru-RU" altLang="ru-RU" dirty="0">
-                <a:solidFill>
-                  <a:srgbClr val="5BCD9D"/>
-                </a:solidFill>
-                <a:latin typeface="Verdana" panose="020B0604030504040204" pitchFamily="34" charset="0"/>
-              </a:rPr>
-              <a:t> </a:t>
-            </a:r>
-            <a:r>
-              <a:rPr lang="ru-RU" altLang="ru-RU" dirty="0">
-                <a:solidFill>
-                  <a:srgbClr val="FFFFFF"/>
-                </a:solidFill>
-                <a:latin typeface="Verdana" panose="020B0604030504040204" pitchFamily="34" charset="0"/>
-              </a:rPr>
-              <a:t>== </a:t>
-            </a:r>
-            <a:r>
-              <a:rPr lang="ru-RU" altLang="ru-RU" dirty="0">
-                <a:solidFill>
-                  <a:srgbClr val="72C3E0"/>
-                </a:solidFill>
-                <a:latin typeface="Verdana" panose="020B0604030504040204" pitchFamily="34" charset="0"/>
-              </a:rPr>
-              <a:t>"/</a:t>
-            </a:r>
-            <a:r>
-              <a:rPr lang="ru-RU" altLang="ru-RU" dirty="0" err="1">
-                <a:solidFill>
-                  <a:srgbClr val="72C3E0"/>
-                </a:solidFill>
-                <a:latin typeface="Verdana" panose="020B0604030504040204" pitchFamily="34" charset="0"/>
-              </a:rPr>
-              <a:t>add_comment</a:t>
-            </a:r>
-            <a:r>
-              <a:rPr lang="ru-RU" altLang="ru-RU" dirty="0">
-                <a:solidFill>
-                  <a:srgbClr val="72C3E0"/>
-                </a:solidFill>
-                <a:latin typeface="Verdana" panose="020B0604030504040204" pitchFamily="34" charset="0"/>
-              </a:rPr>
-              <a:t>"</a:t>
-            </a:r>
-            <a:r>
-              <a:rPr lang="ru-RU" altLang="ru-RU" dirty="0">
-                <a:solidFill>
-                  <a:srgbClr val="FFFFFF"/>
-                </a:solidFill>
-                <a:latin typeface="Verdana" panose="020B0604030504040204" pitchFamily="34" charset="0"/>
-              </a:rPr>
-              <a:t>) {</a:t>
-            </a:r>
-            <a:br>
-              <a:rPr lang="ru-RU" altLang="ru-RU" dirty="0">
-                <a:solidFill>
-                  <a:srgbClr val="FFFFFF"/>
-                </a:solidFill>
-                <a:latin typeface="Verdana" panose="020B0604030504040204" pitchFamily="34" charset="0"/>
-              </a:rPr>
-            </a:br>
-            <a:r>
-              <a:rPr lang="ru-RU" altLang="ru-RU" dirty="0">
-                <a:solidFill>
-                  <a:srgbClr val="FFFFFF"/>
-                </a:solidFill>
-                <a:latin typeface="Verdana" panose="020B0604030504040204" pitchFamily="34" charset="0"/>
-              </a:rPr>
               <a:t>            </a:t>
-            </a:r>
-            <a:r>
-              <a:rPr lang="ru-RU" altLang="ru-RU" dirty="0" err="1">
-                <a:solidFill>
-                  <a:srgbClr val="FFFFFF"/>
-                </a:solidFill>
-                <a:latin typeface="Verdana" panose="020B0604030504040204" pitchFamily="34" charset="0"/>
-              </a:rPr>
-              <a:t>auto</a:t>
-            </a:r>
-            <a:r>
-              <a:rPr lang="ru-RU" altLang="ru-RU" dirty="0">
-                <a:solidFill>
-                  <a:srgbClr val="FFFFFF"/>
-                </a:solidFill>
-                <a:latin typeface="Verdana" panose="020B0604030504040204" pitchFamily="34" charset="0"/>
-              </a:rPr>
-              <a:t>[</a:t>
-            </a:r>
-            <a:r>
-              <a:rPr lang="ru-RU" altLang="ru-RU" dirty="0" err="1">
-                <a:solidFill>
-                  <a:srgbClr val="FFCC00"/>
-                </a:solidFill>
-                <a:latin typeface="Verdana" panose="020B0604030504040204" pitchFamily="34" charset="0"/>
-              </a:rPr>
-              <a:t>user_id</a:t>
-            </a:r>
-            <a:r>
-              <a:rPr lang="ru-RU" altLang="ru-RU" dirty="0">
-                <a:solidFill>
-                  <a:srgbClr val="FFFFFF"/>
-                </a:solidFill>
-                <a:latin typeface="Verdana" panose="020B0604030504040204" pitchFamily="34" charset="0"/>
-              </a:rPr>
-              <a:t>, </a:t>
-            </a:r>
-            <a:r>
-              <a:rPr lang="ru-RU" altLang="ru-RU" dirty="0" err="1">
-                <a:solidFill>
-                  <a:srgbClr val="FFCC00"/>
-                </a:solidFill>
-                <a:latin typeface="Verdana" panose="020B0604030504040204" pitchFamily="34" charset="0"/>
-              </a:rPr>
-              <a:t>comment</a:t>
-            </a:r>
-            <a:r>
-              <a:rPr lang="ru-RU" altLang="ru-RU" dirty="0">
-                <a:solidFill>
-                  <a:srgbClr val="FFFFFF"/>
-                </a:solidFill>
-                <a:latin typeface="Verdana" panose="020B0604030504040204" pitchFamily="34" charset="0"/>
-              </a:rPr>
-              <a:t>] = </a:t>
-            </a:r>
-            <a:r>
-              <a:rPr lang="ru-RU" altLang="ru-RU" dirty="0" err="1">
-                <a:solidFill>
-                  <a:srgbClr val="FFCC00"/>
-                </a:solidFill>
-                <a:latin typeface="Verdana" panose="020B0604030504040204" pitchFamily="34" charset="0"/>
-              </a:rPr>
-              <a:t>ParseIdAndComment</a:t>
-            </a:r>
-            <a:r>
-              <a:rPr lang="ru-RU" altLang="ru-RU" dirty="0">
-                <a:solidFill>
-                  <a:srgbClr val="FFFFFF"/>
-                </a:solidFill>
-                <a:latin typeface="Verdana" panose="020B0604030504040204" pitchFamily="34" charset="0"/>
-              </a:rPr>
-              <a:t>(</a:t>
-            </a:r>
-            <a:r>
-              <a:rPr lang="ru-RU" altLang="ru-RU" dirty="0" err="1">
-                <a:solidFill>
-                  <a:srgbClr val="5BCD9D"/>
-                </a:solidFill>
-                <a:latin typeface="Verdana" panose="020B0604030504040204" pitchFamily="34" charset="0"/>
-              </a:rPr>
-              <a:t>req</a:t>
-            </a:r>
-            <a:r>
-              <a:rPr lang="ru-RU" altLang="ru-RU" dirty="0" err="1">
-                <a:solidFill>
-                  <a:srgbClr val="FFFFFF"/>
-                </a:solidFill>
-                <a:latin typeface="Verdana" panose="020B0604030504040204" pitchFamily="34" charset="0"/>
-              </a:rPr>
-              <a:t>.</a:t>
-            </a:r>
-            <a:r>
-              <a:rPr lang="ru-RU" altLang="ru-RU" dirty="0" err="1">
-                <a:solidFill>
-                  <a:srgbClr val="5BCD9D"/>
-                </a:solidFill>
-                <a:latin typeface="Verdana" panose="020B0604030504040204" pitchFamily="34" charset="0"/>
-              </a:rPr>
-              <a:t>body</a:t>
-            </a:r>
-            <a:r>
-              <a:rPr lang="ru-RU" altLang="ru-RU" dirty="0">
-                <a:solidFill>
-                  <a:srgbClr val="FFFFFF"/>
-                </a:solidFill>
-                <a:latin typeface="Verdana" panose="020B0604030504040204" pitchFamily="34" charset="0"/>
-              </a:rPr>
-              <a:t>);</a:t>
-            </a:r>
-            <a:br>
-              <a:rPr lang="ru-RU" altLang="ru-RU" dirty="0">
-                <a:solidFill>
-                  <a:srgbClr val="FFFFFF"/>
-                </a:solidFill>
-                <a:latin typeface="Verdana" panose="020B0604030504040204" pitchFamily="34" charset="0"/>
-              </a:rPr>
-            </a:br>
-            <a:r>
-              <a:rPr lang="ru-RU" altLang="ru-RU" dirty="0">
-                <a:solidFill>
-                  <a:srgbClr val="FFFFFF"/>
-                </a:solidFill>
-                <a:latin typeface="Verdana" panose="020B0604030504040204" pitchFamily="34" charset="0"/>
-              </a:rPr>
-              <a:t>            </a:t>
-            </a:r>
-            <a:r>
-              <a:rPr lang="ru-RU" altLang="ru-RU" dirty="0" err="1">
-                <a:solidFill>
-                  <a:srgbClr val="5BCD9D"/>
-                </a:solidFill>
-                <a:latin typeface="Verdana" panose="020B0604030504040204" pitchFamily="34" charset="0"/>
-              </a:rPr>
-              <a:t>comments</a:t>
-            </a:r>
-            <a:r>
-              <a:rPr lang="ru-RU" altLang="ru-RU" dirty="0">
-                <a:solidFill>
-                  <a:srgbClr val="5BCD9D"/>
-                </a:solidFill>
-                <a:latin typeface="Verdana" panose="020B0604030504040204" pitchFamily="34" charset="0"/>
-              </a:rPr>
-              <a:t>_</a:t>
-            </a:r>
-            <a:r>
-              <a:rPr lang="ru-RU" altLang="ru-RU" dirty="0">
-                <a:solidFill>
-                  <a:srgbClr val="FFFFFF"/>
-                </a:solidFill>
-                <a:latin typeface="Verdana" panose="020B0604030504040204" pitchFamily="34" charset="0"/>
-              </a:rPr>
-              <a:t>[</a:t>
-            </a:r>
-            <a:r>
-              <a:rPr lang="ru-RU" altLang="ru-RU" dirty="0" err="1">
-                <a:solidFill>
-                  <a:srgbClr val="FFCC00"/>
-                </a:solidFill>
-                <a:latin typeface="Verdana" panose="020B0604030504040204" pitchFamily="34" charset="0"/>
-              </a:rPr>
-              <a:t>user_id</a:t>
-            </a:r>
-            <a:r>
-              <a:rPr lang="ru-RU" altLang="ru-RU" dirty="0">
-                <a:solidFill>
-                  <a:srgbClr val="FFFFFF"/>
-                </a:solidFill>
-                <a:latin typeface="Verdana" panose="020B0604030504040204" pitchFamily="34" charset="0"/>
-              </a:rPr>
-              <a:t>].</a:t>
-            </a:r>
-            <a:r>
-              <a:rPr lang="ru-RU" altLang="ru-RU" dirty="0" err="1">
-                <a:solidFill>
-                  <a:srgbClr val="FFCC00"/>
-                </a:solidFill>
-                <a:latin typeface="Verdana" panose="020B0604030504040204" pitchFamily="34" charset="0"/>
-              </a:rPr>
-              <a:t>push_back</a:t>
-            </a:r>
-            <a:r>
-              <a:rPr lang="ru-RU" altLang="ru-RU" dirty="0">
-                <a:solidFill>
-                  <a:srgbClr val="FFFFFF"/>
-                </a:solidFill>
-                <a:latin typeface="Verdana" panose="020B0604030504040204" pitchFamily="34" charset="0"/>
-              </a:rPr>
-              <a:t>(</a:t>
-            </a:r>
-            <a:r>
-              <a:rPr lang="ru-RU" altLang="ru-RU" dirty="0" err="1">
-                <a:solidFill>
-                  <a:srgbClr val="FFCC00"/>
-                </a:solidFill>
-                <a:latin typeface="Verdana" panose="020B0604030504040204" pitchFamily="34" charset="0"/>
-              </a:rPr>
-              <a:t>comment</a:t>
-            </a:r>
-            <a:r>
-              <a:rPr lang="ru-RU" altLang="ru-RU" dirty="0">
-                <a:solidFill>
-                  <a:srgbClr val="FFFFFF"/>
-                </a:solidFill>
-                <a:latin typeface="Verdana" panose="020B0604030504040204" pitchFamily="34" charset="0"/>
-              </a:rPr>
-              <a:t>);</a:t>
-            </a:r>
-            <a:br>
-              <a:rPr lang="ru-RU" altLang="ru-RU" dirty="0">
-                <a:solidFill>
-                  <a:srgbClr val="FFFFFF"/>
-                </a:solidFill>
-                <a:latin typeface="Verdana" panose="020B0604030504040204" pitchFamily="34" charset="0"/>
-              </a:rPr>
-            </a:br>
-            <a:r>
-              <a:rPr lang="ru-RU" altLang="ru-RU" dirty="0" smtClean="0">
-                <a:solidFill>
-                  <a:srgbClr val="FFFFFF"/>
-                </a:solidFill>
-                <a:latin typeface="Verdana" panose="020B0604030504040204" pitchFamily="34" charset="0"/>
-              </a:rPr>
-              <a:t>            </a:t>
-            </a:r>
-            <a:r>
-              <a:rPr lang="ru-RU" altLang="ru-RU" dirty="0" err="1">
-                <a:solidFill>
-                  <a:srgbClr val="5BCD9D"/>
-                </a:solidFill>
-                <a:latin typeface="Verdana" panose="020B0604030504040204" pitchFamily="34" charset="0"/>
-              </a:rPr>
-              <a:t>os</a:t>
-            </a:r>
-            <a:r>
-              <a:rPr lang="ru-RU" altLang="ru-RU" dirty="0">
-                <a:solidFill>
-                  <a:srgbClr val="5BCD9D"/>
-                </a:solidFill>
-                <a:latin typeface="Verdana" panose="020B0604030504040204" pitchFamily="34" charset="0"/>
-              </a:rPr>
-              <a:t> </a:t>
-            </a:r>
-            <a:r>
-              <a:rPr lang="ru-RU" altLang="ru-RU" dirty="0">
-                <a:solidFill>
-                  <a:srgbClr val="FFFFFF"/>
-                </a:solidFill>
-                <a:latin typeface="Verdana" panose="020B0604030504040204" pitchFamily="34" charset="0"/>
-              </a:rPr>
-              <a:t>&lt;&lt; </a:t>
-            </a:r>
-            <a:r>
-              <a:rPr lang="ru-RU" altLang="ru-RU" dirty="0">
-                <a:solidFill>
-                  <a:srgbClr val="72C3E0"/>
-                </a:solidFill>
-                <a:latin typeface="Verdana" panose="020B0604030504040204" pitchFamily="34" charset="0"/>
-              </a:rPr>
-              <a:t>"HTTP/1.1 200 OK\r\n\r\n"</a:t>
-            </a:r>
-            <a:r>
-              <a:rPr lang="ru-RU" altLang="ru-RU" dirty="0">
-                <a:solidFill>
-                  <a:srgbClr val="FFFFFF"/>
-                </a:solidFill>
-                <a:latin typeface="Verdana" panose="020B0604030504040204" pitchFamily="34" charset="0"/>
-              </a:rPr>
-              <a:t>;</a:t>
-            </a:r>
-            <a:br>
-              <a:rPr lang="ru-RU" altLang="ru-RU" dirty="0">
-                <a:solidFill>
-                  <a:srgbClr val="FFFFFF"/>
-                </a:solidFill>
-                <a:latin typeface="Verdana" panose="020B0604030504040204" pitchFamily="34" charset="0"/>
-              </a:rPr>
-            </a:br>
-            <a:r>
-              <a:rPr lang="ru-RU" altLang="ru-RU" dirty="0">
-                <a:solidFill>
-                  <a:srgbClr val="FFFFFF"/>
-                </a:solidFill>
-                <a:latin typeface="Verdana" panose="020B0604030504040204" pitchFamily="34" charset="0"/>
-              </a:rPr>
-              <a:t>        } </a:t>
-            </a:r>
-            <a:r>
-              <a:rPr lang="ru-RU" altLang="ru-RU" dirty="0" err="1">
-                <a:solidFill>
-                  <a:srgbClr val="FFFFFF"/>
-                </a:solidFill>
-                <a:latin typeface="Verdana" panose="020B0604030504040204" pitchFamily="34" charset="0"/>
-              </a:rPr>
-              <a:t>else</a:t>
-            </a:r>
-            <a:r>
-              <a:rPr lang="ru-RU" altLang="ru-RU" dirty="0">
-                <a:solidFill>
-                  <a:srgbClr val="FFFFFF"/>
-                </a:solidFill>
-                <a:latin typeface="Verdana" panose="020B0604030504040204" pitchFamily="34" charset="0"/>
-              </a:rPr>
-              <a:t> {</a:t>
-            </a:r>
-            <a:br>
-              <a:rPr lang="ru-RU" altLang="ru-RU" dirty="0">
-                <a:solidFill>
-                  <a:srgbClr val="FFFFFF"/>
-                </a:solidFill>
-                <a:latin typeface="Verdana" panose="020B0604030504040204" pitchFamily="34" charset="0"/>
-              </a:rPr>
-            </a:br>
-            <a:r>
-              <a:rPr lang="ru-RU" altLang="ru-RU" dirty="0">
-                <a:solidFill>
-                  <a:srgbClr val="FFFFFF"/>
-                </a:solidFill>
-                <a:latin typeface="Verdana" panose="020B0604030504040204" pitchFamily="34" charset="0"/>
-              </a:rPr>
-              <a:t>            </a:t>
-            </a:r>
-            <a:r>
-              <a:rPr lang="ru-RU" altLang="ru-RU" dirty="0" err="1">
-                <a:solidFill>
-                  <a:srgbClr val="5BCD9D"/>
-                </a:solidFill>
-                <a:latin typeface="Verdana" panose="020B0604030504040204" pitchFamily="34" charset="0"/>
-              </a:rPr>
-              <a:t>os</a:t>
-            </a:r>
-            <a:r>
-              <a:rPr lang="ru-RU" altLang="ru-RU" dirty="0">
-                <a:solidFill>
-                  <a:srgbClr val="5BCD9D"/>
-                </a:solidFill>
-                <a:latin typeface="Verdana" panose="020B0604030504040204" pitchFamily="34" charset="0"/>
-              </a:rPr>
-              <a:t> </a:t>
-            </a:r>
-            <a:r>
-              <a:rPr lang="ru-RU" altLang="ru-RU" dirty="0">
-                <a:solidFill>
-                  <a:srgbClr val="FFFFFF"/>
-                </a:solidFill>
-                <a:latin typeface="Verdana" panose="020B0604030504040204" pitchFamily="34" charset="0"/>
-              </a:rPr>
-              <a:t>&lt;&lt; </a:t>
-            </a:r>
-            <a:r>
-              <a:rPr lang="ru-RU" altLang="ru-RU" dirty="0">
-                <a:solidFill>
-                  <a:srgbClr val="72C3E0"/>
-                </a:solidFill>
-                <a:latin typeface="Verdana" panose="020B0604030504040204" pitchFamily="34" charset="0"/>
-              </a:rPr>
-              <a:t>"HTTP/1.1 404 </a:t>
-            </a:r>
-            <a:r>
-              <a:rPr lang="ru-RU" altLang="ru-RU" dirty="0" err="1">
-                <a:solidFill>
-                  <a:srgbClr val="72C3E0"/>
-                </a:solidFill>
-                <a:latin typeface="Verdana" panose="020B0604030504040204" pitchFamily="34" charset="0"/>
-              </a:rPr>
-              <a:t>Not</a:t>
-            </a:r>
-            <a:r>
-              <a:rPr lang="ru-RU" altLang="ru-RU" dirty="0">
-                <a:solidFill>
-                  <a:srgbClr val="72C3E0"/>
-                </a:solidFill>
-                <a:latin typeface="Verdana" panose="020B0604030504040204" pitchFamily="34" charset="0"/>
-              </a:rPr>
-              <a:t> </a:t>
-            </a:r>
-            <a:r>
-              <a:rPr lang="ru-RU" altLang="ru-RU" dirty="0" err="1">
-                <a:solidFill>
-                  <a:srgbClr val="72C3E0"/>
-                </a:solidFill>
-                <a:latin typeface="Verdana" panose="020B0604030504040204" pitchFamily="34" charset="0"/>
-              </a:rPr>
-              <a:t>found</a:t>
-            </a:r>
-            <a:r>
-              <a:rPr lang="ru-RU" altLang="ru-RU" dirty="0">
-                <a:solidFill>
-                  <a:srgbClr val="72C3E0"/>
-                </a:solidFill>
-                <a:latin typeface="Verdana" panose="020B0604030504040204" pitchFamily="34" charset="0"/>
-              </a:rPr>
-              <a:t>\r\n\r\n"</a:t>
-            </a:r>
-            <a:r>
-              <a:rPr lang="ru-RU" altLang="ru-RU" dirty="0">
-                <a:solidFill>
-                  <a:srgbClr val="FFFFFF"/>
-                </a:solidFill>
-                <a:latin typeface="Verdana" panose="020B0604030504040204" pitchFamily="34" charset="0"/>
-              </a:rPr>
-              <a:t>;</a:t>
             </a:r>
             <a:br>
               <a:rPr lang="ru-RU" altLang="ru-RU" dirty="0">
@@ -45831,6 +45316,449 @@
               <a:t>8</a:t>
             </a:fld>
             <a:endParaRPr lang="ru-RU" dirty="0">
+              <a:solidFill>
+                <a:schemeClr val="bg1"/>
+              </a:solidFill>
+            </a:endParaRPr>
+          </a:p>
+        </p:txBody>
+      </p:sp>
+      <p:sp>
+        <p:nvSpPr>
+          <p:cNvPr id="6" name="TextBox 5"/>
+          <p:cNvSpPr txBox="1"/>
+          <p:nvPr/>
+        </p:nvSpPr>
+        <p:spPr>
+          <a:xfrm>
+            <a:off x="3032807" y="4568400"/>
+            <a:ext cx="13104000" cy="3416320"/>
+          </a:xfrm>
+          <a:prstGeom prst="rect">
+            <a:avLst/>
+          </a:prstGeom>
+          <a:noFill/>
+        </p:spPr>
+        <p:txBody>
+          <a:bodyPr wrap="square" rtlCol="0">
+            <a:spAutoFit/>
+          </a:bodyPr>
+          <a:lstStyle/>
+          <a:p>
+            <a:pPr>
+              <a:lnSpc>
+                <a:spcPct val="150000"/>
+              </a:lnSpc>
+            </a:pPr>
+            <a:r>
+              <a:rPr lang="ru-RU" altLang="ru-RU" dirty="0" err="1">
+                <a:solidFill>
+                  <a:srgbClr val="5BCD9D"/>
+                </a:solidFill>
+                <a:latin typeface="Verdana" panose="020B0604030504040204" pitchFamily="34" charset="0"/>
+              </a:rPr>
+              <a:t>os</a:t>
+            </a:r>
+            <a:r>
+              <a:rPr lang="ru-RU" altLang="ru-RU" dirty="0">
+                <a:solidFill>
+                  <a:srgbClr val="5BCD9D"/>
+                </a:solidFill>
+                <a:latin typeface="Verdana" panose="020B0604030504040204" pitchFamily="34" charset="0"/>
+              </a:rPr>
+              <a:t> </a:t>
+            </a:r>
+            <a:r>
+              <a:rPr lang="ru-RU" altLang="ru-RU" dirty="0">
+                <a:solidFill>
+                  <a:srgbClr val="FFFFFF"/>
+                </a:solidFill>
+                <a:latin typeface="Verdana" panose="020B0604030504040204" pitchFamily="34" charset="0"/>
+              </a:rPr>
+              <a:t>&lt;&lt; </a:t>
+            </a:r>
+            <a:r>
+              <a:rPr lang="ru-RU" altLang="ru-RU" dirty="0">
+                <a:solidFill>
+                  <a:srgbClr val="72C3E0"/>
+                </a:solidFill>
+                <a:latin typeface="Verdana" panose="020B0604030504040204" pitchFamily="34" charset="0"/>
+              </a:rPr>
+              <a:t>"HTTP/1.1 200 OK\r\n"</a:t>
+            </a:r>
+            <a:br>
+              <a:rPr lang="ru-RU" altLang="ru-RU" dirty="0">
+                <a:solidFill>
+                  <a:srgbClr val="72C3E0"/>
+                </a:solidFill>
+                <a:latin typeface="Verdana" panose="020B0604030504040204" pitchFamily="34" charset="0"/>
+              </a:rPr>
+            </a:br>
+            <a:r>
+              <a:rPr lang="ru-RU" altLang="ru-RU" dirty="0" smtClean="0">
+                <a:solidFill>
+                  <a:srgbClr val="72C3E0"/>
+                </a:solidFill>
+                <a:latin typeface="Verdana" panose="020B0604030504040204" pitchFamily="34" charset="0"/>
+              </a:rPr>
+              <a:t>    </a:t>
+            </a:r>
+            <a:r>
+              <a:rPr lang="ru-RU" altLang="ru-RU" dirty="0">
+                <a:solidFill>
+                  <a:srgbClr val="FFFFFF"/>
+                </a:solidFill>
+                <a:latin typeface="Verdana" panose="020B0604030504040204" pitchFamily="34" charset="0"/>
+              </a:rPr>
+              <a:t>&lt;&lt; </a:t>
+            </a:r>
+            <a:r>
+              <a:rPr lang="ru-RU" altLang="ru-RU" dirty="0">
+                <a:solidFill>
+                  <a:srgbClr val="72C3E0"/>
+                </a:solidFill>
+                <a:latin typeface="Verdana" panose="020B0604030504040204" pitchFamily="34" charset="0"/>
+              </a:rPr>
+              <a:t>"</a:t>
+            </a:r>
+            <a:r>
+              <a:rPr lang="ru-RU" altLang="ru-RU" dirty="0" err="1">
+                <a:solidFill>
+                  <a:srgbClr val="72C3E0"/>
+                </a:solidFill>
+                <a:latin typeface="Verdana" panose="020B0604030504040204" pitchFamily="34" charset="0"/>
+              </a:rPr>
+              <a:t>Content-Length</a:t>
+            </a:r>
+            <a:r>
+              <a:rPr lang="ru-RU" altLang="ru-RU" dirty="0">
+                <a:solidFill>
+                  <a:srgbClr val="72C3E0"/>
+                </a:solidFill>
+                <a:latin typeface="Verdana" panose="020B0604030504040204" pitchFamily="34" charset="0"/>
+              </a:rPr>
+              <a:t>: " </a:t>
+            </a:r>
+            <a:r>
+              <a:rPr lang="ru-RU" altLang="ru-RU" dirty="0">
+                <a:solidFill>
+                  <a:srgbClr val="FFFFFF"/>
+                </a:solidFill>
+                <a:latin typeface="Verdana" panose="020B0604030504040204" pitchFamily="34" charset="0"/>
+              </a:rPr>
+              <a:t>&lt;&lt; </a:t>
+            </a:r>
+            <a:r>
+              <a:rPr lang="ru-RU" altLang="ru-RU" dirty="0" err="1">
+                <a:solidFill>
+                  <a:srgbClr val="5BCD9D"/>
+                </a:solidFill>
+                <a:latin typeface="Verdana" panose="020B0604030504040204" pitchFamily="34" charset="0"/>
+              </a:rPr>
+              <a:t>response</a:t>
+            </a:r>
+            <a:r>
+              <a:rPr lang="ru-RU" altLang="ru-RU" dirty="0" err="1">
+                <a:solidFill>
+                  <a:srgbClr val="FFFFFF"/>
+                </a:solidFill>
+                <a:latin typeface="Verdana" panose="020B0604030504040204" pitchFamily="34" charset="0"/>
+              </a:rPr>
+              <a:t>.</a:t>
+            </a:r>
+            <a:r>
+              <a:rPr lang="ru-RU" altLang="ru-RU" dirty="0" err="1">
+                <a:solidFill>
+                  <a:srgbClr val="FFCC00"/>
+                </a:solidFill>
+                <a:latin typeface="Verdana" panose="020B0604030504040204" pitchFamily="34" charset="0"/>
+              </a:rPr>
+              <a:t>size</a:t>
+            </a:r>
+            <a:r>
+              <a:rPr lang="ru-RU" altLang="ru-RU" dirty="0">
+                <a:solidFill>
+                  <a:srgbClr val="FFFFFF"/>
+                </a:solidFill>
+                <a:latin typeface="Verdana" panose="020B0604030504040204" pitchFamily="34" charset="0"/>
+              </a:rPr>
+              <a:t>() &lt;&lt; </a:t>
+            </a:r>
+            <a:r>
+              <a:rPr lang="ru-RU" altLang="ru-RU" dirty="0">
+                <a:solidFill>
+                  <a:srgbClr val="72C3E0"/>
+                </a:solidFill>
+                <a:latin typeface="Verdana" panose="020B0604030504040204" pitchFamily="34" charset="0"/>
+              </a:rPr>
+              <a:t>"\r\n"</a:t>
+            </a:r>
+            <a:br>
+              <a:rPr lang="ru-RU" altLang="ru-RU" dirty="0">
+                <a:solidFill>
+                  <a:srgbClr val="72C3E0"/>
+                </a:solidFill>
+                <a:latin typeface="Verdana" panose="020B0604030504040204" pitchFamily="34" charset="0"/>
+              </a:rPr>
+            </a:br>
+            <a:r>
+              <a:rPr lang="ru-RU" altLang="ru-RU" dirty="0" smtClean="0">
+                <a:solidFill>
+                  <a:srgbClr val="72C3E0"/>
+                </a:solidFill>
+                <a:latin typeface="Verdana" panose="020B0604030504040204" pitchFamily="34" charset="0"/>
+              </a:rPr>
+              <a:t>    </a:t>
+            </a:r>
+            <a:r>
+              <a:rPr lang="ru-RU" altLang="ru-RU" dirty="0">
+                <a:solidFill>
+                  <a:srgbClr val="FFFFFF"/>
+                </a:solidFill>
+                <a:latin typeface="Verdana" panose="020B0604030504040204" pitchFamily="34" charset="0"/>
+              </a:rPr>
+              <a:t>&lt;&lt; </a:t>
+            </a:r>
+            <a:r>
+              <a:rPr lang="ru-RU" altLang="ru-RU" dirty="0">
+                <a:solidFill>
+                  <a:srgbClr val="72C3E0"/>
+                </a:solidFill>
+                <a:latin typeface="Verdana" panose="020B0604030504040204" pitchFamily="34" charset="0"/>
+              </a:rPr>
+              <a:t>"\r\n"</a:t>
+            </a:r>
+            <a:br>
+              <a:rPr lang="ru-RU" altLang="ru-RU" dirty="0">
+                <a:solidFill>
+                  <a:srgbClr val="72C3E0"/>
+                </a:solidFill>
+                <a:latin typeface="Verdana" panose="020B0604030504040204" pitchFamily="34" charset="0"/>
+              </a:rPr>
+            </a:br>
+            <a:r>
+              <a:rPr lang="ru-RU" altLang="ru-RU" dirty="0" smtClean="0">
+                <a:solidFill>
+                  <a:srgbClr val="72C3E0"/>
+                </a:solidFill>
+                <a:latin typeface="Verdana" panose="020B0604030504040204" pitchFamily="34" charset="0"/>
+              </a:rPr>
+              <a:t>    </a:t>
+            </a:r>
+            <a:r>
+              <a:rPr lang="ru-RU" altLang="ru-RU" dirty="0">
+                <a:solidFill>
+                  <a:srgbClr val="FFFFFF"/>
+                </a:solidFill>
+                <a:latin typeface="Verdana" panose="020B0604030504040204" pitchFamily="34" charset="0"/>
+              </a:rPr>
+              <a:t>&lt;&lt; </a:t>
+            </a:r>
+            <a:r>
+              <a:rPr lang="ru-RU" altLang="ru-RU" dirty="0" err="1">
+                <a:solidFill>
+                  <a:srgbClr val="5BCD9D"/>
+                </a:solidFill>
+                <a:latin typeface="Verdana" panose="020B0604030504040204" pitchFamily="34" charset="0"/>
+              </a:rPr>
+              <a:t>response</a:t>
+            </a:r>
+            <a:r>
+              <a:rPr lang="ru-RU" altLang="ru-RU" dirty="0" smtClean="0">
+                <a:solidFill>
+                  <a:srgbClr val="FFFFFF"/>
+                </a:solidFill>
+                <a:latin typeface="Verdana" panose="020B0604030504040204" pitchFamily="34" charset="0"/>
+              </a:rPr>
+              <a:t>;</a:t>
+            </a:r>
+            <a:endParaRPr lang="ru-RU" sz="3200" dirty="0" smtClean="0">
+              <a:solidFill>
+                <a:schemeClr val="bg1"/>
+              </a:solidFill>
+            </a:endParaRPr>
+          </a:p>
+        </p:txBody>
+      </p:sp>
+      <p:sp>
+        <p:nvSpPr>
+          <p:cNvPr id="7" name="TextBox 6"/>
+          <p:cNvSpPr txBox="1"/>
+          <p:nvPr/>
+        </p:nvSpPr>
+        <p:spPr>
+          <a:xfrm>
+            <a:off x="3032806" y="10409269"/>
+            <a:ext cx="8208000" cy="646331"/>
+          </a:xfrm>
+          <a:prstGeom prst="rect">
+            <a:avLst/>
+          </a:prstGeom>
+          <a:noFill/>
+        </p:spPr>
+        <p:txBody>
+          <a:bodyPr wrap="square" rtlCol="0">
+            <a:spAutoFit/>
+          </a:bodyPr>
+          <a:lstStyle/>
+          <a:p>
+            <a:r>
+              <a:rPr lang="ru-RU" altLang="ru-RU" dirty="0" err="1">
+                <a:solidFill>
+                  <a:srgbClr val="5BCD9D"/>
+                </a:solidFill>
+                <a:latin typeface="Verdana" panose="020B0604030504040204" pitchFamily="34" charset="0"/>
+              </a:rPr>
+              <a:t>os</a:t>
+            </a:r>
+            <a:r>
+              <a:rPr lang="ru-RU" altLang="ru-RU" dirty="0">
+                <a:solidFill>
+                  <a:srgbClr val="5BCD9D"/>
+                </a:solidFill>
+                <a:latin typeface="Verdana" panose="020B0604030504040204" pitchFamily="34" charset="0"/>
+              </a:rPr>
+              <a:t> </a:t>
+            </a:r>
+            <a:r>
+              <a:rPr lang="ru-RU" altLang="ru-RU" dirty="0">
+                <a:solidFill>
+                  <a:srgbClr val="FFFFFF"/>
+                </a:solidFill>
+                <a:latin typeface="Verdana" panose="020B0604030504040204" pitchFamily="34" charset="0"/>
+              </a:rPr>
+              <a:t>&lt;&lt; </a:t>
+            </a:r>
+            <a:r>
+              <a:rPr lang="ru-RU" altLang="ru-RU" dirty="0">
+                <a:solidFill>
+                  <a:srgbClr val="72C3E0"/>
+                </a:solidFill>
+                <a:latin typeface="Verdana" panose="020B0604030504040204" pitchFamily="34" charset="0"/>
+              </a:rPr>
+              <a:t>"HTTP/1.1 200 OK\r\n\r\n"</a:t>
+            </a:r>
+            <a:r>
+              <a:rPr lang="ru-RU" altLang="ru-RU" dirty="0">
+                <a:solidFill>
+                  <a:srgbClr val="FFFFFF"/>
+                </a:solidFill>
+                <a:latin typeface="Verdana" panose="020B0604030504040204" pitchFamily="34" charset="0"/>
+              </a:rPr>
+              <a:t>;</a:t>
+            </a:r>
+            <a:endParaRPr lang="ru-RU" sz="3200" dirty="0" smtClean="0">
+              <a:solidFill>
+                <a:schemeClr val="bg1"/>
+              </a:solidFill>
+            </a:endParaRPr>
+          </a:p>
+        </p:txBody>
+      </p:sp>
+      <p:sp>
+        <p:nvSpPr>
+          <p:cNvPr id="8" name="TextBox 7"/>
+          <p:cNvSpPr txBox="1"/>
+          <p:nvPr/>
+        </p:nvSpPr>
+        <p:spPr>
+          <a:xfrm>
+            <a:off x="3032806" y="12200400"/>
+            <a:ext cx="9792000" cy="646331"/>
+          </a:xfrm>
+          <a:prstGeom prst="rect">
+            <a:avLst/>
+          </a:prstGeom>
+          <a:noFill/>
+        </p:spPr>
+        <p:txBody>
+          <a:bodyPr wrap="square" rtlCol="0">
+            <a:spAutoFit/>
+          </a:bodyPr>
+          <a:lstStyle/>
+          <a:p>
+            <a:r>
+              <a:rPr lang="ru-RU" altLang="ru-RU" dirty="0" err="1">
+                <a:solidFill>
+                  <a:srgbClr val="5BCD9D"/>
+                </a:solidFill>
+                <a:latin typeface="Verdana" panose="020B0604030504040204" pitchFamily="34" charset="0"/>
+              </a:rPr>
+              <a:t>os</a:t>
+            </a:r>
+            <a:r>
+              <a:rPr lang="ru-RU" altLang="ru-RU" dirty="0">
+                <a:solidFill>
+                  <a:srgbClr val="5BCD9D"/>
+                </a:solidFill>
+                <a:latin typeface="Verdana" panose="020B0604030504040204" pitchFamily="34" charset="0"/>
+              </a:rPr>
+              <a:t> </a:t>
+            </a:r>
+            <a:r>
+              <a:rPr lang="ru-RU" altLang="ru-RU" dirty="0">
+                <a:solidFill>
+                  <a:srgbClr val="FFFFFF"/>
+                </a:solidFill>
+                <a:latin typeface="Verdana" panose="020B0604030504040204" pitchFamily="34" charset="0"/>
+              </a:rPr>
+              <a:t>&lt;&lt; </a:t>
+            </a:r>
+            <a:r>
+              <a:rPr lang="ru-RU" altLang="ru-RU" dirty="0">
+                <a:solidFill>
+                  <a:srgbClr val="72C3E0"/>
+                </a:solidFill>
+                <a:latin typeface="Verdana" panose="020B0604030504040204" pitchFamily="34" charset="0"/>
+              </a:rPr>
+              <a:t>"HTTP/1.1 404 </a:t>
+            </a:r>
+            <a:r>
+              <a:rPr lang="ru-RU" altLang="ru-RU" dirty="0" err="1">
+                <a:solidFill>
+                  <a:srgbClr val="72C3E0"/>
+                </a:solidFill>
+                <a:latin typeface="Verdana" panose="020B0604030504040204" pitchFamily="34" charset="0"/>
+              </a:rPr>
+              <a:t>Not</a:t>
+            </a:r>
+            <a:r>
+              <a:rPr lang="ru-RU" altLang="ru-RU" dirty="0">
+                <a:solidFill>
+                  <a:srgbClr val="72C3E0"/>
+                </a:solidFill>
+                <a:latin typeface="Verdana" panose="020B0604030504040204" pitchFamily="34" charset="0"/>
+              </a:rPr>
+              <a:t> </a:t>
+            </a:r>
+            <a:r>
+              <a:rPr lang="ru-RU" altLang="ru-RU" dirty="0" err="1">
+                <a:solidFill>
+                  <a:srgbClr val="72C3E0"/>
+                </a:solidFill>
+                <a:latin typeface="Verdana" panose="020B0604030504040204" pitchFamily="34" charset="0"/>
+              </a:rPr>
+              <a:t>found</a:t>
+            </a:r>
+            <a:r>
+              <a:rPr lang="ru-RU" altLang="ru-RU" dirty="0">
+                <a:solidFill>
+                  <a:srgbClr val="72C3E0"/>
+                </a:solidFill>
+                <a:latin typeface="Verdana" panose="020B0604030504040204" pitchFamily="34" charset="0"/>
+              </a:rPr>
+              <a:t>\r\n\r\n"</a:t>
+            </a:r>
+            <a:r>
+              <a:rPr lang="ru-RU" altLang="ru-RU" dirty="0">
+                <a:solidFill>
+                  <a:srgbClr val="FFFFFF"/>
+                </a:solidFill>
+                <a:latin typeface="Verdana" panose="020B0604030504040204" pitchFamily="34" charset="0"/>
+              </a:rPr>
+              <a:t>;</a:t>
+            </a:r>
+            <a:endParaRPr lang="ru-RU" sz="3200" dirty="0" smtClean="0">
               <a:solidFill>
                 <a:schemeClr val="bg1"/>
               </a:solidFill>
@@ -45854,7 +45782,207 @@
   <p:timing>
     <p:tnLst>
       <p:par>
-        <p:cTn id="1" dur="indefinite" restart="never" nodeType="tmRoot"/>
+        <p:cTn id="1" dur="indefinite" restart="never" nodeType="tmRoot">
+          <p:childTnLst>
+            <p:seq concurrent="1" nextAc="seek">
+              <p:cTn id="2" dur="indefinite" nodeType="mainSeq">
+                <p:childTnLst>
+                  <p:par>
+                    <p:cTn id="3" fill="hold">
+                      <p:stCondLst>
+                        <p:cond delay="indefinite"/>
+                      </p:stCondLst>
+                      <p:childTnLst>
+                        <p:par>
+                          <p:cTn id="4" fill="hold">
+                            <p:stCondLst>
+                              <p:cond delay="0"/>
+                            </p:stCondLst>
+                            <p:childTnLst>
+                              <p:par>
+                                <p:cTn id="5" presetID="1" presetClass="emph" presetSubtype="1" nodeType="clickEffect">
+                                  <p:stCondLst>
+                                    <p:cond delay="0"/>
+                                  </p:stCondLst>
+                                  <p:childTnLst>
+                                    <p:set>
+                                      <p:cBhvr>
+                                        <p:cTn id="6" dur="indefinite"/>
+                                        <p:tgtEl>
+                                          <p:spTgt spid="6"/>
+                                        </p:tgtEl>
+                                        <p:attrNameLst>
+                                          <p:attrName>fillcolor</p:attrName>
+                                        </p:attrNameLst>
+                                      </p:cBhvr>
+                                      <p:to>
+                                        <p:clrVal>
+                                          <a:srgbClr val="3F3F3F"/>
+                                        </p:clrVal>
+                                      </p:to>
+                                    </p:set>
+                                    <p:set>
+                                      <p:cBhvr>
+                                        <p:cTn id="7" dur="indefinite"/>
+                                        <p:tgtEl>
+                                          <p:spTgt spid="6"/>
+                                        </p:tgtEl>
+                                        <p:attrNameLst>
+                                          <p:attrName>fill.type</p:attrName>
+                                        </p:attrNameLst>
+                                      </p:cBhvr>
+                                      <p:to>
+                                        <p:strVal val="solid"/>
+                                      </p:to>
+                                    </p:set>
+                                    <p:set>
+                                      <p:cBhvr>
+                                        <p:cTn id="8" dur="indefinite"/>
+                                        <p:tgtEl>
+                                          <p:spTgt spid="6"/>
+                                        </p:tgtEl>
+                                        <p:attrNameLst>
+                                          <p:attrName>fill.on</p:attrName>
+                                        </p:attrNameLst>
+                                      </p:cBhvr>
+                                      <p:to>
+                                        <p:strVal val="true"/>
+                                      </p:to>
+                                    </p:set>
+                                  </p:childTnLst>
+                                </p:cTn>
+                              </p:par>
+                              <p:par>
+                                <p:cTn id="9" presetID="1" presetClass="emph" presetSubtype="1" nodeType="withEffect">
+                                  <p:stCondLst>
+                                    <p:cond delay="0"/>
+                                  </p:stCondLst>
+                                  <p:childTnLst>
+                                    <p:set>
+                                      <p:cBhvr>
+                                        <p:cTn id="10" dur="indefinite"/>
+                                        <p:tgtEl>
+                                          <p:spTgt spid="7"/>
+                                        </p:tgtEl>
+                                        <p:attrNameLst>
+                                          <p:attrName>fillcolor</p:attrName>
+                                        </p:attrNameLst>
+                                      </p:cBhvr>
+                                      <p:to>
+                                        <p:clrVal>
+                                          <a:srgbClr val="3F3F3F"/>
+                                        </p:clrVal>
+                                      </p:to>
+                                    </p:set>
+                                    <p:set>
+                                      <p:cBhvr>
+                                        <p:cTn id="11" dur="indefinite"/>
+                                        <p:tgtEl>
+                                          <p:spTgt spid="7"/>
+                                        </p:tgtEl>
+                                        <p:attrNameLst>
+                                          <p:attrName>fill.type</p:attrName>
+                                        </p:attrNameLst>
+                                      </p:cBhvr>
+                                      <p:to>
+                                        <p:strVal val="solid"/>
+                                      </p:to>
+                                    </p:set>
+                                    <p:set>
+                                      <p:cBhvr>
+                                        <p:cTn id="12" dur="indefinite"/>
+                                        <p:tgtEl>
+                                          <p:spTgt spid="7"/>
+                                        </p:tgtEl>
+                                        <p:attrNameLst>
+                                          <p:attrName>fill.on</p:attrName>
+                                        </p:attrNameLst>
+                                      </p:cBhvr>
+                                      <p:to>
+                                        <p:strVal val="true"/>
+                                      </p:to>
+                                    </p:set>
+                                  </p:childTnLst>
+                                </p:cTn>
+                              </p:par>
+                              <p:par>
+                                <p:cTn id="13" presetID="1" presetClass="emph" presetSubtype="1" nodeType="withEffect">
+                                  <p:stCondLst>
+                                    <p:cond delay="0"/>
+                                  </p:stCondLst>
+                                  <p:childTnLst>
+                                    <p:set>
+                                      <p:cBhvr>
+                                        <p:cTn id="14" dur="indefinite"/>
+                                        <p:tgtEl>
+                                          <p:spTgt spid="8"/>
+                                        </p:tgtEl>
+                                        <p:attrNameLst>
+                                          <p:attrName>fillcolor</p:attrName>
+                                        </p:attrNameLst>
+                                      </p:cBhvr>
+                                      <p:to>
+                                        <p:clrVal>
+                                          <a:srgbClr val="3F3F3F"/>
+                                        </p:clrVal>
+                                      </p:to>
+                                    </p:set>
+                                    <p:set>
+                                      <p:cBhvr>
+                                        <p:cTn id="15" dur="indefinite"/>
+                                        <p:tgtEl>
+                                          <p:spTgt spid="8"/>
+                                        </p:tgtEl>
+                                        <p:attrNameLst>
+                                          <p:attrName>fill.type</p:attrName>
+                                        </p:attrNameLst>
+                                      </p:cBhvr>
+                                      <p:to>
+                                        <p:strVal val="solid"/>
+                                      </p:to>
+                                    </p:set>
+                                    <p:set>
+                                      <p:cBhvr>
+                                        <p:cTn id="16" dur="indefinite"/>
+                                        <p:tgtEl>
+                                          <p:spTgt spid="8"/>
+                                        </p:tgtEl>
+                                        <p:attrNameLst>
+                                          <p:attrName>fill.on</p:attrName>
+                                        </p:attrNameLst>
+                                      </p:cBhvr>
+                                      <p:to>
+                                        <p:strVal val="true"/>
+                                      </p:to>
+                                    </p:set>
+                                  </p:childTnLst>
+                                </p:cTn>
+                              </p:par>
+                            </p:childTnLst>
+                          </p:cTn>
+                        </p:par>
+                      </p:childTnLst>
+                    </p:cTn>
+                  </p:par>
+                </p:childTnLst>
+              </p:cTn>
+              <p:prevCondLst>
+                <p:cond evt="onPrev" delay="0">
+                  <p:tgtEl>
+                    <p:sldTgt/>
+                  </p:tgtEl>
+                </p:cond>
+              </p:prevCondLst>
+              <p:nextCondLst>
+                <p:cond evt="onNext" delay="0">
+                  <p:tgtEl>
+                    <p:sldTgt/>
+                  </p:tgtEl>
+                </p:cond>
+              </p:nextCondLst>
+            </p:seq>
+          </p:childTnLst>
+        </p:cTn>
       </p:par>
     </p:tnLst>
   </p:timing>
@@ -45880,545 +46008,6 @@
       </p:grpSpPr>
       <p:sp>
         <p:nvSpPr>
-          <p:cNvPr id="7" name="Объект 6"/>
-          <p:cNvSpPr>
-            <a:spLocks noGrp="1"/>
-          </p:cNvSpPr>
-          <p:nvPr>
-            <p:ph idx="13"/>
-          </p:nvPr>
-        </p:nvSpPr>
-        <p:spPr>
-          <a:xfrm>
-            <a:off x="1" y="5713413"/>
-            <a:ext cx="24382412" cy="8002587"/>
-          </a:xfrm>
-        </p:spPr>
-        <p:txBody>
-          <a:bodyPr/>
-          <a:lstStyle/>
-          <a:p>
-            <a:pPr lvl="0" defTabSz="914400" eaLnBrk="0" fontAlgn="base" hangingPunct="0">
-              <a:lnSpc>
-                <a:spcPct val="100000"/>
-              </a:lnSpc>
-              <a:spcBef>
-                <a:spcPct val="0"/>
-              </a:spcBef>
-              <a:spcAft>
-                <a:spcPct val="0"/>
-              </a:spcAft>
-            </a:pPr>
-            <a:r>
-              <a:rPr lang="ru-RU" altLang="ru-RU" dirty="0" err="1">
-                <a:solidFill>
-                  <a:srgbClr val="FFFFFF"/>
-                </a:solidFill>
-                <a:latin typeface="Verdana" panose="020B0604030504040204" pitchFamily="34" charset="0"/>
-              </a:rPr>
-              <a:t>auto</a:t>
-            </a:r>
-            <a:r>
-              <a:rPr lang="ru-RU" altLang="ru-RU" dirty="0">
-                <a:solidFill>
-                  <a:srgbClr val="FFFFFF"/>
-                </a:solidFill>
-                <a:latin typeface="Verdana" panose="020B0604030504040204" pitchFamily="34" charset="0"/>
-              </a:rPr>
-              <a:t> </a:t>
-            </a:r>
-            <a:r>
-              <a:rPr lang="ru-RU" altLang="ru-RU" dirty="0" err="1">
-                <a:solidFill>
-                  <a:srgbClr val="5BCD9D"/>
-                </a:solidFill>
-                <a:latin typeface="Verdana" panose="020B0604030504040204" pitchFamily="34" charset="0"/>
-              </a:rPr>
-              <a:t>response</a:t>
-            </a:r>
-            <a:r>
-              <a:rPr lang="ru-RU" altLang="ru-RU" dirty="0">
-                <a:solidFill>
-                  <a:srgbClr val="5BCD9D"/>
-                </a:solidFill>
-                <a:latin typeface="Verdana" panose="020B0604030504040204" pitchFamily="34" charset="0"/>
-              </a:rPr>
-              <a:t> </a:t>
-            </a:r>
-            <a:r>
-              <a:rPr lang="ru-RU" altLang="ru-RU" dirty="0">
-                <a:solidFill>
-                  <a:srgbClr val="FFFFFF"/>
-                </a:solidFill>
-                <a:latin typeface="Verdana" panose="020B0604030504040204" pitchFamily="34" charset="0"/>
-              </a:rPr>
-              <a:t>= </a:t>
-            </a:r>
-            <a:r>
-              <a:rPr lang="ru-RU" altLang="ru-RU" dirty="0" err="1">
-                <a:solidFill>
-                  <a:srgbClr val="9E64A9"/>
-                </a:solidFill>
-                <a:latin typeface="Verdana" panose="020B0604030504040204" pitchFamily="34" charset="0"/>
-              </a:rPr>
-              <a:t>std</a:t>
-            </a:r>
-            <a:r>
-              <a:rPr lang="ru-RU" altLang="ru-RU" dirty="0">
-                <a:solidFill>
-                  <a:srgbClr val="FFFFFF"/>
-                </a:solidFill>
-                <a:latin typeface="Verdana" panose="020B0604030504040204" pitchFamily="34" charset="0"/>
-              </a:rPr>
-              <a:t>::</a:t>
-            </a:r>
-            <a:r>
-              <a:rPr lang="ru-RU" altLang="ru-RU" dirty="0" err="1">
-                <a:solidFill>
-                  <a:srgbClr val="FFCC00"/>
-                </a:solidFill>
-                <a:latin typeface="Verdana" panose="020B0604030504040204" pitchFamily="34" charset="0"/>
-              </a:rPr>
-              <a:t>to_string</a:t>
-            </a:r>
-            <a:r>
-              <a:rPr lang="ru-RU" altLang="ru-RU" dirty="0">
-                <a:solidFill>
-                  <a:srgbClr val="FFFFFF"/>
-                </a:solidFill>
-                <a:latin typeface="Verdana" panose="020B0604030504040204" pitchFamily="34" charset="0"/>
-              </a:rPr>
-              <a:t>(</a:t>
-            </a:r>
-            <a:r>
-              <a:rPr lang="ru-RU" altLang="ru-RU" dirty="0" err="1">
-                <a:solidFill>
-                  <a:srgbClr val="5BCD9D"/>
-                </a:solidFill>
-                <a:latin typeface="Verdana" panose="020B0604030504040204" pitchFamily="34" charset="0"/>
-              </a:rPr>
-              <a:t>comments</a:t>
-            </a:r>
-            <a:r>
-              <a:rPr lang="ru-RU" altLang="ru-RU" dirty="0">
-                <a:solidFill>
-                  <a:srgbClr val="5BCD9D"/>
-                </a:solidFill>
-                <a:latin typeface="Verdana" panose="020B0604030504040204" pitchFamily="34" charset="0"/>
-              </a:rPr>
-              <a:t>_</a:t>
-            </a:r>
-            <a:r>
-              <a:rPr lang="ru-RU" altLang="ru-RU" dirty="0">
-                <a:solidFill>
-                  <a:srgbClr val="FFFFFF"/>
-                </a:solidFill>
-                <a:latin typeface="Verdana" panose="020B0604030504040204" pitchFamily="34" charset="0"/>
-              </a:rPr>
-              <a:t>.</a:t>
-            </a:r>
-            <a:r>
-              <a:rPr lang="ru-RU" altLang="ru-RU" dirty="0" err="1">
-                <a:solidFill>
-                  <a:srgbClr val="FFCC00"/>
-                </a:solidFill>
-                <a:latin typeface="Verdana" panose="020B0604030504040204" pitchFamily="34" charset="0"/>
-              </a:rPr>
-              <a:t>size</a:t>
-            </a:r>
-            <a:r>
-              <a:rPr lang="ru-RU" altLang="ru-RU" dirty="0">
-                <a:solidFill>
-                  <a:srgbClr val="FFFFFF"/>
-                </a:solidFill>
-                <a:latin typeface="Verdana" panose="020B0604030504040204" pitchFamily="34" charset="0"/>
-              </a:rPr>
-              <a:t>() - </a:t>
-            </a:r>
-            <a:r>
-              <a:rPr lang="ru-RU" altLang="ru-RU" dirty="0">
-                <a:solidFill>
-                  <a:srgbClr val="6897BB"/>
-                </a:solidFill>
-                <a:latin typeface="Verdana" panose="020B0604030504040204" pitchFamily="34" charset="0"/>
-              </a:rPr>
-              <a:t>1</a:t>
-            </a:r>
-            <a:r>
-              <a:rPr lang="ru-RU" altLang="ru-RU" dirty="0">
-                <a:solidFill>
-                  <a:srgbClr val="FFFFFF"/>
-                </a:solidFill>
-                <a:latin typeface="Verdana" panose="020B0604030504040204" pitchFamily="34" charset="0"/>
-              </a:rPr>
-              <a:t>);</a:t>
-            </a:r>
-            <a:endParaRPr lang="en-US" altLang="ru-RU" dirty="0" smtClean="0">
-              <a:solidFill>
-                <a:srgbClr val="5BCD9D"/>
-              </a:solidFill>
-              <a:latin typeface="Verdana" panose="020B0604030504040204" pitchFamily="34" charset="0"/>
-            </a:endParaRPr>
-          </a:p>
-          <a:p>
-            <a:pPr lvl="0" defTabSz="914400" eaLnBrk="0" fontAlgn="base" hangingPunct="0">
-              <a:spcBef>
-                <a:spcPct val="0"/>
-              </a:spcBef>
-              <a:spcAft>
-                <a:spcPct val="0"/>
-              </a:spcAft>
-            </a:pPr>
-            <a:r>
-              <a:rPr lang="ru-RU" altLang="ru-RU" dirty="0" err="1" smtClean="0">
-                <a:solidFill>
-                  <a:srgbClr val="5BCD9D"/>
-                </a:solidFill>
-                <a:latin typeface="Verdana" panose="020B0604030504040204" pitchFamily="34" charset="0"/>
-              </a:rPr>
-              <a:t>os</a:t>
-            </a:r>
-            <a:r>
-              <a:rPr lang="ru-RU" altLang="ru-RU" dirty="0" smtClean="0">
-                <a:solidFill>
-                  <a:srgbClr val="5BCD9D"/>
-                </a:solidFill>
-                <a:latin typeface="Verdana" panose="020B0604030504040204" pitchFamily="34" charset="0"/>
-              </a:rPr>
-              <a:t> </a:t>
-            </a:r>
-            <a:r>
-              <a:rPr lang="ru-RU" altLang="ru-RU" dirty="0">
-                <a:solidFill>
-                  <a:srgbClr val="FFFFFF"/>
-                </a:solidFill>
-                <a:latin typeface="Verdana" panose="020B0604030504040204" pitchFamily="34" charset="0"/>
-              </a:rPr>
-              <a:t>&lt;&lt; </a:t>
-            </a:r>
-            <a:r>
-              <a:rPr lang="ru-RU" altLang="ru-RU" dirty="0">
-                <a:solidFill>
-                  <a:srgbClr val="72C3E0"/>
-                </a:solidFill>
-                <a:latin typeface="Verdana" panose="020B0604030504040204" pitchFamily="34" charset="0"/>
-              </a:rPr>
-              <a:t>"HTTP/1.1 200 OK\r\n"</a:t>
-            </a:r>
-            <a:br>
-              <a:rPr lang="ru-RU" altLang="ru-RU" dirty="0">
-                <a:solidFill>
-                  <a:srgbClr val="72C3E0"/>
-                </a:solidFill>
-                <a:latin typeface="Verdana" panose="020B0604030504040204" pitchFamily="34" charset="0"/>
-              </a:rPr>
-            </a:br>
-            <a:r>
-              <a:rPr lang="ru-RU" altLang="ru-RU" dirty="0">
-                <a:solidFill>
-                  <a:srgbClr val="72C3E0"/>
-                </a:solidFill>
-                <a:latin typeface="Verdana" panose="020B0604030504040204" pitchFamily="34" charset="0"/>
-              </a:rPr>
-              <a:t>   </a:t>
-            </a:r>
-            <a:r>
-              <a:rPr lang="ru-RU" altLang="ru-RU" dirty="0">
-                <a:solidFill>
-                  <a:srgbClr val="FFFFFF"/>
-                </a:solidFill>
-                <a:latin typeface="Verdana" panose="020B0604030504040204" pitchFamily="34" charset="0"/>
-              </a:rPr>
-              <a:t>&lt;&lt; </a:t>
-            </a:r>
-            <a:r>
-              <a:rPr lang="ru-RU" altLang="ru-RU" dirty="0">
-                <a:solidFill>
-                  <a:srgbClr val="72C3E0"/>
-                </a:solidFill>
-                <a:latin typeface="Verdana" panose="020B0604030504040204" pitchFamily="34" charset="0"/>
-              </a:rPr>
-              <a:t>"</a:t>
-            </a:r>
-            <a:r>
-              <a:rPr lang="ru-RU" altLang="ru-RU" dirty="0" err="1">
-                <a:solidFill>
-                  <a:srgbClr val="72C3E0"/>
-                </a:solidFill>
-                <a:latin typeface="Verdana" panose="020B0604030504040204" pitchFamily="34" charset="0"/>
-              </a:rPr>
-              <a:t>Content-Length</a:t>
-            </a:r>
-            <a:r>
-              <a:rPr lang="ru-RU" altLang="ru-RU" dirty="0">
-                <a:solidFill>
-                  <a:srgbClr val="72C3E0"/>
-                </a:solidFill>
-                <a:latin typeface="Verdana" panose="020B0604030504040204" pitchFamily="34" charset="0"/>
-              </a:rPr>
-              <a:t>: " </a:t>
-            </a:r>
-            <a:r>
-              <a:rPr lang="ru-RU" altLang="ru-RU" dirty="0">
-                <a:solidFill>
-                  <a:srgbClr val="FFFFFF"/>
-                </a:solidFill>
-                <a:latin typeface="Verdana" panose="020B0604030504040204" pitchFamily="34" charset="0"/>
-              </a:rPr>
-              <a:t>&lt;&lt; </a:t>
-            </a:r>
-            <a:r>
-              <a:rPr lang="ru-RU" altLang="ru-RU" dirty="0" err="1">
-                <a:solidFill>
-                  <a:srgbClr val="5BCD9D"/>
-                </a:solidFill>
-                <a:latin typeface="Verdana" panose="020B0604030504040204" pitchFamily="34" charset="0"/>
-              </a:rPr>
-              <a:t>response</a:t>
-            </a:r>
-            <a:r>
-              <a:rPr lang="ru-RU" altLang="ru-RU" dirty="0" err="1">
-                <a:solidFill>
-                  <a:srgbClr val="FFFFFF"/>
-                </a:solidFill>
-                <a:latin typeface="Verdana" panose="020B0604030504040204" pitchFamily="34" charset="0"/>
-              </a:rPr>
-              <a:t>.</a:t>
-            </a:r>
-            <a:r>
-              <a:rPr lang="ru-RU" altLang="ru-RU" dirty="0" err="1">
-                <a:solidFill>
-                  <a:srgbClr val="FFCC00"/>
-                </a:solidFill>
-                <a:latin typeface="Verdana" panose="020B0604030504040204" pitchFamily="34" charset="0"/>
-              </a:rPr>
-              <a:t>size</a:t>
-            </a:r>
-            <a:r>
-              <a:rPr lang="ru-RU" altLang="ru-RU" dirty="0">
-                <a:solidFill>
-                  <a:srgbClr val="FFFFFF"/>
-                </a:solidFill>
-                <a:latin typeface="Verdana" panose="020B0604030504040204" pitchFamily="34" charset="0"/>
-              </a:rPr>
-              <a:t>() &lt;&lt; </a:t>
-            </a:r>
-            <a:r>
-              <a:rPr lang="ru-RU" altLang="ru-RU" dirty="0">
-                <a:solidFill>
-                  <a:srgbClr val="72C3E0"/>
-                </a:solidFill>
-                <a:latin typeface="Verdana" panose="020B0604030504040204" pitchFamily="34" charset="0"/>
-              </a:rPr>
-              <a:t>"\r\n"</a:t>
-            </a:r>
-            <a:br>
-              <a:rPr lang="ru-RU" altLang="ru-RU" dirty="0">
-                <a:solidFill>
-                  <a:srgbClr val="72C3E0"/>
-                </a:solidFill>
-                <a:latin typeface="Verdana" panose="020B0604030504040204" pitchFamily="34" charset="0"/>
-              </a:rPr>
-            </a:br>
-            <a:r>
-              <a:rPr lang="ru-RU" altLang="ru-RU" dirty="0">
-                <a:solidFill>
-                  <a:srgbClr val="72C3E0"/>
-                </a:solidFill>
-                <a:latin typeface="Verdana" panose="020B0604030504040204" pitchFamily="34" charset="0"/>
-              </a:rPr>
-              <a:t>   </a:t>
-            </a:r>
-            <a:r>
-              <a:rPr lang="ru-RU" altLang="ru-RU" dirty="0">
-                <a:solidFill>
-                  <a:srgbClr val="FFFFFF"/>
-                </a:solidFill>
-                <a:latin typeface="Verdana" panose="020B0604030504040204" pitchFamily="34" charset="0"/>
-              </a:rPr>
-              <a:t>&lt;&lt; </a:t>
-            </a:r>
-            <a:r>
-              <a:rPr lang="ru-RU" altLang="ru-RU" dirty="0">
-                <a:solidFill>
-                  <a:srgbClr val="72C3E0"/>
-                </a:solidFill>
-                <a:latin typeface="Verdana" panose="020B0604030504040204" pitchFamily="34" charset="0"/>
-              </a:rPr>
-              <a:t>"\r\n"</a:t>
-            </a:r>
-            <a:br>
-              <a:rPr lang="ru-RU" altLang="ru-RU" dirty="0">
-                <a:solidFill>
-                  <a:srgbClr val="72C3E0"/>
-                </a:solidFill>
-                <a:latin typeface="Verdana" panose="020B0604030504040204" pitchFamily="34" charset="0"/>
-              </a:rPr>
-            </a:br>
-            <a:r>
-              <a:rPr lang="ru-RU" altLang="ru-RU" dirty="0">
-                <a:solidFill>
-                  <a:srgbClr val="72C3E0"/>
-                </a:solidFill>
-                <a:latin typeface="Verdana" panose="020B0604030504040204" pitchFamily="34" charset="0"/>
-              </a:rPr>
-              <a:t>   </a:t>
-            </a:r>
-            <a:r>
-              <a:rPr lang="ru-RU" altLang="ru-RU" dirty="0">
-                <a:solidFill>
-                  <a:srgbClr val="FFFFFF"/>
-                </a:solidFill>
-                <a:latin typeface="Verdana" panose="020B0604030504040204" pitchFamily="34" charset="0"/>
-              </a:rPr>
-              <a:t>&lt;&lt; </a:t>
-            </a:r>
-            <a:r>
-              <a:rPr lang="ru-RU" altLang="ru-RU" dirty="0" err="1">
-                <a:solidFill>
-                  <a:srgbClr val="5BCD9D"/>
-                </a:solidFill>
-                <a:latin typeface="Verdana" panose="020B0604030504040204" pitchFamily="34" charset="0"/>
-              </a:rPr>
-              <a:t>response</a:t>
-            </a:r>
-            <a:r>
-              <a:rPr lang="ru-RU" altLang="ru-RU" dirty="0">
-                <a:solidFill>
-                  <a:srgbClr val="FFFFFF"/>
-                </a:solidFill>
-                <a:latin typeface="Verdana" panose="020B0604030504040204" pitchFamily="34" charset="0"/>
-              </a:rPr>
-              <a:t>;</a:t>
-            </a:r>
-            <a:br>
-              <a:rPr lang="ru-RU" altLang="ru-RU" dirty="0">
-                <a:solidFill>
-                  <a:srgbClr val="FFFFFF"/>
-                </a:solidFill>
-                <a:latin typeface="Verdana" panose="020B0604030504040204" pitchFamily="34" charset="0"/>
-              </a:rPr>
-            </a:br>
-            <a:endParaRPr lang="en-US" altLang="ru-RU" dirty="0" smtClean="0">
-              <a:solidFill>
-                <a:srgbClr val="FFFFFF"/>
-              </a:solidFill>
-              <a:latin typeface="Verdana" panose="020B0604030504040204" pitchFamily="34" charset="0"/>
-            </a:endParaRPr>
-          </a:p>
-          <a:p>
-            <a:pPr lvl="0" defTabSz="914400" eaLnBrk="0" fontAlgn="base" hangingPunct="0">
-              <a:lnSpc>
-                <a:spcPct val="100000"/>
-              </a:lnSpc>
-              <a:spcBef>
-                <a:spcPct val="0"/>
-              </a:spcBef>
-              <a:spcAft>
-                <a:spcPct val="0"/>
-              </a:spcAft>
-            </a:pPr>
-            <a:r>
-              <a:rPr lang="ru-RU" altLang="ru-RU" dirty="0" err="1" smtClean="0">
-                <a:solidFill>
-                  <a:srgbClr val="5BCD9D"/>
-                </a:solidFill>
-                <a:latin typeface="Verdana" panose="020B0604030504040204" pitchFamily="34" charset="0"/>
-              </a:rPr>
-              <a:t>os</a:t>
-            </a:r>
-            <a:r>
-              <a:rPr lang="ru-RU" altLang="ru-RU" dirty="0" smtClean="0">
-                <a:solidFill>
-                  <a:srgbClr val="5BCD9D"/>
-                </a:solidFill>
-                <a:latin typeface="Verdana" panose="020B0604030504040204" pitchFamily="34" charset="0"/>
-              </a:rPr>
-              <a:t> </a:t>
-            </a:r>
-            <a:r>
-              <a:rPr lang="ru-RU" altLang="ru-RU" dirty="0">
-                <a:solidFill>
-                  <a:srgbClr val="FFFFFF"/>
-                </a:solidFill>
-                <a:latin typeface="Verdana" panose="020B0604030504040204" pitchFamily="34" charset="0"/>
-              </a:rPr>
-              <a:t>&lt;&lt; </a:t>
-            </a:r>
-            <a:r>
-              <a:rPr lang="ru-RU" altLang="ru-RU" dirty="0">
-                <a:solidFill>
-                  <a:srgbClr val="72C3E0"/>
-                </a:solidFill>
-                <a:latin typeface="Verdana" panose="020B0604030504040204" pitchFamily="34" charset="0"/>
-              </a:rPr>
-              <a:t>"HTTP/1.1 404 </a:t>
-            </a:r>
-            <a:r>
-              <a:rPr lang="ru-RU" altLang="ru-RU" dirty="0" err="1">
-                <a:solidFill>
-                  <a:srgbClr val="72C3E0"/>
-                </a:solidFill>
-                <a:latin typeface="Verdana" panose="020B0604030504040204" pitchFamily="34" charset="0"/>
-              </a:rPr>
-              <a:t>Not</a:t>
-            </a:r>
-            <a:r>
-              <a:rPr lang="ru-RU" altLang="ru-RU" dirty="0">
-                <a:solidFill>
-                  <a:srgbClr val="72C3E0"/>
-                </a:solidFill>
-                <a:latin typeface="Verdana" panose="020B0604030504040204" pitchFamily="34" charset="0"/>
-              </a:rPr>
-              <a:t> </a:t>
-            </a:r>
-            <a:r>
-              <a:rPr lang="ru-RU" altLang="ru-RU" dirty="0" err="1">
-                <a:solidFill>
-                  <a:srgbClr val="72C3E0"/>
-                </a:solidFill>
-                <a:latin typeface="Verdana" panose="020B0604030504040204" pitchFamily="34" charset="0"/>
-              </a:rPr>
-              <a:t>found</a:t>
-            </a:r>
-            <a:r>
-              <a:rPr lang="ru-RU" altLang="ru-RU" dirty="0">
-                <a:solidFill>
-                  <a:srgbClr val="72C3E0"/>
-                </a:solidFill>
-                <a:latin typeface="Verdana" panose="020B0604030504040204" pitchFamily="34" charset="0"/>
-              </a:rPr>
-              <a:t>\r\n\r\n</a:t>
-            </a:r>
-            <a:r>
-              <a:rPr lang="ru-RU" altLang="ru-RU" dirty="0" smtClean="0">
-                <a:solidFill>
-                  <a:srgbClr val="72C3E0"/>
-                </a:solidFill>
-                <a:latin typeface="Verdana" panose="020B0604030504040204" pitchFamily="34" charset="0"/>
-              </a:rPr>
-              <a:t>"</a:t>
-            </a:r>
-            <a:r>
-              <a:rPr lang="ru-RU" altLang="ru-RU" dirty="0" smtClean="0">
-                <a:solidFill>
-                  <a:srgbClr val="FFFFFF"/>
-                </a:solidFill>
-                <a:latin typeface="Verdana" panose="020B0604030504040204" pitchFamily="34" charset="0"/>
-              </a:rPr>
-              <a:t>;</a:t>
-            </a:r>
-            <a:endParaRPr lang="ru-RU" altLang="ru-RU" sz="6600" dirty="0">
-              <a:solidFill>
-                <a:schemeClr val="tx1"/>
-              </a:solidFill>
-              <a:latin typeface="Arial" panose="020B0604020202020204" pitchFamily="34" charset="0"/>
-            </a:endParaRPr>
-          </a:p>
-        </p:txBody>
-      </p:sp>
-      <p:sp>
-        <p:nvSpPr>
           <p:cNvPr id="2" name="Заголовок 1"/>
           <p:cNvSpPr>
             <a:spLocks noGrp="1"/>
@@ -46434,7 +46023,11 @@
           <a:p>
             <a:r>
               <a:rPr lang="ru-RU" dirty="0" smtClean="0"/>
-              <a:t>Проблемы в коде</a:t>
+              <a:t>Выполним </a:t>
+            </a:r>
+            <a:r>
+              <a:rPr lang="ru-RU" dirty="0" err="1" smtClean="0"/>
+              <a:t>рефакторинг</a:t>
             </a:r>
             <a:endParaRPr lang="ru-RU" dirty="0"/>
           </a:p>
@@ -46442,7 +46035,7 @@
       </p:sp>
       <p:sp>
         <p:nvSpPr>
-          <p:cNvPr id="6" name="Объект 5"/>
+          <p:cNvPr id="3" name="Объект 2"/>
           <p:cNvSpPr>
             <a:spLocks noGrp="1"/>
           </p:cNvSpPr>
@@ -46453,49 +46046,94 @@
         <p:spPr>
           <a:xfrm>
             <a:off x="1142999" y="3048000"/>
-            <a:ext cx="22131337" cy="3046413"/>
+            <a:ext cx="22131337" cy="9158288"/>
           </a:xfrm>
         </p:spPr>
         <p:txBody>
-          <a:bodyPr anchor="t"/>
+          <a:bodyPr/>
           <a:lstStyle/>
           <a:p>
             <a:pPr lvl="1"/>
+            <a:r>
+              <a:rPr lang="ru-RU" dirty="0" smtClean="0"/>
+              <a:t>Избавимся от необходимости каждый раз </a:t>
+            </a:r>
+            <a:r>
+              <a:rPr lang="ru-RU" dirty="0" err="1" smtClean="0"/>
+              <a:t>хардкодить</a:t>
+            </a:r>
+            <a:r>
+              <a:rPr lang="ru-RU" dirty="0" smtClean="0"/>
+              <a:t> </a:t>
+            </a:r>
             <a:r>
               <a:rPr lang="en-US" dirty="0" smtClean="0"/>
               <a:t>HTTP-</a:t>
             </a:r>
             <a:r>
               <a:rPr lang="ru-RU" dirty="0" smtClean="0"/>
-              <a:t>ответы </a:t>
+              <a:t>ответы</a:t>
+            </a:r>
+          </a:p>
+          <a:p>
+            <a:pPr lvl="1"/>
+            <a:endParaRPr lang="ru-RU" dirty="0" smtClean="0"/>
+          </a:p>
+          <a:p>
+            <a:pPr lvl="1"/>
+            <a:r>
+              <a:rPr lang="ru-RU" dirty="0" smtClean="0"/>
+              <a:t>Напишем </a:t>
+            </a:r>
+            <a:r>
+              <a:rPr lang="ru-RU" dirty="0"/>
+              <a:t>класс </a:t>
             </a:r>
             <a:r>
               <a:rPr lang="ru-RU" dirty="0" err="1" smtClean="0"/>
-              <a:t>хардкодятся</a:t>
+              <a:t>HttpResponse</a:t>
             </a:r>
             <a:r>
               <a:rPr lang="ru-RU" dirty="0" smtClean="0"/>
-              <a:t> </a:t>
+              <a:t>, который будет</a:t>
+            </a:r>
+          </a:p>
+          <a:p>
+            <a:pPr lvl="2"/>
+            <a:r>
+              <a:rPr lang="ru-RU" dirty="0" smtClean="0"/>
+              <a:t>инкапсулировать строковое </a:t>
             </a:r>
             <a:r>
               <a:rPr lang="ru-RU" dirty="0"/>
-              <a:t>каждый раз при выводе в </a:t>
-            </a:r>
+              <a:t>представление HTTP-ответов </a:t>
+            </a:r>
+            <a:endParaRPr lang="ru-RU" dirty="0" smtClean="0"/>
+          </a:p>
+          <a:p>
+            <a:pPr lvl="2"/>
             <a:r>
               <a:rPr lang="ru-RU" dirty="0" smtClean="0"/>
-              <a:t>поток</a:t>
-            </a:r>
-            <a:endParaRPr lang="en-US" dirty="0" smtClean="0"/>
+              <a:t>предоставлять </a:t>
+            </a:r>
+            <a:r>
+              <a:rPr lang="ru-RU" dirty="0"/>
+              <a:t>удобный интерфейс для их </a:t>
+            </a:r>
+            <a:r>
+              <a:rPr lang="ru-RU" dirty="0" smtClean="0"/>
+              <a:t>создания</a:t>
+            </a:r>
           </a:p>
           <a:p>
             <a:pPr lvl="1"/>
-            <a:endParaRPr lang="en-US" dirty="0"/>
+            <a:endParaRPr lang="ru-RU" dirty="0"/>
           </a:p>
           <a:p>
             <a:pPr lvl="1"/>
             <a:r>
               <a:rPr lang="ru-RU" dirty="0" smtClean="0"/>
-              <a:t>Если у ответа есть содержимое, можно неверно указать его размер</a:t>
+              <a:t>Воспользуемся нашими четырьмя шагами</a:t>
             </a:r>
             <a:endParaRPr lang="ru-RU" dirty="0"/>
           </a:p>
@@ -46516,7 +46154,7 @@
           <a:bodyPr/>
           <a:lstStyle/>
           <a:p>
-            <a:endParaRPr lang="ru-RU" dirty="0">
+            <a:endParaRPr lang="ru-RU">
               <a:solidFill>
                 <a:srgbClr val="000000"/>
               </a:solidFill>
@@ -46542,15 +46180,15 @@
             <a:fld id="{741C03D3-FA44-40EC-9A21-1FC4FEA3E22E}" type="slidenum">
               <a:rPr lang="ru-RU" smtClean="0">
                 <a:solidFill>
-                  <a:schemeClr val="bg1"/>
+                  <a:srgbClr val="000000"/>
                 </a:solidFill>
               </a:rPr>
               <a:pPr/>
               <a:t>9</a:t>
             </a:fld>
-            <a:endParaRPr lang="ru-RU" dirty="0">
+            <a:endParaRPr lang="ru-RU">
               <a:solidFill>
-                <a:schemeClr val="bg1"/>
+                <a:srgbClr val="000000"/>
               </a:solidFill>
             </a:endParaRPr>
           </a:p>
@@ -46559,7 +46197,7 @@
     </p:spTree>
     <p:extLst>
       <p:ext uri="{BB962C8B-B14F-4D97-AF65-F5344CB8AC3E}">
-        <p14:creationId xmlns:p14="http://schemas.microsoft.com/office/powerpoint/2010/main" val="2081208361"/>
+        <p14:creationId xmlns:p14="http://schemas.microsoft.com/office/powerpoint/2010/main" val="1587362783"/>
       </p:ext>
     </p:extLst>
   </p:cSld>

--- a/slides.pptx
+++ b/slides.pptx
@@ -6,7 +6,7 @@
     <p:sldMasterId id="2147483735" r:id="rId2"/>
   </p:sldMasterIdLst>
   <p:notesMasterIdLst>
-    <p:notesMasterId r:id="rId31"/>
+    <p:notesMasterId r:id="rId30"/>
   </p:notesMasterIdLst>
   <p:sldIdLst>
     <p:sldId id="303" r:id="rId3"/>
@@ -20,23 +20,22 @@
     <p:sldId id="318" r:id="rId11"/>
     <p:sldId id="319" r:id="rId12"/>
     <p:sldId id="322" r:id="rId13"/>
-    <p:sldId id="323" r:id="rId14"/>
-    <p:sldId id="324" r:id="rId15"/>
-    <p:sldId id="325" r:id="rId16"/>
-    <p:sldId id="326" r:id="rId17"/>
-    <p:sldId id="327" r:id="rId18"/>
-    <p:sldId id="328" r:id="rId19"/>
-    <p:sldId id="329" r:id="rId20"/>
-    <p:sldId id="330" r:id="rId21"/>
-    <p:sldId id="331" r:id="rId22"/>
-    <p:sldId id="332" r:id="rId23"/>
-    <p:sldId id="333" r:id="rId24"/>
-    <p:sldId id="335" r:id="rId25"/>
-    <p:sldId id="336" r:id="rId26"/>
-    <p:sldId id="300" r:id="rId27"/>
-    <p:sldId id="309" r:id="rId28"/>
-    <p:sldId id="310" r:id="rId29"/>
-    <p:sldId id="311" r:id="rId30"/>
+    <p:sldId id="324" r:id="rId14"/>
+    <p:sldId id="325" r:id="rId15"/>
+    <p:sldId id="326" r:id="rId16"/>
+    <p:sldId id="327" r:id="rId17"/>
+    <p:sldId id="328" r:id="rId18"/>
+    <p:sldId id="329" r:id="rId19"/>
+    <p:sldId id="330" r:id="rId20"/>
+    <p:sldId id="331" r:id="rId21"/>
+    <p:sldId id="332" r:id="rId22"/>
+    <p:sldId id="333" r:id="rId23"/>
+    <p:sldId id="335" r:id="rId24"/>
+    <p:sldId id="336" r:id="rId25"/>
+    <p:sldId id="300" r:id="rId26"/>
+    <p:sldId id="309" r:id="rId27"/>
+    <p:sldId id="310" r:id="rId28"/>
+    <p:sldId id="311" r:id="rId29"/>
   </p:sldIdLst>
   <p:sldSz cx="24382413" cy="13716000"/>
   <p:notesSz cx="6858000" cy="9144000"/>
@@ -151,7 +150,6 @@
             <p14:sldId id="318"/>
             <p14:sldId id="319"/>
             <p14:sldId id="322"/>
-            <p14:sldId id="323"/>
             <p14:sldId id="324"/>
             <p14:sldId id="325"/>
             <p14:sldId id="326"/>
@@ -4932,7 +4930,7 @@
           </a:ln>
           <a:extLst>
             <a:ext uri="{C572A759-6A51-4108-AA02-DFA0A04FC94B}">
-              <ma14:wrappingTextBoxFlag xmlns:ma14="http://schemas.microsoft.com/office/mac/drawingml/2011/main" xmlns="" val="1"/>
+              <ma14:wrappingTextBoxFlag xmlns="" xmlns:ma14="http://schemas.microsoft.com/office/mac/drawingml/2011/main" val="1"/>
             </a:ext>
           </a:extLst>
         </p:spPr>
@@ -5427,7 +5425,7 @@
           </a:ln>
           <a:extLst>
             <a:ext uri="{C572A759-6A51-4108-AA02-DFA0A04FC94B}">
-              <ma14:wrappingTextBoxFlag xmlns:ma14="http://schemas.microsoft.com/office/mac/drawingml/2011/main" xmlns="" val="1"/>
+              <ma14:wrappingTextBoxFlag xmlns="" xmlns:ma14="http://schemas.microsoft.com/office/mac/drawingml/2011/main" val="1"/>
             </a:ext>
           </a:extLst>
         </p:spPr>
@@ -5573,7 +5571,7 @@
           </a:ln>
           <a:extLst>
             <a:ext uri="{C572A759-6A51-4108-AA02-DFA0A04FC94B}">
-              <ma14:wrappingTextBoxFlag xmlns:ma14="http://schemas.microsoft.com/office/mac/drawingml/2011/main" xmlns="" val="1"/>
+              <ma14:wrappingTextBoxFlag xmlns="" xmlns:ma14="http://schemas.microsoft.com/office/mac/drawingml/2011/main" val="1"/>
             </a:ext>
           </a:extLst>
         </p:spPr>
@@ -5615,7 +5613,7 @@
           </a:ln>
           <a:extLst>
             <a:ext uri="{C572A759-6A51-4108-AA02-DFA0A04FC94B}">
-              <ma14:wrappingTextBoxFlag xmlns:ma14="http://schemas.microsoft.com/office/mac/drawingml/2011/main" xmlns="" val="1"/>
+              <ma14:wrappingTextBoxFlag xmlns="" xmlns:ma14="http://schemas.microsoft.com/office/mac/drawingml/2011/main" val="1"/>
             </a:ext>
           </a:extLst>
         </p:spPr>
@@ -5811,7 +5809,7 @@
           </a:ln>
           <a:extLst>
             <a:ext uri="{C572A759-6A51-4108-AA02-DFA0A04FC94B}">
-              <ma14:wrappingTextBoxFlag xmlns:ma14="http://schemas.microsoft.com/office/mac/drawingml/2011/main" xmlns="" val="1"/>
+              <ma14:wrappingTextBoxFlag xmlns="" xmlns:ma14="http://schemas.microsoft.com/office/mac/drawingml/2011/main" val="1"/>
             </a:ext>
           </a:extLst>
         </p:spPr>
@@ -5935,7 +5933,7 @@
           </a:ln>
           <a:extLst>
             <a:ext uri="{C572A759-6A51-4108-AA02-DFA0A04FC94B}">
-              <ma14:wrappingTextBoxFlag xmlns:ma14="http://schemas.microsoft.com/office/mac/drawingml/2011/main" xmlns="" val="1"/>
+              <ma14:wrappingTextBoxFlag xmlns="" xmlns:ma14="http://schemas.microsoft.com/office/mac/drawingml/2011/main" val="1"/>
             </a:ext>
           </a:extLst>
         </p:spPr>
@@ -6029,7 +6027,7 @@
           </a:ln>
           <a:extLst>
             <a:ext uri="{C572A759-6A51-4108-AA02-DFA0A04FC94B}">
-              <ma14:wrappingTextBoxFlag xmlns:ma14="http://schemas.microsoft.com/office/mac/drawingml/2011/main" xmlns="" val="1"/>
+              <ma14:wrappingTextBoxFlag xmlns="" xmlns:ma14="http://schemas.microsoft.com/office/mac/drawingml/2011/main" val="1"/>
             </a:ext>
           </a:extLst>
         </p:spPr>
@@ -6320,7 +6318,7 @@
           </a:ln>
           <a:extLst>
             <a:ext uri="{C572A759-6A51-4108-AA02-DFA0A04FC94B}">
-              <ma14:wrappingTextBoxFlag xmlns:ma14="http://schemas.microsoft.com/office/mac/drawingml/2011/main" xmlns="" val="1"/>
+              <ma14:wrappingTextBoxFlag xmlns="" xmlns:ma14="http://schemas.microsoft.com/office/mac/drawingml/2011/main" val="1"/>
             </a:ext>
           </a:extLst>
         </p:spPr>
@@ -6811,7 +6809,7 @@
           </a:ln>
           <a:extLst>
             <a:ext uri="{C572A759-6A51-4108-AA02-DFA0A04FC94B}">
-              <ma14:wrappingTextBoxFlag xmlns:ma14="http://schemas.microsoft.com/office/mac/drawingml/2011/main" xmlns="" val="1"/>
+              <ma14:wrappingTextBoxFlag xmlns="" xmlns:ma14="http://schemas.microsoft.com/office/mac/drawingml/2011/main" val="1"/>
             </a:ext>
           </a:extLst>
         </p:spPr>
@@ -6870,7 +6868,7 @@
           </a:ln>
           <a:extLst>
             <a:ext uri="{C572A759-6A51-4108-AA02-DFA0A04FC94B}">
-              <ma14:wrappingTextBoxFlag xmlns:ma14="http://schemas.microsoft.com/office/mac/drawingml/2011/main" xmlns="" val="1"/>
+              <ma14:wrappingTextBoxFlag xmlns="" xmlns:ma14="http://schemas.microsoft.com/office/mac/drawingml/2011/main" val="1"/>
             </a:ext>
           </a:extLst>
         </p:spPr>
@@ -6979,7 +6977,7 @@
           </a:ln>
           <a:extLst>
             <a:ext uri="{C572A759-6A51-4108-AA02-DFA0A04FC94B}">
-              <ma14:wrappingTextBoxFlag xmlns:ma14="http://schemas.microsoft.com/office/mac/drawingml/2011/main" xmlns="" val="1"/>
+              <ma14:wrappingTextBoxFlag xmlns="" xmlns:ma14="http://schemas.microsoft.com/office/mac/drawingml/2011/main" val="1"/>
             </a:ext>
           </a:extLst>
         </p:spPr>
@@ -7040,7 +7038,7 @@
           </a:ln>
           <a:extLst>
             <a:ext uri="{C572A759-6A51-4108-AA02-DFA0A04FC94B}">
-              <ma14:wrappingTextBoxFlag xmlns:ma14="http://schemas.microsoft.com/office/mac/drawingml/2011/main" xmlns="" val="1"/>
+              <ma14:wrappingTextBoxFlag xmlns="" xmlns:ma14="http://schemas.microsoft.com/office/mac/drawingml/2011/main" val="1"/>
             </a:ext>
           </a:extLst>
         </p:spPr>
@@ -7120,7 +7118,7 @@
           </a:ln>
           <a:extLst>
             <a:ext uri="{C572A759-6A51-4108-AA02-DFA0A04FC94B}">
-              <ma14:wrappingTextBoxFlag xmlns:ma14="http://schemas.microsoft.com/office/mac/drawingml/2011/main" xmlns="" val="1"/>
+              <ma14:wrappingTextBoxFlag xmlns="" xmlns:ma14="http://schemas.microsoft.com/office/mac/drawingml/2011/main" val="1"/>
             </a:ext>
           </a:extLst>
         </p:spPr>
@@ -7191,7 +7189,7 @@
           </a:ln>
           <a:extLst>
             <a:ext uri="{C572A759-6A51-4108-AA02-DFA0A04FC94B}">
-              <ma14:wrappingTextBoxFlag xmlns:ma14="http://schemas.microsoft.com/office/mac/drawingml/2011/main" xmlns="" val="1"/>
+              <ma14:wrappingTextBoxFlag xmlns="" xmlns:ma14="http://schemas.microsoft.com/office/mac/drawingml/2011/main" val="1"/>
             </a:ext>
           </a:extLst>
         </p:spPr>
@@ -7247,7 +7245,7 @@
           </a:ln>
           <a:extLst>
             <a:ext uri="{C572A759-6A51-4108-AA02-DFA0A04FC94B}">
-              <ma14:wrappingTextBoxFlag xmlns:ma14="http://schemas.microsoft.com/office/mac/drawingml/2011/main" xmlns="" val="1"/>
+              <ma14:wrappingTextBoxFlag xmlns="" xmlns:ma14="http://schemas.microsoft.com/office/mac/drawingml/2011/main" val="1"/>
             </a:ext>
           </a:extLst>
         </p:spPr>
@@ -7303,7 +7301,7 @@
           </a:ln>
           <a:extLst>
             <a:ext uri="{C572A759-6A51-4108-AA02-DFA0A04FC94B}">
-              <ma14:wrappingTextBoxFlag xmlns:ma14="http://schemas.microsoft.com/office/mac/drawingml/2011/main" xmlns="" val="1"/>
+              <ma14:wrappingTextBoxFlag xmlns="" xmlns:ma14="http://schemas.microsoft.com/office/mac/drawingml/2011/main" val="1"/>
             </a:ext>
           </a:extLst>
         </p:spPr>
@@ -15151,7 +15149,7 @@
           </a:ln>
           <a:extLst>
             <a:ext uri="{C572A759-6A51-4108-AA02-DFA0A04FC94B}">
-              <ma14:wrappingTextBoxFlag xmlns:ma14="http://schemas.microsoft.com/office/mac/drawingml/2011/main" xmlns="" val="1"/>
+              <ma14:wrappingTextBoxFlag xmlns="" xmlns:ma14="http://schemas.microsoft.com/office/mac/drawingml/2011/main" val="1"/>
             </a:ext>
           </a:extLst>
         </p:spPr>
@@ -15609,7 +15607,7 @@
           </a:ln>
           <a:extLst>
             <a:ext uri="{C572A759-6A51-4108-AA02-DFA0A04FC94B}">
-              <ma14:wrappingTextBoxFlag xmlns:ma14="http://schemas.microsoft.com/office/mac/drawingml/2011/main" xmlns="" val="1"/>
+              <ma14:wrappingTextBoxFlag xmlns="" xmlns:ma14="http://schemas.microsoft.com/office/mac/drawingml/2011/main" val="1"/>
             </a:ext>
           </a:extLst>
         </p:spPr>
@@ -15845,7 +15843,7 @@
           </a:ln>
           <a:extLst>
             <a:ext uri="{C572A759-6A51-4108-AA02-DFA0A04FC94B}">
-              <ma14:wrappingTextBoxFlag xmlns:ma14="http://schemas.microsoft.com/office/mac/drawingml/2011/main" xmlns="" val="1"/>
+              <ma14:wrappingTextBoxFlag xmlns="" xmlns:ma14="http://schemas.microsoft.com/office/mac/drawingml/2011/main" val="1"/>
             </a:ext>
           </a:extLst>
         </p:spPr>
@@ -15892,7 +15890,7 @@
           </a:ln>
           <a:extLst>
             <a:ext uri="{C572A759-6A51-4108-AA02-DFA0A04FC94B}">
-              <ma14:wrappingTextBoxFlag xmlns:ma14="http://schemas.microsoft.com/office/mac/drawingml/2011/main" xmlns="" val="1"/>
+              <ma14:wrappingTextBoxFlag xmlns="" xmlns:ma14="http://schemas.microsoft.com/office/mac/drawingml/2011/main" val="1"/>
             </a:ext>
           </a:extLst>
         </p:spPr>
@@ -16124,7 +16122,7 @@
           </a:ln>
           <a:extLst>
             <a:ext uri="{C572A759-6A51-4108-AA02-DFA0A04FC94B}">
-              <ma14:wrappingTextBoxFlag xmlns:ma14="http://schemas.microsoft.com/office/mac/drawingml/2011/main" xmlns="" val="1"/>
+              <ma14:wrappingTextBoxFlag xmlns="" xmlns:ma14="http://schemas.microsoft.com/office/mac/drawingml/2011/main" val="1"/>
             </a:ext>
           </a:extLst>
         </p:spPr>
@@ -16254,7 +16252,7 @@
           </a:ln>
           <a:extLst>
             <a:ext uri="{C572A759-6A51-4108-AA02-DFA0A04FC94B}">
-              <ma14:wrappingTextBoxFlag xmlns:ma14="http://schemas.microsoft.com/office/mac/drawingml/2011/main" xmlns="" val="1"/>
+              <ma14:wrappingTextBoxFlag xmlns="" xmlns:ma14="http://schemas.microsoft.com/office/mac/drawingml/2011/main" val="1"/>
             </a:ext>
           </a:extLst>
         </p:spPr>
@@ -16369,7 +16367,7 @@
           </a:ln>
           <a:extLst>
             <a:ext uri="{C572A759-6A51-4108-AA02-DFA0A04FC94B}">
-              <ma14:wrappingTextBoxFlag xmlns:ma14="http://schemas.microsoft.com/office/mac/drawingml/2011/main" xmlns="" val="1"/>
+              <ma14:wrappingTextBoxFlag xmlns="" xmlns:ma14="http://schemas.microsoft.com/office/mac/drawingml/2011/main" val="1"/>
             </a:ext>
           </a:extLst>
         </p:spPr>
@@ -16809,7 +16807,7 @@
           </a:ln>
           <a:extLst>
             <a:ext uri="{C572A759-6A51-4108-AA02-DFA0A04FC94B}">
-              <ma14:wrappingTextBoxFlag xmlns:ma14="http://schemas.microsoft.com/office/mac/drawingml/2011/main" xmlns="" val="1"/>
+              <ma14:wrappingTextBoxFlag xmlns="" xmlns:ma14="http://schemas.microsoft.com/office/mac/drawingml/2011/main" val="1"/>
             </a:ext>
           </a:extLst>
         </p:spPr>
@@ -17075,7 +17073,7 @@
           </a:ln>
           <a:extLst>
             <a:ext uri="{C572A759-6A51-4108-AA02-DFA0A04FC94B}">
-              <ma14:wrappingTextBoxFlag xmlns:ma14="http://schemas.microsoft.com/office/mac/drawingml/2011/main" xmlns="" val="1"/>
+              <ma14:wrappingTextBoxFlag xmlns="" xmlns:ma14="http://schemas.microsoft.com/office/mac/drawingml/2011/main" val="1"/>
             </a:ext>
           </a:extLst>
         </p:spPr>
@@ -17147,7 +17145,7 @@
             </a:ln>
             <a:extLst>
               <a:ext uri="{C572A759-6A51-4108-AA02-DFA0A04FC94B}">
-                <ma14:wrappingTextBoxFlag xmlns:ma14="http://schemas.microsoft.com/office/mac/drawingml/2011/main" xmlns="" val="1"/>
+                <ma14:wrappingTextBoxFlag xmlns="" xmlns:ma14="http://schemas.microsoft.com/office/mac/drawingml/2011/main" val="1"/>
               </a:ext>
             </a:extLst>
           </p:spPr>
@@ -17224,7 +17222,7 @@
             </a:ln>
             <a:extLst>
               <a:ext uri="{C572A759-6A51-4108-AA02-DFA0A04FC94B}">
-                <ma14:wrappingTextBoxFlag xmlns:ma14="http://schemas.microsoft.com/office/mac/drawingml/2011/main" xmlns="" val="1"/>
+                <ma14:wrappingTextBoxFlag xmlns="" xmlns:ma14="http://schemas.microsoft.com/office/mac/drawingml/2011/main" val="1"/>
               </a:ext>
             </a:extLst>
           </p:spPr>
@@ -17329,7 +17327,7 @@
             </a:ln>
             <a:extLst>
               <a:ext uri="{C572A759-6A51-4108-AA02-DFA0A04FC94B}">
-                <ma14:wrappingTextBoxFlag xmlns:ma14="http://schemas.microsoft.com/office/mac/drawingml/2011/main" xmlns="" val="1"/>
+                <ma14:wrappingTextBoxFlag xmlns="" xmlns:ma14="http://schemas.microsoft.com/office/mac/drawingml/2011/main" val="1"/>
               </a:ext>
             </a:extLst>
           </p:spPr>
@@ -17409,7 +17407,7 @@
             </a:ln>
             <a:extLst>
               <a:ext uri="{C572A759-6A51-4108-AA02-DFA0A04FC94B}">
-                <ma14:wrappingTextBoxFlag xmlns:ma14="http://schemas.microsoft.com/office/mac/drawingml/2011/main" xmlns="" val="1"/>
+                <ma14:wrappingTextBoxFlag xmlns="" xmlns:ma14="http://schemas.microsoft.com/office/mac/drawingml/2011/main" val="1"/>
               </a:ext>
             </a:extLst>
           </p:spPr>
@@ -17480,7 +17478,7 @@
             </a:ln>
             <a:extLst>
               <a:ext uri="{C572A759-6A51-4108-AA02-DFA0A04FC94B}">
-                <ma14:wrappingTextBoxFlag xmlns:ma14="http://schemas.microsoft.com/office/mac/drawingml/2011/main" xmlns="" val="1"/>
+                <ma14:wrappingTextBoxFlag xmlns="" xmlns:ma14="http://schemas.microsoft.com/office/mac/drawingml/2011/main" val="1"/>
               </a:ext>
             </a:extLst>
           </p:spPr>
@@ -17543,7 +17541,7 @@
             </a:ln>
             <a:extLst>
               <a:ext uri="{C572A759-6A51-4108-AA02-DFA0A04FC94B}">
-                <ma14:wrappingTextBoxFlag xmlns:ma14="http://schemas.microsoft.com/office/mac/drawingml/2011/main" xmlns="" val="1"/>
+                <ma14:wrappingTextBoxFlag xmlns="" xmlns:ma14="http://schemas.microsoft.com/office/mac/drawingml/2011/main" val="1"/>
               </a:ext>
             </a:extLst>
           </p:spPr>
@@ -24002,7 +24000,7 @@
       </p:grpSpPr>
       <p:sp>
         <p:nvSpPr>
-          <p:cNvPr id="6" name="Объект 5"/>
+          <p:cNvPr id="5" name="Объект 4"/>
           <p:cNvSpPr>
             <a:spLocks noGrp="1"/>
           </p:cNvSpPr>
@@ -24015,22 +24013,250 @@
           <a:bodyPr/>
           <a:lstStyle/>
           <a:p>
-            <a:pPr lvl="0" defTabSz="914400" eaLnBrk="0" fontAlgn="base" hangingPunct="0">
-              <a:spcBef>
-                <a:spcPct val="0"/>
-              </a:spcBef>
-              <a:spcAft>
-                <a:spcPct val="0"/>
-              </a:spcAft>
-            </a:pPr>
             <a:r>
               <a:rPr lang="ru-RU" altLang="ru-RU" dirty="0" err="1">
                 <a:solidFill>
+                  <a:srgbClr val="FFFFFF"/>
+                </a:solidFill>
+                <a:latin typeface="Verdana" panose="020B0604030504040204" pitchFamily="34" charset="0"/>
+              </a:rPr>
+              <a:t>enum</a:t>
+            </a:r>
+            <a:r>
+              <a:rPr lang="ru-RU" altLang="ru-RU" dirty="0">
+                <a:solidFill>
+                  <a:srgbClr val="FFFFFF"/>
+                </a:solidFill>
+                <a:latin typeface="Verdana" panose="020B0604030504040204" pitchFamily="34" charset="0"/>
+              </a:rPr>
+              <a:t> </a:t>
+            </a:r>
+            <a:r>
+              <a:rPr lang="ru-RU" altLang="ru-RU" dirty="0" err="1">
+                <a:solidFill>
+                  <a:srgbClr val="FFFFFF"/>
+                </a:solidFill>
+                <a:latin typeface="Verdana" panose="020B0604030504040204" pitchFamily="34" charset="0"/>
+              </a:rPr>
+              <a:t>class</a:t>
+            </a:r>
+            <a:r>
+              <a:rPr lang="ru-RU" altLang="ru-RU" dirty="0">
+                <a:solidFill>
+                  <a:srgbClr val="FFFFFF"/>
+                </a:solidFill>
+                <a:latin typeface="Verdana" panose="020B0604030504040204" pitchFamily="34" charset="0"/>
+              </a:rPr>
+              <a:t> </a:t>
+            </a:r>
+            <a:r>
+              <a:rPr lang="ru-RU" altLang="ru-RU" dirty="0" err="1">
+                <a:solidFill>
                   <a:srgbClr val="FFCC00"/>
                 </a:solidFill>
                 <a:latin typeface="Verdana" panose="020B0604030504040204" pitchFamily="34" charset="0"/>
-                <a:ea typeface="Verdana" panose="020B0604030504040204" pitchFamily="34" charset="0"/>
-                <a:cs typeface="Verdana" panose="020B0604030504040204" pitchFamily="34" charset="0"/>
+              </a:rPr>
+              <a:t>HttpCode</a:t>
+            </a:r>
+            <a:r>
+              <a:rPr lang="ru-RU" altLang="ru-RU" dirty="0">
+                <a:solidFill>
+                  <a:srgbClr val="FFCC00"/>
+                </a:solidFill>
+                <a:latin typeface="Verdana" panose="020B0604030504040204" pitchFamily="34" charset="0"/>
+              </a:rPr>
+              <a:t> </a:t>
+            </a:r>
+            <a:r>
+              <a:rPr lang="ru-RU" altLang="ru-RU" dirty="0">
+                <a:solidFill>
+                  <a:srgbClr val="FFFFFF"/>
+                </a:solidFill>
+                <a:latin typeface="Verdana" panose="020B0604030504040204" pitchFamily="34" charset="0"/>
+              </a:rPr>
+              <a:t>{</a:t>
+            </a:r>
+            <a:br>
+              <a:rPr lang="ru-RU" altLang="ru-RU" dirty="0">
+                <a:solidFill>
+                  <a:srgbClr val="FFFFFF"/>
+                </a:solidFill>
+                <a:latin typeface="Verdana" panose="020B0604030504040204" pitchFamily="34" charset="0"/>
+              </a:rPr>
+            </a:br>
+            <a:r>
+              <a:rPr lang="ru-RU" altLang="ru-RU" dirty="0">
+                <a:solidFill>
+                  <a:srgbClr val="FFFFFF"/>
+                </a:solidFill>
+                <a:latin typeface="Verdana" panose="020B0604030504040204" pitchFamily="34" charset="0"/>
+              </a:rPr>
+              <a:t>    </a:t>
+            </a:r>
+            <a:r>
+              <a:rPr lang="ru-RU" altLang="ru-RU" dirty="0">
+                <a:solidFill>
+                  <a:srgbClr val="5BCD9D"/>
+                </a:solidFill>
+                <a:latin typeface="Verdana" panose="020B0604030504040204" pitchFamily="34" charset="0"/>
+              </a:rPr>
+              <a:t>OK </a:t>
+            </a:r>
+            <a:r>
+              <a:rPr lang="ru-RU" altLang="ru-RU" dirty="0">
+                <a:solidFill>
+                  <a:srgbClr val="FFFFFF"/>
+                </a:solidFill>
+                <a:latin typeface="Verdana" panose="020B0604030504040204" pitchFamily="34" charset="0"/>
+              </a:rPr>
+              <a:t>= </a:t>
+            </a:r>
+            <a:r>
+              <a:rPr lang="ru-RU" altLang="ru-RU" dirty="0">
+                <a:solidFill>
+                  <a:srgbClr val="6897BB"/>
+                </a:solidFill>
+                <a:latin typeface="Verdana" panose="020B0604030504040204" pitchFamily="34" charset="0"/>
+              </a:rPr>
+              <a:t>200</a:t>
+            </a:r>
+            <a:r>
+              <a:rPr lang="ru-RU" altLang="ru-RU" dirty="0">
+                <a:solidFill>
+                  <a:srgbClr val="FFFFFF"/>
+                </a:solidFill>
+                <a:latin typeface="Verdana" panose="020B0604030504040204" pitchFamily="34" charset="0"/>
+              </a:rPr>
+              <a:t>,</a:t>
+            </a:r>
+            <a:br>
+              <a:rPr lang="ru-RU" altLang="ru-RU" dirty="0">
+                <a:solidFill>
+                  <a:srgbClr val="FFFFFF"/>
+                </a:solidFill>
+                <a:latin typeface="Verdana" panose="020B0604030504040204" pitchFamily="34" charset="0"/>
+              </a:rPr>
+            </a:br>
+            <a:r>
+              <a:rPr lang="ru-RU" altLang="ru-RU" dirty="0">
+                <a:solidFill>
+                  <a:srgbClr val="FFFFFF"/>
+                </a:solidFill>
+                <a:latin typeface="Verdana" panose="020B0604030504040204" pitchFamily="34" charset="0"/>
+              </a:rPr>
+              <a:t>    </a:t>
+            </a:r>
+            <a:r>
+              <a:rPr lang="ru-RU" altLang="ru-RU" dirty="0" err="1">
+                <a:solidFill>
+                  <a:srgbClr val="5BCD9D"/>
+                </a:solidFill>
+                <a:latin typeface="Verdana" panose="020B0604030504040204" pitchFamily="34" charset="0"/>
+              </a:rPr>
+              <a:t>NotFound</a:t>
+            </a:r>
+            <a:r>
+              <a:rPr lang="ru-RU" altLang="ru-RU" dirty="0">
+                <a:solidFill>
+                  <a:srgbClr val="5BCD9D"/>
+                </a:solidFill>
+                <a:latin typeface="Verdana" panose="020B0604030504040204" pitchFamily="34" charset="0"/>
+              </a:rPr>
+              <a:t> </a:t>
+            </a:r>
+            <a:r>
+              <a:rPr lang="ru-RU" altLang="ru-RU" dirty="0">
+                <a:solidFill>
+                  <a:srgbClr val="FFFFFF"/>
+                </a:solidFill>
+                <a:latin typeface="Verdana" panose="020B0604030504040204" pitchFamily="34" charset="0"/>
+              </a:rPr>
+              <a:t>= </a:t>
+            </a:r>
+            <a:r>
+              <a:rPr lang="ru-RU" altLang="ru-RU" dirty="0">
+                <a:solidFill>
+                  <a:srgbClr val="6897BB"/>
+                </a:solidFill>
+                <a:latin typeface="Verdana" panose="020B0604030504040204" pitchFamily="34" charset="0"/>
+              </a:rPr>
+              <a:t>404</a:t>
+            </a:r>
+            <a:r>
+              <a:rPr lang="ru-RU" altLang="ru-RU" dirty="0">
+                <a:solidFill>
+                  <a:srgbClr val="FFFFFF"/>
+                </a:solidFill>
+                <a:latin typeface="Verdana" panose="020B0604030504040204" pitchFamily="34" charset="0"/>
+              </a:rPr>
+              <a:t>,</a:t>
+            </a:r>
+            <a:br>
+              <a:rPr lang="ru-RU" altLang="ru-RU" dirty="0">
+                <a:solidFill>
+                  <a:srgbClr val="FFFFFF"/>
+                </a:solidFill>
+                <a:latin typeface="Verdana" panose="020B0604030504040204" pitchFamily="34" charset="0"/>
+              </a:rPr>
+            </a:br>
+            <a:r>
+              <a:rPr lang="ru-RU" altLang="ru-RU" dirty="0">
+                <a:solidFill>
+                  <a:srgbClr val="FFFFFF"/>
+                </a:solidFill>
+                <a:latin typeface="Verdana" panose="020B0604030504040204" pitchFamily="34" charset="0"/>
+              </a:rPr>
+              <a:t>};</a:t>
+            </a:r>
+            <a:br>
+              <a:rPr lang="ru-RU" altLang="ru-RU" dirty="0">
+                <a:solidFill>
+                  <a:srgbClr val="FFFFFF"/>
+                </a:solidFill>
+                <a:latin typeface="Verdana" panose="020B0604030504040204" pitchFamily="34" charset="0"/>
+              </a:rPr>
+            </a:br>
+            <a:r>
+              <a:rPr lang="ru-RU" altLang="ru-RU" dirty="0">
+                <a:solidFill>
+                  <a:srgbClr val="FFFFFF"/>
+                </a:solidFill>
+                <a:latin typeface="Verdana" panose="020B0604030504040204" pitchFamily="34" charset="0"/>
+              </a:rPr>
+              <a:t/>
+            </a:r>
+            <a:br>
+              <a:rPr lang="ru-RU" altLang="ru-RU" dirty="0">
+                <a:solidFill>
+                  <a:srgbClr val="FFFFFF"/>
+                </a:solidFill>
+                <a:latin typeface="Verdana" panose="020B0604030504040204" pitchFamily="34" charset="0"/>
+              </a:rPr>
+            </a:br>
+            <a:r>
+              <a:rPr lang="ru-RU" altLang="ru-RU" dirty="0" err="1">
+                <a:solidFill>
+                  <a:srgbClr val="FFFFFF"/>
+                </a:solidFill>
+                <a:latin typeface="Verdana" panose="020B0604030504040204" pitchFamily="34" charset="0"/>
+              </a:rPr>
+              <a:t>class</a:t>
+            </a:r>
+            <a:r>
+              <a:rPr lang="ru-RU" altLang="ru-RU" dirty="0">
+                <a:solidFill>
+                  <a:srgbClr val="FFFFFF"/>
+                </a:solidFill>
+                <a:latin typeface="Verdana" panose="020B0604030504040204" pitchFamily="34" charset="0"/>
+              </a:rPr>
+              <a:t> </a:t>
+            </a:r>
+            <a:r>
+              <a:rPr lang="ru-RU" altLang="ru-RU" dirty="0" err="1">
+                <a:solidFill>
+                  <a:srgbClr val="FFCC00"/>
+                </a:solidFill>
+                <a:latin typeface="Verdana" panose="020B0604030504040204" pitchFamily="34" charset="0"/>
               </a:rPr>
               <a:t>HttpResponse</a:t>
             </a:r>
@@ -24040,19 +24266,452 @@
                   <a:srgbClr val="FFCC00"/>
                 </a:solidFill>
                 <a:latin typeface="Verdana" panose="020B0604030504040204" pitchFamily="34" charset="0"/>
-                <a:ea typeface="Verdana" panose="020B0604030504040204" pitchFamily="34" charset="0"/>
-                <a:cs typeface="Verdana" panose="020B0604030504040204" pitchFamily="34" charset="0"/>
               </a:rPr>
               <a:t> </a:t>
             </a:r>
             <a:r>
+              <a:rPr lang="ru-RU" altLang="ru-RU" dirty="0">
+                <a:solidFill>
+                  <a:srgbClr val="FFFFFF"/>
+                </a:solidFill>
+                <a:latin typeface="Verdana" panose="020B0604030504040204" pitchFamily="34" charset="0"/>
+              </a:rPr>
+              <a:t>{</a:t>
+            </a:r>
+            <a:br>
+              <a:rPr lang="ru-RU" altLang="ru-RU" dirty="0">
+                <a:solidFill>
+                  <a:srgbClr val="FFFFFF"/>
+                </a:solidFill>
+                <a:latin typeface="Verdana" panose="020B0604030504040204" pitchFamily="34" charset="0"/>
+              </a:rPr>
+            </a:br>
+            <a:r>
               <a:rPr lang="ru-RU" altLang="ru-RU" dirty="0" err="1">
                 <a:solidFill>
+                  <a:srgbClr val="FFFFFF"/>
+                </a:solidFill>
+                <a:latin typeface="Verdana" panose="020B0604030504040204" pitchFamily="34" charset="0"/>
+              </a:rPr>
+              <a:t>public</a:t>
+            </a:r>
+            <a:r>
+              <a:rPr lang="ru-RU" altLang="ru-RU" dirty="0">
+                <a:solidFill>
+                  <a:srgbClr val="FFFFFF"/>
+                </a:solidFill>
+                <a:latin typeface="Verdana" panose="020B0604030504040204" pitchFamily="34" charset="0"/>
+              </a:rPr>
+              <a:t>:</a:t>
+            </a:r>
+            <a:br>
+              <a:rPr lang="ru-RU" altLang="ru-RU" dirty="0">
+                <a:solidFill>
+                  <a:srgbClr val="FFFFFF"/>
+                </a:solidFill>
+                <a:latin typeface="Verdana" panose="020B0604030504040204" pitchFamily="34" charset="0"/>
+              </a:rPr>
+            </a:br>
+            <a:r>
+              <a:rPr lang="ru-RU" altLang="ru-RU" dirty="0">
+                <a:solidFill>
+                  <a:srgbClr val="FFFFFF"/>
+                </a:solidFill>
+                <a:latin typeface="Verdana" panose="020B0604030504040204" pitchFamily="34" charset="0"/>
+              </a:rPr>
+              <a:t>    </a:t>
+            </a:r>
+            <a:r>
+              <a:rPr lang="ru-RU" altLang="ru-RU" dirty="0" err="1">
+                <a:solidFill>
+                  <a:srgbClr val="FFFFFF"/>
+                </a:solidFill>
+                <a:latin typeface="Verdana" panose="020B0604030504040204" pitchFamily="34" charset="0"/>
+              </a:rPr>
+              <a:t>explicit</a:t>
+            </a:r>
+            <a:r>
+              <a:rPr lang="ru-RU" altLang="ru-RU" dirty="0">
+                <a:solidFill>
+                  <a:srgbClr val="FFFFFF"/>
+                </a:solidFill>
+                <a:latin typeface="Verdana" panose="020B0604030504040204" pitchFamily="34" charset="0"/>
+              </a:rPr>
+              <a:t> </a:t>
+            </a:r>
+            <a:r>
+              <a:rPr lang="ru-RU" altLang="ru-RU" dirty="0" err="1">
+                <a:solidFill>
+                  <a:srgbClr val="FFCC00"/>
+                </a:solidFill>
+                <a:latin typeface="Verdana" panose="020B0604030504040204" pitchFamily="34" charset="0"/>
+              </a:rPr>
+              <a:t>HttpResponse</a:t>
+            </a:r>
+            <a:r>
+              <a:rPr lang="ru-RU" altLang="ru-RU" dirty="0">
+                <a:solidFill>
+                  <a:srgbClr val="FFFFFF"/>
+                </a:solidFill>
+                <a:latin typeface="Verdana" panose="020B0604030504040204" pitchFamily="34" charset="0"/>
+              </a:rPr>
+              <a:t>(</a:t>
+            </a:r>
+            <a:r>
+              <a:rPr lang="ru-RU" altLang="ru-RU" dirty="0" err="1">
+                <a:solidFill>
+                  <a:schemeClr val="accent4"/>
+                </a:solidFill>
+                <a:latin typeface="Verdana" panose="020B0604030504040204" pitchFamily="34" charset="0"/>
+              </a:rPr>
+              <a:t>HttpCode</a:t>
+            </a:r>
+            <a:r>
+              <a:rPr lang="ru-RU" altLang="ru-RU" dirty="0">
+                <a:solidFill>
+                  <a:schemeClr val="accent4"/>
+                </a:solidFill>
+                <a:latin typeface="Verdana" panose="020B0604030504040204" pitchFamily="34" charset="0"/>
+              </a:rPr>
+              <a:t> </a:t>
+            </a:r>
+            <a:r>
+              <a:rPr lang="ru-RU" altLang="ru-RU" dirty="0" err="1">
+                <a:solidFill>
+                  <a:schemeClr val="accent4"/>
+                </a:solidFill>
+                <a:latin typeface="Verdana" panose="020B0604030504040204" pitchFamily="34" charset="0"/>
+              </a:rPr>
+              <a:t>code</a:t>
+            </a:r>
+            <a:r>
+              <a:rPr lang="ru-RU" altLang="ru-RU" dirty="0">
+                <a:solidFill>
+                  <a:srgbClr val="FFFFFF"/>
+                </a:solidFill>
+                <a:latin typeface="Verdana" panose="020B0604030504040204" pitchFamily="34" charset="0"/>
+              </a:rPr>
+              <a:t>);</a:t>
+            </a:r>
+            <a:br>
+              <a:rPr lang="ru-RU" altLang="ru-RU" dirty="0">
+                <a:solidFill>
+                  <a:srgbClr val="FFFFFF"/>
+                </a:solidFill>
+                <a:latin typeface="Verdana" panose="020B0604030504040204" pitchFamily="34" charset="0"/>
+              </a:rPr>
+            </a:br>
+            <a:r>
+              <a:rPr lang="ru-RU" altLang="ru-RU" dirty="0">
+                <a:solidFill>
+                  <a:srgbClr val="FFFFFF"/>
+                </a:solidFill>
+                <a:latin typeface="Verdana" panose="020B0604030504040204" pitchFamily="34" charset="0"/>
+              </a:rPr>
+              <a:t>    </a:t>
+            </a:r>
+            <a:r>
+              <a:rPr lang="ru-RU" altLang="ru-RU" dirty="0" err="1">
+                <a:solidFill>
+                  <a:schemeClr val="accent4"/>
+                </a:solidFill>
+                <a:latin typeface="Verdana" panose="020B0604030504040204" pitchFamily="34" charset="0"/>
+              </a:rPr>
+              <a:t>HttpResponse</a:t>
+            </a:r>
+            <a:r>
+              <a:rPr lang="ru-RU" altLang="ru-RU" dirty="0">
+                <a:solidFill>
+                  <a:schemeClr val="accent4"/>
+                </a:solidFill>
+                <a:latin typeface="Verdana" panose="020B0604030504040204" pitchFamily="34" charset="0"/>
+              </a:rPr>
+              <a:t>&amp;</a:t>
+            </a:r>
+            <a:r>
+              <a:rPr lang="ru-RU" altLang="ru-RU" dirty="0">
+                <a:solidFill>
+                  <a:srgbClr val="FFFFFF"/>
+                </a:solidFill>
+                <a:latin typeface="Verdana" panose="020B0604030504040204" pitchFamily="34" charset="0"/>
+              </a:rPr>
+              <a:t> </a:t>
+            </a:r>
+            <a:r>
+              <a:rPr lang="ru-RU" altLang="ru-RU" dirty="0" err="1">
+                <a:solidFill>
+                  <a:srgbClr val="FFCC00"/>
+                </a:solidFill>
+                <a:latin typeface="Verdana" panose="020B0604030504040204" pitchFamily="34" charset="0"/>
+              </a:rPr>
+              <a:t>SetContent</a:t>
+            </a:r>
+            <a:r>
+              <a:rPr lang="ru-RU" altLang="ru-RU" dirty="0">
+                <a:solidFill>
+                  <a:srgbClr val="FFFFFF"/>
+                </a:solidFill>
+                <a:latin typeface="Verdana" panose="020B0604030504040204" pitchFamily="34" charset="0"/>
+              </a:rPr>
+              <a:t>(</a:t>
+            </a:r>
+            <a:r>
+              <a:rPr lang="ru-RU" altLang="ru-RU" dirty="0" err="1">
+                <a:solidFill>
+                  <a:srgbClr val="9E64A9"/>
+                </a:solidFill>
+                <a:latin typeface="Verdana" panose="020B0604030504040204" pitchFamily="34" charset="0"/>
+              </a:rPr>
+              <a:t>std</a:t>
+            </a:r>
+            <a:r>
+              <a:rPr lang="ru-RU" altLang="ru-RU" dirty="0">
+                <a:solidFill>
+                  <a:srgbClr val="FFFFFF"/>
+                </a:solidFill>
+                <a:latin typeface="Verdana" panose="020B0604030504040204" pitchFamily="34" charset="0"/>
+              </a:rPr>
+              <a:t>::</a:t>
+            </a:r>
+            <a:r>
+              <a:rPr lang="ru-RU" altLang="ru-RU" dirty="0" err="1">
+                <a:solidFill>
+                  <a:srgbClr val="FFCC00"/>
+                </a:solidFill>
+                <a:latin typeface="Verdana" panose="020B0604030504040204" pitchFamily="34" charset="0"/>
+              </a:rPr>
+              <a:t>string</a:t>
+            </a:r>
+            <a:r>
+              <a:rPr lang="ru-RU" altLang="ru-RU" dirty="0">
+                <a:solidFill>
+                  <a:srgbClr val="FFCC00"/>
+                </a:solidFill>
+                <a:latin typeface="Verdana" panose="020B0604030504040204" pitchFamily="34" charset="0"/>
+              </a:rPr>
+              <a:t> </a:t>
+            </a:r>
+            <a:r>
+              <a:rPr lang="ru-RU" altLang="ru-RU" dirty="0" err="1">
+                <a:solidFill>
                   <a:srgbClr val="5BCD9D"/>
                 </a:solidFill>
                 <a:latin typeface="Verdana" panose="020B0604030504040204" pitchFamily="34" charset="0"/>
-                <a:ea typeface="Verdana" panose="020B0604030504040204" pitchFamily="34" charset="0"/>
-                <a:cs typeface="Verdana" panose="020B0604030504040204" pitchFamily="34" charset="0"/>
+              </a:rPr>
+              <a:t>value</a:t>
+            </a:r>
+            <a:r>
+              <a:rPr lang="ru-RU" altLang="ru-RU" dirty="0">
+                <a:solidFill>
+                  <a:srgbClr val="FFFFFF"/>
+                </a:solidFill>
+                <a:latin typeface="Verdana" panose="020B0604030504040204" pitchFamily="34" charset="0"/>
+              </a:rPr>
+              <a:t>);</a:t>
+            </a:r>
+            <a:br>
+              <a:rPr lang="ru-RU" altLang="ru-RU" dirty="0">
+                <a:solidFill>
+                  <a:srgbClr val="FFFFFF"/>
+                </a:solidFill>
+                <a:latin typeface="Verdana" panose="020B0604030504040204" pitchFamily="34" charset="0"/>
+              </a:rPr>
+            </a:br>
+            <a:r>
+              <a:rPr lang="ru-RU" altLang="ru-RU" dirty="0">
+                <a:solidFill>
+                  <a:srgbClr val="FFFFFF"/>
+                </a:solidFill>
+                <a:latin typeface="Verdana" panose="020B0604030504040204" pitchFamily="34" charset="0"/>
+              </a:rPr>
+              <a:t>    </a:t>
+            </a:r>
+            <a:r>
+              <a:rPr lang="ru-RU" altLang="ru-RU" dirty="0" err="1">
+                <a:solidFill>
+                  <a:srgbClr val="FFFFFF"/>
+                </a:solidFill>
+                <a:latin typeface="Verdana" panose="020B0604030504040204" pitchFamily="34" charset="0"/>
+              </a:rPr>
+              <a:t>friend</a:t>
+            </a:r>
+            <a:r>
+              <a:rPr lang="ru-RU" altLang="ru-RU" dirty="0">
+                <a:solidFill>
+                  <a:srgbClr val="FFFFFF"/>
+                </a:solidFill>
+                <a:latin typeface="Verdana" panose="020B0604030504040204" pitchFamily="34" charset="0"/>
+              </a:rPr>
+              <a:t> </a:t>
+            </a:r>
+            <a:r>
+              <a:rPr lang="ru-RU" altLang="ru-RU" dirty="0" err="1">
+                <a:solidFill>
+                  <a:srgbClr val="9E64A9"/>
+                </a:solidFill>
+                <a:latin typeface="Verdana" panose="020B0604030504040204" pitchFamily="34" charset="0"/>
+              </a:rPr>
+              <a:t>std</a:t>
+            </a:r>
+            <a:r>
+              <a:rPr lang="ru-RU" altLang="ru-RU" dirty="0">
+                <a:solidFill>
+                  <a:srgbClr val="FFFFFF"/>
+                </a:solidFill>
+                <a:latin typeface="Verdana" panose="020B0604030504040204" pitchFamily="34" charset="0"/>
+              </a:rPr>
+              <a:t>::</a:t>
+            </a:r>
+            <a:r>
+              <a:rPr lang="ru-RU" altLang="ru-RU" dirty="0" err="1">
+                <a:solidFill>
+                  <a:srgbClr val="FFCC00"/>
+                </a:solidFill>
+                <a:latin typeface="Verdana" panose="020B0604030504040204" pitchFamily="34" charset="0"/>
+              </a:rPr>
+              <a:t>ostream</a:t>
+            </a:r>
+            <a:r>
+              <a:rPr lang="ru-RU" altLang="ru-RU" dirty="0">
+                <a:solidFill>
+                  <a:srgbClr val="FFFFFF"/>
+                </a:solidFill>
+                <a:latin typeface="Verdana" panose="020B0604030504040204" pitchFamily="34" charset="0"/>
+              </a:rPr>
+              <a:t>&amp; </a:t>
+            </a:r>
+            <a:r>
+              <a:rPr lang="ru-RU" altLang="ru-RU" dirty="0" err="1">
+                <a:solidFill>
+                  <a:srgbClr val="FFFFFF"/>
+                </a:solidFill>
+                <a:latin typeface="Verdana" panose="020B0604030504040204" pitchFamily="34" charset="0"/>
+              </a:rPr>
+              <a:t>operator</a:t>
+            </a:r>
+            <a:r>
+              <a:rPr lang="ru-RU" altLang="ru-RU" dirty="0">
+                <a:solidFill>
+                  <a:srgbClr val="FFFFFF"/>
+                </a:solidFill>
+                <a:latin typeface="Verdana" panose="020B0604030504040204" pitchFamily="34" charset="0"/>
+              </a:rPr>
+              <a:t> </a:t>
+            </a:r>
+            <a:r>
+              <a:rPr lang="ru-RU" altLang="ru-RU" dirty="0">
+                <a:solidFill>
+                  <a:srgbClr val="FFCC00"/>
+                </a:solidFill>
+                <a:latin typeface="Verdana" panose="020B0604030504040204" pitchFamily="34" charset="0"/>
+              </a:rPr>
+              <a:t>&lt;&lt; </a:t>
+            </a:r>
+            <a:r>
+              <a:rPr lang="ru-RU" altLang="ru-RU" dirty="0">
+                <a:solidFill>
+                  <a:srgbClr val="FFFFFF"/>
+                </a:solidFill>
+                <a:latin typeface="Verdana" panose="020B0604030504040204" pitchFamily="34" charset="0"/>
+              </a:rPr>
+              <a:t>(</a:t>
+            </a:r>
+            <a:r>
+              <a:rPr lang="ru-RU" altLang="ru-RU" dirty="0" err="1">
+                <a:solidFill>
+                  <a:srgbClr val="9E64A9"/>
+                </a:solidFill>
+                <a:latin typeface="Verdana" panose="020B0604030504040204" pitchFamily="34" charset="0"/>
+              </a:rPr>
+              <a:t>std</a:t>
+            </a:r>
+            <a:r>
+              <a:rPr lang="ru-RU" altLang="ru-RU" dirty="0">
+                <a:solidFill>
+                  <a:srgbClr val="FFFFFF"/>
+                </a:solidFill>
+                <a:latin typeface="Verdana" panose="020B0604030504040204" pitchFamily="34" charset="0"/>
+              </a:rPr>
+              <a:t>::</a:t>
+            </a:r>
+            <a:r>
+              <a:rPr lang="ru-RU" altLang="ru-RU" dirty="0" err="1">
+                <a:solidFill>
+                  <a:srgbClr val="FFCC00"/>
+                </a:solidFill>
+                <a:latin typeface="Verdana" panose="020B0604030504040204" pitchFamily="34" charset="0"/>
+              </a:rPr>
+              <a:t>ostream</a:t>
+            </a:r>
+            <a:r>
+              <a:rPr lang="ru-RU" altLang="ru-RU" dirty="0">
+                <a:solidFill>
+                  <a:srgbClr val="FFFFFF"/>
+                </a:solidFill>
+                <a:latin typeface="Verdana" panose="020B0604030504040204" pitchFamily="34" charset="0"/>
+              </a:rPr>
+              <a:t>&amp; </a:t>
+            </a:r>
+            <a:r>
+              <a:rPr lang="ru-RU" altLang="ru-RU" dirty="0" err="1">
+                <a:solidFill>
+                  <a:srgbClr val="5BCD9D"/>
+                </a:solidFill>
+                <a:latin typeface="Verdana" panose="020B0604030504040204" pitchFamily="34" charset="0"/>
+              </a:rPr>
+              <a:t>os</a:t>
+            </a:r>
+            <a:r>
+              <a:rPr lang="ru-RU" altLang="ru-RU" dirty="0">
+                <a:solidFill>
+                  <a:srgbClr val="FFFFFF"/>
+                </a:solidFill>
+                <a:latin typeface="Verdana" panose="020B0604030504040204" pitchFamily="34" charset="0"/>
+              </a:rPr>
+              <a:t>, </a:t>
+            </a:r>
+            <a:r>
+              <a:rPr lang="ru-RU" altLang="ru-RU" dirty="0" err="1">
+                <a:solidFill>
+                  <a:srgbClr val="FFFFFF"/>
+                </a:solidFill>
+                <a:latin typeface="Verdana" panose="020B0604030504040204" pitchFamily="34" charset="0"/>
+              </a:rPr>
+              <a:t>const</a:t>
+            </a:r>
+            <a:r>
+              <a:rPr lang="ru-RU" altLang="ru-RU" dirty="0">
+                <a:solidFill>
+                  <a:srgbClr val="FFFFFF"/>
+                </a:solidFill>
+                <a:latin typeface="Verdana" panose="020B0604030504040204" pitchFamily="34" charset="0"/>
+              </a:rPr>
+              <a:t> </a:t>
+            </a:r>
+            <a:r>
+              <a:rPr lang="ru-RU" altLang="ru-RU" dirty="0" err="1">
+                <a:solidFill>
+                  <a:srgbClr val="FFCC00"/>
+                </a:solidFill>
+                <a:latin typeface="Verdana" panose="020B0604030504040204" pitchFamily="34" charset="0"/>
+              </a:rPr>
+              <a:t>HttpResponse</a:t>
+            </a:r>
+            <a:r>
+              <a:rPr lang="ru-RU" altLang="ru-RU" dirty="0">
+                <a:solidFill>
+                  <a:srgbClr val="FFFFFF"/>
+                </a:solidFill>
+                <a:latin typeface="Verdana" panose="020B0604030504040204" pitchFamily="34" charset="0"/>
+              </a:rPr>
+              <a:t>&amp; </a:t>
+            </a:r>
+            <a:r>
+              <a:rPr lang="ru-RU" altLang="ru-RU" dirty="0" err="1">
+                <a:solidFill>
+                  <a:srgbClr val="5BCD9D"/>
+                </a:solidFill>
+                <a:latin typeface="Verdana" panose="020B0604030504040204" pitchFamily="34" charset="0"/>
               </a:rPr>
               <a:t>resp</a:t>
             </a:r>
@@ -24062,30 +24721,6 @@
                   <a:srgbClr val="FFFFFF"/>
                 </a:solidFill>
                 <a:latin typeface="Verdana" panose="020B0604030504040204" pitchFamily="34" charset="0"/>
-                <a:ea typeface="Verdana" panose="020B0604030504040204" pitchFamily="34" charset="0"/>
-                <a:cs typeface="Verdana" panose="020B0604030504040204" pitchFamily="34" charset="0"/>
-              </a:rPr>
-              <a:t>(</a:t>
-            </a:r>
-            <a:r>
-              <a:rPr lang="ru-RU" altLang="ru-RU" dirty="0">
-                <a:solidFill>
-                  <a:srgbClr val="6897BB"/>
-                </a:solidFill>
-                <a:latin typeface="Verdana" panose="020B0604030504040204" pitchFamily="34" charset="0"/>
-                <a:ea typeface="Verdana" panose="020B0604030504040204" pitchFamily="34" charset="0"/>
-                <a:cs typeface="Verdana" panose="020B0604030504040204" pitchFamily="34" charset="0"/>
-              </a:rPr>
-              <a:t>200</a:t>
-            </a:r>
-            <a:r>
-              <a:rPr lang="ru-RU" altLang="ru-RU" dirty="0">
-                <a:solidFill>
-                  <a:srgbClr val="FFFFFF"/>
-                </a:solidFill>
-                <a:latin typeface="Verdana" panose="020B0604030504040204" pitchFamily="34" charset="0"/>
-                <a:ea typeface="Verdana" panose="020B0604030504040204" pitchFamily="34" charset="0"/>
-                <a:cs typeface="Verdana" panose="020B0604030504040204" pitchFamily="34" charset="0"/>
               </a:rPr>
               <a:t>);</a:t>
             </a:r>
@@ -24095,174 +24730,16 @@
                   <a:srgbClr val="FFFFFF"/>
                 </a:solidFill>
                 <a:latin typeface="Verdana" panose="020B0604030504040204" pitchFamily="34" charset="0"/>
-                <a:ea typeface="Verdana" panose="020B0604030504040204" pitchFamily="34" charset="0"/>
-                <a:cs typeface="Verdana" panose="020B0604030504040204" pitchFamily="34" charset="0"/>
               </a:rPr>
             </a:br>
             <a:r>
-              <a:rPr lang="ru-RU" altLang="ru-RU" dirty="0" err="1">
-                <a:solidFill>
-                  <a:srgbClr val="5BCD9D"/>
-                </a:solidFill>
-                <a:latin typeface="Verdana" panose="020B0604030504040204" pitchFamily="34" charset="0"/>
-                <a:ea typeface="Verdana" panose="020B0604030504040204" pitchFamily="34" charset="0"/>
-                <a:cs typeface="Verdana" panose="020B0604030504040204" pitchFamily="34" charset="0"/>
-              </a:rPr>
-              <a:t>resp</a:t>
-            </a:r>
-            <a:r>
-              <a:rPr lang="ru-RU" altLang="ru-RU" dirty="0" err="1">
-                <a:solidFill>
-                  <a:srgbClr val="FFFFFF"/>
-                </a:solidFill>
-                <a:latin typeface="Verdana" panose="020B0604030504040204" pitchFamily="34" charset="0"/>
-                <a:ea typeface="Verdana" panose="020B0604030504040204" pitchFamily="34" charset="0"/>
-                <a:cs typeface="Verdana" panose="020B0604030504040204" pitchFamily="34" charset="0"/>
-              </a:rPr>
-              <a:t>.</a:t>
-            </a:r>
-            <a:r>
-              <a:rPr lang="ru-RU" altLang="ru-RU" dirty="0" err="1">
-                <a:solidFill>
-                  <a:srgbClr val="FFCC00"/>
-                </a:solidFill>
-                <a:latin typeface="Verdana" panose="020B0604030504040204" pitchFamily="34" charset="0"/>
-                <a:ea typeface="Verdana" panose="020B0604030504040204" pitchFamily="34" charset="0"/>
-                <a:cs typeface="Verdana" panose="020B0604030504040204" pitchFamily="34" charset="0"/>
-              </a:rPr>
-              <a:t>SetContent</a:t>
-            </a:r>
-            <a:r>
-              <a:rPr lang="ru-RU" altLang="ru-RU" dirty="0">
-                <a:solidFill>
-                  <a:srgbClr val="FFFFFF"/>
-                </a:solidFill>
-                <a:latin typeface="Verdana" panose="020B0604030504040204" pitchFamily="34" charset="0"/>
-                <a:ea typeface="Verdana" panose="020B0604030504040204" pitchFamily="34" charset="0"/>
-                <a:cs typeface="Verdana" panose="020B0604030504040204" pitchFamily="34" charset="0"/>
-              </a:rPr>
-              <a:t>(</a:t>
-            </a:r>
-            <a:r>
-              <a:rPr lang="ru-RU" altLang="ru-RU" dirty="0" err="1">
-                <a:solidFill>
-                  <a:srgbClr val="9E64A9"/>
-                </a:solidFill>
-                <a:latin typeface="Verdana" panose="020B0604030504040204" pitchFamily="34" charset="0"/>
-                <a:ea typeface="Verdana" panose="020B0604030504040204" pitchFamily="34" charset="0"/>
-                <a:cs typeface="Verdana" panose="020B0604030504040204" pitchFamily="34" charset="0"/>
-              </a:rPr>
-              <a:t>std</a:t>
-            </a:r>
-            <a:r>
-              <a:rPr lang="ru-RU" altLang="ru-RU" dirty="0">
-                <a:solidFill>
-                  <a:srgbClr val="FFFFFF"/>
-                </a:solidFill>
-                <a:latin typeface="Verdana" panose="020B0604030504040204" pitchFamily="34" charset="0"/>
-                <a:ea typeface="Verdana" panose="020B0604030504040204" pitchFamily="34" charset="0"/>
-                <a:cs typeface="Verdana" panose="020B0604030504040204" pitchFamily="34" charset="0"/>
-              </a:rPr>
-              <a:t>::</a:t>
-            </a:r>
-            <a:r>
-              <a:rPr lang="ru-RU" altLang="ru-RU" dirty="0" err="1">
-                <a:solidFill>
-                  <a:srgbClr val="FFCC00"/>
-                </a:solidFill>
-                <a:latin typeface="Verdana" panose="020B0604030504040204" pitchFamily="34" charset="0"/>
-                <a:ea typeface="Verdana" panose="020B0604030504040204" pitchFamily="34" charset="0"/>
-                <a:cs typeface="Verdana" panose="020B0604030504040204" pitchFamily="34" charset="0"/>
-              </a:rPr>
-              <a:t>to_string</a:t>
-            </a:r>
-            <a:r>
-              <a:rPr lang="ru-RU" altLang="ru-RU" dirty="0">
-                <a:solidFill>
-                  <a:srgbClr val="FFFFFF"/>
-                </a:solidFill>
-                <a:latin typeface="Verdana" panose="020B0604030504040204" pitchFamily="34" charset="0"/>
-                <a:ea typeface="Verdana" panose="020B0604030504040204" pitchFamily="34" charset="0"/>
-                <a:cs typeface="Verdana" panose="020B0604030504040204" pitchFamily="34" charset="0"/>
-              </a:rPr>
-              <a:t>(</a:t>
-            </a:r>
-            <a:r>
-              <a:rPr lang="ru-RU" altLang="ru-RU" dirty="0" err="1">
-                <a:solidFill>
-                  <a:srgbClr val="5BCD9D"/>
-                </a:solidFill>
-                <a:latin typeface="Verdana" panose="020B0604030504040204" pitchFamily="34" charset="0"/>
-                <a:ea typeface="Verdana" panose="020B0604030504040204" pitchFamily="34" charset="0"/>
-                <a:cs typeface="Verdana" panose="020B0604030504040204" pitchFamily="34" charset="0"/>
-              </a:rPr>
-              <a:t>comments</a:t>
-            </a:r>
-            <a:r>
-              <a:rPr lang="ru-RU" altLang="ru-RU" dirty="0">
-                <a:solidFill>
-                  <a:srgbClr val="5BCD9D"/>
-                </a:solidFill>
-                <a:latin typeface="Verdana" panose="020B0604030504040204" pitchFamily="34" charset="0"/>
-                <a:ea typeface="Verdana" panose="020B0604030504040204" pitchFamily="34" charset="0"/>
-                <a:cs typeface="Verdana" panose="020B0604030504040204" pitchFamily="34" charset="0"/>
-              </a:rPr>
-              <a:t>_</a:t>
-            </a:r>
-            <a:r>
-              <a:rPr lang="ru-RU" altLang="ru-RU" dirty="0">
-                <a:solidFill>
-                  <a:srgbClr val="FFFFFF"/>
-                </a:solidFill>
-                <a:latin typeface="Verdana" panose="020B0604030504040204" pitchFamily="34" charset="0"/>
-                <a:ea typeface="Verdana" panose="020B0604030504040204" pitchFamily="34" charset="0"/>
-                <a:cs typeface="Verdana" panose="020B0604030504040204" pitchFamily="34" charset="0"/>
-              </a:rPr>
-              <a:t>.</a:t>
-            </a:r>
-            <a:r>
-              <a:rPr lang="ru-RU" altLang="ru-RU" dirty="0" err="1">
-                <a:solidFill>
-                  <a:srgbClr val="FFCC00"/>
-                </a:solidFill>
-                <a:latin typeface="Verdana" panose="020B0604030504040204" pitchFamily="34" charset="0"/>
-                <a:ea typeface="Verdana" panose="020B0604030504040204" pitchFamily="34" charset="0"/>
-                <a:cs typeface="Verdana" panose="020B0604030504040204" pitchFamily="34" charset="0"/>
-              </a:rPr>
-              <a:t>size</a:t>
-            </a:r>
-            <a:r>
-              <a:rPr lang="ru-RU" altLang="ru-RU" dirty="0">
-                <a:solidFill>
-                  <a:srgbClr val="FFFFFF"/>
-                </a:solidFill>
-                <a:latin typeface="Verdana" panose="020B0604030504040204" pitchFamily="34" charset="0"/>
-                <a:ea typeface="Verdana" panose="020B0604030504040204" pitchFamily="34" charset="0"/>
-                <a:cs typeface="Verdana" panose="020B0604030504040204" pitchFamily="34" charset="0"/>
-              </a:rPr>
-              <a:t>() - </a:t>
-            </a:r>
-            <a:r>
-              <a:rPr lang="ru-RU" altLang="ru-RU" dirty="0">
-                <a:solidFill>
-                  <a:srgbClr val="6897BB"/>
-                </a:solidFill>
-                <a:latin typeface="Verdana" panose="020B0604030504040204" pitchFamily="34" charset="0"/>
-                <a:ea typeface="Verdana" panose="020B0604030504040204" pitchFamily="34" charset="0"/>
-                <a:cs typeface="Verdana" panose="020B0604030504040204" pitchFamily="34" charset="0"/>
-              </a:rPr>
-              <a:t>1</a:t>
-            </a:r>
-            <a:r>
-              <a:rPr lang="ru-RU" altLang="ru-RU" dirty="0">
-                <a:solidFill>
-                  <a:srgbClr val="FFFFFF"/>
-                </a:solidFill>
-                <a:latin typeface="Verdana" panose="020B0604030504040204" pitchFamily="34" charset="0"/>
-                <a:ea typeface="Verdana" panose="020B0604030504040204" pitchFamily="34" charset="0"/>
-                <a:cs typeface="Verdana" panose="020B0604030504040204" pitchFamily="34" charset="0"/>
-              </a:rPr>
-              <a:t>));</a:t>
+              <a:rPr lang="ru-RU" altLang="ru-RU" dirty="0">
+                <a:solidFill>
+                  <a:srgbClr val="FFFFFF"/>
+                </a:solidFill>
+                <a:latin typeface="Verdana" panose="020B0604030504040204" pitchFamily="34" charset="0"/>
+              </a:rPr>
+              <a:t>};</a:t>
             </a:r>
             <a:br>
               <a:rPr lang="ru-RU" altLang="ru-RU" dirty="0">
@@ -24270,193 +24747,17 @@
                   <a:srgbClr val="FFFFFF"/>
                 </a:solidFill>
                 <a:latin typeface="Verdana" panose="020B0604030504040204" pitchFamily="34" charset="0"/>
-                <a:ea typeface="Verdana" panose="020B0604030504040204" pitchFamily="34" charset="0"/>
-                <a:cs typeface="Verdana" panose="020B0604030504040204" pitchFamily="34" charset="0"/>
               </a:rPr>
             </a:br>
-            <a:r>
-              <a:rPr lang="ru-RU" altLang="ru-RU" dirty="0" err="1">
-                <a:solidFill>
-                  <a:srgbClr val="5BCD9D"/>
-                </a:solidFill>
-                <a:latin typeface="Verdana" panose="020B0604030504040204" pitchFamily="34" charset="0"/>
-                <a:ea typeface="Verdana" panose="020B0604030504040204" pitchFamily="34" charset="0"/>
-                <a:cs typeface="Verdana" panose="020B0604030504040204" pitchFamily="34" charset="0"/>
-              </a:rPr>
-              <a:t>os</a:t>
-            </a:r>
-            <a:r>
-              <a:rPr lang="ru-RU" altLang="ru-RU" dirty="0">
-                <a:solidFill>
-                  <a:srgbClr val="5BCD9D"/>
-                </a:solidFill>
-                <a:latin typeface="Verdana" panose="020B0604030504040204" pitchFamily="34" charset="0"/>
-                <a:ea typeface="Verdana" panose="020B0604030504040204" pitchFamily="34" charset="0"/>
-                <a:cs typeface="Verdana" panose="020B0604030504040204" pitchFamily="34" charset="0"/>
-              </a:rPr>
-              <a:t> </a:t>
-            </a:r>
-            <a:r>
-              <a:rPr lang="ru-RU" altLang="ru-RU" dirty="0">
-                <a:solidFill>
-                  <a:srgbClr val="FFFFFF"/>
-                </a:solidFill>
-                <a:latin typeface="Verdana" panose="020B0604030504040204" pitchFamily="34" charset="0"/>
-                <a:ea typeface="Verdana" panose="020B0604030504040204" pitchFamily="34" charset="0"/>
-                <a:cs typeface="Verdana" panose="020B0604030504040204" pitchFamily="34" charset="0"/>
-              </a:rPr>
-              <a:t>&lt;&lt; </a:t>
-            </a:r>
-            <a:r>
-              <a:rPr lang="ru-RU" altLang="ru-RU" dirty="0" err="1">
-                <a:solidFill>
-                  <a:srgbClr val="5BCD9D"/>
-                </a:solidFill>
-                <a:latin typeface="Verdana" panose="020B0604030504040204" pitchFamily="34" charset="0"/>
-                <a:ea typeface="Verdana" panose="020B0604030504040204" pitchFamily="34" charset="0"/>
-                <a:cs typeface="Verdana" panose="020B0604030504040204" pitchFamily="34" charset="0"/>
-              </a:rPr>
-              <a:t>resp</a:t>
-            </a:r>
-            <a:r>
-              <a:rPr lang="ru-RU" altLang="ru-RU" dirty="0" smtClean="0">
-                <a:solidFill>
-                  <a:srgbClr val="FFFFFF"/>
-                </a:solidFill>
-                <a:latin typeface="Verdana" panose="020B0604030504040204" pitchFamily="34" charset="0"/>
-                <a:ea typeface="Verdana" panose="020B0604030504040204" pitchFamily="34" charset="0"/>
-                <a:cs typeface="Verdana" panose="020B0604030504040204" pitchFamily="34" charset="0"/>
-              </a:rPr>
-              <a:t>;</a:t>
-            </a:r>
-          </a:p>
-          <a:p>
-            <a:pPr lvl="0" defTabSz="914400" eaLnBrk="0" fontAlgn="base" hangingPunct="0">
-              <a:spcBef>
-                <a:spcPct val="0"/>
-              </a:spcBef>
-              <a:spcAft>
-                <a:spcPct val="0"/>
-              </a:spcAft>
-            </a:pPr>
-            <a:endParaRPr lang="ru-RU" altLang="ru-RU" dirty="0" smtClean="0">
+            <a:endParaRPr lang="ru-RU" altLang="ru-RU" sz="6600" dirty="0">
               <a:solidFill>
-                <a:srgbClr val="FFFFFF"/>
+                <a:schemeClr val="tx1"/>
               </a:solidFill>
-              <a:latin typeface="Verdana" panose="020B0604030504040204" pitchFamily="34" charset="0"/>
-              <a:ea typeface="Verdana" panose="020B0604030504040204" pitchFamily="34" charset="0"/>
-              <a:cs typeface="Verdana" panose="020B0604030504040204" pitchFamily="34" charset="0"/>
+              <a:latin typeface="Arial" panose="020B0604020202020204" pitchFamily="34" charset="0"/>
             </a:endParaRPr>
           </a:p>
           <a:p>
-            <a:pPr lvl="0" defTabSz="914400" eaLnBrk="0" fontAlgn="base" hangingPunct="0">
-              <a:spcBef>
-                <a:spcPct val="0"/>
-              </a:spcBef>
-              <a:spcAft>
-                <a:spcPct val="0"/>
-              </a:spcAft>
-            </a:pPr>
-            <a:r>
-              <a:rPr lang="ru-RU" altLang="ru-RU" dirty="0" err="1" smtClean="0">
-                <a:solidFill>
-                  <a:srgbClr val="5BCD9D"/>
-                </a:solidFill>
-                <a:latin typeface="Verdana" panose="020B0604030504040204" pitchFamily="34" charset="0"/>
-                <a:ea typeface="Verdana" panose="020B0604030504040204" pitchFamily="34" charset="0"/>
-                <a:cs typeface="Verdana" panose="020B0604030504040204" pitchFamily="34" charset="0"/>
-              </a:rPr>
-              <a:t>os</a:t>
-            </a:r>
-            <a:r>
-              <a:rPr lang="ru-RU" altLang="ru-RU" dirty="0" smtClean="0">
-                <a:solidFill>
-                  <a:srgbClr val="5BCD9D"/>
-                </a:solidFill>
-                <a:latin typeface="Verdana" panose="020B0604030504040204" pitchFamily="34" charset="0"/>
-                <a:ea typeface="Verdana" panose="020B0604030504040204" pitchFamily="34" charset="0"/>
-                <a:cs typeface="Verdana" panose="020B0604030504040204" pitchFamily="34" charset="0"/>
-              </a:rPr>
-              <a:t> </a:t>
-            </a:r>
-            <a:r>
-              <a:rPr lang="ru-RU" altLang="ru-RU" dirty="0">
-                <a:solidFill>
-                  <a:srgbClr val="FFFFFF"/>
-                </a:solidFill>
-                <a:latin typeface="Verdana" panose="020B0604030504040204" pitchFamily="34" charset="0"/>
-                <a:ea typeface="Verdana" panose="020B0604030504040204" pitchFamily="34" charset="0"/>
-                <a:cs typeface="Verdana" panose="020B0604030504040204" pitchFamily="34" charset="0"/>
-              </a:rPr>
-              <a:t>&lt;&lt; </a:t>
-            </a:r>
-            <a:r>
-              <a:rPr lang="ru-RU" altLang="ru-RU" dirty="0" err="1">
-                <a:solidFill>
-                  <a:srgbClr val="FFCC00"/>
-                </a:solidFill>
-                <a:latin typeface="Verdana" panose="020B0604030504040204" pitchFamily="34" charset="0"/>
-                <a:ea typeface="Verdana" panose="020B0604030504040204" pitchFamily="34" charset="0"/>
-                <a:cs typeface="Verdana" panose="020B0604030504040204" pitchFamily="34" charset="0"/>
-              </a:rPr>
-              <a:t>HttpResponse</a:t>
-            </a:r>
-            <a:r>
-              <a:rPr lang="ru-RU" altLang="ru-RU" dirty="0">
-                <a:solidFill>
-                  <a:srgbClr val="FFFFFF"/>
-                </a:solidFill>
-                <a:latin typeface="Verdana" panose="020B0604030504040204" pitchFamily="34" charset="0"/>
-                <a:ea typeface="Verdana" panose="020B0604030504040204" pitchFamily="34" charset="0"/>
-                <a:cs typeface="Verdana" panose="020B0604030504040204" pitchFamily="34" charset="0"/>
-              </a:rPr>
-              <a:t>(</a:t>
-            </a:r>
-            <a:r>
-              <a:rPr lang="en-US" altLang="ru-RU" dirty="0">
-                <a:solidFill>
-                  <a:srgbClr val="6897BB"/>
-                </a:solidFill>
-                <a:latin typeface="Verdana" panose="020B0604030504040204" pitchFamily="34" charset="0"/>
-                <a:ea typeface="Verdana" panose="020B0604030504040204" pitchFamily="34" charset="0"/>
-                <a:cs typeface="Verdana" panose="020B0604030504040204" pitchFamily="34" charset="0"/>
-              </a:rPr>
-              <a:t>404</a:t>
-            </a:r>
-            <a:r>
-              <a:rPr lang="ru-RU" altLang="ru-RU" dirty="0">
-                <a:solidFill>
-                  <a:srgbClr val="FFFFFF"/>
-                </a:solidFill>
-                <a:latin typeface="Verdana" panose="020B0604030504040204" pitchFamily="34" charset="0"/>
-                <a:ea typeface="Verdana" panose="020B0604030504040204" pitchFamily="34" charset="0"/>
-                <a:cs typeface="Verdana" panose="020B0604030504040204" pitchFamily="34" charset="0"/>
-              </a:rPr>
-              <a:t>);</a:t>
-            </a:r>
-            <a:endParaRPr lang="ru-RU" altLang="ru-RU" dirty="0">
-              <a:solidFill>
-                <a:srgbClr val="000000"/>
-              </a:solidFill>
-              <a:latin typeface="Verdana" panose="020B0604030504040204" pitchFamily="34" charset="0"/>
-              <a:ea typeface="Verdana" panose="020B0604030504040204" pitchFamily="34" charset="0"/>
-              <a:cs typeface="Verdana" panose="020B0604030504040204" pitchFamily="34" charset="0"/>
-            </a:endParaRPr>
-          </a:p>
-          <a:p>
-            <a:pPr lvl="0" defTabSz="914400" eaLnBrk="0" fontAlgn="base" hangingPunct="0">
-              <a:spcBef>
-                <a:spcPct val="0"/>
-              </a:spcBef>
-              <a:spcAft>
-                <a:spcPct val="0"/>
-              </a:spcAft>
-            </a:pPr>
-            <a:endParaRPr lang="ru-RU" altLang="ru-RU" dirty="0">
-              <a:latin typeface="Verdana" panose="020B0604030504040204" pitchFamily="34" charset="0"/>
-              <a:ea typeface="Verdana" panose="020B0604030504040204" pitchFamily="34" charset="0"/>
-              <a:cs typeface="Verdana" panose="020B0604030504040204" pitchFamily="34" charset="0"/>
-            </a:endParaRPr>
+            <a:endParaRPr lang="ru-RU" dirty="0"/>
           </a:p>
         </p:txBody>
       </p:sp>
@@ -24476,61 +24777,15 @@
           <a:lstStyle/>
           <a:p>
             <a:r>
-              <a:rPr lang="ru-RU" dirty="0" smtClean="0"/>
-              <a:t>Второй шаг – внедряем интерфейс</a:t>
-            </a:r>
-            <a:endParaRPr lang="ru-RU" dirty="0"/>
+              <a:rPr lang="ru-RU" dirty="0"/>
+              <a:t>Шаг первый – создадим интерфейс</a:t>
+            </a:r>
           </a:p>
         </p:txBody>
       </p:sp>
       <p:sp>
         <p:nvSpPr>
-          <p:cNvPr id="3" name="Объект 2"/>
-          <p:cNvSpPr>
-            <a:spLocks noGrp="1"/>
-          </p:cNvSpPr>
-          <p:nvPr>
-            <p:ph idx="1"/>
-          </p:nvPr>
-        </p:nvSpPr>
-        <p:spPr/>
-        <p:txBody>
-          <a:bodyPr/>
-          <a:lstStyle/>
-          <a:p>
-            <a:pPr lvl="1"/>
-            <a:r>
-              <a:rPr lang="ru-RU" dirty="0" smtClean="0"/>
-              <a:t>Внедрение выявило проблемы интерфейса</a:t>
-            </a:r>
-          </a:p>
-          <a:p>
-            <a:pPr lvl="2"/>
-            <a:r>
-              <a:rPr lang="ru-RU" dirty="0" smtClean="0"/>
-              <a:t>вывод </a:t>
-            </a:r>
-            <a:r>
-              <a:rPr lang="en-US" dirty="0" smtClean="0"/>
-              <a:t>HTTP-</a:t>
-            </a:r>
-            <a:r>
-              <a:rPr lang="ru-RU" dirty="0" smtClean="0"/>
-              <a:t>ответа в поток требует трёх команд</a:t>
-            </a:r>
-          </a:p>
-          <a:p>
-            <a:pPr lvl="2"/>
-            <a:r>
-              <a:rPr lang="ru-RU" dirty="0" smtClean="0"/>
-              <a:t>коды ответов – «магические числа»</a:t>
-            </a:r>
-          </a:p>
-        </p:txBody>
-      </p:sp>
-      <p:sp>
-        <p:nvSpPr>
-          <p:cNvPr id="4" name="Нижний колонтитул 3"/>
+          <p:cNvPr id="3" name="Нижний колонтитул 2"/>
           <p:cNvSpPr>
             <a:spLocks noGrp="1"/>
           </p:cNvSpPr>
@@ -24553,7 +24808,7 @@
       </p:sp>
       <p:sp>
         <p:nvSpPr>
-          <p:cNvPr id="5" name="Номер слайда 4"/>
+          <p:cNvPr id="4" name="Номер слайда 3"/>
           <p:cNvSpPr>
             <a:spLocks noGrp="1"/>
           </p:cNvSpPr>
@@ -24586,7 +24841,7 @@
     </p:spTree>
     <p:extLst>
       <p:ext uri="{BB962C8B-B14F-4D97-AF65-F5344CB8AC3E}">
-        <p14:creationId xmlns:p14="http://schemas.microsoft.com/office/powerpoint/2010/main" val="1771274126"/>
+        <p14:creationId xmlns:p14="http://schemas.microsoft.com/office/powerpoint/2010/main" val="1218073368"/>
       </p:ext>
     </p:extLst>
   </p:cSld>
@@ -24635,883 +24890,6 @@
           <a:bodyPr/>
           <a:lstStyle/>
           <a:p>
-            <a:r>
-              <a:rPr lang="ru-RU" altLang="ru-RU" dirty="0" err="1">
-                <a:solidFill>
-                  <a:srgbClr val="FFFFFF"/>
-                </a:solidFill>
-                <a:latin typeface="Verdana" panose="020B0604030504040204" pitchFamily="34" charset="0"/>
-              </a:rPr>
-              <a:t>enum</a:t>
-            </a:r>
-            <a:r>
-              <a:rPr lang="ru-RU" altLang="ru-RU" dirty="0">
-                <a:solidFill>
-                  <a:srgbClr val="FFFFFF"/>
-                </a:solidFill>
-                <a:latin typeface="Verdana" panose="020B0604030504040204" pitchFamily="34" charset="0"/>
-              </a:rPr>
-              <a:t> </a:t>
-            </a:r>
-            <a:r>
-              <a:rPr lang="ru-RU" altLang="ru-RU" dirty="0" err="1">
-                <a:solidFill>
-                  <a:srgbClr val="FFFFFF"/>
-                </a:solidFill>
-                <a:latin typeface="Verdana" panose="020B0604030504040204" pitchFamily="34" charset="0"/>
-              </a:rPr>
-              <a:t>class</a:t>
-            </a:r>
-            <a:r>
-              <a:rPr lang="ru-RU" altLang="ru-RU" dirty="0">
-                <a:solidFill>
-                  <a:srgbClr val="FFFFFF"/>
-                </a:solidFill>
-                <a:latin typeface="Verdana" panose="020B0604030504040204" pitchFamily="34" charset="0"/>
-              </a:rPr>
-              <a:t> </a:t>
-            </a:r>
-            <a:r>
-              <a:rPr lang="ru-RU" altLang="ru-RU" dirty="0" err="1">
-                <a:solidFill>
-                  <a:srgbClr val="FFCC00"/>
-                </a:solidFill>
-                <a:latin typeface="Verdana" panose="020B0604030504040204" pitchFamily="34" charset="0"/>
-              </a:rPr>
-              <a:t>HttpCode</a:t>
-            </a:r>
-            <a:r>
-              <a:rPr lang="ru-RU" altLang="ru-RU" dirty="0">
-                <a:solidFill>
-                  <a:srgbClr val="FFCC00"/>
-                </a:solidFill>
-                <a:latin typeface="Verdana" panose="020B0604030504040204" pitchFamily="34" charset="0"/>
-              </a:rPr>
-              <a:t> </a:t>
-            </a:r>
-            <a:r>
-              <a:rPr lang="ru-RU" altLang="ru-RU" dirty="0">
-                <a:solidFill>
-                  <a:srgbClr val="FFFFFF"/>
-                </a:solidFill>
-                <a:latin typeface="Verdana" panose="020B0604030504040204" pitchFamily="34" charset="0"/>
-              </a:rPr>
-              <a:t>{</a:t>
-            </a:r>
-            <a:br>
-              <a:rPr lang="ru-RU" altLang="ru-RU" dirty="0">
-                <a:solidFill>
-                  <a:srgbClr val="FFFFFF"/>
-                </a:solidFill>
-                <a:latin typeface="Verdana" panose="020B0604030504040204" pitchFamily="34" charset="0"/>
-              </a:rPr>
-            </a:br>
-            <a:r>
-              <a:rPr lang="ru-RU" altLang="ru-RU" dirty="0">
-                <a:solidFill>
-                  <a:srgbClr val="FFFFFF"/>
-                </a:solidFill>
-                <a:latin typeface="Verdana" panose="020B0604030504040204" pitchFamily="34" charset="0"/>
-              </a:rPr>
-              <a:t>    </a:t>
-            </a:r>
-            <a:r>
-              <a:rPr lang="ru-RU" altLang="ru-RU" dirty="0">
-                <a:solidFill>
-                  <a:srgbClr val="5BCD9D"/>
-                </a:solidFill>
-                <a:latin typeface="Verdana" panose="020B0604030504040204" pitchFamily="34" charset="0"/>
-              </a:rPr>
-              <a:t>OK </a:t>
-            </a:r>
-            <a:r>
-              <a:rPr lang="ru-RU" altLang="ru-RU" dirty="0">
-                <a:solidFill>
-                  <a:srgbClr val="FFFFFF"/>
-                </a:solidFill>
-                <a:latin typeface="Verdana" panose="020B0604030504040204" pitchFamily="34" charset="0"/>
-              </a:rPr>
-              <a:t>= </a:t>
-            </a:r>
-            <a:r>
-              <a:rPr lang="ru-RU" altLang="ru-RU" dirty="0">
-                <a:solidFill>
-                  <a:srgbClr val="6897BB"/>
-                </a:solidFill>
-                <a:latin typeface="Verdana" panose="020B0604030504040204" pitchFamily="34" charset="0"/>
-              </a:rPr>
-              <a:t>200</a:t>
-            </a:r>
-            <a:r>
-              <a:rPr lang="ru-RU" altLang="ru-RU" dirty="0">
-                <a:solidFill>
-                  <a:srgbClr val="FFFFFF"/>
-                </a:solidFill>
-                <a:latin typeface="Verdana" panose="020B0604030504040204" pitchFamily="34" charset="0"/>
-              </a:rPr>
-              <a:t>,</a:t>
-            </a:r>
-            <a:br>
-              <a:rPr lang="ru-RU" altLang="ru-RU" dirty="0">
-                <a:solidFill>
-                  <a:srgbClr val="FFFFFF"/>
-                </a:solidFill>
-                <a:latin typeface="Verdana" panose="020B0604030504040204" pitchFamily="34" charset="0"/>
-              </a:rPr>
-            </a:br>
-            <a:r>
-              <a:rPr lang="ru-RU" altLang="ru-RU" dirty="0">
-                <a:solidFill>
-                  <a:srgbClr val="FFFFFF"/>
-                </a:solidFill>
-                <a:latin typeface="Verdana" panose="020B0604030504040204" pitchFamily="34" charset="0"/>
-              </a:rPr>
-              <a:t>    </a:t>
-            </a:r>
-            <a:r>
-              <a:rPr lang="ru-RU" altLang="ru-RU" dirty="0" err="1">
-                <a:solidFill>
-                  <a:srgbClr val="5BCD9D"/>
-                </a:solidFill>
-                <a:latin typeface="Verdana" panose="020B0604030504040204" pitchFamily="34" charset="0"/>
-              </a:rPr>
-              <a:t>NotFound</a:t>
-            </a:r>
-            <a:r>
-              <a:rPr lang="ru-RU" altLang="ru-RU" dirty="0">
-                <a:solidFill>
-                  <a:srgbClr val="5BCD9D"/>
-                </a:solidFill>
-                <a:latin typeface="Verdana" panose="020B0604030504040204" pitchFamily="34" charset="0"/>
-              </a:rPr>
-              <a:t> </a:t>
-            </a:r>
-            <a:r>
-              <a:rPr lang="ru-RU" altLang="ru-RU" dirty="0">
-                <a:solidFill>
-                  <a:srgbClr val="FFFFFF"/>
-                </a:solidFill>
-                <a:latin typeface="Verdana" panose="020B0604030504040204" pitchFamily="34" charset="0"/>
-              </a:rPr>
-              <a:t>= </a:t>
-            </a:r>
-            <a:r>
-              <a:rPr lang="ru-RU" altLang="ru-RU" dirty="0">
-                <a:solidFill>
-                  <a:srgbClr val="6897BB"/>
-                </a:solidFill>
-                <a:latin typeface="Verdana" panose="020B0604030504040204" pitchFamily="34" charset="0"/>
-              </a:rPr>
-              <a:t>404</a:t>
-            </a:r>
-            <a:r>
-              <a:rPr lang="ru-RU" altLang="ru-RU" dirty="0">
-                <a:solidFill>
-                  <a:srgbClr val="FFFFFF"/>
-                </a:solidFill>
-                <a:latin typeface="Verdana" panose="020B0604030504040204" pitchFamily="34" charset="0"/>
-              </a:rPr>
-              <a:t>,</a:t>
-            </a:r>
-            <a:br>
-              <a:rPr lang="ru-RU" altLang="ru-RU" dirty="0">
-                <a:solidFill>
-                  <a:srgbClr val="FFFFFF"/>
-                </a:solidFill>
-                <a:latin typeface="Verdana" panose="020B0604030504040204" pitchFamily="34" charset="0"/>
-              </a:rPr>
-            </a:br>
-            <a:r>
-              <a:rPr lang="ru-RU" altLang="ru-RU" dirty="0">
-                <a:solidFill>
-                  <a:srgbClr val="FFFFFF"/>
-                </a:solidFill>
-                <a:latin typeface="Verdana" panose="020B0604030504040204" pitchFamily="34" charset="0"/>
-              </a:rPr>
-              <a:t>};</a:t>
-            </a:r>
-            <a:br>
-              <a:rPr lang="ru-RU" altLang="ru-RU" dirty="0">
-                <a:solidFill>
-                  <a:srgbClr val="FFFFFF"/>
-                </a:solidFill>
-                <a:latin typeface="Verdana" panose="020B0604030504040204" pitchFamily="34" charset="0"/>
-              </a:rPr>
-            </a:br>
-            <a:r>
-              <a:rPr lang="ru-RU" altLang="ru-RU" dirty="0">
-                <a:solidFill>
-                  <a:srgbClr val="FFFFFF"/>
-                </a:solidFill>
-                <a:latin typeface="Verdana" panose="020B0604030504040204" pitchFamily="34" charset="0"/>
-              </a:rPr>
-              <a:t/>
-            </a:r>
-            <a:br>
-              <a:rPr lang="ru-RU" altLang="ru-RU" dirty="0">
-                <a:solidFill>
-                  <a:srgbClr val="FFFFFF"/>
-                </a:solidFill>
-                <a:latin typeface="Verdana" panose="020B0604030504040204" pitchFamily="34" charset="0"/>
-              </a:rPr>
-            </a:br>
-            <a:r>
-              <a:rPr lang="ru-RU" altLang="ru-RU" dirty="0" err="1">
-                <a:solidFill>
-                  <a:srgbClr val="FFFFFF"/>
-                </a:solidFill>
-                <a:latin typeface="Verdana" panose="020B0604030504040204" pitchFamily="34" charset="0"/>
-              </a:rPr>
-              <a:t>class</a:t>
-            </a:r>
-            <a:r>
-              <a:rPr lang="ru-RU" altLang="ru-RU" dirty="0">
-                <a:solidFill>
-                  <a:srgbClr val="FFFFFF"/>
-                </a:solidFill>
-                <a:latin typeface="Verdana" panose="020B0604030504040204" pitchFamily="34" charset="0"/>
-              </a:rPr>
-              <a:t> </a:t>
-            </a:r>
-            <a:r>
-              <a:rPr lang="ru-RU" altLang="ru-RU" dirty="0" err="1">
-                <a:solidFill>
-                  <a:srgbClr val="FFCC00"/>
-                </a:solidFill>
-                <a:latin typeface="Verdana" panose="020B0604030504040204" pitchFamily="34" charset="0"/>
-              </a:rPr>
-              <a:t>HttpResponse</a:t>
-            </a:r>
-            <a:r>
-              <a:rPr lang="ru-RU" altLang="ru-RU" dirty="0">
-                <a:solidFill>
-                  <a:srgbClr val="FFCC00"/>
-                </a:solidFill>
-                <a:latin typeface="Verdana" panose="020B0604030504040204" pitchFamily="34" charset="0"/>
-              </a:rPr>
-              <a:t> </a:t>
-            </a:r>
-            <a:r>
-              <a:rPr lang="ru-RU" altLang="ru-RU" dirty="0">
-                <a:solidFill>
-                  <a:srgbClr val="FFFFFF"/>
-                </a:solidFill>
-                <a:latin typeface="Verdana" panose="020B0604030504040204" pitchFamily="34" charset="0"/>
-              </a:rPr>
-              <a:t>{</a:t>
-            </a:r>
-            <a:br>
-              <a:rPr lang="ru-RU" altLang="ru-RU" dirty="0">
-                <a:solidFill>
-                  <a:srgbClr val="FFFFFF"/>
-                </a:solidFill>
-                <a:latin typeface="Verdana" panose="020B0604030504040204" pitchFamily="34" charset="0"/>
-              </a:rPr>
-            </a:br>
-            <a:r>
-              <a:rPr lang="ru-RU" altLang="ru-RU" dirty="0" err="1">
-                <a:solidFill>
-                  <a:srgbClr val="FFFFFF"/>
-                </a:solidFill>
-                <a:latin typeface="Verdana" panose="020B0604030504040204" pitchFamily="34" charset="0"/>
-              </a:rPr>
-              <a:t>public</a:t>
-            </a:r>
-            <a:r>
-              <a:rPr lang="ru-RU" altLang="ru-RU" dirty="0">
-                <a:solidFill>
-                  <a:srgbClr val="FFFFFF"/>
-                </a:solidFill>
-                <a:latin typeface="Verdana" panose="020B0604030504040204" pitchFamily="34" charset="0"/>
-              </a:rPr>
-              <a:t>:</a:t>
-            </a:r>
-            <a:br>
-              <a:rPr lang="ru-RU" altLang="ru-RU" dirty="0">
-                <a:solidFill>
-                  <a:srgbClr val="FFFFFF"/>
-                </a:solidFill>
-                <a:latin typeface="Verdana" panose="020B0604030504040204" pitchFamily="34" charset="0"/>
-              </a:rPr>
-            </a:br>
-            <a:r>
-              <a:rPr lang="ru-RU" altLang="ru-RU" dirty="0">
-                <a:solidFill>
-                  <a:srgbClr val="FFFFFF"/>
-                </a:solidFill>
-                <a:latin typeface="Verdana" panose="020B0604030504040204" pitchFamily="34" charset="0"/>
-              </a:rPr>
-              <a:t>    </a:t>
-            </a:r>
-            <a:r>
-              <a:rPr lang="ru-RU" altLang="ru-RU" dirty="0" err="1">
-                <a:solidFill>
-                  <a:srgbClr val="FFFFFF"/>
-                </a:solidFill>
-                <a:latin typeface="Verdana" panose="020B0604030504040204" pitchFamily="34" charset="0"/>
-              </a:rPr>
-              <a:t>explicit</a:t>
-            </a:r>
-            <a:r>
-              <a:rPr lang="ru-RU" altLang="ru-RU" dirty="0">
-                <a:solidFill>
-                  <a:srgbClr val="FFFFFF"/>
-                </a:solidFill>
-                <a:latin typeface="Verdana" panose="020B0604030504040204" pitchFamily="34" charset="0"/>
-              </a:rPr>
-              <a:t> </a:t>
-            </a:r>
-            <a:r>
-              <a:rPr lang="ru-RU" altLang="ru-RU" dirty="0" err="1">
-                <a:solidFill>
-                  <a:srgbClr val="FFCC00"/>
-                </a:solidFill>
-                <a:latin typeface="Verdana" panose="020B0604030504040204" pitchFamily="34" charset="0"/>
-              </a:rPr>
-              <a:t>HttpResponse</a:t>
-            </a:r>
-            <a:r>
-              <a:rPr lang="ru-RU" altLang="ru-RU" dirty="0">
-                <a:solidFill>
-                  <a:srgbClr val="FFFFFF"/>
-                </a:solidFill>
-                <a:latin typeface="Verdana" panose="020B0604030504040204" pitchFamily="34" charset="0"/>
-              </a:rPr>
-              <a:t>(</a:t>
-            </a:r>
-            <a:r>
-              <a:rPr lang="ru-RU" altLang="ru-RU" dirty="0" err="1">
-                <a:solidFill>
-                  <a:schemeClr val="accent4"/>
-                </a:solidFill>
-                <a:latin typeface="Verdana" panose="020B0604030504040204" pitchFamily="34" charset="0"/>
-              </a:rPr>
-              <a:t>HttpCode</a:t>
-            </a:r>
-            <a:r>
-              <a:rPr lang="ru-RU" altLang="ru-RU" dirty="0">
-                <a:solidFill>
-                  <a:schemeClr val="accent4"/>
-                </a:solidFill>
-                <a:latin typeface="Verdana" panose="020B0604030504040204" pitchFamily="34" charset="0"/>
-              </a:rPr>
-              <a:t> </a:t>
-            </a:r>
-            <a:r>
-              <a:rPr lang="ru-RU" altLang="ru-RU" dirty="0" err="1">
-                <a:solidFill>
-                  <a:schemeClr val="accent4"/>
-                </a:solidFill>
-                <a:latin typeface="Verdana" panose="020B0604030504040204" pitchFamily="34" charset="0"/>
-              </a:rPr>
-              <a:t>code</a:t>
-            </a:r>
-            <a:r>
-              <a:rPr lang="ru-RU" altLang="ru-RU" dirty="0">
-                <a:solidFill>
-                  <a:srgbClr val="FFFFFF"/>
-                </a:solidFill>
-                <a:latin typeface="Verdana" panose="020B0604030504040204" pitchFamily="34" charset="0"/>
-              </a:rPr>
-              <a:t>);</a:t>
-            </a:r>
-            <a:br>
-              <a:rPr lang="ru-RU" altLang="ru-RU" dirty="0">
-                <a:solidFill>
-                  <a:srgbClr val="FFFFFF"/>
-                </a:solidFill>
-                <a:latin typeface="Verdana" panose="020B0604030504040204" pitchFamily="34" charset="0"/>
-              </a:rPr>
-            </a:br>
-            <a:r>
-              <a:rPr lang="ru-RU" altLang="ru-RU" dirty="0">
-                <a:solidFill>
-                  <a:srgbClr val="FFFFFF"/>
-                </a:solidFill>
-                <a:latin typeface="Verdana" panose="020B0604030504040204" pitchFamily="34" charset="0"/>
-              </a:rPr>
-              <a:t>    </a:t>
-            </a:r>
-            <a:r>
-              <a:rPr lang="ru-RU" altLang="ru-RU" dirty="0" err="1">
-                <a:solidFill>
-                  <a:schemeClr val="accent4"/>
-                </a:solidFill>
-                <a:latin typeface="Verdana" panose="020B0604030504040204" pitchFamily="34" charset="0"/>
-              </a:rPr>
-              <a:t>HttpResponse</a:t>
-            </a:r>
-            <a:r>
-              <a:rPr lang="ru-RU" altLang="ru-RU" dirty="0">
-                <a:solidFill>
-                  <a:schemeClr val="accent4"/>
-                </a:solidFill>
-                <a:latin typeface="Verdana" panose="020B0604030504040204" pitchFamily="34" charset="0"/>
-              </a:rPr>
-              <a:t>&amp;</a:t>
-            </a:r>
-            <a:r>
-              <a:rPr lang="ru-RU" altLang="ru-RU" dirty="0">
-                <a:solidFill>
-                  <a:srgbClr val="FFFFFF"/>
-                </a:solidFill>
-                <a:latin typeface="Verdana" panose="020B0604030504040204" pitchFamily="34" charset="0"/>
-              </a:rPr>
-              <a:t> </a:t>
-            </a:r>
-            <a:r>
-              <a:rPr lang="ru-RU" altLang="ru-RU" dirty="0" err="1">
-                <a:solidFill>
-                  <a:srgbClr val="FFCC00"/>
-                </a:solidFill>
-                <a:latin typeface="Verdana" panose="020B0604030504040204" pitchFamily="34" charset="0"/>
-              </a:rPr>
-              <a:t>SetContent</a:t>
-            </a:r>
-            <a:r>
-              <a:rPr lang="ru-RU" altLang="ru-RU" dirty="0">
-                <a:solidFill>
-                  <a:srgbClr val="FFFFFF"/>
-                </a:solidFill>
-                <a:latin typeface="Verdana" panose="020B0604030504040204" pitchFamily="34" charset="0"/>
-              </a:rPr>
-              <a:t>(</a:t>
-            </a:r>
-            <a:r>
-              <a:rPr lang="ru-RU" altLang="ru-RU" dirty="0" err="1">
-                <a:solidFill>
-                  <a:srgbClr val="9E64A9"/>
-                </a:solidFill>
-                <a:latin typeface="Verdana" panose="020B0604030504040204" pitchFamily="34" charset="0"/>
-              </a:rPr>
-              <a:t>std</a:t>
-            </a:r>
-            <a:r>
-              <a:rPr lang="ru-RU" altLang="ru-RU" dirty="0">
-                <a:solidFill>
-                  <a:srgbClr val="FFFFFF"/>
-                </a:solidFill>
-                <a:latin typeface="Verdana" panose="020B0604030504040204" pitchFamily="34" charset="0"/>
-              </a:rPr>
-              <a:t>::</a:t>
-            </a:r>
-            <a:r>
-              <a:rPr lang="ru-RU" altLang="ru-RU" dirty="0" err="1">
-                <a:solidFill>
-                  <a:srgbClr val="FFCC00"/>
-                </a:solidFill>
-                <a:latin typeface="Verdana" panose="020B0604030504040204" pitchFamily="34" charset="0"/>
-              </a:rPr>
-              <a:t>string</a:t>
-            </a:r>
-            <a:r>
-              <a:rPr lang="ru-RU" altLang="ru-RU" dirty="0">
-                <a:solidFill>
-                  <a:srgbClr val="FFCC00"/>
-                </a:solidFill>
-                <a:latin typeface="Verdana" panose="020B0604030504040204" pitchFamily="34" charset="0"/>
-              </a:rPr>
-              <a:t> </a:t>
-            </a:r>
-            <a:r>
-              <a:rPr lang="ru-RU" altLang="ru-RU" dirty="0" err="1">
-                <a:solidFill>
-                  <a:srgbClr val="5BCD9D"/>
-                </a:solidFill>
-                <a:latin typeface="Verdana" panose="020B0604030504040204" pitchFamily="34" charset="0"/>
-              </a:rPr>
-              <a:t>value</a:t>
-            </a:r>
-            <a:r>
-              <a:rPr lang="ru-RU" altLang="ru-RU" dirty="0">
-                <a:solidFill>
-                  <a:srgbClr val="FFFFFF"/>
-                </a:solidFill>
-                <a:latin typeface="Verdana" panose="020B0604030504040204" pitchFamily="34" charset="0"/>
-              </a:rPr>
-              <a:t>);</a:t>
-            </a:r>
-            <a:br>
-              <a:rPr lang="ru-RU" altLang="ru-RU" dirty="0">
-                <a:solidFill>
-                  <a:srgbClr val="FFFFFF"/>
-                </a:solidFill>
-                <a:latin typeface="Verdana" panose="020B0604030504040204" pitchFamily="34" charset="0"/>
-              </a:rPr>
-            </a:br>
-            <a:r>
-              <a:rPr lang="ru-RU" altLang="ru-RU" dirty="0">
-                <a:solidFill>
-                  <a:srgbClr val="FFFFFF"/>
-                </a:solidFill>
-                <a:latin typeface="Verdana" panose="020B0604030504040204" pitchFamily="34" charset="0"/>
-              </a:rPr>
-              <a:t>    </a:t>
-            </a:r>
-            <a:r>
-              <a:rPr lang="ru-RU" altLang="ru-RU" dirty="0" err="1">
-                <a:solidFill>
-                  <a:srgbClr val="FFFFFF"/>
-                </a:solidFill>
-                <a:latin typeface="Verdana" panose="020B0604030504040204" pitchFamily="34" charset="0"/>
-              </a:rPr>
-              <a:t>friend</a:t>
-            </a:r>
-            <a:r>
-              <a:rPr lang="ru-RU" altLang="ru-RU" dirty="0">
-                <a:solidFill>
-                  <a:srgbClr val="FFFFFF"/>
-                </a:solidFill>
-                <a:latin typeface="Verdana" panose="020B0604030504040204" pitchFamily="34" charset="0"/>
-              </a:rPr>
-              <a:t> </a:t>
-            </a:r>
-            <a:r>
-              <a:rPr lang="ru-RU" altLang="ru-RU" dirty="0" err="1">
-                <a:solidFill>
-                  <a:srgbClr val="9E64A9"/>
-                </a:solidFill>
-                <a:latin typeface="Verdana" panose="020B0604030504040204" pitchFamily="34" charset="0"/>
-              </a:rPr>
-              <a:t>std</a:t>
-            </a:r>
-            <a:r>
-              <a:rPr lang="ru-RU" altLang="ru-RU" dirty="0">
-                <a:solidFill>
-                  <a:srgbClr val="FFFFFF"/>
-                </a:solidFill>
-                <a:latin typeface="Verdana" panose="020B0604030504040204" pitchFamily="34" charset="0"/>
-              </a:rPr>
-              <a:t>::</a:t>
-            </a:r>
-            <a:r>
-              <a:rPr lang="ru-RU" altLang="ru-RU" dirty="0" err="1">
-                <a:solidFill>
-                  <a:srgbClr val="FFCC00"/>
-                </a:solidFill>
-                <a:latin typeface="Verdana" panose="020B0604030504040204" pitchFamily="34" charset="0"/>
-              </a:rPr>
-              <a:t>ostream</a:t>
-            </a:r>
-            <a:r>
-              <a:rPr lang="ru-RU" altLang="ru-RU" dirty="0">
-                <a:solidFill>
-                  <a:srgbClr val="FFFFFF"/>
-                </a:solidFill>
-                <a:latin typeface="Verdana" panose="020B0604030504040204" pitchFamily="34" charset="0"/>
-              </a:rPr>
-              <a:t>&amp; </a:t>
-            </a:r>
-            <a:r>
-              <a:rPr lang="ru-RU" altLang="ru-RU" dirty="0" err="1">
-                <a:solidFill>
-                  <a:srgbClr val="FFFFFF"/>
-                </a:solidFill>
-                <a:latin typeface="Verdana" panose="020B0604030504040204" pitchFamily="34" charset="0"/>
-              </a:rPr>
-              <a:t>operator</a:t>
-            </a:r>
-            <a:r>
-              <a:rPr lang="ru-RU" altLang="ru-RU" dirty="0">
-                <a:solidFill>
-                  <a:srgbClr val="FFFFFF"/>
-                </a:solidFill>
-                <a:latin typeface="Verdana" panose="020B0604030504040204" pitchFamily="34" charset="0"/>
-              </a:rPr>
-              <a:t> </a:t>
-            </a:r>
-            <a:r>
-              <a:rPr lang="ru-RU" altLang="ru-RU" dirty="0">
-                <a:solidFill>
-                  <a:srgbClr val="FFCC00"/>
-                </a:solidFill>
-                <a:latin typeface="Verdana" panose="020B0604030504040204" pitchFamily="34" charset="0"/>
-              </a:rPr>
-              <a:t>&lt;&lt; </a:t>
-            </a:r>
-            <a:r>
-              <a:rPr lang="ru-RU" altLang="ru-RU" dirty="0">
-                <a:solidFill>
-                  <a:srgbClr val="FFFFFF"/>
-                </a:solidFill>
-                <a:latin typeface="Verdana" panose="020B0604030504040204" pitchFamily="34" charset="0"/>
-              </a:rPr>
-              <a:t>(</a:t>
-            </a:r>
-            <a:r>
-              <a:rPr lang="ru-RU" altLang="ru-RU" dirty="0" err="1">
-                <a:solidFill>
-                  <a:srgbClr val="9E64A9"/>
-                </a:solidFill>
-                <a:latin typeface="Verdana" panose="020B0604030504040204" pitchFamily="34" charset="0"/>
-              </a:rPr>
-              <a:t>std</a:t>
-            </a:r>
-            <a:r>
-              <a:rPr lang="ru-RU" altLang="ru-RU" dirty="0">
-                <a:solidFill>
-                  <a:srgbClr val="FFFFFF"/>
-                </a:solidFill>
-                <a:latin typeface="Verdana" panose="020B0604030504040204" pitchFamily="34" charset="0"/>
-              </a:rPr>
-              <a:t>::</a:t>
-            </a:r>
-            <a:r>
-              <a:rPr lang="ru-RU" altLang="ru-RU" dirty="0" err="1">
-                <a:solidFill>
-                  <a:srgbClr val="FFCC00"/>
-                </a:solidFill>
-                <a:latin typeface="Verdana" panose="020B0604030504040204" pitchFamily="34" charset="0"/>
-              </a:rPr>
-              <a:t>ostream</a:t>
-            </a:r>
-            <a:r>
-              <a:rPr lang="ru-RU" altLang="ru-RU" dirty="0">
-                <a:solidFill>
-                  <a:srgbClr val="FFFFFF"/>
-                </a:solidFill>
-                <a:latin typeface="Verdana" panose="020B0604030504040204" pitchFamily="34" charset="0"/>
-              </a:rPr>
-              <a:t>&amp; </a:t>
-            </a:r>
-            <a:r>
-              <a:rPr lang="ru-RU" altLang="ru-RU" dirty="0" err="1">
-                <a:solidFill>
-                  <a:srgbClr val="5BCD9D"/>
-                </a:solidFill>
-                <a:latin typeface="Verdana" panose="020B0604030504040204" pitchFamily="34" charset="0"/>
-              </a:rPr>
-              <a:t>os</a:t>
-            </a:r>
-            <a:r>
-              <a:rPr lang="ru-RU" altLang="ru-RU" dirty="0">
-                <a:solidFill>
-                  <a:srgbClr val="FFFFFF"/>
-                </a:solidFill>
-                <a:latin typeface="Verdana" panose="020B0604030504040204" pitchFamily="34" charset="0"/>
-              </a:rPr>
-              <a:t>, </a:t>
-            </a:r>
-            <a:r>
-              <a:rPr lang="ru-RU" altLang="ru-RU" dirty="0" err="1">
-                <a:solidFill>
-                  <a:srgbClr val="FFFFFF"/>
-                </a:solidFill>
-                <a:latin typeface="Verdana" panose="020B0604030504040204" pitchFamily="34" charset="0"/>
-              </a:rPr>
-              <a:t>const</a:t>
-            </a:r>
-            <a:r>
-              <a:rPr lang="ru-RU" altLang="ru-RU" dirty="0">
-                <a:solidFill>
-                  <a:srgbClr val="FFFFFF"/>
-                </a:solidFill>
-                <a:latin typeface="Verdana" panose="020B0604030504040204" pitchFamily="34" charset="0"/>
-              </a:rPr>
-              <a:t> </a:t>
-            </a:r>
-            <a:r>
-              <a:rPr lang="ru-RU" altLang="ru-RU" dirty="0" err="1">
-                <a:solidFill>
-                  <a:srgbClr val="FFCC00"/>
-                </a:solidFill>
-                <a:latin typeface="Verdana" panose="020B0604030504040204" pitchFamily="34" charset="0"/>
-              </a:rPr>
-              <a:t>HttpResponse</a:t>
-            </a:r>
-            <a:r>
-              <a:rPr lang="ru-RU" altLang="ru-RU" dirty="0">
-                <a:solidFill>
-                  <a:srgbClr val="FFFFFF"/>
-                </a:solidFill>
-                <a:latin typeface="Verdana" panose="020B0604030504040204" pitchFamily="34" charset="0"/>
-              </a:rPr>
-              <a:t>&amp; </a:t>
-            </a:r>
-            <a:r>
-              <a:rPr lang="ru-RU" altLang="ru-RU" dirty="0" err="1">
-                <a:solidFill>
-                  <a:srgbClr val="5BCD9D"/>
-                </a:solidFill>
-                <a:latin typeface="Verdana" panose="020B0604030504040204" pitchFamily="34" charset="0"/>
-              </a:rPr>
-              <a:t>resp</a:t>
-            </a:r>
-            <a:r>
-              <a:rPr lang="ru-RU" altLang="ru-RU" dirty="0">
-                <a:solidFill>
-                  <a:srgbClr val="FFFFFF"/>
-                </a:solidFill>
-                <a:latin typeface="Verdana" panose="020B0604030504040204" pitchFamily="34" charset="0"/>
-              </a:rPr>
-              <a:t>);</a:t>
-            </a:r>
-            <a:br>
-              <a:rPr lang="ru-RU" altLang="ru-RU" dirty="0">
-                <a:solidFill>
-                  <a:srgbClr val="FFFFFF"/>
-                </a:solidFill>
-                <a:latin typeface="Verdana" panose="020B0604030504040204" pitchFamily="34" charset="0"/>
-              </a:rPr>
-            </a:br>
-            <a:r>
-              <a:rPr lang="ru-RU" altLang="ru-RU" dirty="0">
-                <a:solidFill>
-                  <a:srgbClr val="FFFFFF"/>
-                </a:solidFill>
-                <a:latin typeface="Verdana" panose="020B0604030504040204" pitchFamily="34" charset="0"/>
-              </a:rPr>
-              <a:t>};</a:t>
-            </a:r>
-            <a:br>
-              <a:rPr lang="ru-RU" altLang="ru-RU" dirty="0">
-                <a:solidFill>
-                  <a:srgbClr val="FFFFFF"/>
-                </a:solidFill>
-                <a:latin typeface="Verdana" panose="020B0604030504040204" pitchFamily="34" charset="0"/>
-              </a:rPr>
-            </a:br>
-            <a:endParaRPr lang="ru-RU" altLang="ru-RU" sz="6600" dirty="0">
-              <a:solidFill>
-                <a:schemeClr val="tx1"/>
-              </a:solidFill>
-              <a:latin typeface="Arial" panose="020B0604020202020204" pitchFamily="34" charset="0"/>
-            </a:endParaRPr>
-          </a:p>
-          <a:p>
-            <a:endParaRPr lang="ru-RU" dirty="0"/>
-          </a:p>
-        </p:txBody>
-      </p:sp>
-      <p:sp>
-        <p:nvSpPr>
-          <p:cNvPr id="2" name="Заголовок 1"/>
-          <p:cNvSpPr>
-            <a:spLocks noGrp="1"/>
-          </p:cNvSpPr>
-          <p:nvPr>
-            <p:ph type="title"/>
-          </p:nvPr>
-        </p:nvSpPr>
-        <p:spPr/>
-        <p:txBody>
-          <a:bodyPr/>
-          <a:lstStyle/>
-          <a:p>
-            <a:r>
-              <a:rPr lang="ru-RU" dirty="0"/>
-              <a:t>Шаг первый – создадим интерфейс</a:t>
-            </a:r>
-          </a:p>
-        </p:txBody>
-      </p:sp>
-      <p:sp>
-        <p:nvSpPr>
-          <p:cNvPr id="3" name="Нижний колонтитул 2"/>
-          <p:cNvSpPr>
-            <a:spLocks noGrp="1"/>
-          </p:cNvSpPr>
-          <p:nvPr>
-            <p:ph type="ftr" sz="quarter" idx="11"/>
-          </p:nvPr>
-        </p:nvSpPr>
-        <p:spPr/>
-        <p:txBody>
-          <a:bodyPr/>
-          <a:lstStyle/>
-          <a:p>
-            <a:endParaRPr lang="ru-RU" dirty="0">
-              <a:solidFill>
-                <a:srgbClr val="000000"/>
-              </a:solidFill>
-            </a:endParaRPr>
-          </a:p>
-        </p:txBody>
-      </p:sp>
-      <p:sp>
-        <p:nvSpPr>
-          <p:cNvPr id="4" name="Номер слайда 3"/>
-          <p:cNvSpPr>
-            <a:spLocks noGrp="1"/>
-          </p:cNvSpPr>
-          <p:nvPr>
-            <p:ph type="sldNum" sz="quarter" idx="12"/>
-          </p:nvPr>
-        </p:nvSpPr>
-        <p:spPr/>
-        <p:txBody>
-          <a:bodyPr/>
-          <a:lstStyle/>
-          <a:p>
-            <a:fld id="{741C03D3-FA44-40EC-9A21-1FC4FEA3E22E}" type="slidenum">
-              <a:rPr lang="ru-RU" smtClean="0">
-                <a:solidFill>
-                  <a:schemeClr val="bg1"/>
-                </a:solidFill>
-              </a:rPr>
-              <a:pPr/>
-              <a:t>13</a:t>
-            </a:fld>
-            <a:endParaRPr lang="ru-RU" dirty="0">
-              <a:solidFill>
-                <a:schemeClr val="bg1"/>
-              </a:solidFill>
-            </a:endParaRPr>
-          </a:p>
-        </p:txBody>
-      </p:sp>
-    </p:spTree>
-    <p:extLst>
-      <p:ext uri="{BB962C8B-B14F-4D97-AF65-F5344CB8AC3E}">
-        <p14:creationId xmlns:p14="http://schemas.microsoft.com/office/powerpoint/2010/main" val="1218073368"/>
-      </p:ext>
-    </p:extLst>
-  </p:cSld>
-  <p:clrMapOvr>
-    <a:masterClrMapping/>
-  </p:clrMapOvr>
-  <p:timing>
-    <p:tnLst>
-      <p:par>
-        <p:cTn id="1" dur="indefinite" restart="never" nodeType="tmRoot"/>
-      </p:par>
-    </p:tnLst>
-  </p:timing>
-</p:sld>
-</file>
-
-<file path=ppt/slides/slide14.xml><?xml version="1.0" encoding="utf-8"?>
-<p:sld xmlns:a="http://schemas.openxmlformats.org/drawingml/2006/main" xmlns:r="http://schemas.openxmlformats.org/officeDocument/2006/relationships" xmlns:p="http://schemas.openxmlformats.org/presentationml/2006/main">
-  <p:cSld>
-    <p:spTree>
-      <p:nvGrpSpPr>
-        <p:cNvPr id="1" name=""/>
-        <p:cNvGrpSpPr/>
-        <p:nvPr/>
-      </p:nvGrpSpPr>
-      <p:grpSpPr>
-        <a:xfrm>
-          <a:off x="0" y="0"/>
-          <a:ext cx="0" cy="0"/>
-          <a:chOff x="0" y="0"/>
-          <a:chExt cx="0" cy="0"/>
-        </a:xfrm>
-      </p:grpSpPr>
-      <p:sp>
-        <p:nvSpPr>
-          <p:cNvPr id="5" name="Объект 4"/>
-          <p:cNvSpPr>
-            <a:spLocks noGrp="1"/>
-          </p:cNvSpPr>
-          <p:nvPr>
-            <p:ph idx="13"/>
-          </p:nvPr>
-        </p:nvSpPr>
-        <p:spPr/>
-        <p:txBody>
-          <a:bodyPr/>
-          <a:lstStyle/>
-          <a:p>
             <a:pPr>
               <a:lnSpc>
                 <a:spcPct val="130000"/>
@@ -26784,7 +26162,7 @@
                 </a:solidFill>
               </a:rPr>
               <a:pPr/>
-              <a:t>14</a:t>
+              <a:t>13</a:t>
             </a:fld>
             <a:endParaRPr lang="ru-RU" dirty="0">
               <a:solidFill>
@@ -28094,7 +27472,7 @@
 </p:sld>
 </file>
 
-<file path=ppt/slides/slide15.xml><?xml version="1.0" encoding="utf-8"?>
+<file path=ppt/slides/slide14.xml><?xml version="1.0" encoding="utf-8"?>
 <p:sld xmlns:a="http://schemas.openxmlformats.org/drawingml/2006/main" xmlns:r="http://schemas.openxmlformats.org/officeDocument/2006/relationships" xmlns:p="http://schemas.openxmlformats.org/presentationml/2006/main">
   <p:cSld>
     <p:spTree>
@@ -28268,7 +27646,7 @@
                 </a:solidFill>
               </a:rPr>
               <a:pPr/>
-              <a:t>15</a:t>
+              <a:t>14</a:t>
             </a:fld>
             <a:endParaRPr lang="ru-RU">
               <a:solidFill>
@@ -28282,6 +27660,715 @@
     <p:extLst>
       <p:ext uri="{BB962C8B-B14F-4D97-AF65-F5344CB8AC3E}">
         <p14:creationId xmlns:p14="http://schemas.microsoft.com/office/powerpoint/2010/main" val="3890318114"/>
+      </p:ext>
+    </p:extLst>
+  </p:cSld>
+  <p:clrMapOvr>
+    <a:masterClrMapping/>
+  </p:clrMapOvr>
+  <p:timing>
+    <p:tnLst>
+      <p:par>
+        <p:cTn id="1" dur="indefinite" restart="never" nodeType="tmRoot"/>
+      </p:par>
+    </p:tnLst>
+  </p:timing>
+</p:sld>
+</file>
+
+<file path=ppt/slides/slide15.xml><?xml version="1.0" encoding="utf-8"?>
+<p:sld xmlns:a="http://schemas.openxmlformats.org/drawingml/2006/main" xmlns:r="http://schemas.openxmlformats.org/officeDocument/2006/relationships" xmlns:p="http://schemas.openxmlformats.org/presentationml/2006/main">
+  <p:cSld>
+    <p:spTree>
+      <p:nvGrpSpPr>
+        <p:cNvPr id="1" name=""/>
+        <p:cNvGrpSpPr/>
+        <p:nvPr/>
+      </p:nvGrpSpPr>
+      <p:grpSpPr>
+        <a:xfrm>
+          <a:off x="0" y="0"/>
+          <a:ext cx="0" cy="0"/>
+          <a:chOff x="0" y="0"/>
+          <a:chExt cx="0" cy="0"/>
+        </a:xfrm>
+      </p:grpSpPr>
+      <p:sp>
+        <p:nvSpPr>
+          <p:cNvPr id="10" name="Объект 9"/>
+          <p:cNvSpPr>
+            <a:spLocks noGrp="1"/>
+          </p:cNvSpPr>
+          <p:nvPr>
+            <p:ph idx="13"/>
+          </p:nvPr>
+        </p:nvSpPr>
+        <p:spPr/>
+        <p:txBody>
+          <a:bodyPr/>
+          <a:lstStyle/>
+          <a:p>
+            <a:r>
+              <a:rPr lang="ru-RU" altLang="ru-RU" dirty="0" err="1">
+                <a:solidFill>
+                  <a:srgbClr val="FFFFFF"/>
+                </a:solidFill>
+                <a:latin typeface="Verdana" panose="020B0604030504040204" pitchFamily="34" charset="0"/>
+              </a:rPr>
+              <a:t>class</a:t>
+            </a:r>
+            <a:r>
+              <a:rPr lang="ru-RU" altLang="ru-RU" dirty="0">
+                <a:solidFill>
+                  <a:srgbClr val="FFFFFF"/>
+                </a:solidFill>
+                <a:latin typeface="Verdana" panose="020B0604030504040204" pitchFamily="34" charset="0"/>
+              </a:rPr>
+              <a:t> </a:t>
+            </a:r>
+            <a:r>
+              <a:rPr lang="ru-RU" altLang="ru-RU" dirty="0" err="1">
+                <a:solidFill>
+                  <a:srgbClr val="FFCC00"/>
+                </a:solidFill>
+                <a:latin typeface="Verdana" panose="020B0604030504040204" pitchFamily="34" charset="0"/>
+              </a:rPr>
+              <a:t>HttpResponse</a:t>
+            </a:r>
+            <a:r>
+              <a:rPr lang="ru-RU" altLang="ru-RU" dirty="0">
+                <a:solidFill>
+                  <a:srgbClr val="FFCC00"/>
+                </a:solidFill>
+                <a:latin typeface="Verdana" panose="020B0604030504040204" pitchFamily="34" charset="0"/>
+              </a:rPr>
+              <a:t> </a:t>
+            </a:r>
+            <a:r>
+              <a:rPr lang="ru-RU" altLang="ru-RU" dirty="0">
+                <a:solidFill>
+                  <a:srgbClr val="FFFFFF"/>
+                </a:solidFill>
+                <a:latin typeface="Verdana" panose="020B0604030504040204" pitchFamily="34" charset="0"/>
+              </a:rPr>
+              <a:t>{</a:t>
+            </a:r>
+            <a:br>
+              <a:rPr lang="ru-RU" altLang="ru-RU" dirty="0">
+                <a:solidFill>
+                  <a:srgbClr val="FFFFFF"/>
+                </a:solidFill>
+                <a:latin typeface="Verdana" panose="020B0604030504040204" pitchFamily="34" charset="0"/>
+              </a:rPr>
+            </a:br>
+            <a:r>
+              <a:rPr lang="ru-RU" altLang="ru-RU" dirty="0" err="1">
+                <a:solidFill>
+                  <a:srgbClr val="FFFFFF"/>
+                </a:solidFill>
+                <a:latin typeface="Verdana" panose="020B0604030504040204" pitchFamily="34" charset="0"/>
+              </a:rPr>
+              <a:t>public</a:t>
+            </a:r>
+            <a:r>
+              <a:rPr lang="ru-RU" altLang="ru-RU" dirty="0">
+                <a:solidFill>
+                  <a:srgbClr val="FFFFFF"/>
+                </a:solidFill>
+                <a:latin typeface="Verdana" panose="020B0604030504040204" pitchFamily="34" charset="0"/>
+              </a:rPr>
+              <a:t>:</a:t>
+            </a:r>
+            <a:br>
+              <a:rPr lang="ru-RU" altLang="ru-RU" dirty="0">
+                <a:solidFill>
+                  <a:srgbClr val="FFFFFF"/>
+                </a:solidFill>
+                <a:latin typeface="Verdana" panose="020B0604030504040204" pitchFamily="34" charset="0"/>
+              </a:rPr>
+            </a:br>
+            <a:r>
+              <a:rPr lang="ru-RU" altLang="ru-RU" dirty="0">
+                <a:solidFill>
+                  <a:srgbClr val="FFFFFF"/>
+                </a:solidFill>
+                <a:latin typeface="Verdana" panose="020B0604030504040204" pitchFamily="34" charset="0"/>
+              </a:rPr>
+              <a:t>    </a:t>
+            </a:r>
+            <a:r>
+              <a:rPr lang="ru-RU" altLang="ru-RU" dirty="0" err="1">
+                <a:solidFill>
+                  <a:srgbClr val="FFFFFF"/>
+                </a:solidFill>
+                <a:latin typeface="Verdana" panose="020B0604030504040204" pitchFamily="34" charset="0"/>
+              </a:rPr>
+              <a:t>explicit</a:t>
+            </a:r>
+            <a:r>
+              <a:rPr lang="ru-RU" altLang="ru-RU" dirty="0">
+                <a:solidFill>
+                  <a:srgbClr val="FFFFFF"/>
+                </a:solidFill>
+                <a:latin typeface="Verdana" panose="020B0604030504040204" pitchFamily="34" charset="0"/>
+              </a:rPr>
+              <a:t> </a:t>
+            </a:r>
+            <a:r>
+              <a:rPr lang="ru-RU" altLang="ru-RU" dirty="0" err="1">
+                <a:solidFill>
+                  <a:srgbClr val="FFCC00"/>
+                </a:solidFill>
+                <a:latin typeface="Verdana" panose="020B0604030504040204" pitchFamily="34" charset="0"/>
+              </a:rPr>
+              <a:t>HttpResponse</a:t>
+            </a:r>
+            <a:r>
+              <a:rPr lang="ru-RU" altLang="ru-RU" dirty="0">
+                <a:solidFill>
+                  <a:srgbClr val="FFFFFF"/>
+                </a:solidFill>
+                <a:latin typeface="Verdana" panose="020B0604030504040204" pitchFamily="34" charset="0"/>
+              </a:rPr>
+              <a:t>(</a:t>
+            </a:r>
+            <a:r>
+              <a:rPr lang="ru-RU" altLang="ru-RU" dirty="0" err="1">
+                <a:solidFill>
+                  <a:srgbClr val="FFCC00"/>
+                </a:solidFill>
+                <a:latin typeface="Verdana" panose="020B0604030504040204" pitchFamily="34" charset="0"/>
+              </a:rPr>
+              <a:t>HttpCode</a:t>
+            </a:r>
+            <a:r>
+              <a:rPr lang="ru-RU" altLang="ru-RU" dirty="0">
+                <a:solidFill>
+                  <a:srgbClr val="FFCC00"/>
+                </a:solidFill>
+                <a:latin typeface="Verdana" panose="020B0604030504040204" pitchFamily="34" charset="0"/>
+              </a:rPr>
+              <a:t> </a:t>
+            </a:r>
+            <a:r>
+              <a:rPr lang="ru-RU" altLang="ru-RU" dirty="0" err="1">
+                <a:solidFill>
+                  <a:srgbClr val="5BCD9D"/>
+                </a:solidFill>
+                <a:latin typeface="Verdana" panose="020B0604030504040204" pitchFamily="34" charset="0"/>
+              </a:rPr>
+              <a:t>code</a:t>
+            </a:r>
+            <a:r>
+              <a:rPr lang="ru-RU" altLang="ru-RU" dirty="0">
+                <a:solidFill>
+                  <a:srgbClr val="FFFFFF"/>
+                </a:solidFill>
+                <a:latin typeface="Verdana" panose="020B0604030504040204" pitchFamily="34" charset="0"/>
+              </a:rPr>
+              <a:t>);</a:t>
+            </a:r>
+            <a:br>
+              <a:rPr lang="ru-RU" altLang="ru-RU" dirty="0">
+                <a:solidFill>
+                  <a:srgbClr val="FFFFFF"/>
+                </a:solidFill>
+                <a:latin typeface="Verdana" panose="020B0604030504040204" pitchFamily="34" charset="0"/>
+              </a:rPr>
+            </a:br>
+            <a:r>
+              <a:rPr lang="ru-RU" altLang="ru-RU" dirty="0">
+                <a:solidFill>
+                  <a:srgbClr val="FFFFFF"/>
+                </a:solidFill>
+                <a:latin typeface="Verdana" panose="020B0604030504040204" pitchFamily="34" charset="0"/>
+              </a:rPr>
+              <a:t>    </a:t>
+            </a:r>
+            <a:r>
+              <a:rPr lang="ru-RU" altLang="ru-RU" dirty="0" err="1">
+                <a:solidFill>
+                  <a:srgbClr val="FFCC00"/>
+                </a:solidFill>
+                <a:latin typeface="Verdana" panose="020B0604030504040204" pitchFamily="34" charset="0"/>
+              </a:rPr>
+              <a:t>HttpResponse</a:t>
+            </a:r>
+            <a:r>
+              <a:rPr lang="ru-RU" altLang="ru-RU" dirty="0">
+                <a:solidFill>
+                  <a:srgbClr val="FFFFFF"/>
+                </a:solidFill>
+                <a:latin typeface="Verdana" panose="020B0604030504040204" pitchFamily="34" charset="0"/>
+              </a:rPr>
+              <a:t>&amp; </a:t>
+            </a:r>
+            <a:r>
+              <a:rPr lang="ru-RU" altLang="ru-RU" dirty="0" err="1">
+                <a:solidFill>
+                  <a:srgbClr val="FFCC00"/>
+                </a:solidFill>
+                <a:latin typeface="Verdana" panose="020B0604030504040204" pitchFamily="34" charset="0"/>
+              </a:rPr>
+              <a:t>SetContent</a:t>
+            </a:r>
+            <a:r>
+              <a:rPr lang="ru-RU" altLang="ru-RU" dirty="0">
+                <a:solidFill>
+                  <a:srgbClr val="FFFFFF"/>
+                </a:solidFill>
+                <a:latin typeface="Verdana" panose="020B0604030504040204" pitchFamily="34" charset="0"/>
+              </a:rPr>
+              <a:t>(</a:t>
+            </a:r>
+            <a:r>
+              <a:rPr lang="ru-RU" altLang="ru-RU" dirty="0" err="1">
+                <a:solidFill>
+                  <a:srgbClr val="9E64A9"/>
+                </a:solidFill>
+                <a:latin typeface="Verdana" panose="020B0604030504040204" pitchFamily="34" charset="0"/>
+              </a:rPr>
+              <a:t>std</a:t>
+            </a:r>
+            <a:r>
+              <a:rPr lang="ru-RU" altLang="ru-RU" dirty="0">
+                <a:solidFill>
+                  <a:srgbClr val="FFFFFF"/>
+                </a:solidFill>
+                <a:latin typeface="Verdana" panose="020B0604030504040204" pitchFamily="34" charset="0"/>
+              </a:rPr>
+              <a:t>::</a:t>
+            </a:r>
+            <a:r>
+              <a:rPr lang="ru-RU" altLang="ru-RU" dirty="0" err="1">
+                <a:solidFill>
+                  <a:srgbClr val="FFCC00"/>
+                </a:solidFill>
+                <a:latin typeface="Verdana" panose="020B0604030504040204" pitchFamily="34" charset="0"/>
+              </a:rPr>
+              <a:t>string</a:t>
+            </a:r>
+            <a:r>
+              <a:rPr lang="ru-RU" altLang="ru-RU" dirty="0">
+                <a:solidFill>
+                  <a:srgbClr val="FFCC00"/>
+                </a:solidFill>
+                <a:latin typeface="Verdana" panose="020B0604030504040204" pitchFamily="34" charset="0"/>
+              </a:rPr>
+              <a:t> </a:t>
+            </a:r>
+            <a:r>
+              <a:rPr lang="ru-RU" altLang="ru-RU" dirty="0" err="1">
+                <a:solidFill>
+                  <a:srgbClr val="5BCD9D"/>
+                </a:solidFill>
+                <a:latin typeface="Verdana" panose="020B0604030504040204" pitchFamily="34" charset="0"/>
+              </a:rPr>
+              <a:t>value</a:t>
+            </a:r>
+            <a:r>
+              <a:rPr lang="ru-RU" altLang="ru-RU" dirty="0">
+                <a:solidFill>
+                  <a:srgbClr val="FFFFFF"/>
+                </a:solidFill>
+                <a:latin typeface="Verdana" panose="020B0604030504040204" pitchFamily="34" charset="0"/>
+              </a:rPr>
+              <a:t>);</a:t>
+            </a:r>
+            <a:br>
+              <a:rPr lang="ru-RU" altLang="ru-RU" dirty="0">
+                <a:solidFill>
+                  <a:srgbClr val="FFFFFF"/>
+                </a:solidFill>
+                <a:latin typeface="Verdana" panose="020B0604030504040204" pitchFamily="34" charset="0"/>
+              </a:rPr>
+            </a:br>
+            <a:r>
+              <a:rPr lang="ru-RU" altLang="ru-RU" dirty="0">
+                <a:solidFill>
+                  <a:srgbClr val="FFFFFF"/>
+                </a:solidFill>
+                <a:latin typeface="Verdana" panose="020B0604030504040204" pitchFamily="34" charset="0"/>
+              </a:rPr>
+              <a:t>    </a:t>
+            </a:r>
+            <a:r>
+              <a:rPr lang="ru-RU" altLang="ru-RU" dirty="0" err="1">
+                <a:solidFill>
+                  <a:srgbClr val="FFFFFF"/>
+                </a:solidFill>
+                <a:latin typeface="Verdana" panose="020B0604030504040204" pitchFamily="34" charset="0"/>
+              </a:rPr>
+              <a:t>friend</a:t>
+            </a:r>
+            <a:r>
+              <a:rPr lang="ru-RU" altLang="ru-RU" dirty="0">
+                <a:solidFill>
+                  <a:srgbClr val="FFFFFF"/>
+                </a:solidFill>
+                <a:latin typeface="Verdana" panose="020B0604030504040204" pitchFamily="34" charset="0"/>
+              </a:rPr>
+              <a:t> </a:t>
+            </a:r>
+            <a:r>
+              <a:rPr lang="ru-RU" altLang="ru-RU" dirty="0" err="1">
+                <a:solidFill>
+                  <a:srgbClr val="9E64A9"/>
+                </a:solidFill>
+                <a:latin typeface="Verdana" panose="020B0604030504040204" pitchFamily="34" charset="0"/>
+              </a:rPr>
+              <a:t>std</a:t>
+            </a:r>
+            <a:r>
+              <a:rPr lang="ru-RU" altLang="ru-RU" dirty="0">
+                <a:solidFill>
+                  <a:srgbClr val="FFFFFF"/>
+                </a:solidFill>
+                <a:latin typeface="Verdana" panose="020B0604030504040204" pitchFamily="34" charset="0"/>
+              </a:rPr>
+              <a:t>::</a:t>
+            </a:r>
+            <a:r>
+              <a:rPr lang="ru-RU" altLang="ru-RU" dirty="0" err="1">
+                <a:solidFill>
+                  <a:srgbClr val="FFCC00"/>
+                </a:solidFill>
+                <a:latin typeface="Verdana" panose="020B0604030504040204" pitchFamily="34" charset="0"/>
+              </a:rPr>
+              <a:t>ostream</a:t>
+            </a:r>
+            <a:r>
+              <a:rPr lang="ru-RU" altLang="ru-RU" dirty="0">
+                <a:solidFill>
+                  <a:srgbClr val="FFFFFF"/>
+                </a:solidFill>
+                <a:latin typeface="Verdana" panose="020B0604030504040204" pitchFamily="34" charset="0"/>
+              </a:rPr>
+              <a:t>&amp; </a:t>
+            </a:r>
+            <a:r>
+              <a:rPr lang="ru-RU" altLang="ru-RU" dirty="0" err="1">
+                <a:solidFill>
+                  <a:srgbClr val="FFFFFF"/>
+                </a:solidFill>
+                <a:latin typeface="Verdana" panose="020B0604030504040204" pitchFamily="34" charset="0"/>
+              </a:rPr>
+              <a:t>operator</a:t>
+            </a:r>
+            <a:r>
+              <a:rPr lang="ru-RU" altLang="ru-RU" dirty="0">
+                <a:solidFill>
+                  <a:srgbClr val="FFFFFF"/>
+                </a:solidFill>
+                <a:latin typeface="Verdana" panose="020B0604030504040204" pitchFamily="34" charset="0"/>
+              </a:rPr>
+              <a:t> </a:t>
+            </a:r>
+            <a:r>
+              <a:rPr lang="ru-RU" altLang="ru-RU" dirty="0">
+                <a:solidFill>
+                  <a:srgbClr val="FFCC00"/>
+                </a:solidFill>
+                <a:latin typeface="Verdana" panose="020B0604030504040204" pitchFamily="34" charset="0"/>
+              </a:rPr>
+              <a:t>&lt;&lt; </a:t>
+            </a:r>
+            <a:r>
+              <a:rPr lang="ru-RU" altLang="ru-RU" dirty="0">
+                <a:solidFill>
+                  <a:srgbClr val="FFFFFF"/>
+                </a:solidFill>
+                <a:latin typeface="Verdana" panose="020B0604030504040204" pitchFamily="34" charset="0"/>
+              </a:rPr>
+              <a:t>(</a:t>
+            </a:r>
+            <a:r>
+              <a:rPr lang="ru-RU" altLang="ru-RU" dirty="0" err="1">
+                <a:solidFill>
+                  <a:srgbClr val="9E64A9"/>
+                </a:solidFill>
+                <a:latin typeface="Verdana" panose="020B0604030504040204" pitchFamily="34" charset="0"/>
+              </a:rPr>
+              <a:t>std</a:t>
+            </a:r>
+            <a:r>
+              <a:rPr lang="ru-RU" altLang="ru-RU" dirty="0">
+                <a:solidFill>
+                  <a:srgbClr val="FFFFFF"/>
+                </a:solidFill>
+                <a:latin typeface="Verdana" panose="020B0604030504040204" pitchFamily="34" charset="0"/>
+              </a:rPr>
+              <a:t>::</a:t>
+            </a:r>
+            <a:r>
+              <a:rPr lang="ru-RU" altLang="ru-RU" dirty="0" err="1">
+                <a:solidFill>
+                  <a:srgbClr val="FFCC00"/>
+                </a:solidFill>
+                <a:latin typeface="Verdana" panose="020B0604030504040204" pitchFamily="34" charset="0"/>
+              </a:rPr>
+              <a:t>ostream</a:t>
+            </a:r>
+            <a:r>
+              <a:rPr lang="ru-RU" altLang="ru-RU" dirty="0">
+                <a:solidFill>
+                  <a:srgbClr val="FFFFFF"/>
+                </a:solidFill>
+                <a:latin typeface="Verdana" panose="020B0604030504040204" pitchFamily="34" charset="0"/>
+              </a:rPr>
+              <a:t>&amp; </a:t>
+            </a:r>
+            <a:r>
+              <a:rPr lang="ru-RU" altLang="ru-RU" dirty="0" err="1">
+                <a:solidFill>
+                  <a:srgbClr val="5BCD9D"/>
+                </a:solidFill>
+                <a:latin typeface="Verdana" panose="020B0604030504040204" pitchFamily="34" charset="0"/>
+              </a:rPr>
+              <a:t>os</a:t>
+            </a:r>
+            <a:r>
+              <a:rPr lang="ru-RU" altLang="ru-RU" dirty="0">
+                <a:solidFill>
+                  <a:srgbClr val="FFFFFF"/>
+                </a:solidFill>
+                <a:latin typeface="Verdana" panose="020B0604030504040204" pitchFamily="34" charset="0"/>
+              </a:rPr>
+              <a:t>, </a:t>
+            </a:r>
+            <a:r>
+              <a:rPr lang="ru-RU" altLang="ru-RU" dirty="0" err="1">
+                <a:solidFill>
+                  <a:srgbClr val="FFFFFF"/>
+                </a:solidFill>
+                <a:latin typeface="Verdana" panose="020B0604030504040204" pitchFamily="34" charset="0"/>
+              </a:rPr>
+              <a:t>const</a:t>
+            </a:r>
+            <a:r>
+              <a:rPr lang="ru-RU" altLang="ru-RU" dirty="0">
+                <a:solidFill>
+                  <a:srgbClr val="FFFFFF"/>
+                </a:solidFill>
+                <a:latin typeface="Verdana" panose="020B0604030504040204" pitchFamily="34" charset="0"/>
+              </a:rPr>
+              <a:t> </a:t>
+            </a:r>
+            <a:r>
+              <a:rPr lang="ru-RU" altLang="ru-RU" dirty="0" err="1">
+                <a:solidFill>
+                  <a:srgbClr val="FFCC00"/>
+                </a:solidFill>
+                <a:latin typeface="Verdana" panose="020B0604030504040204" pitchFamily="34" charset="0"/>
+              </a:rPr>
+              <a:t>HttpResponse</a:t>
+            </a:r>
+            <a:r>
+              <a:rPr lang="ru-RU" altLang="ru-RU" dirty="0">
+                <a:solidFill>
+                  <a:srgbClr val="FFFFFF"/>
+                </a:solidFill>
+                <a:latin typeface="Verdana" panose="020B0604030504040204" pitchFamily="34" charset="0"/>
+              </a:rPr>
+              <a:t>&amp; </a:t>
+            </a:r>
+            <a:r>
+              <a:rPr lang="ru-RU" altLang="ru-RU" dirty="0" err="1">
+                <a:solidFill>
+                  <a:srgbClr val="5BCD9D"/>
+                </a:solidFill>
+                <a:latin typeface="Verdana" panose="020B0604030504040204" pitchFamily="34" charset="0"/>
+              </a:rPr>
+              <a:t>resp</a:t>
+            </a:r>
+            <a:r>
+              <a:rPr lang="ru-RU" altLang="ru-RU" dirty="0">
+                <a:solidFill>
+                  <a:srgbClr val="FFFFFF"/>
+                </a:solidFill>
+                <a:latin typeface="Verdana" panose="020B0604030504040204" pitchFamily="34" charset="0"/>
+              </a:rPr>
+              <a:t>);</a:t>
+            </a:r>
+            <a:br>
+              <a:rPr lang="ru-RU" altLang="ru-RU" dirty="0">
+                <a:solidFill>
+                  <a:srgbClr val="FFFFFF"/>
+                </a:solidFill>
+                <a:latin typeface="Verdana" panose="020B0604030504040204" pitchFamily="34" charset="0"/>
+              </a:rPr>
+            </a:br>
+            <a:r>
+              <a:rPr lang="ru-RU" altLang="ru-RU" dirty="0" smtClean="0">
+                <a:solidFill>
+                  <a:srgbClr val="FFFFFF"/>
+                </a:solidFill>
+                <a:latin typeface="Verdana" panose="020B0604030504040204" pitchFamily="34" charset="0"/>
+              </a:rPr>
+              <a:t>};</a:t>
+            </a:r>
+            <a:r>
+              <a:rPr lang="ru-RU" altLang="ru-RU" dirty="0">
+                <a:solidFill>
+                  <a:srgbClr val="FFFFFF"/>
+                </a:solidFill>
+                <a:latin typeface="Verdana" panose="020B0604030504040204" pitchFamily="34" charset="0"/>
+              </a:rPr>
+              <a:t/>
+            </a:r>
+            <a:br>
+              <a:rPr lang="ru-RU" altLang="ru-RU" dirty="0">
+                <a:solidFill>
+                  <a:srgbClr val="FFFFFF"/>
+                </a:solidFill>
+                <a:latin typeface="Verdana" panose="020B0604030504040204" pitchFamily="34" charset="0"/>
+              </a:rPr>
+            </a:br>
+            <a:endParaRPr lang="ru-RU" altLang="ru-RU" sz="6600" dirty="0">
+              <a:solidFill>
+                <a:schemeClr val="tx1"/>
+              </a:solidFill>
+              <a:latin typeface="Arial" panose="020B0604020202020204" pitchFamily="34" charset="0"/>
+            </a:endParaRPr>
+          </a:p>
+          <a:p>
+            <a:endParaRPr lang="en-US" altLang="ru-RU" dirty="0">
+              <a:solidFill>
+                <a:srgbClr val="FFFFFF"/>
+              </a:solidFill>
+              <a:latin typeface="Verdana" panose="020B0604030504040204" pitchFamily="34" charset="0"/>
+            </a:endParaRPr>
+          </a:p>
+        </p:txBody>
+      </p:sp>
+      <p:sp>
+        <p:nvSpPr>
+          <p:cNvPr id="2" name="Заголовок 1"/>
+          <p:cNvSpPr>
+            <a:spLocks noGrp="1"/>
+          </p:cNvSpPr>
+          <p:nvPr>
+            <p:ph type="title"/>
+          </p:nvPr>
+        </p:nvSpPr>
+        <p:spPr/>
+        <p:txBody>
+          <a:bodyPr/>
+          <a:lstStyle/>
+          <a:p>
+            <a:r>
+              <a:rPr lang="ru-RU" dirty="0" smtClean="0"/>
+              <a:t>Третий шаг – пишем юнит-тесты</a:t>
+            </a:r>
+            <a:endParaRPr lang="ru-RU" dirty="0"/>
+          </a:p>
+        </p:txBody>
+      </p:sp>
+      <p:sp>
+        <p:nvSpPr>
+          <p:cNvPr id="5" name="Объект 4"/>
+          <p:cNvSpPr>
+            <a:spLocks noGrp="1"/>
+          </p:cNvSpPr>
+          <p:nvPr>
+            <p:ph idx="1"/>
+          </p:nvPr>
+        </p:nvSpPr>
+        <p:spPr/>
+        <p:txBody>
+          <a:bodyPr/>
+          <a:lstStyle/>
+          <a:p>
+            <a:pPr lvl="1"/>
+            <a:r>
+              <a:rPr lang="ru-RU" altLang="ru-RU" dirty="0" smtClean="0">
+                <a:latin typeface="Verdana" panose="020B0604030504040204" pitchFamily="34" charset="0"/>
+              </a:rPr>
+              <a:t>Покроем наш интерфейс юнит-тестами</a:t>
+            </a:r>
+            <a:endParaRPr lang="en-US" altLang="ru-RU" dirty="0">
+              <a:latin typeface="Verdana" panose="020B0604030504040204" pitchFamily="34" charset="0"/>
+            </a:endParaRPr>
+          </a:p>
+          <a:p>
+            <a:pPr lvl="1"/>
+            <a:endParaRPr lang="ru-RU" altLang="ru-RU" dirty="0">
+              <a:latin typeface="Verdana" panose="020B0604030504040204" pitchFamily="34" charset="0"/>
+            </a:endParaRPr>
+          </a:p>
+          <a:p>
+            <a:pPr lvl="1"/>
+            <a:r>
+              <a:rPr lang="ru-RU" altLang="ru-RU" dirty="0" smtClean="0">
+                <a:latin typeface="Verdana" panose="020B0604030504040204" pitchFamily="34" charset="0"/>
+              </a:rPr>
+              <a:t>Мы всё ещё его не реализовали!</a:t>
+            </a:r>
+            <a:endParaRPr lang="en-US" altLang="ru-RU" dirty="0" smtClean="0">
+              <a:latin typeface="Verdana" panose="020B0604030504040204" pitchFamily="34" charset="0"/>
+            </a:endParaRPr>
+          </a:p>
+        </p:txBody>
+      </p:sp>
+      <p:sp>
+        <p:nvSpPr>
+          <p:cNvPr id="3" name="Нижний колонтитул 2"/>
+          <p:cNvSpPr>
+            <a:spLocks noGrp="1"/>
+          </p:cNvSpPr>
+          <p:nvPr>
+            <p:ph type="ftr" sz="quarter" idx="11"/>
+          </p:nvPr>
+        </p:nvSpPr>
+        <p:spPr/>
+        <p:txBody>
+          <a:bodyPr/>
+          <a:lstStyle/>
+          <a:p>
+            <a:endParaRPr lang="ru-RU" dirty="0">
+              <a:solidFill>
+                <a:srgbClr val="000000"/>
+              </a:solidFill>
+            </a:endParaRPr>
+          </a:p>
+        </p:txBody>
+      </p:sp>
+      <p:sp>
+        <p:nvSpPr>
+          <p:cNvPr id="4" name="Номер слайда 3"/>
+          <p:cNvSpPr>
+            <a:spLocks noGrp="1"/>
+          </p:cNvSpPr>
+          <p:nvPr>
+            <p:ph type="sldNum" sz="quarter" idx="12"/>
+          </p:nvPr>
+        </p:nvSpPr>
+        <p:spPr/>
+        <p:txBody>
+          <a:bodyPr/>
+          <a:lstStyle/>
+          <a:p>
+            <a:fld id="{741C03D3-FA44-40EC-9A21-1FC4FEA3E22E}" type="slidenum">
+              <a:rPr lang="ru-RU" smtClean="0">
+                <a:solidFill>
+                  <a:schemeClr val="bg1"/>
+                </a:solidFill>
+              </a:rPr>
+              <a:pPr/>
+              <a:t>15</a:t>
+            </a:fld>
+            <a:endParaRPr lang="ru-RU" dirty="0">
+              <a:solidFill>
+                <a:schemeClr val="bg1"/>
+              </a:solidFill>
+            </a:endParaRPr>
+          </a:p>
+        </p:txBody>
+      </p:sp>
+    </p:spTree>
+    <p:extLst>
+      <p:ext uri="{BB962C8B-B14F-4D97-AF65-F5344CB8AC3E}">
+        <p14:creationId xmlns:p14="http://schemas.microsoft.com/office/powerpoint/2010/main" val="816885251"/>
       </p:ext>
     </p:extLst>
   </p:cSld>
@@ -28317,715 +28404,6 @@
       </p:grpSpPr>
       <p:sp>
         <p:nvSpPr>
-          <p:cNvPr id="10" name="Объект 9"/>
-          <p:cNvSpPr>
-            <a:spLocks noGrp="1"/>
-          </p:cNvSpPr>
-          <p:nvPr>
-            <p:ph idx="13"/>
-          </p:nvPr>
-        </p:nvSpPr>
-        <p:spPr/>
-        <p:txBody>
-          <a:bodyPr/>
-          <a:lstStyle/>
-          <a:p>
-            <a:r>
-              <a:rPr lang="ru-RU" altLang="ru-RU" dirty="0" err="1">
-                <a:solidFill>
-                  <a:srgbClr val="FFFFFF"/>
-                </a:solidFill>
-                <a:latin typeface="Verdana" panose="020B0604030504040204" pitchFamily="34" charset="0"/>
-              </a:rPr>
-              <a:t>class</a:t>
-            </a:r>
-            <a:r>
-              <a:rPr lang="ru-RU" altLang="ru-RU" dirty="0">
-                <a:solidFill>
-                  <a:srgbClr val="FFFFFF"/>
-                </a:solidFill>
-                <a:latin typeface="Verdana" panose="020B0604030504040204" pitchFamily="34" charset="0"/>
-              </a:rPr>
-              <a:t> </a:t>
-            </a:r>
-            <a:r>
-              <a:rPr lang="ru-RU" altLang="ru-RU" dirty="0" err="1">
-                <a:solidFill>
-                  <a:srgbClr val="FFCC00"/>
-                </a:solidFill>
-                <a:latin typeface="Verdana" panose="020B0604030504040204" pitchFamily="34" charset="0"/>
-              </a:rPr>
-              <a:t>HttpResponse</a:t>
-            </a:r>
-            <a:r>
-              <a:rPr lang="ru-RU" altLang="ru-RU" dirty="0">
-                <a:solidFill>
-                  <a:srgbClr val="FFCC00"/>
-                </a:solidFill>
-                <a:latin typeface="Verdana" panose="020B0604030504040204" pitchFamily="34" charset="0"/>
-              </a:rPr>
-              <a:t> </a:t>
-            </a:r>
-            <a:r>
-              <a:rPr lang="ru-RU" altLang="ru-RU" dirty="0">
-                <a:solidFill>
-                  <a:srgbClr val="FFFFFF"/>
-                </a:solidFill>
-                <a:latin typeface="Verdana" panose="020B0604030504040204" pitchFamily="34" charset="0"/>
-              </a:rPr>
-              <a:t>{</a:t>
-            </a:r>
-            <a:br>
-              <a:rPr lang="ru-RU" altLang="ru-RU" dirty="0">
-                <a:solidFill>
-                  <a:srgbClr val="FFFFFF"/>
-                </a:solidFill>
-                <a:latin typeface="Verdana" panose="020B0604030504040204" pitchFamily="34" charset="0"/>
-              </a:rPr>
-            </a:br>
-            <a:r>
-              <a:rPr lang="ru-RU" altLang="ru-RU" dirty="0" err="1">
-                <a:solidFill>
-                  <a:srgbClr val="FFFFFF"/>
-                </a:solidFill>
-                <a:latin typeface="Verdana" panose="020B0604030504040204" pitchFamily="34" charset="0"/>
-              </a:rPr>
-              <a:t>public</a:t>
-            </a:r>
-            <a:r>
-              <a:rPr lang="ru-RU" altLang="ru-RU" dirty="0">
-                <a:solidFill>
-                  <a:srgbClr val="FFFFFF"/>
-                </a:solidFill>
-                <a:latin typeface="Verdana" panose="020B0604030504040204" pitchFamily="34" charset="0"/>
-              </a:rPr>
-              <a:t>:</a:t>
-            </a:r>
-            <a:br>
-              <a:rPr lang="ru-RU" altLang="ru-RU" dirty="0">
-                <a:solidFill>
-                  <a:srgbClr val="FFFFFF"/>
-                </a:solidFill>
-                <a:latin typeface="Verdana" panose="020B0604030504040204" pitchFamily="34" charset="0"/>
-              </a:rPr>
-            </a:br>
-            <a:r>
-              <a:rPr lang="ru-RU" altLang="ru-RU" dirty="0">
-                <a:solidFill>
-                  <a:srgbClr val="FFFFFF"/>
-                </a:solidFill>
-                <a:latin typeface="Verdana" panose="020B0604030504040204" pitchFamily="34" charset="0"/>
-              </a:rPr>
-              <a:t>    </a:t>
-            </a:r>
-            <a:r>
-              <a:rPr lang="ru-RU" altLang="ru-RU" dirty="0" err="1">
-                <a:solidFill>
-                  <a:srgbClr val="FFFFFF"/>
-                </a:solidFill>
-                <a:latin typeface="Verdana" panose="020B0604030504040204" pitchFamily="34" charset="0"/>
-              </a:rPr>
-              <a:t>explicit</a:t>
-            </a:r>
-            <a:r>
-              <a:rPr lang="ru-RU" altLang="ru-RU" dirty="0">
-                <a:solidFill>
-                  <a:srgbClr val="FFFFFF"/>
-                </a:solidFill>
-                <a:latin typeface="Verdana" panose="020B0604030504040204" pitchFamily="34" charset="0"/>
-              </a:rPr>
-              <a:t> </a:t>
-            </a:r>
-            <a:r>
-              <a:rPr lang="ru-RU" altLang="ru-RU" dirty="0" err="1">
-                <a:solidFill>
-                  <a:srgbClr val="FFCC00"/>
-                </a:solidFill>
-                <a:latin typeface="Verdana" panose="020B0604030504040204" pitchFamily="34" charset="0"/>
-              </a:rPr>
-              <a:t>HttpResponse</a:t>
-            </a:r>
-            <a:r>
-              <a:rPr lang="ru-RU" altLang="ru-RU" dirty="0">
-                <a:solidFill>
-                  <a:srgbClr val="FFFFFF"/>
-                </a:solidFill>
-                <a:latin typeface="Verdana" panose="020B0604030504040204" pitchFamily="34" charset="0"/>
-              </a:rPr>
-              <a:t>(</a:t>
-            </a:r>
-            <a:r>
-              <a:rPr lang="ru-RU" altLang="ru-RU" dirty="0" err="1">
-                <a:solidFill>
-                  <a:srgbClr val="FFCC00"/>
-                </a:solidFill>
-                <a:latin typeface="Verdana" panose="020B0604030504040204" pitchFamily="34" charset="0"/>
-              </a:rPr>
-              <a:t>HttpCode</a:t>
-            </a:r>
-            <a:r>
-              <a:rPr lang="ru-RU" altLang="ru-RU" dirty="0">
-                <a:solidFill>
-                  <a:srgbClr val="FFCC00"/>
-                </a:solidFill>
-                <a:latin typeface="Verdana" panose="020B0604030504040204" pitchFamily="34" charset="0"/>
-              </a:rPr>
-              <a:t> </a:t>
-            </a:r>
-            <a:r>
-              <a:rPr lang="ru-RU" altLang="ru-RU" dirty="0" err="1">
-                <a:solidFill>
-                  <a:srgbClr val="5BCD9D"/>
-                </a:solidFill>
-                <a:latin typeface="Verdana" panose="020B0604030504040204" pitchFamily="34" charset="0"/>
-              </a:rPr>
-              <a:t>code</a:t>
-            </a:r>
-            <a:r>
-              <a:rPr lang="ru-RU" altLang="ru-RU" dirty="0">
-                <a:solidFill>
-                  <a:srgbClr val="FFFFFF"/>
-                </a:solidFill>
-                <a:latin typeface="Verdana" panose="020B0604030504040204" pitchFamily="34" charset="0"/>
-              </a:rPr>
-              <a:t>);</a:t>
-            </a:r>
-            <a:br>
-              <a:rPr lang="ru-RU" altLang="ru-RU" dirty="0">
-                <a:solidFill>
-                  <a:srgbClr val="FFFFFF"/>
-                </a:solidFill>
-                <a:latin typeface="Verdana" panose="020B0604030504040204" pitchFamily="34" charset="0"/>
-              </a:rPr>
-            </a:br>
-            <a:r>
-              <a:rPr lang="ru-RU" altLang="ru-RU" dirty="0">
-                <a:solidFill>
-                  <a:srgbClr val="FFFFFF"/>
-                </a:solidFill>
-                <a:latin typeface="Verdana" panose="020B0604030504040204" pitchFamily="34" charset="0"/>
-              </a:rPr>
-              <a:t>    </a:t>
-            </a:r>
-            <a:r>
-              <a:rPr lang="ru-RU" altLang="ru-RU" dirty="0" err="1">
-                <a:solidFill>
-                  <a:srgbClr val="FFCC00"/>
-                </a:solidFill>
-                <a:latin typeface="Verdana" panose="020B0604030504040204" pitchFamily="34" charset="0"/>
-              </a:rPr>
-              <a:t>HttpResponse</a:t>
-            </a:r>
-            <a:r>
-              <a:rPr lang="ru-RU" altLang="ru-RU" dirty="0">
-                <a:solidFill>
-                  <a:srgbClr val="FFFFFF"/>
-                </a:solidFill>
-                <a:latin typeface="Verdana" panose="020B0604030504040204" pitchFamily="34" charset="0"/>
-              </a:rPr>
-              <a:t>&amp; </a:t>
-            </a:r>
-            <a:r>
-              <a:rPr lang="ru-RU" altLang="ru-RU" dirty="0" err="1">
-                <a:solidFill>
-                  <a:srgbClr val="FFCC00"/>
-                </a:solidFill>
-                <a:latin typeface="Verdana" panose="020B0604030504040204" pitchFamily="34" charset="0"/>
-              </a:rPr>
-              <a:t>SetContent</a:t>
-            </a:r>
-            <a:r>
-              <a:rPr lang="ru-RU" altLang="ru-RU" dirty="0">
-                <a:solidFill>
-                  <a:srgbClr val="FFFFFF"/>
-                </a:solidFill>
-                <a:latin typeface="Verdana" panose="020B0604030504040204" pitchFamily="34" charset="0"/>
-              </a:rPr>
-              <a:t>(</a:t>
-            </a:r>
-            <a:r>
-              <a:rPr lang="ru-RU" altLang="ru-RU" dirty="0" err="1">
-                <a:solidFill>
-                  <a:srgbClr val="9E64A9"/>
-                </a:solidFill>
-                <a:latin typeface="Verdana" panose="020B0604030504040204" pitchFamily="34" charset="0"/>
-              </a:rPr>
-              <a:t>std</a:t>
-            </a:r>
-            <a:r>
-              <a:rPr lang="ru-RU" altLang="ru-RU" dirty="0">
-                <a:solidFill>
-                  <a:srgbClr val="FFFFFF"/>
-                </a:solidFill>
-                <a:latin typeface="Verdana" panose="020B0604030504040204" pitchFamily="34" charset="0"/>
-              </a:rPr>
-              <a:t>::</a:t>
-            </a:r>
-            <a:r>
-              <a:rPr lang="ru-RU" altLang="ru-RU" dirty="0" err="1">
-                <a:solidFill>
-                  <a:srgbClr val="FFCC00"/>
-                </a:solidFill>
-                <a:latin typeface="Verdana" panose="020B0604030504040204" pitchFamily="34" charset="0"/>
-              </a:rPr>
-              <a:t>string</a:t>
-            </a:r>
-            <a:r>
-              <a:rPr lang="ru-RU" altLang="ru-RU" dirty="0">
-                <a:solidFill>
-                  <a:srgbClr val="FFCC00"/>
-                </a:solidFill>
-                <a:latin typeface="Verdana" panose="020B0604030504040204" pitchFamily="34" charset="0"/>
-              </a:rPr>
-              <a:t> </a:t>
-            </a:r>
-            <a:r>
-              <a:rPr lang="ru-RU" altLang="ru-RU" dirty="0" err="1">
-                <a:solidFill>
-                  <a:srgbClr val="5BCD9D"/>
-                </a:solidFill>
-                <a:latin typeface="Verdana" panose="020B0604030504040204" pitchFamily="34" charset="0"/>
-              </a:rPr>
-              <a:t>value</a:t>
-            </a:r>
-            <a:r>
-              <a:rPr lang="ru-RU" altLang="ru-RU" dirty="0">
-                <a:solidFill>
-                  <a:srgbClr val="FFFFFF"/>
-                </a:solidFill>
-                <a:latin typeface="Verdana" panose="020B0604030504040204" pitchFamily="34" charset="0"/>
-              </a:rPr>
-              <a:t>);</a:t>
-            </a:r>
-            <a:br>
-              <a:rPr lang="ru-RU" altLang="ru-RU" dirty="0">
-                <a:solidFill>
-                  <a:srgbClr val="FFFFFF"/>
-                </a:solidFill>
-                <a:latin typeface="Verdana" panose="020B0604030504040204" pitchFamily="34" charset="0"/>
-              </a:rPr>
-            </a:br>
-            <a:r>
-              <a:rPr lang="ru-RU" altLang="ru-RU" dirty="0">
-                <a:solidFill>
-                  <a:srgbClr val="FFFFFF"/>
-                </a:solidFill>
-                <a:latin typeface="Verdana" panose="020B0604030504040204" pitchFamily="34" charset="0"/>
-              </a:rPr>
-              <a:t>    </a:t>
-            </a:r>
-            <a:r>
-              <a:rPr lang="ru-RU" altLang="ru-RU" dirty="0" err="1">
-                <a:solidFill>
-                  <a:srgbClr val="FFFFFF"/>
-                </a:solidFill>
-                <a:latin typeface="Verdana" panose="020B0604030504040204" pitchFamily="34" charset="0"/>
-              </a:rPr>
-              <a:t>friend</a:t>
-            </a:r>
-            <a:r>
-              <a:rPr lang="ru-RU" altLang="ru-RU" dirty="0">
-                <a:solidFill>
-                  <a:srgbClr val="FFFFFF"/>
-                </a:solidFill>
-                <a:latin typeface="Verdana" panose="020B0604030504040204" pitchFamily="34" charset="0"/>
-              </a:rPr>
-              <a:t> </a:t>
-            </a:r>
-            <a:r>
-              <a:rPr lang="ru-RU" altLang="ru-RU" dirty="0" err="1">
-                <a:solidFill>
-                  <a:srgbClr val="9E64A9"/>
-                </a:solidFill>
-                <a:latin typeface="Verdana" panose="020B0604030504040204" pitchFamily="34" charset="0"/>
-              </a:rPr>
-              <a:t>std</a:t>
-            </a:r>
-            <a:r>
-              <a:rPr lang="ru-RU" altLang="ru-RU" dirty="0">
-                <a:solidFill>
-                  <a:srgbClr val="FFFFFF"/>
-                </a:solidFill>
-                <a:latin typeface="Verdana" panose="020B0604030504040204" pitchFamily="34" charset="0"/>
-              </a:rPr>
-              <a:t>::</a:t>
-            </a:r>
-            <a:r>
-              <a:rPr lang="ru-RU" altLang="ru-RU" dirty="0" err="1">
-                <a:solidFill>
-                  <a:srgbClr val="FFCC00"/>
-                </a:solidFill>
-                <a:latin typeface="Verdana" panose="020B0604030504040204" pitchFamily="34" charset="0"/>
-              </a:rPr>
-              <a:t>ostream</a:t>
-            </a:r>
-            <a:r>
-              <a:rPr lang="ru-RU" altLang="ru-RU" dirty="0">
-                <a:solidFill>
-                  <a:srgbClr val="FFFFFF"/>
-                </a:solidFill>
-                <a:latin typeface="Verdana" panose="020B0604030504040204" pitchFamily="34" charset="0"/>
-              </a:rPr>
-              <a:t>&amp; </a:t>
-            </a:r>
-            <a:r>
-              <a:rPr lang="ru-RU" altLang="ru-RU" dirty="0" err="1">
-                <a:solidFill>
-                  <a:srgbClr val="FFFFFF"/>
-                </a:solidFill>
-                <a:latin typeface="Verdana" panose="020B0604030504040204" pitchFamily="34" charset="0"/>
-              </a:rPr>
-              <a:t>operator</a:t>
-            </a:r>
-            <a:r>
-              <a:rPr lang="ru-RU" altLang="ru-RU" dirty="0">
-                <a:solidFill>
-                  <a:srgbClr val="FFFFFF"/>
-                </a:solidFill>
-                <a:latin typeface="Verdana" panose="020B0604030504040204" pitchFamily="34" charset="0"/>
-              </a:rPr>
-              <a:t> </a:t>
-            </a:r>
-            <a:r>
-              <a:rPr lang="ru-RU" altLang="ru-RU" dirty="0">
-                <a:solidFill>
-                  <a:srgbClr val="FFCC00"/>
-                </a:solidFill>
-                <a:latin typeface="Verdana" panose="020B0604030504040204" pitchFamily="34" charset="0"/>
-              </a:rPr>
-              <a:t>&lt;&lt; </a:t>
-            </a:r>
-            <a:r>
-              <a:rPr lang="ru-RU" altLang="ru-RU" dirty="0">
-                <a:solidFill>
-                  <a:srgbClr val="FFFFFF"/>
-                </a:solidFill>
-                <a:latin typeface="Verdana" panose="020B0604030504040204" pitchFamily="34" charset="0"/>
-              </a:rPr>
-              <a:t>(</a:t>
-            </a:r>
-            <a:r>
-              <a:rPr lang="ru-RU" altLang="ru-RU" dirty="0" err="1">
-                <a:solidFill>
-                  <a:srgbClr val="9E64A9"/>
-                </a:solidFill>
-                <a:latin typeface="Verdana" panose="020B0604030504040204" pitchFamily="34" charset="0"/>
-              </a:rPr>
-              <a:t>std</a:t>
-            </a:r>
-            <a:r>
-              <a:rPr lang="ru-RU" altLang="ru-RU" dirty="0">
-                <a:solidFill>
-                  <a:srgbClr val="FFFFFF"/>
-                </a:solidFill>
-                <a:latin typeface="Verdana" panose="020B0604030504040204" pitchFamily="34" charset="0"/>
-              </a:rPr>
-              <a:t>::</a:t>
-            </a:r>
-            <a:r>
-              <a:rPr lang="ru-RU" altLang="ru-RU" dirty="0" err="1">
-                <a:solidFill>
-                  <a:srgbClr val="FFCC00"/>
-                </a:solidFill>
-                <a:latin typeface="Verdana" panose="020B0604030504040204" pitchFamily="34" charset="0"/>
-              </a:rPr>
-              <a:t>ostream</a:t>
-            </a:r>
-            <a:r>
-              <a:rPr lang="ru-RU" altLang="ru-RU" dirty="0">
-                <a:solidFill>
-                  <a:srgbClr val="FFFFFF"/>
-                </a:solidFill>
-                <a:latin typeface="Verdana" panose="020B0604030504040204" pitchFamily="34" charset="0"/>
-              </a:rPr>
-              <a:t>&amp; </a:t>
-            </a:r>
-            <a:r>
-              <a:rPr lang="ru-RU" altLang="ru-RU" dirty="0" err="1">
-                <a:solidFill>
-                  <a:srgbClr val="5BCD9D"/>
-                </a:solidFill>
-                <a:latin typeface="Verdana" panose="020B0604030504040204" pitchFamily="34" charset="0"/>
-              </a:rPr>
-              <a:t>os</a:t>
-            </a:r>
-            <a:r>
-              <a:rPr lang="ru-RU" altLang="ru-RU" dirty="0">
-                <a:solidFill>
-                  <a:srgbClr val="FFFFFF"/>
-                </a:solidFill>
-                <a:latin typeface="Verdana" panose="020B0604030504040204" pitchFamily="34" charset="0"/>
-              </a:rPr>
-              <a:t>, </a:t>
-            </a:r>
-            <a:r>
-              <a:rPr lang="ru-RU" altLang="ru-RU" dirty="0" err="1">
-                <a:solidFill>
-                  <a:srgbClr val="FFFFFF"/>
-                </a:solidFill>
-                <a:latin typeface="Verdana" panose="020B0604030504040204" pitchFamily="34" charset="0"/>
-              </a:rPr>
-              <a:t>const</a:t>
-            </a:r>
-            <a:r>
-              <a:rPr lang="ru-RU" altLang="ru-RU" dirty="0">
-                <a:solidFill>
-                  <a:srgbClr val="FFFFFF"/>
-                </a:solidFill>
-                <a:latin typeface="Verdana" panose="020B0604030504040204" pitchFamily="34" charset="0"/>
-              </a:rPr>
-              <a:t> </a:t>
-            </a:r>
-            <a:r>
-              <a:rPr lang="ru-RU" altLang="ru-RU" dirty="0" err="1">
-                <a:solidFill>
-                  <a:srgbClr val="FFCC00"/>
-                </a:solidFill>
-                <a:latin typeface="Verdana" panose="020B0604030504040204" pitchFamily="34" charset="0"/>
-              </a:rPr>
-              <a:t>HttpResponse</a:t>
-            </a:r>
-            <a:r>
-              <a:rPr lang="ru-RU" altLang="ru-RU" dirty="0">
-                <a:solidFill>
-                  <a:srgbClr val="FFFFFF"/>
-                </a:solidFill>
-                <a:latin typeface="Verdana" panose="020B0604030504040204" pitchFamily="34" charset="0"/>
-              </a:rPr>
-              <a:t>&amp; </a:t>
-            </a:r>
-            <a:r>
-              <a:rPr lang="ru-RU" altLang="ru-RU" dirty="0" err="1">
-                <a:solidFill>
-                  <a:srgbClr val="5BCD9D"/>
-                </a:solidFill>
-                <a:latin typeface="Verdana" panose="020B0604030504040204" pitchFamily="34" charset="0"/>
-              </a:rPr>
-              <a:t>resp</a:t>
-            </a:r>
-            <a:r>
-              <a:rPr lang="ru-RU" altLang="ru-RU" dirty="0">
-                <a:solidFill>
-                  <a:srgbClr val="FFFFFF"/>
-                </a:solidFill>
-                <a:latin typeface="Verdana" panose="020B0604030504040204" pitchFamily="34" charset="0"/>
-              </a:rPr>
-              <a:t>);</a:t>
-            </a:r>
-            <a:br>
-              <a:rPr lang="ru-RU" altLang="ru-RU" dirty="0">
-                <a:solidFill>
-                  <a:srgbClr val="FFFFFF"/>
-                </a:solidFill>
-                <a:latin typeface="Verdana" panose="020B0604030504040204" pitchFamily="34" charset="0"/>
-              </a:rPr>
-            </a:br>
-            <a:r>
-              <a:rPr lang="ru-RU" altLang="ru-RU" dirty="0" smtClean="0">
-                <a:solidFill>
-                  <a:srgbClr val="FFFFFF"/>
-                </a:solidFill>
-                <a:latin typeface="Verdana" panose="020B0604030504040204" pitchFamily="34" charset="0"/>
-              </a:rPr>
-              <a:t>};</a:t>
-            </a:r>
-            <a:r>
-              <a:rPr lang="ru-RU" altLang="ru-RU" dirty="0">
-                <a:solidFill>
-                  <a:srgbClr val="FFFFFF"/>
-                </a:solidFill>
-                <a:latin typeface="Verdana" panose="020B0604030504040204" pitchFamily="34" charset="0"/>
-              </a:rPr>
-              <a:t/>
-            </a:r>
-            <a:br>
-              <a:rPr lang="ru-RU" altLang="ru-RU" dirty="0">
-                <a:solidFill>
-                  <a:srgbClr val="FFFFFF"/>
-                </a:solidFill>
-                <a:latin typeface="Verdana" panose="020B0604030504040204" pitchFamily="34" charset="0"/>
-              </a:rPr>
-            </a:br>
-            <a:endParaRPr lang="ru-RU" altLang="ru-RU" sz="6600" dirty="0">
-              <a:solidFill>
-                <a:schemeClr val="tx1"/>
-              </a:solidFill>
-              <a:latin typeface="Arial" panose="020B0604020202020204" pitchFamily="34" charset="0"/>
-            </a:endParaRPr>
-          </a:p>
-          <a:p>
-            <a:endParaRPr lang="en-US" altLang="ru-RU" dirty="0">
-              <a:solidFill>
-                <a:srgbClr val="FFFFFF"/>
-              </a:solidFill>
-              <a:latin typeface="Verdana" panose="020B0604030504040204" pitchFamily="34" charset="0"/>
-            </a:endParaRPr>
-          </a:p>
-        </p:txBody>
-      </p:sp>
-      <p:sp>
-        <p:nvSpPr>
-          <p:cNvPr id="2" name="Заголовок 1"/>
-          <p:cNvSpPr>
-            <a:spLocks noGrp="1"/>
-          </p:cNvSpPr>
-          <p:nvPr>
-            <p:ph type="title"/>
-          </p:nvPr>
-        </p:nvSpPr>
-        <p:spPr/>
-        <p:txBody>
-          <a:bodyPr/>
-          <a:lstStyle/>
-          <a:p>
-            <a:r>
-              <a:rPr lang="ru-RU" dirty="0" smtClean="0"/>
-              <a:t>Третий шаг – пишем юнит-тесты</a:t>
-            </a:r>
-            <a:endParaRPr lang="ru-RU" dirty="0"/>
-          </a:p>
-        </p:txBody>
-      </p:sp>
-      <p:sp>
-        <p:nvSpPr>
-          <p:cNvPr id="5" name="Объект 4"/>
-          <p:cNvSpPr>
-            <a:spLocks noGrp="1"/>
-          </p:cNvSpPr>
-          <p:nvPr>
-            <p:ph idx="1"/>
-          </p:nvPr>
-        </p:nvSpPr>
-        <p:spPr/>
-        <p:txBody>
-          <a:bodyPr/>
-          <a:lstStyle/>
-          <a:p>
-            <a:pPr lvl="1"/>
-            <a:r>
-              <a:rPr lang="ru-RU" altLang="ru-RU" dirty="0" smtClean="0">
-                <a:latin typeface="Verdana" panose="020B0604030504040204" pitchFamily="34" charset="0"/>
-              </a:rPr>
-              <a:t>Покроем наш интерфейс юнит-тестами</a:t>
-            </a:r>
-            <a:endParaRPr lang="en-US" altLang="ru-RU" dirty="0">
-              <a:latin typeface="Verdana" panose="020B0604030504040204" pitchFamily="34" charset="0"/>
-            </a:endParaRPr>
-          </a:p>
-          <a:p>
-            <a:pPr lvl="1"/>
-            <a:endParaRPr lang="ru-RU" altLang="ru-RU" dirty="0">
-              <a:latin typeface="Verdana" panose="020B0604030504040204" pitchFamily="34" charset="0"/>
-            </a:endParaRPr>
-          </a:p>
-          <a:p>
-            <a:pPr lvl="1"/>
-            <a:r>
-              <a:rPr lang="ru-RU" altLang="ru-RU" dirty="0" smtClean="0">
-                <a:latin typeface="Verdana" panose="020B0604030504040204" pitchFamily="34" charset="0"/>
-              </a:rPr>
-              <a:t>Мы всё ещё его не реализовали!</a:t>
-            </a:r>
-            <a:endParaRPr lang="en-US" altLang="ru-RU" dirty="0" smtClean="0">
-              <a:latin typeface="Verdana" panose="020B0604030504040204" pitchFamily="34" charset="0"/>
-            </a:endParaRPr>
-          </a:p>
-        </p:txBody>
-      </p:sp>
-      <p:sp>
-        <p:nvSpPr>
-          <p:cNvPr id="3" name="Нижний колонтитул 2"/>
-          <p:cNvSpPr>
-            <a:spLocks noGrp="1"/>
-          </p:cNvSpPr>
-          <p:nvPr>
-            <p:ph type="ftr" sz="quarter" idx="11"/>
-          </p:nvPr>
-        </p:nvSpPr>
-        <p:spPr/>
-        <p:txBody>
-          <a:bodyPr/>
-          <a:lstStyle/>
-          <a:p>
-            <a:endParaRPr lang="ru-RU" dirty="0">
-              <a:solidFill>
-                <a:srgbClr val="000000"/>
-              </a:solidFill>
-            </a:endParaRPr>
-          </a:p>
-        </p:txBody>
-      </p:sp>
-      <p:sp>
-        <p:nvSpPr>
-          <p:cNvPr id="4" name="Номер слайда 3"/>
-          <p:cNvSpPr>
-            <a:spLocks noGrp="1"/>
-          </p:cNvSpPr>
-          <p:nvPr>
-            <p:ph type="sldNum" sz="quarter" idx="12"/>
-          </p:nvPr>
-        </p:nvSpPr>
-        <p:spPr/>
-        <p:txBody>
-          <a:bodyPr/>
-          <a:lstStyle/>
-          <a:p>
-            <a:fld id="{741C03D3-FA44-40EC-9A21-1FC4FEA3E22E}" type="slidenum">
-              <a:rPr lang="ru-RU" smtClean="0">
-                <a:solidFill>
-                  <a:schemeClr val="bg1"/>
-                </a:solidFill>
-              </a:rPr>
-              <a:pPr/>
-              <a:t>16</a:t>
-            </a:fld>
-            <a:endParaRPr lang="ru-RU" dirty="0">
-              <a:solidFill>
-                <a:schemeClr val="bg1"/>
-              </a:solidFill>
-            </a:endParaRPr>
-          </a:p>
-        </p:txBody>
-      </p:sp>
-    </p:spTree>
-    <p:extLst>
-      <p:ext uri="{BB962C8B-B14F-4D97-AF65-F5344CB8AC3E}">
-        <p14:creationId xmlns:p14="http://schemas.microsoft.com/office/powerpoint/2010/main" val="816885251"/>
-      </p:ext>
-    </p:extLst>
-  </p:cSld>
-  <p:clrMapOvr>
-    <a:masterClrMapping/>
-  </p:clrMapOvr>
-  <p:timing>
-    <p:tnLst>
-      <p:par>
-        <p:cTn id="1" dur="indefinite" restart="never" nodeType="tmRoot"/>
-      </p:par>
-    </p:tnLst>
-  </p:timing>
-</p:sld>
-</file>
-
-<file path=ppt/slides/slide17.xml><?xml version="1.0" encoding="utf-8"?>
-<p:sld xmlns:a="http://schemas.openxmlformats.org/drawingml/2006/main" xmlns:r="http://schemas.openxmlformats.org/officeDocument/2006/relationships" xmlns:p="http://schemas.openxmlformats.org/presentationml/2006/main">
-  <p:cSld>
-    <p:spTree>
-      <p:nvGrpSpPr>
-        <p:cNvPr id="1" name=""/>
-        <p:cNvGrpSpPr/>
-        <p:nvPr/>
-      </p:nvGrpSpPr>
-      <p:grpSpPr>
-        <a:xfrm>
-          <a:off x="0" y="0"/>
-          <a:ext cx="0" cy="0"/>
-          <a:chOff x="0" y="0"/>
-          <a:chExt cx="0" cy="0"/>
-        </a:xfrm>
-      </p:grpSpPr>
-      <p:sp>
-        <p:nvSpPr>
           <p:cNvPr id="4" name="Объект 3"/>
           <p:cNvSpPr>
             <a:spLocks noGrp="1"/>
@@ -30508,7 +29886,7 @@
                 </a:solidFill>
               </a:rPr>
               <a:pPr/>
-              <a:t>17</a:t>
+              <a:t>16</a:t>
             </a:fld>
             <a:endParaRPr lang="ru-RU" dirty="0">
               <a:solidFill>
@@ -30541,7 +29919,7 @@
 </p:sld>
 </file>
 
-<file path=ppt/slides/slide18.xml><?xml version="1.0" encoding="utf-8"?>
+<file path=ppt/slides/slide17.xml><?xml version="1.0" encoding="utf-8"?>
 <p:sld xmlns:a="http://schemas.openxmlformats.org/drawingml/2006/main" xmlns:r="http://schemas.openxmlformats.org/officeDocument/2006/relationships" xmlns:p="http://schemas.openxmlformats.org/presentationml/2006/main">
   <p:cSld>
     <p:spTree>
@@ -30702,7 +30080,7 @@
                 </a:solidFill>
               </a:rPr>
               <a:pPr/>
-              <a:t>18</a:t>
+              <a:t>17</a:t>
             </a:fld>
             <a:endParaRPr lang="ru-RU">
               <a:solidFill>
@@ -30853,7 +30231,7 @@
 </p:sld>
 </file>
 
-<file path=ppt/slides/slide19.xml><?xml version="1.0" encoding="utf-8"?>
+<file path=ppt/slides/slide18.xml><?xml version="1.0" encoding="utf-8"?>
 <p:sld xmlns:a="http://schemas.openxmlformats.org/drawingml/2006/main" xmlns:r="http://schemas.openxmlformats.org/officeDocument/2006/relationships" xmlns:p="http://schemas.openxmlformats.org/presentationml/2006/main">
   <p:cSld>
     <p:spTree>
@@ -31054,7 +30432,7 @@
                 </a:solidFill>
               </a:rPr>
               <a:pPr/>
-              <a:t>19</a:t>
+              <a:t>18</a:t>
             </a:fld>
             <a:endParaRPr lang="ru-RU" dirty="0">
               <a:solidFill>
@@ -31218,6 +30596,212 @@
 </p:sld>
 </file>
 
+<file path=ppt/slides/slide19.xml><?xml version="1.0" encoding="utf-8"?>
+<p:sld xmlns:a="http://schemas.openxmlformats.org/drawingml/2006/main" xmlns:r="http://schemas.openxmlformats.org/officeDocument/2006/relationships" xmlns:p="http://schemas.openxmlformats.org/presentationml/2006/main">
+  <p:cSld>
+    <p:spTree>
+      <p:nvGrpSpPr>
+        <p:cNvPr id="1" name=""/>
+        <p:cNvGrpSpPr/>
+        <p:nvPr/>
+      </p:nvGrpSpPr>
+      <p:grpSpPr>
+        <a:xfrm>
+          <a:off x="0" y="0"/>
+          <a:ext cx="0" cy="0"/>
+          <a:chOff x="0" y="0"/>
+          <a:chExt cx="0" cy="0"/>
+        </a:xfrm>
+      </p:grpSpPr>
+      <p:sp>
+        <p:nvSpPr>
+          <p:cNvPr id="2" name="Заголовок 1"/>
+          <p:cNvSpPr>
+            <a:spLocks noGrp="1"/>
+          </p:cNvSpPr>
+          <p:nvPr>
+            <p:ph type="title"/>
+          </p:nvPr>
+        </p:nvSpPr>
+        <p:spPr/>
+        <p:txBody>
+          <a:bodyPr/>
+          <a:lstStyle/>
+          <a:p>
+            <a:r>
+              <a:rPr lang="ru-RU" dirty="0" smtClean="0"/>
+              <a:t>Четвёртый шаг – реализация интерфейса</a:t>
+            </a:r>
+            <a:endParaRPr lang="ru-RU" dirty="0"/>
+          </a:p>
+        </p:txBody>
+      </p:sp>
+      <p:sp>
+        <p:nvSpPr>
+          <p:cNvPr id="3" name="Объект 2"/>
+          <p:cNvSpPr>
+            <a:spLocks noGrp="1"/>
+          </p:cNvSpPr>
+          <p:nvPr>
+            <p:ph idx="1"/>
+          </p:nvPr>
+        </p:nvSpPr>
+        <p:spPr/>
+        <p:txBody>
+          <a:bodyPr/>
+          <a:lstStyle/>
+          <a:p>
+            <a:pPr lvl="1"/>
+            <a:r>
+              <a:rPr lang="ru-RU" dirty="0" smtClean="0"/>
+              <a:t>На данный момент у нас есть</a:t>
+            </a:r>
+          </a:p>
+          <a:p>
+            <a:pPr lvl="2"/>
+            <a:r>
+              <a:rPr lang="ru-RU" dirty="0" smtClean="0"/>
+              <a:t>интерфейс именно для нашей задачи</a:t>
+            </a:r>
+          </a:p>
+          <a:p>
+            <a:pPr lvl="2"/>
+            <a:r>
+              <a:rPr lang="ru-RU" dirty="0" smtClean="0"/>
+              <a:t>юнит-тесты – способ контроля корректности его реализации</a:t>
+            </a:r>
+          </a:p>
+          <a:p>
+            <a:pPr lvl="1"/>
+            <a:endParaRPr lang="ru-RU" dirty="0" smtClean="0"/>
+          </a:p>
+          <a:p>
+            <a:pPr lvl="1"/>
+            <a:r>
+              <a:rPr lang="ru-RU" dirty="0" smtClean="0"/>
+              <a:t>Сразу после реализации</a:t>
+            </a:r>
+          </a:p>
+          <a:p>
+            <a:pPr lvl="2"/>
+            <a:r>
+              <a:rPr lang="ru-RU" dirty="0" smtClean="0"/>
+              <a:t>мы сможем быстро поймать и исправить большинство багов</a:t>
+            </a:r>
+          </a:p>
+          <a:p>
+            <a:pPr lvl="2"/>
+            <a:r>
+              <a:rPr lang="ru-RU" smtClean="0"/>
+              <a:t>чем </a:t>
+            </a:r>
+            <a:r>
+              <a:rPr lang="ru-RU" dirty="0"/>
+              <a:t>меньше время </a:t>
+            </a:r>
+            <a:r>
+              <a:rPr lang="ru-RU" dirty="0" smtClean="0"/>
+              <a:t>между </a:t>
+            </a:r>
+            <a:r>
+              <a:rPr lang="ru-RU" dirty="0"/>
+              <a:t>допущением и </a:t>
+            </a:r>
+            <a:r>
+              <a:rPr lang="ru-RU" dirty="0" smtClean="0"/>
+              <a:t>обнаружением ошибки</a:t>
+            </a:r>
+            <a:r>
+              <a:rPr lang="ru-RU" dirty="0"/>
+              <a:t>, тем проще её </a:t>
+            </a:r>
+            <a:r>
+              <a:rPr lang="ru-RU" dirty="0" smtClean="0"/>
+              <a:t>исправить</a:t>
+            </a:r>
+            <a:endParaRPr lang="ru-RU" dirty="0"/>
+          </a:p>
+          <a:p>
+            <a:pPr lvl="2"/>
+            <a:endParaRPr lang="ru-RU" dirty="0"/>
+          </a:p>
+        </p:txBody>
+      </p:sp>
+      <p:sp>
+        <p:nvSpPr>
+          <p:cNvPr id="4" name="Нижний колонтитул 3"/>
+          <p:cNvSpPr>
+            <a:spLocks noGrp="1"/>
+          </p:cNvSpPr>
+          <p:nvPr>
+            <p:ph type="ftr" sz="quarter" idx="11"/>
+          </p:nvPr>
+        </p:nvSpPr>
+        <p:spPr/>
+        <p:txBody>
+          <a:bodyPr/>
+          <a:lstStyle/>
+          <a:p>
+            <a:endParaRPr lang="ru-RU">
+              <a:solidFill>
+                <a:srgbClr val="000000"/>
+              </a:solidFill>
+            </a:endParaRPr>
+          </a:p>
+        </p:txBody>
+      </p:sp>
+      <p:sp>
+        <p:nvSpPr>
+          <p:cNvPr id="5" name="Номер слайда 4"/>
+          <p:cNvSpPr>
+            <a:spLocks noGrp="1"/>
+          </p:cNvSpPr>
+          <p:nvPr>
+            <p:ph type="sldNum" sz="quarter" idx="12"/>
+          </p:nvPr>
+        </p:nvSpPr>
+        <p:spPr/>
+        <p:txBody>
+          <a:bodyPr/>
+          <a:lstStyle/>
+          <a:p>
+            <a:fld id="{741C03D3-FA44-40EC-9A21-1FC4FEA3E22E}" type="slidenum">
+              <a:rPr lang="ru-RU" smtClean="0">
+                <a:solidFill>
+                  <a:srgbClr val="000000"/>
+                </a:solidFill>
+              </a:rPr>
+              <a:pPr/>
+              <a:t>19</a:t>
+            </a:fld>
+            <a:endParaRPr lang="ru-RU">
+              <a:solidFill>
+                <a:srgbClr val="000000"/>
+              </a:solidFill>
+            </a:endParaRPr>
+          </a:p>
+        </p:txBody>
+      </p:sp>
+    </p:spTree>
+    <p:extLst>
+      <p:ext uri="{BB962C8B-B14F-4D97-AF65-F5344CB8AC3E}">
+        <p14:creationId xmlns:p14="http://schemas.microsoft.com/office/powerpoint/2010/main" val="4035992218"/>
+      </p:ext>
+    </p:extLst>
+  </p:cSld>
+  <p:clrMapOvr>
+    <a:masterClrMapping/>
+  </p:clrMapOvr>
+  <p:timing>
+    <p:tnLst>
+      <p:par>
+        <p:cTn id="1" dur="indefinite" restart="never" nodeType="tmRoot"/>
+      </p:par>
+    </p:tnLst>
+  </p:timing>
+</p:sld>
+</file>
+
 <file path=ppt/slides/slide2.xml><?xml version="1.0" encoding="utf-8"?>
 <p:sld xmlns:a="http://schemas.openxmlformats.org/drawingml/2006/main" xmlns:r="http://schemas.openxmlformats.org/officeDocument/2006/relationships" xmlns:p="http://schemas.openxmlformats.org/presentationml/2006/main">
   <p:cSld>
@@ -31274,6 +30858,871 @@
       </p:grpSpPr>
       <p:sp>
         <p:nvSpPr>
+          <p:cNvPr id="5" name="Объект 4"/>
+          <p:cNvSpPr>
+            <a:spLocks noGrp="1"/>
+          </p:cNvSpPr>
+          <p:nvPr>
+            <p:ph idx="13"/>
+          </p:nvPr>
+        </p:nvSpPr>
+        <p:spPr/>
+        <p:txBody>
+          <a:bodyPr/>
+          <a:lstStyle/>
+          <a:p>
+            <a:pPr lvl="0" defTabSz="914400" eaLnBrk="0" fontAlgn="base" hangingPunct="0">
+              <a:spcBef>
+                <a:spcPct val="0"/>
+              </a:spcBef>
+              <a:spcAft>
+                <a:spcPct val="0"/>
+              </a:spcAft>
+            </a:pPr>
+            <a:r>
+              <a:rPr lang="ru-RU" altLang="ru-RU" dirty="0" err="1">
+                <a:solidFill>
+                  <a:srgbClr val="FFFFFF"/>
+                </a:solidFill>
+                <a:latin typeface="Verdana" panose="020B0604030504040204" pitchFamily="34" charset="0"/>
+              </a:rPr>
+              <a:t>class</a:t>
+            </a:r>
+            <a:r>
+              <a:rPr lang="ru-RU" altLang="ru-RU" dirty="0">
+                <a:solidFill>
+                  <a:srgbClr val="FFFFFF"/>
+                </a:solidFill>
+                <a:latin typeface="Verdana" panose="020B0604030504040204" pitchFamily="34" charset="0"/>
+              </a:rPr>
+              <a:t> </a:t>
+            </a:r>
+            <a:r>
+              <a:rPr lang="ru-RU" altLang="ru-RU" dirty="0" err="1">
+                <a:solidFill>
+                  <a:srgbClr val="FFCC00"/>
+                </a:solidFill>
+                <a:latin typeface="Verdana" panose="020B0604030504040204" pitchFamily="34" charset="0"/>
+              </a:rPr>
+              <a:t>HttpResponse</a:t>
+            </a:r>
+            <a:r>
+              <a:rPr lang="ru-RU" altLang="ru-RU" dirty="0">
+                <a:solidFill>
+                  <a:srgbClr val="FFCC00"/>
+                </a:solidFill>
+                <a:latin typeface="Verdana" panose="020B0604030504040204" pitchFamily="34" charset="0"/>
+              </a:rPr>
+              <a:t> </a:t>
+            </a:r>
+            <a:r>
+              <a:rPr lang="ru-RU" altLang="ru-RU" dirty="0">
+                <a:solidFill>
+                  <a:srgbClr val="FFFFFF"/>
+                </a:solidFill>
+                <a:latin typeface="Verdana" panose="020B0604030504040204" pitchFamily="34" charset="0"/>
+              </a:rPr>
+              <a:t>{</a:t>
+            </a:r>
+            <a:br>
+              <a:rPr lang="ru-RU" altLang="ru-RU" dirty="0">
+                <a:solidFill>
+                  <a:srgbClr val="FFFFFF"/>
+                </a:solidFill>
+                <a:latin typeface="Verdana" panose="020B0604030504040204" pitchFamily="34" charset="0"/>
+              </a:rPr>
+            </a:br>
+            <a:r>
+              <a:rPr lang="ru-RU" altLang="ru-RU" dirty="0" err="1">
+                <a:solidFill>
+                  <a:srgbClr val="FFFFFF"/>
+                </a:solidFill>
+                <a:latin typeface="Verdana" panose="020B0604030504040204" pitchFamily="34" charset="0"/>
+              </a:rPr>
+              <a:t>public</a:t>
+            </a:r>
+            <a:r>
+              <a:rPr lang="ru-RU" altLang="ru-RU" dirty="0">
+                <a:solidFill>
+                  <a:srgbClr val="FFFFFF"/>
+                </a:solidFill>
+                <a:latin typeface="Verdana" panose="020B0604030504040204" pitchFamily="34" charset="0"/>
+              </a:rPr>
+              <a:t>:</a:t>
+            </a:r>
+            <a:br>
+              <a:rPr lang="ru-RU" altLang="ru-RU" dirty="0">
+                <a:solidFill>
+                  <a:srgbClr val="FFFFFF"/>
+                </a:solidFill>
+                <a:latin typeface="Verdana" panose="020B0604030504040204" pitchFamily="34" charset="0"/>
+              </a:rPr>
+            </a:br>
+            <a:r>
+              <a:rPr lang="ru-RU" altLang="ru-RU" dirty="0">
+                <a:solidFill>
+                  <a:srgbClr val="FFFFFF"/>
+                </a:solidFill>
+                <a:latin typeface="Verdana" panose="020B0604030504040204" pitchFamily="34" charset="0"/>
+              </a:rPr>
+              <a:t>    </a:t>
+            </a:r>
+            <a:r>
+              <a:rPr lang="ru-RU" altLang="ru-RU" dirty="0" err="1">
+                <a:solidFill>
+                  <a:srgbClr val="FFFFFF"/>
+                </a:solidFill>
+                <a:latin typeface="Verdana" panose="020B0604030504040204" pitchFamily="34" charset="0"/>
+              </a:rPr>
+              <a:t>explicit</a:t>
+            </a:r>
+            <a:r>
+              <a:rPr lang="ru-RU" altLang="ru-RU" dirty="0">
+                <a:solidFill>
+                  <a:srgbClr val="FFFFFF"/>
+                </a:solidFill>
+                <a:latin typeface="Verdana" panose="020B0604030504040204" pitchFamily="34" charset="0"/>
+              </a:rPr>
+              <a:t> </a:t>
+            </a:r>
+            <a:r>
+              <a:rPr lang="ru-RU" altLang="ru-RU" dirty="0" err="1">
+                <a:solidFill>
+                  <a:srgbClr val="FFCC00"/>
+                </a:solidFill>
+                <a:latin typeface="Verdana" panose="020B0604030504040204" pitchFamily="34" charset="0"/>
+              </a:rPr>
+              <a:t>HttpResponse</a:t>
+            </a:r>
+            <a:r>
+              <a:rPr lang="ru-RU" altLang="ru-RU" dirty="0">
+                <a:solidFill>
+                  <a:srgbClr val="FFFFFF"/>
+                </a:solidFill>
+                <a:latin typeface="Verdana" panose="020B0604030504040204" pitchFamily="34" charset="0"/>
+              </a:rPr>
+              <a:t>(</a:t>
+            </a:r>
+            <a:r>
+              <a:rPr lang="ru-RU" altLang="ru-RU" dirty="0" err="1">
+                <a:solidFill>
+                  <a:srgbClr val="FFCC00"/>
+                </a:solidFill>
+                <a:latin typeface="Verdana" panose="020B0604030504040204" pitchFamily="34" charset="0"/>
+              </a:rPr>
+              <a:t>HttpCode</a:t>
+            </a:r>
+            <a:r>
+              <a:rPr lang="ru-RU" altLang="ru-RU" dirty="0">
+                <a:solidFill>
+                  <a:srgbClr val="FFCC00"/>
+                </a:solidFill>
+                <a:latin typeface="Verdana" panose="020B0604030504040204" pitchFamily="34" charset="0"/>
+              </a:rPr>
+              <a:t> </a:t>
+            </a:r>
+            <a:r>
+              <a:rPr lang="ru-RU" altLang="ru-RU" dirty="0" err="1">
+                <a:solidFill>
+                  <a:srgbClr val="5BCD9D"/>
+                </a:solidFill>
+                <a:latin typeface="Verdana" panose="020B0604030504040204" pitchFamily="34" charset="0"/>
+              </a:rPr>
+              <a:t>code</a:t>
+            </a:r>
+            <a:r>
+              <a:rPr lang="ru-RU" altLang="ru-RU" dirty="0">
+                <a:solidFill>
+                  <a:srgbClr val="FFFFFF"/>
+                </a:solidFill>
+                <a:latin typeface="Verdana" panose="020B0604030504040204" pitchFamily="34" charset="0"/>
+              </a:rPr>
+              <a:t>);</a:t>
+            </a:r>
+            <a:br>
+              <a:rPr lang="ru-RU" altLang="ru-RU" dirty="0">
+                <a:solidFill>
+                  <a:srgbClr val="FFFFFF"/>
+                </a:solidFill>
+                <a:latin typeface="Verdana" panose="020B0604030504040204" pitchFamily="34" charset="0"/>
+              </a:rPr>
+            </a:br>
+            <a:r>
+              <a:rPr lang="ru-RU" altLang="ru-RU" dirty="0">
+                <a:solidFill>
+                  <a:srgbClr val="FFFFFF"/>
+                </a:solidFill>
+                <a:latin typeface="Verdana" panose="020B0604030504040204" pitchFamily="34" charset="0"/>
+              </a:rPr>
+              <a:t>    </a:t>
+            </a:r>
+            <a:r>
+              <a:rPr lang="ru-RU" altLang="ru-RU" dirty="0" err="1">
+                <a:solidFill>
+                  <a:srgbClr val="FFCC00"/>
+                </a:solidFill>
+                <a:latin typeface="Verdana" panose="020B0604030504040204" pitchFamily="34" charset="0"/>
+              </a:rPr>
+              <a:t>HttpResponse</a:t>
+            </a:r>
+            <a:r>
+              <a:rPr lang="ru-RU" altLang="ru-RU" dirty="0">
+                <a:solidFill>
+                  <a:srgbClr val="FFFFFF"/>
+                </a:solidFill>
+                <a:latin typeface="Verdana" panose="020B0604030504040204" pitchFamily="34" charset="0"/>
+              </a:rPr>
+              <a:t>&amp; </a:t>
+            </a:r>
+            <a:r>
+              <a:rPr lang="ru-RU" altLang="ru-RU" dirty="0" err="1">
+                <a:solidFill>
+                  <a:srgbClr val="FFCC00"/>
+                </a:solidFill>
+                <a:latin typeface="Verdana" panose="020B0604030504040204" pitchFamily="34" charset="0"/>
+              </a:rPr>
+              <a:t>SetContent</a:t>
+            </a:r>
+            <a:r>
+              <a:rPr lang="ru-RU" altLang="ru-RU" dirty="0">
+                <a:solidFill>
+                  <a:srgbClr val="FFFFFF"/>
+                </a:solidFill>
+                <a:latin typeface="Verdana" panose="020B0604030504040204" pitchFamily="34" charset="0"/>
+              </a:rPr>
+              <a:t>(</a:t>
+            </a:r>
+            <a:r>
+              <a:rPr lang="ru-RU" altLang="ru-RU" dirty="0" err="1">
+                <a:solidFill>
+                  <a:srgbClr val="9E64A9"/>
+                </a:solidFill>
+                <a:latin typeface="Verdana" panose="020B0604030504040204" pitchFamily="34" charset="0"/>
+              </a:rPr>
+              <a:t>std</a:t>
+            </a:r>
+            <a:r>
+              <a:rPr lang="ru-RU" altLang="ru-RU" dirty="0">
+                <a:solidFill>
+                  <a:srgbClr val="FFFFFF"/>
+                </a:solidFill>
+                <a:latin typeface="Verdana" panose="020B0604030504040204" pitchFamily="34" charset="0"/>
+              </a:rPr>
+              <a:t>::</a:t>
+            </a:r>
+            <a:r>
+              <a:rPr lang="ru-RU" altLang="ru-RU" dirty="0" err="1">
+                <a:solidFill>
+                  <a:srgbClr val="FFCC00"/>
+                </a:solidFill>
+                <a:latin typeface="Verdana" panose="020B0604030504040204" pitchFamily="34" charset="0"/>
+              </a:rPr>
+              <a:t>string</a:t>
+            </a:r>
+            <a:r>
+              <a:rPr lang="ru-RU" altLang="ru-RU" dirty="0">
+                <a:solidFill>
+                  <a:srgbClr val="FFCC00"/>
+                </a:solidFill>
+                <a:latin typeface="Verdana" panose="020B0604030504040204" pitchFamily="34" charset="0"/>
+              </a:rPr>
+              <a:t> </a:t>
+            </a:r>
+            <a:r>
+              <a:rPr lang="ru-RU" altLang="ru-RU" dirty="0" err="1">
+                <a:solidFill>
+                  <a:srgbClr val="5BCD9D"/>
+                </a:solidFill>
+                <a:latin typeface="Verdana" panose="020B0604030504040204" pitchFamily="34" charset="0"/>
+              </a:rPr>
+              <a:t>value</a:t>
+            </a:r>
+            <a:r>
+              <a:rPr lang="ru-RU" altLang="ru-RU" dirty="0">
+                <a:solidFill>
+                  <a:srgbClr val="FFFFFF"/>
+                </a:solidFill>
+                <a:latin typeface="Verdana" panose="020B0604030504040204" pitchFamily="34" charset="0"/>
+              </a:rPr>
+              <a:t>);</a:t>
+            </a:r>
+            <a:br>
+              <a:rPr lang="ru-RU" altLang="ru-RU" dirty="0">
+                <a:solidFill>
+                  <a:srgbClr val="FFFFFF"/>
+                </a:solidFill>
+                <a:latin typeface="Verdana" panose="020B0604030504040204" pitchFamily="34" charset="0"/>
+              </a:rPr>
+            </a:br>
+            <a:r>
+              <a:rPr lang="ru-RU" altLang="ru-RU" dirty="0">
+                <a:solidFill>
+                  <a:srgbClr val="FFFFFF"/>
+                </a:solidFill>
+                <a:latin typeface="Verdana" panose="020B0604030504040204" pitchFamily="34" charset="0"/>
+              </a:rPr>
+              <a:t>    </a:t>
+            </a:r>
+            <a:r>
+              <a:rPr lang="ru-RU" altLang="ru-RU" dirty="0" err="1">
+                <a:solidFill>
+                  <a:srgbClr val="FFFFFF"/>
+                </a:solidFill>
+                <a:latin typeface="Verdana" panose="020B0604030504040204" pitchFamily="34" charset="0"/>
+              </a:rPr>
+              <a:t>friend</a:t>
+            </a:r>
+            <a:r>
+              <a:rPr lang="ru-RU" altLang="ru-RU" dirty="0">
+                <a:solidFill>
+                  <a:srgbClr val="FFFFFF"/>
+                </a:solidFill>
+                <a:latin typeface="Verdana" panose="020B0604030504040204" pitchFamily="34" charset="0"/>
+              </a:rPr>
+              <a:t> </a:t>
+            </a:r>
+            <a:r>
+              <a:rPr lang="ru-RU" altLang="ru-RU" dirty="0" err="1">
+                <a:solidFill>
+                  <a:srgbClr val="9E64A9"/>
+                </a:solidFill>
+                <a:latin typeface="Verdana" panose="020B0604030504040204" pitchFamily="34" charset="0"/>
+              </a:rPr>
+              <a:t>std</a:t>
+            </a:r>
+            <a:r>
+              <a:rPr lang="ru-RU" altLang="ru-RU" dirty="0">
+                <a:solidFill>
+                  <a:srgbClr val="FFFFFF"/>
+                </a:solidFill>
+                <a:latin typeface="Verdana" panose="020B0604030504040204" pitchFamily="34" charset="0"/>
+              </a:rPr>
+              <a:t>::</a:t>
+            </a:r>
+            <a:r>
+              <a:rPr lang="ru-RU" altLang="ru-RU" dirty="0" err="1">
+                <a:solidFill>
+                  <a:srgbClr val="FFCC00"/>
+                </a:solidFill>
+                <a:latin typeface="Verdana" panose="020B0604030504040204" pitchFamily="34" charset="0"/>
+              </a:rPr>
+              <a:t>ostream</a:t>
+            </a:r>
+            <a:r>
+              <a:rPr lang="ru-RU" altLang="ru-RU" dirty="0">
+                <a:solidFill>
+                  <a:srgbClr val="FFFFFF"/>
+                </a:solidFill>
+                <a:latin typeface="Verdana" panose="020B0604030504040204" pitchFamily="34" charset="0"/>
+              </a:rPr>
+              <a:t>&amp; </a:t>
+            </a:r>
+            <a:r>
+              <a:rPr lang="ru-RU" altLang="ru-RU" dirty="0" err="1">
+                <a:solidFill>
+                  <a:srgbClr val="FFFFFF"/>
+                </a:solidFill>
+                <a:latin typeface="Verdana" panose="020B0604030504040204" pitchFamily="34" charset="0"/>
+              </a:rPr>
+              <a:t>operator</a:t>
+            </a:r>
+            <a:r>
+              <a:rPr lang="ru-RU" altLang="ru-RU" dirty="0">
+                <a:solidFill>
+                  <a:srgbClr val="FFFFFF"/>
+                </a:solidFill>
+                <a:latin typeface="Verdana" panose="020B0604030504040204" pitchFamily="34" charset="0"/>
+              </a:rPr>
+              <a:t> </a:t>
+            </a:r>
+            <a:r>
+              <a:rPr lang="ru-RU" altLang="ru-RU" dirty="0">
+                <a:solidFill>
+                  <a:srgbClr val="FFCC00"/>
+                </a:solidFill>
+                <a:latin typeface="Verdana" panose="020B0604030504040204" pitchFamily="34" charset="0"/>
+              </a:rPr>
+              <a:t>&lt;&lt; </a:t>
+            </a:r>
+            <a:r>
+              <a:rPr lang="ru-RU" altLang="ru-RU" dirty="0">
+                <a:solidFill>
+                  <a:srgbClr val="FFFFFF"/>
+                </a:solidFill>
+                <a:latin typeface="Verdana" panose="020B0604030504040204" pitchFamily="34" charset="0"/>
+              </a:rPr>
+              <a:t>(</a:t>
+            </a:r>
+            <a:r>
+              <a:rPr lang="ru-RU" altLang="ru-RU" dirty="0" err="1">
+                <a:solidFill>
+                  <a:srgbClr val="9E64A9"/>
+                </a:solidFill>
+                <a:latin typeface="Verdana" panose="020B0604030504040204" pitchFamily="34" charset="0"/>
+              </a:rPr>
+              <a:t>std</a:t>
+            </a:r>
+            <a:r>
+              <a:rPr lang="ru-RU" altLang="ru-RU" dirty="0">
+                <a:solidFill>
+                  <a:srgbClr val="FFFFFF"/>
+                </a:solidFill>
+                <a:latin typeface="Verdana" panose="020B0604030504040204" pitchFamily="34" charset="0"/>
+              </a:rPr>
+              <a:t>::</a:t>
+            </a:r>
+            <a:r>
+              <a:rPr lang="ru-RU" altLang="ru-RU" dirty="0" err="1">
+                <a:solidFill>
+                  <a:srgbClr val="FFCC00"/>
+                </a:solidFill>
+                <a:latin typeface="Verdana" panose="020B0604030504040204" pitchFamily="34" charset="0"/>
+              </a:rPr>
+              <a:t>ostream</a:t>
+            </a:r>
+            <a:r>
+              <a:rPr lang="ru-RU" altLang="ru-RU" dirty="0">
+                <a:solidFill>
+                  <a:srgbClr val="FFFFFF"/>
+                </a:solidFill>
+                <a:latin typeface="Verdana" panose="020B0604030504040204" pitchFamily="34" charset="0"/>
+              </a:rPr>
+              <a:t>&amp; </a:t>
+            </a:r>
+            <a:r>
+              <a:rPr lang="ru-RU" altLang="ru-RU" dirty="0" err="1">
+                <a:solidFill>
+                  <a:srgbClr val="5BCD9D"/>
+                </a:solidFill>
+                <a:latin typeface="Verdana" panose="020B0604030504040204" pitchFamily="34" charset="0"/>
+              </a:rPr>
+              <a:t>os</a:t>
+            </a:r>
+            <a:r>
+              <a:rPr lang="ru-RU" altLang="ru-RU" dirty="0">
+                <a:solidFill>
+                  <a:srgbClr val="FFFFFF"/>
+                </a:solidFill>
+                <a:latin typeface="Verdana" panose="020B0604030504040204" pitchFamily="34" charset="0"/>
+              </a:rPr>
+              <a:t>, </a:t>
+            </a:r>
+            <a:r>
+              <a:rPr lang="ru-RU" altLang="ru-RU" dirty="0" err="1">
+                <a:solidFill>
+                  <a:srgbClr val="FFFFFF"/>
+                </a:solidFill>
+                <a:latin typeface="Verdana" panose="020B0604030504040204" pitchFamily="34" charset="0"/>
+              </a:rPr>
+              <a:t>const</a:t>
+            </a:r>
+            <a:r>
+              <a:rPr lang="ru-RU" altLang="ru-RU" dirty="0">
+                <a:solidFill>
+                  <a:srgbClr val="FFFFFF"/>
+                </a:solidFill>
+                <a:latin typeface="Verdana" panose="020B0604030504040204" pitchFamily="34" charset="0"/>
+              </a:rPr>
+              <a:t> </a:t>
+            </a:r>
+            <a:r>
+              <a:rPr lang="ru-RU" altLang="ru-RU" dirty="0" err="1">
+                <a:solidFill>
+                  <a:srgbClr val="FFCC00"/>
+                </a:solidFill>
+                <a:latin typeface="Verdana" panose="020B0604030504040204" pitchFamily="34" charset="0"/>
+              </a:rPr>
+              <a:t>HttpResponse</a:t>
+            </a:r>
+            <a:r>
+              <a:rPr lang="ru-RU" altLang="ru-RU" dirty="0">
+                <a:solidFill>
+                  <a:srgbClr val="FFFFFF"/>
+                </a:solidFill>
+                <a:latin typeface="Verdana" panose="020B0604030504040204" pitchFamily="34" charset="0"/>
+              </a:rPr>
+              <a:t>&amp; </a:t>
+            </a:r>
+            <a:r>
+              <a:rPr lang="ru-RU" altLang="ru-RU" dirty="0" err="1">
+                <a:solidFill>
+                  <a:srgbClr val="5BCD9D"/>
+                </a:solidFill>
+                <a:latin typeface="Verdana" panose="020B0604030504040204" pitchFamily="34" charset="0"/>
+              </a:rPr>
+              <a:t>resp</a:t>
+            </a:r>
+            <a:r>
+              <a:rPr lang="ru-RU" altLang="ru-RU" dirty="0">
+                <a:solidFill>
+                  <a:srgbClr val="FFFFFF"/>
+                </a:solidFill>
+                <a:latin typeface="Verdana" panose="020B0604030504040204" pitchFamily="34" charset="0"/>
+              </a:rPr>
+              <a:t>);</a:t>
+            </a:r>
+            <a:br>
+              <a:rPr lang="ru-RU" altLang="ru-RU" dirty="0">
+                <a:solidFill>
+                  <a:srgbClr val="FFFFFF"/>
+                </a:solidFill>
+                <a:latin typeface="Verdana" panose="020B0604030504040204" pitchFamily="34" charset="0"/>
+              </a:rPr>
+            </a:br>
+            <a:r>
+              <a:rPr lang="ru-RU" altLang="ru-RU" dirty="0" err="1">
+                <a:solidFill>
+                  <a:srgbClr val="FFFFFF"/>
+                </a:solidFill>
+                <a:latin typeface="Verdana" panose="020B0604030504040204" pitchFamily="34" charset="0"/>
+              </a:rPr>
+              <a:t>private</a:t>
+            </a:r>
+            <a:r>
+              <a:rPr lang="ru-RU" altLang="ru-RU" dirty="0">
+                <a:solidFill>
+                  <a:srgbClr val="FFFFFF"/>
+                </a:solidFill>
+                <a:latin typeface="Verdana" panose="020B0604030504040204" pitchFamily="34" charset="0"/>
+              </a:rPr>
+              <a:t>:</a:t>
+            </a:r>
+            <a:br>
+              <a:rPr lang="ru-RU" altLang="ru-RU" dirty="0">
+                <a:solidFill>
+                  <a:srgbClr val="FFFFFF"/>
+                </a:solidFill>
+                <a:latin typeface="Verdana" panose="020B0604030504040204" pitchFamily="34" charset="0"/>
+              </a:rPr>
+            </a:br>
+            <a:r>
+              <a:rPr lang="ru-RU" altLang="ru-RU" dirty="0">
+                <a:solidFill>
+                  <a:srgbClr val="FFFFFF"/>
+                </a:solidFill>
+                <a:latin typeface="Verdana" panose="020B0604030504040204" pitchFamily="34" charset="0"/>
+              </a:rPr>
+              <a:t>    </a:t>
+            </a:r>
+            <a:r>
+              <a:rPr lang="ru-RU" altLang="ru-RU" dirty="0" err="1">
+                <a:solidFill>
+                  <a:srgbClr val="FFCC00"/>
+                </a:solidFill>
+                <a:latin typeface="Verdana" panose="020B0604030504040204" pitchFamily="34" charset="0"/>
+              </a:rPr>
+              <a:t>HttpCode</a:t>
+            </a:r>
+            <a:r>
+              <a:rPr lang="ru-RU" altLang="ru-RU" dirty="0">
+                <a:solidFill>
+                  <a:srgbClr val="FFCC00"/>
+                </a:solidFill>
+                <a:latin typeface="Verdana" panose="020B0604030504040204" pitchFamily="34" charset="0"/>
+              </a:rPr>
+              <a:t> </a:t>
+            </a:r>
+            <a:r>
+              <a:rPr lang="ru-RU" altLang="ru-RU" dirty="0" err="1">
+                <a:solidFill>
+                  <a:srgbClr val="5BCD9D"/>
+                </a:solidFill>
+                <a:latin typeface="Verdana" panose="020B0604030504040204" pitchFamily="34" charset="0"/>
+              </a:rPr>
+              <a:t>code</a:t>
+            </a:r>
+            <a:r>
+              <a:rPr lang="ru-RU" altLang="ru-RU" dirty="0">
+                <a:solidFill>
+                  <a:srgbClr val="5BCD9D"/>
+                </a:solidFill>
+                <a:latin typeface="Verdana" panose="020B0604030504040204" pitchFamily="34" charset="0"/>
+              </a:rPr>
+              <a:t>_</a:t>
+            </a:r>
+            <a:r>
+              <a:rPr lang="ru-RU" altLang="ru-RU" dirty="0">
+                <a:solidFill>
+                  <a:srgbClr val="FFFFFF"/>
+                </a:solidFill>
+                <a:latin typeface="Verdana" panose="020B0604030504040204" pitchFamily="34" charset="0"/>
+              </a:rPr>
+              <a:t>;</a:t>
+            </a:r>
+            <a:br>
+              <a:rPr lang="ru-RU" altLang="ru-RU" dirty="0">
+                <a:solidFill>
+                  <a:srgbClr val="FFFFFF"/>
+                </a:solidFill>
+                <a:latin typeface="Verdana" panose="020B0604030504040204" pitchFamily="34" charset="0"/>
+              </a:rPr>
+            </a:br>
+            <a:r>
+              <a:rPr lang="ru-RU" altLang="ru-RU" dirty="0">
+                <a:solidFill>
+                  <a:srgbClr val="FFFFFF"/>
+                </a:solidFill>
+                <a:latin typeface="Verdana" panose="020B0604030504040204" pitchFamily="34" charset="0"/>
+              </a:rPr>
+              <a:t>    </a:t>
+            </a:r>
+            <a:r>
+              <a:rPr lang="ru-RU" altLang="ru-RU" dirty="0" err="1">
+                <a:solidFill>
+                  <a:srgbClr val="9E64A9"/>
+                </a:solidFill>
+                <a:latin typeface="Verdana" panose="020B0604030504040204" pitchFamily="34" charset="0"/>
+              </a:rPr>
+              <a:t>std</a:t>
+            </a:r>
+            <a:r>
+              <a:rPr lang="ru-RU" altLang="ru-RU" dirty="0">
+                <a:solidFill>
+                  <a:srgbClr val="FFFFFF"/>
+                </a:solidFill>
+                <a:latin typeface="Verdana" panose="020B0604030504040204" pitchFamily="34" charset="0"/>
+              </a:rPr>
+              <a:t>::</a:t>
+            </a:r>
+            <a:r>
+              <a:rPr lang="ru-RU" altLang="ru-RU" dirty="0" err="1">
+                <a:solidFill>
+                  <a:srgbClr val="FFCC00"/>
+                </a:solidFill>
+                <a:latin typeface="Verdana" panose="020B0604030504040204" pitchFamily="34" charset="0"/>
+              </a:rPr>
+              <a:t>string</a:t>
+            </a:r>
+            <a:r>
+              <a:rPr lang="ru-RU" altLang="ru-RU" dirty="0">
+                <a:solidFill>
+                  <a:srgbClr val="FFCC00"/>
+                </a:solidFill>
+                <a:latin typeface="Verdana" panose="020B0604030504040204" pitchFamily="34" charset="0"/>
+              </a:rPr>
+              <a:t> </a:t>
+            </a:r>
+            <a:r>
+              <a:rPr lang="ru-RU" altLang="ru-RU" dirty="0" err="1">
+                <a:solidFill>
+                  <a:srgbClr val="5BCD9D"/>
+                </a:solidFill>
+                <a:latin typeface="Verdana" panose="020B0604030504040204" pitchFamily="34" charset="0"/>
+              </a:rPr>
+              <a:t>content</a:t>
+            </a:r>
+            <a:r>
+              <a:rPr lang="ru-RU" altLang="ru-RU" dirty="0">
+                <a:solidFill>
+                  <a:srgbClr val="5BCD9D"/>
+                </a:solidFill>
+                <a:latin typeface="Verdana" panose="020B0604030504040204" pitchFamily="34" charset="0"/>
+              </a:rPr>
+              <a:t>_</a:t>
+            </a:r>
+            <a:r>
+              <a:rPr lang="ru-RU" altLang="ru-RU" dirty="0">
+                <a:solidFill>
+                  <a:srgbClr val="FFFFFF"/>
+                </a:solidFill>
+                <a:latin typeface="Verdana" panose="020B0604030504040204" pitchFamily="34" charset="0"/>
+              </a:rPr>
+              <a:t>;</a:t>
+            </a:r>
+            <a:br>
+              <a:rPr lang="ru-RU" altLang="ru-RU" dirty="0">
+                <a:solidFill>
+                  <a:srgbClr val="FFFFFF"/>
+                </a:solidFill>
+                <a:latin typeface="Verdana" panose="020B0604030504040204" pitchFamily="34" charset="0"/>
+              </a:rPr>
+            </a:br>
+            <a:r>
+              <a:rPr lang="ru-RU" altLang="ru-RU" dirty="0" smtClean="0">
+                <a:solidFill>
+                  <a:srgbClr val="FFFFFF"/>
+                </a:solidFill>
+                <a:latin typeface="Verdana" panose="020B0604030504040204" pitchFamily="34" charset="0"/>
+              </a:rPr>
+              <a:t>};</a:t>
+            </a:r>
+            <a:endParaRPr lang="en-US" altLang="ru-RU" dirty="0" smtClean="0">
+              <a:solidFill>
+                <a:srgbClr val="FFFFFF"/>
+              </a:solidFill>
+              <a:latin typeface="Verdana" panose="020B0604030504040204" pitchFamily="34" charset="0"/>
+            </a:endParaRPr>
+          </a:p>
+          <a:p>
+            <a:pPr lvl="0" defTabSz="914400" eaLnBrk="0" fontAlgn="base" hangingPunct="0">
+              <a:spcBef>
+                <a:spcPct val="0"/>
+              </a:spcBef>
+              <a:spcAft>
+                <a:spcPct val="0"/>
+              </a:spcAft>
+            </a:pPr>
+            <a:endParaRPr lang="en-US" altLang="ru-RU" dirty="0" smtClean="0">
+              <a:solidFill>
+                <a:srgbClr val="FFFFFF"/>
+              </a:solidFill>
+              <a:latin typeface="Verdana" panose="020B0604030504040204" pitchFamily="34" charset="0"/>
+            </a:endParaRPr>
+          </a:p>
+          <a:p>
+            <a:pPr lvl="0" defTabSz="914400" eaLnBrk="0" fontAlgn="base" hangingPunct="0">
+              <a:spcBef>
+                <a:spcPct val="0"/>
+              </a:spcBef>
+              <a:spcAft>
+                <a:spcPct val="0"/>
+              </a:spcAft>
+            </a:pPr>
+            <a:r>
+              <a:rPr lang="ru-RU" altLang="ru-RU" dirty="0" err="1">
+                <a:solidFill>
+                  <a:srgbClr val="FFCC00"/>
+                </a:solidFill>
+                <a:latin typeface="Verdana" panose="020B0604030504040204" pitchFamily="34" charset="0"/>
+              </a:rPr>
+              <a:t>HttpResponse</a:t>
+            </a:r>
+            <a:r>
+              <a:rPr lang="ru-RU" altLang="ru-RU" dirty="0">
+                <a:solidFill>
+                  <a:srgbClr val="FFFFFF"/>
+                </a:solidFill>
+                <a:latin typeface="Verdana" panose="020B0604030504040204" pitchFamily="34" charset="0"/>
+              </a:rPr>
+              <a:t>::</a:t>
+            </a:r>
+            <a:r>
+              <a:rPr lang="ru-RU" altLang="ru-RU" dirty="0" err="1">
+                <a:solidFill>
+                  <a:srgbClr val="FFCC00"/>
+                </a:solidFill>
+                <a:latin typeface="Verdana" panose="020B0604030504040204" pitchFamily="34" charset="0"/>
+              </a:rPr>
+              <a:t>HttpResponse</a:t>
+            </a:r>
+            <a:r>
+              <a:rPr lang="ru-RU" altLang="ru-RU" dirty="0">
+                <a:solidFill>
+                  <a:srgbClr val="FFFFFF"/>
+                </a:solidFill>
+                <a:latin typeface="Verdana" panose="020B0604030504040204" pitchFamily="34" charset="0"/>
+              </a:rPr>
+              <a:t>(</a:t>
+            </a:r>
+            <a:r>
+              <a:rPr lang="ru-RU" altLang="ru-RU" dirty="0" err="1">
+                <a:solidFill>
+                  <a:srgbClr val="FFCC00"/>
+                </a:solidFill>
+                <a:latin typeface="Verdana" panose="020B0604030504040204" pitchFamily="34" charset="0"/>
+              </a:rPr>
+              <a:t>HttpCode</a:t>
+            </a:r>
+            <a:r>
+              <a:rPr lang="ru-RU" altLang="ru-RU" dirty="0">
+                <a:solidFill>
+                  <a:srgbClr val="FFCC00"/>
+                </a:solidFill>
+                <a:latin typeface="Verdana" panose="020B0604030504040204" pitchFamily="34" charset="0"/>
+              </a:rPr>
+              <a:t> </a:t>
+            </a:r>
+            <a:r>
+              <a:rPr lang="ru-RU" altLang="ru-RU" dirty="0" err="1">
+                <a:solidFill>
+                  <a:srgbClr val="5BCD9D"/>
+                </a:solidFill>
+                <a:latin typeface="Verdana" panose="020B0604030504040204" pitchFamily="34" charset="0"/>
+              </a:rPr>
+              <a:t>code</a:t>
+            </a:r>
+            <a:r>
+              <a:rPr lang="ru-RU" altLang="ru-RU" dirty="0">
+                <a:solidFill>
+                  <a:srgbClr val="FFFFFF"/>
+                </a:solidFill>
+                <a:latin typeface="Verdana" panose="020B0604030504040204" pitchFamily="34" charset="0"/>
+              </a:rPr>
+              <a:t>) : </a:t>
+            </a:r>
+            <a:r>
+              <a:rPr lang="ru-RU" altLang="ru-RU" dirty="0" err="1">
+                <a:solidFill>
+                  <a:srgbClr val="5BCD9D"/>
+                </a:solidFill>
+                <a:latin typeface="Verdana" panose="020B0604030504040204" pitchFamily="34" charset="0"/>
+              </a:rPr>
+              <a:t>code</a:t>
+            </a:r>
+            <a:r>
+              <a:rPr lang="ru-RU" altLang="ru-RU" dirty="0">
+                <a:solidFill>
+                  <a:srgbClr val="5BCD9D"/>
+                </a:solidFill>
+                <a:latin typeface="Verdana" panose="020B0604030504040204" pitchFamily="34" charset="0"/>
+              </a:rPr>
+              <a:t>_</a:t>
+            </a:r>
+            <a:r>
+              <a:rPr lang="ru-RU" altLang="ru-RU" dirty="0">
+                <a:solidFill>
+                  <a:srgbClr val="FFFFFF"/>
+                </a:solidFill>
+                <a:latin typeface="Verdana" panose="020B0604030504040204" pitchFamily="34" charset="0"/>
+              </a:rPr>
+              <a:t>(</a:t>
+            </a:r>
+            <a:r>
+              <a:rPr lang="ru-RU" altLang="ru-RU" dirty="0" err="1">
+                <a:solidFill>
+                  <a:srgbClr val="5BCD9D"/>
+                </a:solidFill>
+                <a:latin typeface="Verdana" panose="020B0604030504040204" pitchFamily="34" charset="0"/>
+              </a:rPr>
+              <a:t>code</a:t>
+            </a:r>
+            <a:r>
+              <a:rPr lang="ru-RU" altLang="ru-RU" dirty="0">
+                <a:solidFill>
+                  <a:srgbClr val="FFFFFF"/>
+                </a:solidFill>
+                <a:latin typeface="Verdana" panose="020B0604030504040204" pitchFamily="34" charset="0"/>
+              </a:rPr>
+              <a:t>) {</a:t>
+            </a:r>
+            <a:br>
+              <a:rPr lang="ru-RU" altLang="ru-RU" dirty="0">
+                <a:solidFill>
+                  <a:srgbClr val="FFFFFF"/>
+                </a:solidFill>
+                <a:latin typeface="Verdana" panose="020B0604030504040204" pitchFamily="34" charset="0"/>
+              </a:rPr>
+            </a:br>
+            <a:r>
+              <a:rPr lang="ru-RU" altLang="ru-RU" dirty="0" smtClean="0">
+                <a:solidFill>
+                  <a:srgbClr val="FFFFFF"/>
+                </a:solidFill>
+                <a:latin typeface="Verdana" panose="020B0604030504040204" pitchFamily="34" charset="0"/>
+              </a:rPr>
+              <a:t>}</a:t>
+            </a:r>
+            <a:endParaRPr lang="ru-RU" altLang="ru-RU" dirty="0">
+              <a:solidFill>
+                <a:schemeClr val="tx1"/>
+              </a:solidFill>
+              <a:latin typeface="Arial" panose="020B0604020202020204" pitchFamily="34" charset="0"/>
+            </a:endParaRPr>
+          </a:p>
+        </p:txBody>
+      </p:sp>
+      <p:sp>
+        <p:nvSpPr>
           <p:cNvPr id="2" name="Заголовок 1"/>
           <p:cNvSpPr>
             <a:spLocks noGrp="1"/>
@@ -31288,107 +31737,15 @@
           <a:lstStyle/>
           <a:p>
             <a:r>
-              <a:rPr lang="ru-RU" dirty="0" smtClean="0"/>
+              <a:rPr lang="ru-RU" dirty="0"/>
               <a:t>Четвёртый шаг – реализация интерфейса</a:t>
             </a:r>
-            <a:endParaRPr lang="ru-RU" dirty="0"/>
           </a:p>
         </p:txBody>
       </p:sp>
       <p:sp>
         <p:nvSpPr>
-          <p:cNvPr id="3" name="Объект 2"/>
-          <p:cNvSpPr>
-            <a:spLocks noGrp="1"/>
-          </p:cNvSpPr>
-          <p:nvPr>
-            <p:ph idx="1"/>
-          </p:nvPr>
-        </p:nvSpPr>
-        <p:spPr/>
-        <p:txBody>
-          <a:bodyPr/>
-          <a:lstStyle/>
-          <a:p>
-            <a:pPr lvl="1"/>
-            <a:r>
-              <a:rPr lang="ru-RU" dirty="0" smtClean="0"/>
-              <a:t>На данный момент у нас есть</a:t>
-            </a:r>
-          </a:p>
-          <a:p>
-            <a:pPr lvl="2"/>
-            <a:r>
-              <a:rPr lang="ru-RU" dirty="0" smtClean="0"/>
-              <a:t>интерфейс именно для нашей задачи</a:t>
-            </a:r>
-          </a:p>
-          <a:p>
-            <a:pPr lvl="2"/>
-            <a:r>
-              <a:rPr lang="ru-RU" dirty="0" smtClean="0"/>
-              <a:t>юнит-тесты – способ контроля корректности его реализации</a:t>
-            </a:r>
-          </a:p>
-          <a:p>
-            <a:pPr lvl="1"/>
-            <a:endParaRPr lang="ru-RU" dirty="0" smtClean="0"/>
-          </a:p>
-          <a:p>
-            <a:pPr lvl="1"/>
-            <a:r>
-              <a:rPr lang="ru-RU" dirty="0" smtClean="0"/>
-              <a:t>Сразу после реализации</a:t>
-            </a:r>
-          </a:p>
-          <a:p>
-            <a:pPr lvl="2"/>
-            <a:r>
-              <a:rPr lang="ru-RU" dirty="0" smtClean="0"/>
-              <a:t>мы сможем быстро поймать и исправить большинство багов</a:t>
-            </a:r>
-          </a:p>
-          <a:p>
-            <a:pPr lvl="2"/>
-            <a:r>
-              <a:rPr lang="ru-RU" smtClean="0"/>
-              <a:t>чем </a:t>
-            </a:r>
-            <a:r>
-              <a:rPr lang="ru-RU" dirty="0"/>
-              <a:t>меньше время </a:t>
-            </a:r>
-            <a:r>
-              <a:rPr lang="ru-RU" dirty="0" smtClean="0"/>
-              <a:t>между </a:t>
-            </a:r>
-            <a:r>
-              <a:rPr lang="ru-RU" dirty="0"/>
-              <a:t>допущением и </a:t>
-            </a:r>
-            <a:r>
-              <a:rPr lang="ru-RU" dirty="0" smtClean="0"/>
-              <a:t>обнаружением ошибки</a:t>
-            </a:r>
-            <a:r>
-              <a:rPr lang="ru-RU" dirty="0"/>
-              <a:t>, тем проще её </a:t>
-            </a:r>
-            <a:r>
-              <a:rPr lang="ru-RU" dirty="0" smtClean="0"/>
-              <a:t>исправить</a:t>
-            </a:r>
-            <a:endParaRPr lang="ru-RU" dirty="0"/>
-          </a:p>
-          <a:p>
-            <a:pPr lvl="2"/>
-            <a:endParaRPr lang="ru-RU" dirty="0"/>
-          </a:p>
-        </p:txBody>
-      </p:sp>
-      <p:sp>
-        <p:nvSpPr>
-          <p:cNvPr id="4" name="Нижний колонтитул 3"/>
+          <p:cNvPr id="3" name="Нижний колонтитул 2"/>
           <p:cNvSpPr>
             <a:spLocks noGrp="1"/>
           </p:cNvSpPr>
@@ -31401,7 +31758,7 @@
           <a:bodyPr/>
           <a:lstStyle/>
           <a:p>
-            <a:endParaRPr lang="ru-RU">
+            <a:endParaRPr lang="ru-RU" dirty="0">
               <a:solidFill>
                 <a:srgbClr val="000000"/>
               </a:solidFill>
@@ -31411,7 +31768,7 @@
       </p:sp>
       <p:sp>
         <p:nvSpPr>
-          <p:cNvPr id="5" name="Номер слайда 4"/>
+          <p:cNvPr id="4" name="Номер слайда 3"/>
           <p:cNvSpPr>
             <a:spLocks noGrp="1"/>
           </p:cNvSpPr>
@@ -31427,15 +31784,15 @@
             <a:fld id="{741C03D3-FA44-40EC-9A21-1FC4FEA3E22E}" type="slidenum">
               <a:rPr lang="ru-RU" smtClean="0">
                 <a:solidFill>
-                  <a:srgbClr val="000000"/>
+                  <a:schemeClr val="bg1"/>
                 </a:solidFill>
               </a:rPr>
               <a:pPr/>
               <a:t>20</a:t>
             </a:fld>
-            <a:endParaRPr lang="ru-RU">
+            <a:endParaRPr lang="ru-RU" dirty="0">
               <a:solidFill>
-                <a:srgbClr val="000000"/>
+                <a:schemeClr val="bg1"/>
               </a:solidFill>
             </a:endParaRPr>
           </a:p>
@@ -31444,7 +31801,7 @@
     </p:spTree>
     <p:extLst>
       <p:ext uri="{BB962C8B-B14F-4D97-AF65-F5344CB8AC3E}">
-        <p14:creationId xmlns:p14="http://schemas.microsoft.com/office/powerpoint/2010/main" val="4035992218"/>
+        <p14:creationId xmlns:p14="http://schemas.microsoft.com/office/powerpoint/2010/main" val="121522117"/>
       </p:ext>
     </p:extLst>
   </p:cSld>
@@ -31480,985 +31837,6 @@
       </p:grpSpPr>
       <p:sp>
         <p:nvSpPr>
-          <p:cNvPr id="5" name="Объект 4"/>
-          <p:cNvSpPr>
-            <a:spLocks noGrp="1"/>
-          </p:cNvSpPr>
-          <p:nvPr>
-            <p:ph idx="13"/>
-          </p:nvPr>
-        </p:nvSpPr>
-        <p:spPr/>
-        <p:txBody>
-          <a:bodyPr/>
-          <a:lstStyle/>
-          <a:p>
-            <a:pPr lvl="0" defTabSz="914400" eaLnBrk="0" fontAlgn="base" hangingPunct="0">
-              <a:spcBef>
-                <a:spcPct val="0"/>
-              </a:spcBef>
-              <a:spcAft>
-                <a:spcPct val="0"/>
-              </a:spcAft>
-            </a:pPr>
-            <a:r>
-              <a:rPr lang="ru-RU" altLang="ru-RU" dirty="0" err="1">
-                <a:solidFill>
-                  <a:srgbClr val="FFFFFF"/>
-                </a:solidFill>
-                <a:latin typeface="Verdana" panose="020B0604030504040204" pitchFamily="34" charset="0"/>
-              </a:rPr>
-              <a:t>class</a:t>
-            </a:r>
-            <a:r>
-              <a:rPr lang="ru-RU" altLang="ru-RU" dirty="0">
-                <a:solidFill>
-                  <a:srgbClr val="FFFFFF"/>
-                </a:solidFill>
-                <a:latin typeface="Verdana" panose="020B0604030504040204" pitchFamily="34" charset="0"/>
-              </a:rPr>
-              <a:t> </a:t>
-            </a:r>
-            <a:r>
-              <a:rPr lang="ru-RU" altLang="ru-RU" dirty="0" err="1">
-                <a:solidFill>
-                  <a:srgbClr val="FFCC00"/>
-                </a:solidFill>
-                <a:latin typeface="Verdana" panose="020B0604030504040204" pitchFamily="34" charset="0"/>
-              </a:rPr>
-              <a:t>HttpResponse</a:t>
-            </a:r>
-            <a:r>
-              <a:rPr lang="ru-RU" altLang="ru-RU" dirty="0">
-                <a:solidFill>
-                  <a:srgbClr val="FFCC00"/>
-                </a:solidFill>
-                <a:latin typeface="Verdana" panose="020B0604030504040204" pitchFamily="34" charset="0"/>
-              </a:rPr>
-              <a:t> </a:t>
-            </a:r>
-            <a:r>
-              <a:rPr lang="ru-RU" altLang="ru-RU" dirty="0">
-                <a:solidFill>
-                  <a:srgbClr val="FFFFFF"/>
-                </a:solidFill>
-                <a:latin typeface="Verdana" panose="020B0604030504040204" pitchFamily="34" charset="0"/>
-              </a:rPr>
-              <a:t>{</a:t>
-            </a:r>
-            <a:br>
-              <a:rPr lang="ru-RU" altLang="ru-RU" dirty="0">
-                <a:solidFill>
-                  <a:srgbClr val="FFFFFF"/>
-                </a:solidFill>
-                <a:latin typeface="Verdana" panose="020B0604030504040204" pitchFamily="34" charset="0"/>
-              </a:rPr>
-            </a:br>
-            <a:r>
-              <a:rPr lang="ru-RU" altLang="ru-RU" dirty="0" err="1">
-                <a:solidFill>
-                  <a:srgbClr val="FFFFFF"/>
-                </a:solidFill>
-                <a:latin typeface="Verdana" panose="020B0604030504040204" pitchFamily="34" charset="0"/>
-              </a:rPr>
-              <a:t>public</a:t>
-            </a:r>
-            <a:r>
-              <a:rPr lang="ru-RU" altLang="ru-RU" dirty="0">
-                <a:solidFill>
-                  <a:srgbClr val="FFFFFF"/>
-                </a:solidFill>
-                <a:latin typeface="Verdana" panose="020B0604030504040204" pitchFamily="34" charset="0"/>
-              </a:rPr>
-              <a:t>:</a:t>
-            </a:r>
-            <a:br>
-              <a:rPr lang="ru-RU" altLang="ru-RU" dirty="0">
-                <a:solidFill>
-                  <a:srgbClr val="FFFFFF"/>
-                </a:solidFill>
-                <a:latin typeface="Verdana" panose="020B0604030504040204" pitchFamily="34" charset="0"/>
-              </a:rPr>
-            </a:br>
-            <a:r>
-              <a:rPr lang="ru-RU" altLang="ru-RU" dirty="0">
-                <a:solidFill>
-                  <a:srgbClr val="FFFFFF"/>
-                </a:solidFill>
-                <a:latin typeface="Verdana" panose="020B0604030504040204" pitchFamily="34" charset="0"/>
-              </a:rPr>
-              <a:t>    </a:t>
-            </a:r>
-            <a:r>
-              <a:rPr lang="ru-RU" altLang="ru-RU" dirty="0" err="1">
-                <a:solidFill>
-                  <a:srgbClr val="FFFFFF"/>
-                </a:solidFill>
-                <a:latin typeface="Verdana" panose="020B0604030504040204" pitchFamily="34" charset="0"/>
-              </a:rPr>
-              <a:t>explicit</a:t>
-            </a:r>
-            <a:r>
-              <a:rPr lang="ru-RU" altLang="ru-RU" dirty="0">
-                <a:solidFill>
-                  <a:srgbClr val="FFFFFF"/>
-                </a:solidFill>
-                <a:latin typeface="Verdana" panose="020B0604030504040204" pitchFamily="34" charset="0"/>
-              </a:rPr>
-              <a:t> </a:t>
-            </a:r>
-            <a:r>
-              <a:rPr lang="ru-RU" altLang="ru-RU" dirty="0" err="1">
-                <a:solidFill>
-                  <a:srgbClr val="FFCC00"/>
-                </a:solidFill>
-                <a:latin typeface="Verdana" panose="020B0604030504040204" pitchFamily="34" charset="0"/>
-              </a:rPr>
-              <a:t>HttpResponse</a:t>
-            </a:r>
-            <a:r>
-              <a:rPr lang="ru-RU" altLang="ru-RU" dirty="0">
-                <a:solidFill>
-                  <a:srgbClr val="FFFFFF"/>
-                </a:solidFill>
-                <a:latin typeface="Verdana" panose="020B0604030504040204" pitchFamily="34" charset="0"/>
-              </a:rPr>
-              <a:t>(</a:t>
-            </a:r>
-            <a:r>
-              <a:rPr lang="ru-RU" altLang="ru-RU" dirty="0" err="1">
-                <a:solidFill>
-                  <a:srgbClr val="FFCC00"/>
-                </a:solidFill>
-                <a:latin typeface="Verdana" panose="020B0604030504040204" pitchFamily="34" charset="0"/>
-              </a:rPr>
-              <a:t>HttpCode</a:t>
-            </a:r>
-            <a:r>
-              <a:rPr lang="ru-RU" altLang="ru-RU" dirty="0">
-                <a:solidFill>
-                  <a:srgbClr val="FFCC00"/>
-                </a:solidFill>
-                <a:latin typeface="Verdana" panose="020B0604030504040204" pitchFamily="34" charset="0"/>
-              </a:rPr>
-              <a:t> </a:t>
-            </a:r>
-            <a:r>
-              <a:rPr lang="ru-RU" altLang="ru-RU" dirty="0" err="1">
-                <a:solidFill>
-                  <a:srgbClr val="5BCD9D"/>
-                </a:solidFill>
-                <a:latin typeface="Verdana" panose="020B0604030504040204" pitchFamily="34" charset="0"/>
-              </a:rPr>
-              <a:t>code</a:t>
-            </a:r>
-            <a:r>
-              <a:rPr lang="ru-RU" altLang="ru-RU" dirty="0">
-                <a:solidFill>
-                  <a:srgbClr val="FFFFFF"/>
-                </a:solidFill>
-                <a:latin typeface="Verdana" panose="020B0604030504040204" pitchFamily="34" charset="0"/>
-              </a:rPr>
-              <a:t>);</a:t>
-            </a:r>
-            <a:br>
-              <a:rPr lang="ru-RU" altLang="ru-RU" dirty="0">
-                <a:solidFill>
-                  <a:srgbClr val="FFFFFF"/>
-                </a:solidFill>
-                <a:latin typeface="Verdana" panose="020B0604030504040204" pitchFamily="34" charset="0"/>
-              </a:rPr>
-            </a:br>
-            <a:r>
-              <a:rPr lang="ru-RU" altLang="ru-RU" dirty="0">
-                <a:solidFill>
-                  <a:srgbClr val="FFFFFF"/>
-                </a:solidFill>
-                <a:latin typeface="Verdana" panose="020B0604030504040204" pitchFamily="34" charset="0"/>
-              </a:rPr>
-              <a:t>    </a:t>
-            </a:r>
-            <a:r>
-              <a:rPr lang="ru-RU" altLang="ru-RU" dirty="0" err="1">
-                <a:solidFill>
-                  <a:srgbClr val="FFCC00"/>
-                </a:solidFill>
-                <a:latin typeface="Verdana" panose="020B0604030504040204" pitchFamily="34" charset="0"/>
-              </a:rPr>
-              <a:t>HttpResponse</a:t>
-            </a:r>
-            <a:r>
-              <a:rPr lang="ru-RU" altLang="ru-RU" dirty="0">
-                <a:solidFill>
-                  <a:srgbClr val="FFFFFF"/>
-                </a:solidFill>
-                <a:latin typeface="Verdana" panose="020B0604030504040204" pitchFamily="34" charset="0"/>
-              </a:rPr>
-              <a:t>&amp; </a:t>
-            </a:r>
-            <a:r>
-              <a:rPr lang="ru-RU" altLang="ru-RU" dirty="0" err="1">
-                <a:solidFill>
-                  <a:srgbClr val="FFCC00"/>
-                </a:solidFill>
-                <a:latin typeface="Verdana" panose="020B0604030504040204" pitchFamily="34" charset="0"/>
-              </a:rPr>
-              <a:t>SetContent</a:t>
-            </a:r>
-            <a:r>
-              <a:rPr lang="ru-RU" altLang="ru-RU" dirty="0">
-                <a:solidFill>
-                  <a:srgbClr val="FFFFFF"/>
-                </a:solidFill>
-                <a:latin typeface="Verdana" panose="020B0604030504040204" pitchFamily="34" charset="0"/>
-              </a:rPr>
-              <a:t>(</a:t>
-            </a:r>
-            <a:r>
-              <a:rPr lang="ru-RU" altLang="ru-RU" dirty="0" err="1">
-                <a:solidFill>
-                  <a:srgbClr val="9E64A9"/>
-                </a:solidFill>
-                <a:latin typeface="Verdana" panose="020B0604030504040204" pitchFamily="34" charset="0"/>
-              </a:rPr>
-              <a:t>std</a:t>
-            </a:r>
-            <a:r>
-              <a:rPr lang="ru-RU" altLang="ru-RU" dirty="0">
-                <a:solidFill>
-                  <a:srgbClr val="FFFFFF"/>
-                </a:solidFill>
-                <a:latin typeface="Verdana" panose="020B0604030504040204" pitchFamily="34" charset="0"/>
-              </a:rPr>
-              <a:t>::</a:t>
-            </a:r>
-            <a:r>
-              <a:rPr lang="ru-RU" altLang="ru-RU" dirty="0" err="1">
-                <a:solidFill>
-                  <a:srgbClr val="FFCC00"/>
-                </a:solidFill>
-                <a:latin typeface="Verdana" panose="020B0604030504040204" pitchFamily="34" charset="0"/>
-              </a:rPr>
-              <a:t>string</a:t>
-            </a:r>
-            <a:r>
-              <a:rPr lang="ru-RU" altLang="ru-RU" dirty="0">
-                <a:solidFill>
-                  <a:srgbClr val="FFCC00"/>
-                </a:solidFill>
-                <a:latin typeface="Verdana" panose="020B0604030504040204" pitchFamily="34" charset="0"/>
-              </a:rPr>
-              <a:t> </a:t>
-            </a:r>
-            <a:r>
-              <a:rPr lang="ru-RU" altLang="ru-RU" dirty="0" err="1">
-                <a:solidFill>
-                  <a:srgbClr val="5BCD9D"/>
-                </a:solidFill>
-                <a:latin typeface="Verdana" panose="020B0604030504040204" pitchFamily="34" charset="0"/>
-              </a:rPr>
-              <a:t>value</a:t>
-            </a:r>
-            <a:r>
-              <a:rPr lang="ru-RU" altLang="ru-RU" dirty="0">
-                <a:solidFill>
-                  <a:srgbClr val="FFFFFF"/>
-                </a:solidFill>
-                <a:latin typeface="Verdana" panose="020B0604030504040204" pitchFamily="34" charset="0"/>
-              </a:rPr>
-              <a:t>);</a:t>
-            </a:r>
-            <a:br>
-              <a:rPr lang="ru-RU" altLang="ru-RU" dirty="0">
-                <a:solidFill>
-                  <a:srgbClr val="FFFFFF"/>
-                </a:solidFill>
-                <a:latin typeface="Verdana" panose="020B0604030504040204" pitchFamily="34" charset="0"/>
-              </a:rPr>
-            </a:br>
-            <a:r>
-              <a:rPr lang="ru-RU" altLang="ru-RU" dirty="0">
-                <a:solidFill>
-                  <a:srgbClr val="FFFFFF"/>
-                </a:solidFill>
-                <a:latin typeface="Verdana" panose="020B0604030504040204" pitchFamily="34" charset="0"/>
-              </a:rPr>
-              <a:t>    </a:t>
-            </a:r>
-            <a:r>
-              <a:rPr lang="ru-RU" altLang="ru-RU" dirty="0" err="1">
-                <a:solidFill>
-                  <a:srgbClr val="FFFFFF"/>
-                </a:solidFill>
-                <a:latin typeface="Verdana" panose="020B0604030504040204" pitchFamily="34" charset="0"/>
-              </a:rPr>
-              <a:t>friend</a:t>
-            </a:r>
-            <a:r>
-              <a:rPr lang="ru-RU" altLang="ru-RU" dirty="0">
-                <a:solidFill>
-                  <a:srgbClr val="FFFFFF"/>
-                </a:solidFill>
-                <a:latin typeface="Verdana" panose="020B0604030504040204" pitchFamily="34" charset="0"/>
-              </a:rPr>
-              <a:t> </a:t>
-            </a:r>
-            <a:r>
-              <a:rPr lang="ru-RU" altLang="ru-RU" dirty="0" err="1">
-                <a:solidFill>
-                  <a:srgbClr val="9E64A9"/>
-                </a:solidFill>
-                <a:latin typeface="Verdana" panose="020B0604030504040204" pitchFamily="34" charset="0"/>
-              </a:rPr>
-              <a:t>std</a:t>
-            </a:r>
-            <a:r>
-              <a:rPr lang="ru-RU" altLang="ru-RU" dirty="0">
-                <a:solidFill>
-                  <a:srgbClr val="FFFFFF"/>
-                </a:solidFill>
-                <a:latin typeface="Verdana" panose="020B0604030504040204" pitchFamily="34" charset="0"/>
-              </a:rPr>
-              <a:t>::</a:t>
-            </a:r>
-            <a:r>
-              <a:rPr lang="ru-RU" altLang="ru-RU" dirty="0" err="1">
-                <a:solidFill>
-                  <a:srgbClr val="FFCC00"/>
-                </a:solidFill>
-                <a:latin typeface="Verdana" panose="020B0604030504040204" pitchFamily="34" charset="0"/>
-              </a:rPr>
-              <a:t>ostream</a:t>
-            </a:r>
-            <a:r>
-              <a:rPr lang="ru-RU" altLang="ru-RU" dirty="0">
-                <a:solidFill>
-                  <a:srgbClr val="FFFFFF"/>
-                </a:solidFill>
-                <a:latin typeface="Verdana" panose="020B0604030504040204" pitchFamily="34" charset="0"/>
-              </a:rPr>
-              <a:t>&amp; </a:t>
-            </a:r>
-            <a:r>
-              <a:rPr lang="ru-RU" altLang="ru-RU" dirty="0" err="1">
-                <a:solidFill>
-                  <a:srgbClr val="FFFFFF"/>
-                </a:solidFill>
-                <a:latin typeface="Verdana" panose="020B0604030504040204" pitchFamily="34" charset="0"/>
-              </a:rPr>
-              <a:t>operator</a:t>
-            </a:r>
-            <a:r>
-              <a:rPr lang="ru-RU" altLang="ru-RU" dirty="0">
-                <a:solidFill>
-                  <a:srgbClr val="FFFFFF"/>
-                </a:solidFill>
-                <a:latin typeface="Verdana" panose="020B0604030504040204" pitchFamily="34" charset="0"/>
-              </a:rPr>
-              <a:t> </a:t>
-            </a:r>
-            <a:r>
-              <a:rPr lang="ru-RU" altLang="ru-RU" dirty="0">
-                <a:solidFill>
-                  <a:srgbClr val="FFCC00"/>
-                </a:solidFill>
-                <a:latin typeface="Verdana" panose="020B0604030504040204" pitchFamily="34" charset="0"/>
-              </a:rPr>
-              <a:t>&lt;&lt; </a:t>
-            </a:r>
-            <a:r>
-              <a:rPr lang="ru-RU" altLang="ru-RU" dirty="0">
-                <a:solidFill>
-                  <a:srgbClr val="FFFFFF"/>
-                </a:solidFill>
-                <a:latin typeface="Verdana" panose="020B0604030504040204" pitchFamily="34" charset="0"/>
-              </a:rPr>
-              <a:t>(</a:t>
-            </a:r>
-            <a:r>
-              <a:rPr lang="ru-RU" altLang="ru-RU" dirty="0" err="1">
-                <a:solidFill>
-                  <a:srgbClr val="9E64A9"/>
-                </a:solidFill>
-                <a:latin typeface="Verdana" panose="020B0604030504040204" pitchFamily="34" charset="0"/>
-              </a:rPr>
-              <a:t>std</a:t>
-            </a:r>
-            <a:r>
-              <a:rPr lang="ru-RU" altLang="ru-RU" dirty="0">
-                <a:solidFill>
-                  <a:srgbClr val="FFFFFF"/>
-                </a:solidFill>
-                <a:latin typeface="Verdana" panose="020B0604030504040204" pitchFamily="34" charset="0"/>
-              </a:rPr>
-              <a:t>::</a:t>
-            </a:r>
-            <a:r>
-              <a:rPr lang="ru-RU" altLang="ru-RU" dirty="0" err="1">
-                <a:solidFill>
-                  <a:srgbClr val="FFCC00"/>
-                </a:solidFill>
-                <a:latin typeface="Verdana" panose="020B0604030504040204" pitchFamily="34" charset="0"/>
-              </a:rPr>
-              <a:t>ostream</a:t>
-            </a:r>
-            <a:r>
-              <a:rPr lang="ru-RU" altLang="ru-RU" dirty="0">
-                <a:solidFill>
-                  <a:srgbClr val="FFFFFF"/>
-                </a:solidFill>
-                <a:latin typeface="Verdana" panose="020B0604030504040204" pitchFamily="34" charset="0"/>
-              </a:rPr>
-              <a:t>&amp; </a:t>
-            </a:r>
-            <a:r>
-              <a:rPr lang="ru-RU" altLang="ru-RU" dirty="0" err="1">
-                <a:solidFill>
-                  <a:srgbClr val="5BCD9D"/>
-                </a:solidFill>
-                <a:latin typeface="Verdana" panose="020B0604030504040204" pitchFamily="34" charset="0"/>
-              </a:rPr>
-              <a:t>os</a:t>
-            </a:r>
-            <a:r>
-              <a:rPr lang="ru-RU" altLang="ru-RU" dirty="0">
-                <a:solidFill>
-                  <a:srgbClr val="FFFFFF"/>
-                </a:solidFill>
-                <a:latin typeface="Verdana" panose="020B0604030504040204" pitchFamily="34" charset="0"/>
-              </a:rPr>
-              <a:t>, </a:t>
-            </a:r>
-            <a:r>
-              <a:rPr lang="ru-RU" altLang="ru-RU" dirty="0" err="1">
-                <a:solidFill>
-                  <a:srgbClr val="FFFFFF"/>
-                </a:solidFill>
-                <a:latin typeface="Verdana" panose="020B0604030504040204" pitchFamily="34" charset="0"/>
-              </a:rPr>
-              <a:t>const</a:t>
-            </a:r>
-            <a:r>
-              <a:rPr lang="ru-RU" altLang="ru-RU" dirty="0">
-                <a:solidFill>
-                  <a:srgbClr val="FFFFFF"/>
-                </a:solidFill>
-                <a:latin typeface="Verdana" panose="020B0604030504040204" pitchFamily="34" charset="0"/>
-              </a:rPr>
-              <a:t> </a:t>
-            </a:r>
-            <a:r>
-              <a:rPr lang="ru-RU" altLang="ru-RU" dirty="0" err="1">
-                <a:solidFill>
-                  <a:srgbClr val="FFCC00"/>
-                </a:solidFill>
-                <a:latin typeface="Verdana" panose="020B0604030504040204" pitchFamily="34" charset="0"/>
-              </a:rPr>
-              <a:t>HttpResponse</a:t>
-            </a:r>
-            <a:r>
-              <a:rPr lang="ru-RU" altLang="ru-RU" dirty="0">
-                <a:solidFill>
-                  <a:srgbClr val="FFFFFF"/>
-                </a:solidFill>
-                <a:latin typeface="Verdana" panose="020B0604030504040204" pitchFamily="34" charset="0"/>
-              </a:rPr>
-              <a:t>&amp; </a:t>
-            </a:r>
-            <a:r>
-              <a:rPr lang="ru-RU" altLang="ru-RU" dirty="0" err="1">
-                <a:solidFill>
-                  <a:srgbClr val="5BCD9D"/>
-                </a:solidFill>
-                <a:latin typeface="Verdana" panose="020B0604030504040204" pitchFamily="34" charset="0"/>
-              </a:rPr>
-              <a:t>resp</a:t>
-            </a:r>
-            <a:r>
-              <a:rPr lang="ru-RU" altLang="ru-RU" dirty="0">
-                <a:solidFill>
-                  <a:srgbClr val="FFFFFF"/>
-                </a:solidFill>
-                <a:latin typeface="Verdana" panose="020B0604030504040204" pitchFamily="34" charset="0"/>
-              </a:rPr>
-              <a:t>);</a:t>
-            </a:r>
-            <a:br>
-              <a:rPr lang="ru-RU" altLang="ru-RU" dirty="0">
-                <a:solidFill>
-                  <a:srgbClr val="FFFFFF"/>
-                </a:solidFill>
-                <a:latin typeface="Verdana" panose="020B0604030504040204" pitchFamily="34" charset="0"/>
-              </a:rPr>
-            </a:br>
-            <a:r>
-              <a:rPr lang="ru-RU" altLang="ru-RU" dirty="0" err="1">
-                <a:solidFill>
-                  <a:srgbClr val="FFFFFF"/>
-                </a:solidFill>
-                <a:latin typeface="Verdana" panose="020B0604030504040204" pitchFamily="34" charset="0"/>
-              </a:rPr>
-              <a:t>private</a:t>
-            </a:r>
-            <a:r>
-              <a:rPr lang="ru-RU" altLang="ru-RU" dirty="0">
-                <a:solidFill>
-                  <a:srgbClr val="FFFFFF"/>
-                </a:solidFill>
-                <a:latin typeface="Verdana" panose="020B0604030504040204" pitchFamily="34" charset="0"/>
-              </a:rPr>
-              <a:t>:</a:t>
-            </a:r>
-            <a:br>
-              <a:rPr lang="ru-RU" altLang="ru-RU" dirty="0">
-                <a:solidFill>
-                  <a:srgbClr val="FFFFFF"/>
-                </a:solidFill>
-                <a:latin typeface="Verdana" panose="020B0604030504040204" pitchFamily="34" charset="0"/>
-              </a:rPr>
-            </a:br>
-            <a:r>
-              <a:rPr lang="ru-RU" altLang="ru-RU" dirty="0">
-                <a:solidFill>
-                  <a:srgbClr val="FFFFFF"/>
-                </a:solidFill>
-                <a:latin typeface="Verdana" panose="020B0604030504040204" pitchFamily="34" charset="0"/>
-              </a:rPr>
-              <a:t>    </a:t>
-            </a:r>
-            <a:r>
-              <a:rPr lang="ru-RU" altLang="ru-RU" dirty="0" err="1">
-                <a:solidFill>
-                  <a:srgbClr val="FFCC00"/>
-                </a:solidFill>
-                <a:latin typeface="Verdana" panose="020B0604030504040204" pitchFamily="34" charset="0"/>
-              </a:rPr>
-              <a:t>HttpCode</a:t>
-            </a:r>
-            <a:r>
-              <a:rPr lang="ru-RU" altLang="ru-RU" dirty="0">
-                <a:solidFill>
-                  <a:srgbClr val="FFCC00"/>
-                </a:solidFill>
-                <a:latin typeface="Verdana" panose="020B0604030504040204" pitchFamily="34" charset="0"/>
-              </a:rPr>
-              <a:t> </a:t>
-            </a:r>
-            <a:r>
-              <a:rPr lang="ru-RU" altLang="ru-RU" dirty="0" err="1">
-                <a:solidFill>
-                  <a:srgbClr val="5BCD9D"/>
-                </a:solidFill>
-                <a:latin typeface="Verdana" panose="020B0604030504040204" pitchFamily="34" charset="0"/>
-              </a:rPr>
-              <a:t>code</a:t>
-            </a:r>
-            <a:r>
-              <a:rPr lang="ru-RU" altLang="ru-RU" dirty="0">
-                <a:solidFill>
-                  <a:srgbClr val="5BCD9D"/>
-                </a:solidFill>
-                <a:latin typeface="Verdana" panose="020B0604030504040204" pitchFamily="34" charset="0"/>
-              </a:rPr>
-              <a:t>_</a:t>
-            </a:r>
-            <a:r>
-              <a:rPr lang="ru-RU" altLang="ru-RU" dirty="0">
-                <a:solidFill>
-                  <a:srgbClr val="FFFFFF"/>
-                </a:solidFill>
-                <a:latin typeface="Verdana" panose="020B0604030504040204" pitchFamily="34" charset="0"/>
-              </a:rPr>
-              <a:t>;</a:t>
-            </a:r>
-            <a:br>
-              <a:rPr lang="ru-RU" altLang="ru-RU" dirty="0">
-                <a:solidFill>
-                  <a:srgbClr val="FFFFFF"/>
-                </a:solidFill>
-                <a:latin typeface="Verdana" panose="020B0604030504040204" pitchFamily="34" charset="0"/>
-              </a:rPr>
-            </a:br>
-            <a:r>
-              <a:rPr lang="ru-RU" altLang="ru-RU" dirty="0">
-                <a:solidFill>
-                  <a:srgbClr val="FFFFFF"/>
-                </a:solidFill>
-                <a:latin typeface="Verdana" panose="020B0604030504040204" pitchFamily="34" charset="0"/>
-              </a:rPr>
-              <a:t>    </a:t>
-            </a:r>
-            <a:r>
-              <a:rPr lang="ru-RU" altLang="ru-RU" dirty="0" err="1">
-                <a:solidFill>
-                  <a:srgbClr val="9E64A9"/>
-                </a:solidFill>
-                <a:latin typeface="Verdana" panose="020B0604030504040204" pitchFamily="34" charset="0"/>
-              </a:rPr>
-              <a:t>std</a:t>
-            </a:r>
-            <a:r>
-              <a:rPr lang="ru-RU" altLang="ru-RU" dirty="0">
-                <a:solidFill>
-                  <a:srgbClr val="FFFFFF"/>
-                </a:solidFill>
-                <a:latin typeface="Verdana" panose="020B0604030504040204" pitchFamily="34" charset="0"/>
-              </a:rPr>
-              <a:t>::</a:t>
-            </a:r>
-            <a:r>
-              <a:rPr lang="ru-RU" altLang="ru-RU" dirty="0" err="1">
-                <a:solidFill>
-                  <a:srgbClr val="FFCC00"/>
-                </a:solidFill>
-                <a:latin typeface="Verdana" panose="020B0604030504040204" pitchFamily="34" charset="0"/>
-              </a:rPr>
-              <a:t>string</a:t>
-            </a:r>
-            <a:r>
-              <a:rPr lang="ru-RU" altLang="ru-RU" dirty="0">
-                <a:solidFill>
-                  <a:srgbClr val="FFCC00"/>
-                </a:solidFill>
-                <a:latin typeface="Verdana" panose="020B0604030504040204" pitchFamily="34" charset="0"/>
-              </a:rPr>
-              <a:t> </a:t>
-            </a:r>
-            <a:r>
-              <a:rPr lang="ru-RU" altLang="ru-RU" dirty="0" err="1">
-                <a:solidFill>
-                  <a:srgbClr val="5BCD9D"/>
-                </a:solidFill>
-                <a:latin typeface="Verdana" panose="020B0604030504040204" pitchFamily="34" charset="0"/>
-              </a:rPr>
-              <a:t>content</a:t>
-            </a:r>
-            <a:r>
-              <a:rPr lang="ru-RU" altLang="ru-RU" dirty="0">
-                <a:solidFill>
-                  <a:srgbClr val="5BCD9D"/>
-                </a:solidFill>
-                <a:latin typeface="Verdana" panose="020B0604030504040204" pitchFamily="34" charset="0"/>
-              </a:rPr>
-              <a:t>_</a:t>
-            </a:r>
-            <a:r>
-              <a:rPr lang="ru-RU" altLang="ru-RU" dirty="0">
-                <a:solidFill>
-                  <a:srgbClr val="FFFFFF"/>
-                </a:solidFill>
-                <a:latin typeface="Verdana" panose="020B0604030504040204" pitchFamily="34" charset="0"/>
-              </a:rPr>
-              <a:t>;</a:t>
-            </a:r>
-            <a:br>
-              <a:rPr lang="ru-RU" altLang="ru-RU" dirty="0">
-                <a:solidFill>
-                  <a:srgbClr val="FFFFFF"/>
-                </a:solidFill>
-                <a:latin typeface="Verdana" panose="020B0604030504040204" pitchFamily="34" charset="0"/>
-              </a:rPr>
-            </a:br>
-            <a:r>
-              <a:rPr lang="ru-RU" altLang="ru-RU" dirty="0" smtClean="0">
-                <a:solidFill>
-                  <a:srgbClr val="FFFFFF"/>
-                </a:solidFill>
-                <a:latin typeface="Verdana" panose="020B0604030504040204" pitchFamily="34" charset="0"/>
-              </a:rPr>
-              <a:t>};</a:t>
-            </a:r>
-            <a:endParaRPr lang="en-US" altLang="ru-RU" dirty="0" smtClean="0">
-              <a:solidFill>
-                <a:srgbClr val="FFFFFF"/>
-              </a:solidFill>
-              <a:latin typeface="Verdana" panose="020B0604030504040204" pitchFamily="34" charset="0"/>
-            </a:endParaRPr>
-          </a:p>
-          <a:p>
-            <a:pPr lvl="0" defTabSz="914400" eaLnBrk="0" fontAlgn="base" hangingPunct="0">
-              <a:spcBef>
-                <a:spcPct val="0"/>
-              </a:spcBef>
-              <a:spcAft>
-                <a:spcPct val="0"/>
-              </a:spcAft>
-            </a:pPr>
-            <a:endParaRPr lang="en-US" altLang="ru-RU" dirty="0" smtClean="0">
-              <a:solidFill>
-                <a:srgbClr val="FFFFFF"/>
-              </a:solidFill>
-              <a:latin typeface="Verdana" panose="020B0604030504040204" pitchFamily="34" charset="0"/>
-            </a:endParaRPr>
-          </a:p>
-          <a:p>
-            <a:pPr lvl="0" defTabSz="914400" eaLnBrk="0" fontAlgn="base" hangingPunct="0">
-              <a:spcBef>
-                <a:spcPct val="0"/>
-              </a:spcBef>
-              <a:spcAft>
-                <a:spcPct val="0"/>
-              </a:spcAft>
-            </a:pPr>
-            <a:r>
-              <a:rPr lang="ru-RU" altLang="ru-RU" dirty="0" err="1">
-                <a:solidFill>
-                  <a:srgbClr val="FFCC00"/>
-                </a:solidFill>
-                <a:latin typeface="Verdana" panose="020B0604030504040204" pitchFamily="34" charset="0"/>
-              </a:rPr>
-              <a:t>HttpResponse</a:t>
-            </a:r>
-            <a:r>
-              <a:rPr lang="ru-RU" altLang="ru-RU" dirty="0">
-                <a:solidFill>
-                  <a:srgbClr val="FFFFFF"/>
-                </a:solidFill>
-                <a:latin typeface="Verdana" panose="020B0604030504040204" pitchFamily="34" charset="0"/>
-              </a:rPr>
-              <a:t>::</a:t>
-            </a:r>
-            <a:r>
-              <a:rPr lang="ru-RU" altLang="ru-RU" dirty="0" err="1">
-                <a:solidFill>
-                  <a:srgbClr val="FFCC00"/>
-                </a:solidFill>
-                <a:latin typeface="Verdana" panose="020B0604030504040204" pitchFamily="34" charset="0"/>
-              </a:rPr>
-              <a:t>HttpResponse</a:t>
-            </a:r>
-            <a:r>
-              <a:rPr lang="ru-RU" altLang="ru-RU" dirty="0">
-                <a:solidFill>
-                  <a:srgbClr val="FFFFFF"/>
-                </a:solidFill>
-                <a:latin typeface="Verdana" panose="020B0604030504040204" pitchFamily="34" charset="0"/>
-              </a:rPr>
-              <a:t>(</a:t>
-            </a:r>
-            <a:r>
-              <a:rPr lang="ru-RU" altLang="ru-RU" dirty="0" err="1">
-                <a:solidFill>
-                  <a:srgbClr val="FFCC00"/>
-                </a:solidFill>
-                <a:latin typeface="Verdana" panose="020B0604030504040204" pitchFamily="34" charset="0"/>
-              </a:rPr>
-              <a:t>HttpCode</a:t>
-            </a:r>
-            <a:r>
-              <a:rPr lang="ru-RU" altLang="ru-RU" dirty="0">
-                <a:solidFill>
-                  <a:srgbClr val="FFCC00"/>
-                </a:solidFill>
-                <a:latin typeface="Verdana" panose="020B0604030504040204" pitchFamily="34" charset="0"/>
-              </a:rPr>
-              <a:t> </a:t>
-            </a:r>
-            <a:r>
-              <a:rPr lang="ru-RU" altLang="ru-RU" dirty="0" err="1">
-                <a:solidFill>
-                  <a:srgbClr val="5BCD9D"/>
-                </a:solidFill>
-                <a:latin typeface="Verdana" panose="020B0604030504040204" pitchFamily="34" charset="0"/>
-              </a:rPr>
-              <a:t>code</a:t>
-            </a:r>
-            <a:r>
-              <a:rPr lang="ru-RU" altLang="ru-RU" dirty="0">
-                <a:solidFill>
-                  <a:srgbClr val="FFFFFF"/>
-                </a:solidFill>
-                <a:latin typeface="Verdana" panose="020B0604030504040204" pitchFamily="34" charset="0"/>
-              </a:rPr>
-              <a:t>) : </a:t>
-            </a:r>
-            <a:r>
-              <a:rPr lang="ru-RU" altLang="ru-RU" dirty="0" err="1">
-                <a:solidFill>
-                  <a:srgbClr val="5BCD9D"/>
-                </a:solidFill>
-                <a:latin typeface="Verdana" panose="020B0604030504040204" pitchFamily="34" charset="0"/>
-              </a:rPr>
-              <a:t>code</a:t>
-            </a:r>
-            <a:r>
-              <a:rPr lang="ru-RU" altLang="ru-RU" dirty="0">
-                <a:solidFill>
-                  <a:srgbClr val="5BCD9D"/>
-                </a:solidFill>
-                <a:latin typeface="Verdana" panose="020B0604030504040204" pitchFamily="34" charset="0"/>
-              </a:rPr>
-              <a:t>_</a:t>
-            </a:r>
-            <a:r>
-              <a:rPr lang="ru-RU" altLang="ru-RU" dirty="0">
-                <a:solidFill>
-                  <a:srgbClr val="FFFFFF"/>
-                </a:solidFill>
-                <a:latin typeface="Verdana" panose="020B0604030504040204" pitchFamily="34" charset="0"/>
-              </a:rPr>
-              <a:t>(</a:t>
-            </a:r>
-            <a:r>
-              <a:rPr lang="ru-RU" altLang="ru-RU" dirty="0" err="1">
-                <a:solidFill>
-                  <a:srgbClr val="5BCD9D"/>
-                </a:solidFill>
-                <a:latin typeface="Verdana" panose="020B0604030504040204" pitchFamily="34" charset="0"/>
-              </a:rPr>
-              <a:t>code</a:t>
-            </a:r>
-            <a:r>
-              <a:rPr lang="ru-RU" altLang="ru-RU" dirty="0">
-                <a:solidFill>
-                  <a:srgbClr val="FFFFFF"/>
-                </a:solidFill>
-                <a:latin typeface="Verdana" panose="020B0604030504040204" pitchFamily="34" charset="0"/>
-              </a:rPr>
-              <a:t>) {</a:t>
-            </a:r>
-            <a:br>
-              <a:rPr lang="ru-RU" altLang="ru-RU" dirty="0">
-                <a:solidFill>
-                  <a:srgbClr val="FFFFFF"/>
-                </a:solidFill>
-                <a:latin typeface="Verdana" panose="020B0604030504040204" pitchFamily="34" charset="0"/>
-              </a:rPr>
-            </a:br>
-            <a:r>
-              <a:rPr lang="ru-RU" altLang="ru-RU" dirty="0" smtClean="0">
-                <a:solidFill>
-                  <a:srgbClr val="FFFFFF"/>
-                </a:solidFill>
-                <a:latin typeface="Verdana" panose="020B0604030504040204" pitchFamily="34" charset="0"/>
-              </a:rPr>
-              <a:t>}</a:t>
-            </a:r>
-            <a:endParaRPr lang="ru-RU" altLang="ru-RU" dirty="0">
-              <a:solidFill>
-                <a:schemeClr val="tx1"/>
-              </a:solidFill>
-              <a:latin typeface="Arial" panose="020B0604020202020204" pitchFamily="34" charset="0"/>
-            </a:endParaRPr>
-          </a:p>
-        </p:txBody>
-      </p:sp>
-      <p:sp>
-        <p:nvSpPr>
-          <p:cNvPr id="2" name="Заголовок 1"/>
-          <p:cNvSpPr>
-            <a:spLocks noGrp="1"/>
-          </p:cNvSpPr>
-          <p:nvPr>
-            <p:ph type="title"/>
-          </p:nvPr>
-        </p:nvSpPr>
-        <p:spPr/>
-        <p:txBody>
-          <a:bodyPr/>
-          <a:lstStyle/>
-          <a:p>
-            <a:r>
-              <a:rPr lang="ru-RU" dirty="0"/>
-              <a:t>Четвёртый шаг – реализация интерфейса</a:t>
-            </a:r>
-          </a:p>
-        </p:txBody>
-      </p:sp>
-      <p:sp>
-        <p:nvSpPr>
-          <p:cNvPr id="3" name="Нижний колонтитул 2"/>
-          <p:cNvSpPr>
-            <a:spLocks noGrp="1"/>
-          </p:cNvSpPr>
-          <p:nvPr>
-            <p:ph type="ftr" sz="quarter" idx="11"/>
-          </p:nvPr>
-        </p:nvSpPr>
-        <p:spPr/>
-        <p:txBody>
-          <a:bodyPr/>
-          <a:lstStyle/>
-          <a:p>
-            <a:endParaRPr lang="ru-RU" dirty="0">
-              <a:solidFill>
-                <a:srgbClr val="000000"/>
-              </a:solidFill>
-            </a:endParaRPr>
-          </a:p>
-        </p:txBody>
-      </p:sp>
-      <p:sp>
-        <p:nvSpPr>
-          <p:cNvPr id="4" name="Номер слайда 3"/>
-          <p:cNvSpPr>
-            <a:spLocks noGrp="1"/>
-          </p:cNvSpPr>
-          <p:nvPr>
-            <p:ph type="sldNum" sz="quarter" idx="12"/>
-          </p:nvPr>
-        </p:nvSpPr>
-        <p:spPr/>
-        <p:txBody>
-          <a:bodyPr/>
-          <a:lstStyle/>
-          <a:p>
-            <a:fld id="{741C03D3-FA44-40EC-9A21-1FC4FEA3E22E}" type="slidenum">
-              <a:rPr lang="ru-RU" smtClean="0">
-                <a:solidFill>
-                  <a:schemeClr val="bg1"/>
-                </a:solidFill>
-              </a:rPr>
-              <a:pPr/>
-              <a:t>21</a:t>
-            </a:fld>
-            <a:endParaRPr lang="ru-RU" dirty="0">
-              <a:solidFill>
-                <a:schemeClr val="bg1"/>
-              </a:solidFill>
-            </a:endParaRPr>
-          </a:p>
-        </p:txBody>
-      </p:sp>
-    </p:spTree>
-    <p:extLst>
-      <p:ext uri="{BB962C8B-B14F-4D97-AF65-F5344CB8AC3E}">
-        <p14:creationId xmlns:p14="http://schemas.microsoft.com/office/powerpoint/2010/main" val="121522117"/>
-      </p:ext>
-    </p:extLst>
-  </p:cSld>
-  <p:clrMapOvr>
-    <a:masterClrMapping/>
-  </p:clrMapOvr>
-  <p:timing>
-    <p:tnLst>
-      <p:par>
-        <p:cTn id="1" dur="indefinite" restart="never" nodeType="tmRoot"/>
-      </p:par>
-    </p:tnLst>
-  </p:timing>
-</p:sld>
-</file>
-
-<file path=ppt/slides/slide22.xml><?xml version="1.0" encoding="utf-8"?>
-<p:sld xmlns:a="http://schemas.openxmlformats.org/drawingml/2006/main" xmlns:r="http://schemas.openxmlformats.org/officeDocument/2006/relationships" xmlns:p="http://schemas.openxmlformats.org/presentationml/2006/main">
-  <p:cSld>
-    <p:spTree>
-      <p:nvGrpSpPr>
-        <p:cNvPr id="1" name=""/>
-        <p:cNvGrpSpPr/>
-        <p:nvPr/>
-      </p:nvGrpSpPr>
-      <p:grpSpPr>
-        <a:xfrm>
-          <a:off x="0" y="0"/>
-          <a:ext cx="0" cy="0"/>
-          <a:chOff x="0" y="0"/>
-          <a:chExt cx="0" cy="0"/>
-        </a:xfrm>
-      </p:grpSpPr>
-      <p:sp>
-        <p:nvSpPr>
           <p:cNvPr id="4" name="Объект 3"/>
           <p:cNvSpPr>
             <a:spLocks noGrp="1"/>
@@ -34193,7 +33571,7 @@
                 </a:solidFill>
               </a:rPr>
               <a:pPr/>
-              <a:t>22</a:t>
+              <a:t>21</a:t>
             </a:fld>
             <a:endParaRPr lang="ru-RU" dirty="0">
               <a:solidFill>
@@ -34226,7 +33604,7 @@
 </p:sld>
 </file>
 
-<file path=ppt/slides/slide23.xml><?xml version="1.0" encoding="utf-8"?>
+<file path=ppt/slides/slide22.xml><?xml version="1.0" encoding="utf-8"?>
 <p:sld xmlns:a="http://schemas.openxmlformats.org/drawingml/2006/main" xmlns:r="http://schemas.openxmlformats.org/officeDocument/2006/relationships" xmlns:p="http://schemas.openxmlformats.org/presentationml/2006/main">
   <p:cSld>
     <p:spTree>
@@ -34398,7 +33776,7 @@
                 </a:solidFill>
               </a:rPr>
               <a:pPr/>
-              <a:t>23</a:t>
+              <a:t>22</a:t>
             </a:fld>
             <a:endParaRPr lang="ru-RU" dirty="0">
               <a:solidFill>
@@ -34428,7 +33806,7 @@
 </p:sld>
 </file>
 
-<file path=ppt/slides/slide24.xml><?xml version="1.0" encoding="utf-8"?>
+<file path=ppt/slides/slide23.xml><?xml version="1.0" encoding="utf-8"?>
 <p:sld xmlns:a="http://schemas.openxmlformats.org/drawingml/2006/main" xmlns:r="http://schemas.openxmlformats.org/officeDocument/2006/relationships" xmlns:p="http://schemas.openxmlformats.org/presentationml/2006/main">
   <p:cSld>
     <p:spTree>
@@ -34621,7 +33999,7 @@
                 </a:solidFill>
               </a:rPr>
               <a:pPr/>
-              <a:t>24</a:t>
+              <a:t>23</a:t>
             </a:fld>
             <a:endParaRPr lang="ru-RU">
               <a:solidFill>
@@ -34932,7 +34310,7 @@
 </p:sld>
 </file>
 
-<file path=ppt/slides/slide25.xml><?xml version="1.0" encoding="utf-8"?>
+<file path=ppt/slides/slide24.xml><?xml version="1.0" encoding="utf-8"?>
 <p:sld xmlns:a="http://schemas.openxmlformats.org/drawingml/2006/main" xmlns:r="http://schemas.openxmlformats.org/officeDocument/2006/relationships" xmlns:p="http://schemas.openxmlformats.org/presentationml/2006/main">
   <p:cSld>
     <p:spTree>
@@ -37935,7 +37313,7 @@
 </p:sld>
 </file>
 
-<file path=ppt/slides/slide26.xml><?xml version="1.0" encoding="utf-8"?>
+<file path=ppt/slides/slide25.xml><?xml version="1.0" encoding="utf-8"?>
 <p:sld xmlns:a="http://schemas.openxmlformats.org/drawingml/2006/main" xmlns:r="http://schemas.openxmlformats.org/officeDocument/2006/relationships" xmlns:p="http://schemas.openxmlformats.org/presentationml/2006/main" show="0">
   <p:cSld>
     <p:spTree>
@@ -38053,7 +37431,7 @@
                 </a:solidFill>
               </a:rPr>
               <a:pPr/>
-              <a:t>26</a:t>
+              <a:t>25</a:t>
             </a:fld>
             <a:endParaRPr lang="ru-RU">
               <a:solidFill>
@@ -38385,7 +37763,7 @@
               <a:effectLst/>
               <a:extLst>
                 <a:ext uri="{C572A759-6A51-4108-AA02-DFA0A04FC94B}">
-                  <ma14:wrappingTextBoxFlag xmlns:ma14="http://schemas.microsoft.com/office/mac/drawingml/2011/main" xmlns="" val="1"/>
+                  <ma14:wrappingTextBoxFlag xmlns="" xmlns:ma14="http://schemas.microsoft.com/office/mac/drawingml/2011/main" val="1"/>
                 </a:ext>
               </a:extLst>
             </p:spPr>
@@ -38483,7 +37861,7 @@
 </p:sld>
 </file>
 
-<file path=ppt/slides/slide27.xml><?xml version="1.0" encoding="utf-8"?>
+<file path=ppt/slides/slide26.xml><?xml version="1.0" encoding="utf-8"?>
 <p:sld xmlns:a="http://schemas.openxmlformats.org/drawingml/2006/main" xmlns:r="http://schemas.openxmlformats.org/officeDocument/2006/relationships" xmlns:p="http://schemas.openxmlformats.org/presentationml/2006/main" show="0">
   <p:cSld>
     <p:spTree>
@@ -38567,7 +37945,7 @@
                 </a:solidFill>
               </a:rPr>
               <a:pPr/>
-              <a:t>27</a:t>
+              <a:t>26</a:t>
             </a:fld>
             <a:endParaRPr lang="ru-RU">
               <a:solidFill>
@@ -39651,7 +39029,7 @@
               <a:effectLst/>
               <a:extLst>
                 <a:ext uri="{C572A759-6A51-4108-AA02-DFA0A04FC94B}">
-                  <ma14:wrappingTextBoxFlag xmlns:ma14="http://schemas.microsoft.com/office/mac/drawingml/2011/main" xmlns="" val="1"/>
+                  <ma14:wrappingTextBoxFlag xmlns="" xmlns:ma14="http://schemas.microsoft.com/office/mac/drawingml/2011/main" val="1"/>
                 </a:ext>
               </a:extLst>
             </p:spPr>
@@ -39797,7 +39175,7 @@
 </p:sld>
 </file>
 
-<file path=ppt/slides/slide28.xml><?xml version="1.0" encoding="utf-8"?>
+<file path=ppt/slides/slide27.xml><?xml version="1.0" encoding="utf-8"?>
 <p:sld xmlns:a="http://schemas.openxmlformats.org/drawingml/2006/main" xmlns:r="http://schemas.openxmlformats.org/officeDocument/2006/relationships" xmlns:p="http://schemas.openxmlformats.org/presentationml/2006/main" show="0">
   <p:cSld>
     <p:spTree>
@@ -39859,7 +39237,7 @@
                 </a:solidFill>
               </a:rPr>
               <a:pPr/>
-              <a:t>28</a:t>
+              <a:t>27</a:t>
             </a:fld>
             <a:endParaRPr lang="ru-RU">
               <a:solidFill>
@@ -40423,7 +39801,7 @@
               <a:effectLst/>
               <a:extLst>
                 <a:ext uri="{C572A759-6A51-4108-AA02-DFA0A04FC94B}">
-                  <ma14:wrappingTextBoxFlag xmlns:ma14="http://schemas.microsoft.com/office/mac/drawingml/2011/main" xmlns="" val="1"/>
+                  <ma14:wrappingTextBoxFlag xmlns="" xmlns:ma14="http://schemas.microsoft.com/office/mac/drawingml/2011/main" val="1"/>
                 </a:ext>
               </a:extLst>
             </p:spPr>

--- a/slides.pptx
+++ b/slides.pptx
@@ -266,7 +266,7 @@
           <a:p>
             <a:fld id="{A48BA324-014D-41B7-8E83-ECE8F197A959}" type="datetimeFigureOut">
               <a:rPr lang="ru-RU" smtClean="0"/>
-              <a:t>17.10.2017</a:t>
+              <a:t>19.10.2017</a:t>
             </a:fld>
             <a:endParaRPr lang="ru-RU"/>
           </a:p>
@@ -4930,7 +4930,7 @@
           </a:ln>
           <a:extLst>
             <a:ext uri="{C572A759-6A51-4108-AA02-DFA0A04FC94B}">
-              <ma14:wrappingTextBoxFlag xmlns="" xmlns:ma14="http://schemas.microsoft.com/office/mac/drawingml/2011/main" val="1"/>
+              <ma14:wrappingTextBoxFlag xmlns:ma14="http://schemas.microsoft.com/office/mac/drawingml/2011/main" xmlns="" val="1"/>
             </a:ext>
           </a:extLst>
         </p:spPr>
@@ -5425,7 +5425,7 @@
           </a:ln>
           <a:extLst>
             <a:ext uri="{C572A759-6A51-4108-AA02-DFA0A04FC94B}">
-              <ma14:wrappingTextBoxFlag xmlns="" xmlns:ma14="http://schemas.microsoft.com/office/mac/drawingml/2011/main" val="1"/>
+              <ma14:wrappingTextBoxFlag xmlns:ma14="http://schemas.microsoft.com/office/mac/drawingml/2011/main" xmlns="" val="1"/>
             </a:ext>
           </a:extLst>
         </p:spPr>
@@ -5571,7 +5571,7 @@
           </a:ln>
           <a:extLst>
             <a:ext uri="{C572A759-6A51-4108-AA02-DFA0A04FC94B}">
-              <ma14:wrappingTextBoxFlag xmlns="" xmlns:ma14="http://schemas.microsoft.com/office/mac/drawingml/2011/main" val="1"/>
+              <ma14:wrappingTextBoxFlag xmlns:ma14="http://schemas.microsoft.com/office/mac/drawingml/2011/main" xmlns="" val="1"/>
             </a:ext>
           </a:extLst>
         </p:spPr>
@@ -5613,7 +5613,7 @@
           </a:ln>
           <a:extLst>
             <a:ext uri="{C572A759-6A51-4108-AA02-DFA0A04FC94B}">
-              <ma14:wrappingTextBoxFlag xmlns="" xmlns:ma14="http://schemas.microsoft.com/office/mac/drawingml/2011/main" val="1"/>
+              <ma14:wrappingTextBoxFlag xmlns:ma14="http://schemas.microsoft.com/office/mac/drawingml/2011/main" xmlns="" val="1"/>
             </a:ext>
           </a:extLst>
         </p:spPr>
@@ -5809,7 +5809,7 @@
           </a:ln>
           <a:extLst>
             <a:ext uri="{C572A759-6A51-4108-AA02-DFA0A04FC94B}">
-              <ma14:wrappingTextBoxFlag xmlns="" xmlns:ma14="http://schemas.microsoft.com/office/mac/drawingml/2011/main" val="1"/>
+              <ma14:wrappingTextBoxFlag xmlns:ma14="http://schemas.microsoft.com/office/mac/drawingml/2011/main" xmlns="" val="1"/>
             </a:ext>
           </a:extLst>
         </p:spPr>
@@ -5933,7 +5933,7 @@
           </a:ln>
           <a:extLst>
             <a:ext uri="{C572A759-6A51-4108-AA02-DFA0A04FC94B}">
-              <ma14:wrappingTextBoxFlag xmlns="" xmlns:ma14="http://schemas.microsoft.com/office/mac/drawingml/2011/main" val="1"/>
+              <ma14:wrappingTextBoxFlag xmlns:ma14="http://schemas.microsoft.com/office/mac/drawingml/2011/main" xmlns="" val="1"/>
             </a:ext>
           </a:extLst>
         </p:spPr>
@@ -6027,7 +6027,7 @@
           </a:ln>
           <a:extLst>
             <a:ext uri="{C572A759-6A51-4108-AA02-DFA0A04FC94B}">
-              <ma14:wrappingTextBoxFlag xmlns="" xmlns:ma14="http://schemas.microsoft.com/office/mac/drawingml/2011/main" val="1"/>
+              <ma14:wrappingTextBoxFlag xmlns:ma14="http://schemas.microsoft.com/office/mac/drawingml/2011/main" xmlns="" val="1"/>
             </a:ext>
           </a:extLst>
         </p:spPr>
@@ -6318,7 +6318,7 @@
           </a:ln>
           <a:extLst>
             <a:ext uri="{C572A759-6A51-4108-AA02-DFA0A04FC94B}">
-              <ma14:wrappingTextBoxFlag xmlns="" xmlns:ma14="http://schemas.microsoft.com/office/mac/drawingml/2011/main" val="1"/>
+              <ma14:wrappingTextBoxFlag xmlns:ma14="http://schemas.microsoft.com/office/mac/drawingml/2011/main" xmlns="" val="1"/>
             </a:ext>
           </a:extLst>
         </p:spPr>
@@ -6809,7 +6809,7 @@
           </a:ln>
           <a:extLst>
             <a:ext uri="{C572A759-6A51-4108-AA02-DFA0A04FC94B}">
-              <ma14:wrappingTextBoxFlag xmlns="" xmlns:ma14="http://schemas.microsoft.com/office/mac/drawingml/2011/main" val="1"/>
+              <ma14:wrappingTextBoxFlag xmlns:ma14="http://schemas.microsoft.com/office/mac/drawingml/2011/main" xmlns="" val="1"/>
             </a:ext>
           </a:extLst>
         </p:spPr>
@@ -6868,7 +6868,7 @@
           </a:ln>
           <a:extLst>
             <a:ext uri="{C572A759-6A51-4108-AA02-DFA0A04FC94B}">
-              <ma14:wrappingTextBoxFlag xmlns="" xmlns:ma14="http://schemas.microsoft.com/office/mac/drawingml/2011/main" val="1"/>
+              <ma14:wrappingTextBoxFlag xmlns:ma14="http://schemas.microsoft.com/office/mac/drawingml/2011/main" xmlns="" val="1"/>
             </a:ext>
           </a:extLst>
         </p:spPr>
@@ -6977,7 +6977,7 @@
           </a:ln>
           <a:extLst>
             <a:ext uri="{C572A759-6A51-4108-AA02-DFA0A04FC94B}">
-              <ma14:wrappingTextBoxFlag xmlns="" xmlns:ma14="http://schemas.microsoft.com/office/mac/drawingml/2011/main" val="1"/>
+              <ma14:wrappingTextBoxFlag xmlns:ma14="http://schemas.microsoft.com/office/mac/drawingml/2011/main" xmlns="" val="1"/>
             </a:ext>
           </a:extLst>
         </p:spPr>
@@ -7038,7 +7038,7 @@
           </a:ln>
           <a:extLst>
             <a:ext uri="{C572A759-6A51-4108-AA02-DFA0A04FC94B}">
-              <ma14:wrappingTextBoxFlag xmlns="" xmlns:ma14="http://schemas.microsoft.com/office/mac/drawingml/2011/main" val="1"/>
+              <ma14:wrappingTextBoxFlag xmlns:ma14="http://schemas.microsoft.com/office/mac/drawingml/2011/main" xmlns="" val="1"/>
             </a:ext>
           </a:extLst>
         </p:spPr>
@@ -7118,7 +7118,7 @@
           </a:ln>
           <a:extLst>
             <a:ext uri="{C572A759-6A51-4108-AA02-DFA0A04FC94B}">
-              <ma14:wrappingTextBoxFlag xmlns="" xmlns:ma14="http://schemas.microsoft.com/office/mac/drawingml/2011/main" val="1"/>
+              <ma14:wrappingTextBoxFlag xmlns:ma14="http://schemas.microsoft.com/office/mac/drawingml/2011/main" xmlns="" val="1"/>
             </a:ext>
           </a:extLst>
         </p:spPr>
@@ -7189,7 +7189,7 @@
           </a:ln>
           <a:extLst>
             <a:ext uri="{C572A759-6A51-4108-AA02-DFA0A04FC94B}">
-              <ma14:wrappingTextBoxFlag xmlns="" xmlns:ma14="http://schemas.microsoft.com/office/mac/drawingml/2011/main" val="1"/>
+              <ma14:wrappingTextBoxFlag xmlns:ma14="http://schemas.microsoft.com/office/mac/drawingml/2011/main" xmlns="" val="1"/>
             </a:ext>
           </a:extLst>
         </p:spPr>
@@ -7245,7 +7245,7 @@
           </a:ln>
           <a:extLst>
             <a:ext uri="{C572A759-6A51-4108-AA02-DFA0A04FC94B}">
-              <ma14:wrappingTextBoxFlag xmlns="" xmlns:ma14="http://schemas.microsoft.com/office/mac/drawingml/2011/main" val="1"/>
+              <ma14:wrappingTextBoxFlag xmlns:ma14="http://schemas.microsoft.com/office/mac/drawingml/2011/main" xmlns="" val="1"/>
             </a:ext>
           </a:extLst>
         </p:spPr>
@@ -7301,7 +7301,7 @@
           </a:ln>
           <a:extLst>
             <a:ext uri="{C572A759-6A51-4108-AA02-DFA0A04FC94B}">
-              <ma14:wrappingTextBoxFlag xmlns="" xmlns:ma14="http://schemas.microsoft.com/office/mac/drawingml/2011/main" val="1"/>
+              <ma14:wrappingTextBoxFlag xmlns:ma14="http://schemas.microsoft.com/office/mac/drawingml/2011/main" xmlns="" val="1"/>
             </a:ext>
           </a:extLst>
         </p:spPr>
@@ -15149,7 +15149,7 @@
           </a:ln>
           <a:extLst>
             <a:ext uri="{C572A759-6A51-4108-AA02-DFA0A04FC94B}">
-              <ma14:wrappingTextBoxFlag xmlns="" xmlns:ma14="http://schemas.microsoft.com/office/mac/drawingml/2011/main" val="1"/>
+              <ma14:wrappingTextBoxFlag xmlns:ma14="http://schemas.microsoft.com/office/mac/drawingml/2011/main" xmlns="" val="1"/>
             </a:ext>
           </a:extLst>
         </p:spPr>
@@ -15607,7 +15607,7 @@
           </a:ln>
           <a:extLst>
             <a:ext uri="{C572A759-6A51-4108-AA02-DFA0A04FC94B}">
-              <ma14:wrappingTextBoxFlag xmlns="" xmlns:ma14="http://schemas.microsoft.com/office/mac/drawingml/2011/main" val="1"/>
+              <ma14:wrappingTextBoxFlag xmlns:ma14="http://schemas.microsoft.com/office/mac/drawingml/2011/main" xmlns="" val="1"/>
             </a:ext>
           </a:extLst>
         </p:spPr>
@@ -15843,7 +15843,7 @@
           </a:ln>
           <a:extLst>
             <a:ext uri="{C572A759-6A51-4108-AA02-DFA0A04FC94B}">
-              <ma14:wrappingTextBoxFlag xmlns="" xmlns:ma14="http://schemas.microsoft.com/office/mac/drawingml/2011/main" val="1"/>
+              <ma14:wrappingTextBoxFlag xmlns:ma14="http://schemas.microsoft.com/office/mac/drawingml/2011/main" xmlns="" val="1"/>
             </a:ext>
           </a:extLst>
         </p:spPr>
@@ -15890,7 +15890,7 @@
           </a:ln>
           <a:extLst>
             <a:ext uri="{C572A759-6A51-4108-AA02-DFA0A04FC94B}">
-              <ma14:wrappingTextBoxFlag xmlns="" xmlns:ma14="http://schemas.microsoft.com/office/mac/drawingml/2011/main" val="1"/>
+              <ma14:wrappingTextBoxFlag xmlns:ma14="http://schemas.microsoft.com/office/mac/drawingml/2011/main" xmlns="" val="1"/>
             </a:ext>
           </a:extLst>
         </p:spPr>
@@ -16122,7 +16122,7 @@
           </a:ln>
           <a:extLst>
             <a:ext uri="{C572A759-6A51-4108-AA02-DFA0A04FC94B}">
-              <ma14:wrappingTextBoxFlag xmlns="" xmlns:ma14="http://schemas.microsoft.com/office/mac/drawingml/2011/main" val="1"/>
+              <ma14:wrappingTextBoxFlag xmlns:ma14="http://schemas.microsoft.com/office/mac/drawingml/2011/main" xmlns="" val="1"/>
             </a:ext>
           </a:extLst>
         </p:spPr>
@@ -16252,7 +16252,7 @@
           </a:ln>
           <a:extLst>
             <a:ext uri="{C572A759-6A51-4108-AA02-DFA0A04FC94B}">
-              <ma14:wrappingTextBoxFlag xmlns="" xmlns:ma14="http://schemas.microsoft.com/office/mac/drawingml/2011/main" val="1"/>
+              <ma14:wrappingTextBoxFlag xmlns:ma14="http://schemas.microsoft.com/office/mac/drawingml/2011/main" xmlns="" val="1"/>
             </a:ext>
           </a:extLst>
         </p:spPr>
@@ -16367,7 +16367,7 @@
           </a:ln>
           <a:extLst>
             <a:ext uri="{C572A759-6A51-4108-AA02-DFA0A04FC94B}">
-              <ma14:wrappingTextBoxFlag xmlns="" xmlns:ma14="http://schemas.microsoft.com/office/mac/drawingml/2011/main" val="1"/>
+              <ma14:wrappingTextBoxFlag xmlns:ma14="http://schemas.microsoft.com/office/mac/drawingml/2011/main" xmlns="" val="1"/>
             </a:ext>
           </a:extLst>
         </p:spPr>
@@ -16807,7 +16807,7 @@
           </a:ln>
           <a:extLst>
             <a:ext uri="{C572A759-6A51-4108-AA02-DFA0A04FC94B}">
-              <ma14:wrappingTextBoxFlag xmlns="" xmlns:ma14="http://schemas.microsoft.com/office/mac/drawingml/2011/main" val="1"/>
+              <ma14:wrappingTextBoxFlag xmlns:ma14="http://schemas.microsoft.com/office/mac/drawingml/2011/main" xmlns="" val="1"/>
             </a:ext>
           </a:extLst>
         </p:spPr>
@@ -17073,7 +17073,7 @@
           </a:ln>
           <a:extLst>
             <a:ext uri="{C572A759-6A51-4108-AA02-DFA0A04FC94B}">
-              <ma14:wrappingTextBoxFlag xmlns="" xmlns:ma14="http://schemas.microsoft.com/office/mac/drawingml/2011/main" val="1"/>
+              <ma14:wrappingTextBoxFlag xmlns:ma14="http://schemas.microsoft.com/office/mac/drawingml/2011/main" xmlns="" val="1"/>
             </a:ext>
           </a:extLst>
         </p:spPr>
@@ -17145,7 +17145,7 @@
             </a:ln>
             <a:extLst>
               <a:ext uri="{C572A759-6A51-4108-AA02-DFA0A04FC94B}">
-                <ma14:wrappingTextBoxFlag xmlns="" xmlns:ma14="http://schemas.microsoft.com/office/mac/drawingml/2011/main" val="1"/>
+                <ma14:wrappingTextBoxFlag xmlns:ma14="http://schemas.microsoft.com/office/mac/drawingml/2011/main" xmlns="" val="1"/>
               </a:ext>
             </a:extLst>
           </p:spPr>
@@ -17222,7 +17222,7 @@
             </a:ln>
             <a:extLst>
               <a:ext uri="{C572A759-6A51-4108-AA02-DFA0A04FC94B}">
-                <ma14:wrappingTextBoxFlag xmlns="" xmlns:ma14="http://schemas.microsoft.com/office/mac/drawingml/2011/main" val="1"/>
+                <ma14:wrappingTextBoxFlag xmlns:ma14="http://schemas.microsoft.com/office/mac/drawingml/2011/main" xmlns="" val="1"/>
               </a:ext>
             </a:extLst>
           </p:spPr>
@@ -17327,7 +17327,7 @@
             </a:ln>
             <a:extLst>
               <a:ext uri="{C572A759-6A51-4108-AA02-DFA0A04FC94B}">
-                <ma14:wrappingTextBoxFlag xmlns="" xmlns:ma14="http://schemas.microsoft.com/office/mac/drawingml/2011/main" val="1"/>
+                <ma14:wrappingTextBoxFlag xmlns:ma14="http://schemas.microsoft.com/office/mac/drawingml/2011/main" xmlns="" val="1"/>
               </a:ext>
             </a:extLst>
           </p:spPr>
@@ -17407,7 +17407,7 @@
             </a:ln>
             <a:extLst>
               <a:ext uri="{C572A759-6A51-4108-AA02-DFA0A04FC94B}">
-                <ma14:wrappingTextBoxFlag xmlns="" xmlns:ma14="http://schemas.microsoft.com/office/mac/drawingml/2011/main" val="1"/>
+                <ma14:wrappingTextBoxFlag xmlns:ma14="http://schemas.microsoft.com/office/mac/drawingml/2011/main" xmlns="" val="1"/>
               </a:ext>
             </a:extLst>
           </p:spPr>
@@ -17478,7 +17478,7 @@
             </a:ln>
             <a:extLst>
               <a:ext uri="{C572A759-6A51-4108-AA02-DFA0A04FC94B}">
-                <ma14:wrappingTextBoxFlag xmlns="" xmlns:ma14="http://schemas.microsoft.com/office/mac/drawingml/2011/main" val="1"/>
+                <ma14:wrappingTextBoxFlag xmlns:ma14="http://schemas.microsoft.com/office/mac/drawingml/2011/main" xmlns="" val="1"/>
               </a:ext>
             </a:extLst>
           </p:spPr>
@@ -17541,7 +17541,7 @@
             </a:ln>
             <a:extLst>
               <a:ext uri="{C572A759-6A51-4108-AA02-DFA0A04FC94B}">
-                <ma14:wrappingTextBoxFlag xmlns="" xmlns:ma14="http://schemas.microsoft.com/office/mac/drawingml/2011/main" val="1"/>
+                <ma14:wrappingTextBoxFlag xmlns:ma14="http://schemas.microsoft.com/office/mac/drawingml/2011/main" xmlns="" val="1"/>
               </a:ext>
             </a:extLst>
           </p:spPr>
@@ -37763,7 +37763,7 @@
               <a:effectLst/>
               <a:extLst>
                 <a:ext uri="{C572A759-6A51-4108-AA02-DFA0A04FC94B}">
-                  <ma14:wrappingTextBoxFlag xmlns="" xmlns:ma14="http://schemas.microsoft.com/office/mac/drawingml/2011/main" val="1"/>
+                  <ma14:wrappingTextBoxFlag xmlns:ma14="http://schemas.microsoft.com/office/mac/drawingml/2011/main" xmlns="" val="1"/>
                 </a:ext>
               </a:extLst>
             </p:spPr>
@@ -39029,7 +39029,7 @@
               <a:effectLst/>
               <a:extLst>
                 <a:ext uri="{C572A759-6A51-4108-AA02-DFA0A04FC94B}">
-                  <ma14:wrappingTextBoxFlag xmlns="" xmlns:ma14="http://schemas.microsoft.com/office/mac/drawingml/2011/main" val="1"/>
+                  <ma14:wrappingTextBoxFlag xmlns:ma14="http://schemas.microsoft.com/office/mac/drawingml/2011/main" xmlns="" val="1"/>
                 </a:ext>
               </a:extLst>
             </p:spPr>
@@ -39801,7 +39801,7 @@
               <a:effectLst/>
               <a:extLst>
                 <a:ext uri="{C572A759-6A51-4108-AA02-DFA0A04FC94B}">
-                  <ma14:wrappingTextBoxFlag xmlns="" xmlns:ma14="http://schemas.microsoft.com/office/mac/drawingml/2011/main" val="1"/>
+                  <ma14:wrappingTextBoxFlag xmlns:ma14="http://schemas.microsoft.com/office/mac/drawingml/2011/main" xmlns="" val="1"/>
                 </a:ext>
               </a:extLst>
             </p:spPr>
@@ -39968,18 +39968,34 @@
         </p:nvSpPr>
         <p:spPr/>
       </p:sp>
-      <p:sp>
-        <p:nvSpPr>
-          <p:cNvPr id="5" name="Рисунок 4"/>
-          <p:cNvSpPr>
-            <a:spLocks noGrp="1"/>
-          </p:cNvSpPr>
+      <p:pic>
+        <p:nvPicPr>
+          <p:cNvPr id="6" name="Рисунок 5"/>
+          <p:cNvPicPr>
+            <a:picLocks noGrp="1" noChangeAspect="1"/>
+          </p:cNvPicPr>
           <p:nvPr>
             <p:ph type="pic" sz="quarter" idx="14"/>
           </p:nvPr>
-        </p:nvSpPr>
-        <p:spPr/>
-      </p:sp>
+        </p:nvPicPr>
+        <p:blipFill rotWithShape="1">
+          <a:blip r:embed="rId2">
+            <a:extLst>
+              <a:ext uri="{28A0092B-C50C-407E-A947-70E740481C1C}">
+                <a14:useLocalDpi xmlns:a14="http://schemas.microsoft.com/office/drawing/2010/main" val="0"/>
+              </a:ext>
+            </a:extLst>
+          </a:blip>
+          <a:srcRect l="240" t="15647" r="-240" b="14559"/>
+          <a:stretch/>
+        </p:blipFill>
+        <p:spPr>
+          <a:xfrm>
+            <a:off x="17740831" y="2016000"/>
+            <a:ext cx="3400425" cy="893474"/>
+          </a:xfrm>
+        </p:spPr>
+      </p:pic>
     </p:spTree>
     <p:extLst>
       <p:ext uri="{BB962C8B-B14F-4D97-AF65-F5344CB8AC3E}">
